--- a/document/UI.pptx
+++ b/document/UI.pptx
@@ -6,7 +6,10 @@
   </p:sldMasterIdLst>
   <p:sldIdLst>
     <p:sldId id="257" r:id="rId2"/>
-    <p:sldId id="256" r:id="rId3"/>
+    <p:sldId id="258" r:id="rId3"/>
+    <p:sldId id="259" r:id="rId4"/>
+    <p:sldId id="260" r:id="rId5"/>
+    <p:sldId id="256" r:id="rId6"/>
   </p:sldIdLst>
   <p:sldSz cx="12192000" cy="6858000"/>
   <p:notesSz cx="6858000" cy="9144000"/>
@@ -105,6 +108,11 @@
       </a:defRPr>
     </a:lvl9pPr>
   </p:defaultTextStyle>
+  <p:extLst>
+    <p:ext uri="{EFAFB233-063F-42B5-8137-9DF3F51BA10A}">
+      <p15:sldGuideLst xmlns:p15="http://schemas.microsoft.com/office/powerpoint/2012/main"/>
+    </p:ext>
+  </p:extLst>
 </p:presentation>
 </file>
 
@@ -255,7 +263,7 @@
           <a:p>
             <a:fld id="{FD51FDC7-0CF3-4127-99F5-543E4DDB1909}" type="datetimeFigureOut">
               <a:rPr lang="ko-KR" altLang="en-US" smtClean="0"/>
-              <a:t>2025-02-01</a:t>
+              <a:t>2025-02-05</a:t>
             </a:fld>
             <a:endParaRPr lang="ko-KR" altLang="en-US"/>
           </a:p>
@@ -453,7 +461,7 @@
           <a:p>
             <a:fld id="{FD51FDC7-0CF3-4127-99F5-543E4DDB1909}" type="datetimeFigureOut">
               <a:rPr lang="ko-KR" altLang="en-US" smtClean="0"/>
-              <a:t>2025-02-01</a:t>
+              <a:t>2025-02-05</a:t>
             </a:fld>
             <a:endParaRPr lang="ko-KR" altLang="en-US"/>
           </a:p>
@@ -661,7 +669,7 @@
           <a:p>
             <a:fld id="{FD51FDC7-0CF3-4127-99F5-543E4DDB1909}" type="datetimeFigureOut">
               <a:rPr lang="ko-KR" altLang="en-US" smtClean="0"/>
-              <a:t>2025-02-01</a:t>
+              <a:t>2025-02-05</a:t>
             </a:fld>
             <a:endParaRPr lang="ko-KR" altLang="en-US"/>
           </a:p>
@@ -859,7 +867,7 @@
           <a:p>
             <a:fld id="{FD51FDC7-0CF3-4127-99F5-543E4DDB1909}" type="datetimeFigureOut">
               <a:rPr lang="ko-KR" altLang="en-US" smtClean="0"/>
-              <a:t>2025-02-01</a:t>
+              <a:t>2025-02-05</a:t>
             </a:fld>
             <a:endParaRPr lang="ko-KR" altLang="en-US"/>
           </a:p>
@@ -1134,7 +1142,7 @@
           <a:p>
             <a:fld id="{FD51FDC7-0CF3-4127-99F5-543E4DDB1909}" type="datetimeFigureOut">
               <a:rPr lang="ko-KR" altLang="en-US" smtClean="0"/>
-              <a:t>2025-02-01</a:t>
+              <a:t>2025-02-05</a:t>
             </a:fld>
             <a:endParaRPr lang="ko-KR" altLang="en-US"/>
           </a:p>
@@ -1399,7 +1407,7 @@
           <a:p>
             <a:fld id="{FD51FDC7-0CF3-4127-99F5-543E4DDB1909}" type="datetimeFigureOut">
               <a:rPr lang="ko-KR" altLang="en-US" smtClean="0"/>
-              <a:t>2025-02-01</a:t>
+              <a:t>2025-02-05</a:t>
             </a:fld>
             <a:endParaRPr lang="ko-KR" altLang="en-US"/>
           </a:p>
@@ -1811,7 +1819,7 @@
           <a:p>
             <a:fld id="{FD51FDC7-0CF3-4127-99F5-543E4DDB1909}" type="datetimeFigureOut">
               <a:rPr lang="ko-KR" altLang="en-US" smtClean="0"/>
-              <a:t>2025-02-01</a:t>
+              <a:t>2025-02-05</a:t>
             </a:fld>
             <a:endParaRPr lang="ko-KR" altLang="en-US"/>
           </a:p>
@@ -1952,7 +1960,7 @@
           <a:p>
             <a:fld id="{FD51FDC7-0CF3-4127-99F5-543E4DDB1909}" type="datetimeFigureOut">
               <a:rPr lang="ko-KR" altLang="en-US" smtClean="0"/>
-              <a:t>2025-02-01</a:t>
+              <a:t>2025-02-05</a:t>
             </a:fld>
             <a:endParaRPr lang="ko-KR" altLang="en-US"/>
           </a:p>
@@ -2065,7 +2073,7 @@
           <a:p>
             <a:fld id="{FD51FDC7-0CF3-4127-99F5-543E4DDB1909}" type="datetimeFigureOut">
               <a:rPr lang="ko-KR" altLang="en-US" smtClean="0"/>
-              <a:t>2025-02-01</a:t>
+              <a:t>2025-02-05</a:t>
             </a:fld>
             <a:endParaRPr lang="ko-KR" altLang="en-US"/>
           </a:p>
@@ -2376,7 +2384,7 @@
           <a:p>
             <a:fld id="{FD51FDC7-0CF3-4127-99F5-543E4DDB1909}" type="datetimeFigureOut">
               <a:rPr lang="ko-KR" altLang="en-US" smtClean="0"/>
-              <a:t>2025-02-01</a:t>
+              <a:t>2025-02-05</a:t>
             </a:fld>
             <a:endParaRPr lang="ko-KR" altLang="en-US"/>
           </a:p>
@@ -2664,7 +2672,7 @@
           <a:p>
             <a:fld id="{FD51FDC7-0CF3-4127-99F5-543E4DDB1909}" type="datetimeFigureOut">
               <a:rPr lang="ko-KR" altLang="en-US" smtClean="0"/>
-              <a:t>2025-02-01</a:t>
+              <a:t>2025-02-05</a:t>
             </a:fld>
             <a:endParaRPr lang="ko-KR" altLang="en-US"/>
           </a:p>
@@ -2905,7 +2913,7 @@
           <a:p>
             <a:fld id="{FD51FDC7-0CF3-4127-99F5-543E4DDB1909}" type="datetimeFigureOut">
               <a:rPr lang="ko-KR" altLang="en-US" smtClean="0"/>
-              <a:t>2025-02-01</a:t>
+              <a:t>2025-02-05</a:t>
             </a:fld>
             <a:endParaRPr lang="ko-KR" altLang="en-US"/>
           </a:p>
@@ -5089,6 +5097,5683 @@
   <p:cSld>
     <p:spTree>
       <p:nvGrpSpPr>
+        <p:cNvPr id="1" name="">
+          <a:extLst>
+            <a:ext uri="{FF2B5EF4-FFF2-40B4-BE49-F238E27FC236}">
+              <a16:creationId xmlns:a16="http://schemas.microsoft.com/office/drawing/2014/main" id="{C31CFD55-0DB8-35C1-D4F0-4EB1E66A489F}"/>
+            </a:ext>
+          </a:extLst>
+        </p:cNvPr>
+        <p:cNvGrpSpPr/>
+        <p:nvPr/>
+      </p:nvGrpSpPr>
+      <p:grpSpPr>
+        <a:xfrm>
+          <a:off x="0" y="0"/>
+          <a:ext cx="0" cy="0"/>
+          <a:chOff x="0" y="0"/>
+          <a:chExt cx="0" cy="0"/>
+        </a:xfrm>
+      </p:grpSpPr>
+      <p:sp>
+        <p:nvSpPr>
+          <p:cNvPr id="14" name="직사각형 13">
+            <a:extLst>
+              <a:ext uri="{FF2B5EF4-FFF2-40B4-BE49-F238E27FC236}">
+                <a16:creationId xmlns:a16="http://schemas.microsoft.com/office/drawing/2014/main" id="{11C44E69-73BD-3AD2-37A9-FE1AFCAC0140}"/>
+              </a:ext>
+            </a:extLst>
+          </p:cNvPr>
+          <p:cNvSpPr/>
+          <p:nvPr/>
+        </p:nvSpPr>
+        <p:spPr>
+          <a:xfrm>
+            <a:off x="92765" y="79513"/>
+            <a:ext cx="11986592" cy="6712226"/>
+          </a:xfrm>
+          <a:prstGeom prst="rect">
+            <a:avLst/>
+          </a:prstGeom>
+          <a:solidFill>
+            <a:schemeClr val="accent2">
+              <a:lumMod val="40000"/>
+              <a:lumOff val="60000"/>
+            </a:schemeClr>
+          </a:solidFill>
+        </p:spPr>
+        <p:style>
+          <a:lnRef idx="2">
+            <a:schemeClr val="accent1">
+              <a:shade val="15000"/>
+            </a:schemeClr>
+          </a:lnRef>
+          <a:fillRef idx="1">
+            <a:schemeClr val="accent1"/>
+          </a:fillRef>
+          <a:effectRef idx="0">
+            <a:schemeClr val="accent1"/>
+          </a:effectRef>
+          <a:fontRef idx="minor">
+            <a:schemeClr val="lt1"/>
+          </a:fontRef>
+        </p:style>
+        <p:txBody>
+          <a:bodyPr rtlCol="0" anchor="ctr"/>
+          <a:lstStyle/>
+          <a:p>
+            <a:pPr algn="ctr"/>
+            <a:endParaRPr lang="ko-KR" altLang="en-US"/>
+          </a:p>
+        </p:txBody>
+      </p:sp>
+      <p:sp>
+        <p:nvSpPr>
+          <p:cNvPr id="11" name="직사각형 10">
+            <a:extLst>
+              <a:ext uri="{FF2B5EF4-FFF2-40B4-BE49-F238E27FC236}">
+                <a16:creationId xmlns:a16="http://schemas.microsoft.com/office/drawing/2014/main" id="{548EAC25-8093-E927-A5C1-EED5AF3DE2DD}"/>
+              </a:ext>
+            </a:extLst>
+          </p:cNvPr>
+          <p:cNvSpPr/>
+          <p:nvPr/>
+        </p:nvSpPr>
+        <p:spPr>
+          <a:xfrm>
+            <a:off x="9515061" y="245165"/>
+            <a:ext cx="2458278" cy="1053548"/>
+          </a:xfrm>
+          <a:prstGeom prst="rect">
+            <a:avLst/>
+          </a:prstGeom>
+        </p:spPr>
+        <p:style>
+          <a:lnRef idx="2">
+            <a:schemeClr val="accent1">
+              <a:shade val="15000"/>
+            </a:schemeClr>
+          </a:lnRef>
+          <a:fillRef idx="1">
+            <a:schemeClr val="accent1"/>
+          </a:fillRef>
+          <a:effectRef idx="0">
+            <a:schemeClr val="accent1"/>
+          </a:effectRef>
+          <a:fontRef idx="minor">
+            <a:schemeClr val="lt1"/>
+          </a:fontRef>
+        </p:style>
+        <p:txBody>
+          <a:bodyPr rtlCol="0" anchor="ctr"/>
+          <a:lstStyle/>
+          <a:p>
+            <a:pPr algn="ctr"/>
+            <a:r>
+              <a:rPr lang="en-US" altLang="ko-KR" sz="5400" dirty="0"/>
+              <a:t>11:50</a:t>
+            </a:r>
+            <a:endParaRPr lang="ko-KR" altLang="en-US" sz="5400" dirty="0"/>
+          </a:p>
+        </p:txBody>
+      </p:sp>
+      <p:grpSp>
+        <p:nvGrpSpPr>
+          <p:cNvPr id="16" name="그룹 15">
+            <a:extLst>
+              <a:ext uri="{FF2B5EF4-FFF2-40B4-BE49-F238E27FC236}">
+                <a16:creationId xmlns:a16="http://schemas.microsoft.com/office/drawing/2014/main" id="{2980F9C1-0F0F-832C-5E5D-A3EC9F76467E}"/>
+              </a:ext>
+            </a:extLst>
+          </p:cNvPr>
+          <p:cNvGrpSpPr/>
+          <p:nvPr/>
+        </p:nvGrpSpPr>
+        <p:grpSpPr>
+          <a:xfrm>
+            <a:off x="2816087" y="1557130"/>
+            <a:ext cx="6546574" cy="3763618"/>
+            <a:chOff x="2816087" y="1557130"/>
+            <a:chExt cx="6546574" cy="3763618"/>
+          </a:xfrm>
+        </p:grpSpPr>
+        <p:sp>
+          <p:nvSpPr>
+            <p:cNvPr id="3" name="사각형: 둥근 모서리 2">
+              <a:extLst>
+                <a:ext uri="{FF2B5EF4-FFF2-40B4-BE49-F238E27FC236}">
+                  <a16:creationId xmlns:a16="http://schemas.microsoft.com/office/drawing/2014/main" id="{6423F9D2-D52B-D0FD-65DD-7AA839984C57}"/>
+                </a:ext>
+              </a:extLst>
+            </p:cNvPr>
+            <p:cNvSpPr/>
+            <p:nvPr/>
+          </p:nvSpPr>
+          <p:spPr>
+            <a:xfrm>
+              <a:off x="2816087" y="1557130"/>
+              <a:ext cx="6546574" cy="3763618"/>
+            </a:xfrm>
+            <a:prstGeom prst="roundRect">
+              <a:avLst>
+                <a:gd name="adj" fmla="val 2928"/>
+              </a:avLst>
+            </a:prstGeom>
+            <a:solidFill>
+              <a:schemeClr val="bg2">
+                <a:lumMod val="75000"/>
+              </a:schemeClr>
+            </a:solidFill>
+          </p:spPr>
+          <p:style>
+            <a:lnRef idx="2">
+              <a:schemeClr val="accent1">
+                <a:shade val="15000"/>
+              </a:schemeClr>
+            </a:lnRef>
+            <a:fillRef idx="1">
+              <a:schemeClr val="accent1"/>
+            </a:fillRef>
+            <a:effectRef idx="0">
+              <a:schemeClr val="accent1"/>
+            </a:effectRef>
+            <a:fontRef idx="minor">
+              <a:schemeClr val="lt1"/>
+            </a:fontRef>
+          </p:style>
+          <p:txBody>
+            <a:bodyPr rtlCol="0" anchor="ctr"/>
+            <a:lstStyle/>
+            <a:p>
+              <a:pPr algn="ctr"/>
+              <a:endParaRPr lang="ko-KR" altLang="en-US"/>
+            </a:p>
+          </p:txBody>
+        </p:sp>
+        <p:grpSp>
+          <p:nvGrpSpPr>
+            <p:cNvPr id="2" name="그룹 1">
+              <a:extLst>
+                <a:ext uri="{FF2B5EF4-FFF2-40B4-BE49-F238E27FC236}">
+                  <a16:creationId xmlns:a16="http://schemas.microsoft.com/office/drawing/2014/main" id="{B6102461-5C70-333D-BFB1-5710EBA0B32A}"/>
+                </a:ext>
+              </a:extLst>
+            </p:cNvPr>
+            <p:cNvGrpSpPr/>
+            <p:nvPr/>
+          </p:nvGrpSpPr>
+          <p:grpSpPr>
+            <a:xfrm>
+              <a:off x="3041374" y="1692965"/>
+              <a:ext cx="6149008" cy="3458817"/>
+              <a:chOff x="371062" y="208722"/>
+              <a:chExt cx="11449877" cy="6440556"/>
+            </a:xfrm>
+          </p:grpSpPr>
+          <p:sp>
+            <p:nvSpPr>
+              <p:cNvPr id="4" name="직사각형 3">
+                <a:extLst>
+                  <a:ext uri="{FF2B5EF4-FFF2-40B4-BE49-F238E27FC236}">
+                    <a16:creationId xmlns:a16="http://schemas.microsoft.com/office/drawing/2014/main" id="{5B244B47-B212-A05B-5BFE-3BE99091939D}"/>
+                  </a:ext>
+                </a:extLst>
+              </p:cNvPr>
+              <p:cNvSpPr>
+                <a:spLocks noChangeAspect="1"/>
+              </p:cNvSpPr>
+              <p:nvPr/>
+            </p:nvSpPr>
+            <p:spPr>
+              <a:xfrm>
+                <a:off x="371062" y="208722"/>
+                <a:ext cx="11449877" cy="6440556"/>
+              </a:xfrm>
+              <a:prstGeom prst="rect">
+                <a:avLst/>
+              </a:prstGeom>
+              <a:solidFill>
+                <a:schemeClr val="bg1"/>
+              </a:solidFill>
+              <a:ln>
+                <a:solidFill>
+                  <a:schemeClr val="tx1"/>
+                </a:solidFill>
+              </a:ln>
+            </p:spPr>
+            <p:style>
+              <a:lnRef idx="2">
+                <a:schemeClr val="accent1">
+                  <a:shade val="15000"/>
+                </a:schemeClr>
+              </a:lnRef>
+              <a:fillRef idx="1">
+                <a:schemeClr val="accent1"/>
+              </a:fillRef>
+              <a:effectRef idx="0">
+                <a:schemeClr val="accent1"/>
+              </a:effectRef>
+              <a:fontRef idx="minor">
+                <a:schemeClr val="lt1"/>
+              </a:fontRef>
+            </p:style>
+            <p:txBody>
+              <a:bodyPr rtlCol="0" anchor="ctr"/>
+              <a:lstStyle/>
+              <a:p>
+                <a:pPr algn="ctr"/>
+                <a:endParaRPr lang="ko-KR" altLang="en-US" sz="700"/>
+              </a:p>
+            </p:txBody>
+          </p:sp>
+          <p:sp>
+            <p:nvSpPr>
+              <p:cNvPr id="5" name="직사각형 4">
+                <a:extLst>
+                  <a:ext uri="{FF2B5EF4-FFF2-40B4-BE49-F238E27FC236}">
+                    <a16:creationId xmlns:a16="http://schemas.microsoft.com/office/drawing/2014/main" id="{30FE505B-EAC1-8FD7-2AA5-CDB95A62C9B6}"/>
+                  </a:ext>
+                </a:extLst>
+              </p:cNvPr>
+              <p:cNvSpPr/>
+              <p:nvPr/>
+            </p:nvSpPr>
+            <p:spPr>
+              <a:xfrm>
+                <a:off x="371062" y="5493026"/>
+                <a:ext cx="11449876" cy="1156252"/>
+              </a:xfrm>
+              <a:prstGeom prst="rect">
+                <a:avLst/>
+              </a:prstGeom>
+              <a:solidFill>
+                <a:schemeClr val="tx1">
+                  <a:lumMod val="65000"/>
+                  <a:lumOff val="35000"/>
+                </a:schemeClr>
+              </a:solidFill>
+              <a:ln>
+                <a:solidFill>
+                  <a:schemeClr val="tx1"/>
+                </a:solidFill>
+              </a:ln>
+            </p:spPr>
+            <p:style>
+              <a:lnRef idx="2">
+                <a:schemeClr val="accent1">
+                  <a:shade val="15000"/>
+                </a:schemeClr>
+              </a:lnRef>
+              <a:fillRef idx="1">
+                <a:schemeClr val="accent1"/>
+              </a:fillRef>
+              <a:effectRef idx="0">
+                <a:schemeClr val="accent1"/>
+              </a:effectRef>
+              <a:fontRef idx="minor">
+                <a:schemeClr val="lt1"/>
+              </a:fontRef>
+            </p:style>
+            <p:txBody>
+              <a:bodyPr rtlCol="0" anchor="ctr"/>
+              <a:lstStyle/>
+              <a:p>
+                <a:pPr algn="ctr"/>
+                <a:endParaRPr lang="ko-KR" altLang="en-US" sz="700"/>
+              </a:p>
+            </p:txBody>
+          </p:sp>
+          <p:sp>
+            <p:nvSpPr>
+              <p:cNvPr id="6" name="사각형: 둥근 모서리 5">
+                <a:extLst>
+                  <a:ext uri="{FF2B5EF4-FFF2-40B4-BE49-F238E27FC236}">
+                    <a16:creationId xmlns:a16="http://schemas.microsoft.com/office/drawing/2014/main" id="{91D3B8BB-73C3-7BA6-37B8-70F4C38941AF}"/>
+                  </a:ext>
+                </a:extLst>
+              </p:cNvPr>
+              <p:cNvSpPr/>
+              <p:nvPr/>
+            </p:nvSpPr>
+            <p:spPr>
+              <a:xfrm>
+                <a:off x="578115" y="4210904"/>
+                <a:ext cx="722243" cy="1282122"/>
+              </a:xfrm>
+              <a:prstGeom prst="roundRect">
+                <a:avLst/>
+              </a:prstGeom>
+              <a:ln>
+                <a:noFill/>
+              </a:ln>
+            </p:spPr>
+            <p:style>
+              <a:lnRef idx="2">
+                <a:schemeClr val="accent1">
+                  <a:shade val="15000"/>
+                </a:schemeClr>
+              </a:lnRef>
+              <a:fillRef idx="1">
+                <a:schemeClr val="accent1"/>
+              </a:fillRef>
+              <a:effectRef idx="0">
+                <a:schemeClr val="accent1"/>
+              </a:effectRef>
+              <a:fontRef idx="minor">
+                <a:schemeClr val="lt1"/>
+              </a:fontRef>
+            </p:style>
+            <p:txBody>
+              <a:bodyPr rtlCol="0" anchor="ctr"/>
+              <a:lstStyle/>
+              <a:p>
+                <a:pPr algn="ctr"/>
+                <a:endParaRPr lang="ko-KR" altLang="en-US" sz="700"/>
+              </a:p>
+            </p:txBody>
+          </p:sp>
+          <p:sp>
+            <p:nvSpPr>
+              <p:cNvPr id="7" name="직사각형 6">
+                <a:extLst>
+                  <a:ext uri="{FF2B5EF4-FFF2-40B4-BE49-F238E27FC236}">
+                    <a16:creationId xmlns:a16="http://schemas.microsoft.com/office/drawing/2014/main" id="{B3B01FC2-42A5-733F-32F6-DD668C2A68EB}"/>
+                  </a:ext>
+                </a:extLst>
+              </p:cNvPr>
+              <p:cNvSpPr/>
+              <p:nvPr/>
+            </p:nvSpPr>
+            <p:spPr>
+              <a:xfrm>
+                <a:off x="4923703" y="4953026"/>
+                <a:ext cx="540000" cy="540000"/>
+              </a:xfrm>
+              <a:prstGeom prst="rect">
+                <a:avLst/>
+              </a:prstGeom>
+              <a:solidFill>
+                <a:schemeClr val="accent2">
+                  <a:lumMod val="75000"/>
+                </a:schemeClr>
+              </a:solidFill>
+              <a:ln>
+                <a:noFill/>
+              </a:ln>
+            </p:spPr>
+            <p:style>
+              <a:lnRef idx="2">
+                <a:schemeClr val="accent1">
+                  <a:shade val="15000"/>
+                </a:schemeClr>
+              </a:lnRef>
+              <a:fillRef idx="1">
+                <a:schemeClr val="accent1"/>
+              </a:fillRef>
+              <a:effectRef idx="0">
+                <a:schemeClr val="accent1"/>
+              </a:effectRef>
+              <a:fontRef idx="minor">
+                <a:schemeClr val="lt1"/>
+              </a:fontRef>
+            </p:style>
+            <p:txBody>
+              <a:bodyPr rtlCol="0" anchor="ctr"/>
+              <a:lstStyle/>
+              <a:p>
+                <a:pPr algn="ctr"/>
+                <a:endParaRPr lang="ko-KR" altLang="en-US" sz="700"/>
+              </a:p>
+            </p:txBody>
+          </p:sp>
+          <p:sp>
+            <p:nvSpPr>
+              <p:cNvPr id="10" name="직사각형 9">
+                <a:extLst>
+                  <a:ext uri="{FF2B5EF4-FFF2-40B4-BE49-F238E27FC236}">
+                    <a16:creationId xmlns:a16="http://schemas.microsoft.com/office/drawing/2014/main" id="{45FB4E5C-67AC-C7EC-63D8-BDE4F267FD05}"/>
+                  </a:ext>
+                </a:extLst>
+              </p:cNvPr>
+              <p:cNvSpPr/>
+              <p:nvPr/>
+            </p:nvSpPr>
+            <p:spPr>
+              <a:xfrm>
+                <a:off x="8186557" y="3860605"/>
+                <a:ext cx="540000" cy="540000"/>
+              </a:xfrm>
+              <a:prstGeom prst="rect">
+                <a:avLst/>
+              </a:prstGeom>
+              <a:solidFill>
+                <a:schemeClr val="accent2">
+                  <a:lumMod val="75000"/>
+                </a:schemeClr>
+              </a:solidFill>
+              <a:ln>
+                <a:noFill/>
+              </a:ln>
+            </p:spPr>
+            <p:style>
+              <a:lnRef idx="2">
+                <a:schemeClr val="accent1">
+                  <a:shade val="15000"/>
+                </a:schemeClr>
+              </a:lnRef>
+              <a:fillRef idx="1">
+                <a:schemeClr val="accent1"/>
+              </a:fillRef>
+              <a:effectRef idx="0">
+                <a:schemeClr val="accent1"/>
+              </a:effectRef>
+              <a:fontRef idx="minor">
+                <a:schemeClr val="lt1"/>
+              </a:fontRef>
+            </p:style>
+            <p:txBody>
+              <a:bodyPr rtlCol="0" anchor="ctr"/>
+              <a:lstStyle/>
+              <a:p>
+                <a:pPr algn="ctr"/>
+                <a:endParaRPr lang="ko-KR" altLang="en-US" sz="700"/>
+              </a:p>
+            </p:txBody>
+          </p:sp>
+          <p:sp>
+            <p:nvSpPr>
+              <p:cNvPr id="27" name="TextBox 26">
+                <a:extLst>
+                  <a:ext uri="{FF2B5EF4-FFF2-40B4-BE49-F238E27FC236}">
+                    <a16:creationId xmlns:a16="http://schemas.microsoft.com/office/drawing/2014/main" id="{33C998C5-15DF-1A34-2C77-5D602BB340D8}"/>
+                  </a:ext>
+                </a:extLst>
+              </p:cNvPr>
+              <p:cNvSpPr txBox="1"/>
+              <p:nvPr/>
+            </p:nvSpPr>
+            <p:spPr>
+              <a:xfrm>
+                <a:off x="9932503" y="311426"/>
+                <a:ext cx="1563758" cy="372516"/>
+              </a:xfrm>
+              <a:prstGeom prst="rect">
+                <a:avLst/>
+              </a:prstGeom>
+              <a:noFill/>
+            </p:spPr>
+            <p:txBody>
+              <a:bodyPr wrap="square" rtlCol="0">
+                <a:spAutoFit/>
+              </a:bodyPr>
+              <a:lstStyle/>
+              <a:p>
+                <a:pPr algn="ctr"/>
+                <a:r>
+                  <a:rPr lang="en-US" altLang="ko-KR" sz="700" b="1" dirty="0"/>
+                  <a:t>&lt;</a:t>
+                </a:r>
+                <a:r>
+                  <a:rPr lang="ko-KR" altLang="en-US" sz="700" b="1" dirty="0"/>
+                  <a:t>현재 순위</a:t>
+                </a:r>
+                <a:r>
+                  <a:rPr lang="en-US" altLang="ko-KR" sz="700" b="1" dirty="0"/>
+                  <a:t>&gt;</a:t>
+                </a:r>
+                <a:endParaRPr lang="ko-KR" altLang="en-US" sz="700" b="1" dirty="0"/>
+              </a:p>
+            </p:txBody>
+          </p:sp>
+          <p:grpSp>
+            <p:nvGrpSpPr>
+              <p:cNvPr id="34" name="그룹 33">
+                <a:extLst>
+                  <a:ext uri="{FF2B5EF4-FFF2-40B4-BE49-F238E27FC236}">
+                    <a16:creationId xmlns:a16="http://schemas.microsoft.com/office/drawing/2014/main" id="{AAFF1437-9DBC-8D25-4635-22F62CE081E2}"/>
+                  </a:ext>
+                </a:extLst>
+              </p:cNvPr>
+              <p:cNvGrpSpPr/>
+              <p:nvPr/>
+            </p:nvGrpSpPr>
+            <p:grpSpPr>
+              <a:xfrm>
+                <a:off x="9690652" y="682717"/>
+                <a:ext cx="2047462" cy="360000"/>
+                <a:chOff x="9687339" y="685059"/>
+                <a:chExt cx="2047462" cy="360000"/>
+              </a:xfrm>
+            </p:grpSpPr>
+            <p:sp>
+              <p:nvSpPr>
+                <p:cNvPr id="28" name="직사각형 27">
+                  <a:extLst>
+                    <a:ext uri="{FF2B5EF4-FFF2-40B4-BE49-F238E27FC236}">
+                      <a16:creationId xmlns:a16="http://schemas.microsoft.com/office/drawing/2014/main" id="{EE40704C-B35C-C5F4-BB2A-3F4D69509F05}"/>
+                    </a:ext>
+                  </a:extLst>
+                </p:cNvPr>
+                <p:cNvSpPr/>
+                <p:nvPr/>
+              </p:nvSpPr>
+              <p:spPr>
+                <a:xfrm>
+                  <a:off x="9687339" y="685059"/>
+                  <a:ext cx="324678" cy="360000"/>
+                </a:xfrm>
+                <a:prstGeom prst="rect">
+                  <a:avLst/>
+                </a:prstGeom>
+                <a:solidFill>
+                  <a:srgbClr val="FFFF00"/>
+                </a:solidFill>
+                <a:ln>
+                  <a:noFill/>
+                </a:ln>
+              </p:spPr>
+              <p:style>
+                <a:lnRef idx="2">
+                  <a:schemeClr val="accent1">
+                    <a:shade val="15000"/>
+                  </a:schemeClr>
+                </a:lnRef>
+                <a:fillRef idx="1">
+                  <a:schemeClr val="accent1"/>
+                </a:fillRef>
+                <a:effectRef idx="0">
+                  <a:schemeClr val="accent1"/>
+                </a:effectRef>
+                <a:fontRef idx="minor">
+                  <a:schemeClr val="lt1"/>
+                </a:fontRef>
+              </p:style>
+              <p:txBody>
+                <a:bodyPr rtlCol="0" anchor="ctr"/>
+                <a:lstStyle/>
+                <a:p>
+                  <a:pPr algn="ctr"/>
+                  <a:r>
+                    <a:rPr lang="en-US" altLang="ko-KR" sz="700" dirty="0">
+                      <a:solidFill>
+                        <a:schemeClr val="tx1"/>
+                      </a:solidFill>
+                    </a:rPr>
+                    <a:t>1</a:t>
+                  </a:r>
+                  <a:endParaRPr lang="ko-KR" altLang="en-US" sz="700" dirty="0">
+                    <a:solidFill>
+                      <a:schemeClr val="tx1"/>
+                    </a:solidFill>
+                  </a:endParaRPr>
+                </a:p>
+              </p:txBody>
+            </p:sp>
+            <p:sp>
+              <p:nvSpPr>
+                <p:cNvPr id="31" name="직사각형 30">
+                  <a:extLst>
+                    <a:ext uri="{FF2B5EF4-FFF2-40B4-BE49-F238E27FC236}">
+                      <a16:creationId xmlns:a16="http://schemas.microsoft.com/office/drawing/2014/main" id="{00D6DDB3-9174-5663-1549-2E2BC7A4D968}"/>
+                    </a:ext>
+                  </a:extLst>
+                </p:cNvPr>
+                <p:cNvSpPr/>
+                <p:nvPr/>
+              </p:nvSpPr>
+              <p:spPr>
+                <a:xfrm>
+                  <a:off x="10012017" y="685059"/>
+                  <a:ext cx="556592" cy="360000"/>
+                </a:xfrm>
+                <a:prstGeom prst="rect">
+                  <a:avLst/>
+                </a:prstGeom>
+                <a:solidFill>
+                  <a:schemeClr val="bg2">
+                    <a:lumMod val="75000"/>
+                  </a:schemeClr>
+                </a:solidFill>
+                <a:ln>
+                  <a:noFill/>
+                </a:ln>
+              </p:spPr>
+              <p:style>
+                <a:lnRef idx="2">
+                  <a:schemeClr val="accent1">
+                    <a:shade val="15000"/>
+                  </a:schemeClr>
+                </a:lnRef>
+                <a:fillRef idx="1">
+                  <a:schemeClr val="accent1"/>
+                </a:fillRef>
+                <a:effectRef idx="0">
+                  <a:schemeClr val="accent1"/>
+                </a:effectRef>
+                <a:fontRef idx="minor">
+                  <a:schemeClr val="lt1"/>
+                </a:fontRef>
+              </p:style>
+              <p:txBody>
+                <a:bodyPr rtlCol="0" anchor="ctr"/>
+                <a:lstStyle/>
+                <a:p>
+                  <a:r>
+                    <a:rPr lang="en-US" altLang="ko-KR" sz="500" dirty="0">
+                      <a:solidFill>
+                        <a:schemeClr val="tx1"/>
+                      </a:solidFill>
+                    </a:rPr>
+                    <a:t>You</a:t>
+                  </a:r>
+                  <a:endParaRPr lang="ko-KR" altLang="en-US" sz="500" dirty="0">
+                    <a:solidFill>
+                      <a:schemeClr val="tx1"/>
+                    </a:solidFill>
+                  </a:endParaRPr>
+                </a:p>
+              </p:txBody>
+            </p:sp>
+            <p:sp>
+              <p:nvSpPr>
+                <p:cNvPr id="33" name="직사각형 32">
+                  <a:extLst>
+                    <a:ext uri="{FF2B5EF4-FFF2-40B4-BE49-F238E27FC236}">
+                      <a16:creationId xmlns:a16="http://schemas.microsoft.com/office/drawing/2014/main" id="{7B73AF81-BAFE-368F-D3EA-9DA01251A5CB}"/>
+                    </a:ext>
+                  </a:extLst>
+                </p:cNvPr>
+                <p:cNvSpPr/>
+                <p:nvPr/>
+              </p:nvSpPr>
+              <p:spPr>
+                <a:xfrm>
+                  <a:off x="10508972" y="685059"/>
+                  <a:ext cx="1225829" cy="360000"/>
+                </a:xfrm>
+                <a:prstGeom prst="rect">
+                  <a:avLst/>
+                </a:prstGeom>
+                <a:solidFill>
+                  <a:schemeClr val="bg2">
+                    <a:lumMod val="75000"/>
+                  </a:schemeClr>
+                </a:solidFill>
+                <a:ln>
+                  <a:noFill/>
+                </a:ln>
+              </p:spPr>
+              <p:style>
+                <a:lnRef idx="2">
+                  <a:schemeClr val="accent1">
+                    <a:shade val="15000"/>
+                  </a:schemeClr>
+                </a:lnRef>
+                <a:fillRef idx="1">
+                  <a:schemeClr val="accent1"/>
+                </a:fillRef>
+                <a:effectRef idx="0">
+                  <a:schemeClr val="accent1"/>
+                </a:effectRef>
+                <a:fontRef idx="minor">
+                  <a:schemeClr val="lt1"/>
+                </a:fontRef>
+              </p:style>
+              <p:txBody>
+                <a:bodyPr rtlCol="0" anchor="ctr"/>
+                <a:lstStyle/>
+                <a:p>
+                  <a:pPr algn="r"/>
+                  <a:r>
+                    <a:rPr lang="en-US" altLang="ko-KR" sz="500" dirty="0">
+                      <a:solidFill>
+                        <a:schemeClr val="tx1"/>
+                      </a:solidFill>
+                    </a:rPr>
+                    <a:t>123,000pt</a:t>
+                  </a:r>
+                  <a:endParaRPr lang="ko-KR" altLang="en-US" sz="500" dirty="0">
+                    <a:solidFill>
+                      <a:schemeClr val="tx1"/>
+                    </a:solidFill>
+                  </a:endParaRPr>
+                </a:p>
+              </p:txBody>
+            </p:sp>
+          </p:grpSp>
+          <p:grpSp>
+            <p:nvGrpSpPr>
+              <p:cNvPr id="35" name="그룹 34">
+                <a:extLst>
+                  <a:ext uri="{FF2B5EF4-FFF2-40B4-BE49-F238E27FC236}">
+                    <a16:creationId xmlns:a16="http://schemas.microsoft.com/office/drawing/2014/main" id="{018068C1-7CD2-2425-A0CD-0FA74763E67A}"/>
+                  </a:ext>
+                </a:extLst>
+              </p:cNvPr>
+              <p:cNvGrpSpPr/>
+              <p:nvPr/>
+            </p:nvGrpSpPr>
+            <p:grpSpPr>
+              <a:xfrm>
+                <a:off x="9690652" y="1044675"/>
+                <a:ext cx="2047462" cy="360000"/>
+                <a:chOff x="9687339" y="685059"/>
+                <a:chExt cx="2047462" cy="360000"/>
+              </a:xfrm>
+            </p:grpSpPr>
+            <p:sp>
+              <p:nvSpPr>
+                <p:cNvPr id="36" name="직사각형 35">
+                  <a:extLst>
+                    <a:ext uri="{FF2B5EF4-FFF2-40B4-BE49-F238E27FC236}">
+                      <a16:creationId xmlns:a16="http://schemas.microsoft.com/office/drawing/2014/main" id="{3F49196C-3D1A-B7B7-8AA5-C3A69C38D424}"/>
+                    </a:ext>
+                  </a:extLst>
+                </p:cNvPr>
+                <p:cNvSpPr/>
+                <p:nvPr/>
+              </p:nvSpPr>
+              <p:spPr>
+                <a:xfrm>
+                  <a:off x="9687339" y="685059"/>
+                  <a:ext cx="324678" cy="360000"/>
+                </a:xfrm>
+                <a:prstGeom prst="rect">
+                  <a:avLst/>
+                </a:prstGeom>
+                <a:solidFill>
+                  <a:schemeClr val="bg1">
+                    <a:lumMod val="85000"/>
+                  </a:schemeClr>
+                </a:solidFill>
+                <a:ln>
+                  <a:noFill/>
+                </a:ln>
+              </p:spPr>
+              <p:style>
+                <a:lnRef idx="2">
+                  <a:schemeClr val="accent1">
+                    <a:shade val="15000"/>
+                  </a:schemeClr>
+                </a:lnRef>
+                <a:fillRef idx="1">
+                  <a:schemeClr val="accent1"/>
+                </a:fillRef>
+                <a:effectRef idx="0">
+                  <a:schemeClr val="accent1"/>
+                </a:effectRef>
+                <a:fontRef idx="minor">
+                  <a:schemeClr val="lt1"/>
+                </a:fontRef>
+              </p:style>
+              <p:txBody>
+                <a:bodyPr rtlCol="0" anchor="ctr"/>
+                <a:lstStyle/>
+                <a:p>
+                  <a:pPr algn="ctr"/>
+                  <a:r>
+                    <a:rPr lang="en-US" altLang="ko-KR" sz="700" dirty="0">
+                      <a:solidFill>
+                        <a:schemeClr val="tx1"/>
+                      </a:solidFill>
+                    </a:rPr>
+                    <a:t>2</a:t>
+                  </a:r>
+                  <a:endParaRPr lang="ko-KR" altLang="en-US" sz="700" dirty="0">
+                    <a:solidFill>
+                      <a:schemeClr val="tx1"/>
+                    </a:solidFill>
+                  </a:endParaRPr>
+                </a:p>
+              </p:txBody>
+            </p:sp>
+            <p:sp>
+              <p:nvSpPr>
+                <p:cNvPr id="37" name="직사각형 36">
+                  <a:extLst>
+                    <a:ext uri="{FF2B5EF4-FFF2-40B4-BE49-F238E27FC236}">
+                      <a16:creationId xmlns:a16="http://schemas.microsoft.com/office/drawing/2014/main" id="{8A852E3D-D382-D690-8E74-80E6D3E75C77}"/>
+                    </a:ext>
+                  </a:extLst>
+                </p:cNvPr>
+                <p:cNvSpPr/>
+                <p:nvPr/>
+              </p:nvSpPr>
+              <p:spPr>
+                <a:xfrm>
+                  <a:off x="10012017" y="685059"/>
+                  <a:ext cx="556592" cy="360000"/>
+                </a:xfrm>
+                <a:prstGeom prst="rect">
+                  <a:avLst/>
+                </a:prstGeom>
+                <a:solidFill>
+                  <a:schemeClr val="bg1"/>
+                </a:solidFill>
+                <a:ln>
+                  <a:noFill/>
+                </a:ln>
+              </p:spPr>
+              <p:style>
+                <a:lnRef idx="2">
+                  <a:schemeClr val="accent1">
+                    <a:shade val="15000"/>
+                  </a:schemeClr>
+                </a:lnRef>
+                <a:fillRef idx="1">
+                  <a:schemeClr val="accent1"/>
+                </a:fillRef>
+                <a:effectRef idx="0">
+                  <a:schemeClr val="accent1"/>
+                </a:effectRef>
+                <a:fontRef idx="minor">
+                  <a:schemeClr val="lt1"/>
+                </a:fontRef>
+              </p:style>
+              <p:txBody>
+                <a:bodyPr rtlCol="0" anchor="ctr"/>
+                <a:lstStyle/>
+                <a:p>
+                  <a:r>
+                    <a:rPr lang="en-US" altLang="ko-KR" sz="500" dirty="0">
+                      <a:solidFill>
+                        <a:schemeClr val="tx1"/>
+                      </a:solidFill>
+                    </a:rPr>
+                    <a:t>P1</a:t>
+                  </a:r>
+                  <a:endParaRPr lang="ko-KR" altLang="en-US" sz="500" dirty="0">
+                    <a:solidFill>
+                      <a:schemeClr val="tx1"/>
+                    </a:solidFill>
+                  </a:endParaRPr>
+                </a:p>
+              </p:txBody>
+            </p:sp>
+            <p:sp>
+              <p:nvSpPr>
+                <p:cNvPr id="38" name="직사각형 37">
+                  <a:extLst>
+                    <a:ext uri="{FF2B5EF4-FFF2-40B4-BE49-F238E27FC236}">
+                      <a16:creationId xmlns:a16="http://schemas.microsoft.com/office/drawing/2014/main" id="{45A69DC1-2EC1-C81C-B22C-0B239C3DC351}"/>
+                    </a:ext>
+                  </a:extLst>
+                </p:cNvPr>
+                <p:cNvSpPr/>
+                <p:nvPr/>
+              </p:nvSpPr>
+              <p:spPr>
+                <a:xfrm>
+                  <a:off x="10508972" y="685059"/>
+                  <a:ext cx="1225829" cy="360000"/>
+                </a:xfrm>
+                <a:prstGeom prst="rect">
+                  <a:avLst/>
+                </a:prstGeom>
+                <a:solidFill>
+                  <a:schemeClr val="bg1"/>
+                </a:solidFill>
+                <a:ln>
+                  <a:noFill/>
+                </a:ln>
+              </p:spPr>
+              <p:style>
+                <a:lnRef idx="2">
+                  <a:schemeClr val="accent1">
+                    <a:shade val="15000"/>
+                  </a:schemeClr>
+                </a:lnRef>
+                <a:fillRef idx="1">
+                  <a:schemeClr val="accent1"/>
+                </a:fillRef>
+                <a:effectRef idx="0">
+                  <a:schemeClr val="accent1"/>
+                </a:effectRef>
+                <a:fontRef idx="minor">
+                  <a:schemeClr val="lt1"/>
+                </a:fontRef>
+              </p:style>
+              <p:txBody>
+                <a:bodyPr rtlCol="0" anchor="ctr"/>
+                <a:lstStyle/>
+                <a:p>
+                  <a:pPr algn="r"/>
+                  <a:r>
+                    <a:rPr lang="en-US" altLang="ko-KR" sz="500" dirty="0">
+                      <a:solidFill>
+                        <a:schemeClr val="tx1"/>
+                      </a:solidFill>
+                    </a:rPr>
+                    <a:t>96,000pt</a:t>
+                  </a:r>
+                  <a:endParaRPr lang="ko-KR" altLang="en-US" sz="500" dirty="0">
+                    <a:solidFill>
+                      <a:schemeClr val="tx1"/>
+                    </a:solidFill>
+                  </a:endParaRPr>
+                </a:p>
+              </p:txBody>
+            </p:sp>
+          </p:grpSp>
+          <p:grpSp>
+            <p:nvGrpSpPr>
+              <p:cNvPr id="39" name="그룹 38">
+                <a:extLst>
+                  <a:ext uri="{FF2B5EF4-FFF2-40B4-BE49-F238E27FC236}">
+                    <a16:creationId xmlns:a16="http://schemas.microsoft.com/office/drawing/2014/main" id="{E8557DBF-E6C6-6FED-3DBD-967EA5216D5B}"/>
+                  </a:ext>
+                </a:extLst>
+              </p:cNvPr>
+              <p:cNvGrpSpPr/>
+              <p:nvPr/>
+            </p:nvGrpSpPr>
+            <p:grpSpPr>
+              <a:xfrm>
+                <a:off x="9690652" y="1406633"/>
+                <a:ext cx="2047462" cy="360000"/>
+                <a:chOff x="9687339" y="685059"/>
+                <a:chExt cx="2047462" cy="360000"/>
+              </a:xfrm>
+            </p:grpSpPr>
+            <p:sp>
+              <p:nvSpPr>
+                <p:cNvPr id="40" name="직사각형 39">
+                  <a:extLst>
+                    <a:ext uri="{FF2B5EF4-FFF2-40B4-BE49-F238E27FC236}">
+                      <a16:creationId xmlns:a16="http://schemas.microsoft.com/office/drawing/2014/main" id="{3E191A26-B73B-AB27-D3B1-27B2CEC8984F}"/>
+                    </a:ext>
+                  </a:extLst>
+                </p:cNvPr>
+                <p:cNvSpPr/>
+                <p:nvPr/>
+              </p:nvSpPr>
+              <p:spPr>
+                <a:xfrm>
+                  <a:off x="9687339" y="685059"/>
+                  <a:ext cx="324678" cy="360000"/>
+                </a:xfrm>
+                <a:prstGeom prst="rect">
+                  <a:avLst/>
+                </a:prstGeom>
+                <a:solidFill>
+                  <a:schemeClr val="accent2">
+                    <a:lumMod val="60000"/>
+                    <a:lumOff val="40000"/>
+                  </a:schemeClr>
+                </a:solidFill>
+                <a:ln>
+                  <a:noFill/>
+                </a:ln>
+              </p:spPr>
+              <p:style>
+                <a:lnRef idx="2">
+                  <a:schemeClr val="accent1">
+                    <a:shade val="15000"/>
+                  </a:schemeClr>
+                </a:lnRef>
+                <a:fillRef idx="1">
+                  <a:schemeClr val="accent1"/>
+                </a:fillRef>
+                <a:effectRef idx="0">
+                  <a:schemeClr val="accent1"/>
+                </a:effectRef>
+                <a:fontRef idx="minor">
+                  <a:schemeClr val="lt1"/>
+                </a:fontRef>
+              </p:style>
+              <p:txBody>
+                <a:bodyPr rtlCol="0" anchor="ctr"/>
+                <a:lstStyle/>
+                <a:p>
+                  <a:pPr algn="ctr"/>
+                  <a:r>
+                    <a:rPr lang="en-US" altLang="ko-KR" sz="700" dirty="0">
+                      <a:solidFill>
+                        <a:schemeClr val="tx1"/>
+                      </a:solidFill>
+                    </a:rPr>
+                    <a:t>3</a:t>
+                  </a:r>
+                  <a:endParaRPr lang="ko-KR" altLang="en-US" sz="700" dirty="0">
+                    <a:solidFill>
+                      <a:schemeClr val="tx1"/>
+                    </a:solidFill>
+                  </a:endParaRPr>
+                </a:p>
+              </p:txBody>
+            </p:sp>
+            <p:sp>
+              <p:nvSpPr>
+                <p:cNvPr id="41" name="직사각형 40">
+                  <a:extLst>
+                    <a:ext uri="{FF2B5EF4-FFF2-40B4-BE49-F238E27FC236}">
+                      <a16:creationId xmlns:a16="http://schemas.microsoft.com/office/drawing/2014/main" id="{CEE78DE8-C395-692F-4615-6FFEA0BBC632}"/>
+                    </a:ext>
+                  </a:extLst>
+                </p:cNvPr>
+                <p:cNvSpPr/>
+                <p:nvPr/>
+              </p:nvSpPr>
+              <p:spPr>
+                <a:xfrm>
+                  <a:off x="10012017" y="685059"/>
+                  <a:ext cx="556592" cy="360000"/>
+                </a:xfrm>
+                <a:prstGeom prst="rect">
+                  <a:avLst/>
+                </a:prstGeom>
+                <a:solidFill>
+                  <a:schemeClr val="bg1"/>
+                </a:solidFill>
+                <a:ln>
+                  <a:noFill/>
+                </a:ln>
+              </p:spPr>
+              <p:style>
+                <a:lnRef idx="2">
+                  <a:schemeClr val="accent1">
+                    <a:shade val="15000"/>
+                  </a:schemeClr>
+                </a:lnRef>
+                <a:fillRef idx="1">
+                  <a:schemeClr val="accent1"/>
+                </a:fillRef>
+                <a:effectRef idx="0">
+                  <a:schemeClr val="accent1"/>
+                </a:effectRef>
+                <a:fontRef idx="minor">
+                  <a:schemeClr val="lt1"/>
+                </a:fontRef>
+              </p:style>
+              <p:txBody>
+                <a:bodyPr rtlCol="0" anchor="ctr"/>
+                <a:lstStyle/>
+                <a:p>
+                  <a:r>
+                    <a:rPr lang="en-US" altLang="ko-KR" sz="500" dirty="0">
+                      <a:solidFill>
+                        <a:schemeClr val="tx1"/>
+                      </a:solidFill>
+                    </a:rPr>
+                    <a:t>P2</a:t>
+                  </a:r>
+                  <a:endParaRPr lang="ko-KR" altLang="en-US" sz="500" dirty="0">
+                    <a:solidFill>
+                      <a:schemeClr val="tx1"/>
+                    </a:solidFill>
+                  </a:endParaRPr>
+                </a:p>
+              </p:txBody>
+            </p:sp>
+            <p:sp>
+              <p:nvSpPr>
+                <p:cNvPr id="42" name="직사각형 41">
+                  <a:extLst>
+                    <a:ext uri="{FF2B5EF4-FFF2-40B4-BE49-F238E27FC236}">
+                      <a16:creationId xmlns:a16="http://schemas.microsoft.com/office/drawing/2014/main" id="{23B9584F-7E19-9D29-142F-5CC18DCFBCDA}"/>
+                    </a:ext>
+                  </a:extLst>
+                </p:cNvPr>
+                <p:cNvSpPr/>
+                <p:nvPr/>
+              </p:nvSpPr>
+              <p:spPr>
+                <a:xfrm>
+                  <a:off x="10508972" y="685059"/>
+                  <a:ext cx="1225829" cy="360000"/>
+                </a:xfrm>
+                <a:prstGeom prst="rect">
+                  <a:avLst/>
+                </a:prstGeom>
+                <a:solidFill>
+                  <a:schemeClr val="bg1"/>
+                </a:solidFill>
+                <a:ln>
+                  <a:noFill/>
+                </a:ln>
+              </p:spPr>
+              <p:style>
+                <a:lnRef idx="2">
+                  <a:schemeClr val="accent1">
+                    <a:shade val="15000"/>
+                  </a:schemeClr>
+                </a:lnRef>
+                <a:fillRef idx="1">
+                  <a:schemeClr val="accent1"/>
+                </a:fillRef>
+                <a:effectRef idx="0">
+                  <a:schemeClr val="accent1"/>
+                </a:effectRef>
+                <a:fontRef idx="minor">
+                  <a:schemeClr val="lt1"/>
+                </a:fontRef>
+              </p:style>
+              <p:txBody>
+                <a:bodyPr rtlCol="0" anchor="ctr"/>
+                <a:lstStyle/>
+                <a:p>
+                  <a:pPr algn="r"/>
+                  <a:r>
+                    <a:rPr lang="en-US" altLang="ko-KR" sz="500" dirty="0">
+                      <a:solidFill>
+                        <a:schemeClr val="tx1"/>
+                      </a:solidFill>
+                    </a:rPr>
+                    <a:t>50,000pt</a:t>
+                  </a:r>
+                  <a:endParaRPr lang="ko-KR" altLang="en-US" sz="500" dirty="0">
+                    <a:solidFill>
+                      <a:schemeClr val="tx1"/>
+                    </a:solidFill>
+                  </a:endParaRPr>
+                </a:p>
+              </p:txBody>
+            </p:sp>
+          </p:grpSp>
+        </p:grpSp>
+        <p:sp>
+          <p:nvSpPr>
+            <p:cNvPr id="8" name="타원 7">
+              <a:extLst>
+                <a:ext uri="{FF2B5EF4-FFF2-40B4-BE49-F238E27FC236}">
+                  <a16:creationId xmlns:a16="http://schemas.microsoft.com/office/drawing/2014/main" id="{3DC76436-7A32-40C4-AB14-51103D138716}"/>
+                </a:ext>
+              </a:extLst>
+            </p:cNvPr>
+            <p:cNvSpPr/>
+            <p:nvPr/>
+          </p:nvSpPr>
+          <p:spPr>
+            <a:xfrm>
+              <a:off x="2859686" y="3366792"/>
+              <a:ext cx="144294" cy="144294"/>
+            </a:xfrm>
+            <a:prstGeom prst="ellipse">
+              <a:avLst/>
+            </a:prstGeom>
+            <a:solidFill>
+              <a:schemeClr val="tx1">
+                <a:lumMod val="85000"/>
+                <a:lumOff val="15000"/>
+              </a:schemeClr>
+            </a:solidFill>
+          </p:spPr>
+          <p:style>
+            <a:lnRef idx="2">
+              <a:schemeClr val="accent1">
+                <a:shade val="15000"/>
+              </a:schemeClr>
+            </a:lnRef>
+            <a:fillRef idx="1">
+              <a:schemeClr val="accent1"/>
+            </a:fillRef>
+            <a:effectRef idx="0">
+              <a:schemeClr val="accent1"/>
+            </a:effectRef>
+            <a:fontRef idx="minor">
+              <a:schemeClr val="lt1"/>
+            </a:fontRef>
+          </p:style>
+          <p:txBody>
+            <a:bodyPr rtlCol="0" anchor="ctr"/>
+            <a:lstStyle/>
+            <a:p>
+              <a:pPr algn="ctr"/>
+              <a:endParaRPr lang="ko-KR" altLang="en-US"/>
+            </a:p>
+          </p:txBody>
+        </p:sp>
+        <p:sp>
+          <p:nvSpPr>
+            <p:cNvPr id="9" name="직사각형 8">
+              <a:extLst>
+                <a:ext uri="{FF2B5EF4-FFF2-40B4-BE49-F238E27FC236}">
+                  <a16:creationId xmlns:a16="http://schemas.microsoft.com/office/drawing/2014/main" id="{5666C298-AE2D-D438-4FB3-FBF76DC5C686}"/>
+                </a:ext>
+              </a:extLst>
+            </p:cNvPr>
+            <p:cNvSpPr/>
+            <p:nvPr/>
+          </p:nvSpPr>
+          <p:spPr>
+            <a:xfrm>
+              <a:off x="5334000" y="1759879"/>
+              <a:ext cx="1524000" cy="280717"/>
+            </a:xfrm>
+            <a:prstGeom prst="rect">
+              <a:avLst/>
+            </a:prstGeom>
+          </p:spPr>
+          <p:style>
+            <a:lnRef idx="2">
+              <a:schemeClr val="accent1">
+                <a:shade val="15000"/>
+              </a:schemeClr>
+            </a:lnRef>
+            <a:fillRef idx="1">
+              <a:schemeClr val="accent1"/>
+            </a:fillRef>
+            <a:effectRef idx="0">
+              <a:schemeClr val="accent1"/>
+            </a:effectRef>
+            <a:fontRef idx="minor">
+              <a:schemeClr val="lt1"/>
+            </a:fontRef>
+          </p:style>
+          <p:txBody>
+            <a:bodyPr rtlCol="0" anchor="ctr"/>
+            <a:lstStyle/>
+            <a:p>
+              <a:pPr algn="ctr"/>
+              <a:r>
+                <a:rPr lang="ko-KR" altLang="en-US" sz="1050" dirty="0"/>
+                <a:t>현재 점수 </a:t>
+              </a:r>
+              <a:r>
+                <a:rPr lang="en-US" altLang="ko-KR" sz="1050" dirty="0"/>
+                <a:t>:</a:t>
+              </a:r>
+              <a:r>
+                <a:rPr lang="ko-KR" altLang="en-US" sz="1050" dirty="0"/>
+                <a:t> </a:t>
+              </a:r>
+              <a:r>
+                <a:rPr lang="en-US" altLang="ko-KR" sz="1050" dirty="0"/>
+                <a:t>123,000</a:t>
+              </a:r>
+              <a:endParaRPr lang="ko-KR" altLang="en-US" sz="1050" dirty="0"/>
+            </a:p>
+          </p:txBody>
+        </p:sp>
+        <p:sp>
+          <p:nvSpPr>
+            <p:cNvPr id="43" name="직사각형 42">
+              <a:extLst>
+                <a:ext uri="{FF2B5EF4-FFF2-40B4-BE49-F238E27FC236}">
+                  <a16:creationId xmlns:a16="http://schemas.microsoft.com/office/drawing/2014/main" id="{10815B08-6D53-2BDE-AD56-FAB5BC8625D6}"/>
+                </a:ext>
+              </a:extLst>
+            </p:cNvPr>
+            <p:cNvSpPr/>
+            <p:nvPr/>
+          </p:nvSpPr>
+          <p:spPr>
+            <a:xfrm>
+              <a:off x="3041374" y="1687997"/>
+              <a:ext cx="6149007" cy="3458817"/>
+            </a:xfrm>
+            <a:prstGeom prst="rect">
+              <a:avLst/>
+            </a:prstGeom>
+            <a:solidFill>
+              <a:schemeClr val="bg2">
+                <a:lumMod val="50000"/>
+                <a:alpha val="50000"/>
+              </a:schemeClr>
+            </a:solidFill>
+          </p:spPr>
+          <p:style>
+            <a:lnRef idx="2">
+              <a:schemeClr val="accent1">
+                <a:shade val="15000"/>
+              </a:schemeClr>
+            </a:lnRef>
+            <a:fillRef idx="1">
+              <a:schemeClr val="accent1"/>
+            </a:fillRef>
+            <a:effectRef idx="0">
+              <a:schemeClr val="accent1"/>
+            </a:effectRef>
+            <a:fontRef idx="minor">
+              <a:schemeClr val="lt1"/>
+            </a:fontRef>
+          </p:style>
+          <p:txBody>
+            <a:bodyPr rtlCol="0" anchor="ctr"/>
+            <a:lstStyle/>
+            <a:p>
+              <a:pPr algn="ctr"/>
+              <a:endParaRPr lang="ko-KR" altLang="en-US"/>
+            </a:p>
+          </p:txBody>
+        </p:sp>
+        <p:sp>
+          <p:nvSpPr>
+            <p:cNvPr id="44" name="직사각형 43">
+              <a:extLst>
+                <a:ext uri="{FF2B5EF4-FFF2-40B4-BE49-F238E27FC236}">
+                  <a16:creationId xmlns:a16="http://schemas.microsoft.com/office/drawing/2014/main" id="{892E2E5E-4417-0A55-5783-BB2621D8F603}"/>
+                </a:ext>
+              </a:extLst>
+            </p:cNvPr>
+            <p:cNvSpPr/>
+            <p:nvPr/>
+          </p:nvSpPr>
+          <p:spPr>
+            <a:xfrm>
+              <a:off x="5214730" y="2941982"/>
+              <a:ext cx="1765438" cy="1002179"/>
+            </a:xfrm>
+            <a:prstGeom prst="rect">
+              <a:avLst/>
+            </a:prstGeom>
+            <a:ln>
+              <a:noFill/>
+            </a:ln>
+          </p:spPr>
+          <p:style>
+            <a:lnRef idx="2">
+              <a:schemeClr val="accent1">
+                <a:shade val="15000"/>
+              </a:schemeClr>
+            </a:lnRef>
+            <a:fillRef idx="1">
+              <a:schemeClr val="accent1"/>
+            </a:fillRef>
+            <a:effectRef idx="0">
+              <a:schemeClr val="accent1"/>
+            </a:effectRef>
+            <a:fontRef idx="minor">
+              <a:schemeClr val="lt1"/>
+            </a:fontRef>
+          </p:style>
+          <p:txBody>
+            <a:bodyPr rtlCol="0" anchor="t"/>
+            <a:lstStyle/>
+            <a:p>
+              <a:pPr algn="ctr"/>
+              <a:endParaRPr lang="en-US" altLang="ko-KR" sz="1200" dirty="0"/>
+            </a:p>
+            <a:p>
+              <a:pPr algn="ctr"/>
+              <a:r>
+                <a:rPr lang="ko-KR" altLang="en-US" sz="1200" dirty="0"/>
+                <a:t>환경 설정</a:t>
+              </a:r>
+              <a:endParaRPr lang="en-US" altLang="ko-KR" sz="1200" dirty="0"/>
+            </a:p>
+            <a:p>
+              <a:pPr algn="ctr"/>
+              <a:endParaRPr lang="en-US" altLang="ko-KR" sz="1200" dirty="0"/>
+            </a:p>
+            <a:p>
+              <a:pPr algn="ctr"/>
+              <a:r>
+                <a:rPr lang="ko-KR" altLang="en-US" sz="1200" dirty="0"/>
+                <a:t>게임으로 돌아가기</a:t>
+              </a:r>
+            </a:p>
+          </p:txBody>
+        </p:sp>
+        <p:pic>
+          <p:nvPicPr>
+            <p:cNvPr id="13" name="그림 12" descr="텍스트, 스크린샷, 폰트, 번호이(가) 표시된 사진&#10;&#10;자동 생성된 설명">
+              <a:extLst>
+                <a:ext uri="{FF2B5EF4-FFF2-40B4-BE49-F238E27FC236}">
+                  <a16:creationId xmlns:a16="http://schemas.microsoft.com/office/drawing/2014/main" id="{4ADEB2E0-F202-C980-E9AE-53E5B5DEA93A}"/>
+                </a:ext>
+              </a:extLst>
+            </p:cNvPr>
+            <p:cNvPicPr>
+              <a:picLocks noChangeAspect="1"/>
+            </p:cNvPicPr>
+            <p:nvPr/>
+          </p:nvPicPr>
+          <p:blipFill>
+            <a:blip r:embed="rId2">
+              <a:alphaModFix amt="60000"/>
+              <a:extLst>
+                <a:ext uri="{28A0092B-C50C-407E-A947-70E740481C1C}">
+                  <a14:useLocalDpi xmlns:a14="http://schemas.microsoft.com/office/drawing/2010/main" val="0"/>
+                </a:ext>
+              </a:extLst>
+            </a:blip>
+            <a:srcRect t="43158"/>
+            <a:stretch/>
+          </p:blipFill>
+          <p:spPr>
+            <a:xfrm>
+              <a:off x="4090930" y="1689526"/>
+              <a:ext cx="3868227" cy="470943"/>
+            </a:xfrm>
+            <a:prstGeom prst="rect">
+              <a:avLst/>
+            </a:prstGeom>
+          </p:spPr>
+        </p:pic>
+      </p:grpSp>
+    </p:spTree>
+    <p:extLst>
+      <p:ext uri="{BB962C8B-B14F-4D97-AF65-F5344CB8AC3E}">
+        <p14:creationId xmlns:p14="http://schemas.microsoft.com/office/powerpoint/2010/main" val="4175633532"/>
+      </p:ext>
+    </p:extLst>
+  </p:cSld>
+  <p:clrMapOvr>
+    <a:masterClrMapping/>
+  </p:clrMapOvr>
+</p:sld>
+</file>
+
+<file path=ppt/slides/slide3.xml><?xml version="1.0" encoding="utf-8"?>
+<p:sld xmlns:a="http://schemas.openxmlformats.org/drawingml/2006/main" xmlns:r="http://schemas.openxmlformats.org/officeDocument/2006/relationships" xmlns:p="http://schemas.openxmlformats.org/presentationml/2006/main">
+  <p:cSld>
+    <p:spTree>
+      <p:nvGrpSpPr>
+        <p:cNvPr id="1" name="">
+          <a:extLst>
+            <a:ext uri="{FF2B5EF4-FFF2-40B4-BE49-F238E27FC236}">
+              <a16:creationId xmlns:a16="http://schemas.microsoft.com/office/drawing/2014/main" id="{1F83F248-1754-47F0-32C2-E5472517D300}"/>
+            </a:ext>
+          </a:extLst>
+        </p:cNvPr>
+        <p:cNvGrpSpPr/>
+        <p:nvPr/>
+      </p:nvGrpSpPr>
+      <p:grpSpPr>
+        <a:xfrm>
+          <a:off x="0" y="0"/>
+          <a:ext cx="0" cy="0"/>
+          <a:chOff x="0" y="0"/>
+          <a:chExt cx="0" cy="0"/>
+        </a:xfrm>
+      </p:grpSpPr>
+      <p:sp>
+        <p:nvSpPr>
+          <p:cNvPr id="14" name="직사각형 13">
+            <a:extLst>
+              <a:ext uri="{FF2B5EF4-FFF2-40B4-BE49-F238E27FC236}">
+                <a16:creationId xmlns:a16="http://schemas.microsoft.com/office/drawing/2014/main" id="{8AB170C4-0458-037D-6CC2-5F13718DA349}"/>
+              </a:ext>
+            </a:extLst>
+          </p:cNvPr>
+          <p:cNvSpPr/>
+          <p:nvPr/>
+        </p:nvSpPr>
+        <p:spPr>
+          <a:xfrm>
+            <a:off x="92765" y="79513"/>
+            <a:ext cx="11986592" cy="6712226"/>
+          </a:xfrm>
+          <a:prstGeom prst="rect">
+            <a:avLst/>
+          </a:prstGeom>
+          <a:solidFill>
+            <a:schemeClr val="accent2">
+              <a:lumMod val="40000"/>
+              <a:lumOff val="60000"/>
+            </a:schemeClr>
+          </a:solidFill>
+        </p:spPr>
+        <p:style>
+          <a:lnRef idx="2">
+            <a:schemeClr val="accent1">
+              <a:shade val="15000"/>
+            </a:schemeClr>
+          </a:lnRef>
+          <a:fillRef idx="1">
+            <a:schemeClr val="accent1"/>
+          </a:fillRef>
+          <a:effectRef idx="0">
+            <a:schemeClr val="accent1"/>
+          </a:effectRef>
+          <a:fontRef idx="minor">
+            <a:schemeClr val="lt1"/>
+          </a:fontRef>
+        </p:style>
+        <p:txBody>
+          <a:bodyPr rtlCol="0" anchor="ctr"/>
+          <a:lstStyle/>
+          <a:p>
+            <a:pPr algn="ctr"/>
+            <a:endParaRPr lang="ko-KR" altLang="en-US"/>
+          </a:p>
+        </p:txBody>
+      </p:sp>
+      <p:sp>
+        <p:nvSpPr>
+          <p:cNvPr id="11" name="직사각형 10">
+            <a:extLst>
+              <a:ext uri="{FF2B5EF4-FFF2-40B4-BE49-F238E27FC236}">
+                <a16:creationId xmlns:a16="http://schemas.microsoft.com/office/drawing/2014/main" id="{142AF8ED-D377-D2A9-650B-30762078DE28}"/>
+              </a:ext>
+            </a:extLst>
+          </p:cNvPr>
+          <p:cNvSpPr/>
+          <p:nvPr/>
+        </p:nvSpPr>
+        <p:spPr>
+          <a:xfrm>
+            <a:off x="9515061" y="245165"/>
+            <a:ext cx="2458278" cy="1053548"/>
+          </a:xfrm>
+          <a:prstGeom prst="rect">
+            <a:avLst/>
+          </a:prstGeom>
+        </p:spPr>
+        <p:style>
+          <a:lnRef idx="2">
+            <a:schemeClr val="accent1">
+              <a:shade val="15000"/>
+            </a:schemeClr>
+          </a:lnRef>
+          <a:fillRef idx="1">
+            <a:schemeClr val="accent1"/>
+          </a:fillRef>
+          <a:effectRef idx="0">
+            <a:schemeClr val="accent1"/>
+          </a:effectRef>
+          <a:fontRef idx="minor">
+            <a:schemeClr val="lt1"/>
+          </a:fontRef>
+        </p:style>
+        <p:txBody>
+          <a:bodyPr rtlCol="0" anchor="ctr"/>
+          <a:lstStyle/>
+          <a:p>
+            <a:pPr algn="ctr"/>
+            <a:r>
+              <a:rPr lang="en-US" altLang="ko-KR" sz="5400" dirty="0"/>
+              <a:t>11:50</a:t>
+            </a:r>
+            <a:endParaRPr lang="ko-KR" altLang="en-US" sz="5400" dirty="0"/>
+          </a:p>
+        </p:txBody>
+      </p:sp>
+      <p:grpSp>
+        <p:nvGrpSpPr>
+          <p:cNvPr id="12" name="그룹 11">
+            <a:extLst>
+              <a:ext uri="{FF2B5EF4-FFF2-40B4-BE49-F238E27FC236}">
+                <a16:creationId xmlns:a16="http://schemas.microsoft.com/office/drawing/2014/main" id="{EE11F23B-3D69-8F27-048D-0D53C4D8A1E4}"/>
+              </a:ext>
+            </a:extLst>
+          </p:cNvPr>
+          <p:cNvGrpSpPr/>
+          <p:nvPr/>
+        </p:nvGrpSpPr>
+        <p:grpSpPr>
+          <a:xfrm>
+            <a:off x="2816087" y="1557130"/>
+            <a:ext cx="6546574" cy="3763618"/>
+            <a:chOff x="2816087" y="1557130"/>
+            <a:chExt cx="6546574" cy="3763618"/>
+          </a:xfrm>
+        </p:grpSpPr>
+        <p:sp>
+          <p:nvSpPr>
+            <p:cNvPr id="3" name="사각형: 둥근 모서리 2">
+              <a:extLst>
+                <a:ext uri="{FF2B5EF4-FFF2-40B4-BE49-F238E27FC236}">
+                  <a16:creationId xmlns:a16="http://schemas.microsoft.com/office/drawing/2014/main" id="{F6AC791E-1086-3EE4-7A41-85016E48F2BF}"/>
+                </a:ext>
+              </a:extLst>
+            </p:cNvPr>
+            <p:cNvSpPr/>
+            <p:nvPr/>
+          </p:nvSpPr>
+          <p:spPr>
+            <a:xfrm>
+              <a:off x="2816087" y="1557130"/>
+              <a:ext cx="6546574" cy="3763618"/>
+            </a:xfrm>
+            <a:prstGeom prst="roundRect">
+              <a:avLst>
+                <a:gd name="adj" fmla="val 2928"/>
+              </a:avLst>
+            </a:prstGeom>
+            <a:solidFill>
+              <a:schemeClr val="bg2">
+                <a:lumMod val="75000"/>
+              </a:schemeClr>
+            </a:solidFill>
+          </p:spPr>
+          <p:style>
+            <a:lnRef idx="2">
+              <a:schemeClr val="accent1">
+                <a:shade val="15000"/>
+              </a:schemeClr>
+            </a:lnRef>
+            <a:fillRef idx="1">
+              <a:schemeClr val="accent1"/>
+            </a:fillRef>
+            <a:effectRef idx="0">
+              <a:schemeClr val="accent1"/>
+            </a:effectRef>
+            <a:fontRef idx="minor">
+              <a:schemeClr val="lt1"/>
+            </a:fontRef>
+          </p:style>
+          <p:txBody>
+            <a:bodyPr rtlCol="0" anchor="ctr"/>
+            <a:lstStyle/>
+            <a:p>
+              <a:pPr algn="ctr"/>
+              <a:endParaRPr lang="ko-KR" altLang="en-US"/>
+            </a:p>
+          </p:txBody>
+        </p:sp>
+        <p:grpSp>
+          <p:nvGrpSpPr>
+            <p:cNvPr id="2" name="그룹 1">
+              <a:extLst>
+                <a:ext uri="{FF2B5EF4-FFF2-40B4-BE49-F238E27FC236}">
+                  <a16:creationId xmlns:a16="http://schemas.microsoft.com/office/drawing/2014/main" id="{864C43E8-601F-CACD-543E-EA1D3CE606CA}"/>
+                </a:ext>
+              </a:extLst>
+            </p:cNvPr>
+            <p:cNvGrpSpPr/>
+            <p:nvPr/>
+          </p:nvGrpSpPr>
+          <p:grpSpPr>
+            <a:xfrm>
+              <a:off x="3041374" y="1692965"/>
+              <a:ext cx="6149008" cy="3458817"/>
+              <a:chOff x="371062" y="208722"/>
+              <a:chExt cx="11449877" cy="6440556"/>
+            </a:xfrm>
+          </p:grpSpPr>
+          <p:sp>
+            <p:nvSpPr>
+              <p:cNvPr id="4" name="직사각형 3">
+                <a:extLst>
+                  <a:ext uri="{FF2B5EF4-FFF2-40B4-BE49-F238E27FC236}">
+                    <a16:creationId xmlns:a16="http://schemas.microsoft.com/office/drawing/2014/main" id="{B0404CCF-80CD-07DA-EA69-77EBCFA28492}"/>
+                  </a:ext>
+                </a:extLst>
+              </p:cNvPr>
+              <p:cNvSpPr>
+                <a:spLocks noChangeAspect="1"/>
+              </p:cNvSpPr>
+              <p:nvPr/>
+            </p:nvSpPr>
+            <p:spPr>
+              <a:xfrm>
+                <a:off x="371062" y="208722"/>
+                <a:ext cx="11449877" cy="6440556"/>
+              </a:xfrm>
+              <a:prstGeom prst="rect">
+                <a:avLst/>
+              </a:prstGeom>
+              <a:solidFill>
+                <a:schemeClr val="bg1"/>
+              </a:solidFill>
+              <a:ln>
+                <a:solidFill>
+                  <a:schemeClr val="tx1"/>
+                </a:solidFill>
+              </a:ln>
+            </p:spPr>
+            <p:style>
+              <a:lnRef idx="2">
+                <a:schemeClr val="accent1">
+                  <a:shade val="15000"/>
+                </a:schemeClr>
+              </a:lnRef>
+              <a:fillRef idx="1">
+                <a:schemeClr val="accent1"/>
+              </a:fillRef>
+              <a:effectRef idx="0">
+                <a:schemeClr val="accent1"/>
+              </a:effectRef>
+              <a:fontRef idx="minor">
+                <a:schemeClr val="lt1"/>
+              </a:fontRef>
+            </p:style>
+            <p:txBody>
+              <a:bodyPr rtlCol="0" anchor="ctr"/>
+              <a:lstStyle/>
+              <a:p>
+                <a:pPr algn="ctr"/>
+                <a:endParaRPr lang="ko-KR" altLang="en-US" sz="700"/>
+              </a:p>
+            </p:txBody>
+          </p:sp>
+          <p:sp>
+            <p:nvSpPr>
+              <p:cNvPr id="5" name="직사각형 4">
+                <a:extLst>
+                  <a:ext uri="{FF2B5EF4-FFF2-40B4-BE49-F238E27FC236}">
+                    <a16:creationId xmlns:a16="http://schemas.microsoft.com/office/drawing/2014/main" id="{1D692605-C81A-31B3-B9FD-1F290EF9F72A}"/>
+                  </a:ext>
+                </a:extLst>
+              </p:cNvPr>
+              <p:cNvSpPr/>
+              <p:nvPr/>
+            </p:nvSpPr>
+            <p:spPr>
+              <a:xfrm>
+                <a:off x="371062" y="5493026"/>
+                <a:ext cx="11449876" cy="1156252"/>
+              </a:xfrm>
+              <a:prstGeom prst="rect">
+                <a:avLst/>
+              </a:prstGeom>
+              <a:solidFill>
+                <a:schemeClr val="tx1">
+                  <a:lumMod val="65000"/>
+                  <a:lumOff val="35000"/>
+                </a:schemeClr>
+              </a:solidFill>
+              <a:ln>
+                <a:solidFill>
+                  <a:schemeClr val="tx1"/>
+                </a:solidFill>
+              </a:ln>
+            </p:spPr>
+            <p:style>
+              <a:lnRef idx="2">
+                <a:schemeClr val="accent1">
+                  <a:shade val="15000"/>
+                </a:schemeClr>
+              </a:lnRef>
+              <a:fillRef idx="1">
+                <a:schemeClr val="accent1"/>
+              </a:fillRef>
+              <a:effectRef idx="0">
+                <a:schemeClr val="accent1"/>
+              </a:effectRef>
+              <a:fontRef idx="minor">
+                <a:schemeClr val="lt1"/>
+              </a:fontRef>
+            </p:style>
+            <p:txBody>
+              <a:bodyPr rtlCol="0" anchor="ctr"/>
+              <a:lstStyle/>
+              <a:p>
+                <a:pPr algn="ctr"/>
+                <a:endParaRPr lang="ko-KR" altLang="en-US" sz="700"/>
+              </a:p>
+            </p:txBody>
+          </p:sp>
+          <p:sp>
+            <p:nvSpPr>
+              <p:cNvPr id="6" name="사각형: 둥근 모서리 5">
+                <a:extLst>
+                  <a:ext uri="{FF2B5EF4-FFF2-40B4-BE49-F238E27FC236}">
+                    <a16:creationId xmlns:a16="http://schemas.microsoft.com/office/drawing/2014/main" id="{4AA44DFF-37D6-D71F-DC91-B873876E3DD1}"/>
+                  </a:ext>
+                </a:extLst>
+              </p:cNvPr>
+              <p:cNvSpPr/>
+              <p:nvPr/>
+            </p:nvSpPr>
+            <p:spPr>
+              <a:xfrm>
+                <a:off x="578115" y="4210904"/>
+                <a:ext cx="722243" cy="1282122"/>
+              </a:xfrm>
+              <a:prstGeom prst="roundRect">
+                <a:avLst/>
+              </a:prstGeom>
+              <a:ln>
+                <a:noFill/>
+              </a:ln>
+            </p:spPr>
+            <p:style>
+              <a:lnRef idx="2">
+                <a:schemeClr val="accent1">
+                  <a:shade val="15000"/>
+                </a:schemeClr>
+              </a:lnRef>
+              <a:fillRef idx="1">
+                <a:schemeClr val="accent1"/>
+              </a:fillRef>
+              <a:effectRef idx="0">
+                <a:schemeClr val="accent1"/>
+              </a:effectRef>
+              <a:fontRef idx="minor">
+                <a:schemeClr val="lt1"/>
+              </a:fontRef>
+            </p:style>
+            <p:txBody>
+              <a:bodyPr rtlCol="0" anchor="ctr"/>
+              <a:lstStyle/>
+              <a:p>
+                <a:pPr algn="ctr"/>
+                <a:endParaRPr lang="ko-KR" altLang="en-US" sz="700"/>
+              </a:p>
+            </p:txBody>
+          </p:sp>
+          <p:sp>
+            <p:nvSpPr>
+              <p:cNvPr id="7" name="직사각형 6">
+                <a:extLst>
+                  <a:ext uri="{FF2B5EF4-FFF2-40B4-BE49-F238E27FC236}">
+                    <a16:creationId xmlns:a16="http://schemas.microsoft.com/office/drawing/2014/main" id="{5962F0BC-AD5D-8CC2-4284-B3614C4D0CB1}"/>
+                  </a:ext>
+                </a:extLst>
+              </p:cNvPr>
+              <p:cNvSpPr/>
+              <p:nvPr/>
+            </p:nvSpPr>
+            <p:spPr>
+              <a:xfrm>
+                <a:off x="4923703" y="4953026"/>
+                <a:ext cx="540000" cy="540000"/>
+              </a:xfrm>
+              <a:prstGeom prst="rect">
+                <a:avLst/>
+              </a:prstGeom>
+              <a:solidFill>
+                <a:schemeClr val="accent2">
+                  <a:lumMod val="75000"/>
+                </a:schemeClr>
+              </a:solidFill>
+              <a:ln>
+                <a:noFill/>
+              </a:ln>
+            </p:spPr>
+            <p:style>
+              <a:lnRef idx="2">
+                <a:schemeClr val="accent1">
+                  <a:shade val="15000"/>
+                </a:schemeClr>
+              </a:lnRef>
+              <a:fillRef idx="1">
+                <a:schemeClr val="accent1"/>
+              </a:fillRef>
+              <a:effectRef idx="0">
+                <a:schemeClr val="accent1"/>
+              </a:effectRef>
+              <a:fontRef idx="minor">
+                <a:schemeClr val="lt1"/>
+              </a:fontRef>
+            </p:style>
+            <p:txBody>
+              <a:bodyPr rtlCol="0" anchor="ctr"/>
+              <a:lstStyle/>
+              <a:p>
+                <a:pPr algn="ctr"/>
+                <a:endParaRPr lang="ko-KR" altLang="en-US" sz="700"/>
+              </a:p>
+            </p:txBody>
+          </p:sp>
+          <p:sp>
+            <p:nvSpPr>
+              <p:cNvPr id="10" name="직사각형 9">
+                <a:extLst>
+                  <a:ext uri="{FF2B5EF4-FFF2-40B4-BE49-F238E27FC236}">
+                    <a16:creationId xmlns:a16="http://schemas.microsoft.com/office/drawing/2014/main" id="{CED81F1B-40B0-244A-08B9-42A6510CBDCE}"/>
+                  </a:ext>
+                </a:extLst>
+              </p:cNvPr>
+              <p:cNvSpPr/>
+              <p:nvPr/>
+            </p:nvSpPr>
+            <p:spPr>
+              <a:xfrm>
+                <a:off x="8186557" y="3860605"/>
+                <a:ext cx="540000" cy="540000"/>
+              </a:xfrm>
+              <a:prstGeom prst="rect">
+                <a:avLst/>
+              </a:prstGeom>
+              <a:solidFill>
+                <a:schemeClr val="accent2">
+                  <a:lumMod val="75000"/>
+                </a:schemeClr>
+              </a:solidFill>
+              <a:ln>
+                <a:noFill/>
+              </a:ln>
+            </p:spPr>
+            <p:style>
+              <a:lnRef idx="2">
+                <a:schemeClr val="accent1">
+                  <a:shade val="15000"/>
+                </a:schemeClr>
+              </a:lnRef>
+              <a:fillRef idx="1">
+                <a:schemeClr val="accent1"/>
+              </a:fillRef>
+              <a:effectRef idx="0">
+                <a:schemeClr val="accent1"/>
+              </a:effectRef>
+              <a:fontRef idx="minor">
+                <a:schemeClr val="lt1"/>
+              </a:fontRef>
+            </p:style>
+            <p:txBody>
+              <a:bodyPr rtlCol="0" anchor="ctr"/>
+              <a:lstStyle/>
+              <a:p>
+                <a:pPr algn="ctr"/>
+                <a:endParaRPr lang="ko-KR" altLang="en-US" sz="700"/>
+              </a:p>
+            </p:txBody>
+          </p:sp>
+          <p:sp>
+            <p:nvSpPr>
+              <p:cNvPr id="27" name="TextBox 26">
+                <a:extLst>
+                  <a:ext uri="{FF2B5EF4-FFF2-40B4-BE49-F238E27FC236}">
+                    <a16:creationId xmlns:a16="http://schemas.microsoft.com/office/drawing/2014/main" id="{BDD8BB33-D240-0460-51B9-C2C9E84EB8F0}"/>
+                  </a:ext>
+                </a:extLst>
+              </p:cNvPr>
+              <p:cNvSpPr txBox="1"/>
+              <p:nvPr/>
+            </p:nvSpPr>
+            <p:spPr>
+              <a:xfrm>
+                <a:off x="9932503" y="311426"/>
+                <a:ext cx="1563758" cy="372516"/>
+              </a:xfrm>
+              <a:prstGeom prst="rect">
+                <a:avLst/>
+              </a:prstGeom>
+              <a:noFill/>
+            </p:spPr>
+            <p:txBody>
+              <a:bodyPr wrap="square" rtlCol="0">
+                <a:spAutoFit/>
+              </a:bodyPr>
+              <a:lstStyle/>
+              <a:p>
+                <a:pPr algn="ctr"/>
+                <a:r>
+                  <a:rPr lang="en-US" altLang="ko-KR" sz="700" b="1" dirty="0"/>
+                  <a:t>&lt;</a:t>
+                </a:r>
+                <a:r>
+                  <a:rPr lang="ko-KR" altLang="en-US" sz="700" b="1" dirty="0"/>
+                  <a:t>현재 순위</a:t>
+                </a:r>
+                <a:r>
+                  <a:rPr lang="en-US" altLang="ko-KR" sz="700" b="1" dirty="0"/>
+                  <a:t>&gt;</a:t>
+                </a:r>
+                <a:endParaRPr lang="ko-KR" altLang="en-US" sz="700" b="1" dirty="0"/>
+              </a:p>
+            </p:txBody>
+          </p:sp>
+          <p:grpSp>
+            <p:nvGrpSpPr>
+              <p:cNvPr id="34" name="그룹 33">
+                <a:extLst>
+                  <a:ext uri="{FF2B5EF4-FFF2-40B4-BE49-F238E27FC236}">
+                    <a16:creationId xmlns:a16="http://schemas.microsoft.com/office/drawing/2014/main" id="{AF997F71-E356-F972-1162-86111159EC6D}"/>
+                  </a:ext>
+                </a:extLst>
+              </p:cNvPr>
+              <p:cNvGrpSpPr/>
+              <p:nvPr/>
+            </p:nvGrpSpPr>
+            <p:grpSpPr>
+              <a:xfrm>
+                <a:off x="9690652" y="682717"/>
+                <a:ext cx="2047462" cy="360000"/>
+                <a:chOff x="9687339" y="685059"/>
+                <a:chExt cx="2047462" cy="360000"/>
+              </a:xfrm>
+            </p:grpSpPr>
+            <p:sp>
+              <p:nvSpPr>
+                <p:cNvPr id="28" name="직사각형 27">
+                  <a:extLst>
+                    <a:ext uri="{FF2B5EF4-FFF2-40B4-BE49-F238E27FC236}">
+                      <a16:creationId xmlns:a16="http://schemas.microsoft.com/office/drawing/2014/main" id="{9B806AAE-3E63-9A5E-6467-8FCB37AE703E}"/>
+                    </a:ext>
+                  </a:extLst>
+                </p:cNvPr>
+                <p:cNvSpPr/>
+                <p:nvPr/>
+              </p:nvSpPr>
+              <p:spPr>
+                <a:xfrm>
+                  <a:off x="9687339" y="685059"/>
+                  <a:ext cx="324678" cy="360000"/>
+                </a:xfrm>
+                <a:prstGeom prst="rect">
+                  <a:avLst/>
+                </a:prstGeom>
+                <a:solidFill>
+                  <a:srgbClr val="FFFF00"/>
+                </a:solidFill>
+                <a:ln>
+                  <a:noFill/>
+                </a:ln>
+              </p:spPr>
+              <p:style>
+                <a:lnRef idx="2">
+                  <a:schemeClr val="accent1">
+                    <a:shade val="15000"/>
+                  </a:schemeClr>
+                </a:lnRef>
+                <a:fillRef idx="1">
+                  <a:schemeClr val="accent1"/>
+                </a:fillRef>
+                <a:effectRef idx="0">
+                  <a:schemeClr val="accent1"/>
+                </a:effectRef>
+                <a:fontRef idx="minor">
+                  <a:schemeClr val="lt1"/>
+                </a:fontRef>
+              </p:style>
+              <p:txBody>
+                <a:bodyPr rtlCol="0" anchor="ctr"/>
+                <a:lstStyle/>
+                <a:p>
+                  <a:pPr algn="ctr"/>
+                  <a:r>
+                    <a:rPr lang="en-US" altLang="ko-KR" sz="700" dirty="0">
+                      <a:solidFill>
+                        <a:schemeClr val="tx1"/>
+                      </a:solidFill>
+                    </a:rPr>
+                    <a:t>1</a:t>
+                  </a:r>
+                  <a:endParaRPr lang="ko-KR" altLang="en-US" sz="700" dirty="0">
+                    <a:solidFill>
+                      <a:schemeClr val="tx1"/>
+                    </a:solidFill>
+                  </a:endParaRPr>
+                </a:p>
+              </p:txBody>
+            </p:sp>
+            <p:sp>
+              <p:nvSpPr>
+                <p:cNvPr id="31" name="직사각형 30">
+                  <a:extLst>
+                    <a:ext uri="{FF2B5EF4-FFF2-40B4-BE49-F238E27FC236}">
+                      <a16:creationId xmlns:a16="http://schemas.microsoft.com/office/drawing/2014/main" id="{6DBED491-FC52-E036-71D0-125188516CC7}"/>
+                    </a:ext>
+                  </a:extLst>
+                </p:cNvPr>
+                <p:cNvSpPr/>
+                <p:nvPr/>
+              </p:nvSpPr>
+              <p:spPr>
+                <a:xfrm>
+                  <a:off x="10012017" y="685059"/>
+                  <a:ext cx="556592" cy="360000"/>
+                </a:xfrm>
+                <a:prstGeom prst="rect">
+                  <a:avLst/>
+                </a:prstGeom>
+                <a:solidFill>
+                  <a:schemeClr val="bg2">
+                    <a:lumMod val="75000"/>
+                  </a:schemeClr>
+                </a:solidFill>
+                <a:ln>
+                  <a:noFill/>
+                </a:ln>
+              </p:spPr>
+              <p:style>
+                <a:lnRef idx="2">
+                  <a:schemeClr val="accent1">
+                    <a:shade val="15000"/>
+                  </a:schemeClr>
+                </a:lnRef>
+                <a:fillRef idx="1">
+                  <a:schemeClr val="accent1"/>
+                </a:fillRef>
+                <a:effectRef idx="0">
+                  <a:schemeClr val="accent1"/>
+                </a:effectRef>
+                <a:fontRef idx="minor">
+                  <a:schemeClr val="lt1"/>
+                </a:fontRef>
+              </p:style>
+              <p:txBody>
+                <a:bodyPr rtlCol="0" anchor="ctr"/>
+                <a:lstStyle/>
+                <a:p>
+                  <a:r>
+                    <a:rPr lang="en-US" altLang="ko-KR" sz="500" dirty="0">
+                      <a:solidFill>
+                        <a:schemeClr val="tx1"/>
+                      </a:solidFill>
+                    </a:rPr>
+                    <a:t>You</a:t>
+                  </a:r>
+                  <a:endParaRPr lang="ko-KR" altLang="en-US" sz="500" dirty="0">
+                    <a:solidFill>
+                      <a:schemeClr val="tx1"/>
+                    </a:solidFill>
+                  </a:endParaRPr>
+                </a:p>
+              </p:txBody>
+            </p:sp>
+            <p:sp>
+              <p:nvSpPr>
+                <p:cNvPr id="33" name="직사각형 32">
+                  <a:extLst>
+                    <a:ext uri="{FF2B5EF4-FFF2-40B4-BE49-F238E27FC236}">
+                      <a16:creationId xmlns:a16="http://schemas.microsoft.com/office/drawing/2014/main" id="{4DD83E5F-5BA8-4893-77A1-89397B9C0813}"/>
+                    </a:ext>
+                  </a:extLst>
+                </p:cNvPr>
+                <p:cNvSpPr/>
+                <p:nvPr/>
+              </p:nvSpPr>
+              <p:spPr>
+                <a:xfrm>
+                  <a:off x="10508972" y="685059"/>
+                  <a:ext cx="1225829" cy="360000"/>
+                </a:xfrm>
+                <a:prstGeom prst="rect">
+                  <a:avLst/>
+                </a:prstGeom>
+                <a:solidFill>
+                  <a:schemeClr val="bg2">
+                    <a:lumMod val="75000"/>
+                  </a:schemeClr>
+                </a:solidFill>
+                <a:ln>
+                  <a:noFill/>
+                </a:ln>
+              </p:spPr>
+              <p:style>
+                <a:lnRef idx="2">
+                  <a:schemeClr val="accent1">
+                    <a:shade val="15000"/>
+                  </a:schemeClr>
+                </a:lnRef>
+                <a:fillRef idx="1">
+                  <a:schemeClr val="accent1"/>
+                </a:fillRef>
+                <a:effectRef idx="0">
+                  <a:schemeClr val="accent1"/>
+                </a:effectRef>
+                <a:fontRef idx="minor">
+                  <a:schemeClr val="lt1"/>
+                </a:fontRef>
+              </p:style>
+              <p:txBody>
+                <a:bodyPr rtlCol="0" anchor="ctr"/>
+                <a:lstStyle/>
+                <a:p>
+                  <a:pPr algn="r"/>
+                  <a:r>
+                    <a:rPr lang="en-US" altLang="ko-KR" sz="500" dirty="0">
+                      <a:solidFill>
+                        <a:schemeClr val="tx1"/>
+                      </a:solidFill>
+                    </a:rPr>
+                    <a:t>123,000pt</a:t>
+                  </a:r>
+                  <a:endParaRPr lang="ko-KR" altLang="en-US" sz="500" dirty="0">
+                    <a:solidFill>
+                      <a:schemeClr val="tx1"/>
+                    </a:solidFill>
+                  </a:endParaRPr>
+                </a:p>
+              </p:txBody>
+            </p:sp>
+          </p:grpSp>
+          <p:grpSp>
+            <p:nvGrpSpPr>
+              <p:cNvPr id="35" name="그룹 34">
+                <a:extLst>
+                  <a:ext uri="{FF2B5EF4-FFF2-40B4-BE49-F238E27FC236}">
+                    <a16:creationId xmlns:a16="http://schemas.microsoft.com/office/drawing/2014/main" id="{02272D8F-6F6C-A3C6-B94A-71E3ACACC092}"/>
+                  </a:ext>
+                </a:extLst>
+              </p:cNvPr>
+              <p:cNvGrpSpPr/>
+              <p:nvPr/>
+            </p:nvGrpSpPr>
+            <p:grpSpPr>
+              <a:xfrm>
+                <a:off x="9690652" y="1044675"/>
+                <a:ext cx="2047462" cy="360000"/>
+                <a:chOff x="9687339" y="685059"/>
+                <a:chExt cx="2047462" cy="360000"/>
+              </a:xfrm>
+            </p:grpSpPr>
+            <p:sp>
+              <p:nvSpPr>
+                <p:cNvPr id="36" name="직사각형 35">
+                  <a:extLst>
+                    <a:ext uri="{FF2B5EF4-FFF2-40B4-BE49-F238E27FC236}">
+                      <a16:creationId xmlns:a16="http://schemas.microsoft.com/office/drawing/2014/main" id="{4D724228-948A-71FB-F4C9-A5FAF43E179E}"/>
+                    </a:ext>
+                  </a:extLst>
+                </p:cNvPr>
+                <p:cNvSpPr/>
+                <p:nvPr/>
+              </p:nvSpPr>
+              <p:spPr>
+                <a:xfrm>
+                  <a:off x="9687339" y="685059"/>
+                  <a:ext cx="324678" cy="360000"/>
+                </a:xfrm>
+                <a:prstGeom prst="rect">
+                  <a:avLst/>
+                </a:prstGeom>
+                <a:solidFill>
+                  <a:schemeClr val="bg1">
+                    <a:lumMod val="85000"/>
+                  </a:schemeClr>
+                </a:solidFill>
+                <a:ln>
+                  <a:noFill/>
+                </a:ln>
+              </p:spPr>
+              <p:style>
+                <a:lnRef idx="2">
+                  <a:schemeClr val="accent1">
+                    <a:shade val="15000"/>
+                  </a:schemeClr>
+                </a:lnRef>
+                <a:fillRef idx="1">
+                  <a:schemeClr val="accent1"/>
+                </a:fillRef>
+                <a:effectRef idx="0">
+                  <a:schemeClr val="accent1"/>
+                </a:effectRef>
+                <a:fontRef idx="minor">
+                  <a:schemeClr val="lt1"/>
+                </a:fontRef>
+              </p:style>
+              <p:txBody>
+                <a:bodyPr rtlCol="0" anchor="ctr"/>
+                <a:lstStyle/>
+                <a:p>
+                  <a:pPr algn="ctr"/>
+                  <a:r>
+                    <a:rPr lang="en-US" altLang="ko-KR" sz="700" dirty="0">
+                      <a:solidFill>
+                        <a:schemeClr val="tx1"/>
+                      </a:solidFill>
+                    </a:rPr>
+                    <a:t>2</a:t>
+                  </a:r>
+                  <a:endParaRPr lang="ko-KR" altLang="en-US" sz="700" dirty="0">
+                    <a:solidFill>
+                      <a:schemeClr val="tx1"/>
+                    </a:solidFill>
+                  </a:endParaRPr>
+                </a:p>
+              </p:txBody>
+            </p:sp>
+            <p:sp>
+              <p:nvSpPr>
+                <p:cNvPr id="37" name="직사각형 36">
+                  <a:extLst>
+                    <a:ext uri="{FF2B5EF4-FFF2-40B4-BE49-F238E27FC236}">
+                      <a16:creationId xmlns:a16="http://schemas.microsoft.com/office/drawing/2014/main" id="{05698D86-430B-FD39-F740-A770781122CA}"/>
+                    </a:ext>
+                  </a:extLst>
+                </p:cNvPr>
+                <p:cNvSpPr/>
+                <p:nvPr/>
+              </p:nvSpPr>
+              <p:spPr>
+                <a:xfrm>
+                  <a:off x="10012017" y="685059"/>
+                  <a:ext cx="556592" cy="360000"/>
+                </a:xfrm>
+                <a:prstGeom prst="rect">
+                  <a:avLst/>
+                </a:prstGeom>
+                <a:solidFill>
+                  <a:schemeClr val="bg1"/>
+                </a:solidFill>
+                <a:ln>
+                  <a:noFill/>
+                </a:ln>
+              </p:spPr>
+              <p:style>
+                <a:lnRef idx="2">
+                  <a:schemeClr val="accent1">
+                    <a:shade val="15000"/>
+                  </a:schemeClr>
+                </a:lnRef>
+                <a:fillRef idx="1">
+                  <a:schemeClr val="accent1"/>
+                </a:fillRef>
+                <a:effectRef idx="0">
+                  <a:schemeClr val="accent1"/>
+                </a:effectRef>
+                <a:fontRef idx="minor">
+                  <a:schemeClr val="lt1"/>
+                </a:fontRef>
+              </p:style>
+              <p:txBody>
+                <a:bodyPr rtlCol="0" anchor="ctr"/>
+                <a:lstStyle/>
+                <a:p>
+                  <a:r>
+                    <a:rPr lang="en-US" altLang="ko-KR" sz="500" dirty="0">
+                      <a:solidFill>
+                        <a:schemeClr val="tx1"/>
+                      </a:solidFill>
+                    </a:rPr>
+                    <a:t>P1</a:t>
+                  </a:r>
+                  <a:endParaRPr lang="ko-KR" altLang="en-US" sz="500" dirty="0">
+                    <a:solidFill>
+                      <a:schemeClr val="tx1"/>
+                    </a:solidFill>
+                  </a:endParaRPr>
+                </a:p>
+              </p:txBody>
+            </p:sp>
+            <p:sp>
+              <p:nvSpPr>
+                <p:cNvPr id="38" name="직사각형 37">
+                  <a:extLst>
+                    <a:ext uri="{FF2B5EF4-FFF2-40B4-BE49-F238E27FC236}">
+                      <a16:creationId xmlns:a16="http://schemas.microsoft.com/office/drawing/2014/main" id="{FD28C56F-D4F1-9CB9-1B14-4FF5F1C43DD2}"/>
+                    </a:ext>
+                  </a:extLst>
+                </p:cNvPr>
+                <p:cNvSpPr/>
+                <p:nvPr/>
+              </p:nvSpPr>
+              <p:spPr>
+                <a:xfrm>
+                  <a:off x="10508972" y="685059"/>
+                  <a:ext cx="1225829" cy="360000"/>
+                </a:xfrm>
+                <a:prstGeom prst="rect">
+                  <a:avLst/>
+                </a:prstGeom>
+                <a:solidFill>
+                  <a:schemeClr val="bg1"/>
+                </a:solidFill>
+                <a:ln>
+                  <a:noFill/>
+                </a:ln>
+              </p:spPr>
+              <p:style>
+                <a:lnRef idx="2">
+                  <a:schemeClr val="accent1">
+                    <a:shade val="15000"/>
+                  </a:schemeClr>
+                </a:lnRef>
+                <a:fillRef idx="1">
+                  <a:schemeClr val="accent1"/>
+                </a:fillRef>
+                <a:effectRef idx="0">
+                  <a:schemeClr val="accent1"/>
+                </a:effectRef>
+                <a:fontRef idx="minor">
+                  <a:schemeClr val="lt1"/>
+                </a:fontRef>
+              </p:style>
+              <p:txBody>
+                <a:bodyPr rtlCol="0" anchor="ctr"/>
+                <a:lstStyle/>
+                <a:p>
+                  <a:pPr algn="r"/>
+                  <a:r>
+                    <a:rPr lang="en-US" altLang="ko-KR" sz="500" dirty="0">
+                      <a:solidFill>
+                        <a:schemeClr val="tx1"/>
+                      </a:solidFill>
+                    </a:rPr>
+                    <a:t>96,000pt</a:t>
+                  </a:r>
+                  <a:endParaRPr lang="ko-KR" altLang="en-US" sz="500" dirty="0">
+                    <a:solidFill>
+                      <a:schemeClr val="tx1"/>
+                    </a:solidFill>
+                  </a:endParaRPr>
+                </a:p>
+              </p:txBody>
+            </p:sp>
+          </p:grpSp>
+          <p:grpSp>
+            <p:nvGrpSpPr>
+              <p:cNvPr id="39" name="그룹 38">
+                <a:extLst>
+                  <a:ext uri="{FF2B5EF4-FFF2-40B4-BE49-F238E27FC236}">
+                    <a16:creationId xmlns:a16="http://schemas.microsoft.com/office/drawing/2014/main" id="{874BB67D-0951-339E-D2F9-216D2D6C5E4A}"/>
+                  </a:ext>
+                </a:extLst>
+              </p:cNvPr>
+              <p:cNvGrpSpPr/>
+              <p:nvPr/>
+            </p:nvGrpSpPr>
+            <p:grpSpPr>
+              <a:xfrm>
+                <a:off x="9690652" y="1406633"/>
+                <a:ext cx="2047462" cy="360000"/>
+                <a:chOff x="9687339" y="685059"/>
+                <a:chExt cx="2047462" cy="360000"/>
+              </a:xfrm>
+            </p:grpSpPr>
+            <p:sp>
+              <p:nvSpPr>
+                <p:cNvPr id="40" name="직사각형 39">
+                  <a:extLst>
+                    <a:ext uri="{FF2B5EF4-FFF2-40B4-BE49-F238E27FC236}">
+                      <a16:creationId xmlns:a16="http://schemas.microsoft.com/office/drawing/2014/main" id="{F768FDBD-6E44-9D0D-DCB0-A699C48F6502}"/>
+                    </a:ext>
+                  </a:extLst>
+                </p:cNvPr>
+                <p:cNvSpPr/>
+                <p:nvPr/>
+              </p:nvSpPr>
+              <p:spPr>
+                <a:xfrm>
+                  <a:off x="9687339" y="685059"/>
+                  <a:ext cx="324678" cy="360000"/>
+                </a:xfrm>
+                <a:prstGeom prst="rect">
+                  <a:avLst/>
+                </a:prstGeom>
+                <a:solidFill>
+                  <a:schemeClr val="accent2">
+                    <a:lumMod val="60000"/>
+                    <a:lumOff val="40000"/>
+                  </a:schemeClr>
+                </a:solidFill>
+                <a:ln>
+                  <a:noFill/>
+                </a:ln>
+              </p:spPr>
+              <p:style>
+                <a:lnRef idx="2">
+                  <a:schemeClr val="accent1">
+                    <a:shade val="15000"/>
+                  </a:schemeClr>
+                </a:lnRef>
+                <a:fillRef idx="1">
+                  <a:schemeClr val="accent1"/>
+                </a:fillRef>
+                <a:effectRef idx="0">
+                  <a:schemeClr val="accent1"/>
+                </a:effectRef>
+                <a:fontRef idx="minor">
+                  <a:schemeClr val="lt1"/>
+                </a:fontRef>
+              </p:style>
+              <p:txBody>
+                <a:bodyPr rtlCol="0" anchor="ctr"/>
+                <a:lstStyle/>
+                <a:p>
+                  <a:pPr algn="ctr"/>
+                  <a:r>
+                    <a:rPr lang="en-US" altLang="ko-KR" sz="700" dirty="0">
+                      <a:solidFill>
+                        <a:schemeClr val="tx1"/>
+                      </a:solidFill>
+                    </a:rPr>
+                    <a:t>3</a:t>
+                  </a:r>
+                  <a:endParaRPr lang="ko-KR" altLang="en-US" sz="700" dirty="0">
+                    <a:solidFill>
+                      <a:schemeClr val="tx1"/>
+                    </a:solidFill>
+                  </a:endParaRPr>
+                </a:p>
+              </p:txBody>
+            </p:sp>
+            <p:sp>
+              <p:nvSpPr>
+                <p:cNvPr id="41" name="직사각형 40">
+                  <a:extLst>
+                    <a:ext uri="{FF2B5EF4-FFF2-40B4-BE49-F238E27FC236}">
+                      <a16:creationId xmlns:a16="http://schemas.microsoft.com/office/drawing/2014/main" id="{9AAF0503-45F3-8F3B-DC73-8D3AFD4996B1}"/>
+                    </a:ext>
+                  </a:extLst>
+                </p:cNvPr>
+                <p:cNvSpPr/>
+                <p:nvPr/>
+              </p:nvSpPr>
+              <p:spPr>
+                <a:xfrm>
+                  <a:off x="10012017" y="685059"/>
+                  <a:ext cx="556592" cy="360000"/>
+                </a:xfrm>
+                <a:prstGeom prst="rect">
+                  <a:avLst/>
+                </a:prstGeom>
+                <a:solidFill>
+                  <a:schemeClr val="bg1"/>
+                </a:solidFill>
+                <a:ln>
+                  <a:noFill/>
+                </a:ln>
+              </p:spPr>
+              <p:style>
+                <a:lnRef idx="2">
+                  <a:schemeClr val="accent1">
+                    <a:shade val="15000"/>
+                  </a:schemeClr>
+                </a:lnRef>
+                <a:fillRef idx="1">
+                  <a:schemeClr val="accent1"/>
+                </a:fillRef>
+                <a:effectRef idx="0">
+                  <a:schemeClr val="accent1"/>
+                </a:effectRef>
+                <a:fontRef idx="minor">
+                  <a:schemeClr val="lt1"/>
+                </a:fontRef>
+              </p:style>
+              <p:txBody>
+                <a:bodyPr rtlCol="0" anchor="ctr"/>
+                <a:lstStyle/>
+                <a:p>
+                  <a:r>
+                    <a:rPr lang="en-US" altLang="ko-KR" sz="500" dirty="0">
+                      <a:solidFill>
+                        <a:schemeClr val="tx1"/>
+                      </a:solidFill>
+                    </a:rPr>
+                    <a:t>P2</a:t>
+                  </a:r>
+                  <a:endParaRPr lang="ko-KR" altLang="en-US" sz="500" dirty="0">
+                    <a:solidFill>
+                      <a:schemeClr val="tx1"/>
+                    </a:solidFill>
+                  </a:endParaRPr>
+                </a:p>
+              </p:txBody>
+            </p:sp>
+            <p:sp>
+              <p:nvSpPr>
+                <p:cNvPr id="42" name="직사각형 41">
+                  <a:extLst>
+                    <a:ext uri="{FF2B5EF4-FFF2-40B4-BE49-F238E27FC236}">
+                      <a16:creationId xmlns:a16="http://schemas.microsoft.com/office/drawing/2014/main" id="{F0E193B2-B9F5-8D85-3766-7CF5E2A84714}"/>
+                    </a:ext>
+                  </a:extLst>
+                </p:cNvPr>
+                <p:cNvSpPr/>
+                <p:nvPr/>
+              </p:nvSpPr>
+              <p:spPr>
+                <a:xfrm>
+                  <a:off x="10508972" y="685059"/>
+                  <a:ext cx="1225829" cy="360000"/>
+                </a:xfrm>
+                <a:prstGeom prst="rect">
+                  <a:avLst/>
+                </a:prstGeom>
+                <a:solidFill>
+                  <a:schemeClr val="bg1"/>
+                </a:solidFill>
+                <a:ln>
+                  <a:noFill/>
+                </a:ln>
+              </p:spPr>
+              <p:style>
+                <a:lnRef idx="2">
+                  <a:schemeClr val="accent1">
+                    <a:shade val="15000"/>
+                  </a:schemeClr>
+                </a:lnRef>
+                <a:fillRef idx="1">
+                  <a:schemeClr val="accent1"/>
+                </a:fillRef>
+                <a:effectRef idx="0">
+                  <a:schemeClr val="accent1"/>
+                </a:effectRef>
+                <a:fontRef idx="minor">
+                  <a:schemeClr val="lt1"/>
+                </a:fontRef>
+              </p:style>
+              <p:txBody>
+                <a:bodyPr rtlCol="0" anchor="ctr"/>
+                <a:lstStyle/>
+                <a:p>
+                  <a:pPr algn="r"/>
+                  <a:r>
+                    <a:rPr lang="en-US" altLang="ko-KR" sz="500" dirty="0">
+                      <a:solidFill>
+                        <a:schemeClr val="tx1"/>
+                      </a:solidFill>
+                    </a:rPr>
+                    <a:t>50,000pt</a:t>
+                  </a:r>
+                  <a:endParaRPr lang="ko-KR" altLang="en-US" sz="500" dirty="0">
+                    <a:solidFill>
+                      <a:schemeClr val="tx1"/>
+                    </a:solidFill>
+                  </a:endParaRPr>
+                </a:p>
+              </p:txBody>
+            </p:sp>
+          </p:grpSp>
+        </p:grpSp>
+        <p:sp>
+          <p:nvSpPr>
+            <p:cNvPr id="8" name="타원 7">
+              <a:extLst>
+                <a:ext uri="{FF2B5EF4-FFF2-40B4-BE49-F238E27FC236}">
+                  <a16:creationId xmlns:a16="http://schemas.microsoft.com/office/drawing/2014/main" id="{FEA8F139-D3EF-51D4-0BA8-7D2F259E3C07}"/>
+                </a:ext>
+              </a:extLst>
+            </p:cNvPr>
+            <p:cNvSpPr/>
+            <p:nvPr/>
+          </p:nvSpPr>
+          <p:spPr>
+            <a:xfrm>
+              <a:off x="2859686" y="3366792"/>
+              <a:ext cx="144294" cy="144294"/>
+            </a:xfrm>
+            <a:prstGeom prst="ellipse">
+              <a:avLst/>
+            </a:prstGeom>
+            <a:solidFill>
+              <a:schemeClr val="tx1">
+                <a:lumMod val="85000"/>
+                <a:lumOff val="15000"/>
+              </a:schemeClr>
+            </a:solidFill>
+          </p:spPr>
+          <p:style>
+            <a:lnRef idx="2">
+              <a:schemeClr val="accent1">
+                <a:shade val="15000"/>
+              </a:schemeClr>
+            </a:lnRef>
+            <a:fillRef idx="1">
+              <a:schemeClr val="accent1"/>
+            </a:fillRef>
+            <a:effectRef idx="0">
+              <a:schemeClr val="accent1"/>
+            </a:effectRef>
+            <a:fontRef idx="minor">
+              <a:schemeClr val="lt1"/>
+            </a:fontRef>
+          </p:style>
+          <p:txBody>
+            <a:bodyPr rtlCol="0" anchor="ctr"/>
+            <a:lstStyle/>
+            <a:p>
+              <a:pPr algn="ctr"/>
+              <a:endParaRPr lang="ko-KR" altLang="en-US"/>
+            </a:p>
+          </p:txBody>
+        </p:sp>
+        <p:sp>
+          <p:nvSpPr>
+            <p:cNvPr id="9" name="직사각형 8">
+              <a:extLst>
+                <a:ext uri="{FF2B5EF4-FFF2-40B4-BE49-F238E27FC236}">
+                  <a16:creationId xmlns:a16="http://schemas.microsoft.com/office/drawing/2014/main" id="{D7490CF3-49F9-CEA6-1B3A-11CFAFB7022F}"/>
+                </a:ext>
+              </a:extLst>
+            </p:cNvPr>
+            <p:cNvSpPr/>
+            <p:nvPr/>
+          </p:nvSpPr>
+          <p:spPr>
+            <a:xfrm>
+              <a:off x="5334000" y="1759879"/>
+              <a:ext cx="1524000" cy="280717"/>
+            </a:xfrm>
+            <a:prstGeom prst="rect">
+              <a:avLst/>
+            </a:prstGeom>
+          </p:spPr>
+          <p:style>
+            <a:lnRef idx="2">
+              <a:schemeClr val="accent1">
+                <a:shade val="15000"/>
+              </a:schemeClr>
+            </a:lnRef>
+            <a:fillRef idx="1">
+              <a:schemeClr val="accent1"/>
+            </a:fillRef>
+            <a:effectRef idx="0">
+              <a:schemeClr val="accent1"/>
+            </a:effectRef>
+            <a:fontRef idx="minor">
+              <a:schemeClr val="lt1"/>
+            </a:fontRef>
+          </p:style>
+          <p:txBody>
+            <a:bodyPr rtlCol="0" anchor="ctr"/>
+            <a:lstStyle/>
+            <a:p>
+              <a:pPr algn="ctr"/>
+              <a:r>
+                <a:rPr lang="ko-KR" altLang="en-US" sz="1050" dirty="0"/>
+                <a:t>현재 점수 </a:t>
+              </a:r>
+              <a:r>
+                <a:rPr lang="en-US" altLang="ko-KR" sz="1050" dirty="0"/>
+                <a:t>:</a:t>
+              </a:r>
+              <a:r>
+                <a:rPr lang="ko-KR" altLang="en-US" sz="1050" dirty="0"/>
+                <a:t> </a:t>
+              </a:r>
+              <a:r>
+                <a:rPr lang="en-US" altLang="ko-KR" sz="1050" dirty="0"/>
+                <a:t>123,000</a:t>
+              </a:r>
+              <a:endParaRPr lang="ko-KR" altLang="en-US" sz="1050" dirty="0"/>
+            </a:p>
+          </p:txBody>
+        </p:sp>
+        <p:sp>
+          <p:nvSpPr>
+            <p:cNvPr id="43" name="직사각형 42">
+              <a:extLst>
+                <a:ext uri="{FF2B5EF4-FFF2-40B4-BE49-F238E27FC236}">
+                  <a16:creationId xmlns:a16="http://schemas.microsoft.com/office/drawing/2014/main" id="{A364807B-B53D-F5B7-765A-D2ED68AF50A5}"/>
+                </a:ext>
+              </a:extLst>
+            </p:cNvPr>
+            <p:cNvSpPr/>
+            <p:nvPr/>
+          </p:nvSpPr>
+          <p:spPr>
+            <a:xfrm>
+              <a:off x="3041374" y="1687997"/>
+              <a:ext cx="6149007" cy="3458817"/>
+            </a:xfrm>
+            <a:prstGeom prst="rect">
+              <a:avLst/>
+            </a:prstGeom>
+            <a:solidFill>
+              <a:schemeClr val="bg2">
+                <a:lumMod val="50000"/>
+                <a:alpha val="50000"/>
+              </a:schemeClr>
+            </a:solidFill>
+          </p:spPr>
+          <p:style>
+            <a:lnRef idx="2">
+              <a:schemeClr val="accent1">
+                <a:shade val="15000"/>
+              </a:schemeClr>
+            </a:lnRef>
+            <a:fillRef idx="1">
+              <a:schemeClr val="accent1"/>
+            </a:fillRef>
+            <a:effectRef idx="0">
+              <a:schemeClr val="accent1"/>
+            </a:effectRef>
+            <a:fontRef idx="minor">
+              <a:schemeClr val="lt1"/>
+            </a:fontRef>
+          </p:style>
+          <p:txBody>
+            <a:bodyPr rtlCol="0" anchor="ctr"/>
+            <a:lstStyle/>
+            <a:p>
+              <a:pPr algn="ctr"/>
+              <a:endParaRPr lang="ko-KR" altLang="en-US"/>
+            </a:p>
+          </p:txBody>
+        </p:sp>
+        <p:sp>
+          <p:nvSpPr>
+            <p:cNvPr id="44" name="직사각형 43">
+              <a:extLst>
+                <a:ext uri="{FF2B5EF4-FFF2-40B4-BE49-F238E27FC236}">
+                  <a16:creationId xmlns:a16="http://schemas.microsoft.com/office/drawing/2014/main" id="{564044F3-F9EA-9564-871F-CB13EF4DFBA3}"/>
+                </a:ext>
+              </a:extLst>
+            </p:cNvPr>
+            <p:cNvSpPr/>
+            <p:nvPr/>
+          </p:nvSpPr>
+          <p:spPr>
+            <a:xfrm>
+              <a:off x="5214730" y="2941982"/>
+              <a:ext cx="1765438" cy="1002179"/>
+            </a:xfrm>
+            <a:prstGeom prst="rect">
+              <a:avLst/>
+            </a:prstGeom>
+            <a:ln>
+              <a:noFill/>
+            </a:ln>
+          </p:spPr>
+          <p:style>
+            <a:lnRef idx="2">
+              <a:schemeClr val="accent1">
+                <a:shade val="15000"/>
+              </a:schemeClr>
+            </a:lnRef>
+            <a:fillRef idx="1">
+              <a:schemeClr val="accent1"/>
+            </a:fillRef>
+            <a:effectRef idx="0">
+              <a:schemeClr val="accent1"/>
+            </a:effectRef>
+            <a:fontRef idx="minor">
+              <a:schemeClr val="lt1"/>
+            </a:fontRef>
+          </p:style>
+          <p:txBody>
+            <a:bodyPr rtlCol="0" anchor="t"/>
+            <a:lstStyle/>
+            <a:p>
+              <a:pPr algn="ctr"/>
+              <a:endParaRPr lang="en-US" altLang="ko-KR" sz="1200" dirty="0"/>
+            </a:p>
+            <a:p>
+              <a:pPr algn="ctr"/>
+              <a:r>
+                <a:rPr lang="ko-KR" altLang="en-US" sz="1200" dirty="0"/>
+                <a:t>환경 설정</a:t>
+              </a:r>
+              <a:endParaRPr lang="en-US" altLang="ko-KR" sz="1200" dirty="0"/>
+            </a:p>
+            <a:p>
+              <a:pPr algn="ctr"/>
+              <a:endParaRPr lang="en-US" altLang="ko-KR" sz="1200" dirty="0"/>
+            </a:p>
+            <a:p>
+              <a:pPr algn="ctr"/>
+              <a:r>
+                <a:rPr lang="ko-KR" altLang="en-US" sz="1200" dirty="0"/>
+                <a:t>게임으로 돌아가기</a:t>
+              </a:r>
+            </a:p>
+          </p:txBody>
+        </p:sp>
+        <p:pic>
+          <p:nvPicPr>
+            <p:cNvPr id="13" name="그림 12" descr="텍스트, 스크린샷, 폰트, 번호이(가) 표시된 사진&#10;&#10;자동 생성된 설명">
+              <a:extLst>
+                <a:ext uri="{FF2B5EF4-FFF2-40B4-BE49-F238E27FC236}">
+                  <a16:creationId xmlns:a16="http://schemas.microsoft.com/office/drawing/2014/main" id="{5DC5B2CE-E3CB-E668-E35F-34E5490D230B}"/>
+                </a:ext>
+              </a:extLst>
+            </p:cNvPr>
+            <p:cNvPicPr>
+              <a:picLocks noChangeAspect="1"/>
+            </p:cNvPicPr>
+            <p:nvPr/>
+          </p:nvPicPr>
+          <p:blipFill>
+            <a:blip r:embed="rId2">
+              <a:alphaModFix/>
+              <a:extLst>
+                <a:ext uri="{28A0092B-C50C-407E-A947-70E740481C1C}">
+                  <a14:useLocalDpi xmlns:a14="http://schemas.microsoft.com/office/drawing/2010/main" val="0"/>
+                </a:ext>
+              </a:extLst>
+            </a:blip>
+            <a:srcRect t="-4272"/>
+            <a:stretch/>
+          </p:blipFill>
+          <p:spPr>
+            <a:xfrm>
+              <a:off x="4090930" y="1665720"/>
+              <a:ext cx="3868227" cy="863901"/>
+            </a:xfrm>
+            <a:prstGeom prst="rect">
+              <a:avLst/>
+            </a:prstGeom>
+          </p:spPr>
+        </p:pic>
+      </p:grpSp>
+    </p:spTree>
+    <p:extLst>
+      <p:ext uri="{BB962C8B-B14F-4D97-AF65-F5344CB8AC3E}">
+        <p14:creationId xmlns:p14="http://schemas.microsoft.com/office/powerpoint/2010/main" val="1229920802"/>
+      </p:ext>
+    </p:extLst>
+  </p:cSld>
+  <p:clrMapOvr>
+    <a:masterClrMapping/>
+  </p:clrMapOvr>
+</p:sld>
+</file>
+
+<file path=ppt/slides/slide4.xml><?xml version="1.0" encoding="utf-8"?>
+<p:sld xmlns:a="http://schemas.openxmlformats.org/drawingml/2006/main" xmlns:r="http://schemas.openxmlformats.org/officeDocument/2006/relationships" xmlns:p="http://schemas.openxmlformats.org/presentationml/2006/main">
+  <p:cSld>
+    <p:spTree>
+      <p:nvGrpSpPr>
+        <p:cNvPr id="1" name=""/>
+        <p:cNvGrpSpPr/>
+        <p:nvPr/>
+      </p:nvGrpSpPr>
+      <p:grpSpPr>
+        <a:xfrm>
+          <a:off x="0" y="0"/>
+          <a:ext cx="0" cy="0"/>
+          <a:chOff x="0" y="0"/>
+          <a:chExt cx="0" cy="0"/>
+        </a:xfrm>
+      </p:grpSpPr>
+      <p:grpSp>
+        <p:nvGrpSpPr>
+          <p:cNvPr id="55" name="그룹 54">
+            <a:extLst>
+              <a:ext uri="{FF2B5EF4-FFF2-40B4-BE49-F238E27FC236}">
+                <a16:creationId xmlns:a16="http://schemas.microsoft.com/office/drawing/2014/main" id="{BEA6B6A7-F9FF-EB9F-00B3-8AE6DB625F18}"/>
+              </a:ext>
+            </a:extLst>
+          </p:cNvPr>
+          <p:cNvGrpSpPr/>
+          <p:nvPr/>
+        </p:nvGrpSpPr>
+        <p:grpSpPr>
+          <a:xfrm>
+            <a:off x="518288" y="2188546"/>
+            <a:ext cx="10930485" cy="2529395"/>
+            <a:chOff x="518288" y="2188546"/>
+            <a:chExt cx="10930485" cy="2529395"/>
+          </a:xfrm>
+        </p:grpSpPr>
+        <p:grpSp>
+          <p:nvGrpSpPr>
+            <p:cNvPr id="2" name="그룹 1">
+              <a:extLst>
+                <a:ext uri="{FF2B5EF4-FFF2-40B4-BE49-F238E27FC236}">
+                  <a16:creationId xmlns:a16="http://schemas.microsoft.com/office/drawing/2014/main" id="{C4AD300E-DE35-82D3-C7A8-02F1394A1ACA}"/>
+                </a:ext>
+              </a:extLst>
+            </p:cNvPr>
+            <p:cNvGrpSpPr>
+              <a:grpSpLocks noChangeAspect="1"/>
+            </p:cNvGrpSpPr>
+            <p:nvPr/>
+          </p:nvGrpSpPr>
+          <p:grpSpPr>
+            <a:xfrm>
+              <a:off x="518288" y="2188546"/>
+              <a:ext cx="4399722" cy="2529395"/>
+              <a:chOff x="2816087" y="1557130"/>
+              <a:chExt cx="6546574" cy="3763618"/>
+            </a:xfrm>
+          </p:grpSpPr>
+          <p:sp>
+            <p:nvSpPr>
+              <p:cNvPr id="3" name="사각형: 둥근 모서리 2">
+                <a:extLst>
+                  <a:ext uri="{FF2B5EF4-FFF2-40B4-BE49-F238E27FC236}">
+                    <a16:creationId xmlns:a16="http://schemas.microsoft.com/office/drawing/2014/main" id="{5FD1CE99-EE79-45C8-516E-F14755195973}"/>
+                  </a:ext>
+                </a:extLst>
+              </p:cNvPr>
+              <p:cNvSpPr/>
+              <p:nvPr/>
+            </p:nvSpPr>
+            <p:spPr>
+              <a:xfrm>
+                <a:off x="2816087" y="1557130"/>
+                <a:ext cx="6546574" cy="3763618"/>
+              </a:xfrm>
+              <a:prstGeom prst="roundRect">
+                <a:avLst>
+                  <a:gd name="adj" fmla="val 2928"/>
+                </a:avLst>
+              </a:prstGeom>
+              <a:solidFill>
+                <a:schemeClr val="bg2">
+                  <a:lumMod val="75000"/>
+                </a:schemeClr>
+              </a:solidFill>
+            </p:spPr>
+            <p:style>
+              <a:lnRef idx="2">
+                <a:schemeClr val="accent1">
+                  <a:shade val="15000"/>
+                </a:schemeClr>
+              </a:lnRef>
+              <a:fillRef idx="1">
+                <a:schemeClr val="accent1"/>
+              </a:fillRef>
+              <a:effectRef idx="0">
+                <a:schemeClr val="accent1"/>
+              </a:effectRef>
+              <a:fontRef idx="minor">
+                <a:schemeClr val="lt1"/>
+              </a:fontRef>
+            </p:style>
+            <p:txBody>
+              <a:bodyPr rtlCol="0" anchor="ctr"/>
+              <a:lstStyle/>
+              <a:p>
+                <a:pPr algn="ctr"/>
+                <a:endParaRPr lang="ko-KR" altLang="en-US" sz="1050"/>
+              </a:p>
+            </p:txBody>
+          </p:sp>
+          <p:grpSp>
+            <p:nvGrpSpPr>
+              <p:cNvPr id="4" name="그룹 3">
+                <a:extLst>
+                  <a:ext uri="{FF2B5EF4-FFF2-40B4-BE49-F238E27FC236}">
+                    <a16:creationId xmlns:a16="http://schemas.microsoft.com/office/drawing/2014/main" id="{0AB49C05-2175-72E0-7D1E-0B7B3F7506BD}"/>
+                  </a:ext>
+                </a:extLst>
+              </p:cNvPr>
+              <p:cNvGrpSpPr/>
+              <p:nvPr/>
+            </p:nvGrpSpPr>
+            <p:grpSpPr>
+              <a:xfrm>
+                <a:off x="3041374" y="1692965"/>
+                <a:ext cx="6149008" cy="3458817"/>
+                <a:chOff x="371062" y="208722"/>
+                <a:chExt cx="11449877" cy="6440556"/>
+              </a:xfrm>
+            </p:grpSpPr>
+            <p:sp>
+              <p:nvSpPr>
+                <p:cNvPr id="10" name="직사각형 9">
+                  <a:extLst>
+                    <a:ext uri="{FF2B5EF4-FFF2-40B4-BE49-F238E27FC236}">
+                      <a16:creationId xmlns:a16="http://schemas.microsoft.com/office/drawing/2014/main" id="{4532974F-FB5B-A1B5-0E64-87F9F72CF0F5}"/>
+                    </a:ext>
+                  </a:extLst>
+                </p:cNvPr>
+                <p:cNvSpPr>
+                  <a:spLocks noChangeAspect="1"/>
+                </p:cNvSpPr>
+                <p:nvPr/>
+              </p:nvSpPr>
+              <p:spPr>
+                <a:xfrm>
+                  <a:off x="371062" y="208722"/>
+                  <a:ext cx="11449877" cy="6440556"/>
+                </a:xfrm>
+                <a:prstGeom prst="rect">
+                  <a:avLst/>
+                </a:prstGeom>
+                <a:solidFill>
+                  <a:schemeClr val="bg1"/>
+                </a:solidFill>
+                <a:ln>
+                  <a:solidFill>
+                    <a:schemeClr val="tx1"/>
+                  </a:solidFill>
+                </a:ln>
+              </p:spPr>
+              <p:style>
+                <a:lnRef idx="2">
+                  <a:schemeClr val="accent1">
+                    <a:shade val="15000"/>
+                  </a:schemeClr>
+                </a:lnRef>
+                <a:fillRef idx="1">
+                  <a:schemeClr val="accent1"/>
+                </a:fillRef>
+                <a:effectRef idx="0">
+                  <a:schemeClr val="accent1"/>
+                </a:effectRef>
+                <a:fontRef idx="minor">
+                  <a:schemeClr val="lt1"/>
+                </a:fontRef>
+              </p:style>
+              <p:txBody>
+                <a:bodyPr rtlCol="0" anchor="ctr"/>
+                <a:lstStyle/>
+                <a:p>
+                  <a:pPr algn="ctr"/>
+                  <a:endParaRPr lang="ko-KR" altLang="en-US" sz="200"/>
+                </a:p>
+              </p:txBody>
+            </p:sp>
+            <p:sp>
+              <p:nvSpPr>
+                <p:cNvPr id="11" name="직사각형 10">
+                  <a:extLst>
+                    <a:ext uri="{FF2B5EF4-FFF2-40B4-BE49-F238E27FC236}">
+                      <a16:creationId xmlns:a16="http://schemas.microsoft.com/office/drawing/2014/main" id="{2FD43052-5353-3FC7-AA54-B22F50EE5B4D}"/>
+                    </a:ext>
+                  </a:extLst>
+                </p:cNvPr>
+                <p:cNvSpPr/>
+                <p:nvPr/>
+              </p:nvSpPr>
+              <p:spPr>
+                <a:xfrm>
+                  <a:off x="371062" y="5493026"/>
+                  <a:ext cx="11449876" cy="1156252"/>
+                </a:xfrm>
+                <a:prstGeom prst="rect">
+                  <a:avLst/>
+                </a:prstGeom>
+                <a:solidFill>
+                  <a:schemeClr val="tx1">
+                    <a:lumMod val="65000"/>
+                    <a:lumOff val="35000"/>
+                  </a:schemeClr>
+                </a:solidFill>
+                <a:ln>
+                  <a:solidFill>
+                    <a:schemeClr val="tx1"/>
+                  </a:solidFill>
+                </a:ln>
+              </p:spPr>
+              <p:style>
+                <a:lnRef idx="2">
+                  <a:schemeClr val="accent1">
+                    <a:shade val="15000"/>
+                  </a:schemeClr>
+                </a:lnRef>
+                <a:fillRef idx="1">
+                  <a:schemeClr val="accent1"/>
+                </a:fillRef>
+                <a:effectRef idx="0">
+                  <a:schemeClr val="accent1"/>
+                </a:effectRef>
+                <a:fontRef idx="minor">
+                  <a:schemeClr val="lt1"/>
+                </a:fontRef>
+              </p:style>
+              <p:txBody>
+                <a:bodyPr rtlCol="0" anchor="ctr"/>
+                <a:lstStyle/>
+                <a:p>
+                  <a:pPr algn="ctr"/>
+                  <a:endParaRPr lang="ko-KR" altLang="en-US" sz="200"/>
+                </a:p>
+              </p:txBody>
+            </p:sp>
+            <p:sp>
+              <p:nvSpPr>
+                <p:cNvPr id="12" name="사각형: 둥근 모서리 11">
+                  <a:extLst>
+                    <a:ext uri="{FF2B5EF4-FFF2-40B4-BE49-F238E27FC236}">
+                      <a16:creationId xmlns:a16="http://schemas.microsoft.com/office/drawing/2014/main" id="{0F285186-CBE5-A5AD-E0A4-060BA44A01CA}"/>
+                    </a:ext>
+                  </a:extLst>
+                </p:cNvPr>
+                <p:cNvSpPr/>
+                <p:nvPr/>
+              </p:nvSpPr>
+              <p:spPr>
+                <a:xfrm>
+                  <a:off x="578115" y="4210904"/>
+                  <a:ext cx="722243" cy="1282122"/>
+                </a:xfrm>
+                <a:prstGeom prst="roundRect">
+                  <a:avLst/>
+                </a:prstGeom>
+                <a:ln>
+                  <a:noFill/>
+                </a:ln>
+              </p:spPr>
+              <p:style>
+                <a:lnRef idx="2">
+                  <a:schemeClr val="accent1">
+                    <a:shade val="15000"/>
+                  </a:schemeClr>
+                </a:lnRef>
+                <a:fillRef idx="1">
+                  <a:schemeClr val="accent1"/>
+                </a:fillRef>
+                <a:effectRef idx="0">
+                  <a:schemeClr val="accent1"/>
+                </a:effectRef>
+                <a:fontRef idx="minor">
+                  <a:schemeClr val="lt1"/>
+                </a:fontRef>
+              </p:style>
+              <p:txBody>
+                <a:bodyPr rtlCol="0" anchor="ctr"/>
+                <a:lstStyle/>
+                <a:p>
+                  <a:pPr algn="ctr"/>
+                  <a:endParaRPr lang="ko-KR" altLang="en-US" sz="200"/>
+                </a:p>
+              </p:txBody>
+            </p:sp>
+            <p:sp>
+              <p:nvSpPr>
+                <p:cNvPr id="13" name="직사각형 12">
+                  <a:extLst>
+                    <a:ext uri="{FF2B5EF4-FFF2-40B4-BE49-F238E27FC236}">
+                      <a16:creationId xmlns:a16="http://schemas.microsoft.com/office/drawing/2014/main" id="{D27C6292-E0DA-560F-D116-0DFC9E949154}"/>
+                    </a:ext>
+                  </a:extLst>
+                </p:cNvPr>
+                <p:cNvSpPr/>
+                <p:nvPr/>
+              </p:nvSpPr>
+              <p:spPr>
+                <a:xfrm>
+                  <a:off x="4923703" y="4953026"/>
+                  <a:ext cx="540000" cy="540000"/>
+                </a:xfrm>
+                <a:prstGeom prst="rect">
+                  <a:avLst/>
+                </a:prstGeom>
+                <a:solidFill>
+                  <a:schemeClr val="accent2">
+                    <a:lumMod val="75000"/>
+                  </a:schemeClr>
+                </a:solidFill>
+                <a:ln>
+                  <a:noFill/>
+                </a:ln>
+              </p:spPr>
+              <p:style>
+                <a:lnRef idx="2">
+                  <a:schemeClr val="accent1">
+                    <a:shade val="15000"/>
+                  </a:schemeClr>
+                </a:lnRef>
+                <a:fillRef idx="1">
+                  <a:schemeClr val="accent1"/>
+                </a:fillRef>
+                <a:effectRef idx="0">
+                  <a:schemeClr val="accent1"/>
+                </a:effectRef>
+                <a:fontRef idx="minor">
+                  <a:schemeClr val="lt1"/>
+                </a:fontRef>
+              </p:style>
+              <p:txBody>
+                <a:bodyPr rtlCol="0" anchor="ctr"/>
+                <a:lstStyle/>
+                <a:p>
+                  <a:pPr algn="ctr"/>
+                  <a:endParaRPr lang="ko-KR" altLang="en-US" sz="200"/>
+                </a:p>
+              </p:txBody>
+            </p:sp>
+            <p:sp>
+              <p:nvSpPr>
+                <p:cNvPr id="14" name="직사각형 13">
+                  <a:extLst>
+                    <a:ext uri="{FF2B5EF4-FFF2-40B4-BE49-F238E27FC236}">
+                      <a16:creationId xmlns:a16="http://schemas.microsoft.com/office/drawing/2014/main" id="{7EAEC9BC-DA89-5D72-7CC3-46CB0E71D075}"/>
+                    </a:ext>
+                  </a:extLst>
+                </p:cNvPr>
+                <p:cNvSpPr/>
+                <p:nvPr/>
+              </p:nvSpPr>
+              <p:spPr>
+                <a:xfrm>
+                  <a:off x="8186557" y="3860605"/>
+                  <a:ext cx="540000" cy="540000"/>
+                </a:xfrm>
+                <a:prstGeom prst="rect">
+                  <a:avLst/>
+                </a:prstGeom>
+                <a:solidFill>
+                  <a:schemeClr val="accent2">
+                    <a:lumMod val="75000"/>
+                  </a:schemeClr>
+                </a:solidFill>
+                <a:ln>
+                  <a:noFill/>
+                </a:ln>
+              </p:spPr>
+              <p:style>
+                <a:lnRef idx="2">
+                  <a:schemeClr val="accent1">
+                    <a:shade val="15000"/>
+                  </a:schemeClr>
+                </a:lnRef>
+                <a:fillRef idx="1">
+                  <a:schemeClr val="accent1"/>
+                </a:fillRef>
+                <a:effectRef idx="0">
+                  <a:schemeClr val="accent1"/>
+                </a:effectRef>
+                <a:fontRef idx="minor">
+                  <a:schemeClr val="lt1"/>
+                </a:fontRef>
+              </p:style>
+              <p:txBody>
+                <a:bodyPr rtlCol="0" anchor="ctr"/>
+                <a:lstStyle/>
+                <a:p>
+                  <a:pPr algn="ctr"/>
+                  <a:endParaRPr lang="ko-KR" altLang="en-US" sz="200"/>
+                </a:p>
+              </p:txBody>
+            </p:sp>
+            <p:sp>
+              <p:nvSpPr>
+                <p:cNvPr id="15" name="TextBox 14">
+                  <a:extLst>
+                    <a:ext uri="{FF2B5EF4-FFF2-40B4-BE49-F238E27FC236}">
+                      <a16:creationId xmlns:a16="http://schemas.microsoft.com/office/drawing/2014/main" id="{9199D9EB-5E25-3EB2-3DFD-3ADDF28F015A}"/>
+                    </a:ext>
+                  </a:extLst>
+                </p:cNvPr>
+                <p:cNvSpPr txBox="1"/>
+                <p:nvPr/>
+              </p:nvSpPr>
+              <p:spPr>
+                <a:xfrm>
+                  <a:off x="9932504" y="311425"/>
+                  <a:ext cx="1563757" cy="341100"/>
+                </a:xfrm>
+                <a:prstGeom prst="rect">
+                  <a:avLst/>
+                </a:prstGeom>
+                <a:noFill/>
+              </p:spPr>
+              <p:txBody>
+                <a:bodyPr wrap="square" rtlCol="0">
+                  <a:spAutoFit/>
+                </a:bodyPr>
+                <a:lstStyle/>
+                <a:p>
+                  <a:pPr algn="ctr"/>
+                  <a:r>
+                    <a:rPr lang="en-US" altLang="ko-KR" sz="200" b="1" dirty="0"/>
+                    <a:t>&lt;</a:t>
+                  </a:r>
+                  <a:r>
+                    <a:rPr lang="ko-KR" altLang="en-US" sz="200" b="1" dirty="0"/>
+                    <a:t>현재 순위</a:t>
+                  </a:r>
+                  <a:r>
+                    <a:rPr lang="en-US" altLang="ko-KR" sz="200" b="1" dirty="0"/>
+                    <a:t>&gt;</a:t>
+                  </a:r>
+                  <a:endParaRPr lang="ko-KR" altLang="en-US" sz="200" b="1" dirty="0"/>
+                </a:p>
+              </p:txBody>
+            </p:sp>
+            <p:grpSp>
+              <p:nvGrpSpPr>
+                <p:cNvPr id="16" name="그룹 15">
+                  <a:extLst>
+                    <a:ext uri="{FF2B5EF4-FFF2-40B4-BE49-F238E27FC236}">
+                      <a16:creationId xmlns:a16="http://schemas.microsoft.com/office/drawing/2014/main" id="{C88B6BCA-9144-B21A-A7E6-C3DCF8B3E50A}"/>
+                    </a:ext>
+                  </a:extLst>
+                </p:cNvPr>
+                <p:cNvGrpSpPr/>
+                <p:nvPr/>
+              </p:nvGrpSpPr>
+              <p:grpSpPr>
+                <a:xfrm>
+                  <a:off x="9690652" y="682717"/>
+                  <a:ext cx="2047462" cy="360000"/>
+                  <a:chOff x="9687339" y="685059"/>
+                  <a:chExt cx="2047462" cy="360000"/>
+                </a:xfrm>
+              </p:grpSpPr>
+              <p:sp>
+                <p:nvSpPr>
+                  <p:cNvPr id="25" name="직사각형 24">
+                    <a:extLst>
+                      <a:ext uri="{FF2B5EF4-FFF2-40B4-BE49-F238E27FC236}">
+                        <a16:creationId xmlns:a16="http://schemas.microsoft.com/office/drawing/2014/main" id="{4939C706-82AF-A46F-7360-27D3854C39EA}"/>
+                      </a:ext>
+                    </a:extLst>
+                  </p:cNvPr>
+                  <p:cNvSpPr/>
+                  <p:nvPr/>
+                </p:nvSpPr>
+                <p:spPr>
+                  <a:xfrm>
+                    <a:off x="9687339" y="685059"/>
+                    <a:ext cx="324678" cy="360000"/>
+                  </a:xfrm>
+                  <a:prstGeom prst="rect">
+                    <a:avLst/>
+                  </a:prstGeom>
+                  <a:solidFill>
+                    <a:srgbClr val="FFFF00"/>
+                  </a:solidFill>
+                  <a:ln>
+                    <a:noFill/>
+                  </a:ln>
+                </p:spPr>
+                <p:style>
+                  <a:lnRef idx="2">
+                    <a:schemeClr val="accent1">
+                      <a:shade val="15000"/>
+                    </a:schemeClr>
+                  </a:lnRef>
+                  <a:fillRef idx="1">
+                    <a:schemeClr val="accent1"/>
+                  </a:fillRef>
+                  <a:effectRef idx="0">
+                    <a:schemeClr val="accent1"/>
+                  </a:effectRef>
+                  <a:fontRef idx="minor">
+                    <a:schemeClr val="lt1"/>
+                  </a:fontRef>
+                </p:style>
+                <p:txBody>
+                  <a:bodyPr rtlCol="0" anchor="ctr"/>
+                  <a:lstStyle/>
+                  <a:p>
+                    <a:pPr algn="ctr"/>
+                    <a:r>
+                      <a:rPr lang="en-US" altLang="ko-KR" sz="200" dirty="0">
+                        <a:solidFill>
+                          <a:schemeClr val="tx1"/>
+                        </a:solidFill>
+                      </a:rPr>
+                      <a:t>1</a:t>
+                    </a:r>
+                    <a:endParaRPr lang="ko-KR" altLang="en-US" sz="200" dirty="0">
+                      <a:solidFill>
+                        <a:schemeClr val="tx1"/>
+                      </a:solidFill>
+                    </a:endParaRPr>
+                  </a:p>
+                </p:txBody>
+              </p:sp>
+              <p:sp>
+                <p:nvSpPr>
+                  <p:cNvPr id="26" name="직사각형 25">
+                    <a:extLst>
+                      <a:ext uri="{FF2B5EF4-FFF2-40B4-BE49-F238E27FC236}">
+                        <a16:creationId xmlns:a16="http://schemas.microsoft.com/office/drawing/2014/main" id="{347537BB-2A5D-42C4-B3BC-F2F40F36CD77}"/>
+                      </a:ext>
+                    </a:extLst>
+                  </p:cNvPr>
+                  <p:cNvSpPr/>
+                  <p:nvPr/>
+                </p:nvSpPr>
+                <p:spPr>
+                  <a:xfrm>
+                    <a:off x="10012017" y="685059"/>
+                    <a:ext cx="556592" cy="360000"/>
+                  </a:xfrm>
+                  <a:prstGeom prst="rect">
+                    <a:avLst/>
+                  </a:prstGeom>
+                  <a:solidFill>
+                    <a:schemeClr val="bg2">
+                      <a:lumMod val="75000"/>
+                    </a:schemeClr>
+                  </a:solidFill>
+                  <a:ln>
+                    <a:noFill/>
+                  </a:ln>
+                </p:spPr>
+                <p:style>
+                  <a:lnRef idx="2">
+                    <a:schemeClr val="accent1">
+                      <a:shade val="15000"/>
+                    </a:schemeClr>
+                  </a:lnRef>
+                  <a:fillRef idx="1">
+                    <a:schemeClr val="accent1"/>
+                  </a:fillRef>
+                  <a:effectRef idx="0">
+                    <a:schemeClr val="accent1"/>
+                  </a:effectRef>
+                  <a:fontRef idx="minor">
+                    <a:schemeClr val="lt1"/>
+                  </a:fontRef>
+                </p:style>
+                <p:txBody>
+                  <a:bodyPr rtlCol="0" anchor="ctr"/>
+                  <a:lstStyle/>
+                  <a:p>
+                    <a:r>
+                      <a:rPr lang="en-US" altLang="ko-KR" sz="200" dirty="0">
+                        <a:solidFill>
+                          <a:schemeClr val="tx1"/>
+                        </a:solidFill>
+                      </a:rPr>
+                      <a:t>You</a:t>
+                    </a:r>
+                    <a:endParaRPr lang="ko-KR" altLang="en-US" sz="200" dirty="0">
+                      <a:solidFill>
+                        <a:schemeClr val="tx1"/>
+                      </a:solidFill>
+                    </a:endParaRPr>
+                  </a:p>
+                </p:txBody>
+              </p:sp>
+              <p:sp>
+                <p:nvSpPr>
+                  <p:cNvPr id="27" name="직사각형 26">
+                    <a:extLst>
+                      <a:ext uri="{FF2B5EF4-FFF2-40B4-BE49-F238E27FC236}">
+                        <a16:creationId xmlns:a16="http://schemas.microsoft.com/office/drawing/2014/main" id="{C7ED05E4-9120-72B1-C2C2-FDA0CAD601F0}"/>
+                      </a:ext>
+                    </a:extLst>
+                  </p:cNvPr>
+                  <p:cNvSpPr/>
+                  <p:nvPr/>
+                </p:nvSpPr>
+                <p:spPr>
+                  <a:xfrm>
+                    <a:off x="10508972" y="685059"/>
+                    <a:ext cx="1225829" cy="360000"/>
+                  </a:xfrm>
+                  <a:prstGeom prst="rect">
+                    <a:avLst/>
+                  </a:prstGeom>
+                  <a:solidFill>
+                    <a:schemeClr val="bg2">
+                      <a:lumMod val="75000"/>
+                    </a:schemeClr>
+                  </a:solidFill>
+                  <a:ln>
+                    <a:noFill/>
+                  </a:ln>
+                </p:spPr>
+                <p:style>
+                  <a:lnRef idx="2">
+                    <a:schemeClr val="accent1">
+                      <a:shade val="15000"/>
+                    </a:schemeClr>
+                  </a:lnRef>
+                  <a:fillRef idx="1">
+                    <a:schemeClr val="accent1"/>
+                  </a:fillRef>
+                  <a:effectRef idx="0">
+                    <a:schemeClr val="accent1"/>
+                  </a:effectRef>
+                  <a:fontRef idx="minor">
+                    <a:schemeClr val="lt1"/>
+                  </a:fontRef>
+                </p:style>
+                <p:txBody>
+                  <a:bodyPr rtlCol="0" anchor="ctr"/>
+                  <a:lstStyle/>
+                  <a:p>
+                    <a:pPr algn="r"/>
+                    <a:r>
+                      <a:rPr lang="en-US" altLang="ko-KR" sz="200" dirty="0">
+                        <a:solidFill>
+                          <a:schemeClr val="tx1"/>
+                        </a:solidFill>
+                      </a:rPr>
+                      <a:t>123,000pt</a:t>
+                    </a:r>
+                    <a:endParaRPr lang="ko-KR" altLang="en-US" sz="200" dirty="0">
+                      <a:solidFill>
+                        <a:schemeClr val="tx1"/>
+                      </a:solidFill>
+                    </a:endParaRPr>
+                  </a:p>
+                </p:txBody>
+              </p:sp>
+            </p:grpSp>
+            <p:grpSp>
+              <p:nvGrpSpPr>
+                <p:cNvPr id="17" name="그룹 16">
+                  <a:extLst>
+                    <a:ext uri="{FF2B5EF4-FFF2-40B4-BE49-F238E27FC236}">
+                      <a16:creationId xmlns:a16="http://schemas.microsoft.com/office/drawing/2014/main" id="{88440B71-C04C-A427-C651-C1AFDCCD96B2}"/>
+                    </a:ext>
+                  </a:extLst>
+                </p:cNvPr>
+                <p:cNvGrpSpPr/>
+                <p:nvPr/>
+              </p:nvGrpSpPr>
+              <p:grpSpPr>
+                <a:xfrm>
+                  <a:off x="9690652" y="1044675"/>
+                  <a:ext cx="2047462" cy="360000"/>
+                  <a:chOff x="9687339" y="685059"/>
+                  <a:chExt cx="2047462" cy="360000"/>
+                </a:xfrm>
+              </p:grpSpPr>
+              <p:sp>
+                <p:nvSpPr>
+                  <p:cNvPr id="22" name="직사각형 21">
+                    <a:extLst>
+                      <a:ext uri="{FF2B5EF4-FFF2-40B4-BE49-F238E27FC236}">
+                        <a16:creationId xmlns:a16="http://schemas.microsoft.com/office/drawing/2014/main" id="{BA8733E1-4521-9907-D44C-2613F0FE354B}"/>
+                      </a:ext>
+                    </a:extLst>
+                  </p:cNvPr>
+                  <p:cNvSpPr/>
+                  <p:nvPr/>
+                </p:nvSpPr>
+                <p:spPr>
+                  <a:xfrm>
+                    <a:off x="9687339" y="685059"/>
+                    <a:ext cx="324678" cy="360000"/>
+                  </a:xfrm>
+                  <a:prstGeom prst="rect">
+                    <a:avLst/>
+                  </a:prstGeom>
+                  <a:solidFill>
+                    <a:schemeClr val="bg1">
+                      <a:lumMod val="85000"/>
+                    </a:schemeClr>
+                  </a:solidFill>
+                  <a:ln>
+                    <a:noFill/>
+                  </a:ln>
+                </p:spPr>
+                <p:style>
+                  <a:lnRef idx="2">
+                    <a:schemeClr val="accent1">
+                      <a:shade val="15000"/>
+                    </a:schemeClr>
+                  </a:lnRef>
+                  <a:fillRef idx="1">
+                    <a:schemeClr val="accent1"/>
+                  </a:fillRef>
+                  <a:effectRef idx="0">
+                    <a:schemeClr val="accent1"/>
+                  </a:effectRef>
+                  <a:fontRef idx="minor">
+                    <a:schemeClr val="lt1"/>
+                  </a:fontRef>
+                </p:style>
+                <p:txBody>
+                  <a:bodyPr rtlCol="0" anchor="ctr"/>
+                  <a:lstStyle/>
+                  <a:p>
+                    <a:pPr algn="ctr"/>
+                    <a:r>
+                      <a:rPr lang="en-US" altLang="ko-KR" sz="200" dirty="0">
+                        <a:solidFill>
+                          <a:schemeClr val="tx1"/>
+                        </a:solidFill>
+                      </a:rPr>
+                      <a:t>2</a:t>
+                    </a:r>
+                    <a:endParaRPr lang="ko-KR" altLang="en-US" sz="200" dirty="0">
+                      <a:solidFill>
+                        <a:schemeClr val="tx1"/>
+                      </a:solidFill>
+                    </a:endParaRPr>
+                  </a:p>
+                </p:txBody>
+              </p:sp>
+              <p:sp>
+                <p:nvSpPr>
+                  <p:cNvPr id="23" name="직사각형 22">
+                    <a:extLst>
+                      <a:ext uri="{FF2B5EF4-FFF2-40B4-BE49-F238E27FC236}">
+                        <a16:creationId xmlns:a16="http://schemas.microsoft.com/office/drawing/2014/main" id="{20D93D19-0A38-59A1-38B1-AB004F14D9DB}"/>
+                      </a:ext>
+                    </a:extLst>
+                  </p:cNvPr>
+                  <p:cNvSpPr/>
+                  <p:nvPr/>
+                </p:nvSpPr>
+                <p:spPr>
+                  <a:xfrm>
+                    <a:off x="10012017" y="685059"/>
+                    <a:ext cx="556592" cy="360000"/>
+                  </a:xfrm>
+                  <a:prstGeom prst="rect">
+                    <a:avLst/>
+                  </a:prstGeom>
+                  <a:solidFill>
+                    <a:schemeClr val="bg1"/>
+                  </a:solidFill>
+                  <a:ln>
+                    <a:noFill/>
+                  </a:ln>
+                </p:spPr>
+                <p:style>
+                  <a:lnRef idx="2">
+                    <a:schemeClr val="accent1">
+                      <a:shade val="15000"/>
+                    </a:schemeClr>
+                  </a:lnRef>
+                  <a:fillRef idx="1">
+                    <a:schemeClr val="accent1"/>
+                  </a:fillRef>
+                  <a:effectRef idx="0">
+                    <a:schemeClr val="accent1"/>
+                  </a:effectRef>
+                  <a:fontRef idx="minor">
+                    <a:schemeClr val="lt1"/>
+                  </a:fontRef>
+                </p:style>
+                <p:txBody>
+                  <a:bodyPr rtlCol="0" anchor="ctr"/>
+                  <a:lstStyle/>
+                  <a:p>
+                    <a:r>
+                      <a:rPr lang="en-US" altLang="ko-KR" sz="200" dirty="0">
+                        <a:solidFill>
+                          <a:schemeClr val="tx1"/>
+                        </a:solidFill>
+                      </a:rPr>
+                      <a:t>P1</a:t>
+                    </a:r>
+                    <a:endParaRPr lang="ko-KR" altLang="en-US" sz="200" dirty="0">
+                      <a:solidFill>
+                        <a:schemeClr val="tx1"/>
+                      </a:solidFill>
+                    </a:endParaRPr>
+                  </a:p>
+                </p:txBody>
+              </p:sp>
+              <p:sp>
+                <p:nvSpPr>
+                  <p:cNvPr id="24" name="직사각형 23">
+                    <a:extLst>
+                      <a:ext uri="{FF2B5EF4-FFF2-40B4-BE49-F238E27FC236}">
+                        <a16:creationId xmlns:a16="http://schemas.microsoft.com/office/drawing/2014/main" id="{0A58800C-1DA7-E9F7-4A4D-1F694A998B2F}"/>
+                      </a:ext>
+                    </a:extLst>
+                  </p:cNvPr>
+                  <p:cNvSpPr/>
+                  <p:nvPr/>
+                </p:nvSpPr>
+                <p:spPr>
+                  <a:xfrm>
+                    <a:off x="10508972" y="685059"/>
+                    <a:ext cx="1225829" cy="360000"/>
+                  </a:xfrm>
+                  <a:prstGeom prst="rect">
+                    <a:avLst/>
+                  </a:prstGeom>
+                  <a:solidFill>
+                    <a:schemeClr val="bg1"/>
+                  </a:solidFill>
+                  <a:ln>
+                    <a:noFill/>
+                  </a:ln>
+                </p:spPr>
+                <p:style>
+                  <a:lnRef idx="2">
+                    <a:schemeClr val="accent1">
+                      <a:shade val="15000"/>
+                    </a:schemeClr>
+                  </a:lnRef>
+                  <a:fillRef idx="1">
+                    <a:schemeClr val="accent1"/>
+                  </a:fillRef>
+                  <a:effectRef idx="0">
+                    <a:schemeClr val="accent1"/>
+                  </a:effectRef>
+                  <a:fontRef idx="minor">
+                    <a:schemeClr val="lt1"/>
+                  </a:fontRef>
+                </p:style>
+                <p:txBody>
+                  <a:bodyPr rtlCol="0" anchor="ctr"/>
+                  <a:lstStyle/>
+                  <a:p>
+                    <a:pPr algn="r"/>
+                    <a:r>
+                      <a:rPr lang="en-US" altLang="ko-KR" sz="200" dirty="0">
+                        <a:solidFill>
+                          <a:schemeClr val="tx1"/>
+                        </a:solidFill>
+                      </a:rPr>
+                      <a:t>96,000pt</a:t>
+                    </a:r>
+                    <a:endParaRPr lang="ko-KR" altLang="en-US" sz="200" dirty="0">
+                      <a:solidFill>
+                        <a:schemeClr val="tx1"/>
+                      </a:solidFill>
+                    </a:endParaRPr>
+                  </a:p>
+                </p:txBody>
+              </p:sp>
+            </p:grpSp>
+            <p:grpSp>
+              <p:nvGrpSpPr>
+                <p:cNvPr id="18" name="그룹 17">
+                  <a:extLst>
+                    <a:ext uri="{FF2B5EF4-FFF2-40B4-BE49-F238E27FC236}">
+                      <a16:creationId xmlns:a16="http://schemas.microsoft.com/office/drawing/2014/main" id="{90F62955-74A6-CDCD-3F21-3D075D66C55B}"/>
+                    </a:ext>
+                  </a:extLst>
+                </p:cNvPr>
+                <p:cNvGrpSpPr/>
+                <p:nvPr/>
+              </p:nvGrpSpPr>
+              <p:grpSpPr>
+                <a:xfrm>
+                  <a:off x="9690652" y="1406633"/>
+                  <a:ext cx="2047462" cy="360000"/>
+                  <a:chOff x="9687339" y="685059"/>
+                  <a:chExt cx="2047462" cy="360000"/>
+                </a:xfrm>
+              </p:grpSpPr>
+              <p:sp>
+                <p:nvSpPr>
+                  <p:cNvPr id="19" name="직사각형 18">
+                    <a:extLst>
+                      <a:ext uri="{FF2B5EF4-FFF2-40B4-BE49-F238E27FC236}">
+                        <a16:creationId xmlns:a16="http://schemas.microsoft.com/office/drawing/2014/main" id="{A9A018B5-D306-2B4A-4476-CCE4EA226227}"/>
+                      </a:ext>
+                    </a:extLst>
+                  </p:cNvPr>
+                  <p:cNvSpPr/>
+                  <p:nvPr/>
+                </p:nvSpPr>
+                <p:spPr>
+                  <a:xfrm>
+                    <a:off x="9687339" y="685059"/>
+                    <a:ext cx="324678" cy="360000"/>
+                  </a:xfrm>
+                  <a:prstGeom prst="rect">
+                    <a:avLst/>
+                  </a:prstGeom>
+                  <a:solidFill>
+                    <a:schemeClr val="accent2">
+                      <a:lumMod val="60000"/>
+                      <a:lumOff val="40000"/>
+                    </a:schemeClr>
+                  </a:solidFill>
+                  <a:ln>
+                    <a:noFill/>
+                  </a:ln>
+                </p:spPr>
+                <p:style>
+                  <a:lnRef idx="2">
+                    <a:schemeClr val="accent1">
+                      <a:shade val="15000"/>
+                    </a:schemeClr>
+                  </a:lnRef>
+                  <a:fillRef idx="1">
+                    <a:schemeClr val="accent1"/>
+                  </a:fillRef>
+                  <a:effectRef idx="0">
+                    <a:schemeClr val="accent1"/>
+                  </a:effectRef>
+                  <a:fontRef idx="minor">
+                    <a:schemeClr val="lt1"/>
+                  </a:fontRef>
+                </p:style>
+                <p:txBody>
+                  <a:bodyPr rtlCol="0" anchor="ctr"/>
+                  <a:lstStyle/>
+                  <a:p>
+                    <a:pPr algn="ctr"/>
+                    <a:r>
+                      <a:rPr lang="en-US" altLang="ko-KR" sz="200" dirty="0">
+                        <a:solidFill>
+                          <a:schemeClr val="tx1"/>
+                        </a:solidFill>
+                      </a:rPr>
+                      <a:t>3</a:t>
+                    </a:r>
+                    <a:endParaRPr lang="ko-KR" altLang="en-US" sz="200" dirty="0">
+                      <a:solidFill>
+                        <a:schemeClr val="tx1"/>
+                      </a:solidFill>
+                    </a:endParaRPr>
+                  </a:p>
+                </p:txBody>
+              </p:sp>
+              <p:sp>
+                <p:nvSpPr>
+                  <p:cNvPr id="20" name="직사각형 19">
+                    <a:extLst>
+                      <a:ext uri="{FF2B5EF4-FFF2-40B4-BE49-F238E27FC236}">
+                        <a16:creationId xmlns:a16="http://schemas.microsoft.com/office/drawing/2014/main" id="{9EF8AE7F-27A0-777E-7D31-4478B3DCF3A9}"/>
+                      </a:ext>
+                    </a:extLst>
+                  </p:cNvPr>
+                  <p:cNvSpPr/>
+                  <p:nvPr/>
+                </p:nvSpPr>
+                <p:spPr>
+                  <a:xfrm>
+                    <a:off x="10012017" y="685059"/>
+                    <a:ext cx="556592" cy="360000"/>
+                  </a:xfrm>
+                  <a:prstGeom prst="rect">
+                    <a:avLst/>
+                  </a:prstGeom>
+                  <a:solidFill>
+                    <a:schemeClr val="bg1"/>
+                  </a:solidFill>
+                  <a:ln>
+                    <a:noFill/>
+                  </a:ln>
+                </p:spPr>
+                <p:style>
+                  <a:lnRef idx="2">
+                    <a:schemeClr val="accent1">
+                      <a:shade val="15000"/>
+                    </a:schemeClr>
+                  </a:lnRef>
+                  <a:fillRef idx="1">
+                    <a:schemeClr val="accent1"/>
+                  </a:fillRef>
+                  <a:effectRef idx="0">
+                    <a:schemeClr val="accent1"/>
+                  </a:effectRef>
+                  <a:fontRef idx="minor">
+                    <a:schemeClr val="lt1"/>
+                  </a:fontRef>
+                </p:style>
+                <p:txBody>
+                  <a:bodyPr rtlCol="0" anchor="ctr"/>
+                  <a:lstStyle/>
+                  <a:p>
+                    <a:r>
+                      <a:rPr lang="en-US" altLang="ko-KR" sz="200" dirty="0">
+                        <a:solidFill>
+                          <a:schemeClr val="tx1"/>
+                        </a:solidFill>
+                      </a:rPr>
+                      <a:t>P2</a:t>
+                    </a:r>
+                    <a:endParaRPr lang="ko-KR" altLang="en-US" sz="200" dirty="0">
+                      <a:solidFill>
+                        <a:schemeClr val="tx1"/>
+                      </a:solidFill>
+                    </a:endParaRPr>
+                  </a:p>
+                </p:txBody>
+              </p:sp>
+              <p:sp>
+                <p:nvSpPr>
+                  <p:cNvPr id="21" name="직사각형 20">
+                    <a:extLst>
+                      <a:ext uri="{FF2B5EF4-FFF2-40B4-BE49-F238E27FC236}">
+                        <a16:creationId xmlns:a16="http://schemas.microsoft.com/office/drawing/2014/main" id="{96537E52-8B16-1E69-4779-80160D66C33B}"/>
+                      </a:ext>
+                    </a:extLst>
+                  </p:cNvPr>
+                  <p:cNvSpPr/>
+                  <p:nvPr/>
+                </p:nvSpPr>
+                <p:spPr>
+                  <a:xfrm>
+                    <a:off x="10508972" y="685059"/>
+                    <a:ext cx="1225829" cy="360000"/>
+                  </a:xfrm>
+                  <a:prstGeom prst="rect">
+                    <a:avLst/>
+                  </a:prstGeom>
+                  <a:solidFill>
+                    <a:schemeClr val="bg1"/>
+                  </a:solidFill>
+                  <a:ln>
+                    <a:noFill/>
+                  </a:ln>
+                </p:spPr>
+                <p:style>
+                  <a:lnRef idx="2">
+                    <a:schemeClr val="accent1">
+                      <a:shade val="15000"/>
+                    </a:schemeClr>
+                  </a:lnRef>
+                  <a:fillRef idx="1">
+                    <a:schemeClr val="accent1"/>
+                  </a:fillRef>
+                  <a:effectRef idx="0">
+                    <a:schemeClr val="accent1"/>
+                  </a:effectRef>
+                  <a:fontRef idx="minor">
+                    <a:schemeClr val="lt1"/>
+                  </a:fontRef>
+                </p:style>
+                <p:txBody>
+                  <a:bodyPr rtlCol="0" anchor="ctr"/>
+                  <a:lstStyle/>
+                  <a:p>
+                    <a:pPr algn="r"/>
+                    <a:r>
+                      <a:rPr lang="en-US" altLang="ko-KR" sz="200" dirty="0">
+                        <a:solidFill>
+                          <a:schemeClr val="tx1"/>
+                        </a:solidFill>
+                      </a:rPr>
+                      <a:t>50,000pt</a:t>
+                    </a:r>
+                    <a:endParaRPr lang="ko-KR" altLang="en-US" sz="200" dirty="0">
+                      <a:solidFill>
+                        <a:schemeClr val="tx1"/>
+                      </a:solidFill>
+                    </a:endParaRPr>
+                  </a:p>
+                </p:txBody>
+              </p:sp>
+            </p:grpSp>
+          </p:grpSp>
+          <p:sp>
+            <p:nvSpPr>
+              <p:cNvPr id="5" name="타원 4">
+                <a:extLst>
+                  <a:ext uri="{FF2B5EF4-FFF2-40B4-BE49-F238E27FC236}">
+                    <a16:creationId xmlns:a16="http://schemas.microsoft.com/office/drawing/2014/main" id="{F7E6C003-A113-0FC6-F3E1-ED6BDC091B78}"/>
+                  </a:ext>
+                </a:extLst>
+              </p:cNvPr>
+              <p:cNvSpPr/>
+              <p:nvPr/>
+            </p:nvSpPr>
+            <p:spPr>
+              <a:xfrm>
+                <a:off x="2859686" y="3366792"/>
+                <a:ext cx="144294" cy="144294"/>
+              </a:xfrm>
+              <a:prstGeom prst="ellipse">
+                <a:avLst/>
+              </a:prstGeom>
+              <a:solidFill>
+                <a:schemeClr val="tx1">
+                  <a:lumMod val="85000"/>
+                  <a:lumOff val="15000"/>
+                </a:schemeClr>
+              </a:solidFill>
+            </p:spPr>
+            <p:style>
+              <a:lnRef idx="2">
+                <a:schemeClr val="accent1">
+                  <a:shade val="15000"/>
+                </a:schemeClr>
+              </a:lnRef>
+              <a:fillRef idx="1">
+                <a:schemeClr val="accent1"/>
+              </a:fillRef>
+              <a:effectRef idx="0">
+                <a:schemeClr val="accent1"/>
+              </a:effectRef>
+              <a:fontRef idx="minor">
+                <a:schemeClr val="lt1"/>
+              </a:fontRef>
+            </p:style>
+            <p:txBody>
+              <a:bodyPr rtlCol="0" anchor="ctr"/>
+              <a:lstStyle/>
+              <a:p>
+                <a:pPr algn="ctr"/>
+                <a:endParaRPr lang="ko-KR" altLang="en-US" sz="1050"/>
+              </a:p>
+            </p:txBody>
+          </p:sp>
+          <p:sp>
+            <p:nvSpPr>
+              <p:cNvPr id="6" name="직사각형 5">
+                <a:extLst>
+                  <a:ext uri="{FF2B5EF4-FFF2-40B4-BE49-F238E27FC236}">
+                    <a16:creationId xmlns:a16="http://schemas.microsoft.com/office/drawing/2014/main" id="{3A4AC6E1-BD86-809A-2901-30FE59A67FCB}"/>
+                  </a:ext>
+                </a:extLst>
+              </p:cNvPr>
+              <p:cNvSpPr/>
+              <p:nvPr/>
+            </p:nvSpPr>
+            <p:spPr>
+              <a:xfrm>
+                <a:off x="5334000" y="1759879"/>
+                <a:ext cx="1524000" cy="280717"/>
+              </a:xfrm>
+              <a:prstGeom prst="rect">
+                <a:avLst/>
+              </a:prstGeom>
+            </p:spPr>
+            <p:style>
+              <a:lnRef idx="2">
+                <a:schemeClr val="accent1">
+                  <a:shade val="15000"/>
+                </a:schemeClr>
+              </a:lnRef>
+              <a:fillRef idx="1">
+                <a:schemeClr val="accent1"/>
+              </a:fillRef>
+              <a:effectRef idx="0">
+                <a:schemeClr val="accent1"/>
+              </a:effectRef>
+              <a:fontRef idx="minor">
+                <a:schemeClr val="lt1"/>
+              </a:fontRef>
+            </p:style>
+            <p:txBody>
+              <a:bodyPr rtlCol="0" anchor="ctr"/>
+              <a:lstStyle/>
+              <a:p>
+                <a:pPr algn="ctr"/>
+                <a:r>
+                  <a:rPr lang="ko-KR" altLang="en-US" sz="600" dirty="0"/>
+                  <a:t>현재 점수 </a:t>
+                </a:r>
+                <a:r>
+                  <a:rPr lang="en-US" altLang="ko-KR" sz="600" dirty="0"/>
+                  <a:t>:</a:t>
+                </a:r>
+                <a:r>
+                  <a:rPr lang="ko-KR" altLang="en-US" sz="600" dirty="0"/>
+                  <a:t> </a:t>
+                </a:r>
+                <a:r>
+                  <a:rPr lang="en-US" altLang="ko-KR" sz="600" dirty="0"/>
+                  <a:t>123,000</a:t>
+                </a:r>
+                <a:endParaRPr lang="ko-KR" altLang="en-US" sz="600" dirty="0"/>
+              </a:p>
+            </p:txBody>
+          </p:sp>
+          <p:sp>
+            <p:nvSpPr>
+              <p:cNvPr id="7" name="직사각형 6">
+                <a:extLst>
+                  <a:ext uri="{FF2B5EF4-FFF2-40B4-BE49-F238E27FC236}">
+                    <a16:creationId xmlns:a16="http://schemas.microsoft.com/office/drawing/2014/main" id="{A1474466-15D4-C9C2-7728-B4D6C5AD805D}"/>
+                  </a:ext>
+                </a:extLst>
+              </p:cNvPr>
+              <p:cNvSpPr/>
+              <p:nvPr/>
+            </p:nvSpPr>
+            <p:spPr>
+              <a:xfrm>
+                <a:off x="3041374" y="1687997"/>
+                <a:ext cx="6149007" cy="3458817"/>
+              </a:xfrm>
+              <a:prstGeom prst="rect">
+                <a:avLst/>
+              </a:prstGeom>
+              <a:solidFill>
+                <a:schemeClr val="bg2">
+                  <a:lumMod val="50000"/>
+                  <a:alpha val="50000"/>
+                </a:schemeClr>
+              </a:solidFill>
+            </p:spPr>
+            <p:style>
+              <a:lnRef idx="2">
+                <a:schemeClr val="accent1">
+                  <a:shade val="15000"/>
+                </a:schemeClr>
+              </a:lnRef>
+              <a:fillRef idx="1">
+                <a:schemeClr val="accent1"/>
+              </a:fillRef>
+              <a:effectRef idx="0">
+                <a:schemeClr val="accent1"/>
+              </a:effectRef>
+              <a:fontRef idx="minor">
+                <a:schemeClr val="lt1"/>
+              </a:fontRef>
+            </p:style>
+            <p:txBody>
+              <a:bodyPr rtlCol="0" anchor="ctr"/>
+              <a:lstStyle/>
+              <a:p>
+                <a:pPr algn="ctr"/>
+                <a:endParaRPr lang="ko-KR" altLang="en-US" sz="1050"/>
+              </a:p>
+            </p:txBody>
+          </p:sp>
+          <p:sp>
+            <p:nvSpPr>
+              <p:cNvPr id="8" name="직사각형 7">
+                <a:extLst>
+                  <a:ext uri="{FF2B5EF4-FFF2-40B4-BE49-F238E27FC236}">
+                    <a16:creationId xmlns:a16="http://schemas.microsoft.com/office/drawing/2014/main" id="{DAC171D8-7875-E304-6178-9457E72D6E6A}"/>
+                  </a:ext>
+                </a:extLst>
+              </p:cNvPr>
+              <p:cNvSpPr/>
+              <p:nvPr/>
+            </p:nvSpPr>
+            <p:spPr>
+              <a:xfrm>
+                <a:off x="5214730" y="2941982"/>
+                <a:ext cx="1765438" cy="1002179"/>
+              </a:xfrm>
+              <a:prstGeom prst="rect">
+                <a:avLst/>
+              </a:prstGeom>
+              <a:ln>
+                <a:noFill/>
+              </a:ln>
+            </p:spPr>
+            <p:style>
+              <a:lnRef idx="2">
+                <a:schemeClr val="accent1">
+                  <a:shade val="15000"/>
+                </a:schemeClr>
+              </a:lnRef>
+              <a:fillRef idx="1">
+                <a:schemeClr val="accent1"/>
+              </a:fillRef>
+              <a:effectRef idx="0">
+                <a:schemeClr val="accent1"/>
+              </a:effectRef>
+              <a:fontRef idx="minor">
+                <a:schemeClr val="lt1"/>
+              </a:fontRef>
+            </p:style>
+            <p:txBody>
+              <a:bodyPr rtlCol="0" anchor="t"/>
+              <a:lstStyle/>
+              <a:p>
+                <a:pPr algn="ctr"/>
+                <a:endParaRPr lang="en-US" altLang="ko-KR" sz="800" dirty="0"/>
+              </a:p>
+              <a:p>
+                <a:pPr algn="ctr"/>
+                <a:r>
+                  <a:rPr lang="ko-KR" altLang="en-US" sz="800" dirty="0"/>
+                  <a:t>환경 설정</a:t>
+                </a:r>
+                <a:endParaRPr lang="en-US" altLang="ko-KR" sz="800" dirty="0"/>
+              </a:p>
+              <a:p>
+                <a:pPr algn="ctr"/>
+                <a:endParaRPr lang="en-US" altLang="ko-KR" sz="800" dirty="0"/>
+              </a:p>
+              <a:p>
+                <a:pPr algn="ctr"/>
+                <a:r>
+                  <a:rPr lang="ko-KR" altLang="en-US" sz="800" dirty="0"/>
+                  <a:t>게임으로 돌아가기</a:t>
+                </a:r>
+              </a:p>
+            </p:txBody>
+          </p:sp>
+          <p:pic>
+            <p:nvPicPr>
+              <p:cNvPr id="9" name="그림 8" descr="텍스트, 스크린샷, 폰트, 번호이(가) 표시된 사진&#10;&#10;자동 생성된 설명">
+                <a:extLst>
+                  <a:ext uri="{FF2B5EF4-FFF2-40B4-BE49-F238E27FC236}">
+                    <a16:creationId xmlns:a16="http://schemas.microsoft.com/office/drawing/2014/main" id="{8FC42069-8C8E-0F7A-6834-3D2413D04CF1}"/>
+                  </a:ext>
+                </a:extLst>
+              </p:cNvPr>
+              <p:cNvPicPr>
+                <a:picLocks noChangeAspect="1"/>
+              </p:cNvPicPr>
+              <p:nvPr/>
+            </p:nvPicPr>
+            <p:blipFill>
+              <a:blip r:embed="rId2">
+                <a:alphaModFix amt="60000"/>
+                <a:extLst>
+                  <a:ext uri="{28A0092B-C50C-407E-A947-70E740481C1C}">
+                    <a14:useLocalDpi xmlns:a14="http://schemas.microsoft.com/office/drawing/2010/main" val="0"/>
+                  </a:ext>
+                </a:extLst>
+              </a:blip>
+              <a:srcRect t="43158"/>
+              <a:stretch/>
+            </p:blipFill>
+            <p:spPr>
+              <a:xfrm>
+                <a:off x="4090930" y="1689526"/>
+                <a:ext cx="3868227" cy="470943"/>
+              </a:xfrm>
+              <a:prstGeom prst="rect">
+                <a:avLst/>
+              </a:prstGeom>
+            </p:spPr>
+          </p:pic>
+        </p:grpSp>
+        <p:grpSp>
+          <p:nvGrpSpPr>
+            <p:cNvPr id="28" name="그룹 27">
+              <a:extLst>
+                <a:ext uri="{FF2B5EF4-FFF2-40B4-BE49-F238E27FC236}">
+                  <a16:creationId xmlns:a16="http://schemas.microsoft.com/office/drawing/2014/main" id="{47D12459-3CFE-7C2C-B9BA-5798FA880139}"/>
+                </a:ext>
+              </a:extLst>
+            </p:cNvPr>
+            <p:cNvGrpSpPr>
+              <a:grpSpLocks noChangeAspect="1"/>
+            </p:cNvGrpSpPr>
+            <p:nvPr/>
+          </p:nvGrpSpPr>
+          <p:grpSpPr>
+            <a:xfrm>
+              <a:off x="7049052" y="2188546"/>
+              <a:ext cx="4399721" cy="2529395"/>
+              <a:chOff x="2816087" y="1557130"/>
+              <a:chExt cx="6546574" cy="3763618"/>
+            </a:xfrm>
+          </p:grpSpPr>
+          <p:sp>
+            <p:nvSpPr>
+              <p:cNvPr id="29" name="사각형: 둥근 모서리 28">
+                <a:extLst>
+                  <a:ext uri="{FF2B5EF4-FFF2-40B4-BE49-F238E27FC236}">
+                    <a16:creationId xmlns:a16="http://schemas.microsoft.com/office/drawing/2014/main" id="{4A440FF4-DE85-EAF4-4F1A-C5371398FB2D}"/>
+                  </a:ext>
+                </a:extLst>
+              </p:cNvPr>
+              <p:cNvSpPr/>
+              <p:nvPr/>
+            </p:nvSpPr>
+            <p:spPr>
+              <a:xfrm>
+                <a:off x="2816087" y="1557130"/>
+                <a:ext cx="6546574" cy="3763618"/>
+              </a:xfrm>
+              <a:prstGeom prst="roundRect">
+                <a:avLst>
+                  <a:gd name="adj" fmla="val 2928"/>
+                </a:avLst>
+              </a:prstGeom>
+              <a:solidFill>
+                <a:schemeClr val="bg2">
+                  <a:lumMod val="75000"/>
+                </a:schemeClr>
+              </a:solidFill>
+            </p:spPr>
+            <p:style>
+              <a:lnRef idx="2">
+                <a:schemeClr val="accent1">
+                  <a:shade val="15000"/>
+                </a:schemeClr>
+              </a:lnRef>
+              <a:fillRef idx="1">
+                <a:schemeClr val="accent1"/>
+              </a:fillRef>
+              <a:effectRef idx="0">
+                <a:schemeClr val="accent1"/>
+              </a:effectRef>
+              <a:fontRef idx="minor">
+                <a:schemeClr val="lt1"/>
+              </a:fontRef>
+            </p:style>
+            <p:txBody>
+              <a:bodyPr rtlCol="0" anchor="ctr"/>
+              <a:lstStyle/>
+              <a:p>
+                <a:pPr algn="ctr"/>
+                <a:endParaRPr lang="ko-KR" altLang="en-US" sz="1050"/>
+              </a:p>
+            </p:txBody>
+          </p:sp>
+          <p:grpSp>
+            <p:nvGrpSpPr>
+              <p:cNvPr id="30" name="그룹 29">
+                <a:extLst>
+                  <a:ext uri="{FF2B5EF4-FFF2-40B4-BE49-F238E27FC236}">
+                    <a16:creationId xmlns:a16="http://schemas.microsoft.com/office/drawing/2014/main" id="{BDDDDF8E-427D-8668-3E29-BF57A333EB5F}"/>
+                  </a:ext>
+                </a:extLst>
+              </p:cNvPr>
+              <p:cNvGrpSpPr/>
+              <p:nvPr/>
+            </p:nvGrpSpPr>
+            <p:grpSpPr>
+              <a:xfrm>
+                <a:off x="3041374" y="1692965"/>
+                <a:ext cx="6149008" cy="3458817"/>
+                <a:chOff x="371062" y="208722"/>
+                <a:chExt cx="11449877" cy="6440556"/>
+              </a:xfrm>
+            </p:grpSpPr>
+            <p:sp>
+              <p:nvSpPr>
+                <p:cNvPr id="36" name="직사각형 35">
+                  <a:extLst>
+                    <a:ext uri="{FF2B5EF4-FFF2-40B4-BE49-F238E27FC236}">
+                      <a16:creationId xmlns:a16="http://schemas.microsoft.com/office/drawing/2014/main" id="{A6DEA191-89B2-1717-DF86-EC725A73F165}"/>
+                    </a:ext>
+                  </a:extLst>
+                </p:cNvPr>
+                <p:cNvSpPr>
+                  <a:spLocks noChangeAspect="1"/>
+                </p:cNvSpPr>
+                <p:nvPr/>
+              </p:nvSpPr>
+              <p:spPr>
+                <a:xfrm>
+                  <a:off x="371062" y="208722"/>
+                  <a:ext cx="11449877" cy="6440556"/>
+                </a:xfrm>
+                <a:prstGeom prst="rect">
+                  <a:avLst/>
+                </a:prstGeom>
+                <a:solidFill>
+                  <a:schemeClr val="bg1"/>
+                </a:solidFill>
+                <a:ln>
+                  <a:solidFill>
+                    <a:schemeClr val="tx1"/>
+                  </a:solidFill>
+                </a:ln>
+              </p:spPr>
+              <p:style>
+                <a:lnRef idx="2">
+                  <a:schemeClr val="accent1">
+                    <a:shade val="15000"/>
+                  </a:schemeClr>
+                </a:lnRef>
+                <a:fillRef idx="1">
+                  <a:schemeClr val="accent1"/>
+                </a:fillRef>
+                <a:effectRef idx="0">
+                  <a:schemeClr val="accent1"/>
+                </a:effectRef>
+                <a:fontRef idx="minor">
+                  <a:schemeClr val="lt1"/>
+                </a:fontRef>
+              </p:style>
+              <p:txBody>
+                <a:bodyPr rtlCol="0" anchor="ctr"/>
+                <a:lstStyle/>
+                <a:p>
+                  <a:pPr algn="ctr"/>
+                  <a:endParaRPr lang="ko-KR" altLang="en-US" sz="200"/>
+                </a:p>
+              </p:txBody>
+            </p:sp>
+            <p:sp>
+              <p:nvSpPr>
+                <p:cNvPr id="37" name="직사각형 36">
+                  <a:extLst>
+                    <a:ext uri="{FF2B5EF4-FFF2-40B4-BE49-F238E27FC236}">
+                      <a16:creationId xmlns:a16="http://schemas.microsoft.com/office/drawing/2014/main" id="{6B750973-9C4C-F184-FB7B-2689F8DD52A0}"/>
+                    </a:ext>
+                  </a:extLst>
+                </p:cNvPr>
+                <p:cNvSpPr/>
+                <p:nvPr/>
+              </p:nvSpPr>
+              <p:spPr>
+                <a:xfrm>
+                  <a:off x="371062" y="5493026"/>
+                  <a:ext cx="11449876" cy="1156252"/>
+                </a:xfrm>
+                <a:prstGeom prst="rect">
+                  <a:avLst/>
+                </a:prstGeom>
+                <a:solidFill>
+                  <a:schemeClr val="tx1">
+                    <a:lumMod val="65000"/>
+                    <a:lumOff val="35000"/>
+                  </a:schemeClr>
+                </a:solidFill>
+                <a:ln>
+                  <a:solidFill>
+                    <a:schemeClr val="tx1"/>
+                  </a:solidFill>
+                </a:ln>
+              </p:spPr>
+              <p:style>
+                <a:lnRef idx="2">
+                  <a:schemeClr val="accent1">
+                    <a:shade val="15000"/>
+                  </a:schemeClr>
+                </a:lnRef>
+                <a:fillRef idx="1">
+                  <a:schemeClr val="accent1"/>
+                </a:fillRef>
+                <a:effectRef idx="0">
+                  <a:schemeClr val="accent1"/>
+                </a:effectRef>
+                <a:fontRef idx="minor">
+                  <a:schemeClr val="lt1"/>
+                </a:fontRef>
+              </p:style>
+              <p:txBody>
+                <a:bodyPr rtlCol="0" anchor="ctr"/>
+                <a:lstStyle/>
+                <a:p>
+                  <a:pPr algn="ctr"/>
+                  <a:endParaRPr lang="ko-KR" altLang="en-US" sz="200"/>
+                </a:p>
+              </p:txBody>
+            </p:sp>
+            <p:sp>
+              <p:nvSpPr>
+                <p:cNvPr id="38" name="사각형: 둥근 모서리 37">
+                  <a:extLst>
+                    <a:ext uri="{FF2B5EF4-FFF2-40B4-BE49-F238E27FC236}">
+                      <a16:creationId xmlns:a16="http://schemas.microsoft.com/office/drawing/2014/main" id="{D1FB0470-A231-64B8-3D1A-90291FF15F3D}"/>
+                    </a:ext>
+                  </a:extLst>
+                </p:cNvPr>
+                <p:cNvSpPr/>
+                <p:nvPr/>
+              </p:nvSpPr>
+              <p:spPr>
+                <a:xfrm>
+                  <a:off x="578115" y="4210904"/>
+                  <a:ext cx="722243" cy="1282122"/>
+                </a:xfrm>
+                <a:prstGeom prst="roundRect">
+                  <a:avLst/>
+                </a:prstGeom>
+                <a:ln>
+                  <a:noFill/>
+                </a:ln>
+              </p:spPr>
+              <p:style>
+                <a:lnRef idx="2">
+                  <a:schemeClr val="accent1">
+                    <a:shade val="15000"/>
+                  </a:schemeClr>
+                </a:lnRef>
+                <a:fillRef idx="1">
+                  <a:schemeClr val="accent1"/>
+                </a:fillRef>
+                <a:effectRef idx="0">
+                  <a:schemeClr val="accent1"/>
+                </a:effectRef>
+                <a:fontRef idx="minor">
+                  <a:schemeClr val="lt1"/>
+                </a:fontRef>
+              </p:style>
+              <p:txBody>
+                <a:bodyPr rtlCol="0" anchor="ctr"/>
+                <a:lstStyle/>
+                <a:p>
+                  <a:pPr algn="ctr"/>
+                  <a:endParaRPr lang="ko-KR" altLang="en-US" sz="200"/>
+                </a:p>
+              </p:txBody>
+            </p:sp>
+            <p:sp>
+              <p:nvSpPr>
+                <p:cNvPr id="39" name="직사각형 38">
+                  <a:extLst>
+                    <a:ext uri="{FF2B5EF4-FFF2-40B4-BE49-F238E27FC236}">
+                      <a16:creationId xmlns:a16="http://schemas.microsoft.com/office/drawing/2014/main" id="{AA901134-31D4-12E2-50B9-A9BFFFAA2A7E}"/>
+                    </a:ext>
+                  </a:extLst>
+                </p:cNvPr>
+                <p:cNvSpPr/>
+                <p:nvPr/>
+              </p:nvSpPr>
+              <p:spPr>
+                <a:xfrm>
+                  <a:off x="4923703" y="4953026"/>
+                  <a:ext cx="540000" cy="540000"/>
+                </a:xfrm>
+                <a:prstGeom prst="rect">
+                  <a:avLst/>
+                </a:prstGeom>
+                <a:solidFill>
+                  <a:schemeClr val="accent2">
+                    <a:lumMod val="75000"/>
+                  </a:schemeClr>
+                </a:solidFill>
+                <a:ln>
+                  <a:noFill/>
+                </a:ln>
+              </p:spPr>
+              <p:style>
+                <a:lnRef idx="2">
+                  <a:schemeClr val="accent1">
+                    <a:shade val="15000"/>
+                  </a:schemeClr>
+                </a:lnRef>
+                <a:fillRef idx="1">
+                  <a:schemeClr val="accent1"/>
+                </a:fillRef>
+                <a:effectRef idx="0">
+                  <a:schemeClr val="accent1"/>
+                </a:effectRef>
+                <a:fontRef idx="minor">
+                  <a:schemeClr val="lt1"/>
+                </a:fontRef>
+              </p:style>
+              <p:txBody>
+                <a:bodyPr rtlCol="0" anchor="ctr"/>
+                <a:lstStyle/>
+                <a:p>
+                  <a:pPr algn="ctr"/>
+                  <a:endParaRPr lang="ko-KR" altLang="en-US" sz="200"/>
+                </a:p>
+              </p:txBody>
+            </p:sp>
+            <p:sp>
+              <p:nvSpPr>
+                <p:cNvPr id="40" name="직사각형 39">
+                  <a:extLst>
+                    <a:ext uri="{FF2B5EF4-FFF2-40B4-BE49-F238E27FC236}">
+                      <a16:creationId xmlns:a16="http://schemas.microsoft.com/office/drawing/2014/main" id="{6FADC76D-21A9-4E14-0FB5-A5369E125348}"/>
+                    </a:ext>
+                  </a:extLst>
+                </p:cNvPr>
+                <p:cNvSpPr/>
+                <p:nvPr/>
+              </p:nvSpPr>
+              <p:spPr>
+                <a:xfrm>
+                  <a:off x="8186557" y="3860605"/>
+                  <a:ext cx="540000" cy="540000"/>
+                </a:xfrm>
+                <a:prstGeom prst="rect">
+                  <a:avLst/>
+                </a:prstGeom>
+                <a:solidFill>
+                  <a:schemeClr val="accent2">
+                    <a:lumMod val="75000"/>
+                  </a:schemeClr>
+                </a:solidFill>
+                <a:ln>
+                  <a:noFill/>
+                </a:ln>
+              </p:spPr>
+              <p:style>
+                <a:lnRef idx="2">
+                  <a:schemeClr val="accent1">
+                    <a:shade val="15000"/>
+                  </a:schemeClr>
+                </a:lnRef>
+                <a:fillRef idx="1">
+                  <a:schemeClr val="accent1"/>
+                </a:fillRef>
+                <a:effectRef idx="0">
+                  <a:schemeClr val="accent1"/>
+                </a:effectRef>
+                <a:fontRef idx="minor">
+                  <a:schemeClr val="lt1"/>
+                </a:fontRef>
+              </p:style>
+              <p:txBody>
+                <a:bodyPr rtlCol="0" anchor="ctr"/>
+                <a:lstStyle/>
+                <a:p>
+                  <a:pPr algn="ctr"/>
+                  <a:endParaRPr lang="ko-KR" altLang="en-US" sz="200"/>
+                </a:p>
+              </p:txBody>
+            </p:sp>
+            <p:sp>
+              <p:nvSpPr>
+                <p:cNvPr id="41" name="TextBox 40">
+                  <a:extLst>
+                    <a:ext uri="{FF2B5EF4-FFF2-40B4-BE49-F238E27FC236}">
+                      <a16:creationId xmlns:a16="http://schemas.microsoft.com/office/drawing/2014/main" id="{B3AE8879-DC9C-40F9-5CD7-B15F184644C5}"/>
+                    </a:ext>
+                  </a:extLst>
+                </p:cNvPr>
+                <p:cNvSpPr txBox="1"/>
+                <p:nvPr/>
+              </p:nvSpPr>
+              <p:spPr>
+                <a:xfrm>
+                  <a:off x="9932503" y="311425"/>
+                  <a:ext cx="1563757" cy="341100"/>
+                </a:xfrm>
+                <a:prstGeom prst="rect">
+                  <a:avLst/>
+                </a:prstGeom>
+                <a:noFill/>
+              </p:spPr>
+              <p:txBody>
+                <a:bodyPr wrap="square" rtlCol="0">
+                  <a:spAutoFit/>
+                </a:bodyPr>
+                <a:lstStyle/>
+                <a:p>
+                  <a:pPr algn="ctr"/>
+                  <a:r>
+                    <a:rPr lang="en-US" altLang="ko-KR" sz="200" b="1" dirty="0"/>
+                    <a:t>&lt;</a:t>
+                  </a:r>
+                  <a:r>
+                    <a:rPr lang="ko-KR" altLang="en-US" sz="200" b="1" dirty="0"/>
+                    <a:t>현재 순위</a:t>
+                  </a:r>
+                  <a:r>
+                    <a:rPr lang="en-US" altLang="ko-KR" sz="200" b="1" dirty="0"/>
+                    <a:t>&gt;</a:t>
+                  </a:r>
+                  <a:endParaRPr lang="ko-KR" altLang="en-US" sz="200" b="1" dirty="0"/>
+                </a:p>
+              </p:txBody>
+            </p:sp>
+            <p:grpSp>
+              <p:nvGrpSpPr>
+                <p:cNvPr id="42" name="그룹 41">
+                  <a:extLst>
+                    <a:ext uri="{FF2B5EF4-FFF2-40B4-BE49-F238E27FC236}">
+                      <a16:creationId xmlns:a16="http://schemas.microsoft.com/office/drawing/2014/main" id="{D781CE5E-0EF7-FA92-28A5-8E0F2CD44530}"/>
+                    </a:ext>
+                  </a:extLst>
+                </p:cNvPr>
+                <p:cNvGrpSpPr/>
+                <p:nvPr/>
+              </p:nvGrpSpPr>
+              <p:grpSpPr>
+                <a:xfrm>
+                  <a:off x="9690652" y="682717"/>
+                  <a:ext cx="2047462" cy="360000"/>
+                  <a:chOff x="9687339" y="685059"/>
+                  <a:chExt cx="2047462" cy="360000"/>
+                </a:xfrm>
+              </p:grpSpPr>
+              <p:sp>
+                <p:nvSpPr>
+                  <p:cNvPr id="51" name="직사각형 50">
+                    <a:extLst>
+                      <a:ext uri="{FF2B5EF4-FFF2-40B4-BE49-F238E27FC236}">
+                        <a16:creationId xmlns:a16="http://schemas.microsoft.com/office/drawing/2014/main" id="{B113E6ED-45C6-08CA-A998-22F9B8724EC8}"/>
+                      </a:ext>
+                    </a:extLst>
+                  </p:cNvPr>
+                  <p:cNvSpPr/>
+                  <p:nvPr/>
+                </p:nvSpPr>
+                <p:spPr>
+                  <a:xfrm>
+                    <a:off x="9687339" y="685059"/>
+                    <a:ext cx="324678" cy="360000"/>
+                  </a:xfrm>
+                  <a:prstGeom prst="rect">
+                    <a:avLst/>
+                  </a:prstGeom>
+                  <a:solidFill>
+                    <a:srgbClr val="FFFF00"/>
+                  </a:solidFill>
+                  <a:ln>
+                    <a:noFill/>
+                  </a:ln>
+                </p:spPr>
+                <p:style>
+                  <a:lnRef idx="2">
+                    <a:schemeClr val="accent1">
+                      <a:shade val="15000"/>
+                    </a:schemeClr>
+                  </a:lnRef>
+                  <a:fillRef idx="1">
+                    <a:schemeClr val="accent1"/>
+                  </a:fillRef>
+                  <a:effectRef idx="0">
+                    <a:schemeClr val="accent1"/>
+                  </a:effectRef>
+                  <a:fontRef idx="minor">
+                    <a:schemeClr val="lt1"/>
+                  </a:fontRef>
+                </p:style>
+                <p:txBody>
+                  <a:bodyPr rtlCol="0" anchor="ctr"/>
+                  <a:lstStyle/>
+                  <a:p>
+                    <a:pPr algn="ctr"/>
+                    <a:r>
+                      <a:rPr lang="en-US" altLang="ko-KR" sz="200" dirty="0">
+                        <a:solidFill>
+                          <a:schemeClr val="tx1"/>
+                        </a:solidFill>
+                      </a:rPr>
+                      <a:t>1</a:t>
+                    </a:r>
+                    <a:endParaRPr lang="ko-KR" altLang="en-US" sz="200" dirty="0">
+                      <a:solidFill>
+                        <a:schemeClr val="tx1"/>
+                      </a:solidFill>
+                    </a:endParaRPr>
+                  </a:p>
+                </p:txBody>
+              </p:sp>
+              <p:sp>
+                <p:nvSpPr>
+                  <p:cNvPr id="52" name="직사각형 51">
+                    <a:extLst>
+                      <a:ext uri="{FF2B5EF4-FFF2-40B4-BE49-F238E27FC236}">
+                        <a16:creationId xmlns:a16="http://schemas.microsoft.com/office/drawing/2014/main" id="{FD7B4141-5104-DBE8-510F-3EEF4B4DB709}"/>
+                      </a:ext>
+                    </a:extLst>
+                  </p:cNvPr>
+                  <p:cNvSpPr/>
+                  <p:nvPr/>
+                </p:nvSpPr>
+                <p:spPr>
+                  <a:xfrm>
+                    <a:off x="10012017" y="685059"/>
+                    <a:ext cx="556592" cy="360000"/>
+                  </a:xfrm>
+                  <a:prstGeom prst="rect">
+                    <a:avLst/>
+                  </a:prstGeom>
+                  <a:solidFill>
+                    <a:schemeClr val="bg2">
+                      <a:lumMod val="75000"/>
+                    </a:schemeClr>
+                  </a:solidFill>
+                  <a:ln>
+                    <a:noFill/>
+                  </a:ln>
+                </p:spPr>
+                <p:style>
+                  <a:lnRef idx="2">
+                    <a:schemeClr val="accent1">
+                      <a:shade val="15000"/>
+                    </a:schemeClr>
+                  </a:lnRef>
+                  <a:fillRef idx="1">
+                    <a:schemeClr val="accent1"/>
+                  </a:fillRef>
+                  <a:effectRef idx="0">
+                    <a:schemeClr val="accent1"/>
+                  </a:effectRef>
+                  <a:fontRef idx="minor">
+                    <a:schemeClr val="lt1"/>
+                  </a:fontRef>
+                </p:style>
+                <p:txBody>
+                  <a:bodyPr rtlCol="0" anchor="ctr"/>
+                  <a:lstStyle/>
+                  <a:p>
+                    <a:r>
+                      <a:rPr lang="en-US" altLang="ko-KR" sz="100" dirty="0">
+                        <a:solidFill>
+                          <a:schemeClr val="tx1"/>
+                        </a:solidFill>
+                      </a:rPr>
+                      <a:t>You</a:t>
+                    </a:r>
+                    <a:endParaRPr lang="ko-KR" altLang="en-US" sz="100" dirty="0">
+                      <a:solidFill>
+                        <a:schemeClr val="tx1"/>
+                      </a:solidFill>
+                    </a:endParaRPr>
+                  </a:p>
+                </p:txBody>
+              </p:sp>
+              <p:sp>
+                <p:nvSpPr>
+                  <p:cNvPr id="53" name="직사각형 52">
+                    <a:extLst>
+                      <a:ext uri="{FF2B5EF4-FFF2-40B4-BE49-F238E27FC236}">
+                        <a16:creationId xmlns:a16="http://schemas.microsoft.com/office/drawing/2014/main" id="{719AEB82-3D45-347A-F31B-AC9D3F75EEAE}"/>
+                      </a:ext>
+                    </a:extLst>
+                  </p:cNvPr>
+                  <p:cNvSpPr/>
+                  <p:nvPr/>
+                </p:nvSpPr>
+                <p:spPr>
+                  <a:xfrm>
+                    <a:off x="10508972" y="685059"/>
+                    <a:ext cx="1225829" cy="360000"/>
+                  </a:xfrm>
+                  <a:prstGeom prst="rect">
+                    <a:avLst/>
+                  </a:prstGeom>
+                  <a:solidFill>
+                    <a:schemeClr val="bg2">
+                      <a:lumMod val="75000"/>
+                    </a:schemeClr>
+                  </a:solidFill>
+                  <a:ln>
+                    <a:noFill/>
+                  </a:ln>
+                </p:spPr>
+                <p:style>
+                  <a:lnRef idx="2">
+                    <a:schemeClr val="accent1">
+                      <a:shade val="15000"/>
+                    </a:schemeClr>
+                  </a:lnRef>
+                  <a:fillRef idx="1">
+                    <a:schemeClr val="accent1"/>
+                  </a:fillRef>
+                  <a:effectRef idx="0">
+                    <a:schemeClr val="accent1"/>
+                  </a:effectRef>
+                  <a:fontRef idx="minor">
+                    <a:schemeClr val="lt1"/>
+                  </a:fontRef>
+                </p:style>
+                <p:txBody>
+                  <a:bodyPr rtlCol="0" anchor="ctr"/>
+                  <a:lstStyle/>
+                  <a:p>
+                    <a:pPr algn="r"/>
+                    <a:r>
+                      <a:rPr lang="en-US" altLang="ko-KR" sz="100" dirty="0">
+                        <a:solidFill>
+                          <a:schemeClr val="tx1"/>
+                        </a:solidFill>
+                      </a:rPr>
+                      <a:t>123,000pt</a:t>
+                    </a:r>
+                    <a:endParaRPr lang="ko-KR" altLang="en-US" sz="100" dirty="0">
+                      <a:solidFill>
+                        <a:schemeClr val="tx1"/>
+                      </a:solidFill>
+                    </a:endParaRPr>
+                  </a:p>
+                </p:txBody>
+              </p:sp>
+            </p:grpSp>
+            <p:grpSp>
+              <p:nvGrpSpPr>
+                <p:cNvPr id="43" name="그룹 42">
+                  <a:extLst>
+                    <a:ext uri="{FF2B5EF4-FFF2-40B4-BE49-F238E27FC236}">
+                      <a16:creationId xmlns:a16="http://schemas.microsoft.com/office/drawing/2014/main" id="{1A7AC9FC-2392-AB3C-22B8-67877BDF9AC7}"/>
+                    </a:ext>
+                  </a:extLst>
+                </p:cNvPr>
+                <p:cNvGrpSpPr/>
+                <p:nvPr/>
+              </p:nvGrpSpPr>
+              <p:grpSpPr>
+                <a:xfrm>
+                  <a:off x="9690652" y="1044675"/>
+                  <a:ext cx="2047462" cy="360000"/>
+                  <a:chOff x="9687339" y="685059"/>
+                  <a:chExt cx="2047462" cy="360000"/>
+                </a:xfrm>
+              </p:grpSpPr>
+              <p:sp>
+                <p:nvSpPr>
+                  <p:cNvPr id="48" name="직사각형 47">
+                    <a:extLst>
+                      <a:ext uri="{FF2B5EF4-FFF2-40B4-BE49-F238E27FC236}">
+                        <a16:creationId xmlns:a16="http://schemas.microsoft.com/office/drawing/2014/main" id="{A8A39D15-6B80-4817-AB71-5351CAE12DFB}"/>
+                      </a:ext>
+                    </a:extLst>
+                  </p:cNvPr>
+                  <p:cNvSpPr/>
+                  <p:nvPr/>
+                </p:nvSpPr>
+                <p:spPr>
+                  <a:xfrm>
+                    <a:off x="9687339" y="685059"/>
+                    <a:ext cx="324678" cy="360000"/>
+                  </a:xfrm>
+                  <a:prstGeom prst="rect">
+                    <a:avLst/>
+                  </a:prstGeom>
+                  <a:solidFill>
+                    <a:schemeClr val="bg1">
+                      <a:lumMod val="85000"/>
+                    </a:schemeClr>
+                  </a:solidFill>
+                  <a:ln>
+                    <a:noFill/>
+                  </a:ln>
+                </p:spPr>
+                <p:style>
+                  <a:lnRef idx="2">
+                    <a:schemeClr val="accent1">
+                      <a:shade val="15000"/>
+                    </a:schemeClr>
+                  </a:lnRef>
+                  <a:fillRef idx="1">
+                    <a:schemeClr val="accent1"/>
+                  </a:fillRef>
+                  <a:effectRef idx="0">
+                    <a:schemeClr val="accent1"/>
+                  </a:effectRef>
+                  <a:fontRef idx="minor">
+                    <a:schemeClr val="lt1"/>
+                  </a:fontRef>
+                </p:style>
+                <p:txBody>
+                  <a:bodyPr rtlCol="0" anchor="ctr"/>
+                  <a:lstStyle/>
+                  <a:p>
+                    <a:pPr algn="ctr"/>
+                    <a:r>
+                      <a:rPr lang="en-US" altLang="ko-KR" sz="200" dirty="0">
+                        <a:solidFill>
+                          <a:schemeClr val="tx1"/>
+                        </a:solidFill>
+                      </a:rPr>
+                      <a:t>2</a:t>
+                    </a:r>
+                    <a:endParaRPr lang="ko-KR" altLang="en-US" sz="200" dirty="0">
+                      <a:solidFill>
+                        <a:schemeClr val="tx1"/>
+                      </a:solidFill>
+                    </a:endParaRPr>
+                  </a:p>
+                </p:txBody>
+              </p:sp>
+              <p:sp>
+                <p:nvSpPr>
+                  <p:cNvPr id="49" name="직사각형 48">
+                    <a:extLst>
+                      <a:ext uri="{FF2B5EF4-FFF2-40B4-BE49-F238E27FC236}">
+                        <a16:creationId xmlns:a16="http://schemas.microsoft.com/office/drawing/2014/main" id="{358086D5-2245-B570-9D59-A66DB59F0D14}"/>
+                      </a:ext>
+                    </a:extLst>
+                  </p:cNvPr>
+                  <p:cNvSpPr/>
+                  <p:nvPr/>
+                </p:nvSpPr>
+                <p:spPr>
+                  <a:xfrm>
+                    <a:off x="10012017" y="685059"/>
+                    <a:ext cx="556592" cy="360000"/>
+                  </a:xfrm>
+                  <a:prstGeom prst="rect">
+                    <a:avLst/>
+                  </a:prstGeom>
+                  <a:solidFill>
+                    <a:schemeClr val="bg1"/>
+                  </a:solidFill>
+                  <a:ln>
+                    <a:noFill/>
+                  </a:ln>
+                </p:spPr>
+                <p:style>
+                  <a:lnRef idx="2">
+                    <a:schemeClr val="accent1">
+                      <a:shade val="15000"/>
+                    </a:schemeClr>
+                  </a:lnRef>
+                  <a:fillRef idx="1">
+                    <a:schemeClr val="accent1"/>
+                  </a:fillRef>
+                  <a:effectRef idx="0">
+                    <a:schemeClr val="accent1"/>
+                  </a:effectRef>
+                  <a:fontRef idx="minor">
+                    <a:schemeClr val="lt1"/>
+                  </a:fontRef>
+                </p:style>
+                <p:txBody>
+                  <a:bodyPr rtlCol="0" anchor="ctr"/>
+                  <a:lstStyle/>
+                  <a:p>
+                    <a:r>
+                      <a:rPr lang="en-US" altLang="ko-KR" sz="100" dirty="0">
+                        <a:solidFill>
+                          <a:schemeClr val="tx1"/>
+                        </a:solidFill>
+                      </a:rPr>
+                      <a:t>P1</a:t>
+                    </a:r>
+                    <a:endParaRPr lang="ko-KR" altLang="en-US" sz="100" dirty="0">
+                      <a:solidFill>
+                        <a:schemeClr val="tx1"/>
+                      </a:solidFill>
+                    </a:endParaRPr>
+                  </a:p>
+                </p:txBody>
+              </p:sp>
+              <p:sp>
+                <p:nvSpPr>
+                  <p:cNvPr id="50" name="직사각형 49">
+                    <a:extLst>
+                      <a:ext uri="{FF2B5EF4-FFF2-40B4-BE49-F238E27FC236}">
+                        <a16:creationId xmlns:a16="http://schemas.microsoft.com/office/drawing/2014/main" id="{BAB63A56-BFAE-ACD0-DD85-41E7D03B451A}"/>
+                      </a:ext>
+                    </a:extLst>
+                  </p:cNvPr>
+                  <p:cNvSpPr/>
+                  <p:nvPr/>
+                </p:nvSpPr>
+                <p:spPr>
+                  <a:xfrm>
+                    <a:off x="10508972" y="685059"/>
+                    <a:ext cx="1225829" cy="360000"/>
+                  </a:xfrm>
+                  <a:prstGeom prst="rect">
+                    <a:avLst/>
+                  </a:prstGeom>
+                  <a:solidFill>
+                    <a:schemeClr val="bg1"/>
+                  </a:solidFill>
+                  <a:ln>
+                    <a:noFill/>
+                  </a:ln>
+                </p:spPr>
+                <p:style>
+                  <a:lnRef idx="2">
+                    <a:schemeClr val="accent1">
+                      <a:shade val="15000"/>
+                    </a:schemeClr>
+                  </a:lnRef>
+                  <a:fillRef idx="1">
+                    <a:schemeClr val="accent1"/>
+                  </a:fillRef>
+                  <a:effectRef idx="0">
+                    <a:schemeClr val="accent1"/>
+                  </a:effectRef>
+                  <a:fontRef idx="minor">
+                    <a:schemeClr val="lt1"/>
+                  </a:fontRef>
+                </p:style>
+                <p:txBody>
+                  <a:bodyPr rtlCol="0" anchor="ctr"/>
+                  <a:lstStyle/>
+                  <a:p>
+                    <a:pPr algn="r"/>
+                    <a:r>
+                      <a:rPr lang="en-US" altLang="ko-KR" sz="100" dirty="0">
+                        <a:solidFill>
+                          <a:schemeClr val="tx1"/>
+                        </a:solidFill>
+                      </a:rPr>
+                      <a:t>96,000pt</a:t>
+                    </a:r>
+                    <a:endParaRPr lang="ko-KR" altLang="en-US" sz="100" dirty="0">
+                      <a:solidFill>
+                        <a:schemeClr val="tx1"/>
+                      </a:solidFill>
+                    </a:endParaRPr>
+                  </a:p>
+                </p:txBody>
+              </p:sp>
+            </p:grpSp>
+            <p:grpSp>
+              <p:nvGrpSpPr>
+                <p:cNvPr id="44" name="그룹 43">
+                  <a:extLst>
+                    <a:ext uri="{FF2B5EF4-FFF2-40B4-BE49-F238E27FC236}">
+                      <a16:creationId xmlns:a16="http://schemas.microsoft.com/office/drawing/2014/main" id="{1733D1AA-1704-1994-D2BD-5808238BE2B7}"/>
+                    </a:ext>
+                  </a:extLst>
+                </p:cNvPr>
+                <p:cNvGrpSpPr/>
+                <p:nvPr/>
+              </p:nvGrpSpPr>
+              <p:grpSpPr>
+                <a:xfrm>
+                  <a:off x="9690652" y="1406633"/>
+                  <a:ext cx="2047462" cy="360000"/>
+                  <a:chOff x="9687339" y="685059"/>
+                  <a:chExt cx="2047462" cy="360000"/>
+                </a:xfrm>
+              </p:grpSpPr>
+              <p:sp>
+                <p:nvSpPr>
+                  <p:cNvPr id="45" name="직사각형 44">
+                    <a:extLst>
+                      <a:ext uri="{FF2B5EF4-FFF2-40B4-BE49-F238E27FC236}">
+                        <a16:creationId xmlns:a16="http://schemas.microsoft.com/office/drawing/2014/main" id="{7F8BECE7-DC48-3952-1416-94DB580E2943}"/>
+                      </a:ext>
+                    </a:extLst>
+                  </p:cNvPr>
+                  <p:cNvSpPr/>
+                  <p:nvPr/>
+                </p:nvSpPr>
+                <p:spPr>
+                  <a:xfrm>
+                    <a:off x="9687339" y="685059"/>
+                    <a:ext cx="324678" cy="360000"/>
+                  </a:xfrm>
+                  <a:prstGeom prst="rect">
+                    <a:avLst/>
+                  </a:prstGeom>
+                  <a:solidFill>
+                    <a:schemeClr val="accent2">
+                      <a:lumMod val="60000"/>
+                      <a:lumOff val="40000"/>
+                    </a:schemeClr>
+                  </a:solidFill>
+                  <a:ln>
+                    <a:noFill/>
+                  </a:ln>
+                </p:spPr>
+                <p:style>
+                  <a:lnRef idx="2">
+                    <a:schemeClr val="accent1">
+                      <a:shade val="15000"/>
+                    </a:schemeClr>
+                  </a:lnRef>
+                  <a:fillRef idx="1">
+                    <a:schemeClr val="accent1"/>
+                  </a:fillRef>
+                  <a:effectRef idx="0">
+                    <a:schemeClr val="accent1"/>
+                  </a:effectRef>
+                  <a:fontRef idx="minor">
+                    <a:schemeClr val="lt1"/>
+                  </a:fontRef>
+                </p:style>
+                <p:txBody>
+                  <a:bodyPr rtlCol="0" anchor="ctr"/>
+                  <a:lstStyle/>
+                  <a:p>
+                    <a:pPr algn="ctr"/>
+                    <a:r>
+                      <a:rPr lang="en-US" altLang="ko-KR" sz="200" dirty="0">
+                        <a:solidFill>
+                          <a:schemeClr val="tx1"/>
+                        </a:solidFill>
+                      </a:rPr>
+                      <a:t>3</a:t>
+                    </a:r>
+                    <a:endParaRPr lang="ko-KR" altLang="en-US" sz="200" dirty="0">
+                      <a:solidFill>
+                        <a:schemeClr val="tx1"/>
+                      </a:solidFill>
+                    </a:endParaRPr>
+                  </a:p>
+                </p:txBody>
+              </p:sp>
+              <p:sp>
+                <p:nvSpPr>
+                  <p:cNvPr id="46" name="직사각형 45">
+                    <a:extLst>
+                      <a:ext uri="{FF2B5EF4-FFF2-40B4-BE49-F238E27FC236}">
+                        <a16:creationId xmlns:a16="http://schemas.microsoft.com/office/drawing/2014/main" id="{DA7C87F5-149F-D628-AC3F-842ADF170EDE}"/>
+                      </a:ext>
+                    </a:extLst>
+                  </p:cNvPr>
+                  <p:cNvSpPr/>
+                  <p:nvPr/>
+                </p:nvSpPr>
+                <p:spPr>
+                  <a:xfrm>
+                    <a:off x="10012017" y="685059"/>
+                    <a:ext cx="556592" cy="360000"/>
+                  </a:xfrm>
+                  <a:prstGeom prst="rect">
+                    <a:avLst/>
+                  </a:prstGeom>
+                  <a:solidFill>
+                    <a:schemeClr val="bg1"/>
+                  </a:solidFill>
+                  <a:ln>
+                    <a:noFill/>
+                  </a:ln>
+                </p:spPr>
+                <p:style>
+                  <a:lnRef idx="2">
+                    <a:schemeClr val="accent1">
+                      <a:shade val="15000"/>
+                    </a:schemeClr>
+                  </a:lnRef>
+                  <a:fillRef idx="1">
+                    <a:schemeClr val="accent1"/>
+                  </a:fillRef>
+                  <a:effectRef idx="0">
+                    <a:schemeClr val="accent1"/>
+                  </a:effectRef>
+                  <a:fontRef idx="minor">
+                    <a:schemeClr val="lt1"/>
+                  </a:fontRef>
+                </p:style>
+                <p:txBody>
+                  <a:bodyPr rtlCol="0" anchor="ctr"/>
+                  <a:lstStyle/>
+                  <a:p>
+                    <a:r>
+                      <a:rPr lang="en-US" altLang="ko-KR" sz="100" dirty="0">
+                        <a:solidFill>
+                          <a:schemeClr val="tx1"/>
+                        </a:solidFill>
+                      </a:rPr>
+                      <a:t>P2</a:t>
+                    </a:r>
+                    <a:endParaRPr lang="ko-KR" altLang="en-US" sz="100" dirty="0">
+                      <a:solidFill>
+                        <a:schemeClr val="tx1"/>
+                      </a:solidFill>
+                    </a:endParaRPr>
+                  </a:p>
+                </p:txBody>
+              </p:sp>
+              <p:sp>
+                <p:nvSpPr>
+                  <p:cNvPr id="47" name="직사각형 46">
+                    <a:extLst>
+                      <a:ext uri="{FF2B5EF4-FFF2-40B4-BE49-F238E27FC236}">
+                        <a16:creationId xmlns:a16="http://schemas.microsoft.com/office/drawing/2014/main" id="{42E87808-2583-570B-04BA-8B7A78890743}"/>
+                      </a:ext>
+                    </a:extLst>
+                  </p:cNvPr>
+                  <p:cNvSpPr/>
+                  <p:nvPr/>
+                </p:nvSpPr>
+                <p:spPr>
+                  <a:xfrm>
+                    <a:off x="10508972" y="685059"/>
+                    <a:ext cx="1225829" cy="360000"/>
+                  </a:xfrm>
+                  <a:prstGeom prst="rect">
+                    <a:avLst/>
+                  </a:prstGeom>
+                  <a:solidFill>
+                    <a:schemeClr val="bg1"/>
+                  </a:solidFill>
+                  <a:ln>
+                    <a:noFill/>
+                  </a:ln>
+                </p:spPr>
+                <p:style>
+                  <a:lnRef idx="2">
+                    <a:schemeClr val="accent1">
+                      <a:shade val="15000"/>
+                    </a:schemeClr>
+                  </a:lnRef>
+                  <a:fillRef idx="1">
+                    <a:schemeClr val="accent1"/>
+                  </a:fillRef>
+                  <a:effectRef idx="0">
+                    <a:schemeClr val="accent1"/>
+                  </a:effectRef>
+                  <a:fontRef idx="minor">
+                    <a:schemeClr val="lt1"/>
+                  </a:fontRef>
+                </p:style>
+                <p:txBody>
+                  <a:bodyPr rtlCol="0" anchor="ctr"/>
+                  <a:lstStyle/>
+                  <a:p>
+                    <a:pPr algn="r"/>
+                    <a:r>
+                      <a:rPr lang="en-US" altLang="ko-KR" sz="100" dirty="0">
+                        <a:solidFill>
+                          <a:schemeClr val="tx1"/>
+                        </a:solidFill>
+                      </a:rPr>
+                      <a:t>50,000pt</a:t>
+                    </a:r>
+                    <a:endParaRPr lang="ko-KR" altLang="en-US" sz="100" dirty="0">
+                      <a:solidFill>
+                        <a:schemeClr val="tx1"/>
+                      </a:solidFill>
+                    </a:endParaRPr>
+                  </a:p>
+                </p:txBody>
+              </p:sp>
+            </p:grpSp>
+          </p:grpSp>
+          <p:sp>
+            <p:nvSpPr>
+              <p:cNvPr id="31" name="타원 30">
+                <a:extLst>
+                  <a:ext uri="{FF2B5EF4-FFF2-40B4-BE49-F238E27FC236}">
+                    <a16:creationId xmlns:a16="http://schemas.microsoft.com/office/drawing/2014/main" id="{14AE0ABD-1564-41C7-49CF-B3E592BB18D9}"/>
+                  </a:ext>
+                </a:extLst>
+              </p:cNvPr>
+              <p:cNvSpPr/>
+              <p:nvPr/>
+            </p:nvSpPr>
+            <p:spPr>
+              <a:xfrm>
+                <a:off x="2859686" y="3366792"/>
+                <a:ext cx="144294" cy="144294"/>
+              </a:xfrm>
+              <a:prstGeom prst="ellipse">
+                <a:avLst/>
+              </a:prstGeom>
+              <a:solidFill>
+                <a:schemeClr val="tx1">
+                  <a:lumMod val="85000"/>
+                  <a:lumOff val="15000"/>
+                </a:schemeClr>
+              </a:solidFill>
+            </p:spPr>
+            <p:style>
+              <a:lnRef idx="2">
+                <a:schemeClr val="accent1">
+                  <a:shade val="15000"/>
+                </a:schemeClr>
+              </a:lnRef>
+              <a:fillRef idx="1">
+                <a:schemeClr val="accent1"/>
+              </a:fillRef>
+              <a:effectRef idx="0">
+                <a:schemeClr val="accent1"/>
+              </a:effectRef>
+              <a:fontRef idx="minor">
+                <a:schemeClr val="lt1"/>
+              </a:fontRef>
+            </p:style>
+            <p:txBody>
+              <a:bodyPr rtlCol="0" anchor="ctr"/>
+              <a:lstStyle/>
+              <a:p>
+                <a:pPr algn="ctr"/>
+                <a:endParaRPr lang="ko-KR" altLang="en-US" sz="1050"/>
+              </a:p>
+            </p:txBody>
+          </p:sp>
+          <p:sp>
+            <p:nvSpPr>
+              <p:cNvPr id="32" name="직사각형 31">
+                <a:extLst>
+                  <a:ext uri="{FF2B5EF4-FFF2-40B4-BE49-F238E27FC236}">
+                    <a16:creationId xmlns:a16="http://schemas.microsoft.com/office/drawing/2014/main" id="{EEA92654-91CF-9721-38E8-F82F9E5E947A}"/>
+                  </a:ext>
+                </a:extLst>
+              </p:cNvPr>
+              <p:cNvSpPr/>
+              <p:nvPr/>
+            </p:nvSpPr>
+            <p:spPr>
+              <a:xfrm>
+                <a:off x="5334000" y="1759879"/>
+                <a:ext cx="1524000" cy="280717"/>
+              </a:xfrm>
+              <a:prstGeom prst="rect">
+                <a:avLst/>
+              </a:prstGeom>
+            </p:spPr>
+            <p:style>
+              <a:lnRef idx="2">
+                <a:schemeClr val="accent1">
+                  <a:shade val="15000"/>
+                </a:schemeClr>
+              </a:lnRef>
+              <a:fillRef idx="1">
+                <a:schemeClr val="accent1"/>
+              </a:fillRef>
+              <a:effectRef idx="0">
+                <a:schemeClr val="accent1"/>
+              </a:effectRef>
+              <a:fontRef idx="minor">
+                <a:schemeClr val="lt1"/>
+              </a:fontRef>
+            </p:style>
+            <p:txBody>
+              <a:bodyPr rtlCol="0" anchor="ctr"/>
+              <a:lstStyle/>
+              <a:p>
+                <a:pPr algn="ctr"/>
+                <a:r>
+                  <a:rPr lang="ko-KR" altLang="en-US" sz="600" dirty="0"/>
+                  <a:t>현재 점수 </a:t>
+                </a:r>
+                <a:r>
+                  <a:rPr lang="en-US" altLang="ko-KR" sz="600" dirty="0"/>
+                  <a:t>:</a:t>
+                </a:r>
+                <a:r>
+                  <a:rPr lang="ko-KR" altLang="en-US" sz="600" dirty="0"/>
+                  <a:t> </a:t>
+                </a:r>
+                <a:r>
+                  <a:rPr lang="en-US" altLang="ko-KR" sz="600" dirty="0"/>
+                  <a:t>123,000</a:t>
+                </a:r>
+                <a:endParaRPr lang="ko-KR" altLang="en-US" sz="600" dirty="0"/>
+              </a:p>
+            </p:txBody>
+          </p:sp>
+          <p:sp>
+            <p:nvSpPr>
+              <p:cNvPr id="33" name="직사각형 32">
+                <a:extLst>
+                  <a:ext uri="{FF2B5EF4-FFF2-40B4-BE49-F238E27FC236}">
+                    <a16:creationId xmlns:a16="http://schemas.microsoft.com/office/drawing/2014/main" id="{B86EE1C4-7AFE-9BEB-E48A-1705A2B39650}"/>
+                  </a:ext>
+                </a:extLst>
+              </p:cNvPr>
+              <p:cNvSpPr/>
+              <p:nvPr/>
+            </p:nvSpPr>
+            <p:spPr>
+              <a:xfrm>
+                <a:off x="3041374" y="1687997"/>
+                <a:ext cx="6149007" cy="3458817"/>
+              </a:xfrm>
+              <a:prstGeom prst="rect">
+                <a:avLst/>
+              </a:prstGeom>
+              <a:solidFill>
+                <a:schemeClr val="bg2">
+                  <a:lumMod val="50000"/>
+                  <a:alpha val="50000"/>
+                </a:schemeClr>
+              </a:solidFill>
+            </p:spPr>
+            <p:style>
+              <a:lnRef idx="2">
+                <a:schemeClr val="accent1">
+                  <a:shade val="15000"/>
+                </a:schemeClr>
+              </a:lnRef>
+              <a:fillRef idx="1">
+                <a:schemeClr val="accent1"/>
+              </a:fillRef>
+              <a:effectRef idx="0">
+                <a:schemeClr val="accent1"/>
+              </a:effectRef>
+              <a:fontRef idx="minor">
+                <a:schemeClr val="lt1"/>
+              </a:fontRef>
+            </p:style>
+            <p:txBody>
+              <a:bodyPr rtlCol="0" anchor="ctr"/>
+              <a:lstStyle/>
+              <a:p>
+                <a:pPr algn="ctr"/>
+                <a:endParaRPr lang="ko-KR" altLang="en-US" sz="1050"/>
+              </a:p>
+            </p:txBody>
+          </p:sp>
+          <p:sp>
+            <p:nvSpPr>
+              <p:cNvPr id="34" name="직사각형 33">
+                <a:extLst>
+                  <a:ext uri="{FF2B5EF4-FFF2-40B4-BE49-F238E27FC236}">
+                    <a16:creationId xmlns:a16="http://schemas.microsoft.com/office/drawing/2014/main" id="{9C426613-18EE-071D-C85D-376E53C70050}"/>
+                  </a:ext>
+                </a:extLst>
+              </p:cNvPr>
+              <p:cNvSpPr/>
+              <p:nvPr/>
+            </p:nvSpPr>
+            <p:spPr>
+              <a:xfrm>
+                <a:off x="5214730" y="2941982"/>
+                <a:ext cx="1765438" cy="1002179"/>
+              </a:xfrm>
+              <a:prstGeom prst="rect">
+                <a:avLst/>
+              </a:prstGeom>
+              <a:ln>
+                <a:noFill/>
+              </a:ln>
+            </p:spPr>
+            <p:style>
+              <a:lnRef idx="2">
+                <a:schemeClr val="accent1">
+                  <a:shade val="15000"/>
+                </a:schemeClr>
+              </a:lnRef>
+              <a:fillRef idx="1">
+                <a:schemeClr val="accent1"/>
+              </a:fillRef>
+              <a:effectRef idx="0">
+                <a:schemeClr val="accent1"/>
+              </a:effectRef>
+              <a:fontRef idx="minor">
+                <a:schemeClr val="lt1"/>
+              </a:fontRef>
+            </p:style>
+            <p:txBody>
+              <a:bodyPr rtlCol="0" anchor="t"/>
+              <a:lstStyle/>
+              <a:p>
+                <a:pPr algn="ctr"/>
+                <a:endParaRPr lang="en-US" altLang="ko-KR" sz="800" dirty="0"/>
+              </a:p>
+              <a:p>
+                <a:pPr algn="ctr"/>
+                <a:r>
+                  <a:rPr lang="ko-KR" altLang="en-US" sz="800" dirty="0"/>
+                  <a:t>환경 설정</a:t>
+                </a:r>
+                <a:endParaRPr lang="en-US" altLang="ko-KR" sz="800" dirty="0"/>
+              </a:p>
+              <a:p>
+                <a:pPr algn="ctr"/>
+                <a:endParaRPr lang="en-US" altLang="ko-KR" sz="800" dirty="0"/>
+              </a:p>
+              <a:p>
+                <a:pPr algn="ctr"/>
+                <a:r>
+                  <a:rPr lang="ko-KR" altLang="en-US" sz="800" dirty="0"/>
+                  <a:t>게임으로 돌아가기</a:t>
+                </a:r>
+              </a:p>
+            </p:txBody>
+          </p:sp>
+          <p:pic>
+            <p:nvPicPr>
+              <p:cNvPr id="35" name="그림 34" descr="텍스트, 스크린샷, 폰트, 번호이(가) 표시된 사진&#10;&#10;자동 생성된 설명">
+                <a:extLst>
+                  <a:ext uri="{FF2B5EF4-FFF2-40B4-BE49-F238E27FC236}">
+                    <a16:creationId xmlns:a16="http://schemas.microsoft.com/office/drawing/2014/main" id="{0CD9F00F-413E-77EA-5C6D-51A9B5462701}"/>
+                  </a:ext>
+                </a:extLst>
+              </p:cNvPr>
+              <p:cNvPicPr>
+                <a:picLocks noChangeAspect="1"/>
+              </p:cNvPicPr>
+              <p:nvPr/>
+            </p:nvPicPr>
+            <p:blipFill>
+              <a:blip r:embed="rId2">
+                <a:alphaModFix/>
+                <a:extLst>
+                  <a:ext uri="{28A0092B-C50C-407E-A947-70E740481C1C}">
+                    <a14:useLocalDpi xmlns:a14="http://schemas.microsoft.com/office/drawing/2010/main" val="0"/>
+                  </a:ext>
+                </a:extLst>
+              </a:blip>
+              <a:srcRect t="-4272"/>
+              <a:stretch/>
+            </p:blipFill>
+            <p:spPr>
+              <a:xfrm>
+                <a:off x="4090930" y="1665720"/>
+                <a:ext cx="3868227" cy="863901"/>
+              </a:xfrm>
+              <a:prstGeom prst="rect">
+                <a:avLst/>
+              </a:prstGeom>
+            </p:spPr>
+          </p:pic>
+        </p:grpSp>
+        <p:sp>
+          <p:nvSpPr>
+            <p:cNvPr id="54" name="화살표: 오른쪽 53">
+              <a:extLst>
+                <a:ext uri="{FF2B5EF4-FFF2-40B4-BE49-F238E27FC236}">
+                  <a16:creationId xmlns:a16="http://schemas.microsoft.com/office/drawing/2014/main" id="{194F81AF-01DF-A071-5B99-CF84C1EB887C}"/>
+                </a:ext>
+              </a:extLst>
+            </p:cNvPr>
+            <p:cNvSpPr/>
+            <p:nvPr/>
+          </p:nvSpPr>
+          <p:spPr>
+            <a:xfrm>
+              <a:off x="5427916" y="2979249"/>
+              <a:ext cx="1111229" cy="947988"/>
+            </a:xfrm>
+            <a:prstGeom prst="rightArrow">
+              <a:avLst/>
+            </a:prstGeom>
+          </p:spPr>
+          <p:style>
+            <a:lnRef idx="2">
+              <a:schemeClr val="accent1">
+                <a:shade val="15000"/>
+              </a:schemeClr>
+            </a:lnRef>
+            <a:fillRef idx="1">
+              <a:schemeClr val="accent1"/>
+            </a:fillRef>
+            <a:effectRef idx="0">
+              <a:schemeClr val="accent1"/>
+            </a:effectRef>
+            <a:fontRef idx="minor">
+              <a:schemeClr val="lt1"/>
+            </a:fontRef>
+          </p:style>
+          <p:txBody>
+            <a:bodyPr rtlCol="0" anchor="ctr"/>
+            <a:lstStyle/>
+            <a:p>
+              <a:pPr algn="ctr"/>
+              <a:endParaRPr lang="ko-KR" altLang="en-US"/>
+            </a:p>
+          </p:txBody>
+        </p:sp>
+      </p:grpSp>
+    </p:spTree>
+    <p:extLst>
+      <p:ext uri="{BB962C8B-B14F-4D97-AF65-F5344CB8AC3E}">
+        <p14:creationId xmlns:p14="http://schemas.microsoft.com/office/powerpoint/2010/main" val="2957965074"/>
+      </p:ext>
+    </p:extLst>
+  </p:cSld>
+  <p:clrMapOvr>
+    <a:masterClrMapping/>
+  </p:clrMapOvr>
+</p:sld>
+</file>
+
+<file path=ppt/slides/slide5.xml><?xml version="1.0" encoding="utf-8"?>
+<p:sld xmlns:a="http://schemas.openxmlformats.org/drawingml/2006/main" xmlns:r="http://schemas.openxmlformats.org/officeDocument/2006/relationships" xmlns:p="http://schemas.openxmlformats.org/presentationml/2006/main">
+  <p:cSld>
+    <p:spTree>
+      <p:nvGrpSpPr>
         <p:cNvPr id="1" name=""/>
         <p:cNvGrpSpPr/>
         <p:nvPr/>

--- a/document/UI.pptx
+++ b/document/UI.pptx
@@ -9,7 +9,9 @@
     <p:sldId id="258" r:id="rId3"/>
     <p:sldId id="259" r:id="rId4"/>
     <p:sldId id="260" r:id="rId5"/>
-    <p:sldId id="256" r:id="rId6"/>
+    <p:sldId id="261" r:id="rId6"/>
+    <p:sldId id="262" r:id="rId7"/>
+    <p:sldId id="256" r:id="rId8"/>
   </p:sldIdLst>
   <p:sldSz cx="12192000" cy="6858000"/>
   <p:notesSz cx="6858000" cy="9144000"/>
@@ -10786,6 +10788,1658 @@
           <a:chExt cx="0" cy="0"/>
         </a:xfrm>
       </p:grpSpPr>
+      <p:grpSp>
+        <p:nvGrpSpPr>
+          <p:cNvPr id="18" name="그룹 17">
+            <a:extLst>
+              <a:ext uri="{FF2B5EF4-FFF2-40B4-BE49-F238E27FC236}">
+                <a16:creationId xmlns:a16="http://schemas.microsoft.com/office/drawing/2014/main" id="{DE5307F2-4A93-4C72-7495-E3B1769C5C5F}"/>
+              </a:ext>
+            </a:extLst>
+          </p:cNvPr>
+          <p:cNvGrpSpPr/>
+          <p:nvPr/>
+        </p:nvGrpSpPr>
+        <p:grpSpPr>
+          <a:xfrm>
+            <a:off x="2024599" y="954458"/>
+            <a:ext cx="6454046" cy="4863246"/>
+            <a:chOff x="2024599" y="954458"/>
+            <a:chExt cx="6454046" cy="4863246"/>
+          </a:xfrm>
+        </p:grpSpPr>
+        <p:sp>
+          <p:nvSpPr>
+            <p:cNvPr id="3" name="직사각형 2">
+              <a:extLst>
+                <a:ext uri="{FF2B5EF4-FFF2-40B4-BE49-F238E27FC236}">
+                  <a16:creationId xmlns:a16="http://schemas.microsoft.com/office/drawing/2014/main" id="{E1470E88-D910-EA78-A7E0-4AC2F7949AEF}"/>
+                </a:ext>
+              </a:extLst>
+            </p:cNvPr>
+            <p:cNvSpPr/>
+            <p:nvPr/>
+          </p:nvSpPr>
+          <p:spPr>
+            <a:xfrm>
+              <a:off x="2024599" y="954458"/>
+              <a:ext cx="6454046" cy="4863246"/>
+            </a:xfrm>
+            <a:prstGeom prst="rect">
+              <a:avLst/>
+            </a:prstGeom>
+            <a:solidFill>
+              <a:schemeClr val="bg1"/>
+            </a:solidFill>
+          </p:spPr>
+          <p:style>
+            <a:lnRef idx="2">
+              <a:schemeClr val="accent1">
+                <a:shade val="15000"/>
+              </a:schemeClr>
+            </a:lnRef>
+            <a:fillRef idx="1">
+              <a:schemeClr val="accent1"/>
+            </a:fillRef>
+            <a:effectRef idx="0">
+              <a:schemeClr val="accent1"/>
+            </a:effectRef>
+            <a:fontRef idx="minor">
+              <a:schemeClr val="lt1"/>
+            </a:fontRef>
+          </p:style>
+          <p:txBody>
+            <a:bodyPr rtlCol="0" anchor="ctr"/>
+            <a:lstStyle/>
+            <a:p>
+              <a:pPr algn="ctr"/>
+              <a:endParaRPr lang="ko-KR" altLang="en-US" sz="3600"/>
+            </a:p>
+          </p:txBody>
+        </p:sp>
+        <p:grpSp>
+          <p:nvGrpSpPr>
+            <p:cNvPr id="4" name="그룹 3">
+              <a:extLst>
+                <a:ext uri="{FF2B5EF4-FFF2-40B4-BE49-F238E27FC236}">
+                  <a16:creationId xmlns:a16="http://schemas.microsoft.com/office/drawing/2014/main" id="{06B73532-241E-133A-9722-2CFC4602AC01}"/>
+                </a:ext>
+              </a:extLst>
+            </p:cNvPr>
+            <p:cNvGrpSpPr/>
+            <p:nvPr/>
+          </p:nvGrpSpPr>
+          <p:grpSpPr>
+            <a:xfrm rot="5400000">
+              <a:off x="1540755" y="2066483"/>
+              <a:ext cx="4474334" cy="2572289"/>
+              <a:chOff x="596345" y="1557116"/>
+              <a:chExt cx="4472608" cy="2571297"/>
+            </a:xfrm>
+          </p:grpSpPr>
+          <p:sp>
+            <p:nvSpPr>
+              <p:cNvPr id="5" name="사각형: 둥근 모서리 4">
+                <a:extLst>
+                  <a:ext uri="{FF2B5EF4-FFF2-40B4-BE49-F238E27FC236}">
+                    <a16:creationId xmlns:a16="http://schemas.microsoft.com/office/drawing/2014/main" id="{3E6078B6-E997-0DA3-2E5A-903099A5D2DB}"/>
+                  </a:ext>
+                </a:extLst>
+              </p:cNvPr>
+              <p:cNvSpPr/>
+              <p:nvPr/>
+            </p:nvSpPr>
+            <p:spPr>
+              <a:xfrm>
+                <a:off x="596345" y="1557116"/>
+                <a:ext cx="4472608" cy="2571297"/>
+              </a:xfrm>
+              <a:prstGeom prst="roundRect">
+                <a:avLst>
+                  <a:gd name="adj" fmla="val 2928"/>
+                </a:avLst>
+              </a:prstGeom>
+              <a:solidFill>
+                <a:schemeClr val="bg2">
+                  <a:lumMod val="75000"/>
+                </a:schemeClr>
+              </a:solidFill>
+            </p:spPr>
+            <p:style>
+              <a:lnRef idx="2">
+                <a:schemeClr val="accent1">
+                  <a:shade val="15000"/>
+                </a:schemeClr>
+              </a:lnRef>
+              <a:fillRef idx="1">
+                <a:schemeClr val="accent1"/>
+              </a:fillRef>
+              <a:effectRef idx="0">
+                <a:schemeClr val="accent1"/>
+              </a:effectRef>
+              <a:fontRef idx="minor">
+                <a:schemeClr val="lt1"/>
+              </a:fontRef>
+            </p:style>
+            <p:txBody>
+              <a:bodyPr rtlCol="0" anchor="ctr"/>
+              <a:lstStyle/>
+              <a:p>
+                <a:pPr algn="ctr"/>
+                <a:endParaRPr lang="ko-KR" altLang="en-US"/>
+              </a:p>
+            </p:txBody>
+          </p:sp>
+          <p:sp>
+            <p:nvSpPr>
+              <p:cNvPr id="6" name="직사각형 5">
+                <a:extLst>
+                  <a:ext uri="{FF2B5EF4-FFF2-40B4-BE49-F238E27FC236}">
+                    <a16:creationId xmlns:a16="http://schemas.microsoft.com/office/drawing/2014/main" id="{540E7117-D584-EE26-6A3E-A4A008935E5C}"/>
+                  </a:ext>
+                </a:extLst>
+              </p:cNvPr>
+              <p:cNvSpPr>
+                <a:spLocks noChangeAspect="1"/>
+              </p:cNvSpPr>
+              <p:nvPr/>
+            </p:nvSpPr>
+            <p:spPr>
+              <a:xfrm>
+                <a:off x="750261" y="1649918"/>
+                <a:ext cx="4200992" cy="2363058"/>
+              </a:xfrm>
+              <a:prstGeom prst="rect">
+                <a:avLst/>
+              </a:prstGeom>
+              <a:solidFill>
+                <a:schemeClr val="bg1"/>
+              </a:solidFill>
+              <a:ln>
+                <a:solidFill>
+                  <a:schemeClr val="tx1"/>
+                </a:solidFill>
+              </a:ln>
+            </p:spPr>
+            <p:style>
+              <a:lnRef idx="2">
+                <a:schemeClr val="accent1">
+                  <a:shade val="15000"/>
+                </a:schemeClr>
+              </a:lnRef>
+              <a:fillRef idx="1">
+                <a:schemeClr val="accent1"/>
+              </a:fillRef>
+              <a:effectRef idx="0">
+                <a:schemeClr val="accent1"/>
+              </a:effectRef>
+              <a:fontRef idx="minor">
+                <a:schemeClr val="lt1"/>
+              </a:fontRef>
+            </p:style>
+            <p:txBody>
+              <a:bodyPr rtlCol="0" anchor="ctr"/>
+              <a:lstStyle/>
+              <a:p>
+                <a:pPr algn="ctr"/>
+                <a:endParaRPr lang="ko-KR" altLang="en-US" sz="700" dirty="0"/>
+              </a:p>
+            </p:txBody>
+          </p:sp>
+          <p:sp>
+            <p:nvSpPr>
+              <p:cNvPr id="7" name="타원 6">
+                <a:extLst>
+                  <a:ext uri="{FF2B5EF4-FFF2-40B4-BE49-F238E27FC236}">
+                    <a16:creationId xmlns:a16="http://schemas.microsoft.com/office/drawing/2014/main" id="{7D1B25FB-1C9F-8CE0-0108-369027645ABB}"/>
+                  </a:ext>
+                </a:extLst>
+              </p:cNvPr>
+              <p:cNvSpPr/>
+              <p:nvPr/>
+            </p:nvSpPr>
+            <p:spPr>
+              <a:xfrm>
+                <a:off x="626132" y="2793474"/>
+                <a:ext cx="98581" cy="98581"/>
+              </a:xfrm>
+              <a:prstGeom prst="ellipse">
+                <a:avLst/>
+              </a:prstGeom>
+              <a:solidFill>
+                <a:schemeClr val="tx1">
+                  <a:lumMod val="85000"/>
+                  <a:lumOff val="15000"/>
+                </a:schemeClr>
+              </a:solidFill>
+            </p:spPr>
+            <p:style>
+              <a:lnRef idx="2">
+                <a:schemeClr val="accent1">
+                  <a:shade val="15000"/>
+                </a:schemeClr>
+              </a:lnRef>
+              <a:fillRef idx="1">
+                <a:schemeClr val="accent1"/>
+              </a:fillRef>
+              <a:effectRef idx="0">
+                <a:schemeClr val="accent1"/>
+              </a:effectRef>
+              <a:fontRef idx="minor">
+                <a:schemeClr val="lt1"/>
+              </a:fontRef>
+            </p:style>
+            <p:txBody>
+              <a:bodyPr rtlCol="0" anchor="ctr"/>
+              <a:lstStyle/>
+              <a:p>
+                <a:pPr algn="ctr"/>
+                <a:endParaRPr lang="ko-KR" altLang="en-US"/>
+              </a:p>
+            </p:txBody>
+          </p:sp>
+        </p:grpSp>
+        <p:sp>
+          <p:nvSpPr>
+            <p:cNvPr id="8" name="직사각형 7">
+              <a:extLst>
+                <a:ext uri="{FF2B5EF4-FFF2-40B4-BE49-F238E27FC236}">
+                  <a16:creationId xmlns:a16="http://schemas.microsoft.com/office/drawing/2014/main" id="{C7732CA1-914D-8D60-03D9-5625B2CD1AB8}"/>
+                </a:ext>
+              </a:extLst>
+            </p:cNvPr>
+            <p:cNvSpPr/>
+            <p:nvPr/>
+          </p:nvSpPr>
+          <p:spPr>
+            <a:xfrm>
+              <a:off x="5711108" y="1872228"/>
+              <a:ext cx="2572289" cy="3451322"/>
+            </a:xfrm>
+            <a:prstGeom prst="rect">
+              <a:avLst/>
+            </a:prstGeom>
+            <a:solidFill>
+              <a:srgbClr val="FFFF00"/>
+            </a:solidFill>
+          </p:spPr>
+          <p:style>
+            <a:lnRef idx="2">
+              <a:schemeClr val="accent1">
+                <a:shade val="15000"/>
+              </a:schemeClr>
+            </a:lnRef>
+            <a:fillRef idx="1">
+              <a:schemeClr val="accent1"/>
+            </a:fillRef>
+            <a:effectRef idx="0">
+              <a:schemeClr val="accent1"/>
+            </a:effectRef>
+            <a:fontRef idx="minor">
+              <a:schemeClr val="lt1"/>
+            </a:fontRef>
+          </p:style>
+          <p:txBody>
+            <a:bodyPr rtlCol="0" anchor="ctr"/>
+            <a:lstStyle/>
+            <a:p>
+              <a:pPr algn="ctr"/>
+              <a:r>
+                <a:rPr lang="ko-KR" altLang="en-US" sz="2000" dirty="0">
+                  <a:solidFill>
+                    <a:schemeClr val="tx1"/>
+                  </a:solidFill>
+                </a:rPr>
+                <a:t>이체할 계좌</a:t>
+              </a:r>
+              <a:endParaRPr lang="en-US" altLang="ko-KR" sz="2000" dirty="0">
+                <a:solidFill>
+                  <a:schemeClr val="tx1"/>
+                </a:solidFill>
+              </a:endParaRPr>
+            </a:p>
+            <a:p>
+              <a:pPr algn="ctr"/>
+              <a:r>
+                <a:rPr lang="en-US" altLang="ko-KR" sz="2000" dirty="0">
+                  <a:solidFill>
+                    <a:schemeClr val="tx1"/>
+                  </a:solidFill>
+                </a:rPr>
+                <a:t>XX-XXXX-XX</a:t>
+              </a:r>
+            </a:p>
+            <a:p>
+              <a:pPr algn="ctr"/>
+              <a:r>
+                <a:rPr lang="en-US" altLang="ko-KR" sz="2000" dirty="0">
+                  <a:solidFill>
+                    <a:schemeClr val="tx1"/>
+                  </a:solidFill>
+                </a:rPr>
+                <a:t>Oo</a:t>
+              </a:r>
+              <a:r>
+                <a:rPr lang="ko-KR" altLang="en-US" sz="2000" dirty="0">
+                  <a:solidFill>
+                    <a:schemeClr val="tx1"/>
+                  </a:solidFill>
+                </a:rPr>
+                <a:t>은행</a:t>
+              </a:r>
+              <a:endParaRPr lang="en-US" altLang="ko-KR" sz="2000" dirty="0">
+                <a:solidFill>
+                  <a:schemeClr val="tx1"/>
+                </a:solidFill>
+              </a:endParaRPr>
+            </a:p>
+            <a:p>
+              <a:pPr algn="ctr"/>
+              <a:r>
+                <a:rPr lang="en-US" altLang="ko-KR" sz="2000" dirty="0">
+                  <a:solidFill>
+                    <a:schemeClr val="tx1"/>
+                  </a:solidFill>
+                </a:rPr>
+                <a:t>“</a:t>
+              </a:r>
+              <a:r>
+                <a:rPr lang="ko-KR" altLang="en-US" sz="2000" dirty="0">
+                  <a:solidFill>
+                    <a:schemeClr val="tx1"/>
+                  </a:solidFill>
+                </a:rPr>
+                <a:t>집주인 이름</a:t>
+              </a:r>
+              <a:r>
+                <a:rPr lang="en-US" altLang="ko-KR" sz="2000" dirty="0">
+                  <a:solidFill>
+                    <a:schemeClr val="tx1"/>
+                  </a:solidFill>
+                </a:rPr>
+                <a:t>“</a:t>
+              </a:r>
+            </a:p>
+            <a:p>
+              <a:pPr algn="ctr"/>
+              <a:endParaRPr lang="en-US" altLang="ko-KR" sz="2000" dirty="0">
+                <a:solidFill>
+                  <a:schemeClr val="tx1"/>
+                </a:solidFill>
+              </a:endParaRPr>
+            </a:p>
+            <a:p>
+              <a:pPr algn="ctr"/>
+              <a:r>
+                <a:rPr lang="en-US" altLang="ko-KR" sz="2000" dirty="0">
+                  <a:solidFill>
+                    <a:schemeClr val="tx1"/>
+                  </a:solidFill>
+                </a:rPr>
+                <a:t>500,000</a:t>
+              </a:r>
+              <a:r>
+                <a:rPr lang="ko-KR" altLang="en-US" sz="2000" dirty="0">
+                  <a:solidFill>
+                    <a:schemeClr val="tx1"/>
+                  </a:solidFill>
+                </a:rPr>
+                <a:t>원</a:t>
+              </a:r>
+            </a:p>
+          </p:txBody>
+        </p:sp>
+        <p:sp>
+          <p:nvSpPr>
+            <p:cNvPr id="15" name="직사각형 14">
+              <a:extLst>
+                <a:ext uri="{FF2B5EF4-FFF2-40B4-BE49-F238E27FC236}">
+                  <a16:creationId xmlns:a16="http://schemas.microsoft.com/office/drawing/2014/main" id="{BD9A33FA-85CB-C410-1D60-4FA316410056}"/>
+                </a:ext>
+              </a:extLst>
+            </p:cNvPr>
+            <p:cNvSpPr/>
+            <p:nvPr/>
+          </p:nvSpPr>
+          <p:spPr>
+            <a:xfrm>
+              <a:off x="2770179" y="1844424"/>
+              <a:ext cx="2015487" cy="3016407"/>
+            </a:xfrm>
+            <a:prstGeom prst="rect">
+              <a:avLst/>
+            </a:prstGeom>
+            <a:solidFill>
+              <a:schemeClr val="bg1"/>
+            </a:solidFill>
+            <a:ln>
+              <a:noFill/>
+            </a:ln>
+          </p:spPr>
+          <p:style>
+            <a:lnRef idx="2">
+              <a:schemeClr val="accent1">
+                <a:shade val="15000"/>
+              </a:schemeClr>
+            </a:lnRef>
+            <a:fillRef idx="1">
+              <a:schemeClr val="accent1"/>
+            </a:fillRef>
+            <a:effectRef idx="0">
+              <a:schemeClr val="accent1"/>
+            </a:effectRef>
+            <a:fontRef idx="minor">
+              <a:schemeClr val="lt1"/>
+            </a:fontRef>
+          </p:style>
+          <p:txBody>
+            <a:bodyPr rtlCol="0" anchor="ctr"/>
+            <a:lstStyle/>
+            <a:p>
+              <a:pPr algn="ctr"/>
+              <a:r>
+                <a:rPr lang="ko-KR" altLang="en-US" sz="1400" dirty="0">
+                  <a:solidFill>
+                    <a:schemeClr val="tx1"/>
+                  </a:solidFill>
+                </a:rPr>
+                <a:t>계좌</a:t>
+              </a:r>
+              <a:endParaRPr lang="en-US" altLang="ko-KR" sz="1400" dirty="0">
+                <a:solidFill>
+                  <a:schemeClr val="tx1"/>
+                </a:solidFill>
+              </a:endParaRPr>
+            </a:p>
+            <a:p>
+              <a:pPr algn="ctr"/>
+              <a:r>
+                <a:rPr lang="en-US" altLang="ko-KR" sz="1600" b="1" dirty="0">
+                  <a:solidFill>
+                    <a:schemeClr val="tx1"/>
+                  </a:solidFill>
+                </a:rPr>
+                <a:t>XX-XXXX-XX</a:t>
+              </a:r>
+            </a:p>
+            <a:p>
+              <a:pPr algn="ctr"/>
+              <a:r>
+                <a:rPr lang="ko-KR" altLang="en-US" sz="1400" b="1" dirty="0">
+                  <a:solidFill>
+                    <a:schemeClr val="tx1"/>
+                  </a:solidFill>
+                </a:rPr>
+                <a:t>이름</a:t>
+              </a:r>
+              <a:r>
+                <a:rPr lang="en-US" altLang="ko-KR" sz="1400" b="1" dirty="0">
+                  <a:solidFill>
+                    <a:schemeClr val="tx1"/>
+                  </a:solidFill>
+                </a:rPr>
+                <a:t>Text</a:t>
+              </a:r>
+              <a:r>
+                <a:rPr lang="ko-KR" altLang="en-US" sz="1400" dirty="0" err="1">
+                  <a:solidFill>
+                    <a:schemeClr val="tx1"/>
+                  </a:solidFill>
+                </a:rPr>
+                <a:t>님에게</a:t>
+              </a:r>
+              <a:endParaRPr lang="en-US" altLang="ko-KR" sz="1400" dirty="0">
+                <a:solidFill>
+                  <a:schemeClr val="tx1"/>
+                </a:solidFill>
+              </a:endParaRPr>
+            </a:p>
+            <a:p>
+              <a:pPr algn="ctr"/>
+              <a:endParaRPr lang="en-US" altLang="ko-KR" sz="1400" dirty="0">
+                <a:solidFill>
+                  <a:schemeClr val="tx1"/>
+                </a:solidFill>
+              </a:endParaRPr>
+            </a:p>
+            <a:p>
+              <a:pPr algn="ctr"/>
+              <a:r>
+                <a:rPr lang="en-US" altLang="ko-KR" sz="1400" dirty="0">
+                  <a:solidFill>
+                    <a:schemeClr val="tx1"/>
+                  </a:solidFill>
+                </a:rPr>
+                <a:t>“</a:t>
+              </a:r>
+              <a:r>
+                <a:rPr lang="ko-KR" altLang="en-US" sz="1400" dirty="0">
+                  <a:solidFill>
+                    <a:srgbClr val="FF0000"/>
+                  </a:solidFill>
+                </a:rPr>
+                <a:t>입력한 금액</a:t>
+              </a:r>
+              <a:r>
+                <a:rPr lang="en-US" altLang="ko-KR" sz="1400" dirty="0">
+                  <a:solidFill>
+                    <a:schemeClr val="tx1"/>
+                  </a:solidFill>
+                </a:rPr>
+                <a:t>＂</a:t>
+              </a:r>
+              <a:r>
+                <a:rPr lang="ko-KR" altLang="en-US" sz="1400" dirty="0">
+                  <a:solidFill>
+                    <a:schemeClr val="tx1"/>
+                  </a:solidFill>
+                </a:rPr>
+                <a:t>만큼</a:t>
+              </a:r>
+              <a:endParaRPr lang="en-US" altLang="ko-KR" sz="1400" dirty="0">
+                <a:solidFill>
+                  <a:schemeClr val="tx1"/>
+                </a:solidFill>
+              </a:endParaRPr>
+            </a:p>
+            <a:p>
+              <a:pPr algn="ctr"/>
+              <a:r>
+                <a:rPr lang="ko-KR" altLang="en-US" sz="1400" dirty="0">
+                  <a:solidFill>
+                    <a:schemeClr val="tx1"/>
+                  </a:solidFill>
+                </a:rPr>
+                <a:t>이체합니다</a:t>
+              </a:r>
+              <a:r>
+                <a:rPr lang="en-US" altLang="ko-KR" sz="1400" dirty="0">
+                  <a:solidFill>
+                    <a:schemeClr val="tx1"/>
+                  </a:solidFill>
+                </a:rPr>
+                <a:t>.</a:t>
+              </a:r>
+            </a:p>
+            <a:p>
+              <a:pPr algn="ctr"/>
+              <a:endParaRPr lang="en-US" altLang="ko-KR" sz="1400" dirty="0">
+                <a:solidFill>
+                  <a:schemeClr val="tx1"/>
+                </a:solidFill>
+              </a:endParaRPr>
+            </a:p>
+            <a:p>
+              <a:pPr algn="ctr"/>
+              <a:r>
+                <a:rPr lang="ko-KR" altLang="en-US" sz="1400" dirty="0">
+                  <a:solidFill>
+                    <a:schemeClr val="tx1"/>
+                  </a:solidFill>
+                </a:rPr>
+                <a:t>맞습니까</a:t>
+              </a:r>
+              <a:r>
+                <a:rPr lang="en-US" altLang="ko-KR" sz="1400" dirty="0">
+                  <a:solidFill>
+                    <a:schemeClr val="tx1"/>
+                  </a:solidFill>
+                </a:rPr>
+                <a:t>?</a:t>
+              </a:r>
+              <a:endParaRPr lang="ko-KR" altLang="en-US" sz="1400" dirty="0">
+                <a:solidFill>
+                  <a:schemeClr val="tx1"/>
+                </a:solidFill>
+              </a:endParaRPr>
+            </a:p>
+          </p:txBody>
+        </p:sp>
+        <p:grpSp>
+          <p:nvGrpSpPr>
+            <p:cNvPr id="17" name="그룹 16">
+              <a:extLst>
+                <a:ext uri="{FF2B5EF4-FFF2-40B4-BE49-F238E27FC236}">
+                  <a16:creationId xmlns:a16="http://schemas.microsoft.com/office/drawing/2014/main" id="{BD97A11C-85E5-DB26-2A9E-99801FA191A0}"/>
+                </a:ext>
+              </a:extLst>
+            </p:cNvPr>
+            <p:cNvGrpSpPr/>
+            <p:nvPr/>
+          </p:nvGrpSpPr>
+          <p:grpSpPr>
+            <a:xfrm>
+              <a:off x="2716696" y="4988172"/>
+              <a:ext cx="2117055" cy="335378"/>
+              <a:chOff x="2716696" y="4988172"/>
+              <a:chExt cx="2117055" cy="335378"/>
+            </a:xfrm>
+          </p:grpSpPr>
+          <p:sp>
+            <p:nvSpPr>
+              <p:cNvPr id="13" name="직사각형 12">
+                <a:extLst>
+                  <a:ext uri="{FF2B5EF4-FFF2-40B4-BE49-F238E27FC236}">
+                    <a16:creationId xmlns:a16="http://schemas.microsoft.com/office/drawing/2014/main" id="{C51B48EB-6241-53B5-500D-7B14607A53BF}"/>
+                  </a:ext>
+                </a:extLst>
+              </p:cNvPr>
+              <p:cNvSpPr/>
+              <p:nvPr/>
+            </p:nvSpPr>
+            <p:spPr>
+              <a:xfrm>
+                <a:off x="4028661" y="4988172"/>
+                <a:ext cx="805090" cy="335378"/>
+              </a:xfrm>
+              <a:prstGeom prst="rect">
+                <a:avLst/>
+              </a:prstGeom>
+              <a:solidFill>
+                <a:srgbClr val="00B050"/>
+              </a:solidFill>
+            </p:spPr>
+            <p:style>
+              <a:lnRef idx="2">
+                <a:schemeClr val="accent1">
+                  <a:shade val="15000"/>
+                </a:schemeClr>
+              </a:lnRef>
+              <a:fillRef idx="1">
+                <a:schemeClr val="accent1"/>
+              </a:fillRef>
+              <a:effectRef idx="0">
+                <a:schemeClr val="accent1"/>
+              </a:effectRef>
+              <a:fontRef idx="minor">
+                <a:schemeClr val="lt1"/>
+              </a:fontRef>
+            </p:style>
+            <p:txBody>
+              <a:bodyPr rtlCol="0" anchor="ctr"/>
+              <a:lstStyle/>
+              <a:p>
+                <a:pPr algn="ctr"/>
+                <a:r>
+                  <a:rPr lang="ko-KR" altLang="en-US" sz="1600">
+                    <a:solidFill>
+                      <a:schemeClr val="tx1"/>
+                    </a:solidFill>
+                  </a:rPr>
+                  <a:t>네</a:t>
+                </a:r>
+                <a:endParaRPr lang="ko-KR" altLang="en-US" sz="1600" dirty="0">
+                  <a:solidFill>
+                    <a:schemeClr val="tx1"/>
+                  </a:solidFill>
+                </a:endParaRPr>
+              </a:p>
+            </p:txBody>
+          </p:sp>
+          <p:sp>
+            <p:nvSpPr>
+              <p:cNvPr id="16" name="직사각형 15">
+                <a:extLst>
+                  <a:ext uri="{FF2B5EF4-FFF2-40B4-BE49-F238E27FC236}">
+                    <a16:creationId xmlns:a16="http://schemas.microsoft.com/office/drawing/2014/main" id="{4DF49CBA-B758-F765-16D5-7CC79437F5EE}"/>
+                  </a:ext>
+                </a:extLst>
+              </p:cNvPr>
+              <p:cNvSpPr/>
+              <p:nvPr/>
+            </p:nvSpPr>
+            <p:spPr>
+              <a:xfrm>
+                <a:off x="2716696" y="4988172"/>
+                <a:ext cx="805090" cy="335378"/>
+              </a:xfrm>
+              <a:prstGeom prst="rect">
+                <a:avLst/>
+              </a:prstGeom>
+              <a:solidFill>
+                <a:srgbClr val="00B050"/>
+              </a:solidFill>
+            </p:spPr>
+            <p:style>
+              <a:lnRef idx="2">
+                <a:schemeClr val="accent1">
+                  <a:shade val="15000"/>
+                </a:schemeClr>
+              </a:lnRef>
+              <a:fillRef idx="1">
+                <a:schemeClr val="accent1"/>
+              </a:fillRef>
+              <a:effectRef idx="0">
+                <a:schemeClr val="accent1"/>
+              </a:effectRef>
+              <a:fontRef idx="minor">
+                <a:schemeClr val="lt1"/>
+              </a:fontRef>
+            </p:style>
+            <p:txBody>
+              <a:bodyPr rtlCol="0" anchor="ctr"/>
+              <a:lstStyle/>
+              <a:p>
+                <a:pPr algn="ctr"/>
+                <a:r>
+                  <a:rPr lang="ko-KR" altLang="en-US" sz="1600" dirty="0">
+                    <a:solidFill>
+                      <a:schemeClr val="tx1"/>
+                    </a:solidFill>
+                  </a:rPr>
+                  <a:t>아니요</a:t>
+                </a:r>
+              </a:p>
+            </p:txBody>
+          </p:sp>
+        </p:grpSp>
+      </p:grpSp>
+    </p:spTree>
+    <p:extLst>
+      <p:ext uri="{BB962C8B-B14F-4D97-AF65-F5344CB8AC3E}">
+        <p14:creationId xmlns:p14="http://schemas.microsoft.com/office/powerpoint/2010/main" val="652923122"/>
+      </p:ext>
+    </p:extLst>
+  </p:cSld>
+  <p:clrMapOvr>
+    <a:masterClrMapping/>
+  </p:clrMapOvr>
+</p:sld>
+</file>
+
+<file path=ppt/slides/slide6.xml><?xml version="1.0" encoding="utf-8"?>
+<p:sld xmlns:a="http://schemas.openxmlformats.org/drawingml/2006/main" xmlns:r="http://schemas.openxmlformats.org/officeDocument/2006/relationships" xmlns:p="http://schemas.openxmlformats.org/presentationml/2006/main">
+  <p:cSld>
+    <p:spTree>
+      <p:nvGrpSpPr>
+        <p:cNvPr id="1" name="">
+          <a:extLst>
+            <a:ext uri="{FF2B5EF4-FFF2-40B4-BE49-F238E27FC236}">
+              <a16:creationId xmlns:a16="http://schemas.microsoft.com/office/drawing/2014/main" id="{FECD5D12-7852-9C2D-6CF3-C75C980F76DE}"/>
+            </a:ext>
+          </a:extLst>
+        </p:cNvPr>
+        <p:cNvGrpSpPr/>
+        <p:nvPr/>
+      </p:nvGrpSpPr>
+      <p:grpSpPr>
+        <a:xfrm>
+          <a:off x="0" y="0"/>
+          <a:ext cx="0" cy="0"/>
+          <a:chOff x="0" y="0"/>
+          <a:chExt cx="0" cy="0"/>
+        </a:xfrm>
+      </p:grpSpPr>
+      <p:grpSp>
+        <p:nvGrpSpPr>
+          <p:cNvPr id="2" name="그룹 1">
+            <a:extLst>
+              <a:ext uri="{FF2B5EF4-FFF2-40B4-BE49-F238E27FC236}">
+                <a16:creationId xmlns:a16="http://schemas.microsoft.com/office/drawing/2014/main" id="{DD18039A-6D9E-E78C-387B-3C4CB5372FA6}"/>
+              </a:ext>
+            </a:extLst>
+          </p:cNvPr>
+          <p:cNvGrpSpPr/>
+          <p:nvPr/>
+        </p:nvGrpSpPr>
+        <p:grpSpPr>
+          <a:xfrm>
+            <a:off x="715816" y="1895061"/>
+            <a:ext cx="4071401" cy="3067878"/>
+            <a:chOff x="7759346" y="1517675"/>
+            <a:chExt cx="4071401" cy="3067878"/>
+          </a:xfrm>
+        </p:grpSpPr>
+        <p:sp>
+          <p:nvSpPr>
+            <p:cNvPr id="9" name="직사각형 8">
+              <a:extLst>
+                <a:ext uri="{FF2B5EF4-FFF2-40B4-BE49-F238E27FC236}">
+                  <a16:creationId xmlns:a16="http://schemas.microsoft.com/office/drawing/2014/main" id="{CA09B9CF-B4FA-9221-4E1A-DD8130B93EB2}"/>
+                </a:ext>
+              </a:extLst>
+            </p:cNvPr>
+            <p:cNvSpPr/>
+            <p:nvPr/>
+          </p:nvSpPr>
+          <p:spPr>
+            <a:xfrm>
+              <a:off x="7759346" y="1517675"/>
+              <a:ext cx="4071401" cy="3067878"/>
+            </a:xfrm>
+            <a:prstGeom prst="rect">
+              <a:avLst/>
+            </a:prstGeom>
+            <a:solidFill>
+              <a:schemeClr val="bg1"/>
+            </a:solidFill>
+          </p:spPr>
+          <p:style>
+            <a:lnRef idx="2">
+              <a:schemeClr val="accent1">
+                <a:shade val="15000"/>
+              </a:schemeClr>
+            </a:lnRef>
+            <a:fillRef idx="1">
+              <a:schemeClr val="accent1"/>
+            </a:fillRef>
+            <a:effectRef idx="0">
+              <a:schemeClr val="accent1"/>
+            </a:effectRef>
+            <a:fontRef idx="minor">
+              <a:schemeClr val="lt1"/>
+            </a:fontRef>
+          </p:style>
+          <p:txBody>
+            <a:bodyPr rtlCol="0" anchor="ctr"/>
+            <a:lstStyle/>
+            <a:p>
+              <a:pPr algn="ctr"/>
+              <a:endParaRPr lang="ko-KR" altLang="en-US"/>
+            </a:p>
+          </p:txBody>
+        </p:sp>
+        <p:grpSp>
+          <p:nvGrpSpPr>
+            <p:cNvPr id="10" name="그룹 9">
+              <a:extLst>
+                <a:ext uri="{FF2B5EF4-FFF2-40B4-BE49-F238E27FC236}">
+                  <a16:creationId xmlns:a16="http://schemas.microsoft.com/office/drawing/2014/main" id="{9B81CD38-54A3-F23B-D22E-A31E6012B581}"/>
+                </a:ext>
+              </a:extLst>
+            </p:cNvPr>
+            <p:cNvGrpSpPr/>
+            <p:nvPr/>
+          </p:nvGrpSpPr>
+          <p:grpSpPr>
+            <a:xfrm rot="5400000">
+              <a:off x="7454123" y="2219173"/>
+              <a:ext cx="2822541" cy="1622675"/>
+              <a:chOff x="596345" y="1557116"/>
+              <a:chExt cx="4472608" cy="2571297"/>
+            </a:xfrm>
+          </p:grpSpPr>
+          <p:sp>
+            <p:nvSpPr>
+              <p:cNvPr id="22" name="사각형: 둥근 모서리 21">
+                <a:extLst>
+                  <a:ext uri="{FF2B5EF4-FFF2-40B4-BE49-F238E27FC236}">
+                    <a16:creationId xmlns:a16="http://schemas.microsoft.com/office/drawing/2014/main" id="{FDA51395-2725-049D-3546-E74200494813}"/>
+                  </a:ext>
+                </a:extLst>
+              </p:cNvPr>
+              <p:cNvSpPr/>
+              <p:nvPr/>
+            </p:nvSpPr>
+            <p:spPr>
+              <a:xfrm>
+                <a:off x="596345" y="1557116"/>
+                <a:ext cx="4472608" cy="2571297"/>
+              </a:xfrm>
+              <a:prstGeom prst="roundRect">
+                <a:avLst>
+                  <a:gd name="adj" fmla="val 2928"/>
+                </a:avLst>
+              </a:prstGeom>
+              <a:solidFill>
+                <a:schemeClr val="bg2">
+                  <a:lumMod val="75000"/>
+                </a:schemeClr>
+              </a:solidFill>
+            </p:spPr>
+            <p:style>
+              <a:lnRef idx="2">
+                <a:schemeClr val="accent1">
+                  <a:shade val="15000"/>
+                </a:schemeClr>
+              </a:lnRef>
+              <a:fillRef idx="1">
+                <a:schemeClr val="accent1"/>
+              </a:fillRef>
+              <a:effectRef idx="0">
+                <a:schemeClr val="accent1"/>
+              </a:effectRef>
+              <a:fontRef idx="minor">
+                <a:schemeClr val="lt1"/>
+              </a:fontRef>
+            </p:style>
+            <p:txBody>
+              <a:bodyPr rtlCol="0" anchor="ctr"/>
+              <a:lstStyle/>
+              <a:p>
+                <a:pPr algn="ctr"/>
+                <a:endParaRPr lang="ko-KR" altLang="en-US" sz="1050"/>
+              </a:p>
+            </p:txBody>
+          </p:sp>
+          <p:sp>
+            <p:nvSpPr>
+              <p:cNvPr id="23" name="직사각형 22">
+                <a:extLst>
+                  <a:ext uri="{FF2B5EF4-FFF2-40B4-BE49-F238E27FC236}">
+                    <a16:creationId xmlns:a16="http://schemas.microsoft.com/office/drawing/2014/main" id="{A9A581BE-3118-0EAF-D5E7-1D20B0E2C138}"/>
+                  </a:ext>
+                </a:extLst>
+              </p:cNvPr>
+              <p:cNvSpPr>
+                <a:spLocks noChangeAspect="1"/>
+              </p:cNvSpPr>
+              <p:nvPr/>
+            </p:nvSpPr>
+            <p:spPr>
+              <a:xfrm>
+                <a:off x="750261" y="1649918"/>
+                <a:ext cx="4200992" cy="2363058"/>
+              </a:xfrm>
+              <a:prstGeom prst="rect">
+                <a:avLst/>
+              </a:prstGeom>
+              <a:solidFill>
+                <a:schemeClr val="bg1"/>
+              </a:solidFill>
+              <a:ln>
+                <a:solidFill>
+                  <a:schemeClr val="tx1"/>
+                </a:solidFill>
+              </a:ln>
+            </p:spPr>
+            <p:style>
+              <a:lnRef idx="2">
+                <a:schemeClr val="accent1">
+                  <a:shade val="15000"/>
+                </a:schemeClr>
+              </a:lnRef>
+              <a:fillRef idx="1">
+                <a:schemeClr val="accent1"/>
+              </a:fillRef>
+              <a:effectRef idx="0">
+                <a:schemeClr val="accent1"/>
+              </a:effectRef>
+              <a:fontRef idx="minor">
+                <a:schemeClr val="lt1"/>
+              </a:fontRef>
+            </p:style>
+            <p:txBody>
+              <a:bodyPr rtlCol="0" anchor="ctr"/>
+              <a:lstStyle/>
+              <a:p>
+                <a:pPr algn="ctr"/>
+                <a:endParaRPr lang="ko-KR" altLang="en-US" sz="200"/>
+              </a:p>
+            </p:txBody>
+          </p:sp>
+          <p:sp>
+            <p:nvSpPr>
+              <p:cNvPr id="24" name="타원 23">
+                <a:extLst>
+                  <a:ext uri="{FF2B5EF4-FFF2-40B4-BE49-F238E27FC236}">
+                    <a16:creationId xmlns:a16="http://schemas.microsoft.com/office/drawing/2014/main" id="{05354D4D-67A4-3E5C-5723-BAC3B7B1BA53}"/>
+                  </a:ext>
+                </a:extLst>
+              </p:cNvPr>
+              <p:cNvSpPr/>
+              <p:nvPr/>
+            </p:nvSpPr>
+            <p:spPr>
+              <a:xfrm>
+                <a:off x="626132" y="2793474"/>
+                <a:ext cx="98581" cy="98581"/>
+              </a:xfrm>
+              <a:prstGeom prst="ellipse">
+                <a:avLst/>
+              </a:prstGeom>
+              <a:solidFill>
+                <a:schemeClr val="tx1">
+                  <a:lumMod val="85000"/>
+                  <a:lumOff val="15000"/>
+                </a:schemeClr>
+              </a:solidFill>
+            </p:spPr>
+            <p:style>
+              <a:lnRef idx="2">
+                <a:schemeClr val="accent1">
+                  <a:shade val="15000"/>
+                </a:schemeClr>
+              </a:lnRef>
+              <a:fillRef idx="1">
+                <a:schemeClr val="accent1"/>
+              </a:fillRef>
+              <a:effectRef idx="0">
+                <a:schemeClr val="accent1"/>
+              </a:effectRef>
+              <a:fontRef idx="minor">
+                <a:schemeClr val="lt1"/>
+              </a:fontRef>
+            </p:style>
+            <p:txBody>
+              <a:bodyPr rtlCol="0" anchor="ctr"/>
+              <a:lstStyle/>
+              <a:p>
+                <a:pPr algn="ctr"/>
+                <a:endParaRPr lang="ko-KR" altLang="en-US" sz="1050"/>
+              </a:p>
+            </p:txBody>
+          </p:sp>
+        </p:grpSp>
+        <p:sp>
+          <p:nvSpPr>
+            <p:cNvPr id="11" name="직사각형 10">
+              <a:extLst>
+                <a:ext uri="{FF2B5EF4-FFF2-40B4-BE49-F238E27FC236}">
+                  <a16:creationId xmlns:a16="http://schemas.microsoft.com/office/drawing/2014/main" id="{480901CF-B762-BD86-1DA6-E5AF65AF508E}"/>
+                </a:ext>
+              </a:extLst>
+            </p:cNvPr>
+            <p:cNvSpPr/>
+            <p:nvPr/>
+          </p:nvSpPr>
+          <p:spPr>
+            <a:xfrm>
+              <a:off x="10084904" y="2096631"/>
+              <a:ext cx="1622675" cy="2177195"/>
+            </a:xfrm>
+            <a:prstGeom prst="rect">
+              <a:avLst/>
+            </a:prstGeom>
+            <a:solidFill>
+              <a:srgbClr val="FFFF00"/>
+            </a:solidFill>
+          </p:spPr>
+          <p:style>
+            <a:lnRef idx="2">
+              <a:schemeClr val="accent1">
+                <a:shade val="15000"/>
+              </a:schemeClr>
+            </a:lnRef>
+            <a:fillRef idx="1">
+              <a:schemeClr val="accent1"/>
+            </a:fillRef>
+            <a:effectRef idx="0">
+              <a:schemeClr val="accent1"/>
+            </a:effectRef>
+            <a:fontRef idx="minor">
+              <a:schemeClr val="lt1"/>
+            </a:fontRef>
+          </p:style>
+          <p:txBody>
+            <a:bodyPr rtlCol="0" anchor="ctr"/>
+            <a:lstStyle/>
+            <a:p>
+              <a:pPr algn="ctr"/>
+              <a:r>
+                <a:rPr lang="ko-KR" altLang="en-US" sz="1200" dirty="0">
+                  <a:solidFill>
+                    <a:schemeClr val="tx1"/>
+                  </a:solidFill>
+                </a:rPr>
+                <a:t>이체할 계좌</a:t>
+              </a:r>
+              <a:endParaRPr lang="en-US" altLang="ko-KR" sz="1200" dirty="0">
+                <a:solidFill>
+                  <a:schemeClr val="tx1"/>
+                </a:solidFill>
+              </a:endParaRPr>
+            </a:p>
+            <a:p>
+              <a:pPr algn="ctr"/>
+              <a:r>
+                <a:rPr lang="en-US" altLang="ko-KR" sz="1200" dirty="0">
+                  <a:solidFill>
+                    <a:schemeClr val="tx1"/>
+                  </a:solidFill>
+                </a:rPr>
+                <a:t>XX-XXXX-XX</a:t>
+              </a:r>
+            </a:p>
+            <a:p>
+              <a:pPr algn="ctr"/>
+              <a:r>
+                <a:rPr lang="en-US" altLang="ko-KR" sz="1200" dirty="0">
+                  <a:solidFill>
+                    <a:schemeClr val="tx1"/>
+                  </a:solidFill>
+                </a:rPr>
+                <a:t>Oo</a:t>
+              </a:r>
+              <a:r>
+                <a:rPr lang="ko-KR" altLang="en-US" sz="1200" dirty="0">
+                  <a:solidFill>
+                    <a:schemeClr val="tx1"/>
+                  </a:solidFill>
+                </a:rPr>
+                <a:t>은행</a:t>
+              </a:r>
+              <a:endParaRPr lang="en-US" altLang="ko-KR" sz="1200" dirty="0">
+                <a:solidFill>
+                  <a:schemeClr val="tx1"/>
+                </a:solidFill>
+              </a:endParaRPr>
+            </a:p>
+            <a:p>
+              <a:pPr algn="ctr"/>
+              <a:endParaRPr lang="en-US" altLang="ko-KR" sz="1200" dirty="0">
+                <a:solidFill>
+                  <a:schemeClr val="tx1"/>
+                </a:solidFill>
+              </a:endParaRPr>
+            </a:p>
+            <a:p>
+              <a:pPr algn="ctr"/>
+              <a:r>
+                <a:rPr lang="en-US" altLang="ko-KR" sz="1200" dirty="0">
+                  <a:solidFill>
+                    <a:schemeClr val="tx1"/>
+                  </a:solidFill>
+                </a:rPr>
+                <a:t>500,000</a:t>
+              </a:r>
+              <a:r>
+                <a:rPr lang="ko-KR" altLang="en-US" sz="1200" dirty="0">
+                  <a:solidFill>
+                    <a:schemeClr val="tx1"/>
+                  </a:solidFill>
+                </a:rPr>
+                <a:t>원</a:t>
+              </a:r>
+            </a:p>
+          </p:txBody>
+        </p:sp>
+        <p:sp>
+          <p:nvSpPr>
+            <p:cNvPr id="12" name="직사각형 11">
+              <a:extLst>
+                <a:ext uri="{FF2B5EF4-FFF2-40B4-BE49-F238E27FC236}">
+                  <a16:creationId xmlns:a16="http://schemas.microsoft.com/office/drawing/2014/main" id="{C6FA5EFB-93C5-69F0-4EB2-8E8EA53DD59F}"/>
+                </a:ext>
+              </a:extLst>
+            </p:cNvPr>
+            <p:cNvSpPr/>
+            <p:nvPr/>
+          </p:nvSpPr>
+          <p:spPr>
+            <a:xfrm>
+              <a:off x="8262730" y="2246243"/>
+              <a:ext cx="1225827" cy="146368"/>
+            </a:xfrm>
+            <a:prstGeom prst="rect">
+              <a:avLst/>
+            </a:prstGeom>
+            <a:solidFill>
+              <a:schemeClr val="bg2">
+                <a:lumMod val="75000"/>
+              </a:schemeClr>
+            </a:solidFill>
+          </p:spPr>
+          <p:style>
+            <a:lnRef idx="2">
+              <a:schemeClr val="accent1">
+                <a:shade val="15000"/>
+              </a:schemeClr>
+            </a:lnRef>
+            <a:fillRef idx="1">
+              <a:schemeClr val="accent1"/>
+            </a:fillRef>
+            <a:effectRef idx="0">
+              <a:schemeClr val="accent1"/>
+            </a:effectRef>
+            <a:fontRef idx="minor">
+              <a:schemeClr val="lt1"/>
+            </a:fontRef>
+          </p:style>
+          <p:txBody>
+            <a:bodyPr rtlCol="0" anchor="ctr"/>
+            <a:lstStyle/>
+            <a:p>
+              <a:pPr algn="ctr"/>
+              <a:endParaRPr lang="ko-KR" altLang="en-US"/>
+            </a:p>
+          </p:txBody>
+        </p:sp>
+        <p:sp>
+          <p:nvSpPr>
+            <p:cNvPr id="14" name="TextBox 13">
+              <a:extLst>
+                <a:ext uri="{FF2B5EF4-FFF2-40B4-BE49-F238E27FC236}">
+                  <a16:creationId xmlns:a16="http://schemas.microsoft.com/office/drawing/2014/main" id="{7A9FA25E-5B50-BDDF-19D8-6986495352ED}"/>
+                </a:ext>
+              </a:extLst>
+            </p:cNvPr>
+            <p:cNvSpPr txBox="1"/>
+            <p:nvPr/>
+          </p:nvSpPr>
+          <p:spPr>
+            <a:xfrm>
+              <a:off x="8262730" y="1981215"/>
+              <a:ext cx="801823" cy="230832"/>
+            </a:xfrm>
+            <a:prstGeom prst="rect">
+              <a:avLst/>
+            </a:prstGeom>
+            <a:noFill/>
+          </p:spPr>
+          <p:txBody>
+            <a:bodyPr wrap="none" rtlCol="0">
+              <a:spAutoFit/>
+            </a:bodyPr>
+            <a:lstStyle/>
+            <a:p>
+              <a:r>
+                <a:rPr lang="ko-KR" altLang="en-US" sz="900" dirty="0"/>
+                <a:t>이체할 계좌</a:t>
+              </a:r>
+            </a:p>
+          </p:txBody>
+        </p:sp>
+        <p:sp>
+          <p:nvSpPr>
+            <p:cNvPr id="19" name="직사각형 18">
+              <a:extLst>
+                <a:ext uri="{FF2B5EF4-FFF2-40B4-BE49-F238E27FC236}">
+                  <a16:creationId xmlns:a16="http://schemas.microsoft.com/office/drawing/2014/main" id="{0E193ABE-B652-F255-91F9-505A31E526E5}"/>
+                </a:ext>
+              </a:extLst>
+            </p:cNvPr>
+            <p:cNvSpPr/>
+            <p:nvPr/>
+          </p:nvSpPr>
+          <p:spPr>
+            <a:xfrm>
+              <a:off x="8262730" y="2913768"/>
+              <a:ext cx="1225827" cy="146368"/>
+            </a:xfrm>
+            <a:prstGeom prst="rect">
+              <a:avLst/>
+            </a:prstGeom>
+            <a:solidFill>
+              <a:schemeClr val="bg2">
+                <a:lumMod val="75000"/>
+              </a:schemeClr>
+            </a:solidFill>
+          </p:spPr>
+          <p:style>
+            <a:lnRef idx="2">
+              <a:schemeClr val="accent1">
+                <a:shade val="15000"/>
+              </a:schemeClr>
+            </a:lnRef>
+            <a:fillRef idx="1">
+              <a:schemeClr val="accent1"/>
+            </a:fillRef>
+            <a:effectRef idx="0">
+              <a:schemeClr val="accent1"/>
+            </a:effectRef>
+            <a:fontRef idx="minor">
+              <a:schemeClr val="lt1"/>
+            </a:fontRef>
+          </p:style>
+          <p:txBody>
+            <a:bodyPr rtlCol="0" anchor="ctr"/>
+            <a:lstStyle/>
+            <a:p>
+              <a:pPr algn="ctr"/>
+              <a:endParaRPr lang="ko-KR" altLang="en-US"/>
+            </a:p>
+          </p:txBody>
+        </p:sp>
+        <p:sp>
+          <p:nvSpPr>
+            <p:cNvPr id="20" name="TextBox 19">
+              <a:extLst>
+                <a:ext uri="{FF2B5EF4-FFF2-40B4-BE49-F238E27FC236}">
+                  <a16:creationId xmlns:a16="http://schemas.microsoft.com/office/drawing/2014/main" id="{7E6D4BBD-B784-D277-465B-CE1BDD64996F}"/>
+                </a:ext>
+              </a:extLst>
+            </p:cNvPr>
+            <p:cNvSpPr txBox="1"/>
+            <p:nvPr/>
+          </p:nvSpPr>
+          <p:spPr>
+            <a:xfrm>
+              <a:off x="8262730" y="2647082"/>
+              <a:ext cx="415498" cy="230832"/>
+            </a:xfrm>
+            <a:prstGeom prst="rect">
+              <a:avLst/>
+            </a:prstGeom>
+            <a:noFill/>
+          </p:spPr>
+          <p:txBody>
+            <a:bodyPr wrap="none" rtlCol="0">
+              <a:spAutoFit/>
+            </a:bodyPr>
+            <a:lstStyle/>
+            <a:p>
+              <a:r>
+                <a:rPr lang="ko-KR" altLang="en-US" sz="900" dirty="0"/>
+                <a:t>금액</a:t>
+              </a:r>
+            </a:p>
+          </p:txBody>
+        </p:sp>
+        <p:sp>
+          <p:nvSpPr>
+            <p:cNvPr id="21" name="직사각형 20">
+              <a:extLst>
+                <a:ext uri="{FF2B5EF4-FFF2-40B4-BE49-F238E27FC236}">
+                  <a16:creationId xmlns:a16="http://schemas.microsoft.com/office/drawing/2014/main" id="{21AF20E4-C434-2095-0469-ED5F3D5216E8}"/>
+                </a:ext>
+              </a:extLst>
+            </p:cNvPr>
+            <p:cNvSpPr/>
+            <p:nvPr/>
+          </p:nvSpPr>
+          <p:spPr>
+            <a:xfrm>
+              <a:off x="8429241" y="4073746"/>
+              <a:ext cx="872304" cy="211566"/>
+            </a:xfrm>
+            <a:prstGeom prst="rect">
+              <a:avLst/>
+            </a:prstGeom>
+            <a:solidFill>
+              <a:srgbClr val="00B050"/>
+            </a:solidFill>
+          </p:spPr>
+          <p:style>
+            <a:lnRef idx="2">
+              <a:schemeClr val="accent1">
+                <a:shade val="15000"/>
+              </a:schemeClr>
+            </a:lnRef>
+            <a:fillRef idx="1">
+              <a:schemeClr val="accent1"/>
+            </a:fillRef>
+            <a:effectRef idx="0">
+              <a:schemeClr val="accent1"/>
+            </a:effectRef>
+            <a:fontRef idx="minor">
+              <a:schemeClr val="lt1"/>
+            </a:fontRef>
+          </p:style>
+          <p:txBody>
+            <a:bodyPr rtlCol="0" anchor="ctr"/>
+            <a:lstStyle/>
+            <a:p>
+              <a:pPr algn="ctr"/>
+              <a:r>
+                <a:rPr lang="ko-KR" altLang="en-US" sz="1000">
+                  <a:solidFill>
+                    <a:schemeClr val="tx1"/>
+                  </a:solidFill>
+                </a:rPr>
+                <a:t>이체하기</a:t>
+              </a:r>
+            </a:p>
+          </p:txBody>
+        </p:sp>
+      </p:grpSp>
+      <p:grpSp>
+        <p:nvGrpSpPr>
+          <p:cNvPr id="29" name="그룹 28">
+            <a:extLst>
+              <a:ext uri="{FF2B5EF4-FFF2-40B4-BE49-F238E27FC236}">
+                <a16:creationId xmlns:a16="http://schemas.microsoft.com/office/drawing/2014/main" id="{D8E2E0AC-946E-0105-FDAB-5B730B2C7CD3}"/>
+              </a:ext>
+            </a:extLst>
+          </p:cNvPr>
+          <p:cNvGrpSpPr/>
+          <p:nvPr/>
+        </p:nvGrpSpPr>
+        <p:grpSpPr>
+          <a:xfrm>
+            <a:off x="5026113" y="2498151"/>
+            <a:ext cx="1643707" cy="1861699"/>
+            <a:chOff x="5077074" y="2589433"/>
+            <a:chExt cx="1643707" cy="1861699"/>
+          </a:xfrm>
+        </p:grpSpPr>
+        <p:sp>
+          <p:nvSpPr>
+            <p:cNvPr id="27" name="화살표: 오른쪽 26">
+              <a:extLst>
+                <a:ext uri="{FF2B5EF4-FFF2-40B4-BE49-F238E27FC236}">
+                  <a16:creationId xmlns:a16="http://schemas.microsoft.com/office/drawing/2014/main" id="{D40F62D7-2DC6-21A1-A20F-CEE4E49D2AE8}"/>
+                </a:ext>
+              </a:extLst>
+            </p:cNvPr>
+            <p:cNvSpPr/>
+            <p:nvPr/>
+          </p:nvSpPr>
+          <p:spPr>
+            <a:xfrm>
+              <a:off x="5077074" y="2589433"/>
+              <a:ext cx="1643706" cy="564584"/>
+            </a:xfrm>
+            <a:prstGeom prst="rightArrow">
+              <a:avLst/>
+            </a:prstGeom>
+          </p:spPr>
+          <p:style>
+            <a:lnRef idx="2">
+              <a:schemeClr val="accent1">
+                <a:shade val="15000"/>
+              </a:schemeClr>
+            </a:lnRef>
+            <a:fillRef idx="1">
+              <a:schemeClr val="accent1"/>
+            </a:fillRef>
+            <a:effectRef idx="0">
+              <a:schemeClr val="accent1"/>
+            </a:effectRef>
+            <a:fontRef idx="minor">
+              <a:schemeClr val="lt1"/>
+            </a:fontRef>
+          </p:style>
+          <p:txBody>
+            <a:bodyPr rtlCol="0" anchor="ctr"/>
+            <a:lstStyle/>
+            <a:p>
+              <a:pPr algn="ctr"/>
+              <a:endParaRPr lang="ko-KR" altLang="en-US"/>
+            </a:p>
+          </p:txBody>
+        </p:sp>
+        <p:sp>
+          <p:nvSpPr>
+            <p:cNvPr id="28" name="화살표: 오른쪽 27">
+              <a:extLst>
+                <a:ext uri="{FF2B5EF4-FFF2-40B4-BE49-F238E27FC236}">
+                  <a16:creationId xmlns:a16="http://schemas.microsoft.com/office/drawing/2014/main" id="{CEBD7A45-4AF2-B278-8188-DF2D84AB2BED}"/>
+                </a:ext>
+              </a:extLst>
+            </p:cNvPr>
+            <p:cNvSpPr/>
+            <p:nvPr/>
+          </p:nvSpPr>
+          <p:spPr>
+            <a:xfrm rot="10800000">
+              <a:off x="5077075" y="3886548"/>
+              <a:ext cx="1643706" cy="564584"/>
+            </a:xfrm>
+            <a:prstGeom prst="rightArrow">
+              <a:avLst/>
+            </a:prstGeom>
+          </p:spPr>
+          <p:style>
+            <a:lnRef idx="2">
+              <a:schemeClr val="accent1">
+                <a:shade val="15000"/>
+              </a:schemeClr>
+            </a:lnRef>
+            <a:fillRef idx="1">
+              <a:schemeClr val="accent1"/>
+            </a:fillRef>
+            <a:effectRef idx="0">
+              <a:schemeClr val="accent1"/>
+            </a:effectRef>
+            <a:fontRef idx="minor">
+              <a:schemeClr val="lt1"/>
+            </a:fontRef>
+          </p:style>
+          <p:txBody>
+            <a:bodyPr rtlCol="0" anchor="ctr"/>
+            <a:lstStyle/>
+            <a:p>
+              <a:pPr algn="ctr"/>
+              <a:endParaRPr lang="ko-KR" altLang="en-US"/>
+            </a:p>
+          </p:txBody>
+        </p:sp>
+      </p:grpSp>
+      <p:sp>
+        <p:nvSpPr>
+          <p:cNvPr id="31" name="TextBox 30">
+            <a:extLst>
+              <a:ext uri="{FF2B5EF4-FFF2-40B4-BE49-F238E27FC236}">
+                <a16:creationId xmlns:a16="http://schemas.microsoft.com/office/drawing/2014/main" id="{439F92E3-3711-212B-AE0C-43830D510967}"/>
+              </a:ext>
+            </a:extLst>
+          </p:cNvPr>
+          <p:cNvSpPr txBox="1"/>
+          <p:nvPr/>
+        </p:nvSpPr>
+        <p:spPr>
+          <a:xfrm>
+            <a:off x="1723030" y="5081381"/>
+            <a:ext cx="2056973" cy="369332"/>
+          </a:xfrm>
+          <a:prstGeom prst="rect">
+            <a:avLst/>
+          </a:prstGeom>
+          <a:noFill/>
+        </p:spPr>
+        <p:txBody>
+          <a:bodyPr wrap="none" rtlCol="0">
+            <a:spAutoFit/>
+          </a:bodyPr>
+          <a:lstStyle/>
+          <a:p>
+            <a:r>
+              <a:rPr lang="en-US" altLang="ko-KR" dirty="0"/>
+              <a:t>&lt;</a:t>
+            </a:r>
+            <a:r>
+              <a:rPr lang="ko-KR" altLang="en-US" dirty="0"/>
+              <a:t>계좌 입력 화면</a:t>
+            </a:r>
+            <a:r>
+              <a:rPr lang="en-US" altLang="ko-KR" dirty="0"/>
+              <a:t>&gt;</a:t>
+            </a:r>
+            <a:endParaRPr lang="ko-KR" altLang="en-US" dirty="0"/>
+          </a:p>
+        </p:txBody>
+      </p:sp>
+      <p:sp>
+        <p:nvSpPr>
+          <p:cNvPr id="32" name="TextBox 31">
+            <a:extLst>
+              <a:ext uri="{FF2B5EF4-FFF2-40B4-BE49-F238E27FC236}">
+                <a16:creationId xmlns:a16="http://schemas.microsoft.com/office/drawing/2014/main" id="{E9A0990D-7266-5E88-82D4-5495B94967CB}"/>
+              </a:ext>
+            </a:extLst>
+          </p:cNvPr>
+          <p:cNvSpPr txBox="1"/>
+          <p:nvPr/>
+        </p:nvSpPr>
+        <p:spPr>
+          <a:xfrm>
+            <a:off x="7912270" y="5021746"/>
+            <a:ext cx="2056973" cy="369332"/>
+          </a:xfrm>
+          <a:prstGeom prst="rect">
+            <a:avLst/>
+          </a:prstGeom>
+          <a:noFill/>
+        </p:spPr>
+        <p:txBody>
+          <a:bodyPr wrap="none" rtlCol="0">
+            <a:spAutoFit/>
+          </a:bodyPr>
+          <a:lstStyle/>
+          <a:p>
+            <a:r>
+              <a:rPr lang="en-US" altLang="ko-KR" dirty="0"/>
+              <a:t>&lt;</a:t>
+            </a:r>
+            <a:r>
+              <a:rPr lang="ko-KR" altLang="en-US" dirty="0"/>
+              <a:t>입력 확인 화면</a:t>
+            </a:r>
+            <a:r>
+              <a:rPr lang="en-US" altLang="ko-KR" dirty="0"/>
+              <a:t>&gt;</a:t>
+            </a:r>
+            <a:endParaRPr lang="ko-KR" altLang="en-US" dirty="0"/>
+          </a:p>
+        </p:txBody>
+      </p:sp>
+      <p:pic>
+        <p:nvPicPr>
+          <p:cNvPr id="34" name="그림 33" descr="텍스트, 스크린샷, 직사각형, 폰트이(가) 표시된 사진&#10;&#10;자동 생성된 설명">
+            <a:extLst>
+              <a:ext uri="{FF2B5EF4-FFF2-40B4-BE49-F238E27FC236}">
+                <a16:creationId xmlns:a16="http://schemas.microsoft.com/office/drawing/2014/main" id="{D2F78075-7DD1-AD5E-3B46-EDB2E7A0C895}"/>
+              </a:ext>
+            </a:extLst>
+          </p:cNvPr>
+          <p:cNvPicPr>
+            <a:picLocks noChangeAspect="1"/>
+          </p:cNvPicPr>
+          <p:nvPr/>
+        </p:nvPicPr>
+        <p:blipFill>
+          <a:blip r:embed="rId2">
+            <a:extLst>
+              <a:ext uri="{28A0092B-C50C-407E-A947-70E740481C1C}">
+                <a14:useLocalDpi xmlns:a14="http://schemas.microsoft.com/office/drawing/2010/main" val="0"/>
+              </a:ext>
+            </a:extLst>
+          </a:blip>
+          <a:stretch>
+            <a:fillRect/>
+          </a:stretch>
+        </p:blipFill>
+        <p:spPr>
+          <a:xfrm>
+            <a:off x="6908715" y="1895061"/>
+            <a:ext cx="4064083" cy="3067200"/>
+          </a:xfrm>
+          <a:prstGeom prst="rect">
+            <a:avLst/>
+          </a:prstGeom>
+        </p:spPr>
+      </p:pic>
+    </p:spTree>
+    <p:extLst>
+      <p:ext uri="{BB962C8B-B14F-4D97-AF65-F5344CB8AC3E}">
+        <p14:creationId xmlns:p14="http://schemas.microsoft.com/office/powerpoint/2010/main" val="845352678"/>
+      </p:ext>
+    </p:extLst>
+  </p:cSld>
+  <p:clrMapOvr>
+    <a:masterClrMapping/>
+  </p:clrMapOvr>
+</p:sld>
+</file>
+
+<file path=ppt/slides/slide7.xml><?xml version="1.0" encoding="utf-8"?>
+<p:sld xmlns:a="http://schemas.openxmlformats.org/drawingml/2006/main" xmlns:r="http://schemas.openxmlformats.org/officeDocument/2006/relationships" xmlns:p="http://schemas.openxmlformats.org/presentationml/2006/main">
+  <p:cSld>
+    <p:spTree>
+      <p:nvGrpSpPr>
+        <p:cNvPr id="1" name=""/>
+        <p:cNvGrpSpPr/>
+        <p:nvPr/>
+      </p:nvGrpSpPr>
+      <p:grpSpPr>
+        <a:xfrm>
+          <a:off x="0" y="0"/>
+          <a:ext cx="0" cy="0"/>
+          <a:chOff x="0" y="0"/>
+          <a:chExt cx="0" cy="0"/>
+        </a:xfrm>
+      </p:grpSpPr>
       <p:sp>
         <p:nvSpPr>
           <p:cNvPr id="4" name="직사각형 3">

--- a/document/UI.pptx
+++ b/document/UI.pptx
@@ -5,24 +5,25 @@
     <p:sldMasterId id="2147483648" r:id="rId1"/>
   </p:sldMasterIdLst>
   <p:notesMasterIdLst>
-    <p:notesMasterId r:id="rId17"/>
+    <p:notesMasterId r:id="rId18"/>
   </p:notesMasterIdLst>
   <p:sldIdLst>
     <p:sldId id="257" r:id="rId2"/>
-    <p:sldId id="269" r:id="rId3"/>
-    <p:sldId id="270" r:id="rId4"/>
-    <p:sldId id="268" r:id="rId5"/>
-    <p:sldId id="258" r:id="rId6"/>
-    <p:sldId id="259" r:id="rId7"/>
-    <p:sldId id="260" r:id="rId8"/>
-    <p:sldId id="261" r:id="rId9"/>
-    <p:sldId id="266" r:id="rId10"/>
-    <p:sldId id="267" r:id="rId11"/>
-    <p:sldId id="263" r:id="rId12"/>
-    <p:sldId id="264" r:id="rId13"/>
-    <p:sldId id="265" r:id="rId14"/>
-    <p:sldId id="262" r:id="rId15"/>
-    <p:sldId id="256" r:id="rId16"/>
+    <p:sldId id="271" r:id="rId3"/>
+    <p:sldId id="269" r:id="rId4"/>
+    <p:sldId id="270" r:id="rId5"/>
+    <p:sldId id="268" r:id="rId6"/>
+    <p:sldId id="258" r:id="rId7"/>
+    <p:sldId id="259" r:id="rId8"/>
+    <p:sldId id="260" r:id="rId9"/>
+    <p:sldId id="261" r:id="rId10"/>
+    <p:sldId id="266" r:id="rId11"/>
+    <p:sldId id="267" r:id="rId12"/>
+    <p:sldId id="263" r:id="rId13"/>
+    <p:sldId id="264" r:id="rId14"/>
+    <p:sldId id="265" r:id="rId15"/>
+    <p:sldId id="262" r:id="rId16"/>
+    <p:sldId id="256" r:id="rId17"/>
   </p:sldIdLst>
   <p:sldSz cx="12192000" cy="6858000"/>
   <p:notesSz cx="6858000" cy="9144000"/>
@@ -211,7 +212,7 @@
           <a:p>
             <a:fld id="{5B07C18C-424A-405D-A330-3E94CEE48B39}" type="datetimeFigureOut">
               <a:rPr lang="ko-KR" altLang="en-US" smtClean="0"/>
-              <a:t>2025-02-08</a:t>
+              <a:t>2025-02-11</a:t>
             </a:fld>
             <a:endParaRPr lang="ko-KR" altLang="en-US"/>
           </a:p>
@@ -543,7 +544,7 @@
           <a:p>
             <a:fld id="{E684C9C0-E21F-439C-A28A-7CDE9E85435A}" type="slidenum">
               <a:rPr lang="ko-KR" altLang="en-US" smtClean="0"/>
-              <a:t>9</a:t>
+              <a:t>10</a:t>
             </a:fld>
             <a:endParaRPr lang="ko-KR" altLang="en-US"/>
           </a:p>
@@ -651,7 +652,7 @@
           <a:p>
             <a:fld id="{E684C9C0-E21F-439C-A28A-7CDE9E85435A}" type="slidenum">
               <a:rPr lang="ko-KR" altLang="en-US" smtClean="0"/>
-              <a:t>10</a:t>
+              <a:t>11</a:t>
             </a:fld>
             <a:endParaRPr lang="ko-KR" altLang="en-US"/>
           </a:p>
@@ -817,7 +818,7 @@
           <a:p>
             <a:fld id="{FD51FDC7-0CF3-4127-99F5-543E4DDB1909}" type="datetimeFigureOut">
               <a:rPr lang="ko-KR" altLang="en-US" smtClean="0"/>
-              <a:t>2025-02-08</a:t>
+              <a:t>2025-02-11</a:t>
             </a:fld>
             <a:endParaRPr lang="ko-KR" altLang="en-US"/>
           </a:p>
@@ -1015,7 +1016,7 @@
           <a:p>
             <a:fld id="{FD51FDC7-0CF3-4127-99F5-543E4DDB1909}" type="datetimeFigureOut">
               <a:rPr lang="ko-KR" altLang="en-US" smtClean="0"/>
-              <a:t>2025-02-08</a:t>
+              <a:t>2025-02-11</a:t>
             </a:fld>
             <a:endParaRPr lang="ko-KR" altLang="en-US"/>
           </a:p>
@@ -1223,7 +1224,7 @@
           <a:p>
             <a:fld id="{FD51FDC7-0CF3-4127-99F5-543E4DDB1909}" type="datetimeFigureOut">
               <a:rPr lang="ko-KR" altLang="en-US" smtClean="0"/>
-              <a:t>2025-02-08</a:t>
+              <a:t>2025-02-11</a:t>
             </a:fld>
             <a:endParaRPr lang="ko-KR" altLang="en-US"/>
           </a:p>
@@ -1421,7 +1422,7 @@
           <a:p>
             <a:fld id="{FD51FDC7-0CF3-4127-99F5-543E4DDB1909}" type="datetimeFigureOut">
               <a:rPr lang="ko-KR" altLang="en-US" smtClean="0"/>
-              <a:t>2025-02-08</a:t>
+              <a:t>2025-02-11</a:t>
             </a:fld>
             <a:endParaRPr lang="ko-KR" altLang="en-US"/>
           </a:p>
@@ -1696,7 +1697,7 @@
           <a:p>
             <a:fld id="{FD51FDC7-0CF3-4127-99F5-543E4DDB1909}" type="datetimeFigureOut">
               <a:rPr lang="ko-KR" altLang="en-US" smtClean="0"/>
-              <a:t>2025-02-08</a:t>
+              <a:t>2025-02-11</a:t>
             </a:fld>
             <a:endParaRPr lang="ko-KR" altLang="en-US"/>
           </a:p>
@@ -1961,7 +1962,7 @@
           <a:p>
             <a:fld id="{FD51FDC7-0CF3-4127-99F5-543E4DDB1909}" type="datetimeFigureOut">
               <a:rPr lang="ko-KR" altLang="en-US" smtClean="0"/>
-              <a:t>2025-02-08</a:t>
+              <a:t>2025-02-11</a:t>
             </a:fld>
             <a:endParaRPr lang="ko-KR" altLang="en-US"/>
           </a:p>
@@ -2373,7 +2374,7 @@
           <a:p>
             <a:fld id="{FD51FDC7-0CF3-4127-99F5-543E4DDB1909}" type="datetimeFigureOut">
               <a:rPr lang="ko-KR" altLang="en-US" smtClean="0"/>
-              <a:t>2025-02-08</a:t>
+              <a:t>2025-02-11</a:t>
             </a:fld>
             <a:endParaRPr lang="ko-KR" altLang="en-US"/>
           </a:p>
@@ -2514,7 +2515,7 @@
           <a:p>
             <a:fld id="{FD51FDC7-0CF3-4127-99F5-543E4DDB1909}" type="datetimeFigureOut">
               <a:rPr lang="ko-KR" altLang="en-US" smtClean="0"/>
-              <a:t>2025-02-08</a:t>
+              <a:t>2025-02-11</a:t>
             </a:fld>
             <a:endParaRPr lang="ko-KR" altLang="en-US"/>
           </a:p>
@@ -2627,7 +2628,7 @@
           <a:p>
             <a:fld id="{FD51FDC7-0CF3-4127-99F5-543E4DDB1909}" type="datetimeFigureOut">
               <a:rPr lang="ko-KR" altLang="en-US" smtClean="0"/>
-              <a:t>2025-02-08</a:t>
+              <a:t>2025-02-11</a:t>
             </a:fld>
             <a:endParaRPr lang="ko-KR" altLang="en-US"/>
           </a:p>
@@ -2938,7 +2939,7 @@
           <a:p>
             <a:fld id="{FD51FDC7-0CF3-4127-99F5-543E4DDB1909}" type="datetimeFigureOut">
               <a:rPr lang="ko-KR" altLang="en-US" smtClean="0"/>
-              <a:t>2025-02-08</a:t>
+              <a:t>2025-02-11</a:t>
             </a:fld>
             <a:endParaRPr lang="ko-KR" altLang="en-US"/>
           </a:p>
@@ -3226,7 +3227,7 @@
           <a:p>
             <a:fld id="{FD51FDC7-0CF3-4127-99F5-543E4DDB1909}" type="datetimeFigureOut">
               <a:rPr lang="ko-KR" altLang="en-US" smtClean="0"/>
-              <a:t>2025-02-08</a:t>
+              <a:t>2025-02-11</a:t>
             </a:fld>
             <a:endParaRPr lang="ko-KR" altLang="en-US"/>
           </a:p>
@@ -3467,7 +3468,7 @@
           <a:p>
             <a:fld id="{FD51FDC7-0CF3-4127-99F5-543E4DDB1909}" type="datetimeFigureOut">
               <a:rPr lang="ko-KR" altLang="en-US" smtClean="0"/>
-              <a:t>2025-02-08</a:t>
+              <a:t>2025-02-11</a:t>
             </a:fld>
             <a:endParaRPr lang="ko-KR" altLang="en-US"/>
           </a:p>
@@ -5633,6 +5634,750 @@
           </p:grpSp>
         </p:grpSp>
       </p:grpSp>
+      <p:grpSp>
+        <p:nvGrpSpPr>
+          <p:cNvPr id="12" name="그룹 11">
+            <a:extLst>
+              <a:ext uri="{FF2B5EF4-FFF2-40B4-BE49-F238E27FC236}">
+                <a16:creationId xmlns:a16="http://schemas.microsoft.com/office/drawing/2014/main" id="{EB5C55E5-2044-A4F0-B318-9AF10411A914}"/>
+              </a:ext>
+            </a:extLst>
+          </p:cNvPr>
+          <p:cNvGrpSpPr/>
+          <p:nvPr/>
+        </p:nvGrpSpPr>
+        <p:grpSpPr>
+          <a:xfrm>
+            <a:off x="2816087" y="1327300"/>
+            <a:ext cx="6546574" cy="248054"/>
+            <a:chOff x="1541725" y="1547461"/>
+            <a:chExt cx="1635420" cy="248054"/>
+          </a:xfrm>
+        </p:grpSpPr>
+        <p:cxnSp>
+          <p:nvCxnSpPr>
+            <p:cNvPr id="13" name="직선 연결선 12">
+              <a:extLst>
+                <a:ext uri="{FF2B5EF4-FFF2-40B4-BE49-F238E27FC236}">
+                  <a16:creationId xmlns:a16="http://schemas.microsoft.com/office/drawing/2014/main" id="{814657A9-9F17-2CFC-462A-10E0EB808529}"/>
+                </a:ext>
+              </a:extLst>
+            </p:cNvPr>
+            <p:cNvCxnSpPr>
+              <a:cxnSpLocks/>
+            </p:cNvCxnSpPr>
+            <p:nvPr/>
+          </p:nvCxnSpPr>
+          <p:spPr>
+            <a:xfrm rot="16200000">
+              <a:off x="1417698" y="1671488"/>
+              <a:ext cx="248054" cy="0"/>
+            </a:xfrm>
+            <a:prstGeom prst="line">
+              <a:avLst/>
+            </a:prstGeom>
+            <a:ln w="38100">
+              <a:solidFill>
+                <a:srgbClr val="FF0000"/>
+              </a:solidFill>
+            </a:ln>
+          </p:spPr>
+          <p:style>
+            <a:lnRef idx="2">
+              <a:schemeClr val="accent1"/>
+            </a:lnRef>
+            <a:fillRef idx="0">
+              <a:schemeClr val="accent1"/>
+            </a:fillRef>
+            <a:effectRef idx="1">
+              <a:schemeClr val="accent1"/>
+            </a:effectRef>
+            <a:fontRef idx="minor">
+              <a:schemeClr val="tx1"/>
+            </a:fontRef>
+          </p:style>
+        </p:cxnSp>
+        <p:cxnSp>
+          <p:nvCxnSpPr>
+            <p:cNvPr id="15" name="직선 연결선 14">
+              <a:extLst>
+                <a:ext uri="{FF2B5EF4-FFF2-40B4-BE49-F238E27FC236}">
+                  <a16:creationId xmlns:a16="http://schemas.microsoft.com/office/drawing/2014/main" id="{5540DC0F-D57E-4951-A92E-369248393C50}"/>
+                </a:ext>
+              </a:extLst>
+            </p:cNvPr>
+            <p:cNvCxnSpPr>
+              <a:cxnSpLocks/>
+            </p:cNvCxnSpPr>
+            <p:nvPr/>
+          </p:nvCxnSpPr>
+          <p:spPr>
+            <a:xfrm rot="16200000">
+              <a:off x="3053112" y="1671488"/>
+              <a:ext cx="248054" cy="0"/>
+            </a:xfrm>
+            <a:prstGeom prst="line">
+              <a:avLst/>
+            </a:prstGeom>
+            <a:ln w="38100">
+              <a:solidFill>
+                <a:srgbClr val="FF0000"/>
+              </a:solidFill>
+            </a:ln>
+          </p:spPr>
+          <p:style>
+            <a:lnRef idx="2">
+              <a:schemeClr val="accent1"/>
+            </a:lnRef>
+            <a:fillRef idx="0">
+              <a:schemeClr val="accent1"/>
+            </a:fillRef>
+            <a:effectRef idx="1">
+              <a:schemeClr val="accent1"/>
+            </a:effectRef>
+            <a:fontRef idx="minor">
+              <a:schemeClr val="tx1"/>
+            </a:fontRef>
+          </p:style>
+        </p:cxnSp>
+        <p:cxnSp>
+          <p:nvCxnSpPr>
+            <p:cNvPr id="16" name="직선 연결선 15">
+              <a:extLst>
+                <a:ext uri="{FF2B5EF4-FFF2-40B4-BE49-F238E27FC236}">
+                  <a16:creationId xmlns:a16="http://schemas.microsoft.com/office/drawing/2014/main" id="{07F30607-4113-B4CB-0D45-F3139DC1CF74}"/>
+                </a:ext>
+              </a:extLst>
+            </p:cNvPr>
+            <p:cNvCxnSpPr>
+              <a:cxnSpLocks/>
+            </p:cNvCxnSpPr>
+            <p:nvPr/>
+          </p:nvCxnSpPr>
+          <p:spPr>
+            <a:xfrm>
+              <a:off x="1541725" y="1671488"/>
+              <a:ext cx="1635420" cy="0"/>
+            </a:xfrm>
+            <a:prstGeom prst="line">
+              <a:avLst/>
+            </a:prstGeom>
+            <a:ln w="38100">
+              <a:solidFill>
+                <a:srgbClr val="FF0000"/>
+              </a:solidFill>
+            </a:ln>
+          </p:spPr>
+          <p:style>
+            <a:lnRef idx="2">
+              <a:schemeClr val="accent1"/>
+            </a:lnRef>
+            <a:fillRef idx="0">
+              <a:schemeClr val="accent1"/>
+            </a:fillRef>
+            <a:effectRef idx="1">
+              <a:schemeClr val="accent1"/>
+            </a:effectRef>
+            <a:fontRef idx="minor">
+              <a:schemeClr val="tx1"/>
+            </a:fontRef>
+          </p:style>
+        </p:cxnSp>
+      </p:grpSp>
+      <p:sp>
+        <p:nvSpPr>
+          <p:cNvPr id="17" name="TextBox 16">
+            <a:extLst>
+              <a:ext uri="{FF2B5EF4-FFF2-40B4-BE49-F238E27FC236}">
+                <a16:creationId xmlns:a16="http://schemas.microsoft.com/office/drawing/2014/main" id="{B0A03DB8-AD04-BB12-561B-96355E254F84}"/>
+              </a:ext>
+            </a:extLst>
+          </p:cNvPr>
+          <p:cNvSpPr txBox="1"/>
+          <p:nvPr/>
+        </p:nvSpPr>
+        <p:spPr>
+          <a:xfrm>
+            <a:off x="5833588" y="1142633"/>
+            <a:ext cx="564578" cy="369332"/>
+          </a:xfrm>
+          <a:prstGeom prst="rect">
+            <a:avLst/>
+          </a:prstGeom>
+          <a:noFill/>
+        </p:spPr>
+        <p:txBody>
+          <a:bodyPr wrap="none" rtlCol="0">
+            <a:spAutoFit/>
+          </a:bodyPr>
+          <a:lstStyle/>
+          <a:p>
+            <a:r>
+              <a:rPr lang="en-US" altLang="ko-KR" dirty="0"/>
+              <a:t>960</a:t>
+            </a:r>
+            <a:endParaRPr lang="ko-KR" altLang="en-US" dirty="0"/>
+          </a:p>
+        </p:txBody>
+      </p:sp>
+      <p:grpSp>
+        <p:nvGrpSpPr>
+          <p:cNvPr id="18" name="그룹 17">
+            <a:extLst>
+              <a:ext uri="{FF2B5EF4-FFF2-40B4-BE49-F238E27FC236}">
+                <a16:creationId xmlns:a16="http://schemas.microsoft.com/office/drawing/2014/main" id="{27EBD245-5F0B-F9E2-E5CE-2028F8AE15EE}"/>
+              </a:ext>
+            </a:extLst>
+          </p:cNvPr>
+          <p:cNvGrpSpPr/>
+          <p:nvPr/>
+        </p:nvGrpSpPr>
+        <p:grpSpPr>
+          <a:xfrm rot="5400000">
+            <a:off x="804666" y="3324025"/>
+            <a:ext cx="3745396" cy="248054"/>
+            <a:chOff x="1541725" y="1547461"/>
+            <a:chExt cx="1635420" cy="248054"/>
+          </a:xfrm>
+        </p:grpSpPr>
+        <p:cxnSp>
+          <p:nvCxnSpPr>
+            <p:cNvPr id="20" name="직선 연결선 19">
+              <a:extLst>
+                <a:ext uri="{FF2B5EF4-FFF2-40B4-BE49-F238E27FC236}">
+                  <a16:creationId xmlns:a16="http://schemas.microsoft.com/office/drawing/2014/main" id="{B4F0AD03-7518-7D35-7D90-AEFF6087D390}"/>
+                </a:ext>
+              </a:extLst>
+            </p:cNvPr>
+            <p:cNvCxnSpPr>
+              <a:cxnSpLocks/>
+            </p:cNvCxnSpPr>
+            <p:nvPr/>
+          </p:nvCxnSpPr>
+          <p:spPr>
+            <a:xfrm rot="16200000">
+              <a:off x="1417698" y="1671488"/>
+              <a:ext cx="248054" cy="0"/>
+            </a:xfrm>
+            <a:prstGeom prst="line">
+              <a:avLst/>
+            </a:prstGeom>
+            <a:ln w="38100">
+              <a:solidFill>
+                <a:srgbClr val="FF0000"/>
+              </a:solidFill>
+            </a:ln>
+          </p:spPr>
+          <p:style>
+            <a:lnRef idx="2">
+              <a:schemeClr val="accent1"/>
+            </a:lnRef>
+            <a:fillRef idx="0">
+              <a:schemeClr val="accent1"/>
+            </a:fillRef>
+            <a:effectRef idx="1">
+              <a:schemeClr val="accent1"/>
+            </a:effectRef>
+            <a:fontRef idx="minor">
+              <a:schemeClr val="tx1"/>
+            </a:fontRef>
+          </p:style>
+        </p:cxnSp>
+        <p:cxnSp>
+          <p:nvCxnSpPr>
+            <p:cNvPr id="21" name="직선 연결선 20">
+              <a:extLst>
+                <a:ext uri="{FF2B5EF4-FFF2-40B4-BE49-F238E27FC236}">
+                  <a16:creationId xmlns:a16="http://schemas.microsoft.com/office/drawing/2014/main" id="{EFDCB142-B153-818D-7027-FC8142C8ADC6}"/>
+                </a:ext>
+              </a:extLst>
+            </p:cNvPr>
+            <p:cNvCxnSpPr>
+              <a:cxnSpLocks/>
+            </p:cNvCxnSpPr>
+            <p:nvPr/>
+          </p:nvCxnSpPr>
+          <p:spPr>
+            <a:xfrm rot="16200000">
+              <a:off x="3053112" y="1671488"/>
+              <a:ext cx="248054" cy="0"/>
+            </a:xfrm>
+            <a:prstGeom prst="line">
+              <a:avLst/>
+            </a:prstGeom>
+            <a:ln w="38100">
+              <a:solidFill>
+                <a:srgbClr val="FF0000"/>
+              </a:solidFill>
+            </a:ln>
+          </p:spPr>
+          <p:style>
+            <a:lnRef idx="2">
+              <a:schemeClr val="accent1"/>
+            </a:lnRef>
+            <a:fillRef idx="0">
+              <a:schemeClr val="accent1"/>
+            </a:fillRef>
+            <a:effectRef idx="1">
+              <a:schemeClr val="accent1"/>
+            </a:effectRef>
+            <a:fontRef idx="minor">
+              <a:schemeClr val="tx1"/>
+            </a:fontRef>
+          </p:style>
+        </p:cxnSp>
+        <p:cxnSp>
+          <p:nvCxnSpPr>
+            <p:cNvPr id="23" name="직선 연결선 22">
+              <a:extLst>
+                <a:ext uri="{FF2B5EF4-FFF2-40B4-BE49-F238E27FC236}">
+                  <a16:creationId xmlns:a16="http://schemas.microsoft.com/office/drawing/2014/main" id="{F5A07189-F3A6-8C74-29AA-7E49DB5FC9E2}"/>
+                </a:ext>
+              </a:extLst>
+            </p:cNvPr>
+            <p:cNvCxnSpPr>
+              <a:cxnSpLocks/>
+            </p:cNvCxnSpPr>
+            <p:nvPr/>
+          </p:nvCxnSpPr>
+          <p:spPr>
+            <a:xfrm>
+              <a:off x="1541725" y="1671488"/>
+              <a:ext cx="1635420" cy="0"/>
+            </a:xfrm>
+            <a:prstGeom prst="line">
+              <a:avLst/>
+            </a:prstGeom>
+            <a:ln w="38100">
+              <a:solidFill>
+                <a:srgbClr val="FF0000"/>
+              </a:solidFill>
+            </a:ln>
+          </p:spPr>
+          <p:style>
+            <a:lnRef idx="2">
+              <a:schemeClr val="accent1"/>
+            </a:lnRef>
+            <a:fillRef idx="0">
+              <a:schemeClr val="accent1"/>
+            </a:fillRef>
+            <a:effectRef idx="1">
+              <a:schemeClr val="accent1"/>
+            </a:effectRef>
+            <a:fontRef idx="minor">
+              <a:schemeClr val="tx1"/>
+            </a:fontRef>
+          </p:style>
+        </p:cxnSp>
+      </p:grpSp>
+      <p:sp>
+        <p:nvSpPr>
+          <p:cNvPr id="30" name="TextBox 29">
+            <a:extLst>
+              <a:ext uri="{FF2B5EF4-FFF2-40B4-BE49-F238E27FC236}">
+                <a16:creationId xmlns:a16="http://schemas.microsoft.com/office/drawing/2014/main" id="{30404A7F-0E47-72A7-082D-2F0274B65723}"/>
+              </a:ext>
+            </a:extLst>
+          </p:cNvPr>
+          <p:cNvSpPr txBox="1"/>
+          <p:nvPr/>
+        </p:nvSpPr>
+        <p:spPr>
+          <a:xfrm>
+            <a:off x="2096473" y="3263386"/>
+            <a:ext cx="564578" cy="369332"/>
+          </a:xfrm>
+          <a:prstGeom prst="rect">
+            <a:avLst/>
+          </a:prstGeom>
+          <a:noFill/>
+        </p:spPr>
+        <p:txBody>
+          <a:bodyPr wrap="none" rtlCol="0">
+            <a:spAutoFit/>
+          </a:bodyPr>
+          <a:lstStyle/>
+          <a:p>
+            <a:r>
+              <a:rPr lang="en-US" altLang="ko-KR" dirty="0"/>
+              <a:t>720</a:t>
+            </a:r>
+            <a:endParaRPr lang="ko-KR" altLang="en-US" dirty="0"/>
+          </a:p>
+        </p:txBody>
+      </p:sp>
+      <p:sp>
+        <p:nvSpPr>
+          <p:cNvPr id="50" name="TextBox 49">
+            <a:extLst>
+              <a:ext uri="{FF2B5EF4-FFF2-40B4-BE49-F238E27FC236}">
+                <a16:creationId xmlns:a16="http://schemas.microsoft.com/office/drawing/2014/main" id="{06CD8608-D541-B381-570E-C49C11CA640C}"/>
+              </a:ext>
+            </a:extLst>
+          </p:cNvPr>
+          <p:cNvSpPr txBox="1"/>
+          <p:nvPr/>
+        </p:nvSpPr>
+        <p:spPr>
+          <a:xfrm>
+            <a:off x="5736780" y="5263787"/>
+            <a:ext cx="564578" cy="369332"/>
+          </a:xfrm>
+          <a:prstGeom prst="rect">
+            <a:avLst/>
+          </a:prstGeom>
+          <a:noFill/>
+        </p:spPr>
+        <p:txBody>
+          <a:bodyPr wrap="none" rtlCol="0">
+            <a:spAutoFit/>
+          </a:bodyPr>
+          <a:lstStyle/>
+          <a:p>
+            <a:r>
+              <a:rPr lang="en-US" altLang="ko-KR" dirty="0"/>
+              <a:t>880</a:t>
+            </a:r>
+            <a:endParaRPr lang="ko-KR" altLang="en-US" dirty="0"/>
+          </a:p>
+        </p:txBody>
+      </p:sp>
+      <p:grpSp>
+        <p:nvGrpSpPr>
+          <p:cNvPr id="51" name="그룹 50">
+            <a:extLst>
+              <a:ext uri="{FF2B5EF4-FFF2-40B4-BE49-F238E27FC236}">
+                <a16:creationId xmlns:a16="http://schemas.microsoft.com/office/drawing/2014/main" id="{83DB2FC7-FE08-D358-C1E6-C9823107C90A}"/>
+              </a:ext>
+            </a:extLst>
+          </p:cNvPr>
+          <p:cNvGrpSpPr/>
+          <p:nvPr/>
+        </p:nvGrpSpPr>
+        <p:grpSpPr>
+          <a:xfrm>
+            <a:off x="3044687" y="5137578"/>
+            <a:ext cx="6145693" cy="248054"/>
+            <a:chOff x="1541725" y="1547461"/>
+            <a:chExt cx="1635420" cy="248054"/>
+          </a:xfrm>
+        </p:grpSpPr>
+        <p:cxnSp>
+          <p:nvCxnSpPr>
+            <p:cNvPr id="52" name="직선 연결선 51">
+              <a:extLst>
+                <a:ext uri="{FF2B5EF4-FFF2-40B4-BE49-F238E27FC236}">
+                  <a16:creationId xmlns:a16="http://schemas.microsoft.com/office/drawing/2014/main" id="{1B068732-7F41-40DF-AB55-FA483A0D2356}"/>
+                </a:ext>
+              </a:extLst>
+            </p:cNvPr>
+            <p:cNvCxnSpPr>
+              <a:cxnSpLocks/>
+            </p:cNvCxnSpPr>
+            <p:nvPr/>
+          </p:nvCxnSpPr>
+          <p:spPr>
+            <a:xfrm rot="16200000">
+              <a:off x="1417698" y="1671488"/>
+              <a:ext cx="248054" cy="0"/>
+            </a:xfrm>
+            <a:prstGeom prst="line">
+              <a:avLst/>
+            </a:prstGeom>
+            <a:ln w="38100">
+              <a:solidFill>
+                <a:srgbClr val="FF0000"/>
+              </a:solidFill>
+            </a:ln>
+          </p:spPr>
+          <p:style>
+            <a:lnRef idx="2">
+              <a:schemeClr val="accent1"/>
+            </a:lnRef>
+            <a:fillRef idx="0">
+              <a:schemeClr val="accent1"/>
+            </a:fillRef>
+            <a:effectRef idx="1">
+              <a:schemeClr val="accent1"/>
+            </a:effectRef>
+            <a:fontRef idx="minor">
+              <a:schemeClr val="tx1"/>
+            </a:fontRef>
+          </p:style>
+        </p:cxnSp>
+        <p:cxnSp>
+          <p:nvCxnSpPr>
+            <p:cNvPr id="53" name="직선 연결선 52">
+              <a:extLst>
+                <a:ext uri="{FF2B5EF4-FFF2-40B4-BE49-F238E27FC236}">
+                  <a16:creationId xmlns:a16="http://schemas.microsoft.com/office/drawing/2014/main" id="{466B24E8-F22B-9BED-CAFF-EFC1A85EFD41}"/>
+                </a:ext>
+              </a:extLst>
+            </p:cNvPr>
+            <p:cNvCxnSpPr>
+              <a:cxnSpLocks/>
+            </p:cNvCxnSpPr>
+            <p:nvPr/>
+          </p:nvCxnSpPr>
+          <p:spPr>
+            <a:xfrm rot="16200000">
+              <a:off x="3053112" y="1671488"/>
+              <a:ext cx="248054" cy="0"/>
+            </a:xfrm>
+            <a:prstGeom prst="line">
+              <a:avLst/>
+            </a:prstGeom>
+            <a:ln w="38100">
+              <a:solidFill>
+                <a:srgbClr val="FF0000"/>
+              </a:solidFill>
+            </a:ln>
+          </p:spPr>
+          <p:style>
+            <a:lnRef idx="2">
+              <a:schemeClr val="accent1"/>
+            </a:lnRef>
+            <a:fillRef idx="0">
+              <a:schemeClr val="accent1"/>
+            </a:fillRef>
+            <a:effectRef idx="1">
+              <a:schemeClr val="accent1"/>
+            </a:effectRef>
+            <a:fontRef idx="minor">
+              <a:schemeClr val="tx1"/>
+            </a:fontRef>
+          </p:style>
+        </p:cxnSp>
+        <p:cxnSp>
+          <p:nvCxnSpPr>
+            <p:cNvPr id="54" name="직선 연결선 53">
+              <a:extLst>
+                <a:ext uri="{FF2B5EF4-FFF2-40B4-BE49-F238E27FC236}">
+                  <a16:creationId xmlns:a16="http://schemas.microsoft.com/office/drawing/2014/main" id="{1CA1CF29-C7AF-A21C-E0CF-75D2E210E1C5}"/>
+                </a:ext>
+              </a:extLst>
+            </p:cNvPr>
+            <p:cNvCxnSpPr>
+              <a:cxnSpLocks/>
+            </p:cNvCxnSpPr>
+            <p:nvPr/>
+          </p:nvCxnSpPr>
+          <p:spPr>
+            <a:xfrm>
+              <a:off x="1541725" y="1671488"/>
+              <a:ext cx="1635420" cy="0"/>
+            </a:xfrm>
+            <a:prstGeom prst="line">
+              <a:avLst/>
+            </a:prstGeom>
+            <a:ln w="38100">
+              <a:solidFill>
+                <a:srgbClr val="FF0000"/>
+              </a:solidFill>
+            </a:ln>
+          </p:spPr>
+          <p:style>
+            <a:lnRef idx="2">
+              <a:schemeClr val="accent1"/>
+            </a:lnRef>
+            <a:fillRef idx="0">
+              <a:schemeClr val="accent1"/>
+            </a:fillRef>
+            <a:effectRef idx="1">
+              <a:schemeClr val="accent1"/>
+            </a:effectRef>
+            <a:fontRef idx="minor">
+              <a:schemeClr val="tx1"/>
+            </a:fontRef>
+          </p:style>
+        </p:cxnSp>
+      </p:grpSp>
+      <p:grpSp>
+        <p:nvGrpSpPr>
+          <p:cNvPr id="55" name="그룹 54">
+            <a:extLst>
+              <a:ext uri="{FF2B5EF4-FFF2-40B4-BE49-F238E27FC236}">
+                <a16:creationId xmlns:a16="http://schemas.microsoft.com/office/drawing/2014/main" id="{0B0A11F2-824C-A15E-0369-DF24207E6AC5}"/>
+              </a:ext>
+            </a:extLst>
+          </p:cNvPr>
+          <p:cNvGrpSpPr/>
+          <p:nvPr/>
+        </p:nvGrpSpPr>
+        <p:grpSpPr>
+          <a:xfrm rot="5400000">
+            <a:off x="7590664" y="3302490"/>
+            <a:ext cx="3440593" cy="248054"/>
+            <a:chOff x="1541725" y="1547461"/>
+            <a:chExt cx="1635420" cy="248054"/>
+          </a:xfrm>
+        </p:grpSpPr>
+        <p:cxnSp>
+          <p:nvCxnSpPr>
+            <p:cNvPr id="56" name="직선 연결선 55">
+              <a:extLst>
+                <a:ext uri="{FF2B5EF4-FFF2-40B4-BE49-F238E27FC236}">
+                  <a16:creationId xmlns:a16="http://schemas.microsoft.com/office/drawing/2014/main" id="{6859792E-360B-0955-D1C3-EF5B078A25C9}"/>
+                </a:ext>
+              </a:extLst>
+            </p:cNvPr>
+            <p:cNvCxnSpPr>
+              <a:cxnSpLocks/>
+            </p:cNvCxnSpPr>
+            <p:nvPr/>
+          </p:nvCxnSpPr>
+          <p:spPr>
+            <a:xfrm rot="16200000">
+              <a:off x="1417698" y="1671488"/>
+              <a:ext cx="248054" cy="0"/>
+            </a:xfrm>
+            <a:prstGeom prst="line">
+              <a:avLst/>
+            </a:prstGeom>
+            <a:ln w="38100">
+              <a:solidFill>
+                <a:srgbClr val="FF0000"/>
+              </a:solidFill>
+            </a:ln>
+          </p:spPr>
+          <p:style>
+            <a:lnRef idx="2">
+              <a:schemeClr val="accent1"/>
+            </a:lnRef>
+            <a:fillRef idx="0">
+              <a:schemeClr val="accent1"/>
+            </a:fillRef>
+            <a:effectRef idx="1">
+              <a:schemeClr val="accent1"/>
+            </a:effectRef>
+            <a:fontRef idx="minor">
+              <a:schemeClr val="tx1"/>
+            </a:fontRef>
+          </p:style>
+        </p:cxnSp>
+        <p:cxnSp>
+          <p:nvCxnSpPr>
+            <p:cNvPr id="57" name="직선 연결선 56">
+              <a:extLst>
+                <a:ext uri="{FF2B5EF4-FFF2-40B4-BE49-F238E27FC236}">
+                  <a16:creationId xmlns:a16="http://schemas.microsoft.com/office/drawing/2014/main" id="{C1DCBD0C-7F87-7204-6BDD-5B236A360A9E}"/>
+                </a:ext>
+              </a:extLst>
+            </p:cNvPr>
+            <p:cNvCxnSpPr>
+              <a:cxnSpLocks/>
+            </p:cNvCxnSpPr>
+            <p:nvPr/>
+          </p:nvCxnSpPr>
+          <p:spPr>
+            <a:xfrm rot="16200000">
+              <a:off x="3053112" y="1671488"/>
+              <a:ext cx="248054" cy="0"/>
+            </a:xfrm>
+            <a:prstGeom prst="line">
+              <a:avLst/>
+            </a:prstGeom>
+            <a:ln w="38100">
+              <a:solidFill>
+                <a:srgbClr val="FF0000"/>
+              </a:solidFill>
+            </a:ln>
+          </p:spPr>
+          <p:style>
+            <a:lnRef idx="2">
+              <a:schemeClr val="accent1"/>
+            </a:lnRef>
+            <a:fillRef idx="0">
+              <a:schemeClr val="accent1"/>
+            </a:fillRef>
+            <a:effectRef idx="1">
+              <a:schemeClr val="accent1"/>
+            </a:effectRef>
+            <a:fontRef idx="minor">
+              <a:schemeClr val="tx1"/>
+            </a:fontRef>
+          </p:style>
+        </p:cxnSp>
+        <p:cxnSp>
+          <p:nvCxnSpPr>
+            <p:cNvPr id="58" name="직선 연결선 57">
+              <a:extLst>
+                <a:ext uri="{FF2B5EF4-FFF2-40B4-BE49-F238E27FC236}">
+                  <a16:creationId xmlns:a16="http://schemas.microsoft.com/office/drawing/2014/main" id="{0CA5F091-BE6D-AE9B-E048-3CF4FD77699E}"/>
+                </a:ext>
+              </a:extLst>
+            </p:cNvPr>
+            <p:cNvCxnSpPr>
+              <a:cxnSpLocks/>
+            </p:cNvCxnSpPr>
+            <p:nvPr/>
+          </p:nvCxnSpPr>
+          <p:spPr>
+            <a:xfrm>
+              <a:off x="1541725" y="1671488"/>
+              <a:ext cx="1635420" cy="0"/>
+            </a:xfrm>
+            <a:prstGeom prst="line">
+              <a:avLst/>
+            </a:prstGeom>
+            <a:ln w="38100">
+              <a:solidFill>
+                <a:srgbClr val="FF0000"/>
+              </a:solidFill>
+            </a:ln>
+          </p:spPr>
+          <p:style>
+            <a:lnRef idx="2">
+              <a:schemeClr val="accent1"/>
+            </a:lnRef>
+            <a:fillRef idx="0">
+              <a:schemeClr val="accent1"/>
+            </a:fillRef>
+            <a:effectRef idx="1">
+              <a:schemeClr val="accent1"/>
+            </a:effectRef>
+            <a:fontRef idx="minor">
+              <a:schemeClr val="tx1"/>
+            </a:fontRef>
+          </p:style>
+        </p:cxnSp>
+      </p:grpSp>
+      <p:sp>
+        <p:nvSpPr>
+          <p:cNvPr id="59" name="TextBox 58">
+            <a:extLst>
+              <a:ext uri="{FF2B5EF4-FFF2-40B4-BE49-F238E27FC236}">
+                <a16:creationId xmlns:a16="http://schemas.microsoft.com/office/drawing/2014/main" id="{6809F516-07E1-7525-3293-B1DC0E03EEEC}"/>
+              </a:ext>
+            </a:extLst>
+          </p:cNvPr>
+          <p:cNvSpPr txBox="1"/>
+          <p:nvPr/>
+        </p:nvSpPr>
+        <p:spPr>
+          <a:xfrm>
+            <a:off x="9332314" y="3241851"/>
+            <a:ext cx="564578" cy="369332"/>
+          </a:xfrm>
+          <a:prstGeom prst="rect">
+            <a:avLst/>
+          </a:prstGeom>
+          <a:noFill/>
+        </p:spPr>
+        <p:txBody>
+          <a:bodyPr wrap="none" rtlCol="0">
+            <a:spAutoFit/>
+          </a:bodyPr>
+          <a:lstStyle/>
+          <a:p>
+            <a:r>
+              <a:rPr lang="en-US" altLang="ko-KR" dirty="0"/>
+              <a:t>675</a:t>
+            </a:r>
+            <a:endParaRPr lang="ko-KR" altLang="en-US" dirty="0"/>
+          </a:p>
+        </p:txBody>
+      </p:sp>
     </p:spTree>
     <p:extLst>
       <p:ext uri="{BB962C8B-B14F-4D97-AF65-F5344CB8AC3E}">
@@ -5647,6 +6392,661 @@
 </file>
 
 <file path=ppt/slides/slide10.xml><?xml version="1.0" encoding="utf-8"?>
+<p:sld xmlns:a="http://schemas.openxmlformats.org/drawingml/2006/main" xmlns:r="http://schemas.openxmlformats.org/officeDocument/2006/relationships" xmlns:p="http://schemas.openxmlformats.org/presentationml/2006/main">
+  <p:cSld>
+    <p:spTree>
+      <p:nvGrpSpPr>
+        <p:cNvPr id="1" name="">
+          <a:extLst>
+            <a:ext uri="{FF2B5EF4-FFF2-40B4-BE49-F238E27FC236}">
+              <a16:creationId xmlns:a16="http://schemas.microsoft.com/office/drawing/2014/main" id="{37B47E39-4FB6-AFF3-8EDE-0132F7F017AF}"/>
+            </a:ext>
+          </a:extLst>
+        </p:cNvPr>
+        <p:cNvGrpSpPr/>
+        <p:nvPr/>
+      </p:nvGrpSpPr>
+      <p:grpSpPr>
+        <a:xfrm>
+          <a:off x="0" y="0"/>
+          <a:ext cx="0" cy="0"/>
+          <a:chOff x="0" y="0"/>
+          <a:chExt cx="0" cy="0"/>
+        </a:xfrm>
+      </p:grpSpPr>
+      <p:grpSp>
+        <p:nvGrpSpPr>
+          <p:cNvPr id="18" name="그룹 17">
+            <a:extLst>
+              <a:ext uri="{FF2B5EF4-FFF2-40B4-BE49-F238E27FC236}">
+                <a16:creationId xmlns:a16="http://schemas.microsoft.com/office/drawing/2014/main" id="{6D96C7C3-5997-5052-0F28-908BC738A4DB}"/>
+              </a:ext>
+            </a:extLst>
+          </p:cNvPr>
+          <p:cNvGrpSpPr/>
+          <p:nvPr/>
+        </p:nvGrpSpPr>
+        <p:grpSpPr>
+          <a:xfrm>
+            <a:off x="2024599" y="954458"/>
+            <a:ext cx="6454046" cy="4863246"/>
+            <a:chOff x="2024599" y="954458"/>
+            <a:chExt cx="6454046" cy="4863246"/>
+          </a:xfrm>
+        </p:grpSpPr>
+        <p:sp>
+          <p:nvSpPr>
+            <p:cNvPr id="3" name="직사각형 2">
+              <a:extLst>
+                <a:ext uri="{FF2B5EF4-FFF2-40B4-BE49-F238E27FC236}">
+                  <a16:creationId xmlns:a16="http://schemas.microsoft.com/office/drawing/2014/main" id="{19107B5D-36E7-12BD-75F8-B9073CEB211C}"/>
+                </a:ext>
+              </a:extLst>
+            </p:cNvPr>
+            <p:cNvSpPr/>
+            <p:nvPr/>
+          </p:nvSpPr>
+          <p:spPr>
+            <a:xfrm>
+              <a:off x="2024599" y="954458"/>
+              <a:ext cx="6454046" cy="4863246"/>
+            </a:xfrm>
+            <a:prstGeom prst="rect">
+              <a:avLst/>
+            </a:prstGeom>
+            <a:solidFill>
+              <a:schemeClr val="bg1"/>
+            </a:solidFill>
+          </p:spPr>
+          <p:style>
+            <a:lnRef idx="2">
+              <a:schemeClr val="accent1">
+                <a:shade val="15000"/>
+              </a:schemeClr>
+            </a:lnRef>
+            <a:fillRef idx="1">
+              <a:schemeClr val="accent1"/>
+            </a:fillRef>
+            <a:effectRef idx="0">
+              <a:schemeClr val="accent1"/>
+            </a:effectRef>
+            <a:fontRef idx="minor">
+              <a:schemeClr val="lt1"/>
+            </a:fontRef>
+          </p:style>
+          <p:txBody>
+            <a:bodyPr rtlCol="0" anchor="ctr"/>
+            <a:lstStyle/>
+            <a:p>
+              <a:pPr algn="ctr"/>
+              <a:endParaRPr lang="ko-KR" altLang="en-US" sz="3600"/>
+            </a:p>
+          </p:txBody>
+        </p:sp>
+        <p:grpSp>
+          <p:nvGrpSpPr>
+            <p:cNvPr id="4" name="그룹 3">
+              <a:extLst>
+                <a:ext uri="{FF2B5EF4-FFF2-40B4-BE49-F238E27FC236}">
+                  <a16:creationId xmlns:a16="http://schemas.microsoft.com/office/drawing/2014/main" id="{864219E8-2D56-1A2D-6606-BD5F0B13AF99}"/>
+                </a:ext>
+              </a:extLst>
+            </p:cNvPr>
+            <p:cNvGrpSpPr/>
+            <p:nvPr/>
+          </p:nvGrpSpPr>
+          <p:grpSpPr>
+            <a:xfrm rot="5400000">
+              <a:off x="1540755" y="2066483"/>
+              <a:ext cx="4474334" cy="2572289"/>
+              <a:chOff x="596345" y="1557116"/>
+              <a:chExt cx="4472608" cy="2571297"/>
+            </a:xfrm>
+          </p:grpSpPr>
+          <p:sp>
+            <p:nvSpPr>
+              <p:cNvPr id="5" name="사각형: 둥근 모서리 4">
+                <a:extLst>
+                  <a:ext uri="{FF2B5EF4-FFF2-40B4-BE49-F238E27FC236}">
+                    <a16:creationId xmlns:a16="http://schemas.microsoft.com/office/drawing/2014/main" id="{A9598308-3D96-DB2E-A254-E8704515EE20}"/>
+                  </a:ext>
+                </a:extLst>
+              </p:cNvPr>
+              <p:cNvSpPr/>
+              <p:nvPr/>
+            </p:nvSpPr>
+            <p:spPr>
+              <a:xfrm>
+                <a:off x="596345" y="1557116"/>
+                <a:ext cx="4472608" cy="2571297"/>
+              </a:xfrm>
+              <a:prstGeom prst="roundRect">
+                <a:avLst>
+                  <a:gd name="adj" fmla="val 2928"/>
+                </a:avLst>
+              </a:prstGeom>
+              <a:solidFill>
+                <a:schemeClr val="bg2">
+                  <a:lumMod val="75000"/>
+                </a:schemeClr>
+              </a:solidFill>
+            </p:spPr>
+            <p:style>
+              <a:lnRef idx="2">
+                <a:schemeClr val="accent1">
+                  <a:shade val="15000"/>
+                </a:schemeClr>
+              </a:lnRef>
+              <a:fillRef idx="1">
+                <a:schemeClr val="accent1"/>
+              </a:fillRef>
+              <a:effectRef idx="0">
+                <a:schemeClr val="accent1"/>
+              </a:effectRef>
+              <a:fontRef idx="minor">
+                <a:schemeClr val="lt1"/>
+              </a:fontRef>
+            </p:style>
+            <p:txBody>
+              <a:bodyPr rtlCol="0" anchor="ctr"/>
+              <a:lstStyle/>
+              <a:p>
+                <a:pPr algn="ctr"/>
+                <a:endParaRPr lang="ko-KR" altLang="en-US"/>
+              </a:p>
+            </p:txBody>
+          </p:sp>
+          <p:sp>
+            <p:nvSpPr>
+              <p:cNvPr id="6" name="직사각형 5">
+                <a:extLst>
+                  <a:ext uri="{FF2B5EF4-FFF2-40B4-BE49-F238E27FC236}">
+                    <a16:creationId xmlns:a16="http://schemas.microsoft.com/office/drawing/2014/main" id="{9574ADA8-D9D7-B138-5878-DD66B90D31FD}"/>
+                  </a:ext>
+                </a:extLst>
+              </p:cNvPr>
+              <p:cNvSpPr>
+                <a:spLocks noChangeAspect="1"/>
+              </p:cNvSpPr>
+              <p:nvPr/>
+            </p:nvSpPr>
+            <p:spPr>
+              <a:xfrm>
+                <a:off x="750261" y="1649918"/>
+                <a:ext cx="4200992" cy="2363058"/>
+              </a:xfrm>
+              <a:prstGeom prst="rect">
+                <a:avLst/>
+              </a:prstGeom>
+              <a:solidFill>
+                <a:schemeClr val="bg1"/>
+              </a:solidFill>
+              <a:ln>
+                <a:solidFill>
+                  <a:schemeClr val="tx1"/>
+                </a:solidFill>
+              </a:ln>
+            </p:spPr>
+            <p:style>
+              <a:lnRef idx="2">
+                <a:schemeClr val="accent1">
+                  <a:shade val="15000"/>
+                </a:schemeClr>
+              </a:lnRef>
+              <a:fillRef idx="1">
+                <a:schemeClr val="accent1"/>
+              </a:fillRef>
+              <a:effectRef idx="0">
+                <a:schemeClr val="accent1"/>
+              </a:effectRef>
+              <a:fontRef idx="minor">
+                <a:schemeClr val="lt1"/>
+              </a:fontRef>
+            </p:style>
+            <p:txBody>
+              <a:bodyPr rtlCol="0" anchor="ctr"/>
+              <a:lstStyle/>
+              <a:p>
+                <a:pPr algn="ctr"/>
+                <a:endParaRPr lang="ko-KR" altLang="en-US" sz="700" dirty="0"/>
+              </a:p>
+            </p:txBody>
+          </p:sp>
+          <p:sp>
+            <p:nvSpPr>
+              <p:cNvPr id="7" name="타원 6">
+                <a:extLst>
+                  <a:ext uri="{FF2B5EF4-FFF2-40B4-BE49-F238E27FC236}">
+                    <a16:creationId xmlns:a16="http://schemas.microsoft.com/office/drawing/2014/main" id="{ADE513BC-2615-E1C1-1561-A0CC92AE8A7E}"/>
+                  </a:ext>
+                </a:extLst>
+              </p:cNvPr>
+              <p:cNvSpPr/>
+              <p:nvPr/>
+            </p:nvSpPr>
+            <p:spPr>
+              <a:xfrm>
+                <a:off x="626132" y="2793474"/>
+                <a:ext cx="98581" cy="98581"/>
+              </a:xfrm>
+              <a:prstGeom prst="ellipse">
+                <a:avLst/>
+              </a:prstGeom>
+              <a:solidFill>
+                <a:schemeClr val="tx1">
+                  <a:lumMod val="85000"/>
+                  <a:lumOff val="15000"/>
+                </a:schemeClr>
+              </a:solidFill>
+            </p:spPr>
+            <p:style>
+              <a:lnRef idx="2">
+                <a:schemeClr val="accent1">
+                  <a:shade val="15000"/>
+                </a:schemeClr>
+              </a:lnRef>
+              <a:fillRef idx="1">
+                <a:schemeClr val="accent1"/>
+              </a:fillRef>
+              <a:effectRef idx="0">
+                <a:schemeClr val="accent1"/>
+              </a:effectRef>
+              <a:fontRef idx="minor">
+                <a:schemeClr val="lt1"/>
+              </a:fontRef>
+            </p:style>
+            <p:txBody>
+              <a:bodyPr rtlCol="0" anchor="ctr"/>
+              <a:lstStyle/>
+              <a:p>
+                <a:pPr algn="ctr"/>
+                <a:endParaRPr lang="ko-KR" altLang="en-US"/>
+              </a:p>
+            </p:txBody>
+          </p:sp>
+        </p:grpSp>
+        <p:sp>
+          <p:nvSpPr>
+            <p:cNvPr id="8" name="직사각형 7">
+              <a:extLst>
+                <a:ext uri="{FF2B5EF4-FFF2-40B4-BE49-F238E27FC236}">
+                  <a16:creationId xmlns:a16="http://schemas.microsoft.com/office/drawing/2014/main" id="{A867ACD3-A79C-3DE7-3451-7E40192A4D2E}"/>
+                </a:ext>
+              </a:extLst>
+            </p:cNvPr>
+            <p:cNvSpPr/>
+            <p:nvPr/>
+          </p:nvSpPr>
+          <p:spPr>
+            <a:xfrm>
+              <a:off x="5711108" y="1872228"/>
+              <a:ext cx="2572289" cy="3451322"/>
+            </a:xfrm>
+            <a:prstGeom prst="rect">
+              <a:avLst/>
+            </a:prstGeom>
+            <a:solidFill>
+              <a:srgbClr val="FFFF00"/>
+            </a:solidFill>
+          </p:spPr>
+          <p:style>
+            <a:lnRef idx="2">
+              <a:schemeClr val="accent1">
+                <a:shade val="15000"/>
+              </a:schemeClr>
+            </a:lnRef>
+            <a:fillRef idx="1">
+              <a:schemeClr val="accent1"/>
+            </a:fillRef>
+            <a:effectRef idx="0">
+              <a:schemeClr val="accent1"/>
+            </a:effectRef>
+            <a:fontRef idx="minor">
+              <a:schemeClr val="lt1"/>
+            </a:fontRef>
+          </p:style>
+          <p:txBody>
+            <a:bodyPr rtlCol="0" anchor="ctr"/>
+            <a:lstStyle/>
+            <a:p>
+              <a:pPr algn="ctr"/>
+              <a:r>
+                <a:rPr lang="ko-KR" altLang="en-US" sz="2000" dirty="0">
+                  <a:solidFill>
+                    <a:schemeClr val="tx1"/>
+                  </a:solidFill>
+                </a:rPr>
+                <a:t>이체할 계좌</a:t>
+              </a:r>
+              <a:endParaRPr lang="en-US" altLang="ko-KR" sz="2000" dirty="0">
+                <a:solidFill>
+                  <a:schemeClr val="tx1"/>
+                </a:solidFill>
+              </a:endParaRPr>
+            </a:p>
+            <a:p>
+              <a:pPr algn="ctr"/>
+              <a:r>
+                <a:rPr lang="en-US" altLang="ko-KR" sz="2000" dirty="0">
+                  <a:solidFill>
+                    <a:schemeClr val="tx1"/>
+                  </a:solidFill>
+                </a:rPr>
+                <a:t>XX-XXXX-XX</a:t>
+              </a:r>
+            </a:p>
+            <a:p>
+              <a:pPr algn="ctr"/>
+              <a:r>
+                <a:rPr lang="en-US" altLang="ko-KR" sz="2000" dirty="0">
+                  <a:solidFill>
+                    <a:schemeClr val="tx1"/>
+                  </a:solidFill>
+                </a:rPr>
+                <a:t>Oo</a:t>
+              </a:r>
+              <a:r>
+                <a:rPr lang="ko-KR" altLang="en-US" sz="2000" dirty="0">
+                  <a:solidFill>
+                    <a:schemeClr val="tx1"/>
+                  </a:solidFill>
+                </a:rPr>
+                <a:t>은행</a:t>
+              </a:r>
+              <a:endParaRPr lang="en-US" altLang="ko-KR" sz="2000" dirty="0">
+                <a:solidFill>
+                  <a:schemeClr val="tx1"/>
+                </a:solidFill>
+              </a:endParaRPr>
+            </a:p>
+            <a:p>
+              <a:pPr algn="ctr"/>
+              <a:r>
+                <a:rPr lang="en-US" altLang="ko-KR" sz="2000" dirty="0">
+                  <a:solidFill>
+                    <a:schemeClr val="tx1"/>
+                  </a:solidFill>
+                </a:rPr>
+                <a:t>“</a:t>
+              </a:r>
+              <a:r>
+                <a:rPr lang="ko-KR" altLang="en-US" sz="2000" dirty="0">
+                  <a:solidFill>
+                    <a:schemeClr val="tx1"/>
+                  </a:solidFill>
+                </a:rPr>
+                <a:t>집주인 이름</a:t>
+              </a:r>
+              <a:r>
+                <a:rPr lang="en-US" altLang="ko-KR" sz="2000" dirty="0">
+                  <a:solidFill>
+                    <a:schemeClr val="tx1"/>
+                  </a:solidFill>
+                </a:rPr>
+                <a:t>“</a:t>
+              </a:r>
+            </a:p>
+            <a:p>
+              <a:pPr algn="ctr"/>
+              <a:endParaRPr lang="en-US" altLang="ko-KR" sz="2000" dirty="0">
+                <a:solidFill>
+                  <a:schemeClr val="tx1"/>
+                </a:solidFill>
+              </a:endParaRPr>
+            </a:p>
+            <a:p>
+              <a:pPr algn="ctr"/>
+              <a:r>
+                <a:rPr lang="en-US" altLang="ko-KR" sz="2000" dirty="0">
+                  <a:solidFill>
+                    <a:schemeClr val="tx1"/>
+                  </a:solidFill>
+                </a:rPr>
+                <a:t>500,000</a:t>
+              </a:r>
+              <a:r>
+                <a:rPr lang="ko-KR" altLang="en-US" sz="2000" dirty="0">
+                  <a:solidFill>
+                    <a:schemeClr val="tx1"/>
+                  </a:solidFill>
+                </a:rPr>
+                <a:t>원</a:t>
+              </a:r>
+            </a:p>
+          </p:txBody>
+        </p:sp>
+        <p:sp>
+          <p:nvSpPr>
+            <p:cNvPr id="15" name="직사각형 14">
+              <a:extLst>
+                <a:ext uri="{FF2B5EF4-FFF2-40B4-BE49-F238E27FC236}">
+                  <a16:creationId xmlns:a16="http://schemas.microsoft.com/office/drawing/2014/main" id="{832C3EA4-9EF7-84CE-371C-AF4E1EFFA867}"/>
+                </a:ext>
+              </a:extLst>
+            </p:cNvPr>
+            <p:cNvSpPr/>
+            <p:nvPr/>
+          </p:nvSpPr>
+          <p:spPr>
+            <a:xfrm>
+              <a:off x="2607259" y="1844424"/>
+              <a:ext cx="2363970" cy="3016407"/>
+            </a:xfrm>
+            <a:prstGeom prst="rect">
+              <a:avLst/>
+            </a:prstGeom>
+            <a:solidFill>
+              <a:schemeClr val="bg1"/>
+            </a:solidFill>
+            <a:ln>
+              <a:noFill/>
+            </a:ln>
+          </p:spPr>
+          <p:style>
+            <a:lnRef idx="2">
+              <a:schemeClr val="accent1">
+                <a:shade val="15000"/>
+              </a:schemeClr>
+            </a:lnRef>
+            <a:fillRef idx="1">
+              <a:schemeClr val="accent1"/>
+            </a:fillRef>
+            <a:effectRef idx="0">
+              <a:schemeClr val="accent1"/>
+            </a:effectRef>
+            <a:fontRef idx="minor">
+              <a:schemeClr val="lt1"/>
+            </a:fontRef>
+          </p:style>
+          <p:txBody>
+            <a:bodyPr rtlCol="0" anchor="ctr"/>
+            <a:lstStyle/>
+            <a:p>
+              <a:pPr algn="ctr"/>
+              <a:r>
+                <a:rPr lang="ko-KR" altLang="en-US" sz="1400" dirty="0">
+                  <a:solidFill>
+                    <a:schemeClr val="tx1"/>
+                  </a:solidFill>
+                </a:rPr>
+                <a:t>계좌</a:t>
+              </a:r>
+              <a:endParaRPr lang="en-US" altLang="ko-KR" sz="1400" dirty="0">
+                <a:solidFill>
+                  <a:schemeClr val="tx1"/>
+                </a:solidFill>
+              </a:endParaRPr>
+            </a:p>
+            <a:p>
+              <a:pPr algn="ctr"/>
+              <a:r>
+                <a:rPr lang="en-US" altLang="ko-KR" sz="1600" b="1" dirty="0">
+                  <a:solidFill>
+                    <a:schemeClr val="tx1"/>
+                  </a:solidFill>
+                </a:rPr>
+                <a:t>XX-XXXX-XX</a:t>
+              </a:r>
+            </a:p>
+            <a:p>
+              <a:pPr algn="ctr"/>
+              <a:r>
+                <a:rPr lang="ko-KR" altLang="en-US" sz="1400" b="1" dirty="0">
+                  <a:solidFill>
+                    <a:schemeClr val="tx1"/>
+                  </a:solidFill>
+                </a:rPr>
+                <a:t>이름</a:t>
+              </a:r>
+              <a:r>
+                <a:rPr lang="en-US" altLang="ko-KR" sz="1400" b="1" dirty="0">
+                  <a:solidFill>
+                    <a:schemeClr val="tx1"/>
+                  </a:solidFill>
+                </a:rPr>
+                <a:t>Text</a:t>
+              </a:r>
+              <a:r>
+                <a:rPr lang="ko-KR" altLang="en-US" sz="1400" dirty="0" err="1">
+                  <a:solidFill>
+                    <a:schemeClr val="tx1"/>
+                  </a:solidFill>
+                </a:rPr>
+                <a:t>님에게</a:t>
+              </a:r>
+              <a:endParaRPr lang="en-US" altLang="ko-KR" sz="1400" dirty="0">
+                <a:solidFill>
+                  <a:schemeClr val="tx1"/>
+                </a:solidFill>
+              </a:endParaRPr>
+            </a:p>
+            <a:p>
+              <a:pPr algn="ctr"/>
+              <a:endParaRPr lang="en-US" altLang="ko-KR" sz="1400" dirty="0">
+                <a:solidFill>
+                  <a:schemeClr val="tx1"/>
+                </a:solidFill>
+              </a:endParaRPr>
+            </a:p>
+            <a:p>
+              <a:pPr algn="ctr"/>
+              <a:r>
+                <a:rPr lang="en-US" altLang="ko-KR" sz="1400" dirty="0">
+                  <a:solidFill>
+                    <a:schemeClr val="tx1"/>
+                  </a:solidFill>
+                </a:rPr>
+                <a:t>“</a:t>
+              </a:r>
+              <a:r>
+                <a:rPr lang="ko-KR" altLang="en-US" sz="1400" dirty="0">
+                  <a:solidFill>
+                    <a:srgbClr val="FF0000"/>
+                  </a:solidFill>
+                </a:rPr>
+                <a:t>입력한 금액</a:t>
+              </a:r>
+              <a:r>
+                <a:rPr lang="en-US" altLang="ko-KR" sz="1400" dirty="0">
+                  <a:solidFill>
+                    <a:schemeClr val="tx1"/>
+                  </a:solidFill>
+                </a:rPr>
+                <a:t>“</a:t>
+              </a:r>
+            </a:p>
+            <a:p>
+              <a:pPr algn="ctr"/>
+              <a:r>
+                <a:rPr lang="ko-KR" altLang="en-US" sz="1400" dirty="0">
+                  <a:solidFill>
+                    <a:schemeClr val="tx1"/>
+                  </a:solidFill>
+                </a:rPr>
+                <a:t>이체가 완료 되었습니다</a:t>
+              </a:r>
+              <a:r>
+                <a:rPr lang="en-US" altLang="ko-KR" sz="1400" dirty="0">
+                  <a:solidFill>
+                    <a:schemeClr val="tx1"/>
+                  </a:solidFill>
+                </a:rPr>
+                <a:t>.</a:t>
+              </a:r>
+            </a:p>
+          </p:txBody>
+        </p:sp>
+        <p:sp>
+          <p:nvSpPr>
+            <p:cNvPr id="16" name="직사각형 15">
+              <a:extLst>
+                <a:ext uri="{FF2B5EF4-FFF2-40B4-BE49-F238E27FC236}">
+                  <a16:creationId xmlns:a16="http://schemas.microsoft.com/office/drawing/2014/main" id="{BFE1EEE0-ECAA-14F4-1C36-75DE543A6CE9}"/>
+                </a:ext>
+              </a:extLst>
+            </p:cNvPr>
+            <p:cNvSpPr/>
+            <p:nvPr/>
+          </p:nvSpPr>
+          <p:spPr>
+            <a:xfrm>
+              <a:off x="3138504" y="4988172"/>
+              <a:ext cx="1278834" cy="335378"/>
+            </a:xfrm>
+            <a:prstGeom prst="rect">
+              <a:avLst/>
+            </a:prstGeom>
+            <a:solidFill>
+              <a:srgbClr val="00B050"/>
+            </a:solidFill>
+          </p:spPr>
+          <p:style>
+            <a:lnRef idx="2">
+              <a:schemeClr val="accent1">
+                <a:shade val="15000"/>
+              </a:schemeClr>
+            </a:lnRef>
+            <a:fillRef idx="1">
+              <a:schemeClr val="accent1"/>
+            </a:fillRef>
+            <a:effectRef idx="0">
+              <a:schemeClr val="accent1"/>
+            </a:effectRef>
+            <a:fontRef idx="minor">
+              <a:schemeClr val="lt1"/>
+            </a:fontRef>
+          </p:style>
+          <p:txBody>
+            <a:bodyPr rtlCol="0" anchor="ctr"/>
+            <a:lstStyle/>
+            <a:p>
+              <a:pPr algn="ctr"/>
+              <a:r>
+                <a:rPr lang="ko-KR" altLang="en-US" sz="1600" dirty="0">
+                  <a:solidFill>
+                    <a:schemeClr val="tx1"/>
+                  </a:solidFill>
+                </a:rPr>
+                <a:t>확인</a:t>
+              </a:r>
+            </a:p>
+          </p:txBody>
+        </p:sp>
+      </p:grpSp>
+    </p:spTree>
+    <p:extLst>
+      <p:ext uri="{BB962C8B-B14F-4D97-AF65-F5344CB8AC3E}">
+        <p14:creationId xmlns:p14="http://schemas.microsoft.com/office/powerpoint/2010/main" val="1100579410"/>
+      </p:ext>
+    </p:extLst>
+  </p:cSld>
+  <p:clrMapOvr>
+    <a:masterClrMapping/>
+  </p:clrMapOvr>
+</p:sld>
+</file>
+
+<file path=ppt/slides/slide11.xml><?xml version="1.0" encoding="utf-8"?>
 <p:sld xmlns:a="http://schemas.openxmlformats.org/drawingml/2006/main" xmlns:r="http://schemas.openxmlformats.org/officeDocument/2006/relationships" xmlns:p="http://schemas.openxmlformats.org/presentationml/2006/main">
   <p:cSld>
     <p:spTree>
@@ -6006,7 +7406,7 @@
 </p:sld>
 </file>
 
-<file path=ppt/slides/slide11.xml><?xml version="1.0" encoding="utf-8"?>
+<file path=ppt/slides/slide12.xml><?xml version="1.0" encoding="utf-8"?>
 <p:sld xmlns:a="http://schemas.openxmlformats.org/drawingml/2006/main" xmlns:r="http://schemas.openxmlformats.org/officeDocument/2006/relationships" xmlns:p="http://schemas.openxmlformats.org/presentationml/2006/main">
   <p:cSld>
     <p:spTree>
@@ -8929,7 +10329,7 @@
 </p:sld>
 </file>
 
-<file path=ppt/slides/slide12.xml><?xml version="1.0" encoding="utf-8"?>
+<file path=ppt/slides/slide13.xml><?xml version="1.0" encoding="utf-8"?>
 <p:sld xmlns:a="http://schemas.openxmlformats.org/drawingml/2006/main" xmlns:r="http://schemas.openxmlformats.org/officeDocument/2006/relationships" xmlns:p="http://schemas.openxmlformats.org/presentationml/2006/main">
   <p:cSld>
     <p:spTree>
@@ -12272,7 +13672,7 @@
 </p:sld>
 </file>
 
-<file path=ppt/slides/slide13.xml><?xml version="1.0" encoding="utf-8"?>
+<file path=ppt/slides/slide14.xml><?xml version="1.0" encoding="utf-8"?>
 <p:sld xmlns:a="http://schemas.openxmlformats.org/drawingml/2006/main" xmlns:r="http://schemas.openxmlformats.org/officeDocument/2006/relationships" xmlns:p="http://schemas.openxmlformats.org/presentationml/2006/main">
   <p:cSld>
     <p:spTree>
@@ -13544,7 +14944,7 @@
 </p:sld>
 </file>
 
-<file path=ppt/slides/slide14.xml><?xml version="1.0" encoding="utf-8"?>
+<file path=ppt/slides/slide15.xml><?xml version="1.0" encoding="utf-8"?>
 <p:sld xmlns:a="http://schemas.openxmlformats.org/drawingml/2006/main" xmlns:r="http://schemas.openxmlformats.org/officeDocument/2006/relationships" xmlns:p="http://schemas.openxmlformats.org/presentationml/2006/main">
   <p:cSld>
     <p:spTree>
@@ -14420,7 +15820,7 @@
 </p:sld>
 </file>
 
-<file path=ppt/slides/slide15.xml><?xml version="1.0" encoding="utf-8"?>
+<file path=ppt/slides/slide16.xml><?xml version="1.0" encoding="utf-8"?>
 <p:sld xmlns:a="http://schemas.openxmlformats.org/drawingml/2006/main" xmlns:r="http://schemas.openxmlformats.org/officeDocument/2006/relationships" xmlns:p="http://schemas.openxmlformats.org/presentationml/2006/main">
   <p:cSld>
     <p:spTree>
@@ -15792,6 +17192,36 @@
   <p:cSld>
     <p:spTree>
       <p:nvGrpSpPr>
+        <p:cNvPr id="1" name=""/>
+        <p:cNvGrpSpPr/>
+        <p:nvPr/>
+      </p:nvGrpSpPr>
+      <p:grpSpPr>
+        <a:xfrm>
+          <a:off x="0" y="0"/>
+          <a:ext cx="0" cy="0"/>
+          <a:chOff x="0" y="0"/>
+          <a:chExt cx="0" cy="0"/>
+        </a:xfrm>
+      </p:grpSpPr>
+    </p:spTree>
+    <p:extLst>
+      <p:ext uri="{BB962C8B-B14F-4D97-AF65-F5344CB8AC3E}">
+        <p14:creationId xmlns:p14="http://schemas.microsoft.com/office/powerpoint/2010/main" val="3588899694"/>
+      </p:ext>
+    </p:extLst>
+  </p:cSld>
+  <p:clrMapOvr>
+    <a:masterClrMapping/>
+  </p:clrMapOvr>
+</p:sld>
+</file>
+
+<file path=ppt/slides/slide3.xml><?xml version="1.0" encoding="utf-8"?>
+<p:sld xmlns:a="http://schemas.openxmlformats.org/drawingml/2006/main" xmlns:r="http://schemas.openxmlformats.org/officeDocument/2006/relationships" xmlns:p="http://schemas.openxmlformats.org/presentationml/2006/main">
+  <p:cSld>
+    <p:spTree>
+      <p:nvGrpSpPr>
         <p:cNvPr id="1" name="">
           <a:extLst>
             <a:ext uri="{FF2B5EF4-FFF2-40B4-BE49-F238E27FC236}">
@@ -16264,7 +17694,7 @@
 </p:sld>
 </file>
 
-<file path=ppt/slides/slide3.xml><?xml version="1.0" encoding="utf-8"?>
+<file path=ppt/slides/slide4.xml><?xml version="1.0" encoding="utf-8"?>
 <p:sld xmlns:a="http://schemas.openxmlformats.org/drawingml/2006/main" xmlns:r="http://schemas.openxmlformats.org/officeDocument/2006/relationships" xmlns:p="http://schemas.openxmlformats.org/presentationml/2006/main">
   <p:cSld>
     <p:spTree>
@@ -17450,7 +18880,7 @@
 </p:sld>
 </file>
 
-<file path=ppt/slides/slide4.xml><?xml version="1.0" encoding="utf-8"?>
+<file path=ppt/slides/slide5.xml><?xml version="1.0" encoding="utf-8"?>
 <p:sld xmlns:a="http://schemas.openxmlformats.org/drawingml/2006/main" xmlns:r="http://schemas.openxmlformats.org/officeDocument/2006/relationships" xmlns:p="http://schemas.openxmlformats.org/presentationml/2006/main">
   <p:cSld>
     <p:spTree>
@@ -19385,7 +20815,7 @@
 </p:sld>
 </file>
 
-<file path=ppt/slides/slide5.xml><?xml version="1.0" encoding="utf-8"?>
+<file path=ppt/slides/slide6.xml><?xml version="1.0" encoding="utf-8"?>
 <p:sld xmlns:a="http://schemas.openxmlformats.org/drawingml/2006/main" xmlns:r="http://schemas.openxmlformats.org/officeDocument/2006/relationships" xmlns:p="http://schemas.openxmlformats.org/presentationml/2006/main">
   <p:cSld>
     <p:spTree>
@@ -20848,7 +22278,7 @@
 </p:sld>
 </file>
 
-<file path=ppt/slides/slide6.xml><?xml version="1.0" encoding="utf-8"?>
+<file path=ppt/slides/slide7.xml><?xml version="1.0" encoding="utf-8"?>
 <p:sld xmlns:a="http://schemas.openxmlformats.org/drawingml/2006/main" xmlns:r="http://schemas.openxmlformats.org/officeDocument/2006/relationships" xmlns:p="http://schemas.openxmlformats.org/presentationml/2006/main">
   <p:cSld>
     <p:spTree>
@@ -22311,7 +23741,7 @@
 </p:sld>
 </file>
 
-<file path=ppt/slides/slide7.xml><?xml version="1.0" encoding="utf-8"?>
+<file path=ppt/slides/slide8.xml><?xml version="1.0" encoding="utf-8"?>
 <p:sld xmlns:a="http://schemas.openxmlformats.org/drawingml/2006/main" xmlns:r="http://schemas.openxmlformats.org/officeDocument/2006/relationships" xmlns:p="http://schemas.openxmlformats.org/presentationml/2006/main">
   <p:cSld>
     <p:spTree>
@@ -25041,7 +26471,7 @@
 </p:sld>
 </file>
 
-<file path=ppt/slides/slide8.xml><?xml version="1.0" encoding="utf-8"?>
+<file path=ppt/slides/slide9.xml><?xml version="1.0" encoding="utf-8"?>
 <p:sld xmlns:a="http://schemas.openxmlformats.org/drawingml/2006/main" xmlns:r="http://schemas.openxmlformats.org/officeDocument/2006/relationships" xmlns:p="http://schemas.openxmlformats.org/presentationml/2006/main">
   <p:cSld>
     <p:spTree>
@@ -25817,661 +27247,6 @@
 </p:sld>
 </file>
 
-<file path=ppt/slides/slide9.xml><?xml version="1.0" encoding="utf-8"?>
-<p:sld xmlns:a="http://schemas.openxmlformats.org/drawingml/2006/main" xmlns:r="http://schemas.openxmlformats.org/officeDocument/2006/relationships" xmlns:p="http://schemas.openxmlformats.org/presentationml/2006/main">
-  <p:cSld>
-    <p:spTree>
-      <p:nvGrpSpPr>
-        <p:cNvPr id="1" name="">
-          <a:extLst>
-            <a:ext uri="{FF2B5EF4-FFF2-40B4-BE49-F238E27FC236}">
-              <a16:creationId xmlns:a16="http://schemas.microsoft.com/office/drawing/2014/main" id="{37B47E39-4FB6-AFF3-8EDE-0132F7F017AF}"/>
-            </a:ext>
-          </a:extLst>
-        </p:cNvPr>
-        <p:cNvGrpSpPr/>
-        <p:nvPr/>
-      </p:nvGrpSpPr>
-      <p:grpSpPr>
-        <a:xfrm>
-          <a:off x="0" y="0"/>
-          <a:ext cx="0" cy="0"/>
-          <a:chOff x="0" y="0"/>
-          <a:chExt cx="0" cy="0"/>
-        </a:xfrm>
-      </p:grpSpPr>
-      <p:grpSp>
-        <p:nvGrpSpPr>
-          <p:cNvPr id="18" name="그룹 17">
-            <a:extLst>
-              <a:ext uri="{FF2B5EF4-FFF2-40B4-BE49-F238E27FC236}">
-                <a16:creationId xmlns:a16="http://schemas.microsoft.com/office/drawing/2014/main" id="{6D96C7C3-5997-5052-0F28-908BC738A4DB}"/>
-              </a:ext>
-            </a:extLst>
-          </p:cNvPr>
-          <p:cNvGrpSpPr/>
-          <p:nvPr/>
-        </p:nvGrpSpPr>
-        <p:grpSpPr>
-          <a:xfrm>
-            <a:off x="2024599" y="954458"/>
-            <a:ext cx="6454046" cy="4863246"/>
-            <a:chOff x="2024599" y="954458"/>
-            <a:chExt cx="6454046" cy="4863246"/>
-          </a:xfrm>
-        </p:grpSpPr>
-        <p:sp>
-          <p:nvSpPr>
-            <p:cNvPr id="3" name="직사각형 2">
-              <a:extLst>
-                <a:ext uri="{FF2B5EF4-FFF2-40B4-BE49-F238E27FC236}">
-                  <a16:creationId xmlns:a16="http://schemas.microsoft.com/office/drawing/2014/main" id="{19107B5D-36E7-12BD-75F8-B9073CEB211C}"/>
-                </a:ext>
-              </a:extLst>
-            </p:cNvPr>
-            <p:cNvSpPr/>
-            <p:nvPr/>
-          </p:nvSpPr>
-          <p:spPr>
-            <a:xfrm>
-              <a:off x="2024599" y="954458"/>
-              <a:ext cx="6454046" cy="4863246"/>
-            </a:xfrm>
-            <a:prstGeom prst="rect">
-              <a:avLst/>
-            </a:prstGeom>
-            <a:solidFill>
-              <a:schemeClr val="bg1"/>
-            </a:solidFill>
-          </p:spPr>
-          <p:style>
-            <a:lnRef idx="2">
-              <a:schemeClr val="accent1">
-                <a:shade val="15000"/>
-              </a:schemeClr>
-            </a:lnRef>
-            <a:fillRef idx="1">
-              <a:schemeClr val="accent1"/>
-            </a:fillRef>
-            <a:effectRef idx="0">
-              <a:schemeClr val="accent1"/>
-            </a:effectRef>
-            <a:fontRef idx="minor">
-              <a:schemeClr val="lt1"/>
-            </a:fontRef>
-          </p:style>
-          <p:txBody>
-            <a:bodyPr rtlCol="0" anchor="ctr"/>
-            <a:lstStyle/>
-            <a:p>
-              <a:pPr algn="ctr"/>
-              <a:endParaRPr lang="ko-KR" altLang="en-US" sz="3600"/>
-            </a:p>
-          </p:txBody>
-        </p:sp>
-        <p:grpSp>
-          <p:nvGrpSpPr>
-            <p:cNvPr id="4" name="그룹 3">
-              <a:extLst>
-                <a:ext uri="{FF2B5EF4-FFF2-40B4-BE49-F238E27FC236}">
-                  <a16:creationId xmlns:a16="http://schemas.microsoft.com/office/drawing/2014/main" id="{864219E8-2D56-1A2D-6606-BD5F0B13AF99}"/>
-                </a:ext>
-              </a:extLst>
-            </p:cNvPr>
-            <p:cNvGrpSpPr/>
-            <p:nvPr/>
-          </p:nvGrpSpPr>
-          <p:grpSpPr>
-            <a:xfrm rot="5400000">
-              <a:off x="1540755" y="2066483"/>
-              <a:ext cx="4474334" cy="2572289"/>
-              <a:chOff x="596345" y="1557116"/>
-              <a:chExt cx="4472608" cy="2571297"/>
-            </a:xfrm>
-          </p:grpSpPr>
-          <p:sp>
-            <p:nvSpPr>
-              <p:cNvPr id="5" name="사각형: 둥근 모서리 4">
-                <a:extLst>
-                  <a:ext uri="{FF2B5EF4-FFF2-40B4-BE49-F238E27FC236}">
-                    <a16:creationId xmlns:a16="http://schemas.microsoft.com/office/drawing/2014/main" id="{A9598308-3D96-DB2E-A254-E8704515EE20}"/>
-                  </a:ext>
-                </a:extLst>
-              </p:cNvPr>
-              <p:cNvSpPr/>
-              <p:nvPr/>
-            </p:nvSpPr>
-            <p:spPr>
-              <a:xfrm>
-                <a:off x="596345" y="1557116"/>
-                <a:ext cx="4472608" cy="2571297"/>
-              </a:xfrm>
-              <a:prstGeom prst="roundRect">
-                <a:avLst>
-                  <a:gd name="adj" fmla="val 2928"/>
-                </a:avLst>
-              </a:prstGeom>
-              <a:solidFill>
-                <a:schemeClr val="bg2">
-                  <a:lumMod val="75000"/>
-                </a:schemeClr>
-              </a:solidFill>
-            </p:spPr>
-            <p:style>
-              <a:lnRef idx="2">
-                <a:schemeClr val="accent1">
-                  <a:shade val="15000"/>
-                </a:schemeClr>
-              </a:lnRef>
-              <a:fillRef idx="1">
-                <a:schemeClr val="accent1"/>
-              </a:fillRef>
-              <a:effectRef idx="0">
-                <a:schemeClr val="accent1"/>
-              </a:effectRef>
-              <a:fontRef idx="minor">
-                <a:schemeClr val="lt1"/>
-              </a:fontRef>
-            </p:style>
-            <p:txBody>
-              <a:bodyPr rtlCol="0" anchor="ctr"/>
-              <a:lstStyle/>
-              <a:p>
-                <a:pPr algn="ctr"/>
-                <a:endParaRPr lang="ko-KR" altLang="en-US"/>
-              </a:p>
-            </p:txBody>
-          </p:sp>
-          <p:sp>
-            <p:nvSpPr>
-              <p:cNvPr id="6" name="직사각형 5">
-                <a:extLst>
-                  <a:ext uri="{FF2B5EF4-FFF2-40B4-BE49-F238E27FC236}">
-                    <a16:creationId xmlns:a16="http://schemas.microsoft.com/office/drawing/2014/main" id="{9574ADA8-D9D7-B138-5878-DD66B90D31FD}"/>
-                  </a:ext>
-                </a:extLst>
-              </p:cNvPr>
-              <p:cNvSpPr>
-                <a:spLocks noChangeAspect="1"/>
-              </p:cNvSpPr>
-              <p:nvPr/>
-            </p:nvSpPr>
-            <p:spPr>
-              <a:xfrm>
-                <a:off x="750261" y="1649918"/>
-                <a:ext cx="4200992" cy="2363058"/>
-              </a:xfrm>
-              <a:prstGeom prst="rect">
-                <a:avLst/>
-              </a:prstGeom>
-              <a:solidFill>
-                <a:schemeClr val="bg1"/>
-              </a:solidFill>
-              <a:ln>
-                <a:solidFill>
-                  <a:schemeClr val="tx1"/>
-                </a:solidFill>
-              </a:ln>
-            </p:spPr>
-            <p:style>
-              <a:lnRef idx="2">
-                <a:schemeClr val="accent1">
-                  <a:shade val="15000"/>
-                </a:schemeClr>
-              </a:lnRef>
-              <a:fillRef idx="1">
-                <a:schemeClr val="accent1"/>
-              </a:fillRef>
-              <a:effectRef idx="0">
-                <a:schemeClr val="accent1"/>
-              </a:effectRef>
-              <a:fontRef idx="minor">
-                <a:schemeClr val="lt1"/>
-              </a:fontRef>
-            </p:style>
-            <p:txBody>
-              <a:bodyPr rtlCol="0" anchor="ctr"/>
-              <a:lstStyle/>
-              <a:p>
-                <a:pPr algn="ctr"/>
-                <a:endParaRPr lang="ko-KR" altLang="en-US" sz="700" dirty="0"/>
-              </a:p>
-            </p:txBody>
-          </p:sp>
-          <p:sp>
-            <p:nvSpPr>
-              <p:cNvPr id="7" name="타원 6">
-                <a:extLst>
-                  <a:ext uri="{FF2B5EF4-FFF2-40B4-BE49-F238E27FC236}">
-                    <a16:creationId xmlns:a16="http://schemas.microsoft.com/office/drawing/2014/main" id="{ADE513BC-2615-E1C1-1561-A0CC92AE8A7E}"/>
-                  </a:ext>
-                </a:extLst>
-              </p:cNvPr>
-              <p:cNvSpPr/>
-              <p:nvPr/>
-            </p:nvSpPr>
-            <p:spPr>
-              <a:xfrm>
-                <a:off x="626132" y="2793474"/>
-                <a:ext cx="98581" cy="98581"/>
-              </a:xfrm>
-              <a:prstGeom prst="ellipse">
-                <a:avLst/>
-              </a:prstGeom>
-              <a:solidFill>
-                <a:schemeClr val="tx1">
-                  <a:lumMod val="85000"/>
-                  <a:lumOff val="15000"/>
-                </a:schemeClr>
-              </a:solidFill>
-            </p:spPr>
-            <p:style>
-              <a:lnRef idx="2">
-                <a:schemeClr val="accent1">
-                  <a:shade val="15000"/>
-                </a:schemeClr>
-              </a:lnRef>
-              <a:fillRef idx="1">
-                <a:schemeClr val="accent1"/>
-              </a:fillRef>
-              <a:effectRef idx="0">
-                <a:schemeClr val="accent1"/>
-              </a:effectRef>
-              <a:fontRef idx="minor">
-                <a:schemeClr val="lt1"/>
-              </a:fontRef>
-            </p:style>
-            <p:txBody>
-              <a:bodyPr rtlCol="0" anchor="ctr"/>
-              <a:lstStyle/>
-              <a:p>
-                <a:pPr algn="ctr"/>
-                <a:endParaRPr lang="ko-KR" altLang="en-US"/>
-              </a:p>
-            </p:txBody>
-          </p:sp>
-        </p:grpSp>
-        <p:sp>
-          <p:nvSpPr>
-            <p:cNvPr id="8" name="직사각형 7">
-              <a:extLst>
-                <a:ext uri="{FF2B5EF4-FFF2-40B4-BE49-F238E27FC236}">
-                  <a16:creationId xmlns:a16="http://schemas.microsoft.com/office/drawing/2014/main" id="{A867ACD3-A79C-3DE7-3451-7E40192A4D2E}"/>
-                </a:ext>
-              </a:extLst>
-            </p:cNvPr>
-            <p:cNvSpPr/>
-            <p:nvPr/>
-          </p:nvSpPr>
-          <p:spPr>
-            <a:xfrm>
-              <a:off x="5711108" y="1872228"/>
-              <a:ext cx="2572289" cy="3451322"/>
-            </a:xfrm>
-            <a:prstGeom prst="rect">
-              <a:avLst/>
-            </a:prstGeom>
-            <a:solidFill>
-              <a:srgbClr val="FFFF00"/>
-            </a:solidFill>
-          </p:spPr>
-          <p:style>
-            <a:lnRef idx="2">
-              <a:schemeClr val="accent1">
-                <a:shade val="15000"/>
-              </a:schemeClr>
-            </a:lnRef>
-            <a:fillRef idx="1">
-              <a:schemeClr val="accent1"/>
-            </a:fillRef>
-            <a:effectRef idx="0">
-              <a:schemeClr val="accent1"/>
-            </a:effectRef>
-            <a:fontRef idx="minor">
-              <a:schemeClr val="lt1"/>
-            </a:fontRef>
-          </p:style>
-          <p:txBody>
-            <a:bodyPr rtlCol="0" anchor="ctr"/>
-            <a:lstStyle/>
-            <a:p>
-              <a:pPr algn="ctr"/>
-              <a:r>
-                <a:rPr lang="ko-KR" altLang="en-US" sz="2000" dirty="0">
-                  <a:solidFill>
-                    <a:schemeClr val="tx1"/>
-                  </a:solidFill>
-                </a:rPr>
-                <a:t>이체할 계좌</a:t>
-              </a:r>
-              <a:endParaRPr lang="en-US" altLang="ko-KR" sz="2000" dirty="0">
-                <a:solidFill>
-                  <a:schemeClr val="tx1"/>
-                </a:solidFill>
-              </a:endParaRPr>
-            </a:p>
-            <a:p>
-              <a:pPr algn="ctr"/>
-              <a:r>
-                <a:rPr lang="en-US" altLang="ko-KR" sz="2000" dirty="0">
-                  <a:solidFill>
-                    <a:schemeClr val="tx1"/>
-                  </a:solidFill>
-                </a:rPr>
-                <a:t>XX-XXXX-XX</a:t>
-              </a:r>
-            </a:p>
-            <a:p>
-              <a:pPr algn="ctr"/>
-              <a:r>
-                <a:rPr lang="en-US" altLang="ko-KR" sz="2000" dirty="0">
-                  <a:solidFill>
-                    <a:schemeClr val="tx1"/>
-                  </a:solidFill>
-                </a:rPr>
-                <a:t>Oo</a:t>
-              </a:r>
-              <a:r>
-                <a:rPr lang="ko-KR" altLang="en-US" sz="2000" dirty="0">
-                  <a:solidFill>
-                    <a:schemeClr val="tx1"/>
-                  </a:solidFill>
-                </a:rPr>
-                <a:t>은행</a:t>
-              </a:r>
-              <a:endParaRPr lang="en-US" altLang="ko-KR" sz="2000" dirty="0">
-                <a:solidFill>
-                  <a:schemeClr val="tx1"/>
-                </a:solidFill>
-              </a:endParaRPr>
-            </a:p>
-            <a:p>
-              <a:pPr algn="ctr"/>
-              <a:r>
-                <a:rPr lang="en-US" altLang="ko-KR" sz="2000" dirty="0">
-                  <a:solidFill>
-                    <a:schemeClr val="tx1"/>
-                  </a:solidFill>
-                </a:rPr>
-                <a:t>“</a:t>
-              </a:r>
-              <a:r>
-                <a:rPr lang="ko-KR" altLang="en-US" sz="2000" dirty="0">
-                  <a:solidFill>
-                    <a:schemeClr val="tx1"/>
-                  </a:solidFill>
-                </a:rPr>
-                <a:t>집주인 이름</a:t>
-              </a:r>
-              <a:r>
-                <a:rPr lang="en-US" altLang="ko-KR" sz="2000" dirty="0">
-                  <a:solidFill>
-                    <a:schemeClr val="tx1"/>
-                  </a:solidFill>
-                </a:rPr>
-                <a:t>“</a:t>
-              </a:r>
-            </a:p>
-            <a:p>
-              <a:pPr algn="ctr"/>
-              <a:endParaRPr lang="en-US" altLang="ko-KR" sz="2000" dirty="0">
-                <a:solidFill>
-                  <a:schemeClr val="tx1"/>
-                </a:solidFill>
-              </a:endParaRPr>
-            </a:p>
-            <a:p>
-              <a:pPr algn="ctr"/>
-              <a:r>
-                <a:rPr lang="en-US" altLang="ko-KR" sz="2000" dirty="0">
-                  <a:solidFill>
-                    <a:schemeClr val="tx1"/>
-                  </a:solidFill>
-                </a:rPr>
-                <a:t>500,000</a:t>
-              </a:r>
-              <a:r>
-                <a:rPr lang="ko-KR" altLang="en-US" sz="2000" dirty="0">
-                  <a:solidFill>
-                    <a:schemeClr val="tx1"/>
-                  </a:solidFill>
-                </a:rPr>
-                <a:t>원</a:t>
-              </a:r>
-            </a:p>
-          </p:txBody>
-        </p:sp>
-        <p:sp>
-          <p:nvSpPr>
-            <p:cNvPr id="15" name="직사각형 14">
-              <a:extLst>
-                <a:ext uri="{FF2B5EF4-FFF2-40B4-BE49-F238E27FC236}">
-                  <a16:creationId xmlns:a16="http://schemas.microsoft.com/office/drawing/2014/main" id="{832C3EA4-9EF7-84CE-371C-AF4E1EFFA867}"/>
-                </a:ext>
-              </a:extLst>
-            </p:cNvPr>
-            <p:cNvSpPr/>
-            <p:nvPr/>
-          </p:nvSpPr>
-          <p:spPr>
-            <a:xfrm>
-              <a:off x="2607259" y="1844424"/>
-              <a:ext cx="2363970" cy="3016407"/>
-            </a:xfrm>
-            <a:prstGeom prst="rect">
-              <a:avLst/>
-            </a:prstGeom>
-            <a:solidFill>
-              <a:schemeClr val="bg1"/>
-            </a:solidFill>
-            <a:ln>
-              <a:noFill/>
-            </a:ln>
-          </p:spPr>
-          <p:style>
-            <a:lnRef idx="2">
-              <a:schemeClr val="accent1">
-                <a:shade val="15000"/>
-              </a:schemeClr>
-            </a:lnRef>
-            <a:fillRef idx="1">
-              <a:schemeClr val="accent1"/>
-            </a:fillRef>
-            <a:effectRef idx="0">
-              <a:schemeClr val="accent1"/>
-            </a:effectRef>
-            <a:fontRef idx="minor">
-              <a:schemeClr val="lt1"/>
-            </a:fontRef>
-          </p:style>
-          <p:txBody>
-            <a:bodyPr rtlCol="0" anchor="ctr"/>
-            <a:lstStyle/>
-            <a:p>
-              <a:pPr algn="ctr"/>
-              <a:r>
-                <a:rPr lang="ko-KR" altLang="en-US" sz="1400" dirty="0">
-                  <a:solidFill>
-                    <a:schemeClr val="tx1"/>
-                  </a:solidFill>
-                </a:rPr>
-                <a:t>계좌</a:t>
-              </a:r>
-              <a:endParaRPr lang="en-US" altLang="ko-KR" sz="1400" dirty="0">
-                <a:solidFill>
-                  <a:schemeClr val="tx1"/>
-                </a:solidFill>
-              </a:endParaRPr>
-            </a:p>
-            <a:p>
-              <a:pPr algn="ctr"/>
-              <a:r>
-                <a:rPr lang="en-US" altLang="ko-KR" sz="1600" b="1" dirty="0">
-                  <a:solidFill>
-                    <a:schemeClr val="tx1"/>
-                  </a:solidFill>
-                </a:rPr>
-                <a:t>XX-XXXX-XX</a:t>
-              </a:r>
-            </a:p>
-            <a:p>
-              <a:pPr algn="ctr"/>
-              <a:r>
-                <a:rPr lang="ko-KR" altLang="en-US" sz="1400" b="1" dirty="0">
-                  <a:solidFill>
-                    <a:schemeClr val="tx1"/>
-                  </a:solidFill>
-                </a:rPr>
-                <a:t>이름</a:t>
-              </a:r>
-              <a:r>
-                <a:rPr lang="en-US" altLang="ko-KR" sz="1400" b="1" dirty="0">
-                  <a:solidFill>
-                    <a:schemeClr val="tx1"/>
-                  </a:solidFill>
-                </a:rPr>
-                <a:t>Text</a:t>
-              </a:r>
-              <a:r>
-                <a:rPr lang="ko-KR" altLang="en-US" sz="1400" dirty="0" err="1">
-                  <a:solidFill>
-                    <a:schemeClr val="tx1"/>
-                  </a:solidFill>
-                </a:rPr>
-                <a:t>님에게</a:t>
-              </a:r>
-              <a:endParaRPr lang="en-US" altLang="ko-KR" sz="1400" dirty="0">
-                <a:solidFill>
-                  <a:schemeClr val="tx1"/>
-                </a:solidFill>
-              </a:endParaRPr>
-            </a:p>
-            <a:p>
-              <a:pPr algn="ctr"/>
-              <a:endParaRPr lang="en-US" altLang="ko-KR" sz="1400" dirty="0">
-                <a:solidFill>
-                  <a:schemeClr val="tx1"/>
-                </a:solidFill>
-              </a:endParaRPr>
-            </a:p>
-            <a:p>
-              <a:pPr algn="ctr"/>
-              <a:r>
-                <a:rPr lang="en-US" altLang="ko-KR" sz="1400" dirty="0">
-                  <a:solidFill>
-                    <a:schemeClr val="tx1"/>
-                  </a:solidFill>
-                </a:rPr>
-                <a:t>“</a:t>
-              </a:r>
-              <a:r>
-                <a:rPr lang="ko-KR" altLang="en-US" sz="1400" dirty="0">
-                  <a:solidFill>
-                    <a:srgbClr val="FF0000"/>
-                  </a:solidFill>
-                </a:rPr>
-                <a:t>입력한 금액</a:t>
-              </a:r>
-              <a:r>
-                <a:rPr lang="en-US" altLang="ko-KR" sz="1400" dirty="0">
-                  <a:solidFill>
-                    <a:schemeClr val="tx1"/>
-                  </a:solidFill>
-                </a:rPr>
-                <a:t>“</a:t>
-              </a:r>
-            </a:p>
-            <a:p>
-              <a:pPr algn="ctr"/>
-              <a:r>
-                <a:rPr lang="ko-KR" altLang="en-US" sz="1400" dirty="0">
-                  <a:solidFill>
-                    <a:schemeClr val="tx1"/>
-                  </a:solidFill>
-                </a:rPr>
-                <a:t>이체가 완료 되었습니다</a:t>
-              </a:r>
-              <a:r>
-                <a:rPr lang="en-US" altLang="ko-KR" sz="1400" dirty="0">
-                  <a:solidFill>
-                    <a:schemeClr val="tx1"/>
-                  </a:solidFill>
-                </a:rPr>
-                <a:t>.</a:t>
-              </a:r>
-            </a:p>
-          </p:txBody>
-        </p:sp>
-        <p:sp>
-          <p:nvSpPr>
-            <p:cNvPr id="16" name="직사각형 15">
-              <a:extLst>
-                <a:ext uri="{FF2B5EF4-FFF2-40B4-BE49-F238E27FC236}">
-                  <a16:creationId xmlns:a16="http://schemas.microsoft.com/office/drawing/2014/main" id="{BFE1EEE0-ECAA-14F4-1C36-75DE543A6CE9}"/>
-                </a:ext>
-              </a:extLst>
-            </p:cNvPr>
-            <p:cNvSpPr/>
-            <p:nvPr/>
-          </p:nvSpPr>
-          <p:spPr>
-            <a:xfrm>
-              <a:off x="3138504" y="4988172"/>
-              <a:ext cx="1278834" cy="335378"/>
-            </a:xfrm>
-            <a:prstGeom prst="rect">
-              <a:avLst/>
-            </a:prstGeom>
-            <a:solidFill>
-              <a:srgbClr val="00B050"/>
-            </a:solidFill>
-          </p:spPr>
-          <p:style>
-            <a:lnRef idx="2">
-              <a:schemeClr val="accent1">
-                <a:shade val="15000"/>
-              </a:schemeClr>
-            </a:lnRef>
-            <a:fillRef idx="1">
-              <a:schemeClr val="accent1"/>
-            </a:fillRef>
-            <a:effectRef idx="0">
-              <a:schemeClr val="accent1"/>
-            </a:effectRef>
-            <a:fontRef idx="minor">
-              <a:schemeClr val="lt1"/>
-            </a:fontRef>
-          </p:style>
-          <p:txBody>
-            <a:bodyPr rtlCol="0" anchor="ctr"/>
-            <a:lstStyle/>
-            <a:p>
-              <a:pPr algn="ctr"/>
-              <a:r>
-                <a:rPr lang="ko-KR" altLang="en-US" sz="1600" dirty="0">
-                  <a:solidFill>
-                    <a:schemeClr val="tx1"/>
-                  </a:solidFill>
-                </a:rPr>
-                <a:t>확인</a:t>
-              </a:r>
-            </a:p>
-          </p:txBody>
-        </p:sp>
-      </p:grpSp>
-    </p:spTree>
-    <p:extLst>
-      <p:ext uri="{BB962C8B-B14F-4D97-AF65-F5344CB8AC3E}">
-        <p14:creationId xmlns:p14="http://schemas.microsoft.com/office/powerpoint/2010/main" val="1100579410"/>
-      </p:ext>
-    </p:extLst>
-  </p:cSld>
-  <p:clrMapOvr>
-    <a:masterClrMapping/>
-  </p:clrMapOvr>
-</p:sld>
-</file>
-
 <file path=ppt/theme/theme1.xml><?xml version="1.0" encoding="utf-8"?>
 <a:theme xmlns:a="http://schemas.openxmlformats.org/drawingml/2006/main" name="Office 테마">
   <a:themeElements>

--- a/document/UI.pptx
+++ b/document/UI.pptx
@@ -5,7 +5,7 @@
     <p:sldMasterId id="2147483648" r:id="rId1"/>
   </p:sldMasterIdLst>
   <p:notesMasterIdLst>
-    <p:notesMasterId r:id="rId24"/>
+    <p:notesMasterId r:id="rId25"/>
   </p:notesMasterIdLst>
   <p:sldIdLst>
     <p:sldId id="257" r:id="rId2"/>
@@ -26,10 +26,11 @@
     <p:sldId id="266" r:id="rId17"/>
     <p:sldId id="267" r:id="rId18"/>
     <p:sldId id="263" r:id="rId19"/>
-    <p:sldId id="264" r:id="rId20"/>
-    <p:sldId id="265" r:id="rId21"/>
-    <p:sldId id="262" r:id="rId22"/>
-    <p:sldId id="256" r:id="rId23"/>
+    <p:sldId id="278" r:id="rId20"/>
+    <p:sldId id="264" r:id="rId21"/>
+    <p:sldId id="265" r:id="rId22"/>
+    <p:sldId id="262" r:id="rId23"/>
+    <p:sldId id="256" r:id="rId24"/>
   </p:sldIdLst>
   <p:sldSz cx="12192000" cy="6858000"/>
   <p:notesSz cx="6858000" cy="9144000"/>
@@ -218,7 +219,7 @@
           <a:p>
             <a:fld id="{5B07C18C-424A-405D-A330-3E94CEE48B39}" type="datetimeFigureOut">
               <a:rPr lang="ko-KR" altLang="en-US" smtClean="0"/>
-              <a:t>2025-02-12</a:t>
+              <a:t>2025-02-15</a:t>
             </a:fld>
             <a:endParaRPr lang="ko-KR" altLang="en-US"/>
           </a:p>
@@ -824,7 +825,7 @@
           <a:p>
             <a:fld id="{FD51FDC7-0CF3-4127-99F5-543E4DDB1909}" type="datetimeFigureOut">
               <a:rPr lang="ko-KR" altLang="en-US" smtClean="0"/>
-              <a:t>2025-02-12</a:t>
+              <a:t>2025-02-15</a:t>
             </a:fld>
             <a:endParaRPr lang="ko-KR" altLang="en-US"/>
           </a:p>
@@ -1022,7 +1023,7 @@
           <a:p>
             <a:fld id="{FD51FDC7-0CF3-4127-99F5-543E4DDB1909}" type="datetimeFigureOut">
               <a:rPr lang="ko-KR" altLang="en-US" smtClean="0"/>
-              <a:t>2025-02-12</a:t>
+              <a:t>2025-02-15</a:t>
             </a:fld>
             <a:endParaRPr lang="ko-KR" altLang="en-US"/>
           </a:p>
@@ -1230,7 +1231,7 @@
           <a:p>
             <a:fld id="{FD51FDC7-0CF3-4127-99F5-543E4DDB1909}" type="datetimeFigureOut">
               <a:rPr lang="ko-KR" altLang="en-US" smtClean="0"/>
-              <a:t>2025-02-12</a:t>
+              <a:t>2025-02-15</a:t>
             </a:fld>
             <a:endParaRPr lang="ko-KR" altLang="en-US"/>
           </a:p>
@@ -1428,7 +1429,7 @@
           <a:p>
             <a:fld id="{FD51FDC7-0CF3-4127-99F5-543E4DDB1909}" type="datetimeFigureOut">
               <a:rPr lang="ko-KR" altLang="en-US" smtClean="0"/>
-              <a:t>2025-02-12</a:t>
+              <a:t>2025-02-15</a:t>
             </a:fld>
             <a:endParaRPr lang="ko-KR" altLang="en-US"/>
           </a:p>
@@ -1703,7 +1704,7 @@
           <a:p>
             <a:fld id="{FD51FDC7-0CF3-4127-99F5-543E4DDB1909}" type="datetimeFigureOut">
               <a:rPr lang="ko-KR" altLang="en-US" smtClean="0"/>
-              <a:t>2025-02-12</a:t>
+              <a:t>2025-02-15</a:t>
             </a:fld>
             <a:endParaRPr lang="ko-KR" altLang="en-US"/>
           </a:p>
@@ -1968,7 +1969,7 @@
           <a:p>
             <a:fld id="{FD51FDC7-0CF3-4127-99F5-543E4DDB1909}" type="datetimeFigureOut">
               <a:rPr lang="ko-KR" altLang="en-US" smtClean="0"/>
-              <a:t>2025-02-12</a:t>
+              <a:t>2025-02-15</a:t>
             </a:fld>
             <a:endParaRPr lang="ko-KR" altLang="en-US"/>
           </a:p>
@@ -2380,7 +2381,7 @@
           <a:p>
             <a:fld id="{FD51FDC7-0CF3-4127-99F5-543E4DDB1909}" type="datetimeFigureOut">
               <a:rPr lang="ko-KR" altLang="en-US" smtClean="0"/>
-              <a:t>2025-02-12</a:t>
+              <a:t>2025-02-15</a:t>
             </a:fld>
             <a:endParaRPr lang="ko-KR" altLang="en-US"/>
           </a:p>
@@ -2521,7 +2522,7 @@
           <a:p>
             <a:fld id="{FD51FDC7-0CF3-4127-99F5-543E4DDB1909}" type="datetimeFigureOut">
               <a:rPr lang="ko-KR" altLang="en-US" smtClean="0"/>
-              <a:t>2025-02-12</a:t>
+              <a:t>2025-02-15</a:t>
             </a:fld>
             <a:endParaRPr lang="ko-KR" altLang="en-US"/>
           </a:p>
@@ -2634,7 +2635,7 @@
           <a:p>
             <a:fld id="{FD51FDC7-0CF3-4127-99F5-543E4DDB1909}" type="datetimeFigureOut">
               <a:rPr lang="ko-KR" altLang="en-US" smtClean="0"/>
-              <a:t>2025-02-12</a:t>
+              <a:t>2025-02-15</a:t>
             </a:fld>
             <a:endParaRPr lang="ko-KR" altLang="en-US"/>
           </a:p>
@@ -2945,7 +2946,7 @@
           <a:p>
             <a:fld id="{FD51FDC7-0CF3-4127-99F5-543E4DDB1909}" type="datetimeFigureOut">
               <a:rPr lang="ko-KR" altLang="en-US" smtClean="0"/>
-              <a:t>2025-02-12</a:t>
+              <a:t>2025-02-15</a:t>
             </a:fld>
             <a:endParaRPr lang="ko-KR" altLang="en-US"/>
           </a:p>
@@ -3233,7 +3234,7 @@
           <a:p>
             <a:fld id="{FD51FDC7-0CF3-4127-99F5-543E4DDB1909}" type="datetimeFigureOut">
               <a:rPr lang="ko-KR" altLang="en-US" smtClean="0"/>
-              <a:t>2025-02-12</a:t>
+              <a:t>2025-02-15</a:t>
             </a:fld>
             <a:endParaRPr lang="ko-KR" altLang="en-US"/>
           </a:p>
@@ -3474,7 +3475,7 @@
           <a:p>
             <a:fld id="{FD51FDC7-0CF3-4127-99F5-543E4DDB1909}" type="datetimeFigureOut">
               <a:rPr lang="ko-KR" altLang="en-US" smtClean="0"/>
-              <a:t>2025-02-12</a:t>
+              <a:t>2025-02-15</a:t>
             </a:fld>
             <a:endParaRPr lang="ko-KR" altLang="en-US"/>
           </a:p>
@@ -22453,6 +22454,1171 @@
         <p:cNvPr id="1" name="">
           <a:extLst>
             <a:ext uri="{FF2B5EF4-FFF2-40B4-BE49-F238E27FC236}">
+              <a16:creationId xmlns:a16="http://schemas.microsoft.com/office/drawing/2014/main" id="{46B7F4C0-EC1A-0094-3379-FB4594B760AE}"/>
+            </a:ext>
+          </a:extLst>
+        </p:cNvPr>
+        <p:cNvGrpSpPr/>
+        <p:nvPr/>
+      </p:nvGrpSpPr>
+      <p:grpSpPr>
+        <a:xfrm>
+          <a:off x="0" y="0"/>
+          <a:ext cx="0" cy="0"/>
+          <a:chOff x="0" y="0"/>
+          <a:chExt cx="0" cy="0"/>
+        </a:xfrm>
+      </p:grpSpPr>
+      <p:grpSp>
+        <p:nvGrpSpPr>
+          <p:cNvPr id="69" name="그룹 68">
+            <a:extLst>
+              <a:ext uri="{FF2B5EF4-FFF2-40B4-BE49-F238E27FC236}">
+                <a16:creationId xmlns:a16="http://schemas.microsoft.com/office/drawing/2014/main" id="{888A2B11-2F85-81DD-1263-DDF1915654CA}"/>
+              </a:ext>
+            </a:extLst>
+          </p:cNvPr>
+          <p:cNvGrpSpPr/>
+          <p:nvPr/>
+        </p:nvGrpSpPr>
+        <p:grpSpPr>
+          <a:xfrm>
+            <a:off x="503587" y="1383555"/>
+            <a:ext cx="2594065" cy="4512214"/>
+            <a:chOff x="3979009" y="1221675"/>
+            <a:chExt cx="2594065" cy="4512214"/>
+          </a:xfrm>
+        </p:grpSpPr>
+        <p:grpSp>
+          <p:nvGrpSpPr>
+            <p:cNvPr id="58" name="그룹 57">
+              <a:extLst>
+                <a:ext uri="{FF2B5EF4-FFF2-40B4-BE49-F238E27FC236}">
+                  <a16:creationId xmlns:a16="http://schemas.microsoft.com/office/drawing/2014/main" id="{7B5EA69C-64DF-7505-C0FE-BC7B0446974D}"/>
+                </a:ext>
+              </a:extLst>
+            </p:cNvPr>
+            <p:cNvGrpSpPr/>
+            <p:nvPr/>
+          </p:nvGrpSpPr>
+          <p:grpSpPr>
+            <a:xfrm rot="5400000">
+              <a:off x="3019935" y="2180749"/>
+              <a:ext cx="4512214" cy="2594065"/>
+              <a:chOff x="596345" y="1557116"/>
+              <a:chExt cx="4472608" cy="2571297"/>
+            </a:xfrm>
+          </p:grpSpPr>
+          <p:sp>
+            <p:nvSpPr>
+              <p:cNvPr id="65" name="사각형: 둥근 모서리 64">
+                <a:extLst>
+                  <a:ext uri="{FF2B5EF4-FFF2-40B4-BE49-F238E27FC236}">
+                    <a16:creationId xmlns:a16="http://schemas.microsoft.com/office/drawing/2014/main" id="{90B3158E-6C5E-052B-319B-8768BC6AE0C0}"/>
+                  </a:ext>
+                </a:extLst>
+              </p:cNvPr>
+              <p:cNvSpPr/>
+              <p:nvPr/>
+            </p:nvSpPr>
+            <p:spPr>
+              <a:xfrm>
+                <a:off x="596345" y="1557116"/>
+                <a:ext cx="4472608" cy="2571297"/>
+              </a:xfrm>
+              <a:prstGeom prst="roundRect">
+                <a:avLst>
+                  <a:gd name="adj" fmla="val 2928"/>
+                </a:avLst>
+              </a:prstGeom>
+              <a:solidFill>
+                <a:schemeClr val="bg2">
+                  <a:lumMod val="75000"/>
+                </a:schemeClr>
+              </a:solidFill>
+            </p:spPr>
+            <p:style>
+              <a:lnRef idx="2">
+                <a:schemeClr val="accent1">
+                  <a:shade val="15000"/>
+                </a:schemeClr>
+              </a:lnRef>
+              <a:fillRef idx="1">
+                <a:schemeClr val="accent1"/>
+              </a:fillRef>
+              <a:effectRef idx="0">
+                <a:schemeClr val="accent1"/>
+              </a:effectRef>
+              <a:fontRef idx="minor">
+                <a:schemeClr val="lt1"/>
+              </a:fontRef>
+            </p:style>
+            <p:txBody>
+              <a:bodyPr rtlCol="0" anchor="ctr"/>
+              <a:lstStyle/>
+              <a:p>
+                <a:pPr algn="ctr"/>
+                <a:endParaRPr lang="ko-KR" altLang="en-US" sz="1050"/>
+              </a:p>
+            </p:txBody>
+          </p:sp>
+          <p:sp>
+            <p:nvSpPr>
+              <p:cNvPr id="66" name="직사각형 65">
+                <a:extLst>
+                  <a:ext uri="{FF2B5EF4-FFF2-40B4-BE49-F238E27FC236}">
+                    <a16:creationId xmlns:a16="http://schemas.microsoft.com/office/drawing/2014/main" id="{F745ACD3-B3CD-D593-7D71-4BAD3854E5D9}"/>
+                  </a:ext>
+                </a:extLst>
+              </p:cNvPr>
+              <p:cNvSpPr>
+                <a:spLocks noChangeAspect="1"/>
+              </p:cNvSpPr>
+              <p:nvPr/>
+            </p:nvSpPr>
+            <p:spPr>
+              <a:xfrm>
+                <a:off x="750261" y="1649918"/>
+                <a:ext cx="4200992" cy="2363058"/>
+              </a:xfrm>
+              <a:prstGeom prst="rect">
+                <a:avLst/>
+              </a:prstGeom>
+              <a:solidFill>
+                <a:schemeClr val="bg1"/>
+              </a:solidFill>
+              <a:ln>
+                <a:solidFill>
+                  <a:schemeClr val="tx1"/>
+                </a:solidFill>
+              </a:ln>
+            </p:spPr>
+            <p:style>
+              <a:lnRef idx="2">
+                <a:schemeClr val="accent1">
+                  <a:shade val="15000"/>
+                </a:schemeClr>
+              </a:lnRef>
+              <a:fillRef idx="1">
+                <a:schemeClr val="accent1"/>
+              </a:fillRef>
+              <a:effectRef idx="0">
+                <a:schemeClr val="accent1"/>
+              </a:effectRef>
+              <a:fontRef idx="minor">
+                <a:schemeClr val="lt1"/>
+              </a:fontRef>
+            </p:style>
+            <p:txBody>
+              <a:bodyPr rtlCol="0" anchor="ctr"/>
+              <a:lstStyle/>
+              <a:p>
+                <a:pPr algn="ctr"/>
+                <a:endParaRPr lang="ko-KR" altLang="en-US" sz="200"/>
+              </a:p>
+            </p:txBody>
+          </p:sp>
+          <p:sp>
+            <p:nvSpPr>
+              <p:cNvPr id="67" name="타원 66">
+                <a:extLst>
+                  <a:ext uri="{FF2B5EF4-FFF2-40B4-BE49-F238E27FC236}">
+                    <a16:creationId xmlns:a16="http://schemas.microsoft.com/office/drawing/2014/main" id="{18A92FEA-F6CA-2CA1-FA94-2413472E8098}"/>
+                  </a:ext>
+                </a:extLst>
+              </p:cNvPr>
+              <p:cNvSpPr/>
+              <p:nvPr/>
+            </p:nvSpPr>
+            <p:spPr>
+              <a:xfrm>
+                <a:off x="626132" y="2793474"/>
+                <a:ext cx="98581" cy="98581"/>
+              </a:xfrm>
+              <a:prstGeom prst="ellipse">
+                <a:avLst/>
+              </a:prstGeom>
+              <a:solidFill>
+                <a:schemeClr val="tx1">
+                  <a:lumMod val="85000"/>
+                  <a:lumOff val="15000"/>
+                </a:schemeClr>
+              </a:solidFill>
+            </p:spPr>
+            <p:style>
+              <a:lnRef idx="2">
+                <a:schemeClr val="accent1">
+                  <a:shade val="15000"/>
+                </a:schemeClr>
+              </a:lnRef>
+              <a:fillRef idx="1">
+                <a:schemeClr val="accent1"/>
+              </a:fillRef>
+              <a:effectRef idx="0">
+                <a:schemeClr val="accent1"/>
+              </a:effectRef>
+              <a:fontRef idx="minor">
+                <a:schemeClr val="lt1"/>
+              </a:fontRef>
+            </p:style>
+            <p:txBody>
+              <a:bodyPr rtlCol="0" anchor="ctr"/>
+              <a:lstStyle/>
+              <a:p>
+                <a:pPr algn="ctr"/>
+                <a:endParaRPr lang="ko-KR" altLang="en-US" sz="1050"/>
+              </a:p>
+            </p:txBody>
+          </p:sp>
+        </p:grpSp>
+        <p:sp>
+          <p:nvSpPr>
+            <p:cNvPr id="60" name="직사각형 59">
+              <a:extLst>
+                <a:ext uri="{FF2B5EF4-FFF2-40B4-BE49-F238E27FC236}">
+                  <a16:creationId xmlns:a16="http://schemas.microsoft.com/office/drawing/2014/main" id="{8FF7450C-49C4-7DA1-7C2E-3BD88CF923A6}"/>
+                </a:ext>
+              </a:extLst>
+            </p:cNvPr>
+            <p:cNvSpPr/>
+            <p:nvPr/>
+          </p:nvSpPr>
+          <p:spPr>
+            <a:xfrm>
+              <a:off x="4296217" y="2083124"/>
+              <a:ext cx="1959650" cy="233989"/>
+            </a:xfrm>
+            <a:prstGeom prst="rect">
+              <a:avLst/>
+            </a:prstGeom>
+            <a:solidFill>
+              <a:schemeClr val="bg2">
+                <a:lumMod val="75000"/>
+              </a:schemeClr>
+            </a:solidFill>
+          </p:spPr>
+          <p:style>
+            <a:lnRef idx="2">
+              <a:schemeClr val="accent1">
+                <a:shade val="15000"/>
+              </a:schemeClr>
+            </a:lnRef>
+            <a:fillRef idx="1">
+              <a:schemeClr val="accent1"/>
+            </a:fillRef>
+            <a:effectRef idx="0">
+              <a:schemeClr val="accent1"/>
+            </a:effectRef>
+            <a:fontRef idx="minor">
+              <a:schemeClr val="lt1"/>
+            </a:fontRef>
+          </p:style>
+          <p:txBody>
+            <a:bodyPr rtlCol="0" anchor="ctr"/>
+            <a:lstStyle/>
+            <a:p>
+              <a:endParaRPr lang="ko-KR" altLang="en-US" sz="800" dirty="0">
+                <a:solidFill>
+                  <a:schemeClr val="tx1"/>
+                </a:solidFill>
+              </a:endParaRPr>
+            </a:p>
+          </p:txBody>
+        </p:sp>
+        <p:sp>
+          <p:nvSpPr>
+            <p:cNvPr id="61" name="TextBox 60">
+              <a:extLst>
+                <a:ext uri="{FF2B5EF4-FFF2-40B4-BE49-F238E27FC236}">
+                  <a16:creationId xmlns:a16="http://schemas.microsoft.com/office/drawing/2014/main" id="{C2DED9CC-C8D7-00CE-74AD-747F4A9D68BE}"/>
+                </a:ext>
+              </a:extLst>
+            </p:cNvPr>
+            <p:cNvSpPr txBox="1"/>
+            <p:nvPr/>
+          </p:nvSpPr>
+          <p:spPr>
+            <a:xfrm>
+              <a:off x="4095468" y="1673930"/>
+              <a:ext cx="1896673" cy="253916"/>
+            </a:xfrm>
+            <a:prstGeom prst="rect">
+              <a:avLst/>
+            </a:prstGeom>
+            <a:noFill/>
+          </p:spPr>
+          <p:txBody>
+            <a:bodyPr wrap="none" rtlCol="0">
+              <a:spAutoFit/>
+            </a:bodyPr>
+            <a:lstStyle/>
+            <a:p>
+              <a:r>
+                <a:rPr lang="ko-KR" altLang="en-US" sz="1050" b="1" dirty="0"/>
+                <a:t>입금할 계좌를 입력해주세요</a:t>
+              </a:r>
+            </a:p>
+          </p:txBody>
+        </p:sp>
+        <p:sp>
+          <p:nvSpPr>
+            <p:cNvPr id="64" name="직사각형 63">
+              <a:extLst>
+                <a:ext uri="{FF2B5EF4-FFF2-40B4-BE49-F238E27FC236}">
+                  <a16:creationId xmlns:a16="http://schemas.microsoft.com/office/drawing/2014/main" id="{8FCB53B4-6EC2-F577-08B6-1486EF0EF43A}"/>
+                </a:ext>
+              </a:extLst>
+            </p:cNvPr>
+            <p:cNvSpPr/>
+            <p:nvPr/>
+          </p:nvSpPr>
+          <p:spPr>
+            <a:xfrm>
+              <a:off x="4578793" y="5145534"/>
+              <a:ext cx="1394496" cy="338217"/>
+            </a:xfrm>
+            <a:prstGeom prst="rect">
+              <a:avLst/>
+            </a:prstGeom>
+            <a:solidFill>
+              <a:srgbClr val="00B050"/>
+            </a:solidFill>
+          </p:spPr>
+          <p:style>
+            <a:lnRef idx="2">
+              <a:schemeClr val="accent1">
+                <a:shade val="15000"/>
+              </a:schemeClr>
+            </a:lnRef>
+            <a:fillRef idx="1">
+              <a:schemeClr val="accent1"/>
+            </a:fillRef>
+            <a:effectRef idx="0">
+              <a:schemeClr val="accent1"/>
+            </a:effectRef>
+            <a:fontRef idx="minor">
+              <a:schemeClr val="lt1"/>
+            </a:fontRef>
+          </p:style>
+          <p:txBody>
+            <a:bodyPr rtlCol="0" anchor="ctr"/>
+            <a:lstStyle/>
+            <a:p>
+              <a:pPr algn="ctr"/>
+              <a:r>
+                <a:rPr lang="ko-KR" altLang="en-US" sz="1000">
+                  <a:solidFill>
+                    <a:schemeClr val="tx1"/>
+                  </a:solidFill>
+                </a:rPr>
+                <a:t>이체하기</a:t>
+              </a:r>
+            </a:p>
+          </p:txBody>
+        </p:sp>
+      </p:grpSp>
+      <p:sp>
+        <p:nvSpPr>
+          <p:cNvPr id="72" name="화살표: 오른쪽 71">
+            <a:extLst>
+              <a:ext uri="{FF2B5EF4-FFF2-40B4-BE49-F238E27FC236}">
+                <a16:creationId xmlns:a16="http://schemas.microsoft.com/office/drawing/2014/main" id="{ACC7EF3C-5C0D-10C9-3DC3-60BA393EC072}"/>
+              </a:ext>
+            </a:extLst>
+          </p:cNvPr>
+          <p:cNvSpPr/>
+          <p:nvPr/>
+        </p:nvSpPr>
+        <p:spPr>
+          <a:xfrm>
+            <a:off x="7781705" y="3259855"/>
+            <a:ext cx="1158238" cy="759615"/>
+          </a:xfrm>
+          <a:prstGeom prst="rightArrow">
+            <a:avLst/>
+          </a:prstGeom>
+        </p:spPr>
+        <p:style>
+          <a:lnRef idx="2">
+            <a:schemeClr val="accent1">
+              <a:shade val="15000"/>
+            </a:schemeClr>
+          </a:lnRef>
+          <a:fillRef idx="1">
+            <a:schemeClr val="accent1"/>
+          </a:fillRef>
+          <a:effectRef idx="0">
+            <a:schemeClr val="accent1"/>
+          </a:effectRef>
+          <a:fontRef idx="minor">
+            <a:schemeClr val="lt1"/>
+          </a:fontRef>
+        </p:style>
+        <p:txBody>
+          <a:bodyPr rtlCol="0" anchor="ctr"/>
+          <a:lstStyle/>
+          <a:p>
+            <a:pPr algn="ctr"/>
+            <a:endParaRPr lang="ko-KR" altLang="en-US"/>
+          </a:p>
+        </p:txBody>
+      </p:sp>
+      <p:pic>
+        <p:nvPicPr>
+          <p:cNvPr id="89" name="그림 88" descr="텍스트, 스크린샷이(가) 표시된 사진&#10;&#10;AI가 생성한 콘텐츠는 부정확할 수 있습니다.">
+            <a:extLst>
+              <a:ext uri="{FF2B5EF4-FFF2-40B4-BE49-F238E27FC236}">
+                <a16:creationId xmlns:a16="http://schemas.microsoft.com/office/drawing/2014/main" id="{635E4458-135D-81FD-7701-2C2FEEC8513D}"/>
+              </a:ext>
+            </a:extLst>
+          </p:cNvPr>
+          <p:cNvPicPr>
+            <a:picLocks noChangeAspect="1"/>
+          </p:cNvPicPr>
+          <p:nvPr/>
+        </p:nvPicPr>
+        <p:blipFill>
+          <a:blip r:embed="rId2">
+            <a:extLst>
+              <a:ext uri="{28A0092B-C50C-407E-A947-70E740481C1C}">
+                <a14:useLocalDpi xmlns:a14="http://schemas.microsoft.com/office/drawing/2010/main" val="0"/>
+              </a:ext>
+            </a:extLst>
+          </a:blip>
+          <a:stretch>
+            <a:fillRect/>
+          </a:stretch>
+        </p:blipFill>
+        <p:spPr>
+          <a:xfrm>
+            <a:off x="4657542" y="1374422"/>
+            <a:ext cx="2923337" cy="4530480"/>
+          </a:xfrm>
+          <a:prstGeom prst="rect">
+            <a:avLst/>
+          </a:prstGeom>
+        </p:spPr>
+      </p:pic>
+      <p:grpSp>
+        <p:nvGrpSpPr>
+          <p:cNvPr id="101" name="그룹 100">
+            <a:extLst>
+              <a:ext uri="{FF2B5EF4-FFF2-40B4-BE49-F238E27FC236}">
+                <a16:creationId xmlns:a16="http://schemas.microsoft.com/office/drawing/2014/main" id="{495D5EE0-A518-0CA0-386C-50634FF564A5}"/>
+              </a:ext>
+            </a:extLst>
+          </p:cNvPr>
+          <p:cNvGrpSpPr/>
+          <p:nvPr/>
+        </p:nvGrpSpPr>
+        <p:grpSpPr>
+          <a:xfrm>
+            <a:off x="8939943" y="1379090"/>
+            <a:ext cx="2729944" cy="4512214"/>
+            <a:chOff x="8958470" y="1360823"/>
+            <a:chExt cx="2729944" cy="4512214"/>
+          </a:xfrm>
+        </p:grpSpPr>
+        <p:grpSp>
+          <p:nvGrpSpPr>
+            <p:cNvPr id="90" name="그룹 89">
+              <a:extLst>
+                <a:ext uri="{FF2B5EF4-FFF2-40B4-BE49-F238E27FC236}">
+                  <a16:creationId xmlns:a16="http://schemas.microsoft.com/office/drawing/2014/main" id="{C7716D17-937A-B337-9381-4C5A687964F3}"/>
+                </a:ext>
+              </a:extLst>
+            </p:cNvPr>
+            <p:cNvGrpSpPr/>
+            <p:nvPr/>
+          </p:nvGrpSpPr>
+          <p:grpSpPr>
+            <a:xfrm>
+              <a:off x="9094349" y="1360823"/>
+              <a:ext cx="2594065" cy="4512214"/>
+              <a:chOff x="3979009" y="1221675"/>
+              <a:chExt cx="2594065" cy="4512214"/>
+            </a:xfrm>
+          </p:grpSpPr>
+          <p:grpSp>
+            <p:nvGrpSpPr>
+              <p:cNvPr id="91" name="그룹 90">
+                <a:extLst>
+                  <a:ext uri="{FF2B5EF4-FFF2-40B4-BE49-F238E27FC236}">
+                    <a16:creationId xmlns:a16="http://schemas.microsoft.com/office/drawing/2014/main" id="{0B00E679-7885-4E8B-F7A2-9E91D9873F72}"/>
+                  </a:ext>
+                </a:extLst>
+              </p:cNvPr>
+              <p:cNvGrpSpPr/>
+              <p:nvPr/>
+            </p:nvGrpSpPr>
+            <p:grpSpPr>
+              <a:xfrm rot="5400000">
+                <a:off x="3019935" y="2180749"/>
+                <a:ext cx="4512214" cy="2594065"/>
+                <a:chOff x="596345" y="1557116"/>
+                <a:chExt cx="4472608" cy="2571297"/>
+              </a:xfrm>
+            </p:grpSpPr>
+            <p:sp>
+              <p:nvSpPr>
+                <p:cNvPr id="95" name="사각형: 둥근 모서리 94">
+                  <a:extLst>
+                    <a:ext uri="{FF2B5EF4-FFF2-40B4-BE49-F238E27FC236}">
+                      <a16:creationId xmlns:a16="http://schemas.microsoft.com/office/drawing/2014/main" id="{9A46272E-58B4-ECF5-F81F-AF096D69EC50}"/>
+                    </a:ext>
+                  </a:extLst>
+                </p:cNvPr>
+                <p:cNvSpPr/>
+                <p:nvPr/>
+              </p:nvSpPr>
+              <p:spPr>
+                <a:xfrm>
+                  <a:off x="596345" y="1557116"/>
+                  <a:ext cx="4472608" cy="2571297"/>
+                </a:xfrm>
+                <a:prstGeom prst="roundRect">
+                  <a:avLst>
+                    <a:gd name="adj" fmla="val 2928"/>
+                  </a:avLst>
+                </a:prstGeom>
+                <a:solidFill>
+                  <a:schemeClr val="bg2">
+                    <a:lumMod val="75000"/>
+                  </a:schemeClr>
+                </a:solidFill>
+              </p:spPr>
+              <p:style>
+                <a:lnRef idx="2">
+                  <a:schemeClr val="accent1">
+                    <a:shade val="15000"/>
+                  </a:schemeClr>
+                </a:lnRef>
+                <a:fillRef idx="1">
+                  <a:schemeClr val="accent1"/>
+                </a:fillRef>
+                <a:effectRef idx="0">
+                  <a:schemeClr val="accent1"/>
+                </a:effectRef>
+                <a:fontRef idx="minor">
+                  <a:schemeClr val="lt1"/>
+                </a:fontRef>
+              </p:style>
+              <p:txBody>
+                <a:bodyPr rtlCol="0" anchor="ctr"/>
+                <a:lstStyle/>
+                <a:p>
+                  <a:pPr algn="ctr"/>
+                  <a:endParaRPr lang="ko-KR" altLang="en-US" sz="1050"/>
+                </a:p>
+              </p:txBody>
+            </p:sp>
+            <p:sp>
+              <p:nvSpPr>
+                <p:cNvPr id="96" name="직사각형 95">
+                  <a:extLst>
+                    <a:ext uri="{FF2B5EF4-FFF2-40B4-BE49-F238E27FC236}">
+                      <a16:creationId xmlns:a16="http://schemas.microsoft.com/office/drawing/2014/main" id="{812BD1D0-335A-7514-DCE9-ABE928AE4ADD}"/>
+                    </a:ext>
+                  </a:extLst>
+                </p:cNvPr>
+                <p:cNvSpPr>
+                  <a:spLocks noChangeAspect="1"/>
+                </p:cNvSpPr>
+                <p:nvPr/>
+              </p:nvSpPr>
+              <p:spPr>
+                <a:xfrm>
+                  <a:off x="750261" y="1649918"/>
+                  <a:ext cx="4200992" cy="2363058"/>
+                </a:xfrm>
+                <a:prstGeom prst="rect">
+                  <a:avLst/>
+                </a:prstGeom>
+                <a:solidFill>
+                  <a:schemeClr val="bg1"/>
+                </a:solidFill>
+                <a:ln>
+                  <a:solidFill>
+                    <a:schemeClr val="tx1"/>
+                  </a:solidFill>
+                </a:ln>
+              </p:spPr>
+              <p:style>
+                <a:lnRef idx="2">
+                  <a:schemeClr val="accent1">
+                    <a:shade val="15000"/>
+                  </a:schemeClr>
+                </a:lnRef>
+                <a:fillRef idx="1">
+                  <a:schemeClr val="accent1"/>
+                </a:fillRef>
+                <a:effectRef idx="0">
+                  <a:schemeClr val="accent1"/>
+                </a:effectRef>
+                <a:fontRef idx="minor">
+                  <a:schemeClr val="lt1"/>
+                </a:fontRef>
+              </p:style>
+              <p:txBody>
+                <a:bodyPr rtlCol="0" anchor="ctr"/>
+                <a:lstStyle/>
+                <a:p>
+                  <a:pPr algn="ctr"/>
+                  <a:endParaRPr lang="ko-KR" altLang="en-US" sz="200"/>
+                </a:p>
+              </p:txBody>
+            </p:sp>
+            <p:sp>
+              <p:nvSpPr>
+                <p:cNvPr id="97" name="타원 96">
+                  <a:extLst>
+                    <a:ext uri="{FF2B5EF4-FFF2-40B4-BE49-F238E27FC236}">
+                      <a16:creationId xmlns:a16="http://schemas.microsoft.com/office/drawing/2014/main" id="{CF127EF9-845A-61DD-ECBF-9A92CE621C92}"/>
+                    </a:ext>
+                  </a:extLst>
+                </p:cNvPr>
+                <p:cNvSpPr/>
+                <p:nvPr/>
+              </p:nvSpPr>
+              <p:spPr>
+                <a:xfrm>
+                  <a:off x="626132" y="2793474"/>
+                  <a:ext cx="98581" cy="98581"/>
+                </a:xfrm>
+                <a:prstGeom prst="ellipse">
+                  <a:avLst/>
+                </a:prstGeom>
+                <a:solidFill>
+                  <a:schemeClr val="tx1">
+                    <a:lumMod val="85000"/>
+                    <a:lumOff val="15000"/>
+                  </a:schemeClr>
+                </a:solidFill>
+              </p:spPr>
+              <p:style>
+                <a:lnRef idx="2">
+                  <a:schemeClr val="accent1">
+                    <a:shade val="15000"/>
+                  </a:schemeClr>
+                </a:lnRef>
+                <a:fillRef idx="1">
+                  <a:schemeClr val="accent1"/>
+                </a:fillRef>
+                <a:effectRef idx="0">
+                  <a:schemeClr val="accent1"/>
+                </a:effectRef>
+                <a:fontRef idx="minor">
+                  <a:schemeClr val="lt1"/>
+                </a:fontRef>
+              </p:style>
+              <p:txBody>
+                <a:bodyPr rtlCol="0" anchor="ctr"/>
+                <a:lstStyle/>
+                <a:p>
+                  <a:pPr algn="ctr"/>
+                  <a:endParaRPr lang="ko-KR" altLang="en-US" sz="1050"/>
+                </a:p>
+              </p:txBody>
+            </p:sp>
+          </p:grpSp>
+          <p:sp>
+            <p:nvSpPr>
+              <p:cNvPr id="92" name="직사각형 91">
+                <a:extLst>
+                  <a:ext uri="{FF2B5EF4-FFF2-40B4-BE49-F238E27FC236}">
+                    <a16:creationId xmlns:a16="http://schemas.microsoft.com/office/drawing/2014/main" id="{8E4B5673-32BF-07C6-9B4B-CE0F0B94D7C5}"/>
+                  </a:ext>
+                </a:extLst>
+              </p:cNvPr>
+              <p:cNvSpPr/>
+              <p:nvPr/>
+            </p:nvSpPr>
+            <p:spPr>
+              <a:xfrm>
+                <a:off x="4296217" y="2083124"/>
+                <a:ext cx="1959650" cy="233989"/>
+              </a:xfrm>
+              <a:prstGeom prst="rect">
+                <a:avLst/>
+              </a:prstGeom>
+              <a:solidFill>
+                <a:schemeClr val="bg2">
+                  <a:lumMod val="75000"/>
+                </a:schemeClr>
+              </a:solidFill>
+            </p:spPr>
+            <p:style>
+              <a:lnRef idx="2">
+                <a:schemeClr val="accent1">
+                  <a:shade val="15000"/>
+                </a:schemeClr>
+              </a:lnRef>
+              <a:fillRef idx="1">
+                <a:schemeClr val="accent1"/>
+              </a:fillRef>
+              <a:effectRef idx="0">
+                <a:schemeClr val="accent1"/>
+              </a:effectRef>
+              <a:fontRef idx="minor">
+                <a:schemeClr val="lt1"/>
+              </a:fontRef>
+            </p:style>
+            <p:txBody>
+              <a:bodyPr rtlCol="0" anchor="ctr"/>
+              <a:lstStyle/>
+              <a:p>
+                <a:r>
+                  <a:rPr lang="en-US" altLang="ko-KR" sz="800" dirty="0">
+                    <a:solidFill>
+                      <a:schemeClr val="tx1"/>
+                    </a:solidFill>
+                  </a:rPr>
+                  <a:t>23 – 15694 - 6956</a:t>
+                </a:r>
+                <a:endParaRPr lang="ko-KR" altLang="en-US" sz="800" dirty="0">
+                  <a:solidFill>
+                    <a:schemeClr val="tx1"/>
+                  </a:solidFill>
+                </a:endParaRPr>
+              </a:p>
+            </p:txBody>
+          </p:sp>
+          <p:sp>
+            <p:nvSpPr>
+              <p:cNvPr id="93" name="TextBox 92">
+                <a:extLst>
+                  <a:ext uri="{FF2B5EF4-FFF2-40B4-BE49-F238E27FC236}">
+                    <a16:creationId xmlns:a16="http://schemas.microsoft.com/office/drawing/2014/main" id="{778F8ED6-F771-F26A-FD83-3F2513CD7A8E}"/>
+                  </a:ext>
+                </a:extLst>
+              </p:cNvPr>
+              <p:cNvSpPr txBox="1"/>
+              <p:nvPr/>
+            </p:nvSpPr>
+            <p:spPr>
+              <a:xfrm>
+                <a:off x="4095468" y="1673930"/>
+                <a:ext cx="1896673" cy="253916"/>
+              </a:xfrm>
+              <a:prstGeom prst="rect">
+                <a:avLst/>
+              </a:prstGeom>
+              <a:noFill/>
+            </p:spPr>
+            <p:txBody>
+              <a:bodyPr wrap="none" rtlCol="0">
+                <a:spAutoFit/>
+              </a:bodyPr>
+              <a:lstStyle/>
+              <a:p>
+                <a:r>
+                  <a:rPr lang="ko-KR" altLang="en-US" sz="1050" b="1" dirty="0"/>
+                  <a:t>입금할 계좌를 입력해주세요</a:t>
+                </a:r>
+              </a:p>
+            </p:txBody>
+          </p:sp>
+          <p:sp>
+            <p:nvSpPr>
+              <p:cNvPr id="94" name="직사각형 93">
+                <a:extLst>
+                  <a:ext uri="{FF2B5EF4-FFF2-40B4-BE49-F238E27FC236}">
+                    <a16:creationId xmlns:a16="http://schemas.microsoft.com/office/drawing/2014/main" id="{23D48E03-4295-DCB2-014A-CAE43BCEF393}"/>
+                  </a:ext>
+                </a:extLst>
+              </p:cNvPr>
+              <p:cNvSpPr/>
+              <p:nvPr/>
+            </p:nvSpPr>
+            <p:spPr>
+              <a:xfrm>
+                <a:off x="4578793" y="5145534"/>
+                <a:ext cx="1394496" cy="338217"/>
+              </a:xfrm>
+              <a:prstGeom prst="rect">
+                <a:avLst/>
+              </a:prstGeom>
+              <a:solidFill>
+                <a:srgbClr val="00B050"/>
+              </a:solidFill>
+            </p:spPr>
+            <p:style>
+              <a:lnRef idx="2">
+                <a:schemeClr val="accent1">
+                  <a:shade val="15000"/>
+                </a:schemeClr>
+              </a:lnRef>
+              <a:fillRef idx="1">
+                <a:schemeClr val="accent1"/>
+              </a:fillRef>
+              <a:effectRef idx="0">
+                <a:schemeClr val="accent1"/>
+              </a:effectRef>
+              <a:fontRef idx="minor">
+                <a:schemeClr val="lt1"/>
+              </a:fontRef>
+            </p:style>
+            <p:txBody>
+              <a:bodyPr rtlCol="0" anchor="ctr"/>
+              <a:lstStyle/>
+              <a:p>
+                <a:pPr algn="ctr"/>
+                <a:r>
+                  <a:rPr lang="ko-KR" altLang="en-US" sz="1000">
+                    <a:solidFill>
+                      <a:schemeClr val="tx1"/>
+                    </a:solidFill>
+                  </a:rPr>
+                  <a:t>이체하기</a:t>
+                </a:r>
+              </a:p>
+            </p:txBody>
+          </p:sp>
+        </p:grpSp>
+        <p:pic>
+          <p:nvPicPr>
+            <p:cNvPr id="98" name="그림 97" descr="텍스트, 스크린샷이(가) 표시된 사진&#10;&#10;AI가 생성한 콘텐츠는 부정확할 수 있습니다.">
+              <a:extLst>
+                <a:ext uri="{FF2B5EF4-FFF2-40B4-BE49-F238E27FC236}">
+                  <a16:creationId xmlns:a16="http://schemas.microsoft.com/office/drawing/2014/main" id="{AFB6BEAE-4506-2A2E-2CC7-535EACF41E4F}"/>
+                </a:ext>
+              </a:extLst>
+            </p:cNvPr>
+            <p:cNvPicPr>
+              <a:picLocks noChangeAspect="1"/>
+            </p:cNvPicPr>
+            <p:nvPr/>
+          </p:nvPicPr>
+          <p:blipFill>
+            <a:blip r:embed="rId2">
+              <a:alphaModFix amt="50000"/>
+              <a:extLst>
+                <a:ext uri="{28A0092B-C50C-407E-A947-70E740481C1C}">
+                  <a14:useLocalDpi xmlns:a14="http://schemas.microsoft.com/office/drawing/2010/main" val="0"/>
+                </a:ext>
+              </a:extLst>
+            </a:blip>
+            <a:srcRect l="5815" t="61856" r="14627" b="17412"/>
+            <a:stretch/>
+          </p:blipFill>
+          <p:spPr>
+            <a:xfrm>
+              <a:off x="9256056" y="4815702"/>
+              <a:ext cx="2293486" cy="926209"/>
+            </a:xfrm>
+            <a:prstGeom prst="rect">
+              <a:avLst/>
+            </a:prstGeom>
+          </p:spPr>
+        </p:pic>
+        <p:cxnSp>
+          <p:nvCxnSpPr>
+            <p:cNvPr id="100" name="직선 화살표 연결선 99">
+              <a:extLst>
+                <a:ext uri="{FF2B5EF4-FFF2-40B4-BE49-F238E27FC236}">
+                  <a16:creationId xmlns:a16="http://schemas.microsoft.com/office/drawing/2014/main" id="{14CBF349-7D0E-2682-3607-00E7694F8A73}"/>
+                </a:ext>
+              </a:extLst>
+            </p:cNvPr>
+            <p:cNvCxnSpPr/>
+            <p:nvPr/>
+          </p:nvCxnSpPr>
+          <p:spPr>
+            <a:xfrm>
+              <a:off x="8958470" y="4307476"/>
+              <a:ext cx="0" cy="1146313"/>
+            </a:xfrm>
+            <a:prstGeom prst="straightConnector1">
+              <a:avLst/>
+            </a:prstGeom>
+            <a:ln w="57150">
+              <a:solidFill>
+                <a:srgbClr val="4E95D9"/>
+              </a:solidFill>
+              <a:tailEnd type="triangle"/>
+            </a:ln>
+          </p:spPr>
+          <p:style>
+            <a:lnRef idx="2">
+              <a:schemeClr val="accent1"/>
+            </a:lnRef>
+            <a:fillRef idx="0">
+              <a:schemeClr val="accent1"/>
+            </a:fillRef>
+            <a:effectRef idx="1">
+              <a:schemeClr val="accent1"/>
+            </a:effectRef>
+            <a:fontRef idx="minor">
+              <a:schemeClr val="tx1"/>
+            </a:fontRef>
+          </p:style>
+        </p:cxnSp>
+      </p:grpSp>
+      <p:sp>
+        <p:nvSpPr>
+          <p:cNvPr id="102" name="화살표: 오른쪽 101">
+            <a:extLst>
+              <a:ext uri="{FF2B5EF4-FFF2-40B4-BE49-F238E27FC236}">
+                <a16:creationId xmlns:a16="http://schemas.microsoft.com/office/drawing/2014/main" id="{AE8F98A8-8434-B896-9792-9A69B99B0D12}"/>
+              </a:ext>
+            </a:extLst>
+          </p:cNvPr>
+          <p:cNvSpPr/>
+          <p:nvPr/>
+        </p:nvSpPr>
+        <p:spPr>
+          <a:xfrm>
+            <a:off x="3298478" y="3259855"/>
+            <a:ext cx="1158238" cy="759615"/>
+          </a:xfrm>
+          <a:prstGeom prst="rightArrow">
+            <a:avLst/>
+          </a:prstGeom>
+        </p:spPr>
+        <p:style>
+          <a:lnRef idx="2">
+            <a:schemeClr val="accent1">
+              <a:shade val="15000"/>
+            </a:schemeClr>
+          </a:lnRef>
+          <a:fillRef idx="1">
+            <a:schemeClr val="accent1"/>
+          </a:fillRef>
+          <a:effectRef idx="0">
+            <a:schemeClr val="accent1"/>
+          </a:effectRef>
+          <a:fontRef idx="minor">
+            <a:schemeClr val="lt1"/>
+          </a:fontRef>
+        </p:style>
+        <p:txBody>
+          <a:bodyPr rtlCol="0" anchor="ctr"/>
+          <a:lstStyle/>
+          <a:p>
+            <a:pPr algn="ctr"/>
+            <a:endParaRPr lang="ko-KR" altLang="en-US"/>
+          </a:p>
+        </p:txBody>
+      </p:sp>
+      <p:sp>
+        <p:nvSpPr>
+          <p:cNvPr id="103" name="타원 102">
+            <a:extLst>
+              <a:ext uri="{FF2B5EF4-FFF2-40B4-BE49-F238E27FC236}">
+                <a16:creationId xmlns:a16="http://schemas.microsoft.com/office/drawing/2014/main" id="{04D851E7-9D90-F12B-0A1E-27DE12B8FCCC}"/>
+              </a:ext>
+            </a:extLst>
+          </p:cNvPr>
+          <p:cNvSpPr/>
+          <p:nvPr/>
+        </p:nvSpPr>
+        <p:spPr>
+          <a:xfrm>
+            <a:off x="308727" y="1221747"/>
+            <a:ext cx="540000" cy="540000"/>
+          </a:xfrm>
+          <a:prstGeom prst="ellipse">
+            <a:avLst/>
+          </a:prstGeom>
+          <a:solidFill>
+            <a:schemeClr val="tx1"/>
+          </a:solidFill>
+          <a:ln>
+            <a:noFill/>
+          </a:ln>
+        </p:spPr>
+        <p:style>
+          <a:lnRef idx="2">
+            <a:schemeClr val="accent1">
+              <a:shade val="15000"/>
+            </a:schemeClr>
+          </a:lnRef>
+          <a:fillRef idx="1">
+            <a:schemeClr val="accent1"/>
+          </a:fillRef>
+          <a:effectRef idx="0">
+            <a:schemeClr val="accent1"/>
+          </a:effectRef>
+          <a:fontRef idx="minor">
+            <a:schemeClr val="lt1"/>
+          </a:fontRef>
+        </p:style>
+        <p:txBody>
+          <a:bodyPr rtlCol="0" anchor="ctr"/>
+          <a:lstStyle/>
+          <a:p>
+            <a:pPr algn="ctr"/>
+            <a:r>
+              <a:rPr lang="en-US" altLang="ko-KR" dirty="0"/>
+              <a:t>1</a:t>
+            </a:r>
+            <a:endParaRPr lang="ko-KR" altLang="en-US" dirty="0"/>
+          </a:p>
+        </p:txBody>
+      </p:sp>
+      <p:sp>
+        <p:nvSpPr>
+          <p:cNvPr id="104" name="타원 103">
+            <a:extLst>
+              <a:ext uri="{FF2B5EF4-FFF2-40B4-BE49-F238E27FC236}">
+                <a16:creationId xmlns:a16="http://schemas.microsoft.com/office/drawing/2014/main" id="{7BE76306-31C2-4F10-12E4-F7DA299B00FB}"/>
+              </a:ext>
+            </a:extLst>
+          </p:cNvPr>
+          <p:cNvSpPr/>
+          <p:nvPr/>
+        </p:nvSpPr>
+        <p:spPr>
+          <a:xfrm>
+            <a:off x="4482381" y="1188867"/>
+            <a:ext cx="540000" cy="540000"/>
+          </a:xfrm>
+          <a:prstGeom prst="ellipse">
+            <a:avLst/>
+          </a:prstGeom>
+          <a:solidFill>
+            <a:schemeClr val="tx1"/>
+          </a:solidFill>
+          <a:ln>
+            <a:noFill/>
+          </a:ln>
+        </p:spPr>
+        <p:style>
+          <a:lnRef idx="2">
+            <a:schemeClr val="accent1">
+              <a:shade val="15000"/>
+            </a:schemeClr>
+          </a:lnRef>
+          <a:fillRef idx="1">
+            <a:schemeClr val="accent1"/>
+          </a:fillRef>
+          <a:effectRef idx="0">
+            <a:schemeClr val="accent1"/>
+          </a:effectRef>
+          <a:fontRef idx="minor">
+            <a:schemeClr val="lt1"/>
+          </a:fontRef>
+        </p:style>
+        <p:txBody>
+          <a:bodyPr rtlCol="0" anchor="ctr"/>
+          <a:lstStyle/>
+          <a:p>
+            <a:pPr algn="ctr"/>
+            <a:r>
+              <a:rPr lang="en-US" altLang="ko-KR" dirty="0"/>
+              <a:t>2</a:t>
+            </a:r>
+            <a:endParaRPr lang="ko-KR" altLang="en-US" dirty="0"/>
+          </a:p>
+        </p:txBody>
+      </p:sp>
+      <p:sp>
+        <p:nvSpPr>
+          <p:cNvPr id="105" name="타원 104">
+            <a:extLst>
+              <a:ext uri="{FF2B5EF4-FFF2-40B4-BE49-F238E27FC236}">
+                <a16:creationId xmlns:a16="http://schemas.microsoft.com/office/drawing/2014/main" id="{0D60FC6E-12B5-F8EE-79C6-C11F15DBD381}"/>
+              </a:ext>
+            </a:extLst>
+          </p:cNvPr>
+          <p:cNvSpPr/>
+          <p:nvPr/>
+        </p:nvSpPr>
+        <p:spPr>
+          <a:xfrm>
+            <a:off x="8870768" y="1188867"/>
+            <a:ext cx="540000" cy="540000"/>
+          </a:xfrm>
+          <a:prstGeom prst="ellipse">
+            <a:avLst/>
+          </a:prstGeom>
+          <a:solidFill>
+            <a:schemeClr val="tx1"/>
+          </a:solidFill>
+          <a:ln>
+            <a:noFill/>
+          </a:ln>
+        </p:spPr>
+        <p:style>
+          <a:lnRef idx="2">
+            <a:schemeClr val="accent1">
+              <a:shade val="15000"/>
+            </a:schemeClr>
+          </a:lnRef>
+          <a:fillRef idx="1">
+            <a:schemeClr val="accent1"/>
+          </a:fillRef>
+          <a:effectRef idx="0">
+            <a:schemeClr val="accent1"/>
+          </a:effectRef>
+          <a:fontRef idx="minor">
+            <a:schemeClr val="lt1"/>
+          </a:fontRef>
+        </p:style>
+        <p:txBody>
+          <a:bodyPr rtlCol="0" anchor="ctr"/>
+          <a:lstStyle/>
+          <a:p>
+            <a:pPr algn="ctr"/>
+            <a:r>
+              <a:rPr lang="en-US" altLang="ko-KR" dirty="0"/>
+              <a:t>3</a:t>
+            </a:r>
+            <a:endParaRPr lang="ko-KR" altLang="en-US" dirty="0"/>
+          </a:p>
+        </p:txBody>
+      </p:sp>
+    </p:spTree>
+    <p:extLst>
+      <p:ext uri="{BB962C8B-B14F-4D97-AF65-F5344CB8AC3E}">
+        <p14:creationId xmlns:p14="http://schemas.microsoft.com/office/powerpoint/2010/main" val="2857682220"/>
+      </p:ext>
+    </p:extLst>
+  </p:cSld>
+  <p:clrMapOvr>
+    <a:masterClrMapping/>
+  </p:clrMapOvr>
+</p:sld>
+</file>
+
+<file path=ppt/slides/slide2.xml><?xml version="1.0" encoding="utf-8"?>
+<p:sld xmlns:a="http://schemas.openxmlformats.org/drawingml/2006/main" xmlns:r="http://schemas.openxmlformats.org/officeDocument/2006/relationships" xmlns:p="http://schemas.openxmlformats.org/presentationml/2006/main">
+  <p:cSld>
+    <p:spTree>
+      <p:nvGrpSpPr>
+        <p:cNvPr id="1" name=""/>
+        <p:cNvGrpSpPr/>
+        <p:nvPr/>
+      </p:nvGrpSpPr>
+      <p:grpSpPr>
+        <a:xfrm>
+          <a:off x="0" y="0"/>
+          <a:ext cx="0" cy="0"/>
+          <a:chOff x="0" y="0"/>
+          <a:chExt cx="0" cy="0"/>
+        </a:xfrm>
+      </p:grpSpPr>
+    </p:spTree>
+    <p:extLst>
+      <p:ext uri="{BB962C8B-B14F-4D97-AF65-F5344CB8AC3E}">
+        <p14:creationId xmlns:p14="http://schemas.microsoft.com/office/powerpoint/2010/main" val="3588899694"/>
+      </p:ext>
+    </p:extLst>
+  </p:cSld>
+  <p:clrMapOvr>
+    <a:masterClrMapping/>
+  </p:clrMapOvr>
+</p:sld>
+</file>
+
+<file path=ppt/slides/slide20.xml><?xml version="1.0" encoding="utf-8"?>
+<p:sld xmlns:a="http://schemas.openxmlformats.org/drawingml/2006/main" xmlns:r="http://schemas.openxmlformats.org/officeDocument/2006/relationships" xmlns:p="http://schemas.openxmlformats.org/presentationml/2006/main">
+  <p:cSld>
+    <p:spTree>
+      <p:nvGrpSpPr>
+        <p:cNvPr id="1" name="">
+          <a:extLst>
+            <a:ext uri="{FF2B5EF4-FFF2-40B4-BE49-F238E27FC236}">
               <a16:creationId xmlns:a16="http://schemas.microsoft.com/office/drawing/2014/main" id="{BD971231-8C4B-5EF0-54B9-DA516881E3F2}"/>
             </a:ext>
           </a:extLst>
@@ -25788,37 +26954,7 @@
 </p:sld>
 </file>
 
-<file path=ppt/slides/slide2.xml><?xml version="1.0" encoding="utf-8"?>
-<p:sld xmlns:a="http://schemas.openxmlformats.org/drawingml/2006/main" xmlns:r="http://schemas.openxmlformats.org/officeDocument/2006/relationships" xmlns:p="http://schemas.openxmlformats.org/presentationml/2006/main">
-  <p:cSld>
-    <p:spTree>
-      <p:nvGrpSpPr>
-        <p:cNvPr id="1" name=""/>
-        <p:cNvGrpSpPr/>
-        <p:nvPr/>
-      </p:nvGrpSpPr>
-      <p:grpSpPr>
-        <a:xfrm>
-          <a:off x="0" y="0"/>
-          <a:ext cx="0" cy="0"/>
-          <a:chOff x="0" y="0"/>
-          <a:chExt cx="0" cy="0"/>
-        </a:xfrm>
-      </p:grpSpPr>
-    </p:spTree>
-    <p:extLst>
-      <p:ext uri="{BB962C8B-B14F-4D97-AF65-F5344CB8AC3E}">
-        <p14:creationId xmlns:p14="http://schemas.microsoft.com/office/powerpoint/2010/main" val="3588899694"/>
-      </p:ext>
-    </p:extLst>
-  </p:cSld>
-  <p:clrMapOvr>
-    <a:masterClrMapping/>
-  </p:clrMapOvr>
-</p:sld>
-</file>
-
-<file path=ppt/slides/slide20.xml><?xml version="1.0" encoding="utf-8"?>
+<file path=ppt/slides/slide21.xml><?xml version="1.0" encoding="utf-8"?>
 <p:sld xmlns:a="http://schemas.openxmlformats.org/drawingml/2006/main" xmlns:r="http://schemas.openxmlformats.org/officeDocument/2006/relationships" xmlns:p="http://schemas.openxmlformats.org/presentationml/2006/main">
   <p:cSld>
     <p:spTree>
@@ -27090,7 +28226,7 @@
 </p:sld>
 </file>
 
-<file path=ppt/slides/slide21.xml><?xml version="1.0" encoding="utf-8"?>
+<file path=ppt/slides/slide22.xml><?xml version="1.0" encoding="utf-8"?>
 <p:sld xmlns:a="http://schemas.openxmlformats.org/drawingml/2006/main" xmlns:r="http://schemas.openxmlformats.org/officeDocument/2006/relationships" xmlns:p="http://schemas.openxmlformats.org/presentationml/2006/main">
   <p:cSld>
     <p:spTree>
@@ -27966,7 +29102,7 @@
 </p:sld>
 </file>
 
-<file path=ppt/slides/slide22.xml><?xml version="1.0" encoding="utf-8"?>
+<file path=ppt/slides/slide23.xml><?xml version="1.0" encoding="utf-8"?>
 <p:sld xmlns:a="http://schemas.openxmlformats.org/drawingml/2006/main" xmlns:r="http://schemas.openxmlformats.org/officeDocument/2006/relationships" xmlns:p="http://schemas.openxmlformats.org/presentationml/2006/main">
   <p:cSld>
     <p:spTree>

--- a/document/UI.pptx
+++ b/document/UI.pptx
@@ -5,7 +5,7 @@
     <p:sldMasterId id="2147483648" r:id="rId1"/>
   </p:sldMasterIdLst>
   <p:notesMasterIdLst>
-    <p:notesMasterId r:id="rId25"/>
+    <p:notesMasterId r:id="rId28"/>
   </p:notesMasterIdLst>
   <p:sldIdLst>
     <p:sldId id="257" r:id="rId2"/>
@@ -20,17 +20,20 @@
     <p:sldId id="277" r:id="rId11"/>
     <p:sldId id="258" r:id="rId12"/>
     <p:sldId id="259" r:id="rId13"/>
-    <p:sldId id="260" r:id="rId14"/>
-    <p:sldId id="272" r:id="rId15"/>
-    <p:sldId id="261" r:id="rId16"/>
-    <p:sldId id="266" r:id="rId17"/>
-    <p:sldId id="267" r:id="rId18"/>
-    <p:sldId id="263" r:id="rId19"/>
-    <p:sldId id="278" r:id="rId20"/>
-    <p:sldId id="264" r:id="rId21"/>
-    <p:sldId id="265" r:id="rId22"/>
-    <p:sldId id="262" r:id="rId23"/>
-    <p:sldId id="256" r:id="rId24"/>
+    <p:sldId id="279" r:id="rId14"/>
+    <p:sldId id="280" r:id="rId15"/>
+    <p:sldId id="281" r:id="rId16"/>
+    <p:sldId id="260" r:id="rId17"/>
+    <p:sldId id="272" r:id="rId18"/>
+    <p:sldId id="261" r:id="rId19"/>
+    <p:sldId id="266" r:id="rId20"/>
+    <p:sldId id="267" r:id="rId21"/>
+    <p:sldId id="263" r:id="rId22"/>
+    <p:sldId id="278" r:id="rId23"/>
+    <p:sldId id="264" r:id="rId24"/>
+    <p:sldId id="265" r:id="rId25"/>
+    <p:sldId id="262" r:id="rId26"/>
+    <p:sldId id="256" r:id="rId27"/>
   </p:sldIdLst>
   <p:sldSz cx="12192000" cy="6858000"/>
   <p:notesSz cx="6858000" cy="9144000"/>
@@ -219,7 +222,7 @@
           <a:p>
             <a:fld id="{5B07C18C-424A-405D-A330-3E94CEE48B39}" type="datetimeFigureOut">
               <a:rPr lang="ko-KR" altLang="en-US" smtClean="0"/>
-              <a:t>2025-02-15</a:t>
+              <a:t>2025-02-17</a:t>
             </a:fld>
             <a:endParaRPr lang="ko-KR" altLang="en-US"/>
           </a:p>
@@ -551,7 +554,7 @@
           <a:p>
             <a:fld id="{E684C9C0-E21F-439C-A28A-7CDE9E85435A}" type="slidenum">
               <a:rPr lang="ko-KR" altLang="en-US" smtClean="0"/>
-              <a:t>16</a:t>
+              <a:t>19</a:t>
             </a:fld>
             <a:endParaRPr lang="ko-KR" altLang="en-US"/>
           </a:p>
@@ -659,7 +662,7 @@
           <a:p>
             <a:fld id="{E684C9C0-E21F-439C-A28A-7CDE9E85435A}" type="slidenum">
               <a:rPr lang="ko-KR" altLang="en-US" smtClean="0"/>
-              <a:t>17</a:t>
+              <a:t>20</a:t>
             </a:fld>
             <a:endParaRPr lang="ko-KR" altLang="en-US"/>
           </a:p>
@@ -825,7 +828,7 @@
           <a:p>
             <a:fld id="{FD51FDC7-0CF3-4127-99F5-543E4DDB1909}" type="datetimeFigureOut">
               <a:rPr lang="ko-KR" altLang="en-US" smtClean="0"/>
-              <a:t>2025-02-15</a:t>
+              <a:t>2025-02-17</a:t>
             </a:fld>
             <a:endParaRPr lang="ko-KR" altLang="en-US"/>
           </a:p>
@@ -1023,7 +1026,7 @@
           <a:p>
             <a:fld id="{FD51FDC7-0CF3-4127-99F5-543E4DDB1909}" type="datetimeFigureOut">
               <a:rPr lang="ko-KR" altLang="en-US" smtClean="0"/>
-              <a:t>2025-02-15</a:t>
+              <a:t>2025-02-17</a:t>
             </a:fld>
             <a:endParaRPr lang="ko-KR" altLang="en-US"/>
           </a:p>
@@ -1231,7 +1234,7 @@
           <a:p>
             <a:fld id="{FD51FDC7-0CF3-4127-99F5-543E4DDB1909}" type="datetimeFigureOut">
               <a:rPr lang="ko-KR" altLang="en-US" smtClean="0"/>
-              <a:t>2025-02-15</a:t>
+              <a:t>2025-02-17</a:t>
             </a:fld>
             <a:endParaRPr lang="ko-KR" altLang="en-US"/>
           </a:p>
@@ -1429,7 +1432,7 @@
           <a:p>
             <a:fld id="{FD51FDC7-0CF3-4127-99F5-543E4DDB1909}" type="datetimeFigureOut">
               <a:rPr lang="ko-KR" altLang="en-US" smtClean="0"/>
-              <a:t>2025-02-15</a:t>
+              <a:t>2025-02-17</a:t>
             </a:fld>
             <a:endParaRPr lang="ko-KR" altLang="en-US"/>
           </a:p>
@@ -1704,7 +1707,7 @@
           <a:p>
             <a:fld id="{FD51FDC7-0CF3-4127-99F5-543E4DDB1909}" type="datetimeFigureOut">
               <a:rPr lang="ko-KR" altLang="en-US" smtClean="0"/>
-              <a:t>2025-02-15</a:t>
+              <a:t>2025-02-17</a:t>
             </a:fld>
             <a:endParaRPr lang="ko-KR" altLang="en-US"/>
           </a:p>
@@ -1969,7 +1972,7 @@
           <a:p>
             <a:fld id="{FD51FDC7-0CF3-4127-99F5-543E4DDB1909}" type="datetimeFigureOut">
               <a:rPr lang="ko-KR" altLang="en-US" smtClean="0"/>
-              <a:t>2025-02-15</a:t>
+              <a:t>2025-02-17</a:t>
             </a:fld>
             <a:endParaRPr lang="ko-KR" altLang="en-US"/>
           </a:p>
@@ -2381,7 +2384,7 @@
           <a:p>
             <a:fld id="{FD51FDC7-0CF3-4127-99F5-543E4DDB1909}" type="datetimeFigureOut">
               <a:rPr lang="ko-KR" altLang="en-US" smtClean="0"/>
-              <a:t>2025-02-15</a:t>
+              <a:t>2025-02-17</a:t>
             </a:fld>
             <a:endParaRPr lang="ko-KR" altLang="en-US"/>
           </a:p>
@@ -2522,7 +2525,7 @@
           <a:p>
             <a:fld id="{FD51FDC7-0CF3-4127-99F5-543E4DDB1909}" type="datetimeFigureOut">
               <a:rPr lang="ko-KR" altLang="en-US" smtClean="0"/>
-              <a:t>2025-02-15</a:t>
+              <a:t>2025-02-17</a:t>
             </a:fld>
             <a:endParaRPr lang="ko-KR" altLang="en-US"/>
           </a:p>
@@ -2635,7 +2638,7 @@
           <a:p>
             <a:fld id="{FD51FDC7-0CF3-4127-99F5-543E4DDB1909}" type="datetimeFigureOut">
               <a:rPr lang="ko-KR" altLang="en-US" smtClean="0"/>
-              <a:t>2025-02-15</a:t>
+              <a:t>2025-02-17</a:t>
             </a:fld>
             <a:endParaRPr lang="ko-KR" altLang="en-US"/>
           </a:p>
@@ -2946,7 +2949,7 @@
           <a:p>
             <a:fld id="{FD51FDC7-0CF3-4127-99F5-543E4DDB1909}" type="datetimeFigureOut">
               <a:rPr lang="ko-KR" altLang="en-US" smtClean="0"/>
-              <a:t>2025-02-15</a:t>
+              <a:t>2025-02-17</a:t>
             </a:fld>
             <a:endParaRPr lang="ko-KR" altLang="en-US"/>
           </a:p>
@@ -3234,7 +3237,7 @@
           <a:p>
             <a:fld id="{FD51FDC7-0CF3-4127-99F5-543E4DDB1909}" type="datetimeFigureOut">
               <a:rPr lang="ko-KR" altLang="en-US" smtClean="0"/>
-              <a:t>2025-02-15</a:t>
+              <a:t>2025-02-17</a:t>
             </a:fld>
             <a:endParaRPr lang="ko-KR" altLang="en-US"/>
           </a:p>
@@ -3475,7 +3478,7 @@
           <a:p>
             <a:fld id="{FD51FDC7-0CF3-4127-99F5-543E4DDB1909}" type="datetimeFigureOut">
               <a:rPr lang="ko-KR" altLang="en-US" smtClean="0"/>
-              <a:t>2025-02-15</a:t>
+              <a:t>2025-02-17</a:t>
             </a:fld>
             <a:endParaRPr lang="ko-KR" altLang="en-US"/>
           </a:p>
@@ -12294,6 +12297,2443 @@
   <p:cSld>
     <p:spTree>
       <p:nvGrpSpPr>
+        <p:cNvPr id="1" name="">
+          <a:extLst>
+            <a:ext uri="{FF2B5EF4-FFF2-40B4-BE49-F238E27FC236}">
+              <a16:creationId xmlns:a16="http://schemas.microsoft.com/office/drawing/2014/main" id="{DB139DDC-A4FE-EBF6-A4DB-20469F48BC03}"/>
+            </a:ext>
+          </a:extLst>
+        </p:cNvPr>
+        <p:cNvGrpSpPr/>
+        <p:nvPr/>
+      </p:nvGrpSpPr>
+      <p:grpSpPr>
+        <a:xfrm>
+          <a:off x="0" y="0"/>
+          <a:ext cx="0" cy="0"/>
+          <a:chOff x="0" y="0"/>
+          <a:chExt cx="0" cy="0"/>
+        </a:xfrm>
+      </p:grpSpPr>
+      <p:sp>
+        <p:nvSpPr>
+          <p:cNvPr id="14" name="직사각형 13">
+            <a:extLst>
+              <a:ext uri="{FF2B5EF4-FFF2-40B4-BE49-F238E27FC236}">
+                <a16:creationId xmlns:a16="http://schemas.microsoft.com/office/drawing/2014/main" id="{BB0019ED-A7C9-D3FE-3A00-4913F8F70086}"/>
+              </a:ext>
+            </a:extLst>
+          </p:cNvPr>
+          <p:cNvSpPr/>
+          <p:nvPr/>
+        </p:nvSpPr>
+        <p:spPr>
+          <a:xfrm>
+            <a:off x="92765" y="79513"/>
+            <a:ext cx="11986592" cy="6712226"/>
+          </a:xfrm>
+          <a:prstGeom prst="rect">
+            <a:avLst/>
+          </a:prstGeom>
+          <a:solidFill>
+            <a:schemeClr val="accent2">
+              <a:lumMod val="40000"/>
+              <a:lumOff val="60000"/>
+            </a:schemeClr>
+          </a:solidFill>
+        </p:spPr>
+        <p:style>
+          <a:lnRef idx="2">
+            <a:schemeClr val="accent1">
+              <a:shade val="15000"/>
+            </a:schemeClr>
+          </a:lnRef>
+          <a:fillRef idx="1">
+            <a:schemeClr val="accent1"/>
+          </a:fillRef>
+          <a:effectRef idx="0">
+            <a:schemeClr val="accent1"/>
+          </a:effectRef>
+          <a:fontRef idx="minor">
+            <a:schemeClr val="lt1"/>
+          </a:fontRef>
+        </p:style>
+        <p:txBody>
+          <a:bodyPr rtlCol="0" anchor="ctr"/>
+          <a:lstStyle/>
+          <a:p>
+            <a:pPr algn="ctr"/>
+            <a:endParaRPr lang="ko-KR" altLang="en-US"/>
+          </a:p>
+        </p:txBody>
+      </p:sp>
+      <p:sp>
+        <p:nvSpPr>
+          <p:cNvPr id="11" name="직사각형 10">
+            <a:extLst>
+              <a:ext uri="{FF2B5EF4-FFF2-40B4-BE49-F238E27FC236}">
+                <a16:creationId xmlns:a16="http://schemas.microsoft.com/office/drawing/2014/main" id="{A2066E29-5961-396C-6F71-4C815FB4F255}"/>
+              </a:ext>
+            </a:extLst>
+          </p:cNvPr>
+          <p:cNvSpPr/>
+          <p:nvPr/>
+        </p:nvSpPr>
+        <p:spPr>
+          <a:xfrm>
+            <a:off x="9515061" y="245165"/>
+            <a:ext cx="2458278" cy="1053548"/>
+          </a:xfrm>
+          <a:prstGeom prst="rect">
+            <a:avLst/>
+          </a:prstGeom>
+        </p:spPr>
+        <p:style>
+          <a:lnRef idx="2">
+            <a:schemeClr val="accent1">
+              <a:shade val="15000"/>
+            </a:schemeClr>
+          </a:lnRef>
+          <a:fillRef idx="1">
+            <a:schemeClr val="accent1"/>
+          </a:fillRef>
+          <a:effectRef idx="0">
+            <a:schemeClr val="accent1"/>
+          </a:effectRef>
+          <a:fontRef idx="minor">
+            <a:schemeClr val="lt1"/>
+          </a:fontRef>
+        </p:style>
+        <p:txBody>
+          <a:bodyPr rtlCol="0" anchor="ctr"/>
+          <a:lstStyle/>
+          <a:p>
+            <a:pPr algn="ctr"/>
+            <a:r>
+              <a:rPr lang="en-US" altLang="ko-KR" sz="5400" dirty="0"/>
+              <a:t>11:50</a:t>
+            </a:r>
+            <a:endParaRPr lang="ko-KR" altLang="en-US" sz="5400" dirty="0"/>
+          </a:p>
+        </p:txBody>
+      </p:sp>
+      <p:grpSp>
+        <p:nvGrpSpPr>
+          <p:cNvPr id="12" name="그룹 11">
+            <a:extLst>
+              <a:ext uri="{FF2B5EF4-FFF2-40B4-BE49-F238E27FC236}">
+                <a16:creationId xmlns:a16="http://schemas.microsoft.com/office/drawing/2014/main" id="{22499A54-86D5-0E0D-A348-A530E7A6E364}"/>
+              </a:ext>
+            </a:extLst>
+          </p:cNvPr>
+          <p:cNvGrpSpPr/>
+          <p:nvPr/>
+        </p:nvGrpSpPr>
+        <p:grpSpPr>
+          <a:xfrm>
+            <a:off x="2816087" y="1557130"/>
+            <a:ext cx="6546574" cy="3763618"/>
+            <a:chOff x="2816087" y="1557130"/>
+            <a:chExt cx="6546574" cy="3763618"/>
+          </a:xfrm>
+        </p:grpSpPr>
+        <p:sp>
+          <p:nvSpPr>
+            <p:cNvPr id="3" name="사각형: 둥근 모서리 2">
+              <a:extLst>
+                <a:ext uri="{FF2B5EF4-FFF2-40B4-BE49-F238E27FC236}">
+                  <a16:creationId xmlns:a16="http://schemas.microsoft.com/office/drawing/2014/main" id="{D5E1B4F8-9769-CE45-2D14-9B2484C42A31}"/>
+                </a:ext>
+              </a:extLst>
+            </p:cNvPr>
+            <p:cNvSpPr/>
+            <p:nvPr/>
+          </p:nvSpPr>
+          <p:spPr>
+            <a:xfrm>
+              <a:off x="2816087" y="1557130"/>
+              <a:ext cx="6546574" cy="3763618"/>
+            </a:xfrm>
+            <a:prstGeom prst="roundRect">
+              <a:avLst>
+                <a:gd name="adj" fmla="val 2928"/>
+              </a:avLst>
+            </a:prstGeom>
+            <a:solidFill>
+              <a:schemeClr val="bg2">
+                <a:lumMod val="75000"/>
+              </a:schemeClr>
+            </a:solidFill>
+          </p:spPr>
+          <p:style>
+            <a:lnRef idx="2">
+              <a:schemeClr val="accent1">
+                <a:shade val="15000"/>
+              </a:schemeClr>
+            </a:lnRef>
+            <a:fillRef idx="1">
+              <a:schemeClr val="accent1"/>
+            </a:fillRef>
+            <a:effectRef idx="0">
+              <a:schemeClr val="accent1"/>
+            </a:effectRef>
+            <a:fontRef idx="minor">
+              <a:schemeClr val="lt1"/>
+            </a:fontRef>
+          </p:style>
+          <p:txBody>
+            <a:bodyPr rtlCol="0" anchor="ctr"/>
+            <a:lstStyle/>
+            <a:p>
+              <a:pPr algn="ctr"/>
+              <a:endParaRPr lang="ko-KR" altLang="en-US"/>
+            </a:p>
+          </p:txBody>
+        </p:sp>
+        <p:grpSp>
+          <p:nvGrpSpPr>
+            <p:cNvPr id="2" name="그룹 1">
+              <a:extLst>
+                <a:ext uri="{FF2B5EF4-FFF2-40B4-BE49-F238E27FC236}">
+                  <a16:creationId xmlns:a16="http://schemas.microsoft.com/office/drawing/2014/main" id="{BE74A3E6-D67B-2942-85CF-A29910F5446B}"/>
+                </a:ext>
+              </a:extLst>
+            </p:cNvPr>
+            <p:cNvGrpSpPr/>
+            <p:nvPr/>
+          </p:nvGrpSpPr>
+          <p:grpSpPr>
+            <a:xfrm>
+              <a:off x="3041374" y="1692965"/>
+              <a:ext cx="6149008" cy="3458817"/>
+              <a:chOff x="371062" y="208722"/>
+              <a:chExt cx="11449877" cy="6440556"/>
+            </a:xfrm>
+          </p:grpSpPr>
+          <p:sp>
+            <p:nvSpPr>
+              <p:cNvPr id="4" name="직사각형 3">
+                <a:extLst>
+                  <a:ext uri="{FF2B5EF4-FFF2-40B4-BE49-F238E27FC236}">
+                    <a16:creationId xmlns:a16="http://schemas.microsoft.com/office/drawing/2014/main" id="{166FA40D-FF4D-0C11-6E80-F8DAB71ACE41}"/>
+                  </a:ext>
+                </a:extLst>
+              </p:cNvPr>
+              <p:cNvSpPr>
+                <a:spLocks noChangeAspect="1"/>
+              </p:cNvSpPr>
+              <p:nvPr/>
+            </p:nvSpPr>
+            <p:spPr>
+              <a:xfrm>
+                <a:off x="371062" y="208722"/>
+                <a:ext cx="11449877" cy="6440556"/>
+              </a:xfrm>
+              <a:prstGeom prst="rect">
+                <a:avLst/>
+              </a:prstGeom>
+              <a:solidFill>
+                <a:schemeClr val="bg1"/>
+              </a:solidFill>
+              <a:ln>
+                <a:solidFill>
+                  <a:schemeClr val="tx1"/>
+                </a:solidFill>
+              </a:ln>
+            </p:spPr>
+            <p:style>
+              <a:lnRef idx="2">
+                <a:schemeClr val="accent1">
+                  <a:shade val="15000"/>
+                </a:schemeClr>
+              </a:lnRef>
+              <a:fillRef idx="1">
+                <a:schemeClr val="accent1"/>
+              </a:fillRef>
+              <a:effectRef idx="0">
+                <a:schemeClr val="accent1"/>
+              </a:effectRef>
+              <a:fontRef idx="minor">
+                <a:schemeClr val="lt1"/>
+              </a:fontRef>
+            </p:style>
+            <p:txBody>
+              <a:bodyPr rtlCol="0" anchor="ctr"/>
+              <a:lstStyle/>
+              <a:p>
+                <a:pPr algn="ctr"/>
+                <a:endParaRPr lang="ko-KR" altLang="en-US" sz="700"/>
+              </a:p>
+            </p:txBody>
+          </p:sp>
+          <p:sp>
+            <p:nvSpPr>
+              <p:cNvPr id="5" name="직사각형 4">
+                <a:extLst>
+                  <a:ext uri="{FF2B5EF4-FFF2-40B4-BE49-F238E27FC236}">
+                    <a16:creationId xmlns:a16="http://schemas.microsoft.com/office/drawing/2014/main" id="{B4FCFEC5-B04E-1DF5-2DD1-9ECECE2005E8}"/>
+                  </a:ext>
+                </a:extLst>
+              </p:cNvPr>
+              <p:cNvSpPr/>
+              <p:nvPr/>
+            </p:nvSpPr>
+            <p:spPr>
+              <a:xfrm>
+                <a:off x="371062" y="5493026"/>
+                <a:ext cx="11449876" cy="1156252"/>
+              </a:xfrm>
+              <a:prstGeom prst="rect">
+                <a:avLst/>
+              </a:prstGeom>
+              <a:solidFill>
+                <a:schemeClr val="tx1">
+                  <a:lumMod val="65000"/>
+                  <a:lumOff val="35000"/>
+                </a:schemeClr>
+              </a:solidFill>
+              <a:ln>
+                <a:solidFill>
+                  <a:schemeClr val="tx1"/>
+                </a:solidFill>
+              </a:ln>
+            </p:spPr>
+            <p:style>
+              <a:lnRef idx="2">
+                <a:schemeClr val="accent1">
+                  <a:shade val="15000"/>
+                </a:schemeClr>
+              </a:lnRef>
+              <a:fillRef idx="1">
+                <a:schemeClr val="accent1"/>
+              </a:fillRef>
+              <a:effectRef idx="0">
+                <a:schemeClr val="accent1"/>
+              </a:effectRef>
+              <a:fontRef idx="minor">
+                <a:schemeClr val="lt1"/>
+              </a:fontRef>
+            </p:style>
+            <p:txBody>
+              <a:bodyPr rtlCol="0" anchor="ctr"/>
+              <a:lstStyle/>
+              <a:p>
+                <a:pPr algn="ctr"/>
+                <a:endParaRPr lang="ko-KR" altLang="en-US" sz="700"/>
+              </a:p>
+            </p:txBody>
+          </p:sp>
+          <p:sp>
+            <p:nvSpPr>
+              <p:cNvPr id="6" name="사각형: 둥근 모서리 5">
+                <a:extLst>
+                  <a:ext uri="{FF2B5EF4-FFF2-40B4-BE49-F238E27FC236}">
+                    <a16:creationId xmlns:a16="http://schemas.microsoft.com/office/drawing/2014/main" id="{F04957BD-4064-36AA-EFEB-0EA79B6A55BF}"/>
+                  </a:ext>
+                </a:extLst>
+              </p:cNvPr>
+              <p:cNvSpPr/>
+              <p:nvPr/>
+            </p:nvSpPr>
+            <p:spPr>
+              <a:xfrm>
+                <a:off x="578115" y="4210904"/>
+                <a:ext cx="722243" cy="1282122"/>
+              </a:xfrm>
+              <a:prstGeom prst="roundRect">
+                <a:avLst/>
+              </a:prstGeom>
+              <a:ln>
+                <a:noFill/>
+              </a:ln>
+            </p:spPr>
+            <p:style>
+              <a:lnRef idx="2">
+                <a:schemeClr val="accent1">
+                  <a:shade val="15000"/>
+                </a:schemeClr>
+              </a:lnRef>
+              <a:fillRef idx="1">
+                <a:schemeClr val="accent1"/>
+              </a:fillRef>
+              <a:effectRef idx="0">
+                <a:schemeClr val="accent1"/>
+              </a:effectRef>
+              <a:fontRef idx="minor">
+                <a:schemeClr val="lt1"/>
+              </a:fontRef>
+            </p:style>
+            <p:txBody>
+              <a:bodyPr rtlCol="0" anchor="ctr"/>
+              <a:lstStyle/>
+              <a:p>
+                <a:pPr algn="ctr"/>
+                <a:endParaRPr lang="ko-KR" altLang="en-US" sz="700"/>
+              </a:p>
+            </p:txBody>
+          </p:sp>
+          <p:sp>
+            <p:nvSpPr>
+              <p:cNvPr id="7" name="직사각형 6">
+                <a:extLst>
+                  <a:ext uri="{FF2B5EF4-FFF2-40B4-BE49-F238E27FC236}">
+                    <a16:creationId xmlns:a16="http://schemas.microsoft.com/office/drawing/2014/main" id="{E540E4C3-F8A9-8D67-CA46-28EDC4A3F9F5}"/>
+                  </a:ext>
+                </a:extLst>
+              </p:cNvPr>
+              <p:cNvSpPr/>
+              <p:nvPr/>
+            </p:nvSpPr>
+            <p:spPr>
+              <a:xfrm>
+                <a:off x="4923703" y="4953026"/>
+                <a:ext cx="540000" cy="540000"/>
+              </a:xfrm>
+              <a:prstGeom prst="rect">
+                <a:avLst/>
+              </a:prstGeom>
+              <a:solidFill>
+                <a:schemeClr val="accent2">
+                  <a:lumMod val="75000"/>
+                </a:schemeClr>
+              </a:solidFill>
+              <a:ln>
+                <a:noFill/>
+              </a:ln>
+            </p:spPr>
+            <p:style>
+              <a:lnRef idx="2">
+                <a:schemeClr val="accent1">
+                  <a:shade val="15000"/>
+                </a:schemeClr>
+              </a:lnRef>
+              <a:fillRef idx="1">
+                <a:schemeClr val="accent1"/>
+              </a:fillRef>
+              <a:effectRef idx="0">
+                <a:schemeClr val="accent1"/>
+              </a:effectRef>
+              <a:fontRef idx="minor">
+                <a:schemeClr val="lt1"/>
+              </a:fontRef>
+            </p:style>
+            <p:txBody>
+              <a:bodyPr rtlCol="0" anchor="ctr"/>
+              <a:lstStyle/>
+              <a:p>
+                <a:pPr algn="ctr"/>
+                <a:endParaRPr lang="ko-KR" altLang="en-US" sz="700"/>
+              </a:p>
+            </p:txBody>
+          </p:sp>
+          <p:sp>
+            <p:nvSpPr>
+              <p:cNvPr id="10" name="직사각형 9">
+                <a:extLst>
+                  <a:ext uri="{FF2B5EF4-FFF2-40B4-BE49-F238E27FC236}">
+                    <a16:creationId xmlns:a16="http://schemas.microsoft.com/office/drawing/2014/main" id="{61AB65C7-D017-36A6-EF6A-D40DA96CB956}"/>
+                  </a:ext>
+                </a:extLst>
+              </p:cNvPr>
+              <p:cNvSpPr/>
+              <p:nvPr/>
+            </p:nvSpPr>
+            <p:spPr>
+              <a:xfrm>
+                <a:off x="8186557" y="3860605"/>
+                <a:ext cx="540000" cy="540000"/>
+              </a:xfrm>
+              <a:prstGeom prst="rect">
+                <a:avLst/>
+              </a:prstGeom>
+              <a:solidFill>
+                <a:schemeClr val="accent2">
+                  <a:lumMod val="75000"/>
+                </a:schemeClr>
+              </a:solidFill>
+              <a:ln>
+                <a:noFill/>
+              </a:ln>
+            </p:spPr>
+            <p:style>
+              <a:lnRef idx="2">
+                <a:schemeClr val="accent1">
+                  <a:shade val="15000"/>
+                </a:schemeClr>
+              </a:lnRef>
+              <a:fillRef idx="1">
+                <a:schemeClr val="accent1"/>
+              </a:fillRef>
+              <a:effectRef idx="0">
+                <a:schemeClr val="accent1"/>
+              </a:effectRef>
+              <a:fontRef idx="minor">
+                <a:schemeClr val="lt1"/>
+              </a:fontRef>
+            </p:style>
+            <p:txBody>
+              <a:bodyPr rtlCol="0" anchor="ctr"/>
+              <a:lstStyle/>
+              <a:p>
+                <a:pPr algn="ctr"/>
+                <a:endParaRPr lang="ko-KR" altLang="en-US" sz="700"/>
+              </a:p>
+            </p:txBody>
+          </p:sp>
+          <p:sp>
+            <p:nvSpPr>
+              <p:cNvPr id="27" name="TextBox 26">
+                <a:extLst>
+                  <a:ext uri="{FF2B5EF4-FFF2-40B4-BE49-F238E27FC236}">
+                    <a16:creationId xmlns:a16="http://schemas.microsoft.com/office/drawing/2014/main" id="{936DB427-9788-1B43-4397-52D268C61943}"/>
+                  </a:ext>
+                </a:extLst>
+              </p:cNvPr>
+              <p:cNvSpPr txBox="1"/>
+              <p:nvPr/>
+            </p:nvSpPr>
+            <p:spPr>
+              <a:xfrm>
+                <a:off x="9932503" y="311426"/>
+                <a:ext cx="1563758" cy="372516"/>
+              </a:xfrm>
+              <a:prstGeom prst="rect">
+                <a:avLst/>
+              </a:prstGeom>
+              <a:noFill/>
+            </p:spPr>
+            <p:txBody>
+              <a:bodyPr wrap="square" rtlCol="0">
+                <a:spAutoFit/>
+              </a:bodyPr>
+              <a:lstStyle/>
+              <a:p>
+                <a:pPr algn="ctr"/>
+                <a:r>
+                  <a:rPr lang="en-US" altLang="ko-KR" sz="700" b="1" dirty="0"/>
+                  <a:t>&lt;</a:t>
+                </a:r>
+                <a:r>
+                  <a:rPr lang="ko-KR" altLang="en-US" sz="700" b="1" dirty="0"/>
+                  <a:t>현재 순위</a:t>
+                </a:r>
+                <a:r>
+                  <a:rPr lang="en-US" altLang="ko-KR" sz="700" b="1" dirty="0"/>
+                  <a:t>&gt;</a:t>
+                </a:r>
+                <a:endParaRPr lang="ko-KR" altLang="en-US" sz="700" b="1" dirty="0"/>
+              </a:p>
+            </p:txBody>
+          </p:sp>
+          <p:grpSp>
+            <p:nvGrpSpPr>
+              <p:cNvPr id="34" name="그룹 33">
+                <a:extLst>
+                  <a:ext uri="{FF2B5EF4-FFF2-40B4-BE49-F238E27FC236}">
+                    <a16:creationId xmlns:a16="http://schemas.microsoft.com/office/drawing/2014/main" id="{ACD35E42-3EFD-0E85-C5B7-A95B6B56B171}"/>
+                  </a:ext>
+                </a:extLst>
+              </p:cNvPr>
+              <p:cNvGrpSpPr/>
+              <p:nvPr/>
+            </p:nvGrpSpPr>
+            <p:grpSpPr>
+              <a:xfrm>
+                <a:off x="9690652" y="682717"/>
+                <a:ext cx="2047462" cy="360000"/>
+                <a:chOff x="9687339" y="685059"/>
+                <a:chExt cx="2047462" cy="360000"/>
+              </a:xfrm>
+            </p:grpSpPr>
+            <p:sp>
+              <p:nvSpPr>
+                <p:cNvPr id="28" name="직사각형 27">
+                  <a:extLst>
+                    <a:ext uri="{FF2B5EF4-FFF2-40B4-BE49-F238E27FC236}">
+                      <a16:creationId xmlns:a16="http://schemas.microsoft.com/office/drawing/2014/main" id="{6A18D918-4333-58E5-0119-0C9E4EEA0399}"/>
+                    </a:ext>
+                  </a:extLst>
+                </p:cNvPr>
+                <p:cNvSpPr/>
+                <p:nvPr/>
+              </p:nvSpPr>
+              <p:spPr>
+                <a:xfrm>
+                  <a:off x="9687339" y="685059"/>
+                  <a:ext cx="324678" cy="360000"/>
+                </a:xfrm>
+                <a:prstGeom prst="rect">
+                  <a:avLst/>
+                </a:prstGeom>
+                <a:solidFill>
+                  <a:srgbClr val="FFFF00"/>
+                </a:solidFill>
+                <a:ln>
+                  <a:noFill/>
+                </a:ln>
+              </p:spPr>
+              <p:style>
+                <a:lnRef idx="2">
+                  <a:schemeClr val="accent1">
+                    <a:shade val="15000"/>
+                  </a:schemeClr>
+                </a:lnRef>
+                <a:fillRef idx="1">
+                  <a:schemeClr val="accent1"/>
+                </a:fillRef>
+                <a:effectRef idx="0">
+                  <a:schemeClr val="accent1"/>
+                </a:effectRef>
+                <a:fontRef idx="minor">
+                  <a:schemeClr val="lt1"/>
+                </a:fontRef>
+              </p:style>
+              <p:txBody>
+                <a:bodyPr rtlCol="0" anchor="ctr"/>
+                <a:lstStyle/>
+                <a:p>
+                  <a:pPr algn="ctr"/>
+                  <a:r>
+                    <a:rPr lang="en-US" altLang="ko-KR" sz="700" dirty="0">
+                      <a:solidFill>
+                        <a:schemeClr val="tx1"/>
+                      </a:solidFill>
+                    </a:rPr>
+                    <a:t>1</a:t>
+                  </a:r>
+                  <a:endParaRPr lang="ko-KR" altLang="en-US" sz="700" dirty="0">
+                    <a:solidFill>
+                      <a:schemeClr val="tx1"/>
+                    </a:solidFill>
+                  </a:endParaRPr>
+                </a:p>
+              </p:txBody>
+            </p:sp>
+            <p:sp>
+              <p:nvSpPr>
+                <p:cNvPr id="31" name="직사각형 30">
+                  <a:extLst>
+                    <a:ext uri="{FF2B5EF4-FFF2-40B4-BE49-F238E27FC236}">
+                      <a16:creationId xmlns:a16="http://schemas.microsoft.com/office/drawing/2014/main" id="{51F669A4-875E-F7A7-FCFB-9030BCC484E2}"/>
+                    </a:ext>
+                  </a:extLst>
+                </p:cNvPr>
+                <p:cNvSpPr/>
+                <p:nvPr/>
+              </p:nvSpPr>
+              <p:spPr>
+                <a:xfrm>
+                  <a:off x="10012017" y="685059"/>
+                  <a:ext cx="556592" cy="360000"/>
+                </a:xfrm>
+                <a:prstGeom prst="rect">
+                  <a:avLst/>
+                </a:prstGeom>
+                <a:solidFill>
+                  <a:schemeClr val="bg2">
+                    <a:lumMod val="75000"/>
+                  </a:schemeClr>
+                </a:solidFill>
+                <a:ln>
+                  <a:noFill/>
+                </a:ln>
+              </p:spPr>
+              <p:style>
+                <a:lnRef idx="2">
+                  <a:schemeClr val="accent1">
+                    <a:shade val="15000"/>
+                  </a:schemeClr>
+                </a:lnRef>
+                <a:fillRef idx="1">
+                  <a:schemeClr val="accent1"/>
+                </a:fillRef>
+                <a:effectRef idx="0">
+                  <a:schemeClr val="accent1"/>
+                </a:effectRef>
+                <a:fontRef idx="minor">
+                  <a:schemeClr val="lt1"/>
+                </a:fontRef>
+              </p:style>
+              <p:txBody>
+                <a:bodyPr rtlCol="0" anchor="ctr"/>
+                <a:lstStyle/>
+                <a:p>
+                  <a:r>
+                    <a:rPr lang="en-US" altLang="ko-KR" sz="500" dirty="0">
+                      <a:solidFill>
+                        <a:schemeClr val="tx1"/>
+                      </a:solidFill>
+                    </a:rPr>
+                    <a:t>You</a:t>
+                  </a:r>
+                  <a:endParaRPr lang="ko-KR" altLang="en-US" sz="500" dirty="0">
+                    <a:solidFill>
+                      <a:schemeClr val="tx1"/>
+                    </a:solidFill>
+                  </a:endParaRPr>
+                </a:p>
+              </p:txBody>
+            </p:sp>
+            <p:sp>
+              <p:nvSpPr>
+                <p:cNvPr id="33" name="직사각형 32">
+                  <a:extLst>
+                    <a:ext uri="{FF2B5EF4-FFF2-40B4-BE49-F238E27FC236}">
+                      <a16:creationId xmlns:a16="http://schemas.microsoft.com/office/drawing/2014/main" id="{2D333857-3791-1C58-9FBF-9B984C3787CE}"/>
+                    </a:ext>
+                  </a:extLst>
+                </p:cNvPr>
+                <p:cNvSpPr/>
+                <p:nvPr/>
+              </p:nvSpPr>
+              <p:spPr>
+                <a:xfrm>
+                  <a:off x="10508972" y="685059"/>
+                  <a:ext cx="1225829" cy="360000"/>
+                </a:xfrm>
+                <a:prstGeom prst="rect">
+                  <a:avLst/>
+                </a:prstGeom>
+                <a:solidFill>
+                  <a:schemeClr val="bg2">
+                    <a:lumMod val="75000"/>
+                  </a:schemeClr>
+                </a:solidFill>
+                <a:ln>
+                  <a:noFill/>
+                </a:ln>
+              </p:spPr>
+              <p:style>
+                <a:lnRef idx="2">
+                  <a:schemeClr val="accent1">
+                    <a:shade val="15000"/>
+                  </a:schemeClr>
+                </a:lnRef>
+                <a:fillRef idx="1">
+                  <a:schemeClr val="accent1"/>
+                </a:fillRef>
+                <a:effectRef idx="0">
+                  <a:schemeClr val="accent1"/>
+                </a:effectRef>
+                <a:fontRef idx="minor">
+                  <a:schemeClr val="lt1"/>
+                </a:fontRef>
+              </p:style>
+              <p:txBody>
+                <a:bodyPr rtlCol="0" anchor="ctr"/>
+                <a:lstStyle/>
+                <a:p>
+                  <a:pPr algn="r"/>
+                  <a:r>
+                    <a:rPr lang="en-US" altLang="ko-KR" sz="500" dirty="0">
+                      <a:solidFill>
+                        <a:schemeClr val="tx1"/>
+                      </a:solidFill>
+                    </a:rPr>
+                    <a:t>123,000pt</a:t>
+                  </a:r>
+                  <a:endParaRPr lang="ko-KR" altLang="en-US" sz="500" dirty="0">
+                    <a:solidFill>
+                      <a:schemeClr val="tx1"/>
+                    </a:solidFill>
+                  </a:endParaRPr>
+                </a:p>
+              </p:txBody>
+            </p:sp>
+          </p:grpSp>
+          <p:grpSp>
+            <p:nvGrpSpPr>
+              <p:cNvPr id="35" name="그룹 34">
+                <a:extLst>
+                  <a:ext uri="{FF2B5EF4-FFF2-40B4-BE49-F238E27FC236}">
+                    <a16:creationId xmlns:a16="http://schemas.microsoft.com/office/drawing/2014/main" id="{1FA44A67-88D2-A6F5-16D7-A8180F142237}"/>
+                  </a:ext>
+                </a:extLst>
+              </p:cNvPr>
+              <p:cNvGrpSpPr/>
+              <p:nvPr/>
+            </p:nvGrpSpPr>
+            <p:grpSpPr>
+              <a:xfrm>
+                <a:off x="9690652" y="1044675"/>
+                <a:ext cx="2047462" cy="360000"/>
+                <a:chOff x="9687339" y="685059"/>
+                <a:chExt cx="2047462" cy="360000"/>
+              </a:xfrm>
+            </p:grpSpPr>
+            <p:sp>
+              <p:nvSpPr>
+                <p:cNvPr id="36" name="직사각형 35">
+                  <a:extLst>
+                    <a:ext uri="{FF2B5EF4-FFF2-40B4-BE49-F238E27FC236}">
+                      <a16:creationId xmlns:a16="http://schemas.microsoft.com/office/drawing/2014/main" id="{2C8595FC-D1A5-F547-CC60-E87CE1BA226A}"/>
+                    </a:ext>
+                  </a:extLst>
+                </p:cNvPr>
+                <p:cNvSpPr/>
+                <p:nvPr/>
+              </p:nvSpPr>
+              <p:spPr>
+                <a:xfrm>
+                  <a:off x="9687339" y="685059"/>
+                  <a:ext cx="324678" cy="360000"/>
+                </a:xfrm>
+                <a:prstGeom prst="rect">
+                  <a:avLst/>
+                </a:prstGeom>
+                <a:solidFill>
+                  <a:schemeClr val="bg1">
+                    <a:lumMod val="85000"/>
+                  </a:schemeClr>
+                </a:solidFill>
+                <a:ln>
+                  <a:noFill/>
+                </a:ln>
+              </p:spPr>
+              <p:style>
+                <a:lnRef idx="2">
+                  <a:schemeClr val="accent1">
+                    <a:shade val="15000"/>
+                  </a:schemeClr>
+                </a:lnRef>
+                <a:fillRef idx="1">
+                  <a:schemeClr val="accent1"/>
+                </a:fillRef>
+                <a:effectRef idx="0">
+                  <a:schemeClr val="accent1"/>
+                </a:effectRef>
+                <a:fontRef idx="minor">
+                  <a:schemeClr val="lt1"/>
+                </a:fontRef>
+              </p:style>
+              <p:txBody>
+                <a:bodyPr rtlCol="0" anchor="ctr"/>
+                <a:lstStyle/>
+                <a:p>
+                  <a:pPr algn="ctr"/>
+                  <a:r>
+                    <a:rPr lang="en-US" altLang="ko-KR" sz="700" dirty="0">
+                      <a:solidFill>
+                        <a:schemeClr val="tx1"/>
+                      </a:solidFill>
+                    </a:rPr>
+                    <a:t>2</a:t>
+                  </a:r>
+                  <a:endParaRPr lang="ko-KR" altLang="en-US" sz="700" dirty="0">
+                    <a:solidFill>
+                      <a:schemeClr val="tx1"/>
+                    </a:solidFill>
+                  </a:endParaRPr>
+                </a:p>
+              </p:txBody>
+            </p:sp>
+            <p:sp>
+              <p:nvSpPr>
+                <p:cNvPr id="37" name="직사각형 36">
+                  <a:extLst>
+                    <a:ext uri="{FF2B5EF4-FFF2-40B4-BE49-F238E27FC236}">
+                      <a16:creationId xmlns:a16="http://schemas.microsoft.com/office/drawing/2014/main" id="{E46CA319-BC1A-4982-F651-4745A7B49748}"/>
+                    </a:ext>
+                  </a:extLst>
+                </p:cNvPr>
+                <p:cNvSpPr/>
+                <p:nvPr/>
+              </p:nvSpPr>
+              <p:spPr>
+                <a:xfrm>
+                  <a:off x="10012017" y="685059"/>
+                  <a:ext cx="556592" cy="360000"/>
+                </a:xfrm>
+                <a:prstGeom prst="rect">
+                  <a:avLst/>
+                </a:prstGeom>
+                <a:solidFill>
+                  <a:schemeClr val="bg1"/>
+                </a:solidFill>
+                <a:ln>
+                  <a:noFill/>
+                </a:ln>
+              </p:spPr>
+              <p:style>
+                <a:lnRef idx="2">
+                  <a:schemeClr val="accent1">
+                    <a:shade val="15000"/>
+                  </a:schemeClr>
+                </a:lnRef>
+                <a:fillRef idx="1">
+                  <a:schemeClr val="accent1"/>
+                </a:fillRef>
+                <a:effectRef idx="0">
+                  <a:schemeClr val="accent1"/>
+                </a:effectRef>
+                <a:fontRef idx="minor">
+                  <a:schemeClr val="lt1"/>
+                </a:fontRef>
+              </p:style>
+              <p:txBody>
+                <a:bodyPr rtlCol="0" anchor="ctr"/>
+                <a:lstStyle/>
+                <a:p>
+                  <a:r>
+                    <a:rPr lang="en-US" altLang="ko-KR" sz="500" dirty="0">
+                      <a:solidFill>
+                        <a:schemeClr val="tx1"/>
+                      </a:solidFill>
+                    </a:rPr>
+                    <a:t>P1</a:t>
+                  </a:r>
+                  <a:endParaRPr lang="ko-KR" altLang="en-US" sz="500" dirty="0">
+                    <a:solidFill>
+                      <a:schemeClr val="tx1"/>
+                    </a:solidFill>
+                  </a:endParaRPr>
+                </a:p>
+              </p:txBody>
+            </p:sp>
+            <p:sp>
+              <p:nvSpPr>
+                <p:cNvPr id="38" name="직사각형 37">
+                  <a:extLst>
+                    <a:ext uri="{FF2B5EF4-FFF2-40B4-BE49-F238E27FC236}">
+                      <a16:creationId xmlns:a16="http://schemas.microsoft.com/office/drawing/2014/main" id="{906E26DB-92B3-BADE-3FF4-BF105D06BBF7}"/>
+                    </a:ext>
+                  </a:extLst>
+                </p:cNvPr>
+                <p:cNvSpPr/>
+                <p:nvPr/>
+              </p:nvSpPr>
+              <p:spPr>
+                <a:xfrm>
+                  <a:off x="10508972" y="685059"/>
+                  <a:ext cx="1225829" cy="360000"/>
+                </a:xfrm>
+                <a:prstGeom prst="rect">
+                  <a:avLst/>
+                </a:prstGeom>
+                <a:solidFill>
+                  <a:schemeClr val="bg1"/>
+                </a:solidFill>
+                <a:ln>
+                  <a:noFill/>
+                </a:ln>
+              </p:spPr>
+              <p:style>
+                <a:lnRef idx="2">
+                  <a:schemeClr val="accent1">
+                    <a:shade val="15000"/>
+                  </a:schemeClr>
+                </a:lnRef>
+                <a:fillRef idx="1">
+                  <a:schemeClr val="accent1"/>
+                </a:fillRef>
+                <a:effectRef idx="0">
+                  <a:schemeClr val="accent1"/>
+                </a:effectRef>
+                <a:fontRef idx="minor">
+                  <a:schemeClr val="lt1"/>
+                </a:fontRef>
+              </p:style>
+              <p:txBody>
+                <a:bodyPr rtlCol="0" anchor="ctr"/>
+                <a:lstStyle/>
+                <a:p>
+                  <a:pPr algn="r"/>
+                  <a:r>
+                    <a:rPr lang="en-US" altLang="ko-KR" sz="500" dirty="0">
+                      <a:solidFill>
+                        <a:schemeClr val="tx1"/>
+                      </a:solidFill>
+                    </a:rPr>
+                    <a:t>96,000pt</a:t>
+                  </a:r>
+                  <a:endParaRPr lang="ko-KR" altLang="en-US" sz="500" dirty="0">
+                    <a:solidFill>
+                      <a:schemeClr val="tx1"/>
+                    </a:solidFill>
+                  </a:endParaRPr>
+                </a:p>
+              </p:txBody>
+            </p:sp>
+          </p:grpSp>
+          <p:grpSp>
+            <p:nvGrpSpPr>
+              <p:cNvPr id="39" name="그룹 38">
+                <a:extLst>
+                  <a:ext uri="{FF2B5EF4-FFF2-40B4-BE49-F238E27FC236}">
+                    <a16:creationId xmlns:a16="http://schemas.microsoft.com/office/drawing/2014/main" id="{23591A42-8705-69C1-91C5-D40DEEE425EB}"/>
+                  </a:ext>
+                </a:extLst>
+              </p:cNvPr>
+              <p:cNvGrpSpPr/>
+              <p:nvPr/>
+            </p:nvGrpSpPr>
+            <p:grpSpPr>
+              <a:xfrm>
+                <a:off x="9690652" y="1406633"/>
+                <a:ext cx="2047462" cy="360000"/>
+                <a:chOff x="9687339" y="685059"/>
+                <a:chExt cx="2047462" cy="360000"/>
+              </a:xfrm>
+            </p:grpSpPr>
+            <p:sp>
+              <p:nvSpPr>
+                <p:cNvPr id="40" name="직사각형 39">
+                  <a:extLst>
+                    <a:ext uri="{FF2B5EF4-FFF2-40B4-BE49-F238E27FC236}">
+                      <a16:creationId xmlns:a16="http://schemas.microsoft.com/office/drawing/2014/main" id="{28D1FA2B-76FF-1035-A849-E22F466599AA}"/>
+                    </a:ext>
+                  </a:extLst>
+                </p:cNvPr>
+                <p:cNvSpPr/>
+                <p:nvPr/>
+              </p:nvSpPr>
+              <p:spPr>
+                <a:xfrm>
+                  <a:off x="9687339" y="685059"/>
+                  <a:ext cx="324678" cy="360000"/>
+                </a:xfrm>
+                <a:prstGeom prst="rect">
+                  <a:avLst/>
+                </a:prstGeom>
+                <a:solidFill>
+                  <a:schemeClr val="accent2">
+                    <a:lumMod val="60000"/>
+                    <a:lumOff val="40000"/>
+                  </a:schemeClr>
+                </a:solidFill>
+                <a:ln>
+                  <a:noFill/>
+                </a:ln>
+              </p:spPr>
+              <p:style>
+                <a:lnRef idx="2">
+                  <a:schemeClr val="accent1">
+                    <a:shade val="15000"/>
+                  </a:schemeClr>
+                </a:lnRef>
+                <a:fillRef idx="1">
+                  <a:schemeClr val="accent1"/>
+                </a:fillRef>
+                <a:effectRef idx="0">
+                  <a:schemeClr val="accent1"/>
+                </a:effectRef>
+                <a:fontRef idx="minor">
+                  <a:schemeClr val="lt1"/>
+                </a:fontRef>
+              </p:style>
+              <p:txBody>
+                <a:bodyPr rtlCol="0" anchor="ctr"/>
+                <a:lstStyle/>
+                <a:p>
+                  <a:pPr algn="ctr"/>
+                  <a:r>
+                    <a:rPr lang="en-US" altLang="ko-KR" sz="700" dirty="0">
+                      <a:solidFill>
+                        <a:schemeClr val="tx1"/>
+                      </a:solidFill>
+                    </a:rPr>
+                    <a:t>3</a:t>
+                  </a:r>
+                  <a:endParaRPr lang="ko-KR" altLang="en-US" sz="700" dirty="0">
+                    <a:solidFill>
+                      <a:schemeClr val="tx1"/>
+                    </a:solidFill>
+                  </a:endParaRPr>
+                </a:p>
+              </p:txBody>
+            </p:sp>
+            <p:sp>
+              <p:nvSpPr>
+                <p:cNvPr id="41" name="직사각형 40">
+                  <a:extLst>
+                    <a:ext uri="{FF2B5EF4-FFF2-40B4-BE49-F238E27FC236}">
+                      <a16:creationId xmlns:a16="http://schemas.microsoft.com/office/drawing/2014/main" id="{7B5805AF-87E8-DFC3-BCB5-861DCB3FDEEF}"/>
+                    </a:ext>
+                  </a:extLst>
+                </p:cNvPr>
+                <p:cNvSpPr/>
+                <p:nvPr/>
+              </p:nvSpPr>
+              <p:spPr>
+                <a:xfrm>
+                  <a:off x="10012017" y="685059"/>
+                  <a:ext cx="556592" cy="360000"/>
+                </a:xfrm>
+                <a:prstGeom prst="rect">
+                  <a:avLst/>
+                </a:prstGeom>
+                <a:solidFill>
+                  <a:schemeClr val="bg1"/>
+                </a:solidFill>
+                <a:ln>
+                  <a:noFill/>
+                </a:ln>
+              </p:spPr>
+              <p:style>
+                <a:lnRef idx="2">
+                  <a:schemeClr val="accent1">
+                    <a:shade val="15000"/>
+                  </a:schemeClr>
+                </a:lnRef>
+                <a:fillRef idx="1">
+                  <a:schemeClr val="accent1"/>
+                </a:fillRef>
+                <a:effectRef idx="0">
+                  <a:schemeClr val="accent1"/>
+                </a:effectRef>
+                <a:fontRef idx="minor">
+                  <a:schemeClr val="lt1"/>
+                </a:fontRef>
+              </p:style>
+              <p:txBody>
+                <a:bodyPr rtlCol="0" anchor="ctr"/>
+                <a:lstStyle/>
+                <a:p>
+                  <a:r>
+                    <a:rPr lang="en-US" altLang="ko-KR" sz="500" dirty="0">
+                      <a:solidFill>
+                        <a:schemeClr val="tx1"/>
+                      </a:solidFill>
+                    </a:rPr>
+                    <a:t>P2</a:t>
+                  </a:r>
+                  <a:endParaRPr lang="ko-KR" altLang="en-US" sz="500" dirty="0">
+                    <a:solidFill>
+                      <a:schemeClr val="tx1"/>
+                    </a:solidFill>
+                  </a:endParaRPr>
+                </a:p>
+              </p:txBody>
+            </p:sp>
+            <p:sp>
+              <p:nvSpPr>
+                <p:cNvPr id="42" name="직사각형 41">
+                  <a:extLst>
+                    <a:ext uri="{FF2B5EF4-FFF2-40B4-BE49-F238E27FC236}">
+                      <a16:creationId xmlns:a16="http://schemas.microsoft.com/office/drawing/2014/main" id="{E9BC2B7D-6162-095C-154F-3DC1EE4D325B}"/>
+                    </a:ext>
+                  </a:extLst>
+                </p:cNvPr>
+                <p:cNvSpPr/>
+                <p:nvPr/>
+              </p:nvSpPr>
+              <p:spPr>
+                <a:xfrm>
+                  <a:off x="10508972" y="685059"/>
+                  <a:ext cx="1225829" cy="360000"/>
+                </a:xfrm>
+                <a:prstGeom prst="rect">
+                  <a:avLst/>
+                </a:prstGeom>
+                <a:solidFill>
+                  <a:schemeClr val="bg1"/>
+                </a:solidFill>
+                <a:ln>
+                  <a:noFill/>
+                </a:ln>
+              </p:spPr>
+              <p:style>
+                <a:lnRef idx="2">
+                  <a:schemeClr val="accent1">
+                    <a:shade val="15000"/>
+                  </a:schemeClr>
+                </a:lnRef>
+                <a:fillRef idx="1">
+                  <a:schemeClr val="accent1"/>
+                </a:fillRef>
+                <a:effectRef idx="0">
+                  <a:schemeClr val="accent1"/>
+                </a:effectRef>
+                <a:fontRef idx="minor">
+                  <a:schemeClr val="lt1"/>
+                </a:fontRef>
+              </p:style>
+              <p:txBody>
+                <a:bodyPr rtlCol="0" anchor="ctr"/>
+                <a:lstStyle/>
+                <a:p>
+                  <a:pPr algn="r"/>
+                  <a:r>
+                    <a:rPr lang="en-US" altLang="ko-KR" sz="500" dirty="0">
+                      <a:solidFill>
+                        <a:schemeClr val="tx1"/>
+                      </a:solidFill>
+                    </a:rPr>
+                    <a:t>50,000pt</a:t>
+                  </a:r>
+                  <a:endParaRPr lang="ko-KR" altLang="en-US" sz="500" dirty="0">
+                    <a:solidFill>
+                      <a:schemeClr val="tx1"/>
+                    </a:solidFill>
+                  </a:endParaRPr>
+                </a:p>
+              </p:txBody>
+            </p:sp>
+          </p:grpSp>
+        </p:grpSp>
+        <p:sp>
+          <p:nvSpPr>
+            <p:cNvPr id="8" name="타원 7">
+              <a:extLst>
+                <a:ext uri="{FF2B5EF4-FFF2-40B4-BE49-F238E27FC236}">
+                  <a16:creationId xmlns:a16="http://schemas.microsoft.com/office/drawing/2014/main" id="{DDCDB9C3-58FE-BD68-A490-231296339E88}"/>
+                </a:ext>
+              </a:extLst>
+            </p:cNvPr>
+            <p:cNvSpPr/>
+            <p:nvPr/>
+          </p:nvSpPr>
+          <p:spPr>
+            <a:xfrm>
+              <a:off x="2859686" y="3366792"/>
+              <a:ext cx="144294" cy="144294"/>
+            </a:xfrm>
+            <a:prstGeom prst="ellipse">
+              <a:avLst/>
+            </a:prstGeom>
+            <a:solidFill>
+              <a:schemeClr val="tx1">
+                <a:lumMod val="85000"/>
+                <a:lumOff val="15000"/>
+              </a:schemeClr>
+            </a:solidFill>
+          </p:spPr>
+          <p:style>
+            <a:lnRef idx="2">
+              <a:schemeClr val="accent1">
+                <a:shade val="15000"/>
+              </a:schemeClr>
+            </a:lnRef>
+            <a:fillRef idx="1">
+              <a:schemeClr val="accent1"/>
+            </a:fillRef>
+            <a:effectRef idx="0">
+              <a:schemeClr val="accent1"/>
+            </a:effectRef>
+            <a:fontRef idx="minor">
+              <a:schemeClr val="lt1"/>
+            </a:fontRef>
+          </p:style>
+          <p:txBody>
+            <a:bodyPr rtlCol="0" anchor="ctr"/>
+            <a:lstStyle/>
+            <a:p>
+              <a:pPr algn="ctr"/>
+              <a:endParaRPr lang="ko-KR" altLang="en-US"/>
+            </a:p>
+          </p:txBody>
+        </p:sp>
+        <p:sp>
+          <p:nvSpPr>
+            <p:cNvPr id="9" name="직사각형 8">
+              <a:extLst>
+                <a:ext uri="{FF2B5EF4-FFF2-40B4-BE49-F238E27FC236}">
+                  <a16:creationId xmlns:a16="http://schemas.microsoft.com/office/drawing/2014/main" id="{13EDBE96-AA48-C434-D1F8-51D6DEA8C40B}"/>
+                </a:ext>
+              </a:extLst>
+            </p:cNvPr>
+            <p:cNvSpPr/>
+            <p:nvPr/>
+          </p:nvSpPr>
+          <p:spPr>
+            <a:xfrm>
+              <a:off x="5334000" y="1759879"/>
+              <a:ext cx="1524000" cy="280717"/>
+            </a:xfrm>
+            <a:prstGeom prst="rect">
+              <a:avLst/>
+            </a:prstGeom>
+          </p:spPr>
+          <p:style>
+            <a:lnRef idx="2">
+              <a:schemeClr val="accent1">
+                <a:shade val="15000"/>
+              </a:schemeClr>
+            </a:lnRef>
+            <a:fillRef idx="1">
+              <a:schemeClr val="accent1"/>
+            </a:fillRef>
+            <a:effectRef idx="0">
+              <a:schemeClr val="accent1"/>
+            </a:effectRef>
+            <a:fontRef idx="minor">
+              <a:schemeClr val="lt1"/>
+            </a:fontRef>
+          </p:style>
+          <p:txBody>
+            <a:bodyPr rtlCol="0" anchor="ctr"/>
+            <a:lstStyle/>
+            <a:p>
+              <a:pPr algn="ctr"/>
+              <a:r>
+                <a:rPr lang="ko-KR" altLang="en-US" sz="1050" dirty="0"/>
+                <a:t>현재 점수 </a:t>
+              </a:r>
+              <a:r>
+                <a:rPr lang="en-US" altLang="ko-KR" sz="1050" dirty="0"/>
+                <a:t>:</a:t>
+              </a:r>
+              <a:r>
+                <a:rPr lang="ko-KR" altLang="en-US" sz="1050" dirty="0"/>
+                <a:t> </a:t>
+              </a:r>
+              <a:r>
+                <a:rPr lang="en-US" altLang="ko-KR" sz="1050" dirty="0"/>
+                <a:t>123,000</a:t>
+              </a:r>
+              <a:endParaRPr lang="ko-KR" altLang="en-US" sz="1050" dirty="0"/>
+            </a:p>
+          </p:txBody>
+        </p:sp>
+        <p:sp>
+          <p:nvSpPr>
+            <p:cNvPr id="43" name="직사각형 42">
+              <a:extLst>
+                <a:ext uri="{FF2B5EF4-FFF2-40B4-BE49-F238E27FC236}">
+                  <a16:creationId xmlns:a16="http://schemas.microsoft.com/office/drawing/2014/main" id="{E31156E3-B204-EFCF-70F2-F3643423EB61}"/>
+                </a:ext>
+              </a:extLst>
+            </p:cNvPr>
+            <p:cNvSpPr/>
+            <p:nvPr/>
+          </p:nvSpPr>
+          <p:spPr>
+            <a:xfrm>
+              <a:off x="3041374" y="1687997"/>
+              <a:ext cx="6149007" cy="3458817"/>
+            </a:xfrm>
+            <a:prstGeom prst="rect">
+              <a:avLst/>
+            </a:prstGeom>
+            <a:solidFill>
+              <a:schemeClr val="bg2">
+                <a:lumMod val="50000"/>
+                <a:alpha val="50000"/>
+              </a:schemeClr>
+            </a:solidFill>
+          </p:spPr>
+          <p:style>
+            <a:lnRef idx="2">
+              <a:schemeClr val="accent1">
+                <a:shade val="15000"/>
+              </a:schemeClr>
+            </a:lnRef>
+            <a:fillRef idx="1">
+              <a:schemeClr val="accent1"/>
+            </a:fillRef>
+            <a:effectRef idx="0">
+              <a:schemeClr val="accent1"/>
+            </a:effectRef>
+            <a:fontRef idx="minor">
+              <a:schemeClr val="lt1"/>
+            </a:fontRef>
+          </p:style>
+          <p:txBody>
+            <a:bodyPr rtlCol="0" anchor="ctr"/>
+            <a:lstStyle/>
+            <a:p>
+              <a:pPr algn="ctr"/>
+              <a:endParaRPr lang="ko-KR" altLang="en-US"/>
+            </a:p>
+          </p:txBody>
+        </p:sp>
+        <p:sp>
+          <p:nvSpPr>
+            <p:cNvPr id="44" name="직사각형 43">
+              <a:extLst>
+                <a:ext uri="{FF2B5EF4-FFF2-40B4-BE49-F238E27FC236}">
+                  <a16:creationId xmlns:a16="http://schemas.microsoft.com/office/drawing/2014/main" id="{79652467-77FB-57C7-7838-DEC43C96CD25}"/>
+                </a:ext>
+              </a:extLst>
+            </p:cNvPr>
+            <p:cNvSpPr/>
+            <p:nvPr/>
+          </p:nvSpPr>
+          <p:spPr>
+            <a:xfrm>
+              <a:off x="5214730" y="2941982"/>
+              <a:ext cx="1765438" cy="1002179"/>
+            </a:xfrm>
+            <a:prstGeom prst="rect">
+              <a:avLst/>
+            </a:prstGeom>
+            <a:ln>
+              <a:noFill/>
+            </a:ln>
+          </p:spPr>
+          <p:style>
+            <a:lnRef idx="2">
+              <a:schemeClr val="accent1">
+                <a:shade val="15000"/>
+              </a:schemeClr>
+            </a:lnRef>
+            <a:fillRef idx="1">
+              <a:schemeClr val="accent1"/>
+            </a:fillRef>
+            <a:effectRef idx="0">
+              <a:schemeClr val="accent1"/>
+            </a:effectRef>
+            <a:fontRef idx="minor">
+              <a:schemeClr val="lt1"/>
+            </a:fontRef>
+          </p:style>
+          <p:txBody>
+            <a:bodyPr rtlCol="0" anchor="t"/>
+            <a:lstStyle/>
+            <a:p>
+              <a:pPr algn="ctr"/>
+              <a:endParaRPr lang="en-US" altLang="ko-KR" sz="1200" dirty="0"/>
+            </a:p>
+            <a:p>
+              <a:pPr algn="ctr"/>
+              <a:r>
+                <a:rPr lang="ko-KR" altLang="en-US" sz="1200" dirty="0"/>
+                <a:t>환경 설정</a:t>
+              </a:r>
+              <a:endParaRPr lang="en-US" altLang="ko-KR" sz="1200" dirty="0"/>
+            </a:p>
+            <a:p>
+              <a:pPr algn="ctr"/>
+              <a:endParaRPr lang="en-US" altLang="ko-KR" sz="1200" dirty="0"/>
+            </a:p>
+            <a:p>
+              <a:pPr algn="ctr"/>
+              <a:r>
+                <a:rPr lang="ko-KR" altLang="en-US" sz="1200" dirty="0"/>
+                <a:t>게임으로 돌아가기</a:t>
+              </a:r>
+            </a:p>
+          </p:txBody>
+        </p:sp>
+        <p:pic>
+          <p:nvPicPr>
+            <p:cNvPr id="13" name="그림 12" descr="텍스트, 스크린샷, 폰트, 번호이(가) 표시된 사진&#10;&#10;자동 생성된 설명">
+              <a:extLst>
+                <a:ext uri="{FF2B5EF4-FFF2-40B4-BE49-F238E27FC236}">
+                  <a16:creationId xmlns:a16="http://schemas.microsoft.com/office/drawing/2014/main" id="{4032B73B-B947-C9FC-F208-4404C30C2F25}"/>
+                </a:ext>
+              </a:extLst>
+            </p:cNvPr>
+            <p:cNvPicPr>
+              <a:picLocks noChangeAspect="1"/>
+            </p:cNvPicPr>
+            <p:nvPr/>
+          </p:nvPicPr>
+          <p:blipFill>
+            <a:blip r:embed="rId2">
+              <a:alphaModFix/>
+              <a:extLst>
+                <a:ext uri="{28A0092B-C50C-407E-A947-70E740481C1C}">
+                  <a14:useLocalDpi xmlns:a14="http://schemas.microsoft.com/office/drawing/2010/main" val="0"/>
+                </a:ext>
+              </a:extLst>
+            </a:blip>
+            <a:srcRect t="-4272"/>
+            <a:stretch/>
+          </p:blipFill>
+          <p:spPr>
+            <a:xfrm>
+              <a:off x="4090930" y="1665720"/>
+              <a:ext cx="3868227" cy="863901"/>
+            </a:xfrm>
+            <a:prstGeom prst="rect">
+              <a:avLst/>
+            </a:prstGeom>
+          </p:spPr>
+        </p:pic>
+      </p:grpSp>
+      <p:pic>
+        <p:nvPicPr>
+          <p:cNvPr id="16" name="그림 15" descr="스크린샷, 멀티미디어이(가) 표시된 사진&#10;&#10;AI가 생성한 콘텐츠는 부정확할 수 있습니다.">
+            <a:extLst>
+              <a:ext uri="{FF2B5EF4-FFF2-40B4-BE49-F238E27FC236}">
+                <a16:creationId xmlns:a16="http://schemas.microsoft.com/office/drawing/2014/main" id="{979B1229-6E36-A312-6F9C-9BABAADD6DCE}"/>
+              </a:ext>
+            </a:extLst>
+          </p:cNvPr>
+          <p:cNvPicPr>
+            <a:picLocks noChangeAspect="1"/>
+          </p:cNvPicPr>
+          <p:nvPr/>
+        </p:nvPicPr>
+        <p:blipFill>
+          <a:blip r:embed="rId3">
+            <a:extLst>
+              <a:ext uri="{28A0092B-C50C-407E-A947-70E740481C1C}">
+                <a14:useLocalDpi xmlns:a14="http://schemas.microsoft.com/office/drawing/2010/main" val="0"/>
+              </a:ext>
+            </a:extLst>
+          </a:blip>
+          <a:srcRect l="3376" t="7337"/>
+          <a:stretch/>
+        </p:blipFill>
+        <p:spPr>
+          <a:xfrm>
+            <a:off x="2794054" y="1568543"/>
+            <a:ext cx="6603892" cy="3650199"/>
+          </a:xfrm>
+          <a:prstGeom prst="rect">
+            <a:avLst/>
+          </a:prstGeom>
+        </p:spPr>
+      </p:pic>
+      <p:sp>
+        <p:nvSpPr>
+          <p:cNvPr id="21" name="사각형: 둥근 모서리 20">
+            <a:extLst>
+              <a:ext uri="{FF2B5EF4-FFF2-40B4-BE49-F238E27FC236}">
+                <a16:creationId xmlns:a16="http://schemas.microsoft.com/office/drawing/2014/main" id="{721E1BE9-0B41-6235-C8C6-ADEE48B5A984}"/>
+              </a:ext>
+            </a:extLst>
+          </p:cNvPr>
+          <p:cNvSpPr/>
+          <p:nvPr/>
+        </p:nvSpPr>
+        <p:spPr>
+          <a:xfrm>
+            <a:off x="3075641" y="1835248"/>
+            <a:ext cx="6040719" cy="3116788"/>
+          </a:xfrm>
+          <a:prstGeom prst="roundRect">
+            <a:avLst>
+              <a:gd name="adj" fmla="val 14966"/>
+            </a:avLst>
+          </a:prstGeom>
+          <a:solidFill>
+            <a:schemeClr val="bg2">
+              <a:lumMod val="50000"/>
+              <a:alpha val="55000"/>
+            </a:schemeClr>
+          </a:solidFill>
+        </p:spPr>
+        <p:style>
+          <a:lnRef idx="2">
+            <a:schemeClr val="accent1">
+              <a:shade val="15000"/>
+            </a:schemeClr>
+          </a:lnRef>
+          <a:fillRef idx="1">
+            <a:schemeClr val="accent1"/>
+          </a:fillRef>
+          <a:effectRef idx="0">
+            <a:schemeClr val="accent1"/>
+          </a:effectRef>
+          <a:fontRef idx="minor">
+            <a:schemeClr val="lt1"/>
+          </a:fontRef>
+        </p:style>
+        <p:txBody>
+          <a:bodyPr rtlCol="0" anchor="ctr"/>
+          <a:lstStyle/>
+          <a:p>
+            <a:pPr algn="ctr"/>
+            <a:endParaRPr lang="ko-KR" altLang="en-US"/>
+          </a:p>
+        </p:txBody>
+      </p:sp>
+      <p:grpSp>
+        <p:nvGrpSpPr>
+          <p:cNvPr id="24" name="그룹 23">
+            <a:extLst>
+              <a:ext uri="{FF2B5EF4-FFF2-40B4-BE49-F238E27FC236}">
+                <a16:creationId xmlns:a16="http://schemas.microsoft.com/office/drawing/2014/main" id="{40F3DA32-061A-2D50-EB02-9671867AFD9B}"/>
+              </a:ext>
+            </a:extLst>
+          </p:cNvPr>
+          <p:cNvGrpSpPr/>
+          <p:nvPr/>
+        </p:nvGrpSpPr>
+        <p:grpSpPr>
+          <a:xfrm>
+            <a:off x="4799441" y="2833552"/>
+            <a:ext cx="2552884" cy="1120180"/>
+            <a:chOff x="4799441" y="2990603"/>
+            <a:chExt cx="2552884" cy="1120180"/>
+          </a:xfrm>
+        </p:grpSpPr>
+        <p:sp>
+          <p:nvSpPr>
+            <p:cNvPr id="22" name="사각형: 둥근 모서리 21">
+              <a:extLst>
+                <a:ext uri="{FF2B5EF4-FFF2-40B4-BE49-F238E27FC236}">
+                  <a16:creationId xmlns:a16="http://schemas.microsoft.com/office/drawing/2014/main" id="{906EABA9-1D70-9B96-4F83-0250DD8C3522}"/>
+                </a:ext>
+              </a:extLst>
+            </p:cNvPr>
+            <p:cNvSpPr/>
+            <p:nvPr/>
+          </p:nvSpPr>
+          <p:spPr>
+            <a:xfrm>
+              <a:off x="4799441" y="2990603"/>
+              <a:ext cx="2552884" cy="1120180"/>
+            </a:xfrm>
+            <a:prstGeom prst="roundRect">
+              <a:avLst/>
+            </a:prstGeom>
+            <a:solidFill>
+              <a:srgbClr val="00B0F0"/>
+            </a:solidFill>
+          </p:spPr>
+          <p:style>
+            <a:lnRef idx="2">
+              <a:schemeClr val="accent1">
+                <a:shade val="15000"/>
+              </a:schemeClr>
+            </a:lnRef>
+            <a:fillRef idx="1">
+              <a:schemeClr val="accent1"/>
+            </a:fillRef>
+            <a:effectRef idx="0">
+              <a:schemeClr val="accent1"/>
+            </a:effectRef>
+            <a:fontRef idx="minor">
+              <a:schemeClr val="lt1"/>
+            </a:fontRef>
+          </p:style>
+          <p:txBody>
+            <a:bodyPr rtlCol="0" anchor="ctr"/>
+            <a:lstStyle/>
+            <a:p>
+              <a:pPr algn="ctr"/>
+              <a:r>
+                <a:rPr lang="ko-KR" altLang="en-US" sz="1000" dirty="0">
+                  <a:solidFill>
+                    <a:schemeClr val="tx1"/>
+                  </a:solidFill>
+                </a:rPr>
+                <a:t>네트워크가 불안정합니다</a:t>
+              </a:r>
+              <a:r>
+                <a:rPr lang="en-US" altLang="ko-KR" sz="1000" dirty="0">
+                  <a:solidFill>
+                    <a:schemeClr val="tx1"/>
+                  </a:solidFill>
+                </a:rPr>
+                <a:t>.</a:t>
+              </a:r>
+            </a:p>
+            <a:p>
+              <a:pPr algn="ctr"/>
+              <a:r>
+                <a:rPr lang="ko-KR" altLang="en-US" sz="1000" dirty="0">
+                  <a:solidFill>
+                    <a:schemeClr val="tx1"/>
+                  </a:solidFill>
+                </a:rPr>
+                <a:t>네트워크 환경을 다시 확인하시고</a:t>
+              </a:r>
+              <a:endParaRPr lang="en-US" altLang="ko-KR" sz="1000" dirty="0">
+                <a:solidFill>
+                  <a:schemeClr val="tx1"/>
+                </a:solidFill>
+              </a:endParaRPr>
+            </a:p>
+            <a:p>
+              <a:pPr algn="ctr"/>
+              <a:r>
+                <a:rPr lang="ko-KR" altLang="en-US" sz="1000" dirty="0">
+                  <a:solidFill>
+                    <a:schemeClr val="tx1"/>
+                  </a:solidFill>
+                </a:rPr>
+                <a:t>밑의 버튼을 클릭해주세요</a:t>
+              </a:r>
+              <a:endParaRPr lang="en-US" altLang="ko-KR" sz="1000" dirty="0">
+                <a:solidFill>
+                  <a:schemeClr val="tx1"/>
+                </a:solidFill>
+              </a:endParaRPr>
+            </a:p>
+            <a:p>
+              <a:pPr algn="ctr"/>
+              <a:endParaRPr lang="en-US" altLang="ko-KR" sz="1000" dirty="0">
+                <a:solidFill>
+                  <a:schemeClr val="tx1"/>
+                </a:solidFill>
+              </a:endParaRPr>
+            </a:p>
+            <a:p>
+              <a:pPr algn="ctr"/>
+              <a:endParaRPr lang="en-US" altLang="ko-KR" sz="1000" dirty="0">
+                <a:solidFill>
+                  <a:schemeClr val="tx1"/>
+                </a:solidFill>
+              </a:endParaRPr>
+            </a:p>
+          </p:txBody>
+        </p:sp>
+        <p:sp>
+          <p:nvSpPr>
+            <p:cNvPr id="23" name="사각형: 둥근 모서리 22">
+              <a:extLst>
+                <a:ext uri="{FF2B5EF4-FFF2-40B4-BE49-F238E27FC236}">
+                  <a16:creationId xmlns:a16="http://schemas.microsoft.com/office/drawing/2014/main" id="{77B82629-9B37-94C8-3AEF-8D07C34C6E52}"/>
+                </a:ext>
+              </a:extLst>
+            </p:cNvPr>
+            <p:cNvSpPr/>
+            <p:nvPr/>
+          </p:nvSpPr>
+          <p:spPr>
+            <a:xfrm>
+              <a:off x="5454498" y="3723746"/>
+              <a:ext cx="1244476" cy="307542"/>
+            </a:xfrm>
+            <a:prstGeom prst="roundRect">
+              <a:avLst/>
+            </a:prstGeom>
+            <a:solidFill>
+              <a:srgbClr val="00B050"/>
+            </a:solidFill>
+          </p:spPr>
+          <p:style>
+            <a:lnRef idx="2">
+              <a:schemeClr val="accent1">
+                <a:shade val="15000"/>
+              </a:schemeClr>
+            </a:lnRef>
+            <a:fillRef idx="1">
+              <a:schemeClr val="accent1"/>
+            </a:fillRef>
+            <a:effectRef idx="0">
+              <a:schemeClr val="accent1"/>
+            </a:effectRef>
+            <a:fontRef idx="minor">
+              <a:schemeClr val="lt1"/>
+            </a:fontRef>
+          </p:style>
+          <p:txBody>
+            <a:bodyPr rtlCol="0" anchor="ctr"/>
+            <a:lstStyle/>
+            <a:p>
+              <a:pPr algn="ctr"/>
+              <a:r>
+                <a:rPr lang="ko-KR" altLang="en-US" sz="1200" dirty="0" err="1"/>
+                <a:t>재접속</a:t>
+              </a:r>
+              <a:r>
+                <a:rPr lang="ko-KR" altLang="en-US" sz="1200" dirty="0"/>
+                <a:t> 시도</a:t>
+              </a:r>
+            </a:p>
+          </p:txBody>
+        </p:sp>
+      </p:grpSp>
+    </p:spTree>
+    <p:extLst>
+      <p:ext uri="{BB962C8B-B14F-4D97-AF65-F5344CB8AC3E}">
+        <p14:creationId xmlns:p14="http://schemas.microsoft.com/office/powerpoint/2010/main" val="1525458623"/>
+      </p:ext>
+    </p:extLst>
+  </p:cSld>
+  <p:clrMapOvr>
+    <a:masterClrMapping/>
+  </p:clrMapOvr>
+</p:sld>
+</file>
+
+<file path=ppt/slides/slide14.xml><?xml version="1.0" encoding="utf-8"?>
+<p:sld xmlns:a="http://schemas.openxmlformats.org/drawingml/2006/main" xmlns:r="http://schemas.openxmlformats.org/officeDocument/2006/relationships" xmlns:p="http://schemas.openxmlformats.org/presentationml/2006/main">
+  <p:cSld>
+    <p:spTree>
+      <p:nvGrpSpPr>
+        <p:cNvPr id="1" name=""/>
+        <p:cNvGrpSpPr/>
+        <p:nvPr/>
+      </p:nvGrpSpPr>
+      <p:grpSpPr>
+        <a:xfrm>
+          <a:off x="0" y="0"/>
+          <a:ext cx="0" cy="0"/>
+          <a:chOff x="0" y="0"/>
+          <a:chExt cx="0" cy="0"/>
+        </a:xfrm>
+      </p:grpSpPr>
+      <p:grpSp>
+        <p:nvGrpSpPr>
+          <p:cNvPr id="5" name="그룹 4">
+            <a:extLst>
+              <a:ext uri="{FF2B5EF4-FFF2-40B4-BE49-F238E27FC236}">
+                <a16:creationId xmlns:a16="http://schemas.microsoft.com/office/drawing/2014/main" id="{56706CA2-6F11-DBC7-84AE-7EF7221D623A}"/>
+              </a:ext>
+            </a:extLst>
+          </p:cNvPr>
+          <p:cNvGrpSpPr/>
+          <p:nvPr/>
+        </p:nvGrpSpPr>
+        <p:grpSpPr>
+          <a:xfrm>
+            <a:off x="574315" y="2283883"/>
+            <a:ext cx="4143459" cy="2290233"/>
+            <a:chOff x="2794054" y="1568543"/>
+            <a:chExt cx="6603892" cy="3650199"/>
+          </a:xfrm>
+        </p:grpSpPr>
+        <p:pic>
+          <p:nvPicPr>
+            <p:cNvPr id="2" name="그림 1" descr="스크린샷, 멀티미디어이(가) 표시된 사진&#10;&#10;AI가 생성한 콘텐츠는 부정확할 수 있습니다.">
+              <a:extLst>
+                <a:ext uri="{FF2B5EF4-FFF2-40B4-BE49-F238E27FC236}">
+                  <a16:creationId xmlns:a16="http://schemas.microsoft.com/office/drawing/2014/main" id="{F5473721-96FC-C6C1-05B9-D7C734F738F8}"/>
+                </a:ext>
+              </a:extLst>
+            </p:cNvPr>
+            <p:cNvPicPr>
+              <a:picLocks noChangeAspect="1"/>
+            </p:cNvPicPr>
+            <p:nvPr/>
+          </p:nvPicPr>
+          <p:blipFill>
+            <a:blip r:embed="rId2">
+              <a:extLst>
+                <a:ext uri="{28A0092B-C50C-407E-A947-70E740481C1C}">
+                  <a14:useLocalDpi xmlns:a14="http://schemas.microsoft.com/office/drawing/2010/main" val="0"/>
+                </a:ext>
+              </a:extLst>
+            </a:blip>
+            <a:srcRect l="3376" t="7337"/>
+            <a:stretch/>
+          </p:blipFill>
+          <p:spPr>
+            <a:xfrm>
+              <a:off x="2794054" y="1568543"/>
+              <a:ext cx="6603892" cy="3650199"/>
+            </a:xfrm>
+            <a:prstGeom prst="rect">
+              <a:avLst/>
+            </a:prstGeom>
+          </p:spPr>
+        </p:pic>
+        <p:sp>
+          <p:nvSpPr>
+            <p:cNvPr id="3" name="사각형: 둥근 모서리 2">
+              <a:extLst>
+                <a:ext uri="{FF2B5EF4-FFF2-40B4-BE49-F238E27FC236}">
+                  <a16:creationId xmlns:a16="http://schemas.microsoft.com/office/drawing/2014/main" id="{5CCDB14C-3027-8FD0-1992-5D3ABBBFD31E}"/>
+                </a:ext>
+              </a:extLst>
+            </p:cNvPr>
+            <p:cNvSpPr/>
+            <p:nvPr/>
+          </p:nvSpPr>
+          <p:spPr>
+            <a:xfrm>
+              <a:off x="3075641" y="1835248"/>
+              <a:ext cx="6040719" cy="3116788"/>
+            </a:xfrm>
+            <a:prstGeom prst="roundRect">
+              <a:avLst>
+                <a:gd name="adj" fmla="val 14966"/>
+              </a:avLst>
+            </a:prstGeom>
+            <a:solidFill>
+              <a:schemeClr val="bg2">
+                <a:lumMod val="50000"/>
+                <a:alpha val="55000"/>
+              </a:schemeClr>
+            </a:solidFill>
+          </p:spPr>
+          <p:style>
+            <a:lnRef idx="2">
+              <a:schemeClr val="accent1">
+                <a:shade val="15000"/>
+              </a:schemeClr>
+            </a:lnRef>
+            <a:fillRef idx="1">
+              <a:schemeClr val="accent1"/>
+            </a:fillRef>
+            <a:effectRef idx="0">
+              <a:schemeClr val="accent1"/>
+            </a:effectRef>
+            <a:fontRef idx="minor">
+              <a:schemeClr val="lt1"/>
+            </a:fontRef>
+          </p:style>
+          <p:txBody>
+            <a:bodyPr rtlCol="0" anchor="ctr"/>
+            <a:lstStyle/>
+            <a:p>
+              <a:pPr algn="ctr"/>
+              <a:endParaRPr lang="ko-KR" altLang="en-US"/>
+            </a:p>
+          </p:txBody>
+        </p:sp>
+        <p:pic>
+          <p:nvPicPr>
+            <p:cNvPr id="4" name="그림 3" descr="스크린샷, 그래픽, 원, 일렉트릭 블루이(가) 표시된 사진&#10;&#10;AI가 생성한 콘텐츠는 부정확할 수 있습니다.">
+              <a:extLst>
+                <a:ext uri="{FF2B5EF4-FFF2-40B4-BE49-F238E27FC236}">
+                  <a16:creationId xmlns:a16="http://schemas.microsoft.com/office/drawing/2014/main" id="{30AB5D58-A0C8-2F47-E4E7-32975A70C03E}"/>
+                </a:ext>
+              </a:extLst>
+            </p:cNvPr>
+            <p:cNvPicPr>
+              <a:picLocks noChangeAspect="1"/>
+            </p:cNvPicPr>
+            <p:nvPr/>
+          </p:nvPicPr>
+          <p:blipFill>
+            <a:blip r:embed="rId3">
+              <a:extLst>
+                <a:ext uri="{28A0092B-C50C-407E-A947-70E740481C1C}">
+                  <a14:useLocalDpi xmlns:a14="http://schemas.microsoft.com/office/drawing/2010/main" val="0"/>
+                </a:ext>
+              </a:extLst>
+            </a:blip>
+            <a:stretch>
+              <a:fillRect/>
+            </a:stretch>
+          </p:blipFill>
+          <p:spPr>
+            <a:xfrm>
+              <a:off x="5803851" y="3101493"/>
+              <a:ext cx="584298" cy="584298"/>
+            </a:xfrm>
+            <a:prstGeom prst="rect">
+              <a:avLst/>
+            </a:prstGeom>
+          </p:spPr>
+        </p:pic>
+      </p:grpSp>
+      <p:sp>
+        <p:nvSpPr>
+          <p:cNvPr id="7" name="화살표: 오른쪽 6">
+            <a:extLst>
+              <a:ext uri="{FF2B5EF4-FFF2-40B4-BE49-F238E27FC236}">
+                <a16:creationId xmlns:a16="http://schemas.microsoft.com/office/drawing/2014/main" id="{7A615B64-49C9-1ECC-38BF-1545BF997996}"/>
+              </a:ext>
+            </a:extLst>
+          </p:cNvPr>
+          <p:cNvSpPr/>
+          <p:nvPr/>
+        </p:nvSpPr>
+        <p:spPr>
+          <a:xfrm>
+            <a:off x="5009650" y="3034205"/>
+            <a:ext cx="1594076" cy="789589"/>
+          </a:xfrm>
+          <a:prstGeom prst="rightArrow">
+            <a:avLst>
+              <a:gd name="adj1" fmla="val 50000"/>
+              <a:gd name="adj2" fmla="val 69301"/>
+            </a:avLst>
+          </a:prstGeom>
+          <a:solidFill>
+            <a:srgbClr val="00B0F0"/>
+          </a:solidFill>
+          <a:ln>
+            <a:noFill/>
+          </a:ln>
+        </p:spPr>
+        <p:style>
+          <a:lnRef idx="2">
+            <a:schemeClr val="accent1">
+              <a:shade val="15000"/>
+            </a:schemeClr>
+          </a:lnRef>
+          <a:fillRef idx="1">
+            <a:schemeClr val="accent1"/>
+          </a:fillRef>
+          <a:effectRef idx="0">
+            <a:schemeClr val="accent1"/>
+          </a:effectRef>
+          <a:fontRef idx="minor">
+            <a:schemeClr val="lt1"/>
+          </a:fontRef>
+        </p:style>
+        <p:txBody>
+          <a:bodyPr rtlCol="0" anchor="ctr"/>
+          <a:lstStyle/>
+          <a:p>
+            <a:pPr algn="ctr"/>
+            <a:r>
+              <a:rPr lang="en-US" altLang="ko-KR" dirty="0"/>
+              <a:t>1~2</a:t>
+            </a:r>
+            <a:r>
+              <a:rPr lang="ko-KR" altLang="en-US" dirty="0"/>
+              <a:t>초 후</a:t>
+            </a:r>
+          </a:p>
+        </p:txBody>
+      </p:sp>
+      <p:grpSp>
+        <p:nvGrpSpPr>
+          <p:cNvPr id="18" name="그룹 17">
+            <a:extLst>
+              <a:ext uri="{FF2B5EF4-FFF2-40B4-BE49-F238E27FC236}">
+                <a16:creationId xmlns:a16="http://schemas.microsoft.com/office/drawing/2014/main" id="{C49DD644-546C-B211-FF65-B0F3C1396050}"/>
+              </a:ext>
+            </a:extLst>
+          </p:cNvPr>
+          <p:cNvGrpSpPr/>
+          <p:nvPr/>
+        </p:nvGrpSpPr>
+        <p:grpSpPr>
+          <a:xfrm>
+            <a:off x="6895603" y="2283883"/>
+            <a:ext cx="4143460" cy="2290233"/>
+            <a:chOff x="2794054" y="1568543"/>
+            <a:chExt cx="6603892" cy="3650199"/>
+          </a:xfrm>
+        </p:grpSpPr>
+        <p:pic>
+          <p:nvPicPr>
+            <p:cNvPr id="13" name="그림 12" descr="스크린샷, 멀티미디어이(가) 표시된 사진&#10;&#10;AI가 생성한 콘텐츠는 부정확할 수 있습니다.">
+              <a:extLst>
+                <a:ext uri="{FF2B5EF4-FFF2-40B4-BE49-F238E27FC236}">
+                  <a16:creationId xmlns:a16="http://schemas.microsoft.com/office/drawing/2014/main" id="{D60AF217-CDF3-447B-F6B8-8F17F9062DCA}"/>
+                </a:ext>
+              </a:extLst>
+            </p:cNvPr>
+            <p:cNvPicPr>
+              <a:picLocks noChangeAspect="1"/>
+            </p:cNvPicPr>
+            <p:nvPr/>
+          </p:nvPicPr>
+          <p:blipFill>
+            <a:blip r:embed="rId2">
+              <a:extLst>
+                <a:ext uri="{28A0092B-C50C-407E-A947-70E740481C1C}">
+                  <a14:useLocalDpi xmlns:a14="http://schemas.microsoft.com/office/drawing/2010/main" val="0"/>
+                </a:ext>
+              </a:extLst>
+            </a:blip>
+            <a:srcRect l="3376" t="7337"/>
+            <a:stretch/>
+          </p:blipFill>
+          <p:spPr>
+            <a:xfrm>
+              <a:off x="2794054" y="1568543"/>
+              <a:ext cx="6603892" cy="3650199"/>
+            </a:xfrm>
+            <a:prstGeom prst="rect">
+              <a:avLst/>
+            </a:prstGeom>
+          </p:spPr>
+        </p:pic>
+        <p:sp>
+          <p:nvSpPr>
+            <p:cNvPr id="14" name="사각형: 둥근 모서리 13">
+              <a:extLst>
+                <a:ext uri="{FF2B5EF4-FFF2-40B4-BE49-F238E27FC236}">
+                  <a16:creationId xmlns:a16="http://schemas.microsoft.com/office/drawing/2014/main" id="{3DD8613E-8F94-548B-0099-B3706ADF0750}"/>
+                </a:ext>
+              </a:extLst>
+            </p:cNvPr>
+            <p:cNvSpPr/>
+            <p:nvPr/>
+          </p:nvSpPr>
+          <p:spPr>
+            <a:xfrm>
+              <a:off x="3075641" y="1835248"/>
+              <a:ext cx="6040719" cy="3116788"/>
+            </a:xfrm>
+            <a:prstGeom prst="roundRect">
+              <a:avLst>
+                <a:gd name="adj" fmla="val 14966"/>
+              </a:avLst>
+            </a:prstGeom>
+            <a:solidFill>
+              <a:schemeClr val="bg2">
+                <a:lumMod val="50000"/>
+                <a:alpha val="55000"/>
+              </a:schemeClr>
+            </a:solidFill>
+          </p:spPr>
+          <p:style>
+            <a:lnRef idx="2">
+              <a:schemeClr val="accent1">
+                <a:shade val="15000"/>
+              </a:schemeClr>
+            </a:lnRef>
+            <a:fillRef idx="1">
+              <a:schemeClr val="accent1"/>
+            </a:fillRef>
+            <a:effectRef idx="0">
+              <a:schemeClr val="accent1"/>
+            </a:effectRef>
+            <a:fontRef idx="minor">
+              <a:schemeClr val="lt1"/>
+            </a:fontRef>
+          </p:style>
+          <p:txBody>
+            <a:bodyPr rtlCol="0" anchor="ctr"/>
+            <a:lstStyle/>
+            <a:p>
+              <a:pPr algn="ctr"/>
+              <a:endParaRPr lang="ko-KR" altLang="en-US" sz="1050"/>
+            </a:p>
+          </p:txBody>
+        </p:sp>
+        <p:grpSp>
+          <p:nvGrpSpPr>
+            <p:cNvPr id="15" name="그룹 14">
+              <a:extLst>
+                <a:ext uri="{FF2B5EF4-FFF2-40B4-BE49-F238E27FC236}">
+                  <a16:creationId xmlns:a16="http://schemas.microsoft.com/office/drawing/2014/main" id="{DE932DB0-E71C-1B89-F2A1-5EF912273625}"/>
+                </a:ext>
+              </a:extLst>
+            </p:cNvPr>
+            <p:cNvGrpSpPr/>
+            <p:nvPr/>
+          </p:nvGrpSpPr>
+          <p:grpSpPr>
+            <a:xfrm>
+              <a:off x="4799441" y="2833552"/>
+              <a:ext cx="2552884" cy="1120180"/>
+              <a:chOff x="4799441" y="2990603"/>
+              <a:chExt cx="2552884" cy="1120180"/>
+            </a:xfrm>
+          </p:grpSpPr>
+          <p:sp>
+            <p:nvSpPr>
+              <p:cNvPr id="16" name="사각형: 둥근 모서리 15">
+                <a:extLst>
+                  <a:ext uri="{FF2B5EF4-FFF2-40B4-BE49-F238E27FC236}">
+                    <a16:creationId xmlns:a16="http://schemas.microsoft.com/office/drawing/2014/main" id="{356E0822-3752-807F-3490-FCF00ACE3605}"/>
+                  </a:ext>
+                </a:extLst>
+              </p:cNvPr>
+              <p:cNvSpPr/>
+              <p:nvPr/>
+            </p:nvSpPr>
+            <p:spPr>
+              <a:xfrm>
+                <a:off x="4799441" y="2990603"/>
+                <a:ext cx="2552884" cy="1120180"/>
+              </a:xfrm>
+              <a:prstGeom prst="roundRect">
+                <a:avLst/>
+              </a:prstGeom>
+              <a:solidFill>
+                <a:srgbClr val="00B0F0"/>
+              </a:solidFill>
+            </p:spPr>
+            <p:style>
+              <a:lnRef idx="2">
+                <a:schemeClr val="accent1">
+                  <a:shade val="15000"/>
+                </a:schemeClr>
+              </a:lnRef>
+              <a:fillRef idx="1">
+                <a:schemeClr val="accent1"/>
+              </a:fillRef>
+              <a:effectRef idx="0">
+                <a:schemeClr val="accent1"/>
+              </a:effectRef>
+              <a:fontRef idx="minor">
+                <a:schemeClr val="lt1"/>
+              </a:fontRef>
+            </p:style>
+            <p:txBody>
+              <a:bodyPr rtlCol="0" anchor="ctr"/>
+              <a:lstStyle/>
+              <a:p>
+                <a:pPr algn="ctr"/>
+                <a:r>
+                  <a:rPr lang="ko-KR" altLang="en-US" sz="500" dirty="0">
+                    <a:solidFill>
+                      <a:schemeClr val="tx1"/>
+                    </a:solidFill>
+                  </a:rPr>
+                  <a:t>네트워크가 불안정합니다</a:t>
+                </a:r>
+                <a:r>
+                  <a:rPr lang="en-US" altLang="ko-KR" sz="500" dirty="0">
+                    <a:solidFill>
+                      <a:schemeClr val="tx1"/>
+                    </a:solidFill>
+                  </a:rPr>
+                  <a:t>.</a:t>
+                </a:r>
+              </a:p>
+              <a:p>
+                <a:pPr algn="ctr"/>
+                <a:r>
+                  <a:rPr lang="ko-KR" altLang="en-US" sz="500" dirty="0">
+                    <a:solidFill>
+                      <a:schemeClr val="tx1"/>
+                    </a:solidFill>
+                  </a:rPr>
+                  <a:t>네트워크 환경을 다시 확인하시고</a:t>
+                </a:r>
+                <a:endParaRPr lang="en-US" altLang="ko-KR" sz="500" dirty="0">
+                  <a:solidFill>
+                    <a:schemeClr val="tx1"/>
+                  </a:solidFill>
+                </a:endParaRPr>
+              </a:p>
+              <a:p>
+                <a:pPr algn="ctr"/>
+                <a:r>
+                  <a:rPr lang="ko-KR" altLang="en-US" sz="500" dirty="0">
+                    <a:solidFill>
+                      <a:schemeClr val="tx1"/>
+                    </a:solidFill>
+                  </a:rPr>
+                  <a:t>밑의 버튼을 클릭해주세요</a:t>
+                </a:r>
+                <a:endParaRPr lang="en-US" altLang="ko-KR" sz="500" dirty="0">
+                  <a:solidFill>
+                    <a:schemeClr val="tx1"/>
+                  </a:solidFill>
+                </a:endParaRPr>
+              </a:p>
+              <a:p>
+                <a:pPr algn="ctr"/>
+                <a:endParaRPr lang="en-US" altLang="ko-KR" sz="500" dirty="0">
+                  <a:solidFill>
+                    <a:schemeClr val="tx1"/>
+                  </a:solidFill>
+                </a:endParaRPr>
+              </a:p>
+              <a:p>
+                <a:pPr algn="ctr"/>
+                <a:endParaRPr lang="en-US" altLang="ko-KR" sz="500" dirty="0">
+                  <a:solidFill>
+                    <a:schemeClr val="tx1"/>
+                  </a:solidFill>
+                </a:endParaRPr>
+              </a:p>
+            </p:txBody>
+          </p:sp>
+          <p:sp>
+            <p:nvSpPr>
+              <p:cNvPr id="17" name="사각형: 둥근 모서리 16">
+                <a:extLst>
+                  <a:ext uri="{FF2B5EF4-FFF2-40B4-BE49-F238E27FC236}">
+                    <a16:creationId xmlns:a16="http://schemas.microsoft.com/office/drawing/2014/main" id="{A2BFA4E5-22F9-ADD3-6155-8C49B4292F36}"/>
+                  </a:ext>
+                </a:extLst>
+              </p:cNvPr>
+              <p:cNvSpPr/>
+              <p:nvPr/>
+            </p:nvSpPr>
+            <p:spPr>
+              <a:xfrm>
+                <a:off x="5454498" y="3723746"/>
+                <a:ext cx="1244476" cy="307542"/>
+              </a:xfrm>
+              <a:prstGeom prst="roundRect">
+                <a:avLst/>
+              </a:prstGeom>
+              <a:solidFill>
+                <a:srgbClr val="00B050"/>
+              </a:solidFill>
+            </p:spPr>
+            <p:style>
+              <a:lnRef idx="2">
+                <a:schemeClr val="accent1">
+                  <a:shade val="15000"/>
+                </a:schemeClr>
+              </a:lnRef>
+              <a:fillRef idx="1">
+                <a:schemeClr val="accent1"/>
+              </a:fillRef>
+              <a:effectRef idx="0">
+                <a:schemeClr val="accent1"/>
+              </a:effectRef>
+              <a:fontRef idx="minor">
+                <a:schemeClr val="lt1"/>
+              </a:fontRef>
+            </p:style>
+            <p:txBody>
+              <a:bodyPr rtlCol="0" anchor="ctr"/>
+              <a:lstStyle/>
+              <a:p>
+                <a:pPr algn="ctr"/>
+                <a:r>
+                  <a:rPr lang="ko-KR" altLang="en-US" sz="800" dirty="0" err="1"/>
+                  <a:t>재접속</a:t>
+                </a:r>
+                <a:r>
+                  <a:rPr lang="ko-KR" altLang="en-US" sz="800" dirty="0"/>
+                  <a:t> 시도</a:t>
+                </a:r>
+              </a:p>
+            </p:txBody>
+          </p:sp>
+        </p:grpSp>
+      </p:grpSp>
+    </p:spTree>
+    <p:extLst>
+      <p:ext uri="{BB962C8B-B14F-4D97-AF65-F5344CB8AC3E}">
+        <p14:creationId xmlns:p14="http://schemas.microsoft.com/office/powerpoint/2010/main" val="884957965"/>
+      </p:ext>
+    </p:extLst>
+  </p:cSld>
+  <p:clrMapOvr>
+    <a:masterClrMapping/>
+  </p:clrMapOvr>
+</p:sld>
+</file>
+
+<file path=ppt/slides/slide15.xml><?xml version="1.0" encoding="utf-8"?>
+<p:sld xmlns:a="http://schemas.openxmlformats.org/drawingml/2006/main" xmlns:r="http://schemas.openxmlformats.org/officeDocument/2006/relationships" xmlns:p="http://schemas.openxmlformats.org/presentationml/2006/main">
+  <p:cSld>
+    <p:spTree>
+      <p:nvGrpSpPr>
+        <p:cNvPr id="1" name=""/>
+        <p:cNvGrpSpPr/>
+        <p:nvPr/>
+      </p:nvGrpSpPr>
+      <p:grpSpPr>
+        <a:xfrm>
+          <a:off x="0" y="0"/>
+          <a:ext cx="0" cy="0"/>
+          <a:chOff x="0" y="0"/>
+          <a:chExt cx="0" cy="0"/>
+        </a:xfrm>
+      </p:grpSpPr>
+      <p:grpSp>
+        <p:nvGrpSpPr>
+          <p:cNvPr id="2" name="그룹 1">
+            <a:extLst>
+              <a:ext uri="{FF2B5EF4-FFF2-40B4-BE49-F238E27FC236}">
+                <a16:creationId xmlns:a16="http://schemas.microsoft.com/office/drawing/2014/main" id="{26E613F2-5537-3314-571F-C5CA06B20F03}"/>
+              </a:ext>
+            </a:extLst>
+          </p:cNvPr>
+          <p:cNvGrpSpPr/>
+          <p:nvPr/>
+        </p:nvGrpSpPr>
+        <p:grpSpPr>
+          <a:xfrm>
+            <a:off x="2522384" y="2182116"/>
+            <a:ext cx="6603892" cy="3661612"/>
+            <a:chOff x="2522384" y="2182116"/>
+            <a:chExt cx="6603892" cy="3661612"/>
+          </a:xfrm>
+        </p:grpSpPr>
+        <p:pic>
+          <p:nvPicPr>
+            <p:cNvPr id="16" name="그림 15" descr="스크린샷, 멀티미디어이(가) 표시된 사진&#10;&#10;AI가 생성한 콘텐츠는 부정확할 수 있습니다.">
+              <a:extLst>
+                <a:ext uri="{FF2B5EF4-FFF2-40B4-BE49-F238E27FC236}">
+                  <a16:creationId xmlns:a16="http://schemas.microsoft.com/office/drawing/2014/main" id="{4BC7AED7-568C-0E4E-57C5-0CA0225E6FE9}"/>
+                </a:ext>
+              </a:extLst>
+            </p:cNvPr>
+            <p:cNvPicPr>
+              <a:picLocks noChangeAspect="1"/>
+            </p:cNvPicPr>
+            <p:nvPr/>
+          </p:nvPicPr>
+          <p:blipFill>
+            <a:blip r:embed="rId2">
+              <a:extLst>
+                <a:ext uri="{28A0092B-C50C-407E-A947-70E740481C1C}">
+                  <a14:useLocalDpi xmlns:a14="http://schemas.microsoft.com/office/drawing/2010/main" val="0"/>
+                </a:ext>
+              </a:extLst>
+            </a:blip>
+            <a:srcRect l="3376" t="7337"/>
+            <a:stretch/>
+          </p:blipFill>
+          <p:spPr>
+            <a:xfrm>
+              <a:off x="2522384" y="2187823"/>
+              <a:ext cx="6603892" cy="3650199"/>
+            </a:xfrm>
+            <a:prstGeom prst="rect">
+              <a:avLst/>
+            </a:prstGeom>
+          </p:spPr>
+        </p:pic>
+        <p:sp>
+          <p:nvSpPr>
+            <p:cNvPr id="21" name="사각형: 둥근 모서리 20">
+              <a:extLst>
+                <a:ext uri="{FF2B5EF4-FFF2-40B4-BE49-F238E27FC236}">
+                  <a16:creationId xmlns:a16="http://schemas.microsoft.com/office/drawing/2014/main" id="{ECC80A5E-D025-7123-888F-C5356027FB1E}"/>
+                </a:ext>
+              </a:extLst>
+            </p:cNvPr>
+            <p:cNvSpPr/>
+            <p:nvPr/>
+          </p:nvSpPr>
+          <p:spPr>
+            <a:xfrm>
+              <a:off x="2522384" y="2182116"/>
+              <a:ext cx="6603892" cy="3661612"/>
+            </a:xfrm>
+            <a:prstGeom prst="roundRect">
+              <a:avLst>
+                <a:gd name="adj" fmla="val 0"/>
+              </a:avLst>
+            </a:prstGeom>
+            <a:gradFill flip="none" rotWithShape="1">
+              <a:gsLst>
+                <a:gs pos="0">
+                  <a:schemeClr val="bg1">
+                    <a:lumMod val="85000"/>
+                    <a:alpha val="50000"/>
+                  </a:schemeClr>
+                </a:gs>
+                <a:gs pos="29000">
+                  <a:schemeClr val="bg2">
+                    <a:lumMod val="50000"/>
+                    <a:shade val="67500"/>
+                    <a:satMod val="115000"/>
+                    <a:alpha val="70000"/>
+                  </a:schemeClr>
+                </a:gs>
+                <a:gs pos="80000">
+                  <a:schemeClr val="tx1"/>
+                </a:gs>
+              </a:gsLst>
+              <a:path path="circle">
+                <a:fillToRect l="50000" t="50000" r="50000" b="50000"/>
+              </a:path>
+              <a:tileRect/>
+            </a:gradFill>
+          </p:spPr>
+          <p:style>
+            <a:lnRef idx="2">
+              <a:schemeClr val="accent1">
+                <a:shade val="15000"/>
+              </a:schemeClr>
+            </a:lnRef>
+            <a:fillRef idx="1">
+              <a:schemeClr val="accent1"/>
+            </a:fillRef>
+            <a:effectRef idx="0">
+              <a:schemeClr val="accent1"/>
+            </a:effectRef>
+            <a:fontRef idx="minor">
+              <a:schemeClr val="lt1"/>
+            </a:fontRef>
+          </p:style>
+          <p:txBody>
+            <a:bodyPr rtlCol="0" anchor="ctr"/>
+            <a:lstStyle/>
+            <a:p>
+              <a:pPr algn="ctr"/>
+              <a:endParaRPr lang="ko-KR" altLang="en-US"/>
+            </a:p>
+          </p:txBody>
+        </p:sp>
+      </p:grpSp>
+    </p:spTree>
+    <p:extLst>
+      <p:ext uri="{BB962C8B-B14F-4D97-AF65-F5344CB8AC3E}">
+        <p14:creationId xmlns:p14="http://schemas.microsoft.com/office/powerpoint/2010/main" val="3783243286"/>
+      </p:ext>
+    </p:extLst>
+  </p:cSld>
+  <p:clrMapOvr>
+    <a:masterClrMapping/>
+  </p:clrMapOvr>
+</p:sld>
+</file>
+
+<file path=ppt/slides/slide16.xml><?xml version="1.0" encoding="utf-8"?>
+<p:sld xmlns:a="http://schemas.openxmlformats.org/drawingml/2006/main" xmlns:r="http://schemas.openxmlformats.org/officeDocument/2006/relationships" xmlns:p="http://schemas.openxmlformats.org/presentationml/2006/main">
+  <p:cSld>
+    <p:spTree>
+      <p:nvGrpSpPr>
         <p:cNvPr id="1" name=""/>
         <p:cNvGrpSpPr/>
         <p:nvPr/>
@@ -15019,7 +17459,7 @@
 </p:sld>
 </file>
 
-<file path=ppt/slides/slide14.xml><?xml version="1.0" encoding="utf-8"?>
+<file path=ppt/slides/slide17.xml><?xml version="1.0" encoding="utf-8"?>
 <p:sld xmlns:a="http://schemas.openxmlformats.org/drawingml/2006/main" xmlns:r="http://schemas.openxmlformats.org/officeDocument/2006/relationships" xmlns:p="http://schemas.openxmlformats.org/presentationml/2006/main">
   <p:cSld>
     <p:spTree>
@@ -17732,7 +20172,7 @@
 </p:sld>
 </file>
 
-<file path=ppt/slides/slide15.xml><?xml version="1.0" encoding="utf-8"?>
+<file path=ppt/slides/slide18.xml><?xml version="1.0" encoding="utf-8"?>
 <p:sld xmlns:a="http://schemas.openxmlformats.org/drawingml/2006/main" xmlns:r="http://schemas.openxmlformats.org/officeDocument/2006/relationships" xmlns:p="http://schemas.openxmlformats.org/presentationml/2006/main">
   <p:cSld>
     <p:spTree>
@@ -18508,7 +20948,7 @@
 </p:sld>
 </file>
 
-<file path=ppt/slides/slide16.xml><?xml version="1.0" encoding="utf-8"?>
+<file path=ppt/slides/slide19.xml><?xml version="1.0" encoding="utf-8"?>
 <p:sld xmlns:a="http://schemas.openxmlformats.org/drawingml/2006/main" xmlns:r="http://schemas.openxmlformats.org/officeDocument/2006/relationships" xmlns:p="http://schemas.openxmlformats.org/presentationml/2006/main">
   <p:cSld>
     <p:spTree>
@@ -19163,7 +21603,37 @@
 </p:sld>
 </file>
 
-<file path=ppt/slides/slide17.xml><?xml version="1.0" encoding="utf-8"?>
+<file path=ppt/slides/slide2.xml><?xml version="1.0" encoding="utf-8"?>
+<p:sld xmlns:a="http://schemas.openxmlformats.org/drawingml/2006/main" xmlns:r="http://schemas.openxmlformats.org/officeDocument/2006/relationships" xmlns:p="http://schemas.openxmlformats.org/presentationml/2006/main">
+  <p:cSld>
+    <p:spTree>
+      <p:nvGrpSpPr>
+        <p:cNvPr id="1" name=""/>
+        <p:cNvGrpSpPr/>
+        <p:nvPr/>
+      </p:nvGrpSpPr>
+      <p:grpSpPr>
+        <a:xfrm>
+          <a:off x="0" y="0"/>
+          <a:ext cx="0" cy="0"/>
+          <a:chOff x="0" y="0"/>
+          <a:chExt cx="0" cy="0"/>
+        </a:xfrm>
+      </p:grpSpPr>
+    </p:spTree>
+    <p:extLst>
+      <p:ext uri="{BB962C8B-B14F-4D97-AF65-F5344CB8AC3E}">
+        <p14:creationId xmlns:p14="http://schemas.microsoft.com/office/powerpoint/2010/main" val="3588899694"/>
+      </p:ext>
+    </p:extLst>
+  </p:cSld>
+  <p:clrMapOvr>
+    <a:masterClrMapping/>
+  </p:clrMapOvr>
+</p:sld>
+</file>
+
+<file path=ppt/slides/slide20.xml><?xml version="1.0" encoding="utf-8"?>
 <p:sld xmlns:a="http://schemas.openxmlformats.org/drawingml/2006/main" xmlns:r="http://schemas.openxmlformats.org/officeDocument/2006/relationships" xmlns:p="http://schemas.openxmlformats.org/presentationml/2006/main">
   <p:cSld>
     <p:spTree>
@@ -19523,7 +21993,7 @@
 </p:sld>
 </file>
 
-<file path=ppt/slides/slide18.xml><?xml version="1.0" encoding="utf-8"?>
+<file path=ppt/slides/slide21.xml><?xml version="1.0" encoding="utf-8"?>
 <p:sld xmlns:a="http://schemas.openxmlformats.org/drawingml/2006/main" xmlns:r="http://schemas.openxmlformats.org/officeDocument/2006/relationships" xmlns:p="http://schemas.openxmlformats.org/presentationml/2006/main">
   <p:cSld>
     <p:spTree>
@@ -22446,7 +24916,7 @@
 </p:sld>
 </file>
 
-<file path=ppt/slides/slide19.xml><?xml version="1.0" encoding="utf-8"?>
+<file path=ppt/slides/slide22.xml><?xml version="1.0" encoding="utf-8"?>
 <p:sld xmlns:a="http://schemas.openxmlformats.org/drawingml/2006/main" xmlns:r="http://schemas.openxmlformats.org/officeDocument/2006/relationships" xmlns:p="http://schemas.openxmlformats.org/presentationml/2006/main">
   <p:cSld>
     <p:spTree>
@@ -23581,37 +26051,7 @@
 </p:sld>
 </file>
 
-<file path=ppt/slides/slide2.xml><?xml version="1.0" encoding="utf-8"?>
-<p:sld xmlns:a="http://schemas.openxmlformats.org/drawingml/2006/main" xmlns:r="http://schemas.openxmlformats.org/officeDocument/2006/relationships" xmlns:p="http://schemas.openxmlformats.org/presentationml/2006/main">
-  <p:cSld>
-    <p:spTree>
-      <p:nvGrpSpPr>
-        <p:cNvPr id="1" name=""/>
-        <p:cNvGrpSpPr/>
-        <p:nvPr/>
-      </p:nvGrpSpPr>
-      <p:grpSpPr>
-        <a:xfrm>
-          <a:off x="0" y="0"/>
-          <a:ext cx="0" cy="0"/>
-          <a:chOff x="0" y="0"/>
-          <a:chExt cx="0" cy="0"/>
-        </a:xfrm>
-      </p:grpSpPr>
-    </p:spTree>
-    <p:extLst>
-      <p:ext uri="{BB962C8B-B14F-4D97-AF65-F5344CB8AC3E}">
-        <p14:creationId xmlns:p14="http://schemas.microsoft.com/office/powerpoint/2010/main" val="3588899694"/>
-      </p:ext>
-    </p:extLst>
-  </p:cSld>
-  <p:clrMapOvr>
-    <a:masterClrMapping/>
-  </p:clrMapOvr>
-</p:sld>
-</file>
-
-<file path=ppt/slides/slide20.xml><?xml version="1.0" encoding="utf-8"?>
+<file path=ppt/slides/slide23.xml><?xml version="1.0" encoding="utf-8"?>
 <p:sld xmlns:a="http://schemas.openxmlformats.org/drawingml/2006/main" xmlns:r="http://schemas.openxmlformats.org/officeDocument/2006/relationships" xmlns:p="http://schemas.openxmlformats.org/presentationml/2006/main">
   <p:cSld>
     <p:spTree>
@@ -26954,7 +29394,7 @@
 </p:sld>
 </file>
 
-<file path=ppt/slides/slide21.xml><?xml version="1.0" encoding="utf-8"?>
+<file path=ppt/slides/slide24.xml><?xml version="1.0" encoding="utf-8"?>
 <p:sld xmlns:a="http://schemas.openxmlformats.org/drawingml/2006/main" xmlns:r="http://schemas.openxmlformats.org/officeDocument/2006/relationships" xmlns:p="http://schemas.openxmlformats.org/presentationml/2006/main">
   <p:cSld>
     <p:spTree>
@@ -28226,7 +30666,7 @@
 </p:sld>
 </file>
 
-<file path=ppt/slides/slide22.xml><?xml version="1.0" encoding="utf-8"?>
+<file path=ppt/slides/slide25.xml><?xml version="1.0" encoding="utf-8"?>
 <p:sld xmlns:a="http://schemas.openxmlformats.org/drawingml/2006/main" xmlns:r="http://schemas.openxmlformats.org/officeDocument/2006/relationships" xmlns:p="http://schemas.openxmlformats.org/presentationml/2006/main">
   <p:cSld>
     <p:spTree>
@@ -29102,7 +31542,7 @@
 </p:sld>
 </file>
 
-<file path=ppt/slides/slide23.xml><?xml version="1.0" encoding="utf-8"?>
+<file path=ppt/slides/slide26.xml><?xml version="1.0" encoding="utf-8"?>
 <p:sld xmlns:a="http://schemas.openxmlformats.org/drawingml/2006/main" xmlns:r="http://schemas.openxmlformats.org/officeDocument/2006/relationships" xmlns:p="http://schemas.openxmlformats.org/presentationml/2006/main">
   <p:cSld>
     <p:spTree>

--- a/document/UI.pptx
+++ b/document/UI.pptx
@@ -5,7 +5,7 @@
     <p:sldMasterId id="2147483648" r:id="rId1"/>
   </p:sldMasterIdLst>
   <p:notesMasterIdLst>
-    <p:notesMasterId r:id="rId28"/>
+    <p:notesMasterId r:id="rId29"/>
   </p:notesMasterIdLst>
   <p:sldIdLst>
     <p:sldId id="257" r:id="rId2"/>
@@ -29,11 +29,12 @@
     <p:sldId id="266" r:id="rId20"/>
     <p:sldId id="267" r:id="rId21"/>
     <p:sldId id="263" r:id="rId22"/>
-    <p:sldId id="278" r:id="rId23"/>
-    <p:sldId id="264" r:id="rId24"/>
-    <p:sldId id="265" r:id="rId25"/>
-    <p:sldId id="262" r:id="rId26"/>
-    <p:sldId id="256" r:id="rId27"/>
+    <p:sldId id="282" r:id="rId23"/>
+    <p:sldId id="278" r:id="rId24"/>
+    <p:sldId id="264" r:id="rId25"/>
+    <p:sldId id="265" r:id="rId26"/>
+    <p:sldId id="262" r:id="rId27"/>
+    <p:sldId id="256" r:id="rId28"/>
   </p:sldIdLst>
   <p:sldSz cx="12192000" cy="6858000"/>
   <p:notesSz cx="6858000" cy="9144000"/>
@@ -222,7 +223,7 @@
           <a:p>
             <a:fld id="{5B07C18C-424A-405D-A330-3E94CEE48B39}" type="datetimeFigureOut">
               <a:rPr lang="ko-KR" altLang="en-US" smtClean="0"/>
-              <a:t>2025-02-17</a:t>
+              <a:t>2025-02-18</a:t>
             </a:fld>
             <a:endParaRPr lang="ko-KR" altLang="en-US"/>
           </a:p>
@@ -828,7 +829,7 @@
           <a:p>
             <a:fld id="{FD51FDC7-0CF3-4127-99F5-543E4DDB1909}" type="datetimeFigureOut">
               <a:rPr lang="ko-KR" altLang="en-US" smtClean="0"/>
-              <a:t>2025-02-17</a:t>
+              <a:t>2025-02-18</a:t>
             </a:fld>
             <a:endParaRPr lang="ko-KR" altLang="en-US"/>
           </a:p>
@@ -1026,7 +1027,7 @@
           <a:p>
             <a:fld id="{FD51FDC7-0CF3-4127-99F5-543E4DDB1909}" type="datetimeFigureOut">
               <a:rPr lang="ko-KR" altLang="en-US" smtClean="0"/>
-              <a:t>2025-02-17</a:t>
+              <a:t>2025-02-18</a:t>
             </a:fld>
             <a:endParaRPr lang="ko-KR" altLang="en-US"/>
           </a:p>
@@ -1234,7 +1235,7 @@
           <a:p>
             <a:fld id="{FD51FDC7-0CF3-4127-99F5-543E4DDB1909}" type="datetimeFigureOut">
               <a:rPr lang="ko-KR" altLang="en-US" smtClean="0"/>
-              <a:t>2025-02-17</a:t>
+              <a:t>2025-02-18</a:t>
             </a:fld>
             <a:endParaRPr lang="ko-KR" altLang="en-US"/>
           </a:p>
@@ -1432,7 +1433,7 @@
           <a:p>
             <a:fld id="{FD51FDC7-0CF3-4127-99F5-543E4DDB1909}" type="datetimeFigureOut">
               <a:rPr lang="ko-KR" altLang="en-US" smtClean="0"/>
-              <a:t>2025-02-17</a:t>
+              <a:t>2025-02-18</a:t>
             </a:fld>
             <a:endParaRPr lang="ko-KR" altLang="en-US"/>
           </a:p>
@@ -1707,7 +1708,7 @@
           <a:p>
             <a:fld id="{FD51FDC7-0CF3-4127-99F5-543E4DDB1909}" type="datetimeFigureOut">
               <a:rPr lang="ko-KR" altLang="en-US" smtClean="0"/>
-              <a:t>2025-02-17</a:t>
+              <a:t>2025-02-18</a:t>
             </a:fld>
             <a:endParaRPr lang="ko-KR" altLang="en-US"/>
           </a:p>
@@ -1972,7 +1973,7 @@
           <a:p>
             <a:fld id="{FD51FDC7-0CF3-4127-99F5-543E4DDB1909}" type="datetimeFigureOut">
               <a:rPr lang="ko-KR" altLang="en-US" smtClean="0"/>
-              <a:t>2025-02-17</a:t>
+              <a:t>2025-02-18</a:t>
             </a:fld>
             <a:endParaRPr lang="ko-KR" altLang="en-US"/>
           </a:p>
@@ -2384,7 +2385,7 @@
           <a:p>
             <a:fld id="{FD51FDC7-0CF3-4127-99F5-543E4DDB1909}" type="datetimeFigureOut">
               <a:rPr lang="ko-KR" altLang="en-US" smtClean="0"/>
-              <a:t>2025-02-17</a:t>
+              <a:t>2025-02-18</a:t>
             </a:fld>
             <a:endParaRPr lang="ko-KR" altLang="en-US"/>
           </a:p>
@@ -2525,7 +2526,7 @@
           <a:p>
             <a:fld id="{FD51FDC7-0CF3-4127-99F5-543E4DDB1909}" type="datetimeFigureOut">
               <a:rPr lang="ko-KR" altLang="en-US" smtClean="0"/>
-              <a:t>2025-02-17</a:t>
+              <a:t>2025-02-18</a:t>
             </a:fld>
             <a:endParaRPr lang="ko-KR" altLang="en-US"/>
           </a:p>
@@ -2638,7 +2639,7 @@
           <a:p>
             <a:fld id="{FD51FDC7-0CF3-4127-99F5-543E4DDB1909}" type="datetimeFigureOut">
               <a:rPr lang="ko-KR" altLang="en-US" smtClean="0"/>
-              <a:t>2025-02-17</a:t>
+              <a:t>2025-02-18</a:t>
             </a:fld>
             <a:endParaRPr lang="ko-KR" altLang="en-US"/>
           </a:p>
@@ -2949,7 +2950,7 @@
           <a:p>
             <a:fld id="{FD51FDC7-0CF3-4127-99F5-543E4DDB1909}" type="datetimeFigureOut">
               <a:rPr lang="ko-KR" altLang="en-US" smtClean="0"/>
-              <a:t>2025-02-17</a:t>
+              <a:t>2025-02-18</a:t>
             </a:fld>
             <a:endParaRPr lang="ko-KR" altLang="en-US"/>
           </a:p>
@@ -3237,7 +3238,7 @@
           <a:p>
             <a:fld id="{FD51FDC7-0CF3-4127-99F5-543E4DDB1909}" type="datetimeFigureOut">
               <a:rPr lang="ko-KR" altLang="en-US" smtClean="0"/>
-              <a:t>2025-02-17</a:t>
+              <a:t>2025-02-18</a:t>
             </a:fld>
             <a:endParaRPr lang="ko-KR" altLang="en-US"/>
           </a:p>
@@ -3478,7 +3479,7 @@
           <a:p>
             <a:fld id="{FD51FDC7-0CF3-4127-99F5-543E4DDB1909}" type="datetimeFigureOut">
               <a:rPr lang="ko-KR" altLang="en-US" smtClean="0"/>
-              <a:t>2025-02-17</a:t>
+              <a:t>2025-02-18</a:t>
             </a:fld>
             <a:endParaRPr lang="ko-KR" altLang="en-US"/>
           </a:p>
@@ -24921,6 +24922,1104 @@
   <p:cSld>
     <p:spTree>
       <p:nvGrpSpPr>
+        <p:cNvPr id="1" name=""/>
+        <p:cNvGrpSpPr/>
+        <p:nvPr/>
+      </p:nvGrpSpPr>
+      <p:grpSpPr>
+        <a:xfrm>
+          <a:off x="0" y="0"/>
+          <a:ext cx="0" cy="0"/>
+          <a:chOff x="0" y="0"/>
+          <a:chExt cx="0" cy="0"/>
+        </a:xfrm>
+      </p:grpSpPr>
+      <p:grpSp>
+        <p:nvGrpSpPr>
+          <p:cNvPr id="3" name="그룹 2">
+            <a:extLst>
+              <a:ext uri="{FF2B5EF4-FFF2-40B4-BE49-F238E27FC236}">
+                <a16:creationId xmlns:a16="http://schemas.microsoft.com/office/drawing/2014/main" id="{2B20A21B-7234-20F8-5BED-5017CFAFFBF6}"/>
+              </a:ext>
+            </a:extLst>
+          </p:cNvPr>
+          <p:cNvGrpSpPr/>
+          <p:nvPr/>
+        </p:nvGrpSpPr>
+        <p:grpSpPr>
+          <a:xfrm rot="5400000">
+            <a:off x="4010496" y="2057709"/>
+            <a:ext cx="4512214" cy="2594065"/>
+            <a:chOff x="596345" y="1557116"/>
+            <a:chExt cx="4472608" cy="2571297"/>
+          </a:xfrm>
+        </p:grpSpPr>
+        <p:sp>
+          <p:nvSpPr>
+            <p:cNvPr id="7" name="사각형: 둥근 모서리 6">
+              <a:extLst>
+                <a:ext uri="{FF2B5EF4-FFF2-40B4-BE49-F238E27FC236}">
+                  <a16:creationId xmlns:a16="http://schemas.microsoft.com/office/drawing/2014/main" id="{FED23C34-3B76-18DC-8F12-EEFC0D04BFBB}"/>
+                </a:ext>
+              </a:extLst>
+            </p:cNvPr>
+            <p:cNvSpPr/>
+            <p:nvPr/>
+          </p:nvSpPr>
+          <p:spPr>
+            <a:xfrm>
+              <a:off x="596345" y="1557116"/>
+              <a:ext cx="4472608" cy="2571297"/>
+            </a:xfrm>
+            <a:prstGeom prst="roundRect">
+              <a:avLst>
+                <a:gd name="adj" fmla="val 2928"/>
+              </a:avLst>
+            </a:prstGeom>
+            <a:solidFill>
+              <a:schemeClr val="bg2">
+                <a:lumMod val="75000"/>
+              </a:schemeClr>
+            </a:solidFill>
+          </p:spPr>
+          <p:style>
+            <a:lnRef idx="2">
+              <a:schemeClr val="accent1">
+                <a:shade val="15000"/>
+              </a:schemeClr>
+            </a:lnRef>
+            <a:fillRef idx="1">
+              <a:schemeClr val="accent1"/>
+            </a:fillRef>
+            <a:effectRef idx="0">
+              <a:schemeClr val="accent1"/>
+            </a:effectRef>
+            <a:fontRef idx="minor">
+              <a:schemeClr val="lt1"/>
+            </a:fontRef>
+          </p:style>
+          <p:txBody>
+            <a:bodyPr rtlCol="0" anchor="ctr"/>
+            <a:lstStyle/>
+            <a:p>
+              <a:pPr algn="ctr"/>
+              <a:endParaRPr lang="ko-KR" altLang="en-US" sz="1050"/>
+            </a:p>
+          </p:txBody>
+        </p:sp>
+        <p:sp>
+          <p:nvSpPr>
+            <p:cNvPr id="8" name="직사각형 7">
+              <a:extLst>
+                <a:ext uri="{FF2B5EF4-FFF2-40B4-BE49-F238E27FC236}">
+                  <a16:creationId xmlns:a16="http://schemas.microsoft.com/office/drawing/2014/main" id="{00FED114-A1F7-B349-26D0-56328A10CA5E}"/>
+                </a:ext>
+              </a:extLst>
+            </p:cNvPr>
+            <p:cNvSpPr>
+              <a:spLocks noChangeAspect="1"/>
+            </p:cNvSpPr>
+            <p:nvPr/>
+          </p:nvSpPr>
+          <p:spPr>
+            <a:xfrm>
+              <a:off x="750261" y="1649918"/>
+              <a:ext cx="4200992" cy="2363058"/>
+            </a:xfrm>
+            <a:prstGeom prst="rect">
+              <a:avLst/>
+            </a:prstGeom>
+            <a:solidFill>
+              <a:schemeClr val="bg1"/>
+            </a:solidFill>
+            <a:ln>
+              <a:solidFill>
+                <a:schemeClr val="tx1"/>
+              </a:solidFill>
+            </a:ln>
+          </p:spPr>
+          <p:style>
+            <a:lnRef idx="2">
+              <a:schemeClr val="accent1">
+                <a:shade val="15000"/>
+              </a:schemeClr>
+            </a:lnRef>
+            <a:fillRef idx="1">
+              <a:schemeClr val="accent1"/>
+            </a:fillRef>
+            <a:effectRef idx="0">
+              <a:schemeClr val="accent1"/>
+            </a:effectRef>
+            <a:fontRef idx="minor">
+              <a:schemeClr val="lt1"/>
+            </a:fontRef>
+          </p:style>
+          <p:txBody>
+            <a:bodyPr rtlCol="0" anchor="ctr"/>
+            <a:lstStyle/>
+            <a:p>
+              <a:pPr algn="ctr"/>
+              <a:endParaRPr lang="ko-KR" altLang="en-US" sz="200"/>
+            </a:p>
+          </p:txBody>
+        </p:sp>
+        <p:sp>
+          <p:nvSpPr>
+            <p:cNvPr id="9" name="타원 8">
+              <a:extLst>
+                <a:ext uri="{FF2B5EF4-FFF2-40B4-BE49-F238E27FC236}">
+                  <a16:creationId xmlns:a16="http://schemas.microsoft.com/office/drawing/2014/main" id="{313DE4C1-0E92-F22C-3286-380271965C99}"/>
+                </a:ext>
+              </a:extLst>
+            </p:cNvPr>
+            <p:cNvSpPr/>
+            <p:nvPr/>
+          </p:nvSpPr>
+          <p:spPr>
+            <a:xfrm>
+              <a:off x="626132" y="2793474"/>
+              <a:ext cx="98581" cy="98581"/>
+            </a:xfrm>
+            <a:prstGeom prst="ellipse">
+              <a:avLst/>
+            </a:prstGeom>
+            <a:solidFill>
+              <a:schemeClr val="tx1">
+                <a:lumMod val="85000"/>
+                <a:lumOff val="15000"/>
+              </a:schemeClr>
+            </a:solidFill>
+          </p:spPr>
+          <p:style>
+            <a:lnRef idx="2">
+              <a:schemeClr val="accent1">
+                <a:shade val="15000"/>
+              </a:schemeClr>
+            </a:lnRef>
+            <a:fillRef idx="1">
+              <a:schemeClr val="accent1"/>
+            </a:fillRef>
+            <a:effectRef idx="0">
+              <a:schemeClr val="accent1"/>
+            </a:effectRef>
+            <a:fontRef idx="minor">
+              <a:schemeClr val="lt1"/>
+            </a:fontRef>
+          </p:style>
+          <p:txBody>
+            <a:bodyPr rtlCol="0" anchor="ctr"/>
+            <a:lstStyle/>
+            <a:p>
+              <a:pPr algn="ctr"/>
+              <a:endParaRPr lang="ko-KR" altLang="en-US" sz="1050"/>
+            </a:p>
+          </p:txBody>
+        </p:sp>
+      </p:grpSp>
+      <p:sp>
+        <p:nvSpPr>
+          <p:cNvPr id="11" name="TextBox 10">
+            <a:extLst>
+              <a:ext uri="{FF2B5EF4-FFF2-40B4-BE49-F238E27FC236}">
+                <a16:creationId xmlns:a16="http://schemas.microsoft.com/office/drawing/2014/main" id="{5D5E9ED4-05A5-6CBE-B15E-E80019475CBF}"/>
+              </a:ext>
+            </a:extLst>
+          </p:cNvPr>
+          <p:cNvSpPr txBox="1"/>
+          <p:nvPr/>
+        </p:nvSpPr>
+        <p:spPr>
+          <a:xfrm>
+            <a:off x="5194852" y="1407045"/>
+            <a:ext cx="1180131" cy="261610"/>
+          </a:xfrm>
+          <a:prstGeom prst="rect">
+            <a:avLst/>
+          </a:prstGeom>
+          <a:noFill/>
+        </p:spPr>
+        <p:txBody>
+          <a:bodyPr wrap="none" rtlCol="0">
+            <a:spAutoFit/>
+          </a:bodyPr>
+          <a:lstStyle/>
+          <a:p>
+            <a:r>
+              <a:rPr lang="en-US" altLang="ko-KR" sz="1100" b="1" dirty="0"/>
+              <a:t>(</a:t>
+            </a:r>
+            <a:r>
+              <a:rPr lang="ko-KR" altLang="en-US" sz="1100" b="1" dirty="0"/>
+              <a:t>주인공 이름</a:t>
+            </a:r>
+            <a:r>
+              <a:rPr lang="en-US" altLang="ko-KR" sz="1100" b="1" dirty="0"/>
+              <a:t>)</a:t>
+            </a:r>
+            <a:r>
+              <a:rPr lang="ko-KR" altLang="en-US" sz="1100" dirty="0"/>
+              <a:t>님</a:t>
+            </a:r>
+          </a:p>
+        </p:txBody>
+      </p:sp>
+      <p:grpSp>
+        <p:nvGrpSpPr>
+          <p:cNvPr id="22" name="그룹 21">
+            <a:extLst>
+              <a:ext uri="{FF2B5EF4-FFF2-40B4-BE49-F238E27FC236}">
+                <a16:creationId xmlns:a16="http://schemas.microsoft.com/office/drawing/2014/main" id="{816FEE22-B941-EC31-6793-CFD56FC7F262}"/>
+              </a:ext>
+            </a:extLst>
+          </p:cNvPr>
+          <p:cNvGrpSpPr/>
+          <p:nvPr/>
+        </p:nvGrpSpPr>
+        <p:grpSpPr>
+          <a:xfrm>
+            <a:off x="5163360" y="2020958"/>
+            <a:ext cx="2206487" cy="1885122"/>
+            <a:chOff x="3400821" y="1848678"/>
+            <a:chExt cx="2206487" cy="1885122"/>
+          </a:xfrm>
+        </p:grpSpPr>
+        <p:sp>
+          <p:nvSpPr>
+            <p:cNvPr id="12" name="사각형: 둥근 모서리 11">
+              <a:extLst>
+                <a:ext uri="{FF2B5EF4-FFF2-40B4-BE49-F238E27FC236}">
+                  <a16:creationId xmlns:a16="http://schemas.microsoft.com/office/drawing/2014/main" id="{F4BA5A15-96CF-5C36-F780-9B34F1C60D43}"/>
+                </a:ext>
+              </a:extLst>
+            </p:cNvPr>
+            <p:cNvSpPr/>
+            <p:nvPr/>
+          </p:nvSpPr>
+          <p:spPr>
+            <a:xfrm>
+              <a:off x="3400821" y="1848678"/>
+              <a:ext cx="2206487" cy="1885122"/>
+            </a:xfrm>
+            <a:prstGeom prst="roundRect">
+              <a:avLst>
+                <a:gd name="adj" fmla="val 6474"/>
+              </a:avLst>
+            </a:prstGeom>
+            <a:solidFill>
+              <a:schemeClr val="bg1"/>
+            </a:solidFill>
+            <a:ln>
+              <a:solidFill>
+                <a:schemeClr val="tx1"/>
+              </a:solidFill>
+            </a:ln>
+          </p:spPr>
+          <p:style>
+            <a:lnRef idx="2">
+              <a:schemeClr val="accent1">
+                <a:shade val="15000"/>
+              </a:schemeClr>
+            </a:lnRef>
+            <a:fillRef idx="1">
+              <a:schemeClr val="accent1"/>
+            </a:fillRef>
+            <a:effectRef idx="0">
+              <a:schemeClr val="accent1"/>
+            </a:effectRef>
+            <a:fontRef idx="minor">
+              <a:schemeClr val="lt1"/>
+            </a:fontRef>
+          </p:style>
+          <p:txBody>
+            <a:bodyPr rtlCol="0" anchor="ctr"/>
+            <a:lstStyle/>
+            <a:p>
+              <a:pPr algn="ctr"/>
+              <a:endParaRPr lang="ko-KR" altLang="en-US"/>
+            </a:p>
+          </p:txBody>
+        </p:sp>
+        <p:sp>
+          <p:nvSpPr>
+            <p:cNvPr id="17" name="TextBox 16">
+              <a:extLst>
+                <a:ext uri="{FF2B5EF4-FFF2-40B4-BE49-F238E27FC236}">
+                  <a16:creationId xmlns:a16="http://schemas.microsoft.com/office/drawing/2014/main" id="{7FF269FD-FB67-A502-2AB3-8899C9E05BD8}"/>
+                </a:ext>
+              </a:extLst>
+            </p:cNvPr>
+            <p:cNvSpPr txBox="1"/>
+            <p:nvPr/>
+          </p:nvSpPr>
+          <p:spPr>
+            <a:xfrm>
+              <a:off x="3761553" y="1893076"/>
+              <a:ext cx="742511" cy="246221"/>
+            </a:xfrm>
+            <a:prstGeom prst="rect">
+              <a:avLst/>
+            </a:prstGeom>
+            <a:noFill/>
+          </p:spPr>
+          <p:txBody>
+            <a:bodyPr wrap="none" rtlCol="0">
+              <a:spAutoFit/>
+            </a:bodyPr>
+            <a:lstStyle/>
+            <a:p>
+              <a:r>
+                <a:rPr lang="ko-KR" altLang="en-US" sz="1000" dirty="0"/>
+                <a:t>예금 통장</a:t>
+              </a:r>
+            </a:p>
+          </p:txBody>
+        </p:sp>
+        <p:sp>
+          <p:nvSpPr>
+            <p:cNvPr id="18" name="타원 17">
+              <a:extLst>
+                <a:ext uri="{FF2B5EF4-FFF2-40B4-BE49-F238E27FC236}">
+                  <a16:creationId xmlns:a16="http://schemas.microsoft.com/office/drawing/2014/main" id="{FF2FFAB6-1D74-9044-41A0-F980F66B8B8D}"/>
+                </a:ext>
+              </a:extLst>
+            </p:cNvPr>
+            <p:cNvSpPr/>
+            <p:nvPr/>
+          </p:nvSpPr>
+          <p:spPr>
+            <a:xfrm>
+              <a:off x="3462088" y="1885381"/>
+              <a:ext cx="261610" cy="261610"/>
+            </a:xfrm>
+            <a:prstGeom prst="ellipse">
+              <a:avLst/>
+            </a:prstGeom>
+          </p:spPr>
+          <p:style>
+            <a:lnRef idx="2">
+              <a:schemeClr val="accent1">
+                <a:shade val="15000"/>
+              </a:schemeClr>
+            </a:lnRef>
+            <a:fillRef idx="1">
+              <a:schemeClr val="accent1"/>
+            </a:fillRef>
+            <a:effectRef idx="0">
+              <a:schemeClr val="accent1"/>
+            </a:effectRef>
+            <a:fontRef idx="minor">
+              <a:schemeClr val="lt1"/>
+            </a:fontRef>
+          </p:style>
+          <p:txBody>
+            <a:bodyPr rtlCol="0" anchor="ctr"/>
+            <a:lstStyle/>
+            <a:p>
+              <a:pPr algn="ctr"/>
+              <a:endParaRPr lang="ko-KR" altLang="en-US"/>
+            </a:p>
+          </p:txBody>
+        </p:sp>
+        <p:sp>
+          <p:nvSpPr>
+            <p:cNvPr id="19" name="사각형: 둥근 모서리 18">
+              <a:extLst>
+                <a:ext uri="{FF2B5EF4-FFF2-40B4-BE49-F238E27FC236}">
+                  <a16:creationId xmlns:a16="http://schemas.microsoft.com/office/drawing/2014/main" id="{EB62BFBF-0C24-BFB3-F7E5-28E0A1982B08}"/>
+                </a:ext>
+              </a:extLst>
+            </p:cNvPr>
+            <p:cNvSpPr/>
+            <p:nvPr/>
+          </p:nvSpPr>
+          <p:spPr>
+            <a:xfrm>
+              <a:off x="3662551" y="3364150"/>
+              <a:ext cx="1683026" cy="246221"/>
+            </a:xfrm>
+            <a:prstGeom prst="roundRect">
+              <a:avLst/>
+            </a:prstGeom>
+          </p:spPr>
+          <p:style>
+            <a:lnRef idx="2">
+              <a:schemeClr val="accent6">
+                <a:shade val="15000"/>
+              </a:schemeClr>
+            </a:lnRef>
+            <a:fillRef idx="1">
+              <a:schemeClr val="accent6"/>
+            </a:fillRef>
+            <a:effectRef idx="0">
+              <a:schemeClr val="accent6"/>
+            </a:effectRef>
+            <a:fontRef idx="minor">
+              <a:schemeClr val="lt1"/>
+            </a:fontRef>
+          </p:style>
+          <p:txBody>
+            <a:bodyPr rtlCol="0" anchor="ctr"/>
+            <a:lstStyle/>
+            <a:p>
+              <a:pPr algn="ctr"/>
+              <a:r>
+                <a:rPr lang="ko-KR" altLang="en-US" sz="1200"/>
+                <a:t>이체 하기 </a:t>
+              </a:r>
+            </a:p>
+          </p:txBody>
+        </p:sp>
+        <p:sp>
+          <p:nvSpPr>
+            <p:cNvPr id="20" name="사각형: 둥근 모서리 19">
+              <a:extLst>
+                <a:ext uri="{FF2B5EF4-FFF2-40B4-BE49-F238E27FC236}">
+                  <a16:creationId xmlns:a16="http://schemas.microsoft.com/office/drawing/2014/main" id="{AF9EF84D-39B4-4238-A176-4E8A85C32B80}"/>
+                </a:ext>
+              </a:extLst>
+            </p:cNvPr>
+            <p:cNvSpPr/>
+            <p:nvPr/>
+          </p:nvSpPr>
+          <p:spPr>
+            <a:xfrm>
+              <a:off x="3662551" y="2997665"/>
+              <a:ext cx="1683026" cy="246221"/>
+            </a:xfrm>
+            <a:prstGeom prst="roundRect">
+              <a:avLst/>
+            </a:prstGeom>
+          </p:spPr>
+          <p:style>
+            <a:lnRef idx="2">
+              <a:schemeClr val="accent6">
+                <a:shade val="15000"/>
+              </a:schemeClr>
+            </a:lnRef>
+            <a:fillRef idx="1">
+              <a:schemeClr val="accent6"/>
+            </a:fillRef>
+            <a:effectRef idx="0">
+              <a:schemeClr val="accent6"/>
+            </a:effectRef>
+            <a:fontRef idx="minor">
+              <a:schemeClr val="lt1"/>
+            </a:fontRef>
+          </p:style>
+          <p:txBody>
+            <a:bodyPr rtlCol="0" anchor="ctr"/>
+            <a:lstStyle/>
+            <a:p>
+              <a:pPr algn="ctr"/>
+              <a:r>
+                <a:rPr lang="ko-KR" altLang="en-US" sz="1200" dirty="0"/>
+                <a:t>잔액 확인</a:t>
+              </a:r>
+            </a:p>
+          </p:txBody>
+        </p:sp>
+        <p:sp>
+          <p:nvSpPr>
+            <p:cNvPr id="21" name="TextBox 20">
+              <a:extLst>
+                <a:ext uri="{FF2B5EF4-FFF2-40B4-BE49-F238E27FC236}">
+                  <a16:creationId xmlns:a16="http://schemas.microsoft.com/office/drawing/2014/main" id="{38EBA903-6CB5-C926-2488-B1EC18475855}"/>
+                </a:ext>
+              </a:extLst>
+            </p:cNvPr>
+            <p:cNvSpPr txBox="1"/>
+            <p:nvPr/>
+          </p:nvSpPr>
+          <p:spPr>
+            <a:xfrm>
+              <a:off x="3662551" y="2429981"/>
+              <a:ext cx="1217000" cy="276999"/>
+            </a:xfrm>
+            <a:prstGeom prst="rect">
+              <a:avLst/>
+            </a:prstGeom>
+            <a:noFill/>
+          </p:spPr>
+          <p:txBody>
+            <a:bodyPr wrap="none" rtlCol="0">
+              <a:spAutoFit/>
+            </a:bodyPr>
+            <a:lstStyle/>
+            <a:p>
+              <a:r>
+                <a:rPr lang="ko-KR" altLang="en-US" sz="1200"/>
+                <a:t>현재 금액 표기</a:t>
+              </a:r>
+              <a:endParaRPr lang="ko-KR" altLang="en-US" sz="1200" dirty="0"/>
+            </a:p>
+          </p:txBody>
+        </p:sp>
+      </p:grpSp>
+      <p:grpSp>
+        <p:nvGrpSpPr>
+          <p:cNvPr id="30" name="그룹 29">
+            <a:extLst>
+              <a:ext uri="{FF2B5EF4-FFF2-40B4-BE49-F238E27FC236}">
+                <a16:creationId xmlns:a16="http://schemas.microsoft.com/office/drawing/2014/main" id="{400EA140-BA83-CC99-005F-995FB077DCFF}"/>
+              </a:ext>
+            </a:extLst>
+          </p:cNvPr>
+          <p:cNvGrpSpPr/>
+          <p:nvPr/>
+        </p:nvGrpSpPr>
+        <p:grpSpPr>
+          <a:xfrm>
+            <a:off x="5179106" y="4108176"/>
+            <a:ext cx="2174995" cy="456977"/>
+            <a:chOff x="3432313" y="3935896"/>
+            <a:chExt cx="2174995" cy="456977"/>
+          </a:xfrm>
+        </p:grpSpPr>
+        <p:sp>
+          <p:nvSpPr>
+            <p:cNvPr id="23" name="사각형: 둥근 모서리 22">
+              <a:extLst>
+                <a:ext uri="{FF2B5EF4-FFF2-40B4-BE49-F238E27FC236}">
+                  <a16:creationId xmlns:a16="http://schemas.microsoft.com/office/drawing/2014/main" id="{D21F223F-7C2E-D275-6AF4-1F46EFFF9515}"/>
+                </a:ext>
+              </a:extLst>
+            </p:cNvPr>
+            <p:cNvSpPr/>
+            <p:nvPr/>
+          </p:nvSpPr>
+          <p:spPr>
+            <a:xfrm>
+              <a:off x="3432313" y="3935896"/>
+              <a:ext cx="2174995" cy="456977"/>
+            </a:xfrm>
+            <a:prstGeom prst="roundRect">
+              <a:avLst/>
+            </a:prstGeom>
+            <a:solidFill>
+              <a:schemeClr val="bg1"/>
+            </a:solidFill>
+            <a:ln>
+              <a:solidFill>
+                <a:schemeClr val="tx1"/>
+              </a:solidFill>
+            </a:ln>
+          </p:spPr>
+          <p:style>
+            <a:lnRef idx="2">
+              <a:schemeClr val="accent1">
+                <a:shade val="15000"/>
+              </a:schemeClr>
+            </a:lnRef>
+            <a:fillRef idx="1">
+              <a:schemeClr val="accent1"/>
+            </a:fillRef>
+            <a:effectRef idx="0">
+              <a:schemeClr val="accent1"/>
+            </a:effectRef>
+            <a:fontRef idx="minor">
+              <a:schemeClr val="lt1"/>
+            </a:fontRef>
+          </p:style>
+          <p:txBody>
+            <a:bodyPr rtlCol="0" anchor="ctr"/>
+            <a:lstStyle/>
+            <a:p>
+              <a:pPr algn="ctr"/>
+              <a:endParaRPr lang="ko-KR" altLang="en-US"/>
+            </a:p>
+          </p:txBody>
+        </p:sp>
+        <p:sp>
+          <p:nvSpPr>
+            <p:cNvPr id="25" name="타원 24">
+              <a:extLst>
+                <a:ext uri="{FF2B5EF4-FFF2-40B4-BE49-F238E27FC236}">
+                  <a16:creationId xmlns:a16="http://schemas.microsoft.com/office/drawing/2014/main" id="{7A744B20-79AF-3272-B663-94B0F63101B0}"/>
+                </a:ext>
+              </a:extLst>
+            </p:cNvPr>
+            <p:cNvSpPr/>
+            <p:nvPr/>
+          </p:nvSpPr>
+          <p:spPr>
+            <a:xfrm>
+              <a:off x="3531746" y="4033579"/>
+              <a:ext cx="261610" cy="261610"/>
+            </a:xfrm>
+            <a:prstGeom prst="ellipse">
+              <a:avLst/>
+            </a:prstGeom>
+          </p:spPr>
+          <p:style>
+            <a:lnRef idx="2">
+              <a:schemeClr val="accent1">
+                <a:shade val="15000"/>
+              </a:schemeClr>
+            </a:lnRef>
+            <a:fillRef idx="1">
+              <a:schemeClr val="accent1"/>
+            </a:fillRef>
+            <a:effectRef idx="0">
+              <a:schemeClr val="accent1"/>
+            </a:effectRef>
+            <a:fontRef idx="minor">
+              <a:schemeClr val="lt1"/>
+            </a:fontRef>
+          </p:style>
+          <p:txBody>
+            <a:bodyPr rtlCol="0" anchor="ctr"/>
+            <a:lstStyle/>
+            <a:p>
+              <a:pPr algn="ctr"/>
+              <a:endParaRPr lang="ko-KR" altLang="en-US"/>
+            </a:p>
+          </p:txBody>
+        </p:sp>
+        <p:sp>
+          <p:nvSpPr>
+            <p:cNvPr id="27" name="TextBox 26">
+              <a:extLst>
+                <a:ext uri="{FF2B5EF4-FFF2-40B4-BE49-F238E27FC236}">
+                  <a16:creationId xmlns:a16="http://schemas.microsoft.com/office/drawing/2014/main" id="{E001E0C2-4833-8143-497D-707BF7899B66}"/>
+                </a:ext>
+              </a:extLst>
+            </p:cNvPr>
+            <p:cNvSpPr txBox="1"/>
+            <p:nvPr/>
+          </p:nvSpPr>
+          <p:spPr>
+            <a:xfrm>
+              <a:off x="3811280" y="4041274"/>
+              <a:ext cx="742511" cy="246221"/>
+            </a:xfrm>
+            <a:prstGeom prst="rect">
+              <a:avLst/>
+            </a:prstGeom>
+            <a:noFill/>
+          </p:spPr>
+          <p:txBody>
+            <a:bodyPr wrap="none" rtlCol="0">
+              <a:spAutoFit/>
+            </a:bodyPr>
+            <a:lstStyle/>
+            <a:p>
+              <a:r>
+                <a:rPr lang="ko-KR" altLang="en-US" sz="1000" dirty="0"/>
+                <a:t>적금 통장</a:t>
+              </a:r>
+            </a:p>
+          </p:txBody>
+        </p:sp>
+      </p:grpSp>
+      <p:grpSp>
+        <p:nvGrpSpPr>
+          <p:cNvPr id="29" name="그룹 28">
+            <a:extLst>
+              <a:ext uri="{FF2B5EF4-FFF2-40B4-BE49-F238E27FC236}">
+                <a16:creationId xmlns:a16="http://schemas.microsoft.com/office/drawing/2014/main" id="{F332F0BA-351E-197D-C7D6-DBE3875F6520}"/>
+              </a:ext>
+            </a:extLst>
+          </p:cNvPr>
+          <p:cNvGrpSpPr/>
+          <p:nvPr/>
+        </p:nvGrpSpPr>
+        <p:grpSpPr>
+          <a:xfrm>
+            <a:off x="5179106" y="4826578"/>
+            <a:ext cx="2174995" cy="456977"/>
+            <a:chOff x="3432313" y="4654298"/>
+            <a:chExt cx="2174995" cy="456977"/>
+          </a:xfrm>
+        </p:grpSpPr>
+        <p:sp>
+          <p:nvSpPr>
+            <p:cNvPr id="24" name="사각형: 둥근 모서리 23">
+              <a:extLst>
+                <a:ext uri="{FF2B5EF4-FFF2-40B4-BE49-F238E27FC236}">
+                  <a16:creationId xmlns:a16="http://schemas.microsoft.com/office/drawing/2014/main" id="{A354EDEB-4047-5F9C-9550-EEF80C1EA3D2}"/>
+                </a:ext>
+              </a:extLst>
+            </p:cNvPr>
+            <p:cNvSpPr/>
+            <p:nvPr/>
+          </p:nvSpPr>
+          <p:spPr>
+            <a:xfrm>
+              <a:off x="3432313" y="4654298"/>
+              <a:ext cx="2174995" cy="456977"/>
+            </a:xfrm>
+            <a:prstGeom prst="roundRect">
+              <a:avLst/>
+            </a:prstGeom>
+            <a:solidFill>
+              <a:schemeClr val="bg1"/>
+            </a:solidFill>
+            <a:ln>
+              <a:solidFill>
+                <a:schemeClr val="tx1"/>
+              </a:solidFill>
+            </a:ln>
+          </p:spPr>
+          <p:style>
+            <a:lnRef idx="2">
+              <a:schemeClr val="accent1">
+                <a:shade val="15000"/>
+              </a:schemeClr>
+            </a:lnRef>
+            <a:fillRef idx="1">
+              <a:schemeClr val="accent1"/>
+            </a:fillRef>
+            <a:effectRef idx="0">
+              <a:schemeClr val="accent1"/>
+            </a:effectRef>
+            <a:fontRef idx="minor">
+              <a:schemeClr val="lt1"/>
+            </a:fontRef>
+          </p:style>
+          <p:txBody>
+            <a:bodyPr rtlCol="0" anchor="ctr"/>
+            <a:lstStyle/>
+            <a:p>
+              <a:pPr algn="ctr"/>
+              <a:endParaRPr lang="ko-KR" altLang="en-US"/>
+            </a:p>
+          </p:txBody>
+        </p:sp>
+        <p:sp>
+          <p:nvSpPr>
+            <p:cNvPr id="26" name="타원 25">
+              <a:extLst>
+                <a:ext uri="{FF2B5EF4-FFF2-40B4-BE49-F238E27FC236}">
+                  <a16:creationId xmlns:a16="http://schemas.microsoft.com/office/drawing/2014/main" id="{D9824761-5E6D-DC9D-6115-1B7A93F697AE}"/>
+                </a:ext>
+              </a:extLst>
+            </p:cNvPr>
+            <p:cNvSpPr/>
+            <p:nvPr/>
+          </p:nvSpPr>
+          <p:spPr>
+            <a:xfrm>
+              <a:off x="3531746" y="4751981"/>
+              <a:ext cx="261610" cy="261610"/>
+            </a:xfrm>
+            <a:prstGeom prst="ellipse">
+              <a:avLst/>
+            </a:prstGeom>
+          </p:spPr>
+          <p:style>
+            <a:lnRef idx="2">
+              <a:schemeClr val="accent1">
+                <a:shade val="15000"/>
+              </a:schemeClr>
+            </a:lnRef>
+            <a:fillRef idx="1">
+              <a:schemeClr val="accent1"/>
+            </a:fillRef>
+            <a:effectRef idx="0">
+              <a:schemeClr val="accent1"/>
+            </a:effectRef>
+            <a:fontRef idx="minor">
+              <a:schemeClr val="lt1"/>
+            </a:fontRef>
+          </p:style>
+          <p:txBody>
+            <a:bodyPr rtlCol="0" anchor="ctr"/>
+            <a:lstStyle/>
+            <a:p>
+              <a:pPr algn="ctr"/>
+              <a:endParaRPr lang="ko-KR" altLang="en-US"/>
+            </a:p>
+          </p:txBody>
+        </p:sp>
+        <p:sp>
+          <p:nvSpPr>
+            <p:cNvPr id="28" name="TextBox 27">
+              <a:extLst>
+                <a:ext uri="{FF2B5EF4-FFF2-40B4-BE49-F238E27FC236}">
+                  <a16:creationId xmlns:a16="http://schemas.microsoft.com/office/drawing/2014/main" id="{F4F2D468-50DE-108A-04D9-4037EE29042A}"/>
+                </a:ext>
+              </a:extLst>
+            </p:cNvPr>
+            <p:cNvSpPr txBox="1"/>
+            <p:nvPr/>
+          </p:nvSpPr>
+          <p:spPr>
+            <a:xfrm>
+              <a:off x="3811280" y="4759676"/>
+              <a:ext cx="742511" cy="246221"/>
+            </a:xfrm>
+            <a:prstGeom prst="rect">
+              <a:avLst/>
+            </a:prstGeom>
+            <a:noFill/>
+          </p:spPr>
+          <p:txBody>
+            <a:bodyPr wrap="none" rtlCol="0">
+              <a:spAutoFit/>
+            </a:bodyPr>
+            <a:lstStyle/>
+            <a:p>
+              <a:r>
+                <a:rPr lang="ko-KR" altLang="en-US" sz="1000" dirty="0"/>
+                <a:t>통장 이름</a:t>
+              </a:r>
+            </a:p>
+          </p:txBody>
+        </p:sp>
+      </p:grpSp>
+      <p:sp>
+        <p:nvSpPr>
+          <p:cNvPr id="31" name="말풍선: 사각형 30">
+            <a:extLst>
+              <a:ext uri="{FF2B5EF4-FFF2-40B4-BE49-F238E27FC236}">
+                <a16:creationId xmlns:a16="http://schemas.microsoft.com/office/drawing/2014/main" id="{A79216B8-FC50-0BAB-D520-390E8B475894}"/>
+              </a:ext>
+            </a:extLst>
+          </p:cNvPr>
+          <p:cNvSpPr/>
+          <p:nvPr/>
+        </p:nvSpPr>
+        <p:spPr>
+          <a:xfrm>
+            <a:off x="3990538" y="2099918"/>
+            <a:ext cx="1072657" cy="438706"/>
+          </a:xfrm>
+          <a:prstGeom prst="wedgeRectCallout">
+            <a:avLst>
+              <a:gd name="adj1" fmla="val 62883"/>
+              <a:gd name="adj2" fmla="val -29150"/>
+            </a:avLst>
+          </a:prstGeom>
+          <a:solidFill>
+            <a:schemeClr val="bg1"/>
+          </a:solidFill>
+          <a:ln>
+            <a:solidFill>
+              <a:schemeClr val="tx1"/>
+            </a:solidFill>
+          </a:ln>
+        </p:spPr>
+        <p:style>
+          <a:lnRef idx="2">
+            <a:schemeClr val="accent1">
+              <a:shade val="15000"/>
+            </a:schemeClr>
+          </a:lnRef>
+          <a:fillRef idx="1">
+            <a:schemeClr val="accent1"/>
+          </a:fillRef>
+          <a:effectRef idx="0">
+            <a:schemeClr val="accent1"/>
+          </a:effectRef>
+          <a:fontRef idx="minor">
+            <a:schemeClr val="lt1"/>
+          </a:fontRef>
+        </p:style>
+        <p:txBody>
+          <a:bodyPr rtlCol="0" anchor="ctr"/>
+          <a:lstStyle/>
+          <a:p>
+            <a:r>
+              <a:rPr lang="ko-KR" altLang="en-US" sz="1200">
+                <a:solidFill>
+                  <a:schemeClr val="tx1"/>
+                </a:solidFill>
+              </a:rPr>
+              <a:t>은행 아이콘</a:t>
+            </a:r>
+            <a:endParaRPr lang="ko-KR" altLang="en-US" sz="1200" dirty="0">
+              <a:solidFill>
+                <a:schemeClr val="tx1"/>
+              </a:solidFill>
+            </a:endParaRPr>
+          </a:p>
+        </p:txBody>
+      </p:sp>
+      <p:sp>
+        <p:nvSpPr>
+          <p:cNvPr id="32" name="말풍선: 사각형 31">
+            <a:extLst>
+              <a:ext uri="{FF2B5EF4-FFF2-40B4-BE49-F238E27FC236}">
+                <a16:creationId xmlns:a16="http://schemas.microsoft.com/office/drawing/2014/main" id="{BA53735D-A765-9A4F-F146-E9584B282475}"/>
+              </a:ext>
+            </a:extLst>
+          </p:cNvPr>
+          <p:cNvSpPr/>
+          <p:nvPr/>
+        </p:nvSpPr>
+        <p:spPr>
+          <a:xfrm>
+            <a:off x="2245200" y="2619800"/>
+            <a:ext cx="3012417" cy="933032"/>
+          </a:xfrm>
+          <a:prstGeom prst="wedgeRectCallout">
+            <a:avLst>
+              <a:gd name="adj1" fmla="val 55584"/>
+              <a:gd name="adj2" fmla="val -28699"/>
+            </a:avLst>
+          </a:prstGeom>
+          <a:solidFill>
+            <a:schemeClr val="bg1"/>
+          </a:solidFill>
+          <a:ln>
+            <a:solidFill>
+              <a:schemeClr val="tx1"/>
+            </a:solidFill>
+          </a:ln>
+        </p:spPr>
+        <p:style>
+          <a:lnRef idx="2">
+            <a:schemeClr val="accent1">
+              <a:shade val="15000"/>
+            </a:schemeClr>
+          </a:lnRef>
+          <a:fillRef idx="1">
+            <a:schemeClr val="accent1"/>
+          </a:fillRef>
+          <a:effectRef idx="0">
+            <a:schemeClr val="accent1"/>
+          </a:effectRef>
+          <a:fontRef idx="minor">
+            <a:schemeClr val="lt1"/>
+          </a:fontRef>
+        </p:style>
+        <p:txBody>
+          <a:bodyPr rtlCol="0" anchor="ctr"/>
+          <a:lstStyle/>
+          <a:p>
+            <a:r>
+              <a:rPr lang="ko-KR" altLang="en-US" sz="1200" dirty="0">
+                <a:solidFill>
+                  <a:schemeClr val="tx1"/>
+                </a:solidFill>
+              </a:rPr>
+              <a:t>현재 금액 표기</a:t>
+            </a:r>
+            <a:endParaRPr lang="en-US" altLang="ko-KR" sz="1200" dirty="0">
+              <a:solidFill>
+                <a:schemeClr val="tx1"/>
+              </a:solidFill>
+            </a:endParaRPr>
+          </a:p>
+          <a:p>
+            <a:r>
+              <a:rPr lang="ko-KR" altLang="en-US" sz="1200" dirty="0">
+                <a:solidFill>
+                  <a:schemeClr val="tx1"/>
+                </a:solidFill>
+              </a:rPr>
+              <a:t>최소 </a:t>
+            </a:r>
+            <a:r>
+              <a:rPr lang="en-US" altLang="ko-KR" sz="1200" dirty="0">
+                <a:solidFill>
+                  <a:schemeClr val="tx1"/>
+                </a:solidFill>
+              </a:rPr>
+              <a:t>1,000,000</a:t>
+            </a:r>
+            <a:r>
+              <a:rPr lang="ko-KR" altLang="en-US" sz="1200" dirty="0">
+                <a:solidFill>
+                  <a:schemeClr val="tx1"/>
+                </a:solidFill>
+              </a:rPr>
+              <a:t>부터 </a:t>
+            </a:r>
+            <a:r>
+              <a:rPr lang="ko-KR" altLang="en-US" sz="1200" dirty="0" err="1">
+                <a:solidFill>
+                  <a:schemeClr val="tx1"/>
+                </a:solidFill>
+              </a:rPr>
+              <a:t>랜덤한</a:t>
+            </a:r>
+            <a:r>
+              <a:rPr lang="ko-KR" altLang="en-US" sz="1200" dirty="0">
+                <a:solidFill>
+                  <a:schemeClr val="tx1"/>
+                </a:solidFill>
+              </a:rPr>
+              <a:t> 수치</a:t>
+            </a:r>
+            <a:endParaRPr lang="en-US" altLang="ko-KR" sz="1200" dirty="0">
+              <a:solidFill>
+                <a:schemeClr val="tx1"/>
+              </a:solidFill>
+            </a:endParaRPr>
+          </a:p>
+          <a:p>
+            <a:r>
+              <a:rPr lang="ko-KR" altLang="en-US" sz="1200" dirty="0">
+                <a:solidFill>
+                  <a:schemeClr val="tx1"/>
+                </a:solidFill>
+              </a:rPr>
+              <a:t>게임 </a:t>
+            </a:r>
+            <a:r>
+              <a:rPr lang="ko-KR" altLang="en-US" sz="1200" dirty="0" err="1">
+                <a:solidFill>
+                  <a:schemeClr val="tx1"/>
+                </a:solidFill>
+              </a:rPr>
+              <a:t>시작시</a:t>
+            </a:r>
+            <a:r>
+              <a:rPr lang="ko-KR" altLang="en-US" sz="1200" dirty="0">
+                <a:solidFill>
+                  <a:schemeClr val="tx1"/>
+                </a:solidFill>
+              </a:rPr>
+              <a:t> 정해진다</a:t>
+            </a:r>
+            <a:r>
+              <a:rPr lang="en-US" altLang="ko-KR" sz="1200" dirty="0">
+                <a:solidFill>
+                  <a:schemeClr val="tx1"/>
+                </a:solidFill>
+              </a:rPr>
+              <a:t>.</a:t>
+            </a:r>
+          </a:p>
+          <a:p>
+            <a:r>
+              <a:rPr lang="ko-KR" altLang="en-US" sz="1200" dirty="0">
+                <a:solidFill>
+                  <a:schemeClr val="tx1"/>
+                </a:solidFill>
+              </a:rPr>
+              <a:t>랜덤 돌리는 단위는 천원단위부터 돌린다</a:t>
+            </a:r>
+            <a:r>
+              <a:rPr lang="en-US" altLang="ko-KR" sz="1200" dirty="0">
+                <a:solidFill>
+                  <a:schemeClr val="tx1"/>
+                </a:solidFill>
+              </a:rPr>
+              <a:t>.</a:t>
+            </a:r>
+          </a:p>
+        </p:txBody>
+      </p:sp>
+    </p:spTree>
+    <p:extLst>
+      <p:ext uri="{BB962C8B-B14F-4D97-AF65-F5344CB8AC3E}">
+        <p14:creationId xmlns:p14="http://schemas.microsoft.com/office/powerpoint/2010/main" val="2645909566"/>
+      </p:ext>
+    </p:extLst>
+  </p:cSld>
+  <p:clrMapOvr>
+    <a:masterClrMapping/>
+  </p:clrMapOvr>
+</p:sld>
+</file>
+
+<file path=ppt/slides/slide23.xml><?xml version="1.0" encoding="utf-8"?>
+<p:sld xmlns:a="http://schemas.openxmlformats.org/drawingml/2006/main" xmlns:r="http://schemas.openxmlformats.org/officeDocument/2006/relationships" xmlns:p="http://schemas.openxmlformats.org/presentationml/2006/main">
+  <p:cSld>
+    <p:spTree>
+      <p:nvGrpSpPr>
         <p:cNvPr id="1" name="">
           <a:extLst>
             <a:ext uri="{FF2B5EF4-FFF2-40B4-BE49-F238E27FC236}">
@@ -26051,7 +27150,7 @@
 </p:sld>
 </file>
 
-<file path=ppt/slides/slide23.xml><?xml version="1.0" encoding="utf-8"?>
+<file path=ppt/slides/slide24.xml><?xml version="1.0" encoding="utf-8"?>
 <p:sld xmlns:a="http://schemas.openxmlformats.org/drawingml/2006/main" xmlns:r="http://schemas.openxmlformats.org/officeDocument/2006/relationships" xmlns:p="http://schemas.openxmlformats.org/presentationml/2006/main">
   <p:cSld>
     <p:spTree>
@@ -29394,7 +30493,7 @@
 </p:sld>
 </file>
 
-<file path=ppt/slides/slide24.xml><?xml version="1.0" encoding="utf-8"?>
+<file path=ppt/slides/slide25.xml><?xml version="1.0" encoding="utf-8"?>
 <p:sld xmlns:a="http://schemas.openxmlformats.org/drawingml/2006/main" xmlns:r="http://schemas.openxmlformats.org/officeDocument/2006/relationships" xmlns:p="http://schemas.openxmlformats.org/presentationml/2006/main">
   <p:cSld>
     <p:spTree>
@@ -30666,7 +31765,7 @@
 </p:sld>
 </file>
 
-<file path=ppt/slides/slide25.xml><?xml version="1.0" encoding="utf-8"?>
+<file path=ppt/slides/slide26.xml><?xml version="1.0" encoding="utf-8"?>
 <p:sld xmlns:a="http://schemas.openxmlformats.org/drawingml/2006/main" xmlns:r="http://schemas.openxmlformats.org/officeDocument/2006/relationships" xmlns:p="http://schemas.openxmlformats.org/presentationml/2006/main">
   <p:cSld>
     <p:spTree>
@@ -31542,7 +32641,7 @@
 </p:sld>
 </file>
 
-<file path=ppt/slides/slide26.xml><?xml version="1.0" encoding="utf-8"?>
+<file path=ppt/slides/slide27.xml><?xml version="1.0" encoding="utf-8"?>
 <p:sld xmlns:a="http://schemas.openxmlformats.org/drawingml/2006/main" xmlns:r="http://schemas.openxmlformats.org/officeDocument/2006/relationships" xmlns:p="http://schemas.openxmlformats.org/presentationml/2006/main">
   <p:cSld>
     <p:spTree>

--- a/document/UI.pptx
+++ b/document/UI.pptx
@@ -5,7 +5,7 @@
     <p:sldMasterId id="2147483648" r:id="rId1"/>
   </p:sldMasterIdLst>
   <p:notesMasterIdLst>
-    <p:notesMasterId r:id="rId29"/>
+    <p:notesMasterId r:id="rId31"/>
   </p:notesMasterIdLst>
   <p:sldIdLst>
     <p:sldId id="257" r:id="rId2"/>
@@ -34,7 +34,9 @@
     <p:sldId id="264" r:id="rId25"/>
     <p:sldId id="265" r:id="rId26"/>
     <p:sldId id="262" r:id="rId27"/>
-    <p:sldId id="256" r:id="rId28"/>
+    <p:sldId id="283" r:id="rId28"/>
+    <p:sldId id="284" r:id="rId29"/>
+    <p:sldId id="256" r:id="rId30"/>
   </p:sldIdLst>
   <p:sldSz cx="12192000" cy="6858000"/>
   <p:notesSz cx="6858000" cy="9144000"/>
@@ -32658,6 +32660,1964 @@
           <a:chExt cx="0" cy="0"/>
         </a:xfrm>
       </p:grpSpPr>
+      <p:grpSp>
+        <p:nvGrpSpPr>
+          <p:cNvPr id="2" name="그룹 1">
+            <a:extLst>
+              <a:ext uri="{FF2B5EF4-FFF2-40B4-BE49-F238E27FC236}">
+                <a16:creationId xmlns:a16="http://schemas.microsoft.com/office/drawing/2014/main" id="{4D635995-3629-9866-176C-0E47D876E02A}"/>
+              </a:ext>
+            </a:extLst>
+          </p:cNvPr>
+          <p:cNvGrpSpPr/>
+          <p:nvPr/>
+        </p:nvGrpSpPr>
+        <p:grpSpPr>
+          <a:xfrm rot="5400000">
+            <a:off x="4010496" y="2057709"/>
+            <a:ext cx="4512214" cy="2594065"/>
+            <a:chOff x="596345" y="1557116"/>
+            <a:chExt cx="4472608" cy="2571297"/>
+          </a:xfrm>
+        </p:grpSpPr>
+        <p:sp>
+          <p:nvSpPr>
+            <p:cNvPr id="3" name="사각형: 둥근 모서리 2">
+              <a:extLst>
+                <a:ext uri="{FF2B5EF4-FFF2-40B4-BE49-F238E27FC236}">
+                  <a16:creationId xmlns:a16="http://schemas.microsoft.com/office/drawing/2014/main" id="{8CACC551-0975-16B3-F686-1D7FC8D24854}"/>
+                </a:ext>
+              </a:extLst>
+            </p:cNvPr>
+            <p:cNvSpPr/>
+            <p:nvPr/>
+          </p:nvSpPr>
+          <p:spPr>
+            <a:xfrm>
+              <a:off x="596345" y="1557116"/>
+              <a:ext cx="4472608" cy="2571297"/>
+            </a:xfrm>
+            <a:prstGeom prst="roundRect">
+              <a:avLst>
+                <a:gd name="adj" fmla="val 2928"/>
+              </a:avLst>
+            </a:prstGeom>
+            <a:solidFill>
+              <a:schemeClr val="bg2">
+                <a:lumMod val="75000"/>
+              </a:schemeClr>
+            </a:solidFill>
+          </p:spPr>
+          <p:style>
+            <a:lnRef idx="2">
+              <a:schemeClr val="accent1">
+                <a:shade val="15000"/>
+              </a:schemeClr>
+            </a:lnRef>
+            <a:fillRef idx="1">
+              <a:schemeClr val="accent1"/>
+            </a:fillRef>
+            <a:effectRef idx="0">
+              <a:schemeClr val="accent1"/>
+            </a:effectRef>
+            <a:fontRef idx="minor">
+              <a:schemeClr val="lt1"/>
+            </a:fontRef>
+          </p:style>
+          <p:txBody>
+            <a:bodyPr rtlCol="0" anchor="ctr"/>
+            <a:lstStyle/>
+            <a:p>
+              <a:pPr algn="ctr"/>
+              <a:endParaRPr lang="ko-KR" altLang="en-US" sz="1050"/>
+            </a:p>
+          </p:txBody>
+        </p:sp>
+        <p:sp>
+          <p:nvSpPr>
+            <p:cNvPr id="4" name="직사각형 3">
+              <a:extLst>
+                <a:ext uri="{FF2B5EF4-FFF2-40B4-BE49-F238E27FC236}">
+                  <a16:creationId xmlns:a16="http://schemas.microsoft.com/office/drawing/2014/main" id="{EFA7C83C-4C11-551F-8F58-F386A0014A4E}"/>
+                </a:ext>
+              </a:extLst>
+            </p:cNvPr>
+            <p:cNvSpPr>
+              <a:spLocks noChangeAspect="1"/>
+            </p:cNvSpPr>
+            <p:nvPr/>
+          </p:nvSpPr>
+          <p:spPr>
+            <a:xfrm>
+              <a:off x="750261" y="1661235"/>
+              <a:ext cx="4200992" cy="2363058"/>
+            </a:xfrm>
+            <a:prstGeom prst="rect">
+              <a:avLst/>
+            </a:prstGeom>
+            <a:solidFill>
+              <a:schemeClr val="bg2">
+                <a:lumMod val="50000"/>
+              </a:schemeClr>
+            </a:solidFill>
+            <a:ln>
+              <a:solidFill>
+                <a:schemeClr val="tx1"/>
+              </a:solidFill>
+            </a:ln>
+          </p:spPr>
+          <p:style>
+            <a:lnRef idx="2">
+              <a:schemeClr val="accent1">
+                <a:shade val="15000"/>
+              </a:schemeClr>
+            </a:lnRef>
+            <a:fillRef idx="1">
+              <a:schemeClr val="accent1"/>
+            </a:fillRef>
+            <a:effectRef idx="0">
+              <a:schemeClr val="accent1"/>
+            </a:effectRef>
+            <a:fontRef idx="minor">
+              <a:schemeClr val="lt1"/>
+            </a:fontRef>
+          </p:style>
+          <p:txBody>
+            <a:bodyPr rtlCol="0" anchor="ctr"/>
+            <a:lstStyle/>
+            <a:p>
+              <a:pPr algn="ctr"/>
+              <a:endParaRPr lang="ko-KR" altLang="en-US" sz="200"/>
+            </a:p>
+          </p:txBody>
+        </p:sp>
+        <p:sp>
+          <p:nvSpPr>
+            <p:cNvPr id="5" name="타원 4">
+              <a:extLst>
+                <a:ext uri="{FF2B5EF4-FFF2-40B4-BE49-F238E27FC236}">
+                  <a16:creationId xmlns:a16="http://schemas.microsoft.com/office/drawing/2014/main" id="{74A6E07F-7A8B-CE8B-A4B3-73C9B3F07D27}"/>
+                </a:ext>
+              </a:extLst>
+            </p:cNvPr>
+            <p:cNvSpPr/>
+            <p:nvPr/>
+          </p:nvSpPr>
+          <p:spPr>
+            <a:xfrm>
+              <a:off x="626132" y="2793474"/>
+              <a:ext cx="98581" cy="98581"/>
+            </a:xfrm>
+            <a:prstGeom prst="ellipse">
+              <a:avLst/>
+            </a:prstGeom>
+            <a:solidFill>
+              <a:schemeClr val="tx1">
+                <a:lumMod val="85000"/>
+                <a:lumOff val="15000"/>
+              </a:schemeClr>
+            </a:solidFill>
+          </p:spPr>
+          <p:style>
+            <a:lnRef idx="2">
+              <a:schemeClr val="accent1">
+                <a:shade val="15000"/>
+              </a:schemeClr>
+            </a:lnRef>
+            <a:fillRef idx="1">
+              <a:schemeClr val="accent1"/>
+            </a:fillRef>
+            <a:effectRef idx="0">
+              <a:schemeClr val="accent1"/>
+            </a:effectRef>
+            <a:fontRef idx="minor">
+              <a:schemeClr val="lt1"/>
+            </a:fontRef>
+          </p:style>
+          <p:txBody>
+            <a:bodyPr rtlCol="0" anchor="ctr"/>
+            <a:lstStyle/>
+            <a:p>
+              <a:pPr algn="ctr"/>
+              <a:endParaRPr lang="ko-KR" altLang="en-US" sz="1050"/>
+            </a:p>
+          </p:txBody>
+        </p:sp>
+      </p:grpSp>
+      <p:pic>
+        <p:nvPicPr>
+          <p:cNvPr id="7" name="그래픽 6" descr="알람 울림 단색으로 채워진">
+            <a:extLst>
+              <a:ext uri="{FF2B5EF4-FFF2-40B4-BE49-F238E27FC236}">
+                <a16:creationId xmlns:a16="http://schemas.microsoft.com/office/drawing/2014/main" id="{B46BA297-A959-6EDD-E7FA-77133E3818EB}"/>
+              </a:ext>
+            </a:extLst>
+          </p:cNvPr>
+          <p:cNvPicPr>
+            <a:picLocks noChangeAspect="1"/>
+          </p:cNvPicPr>
+          <p:nvPr/>
+        </p:nvPicPr>
+        <p:blipFill>
+          <a:blip r:embed="rId2">
+            <a:extLst>
+              <a:ext uri="{96DAC541-7B7A-43D3-8B79-37D633B846F1}">
+                <asvg:svgBlip xmlns:asvg="http://schemas.microsoft.com/office/drawing/2016/SVG/main" r:embed="rId3"/>
+              </a:ext>
+            </a:extLst>
+          </a:blip>
+          <a:stretch>
+            <a:fillRect/>
+          </a:stretch>
+        </p:blipFill>
+        <p:spPr>
+          <a:xfrm>
+            <a:off x="5661973" y="1586746"/>
+            <a:ext cx="1209261" cy="1209261"/>
+          </a:xfrm>
+          <a:prstGeom prst="rect">
+            <a:avLst/>
+          </a:prstGeom>
+        </p:spPr>
+      </p:pic>
+      <p:sp>
+        <p:nvSpPr>
+          <p:cNvPr id="8" name="TextBox 7">
+            <a:extLst>
+              <a:ext uri="{FF2B5EF4-FFF2-40B4-BE49-F238E27FC236}">
+                <a16:creationId xmlns:a16="http://schemas.microsoft.com/office/drawing/2014/main" id="{98C2024A-76E3-022A-D83C-883C34F52651}"/>
+              </a:ext>
+            </a:extLst>
+          </p:cNvPr>
+          <p:cNvSpPr txBox="1"/>
+          <p:nvPr/>
+        </p:nvSpPr>
+        <p:spPr>
+          <a:xfrm>
+            <a:off x="5409638" y="2821781"/>
+            <a:ext cx="1713931" cy="461665"/>
+          </a:xfrm>
+          <a:prstGeom prst="rect">
+            <a:avLst/>
+          </a:prstGeom>
+          <a:noFill/>
+        </p:spPr>
+        <p:txBody>
+          <a:bodyPr wrap="none" rtlCol="0">
+            <a:spAutoFit/>
+          </a:bodyPr>
+          <a:lstStyle/>
+          <a:p>
+            <a:pPr algn="ctr"/>
+            <a:r>
+              <a:rPr lang="en-US" altLang="ko-KR" sz="2400" dirty="0">
+                <a:solidFill>
+                  <a:schemeClr val="bg1"/>
+                </a:solidFill>
+              </a:rPr>
+              <a:t>(</a:t>
+            </a:r>
+            <a:r>
+              <a:rPr lang="ko-KR" altLang="en-US" sz="2400" dirty="0">
+                <a:solidFill>
+                  <a:schemeClr val="bg1"/>
+                </a:solidFill>
+              </a:rPr>
+              <a:t>현재 시간</a:t>
+            </a:r>
+            <a:r>
+              <a:rPr lang="en-US" altLang="ko-KR" sz="2400" dirty="0">
+                <a:solidFill>
+                  <a:schemeClr val="bg1"/>
+                </a:solidFill>
+              </a:rPr>
+              <a:t>)</a:t>
+            </a:r>
+            <a:endParaRPr lang="ko-KR" altLang="en-US" sz="2400" dirty="0">
+              <a:solidFill>
+                <a:schemeClr val="bg1"/>
+              </a:solidFill>
+            </a:endParaRPr>
+          </a:p>
+        </p:txBody>
+      </p:sp>
+      <p:sp>
+        <p:nvSpPr>
+          <p:cNvPr id="9" name="TextBox 8">
+            <a:extLst>
+              <a:ext uri="{FF2B5EF4-FFF2-40B4-BE49-F238E27FC236}">
+                <a16:creationId xmlns:a16="http://schemas.microsoft.com/office/drawing/2014/main" id="{DD63B5A5-9B5C-5C31-9CE0-F6EFA918E5F2}"/>
+              </a:ext>
+            </a:extLst>
+          </p:cNvPr>
+          <p:cNvSpPr txBox="1"/>
+          <p:nvPr/>
+        </p:nvSpPr>
+        <p:spPr>
+          <a:xfrm>
+            <a:off x="5828022" y="3438725"/>
+            <a:ext cx="877163" cy="369332"/>
+          </a:xfrm>
+          <a:prstGeom prst="rect">
+            <a:avLst/>
+          </a:prstGeom>
+          <a:noFill/>
+        </p:spPr>
+        <p:txBody>
+          <a:bodyPr wrap="none" rtlCol="0">
+            <a:spAutoFit/>
+          </a:bodyPr>
+          <a:lstStyle/>
+          <a:p>
+            <a:pPr algn="ctr"/>
+            <a:r>
+              <a:rPr lang="ko-KR" altLang="en-US" b="1" dirty="0">
+                <a:solidFill>
+                  <a:schemeClr val="bg1"/>
+                </a:solidFill>
+              </a:rPr>
+              <a:t>집들이</a:t>
+            </a:r>
+          </a:p>
+        </p:txBody>
+      </p:sp>
+      <p:sp>
+        <p:nvSpPr>
+          <p:cNvPr id="10" name="사각형: 둥근 모서리 9">
+            <a:extLst>
+              <a:ext uri="{FF2B5EF4-FFF2-40B4-BE49-F238E27FC236}">
+                <a16:creationId xmlns:a16="http://schemas.microsoft.com/office/drawing/2014/main" id="{838D3A8B-12ED-A2E8-CC4A-1C8EBB977ABB}"/>
+              </a:ext>
+            </a:extLst>
+          </p:cNvPr>
+          <p:cNvSpPr/>
+          <p:nvPr/>
+        </p:nvSpPr>
+        <p:spPr>
+          <a:xfrm>
+            <a:off x="5292569" y="4141304"/>
+            <a:ext cx="1948069" cy="461665"/>
+          </a:xfrm>
+          <a:prstGeom prst="roundRect">
+            <a:avLst>
+              <a:gd name="adj" fmla="val 50000"/>
+            </a:avLst>
+          </a:prstGeom>
+          <a:solidFill>
+            <a:schemeClr val="accent2">
+              <a:lumMod val="75000"/>
+            </a:schemeClr>
+          </a:solidFill>
+          <a:ln>
+            <a:noFill/>
+          </a:ln>
+        </p:spPr>
+        <p:style>
+          <a:lnRef idx="2">
+            <a:schemeClr val="accent1">
+              <a:shade val="15000"/>
+            </a:schemeClr>
+          </a:lnRef>
+          <a:fillRef idx="1">
+            <a:schemeClr val="accent1"/>
+          </a:fillRef>
+          <a:effectRef idx="0">
+            <a:schemeClr val="accent1"/>
+          </a:effectRef>
+          <a:fontRef idx="minor">
+            <a:schemeClr val="lt1"/>
+          </a:fontRef>
+        </p:style>
+        <p:txBody>
+          <a:bodyPr rtlCol="0" anchor="ctr"/>
+          <a:lstStyle/>
+          <a:p>
+            <a:pPr algn="ctr"/>
+            <a:r>
+              <a:rPr lang="ko-KR" altLang="en-US"/>
+              <a:t>알림 해제</a:t>
+            </a:r>
+          </a:p>
+        </p:txBody>
+      </p:sp>
+      <p:sp>
+        <p:nvSpPr>
+          <p:cNvPr id="11" name="TextBox 10">
+            <a:extLst>
+              <a:ext uri="{FF2B5EF4-FFF2-40B4-BE49-F238E27FC236}">
+                <a16:creationId xmlns:a16="http://schemas.microsoft.com/office/drawing/2014/main" id="{787CFED2-35C5-6ED6-58AB-2DFFC6CF7EF4}"/>
+              </a:ext>
+            </a:extLst>
+          </p:cNvPr>
+          <p:cNvSpPr txBox="1"/>
+          <p:nvPr/>
+        </p:nvSpPr>
+        <p:spPr>
+          <a:xfrm>
+            <a:off x="5483376" y="5037134"/>
+            <a:ext cx="1566454" cy="307777"/>
+          </a:xfrm>
+          <a:prstGeom prst="rect">
+            <a:avLst/>
+          </a:prstGeom>
+          <a:noFill/>
+        </p:spPr>
+        <p:txBody>
+          <a:bodyPr wrap="none" rtlCol="0">
+            <a:spAutoFit/>
+          </a:bodyPr>
+          <a:lstStyle/>
+          <a:p>
+            <a:pPr algn="ctr"/>
+            <a:r>
+              <a:rPr lang="ko-KR" altLang="en-US" sz="1400" dirty="0">
+                <a:solidFill>
+                  <a:schemeClr val="bg2">
+                    <a:lumMod val="75000"/>
+                  </a:schemeClr>
+                </a:solidFill>
+              </a:rPr>
+              <a:t>조금 있다 알리기</a:t>
+            </a:r>
+          </a:p>
+        </p:txBody>
+      </p:sp>
+    </p:spTree>
+    <p:extLst>
+      <p:ext uri="{BB962C8B-B14F-4D97-AF65-F5344CB8AC3E}">
+        <p14:creationId xmlns:p14="http://schemas.microsoft.com/office/powerpoint/2010/main" val="376019005"/>
+      </p:ext>
+    </p:extLst>
+  </p:cSld>
+  <p:clrMapOvr>
+    <a:masterClrMapping/>
+  </p:clrMapOvr>
+</p:sld>
+</file>
+
+<file path=ppt/slides/slide28.xml><?xml version="1.0" encoding="utf-8"?>
+<p:sld xmlns:a="http://schemas.openxmlformats.org/drawingml/2006/main" xmlns:r="http://schemas.openxmlformats.org/officeDocument/2006/relationships" xmlns:p="http://schemas.openxmlformats.org/presentationml/2006/main">
+  <p:cSld>
+    <p:spTree>
+      <p:nvGrpSpPr>
+        <p:cNvPr id="1" name=""/>
+        <p:cNvGrpSpPr/>
+        <p:nvPr/>
+      </p:nvGrpSpPr>
+      <p:grpSpPr>
+        <a:xfrm>
+          <a:off x="0" y="0"/>
+          <a:ext cx="0" cy="0"/>
+          <a:chOff x="0" y="0"/>
+          <a:chExt cx="0" cy="0"/>
+        </a:xfrm>
+      </p:grpSpPr>
+      <p:sp>
+        <p:nvSpPr>
+          <p:cNvPr id="3" name="사각형: 둥근 모서리 2">
+            <a:extLst>
+              <a:ext uri="{FF2B5EF4-FFF2-40B4-BE49-F238E27FC236}">
+                <a16:creationId xmlns:a16="http://schemas.microsoft.com/office/drawing/2014/main" id="{93E84643-BCBF-C566-E26E-D8874D9AE000}"/>
+              </a:ext>
+            </a:extLst>
+          </p:cNvPr>
+          <p:cNvSpPr/>
+          <p:nvPr/>
+        </p:nvSpPr>
+        <p:spPr>
+          <a:xfrm>
+            <a:off x="2816087" y="1557130"/>
+            <a:ext cx="6546574" cy="3763618"/>
+          </a:xfrm>
+          <a:prstGeom prst="roundRect">
+            <a:avLst>
+              <a:gd name="adj" fmla="val 2928"/>
+            </a:avLst>
+          </a:prstGeom>
+          <a:solidFill>
+            <a:schemeClr val="bg2">
+              <a:lumMod val="75000"/>
+            </a:schemeClr>
+          </a:solidFill>
+        </p:spPr>
+        <p:style>
+          <a:lnRef idx="2">
+            <a:schemeClr val="accent1">
+              <a:shade val="15000"/>
+            </a:schemeClr>
+          </a:lnRef>
+          <a:fillRef idx="1">
+            <a:schemeClr val="accent1"/>
+          </a:fillRef>
+          <a:effectRef idx="0">
+            <a:schemeClr val="accent1"/>
+          </a:effectRef>
+          <a:fontRef idx="minor">
+            <a:schemeClr val="lt1"/>
+          </a:fontRef>
+        </p:style>
+        <p:txBody>
+          <a:bodyPr rtlCol="0" anchor="ctr"/>
+          <a:lstStyle/>
+          <a:p>
+            <a:pPr algn="ctr"/>
+            <a:endParaRPr lang="ko-KR" altLang="en-US"/>
+          </a:p>
+        </p:txBody>
+      </p:sp>
+      <p:grpSp>
+        <p:nvGrpSpPr>
+          <p:cNvPr id="4" name="그룹 3">
+            <a:extLst>
+              <a:ext uri="{FF2B5EF4-FFF2-40B4-BE49-F238E27FC236}">
+                <a16:creationId xmlns:a16="http://schemas.microsoft.com/office/drawing/2014/main" id="{CDE821DC-20E0-7C19-5A7A-A51E8FFF92B0}"/>
+              </a:ext>
+            </a:extLst>
+          </p:cNvPr>
+          <p:cNvGrpSpPr/>
+          <p:nvPr/>
+        </p:nvGrpSpPr>
+        <p:grpSpPr>
+          <a:xfrm>
+            <a:off x="3041374" y="1692965"/>
+            <a:ext cx="6149008" cy="3458817"/>
+            <a:chOff x="371062" y="208722"/>
+            <a:chExt cx="11449877" cy="6440556"/>
+          </a:xfrm>
+        </p:grpSpPr>
+        <p:sp>
+          <p:nvSpPr>
+            <p:cNvPr id="10" name="직사각형 9">
+              <a:extLst>
+                <a:ext uri="{FF2B5EF4-FFF2-40B4-BE49-F238E27FC236}">
+                  <a16:creationId xmlns:a16="http://schemas.microsoft.com/office/drawing/2014/main" id="{3A628685-1603-83B0-2246-CCF6C4ACFB9F}"/>
+                </a:ext>
+              </a:extLst>
+            </p:cNvPr>
+            <p:cNvSpPr>
+              <a:spLocks noChangeAspect="1"/>
+            </p:cNvSpPr>
+            <p:nvPr/>
+          </p:nvSpPr>
+          <p:spPr>
+            <a:xfrm>
+              <a:off x="371062" y="208722"/>
+              <a:ext cx="11449877" cy="6440556"/>
+            </a:xfrm>
+            <a:prstGeom prst="rect">
+              <a:avLst/>
+            </a:prstGeom>
+            <a:solidFill>
+              <a:schemeClr val="bg1"/>
+            </a:solidFill>
+            <a:ln>
+              <a:solidFill>
+                <a:schemeClr val="tx1"/>
+              </a:solidFill>
+            </a:ln>
+          </p:spPr>
+          <p:style>
+            <a:lnRef idx="2">
+              <a:schemeClr val="accent1">
+                <a:shade val="15000"/>
+              </a:schemeClr>
+            </a:lnRef>
+            <a:fillRef idx="1">
+              <a:schemeClr val="accent1"/>
+            </a:fillRef>
+            <a:effectRef idx="0">
+              <a:schemeClr val="accent1"/>
+            </a:effectRef>
+            <a:fontRef idx="minor">
+              <a:schemeClr val="lt1"/>
+            </a:fontRef>
+          </p:style>
+          <p:txBody>
+            <a:bodyPr rtlCol="0" anchor="ctr"/>
+            <a:lstStyle/>
+            <a:p>
+              <a:pPr algn="ctr"/>
+              <a:endParaRPr lang="ko-KR" altLang="en-US" sz="700"/>
+            </a:p>
+          </p:txBody>
+        </p:sp>
+        <p:sp>
+          <p:nvSpPr>
+            <p:cNvPr id="11" name="직사각형 10">
+              <a:extLst>
+                <a:ext uri="{FF2B5EF4-FFF2-40B4-BE49-F238E27FC236}">
+                  <a16:creationId xmlns:a16="http://schemas.microsoft.com/office/drawing/2014/main" id="{87633A40-09E8-DEF8-B618-9438D729C585}"/>
+                </a:ext>
+              </a:extLst>
+            </p:cNvPr>
+            <p:cNvSpPr/>
+            <p:nvPr/>
+          </p:nvSpPr>
+          <p:spPr>
+            <a:xfrm>
+              <a:off x="371062" y="5493026"/>
+              <a:ext cx="11449876" cy="1156252"/>
+            </a:xfrm>
+            <a:prstGeom prst="rect">
+              <a:avLst/>
+            </a:prstGeom>
+            <a:solidFill>
+              <a:schemeClr val="tx1">
+                <a:lumMod val="65000"/>
+                <a:lumOff val="35000"/>
+              </a:schemeClr>
+            </a:solidFill>
+            <a:ln>
+              <a:solidFill>
+                <a:schemeClr val="tx1"/>
+              </a:solidFill>
+            </a:ln>
+          </p:spPr>
+          <p:style>
+            <a:lnRef idx="2">
+              <a:schemeClr val="accent1">
+                <a:shade val="15000"/>
+              </a:schemeClr>
+            </a:lnRef>
+            <a:fillRef idx="1">
+              <a:schemeClr val="accent1"/>
+            </a:fillRef>
+            <a:effectRef idx="0">
+              <a:schemeClr val="accent1"/>
+            </a:effectRef>
+            <a:fontRef idx="minor">
+              <a:schemeClr val="lt1"/>
+            </a:fontRef>
+          </p:style>
+          <p:txBody>
+            <a:bodyPr rtlCol="0" anchor="ctr"/>
+            <a:lstStyle/>
+            <a:p>
+              <a:pPr algn="ctr"/>
+              <a:endParaRPr lang="ko-KR" altLang="en-US" sz="700"/>
+            </a:p>
+          </p:txBody>
+        </p:sp>
+        <p:sp>
+          <p:nvSpPr>
+            <p:cNvPr id="12" name="사각형: 둥근 모서리 11">
+              <a:extLst>
+                <a:ext uri="{FF2B5EF4-FFF2-40B4-BE49-F238E27FC236}">
+                  <a16:creationId xmlns:a16="http://schemas.microsoft.com/office/drawing/2014/main" id="{F6B7DC14-6463-E6DE-CB32-A5ACE419B8A5}"/>
+                </a:ext>
+              </a:extLst>
+            </p:cNvPr>
+            <p:cNvSpPr/>
+            <p:nvPr/>
+          </p:nvSpPr>
+          <p:spPr>
+            <a:xfrm>
+              <a:off x="578115" y="4210904"/>
+              <a:ext cx="722243" cy="1282122"/>
+            </a:xfrm>
+            <a:prstGeom prst="roundRect">
+              <a:avLst/>
+            </a:prstGeom>
+            <a:ln>
+              <a:noFill/>
+            </a:ln>
+          </p:spPr>
+          <p:style>
+            <a:lnRef idx="2">
+              <a:schemeClr val="accent1">
+                <a:shade val="15000"/>
+              </a:schemeClr>
+            </a:lnRef>
+            <a:fillRef idx="1">
+              <a:schemeClr val="accent1"/>
+            </a:fillRef>
+            <a:effectRef idx="0">
+              <a:schemeClr val="accent1"/>
+            </a:effectRef>
+            <a:fontRef idx="minor">
+              <a:schemeClr val="lt1"/>
+            </a:fontRef>
+          </p:style>
+          <p:txBody>
+            <a:bodyPr rtlCol="0" anchor="ctr"/>
+            <a:lstStyle/>
+            <a:p>
+              <a:pPr algn="ctr"/>
+              <a:endParaRPr lang="ko-KR" altLang="en-US" sz="700"/>
+            </a:p>
+          </p:txBody>
+        </p:sp>
+        <p:sp>
+          <p:nvSpPr>
+            <p:cNvPr id="13" name="직사각형 12">
+              <a:extLst>
+                <a:ext uri="{FF2B5EF4-FFF2-40B4-BE49-F238E27FC236}">
+                  <a16:creationId xmlns:a16="http://schemas.microsoft.com/office/drawing/2014/main" id="{021009EC-D9A3-E80D-AFE2-FB1C4A220DAE}"/>
+                </a:ext>
+              </a:extLst>
+            </p:cNvPr>
+            <p:cNvSpPr/>
+            <p:nvPr/>
+          </p:nvSpPr>
+          <p:spPr>
+            <a:xfrm>
+              <a:off x="4923703" y="4953026"/>
+              <a:ext cx="540000" cy="540000"/>
+            </a:xfrm>
+            <a:prstGeom prst="rect">
+              <a:avLst/>
+            </a:prstGeom>
+            <a:solidFill>
+              <a:schemeClr val="accent2">
+                <a:lumMod val="75000"/>
+              </a:schemeClr>
+            </a:solidFill>
+            <a:ln>
+              <a:noFill/>
+            </a:ln>
+          </p:spPr>
+          <p:style>
+            <a:lnRef idx="2">
+              <a:schemeClr val="accent1">
+                <a:shade val="15000"/>
+              </a:schemeClr>
+            </a:lnRef>
+            <a:fillRef idx="1">
+              <a:schemeClr val="accent1"/>
+            </a:fillRef>
+            <a:effectRef idx="0">
+              <a:schemeClr val="accent1"/>
+            </a:effectRef>
+            <a:fontRef idx="minor">
+              <a:schemeClr val="lt1"/>
+            </a:fontRef>
+          </p:style>
+          <p:txBody>
+            <a:bodyPr rtlCol="0" anchor="ctr"/>
+            <a:lstStyle/>
+            <a:p>
+              <a:pPr algn="ctr"/>
+              <a:endParaRPr lang="ko-KR" altLang="en-US" sz="700"/>
+            </a:p>
+          </p:txBody>
+        </p:sp>
+        <p:sp>
+          <p:nvSpPr>
+            <p:cNvPr id="14" name="직사각형 13">
+              <a:extLst>
+                <a:ext uri="{FF2B5EF4-FFF2-40B4-BE49-F238E27FC236}">
+                  <a16:creationId xmlns:a16="http://schemas.microsoft.com/office/drawing/2014/main" id="{ED4FA458-3B7F-25EA-F964-366098E7A733}"/>
+                </a:ext>
+              </a:extLst>
+            </p:cNvPr>
+            <p:cNvSpPr/>
+            <p:nvPr/>
+          </p:nvSpPr>
+          <p:spPr>
+            <a:xfrm>
+              <a:off x="8186557" y="3860605"/>
+              <a:ext cx="540000" cy="540000"/>
+            </a:xfrm>
+            <a:prstGeom prst="rect">
+              <a:avLst/>
+            </a:prstGeom>
+            <a:solidFill>
+              <a:schemeClr val="accent2">
+                <a:lumMod val="75000"/>
+              </a:schemeClr>
+            </a:solidFill>
+            <a:ln>
+              <a:noFill/>
+            </a:ln>
+          </p:spPr>
+          <p:style>
+            <a:lnRef idx="2">
+              <a:schemeClr val="accent1">
+                <a:shade val="15000"/>
+              </a:schemeClr>
+            </a:lnRef>
+            <a:fillRef idx="1">
+              <a:schemeClr val="accent1"/>
+            </a:fillRef>
+            <a:effectRef idx="0">
+              <a:schemeClr val="accent1"/>
+            </a:effectRef>
+            <a:fontRef idx="minor">
+              <a:schemeClr val="lt1"/>
+            </a:fontRef>
+          </p:style>
+          <p:txBody>
+            <a:bodyPr rtlCol="0" anchor="ctr"/>
+            <a:lstStyle/>
+            <a:p>
+              <a:pPr algn="ctr"/>
+              <a:endParaRPr lang="ko-KR" altLang="en-US" sz="700"/>
+            </a:p>
+          </p:txBody>
+        </p:sp>
+        <p:sp>
+          <p:nvSpPr>
+            <p:cNvPr id="15" name="TextBox 14">
+              <a:extLst>
+                <a:ext uri="{FF2B5EF4-FFF2-40B4-BE49-F238E27FC236}">
+                  <a16:creationId xmlns:a16="http://schemas.microsoft.com/office/drawing/2014/main" id="{63AE1647-F08E-DE88-3BFC-76EAC14FF53B}"/>
+                </a:ext>
+              </a:extLst>
+            </p:cNvPr>
+            <p:cNvSpPr txBox="1"/>
+            <p:nvPr/>
+          </p:nvSpPr>
+          <p:spPr>
+            <a:xfrm>
+              <a:off x="9932503" y="311426"/>
+              <a:ext cx="1563758" cy="372516"/>
+            </a:xfrm>
+            <a:prstGeom prst="rect">
+              <a:avLst/>
+            </a:prstGeom>
+            <a:noFill/>
+          </p:spPr>
+          <p:txBody>
+            <a:bodyPr wrap="square" rtlCol="0">
+              <a:spAutoFit/>
+            </a:bodyPr>
+            <a:lstStyle/>
+            <a:p>
+              <a:pPr algn="ctr"/>
+              <a:r>
+                <a:rPr lang="en-US" altLang="ko-KR" sz="700" b="1" dirty="0"/>
+                <a:t>&lt;</a:t>
+              </a:r>
+              <a:r>
+                <a:rPr lang="ko-KR" altLang="en-US" sz="700" b="1" dirty="0"/>
+                <a:t>현재 순위</a:t>
+              </a:r>
+              <a:r>
+                <a:rPr lang="en-US" altLang="ko-KR" sz="700" b="1" dirty="0"/>
+                <a:t>&gt;</a:t>
+              </a:r>
+              <a:endParaRPr lang="ko-KR" altLang="en-US" sz="700" b="1" dirty="0"/>
+            </a:p>
+          </p:txBody>
+        </p:sp>
+        <p:grpSp>
+          <p:nvGrpSpPr>
+            <p:cNvPr id="16" name="그룹 15">
+              <a:extLst>
+                <a:ext uri="{FF2B5EF4-FFF2-40B4-BE49-F238E27FC236}">
+                  <a16:creationId xmlns:a16="http://schemas.microsoft.com/office/drawing/2014/main" id="{AD0F0081-37F6-633A-39D0-3F1E9D8EA7CE}"/>
+                </a:ext>
+              </a:extLst>
+            </p:cNvPr>
+            <p:cNvGrpSpPr/>
+            <p:nvPr/>
+          </p:nvGrpSpPr>
+          <p:grpSpPr>
+            <a:xfrm>
+              <a:off x="9690652" y="682717"/>
+              <a:ext cx="2047462" cy="360000"/>
+              <a:chOff x="9687339" y="685059"/>
+              <a:chExt cx="2047462" cy="360000"/>
+            </a:xfrm>
+          </p:grpSpPr>
+          <p:sp>
+            <p:nvSpPr>
+              <p:cNvPr id="25" name="직사각형 24">
+                <a:extLst>
+                  <a:ext uri="{FF2B5EF4-FFF2-40B4-BE49-F238E27FC236}">
+                    <a16:creationId xmlns:a16="http://schemas.microsoft.com/office/drawing/2014/main" id="{70DD3EC8-8E42-39B6-8918-74EA65561059}"/>
+                  </a:ext>
+                </a:extLst>
+              </p:cNvPr>
+              <p:cNvSpPr/>
+              <p:nvPr/>
+            </p:nvSpPr>
+            <p:spPr>
+              <a:xfrm>
+                <a:off x="9687339" y="685059"/>
+                <a:ext cx="324678" cy="360000"/>
+              </a:xfrm>
+              <a:prstGeom prst="rect">
+                <a:avLst/>
+              </a:prstGeom>
+              <a:solidFill>
+                <a:srgbClr val="FFFF00"/>
+              </a:solidFill>
+              <a:ln>
+                <a:noFill/>
+              </a:ln>
+            </p:spPr>
+            <p:style>
+              <a:lnRef idx="2">
+                <a:schemeClr val="accent1">
+                  <a:shade val="15000"/>
+                </a:schemeClr>
+              </a:lnRef>
+              <a:fillRef idx="1">
+                <a:schemeClr val="accent1"/>
+              </a:fillRef>
+              <a:effectRef idx="0">
+                <a:schemeClr val="accent1"/>
+              </a:effectRef>
+              <a:fontRef idx="minor">
+                <a:schemeClr val="lt1"/>
+              </a:fontRef>
+            </p:style>
+            <p:txBody>
+              <a:bodyPr rtlCol="0" anchor="ctr"/>
+              <a:lstStyle/>
+              <a:p>
+                <a:pPr algn="ctr"/>
+                <a:r>
+                  <a:rPr lang="en-US" altLang="ko-KR" sz="700" dirty="0">
+                    <a:solidFill>
+                      <a:schemeClr val="tx1"/>
+                    </a:solidFill>
+                  </a:rPr>
+                  <a:t>1</a:t>
+                </a:r>
+                <a:endParaRPr lang="ko-KR" altLang="en-US" sz="700" dirty="0">
+                  <a:solidFill>
+                    <a:schemeClr val="tx1"/>
+                  </a:solidFill>
+                </a:endParaRPr>
+              </a:p>
+            </p:txBody>
+          </p:sp>
+          <p:sp>
+            <p:nvSpPr>
+              <p:cNvPr id="26" name="직사각형 25">
+                <a:extLst>
+                  <a:ext uri="{FF2B5EF4-FFF2-40B4-BE49-F238E27FC236}">
+                    <a16:creationId xmlns:a16="http://schemas.microsoft.com/office/drawing/2014/main" id="{F49C18EA-15BE-F2A8-FF26-12A4EBC4573C}"/>
+                  </a:ext>
+                </a:extLst>
+              </p:cNvPr>
+              <p:cNvSpPr/>
+              <p:nvPr/>
+            </p:nvSpPr>
+            <p:spPr>
+              <a:xfrm>
+                <a:off x="10012017" y="685059"/>
+                <a:ext cx="556592" cy="360000"/>
+              </a:xfrm>
+              <a:prstGeom prst="rect">
+                <a:avLst/>
+              </a:prstGeom>
+              <a:solidFill>
+                <a:schemeClr val="bg2">
+                  <a:lumMod val="75000"/>
+                </a:schemeClr>
+              </a:solidFill>
+              <a:ln>
+                <a:noFill/>
+              </a:ln>
+            </p:spPr>
+            <p:style>
+              <a:lnRef idx="2">
+                <a:schemeClr val="accent1">
+                  <a:shade val="15000"/>
+                </a:schemeClr>
+              </a:lnRef>
+              <a:fillRef idx="1">
+                <a:schemeClr val="accent1"/>
+              </a:fillRef>
+              <a:effectRef idx="0">
+                <a:schemeClr val="accent1"/>
+              </a:effectRef>
+              <a:fontRef idx="minor">
+                <a:schemeClr val="lt1"/>
+              </a:fontRef>
+            </p:style>
+            <p:txBody>
+              <a:bodyPr rtlCol="0" anchor="ctr"/>
+              <a:lstStyle/>
+              <a:p>
+                <a:r>
+                  <a:rPr lang="en-US" altLang="ko-KR" sz="500" dirty="0">
+                    <a:solidFill>
+                      <a:schemeClr val="tx1"/>
+                    </a:solidFill>
+                  </a:rPr>
+                  <a:t>You</a:t>
+                </a:r>
+                <a:endParaRPr lang="ko-KR" altLang="en-US" sz="500" dirty="0">
+                  <a:solidFill>
+                    <a:schemeClr val="tx1"/>
+                  </a:solidFill>
+                </a:endParaRPr>
+              </a:p>
+            </p:txBody>
+          </p:sp>
+          <p:sp>
+            <p:nvSpPr>
+              <p:cNvPr id="27" name="직사각형 26">
+                <a:extLst>
+                  <a:ext uri="{FF2B5EF4-FFF2-40B4-BE49-F238E27FC236}">
+                    <a16:creationId xmlns:a16="http://schemas.microsoft.com/office/drawing/2014/main" id="{B32E7EFC-1EB6-93C8-7313-01F3F3BD73A1}"/>
+                  </a:ext>
+                </a:extLst>
+              </p:cNvPr>
+              <p:cNvSpPr/>
+              <p:nvPr/>
+            </p:nvSpPr>
+            <p:spPr>
+              <a:xfrm>
+                <a:off x="10508972" y="685059"/>
+                <a:ext cx="1225829" cy="360000"/>
+              </a:xfrm>
+              <a:prstGeom prst="rect">
+                <a:avLst/>
+              </a:prstGeom>
+              <a:solidFill>
+                <a:schemeClr val="bg2">
+                  <a:lumMod val="75000"/>
+                </a:schemeClr>
+              </a:solidFill>
+              <a:ln>
+                <a:noFill/>
+              </a:ln>
+            </p:spPr>
+            <p:style>
+              <a:lnRef idx="2">
+                <a:schemeClr val="accent1">
+                  <a:shade val="15000"/>
+                </a:schemeClr>
+              </a:lnRef>
+              <a:fillRef idx="1">
+                <a:schemeClr val="accent1"/>
+              </a:fillRef>
+              <a:effectRef idx="0">
+                <a:schemeClr val="accent1"/>
+              </a:effectRef>
+              <a:fontRef idx="minor">
+                <a:schemeClr val="lt1"/>
+              </a:fontRef>
+            </p:style>
+            <p:txBody>
+              <a:bodyPr rtlCol="0" anchor="ctr"/>
+              <a:lstStyle/>
+              <a:p>
+                <a:pPr algn="r"/>
+                <a:r>
+                  <a:rPr lang="en-US" altLang="ko-KR" sz="500" dirty="0">
+                    <a:solidFill>
+                      <a:schemeClr val="tx1"/>
+                    </a:solidFill>
+                  </a:rPr>
+                  <a:t>123,000pt</a:t>
+                </a:r>
+                <a:endParaRPr lang="ko-KR" altLang="en-US" sz="500" dirty="0">
+                  <a:solidFill>
+                    <a:schemeClr val="tx1"/>
+                  </a:solidFill>
+                </a:endParaRPr>
+              </a:p>
+            </p:txBody>
+          </p:sp>
+        </p:grpSp>
+        <p:grpSp>
+          <p:nvGrpSpPr>
+            <p:cNvPr id="17" name="그룹 16">
+              <a:extLst>
+                <a:ext uri="{FF2B5EF4-FFF2-40B4-BE49-F238E27FC236}">
+                  <a16:creationId xmlns:a16="http://schemas.microsoft.com/office/drawing/2014/main" id="{CED45BD1-49BE-E950-84AD-928C937268FA}"/>
+                </a:ext>
+              </a:extLst>
+            </p:cNvPr>
+            <p:cNvGrpSpPr/>
+            <p:nvPr/>
+          </p:nvGrpSpPr>
+          <p:grpSpPr>
+            <a:xfrm>
+              <a:off x="9690652" y="1044675"/>
+              <a:ext cx="2047462" cy="360000"/>
+              <a:chOff x="9687339" y="685059"/>
+              <a:chExt cx="2047462" cy="360000"/>
+            </a:xfrm>
+          </p:grpSpPr>
+          <p:sp>
+            <p:nvSpPr>
+              <p:cNvPr id="22" name="직사각형 21">
+                <a:extLst>
+                  <a:ext uri="{FF2B5EF4-FFF2-40B4-BE49-F238E27FC236}">
+                    <a16:creationId xmlns:a16="http://schemas.microsoft.com/office/drawing/2014/main" id="{62457208-A4B2-B68A-6E99-833012DBC141}"/>
+                  </a:ext>
+                </a:extLst>
+              </p:cNvPr>
+              <p:cNvSpPr/>
+              <p:nvPr/>
+            </p:nvSpPr>
+            <p:spPr>
+              <a:xfrm>
+                <a:off x="9687339" y="685059"/>
+                <a:ext cx="324678" cy="360000"/>
+              </a:xfrm>
+              <a:prstGeom prst="rect">
+                <a:avLst/>
+              </a:prstGeom>
+              <a:solidFill>
+                <a:schemeClr val="bg1">
+                  <a:lumMod val="85000"/>
+                </a:schemeClr>
+              </a:solidFill>
+              <a:ln>
+                <a:noFill/>
+              </a:ln>
+            </p:spPr>
+            <p:style>
+              <a:lnRef idx="2">
+                <a:schemeClr val="accent1">
+                  <a:shade val="15000"/>
+                </a:schemeClr>
+              </a:lnRef>
+              <a:fillRef idx="1">
+                <a:schemeClr val="accent1"/>
+              </a:fillRef>
+              <a:effectRef idx="0">
+                <a:schemeClr val="accent1"/>
+              </a:effectRef>
+              <a:fontRef idx="minor">
+                <a:schemeClr val="lt1"/>
+              </a:fontRef>
+            </p:style>
+            <p:txBody>
+              <a:bodyPr rtlCol="0" anchor="ctr"/>
+              <a:lstStyle/>
+              <a:p>
+                <a:pPr algn="ctr"/>
+                <a:r>
+                  <a:rPr lang="en-US" altLang="ko-KR" sz="700" dirty="0">
+                    <a:solidFill>
+                      <a:schemeClr val="tx1"/>
+                    </a:solidFill>
+                  </a:rPr>
+                  <a:t>2</a:t>
+                </a:r>
+                <a:endParaRPr lang="ko-KR" altLang="en-US" sz="700" dirty="0">
+                  <a:solidFill>
+                    <a:schemeClr val="tx1"/>
+                  </a:solidFill>
+                </a:endParaRPr>
+              </a:p>
+            </p:txBody>
+          </p:sp>
+          <p:sp>
+            <p:nvSpPr>
+              <p:cNvPr id="23" name="직사각형 22">
+                <a:extLst>
+                  <a:ext uri="{FF2B5EF4-FFF2-40B4-BE49-F238E27FC236}">
+                    <a16:creationId xmlns:a16="http://schemas.microsoft.com/office/drawing/2014/main" id="{CE24EA69-50F0-B231-9049-54BF7FAB8652}"/>
+                  </a:ext>
+                </a:extLst>
+              </p:cNvPr>
+              <p:cNvSpPr/>
+              <p:nvPr/>
+            </p:nvSpPr>
+            <p:spPr>
+              <a:xfrm>
+                <a:off x="10012017" y="685059"/>
+                <a:ext cx="556592" cy="360000"/>
+              </a:xfrm>
+              <a:prstGeom prst="rect">
+                <a:avLst/>
+              </a:prstGeom>
+              <a:solidFill>
+                <a:schemeClr val="bg1"/>
+              </a:solidFill>
+              <a:ln>
+                <a:noFill/>
+              </a:ln>
+            </p:spPr>
+            <p:style>
+              <a:lnRef idx="2">
+                <a:schemeClr val="accent1">
+                  <a:shade val="15000"/>
+                </a:schemeClr>
+              </a:lnRef>
+              <a:fillRef idx="1">
+                <a:schemeClr val="accent1"/>
+              </a:fillRef>
+              <a:effectRef idx="0">
+                <a:schemeClr val="accent1"/>
+              </a:effectRef>
+              <a:fontRef idx="minor">
+                <a:schemeClr val="lt1"/>
+              </a:fontRef>
+            </p:style>
+            <p:txBody>
+              <a:bodyPr rtlCol="0" anchor="ctr"/>
+              <a:lstStyle/>
+              <a:p>
+                <a:r>
+                  <a:rPr lang="en-US" altLang="ko-KR" sz="500" dirty="0">
+                    <a:solidFill>
+                      <a:schemeClr val="tx1"/>
+                    </a:solidFill>
+                  </a:rPr>
+                  <a:t>P1</a:t>
+                </a:r>
+                <a:endParaRPr lang="ko-KR" altLang="en-US" sz="500" dirty="0">
+                  <a:solidFill>
+                    <a:schemeClr val="tx1"/>
+                  </a:solidFill>
+                </a:endParaRPr>
+              </a:p>
+            </p:txBody>
+          </p:sp>
+          <p:sp>
+            <p:nvSpPr>
+              <p:cNvPr id="24" name="직사각형 23">
+                <a:extLst>
+                  <a:ext uri="{FF2B5EF4-FFF2-40B4-BE49-F238E27FC236}">
+                    <a16:creationId xmlns:a16="http://schemas.microsoft.com/office/drawing/2014/main" id="{45D2F4FF-33D8-2C5D-CBF3-9069A3A49821}"/>
+                  </a:ext>
+                </a:extLst>
+              </p:cNvPr>
+              <p:cNvSpPr/>
+              <p:nvPr/>
+            </p:nvSpPr>
+            <p:spPr>
+              <a:xfrm>
+                <a:off x="10508972" y="685059"/>
+                <a:ext cx="1225829" cy="360000"/>
+              </a:xfrm>
+              <a:prstGeom prst="rect">
+                <a:avLst/>
+              </a:prstGeom>
+              <a:solidFill>
+                <a:schemeClr val="bg1"/>
+              </a:solidFill>
+              <a:ln>
+                <a:noFill/>
+              </a:ln>
+            </p:spPr>
+            <p:style>
+              <a:lnRef idx="2">
+                <a:schemeClr val="accent1">
+                  <a:shade val="15000"/>
+                </a:schemeClr>
+              </a:lnRef>
+              <a:fillRef idx="1">
+                <a:schemeClr val="accent1"/>
+              </a:fillRef>
+              <a:effectRef idx="0">
+                <a:schemeClr val="accent1"/>
+              </a:effectRef>
+              <a:fontRef idx="minor">
+                <a:schemeClr val="lt1"/>
+              </a:fontRef>
+            </p:style>
+            <p:txBody>
+              <a:bodyPr rtlCol="0" anchor="ctr"/>
+              <a:lstStyle/>
+              <a:p>
+                <a:pPr algn="r"/>
+                <a:r>
+                  <a:rPr lang="en-US" altLang="ko-KR" sz="500" dirty="0">
+                    <a:solidFill>
+                      <a:schemeClr val="tx1"/>
+                    </a:solidFill>
+                  </a:rPr>
+                  <a:t>96,000pt</a:t>
+                </a:r>
+                <a:endParaRPr lang="ko-KR" altLang="en-US" sz="500" dirty="0">
+                  <a:solidFill>
+                    <a:schemeClr val="tx1"/>
+                  </a:solidFill>
+                </a:endParaRPr>
+              </a:p>
+            </p:txBody>
+          </p:sp>
+        </p:grpSp>
+        <p:grpSp>
+          <p:nvGrpSpPr>
+            <p:cNvPr id="18" name="그룹 17">
+              <a:extLst>
+                <a:ext uri="{FF2B5EF4-FFF2-40B4-BE49-F238E27FC236}">
+                  <a16:creationId xmlns:a16="http://schemas.microsoft.com/office/drawing/2014/main" id="{04F95EFB-803A-7B6C-646D-D17B149D76E7}"/>
+                </a:ext>
+              </a:extLst>
+            </p:cNvPr>
+            <p:cNvGrpSpPr/>
+            <p:nvPr/>
+          </p:nvGrpSpPr>
+          <p:grpSpPr>
+            <a:xfrm>
+              <a:off x="9690652" y="1406633"/>
+              <a:ext cx="2047462" cy="360000"/>
+              <a:chOff x="9687339" y="685059"/>
+              <a:chExt cx="2047462" cy="360000"/>
+            </a:xfrm>
+          </p:grpSpPr>
+          <p:sp>
+            <p:nvSpPr>
+              <p:cNvPr id="19" name="직사각형 18">
+                <a:extLst>
+                  <a:ext uri="{FF2B5EF4-FFF2-40B4-BE49-F238E27FC236}">
+                    <a16:creationId xmlns:a16="http://schemas.microsoft.com/office/drawing/2014/main" id="{796DA8D2-4A81-265F-2736-BBFA9BAC5DC0}"/>
+                  </a:ext>
+                </a:extLst>
+              </p:cNvPr>
+              <p:cNvSpPr/>
+              <p:nvPr/>
+            </p:nvSpPr>
+            <p:spPr>
+              <a:xfrm>
+                <a:off x="9687339" y="685059"/>
+                <a:ext cx="324678" cy="360000"/>
+              </a:xfrm>
+              <a:prstGeom prst="rect">
+                <a:avLst/>
+              </a:prstGeom>
+              <a:solidFill>
+                <a:schemeClr val="accent2">
+                  <a:lumMod val="60000"/>
+                  <a:lumOff val="40000"/>
+                </a:schemeClr>
+              </a:solidFill>
+              <a:ln>
+                <a:noFill/>
+              </a:ln>
+            </p:spPr>
+            <p:style>
+              <a:lnRef idx="2">
+                <a:schemeClr val="accent1">
+                  <a:shade val="15000"/>
+                </a:schemeClr>
+              </a:lnRef>
+              <a:fillRef idx="1">
+                <a:schemeClr val="accent1"/>
+              </a:fillRef>
+              <a:effectRef idx="0">
+                <a:schemeClr val="accent1"/>
+              </a:effectRef>
+              <a:fontRef idx="minor">
+                <a:schemeClr val="lt1"/>
+              </a:fontRef>
+            </p:style>
+            <p:txBody>
+              <a:bodyPr rtlCol="0" anchor="ctr"/>
+              <a:lstStyle/>
+              <a:p>
+                <a:pPr algn="ctr"/>
+                <a:r>
+                  <a:rPr lang="en-US" altLang="ko-KR" sz="700" dirty="0">
+                    <a:solidFill>
+                      <a:schemeClr val="tx1"/>
+                    </a:solidFill>
+                  </a:rPr>
+                  <a:t>3</a:t>
+                </a:r>
+                <a:endParaRPr lang="ko-KR" altLang="en-US" sz="700" dirty="0">
+                  <a:solidFill>
+                    <a:schemeClr val="tx1"/>
+                  </a:solidFill>
+                </a:endParaRPr>
+              </a:p>
+            </p:txBody>
+          </p:sp>
+          <p:sp>
+            <p:nvSpPr>
+              <p:cNvPr id="20" name="직사각형 19">
+                <a:extLst>
+                  <a:ext uri="{FF2B5EF4-FFF2-40B4-BE49-F238E27FC236}">
+                    <a16:creationId xmlns:a16="http://schemas.microsoft.com/office/drawing/2014/main" id="{21F613D8-7D54-ABDA-095B-4006BC8E63F3}"/>
+                  </a:ext>
+                </a:extLst>
+              </p:cNvPr>
+              <p:cNvSpPr/>
+              <p:nvPr/>
+            </p:nvSpPr>
+            <p:spPr>
+              <a:xfrm>
+                <a:off x="10012017" y="685059"/>
+                <a:ext cx="556592" cy="360000"/>
+              </a:xfrm>
+              <a:prstGeom prst="rect">
+                <a:avLst/>
+              </a:prstGeom>
+              <a:solidFill>
+                <a:schemeClr val="bg1"/>
+              </a:solidFill>
+              <a:ln>
+                <a:noFill/>
+              </a:ln>
+            </p:spPr>
+            <p:style>
+              <a:lnRef idx="2">
+                <a:schemeClr val="accent1">
+                  <a:shade val="15000"/>
+                </a:schemeClr>
+              </a:lnRef>
+              <a:fillRef idx="1">
+                <a:schemeClr val="accent1"/>
+              </a:fillRef>
+              <a:effectRef idx="0">
+                <a:schemeClr val="accent1"/>
+              </a:effectRef>
+              <a:fontRef idx="minor">
+                <a:schemeClr val="lt1"/>
+              </a:fontRef>
+            </p:style>
+            <p:txBody>
+              <a:bodyPr rtlCol="0" anchor="ctr"/>
+              <a:lstStyle/>
+              <a:p>
+                <a:r>
+                  <a:rPr lang="en-US" altLang="ko-KR" sz="500" dirty="0">
+                    <a:solidFill>
+                      <a:schemeClr val="tx1"/>
+                    </a:solidFill>
+                  </a:rPr>
+                  <a:t>P2</a:t>
+                </a:r>
+                <a:endParaRPr lang="ko-KR" altLang="en-US" sz="500" dirty="0">
+                  <a:solidFill>
+                    <a:schemeClr val="tx1"/>
+                  </a:solidFill>
+                </a:endParaRPr>
+              </a:p>
+            </p:txBody>
+          </p:sp>
+          <p:sp>
+            <p:nvSpPr>
+              <p:cNvPr id="21" name="직사각형 20">
+                <a:extLst>
+                  <a:ext uri="{FF2B5EF4-FFF2-40B4-BE49-F238E27FC236}">
+                    <a16:creationId xmlns:a16="http://schemas.microsoft.com/office/drawing/2014/main" id="{A09A3428-FE9F-2378-F9EA-BFEAC5AEB112}"/>
+                  </a:ext>
+                </a:extLst>
+              </p:cNvPr>
+              <p:cNvSpPr/>
+              <p:nvPr/>
+            </p:nvSpPr>
+            <p:spPr>
+              <a:xfrm>
+                <a:off x="10508972" y="685059"/>
+                <a:ext cx="1225829" cy="360000"/>
+              </a:xfrm>
+              <a:prstGeom prst="rect">
+                <a:avLst/>
+              </a:prstGeom>
+              <a:solidFill>
+                <a:schemeClr val="bg1"/>
+              </a:solidFill>
+              <a:ln>
+                <a:noFill/>
+              </a:ln>
+            </p:spPr>
+            <p:style>
+              <a:lnRef idx="2">
+                <a:schemeClr val="accent1">
+                  <a:shade val="15000"/>
+                </a:schemeClr>
+              </a:lnRef>
+              <a:fillRef idx="1">
+                <a:schemeClr val="accent1"/>
+              </a:fillRef>
+              <a:effectRef idx="0">
+                <a:schemeClr val="accent1"/>
+              </a:effectRef>
+              <a:fontRef idx="minor">
+                <a:schemeClr val="lt1"/>
+              </a:fontRef>
+            </p:style>
+            <p:txBody>
+              <a:bodyPr rtlCol="0" anchor="ctr"/>
+              <a:lstStyle/>
+              <a:p>
+                <a:pPr algn="r"/>
+                <a:r>
+                  <a:rPr lang="en-US" altLang="ko-KR" sz="500" dirty="0">
+                    <a:solidFill>
+                      <a:schemeClr val="tx1"/>
+                    </a:solidFill>
+                  </a:rPr>
+                  <a:t>50,000pt</a:t>
+                </a:r>
+                <a:endParaRPr lang="ko-KR" altLang="en-US" sz="500" dirty="0">
+                  <a:solidFill>
+                    <a:schemeClr val="tx1"/>
+                  </a:solidFill>
+                </a:endParaRPr>
+              </a:p>
+            </p:txBody>
+          </p:sp>
+        </p:grpSp>
+      </p:grpSp>
+      <p:sp>
+        <p:nvSpPr>
+          <p:cNvPr id="5" name="타원 4">
+            <a:extLst>
+              <a:ext uri="{FF2B5EF4-FFF2-40B4-BE49-F238E27FC236}">
+                <a16:creationId xmlns:a16="http://schemas.microsoft.com/office/drawing/2014/main" id="{6553B806-5935-1A1F-A9C5-71AD48055F95}"/>
+              </a:ext>
+            </a:extLst>
+          </p:cNvPr>
+          <p:cNvSpPr/>
+          <p:nvPr/>
+        </p:nvSpPr>
+        <p:spPr>
+          <a:xfrm>
+            <a:off x="2859686" y="3366792"/>
+            <a:ext cx="144294" cy="144294"/>
+          </a:xfrm>
+          <a:prstGeom prst="ellipse">
+            <a:avLst/>
+          </a:prstGeom>
+          <a:solidFill>
+            <a:schemeClr val="tx1">
+              <a:lumMod val="85000"/>
+              <a:lumOff val="15000"/>
+            </a:schemeClr>
+          </a:solidFill>
+        </p:spPr>
+        <p:style>
+          <a:lnRef idx="2">
+            <a:schemeClr val="accent1">
+              <a:shade val="15000"/>
+            </a:schemeClr>
+          </a:lnRef>
+          <a:fillRef idx="1">
+            <a:schemeClr val="accent1"/>
+          </a:fillRef>
+          <a:effectRef idx="0">
+            <a:schemeClr val="accent1"/>
+          </a:effectRef>
+          <a:fontRef idx="minor">
+            <a:schemeClr val="lt1"/>
+          </a:fontRef>
+        </p:style>
+        <p:txBody>
+          <a:bodyPr rtlCol="0" anchor="ctr"/>
+          <a:lstStyle/>
+          <a:p>
+            <a:pPr algn="ctr"/>
+            <a:endParaRPr lang="ko-KR" altLang="en-US"/>
+          </a:p>
+        </p:txBody>
+      </p:sp>
+      <p:sp>
+        <p:nvSpPr>
+          <p:cNvPr id="6" name="직사각형 5">
+            <a:extLst>
+              <a:ext uri="{FF2B5EF4-FFF2-40B4-BE49-F238E27FC236}">
+                <a16:creationId xmlns:a16="http://schemas.microsoft.com/office/drawing/2014/main" id="{8AD7A3DE-6EAD-21F9-C732-A68F66FEA478}"/>
+              </a:ext>
+            </a:extLst>
+          </p:cNvPr>
+          <p:cNvSpPr/>
+          <p:nvPr/>
+        </p:nvSpPr>
+        <p:spPr>
+          <a:xfrm>
+            <a:off x="5334000" y="1759879"/>
+            <a:ext cx="1524000" cy="280717"/>
+          </a:xfrm>
+          <a:prstGeom prst="rect">
+            <a:avLst/>
+          </a:prstGeom>
+        </p:spPr>
+        <p:style>
+          <a:lnRef idx="2">
+            <a:schemeClr val="accent1">
+              <a:shade val="15000"/>
+            </a:schemeClr>
+          </a:lnRef>
+          <a:fillRef idx="1">
+            <a:schemeClr val="accent1"/>
+          </a:fillRef>
+          <a:effectRef idx="0">
+            <a:schemeClr val="accent1"/>
+          </a:effectRef>
+          <a:fontRef idx="minor">
+            <a:schemeClr val="lt1"/>
+          </a:fontRef>
+        </p:style>
+        <p:txBody>
+          <a:bodyPr rtlCol="0" anchor="ctr"/>
+          <a:lstStyle/>
+          <a:p>
+            <a:pPr algn="ctr"/>
+            <a:r>
+              <a:rPr lang="ko-KR" altLang="en-US" sz="1050" dirty="0"/>
+              <a:t>현재 점수 </a:t>
+            </a:r>
+            <a:r>
+              <a:rPr lang="en-US" altLang="ko-KR" sz="1050" dirty="0"/>
+              <a:t>:</a:t>
+            </a:r>
+            <a:r>
+              <a:rPr lang="ko-KR" altLang="en-US" sz="1050" dirty="0"/>
+              <a:t> </a:t>
+            </a:r>
+            <a:r>
+              <a:rPr lang="en-US" altLang="ko-KR" sz="1050" dirty="0"/>
+              <a:t>123,000</a:t>
+            </a:r>
+            <a:endParaRPr lang="ko-KR" altLang="en-US" sz="1050" dirty="0"/>
+          </a:p>
+        </p:txBody>
+      </p:sp>
+      <p:sp>
+        <p:nvSpPr>
+          <p:cNvPr id="7" name="직사각형 6">
+            <a:extLst>
+              <a:ext uri="{FF2B5EF4-FFF2-40B4-BE49-F238E27FC236}">
+                <a16:creationId xmlns:a16="http://schemas.microsoft.com/office/drawing/2014/main" id="{89BC21C3-691A-C27C-9164-95D1D81CBD54}"/>
+              </a:ext>
+            </a:extLst>
+          </p:cNvPr>
+          <p:cNvSpPr/>
+          <p:nvPr/>
+        </p:nvSpPr>
+        <p:spPr>
+          <a:xfrm>
+            <a:off x="3041374" y="1687997"/>
+            <a:ext cx="6149007" cy="3458817"/>
+          </a:xfrm>
+          <a:prstGeom prst="rect">
+            <a:avLst/>
+          </a:prstGeom>
+          <a:solidFill>
+            <a:schemeClr val="bg2">
+              <a:lumMod val="50000"/>
+              <a:alpha val="50000"/>
+            </a:schemeClr>
+          </a:solidFill>
+        </p:spPr>
+        <p:style>
+          <a:lnRef idx="2">
+            <a:schemeClr val="accent1">
+              <a:shade val="15000"/>
+            </a:schemeClr>
+          </a:lnRef>
+          <a:fillRef idx="1">
+            <a:schemeClr val="accent1"/>
+          </a:fillRef>
+          <a:effectRef idx="0">
+            <a:schemeClr val="accent1"/>
+          </a:effectRef>
+          <a:fontRef idx="minor">
+            <a:schemeClr val="lt1"/>
+          </a:fontRef>
+        </p:style>
+        <p:txBody>
+          <a:bodyPr rtlCol="0" anchor="ctr"/>
+          <a:lstStyle/>
+          <a:p>
+            <a:pPr algn="ctr"/>
+            <a:endParaRPr lang="ko-KR" altLang="en-US"/>
+          </a:p>
+        </p:txBody>
+      </p:sp>
+      <p:sp>
+        <p:nvSpPr>
+          <p:cNvPr id="8" name="직사각형 7">
+            <a:extLst>
+              <a:ext uri="{FF2B5EF4-FFF2-40B4-BE49-F238E27FC236}">
+                <a16:creationId xmlns:a16="http://schemas.microsoft.com/office/drawing/2014/main" id="{BDEDB6E3-0E80-E9DD-C33C-4B780AF328E6}"/>
+              </a:ext>
+            </a:extLst>
+          </p:cNvPr>
+          <p:cNvSpPr/>
+          <p:nvPr/>
+        </p:nvSpPr>
+        <p:spPr>
+          <a:xfrm>
+            <a:off x="5214730" y="2941982"/>
+            <a:ext cx="1765438" cy="1002179"/>
+          </a:xfrm>
+          <a:prstGeom prst="rect">
+            <a:avLst/>
+          </a:prstGeom>
+          <a:ln>
+            <a:noFill/>
+          </a:ln>
+        </p:spPr>
+        <p:style>
+          <a:lnRef idx="2">
+            <a:schemeClr val="accent1">
+              <a:shade val="15000"/>
+            </a:schemeClr>
+          </a:lnRef>
+          <a:fillRef idx="1">
+            <a:schemeClr val="accent1"/>
+          </a:fillRef>
+          <a:effectRef idx="0">
+            <a:schemeClr val="accent1"/>
+          </a:effectRef>
+          <a:fontRef idx="minor">
+            <a:schemeClr val="lt1"/>
+          </a:fontRef>
+        </p:style>
+        <p:txBody>
+          <a:bodyPr rtlCol="0" anchor="t"/>
+          <a:lstStyle/>
+          <a:p>
+            <a:pPr algn="ctr"/>
+            <a:endParaRPr lang="en-US" altLang="ko-KR" sz="1200" dirty="0"/>
+          </a:p>
+          <a:p>
+            <a:pPr algn="ctr"/>
+            <a:r>
+              <a:rPr lang="ko-KR" altLang="en-US" sz="1200" dirty="0"/>
+              <a:t>환경 설정</a:t>
+            </a:r>
+            <a:endParaRPr lang="en-US" altLang="ko-KR" sz="1200" dirty="0"/>
+          </a:p>
+          <a:p>
+            <a:pPr algn="ctr"/>
+            <a:endParaRPr lang="en-US" altLang="ko-KR" sz="1200" dirty="0"/>
+          </a:p>
+          <a:p>
+            <a:pPr algn="ctr"/>
+            <a:r>
+              <a:rPr lang="ko-KR" altLang="en-US" sz="1200" dirty="0"/>
+              <a:t>게임으로 돌아가기</a:t>
+            </a:r>
+          </a:p>
+        </p:txBody>
+      </p:sp>
+      <p:sp>
+        <p:nvSpPr>
+          <p:cNvPr id="28" name="사각형: 둥근 모서리 27">
+            <a:extLst>
+              <a:ext uri="{FF2B5EF4-FFF2-40B4-BE49-F238E27FC236}">
+                <a16:creationId xmlns:a16="http://schemas.microsoft.com/office/drawing/2014/main" id="{B6CFACAD-60C7-2371-7F4C-B847FFF76D7F}"/>
+              </a:ext>
+            </a:extLst>
+          </p:cNvPr>
+          <p:cNvSpPr/>
+          <p:nvPr/>
+        </p:nvSpPr>
+        <p:spPr>
+          <a:xfrm>
+            <a:off x="4093787" y="2393151"/>
+            <a:ext cx="4044181" cy="2048509"/>
+          </a:xfrm>
+          <a:prstGeom prst="roundRect">
+            <a:avLst>
+              <a:gd name="adj" fmla="val 3729"/>
+            </a:avLst>
+          </a:prstGeom>
+          <a:solidFill>
+            <a:schemeClr val="bg1">
+              <a:lumMod val="95000"/>
+            </a:schemeClr>
+          </a:solidFill>
+          <a:ln>
+            <a:solidFill>
+              <a:schemeClr val="bg1">
+                <a:lumMod val="85000"/>
+              </a:schemeClr>
+            </a:solidFill>
+          </a:ln>
+        </p:spPr>
+        <p:style>
+          <a:lnRef idx="2">
+            <a:schemeClr val="accent1">
+              <a:shade val="15000"/>
+            </a:schemeClr>
+          </a:lnRef>
+          <a:fillRef idx="1">
+            <a:schemeClr val="accent1"/>
+          </a:fillRef>
+          <a:effectRef idx="0">
+            <a:schemeClr val="accent1"/>
+          </a:effectRef>
+          <a:fontRef idx="minor">
+            <a:schemeClr val="lt1"/>
+          </a:fontRef>
+        </p:style>
+        <p:txBody>
+          <a:bodyPr rtlCol="0" anchor="ctr"/>
+          <a:lstStyle/>
+          <a:p>
+            <a:pPr algn="ctr"/>
+            <a:endParaRPr lang="ko-KR" altLang="en-US"/>
+          </a:p>
+        </p:txBody>
+      </p:sp>
+      <p:pic>
+        <p:nvPicPr>
+          <p:cNvPr id="32" name="그림 31" descr="교통 표지판이(가) 표시된 사진&#10;&#10;AI가 생성한 콘텐츠는 부정확할 수 있습니다.">
+            <a:extLst>
+              <a:ext uri="{FF2B5EF4-FFF2-40B4-BE49-F238E27FC236}">
+                <a16:creationId xmlns:a16="http://schemas.microsoft.com/office/drawing/2014/main" id="{C54818D4-E1F1-B77B-8A6D-978DAB39A519}"/>
+              </a:ext>
+            </a:extLst>
+          </p:cNvPr>
+          <p:cNvPicPr>
+            <a:picLocks noChangeAspect="1"/>
+          </p:cNvPicPr>
+          <p:nvPr/>
+        </p:nvPicPr>
+        <p:blipFill>
+          <a:blip r:embed="rId2">
+            <a:extLst>
+              <a:ext uri="{28A0092B-C50C-407E-A947-70E740481C1C}">
+                <a14:useLocalDpi xmlns:a14="http://schemas.microsoft.com/office/drawing/2010/main" val="0"/>
+              </a:ext>
+            </a:extLst>
+          </a:blip>
+          <a:srcRect l="7080" t="6956" r="3257" b="16329"/>
+          <a:stretch/>
+        </p:blipFill>
+        <p:spPr>
+          <a:xfrm>
+            <a:off x="4178462" y="2492057"/>
+            <a:ext cx="360000" cy="308017"/>
+          </a:xfrm>
+          <a:prstGeom prst="rect">
+            <a:avLst/>
+          </a:prstGeom>
+        </p:spPr>
+      </p:pic>
+      <p:sp>
+        <p:nvSpPr>
+          <p:cNvPr id="34" name="TextBox 33">
+            <a:extLst>
+              <a:ext uri="{FF2B5EF4-FFF2-40B4-BE49-F238E27FC236}">
+                <a16:creationId xmlns:a16="http://schemas.microsoft.com/office/drawing/2014/main" id="{449F856E-1689-ECBD-D917-19A1026BD9F6}"/>
+              </a:ext>
+            </a:extLst>
+          </p:cNvPr>
+          <p:cNvSpPr txBox="1"/>
+          <p:nvPr/>
+        </p:nvSpPr>
+        <p:spPr>
+          <a:xfrm>
+            <a:off x="4575856" y="2476788"/>
+            <a:ext cx="1487908" cy="338554"/>
+          </a:xfrm>
+          <a:prstGeom prst="rect">
+            <a:avLst/>
+          </a:prstGeom>
+          <a:noFill/>
+        </p:spPr>
+        <p:txBody>
+          <a:bodyPr wrap="none" rtlCol="0">
+            <a:spAutoFit/>
+          </a:bodyPr>
+          <a:lstStyle/>
+          <a:p>
+            <a:r>
+              <a:rPr lang="ko-KR" altLang="en-US" sz="1600" dirty="0"/>
+              <a:t>안전 안내문자</a:t>
+            </a:r>
+          </a:p>
+        </p:txBody>
+      </p:sp>
+      <p:cxnSp>
+        <p:nvCxnSpPr>
+          <p:cNvPr id="36" name="직선 연결선 35">
+            <a:extLst>
+              <a:ext uri="{FF2B5EF4-FFF2-40B4-BE49-F238E27FC236}">
+                <a16:creationId xmlns:a16="http://schemas.microsoft.com/office/drawing/2014/main" id="{844657CF-F56A-482D-7B28-4FB0A37A4AC7}"/>
+              </a:ext>
+            </a:extLst>
+          </p:cNvPr>
+          <p:cNvCxnSpPr>
+            <a:cxnSpLocks/>
+          </p:cNvCxnSpPr>
+          <p:nvPr/>
+        </p:nvCxnSpPr>
+        <p:spPr>
+          <a:xfrm>
+            <a:off x="4093787" y="2831244"/>
+            <a:ext cx="4039734" cy="0"/>
+          </a:xfrm>
+          <a:prstGeom prst="line">
+            <a:avLst/>
+          </a:prstGeom>
+          <a:ln>
+            <a:solidFill>
+              <a:srgbClr val="B9B9B9"/>
+            </a:solidFill>
+          </a:ln>
+        </p:spPr>
+        <p:style>
+          <a:lnRef idx="2">
+            <a:schemeClr val="accent1"/>
+          </a:lnRef>
+          <a:fillRef idx="0">
+            <a:schemeClr val="accent1"/>
+          </a:fillRef>
+          <a:effectRef idx="1">
+            <a:schemeClr val="accent1"/>
+          </a:effectRef>
+          <a:fontRef idx="minor">
+            <a:schemeClr val="tx1"/>
+          </a:fontRef>
+        </p:style>
+      </p:cxnSp>
+      <p:sp>
+        <p:nvSpPr>
+          <p:cNvPr id="39" name="TextBox 38">
+            <a:extLst>
+              <a:ext uri="{FF2B5EF4-FFF2-40B4-BE49-F238E27FC236}">
+                <a16:creationId xmlns:a16="http://schemas.microsoft.com/office/drawing/2014/main" id="{64F535B5-E83D-8C8D-C6C0-EA44356BB78E}"/>
+              </a:ext>
+            </a:extLst>
+          </p:cNvPr>
+          <p:cNvSpPr txBox="1"/>
+          <p:nvPr/>
+        </p:nvSpPr>
+        <p:spPr>
+          <a:xfrm>
+            <a:off x="4178462" y="2966510"/>
+            <a:ext cx="370614" cy="276999"/>
+          </a:xfrm>
+          <a:prstGeom prst="rect">
+            <a:avLst/>
+          </a:prstGeom>
+          <a:noFill/>
+        </p:spPr>
+        <p:txBody>
+          <a:bodyPr wrap="none" rtlCol="0">
+            <a:spAutoFit/>
+          </a:bodyPr>
+          <a:lstStyle/>
+          <a:p>
+            <a:r>
+              <a:rPr lang="en-US" altLang="ko-KR" sz="1200" dirty="0"/>
+              <a:t>dd</a:t>
+            </a:r>
+          </a:p>
+        </p:txBody>
+      </p:sp>
+    </p:spTree>
+    <p:extLst>
+      <p:ext uri="{BB962C8B-B14F-4D97-AF65-F5344CB8AC3E}">
+        <p14:creationId xmlns:p14="http://schemas.microsoft.com/office/powerpoint/2010/main" val="124824434"/>
+      </p:ext>
+    </p:extLst>
+  </p:cSld>
+  <p:clrMapOvr>
+    <a:masterClrMapping/>
+  </p:clrMapOvr>
+</p:sld>
+</file>
+
+<file path=ppt/slides/slide29.xml><?xml version="1.0" encoding="utf-8"?>
+<p:sld xmlns:a="http://schemas.openxmlformats.org/drawingml/2006/main" xmlns:r="http://schemas.openxmlformats.org/officeDocument/2006/relationships" xmlns:p="http://schemas.openxmlformats.org/presentationml/2006/main">
+  <p:cSld>
+    <p:spTree>
+      <p:nvGrpSpPr>
+        <p:cNvPr id="1" name=""/>
+        <p:cNvGrpSpPr/>
+        <p:nvPr/>
+      </p:nvGrpSpPr>
+      <p:grpSpPr>
+        <a:xfrm>
+          <a:off x="0" y="0"/>
+          <a:ext cx="0" cy="0"/>
+          <a:chOff x="0" y="0"/>
+          <a:chExt cx="0" cy="0"/>
+        </a:xfrm>
+      </p:grpSpPr>
       <p:sp>
         <p:nvSpPr>
           <p:cNvPr id="4" name="직사각형 3">

--- a/document/UI.pptx
+++ b/document/UI.pptx
@@ -680,6 +680,90 @@
     <p:extLst>
       <p:ext uri="{BB962C8B-B14F-4D97-AF65-F5344CB8AC3E}">
         <p14:creationId xmlns:p14="http://schemas.microsoft.com/office/powerpoint/2010/main" val="3531780754"/>
+      </p:ext>
+    </p:extLst>
+  </p:cSld>
+  <p:clrMapOvr>
+    <a:masterClrMapping/>
+  </p:clrMapOvr>
+</p:notes>
+</file>
+
+<file path=ppt/notesSlides/notesSlide3.xml><?xml version="1.0" encoding="utf-8"?>
+<p:notes xmlns:a="http://schemas.openxmlformats.org/drawingml/2006/main" xmlns:r="http://schemas.openxmlformats.org/officeDocument/2006/relationships" xmlns:p="http://schemas.openxmlformats.org/presentationml/2006/main">
+  <p:cSld>
+    <p:spTree>
+      <p:nvGrpSpPr>
+        <p:cNvPr id="1" name=""/>
+        <p:cNvGrpSpPr/>
+        <p:nvPr/>
+      </p:nvGrpSpPr>
+      <p:grpSpPr>
+        <a:xfrm>
+          <a:off x="0" y="0"/>
+          <a:ext cx="0" cy="0"/>
+          <a:chOff x="0" y="0"/>
+          <a:chExt cx="0" cy="0"/>
+        </a:xfrm>
+      </p:grpSpPr>
+      <p:sp>
+        <p:nvSpPr>
+          <p:cNvPr id="2" name="슬라이드 이미지 개체 틀 1"/>
+          <p:cNvSpPr>
+            <a:spLocks noGrp="1" noRot="1" noChangeAspect="1"/>
+          </p:cNvSpPr>
+          <p:nvPr>
+            <p:ph type="sldImg"/>
+          </p:nvPr>
+        </p:nvSpPr>
+        <p:spPr/>
+      </p:sp>
+      <p:sp>
+        <p:nvSpPr>
+          <p:cNvPr id="3" name="슬라이드 노트 개체 틀 2"/>
+          <p:cNvSpPr>
+            <a:spLocks noGrp="1"/>
+          </p:cNvSpPr>
+          <p:nvPr>
+            <p:ph type="body" idx="1"/>
+          </p:nvPr>
+        </p:nvSpPr>
+        <p:spPr/>
+        <p:txBody>
+          <a:bodyPr/>
+          <a:lstStyle/>
+          <a:p>
+            <a:endParaRPr lang="ko-KR" altLang="en-US" dirty="0"/>
+          </a:p>
+        </p:txBody>
+      </p:sp>
+      <p:sp>
+        <p:nvSpPr>
+          <p:cNvPr id="4" name="슬라이드 번호 개체 틀 3"/>
+          <p:cNvSpPr>
+            <a:spLocks noGrp="1"/>
+          </p:cNvSpPr>
+          <p:nvPr>
+            <p:ph type="sldNum" sz="quarter" idx="5"/>
+          </p:nvPr>
+        </p:nvSpPr>
+        <p:spPr/>
+        <p:txBody>
+          <a:bodyPr/>
+          <a:lstStyle/>
+          <a:p>
+            <a:fld id="{E684C9C0-E21F-439C-A28A-7CDE9E85435A}" type="slidenum">
+              <a:rPr lang="ko-KR" altLang="en-US" smtClean="0"/>
+              <a:t>31</a:t>
+            </a:fld>
+            <a:endParaRPr lang="ko-KR" altLang="en-US"/>
+          </a:p>
+        </p:txBody>
+      </p:sp>
+    </p:spTree>
+    <p:extLst>
+      <p:ext uri="{BB962C8B-B14F-4D97-AF65-F5344CB8AC3E}">
+        <p14:creationId xmlns:p14="http://schemas.microsoft.com/office/powerpoint/2010/main" val="4181953337"/>
       </p:ext>
     </p:extLst>
   </p:cSld>
@@ -37619,14 +37703,11 @@
           </a:xfrm>
           <a:prstGeom prst="roundRect">
             <a:avLst>
-              <a:gd name="adj" fmla="val 3230"/>
+              <a:gd name="adj" fmla="val 1034"/>
             </a:avLst>
           </a:prstGeom>
           <a:solidFill>
-            <a:schemeClr val="tx2">
-              <a:lumMod val="75000"/>
-              <a:lumOff val="25000"/>
-            </a:schemeClr>
+            <a:srgbClr val="002467"/>
           </a:solidFill>
         </p:spPr>
         <p:style>
@@ -37650,70 +37731,194 @@
           <a:lstStyle/>
           <a:p>
             <a:pPr algn="ctr"/>
-            <a:endParaRPr lang="ko-KR" altLang="en-US"/>
+            <a:endParaRPr lang="ko-KR" altLang="en-US">
+              <a:latin typeface="메이플스토리 OTF" panose="02000300000000000000" pitchFamily="50" charset="-127"/>
+              <a:ea typeface="메이플스토리 OTF" panose="02000300000000000000" pitchFamily="50" charset="-127"/>
+            </a:endParaRPr>
           </a:p>
         </p:txBody>
       </p:sp>
       <p:sp>
         <p:nvSpPr>
-          <p:cNvPr id="37" name="사각형: 둥근 모서리 36">
+          <p:cNvPr id="57" name="TextBox 56">
             <a:extLst>
               <a:ext uri="{FF2B5EF4-FFF2-40B4-BE49-F238E27FC236}">
-                <a16:creationId xmlns:a16="http://schemas.microsoft.com/office/drawing/2014/main" id="{A2E43551-3F11-8A45-AF21-6B9BAEF4CB74}"/>
+                <a16:creationId xmlns:a16="http://schemas.microsoft.com/office/drawing/2014/main" id="{2E6AE21B-FE9C-FED4-16B7-A09D688DA672}"/>
               </a:ext>
             </a:extLst>
           </p:cNvPr>
-          <p:cNvSpPr/>
+          <p:cNvSpPr txBox="1"/>
           <p:nvPr/>
         </p:nvSpPr>
         <p:spPr>
           <a:xfrm>
-            <a:off x="2928729" y="1171280"/>
-            <a:ext cx="6115879" cy="3223304"/>
+            <a:off x="5495143" y="721521"/>
+            <a:ext cx="963725" cy="461665"/>
           </a:xfrm>
-          <a:prstGeom prst="roundRect">
-            <a:avLst>
-              <a:gd name="adj" fmla="val 2100"/>
-            </a:avLst>
+          <a:prstGeom prst="rect">
+            <a:avLst/>
           </a:prstGeom>
-          <a:solidFill>
-            <a:schemeClr val="tx2">
-              <a:lumMod val="25000"/>
-              <a:lumOff val="75000"/>
-            </a:schemeClr>
-          </a:solidFill>
+          <a:noFill/>
         </p:spPr>
-        <p:style>
-          <a:lnRef idx="2">
-            <a:schemeClr val="accent1">
-              <a:shade val="15000"/>
-            </a:schemeClr>
-          </a:lnRef>
-          <a:fillRef idx="1">
-            <a:schemeClr val="accent1"/>
-          </a:fillRef>
-          <a:effectRef idx="0">
-            <a:schemeClr val="accent1"/>
-          </a:effectRef>
-          <a:fontRef idx="minor">
-            <a:schemeClr val="lt1"/>
-          </a:fontRef>
-        </p:style>
         <p:txBody>
-          <a:bodyPr rtlCol="0" anchor="ctr"/>
+          <a:bodyPr wrap="none" rtlCol="0">
+            <a:spAutoFit/>
+          </a:bodyPr>
           <a:lstStyle/>
           <a:p>
             <a:pPr algn="ctr"/>
-            <a:endParaRPr lang="ko-KR" altLang="en-US"/>
+            <a:r>
+              <a:rPr lang="ko-KR" altLang="en-US" sz="2400" b="1" dirty="0">
+                <a:solidFill>
+                  <a:schemeClr val="bg1"/>
+                </a:solidFill>
+                <a:latin typeface="메이플스토리 OTF" panose="02000300000000000000" pitchFamily="50" charset="-127"/>
+                <a:ea typeface="메이플스토리 OTF" panose="02000300000000000000" pitchFamily="50" charset="-127"/>
+              </a:rPr>
+              <a:t>조작법</a:t>
+            </a:r>
+          </a:p>
+        </p:txBody>
+      </p:sp>
+      <p:sp>
+        <p:nvSpPr>
+          <p:cNvPr id="58" name="TextBox 57">
+            <a:extLst>
+              <a:ext uri="{FF2B5EF4-FFF2-40B4-BE49-F238E27FC236}">
+                <a16:creationId xmlns:a16="http://schemas.microsoft.com/office/drawing/2014/main" id="{44B6F91B-8295-895E-CEC2-BC2EF87E3D2D}"/>
+              </a:ext>
+            </a:extLst>
+          </p:cNvPr>
+          <p:cNvSpPr txBox="1"/>
+          <p:nvPr/>
+        </p:nvSpPr>
+        <p:spPr>
+          <a:xfrm>
+            <a:off x="2900905" y="4487541"/>
+            <a:ext cx="3664786" cy="343940"/>
+          </a:xfrm>
+          <a:prstGeom prst="rect">
+            <a:avLst/>
+          </a:prstGeom>
+          <a:noFill/>
+        </p:spPr>
+        <p:txBody>
+          <a:bodyPr wrap="none" rtlCol="0">
+            <a:spAutoFit/>
+          </a:bodyPr>
+          <a:lstStyle/>
+          <a:p>
+            <a:pPr>
+              <a:lnSpc>
+                <a:spcPct val="150000"/>
+              </a:lnSpc>
+            </a:pPr>
+            <a:r>
+              <a:rPr lang="en-US" altLang="ko-KR" sz="1200" dirty="0">
+                <a:solidFill>
+                  <a:schemeClr val="bg1"/>
+                </a:solidFill>
+                <a:latin typeface="메이플스토리 OTF" panose="02000300000000000000" pitchFamily="50" charset="-127"/>
+                <a:ea typeface="메이플스토리 OTF" panose="02000300000000000000" pitchFamily="50" charset="-127"/>
+              </a:rPr>
+              <a:t>W(</a:t>
+            </a:r>
+            <a:r>
+              <a:rPr lang="ko-KR" altLang="en-US" sz="1200" dirty="0">
+                <a:solidFill>
+                  <a:schemeClr val="bg1"/>
+                </a:solidFill>
+                <a:latin typeface="메이플스토리 OTF" panose="02000300000000000000" pitchFamily="50" charset="-127"/>
+                <a:ea typeface="메이플스토리 OTF" panose="02000300000000000000" pitchFamily="50" charset="-127"/>
+              </a:rPr>
+              <a:t>점프</a:t>
+            </a:r>
+            <a:r>
+              <a:rPr lang="en-US" altLang="ko-KR" sz="1200" dirty="0">
+                <a:solidFill>
+                  <a:schemeClr val="bg1"/>
+                </a:solidFill>
+                <a:latin typeface="메이플스토리 OTF" panose="02000300000000000000" pitchFamily="50" charset="-127"/>
+                <a:ea typeface="메이플스토리 OTF" panose="02000300000000000000" pitchFamily="50" charset="-127"/>
+              </a:rPr>
+              <a:t>)</a:t>
+            </a:r>
+            <a:r>
+              <a:rPr lang="ko-KR" altLang="en-US" sz="1200" dirty="0">
+                <a:solidFill>
+                  <a:schemeClr val="bg1"/>
+                </a:solidFill>
+                <a:latin typeface="메이플스토리 OTF" panose="02000300000000000000" pitchFamily="50" charset="-127"/>
+                <a:ea typeface="메이플스토리 OTF" panose="02000300000000000000" pitchFamily="50" charset="-127"/>
+              </a:rPr>
+              <a:t>와 </a:t>
+            </a:r>
+            <a:r>
+              <a:rPr lang="en-US" altLang="ko-KR" sz="1200" dirty="0">
+                <a:solidFill>
+                  <a:schemeClr val="bg1"/>
+                </a:solidFill>
+                <a:latin typeface="메이플스토리 OTF" panose="02000300000000000000" pitchFamily="50" charset="-127"/>
+                <a:ea typeface="메이플스토리 OTF" panose="02000300000000000000" pitchFamily="50" charset="-127"/>
+              </a:rPr>
+              <a:t>S(</a:t>
+            </a:r>
+            <a:r>
+              <a:rPr lang="ko-KR" altLang="en-US" sz="1200" dirty="0">
+                <a:solidFill>
+                  <a:schemeClr val="bg1"/>
+                </a:solidFill>
+                <a:latin typeface="메이플스토리 OTF" panose="02000300000000000000" pitchFamily="50" charset="-127"/>
+                <a:ea typeface="메이플스토리 OTF" panose="02000300000000000000" pitchFamily="50" charset="-127"/>
+              </a:rPr>
+              <a:t>슬라이딩</a:t>
+            </a:r>
+            <a:r>
+              <a:rPr lang="en-US" altLang="ko-KR" sz="1200" dirty="0">
+                <a:solidFill>
+                  <a:schemeClr val="bg1"/>
+                </a:solidFill>
+                <a:latin typeface="메이플스토리 OTF" panose="02000300000000000000" pitchFamily="50" charset="-127"/>
+                <a:ea typeface="메이플스토리 OTF" panose="02000300000000000000" pitchFamily="50" charset="-127"/>
+              </a:rPr>
+              <a:t>)</a:t>
+            </a:r>
+            <a:r>
+              <a:rPr lang="ko-KR" altLang="en-US" sz="1200" dirty="0">
+                <a:solidFill>
+                  <a:schemeClr val="bg1"/>
+                </a:solidFill>
+                <a:latin typeface="메이플스토리 OTF" panose="02000300000000000000" pitchFamily="50" charset="-127"/>
+                <a:ea typeface="메이플스토리 OTF" panose="02000300000000000000" pitchFamily="50" charset="-127"/>
+              </a:rPr>
+              <a:t>을 통해 장애물을 피할 수 있습니다</a:t>
+            </a:r>
+            <a:r>
+              <a:rPr lang="en-US" altLang="ko-KR" sz="1200" dirty="0">
+                <a:solidFill>
+                  <a:schemeClr val="bg1"/>
+                </a:solidFill>
+                <a:latin typeface="메이플스토리 OTF" panose="02000300000000000000" pitchFamily="50" charset="-127"/>
+                <a:ea typeface="메이플스토리 OTF" panose="02000300000000000000" pitchFamily="50" charset="-127"/>
+              </a:rPr>
+              <a:t>.</a:t>
+            </a:r>
+            <a:endParaRPr lang="ko-KR" altLang="en-US" sz="1200" dirty="0">
+              <a:solidFill>
+                <a:schemeClr val="bg1"/>
+              </a:solidFill>
+              <a:latin typeface="메이플스토리 OTF" panose="02000300000000000000" pitchFamily="50" charset="-127"/>
+              <a:ea typeface="메이플스토리 OTF" panose="02000300000000000000" pitchFamily="50" charset="-127"/>
+            </a:endParaRPr>
           </a:p>
         </p:txBody>
       </p:sp>
       <p:grpSp>
         <p:nvGrpSpPr>
-          <p:cNvPr id="41" name="그룹 40">
+          <p:cNvPr id="7" name="그룹 6">
             <a:extLst>
               <a:ext uri="{FF2B5EF4-FFF2-40B4-BE49-F238E27FC236}">
-                <a16:creationId xmlns:a16="http://schemas.microsoft.com/office/drawing/2014/main" id="{1E704C18-2643-C0FF-0660-0DDE9D37C04A}"/>
+                <a16:creationId xmlns:a16="http://schemas.microsoft.com/office/drawing/2014/main" id="{B1B9E818-16A2-05EE-7163-FF2EEA918635}"/>
               </a:ext>
             </a:extLst>
           </p:cNvPr>
@@ -37722,54 +37927,18 @@
         </p:nvGrpSpPr>
         <p:grpSpPr>
           <a:xfrm>
-            <a:off x="3620975" y="1431179"/>
-            <a:ext cx="4731386" cy="2703507"/>
-            <a:chOff x="2904695" y="1504492"/>
-            <a:chExt cx="6382609" cy="3647014"/>
+            <a:off x="2900905" y="1193005"/>
+            <a:ext cx="6152201" cy="3223304"/>
+            <a:chOff x="2981739" y="1167563"/>
+            <a:chExt cx="6152201" cy="3223304"/>
           </a:xfrm>
         </p:grpSpPr>
         <p:pic>
           <p:nvPicPr>
-            <p:cNvPr id="20" name="그림 19" descr="일렉트릭 블루, 하늘빛, 하늘, 아쿠아이(가) 표시된 사진&#10;&#10;AI가 생성한 콘텐츠는 부정확할 수 있습니다.">
+            <p:cNvPr id="3" name="그림 2" descr="스크린샷, 직사각형, 사각형, 프레임이(가) 표시된 사진&#10;&#10;AI가 생성한 콘텐츠는 부정확할 수 있습니다.">
               <a:extLst>
                 <a:ext uri="{FF2B5EF4-FFF2-40B4-BE49-F238E27FC236}">
-                  <a16:creationId xmlns:a16="http://schemas.microsoft.com/office/drawing/2014/main" id="{64217FED-B4C8-52AB-7B48-4AAA5ADAF23C}"/>
-                </a:ext>
-              </a:extLst>
-            </p:cNvPr>
-            <p:cNvPicPr>
-              <a:picLocks noChangeAspect="1"/>
-            </p:cNvPicPr>
-            <p:nvPr/>
-          </p:nvPicPr>
-          <p:blipFill>
-            <a:blip r:embed="rId2">
-              <a:extLst>
-                <a:ext uri="{28A0092B-C50C-407E-A947-70E740481C1C}">
-                  <a14:useLocalDpi xmlns:a14="http://schemas.microsoft.com/office/drawing/2010/main" val="0"/>
-                </a:ext>
-              </a:extLst>
-            </a:blip>
-            <a:stretch>
-              <a:fillRect/>
-            </a:stretch>
-          </p:blipFill>
-          <p:spPr>
-            <a:xfrm>
-              <a:off x="2904695" y="1504492"/>
-              <a:ext cx="6382609" cy="3647014"/>
-            </a:xfrm>
-            <a:prstGeom prst="rect">
-              <a:avLst/>
-            </a:prstGeom>
-          </p:spPr>
-        </p:pic>
-        <p:pic>
-          <p:nvPicPr>
-            <p:cNvPr id="18" name="그림 17" descr="스크린샷, 라인, 평행이(가) 표시된 사진&#10;&#10;AI가 생성한 콘텐츠는 부정확할 수 있습니다.">
-              <a:extLst>
-                <a:ext uri="{FF2B5EF4-FFF2-40B4-BE49-F238E27FC236}">
-                  <a16:creationId xmlns:a16="http://schemas.microsoft.com/office/drawing/2014/main" id="{6DBF4F97-726D-814D-C393-4EE34BAE1D4B}"/>
+                  <a16:creationId xmlns:a16="http://schemas.microsoft.com/office/drawing/2014/main" id="{FB6F780F-3092-678B-3370-A1D979B52A9C}"/>
                 </a:ext>
               </a:extLst>
             </p:cNvPr>
@@ -37792,8 +37961,8 @@
           </p:blipFill>
           <p:spPr>
             <a:xfrm>
-              <a:off x="2904695" y="4472505"/>
-              <a:ext cx="6382609" cy="679001"/>
+              <a:off x="2981739" y="1167563"/>
+              <a:ext cx="6152201" cy="3223304"/>
             </a:xfrm>
             <a:prstGeom prst="rect">
               <a:avLst/>
@@ -37802,10 +37971,10 @@
         </p:pic>
         <p:grpSp>
           <p:nvGrpSpPr>
-            <p:cNvPr id="28" name="그룹 27">
+            <p:cNvPr id="41" name="그룹 40">
               <a:extLst>
                 <a:ext uri="{FF2B5EF4-FFF2-40B4-BE49-F238E27FC236}">
-                  <a16:creationId xmlns:a16="http://schemas.microsoft.com/office/drawing/2014/main" id="{264F0C8C-34D4-45DD-565B-CA051F3A29B6}"/>
+                  <a16:creationId xmlns:a16="http://schemas.microsoft.com/office/drawing/2014/main" id="{1E704C18-2643-C0FF-0660-0DDE9D37C04A}"/>
                 </a:ext>
               </a:extLst>
             </p:cNvPr>
@@ -37814,18 +37983,90 @@
           </p:nvGrpSpPr>
           <p:grpSpPr>
             <a:xfrm>
-              <a:off x="3793372" y="1504492"/>
-              <a:ext cx="4605255" cy="3647014"/>
-              <a:chOff x="3793372" y="1504492"/>
-              <a:chExt cx="4605255" cy="3647014"/>
+              <a:off x="3692146" y="1427462"/>
+              <a:ext cx="4731386" cy="2703507"/>
+              <a:chOff x="2904695" y="1504492"/>
+              <a:chExt cx="6382609" cy="3647014"/>
             </a:xfrm>
           </p:grpSpPr>
+          <p:pic>
+            <p:nvPicPr>
+              <p:cNvPr id="20" name="그림 19" descr="일렉트릭 블루, 하늘빛, 하늘, 아쿠아이(가) 표시된 사진&#10;&#10;AI가 생성한 콘텐츠는 부정확할 수 있습니다.">
+                <a:extLst>
+                  <a:ext uri="{FF2B5EF4-FFF2-40B4-BE49-F238E27FC236}">
+                    <a16:creationId xmlns:a16="http://schemas.microsoft.com/office/drawing/2014/main" id="{64217FED-B4C8-52AB-7B48-4AAA5ADAF23C}"/>
+                  </a:ext>
+                </a:extLst>
+              </p:cNvPr>
+              <p:cNvPicPr>
+                <a:picLocks noChangeAspect="1"/>
+              </p:cNvPicPr>
+              <p:nvPr/>
+            </p:nvPicPr>
+            <p:blipFill>
+              <a:blip r:embed="rId4">
+                <a:extLst>
+                  <a:ext uri="{28A0092B-C50C-407E-A947-70E740481C1C}">
+                    <a14:useLocalDpi xmlns:a14="http://schemas.microsoft.com/office/drawing/2010/main" val="0"/>
+                  </a:ext>
+                </a:extLst>
+              </a:blip>
+              <a:stretch>
+                <a:fillRect/>
+              </a:stretch>
+            </p:blipFill>
+            <p:spPr>
+              <a:xfrm>
+                <a:off x="2904695" y="1504492"/>
+                <a:ext cx="6382609" cy="3647014"/>
+              </a:xfrm>
+              <a:prstGeom prst="rect">
+                <a:avLst/>
+              </a:prstGeom>
+            </p:spPr>
+          </p:pic>
+          <p:pic>
+            <p:nvPicPr>
+              <p:cNvPr id="18" name="그림 17" descr="스크린샷, 라인, 평행이(가) 표시된 사진&#10;&#10;AI가 생성한 콘텐츠는 부정확할 수 있습니다.">
+                <a:extLst>
+                  <a:ext uri="{FF2B5EF4-FFF2-40B4-BE49-F238E27FC236}">
+                    <a16:creationId xmlns:a16="http://schemas.microsoft.com/office/drawing/2014/main" id="{6DBF4F97-726D-814D-C393-4EE34BAE1D4B}"/>
+                  </a:ext>
+                </a:extLst>
+              </p:cNvPr>
+              <p:cNvPicPr>
+                <a:picLocks noChangeAspect="1"/>
+              </p:cNvPicPr>
+              <p:nvPr/>
+            </p:nvPicPr>
+            <p:blipFill>
+              <a:blip r:embed="rId5">
+                <a:extLst>
+                  <a:ext uri="{28A0092B-C50C-407E-A947-70E740481C1C}">
+                    <a14:useLocalDpi xmlns:a14="http://schemas.microsoft.com/office/drawing/2010/main" val="0"/>
+                  </a:ext>
+                </a:extLst>
+              </a:blip>
+              <a:stretch>
+                <a:fillRect/>
+              </a:stretch>
+            </p:blipFill>
+            <p:spPr>
+              <a:xfrm>
+                <a:off x="2904695" y="4472505"/>
+                <a:ext cx="6382609" cy="679001"/>
+              </a:xfrm>
+              <a:prstGeom prst="rect">
+                <a:avLst/>
+              </a:prstGeom>
+            </p:spPr>
+          </p:pic>
           <p:grpSp>
             <p:nvGrpSpPr>
-              <p:cNvPr id="27" name="그룹 26">
+              <p:cNvPr id="28" name="그룹 27">
                 <a:extLst>
                   <a:ext uri="{FF2B5EF4-FFF2-40B4-BE49-F238E27FC236}">
-                    <a16:creationId xmlns:a16="http://schemas.microsoft.com/office/drawing/2014/main" id="{5EC1B7E7-76B3-E0F7-67E7-93DD0D18F44D}"/>
+                    <a16:creationId xmlns:a16="http://schemas.microsoft.com/office/drawing/2014/main" id="{264F0C8C-34D4-45DD-565B-CA051F3A29B6}"/>
                   </a:ext>
                 </a:extLst>
               </p:cNvPr>
@@ -37834,250 +38075,326 @@
             </p:nvGrpSpPr>
             <p:grpSpPr>
               <a:xfrm>
-                <a:off x="3793372" y="3322984"/>
-                <a:ext cx="1400786" cy="1186016"/>
-                <a:chOff x="3793372" y="3322984"/>
-                <a:chExt cx="1400786" cy="1186016"/>
+                <a:off x="3793372" y="1504492"/>
+                <a:ext cx="4605255" cy="3647014"/>
+                <a:chOff x="3793372" y="1504492"/>
+                <a:chExt cx="4605255" cy="3647014"/>
               </a:xfrm>
             </p:grpSpPr>
-            <p:pic>
-              <p:nvPicPr>
-                <p:cNvPr id="8" name="그림 7" descr="스크린샷, 예술이(가) 표시된 사진&#10;&#10;AI가 생성한 콘텐츠는 부정확할 수 있습니다.">
+            <p:grpSp>
+              <p:nvGrpSpPr>
+                <p:cNvPr id="27" name="그룹 26">
                   <a:extLst>
                     <a:ext uri="{FF2B5EF4-FFF2-40B4-BE49-F238E27FC236}">
-                      <a16:creationId xmlns:a16="http://schemas.microsoft.com/office/drawing/2014/main" id="{C3B301AA-5DE1-D808-05FE-DCE989D9A41E}"/>
+                      <a16:creationId xmlns:a16="http://schemas.microsoft.com/office/drawing/2014/main" id="{5EC1B7E7-76B3-E0F7-67E7-93DD0D18F44D}"/>
                     </a:ext>
                   </a:extLst>
                 </p:cNvPr>
-                <p:cNvPicPr>
-                  <a:picLocks noChangeAspect="1"/>
-                </p:cNvPicPr>
+                <p:cNvGrpSpPr/>
                 <p:nvPr/>
-              </p:nvPicPr>
-              <p:blipFill>
-                <a:blip r:embed="rId4">
+              </p:nvGrpSpPr>
+              <p:grpSpPr>
+                <a:xfrm>
+                  <a:off x="3793372" y="3322984"/>
+                  <a:ext cx="1400786" cy="1186016"/>
+                  <a:chOff x="3793372" y="3322984"/>
+                  <a:chExt cx="1400786" cy="1186016"/>
+                </a:xfrm>
+              </p:grpSpPr>
+              <p:pic>
+                <p:nvPicPr>
+                  <p:cNvPr id="8" name="그림 7" descr="스크린샷, 예술이(가) 표시된 사진&#10;&#10;AI가 생성한 콘텐츠는 부정확할 수 있습니다.">
+                    <a:extLst>
+                      <a:ext uri="{FF2B5EF4-FFF2-40B4-BE49-F238E27FC236}">
+                        <a16:creationId xmlns:a16="http://schemas.microsoft.com/office/drawing/2014/main" id="{C3B301AA-5DE1-D808-05FE-DCE989D9A41E}"/>
+                      </a:ext>
+                    </a:extLst>
+                  </p:cNvPr>
+                  <p:cNvPicPr>
+                    <a:picLocks noChangeAspect="1"/>
+                  </p:cNvPicPr>
+                  <p:nvPr/>
+                </p:nvPicPr>
+                <p:blipFill>
+                  <a:blip r:embed="rId6">
+                    <a:extLst>
+                      <a:ext uri="{28A0092B-C50C-407E-A947-70E740481C1C}">
+                        <a14:useLocalDpi xmlns:a14="http://schemas.microsoft.com/office/drawing/2010/main" val="0"/>
+                      </a:ext>
+                    </a:extLst>
+                  </a:blip>
+                  <a:srcRect l="489" r="92717"/>
+                  <a:stretch/>
+                </p:blipFill>
+                <p:spPr>
+                  <a:xfrm>
+                    <a:off x="3793372" y="3429000"/>
+                    <a:ext cx="545032" cy="1080000"/>
+                  </a:xfrm>
+                  <a:prstGeom prst="rect">
+                    <a:avLst/>
+                  </a:prstGeom>
+                </p:spPr>
+              </p:pic>
+              <p:pic>
+                <p:nvPicPr>
+                  <p:cNvPr id="9" name="그림 8">
+                    <a:extLst>
+                      <a:ext uri="{FF2B5EF4-FFF2-40B4-BE49-F238E27FC236}">
+                        <a16:creationId xmlns:a16="http://schemas.microsoft.com/office/drawing/2014/main" id="{5E341C86-97CA-BCFC-91A1-3FDB895E4432}"/>
+                      </a:ext>
+                    </a:extLst>
+                  </p:cNvPr>
+                  <p:cNvPicPr>
+                    <a:picLocks noChangeAspect="1"/>
+                  </p:cNvPicPr>
+                  <p:nvPr/>
+                </p:nvPicPr>
+                <p:blipFill>
+                  <a:blip r:embed="rId6">
+                    <a:extLst>
+                      <a:ext uri="{28A0092B-C50C-407E-A947-70E740481C1C}">
+                        <a14:useLocalDpi xmlns:a14="http://schemas.microsoft.com/office/drawing/2010/main" val="0"/>
+                      </a:ext>
+                    </a:extLst>
+                  </a:blip>
+                  <a:srcRect l="50544" r="41521"/>
+                  <a:stretch/>
+                </p:blipFill>
+                <p:spPr>
+                  <a:xfrm>
+                    <a:off x="4557561" y="3322984"/>
+                    <a:ext cx="636597" cy="1080000"/>
+                  </a:xfrm>
+                  <a:prstGeom prst="rect">
+                    <a:avLst/>
+                  </a:prstGeom>
+                </p:spPr>
+              </p:pic>
+              <p:pic>
+                <p:nvPicPr>
+                  <p:cNvPr id="11" name="그림 10" descr="픽셀, 스크린샷이(가) 표시된 사진&#10;&#10;AI가 생성한 콘텐츠는 부정확할 수 있습니다.">
+                    <a:extLst>
+                      <a:ext uri="{FF2B5EF4-FFF2-40B4-BE49-F238E27FC236}">
+                        <a16:creationId xmlns:a16="http://schemas.microsoft.com/office/drawing/2014/main" id="{22E47A3D-9CAE-78C0-8F06-8427E31AA86F}"/>
+                      </a:ext>
+                    </a:extLst>
+                  </p:cNvPr>
+                  <p:cNvPicPr>
+                    <a:picLocks noChangeAspect="1"/>
+                  </p:cNvPicPr>
+                  <p:nvPr/>
+                </p:nvPicPr>
+                <p:blipFill>
+                  <a:blip r:embed="rId7">
+                    <a:extLst>
+                      <a:ext uri="{28A0092B-C50C-407E-A947-70E740481C1C}">
+                        <a14:useLocalDpi xmlns:a14="http://schemas.microsoft.com/office/drawing/2010/main" val="0"/>
+                      </a:ext>
+                    </a:extLst>
+                  </a:blip>
+                  <a:srcRect l="75971" t="31685" r="9177" b="21011"/>
+                  <a:stretch/>
+                </p:blipFill>
+                <p:spPr>
+                  <a:xfrm>
+                    <a:off x="4676334" y="4149000"/>
+                    <a:ext cx="339086" cy="360000"/>
+                  </a:xfrm>
+                  <a:prstGeom prst="rect">
+                    <a:avLst/>
+                  </a:prstGeom>
+                </p:spPr>
+              </p:pic>
+            </p:grpSp>
+            <p:grpSp>
+              <p:nvGrpSpPr>
+                <p:cNvPr id="26" name="그룹 25">
                   <a:extLst>
-                    <a:ext uri="{28A0092B-C50C-407E-A947-70E740481C1C}">
-                      <a14:useLocalDpi xmlns:a14="http://schemas.microsoft.com/office/drawing/2010/main" val="0"/>
+                    <a:ext uri="{FF2B5EF4-FFF2-40B4-BE49-F238E27FC236}">
+                      <a16:creationId xmlns:a16="http://schemas.microsoft.com/office/drawing/2014/main" id="{75E8D711-0673-E69A-6B34-78264A6108A2}"/>
                     </a:ext>
                   </a:extLst>
-                </a:blip>
-                <a:srcRect l="489" r="92717"/>
-                <a:stretch/>
-              </p:blipFill>
+                </p:cNvPr>
+                <p:cNvGrpSpPr/>
+                <p:nvPr/>
+              </p:nvGrpSpPr>
+              <p:grpSpPr>
+                <a:xfrm>
+                  <a:off x="6729839" y="3429000"/>
+                  <a:ext cx="1668788" cy="1080000"/>
+                  <a:chOff x="6729839" y="3429000"/>
+                  <a:chExt cx="1668788" cy="1080000"/>
+                </a:xfrm>
+              </p:grpSpPr>
+              <p:pic>
+                <p:nvPicPr>
+                  <p:cNvPr id="13" name="그림 12" descr="픽셀, 스크린샷이(가) 표시된 사진&#10;&#10;AI가 생성한 콘텐츠는 부정확할 수 있습니다.">
+                    <a:extLst>
+                      <a:ext uri="{FF2B5EF4-FFF2-40B4-BE49-F238E27FC236}">
+                        <a16:creationId xmlns:a16="http://schemas.microsoft.com/office/drawing/2014/main" id="{94FA1740-21AD-6B86-3982-0C7C0FD27EC2}"/>
+                      </a:ext>
+                    </a:extLst>
+                  </p:cNvPr>
+                  <p:cNvPicPr>
+                    <a:picLocks noChangeAspect="1"/>
+                  </p:cNvPicPr>
+                  <p:nvPr/>
+                </p:nvPicPr>
+                <p:blipFill>
+                  <a:blip r:embed="rId7">
+                    <a:extLst>
+                      <a:ext uri="{28A0092B-C50C-407E-A947-70E740481C1C}">
+                        <a14:useLocalDpi xmlns:a14="http://schemas.microsoft.com/office/drawing/2010/main" val="0"/>
+                      </a:ext>
+                    </a:extLst>
+                  </a:blip>
+                  <a:srcRect l="7179" t="8957" r="71333" b="10055"/>
+                  <a:stretch/>
+                </p:blipFill>
+                <p:spPr>
+                  <a:xfrm>
+                    <a:off x="7343092" y="3548270"/>
+                    <a:ext cx="764699" cy="960730"/>
+                  </a:xfrm>
+                  <a:prstGeom prst="rect">
+                    <a:avLst/>
+                  </a:prstGeom>
+                </p:spPr>
+              </p:pic>
+              <p:pic>
+                <p:nvPicPr>
+                  <p:cNvPr id="14" name="그림 13" descr="스크린샷, 예술이(가) 표시된 사진&#10;&#10;AI가 생성한 콘텐츠는 부정확할 수 있습니다.">
+                    <a:extLst>
+                      <a:ext uri="{FF2B5EF4-FFF2-40B4-BE49-F238E27FC236}">
+                        <a16:creationId xmlns:a16="http://schemas.microsoft.com/office/drawing/2014/main" id="{30BFB481-BB89-9F01-4D05-972516B930D8}"/>
+                      </a:ext>
+                    </a:extLst>
+                  </p:cNvPr>
+                  <p:cNvPicPr>
+                    <a:picLocks noChangeAspect="1"/>
+                  </p:cNvPicPr>
+                  <p:nvPr/>
+                </p:nvPicPr>
+                <p:blipFill>
+                  <a:blip r:embed="rId6">
+                    <a:extLst>
+                      <a:ext uri="{28A0092B-C50C-407E-A947-70E740481C1C}">
+                        <a14:useLocalDpi xmlns:a14="http://schemas.microsoft.com/office/drawing/2010/main" val="0"/>
+                      </a:ext>
+                    </a:extLst>
+                  </a:blip>
+                  <a:srcRect l="489" r="92717"/>
+                  <a:stretch/>
+                </p:blipFill>
+                <p:spPr>
+                  <a:xfrm>
+                    <a:off x="6729839" y="3429000"/>
+                    <a:ext cx="545032" cy="1080000"/>
+                  </a:xfrm>
+                  <a:prstGeom prst="rect">
+                    <a:avLst/>
+                  </a:prstGeom>
+                </p:spPr>
+              </p:pic>
+              <p:pic>
+                <p:nvPicPr>
+                  <p:cNvPr id="16" name="그림 15" descr="스크린샷이(가) 표시된 사진&#10;&#10;AI가 생성한 콘텐츠는 부정확할 수 있습니다.">
+                    <a:extLst>
+                      <a:ext uri="{FF2B5EF4-FFF2-40B4-BE49-F238E27FC236}">
+                        <a16:creationId xmlns:a16="http://schemas.microsoft.com/office/drawing/2014/main" id="{31E81AA1-9AE5-0572-3ECC-9C19B1E472F0}"/>
+                      </a:ext>
+                    </a:extLst>
+                  </p:cNvPr>
+                  <p:cNvPicPr>
+                    <a:picLocks noChangeAspect="1"/>
+                  </p:cNvPicPr>
+                  <p:nvPr/>
+                </p:nvPicPr>
+                <p:blipFill>
+                  <a:blip r:embed="rId8">
+                    <a:extLst>
+                      <a:ext uri="{28A0092B-C50C-407E-A947-70E740481C1C}">
+                        <a14:useLocalDpi xmlns:a14="http://schemas.microsoft.com/office/drawing/2010/main" val="0"/>
+                      </a:ext>
+                    </a:extLst>
+                  </a:blip>
+                  <a:srcRect l="57228" r="28750"/>
+                  <a:stretch/>
+                </p:blipFill>
+                <p:spPr>
+                  <a:xfrm>
+                    <a:off x="7479535" y="3597913"/>
+                    <a:ext cx="919092" cy="911087"/>
+                  </a:xfrm>
+                  <a:prstGeom prst="rect">
+                    <a:avLst/>
+                  </a:prstGeom>
+                </p:spPr>
+              </p:pic>
+            </p:grpSp>
+            <p:sp>
+              <p:nvSpPr>
+                <p:cNvPr id="24" name="직사각형 23">
+                  <a:extLst>
+                    <a:ext uri="{FF2B5EF4-FFF2-40B4-BE49-F238E27FC236}">
+                      <a16:creationId xmlns:a16="http://schemas.microsoft.com/office/drawing/2014/main" id="{C0C9B923-A4E4-4D76-059B-FC9AD0AF1A56}"/>
+                    </a:ext>
+                  </a:extLst>
+                </p:cNvPr>
+                <p:cNvSpPr/>
+                <p:nvPr/>
+              </p:nvSpPr>
               <p:spPr>
                 <a:xfrm>
-                  <a:off x="3793372" y="3429000"/>
-                  <a:ext cx="545032" cy="1080000"/>
+                  <a:off x="5821487" y="1504492"/>
+                  <a:ext cx="281024" cy="3647014"/>
                 </a:xfrm>
                 <a:prstGeom prst="rect">
                   <a:avLst/>
                 </a:prstGeom>
+                <a:solidFill>
+                  <a:schemeClr val="bg1"/>
+                </a:solidFill>
+                <a:ln>
+                  <a:noFill/>
+                </a:ln>
               </p:spPr>
-            </p:pic>
-            <p:pic>
-              <p:nvPicPr>
-                <p:cNvPr id="9" name="그림 8">
-                  <a:extLst>
-                    <a:ext uri="{FF2B5EF4-FFF2-40B4-BE49-F238E27FC236}">
-                      <a16:creationId xmlns:a16="http://schemas.microsoft.com/office/drawing/2014/main" id="{5E341C86-97CA-BCFC-91A1-3FDB895E4432}"/>
-                    </a:ext>
-                  </a:extLst>
-                </p:cNvPr>
-                <p:cNvPicPr>
-                  <a:picLocks noChangeAspect="1"/>
-                </p:cNvPicPr>
-                <p:nvPr/>
-              </p:nvPicPr>
-              <p:blipFill>
-                <a:blip r:embed="rId4">
-                  <a:extLst>
-                    <a:ext uri="{28A0092B-C50C-407E-A947-70E740481C1C}">
-                      <a14:useLocalDpi xmlns:a14="http://schemas.microsoft.com/office/drawing/2010/main" val="0"/>
-                    </a:ext>
-                  </a:extLst>
-                </a:blip>
-                <a:srcRect l="50544" r="41521"/>
-                <a:stretch/>
-              </p:blipFill>
-              <p:spPr>
-                <a:xfrm>
-                  <a:off x="4557561" y="3322984"/>
-                  <a:ext cx="636597" cy="1080000"/>
-                </a:xfrm>
-                <a:prstGeom prst="rect">
-                  <a:avLst/>
-                </a:prstGeom>
-              </p:spPr>
-            </p:pic>
-            <p:pic>
-              <p:nvPicPr>
-                <p:cNvPr id="11" name="그림 10" descr="픽셀, 스크린샷이(가) 표시된 사진&#10;&#10;AI가 생성한 콘텐츠는 부정확할 수 있습니다.">
-                  <a:extLst>
-                    <a:ext uri="{FF2B5EF4-FFF2-40B4-BE49-F238E27FC236}">
-                      <a16:creationId xmlns:a16="http://schemas.microsoft.com/office/drawing/2014/main" id="{22E47A3D-9CAE-78C0-8F06-8427E31AA86F}"/>
-                    </a:ext>
-                  </a:extLst>
-                </p:cNvPr>
-                <p:cNvPicPr>
-                  <a:picLocks noChangeAspect="1"/>
-                </p:cNvPicPr>
-                <p:nvPr/>
-              </p:nvPicPr>
-              <p:blipFill>
-                <a:blip r:embed="rId5">
-                  <a:extLst>
-                    <a:ext uri="{28A0092B-C50C-407E-A947-70E740481C1C}">
-                      <a14:useLocalDpi xmlns:a14="http://schemas.microsoft.com/office/drawing/2010/main" val="0"/>
-                    </a:ext>
-                  </a:extLst>
-                </a:blip>
-                <a:srcRect l="75971" t="31685" r="9177" b="21011"/>
-                <a:stretch/>
-              </p:blipFill>
-              <p:spPr>
-                <a:xfrm>
-                  <a:off x="4676334" y="4149000"/>
-                  <a:ext cx="339086" cy="360000"/>
-                </a:xfrm>
-                <a:prstGeom prst="rect">
-                  <a:avLst/>
-                </a:prstGeom>
-              </p:spPr>
-            </p:pic>
-          </p:grpSp>
-          <p:grpSp>
-            <p:nvGrpSpPr>
-              <p:cNvPr id="26" name="그룹 25">
-                <a:extLst>
-                  <a:ext uri="{FF2B5EF4-FFF2-40B4-BE49-F238E27FC236}">
-                    <a16:creationId xmlns:a16="http://schemas.microsoft.com/office/drawing/2014/main" id="{75E8D711-0673-E69A-6B34-78264A6108A2}"/>
-                  </a:ext>
-                </a:extLst>
-              </p:cNvPr>
-              <p:cNvGrpSpPr/>
-              <p:nvPr/>
-            </p:nvGrpSpPr>
-            <p:grpSpPr>
-              <a:xfrm>
-                <a:off x="6729839" y="3429000"/>
-                <a:ext cx="1668788" cy="1080000"/>
-                <a:chOff x="6729839" y="3429000"/>
-                <a:chExt cx="1668788" cy="1080000"/>
-              </a:xfrm>
-            </p:grpSpPr>
-            <p:pic>
-              <p:nvPicPr>
-                <p:cNvPr id="13" name="그림 12" descr="픽셀, 스크린샷이(가) 표시된 사진&#10;&#10;AI가 생성한 콘텐츠는 부정확할 수 있습니다.">
-                  <a:extLst>
-                    <a:ext uri="{FF2B5EF4-FFF2-40B4-BE49-F238E27FC236}">
-                      <a16:creationId xmlns:a16="http://schemas.microsoft.com/office/drawing/2014/main" id="{94FA1740-21AD-6B86-3982-0C7C0FD27EC2}"/>
-                    </a:ext>
-                  </a:extLst>
-                </p:cNvPr>
-                <p:cNvPicPr>
-                  <a:picLocks noChangeAspect="1"/>
-                </p:cNvPicPr>
-                <p:nvPr/>
-              </p:nvPicPr>
-              <p:blipFill>
-                <a:blip r:embed="rId5">
-                  <a:extLst>
-                    <a:ext uri="{28A0092B-C50C-407E-A947-70E740481C1C}">
-                      <a14:useLocalDpi xmlns:a14="http://schemas.microsoft.com/office/drawing/2010/main" val="0"/>
-                    </a:ext>
-                  </a:extLst>
-                </a:blip>
-                <a:srcRect l="7179" t="8957" r="71333" b="10055"/>
-                <a:stretch/>
-              </p:blipFill>
-              <p:spPr>
-                <a:xfrm>
-                  <a:off x="7343092" y="3548270"/>
-                  <a:ext cx="764699" cy="960730"/>
-                </a:xfrm>
-                <a:prstGeom prst="rect">
-                  <a:avLst/>
-                </a:prstGeom>
-              </p:spPr>
-            </p:pic>
-            <p:pic>
-              <p:nvPicPr>
-                <p:cNvPr id="14" name="그림 13" descr="스크린샷, 예술이(가) 표시된 사진&#10;&#10;AI가 생성한 콘텐츠는 부정확할 수 있습니다.">
-                  <a:extLst>
-                    <a:ext uri="{FF2B5EF4-FFF2-40B4-BE49-F238E27FC236}">
-                      <a16:creationId xmlns:a16="http://schemas.microsoft.com/office/drawing/2014/main" id="{30BFB481-BB89-9F01-4D05-972516B930D8}"/>
-                    </a:ext>
-                  </a:extLst>
-                </p:cNvPr>
-                <p:cNvPicPr>
-                  <a:picLocks noChangeAspect="1"/>
-                </p:cNvPicPr>
-                <p:nvPr/>
-              </p:nvPicPr>
-              <p:blipFill>
-                <a:blip r:embed="rId4">
-                  <a:extLst>
-                    <a:ext uri="{28A0092B-C50C-407E-A947-70E740481C1C}">
-                      <a14:useLocalDpi xmlns:a14="http://schemas.microsoft.com/office/drawing/2010/main" val="0"/>
-                    </a:ext>
-                  </a:extLst>
-                </a:blip>
-                <a:srcRect l="489" r="92717"/>
-                <a:stretch/>
-              </p:blipFill>
-              <p:spPr>
-                <a:xfrm>
-                  <a:off x="6729839" y="3429000"/>
-                  <a:ext cx="545032" cy="1080000"/>
-                </a:xfrm>
-                <a:prstGeom prst="rect">
-                  <a:avLst/>
-                </a:prstGeom>
-              </p:spPr>
-            </p:pic>
-            <p:pic>
-              <p:nvPicPr>
-                <p:cNvPr id="16" name="그림 15" descr="스크린샷이(가) 표시된 사진&#10;&#10;AI가 생성한 콘텐츠는 부정확할 수 있습니다.">
-                  <a:extLst>
-                    <a:ext uri="{FF2B5EF4-FFF2-40B4-BE49-F238E27FC236}">
-                      <a16:creationId xmlns:a16="http://schemas.microsoft.com/office/drawing/2014/main" id="{31E81AA1-9AE5-0572-3ECC-9C19B1E472F0}"/>
-                    </a:ext>
-                  </a:extLst>
-                </p:cNvPr>
-                <p:cNvPicPr>
-                  <a:picLocks noChangeAspect="1"/>
-                </p:cNvPicPr>
-                <p:nvPr/>
-              </p:nvPicPr>
-              <p:blipFill>
-                <a:blip r:embed="rId6">
-                  <a:extLst>
-                    <a:ext uri="{28A0092B-C50C-407E-A947-70E740481C1C}">
-                      <a14:useLocalDpi xmlns:a14="http://schemas.microsoft.com/office/drawing/2010/main" val="0"/>
-                    </a:ext>
-                  </a:extLst>
-                </a:blip>
-                <a:srcRect l="57228" r="28750"/>
-                <a:stretch/>
-              </p:blipFill>
-              <p:spPr>
-                <a:xfrm>
-                  <a:off x="7479535" y="3597913"/>
-                  <a:ext cx="919092" cy="911087"/>
-                </a:xfrm>
-                <a:prstGeom prst="rect">
-                  <a:avLst/>
-                </a:prstGeom>
-              </p:spPr>
-            </p:pic>
+              <p:style>
+                <a:lnRef idx="2">
+                  <a:schemeClr val="accent1">
+                    <a:shade val="15000"/>
+                  </a:schemeClr>
+                </a:lnRef>
+                <a:fillRef idx="1">
+                  <a:schemeClr val="accent1"/>
+                </a:fillRef>
+                <a:effectRef idx="0">
+                  <a:schemeClr val="accent1"/>
+                </a:effectRef>
+                <a:fontRef idx="minor">
+                  <a:schemeClr val="lt1"/>
+                </a:fontRef>
+              </p:style>
+              <p:txBody>
+                <a:bodyPr rtlCol="0" anchor="ctr"/>
+                <a:lstStyle/>
+                <a:p>
+                  <a:pPr algn="ctr"/>
+                  <a:endParaRPr lang="ko-KR" altLang="en-US" sz="1200">
+                    <a:latin typeface="메이플스토리 OTF" panose="02000300000000000000" pitchFamily="50" charset="-127"/>
+                    <a:ea typeface="메이플스토리 OTF" panose="02000300000000000000" pitchFamily="50" charset="-127"/>
+                  </a:endParaRPr>
+                </a:p>
+              </p:txBody>
+            </p:sp>
           </p:grpSp>
           <p:sp>
             <p:nvSpPr>
-              <p:cNvPr id="24" name="직사각형 23">
+              <p:cNvPr id="30" name="말풍선: 모서리가 둥근 사각형 29">
                 <a:extLst>
                   <a:ext uri="{FF2B5EF4-FFF2-40B4-BE49-F238E27FC236}">
-                    <a16:creationId xmlns:a16="http://schemas.microsoft.com/office/drawing/2014/main" id="{C0C9B923-A4E4-4D76-059B-FC9AD0AF1A56}"/>
+                    <a16:creationId xmlns:a16="http://schemas.microsoft.com/office/drawing/2014/main" id="{710FD09C-8CF7-FD60-EB1A-4F3FAD676E41}"/>
                   </a:ext>
                 </a:extLst>
               </p:cNvPr>
@@ -38086,17 +38403,25 @@
             </p:nvSpPr>
             <p:spPr>
               <a:xfrm>
-                <a:off x="5821487" y="1504492"/>
-                <a:ext cx="281024" cy="3647014"/>
+                <a:off x="3828845" y="2521366"/>
+                <a:ext cx="1504122" cy="679001"/>
               </a:xfrm>
-              <a:prstGeom prst="rect">
-                <a:avLst/>
+              <a:prstGeom prst="wedgeRoundRectCallout">
+                <a:avLst>
+                  <a:gd name="adj1" fmla="val 16194"/>
+                  <a:gd name="adj2" fmla="val 71580"/>
+                  <a:gd name="adj3" fmla="val 16667"/>
+                </a:avLst>
               </a:prstGeom>
               <a:solidFill>
-                <a:schemeClr val="bg1"/>
+                <a:schemeClr val="bg1">
+                  <a:lumMod val="95000"/>
+                </a:schemeClr>
               </a:solidFill>
               <a:ln>
-                <a:noFill/>
+                <a:solidFill>
+                  <a:srgbClr val="00B0F0"/>
+                </a:solidFill>
               </a:ln>
             </p:spPr>
             <p:style>
@@ -38120,17 +38445,190 @@
               <a:lstStyle/>
               <a:p>
                 <a:pPr algn="ctr"/>
-                <a:endParaRPr lang="ko-KR" altLang="en-US" sz="1200"/>
+                <a:r>
+                  <a:rPr lang="ko-KR" altLang="en-US" sz="1000" dirty="0">
+                    <a:solidFill>
+                      <a:schemeClr val="tx1"/>
+                    </a:solidFill>
+                    <a:latin typeface="메이플스토리 OTF" panose="02000300000000000000" pitchFamily="50" charset="-127"/>
+                    <a:ea typeface="메이플스토리 OTF" panose="02000300000000000000" pitchFamily="50" charset="-127"/>
+                  </a:rPr>
+                  <a:t>점프</a:t>
+                </a:r>
+                <a:endParaRPr lang="en-US" altLang="ko-KR" sz="1000" dirty="0">
+                  <a:solidFill>
+                    <a:schemeClr val="tx1"/>
+                  </a:solidFill>
+                  <a:latin typeface="메이플스토리 OTF" panose="02000300000000000000" pitchFamily="50" charset="-127"/>
+                  <a:ea typeface="메이플스토리 OTF" panose="02000300000000000000" pitchFamily="50" charset="-127"/>
+                </a:endParaRPr>
+              </a:p>
+              <a:p>
+                <a:pPr algn="ctr"/>
+                <a:r>
+                  <a:rPr lang="ko-KR" altLang="en-US" sz="1000" dirty="0">
+                    <a:solidFill>
+                      <a:schemeClr val="tx1"/>
+                    </a:solidFill>
+                    <a:latin typeface="메이플스토리 OTF" panose="02000300000000000000" pitchFamily="50" charset="-127"/>
+                    <a:ea typeface="메이플스토리 OTF" panose="02000300000000000000" pitchFamily="50" charset="-127"/>
+                  </a:rPr>
+                  <a:t>조작 </a:t>
+                </a:r>
+                <a:r>
+                  <a:rPr lang="en-US" altLang="ko-KR" sz="1000" dirty="0">
+                    <a:solidFill>
+                      <a:schemeClr val="tx1"/>
+                    </a:solidFill>
+                    <a:latin typeface="메이플스토리 OTF" panose="02000300000000000000" pitchFamily="50" charset="-127"/>
+                    <a:ea typeface="메이플스토리 OTF" panose="02000300000000000000" pitchFamily="50" charset="-127"/>
+                  </a:rPr>
+                  <a:t>: W</a:t>
+                </a:r>
+                <a:endParaRPr lang="ko-KR" altLang="en-US" sz="1000" dirty="0">
+                  <a:solidFill>
+                    <a:schemeClr val="tx1"/>
+                  </a:solidFill>
+                  <a:latin typeface="메이플스토리 OTF" panose="02000300000000000000" pitchFamily="50" charset="-127"/>
+                  <a:ea typeface="메이플스토리 OTF" panose="02000300000000000000" pitchFamily="50" charset="-127"/>
+                </a:endParaRPr>
+              </a:p>
+            </p:txBody>
+          </p:sp>
+          <p:sp>
+            <p:nvSpPr>
+              <p:cNvPr id="31" name="말풍선: 모서리가 둥근 사각형 30">
+                <a:extLst>
+                  <a:ext uri="{FF2B5EF4-FFF2-40B4-BE49-F238E27FC236}">
+                    <a16:creationId xmlns:a16="http://schemas.microsoft.com/office/drawing/2014/main" id="{AB5C2EA1-4543-DB58-3FCC-AA91E3777FF7}"/>
+                  </a:ext>
+                </a:extLst>
+              </p:cNvPr>
+              <p:cNvSpPr/>
+              <p:nvPr/>
+            </p:nvSpPr>
+            <p:spPr>
+              <a:xfrm>
+                <a:off x="6942152" y="2743340"/>
+                <a:ext cx="1504122" cy="679001"/>
+              </a:xfrm>
+              <a:prstGeom prst="wedgeRoundRectCallout">
+                <a:avLst>
+                  <a:gd name="adj1" fmla="val 16194"/>
+                  <a:gd name="adj2" fmla="val 71580"/>
+                  <a:gd name="adj3" fmla="val 16667"/>
+                </a:avLst>
+              </a:prstGeom>
+              <a:solidFill>
+                <a:schemeClr val="bg1">
+                  <a:lumMod val="95000"/>
+                </a:schemeClr>
+              </a:solidFill>
+              <a:ln>
+                <a:solidFill>
+                  <a:srgbClr val="00B0F0"/>
+                </a:solidFill>
+              </a:ln>
+            </p:spPr>
+            <p:style>
+              <a:lnRef idx="2">
+                <a:schemeClr val="accent1">
+                  <a:shade val="15000"/>
+                </a:schemeClr>
+              </a:lnRef>
+              <a:fillRef idx="1">
+                <a:schemeClr val="accent1"/>
+              </a:fillRef>
+              <a:effectRef idx="0">
+                <a:schemeClr val="accent1"/>
+              </a:effectRef>
+              <a:fontRef idx="minor">
+                <a:schemeClr val="lt1"/>
+              </a:fontRef>
+            </p:style>
+            <p:txBody>
+              <a:bodyPr rtlCol="0" anchor="ctr"/>
+              <a:lstStyle/>
+              <a:p>
+                <a:pPr algn="ctr"/>
+                <a:r>
+                  <a:rPr lang="ko-KR" altLang="en-US" sz="1000" dirty="0">
+                    <a:solidFill>
+                      <a:schemeClr val="tx1"/>
+                    </a:solidFill>
+                    <a:latin typeface="메이플스토리 OTF" panose="02000300000000000000" pitchFamily="50" charset="-127"/>
+                    <a:ea typeface="메이플스토리 OTF" panose="02000300000000000000" pitchFamily="50" charset="-127"/>
+                  </a:rPr>
+                  <a:t>슬라이딩</a:t>
+                </a:r>
+                <a:endParaRPr lang="en-US" altLang="ko-KR" sz="1000" dirty="0">
+                  <a:solidFill>
+                    <a:schemeClr val="tx1"/>
+                  </a:solidFill>
+                  <a:latin typeface="메이플스토리 OTF" panose="02000300000000000000" pitchFamily="50" charset="-127"/>
+                  <a:ea typeface="메이플스토리 OTF" panose="02000300000000000000" pitchFamily="50" charset="-127"/>
+                </a:endParaRPr>
+              </a:p>
+              <a:p>
+                <a:pPr algn="ctr"/>
+                <a:r>
+                  <a:rPr lang="ko-KR" altLang="en-US" sz="1000" dirty="0">
+                    <a:solidFill>
+                      <a:schemeClr val="tx1"/>
+                    </a:solidFill>
+                    <a:latin typeface="메이플스토리 OTF" panose="02000300000000000000" pitchFamily="50" charset="-127"/>
+                    <a:ea typeface="메이플스토리 OTF" panose="02000300000000000000" pitchFamily="50" charset="-127"/>
+                  </a:rPr>
+                  <a:t>조작 </a:t>
+                </a:r>
+                <a:r>
+                  <a:rPr lang="en-US" altLang="ko-KR" sz="1000" dirty="0">
+                    <a:solidFill>
+                      <a:schemeClr val="tx1"/>
+                    </a:solidFill>
+                    <a:latin typeface="메이플스토리 OTF" panose="02000300000000000000" pitchFamily="50" charset="-127"/>
+                    <a:ea typeface="메이플스토리 OTF" panose="02000300000000000000" pitchFamily="50" charset="-127"/>
+                  </a:rPr>
+                  <a:t>: S</a:t>
+                </a:r>
+                <a:endParaRPr lang="ko-KR" altLang="en-US" sz="1000" dirty="0">
+                  <a:solidFill>
+                    <a:schemeClr val="tx1"/>
+                  </a:solidFill>
+                  <a:latin typeface="메이플스토리 OTF" panose="02000300000000000000" pitchFamily="50" charset="-127"/>
+                  <a:ea typeface="메이플스토리 OTF" panose="02000300000000000000" pitchFamily="50" charset="-127"/>
+                </a:endParaRPr>
               </a:p>
             </p:txBody>
           </p:sp>
         </p:grpSp>
+      </p:grpSp>
+      <p:grpSp>
+        <p:nvGrpSpPr>
+          <p:cNvPr id="19" name="그룹 18">
+            <a:extLst>
+              <a:ext uri="{FF2B5EF4-FFF2-40B4-BE49-F238E27FC236}">
+                <a16:creationId xmlns:a16="http://schemas.microsoft.com/office/drawing/2014/main" id="{9C2C5969-4BE6-9F8C-CECB-E8F098EB7560}"/>
+              </a:ext>
+            </a:extLst>
+          </p:cNvPr>
+          <p:cNvGrpSpPr/>
+          <p:nvPr/>
+        </p:nvGrpSpPr>
+        <p:grpSpPr>
+          <a:xfrm>
+            <a:off x="4911290" y="5614794"/>
+            <a:ext cx="2131431" cy="416001"/>
+            <a:chOff x="4904034" y="5614794"/>
+            <a:chExt cx="2131431" cy="416001"/>
+          </a:xfrm>
+        </p:grpSpPr>
         <p:sp>
           <p:nvSpPr>
-            <p:cNvPr id="30" name="말풍선: 모서리가 둥근 사각형 29">
+            <p:cNvPr id="48" name="사각형: 둥근 모서리 47">
               <a:extLst>
                 <a:ext uri="{FF2B5EF4-FFF2-40B4-BE49-F238E27FC236}">
-                  <a16:creationId xmlns:a16="http://schemas.microsoft.com/office/drawing/2014/main" id="{710FD09C-8CF7-FD60-EB1A-4F3FAD676E41}"/>
+                  <a16:creationId xmlns:a16="http://schemas.microsoft.com/office/drawing/2014/main" id="{B76FB605-9B2F-D926-E0CB-B25337B12CE0}"/>
                 </a:ext>
               </a:extLst>
             </p:cNvPr>
@@ -38139,26 +38637,20 @@
           </p:nvSpPr>
           <p:spPr>
             <a:xfrm>
-              <a:off x="3828845" y="2521366"/>
-              <a:ext cx="1504122" cy="679001"/>
+              <a:off x="4904034" y="5614794"/>
+              <a:ext cx="2131431" cy="416001"/>
             </a:xfrm>
-            <a:prstGeom prst="wedgeRoundRectCallout">
+            <a:prstGeom prst="roundRect">
               <a:avLst>
-                <a:gd name="adj1" fmla="val 16194"/>
-                <a:gd name="adj2" fmla="val 71580"/>
-                <a:gd name="adj3" fmla="val 16667"/>
+                <a:gd name="adj" fmla="val 50000"/>
               </a:avLst>
             </a:prstGeom>
             <a:solidFill>
-              <a:schemeClr val="bg1">
-                <a:lumMod val="95000"/>
+              <a:schemeClr val="accent4">
+                <a:lumMod val="40000"/>
+                <a:lumOff val="60000"/>
               </a:schemeClr>
             </a:solidFill>
-            <a:ln>
-              <a:solidFill>
-                <a:srgbClr val="00B0F0"/>
-              </a:solidFill>
-            </a:ln>
           </p:spPr>
           <p:style>
             <a:lnRef idx="2">
@@ -38182,606 +38674,270 @@
             <a:p>
               <a:pPr algn="ctr"/>
               <a:r>
-                <a:rPr lang="ko-KR" altLang="en-US" sz="1000" dirty="0">
+                <a:rPr lang="en-US" altLang="ko-KR" b="1" dirty="0">
                   <a:solidFill>
                     <a:schemeClr val="tx1"/>
                   </a:solidFill>
+                  <a:latin typeface="메이플스토리 OTF" panose="02000300000000000000" pitchFamily="50" charset="-127"/>
+                  <a:ea typeface="메이플스토리 OTF" panose="02000300000000000000" pitchFamily="50" charset="-127"/>
                 </a:rPr>
-                <a:t>점프</a:t>
+                <a:t>1/3</a:t>
               </a:r>
-              <a:endParaRPr lang="en-US" altLang="ko-KR" sz="1000" dirty="0">
+              <a:endParaRPr lang="ko-KR" altLang="en-US" b="1" dirty="0">
                 <a:solidFill>
                   <a:schemeClr val="tx1"/>
                 </a:solidFill>
-              </a:endParaRPr>
-            </a:p>
-            <a:p>
-              <a:pPr algn="ctr"/>
-              <a:r>
-                <a:rPr lang="ko-KR" altLang="en-US" sz="1000" dirty="0">
-                  <a:solidFill>
-                    <a:schemeClr val="tx1"/>
-                  </a:solidFill>
-                </a:rPr>
-                <a:t>조작 </a:t>
-              </a:r>
-              <a:r>
-                <a:rPr lang="en-US" altLang="ko-KR" sz="1000" dirty="0">
-                  <a:solidFill>
-                    <a:schemeClr val="tx1"/>
-                  </a:solidFill>
-                </a:rPr>
-                <a:t>: W</a:t>
-              </a:r>
-              <a:endParaRPr lang="ko-KR" altLang="en-US" sz="1000" dirty="0">
-                <a:solidFill>
-                  <a:schemeClr val="tx1"/>
-                </a:solidFill>
+                <a:latin typeface="메이플스토리 OTF" panose="02000300000000000000" pitchFamily="50" charset="-127"/>
+                <a:ea typeface="메이플스토리 OTF" panose="02000300000000000000" pitchFamily="50" charset="-127"/>
               </a:endParaRPr>
             </a:p>
           </p:txBody>
         </p:sp>
-        <p:sp>
-          <p:nvSpPr>
-            <p:cNvPr id="31" name="말풍선: 모서리가 둥근 사각형 30">
+        <p:grpSp>
+          <p:nvGrpSpPr>
+            <p:cNvPr id="10" name="그룹 9">
               <a:extLst>
                 <a:ext uri="{FF2B5EF4-FFF2-40B4-BE49-F238E27FC236}">
-                  <a16:creationId xmlns:a16="http://schemas.microsoft.com/office/drawing/2014/main" id="{AB5C2EA1-4543-DB58-3FCC-AA91E3777FF7}"/>
+                  <a16:creationId xmlns:a16="http://schemas.microsoft.com/office/drawing/2014/main" id="{814CD75E-C584-EEB3-24BE-603154FCEBF1}"/>
                 </a:ext>
               </a:extLst>
             </p:cNvPr>
-            <p:cNvSpPr/>
+            <p:cNvGrpSpPr/>
             <p:nvPr/>
-          </p:nvSpPr>
-          <p:spPr>
+          </p:nvGrpSpPr>
+          <p:grpSpPr>
             <a:xfrm>
-              <a:off x="6942152" y="2743340"/>
-              <a:ext cx="1504122" cy="679001"/>
+              <a:off x="4952442" y="5643000"/>
+              <a:ext cx="571998" cy="359589"/>
+              <a:chOff x="3919491" y="5962743"/>
+              <a:chExt cx="571998" cy="359589"/>
             </a:xfrm>
-            <a:prstGeom prst="wedgeRoundRectCallout">
-              <a:avLst>
-                <a:gd name="adj1" fmla="val 16194"/>
-                <a:gd name="adj2" fmla="val 71580"/>
-                <a:gd name="adj3" fmla="val 16667"/>
-              </a:avLst>
-            </a:prstGeom>
-            <a:solidFill>
-              <a:schemeClr val="bg1">
-                <a:lumMod val="95000"/>
-              </a:schemeClr>
-            </a:solidFill>
-            <a:ln>
+          </p:grpSpPr>
+          <p:sp>
+            <p:nvSpPr>
+              <p:cNvPr id="49" name="사각형: 둥근 모서리 48">
+                <a:extLst>
+                  <a:ext uri="{FF2B5EF4-FFF2-40B4-BE49-F238E27FC236}">
+                    <a16:creationId xmlns:a16="http://schemas.microsoft.com/office/drawing/2014/main" id="{469290B7-194E-3124-B5A4-D722CFD58FA3}"/>
+                  </a:ext>
+                </a:extLst>
+              </p:cNvPr>
+              <p:cNvSpPr/>
+              <p:nvPr/>
+            </p:nvSpPr>
+            <p:spPr>
+              <a:xfrm>
+                <a:off x="3919491" y="5962743"/>
+                <a:ext cx="571998" cy="359589"/>
+              </a:xfrm>
+              <a:prstGeom prst="roundRect">
+                <a:avLst>
+                  <a:gd name="adj" fmla="val 50000"/>
+                </a:avLst>
+              </a:prstGeom>
               <a:solidFill>
-                <a:srgbClr val="00B0F0"/>
+                <a:schemeClr val="accent1">
+                  <a:lumMod val="60000"/>
+                  <a:lumOff val="40000"/>
+                </a:schemeClr>
               </a:solidFill>
-            </a:ln>
-          </p:spPr>
-          <p:style>
-            <a:lnRef idx="2">
-              <a:schemeClr val="accent1">
-                <a:shade val="15000"/>
-              </a:schemeClr>
-            </a:lnRef>
-            <a:fillRef idx="1">
-              <a:schemeClr val="accent1"/>
-            </a:fillRef>
-            <a:effectRef idx="0">
-              <a:schemeClr val="accent1"/>
-            </a:effectRef>
-            <a:fontRef idx="minor">
-              <a:schemeClr val="lt1"/>
-            </a:fontRef>
-          </p:style>
-          <p:txBody>
-            <a:bodyPr rtlCol="0" anchor="ctr"/>
-            <a:lstStyle/>
-            <a:p>
-              <a:pPr algn="ctr"/>
-              <a:r>
-                <a:rPr lang="ko-KR" altLang="en-US" sz="1000" dirty="0">
+              <a:ln>
+                <a:solidFill>
+                  <a:srgbClr val="0070C0"/>
+                </a:solidFill>
+              </a:ln>
+            </p:spPr>
+            <p:style>
+              <a:lnRef idx="2">
+                <a:schemeClr val="accent1">
+                  <a:shade val="15000"/>
+                </a:schemeClr>
+              </a:lnRef>
+              <a:fillRef idx="1">
+                <a:schemeClr val="accent1"/>
+              </a:fillRef>
+              <a:effectRef idx="0">
+                <a:schemeClr val="accent1"/>
+              </a:effectRef>
+              <a:fontRef idx="minor">
+                <a:schemeClr val="lt1"/>
+              </a:fontRef>
+            </p:style>
+            <p:txBody>
+              <a:bodyPr rtlCol="0" anchor="ctr"/>
+              <a:lstStyle/>
+              <a:p>
+                <a:pPr algn="ctr"/>
+                <a:endParaRPr lang="ko-KR" altLang="en-US" dirty="0">
                   <a:solidFill>
                     <a:schemeClr val="tx1"/>
                   </a:solidFill>
-                </a:rPr>
-                <a:t>슬라이딩</a:t>
-              </a:r>
-              <a:endParaRPr lang="en-US" altLang="ko-KR" sz="1000" dirty="0">
+                  <a:latin typeface="메이플스토리 OTF" panose="02000300000000000000" pitchFamily="50" charset="-127"/>
+                  <a:ea typeface="메이플스토리 OTF" panose="02000300000000000000" pitchFamily="50" charset="-127"/>
+                </a:endParaRPr>
+              </a:p>
+            </p:txBody>
+          </p:sp>
+          <p:pic>
+            <p:nvPicPr>
+              <p:cNvPr id="5" name="그림 4">
+                <a:extLst>
+                  <a:ext uri="{FF2B5EF4-FFF2-40B4-BE49-F238E27FC236}">
+                    <a16:creationId xmlns:a16="http://schemas.microsoft.com/office/drawing/2014/main" id="{A7A908F9-AA9D-2281-B265-8C8C7855BE88}"/>
+                  </a:ext>
+                </a:extLst>
+              </p:cNvPr>
+              <p:cNvPicPr>
+                <a:picLocks noChangeAspect="1"/>
+              </p:cNvPicPr>
+              <p:nvPr/>
+            </p:nvPicPr>
+            <p:blipFill>
+              <a:blip r:embed="rId9">
+                <a:extLst>
+                  <a:ext uri="{28A0092B-C50C-407E-A947-70E740481C1C}">
+                    <a14:useLocalDpi xmlns:a14="http://schemas.microsoft.com/office/drawing/2010/main" val="0"/>
+                  </a:ext>
+                </a:extLst>
+              </a:blip>
+              <a:stretch>
+                <a:fillRect/>
+              </a:stretch>
+            </p:blipFill>
+            <p:spPr>
+              <a:xfrm>
+                <a:off x="4110240" y="6009187"/>
+                <a:ext cx="190500" cy="266700"/>
+              </a:xfrm>
+              <a:prstGeom prst="rect">
+                <a:avLst/>
+              </a:prstGeom>
+            </p:spPr>
+          </p:pic>
+        </p:grpSp>
+        <p:grpSp>
+          <p:nvGrpSpPr>
+            <p:cNvPr id="12" name="그룹 11">
+              <a:extLst>
+                <a:ext uri="{FF2B5EF4-FFF2-40B4-BE49-F238E27FC236}">
+                  <a16:creationId xmlns:a16="http://schemas.microsoft.com/office/drawing/2014/main" id="{8F8C27B4-0E14-1868-5452-ED9CA624870A}"/>
+                </a:ext>
+              </a:extLst>
+            </p:cNvPr>
+            <p:cNvGrpSpPr/>
+            <p:nvPr/>
+          </p:nvGrpSpPr>
+          <p:grpSpPr>
+            <a:xfrm rot="10800000">
+              <a:off x="6417128" y="5642999"/>
+              <a:ext cx="571998" cy="359589"/>
+              <a:chOff x="3919491" y="5962743"/>
+              <a:chExt cx="571998" cy="359589"/>
+            </a:xfrm>
+          </p:grpSpPr>
+          <p:sp>
+            <p:nvSpPr>
+              <p:cNvPr id="15" name="사각형: 둥근 모서리 14">
+                <a:extLst>
+                  <a:ext uri="{FF2B5EF4-FFF2-40B4-BE49-F238E27FC236}">
+                    <a16:creationId xmlns:a16="http://schemas.microsoft.com/office/drawing/2014/main" id="{FF8DC47A-3FA1-FF4D-F95E-BDD4BF391396}"/>
+                  </a:ext>
+                </a:extLst>
+              </p:cNvPr>
+              <p:cNvSpPr/>
+              <p:nvPr/>
+            </p:nvSpPr>
+            <p:spPr>
+              <a:xfrm>
+                <a:off x="3919491" y="5962743"/>
+                <a:ext cx="571998" cy="359589"/>
+              </a:xfrm>
+              <a:prstGeom prst="roundRect">
+                <a:avLst>
+                  <a:gd name="adj" fmla="val 50000"/>
+                </a:avLst>
+              </a:prstGeom>
+              <a:solidFill>
+                <a:schemeClr val="accent1">
+                  <a:lumMod val="60000"/>
+                  <a:lumOff val="40000"/>
+                </a:schemeClr>
+              </a:solidFill>
+              <a:ln>
                 <a:solidFill>
-                  <a:schemeClr val="tx1"/>
+                  <a:srgbClr val="0070C0"/>
                 </a:solidFill>
-              </a:endParaRPr>
-            </a:p>
-            <a:p>
-              <a:pPr algn="ctr"/>
-              <a:r>
-                <a:rPr lang="ko-KR" altLang="en-US" sz="1000" dirty="0">
+              </a:ln>
+            </p:spPr>
+            <p:style>
+              <a:lnRef idx="2">
+                <a:schemeClr val="accent1">
+                  <a:shade val="15000"/>
+                </a:schemeClr>
+              </a:lnRef>
+              <a:fillRef idx="1">
+                <a:schemeClr val="accent1"/>
+              </a:fillRef>
+              <a:effectRef idx="0">
+                <a:schemeClr val="accent1"/>
+              </a:effectRef>
+              <a:fontRef idx="minor">
+                <a:schemeClr val="lt1"/>
+              </a:fontRef>
+            </p:style>
+            <p:txBody>
+              <a:bodyPr rtlCol="0" anchor="ctr"/>
+              <a:lstStyle/>
+              <a:p>
+                <a:pPr algn="ctr"/>
+                <a:endParaRPr lang="ko-KR" altLang="en-US" dirty="0">
                   <a:solidFill>
                     <a:schemeClr val="tx1"/>
                   </a:solidFill>
-                </a:rPr>
-                <a:t>조작 </a:t>
-              </a:r>
-              <a:r>
-                <a:rPr lang="en-US" altLang="ko-KR" sz="1000" dirty="0">
-                  <a:solidFill>
-                    <a:schemeClr val="tx1"/>
-                  </a:solidFill>
-                </a:rPr>
-                <a:t>: S</a:t>
-              </a:r>
-              <a:endParaRPr lang="ko-KR" altLang="en-US" sz="1000" dirty="0">
-                <a:solidFill>
-                  <a:schemeClr val="tx1"/>
-                </a:solidFill>
-              </a:endParaRPr>
-            </a:p>
-          </p:txBody>
-        </p:sp>
+                  <a:latin typeface="메이플스토리 OTF" panose="02000300000000000000" pitchFamily="50" charset="-127"/>
+                  <a:ea typeface="메이플스토리 OTF" panose="02000300000000000000" pitchFamily="50" charset="-127"/>
+                </a:endParaRPr>
+              </a:p>
+            </p:txBody>
+          </p:sp>
+          <p:pic>
+            <p:nvPicPr>
+              <p:cNvPr id="17" name="그림 16">
+                <a:extLst>
+                  <a:ext uri="{FF2B5EF4-FFF2-40B4-BE49-F238E27FC236}">
+                    <a16:creationId xmlns:a16="http://schemas.microsoft.com/office/drawing/2014/main" id="{02A03ED6-C27B-235A-F5FE-31FA73B08F4D}"/>
+                  </a:ext>
+                </a:extLst>
+              </p:cNvPr>
+              <p:cNvPicPr>
+                <a:picLocks noChangeAspect="1"/>
+              </p:cNvPicPr>
+              <p:nvPr/>
+            </p:nvPicPr>
+            <p:blipFill>
+              <a:blip r:embed="rId9">
+                <a:extLst>
+                  <a:ext uri="{28A0092B-C50C-407E-A947-70E740481C1C}">
+                    <a14:useLocalDpi xmlns:a14="http://schemas.microsoft.com/office/drawing/2010/main" val="0"/>
+                  </a:ext>
+                </a:extLst>
+              </a:blip>
+              <a:stretch>
+                <a:fillRect/>
+              </a:stretch>
+            </p:blipFill>
+            <p:spPr>
+              <a:xfrm>
+                <a:off x="4110240" y="6009187"/>
+                <a:ext cx="190500" cy="266700"/>
+              </a:xfrm>
+              <a:prstGeom prst="rect">
+                <a:avLst/>
+              </a:prstGeom>
+            </p:spPr>
+          </p:pic>
+        </p:grpSp>
       </p:grpSp>
-      <p:sp>
-        <p:nvSpPr>
-          <p:cNvPr id="48" name="사각형: 둥근 모서리 47">
-            <a:extLst>
-              <a:ext uri="{FF2B5EF4-FFF2-40B4-BE49-F238E27FC236}">
-                <a16:creationId xmlns:a16="http://schemas.microsoft.com/office/drawing/2014/main" id="{B76FB605-9B2F-D926-E0CB-B25337B12CE0}"/>
-              </a:ext>
-            </a:extLst>
-          </p:cNvPr>
-          <p:cNvSpPr/>
-          <p:nvPr/>
-        </p:nvSpPr>
-        <p:spPr>
-          <a:xfrm>
-            <a:off x="4904034" y="5614794"/>
-            <a:ext cx="2131431" cy="416001"/>
-          </a:xfrm>
-          <a:prstGeom prst="roundRect">
-            <a:avLst>
-              <a:gd name="adj" fmla="val 50000"/>
-            </a:avLst>
-          </a:prstGeom>
-          <a:solidFill>
-            <a:schemeClr val="accent4">
-              <a:lumMod val="40000"/>
-              <a:lumOff val="60000"/>
-            </a:schemeClr>
-          </a:solidFill>
-        </p:spPr>
-        <p:style>
-          <a:lnRef idx="2">
-            <a:schemeClr val="accent1">
-              <a:shade val="15000"/>
-            </a:schemeClr>
-          </a:lnRef>
-          <a:fillRef idx="1">
-            <a:schemeClr val="accent1"/>
-          </a:fillRef>
-          <a:effectRef idx="0">
-            <a:schemeClr val="accent1"/>
-          </a:effectRef>
-          <a:fontRef idx="minor">
-            <a:schemeClr val="lt1"/>
-          </a:fontRef>
-        </p:style>
-        <p:txBody>
-          <a:bodyPr rtlCol="0" anchor="ctr"/>
-          <a:lstStyle/>
-          <a:p>
-            <a:pPr algn="ctr"/>
-            <a:r>
-              <a:rPr lang="en-US" altLang="ko-KR" dirty="0">
-                <a:solidFill>
-                  <a:schemeClr val="tx1"/>
-                </a:solidFill>
-              </a:rPr>
-              <a:t>1/3</a:t>
-            </a:r>
-            <a:endParaRPr lang="ko-KR" altLang="en-US" dirty="0">
-              <a:solidFill>
-                <a:schemeClr val="tx1"/>
-              </a:solidFill>
-            </a:endParaRPr>
-          </a:p>
-        </p:txBody>
-      </p:sp>
-      <p:grpSp>
-        <p:nvGrpSpPr>
-          <p:cNvPr id="52" name="그룹 51">
-            <a:extLst>
-              <a:ext uri="{FF2B5EF4-FFF2-40B4-BE49-F238E27FC236}">
-                <a16:creationId xmlns:a16="http://schemas.microsoft.com/office/drawing/2014/main" id="{635A0759-C16F-D108-06EE-2B4819BCC760}"/>
-              </a:ext>
-            </a:extLst>
-          </p:cNvPr>
-          <p:cNvGrpSpPr/>
-          <p:nvPr/>
-        </p:nvGrpSpPr>
-        <p:grpSpPr>
-          <a:xfrm>
-            <a:off x="4934280" y="5646338"/>
-            <a:ext cx="571998" cy="360000"/>
-            <a:chOff x="5007167" y="6242686"/>
-            <a:chExt cx="571998" cy="360000"/>
-          </a:xfrm>
-        </p:grpSpPr>
-        <p:sp>
-          <p:nvSpPr>
-            <p:cNvPr id="49" name="사각형: 둥근 모서리 48">
-              <a:extLst>
-                <a:ext uri="{FF2B5EF4-FFF2-40B4-BE49-F238E27FC236}">
-                  <a16:creationId xmlns:a16="http://schemas.microsoft.com/office/drawing/2014/main" id="{469290B7-194E-3124-B5A4-D722CFD58FA3}"/>
-                </a:ext>
-              </a:extLst>
-            </p:cNvPr>
-            <p:cNvSpPr/>
-            <p:nvPr/>
-          </p:nvSpPr>
-          <p:spPr>
-            <a:xfrm>
-              <a:off x="5007167" y="6242892"/>
-              <a:ext cx="571998" cy="359589"/>
-            </a:xfrm>
-            <a:prstGeom prst="roundRect">
-              <a:avLst>
-                <a:gd name="adj" fmla="val 50000"/>
-              </a:avLst>
-            </a:prstGeom>
-            <a:solidFill>
-              <a:schemeClr val="accent1">
-                <a:lumMod val="60000"/>
-                <a:lumOff val="40000"/>
-              </a:schemeClr>
-            </a:solidFill>
-            <a:ln>
-              <a:solidFill>
-                <a:srgbClr val="0070C0"/>
-              </a:solidFill>
-            </a:ln>
-          </p:spPr>
-          <p:style>
-            <a:lnRef idx="2">
-              <a:schemeClr val="accent1">
-                <a:shade val="15000"/>
-              </a:schemeClr>
-            </a:lnRef>
-            <a:fillRef idx="1">
-              <a:schemeClr val="accent1"/>
-            </a:fillRef>
-            <a:effectRef idx="0">
-              <a:schemeClr val="accent1"/>
-            </a:effectRef>
-            <a:fontRef idx="minor">
-              <a:schemeClr val="lt1"/>
-            </a:fontRef>
-          </p:style>
-          <p:txBody>
-            <a:bodyPr rtlCol="0" anchor="ctr"/>
-            <a:lstStyle/>
-            <a:p>
-              <a:pPr algn="ctr"/>
-              <a:endParaRPr lang="ko-KR" altLang="en-US" dirty="0">
-                <a:solidFill>
-                  <a:schemeClr val="tx1"/>
-                </a:solidFill>
-              </a:endParaRPr>
-            </a:p>
-          </p:txBody>
-        </p:sp>
-        <p:pic>
-          <p:nvPicPr>
-            <p:cNvPr id="51" name="그래픽 50" descr="왼쪽 캐럿 단색으로 채워진">
-              <a:extLst>
-                <a:ext uri="{FF2B5EF4-FFF2-40B4-BE49-F238E27FC236}">
-                  <a16:creationId xmlns:a16="http://schemas.microsoft.com/office/drawing/2014/main" id="{27603EB5-9D83-316E-D3D3-B36242FC0276}"/>
-                </a:ext>
-              </a:extLst>
-            </p:cNvPr>
-            <p:cNvPicPr>
-              <a:picLocks noChangeAspect="1"/>
-            </p:cNvPicPr>
-            <p:nvPr/>
-          </p:nvPicPr>
-          <p:blipFill>
-            <a:blip r:embed="rId7">
-              <a:extLst>
-                <a:ext uri="{96DAC541-7B7A-43D3-8B79-37D633B846F1}">
-                  <asvg:svgBlip xmlns:asvg="http://schemas.microsoft.com/office/drawing/2016/SVG/main" r:embed="rId8"/>
-                </a:ext>
-              </a:extLst>
-            </a:blip>
-            <a:stretch>
-              <a:fillRect/>
-            </a:stretch>
-          </p:blipFill>
-          <p:spPr>
-            <a:xfrm>
-              <a:off x="5113166" y="6242686"/>
-              <a:ext cx="360000" cy="360000"/>
-            </a:xfrm>
-            <a:prstGeom prst="rect">
-              <a:avLst/>
-            </a:prstGeom>
-          </p:spPr>
-        </p:pic>
-      </p:grpSp>
-      <p:grpSp>
-        <p:nvGrpSpPr>
-          <p:cNvPr id="53" name="그룹 52">
-            <a:extLst>
-              <a:ext uri="{FF2B5EF4-FFF2-40B4-BE49-F238E27FC236}">
-                <a16:creationId xmlns:a16="http://schemas.microsoft.com/office/drawing/2014/main" id="{583F49EC-765A-8AE1-5513-54CAD6874234}"/>
-              </a:ext>
-            </a:extLst>
-          </p:cNvPr>
-          <p:cNvGrpSpPr/>
-          <p:nvPr/>
-        </p:nvGrpSpPr>
-        <p:grpSpPr>
-          <a:xfrm rot="10800000">
-            <a:off x="6418926" y="5646338"/>
-            <a:ext cx="571998" cy="360000"/>
-            <a:chOff x="5007167" y="6242686"/>
-            <a:chExt cx="571998" cy="360000"/>
-          </a:xfrm>
-        </p:grpSpPr>
-        <p:sp>
-          <p:nvSpPr>
-            <p:cNvPr id="54" name="사각형: 둥근 모서리 53">
-              <a:extLst>
-                <a:ext uri="{FF2B5EF4-FFF2-40B4-BE49-F238E27FC236}">
-                  <a16:creationId xmlns:a16="http://schemas.microsoft.com/office/drawing/2014/main" id="{645CA155-818B-B098-B6C8-566D77E7DDFA}"/>
-                </a:ext>
-              </a:extLst>
-            </p:cNvPr>
-            <p:cNvSpPr/>
-            <p:nvPr/>
-          </p:nvSpPr>
-          <p:spPr>
-            <a:xfrm>
-              <a:off x="5007167" y="6242892"/>
-              <a:ext cx="571998" cy="359589"/>
-            </a:xfrm>
-            <a:prstGeom prst="roundRect">
-              <a:avLst>
-                <a:gd name="adj" fmla="val 50000"/>
-              </a:avLst>
-            </a:prstGeom>
-            <a:solidFill>
-              <a:schemeClr val="accent1">
-                <a:lumMod val="60000"/>
-                <a:lumOff val="40000"/>
-              </a:schemeClr>
-            </a:solidFill>
-            <a:ln>
-              <a:solidFill>
-                <a:srgbClr val="0070C0"/>
-              </a:solidFill>
-            </a:ln>
-          </p:spPr>
-          <p:style>
-            <a:lnRef idx="2">
-              <a:schemeClr val="accent1">
-                <a:shade val="15000"/>
-              </a:schemeClr>
-            </a:lnRef>
-            <a:fillRef idx="1">
-              <a:schemeClr val="accent1"/>
-            </a:fillRef>
-            <a:effectRef idx="0">
-              <a:schemeClr val="accent1"/>
-            </a:effectRef>
-            <a:fontRef idx="minor">
-              <a:schemeClr val="lt1"/>
-            </a:fontRef>
-          </p:style>
-          <p:txBody>
-            <a:bodyPr rtlCol="0" anchor="ctr"/>
-            <a:lstStyle/>
-            <a:p>
-              <a:pPr algn="ctr"/>
-              <a:endParaRPr lang="ko-KR" altLang="en-US" dirty="0">
-                <a:solidFill>
-                  <a:schemeClr val="tx1"/>
-                </a:solidFill>
-              </a:endParaRPr>
-            </a:p>
-          </p:txBody>
-        </p:sp>
-        <p:pic>
-          <p:nvPicPr>
-            <p:cNvPr id="55" name="그래픽 54" descr="왼쪽 캐럿 단색으로 채워진">
-              <a:extLst>
-                <a:ext uri="{FF2B5EF4-FFF2-40B4-BE49-F238E27FC236}">
-                  <a16:creationId xmlns:a16="http://schemas.microsoft.com/office/drawing/2014/main" id="{9A9E0521-B873-C9D7-4E20-1EE476A106DB}"/>
-                </a:ext>
-              </a:extLst>
-            </p:cNvPr>
-            <p:cNvPicPr>
-              <a:picLocks noChangeAspect="1"/>
-            </p:cNvPicPr>
-            <p:nvPr/>
-          </p:nvPicPr>
-          <p:blipFill>
-            <a:blip r:embed="rId7">
-              <a:extLst>
-                <a:ext uri="{96DAC541-7B7A-43D3-8B79-37D633B846F1}">
-                  <asvg:svgBlip xmlns:asvg="http://schemas.microsoft.com/office/drawing/2016/SVG/main" r:embed="rId8"/>
-                </a:ext>
-              </a:extLst>
-            </a:blip>
-            <a:stretch>
-              <a:fillRect/>
-            </a:stretch>
-          </p:blipFill>
-          <p:spPr>
-            <a:xfrm>
-              <a:off x="5113166" y="6242686"/>
-              <a:ext cx="360000" cy="360000"/>
-            </a:xfrm>
-            <a:prstGeom prst="rect">
-              <a:avLst/>
-            </a:prstGeom>
-          </p:spPr>
-        </p:pic>
-      </p:grpSp>
-      <p:sp>
-        <p:nvSpPr>
-          <p:cNvPr id="57" name="TextBox 56">
-            <a:extLst>
-              <a:ext uri="{FF2B5EF4-FFF2-40B4-BE49-F238E27FC236}">
-                <a16:creationId xmlns:a16="http://schemas.microsoft.com/office/drawing/2014/main" id="{2E6AE21B-FE9C-FED4-16B7-A09D688DA672}"/>
-              </a:ext>
-            </a:extLst>
-          </p:cNvPr>
-          <p:cNvSpPr txBox="1"/>
-          <p:nvPr/>
-        </p:nvSpPr>
-        <p:spPr>
-          <a:xfrm>
-            <a:off x="5333335" y="721521"/>
-            <a:ext cx="1107997" cy="461665"/>
-          </a:xfrm>
-          <a:prstGeom prst="rect">
-            <a:avLst/>
-          </a:prstGeom>
-          <a:noFill/>
-        </p:spPr>
-        <p:txBody>
-          <a:bodyPr wrap="none" rtlCol="0">
-            <a:spAutoFit/>
-          </a:bodyPr>
-          <a:lstStyle/>
-          <a:p>
-            <a:pPr algn="ctr"/>
-            <a:r>
-              <a:rPr lang="ko-KR" altLang="en-US" sz="2400" b="1">
-                <a:solidFill>
-                  <a:schemeClr val="bg1"/>
-                </a:solidFill>
-              </a:rPr>
-              <a:t>조작법</a:t>
-            </a:r>
-            <a:endParaRPr lang="ko-KR" altLang="en-US" sz="2400" b="1" dirty="0">
-              <a:solidFill>
-                <a:schemeClr val="bg1"/>
-              </a:solidFill>
-            </a:endParaRPr>
-          </a:p>
-        </p:txBody>
-      </p:sp>
-      <p:sp>
-        <p:nvSpPr>
-          <p:cNvPr id="58" name="TextBox 57">
-            <a:extLst>
-              <a:ext uri="{FF2B5EF4-FFF2-40B4-BE49-F238E27FC236}">
-                <a16:creationId xmlns:a16="http://schemas.microsoft.com/office/drawing/2014/main" id="{44B6F91B-8295-895E-CEC2-BC2EF87E3D2D}"/>
-              </a:ext>
-            </a:extLst>
-          </p:cNvPr>
-          <p:cNvSpPr txBox="1"/>
-          <p:nvPr/>
-        </p:nvSpPr>
-        <p:spPr>
-          <a:xfrm>
-            <a:off x="2949996" y="4487541"/>
-            <a:ext cx="4193777" cy="333617"/>
-          </a:xfrm>
-          <a:prstGeom prst="rect">
-            <a:avLst/>
-          </a:prstGeom>
-          <a:noFill/>
-        </p:spPr>
-        <p:txBody>
-          <a:bodyPr wrap="none" rtlCol="0">
-            <a:spAutoFit/>
-          </a:bodyPr>
-          <a:lstStyle/>
-          <a:p>
-            <a:pPr>
-              <a:lnSpc>
-                <a:spcPct val="150000"/>
-              </a:lnSpc>
-            </a:pPr>
-            <a:r>
-              <a:rPr lang="en-US" altLang="ko-KR" sz="1200" dirty="0">
-                <a:solidFill>
-                  <a:schemeClr val="bg1"/>
-                </a:solidFill>
-              </a:rPr>
-              <a:t>W(</a:t>
-            </a:r>
-            <a:r>
-              <a:rPr lang="ko-KR" altLang="en-US" sz="1200" dirty="0">
-                <a:solidFill>
-                  <a:schemeClr val="bg1"/>
-                </a:solidFill>
-              </a:rPr>
-              <a:t>점프</a:t>
-            </a:r>
-            <a:r>
-              <a:rPr lang="en-US" altLang="ko-KR" sz="1200" dirty="0">
-                <a:solidFill>
-                  <a:schemeClr val="bg1"/>
-                </a:solidFill>
-              </a:rPr>
-              <a:t>)</a:t>
-            </a:r>
-            <a:r>
-              <a:rPr lang="ko-KR" altLang="en-US" sz="1200" dirty="0">
-                <a:solidFill>
-                  <a:schemeClr val="bg1"/>
-                </a:solidFill>
-              </a:rPr>
-              <a:t>와 </a:t>
-            </a:r>
-            <a:r>
-              <a:rPr lang="en-US" altLang="ko-KR" sz="1200" dirty="0">
-                <a:solidFill>
-                  <a:schemeClr val="bg1"/>
-                </a:solidFill>
-              </a:rPr>
-              <a:t>S(</a:t>
-            </a:r>
-            <a:r>
-              <a:rPr lang="ko-KR" altLang="en-US" sz="1200" dirty="0">
-                <a:solidFill>
-                  <a:schemeClr val="bg1"/>
-                </a:solidFill>
-              </a:rPr>
-              <a:t>슬라이딩</a:t>
-            </a:r>
-            <a:r>
-              <a:rPr lang="en-US" altLang="ko-KR" sz="1200" dirty="0">
-                <a:solidFill>
-                  <a:schemeClr val="bg1"/>
-                </a:solidFill>
-              </a:rPr>
-              <a:t>)</a:t>
-            </a:r>
-            <a:r>
-              <a:rPr lang="ko-KR" altLang="en-US" sz="1200" dirty="0">
-                <a:solidFill>
-                  <a:schemeClr val="bg1"/>
-                </a:solidFill>
-              </a:rPr>
-              <a:t>을 통해 장애물을 피할 수 있습니다</a:t>
-            </a:r>
-            <a:r>
-              <a:rPr lang="en-US" altLang="ko-KR" sz="1200" dirty="0">
-                <a:solidFill>
-                  <a:schemeClr val="bg1"/>
-                </a:solidFill>
-              </a:rPr>
-              <a:t>.</a:t>
-            </a:r>
-            <a:endParaRPr lang="ko-KR" altLang="en-US" sz="1200" dirty="0">
-              <a:solidFill>
-                <a:schemeClr val="bg1"/>
-              </a:solidFill>
-            </a:endParaRPr>
-          </a:p>
-        </p:txBody>
-      </p:sp>
     </p:spTree>
     <p:extLst>
       <p:ext uri="{BB962C8B-B14F-4D97-AF65-F5344CB8AC3E}">
@@ -38820,10 +38976,10 @@
       </p:grpSpPr>
       <p:sp>
         <p:nvSpPr>
-          <p:cNvPr id="56" name="사각형: 둥근 모서리 55">
+          <p:cNvPr id="7" name="사각형: 둥근 모서리 6">
             <a:extLst>
               <a:ext uri="{FF2B5EF4-FFF2-40B4-BE49-F238E27FC236}">
-                <a16:creationId xmlns:a16="http://schemas.microsoft.com/office/drawing/2014/main" id="{6119635A-2DFF-2DEC-7E93-958667EF102F}"/>
+                <a16:creationId xmlns:a16="http://schemas.microsoft.com/office/drawing/2014/main" id="{FDD6B4CC-7954-E856-3A5B-6A14F25EB58C}"/>
               </a:ext>
             </a:extLst>
           </p:cNvPr>
@@ -38837,14 +38993,11 @@
           </a:xfrm>
           <a:prstGeom prst="roundRect">
             <a:avLst>
-              <a:gd name="adj" fmla="val 3230"/>
+              <a:gd name="adj" fmla="val 1034"/>
             </a:avLst>
           </a:prstGeom>
           <a:solidFill>
-            <a:schemeClr val="tx2">
-              <a:lumMod val="75000"/>
-              <a:lumOff val="25000"/>
-            </a:schemeClr>
+            <a:srgbClr val="002467"/>
           </a:solidFill>
         </p:spPr>
         <p:style>
@@ -38868,136 +39021,151 @@
           <a:lstStyle/>
           <a:p>
             <a:pPr algn="ctr"/>
-            <a:endParaRPr lang="ko-KR" altLang="en-US" dirty="0"/>
+            <a:endParaRPr lang="ko-KR" altLang="en-US">
+              <a:latin typeface="메이플스토리 OTF" panose="02000300000000000000" pitchFamily="50" charset="-127"/>
+              <a:ea typeface="메이플스토리 OTF" panose="02000300000000000000" pitchFamily="50" charset="-127"/>
+            </a:endParaRPr>
           </a:p>
         </p:txBody>
       </p:sp>
       <p:sp>
         <p:nvSpPr>
-          <p:cNvPr id="37" name="사각형: 둥근 모서리 36">
+          <p:cNvPr id="57" name="TextBox 56">
             <a:extLst>
               <a:ext uri="{FF2B5EF4-FFF2-40B4-BE49-F238E27FC236}">
-                <a16:creationId xmlns:a16="http://schemas.microsoft.com/office/drawing/2014/main" id="{24E7CCD6-0BD1-4A02-5984-77D8040AA4E8}"/>
+                <a16:creationId xmlns:a16="http://schemas.microsoft.com/office/drawing/2014/main" id="{ED4983E7-2E37-85D4-381E-5F21D62B6E09}"/>
               </a:ext>
             </a:extLst>
           </p:cNvPr>
-          <p:cNvSpPr/>
+          <p:cNvSpPr txBox="1"/>
           <p:nvPr/>
         </p:nvSpPr>
         <p:spPr>
           <a:xfrm>
-            <a:off x="2928729" y="1171280"/>
-            <a:ext cx="6115879" cy="3223304"/>
+            <a:off x="5630597" y="721521"/>
+            <a:ext cx="692817" cy="461665"/>
           </a:xfrm>
-          <a:prstGeom prst="roundRect">
-            <a:avLst>
-              <a:gd name="adj" fmla="val 2100"/>
-            </a:avLst>
+          <a:prstGeom prst="rect">
+            <a:avLst/>
           </a:prstGeom>
-          <a:solidFill>
-            <a:schemeClr val="tx2">
-              <a:lumMod val="25000"/>
-              <a:lumOff val="75000"/>
-            </a:schemeClr>
-          </a:solidFill>
+          <a:noFill/>
         </p:spPr>
-        <p:style>
-          <a:lnRef idx="2">
-            <a:schemeClr val="accent1">
-              <a:shade val="15000"/>
-            </a:schemeClr>
-          </a:lnRef>
-          <a:fillRef idx="1">
-            <a:schemeClr val="accent1"/>
-          </a:fillRef>
-          <a:effectRef idx="0">
-            <a:schemeClr val="accent1"/>
-          </a:effectRef>
-          <a:fontRef idx="minor">
-            <a:schemeClr val="lt1"/>
-          </a:fontRef>
-        </p:style>
         <p:txBody>
-          <a:bodyPr rtlCol="0" anchor="ctr"/>
+          <a:bodyPr wrap="none" rtlCol="0">
+            <a:spAutoFit/>
+          </a:bodyPr>
           <a:lstStyle/>
           <a:p>
             <a:pPr algn="ctr"/>
-            <a:endParaRPr lang="ko-KR" altLang="en-US"/>
+            <a:r>
+              <a:rPr lang="ko-KR" altLang="en-US" sz="2400" b="1" dirty="0">
+                <a:solidFill>
+                  <a:schemeClr val="bg1"/>
+                </a:solidFill>
+                <a:latin typeface="메이플스토리 OTF" panose="02000300000000000000" pitchFamily="50" charset="-127"/>
+                <a:ea typeface="메이플스토리 OTF" panose="02000300000000000000" pitchFamily="50" charset="-127"/>
+              </a:rPr>
+              <a:t>점수</a:t>
+            </a:r>
           </a:p>
         </p:txBody>
       </p:sp>
       <p:sp>
         <p:nvSpPr>
-          <p:cNvPr id="48" name="사각형: 둥근 모서리 47">
+          <p:cNvPr id="58" name="TextBox 57">
             <a:extLst>
               <a:ext uri="{FF2B5EF4-FFF2-40B4-BE49-F238E27FC236}">
-                <a16:creationId xmlns:a16="http://schemas.microsoft.com/office/drawing/2014/main" id="{0B61FBA5-4EF3-2ECA-4389-72BA4CC77CFF}"/>
+                <a16:creationId xmlns:a16="http://schemas.microsoft.com/office/drawing/2014/main" id="{C972FA9A-AA6A-960B-B5D4-26ADB736E409}"/>
               </a:ext>
             </a:extLst>
           </p:cNvPr>
-          <p:cNvSpPr/>
+          <p:cNvSpPr txBox="1"/>
           <p:nvPr/>
         </p:nvSpPr>
         <p:spPr>
           <a:xfrm>
-            <a:off x="4904034" y="5614794"/>
-            <a:ext cx="2131431" cy="416001"/>
+            <a:off x="2900905" y="4487541"/>
+            <a:ext cx="4253087" cy="620939"/>
           </a:xfrm>
-          <a:prstGeom prst="roundRect">
-            <a:avLst>
-              <a:gd name="adj" fmla="val 50000"/>
-            </a:avLst>
+          <a:prstGeom prst="rect">
+            <a:avLst/>
           </a:prstGeom>
-          <a:solidFill>
-            <a:schemeClr val="accent4">
-              <a:lumMod val="40000"/>
-              <a:lumOff val="60000"/>
-            </a:schemeClr>
-          </a:solidFill>
+          <a:noFill/>
         </p:spPr>
-        <p:style>
-          <a:lnRef idx="2">
-            <a:schemeClr val="accent1">
-              <a:shade val="15000"/>
-            </a:schemeClr>
-          </a:lnRef>
-          <a:fillRef idx="1">
-            <a:schemeClr val="accent1"/>
-          </a:fillRef>
-          <a:effectRef idx="0">
-            <a:schemeClr val="accent1"/>
-          </a:effectRef>
-          <a:fontRef idx="minor">
-            <a:schemeClr val="lt1"/>
-          </a:fontRef>
-        </p:style>
         <p:txBody>
-          <a:bodyPr rtlCol="0" anchor="ctr"/>
+          <a:bodyPr wrap="none" rtlCol="0">
+            <a:spAutoFit/>
+          </a:bodyPr>
           <a:lstStyle/>
           <a:p>
-            <a:pPr algn="ctr"/>
+            <a:pPr>
+              <a:lnSpc>
+                <a:spcPct val="150000"/>
+              </a:lnSpc>
+            </a:pPr>
             <a:r>
-              <a:rPr lang="en-US" altLang="ko-KR" dirty="0">
+              <a:rPr lang="ko-KR" altLang="en-US" sz="1200" dirty="0">
                 <a:solidFill>
-                  <a:schemeClr val="tx1"/>
+                  <a:schemeClr val="bg1"/>
                 </a:solidFill>
+                <a:latin typeface="메이플스토리 OTF" panose="02000300000000000000" pitchFamily="50" charset="-127"/>
+                <a:ea typeface="메이플스토리 OTF" panose="02000300000000000000" pitchFamily="50" charset="-127"/>
               </a:rPr>
-              <a:t>2/3</a:t>
+              <a:t>조작을 통해 장애물을 피하게 되면 점수가 오르게 됩니다</a:t>
             </a:r>
-            <a:endParaRPr lang="ko-KR" altLang="en-US" dirty="0">
+            <a:r>
+              <a:rPr lang="en-US" altLang="ko-KR" sz="1200" dirty="0">
+                <a:solidFill>
+                  <a:schemeClr val="bg1"/>
+                </a:solidFill>
+                <a:latin typeface="메이플스토리 OTF" panose="02000300000000000000" pitchFamily="50" charset="-127"/>
+                <a:ea typeface="메이플스토리 OTF" panose="02000300000000000000" pitchFamily="50" charset="-127"/>
+              </a:rPr>
+              <a:t>.</a:t>
+            </a:r>
+          </a:p>
+          <a:p>
+            <a:pPr>
+              <a:lnSpc>
+                <a:spcPct val="150000"/>
+              </a:lnSpc>
+            </a:pPr>
+            <a:r>
+              <a:rPr lang="ko-KR" altLang="en-US" sz="1200" dirty="0">
+                <a:solidFill>
+                  <a:schemeClr val="bg1"/>
+                </a:solidFill>
+                <a:latin typeface="메이플스토리 OTF" panose="02000300000000000000" pitchFamily="50" charset="-127"/>
+                <a:ea typeface="메이플스토리 OTF" panose="02000300000000000000" pitchFamily="50" charset="-127"/>
+              </a:rPr>
+              <a:t>장애물을 연속으로 피하면 피할 수 록 게임의 속도가 점점 빨라집니다</a:t>
+            </a:r>
+            <a:r>
+              <a:rPr lang="en-US" altLang="ko-KR" sz="1200" dirty="0">
+                <a:solidFill>
+                  <a:schemeClr val="bg1"/>
+                </a:solidFill>
+                <a:latin typeface="메이플스토리 OTF" panose="02000300000000000000" pitchFamily="50" charset="-127"/>
+                <a:ea typeface="메이플스토리 OTF" panose="02000300000000000000" pitchFamily="50" charset="-127"/>
+              </a:rPr>
+              <a:t>.</a:t>
+            </a:r>
+            <a:endParaRPr lang="ko-KR" altLang="en-US" sz="1200" dirty="0">
               <a:solidFill>
-                <a:schemeClr val="tx1"/>
+                <a:schemeClr val="bg1"/>
               </a:solidFill>
+              <a:latin typeface="메이플스토리 OTF" panose="02000300000000000000" pitchFamily="50" charset="-127"/>
+              <a:ea typeface="메이플스토리 OTF" panose="02000300000000000000" pitchFamily="50" charset="-127"/>
             </a:endParaRPr>
           </a:p>
         </p:txBody>
       </p:sp>
       <p:grpSp>
         <p:nvGrpSpPr>
-          <p:cNvPr id="52" name="그룹 51">
+          <p:cNvPr id="6" name="그룹 5">
             <a:extLst>
               <a:ext uri="{FF2B5EF4-FFF2-40B4-BE49-F238E27FC236}">
-                <a16:creationId xmlns:a16="http://schemas.microsoft.com/office/drawing/2014/main" id="{D89A4940-6968-69AA-2BBB-33370BF22838}"/>
+                <a16:creationId xmlns:a16="http://schemas.microsoft.com/office/drawing/2014/main" id="{84E309F4-5B7A-935A-9D76-C9E04500D38A}"/>
               </a:ext>
             </a:extLst>
           </p:cNvPr>
@@ -39006,18 +39174,558 @@
         </p:nvGrpSpPr>
         <p:grpSpPr>
           <a:xfrm>
-            <a:off x="4934280" y="5646338"/>
-            <a:ext cx="571998" cy="360000"/>
-            <a:chOff x="5007167" y="6242686"/>
-            <a:chExt cx="571998" cy="360000"/>
+            <a:off x="2900905" y="1193005"/>
+            <a:ext cx="6152201" cy="3223304"/>
+            <a:chOff x="2910567" y="1224811"/>
+            <a:chExt cx="6152201" cy="3223304"/>
+          </a:xfrm>
+        </p:grpSpPr>
+        <p:pic>
+          <p:nvPicPr>
+            <p:cNvPr id="5" name="그림 4" descr="스크린샷, 직사각형, 사각형, 프레임이(가) 표시된 사진&#10;&#10;AI가 생성한 콘텐츠는 부정확할 수 있습니다.">
+              <a:extLst>
+                <a:ext uri="{FF2B5EF4-FFF2-40B4-BE49-F238E27FC236}">
+                  <a16:creationId xmlns:a16="http://schemas.microsoft.com/office/drawing/2014/main" id="{6BE9E2B3-C967-B847-517D-6146759FA699}"/>
+                </a:ext>
+              </a:extLst>
+            </p:cNvPr>
+            <p:cNvPicPr>
+              <a:picLocks noChangeAspect="1"/>
+            </p:cNvPicPr>
+            <p:nvPr/>
+          </p:nvPicPr>
+          <p:blipFill>
+            <a:blip r:embed="rId2">
+              <a:extLst>
+                <a:ext uri="{28A0092B-C50C-407E-A947-70E740481C1C}">
+                  <a14:useLocalDpi xmlns:a14="http://schemas.microsoft.com/office/drawing/2010/main" val="0"/>
+                </a:ext>
+              </a:extLst>
+            </a:blip>
+            <a:stretch>
+              <a:fillRect/>
+            </a:stretch>
+          </p:blipFill>
+          <p:spPr>
+            <a:xfrm>
+              <a:off x="2910567" y="1224811"/>
+              <a:ext cx="6152201" cy="3223304"/>
+            </a:xfrm>
+            <a:prstGeom prst="rect">
+              <a:avLst/>
+            </a:prstGeom>
+          </p:spPr>
+        </p:pic>
+        <p:grpSp>
+          <p:nvGrpSpPr>
+            <p:cNvPr id="4" name="그룹 3">
+              <a:extLst>
+                <a:ext uri="{FF2B5EF4-FFF2-40B4-BE49-F238E27FC236}">
+                  <a16:creationId xmlns:a16="http://schemas.microsoft.com/office/drawing/2014/main" id="{99E0B3F2-915C-63B8-3E2E-F9EA4D3D9B5F}"/>
+                </a:ext>
+              </a:extLst>
+            </p:cNvPr>
+            <p:cNvGrpSpPr/>
+            <p:nvPr/>
+          </p:nvGrpSpPr>
+          <p:grpSpPr>
+            <a:xfrm>
+              <a:off x="3620974" y="1484710"/>
+              <a:ext cx="4731386" cy="2703507"/>
+              <a:chOff x="3620975" y="1431179"/>
+              <a:chExt cx="4731386" cy="2703507"/>
+            </a:xfrm>
+          </p:grpSpPr>
+          <p:grpSp>
+            <p:nvGrpSpPr>
+              <p:cNvPr id="41" name="그룹 40">
+                <a:extLst>
+                  <a:ext uri="{FF2B5EF4-FFF2-40B4-BE49-F238E27FC236}">
+                    <a16:creationId xmlns:a16="http://schemas.microsoft.com/office/drawing/2014/main" id="{224745F1-BABB-7944-24C6-C5D858BE7B33}"/>
+                  </a:ext>
+                </a:extLst>
+              </p:cNvPr>
+              <p:cNvGrpSpPr/>
+              <p:nvPr/>
+            </p:nvGrpSpPr>
+            <p:grpSpPr>
+              <a:xfrm>
+                <a:off x="3620975" y="1431179"/>
+                <a:ext cx="4731386" cy="2703507"/>
+                <a:chOff x="2904695" y="1504492"/>
+                <a:chExt cx="6382609" cy="3647014"/>
+              </a:xfrm>
+            </p:grpSpPr>
+            <p:pic>
+              <p:nvPicPr>
+                <p:cNvPr id="20" name="그림 19" descr="일렉트릭 블루, 하늘빛, 하늘, 아쿠아이(가) 표시된 사진&#10;&#10;AI가 생성한 콘텐츠는 부정확할 수 있습니다.">
+                  <a:extLst>
+                    <a:ext uri="{FF2B5EF4-FFF2-40B4-BE49-F238E27FC236}">
+                      <a16:creationId xmlns:a16="http://schemas.microsoft.com/office/drawing/2014/main" id="{D528FB6A-F101-5716-B4BE-40090E0346A8}"/>
+                    </a:ext>
+                  </a:extLst>
+                </p:cNvPr>
+                <p:cNvPicPr>
+                  <a:picLocks noChangeAspect="1"/>
+                </p:cNvPicPr>
+                <p:nvPr/>
+              </p:nvPicPr>
+              <p:blipFill>
+                <a:blip r:embed="rId3">
+                  <a:extLst>
+                    <a:ext uri="{28A0092B-C50C-407E-A947-70E740481C1C}">
+                      <a14:useLocalDpi xmlns:a14="http://schemas.microsoft.com/office/drawing/2010/main" val="0"/>
+                    </a:ext>
+                  </a:extLst>
+                </a:blip>
+                <a:stretch>
+                  <a:fillRect/>
+                </a:stretch>
+              </p:blipFill>
+              <p:spPr>
+                <a:xfrm>
+                  <a:off x="2904695" y="1504492"/>
+                  <a:ext cx="6382609" cy="3647014"/>
+                </a:xfrm>
+                <a:prstGeom prst="rect">
+                  <a:avLst/>
+                </a:prstGeom>
+              </p:spPr>
+            </p:pic>
+            <p:pic>
+              <p:nvPicPr>
+                <p:cNvPr id="18" name="그림 17" descr="스크린샷, 라인, 평행이(가) 표시된 사진&#10;&#10;AI가 생성한 콘텐츠는 부정확할 수 있습니다.">
+                  <a:extLst>
+                    <a:ext uri="{FF2B5EF4-FFF2-40B4-BE49-F238E27FC236}">
+                      <a16:creationId xmlns:a16="http://schemas.microsoft.com/office/drawing/2014/main" id="{CBA22241-8B2E-63DB-9A60-02000AFD848B}"/>
+                    </a:ext>
+                  </a:extLst>
+                </p:cNvPr>
+                <p:cNvPicPr>
+                  <a:picLocks noChangeAspect="1"/>
+                </p:cNvPicPr>
+                <p:nvPr/>
+              </p:nvPicPr>
+              <p:blipFill>
+                <a:blip r:embed="rId4">
+                  <a:extLst>
+                    <a:ext uri="{28A0092B-C50C-407E-A947-70E740481C1C}">
+                      <a14:useLocalDpi xmlns:a14="http://schemas.microsoft.com/office/drawing/2010/main" val="0"/>
+                    </a:ext>
+                  </a:extLst>
+                </a:blip>
+                <a:stretch>
+                  <a:fillRect/>
+                </a:stretch>
+              </p:blipFill>
+              <p:spPr>
+                <a:xfrm>
+                  <a:off x="2904695" y="4472505"/>
+                  <a:ext cx="6382609" cy="679001"/>
+                </a:xfrm>
+                <a:prstGeom prst="rect">
+                  <a:avLst/>
+                </a:prstGeom>
+              </p:spPr>
+            </p:pic>
+            <p:grpSp>
+              <p:nvGrpSpPr>
+                <p:cNvPr id="28" name="그룹 27">
+                  <a:extLst>
+                    <a:ext uri="{FF2B5EF4-FFF2-40B4-BE49-F238E27FC236}">
+                      <a16:creationId xmlns:a16="http://schemas.microsoft.com/office/drawing/2014/main" id="{DB6E76ED-4289-8C16-A232-D94869B608DA}"/>
+                    </a:ext>
+                  </a:extLst>
+                </p:cNvPr>
+                <p:cNvGrpSpPr/>
+                <p:nvPr/>
+              </p:nvGrpSpPr>
+              <p:grpSpPr>
+                <a:xfrm>
+                  <a:off x="3793372" y="3322984"/>
+                  <a:ext cx="4605255" cy="1186016"/>
+                  <a:chOff x="3793372" y="3322984"/>
+                  <a:chExt cx="4605255" cy="1186016"/>
+                </a:xfrm>
+              </p:grpSpPr>
+              <p:grpSp>
+                <p:nvGrpSpPr>
+                  <p:cNvPr id="27" name="그룹 26">
+                    <a:extLst>
+                      <a:ext uri="{FF2B5EF4-FFF2-40B4-BE49-F238E27FC236}">
+                        <a16:creationId xmlns:a16="http://schemas.microsoft.com/office/drawing/2014/main" id="{75412F0E-699F-E305-C3F7-1A6567A7E4B8}"/>
+                      </a:ext>
+                    </a:extLst>
+                  </p:cNvPr>
+                  <p:cNvGrpSpPr/>
+                  <p:nvPr/>
+                </p:nvGrpSpPr>
+                <p:grpSpPr>
+                  <a:xfrm>
+                    <a:off x="3793372" y="3322984"/>
+                    <a:ext cx="1400786" cy="1186016"/>
+                    <a:chOff x="3793372" y="3322984"/>
+                    <a:chExt cx="1400786" cy="1186016"/>
+                  </a:xfrm>
+                </p:grpSpPr>
+                <p:pic>
+                  <p:nvPicPr>
+                    <p:cNvPr id="8" name="그림 7" descr="스크린샷, 예술이(가) 표시된 사진&#10;&#10;AI가 생성한 콘텐츠는 부정확할 수 있습니다.">
+                      <a:extLst>
+                        <a:ext uri="{FF2B5EF4-FFF2-40B4-BE49-F238E27FC236}">
+                          <a16:creationId xmlns:a16="http://schemas.microsoft.com/office/drawing/2014/main" id="{8751259B-3670-0FA9-0C46-3413E5462BF2}"/>
+                        </a:ext>
+                      </a:extLst>
+                    </p:cNvPr>
+                    <p:cNvPicPr>
+                      <a:picLocks noChangeAspect="1"/>
+                    </p:cNvPicPr>
+                    <p:nvPr/>
+                  </p:nvPicPr>
+                  <p:blipFill>
+                    <a:blip r:embed="rId5">
+                      <a:extLst>
+                        <a:ext uri="{28A0092B-C50C-407E-A947-70E740481C1C}">
+                          <a14:useLocalDpi xmlns:a14="http://schemas.microsoft.com/office/drawing/2010/main" val="0"/>
+                        </a:ext>
+                      </a:extLst>
+                    </a:blip>
+                    <a:srcRect l="489" r="92717"/>
+                    <a:stretch/>
+                  </p:blipFill>
+                  <p:spPr>
+                    <a:xfrm>
+                      <a:off x="3793372" y="3429000"/>
+                      <a:ext cx="545032" cy="1080000"/>
+                    </a:xfrm>
+                    <a:prstGeom prst="rect">
+                      <a:avLst/>
+                    </a:prstGeom>
+                  </p:spPr>
+                </p:pic>
+                <p:pic>
+                  <p:nvPicPr>
+                    <p:cNvPr id="9" name="그림 8">
+                      <a:extLst>
+                        <a:ext uri="{FF2B5EF4-FFF2-40B4-BE49-F238E27FC236}">
+                          <a16:creationId xmlns:a16="http://schemas.microsoft.com/office/drawing/2014/main" id="{47EC721E-FAE8-2D7C-4543-C985A7614752}"/>
+                        </a:ext>
+                      </a:extLst>
+                    </p:cNvPr>
+                    <p:cNvPicPr>
+                      <a:picLocks noChangeAspect="1"/>
+                    </p:cNvPicPr>
+                    <p:nvPr/>
+                  </p:nvPicPr>
+                  <p:blipFill>
+                    <a:blip r:embed="rId5">
+                      <a:extLst>
+                        <a:ext uri="{28A0092B-C50C-407E-A947-70E740481C1C}">
+                          <a14:useLocalDpi xmlns:a14="http://schemas.microsoft.com/office/drawing/2010/main" val="0"/>
+                        </a:ext>
+                      </a:extLst>
+                    </a:blip>
+                    <a:srcRect l="50544" r="41521"/>
+                    <a:stretch/>
+                  </p:blipFill>
+                  <p:spPr>
+                    <a:xfrm>
+                      <a:off x="4557561" y="3322984"/>
+                      <a:ext cx="636597" cy="1080000"/>
+                    </a:xfrm>
+                    <a:prstGeom prst="rect">
+                      <a:avLst/>
+                    </a:prstGeom>
+                  </p:spPr>
+                </p:pic>
+                <p:pic>
+                  <p:nvPicPr>
+                    <p:cNvPr id="11" name="그림 10" descr="픽셀, 스크린샷이(가) 표시된 사진&#10;&#10;AI가 생성한 콘텐츠는 부정확할 수 있습니다.">
+                      <a:extLst>
+                        <a:ext uri="{FF2B5EF4-FFF2-40B4-BE49-F238E27FC236}">
+                          <a16:creationId xmlns:a16="http://schemas.microsoft.com/office/drawing/2014/main" id="{10668FAF-A099-4511-90DE-5613AB0C24A7}"/>
+                        </a:ext>
+                      </a:extLst>
+                    </p:cNvPr>
+                    <p:cNvPicPr>
+                      <a:picLocks noChangeAspect="1"/>
+                    </p:cNvPicPr>
+                    <p:nvPr/>
+                  </p:nvPicPr>
+                  <p:blipFill>
+                    <a:blip r:embed="rId6">
+                      <a:extLst>
+                        <a:ext uri="{28A0092B-C50C-407E-A947-70E740481C1C}">
+                          <a14:useLocalDpi xmlns:a14="http://schemas.microsoft.com/office/drawing/2010/main" val="0"/>
+                        </a:ext>
+                      </a:extLst>
+                    </a:blip>
+                    <a:srcRect l="75971" t="31685" r="9177" b="21011"/>
+                    <a:stretch/>
+                  </p:blipFill>
+                  <p:spPr>
+                    <a:xfrm>
+                      <a:off x="4676334" y="4149000"/>
+                      <a:ext cx="339086" cy="360000"/>
+                    </a:xfrm>
+                    <a:prstGeom prst="rect">
+                      <a:avLst/>
+                    </a:prstGeom>
+                  </p:spPr>
+                </p:pic>
+              </p:grpSp>
+              <p:grpSp>
+                <p:nvGrpSpPr>
+                  <p:cNvPr id="26" name="그룹 25">
+                    <a:extLst>
+                      <a:ext uri="{FF2B5EF4-FFF2-40B4-BE49-F238E27FC236}">
+                        <a16:creationId xmlns:a16="http://schemas.microsoft.com/office/drawing/2014/main" id="{EE19C7E9-48E3-CA7A-B123-B678D031243F}"/>
+                      </a:ext>
+                    </a:extLst>
+                  </p:cNvPr>
+                  <p:cNvGrpSpPr/>
+                  <p:nvPr/>
+                </p:nvGrpSpPr>
+                <p:grpSpPr>
+                  <a:xfrm>
+                    <a:off x="6729839" y="3429000"/>
+                    <a:ext cx="1668788" cy="1080000"/>
+                    <a:chOff x="6729839" y="3429000"/>
+                    <a:chExt cx="1668788" cy="1080000"/>
+                  </a:xfrm>
+                </p:grpSpPr>
+                <p:pic>
+                  <p:nvPicPr>
+                    <p:cNvPr id="13" name="그림 12" descr="픽셀, 스크린샷이(가) 표시된 사진&#10;&#10;AI가 생성한 콘텐츠는 부정확할 수 있습니다.">
+                      <a:extLst>
+                        <a:ext uri="{FF2B5EF4-FFF2-40B4-BE49-F238E27FC236}">
+                          <a16:creationId xmlns:a16="http://schemas.microsoft.com/office/drawing/2014/main" id="{71F15296-2393-4308-2EF2-15F1776788EF}"/>
+                        </a:ext>
+                      </a:extLst>
+                    </p:cNvPr>
+                    <p:cNvPicPr>
+                      <a:picLocks noChangeAspect="1"/>
+                    </p:cNvPicPr>
+                    <p:nvPr/>
+                  </p:nvPicPr>
+                  <p:blipFill>
+                    <a:blip r:embed="rId6">
+                      <a:extLst>
+                        <a:ext uri="{28A0092B-C50C-407E-A947-70E740481C1C}">
+                          <a14:useLocalDpi xmlns:a14="http://schemas.microsoft.com/office/drawing/2010/main" val="0"/>
+                        </a:ext>
+                      </a:extLst>
+                    </a:blip>
+                    <a:srcRect l="7179" t="8957" r="71333" b="10055"/>
+                    <a:stretch/>
+                  </p:blipFill>
+                  <p:spPr>
+                    <a:xfrm>
+                      <a:off x="7343092" y="3548270"/>
+                      <a:ext cx="764699" cy="960730"/>
+                    </a:xfrm>
+                    <a:prstGeom prst="rect">
+                      <a:avLst/>
+                    </a:prstGeom>
+                  </p:spPr>
+                </p:pic>
+                <p:pic>
+                  <p:nvPicPr>
+                    <p:cNvPr id="14" name="그림 13" descr="스크린샷, 예술이(가) 표시된 사진&#10;&#10;AI가 생성한 콘텐츠는 부정확할 수 있습니다.">
+                      <a:extLst>
+                        <a:ext uri="{FF2B5EF4-FFF2-40B4-BE49-F238E27FC236}">
+                          <a16:creationId xmlns:a16="http://schemas.microsoft.com/office/drawing/2014/main" id="{BAEE638B-9A44-B9F3-4E22-3CE49C644944}"/>
+                        </a:ext>
+                      </a:extLst>
+                    </p:cNvPr>
+                    <p:cNvPicPr>
+                      <a:picLocks noChangeAspect="1"/>
+                    </p:cNvPicPr>
+                    <p:nvPr/>
+                  </p:nvPicPr>
+                  <p:blipFill>
+                    <a:blip r:embed="rId5">
+                      <a:extLst>
+                        <a:ext uri="{28A0092B-C50C-407E-A947-70E740481C1C}">
+                          <a14:useLocalDpi xmlns:a14="http://schemas.microsoft.com/office/drawing/2010/main" val="0"/>
+                        </a:ext>
+                      </a:extLst>
+                    </a:blip>
+                    <a:srcRect l="489" r="92717"/>
+                    <a:stretch/>
+                  </p:blipFill>
+                  <p:spPr>
+                    <a:xfrm>
+                      <a:off x="6729839" y="3429000"/>
+                      <a:ext cx="545032" cy="1080000"/>
+                    </a:xfrm>
+                    <a:prstGeom prst="rect">
+                      <a:avLst/>
+                    </a:prstGeom>
+                  </p:spPr>
+                </p:pic>
+                <p:pic>
+                  <p:nvPicPr>
+                    <p:cNvPr id="16" name="그림 15" descr="스크린샷이(가) 표시된 사진&#10;&#10;AI가 생성한 콘텐츠는 부정확할 수 있습니다.">
+                      <a:extLst>
+                        <a:ext uri="{FF2B5EF4-FFF2-40B4-BE49-F238E27FC236}">
+                          <a16:creationId xmlns:a16="http://schemas.microsoft.com/office/drawing/2014/main" id="{894C44B5-99FD-62EA-7900-E28D8FA9F09A}"/>
+                        </a:ext>
+                      </a:extLst>
+                    </p:cNvPr>
+                    <p:cNvPicPr>
+                      <a:picLocks noChangeAspect="1"/>
+                    </p:cNvPicPr>
+                    <p:nvPr/>
+                  </p:nvPicPr>
+                  <p:blipFill>
+                    <a:blip r:embed="rId7">
+                      <a:extLst>
+                        <a:ext uri="{28A0092B-C50C-407E-A947-70E740481C1C}">
+                          <a14:useLocalDpi xmlns:a14="http://schemas.microsoft.com/office/drawing/2010/main" val="0"/>
+                        </a:ext>
+                      </a:extLst>
+                    </a:blip>
+                    <a:srcRect l="57228" r="28750"/>
+                    <a:stretch/>
+                  </p:blipFill>
+                  <p:spPr>
+                    <a:xfrm>
+                      <a:off x="7479535" y="3597913"/>
+                      <a:ext cx="919092" cy="911087"/>
+                    </a:xfrm>
+                    <a:prstGeom prst="rect">
+                      <a:avLst/>
+                    </a:prstGeom>
+                  </p:spPr>
+                </p:pic>
+              </p:grpSp>
+            </p:grpSp>
+          </p:grpSp>
+          <p:sp>
+            <p:nvSpPr>
+              <p:cNvPr id="2" name="TextBox 1">
+                <a:extLst>
+                  <a:ext uri="{FF2B5EF4-FFF2-40B4-BE49-F238E27FC236}">
+                    <a16:creationId xmlns:a16="http://schemas.microsoft.com/office/drawing/2014/main" id="{083895ED-4BEA-1226-E42D-48BDE73F754B}"/>
+                  </a:ext>
+                </a:extLst>
+              </p:cNvPr>
+              <p:cNvSpPr txBox="1"/>
+              <p:nvPr/>
+            </p:nvSpPr>
+            <p:spPr>
+              <a:xfrm>
+                <a:off x="4748372" y="2356473"/>
+                <a:ext cx="482824" cy="461665"/>
+              </a:xfrm>
+              <a:prstGeom prst="rect">
+                <a:avLst/>
+              </a:prstGeom>
+              <a:noFill/>
+            </p:spPr>
+            <p:txBody>
+              <a:bodyPr wrap="none" rtlCol="0">
+                <a:spAutoFit/>
+              </a:bodyPr>
+              <a:lstStyle/>
+              <a:p>
+                <a:r>
+                  <a:rPr lang="en-US" altLang="ko-KR" sz="2400" b="1" dirty="0">
+                    <a:solidFill>
+                      <a:schemeClr val="bg1"/>
+                    </a:solidFill>
+                    <a:latin typeface="메이플스토리 OTF" panose="02000300000000000000" pitchFamily="50" charset="-127"/>
+                    <a:ea typeface="메이플스토리 OTF" panose="02000300000000000000" pitchFamily="50" charset="-127"/>
+                  </a:rPr>
+                  <a:t>+1</a:t>
+                </a:r>
+                <a:endParaRPr lang="ko-KR" altLang="en-US" sz="2400" b="1" dirty="0">
+                  <a:solidFill>
+                    <a:schemeClr val="bg1"/>
+                  </a:solidFill>
+                  <a:latin typeface="메이플스토리 OTF" panose="02000300000000000000" pitchFamily="50" charset="-127"/>
+                  <a:ea typeface="메이플스토리 OTF" panose="02000300000000000000" pitchFamily="50" charset="-127"/>
+                </a:endParaRPr>
+              </a:p>
+            </p:txBody>
+          </p:sp>
+          <p:sp>
+            <p:nvSpPr>
+              <p:cNvPr id="3" name="TextBox 2">
+                <a:extLst>
+                  <a:ext uri="{FF2B5EF4-FFF2-40B4-BE49-F238E27FC236}">
+                    <a16:creationId xmlns:a16="http://schemas.microsoft.com/office/drawing/2014/main" id="{98BB615C-D9A5-BFF0-2C5E-A0B87DBD52E2}"/>
+                  </a:ext>
+                </a:extLst>
+              </p:cNvPr>
+              <p:cNvSpPr txBox="1"/>
+              <p:nvPr/>
+            </p:nvSpPr>
+            <p:spPr>
+              <a:xfrm>
+                <a:off x="7061024" y="2510596"/>
+                <a:ext cx="482824" cy="461665"/>
+              </a:xfrm>
+              <a:prstGeom prst="rect">
+                <a:avLst/>
+              </a:prstGeom>
+              <a:noFill/>
+            </p:spPr>
+            <p:txBody>
+              <a:bodyPr wrap="none" rtlCol="0">
+                <a:spAutoFit/>
+              </a:bodyPr>
+              <a:lstStyle/>
+              <a:p>
+                <a:r>
+                  <a:rPr lang="en-US" altLang="ko-KR" sz="2400" b="1" dirty="0">
+                    <a:solidFill>
+                      <a:schemeClr val="bg1"/>
+                    </a:solidFill>
+                    <a:latin typeface="메이플스토리 OTF" panose="02000300000000000000" pitchFamily="50" charset="-127"/>
+                    <a:ea typeface="메이플스토리 OTF" panose="02000300000000000000" pitchFamily="50" charset="-127"/>
+                  </a:rPr>
+                  <a:t>+1</a:t>
+                </a:r>
+                <a:endParaRPr lang="ko-KR" altLang="en-US" sz="2400" b="1" dirty="0">
+                  <a:solidFill>
+                    <a:schemeClr val="bg1"/>
+                  </a:solidFill>
+                  <a:latin typeface="메이플스토리 OTF" panose="02000300000000000000" pitchFamily="50" charset="-127"/>
+                  <a:ea typeface="메이플스토리 OTF" panose="02000300000000000000" pitchFamily="50" charset="-127"/>
+                </a:endParaRPr>
+              </a:p>
+            </p:txBody>
+          </p:sp>
+        </p:grpSp>
+      </p:grpSp>
+      <p:grpSp>
+        <p:nvGrpSpPr>
+          <p:cNvPr id="32" name="그룹 31">
+            <a:extLst>
+              <a:ext uri="{FF2B5EF4-FFF2-40B4-BE49-F238E27FC236}">
+                <a16:creationId xmlns:a16="http://schemas.microsoft.com/office/drawing/2014/main" id="{0896757C-BC52-6279-C236-E16D2E5291A6}"/>
+              </a:ext>
+            </a:extLst>
+          </p:cNvPr>
+          <p:cNvGrpSpPr/>
+          <p:nvPr/>
+        </p:nvGrpSpPr>
+        <p:grpSpPr>
+          <a:xfrm>
+            <a:off x="4911290" y="5614794"/>
+            <a:ext cx="2131431" cy="416001"/>
+            <a:chOff x="4904034" y="5614794"/>
+            <a:chExt cx="2131431" cy="416001"/>
           </a:xfrm>
         </p:grpSpPr>
         <p:sp>
           <p:nvSpPr>
-            <p:cNvPr id="49" name="사각형: 둥근 모서리 48">
+            <p:cNvPr id="22" name="사각형: 둥근 모서리 21">
               <a:extLst>
                 <a:ext uri="{FF2B5EF4-FFF2-40B4-BE49-F238E27FC236}">
-                  <a16:creationId xmlns:a16="http://schemas.microsoft.com/office/drawing/2014/main" id="{1EB78EBC-758F-14E3-9F95-B8464BCFBAAC}"/>
+                  <a16:creationId xmlns:a16="http://schemas.microsoft.com/office/drawing/2014/main" id="{D8C78CC2-4A77-1BF3-5000-A8C07C86202B}"/>
                 </a:ext>
               </a:extLst>
             </p:cNvPr>
@@ -39026,8 +39734,8 @@
           </p:nvSpPr>
           <p:spPr>
             <a:xfrm>
-              <a:off x="5007167" y="6242892"/>
-              <a:ext cx="571998" cy="359589"/>
+              <a:off x="4904034" y="5614794"/>
+              <a:ext cx="2131431" cy="416001"/>
             </a:xfrm>
             <a:prstGeom prst="roundRect">
               <a:avLst>
@@ -39035,16 +39743,11 @@
               </a:avLst>
             </a:prstGeom>
             <a:solidFill>
-              <a:schemeClr val="accent1">
-                <a:lumMod val="60000"/>
-                <a:lumOff val="40000"/>
+              <a:schemeClr val="accent4">
+                <a:lumMod val="40000"/>
+                <a:lumOff val="60000"/>
               </a:schemeClr>
             </a:solidFill>
-            <a:ln>
-              <a:solidFill>
-                <a:srgbClr val="0070C0"/>
-              </a:solidFill>
-            </a:ln>
           </p:spPr>
           <p:style>
             <a:lnRef idx="2">
@@ -39067,317 +39770,32 @@
             <a:lstStyle/>
             <a:p>
               <a:pPr algn="ctr"/>
-              <a:endParaRPr lang="ko-KR" altLang="en-US" dirty="0">
+              <a:r>
+                <a:rPr lang="en-US" altLang="ko-KR" b="1" dirty="0">
+                  <a:solidFill>
+                    <a:schemeClr val="tx1"/>
+                  </a:solidFill>
+                  <a:latin typeface="메이플스토리 OTF" panose="02000300000000000000" pitchFamily="50" charset="-127"/>
+                  <a:ea typeface="메이플스토리 OTF" panose="02000300000000000000" pitchFamily="50" charset="-127"/>
+                </a:rPr>
+                <a:t>2/3</a:t>
+              </a:r>
+              <a:endParaRPr lang="ko-KR" altLang="en-US" b="1" dirty="0">
                 <a:solidFill>
                   <a:schemeClr val="tx1"/>
                 </a:solidFill>
+                <a:latin typeface="메이플스토리 OTF" panose="02000300000000000000" pitchFamily="50" charset="-127"/>
+                <a:ea typeface="메이플스토리 OTF" panose="02000300000000000000" pitchFamily="50" charset="-127"/>
               </a:endParaRPr>
             </a:p>
           </p:txBody>
         </p:sp>
-        <p:pic>
-          <p:nvPicPr>
-            <p:cNvPr id="51" name="그래픽 50" descr="왼쪽 캐럿 단색으로 채워진">
+        <p:grpSp>
+          <p:nvGrpSpPr>
+            <p:cNvPr id="23" name="그룹 22">
               <a:extLst>
                 <a:ext uri="{FF2B5EF4-FFF2-40B4-BE49-F238E27FC236}">
-                  <a16:creationId xmlns:a16="http://schemas.microsoft.com/office/drawing/2014/main" id="{B92AC279-2147-85AD-AFAA-063CA5529438}"/>
-                </a:ext>
-              </a:extLst>
-            </p:cNvPr>
-            <p:cNvPicPr>
-              <a:picLocks noChangeAspect="1"/>
-            </p:cNvPicPr>
-            <p:nvPr/>
-          </p:nvPicPr>
-          <p:blipFill>
-            <a:blip r:embed="rId2">
-              <a:extLst>
-                <a:ext uri="{96DAC541-7B7A-43D3-8B79-37D633B846F1}">
-                  <asvg:svgBlip xmlns:asvg="http://schemas.microsoft.com/office/drawing/2016/SVG/main" r:embed="rId3"/>
-                </a:ext>
-              </a:extLst>
-            </a:blip>
-            <a:stretch>
-              <a:fillRect/>
-            </a:stretch>
-          </p:blipFill>
-          <p:spPr>
-            <a:xfrm>
-              <a:off x="5113166" y="6242686"/>
-              <a:ext cx="360000" cy="360000"/>
-            </a:xfrm>
-            <a:prstGeom prst="rect">
-              <a:avLst/>
-            </a:prstGeom>
-          </p:spPr>
-        </p:pic>
-      </p:grpSp>
-      <p:grpSp>
-        <p:nvGrpSpPr>
-          <p:cNvPr id="53" name="그룹 52">
-            <a:extLst>
-              <a:ext uri="{FF2B5EF4-FFF2-40B4-BE49-F238E27FC236}">
-                <a16:creationId xmlns:a16="http://schemas.microsoft.com/office/drawing/2014/main" id="{912ACD6B-9C56-CF0F-9971-DE9D062CEB80}"/>
-              </a:ext>
-            </a:extLst>
-          </p:cNvPr>
-          <p:cNvGrpSpPr/>
-          <p:nvPr/>
-        </p:nvGrpSpPr>
-        <p:grpSpPr>
-          <a:xfrm rot="10800000">
-            <a:off x="6418926" y="5646338"/>
-            <a:ext cx="571998" cy="360000"/>
-            <a:chOff x="5007167" y="6242686"/>
-            <a:chExt cx="571998" cy="360000"/>
-          </a:xfrm>
-        </p:grpSpPr>
-        <p:sp>
-          <p:nvSpPr>
-            <p:cNvPr id="54" name="사각형: 둥근 모서리 53">
-              <a:extLst>
-                <a:ext uri="{FF2B5EF4-FFF2-40B4-BE49-F238E27FC236}">
-                  <a16:creationId xmlns:a16="http://schemas.microsoft.com/office/drawing/2014/main" id="{C9106A60-07C6-20FB-C057-09E9BEFEB5BA}"/>
-                </a:ext>
-              </a:extLst>
-            </p:cNvPr>
-            <p:cNvSpPr/>
-            <p:nvPr/>
-          </p:nvSpPr>
-          <p:spPr>
-            <a:xfrm>
-              <a:off x="5007167" y="6242892"/>
-              <a:ext cx="571998" cy="359589"/>
-            </a:xfrm>
-            <a:prstGeom prst="roundRect">
-              <a:avLst>
-                <a:gd name="adj" fmla="val 50000"/>
-              </a:avLst>
-            </a:prstGeom>
-            <a:solidFill>
-              <a:schemeClr val="accent1">
-                <a:lumMod val="60000"/>
-                <a:lumOff val="40000"/>
-              </a:schemeClr>
-            </a:solidFill>
-            <a:ln>
-              <a:solidFill>
-                <a:srgbClr val="0070C0"/>
-              </a:solidFill>
-            </a:ln>
-          </p:spPr>
-          <p:style>
-            <a:lnRef idx="2">
-              <a:schemeClr val="accent1">
-                <a:shade val="15000"/>
-              </a:schemeClr>
-            </a:lnRef>
-            <a:fillRef idx="1">
-              <a:schemeClr val="accent1"/>
-            </a:fillRef>
-            <a:effectRef idx="0">
-              <a:schemeClr val="accent1"/>
-            </a:effectRef>
-            <a:fontRef idx="minor">
-              <a:schemeClr val="lt1"/>
-            </a:fontRef>
-          </p:style>
-          <p:txBody>
-            <a:bodyPr rtlCol="0" anchor="ctr"/>
-            <a:lstStyle/>
-            <a:p>
-              <a:pPr algn="ctr"/>
-              <a:endParaRPr lang="ko-KR" altLang="en-US" dirty="0">
-                <a:solidFill>
-                  <a:schemeClr val="tx1"/>
-                </a:solidFill>
-              </a:endParaRPr>
-            </a:p>
-          </p:txBody>
-        </p:sp>
-        <p:pic>
-          <p:nvPicPr>
-            <p:cNvPr id="55" name="그래픽 54" descr="왼쪽 캐럿 단색으로 채워진">
-              <a:extLst>
-                <a:ext uri="{FF2B5EF4-FFF2-40B4-BE49-F238E27FC236}">
-                  <a16:creationId xmlns:a16="http://schemas.microsoft.com/office/drawing/2014/main" id="{EB03F01E-D7EB-14DB-2311-91B37D1BF2CE}"/>
-                </a:ext>
-              </a:extLst>
-            </p:cNvPr>
-            <p:cNvPicPr>
-              <a:picLocks noChangeAspect="1"/>
-            </p:cNvPicPr>
-            <p:nvPr/>
-          </p:nvPicPr>
-          <p:blipFill>
-            <a:blip r:embed="rId2">
-              <a:extLst>
-                <a:ext uri="{96DAC541-7B7A-43D3-8B79-37D633B846F1}">
-                  <asvg:svgBlip xmlns:asvg="http://schemas.microsoft.com/office/drawing/2016/SVG/main" r:embed="rId3"/>
-                </a:ext>
-              </a:extLst>
-            </a:blip>
-            <a:stretch>
-              <a:fillRect/>
-            </a:stretch>
-          </p:blipFill>
-          <p:spPr>
-            <a:xfrm>
-              <a:off x="5113166" y="6242686"/>
-              <a:ext cx="360000" cy="360000"/>
-            </a:xfrm>
-            <a:prstGeom prst="rect">
-              <a:avLst/>
-            </a:prstGeom>
-          </p:spPr>
-        </p:pic>
-      </p:grpSp>
-      <p:sp>
-        <p:nvSpPr>
-          <p:cNvPr id="57" name="TextBox 56">
-            <a:extLst>
-              <a:ext uri="{FF2B5EF4-FFF2-40B4-BE49-F238E27FC236}">
-                <a16:creationId xmlns:a16="http://schemas.microsoft.com/office/drawing/2014/main" id="{ED4983E7-2E37-85D4-381E-5F21D62B6E09}"/>
-              </a:ext>
-            </a:extLst>
-          </p:cNvPr>
-          <p:cNvSpPr txBox="1"/>
-          <p:nvPr/>
-        </p:nvSpPr>
-        <p:spPr>
-          <a:xfrm>
-            <a:off x="5487224" y="721521"/>
-            <a:ext cx="800219" cy="461665"/>
-          </a:xfrm>
-          <a:prstGeom prst="rect">
-            <a:avLst/>
-          </a:prstGeom>
-          <a:noFill/>
-        </p:spPr>
-        <p:txBody>
-          <a:bodyPr wrap="none" rtlCol="0">
-            <a:spAutoFit/>
-          </a:bodyPr>
-          <a:lstStyle/>
-          <a:p>
-            <a:pPr algn="ctr"/>
-            <a:r>
-              <a:rPr lang="ko-KR" altLang="en-US" sz="2400" b="1" dirty="0">
-                <a:solidFill>
-                  <a:schemeClr val="bg1"/>
-                </a:solidFill>
-              </a:rPr>
-              <a:t>점수</a:t>
-            </a:r>
-          </a:p>
-        </p:txBody>
-      </p:sp>
-      <p:sp>
-        <p:nvSpPr>
-          <p:cNvPr id="58" name="TextBox 57">
-            <a:extLst>
-              <a:ext uri="{FF2B5EF4-FFF2-40B4-BE49-F238E27FC236}">
-                <a16:creationId xmlns:a16="http://schemas.microsoft.com/office/drawing/2014/main" id="{C972FA9A-AA6A-960B-B5D4-26ADB736E409}"/>
-              </a:ext>
-            </a:extLst>
-          </p:cNvPr>
-          <p:cNvSpPr txBox="1"/>
-          <p:nvPr/>
-        </p:nvSpPr>
-        <p:spPr>
-          <a:xfrm>
-            <a:off x="2949996" y="4487541"/>
-            <a:ext cx="4984057" cy="610616"/>
-          </a:xfrm>
-          <a:prstGeom prst="rect">
-            <a:avLst/>
-          </a:prstGeom>
-          <a:noFill/>
-        </p:spPr>
-        <p:txBody>
-          <a:bodyPr wrap="none" rtlCol="0">
-            <a:spAutoFit/>
-          </a:bodyPr>
-          <a:lstStyle/>
-          <a:p>
-            <a:pPr>
-              <a:lnSpc>
-                <a:spcPct val="150000"/>
-              </a:lnSpc>
-            </a:pPr>
-            <a:r>
-              <a:rPr lang="ko-KR" altLang="en-US" sz="1200" dirty="0">
-                <a:solidFill>
-                  <a:schemeClr val="bg1"/>
-                </a:solidFill>
-              </a:rPr>
-              <a:t>조작을 통해 장애물을 피하게 되면 점수가 오르게 됩니다</a:t>
-            </a:r>
-            <a:r>
-              <a:rPr lang="en-US" altLang="ko-KR" sz="1200" dirty="0">
-                <a:solidFill>
-                  <a:schemeClr val="bg1"/>
-                </a:solidFill>
-              </a:rPr>
-              <a:t>.</a:t>
-            </a:r>
-          </a:p>
-          <a:p>
-            <a:pPr>
-              <a:lnSpc>
-                <a:spcPct val="150000"/>
-              </a:lnSpc>
-            </a:pPr>
-            <a:r>
-              <a:rPr lang="ko-KR" altLang="en-US" sz="1200" dirty="0">
-                <a:solidFill>
-                  <a:schemeClr val="bg1"/>
-                </a:solidFill>
-              </a:rPr>
-              <a:t>장애물을 연속으로 피하면 피할 수 록 게임의 속도가 점점 빨라집니다</a:t>
-            </a:r>
-            <a:r>
-              <a:rPr lang="en-US" altLang="ko-KR" sz="1200" dirty="0">
-                <a:solidFill>
-                  <a:schemeClr val="bg1"/>
-                </a:solidFill>
-              </a:rPr>
-              <a:t>.</a:t>
-            </a:r>
-            <a:endParaRPr lang="ko-KR" altLang="en-US" sz="1200" dirty="0">
-              <a:solidFill>
-                <a:schemeClr val="bg1"/>
-              </a:solidFill>
-            </a:endParaRPr>
-          </a:p>
-        </p:txBody>
-      </p:sp>
-      <p:grpSp>
-        <p:nvGrpSpPr>
-          <p:cNvPr id="4" name="그룹 3">
-            <a:extLst>
-              <a:ext uri="{FF2B5EF4-FFF2-40B4-BE49-F238E27FC236}">
-                <a16:creationId xmlns:a16="http://schemas.microsoft.com/office/drawing/2014/main" id="{99E0B3F2-915C-63B8-3E2E-F9EA4D3D9B5F}"/>
-              </a:ext>
-            </a:extLst>
-          </p:cNvPr>
-          <p:cNvGrpSpPr/>
-          <p:nvPr/>
-        </p:nvGrpSpPr>
-        <p:grpSpPr>
-          <a:xfrm>
-            <a:off x="3620975" y="1431179"/>
-            <a:ext cx="4731386" cy="2703507"/>
-            <a:chOff x="3620975" y="1431179"/>
-            <a:chExt cx="4731386" cy="2703507"/>
-          </a:xfrm>
-        </p:grpSpPr>
-        <p:grpSp>
-          <p:nvGrpSpPr>
-            <p:cNvPr id="41" name="그룹 40">
-              <a:extLst>
-                <a:ext uri="{FF2B5EF4-FFF2-40B4-BE49-F238E27FC236}">
-                  <a16:creationId xmlns:a16="http://schemas.microsoft.com/office/drawing/2014/main" id="{224745F1-BABB-7944-24C6-C5D858BE7B33}"/>
+                  <a16:creationId xmlns:a16="http://schemas.microsoft.com/office/drawing/2014/main" id="{FC244C13-0C02-A9AD-4385-2AF11E63E3CA}"/>
                 </a:ext>
               </a:extLst>
             </p:cNvPr>
@@ -39386,18 +39804,83 @@
           </p:nvGrpSpPr>
           <p:grpSpPr>
             <a:xfrm>
-              <a:off x="3620975" y="1431179"/>
-              <a:ext cx="4731386" cy="2703507"/>
-              <a:chOff x="2904695" y="1504492"/>
-              <a:chExt cx="6382609" cy="3647014"/>
+              <a:off x="4952442" y="5643000"/>
+              <a:ext cx="571998" cy="359589"/>
+              <a:chOff x="3919491" y="5962743"/>
+              <a:chExt cx="571998" cy="359589"/>
             </a:xfrm>
           </p:grpSpPr>
+          <p:sp>
+            <p:nvSpPr>
+              <p:cNvPr id="24" name="사각형: 둥근 모서리 23">
+                <a:extLst>
+                  <a:ext uri="{FF2B5EF4-FFF2-40B4-BE49-F238E27FC236}">
+                    <a16:creationId xmlns:a16="http://schemas.microsoft.com/office/drawing/2014/main" id="{98A94D03-72FE-55E2-7DDB-1CA522BB3F4C}"/>
+                  </a:ext>
+                </a:extLst>
+              </p:cNvPr>
+              <p:cNvSpPr/>
+              <p:nvPr/>
+            </p:nvSpPr>
+            <p:spPr>
+              <a:xfrm>
+                <a:off x="3919491" y="5962743"/>
+                <a:ext cx="571998" cy="359589"/>
+              </a:xfrm>
+              <a:prstGeom prst="roundRect">
+                <a:avLst>
+                  <a:gd name="adj" fmla="val 50000"/>
+                </a:avLst>
+              </a:prstGeom>
+              <a:solidFill>
+                <a:schemeClr val="accent1">
+                  <a:lumMod val="60000"/>
+                  <a:lumOff val="40000"/>
+                </a:schemeClr>
+              </a:solidFill>
+              <a:ln>
+                <a:solidFill>
+                  <a:srgbClr val="0070C0"/>
+                </a:solidFill>
+              </a:ln>
+            </p:spPr>
+            <p:style>
+              <a:lnRef idx="2">
+                <a:schemeClr val="accent1">
+                  <a:shade val="15000"/>
+                </a:schemeClr>
+              </a:lnRef>
+              <a:fillRef idx="1">
+                <a:schemeClr val="accent1"/>
+              </a:fillRef>
+              <a:effectRef idx="0">
+                <a:schemeClr val="accent1"/>
+              </a:effectRef>
+              <a:fontRef idx="minor">
+                <a:schemeClr val="lt1"/>
+              </a:fontRef>
+            </p:style>
+            <p:txBody>
+              <a:bodyPr rtlCol="0" anchor="ctr"/>
+              <a:lstStyle/>
+              <a:p>
+                <a:pPr algn="ctr"/>
+                <a:endParaRPr lang="ko-KR" altLang="en-US" dirty="0">
+                  <a:solidFill>
+                    <a:schemeClr val="tx1"/>
+                  </a:solidFill>
+                  <a:latin typeface="메이플스토리 OTF" panose="02000300000000000000" pitchFamily="50" charset="-127"/>
+                  <a:ea typeface="메이플스토리 OTF" panose="02000300000000000000" pitchFamily="50" charset="-127"/>
+                </a:endParaRPr>
+              </a:p>
+            </p:txBody>
+          </p:sp>
           <p:pic>
             <p:nvPicPr>
-              <p:cNvPr id="20" name="그림 19" descr="일렉트릭 블루, 하늘빛, 하늘, 아쿠아이(가) 표시된 사진&#10;&#10;AI가 생성한 콘텐츠는 부정확할 수 있습니다.">
+              <p:cNvPr id="25" name="그림 24">
                 <a:extLst>
                   <a:ext uri="{FF2B5EF4-FFF2-40B4-BE49-F238E27FC236}">
-                    <a16:creationId xmlns:a16="http://schemas.microsoft.com/office/drawing/2014/main" id="{D528FB6A-F101-5716-B4BE-40090E0346A8}"/>
+                    <a16:creationId xmlns:a16="http://schemas.microsoft.com/office/drawing/2014/main" id="{9AAC4C0F-C6E3-EDA3-33CD-F3B7A524FD84}"/>
                   </a:ext>
                 </a:extLst>
               </p:cNvPr>
@@ -39407,7 +39890,7 @@
               <p:nvPr/>
             </p:nvPicPr>
             <p:blipFill>
-              <a:blip r:embed="rId4">
+              <a:blip r:embed="rId8">
                 <a:extLst>
                   <a:ext uri="{28A0092B-C50C-407E-A947-70E740481C1C}">
                     <a14:useLocalDpi xmlns:a14="http://schemas.microsoft.com/office/drawing/2010/main" val="0"/>
@@ -39420,20 +39903,106 @@
             </p:blipFill>
             <p:spPr>
               <a:xfrm>
-                <a:off x="2904695" y="1504492"/>
-                <a:ext cx="6382609" cy="3647014"/>
+                <a:off x="4110240" y="6009187"/>
+                <a:ext cx="190500" cy="266700"/>
               </a:xfrm>
               <a:prstGeom prst="rect">
                 <a:avLst/>
               </a:prstGeom>
             </p:spPr>
           </p:pic>
+        </p:grpSp>
+        <p:grpSp>
+          <p:nvGrpSpPr>
+            <p:cNvPr id="29" name="그룹 28">
+              <a:extLst>
+                <a:ext uri="{FF2B5EF4-FFF2-40B4-BE49-F238E27FC236}">
+                  <a16:creationId xmlns:a16="http://schemas.microsoft.com/office/drawing/2014/main" id="{15EBC55B-7AE0-ECF4-6082-E16C0FBC42C3}"/>
+                </a:ext>
+              </a:extLst>
+            </p:cNvPr>
+            <p:cNvGrpSpPr/>
+            <p:nvPr/>
+          </p:nvGrpSpPr>
+          <p:grpSpPr>
+            <a:xfrm rot="10800000">
+              <a:off x="6417128" y="5642999"/>
+              <a:ext cx="571998" cy="359589"/>
+              <a:chOff x="3919491" y="5962743"/>
+              <a:chExt cx="571998" cy="359589"/>
+            </a:xfrm>
+          </p:grpSpPr>
+          <p:sp>
+            <p:nvSpPr>
+              <p:cNvPr id="30" name="사각형: 둥근 모서리 29">
+                <a:extLst>
+                  <a:ext uri="{FF2B5EF4-FFF2-40B4-BE49-F238E27FC236}">
+                    <a16:creationId xmlns:a16="http://schemas.microsoft.com/office/drawing/2014/main" id="{356A2BC9-5A90-E0C9-0971-6557F6AD056D}"/>
+                  </a:ext>
+                </a:extLst>
+              </p:cNvPr>
+              <p:cNvSpPr/>
+              <p:nvPr/>
+            </p:nvSpPr>
+            <p:spPr>
+              <a:xfrm>
+                <a:off x="3919491" y="5962743"/>
+                <a:ext cx="571998" cy="359589"/>
+              </a:xfrm>
+              <a:prstGeom prst="roundRect">
+                <a:avLst>
+                  <a:gd name="adj" fmla="val 50000"/>
+                </a:avLst>
+              </a:prstGeom>
+              <a:solidFill>
+                <a:schemeClr val="accent1">
+                  <a:lumMod val="60000"/>
+                  <a:lumOff val="40000"/>
+                </a:schemeClr>
+              </a:solidFill>
+              <a:ln>
+                <a:solidFill>
+                  <a:srgbClr val="0070C0"/>
+                </a:solidFill>
+              </a:ln>
+            </p:spPr>
+            <p:style>
+              <a:lnRef idx="2">
+                <a:schemeClr val="accent1">
+                  <a:shade val="15000"/>
+                </a:schemeClr>
+              </a:lnRef>
+              <a:fillRef idx="1">
+                <a:schemeClr val="accent1"/>
+              </a:fillRef>
+              <a:effectRef idx="0">
+                <a:schemeClr val="accent1"/>
+              </a:effectRef>
+              <a:fontRef idx="minor">
+                <a:schemeClr val="lt1"/>
+              </a:fontRef>
+            </p:style>
+            <p:txBody>
+              <a:bodyPr rtlCol="0" anchor="ctr"/>
+              <a:lstStyle/>
+              <a:p>
+                <a:pPr algn="ctr"/>
+                <a:endParaRPr lang="ko-KR" altLang="en-US" dirty="0">
+                  <a:solidFill>
+                    <a:schemeClr val="tx1"/>
+                  </a:solidFill>
+                  <a:latin typeface="메이플스토리 OTF" panose="02000300000000000000" pitchFamily="50" charset="-127"/>
+                  <a:ea typeface="메이플스토리 OTF" panose="02000300000000000000" pitchFamily="50" charset="-127"/>
+                </a:endParaRPr>
+              </a:p>
+            </p:txBody>
+          </p:sp>
           <p:pic>
             <p:nvPicPr>
-              <p:cNvPr id="18" name="그림 17" descr="스크린샷, 라인, 평행이(가) 표시된 사진&#10;&#10;AI가 생성한 콘텐츠는 부정확할 수 있습니다.">
+              <p:cNvPr id="31" name="그림 30">
                 <a:extLst>
                   <a:ext uri="{FF2B5EF4-FFF2-40B4-BE49-F238E27FC236}">
-                    <a16:creationId xmlns:a16="http://schemas.microsoft.com/office/drawing/2014/main" id="{CBA22241-8B2E-63DB-9A60-02000AFD848B}"/>
+                    <a16:creationId xmlns:a16="http://schemas.microsoft.com/office/drawing/2014/main" id="{3841B6BC-D612-A21E-94B2-5B4F45EBCBB8}"/>
                   </a:ext>
                 </a:extLst>
               </p:cNvPr>
@@ -39443,7 +40012,7 @@
               <p:nvPr/>
             </p:nvPicPr>
             <p:blipFill>
-              <a:blip r:embed="rId5">
+              <a:blip r:embed="rId8">
                 <a:extLst>
                   <a:ext uri="{28A0092B-C50C-407E-A947-70E740481C1C}">
                     <a14:useLocalDpi xmlns:a14="http://schemas.microsoft.com/office/drawing/2010/main" val="0"/>
@@ -39456,376 +40025,15 @@
             </p:blipFill>
             <p:spPr>
               <a:xfrm>
-                <a:off x="2904695" y="4472505"/>
-                <a:ext cx="6382609" cy="679001"/>
+                <a:off x="4110240" y="6009187"/>
+                <a:ext cx="190500" cy="266700"/>
               </a:xfrm>
               <a:prstGeom prst="rect">
                 <a:avLst/>
               </a:prstGeom>
             </p:spPr>
           </p:pic>
-          <p:grpSp>
-            <p:nvGrpSpPr>
-              <p:cNvPr id="28" name="그룹 27">
-                <a:extLst>
-                  <a:ext uri="{FF2B5EF4-FFF2-40B4-BE49-F238E27FC236}">
-                    <a16:creationId xmlns:a16="http://schemas.microsoft.com/office/drawing/2014/main" id="{DB6E76ED-4289-8C16-A232-D94869B608DA}"/>
-                  </a:ext>
-                </a:extLst>
-              </p:cNvPr>
-              <p:cNvGrpSpPr/>
-              <p:nvPr/>
-            </p:nvGrpSpPr>
-            <p:grpSpPr>
-              <a:xfrm>
-                <a:off x="3793372" y="3322984"/>
-                <a:ext cx="4605255" cy="1186016"/>
-                <a:chOff x="3793372" y="3322984"/>
-                <a:chExt cx="4605255" cy="1186016"/>
-              </a:xfrm>
-            </p:grpSpPr>
-            <p:grpSp>
-              <p:nvGrpSpPr>
-                <p:cNvPr id="27" name="그룹 26">
-                  <a:extLst>
-                    <a:ext uri="{FF2B5EF4-FFF2-40B4-BE49-F238E27FC236}">
-                      <a16:creationId xmlns:a16="http://schemas.microsoft.com/office/drawing/2014/main" id="{75412F0E-699F-E305-C3F7-1A6567A7E4B8}"/>
-                    </a:ext>
-                  </a:extLst>
-                </p:cNvPr>
-                <p:cNvGrpSpPr/>
-                <p:nvPr/>
-              </p:nvGrpSpPr>
-              <p:grpSpPr>
-                <a:xfrm>
-                  <a:off x="3793372" y="3322984"/>
-                  <a:ext cx="1400786" cy="1186016"/>
-                  <a:chOff x="3793372" y="3322984"/>
-                  <a:chExt cx="1400786" cy="1186016"/>
-                </a:xfrm>
-              </p:grpSpPr>
-              <p:pic>
-                <p:nvPicPr>
-                  <p:cNvPr id="8" name="그림 7" descr="스크린샷, 예술이(가) 표시된 사진&#10;&#10;AI가 생성한 콘텐츠는 부정확할 수 있습니다.">
-                    <a:extLst>
-                      <a:ext uri="{FF2B5EF4-FFF2-40B4-BE49-F238E27FC236}">
-                        <a16:creationId xmlns:a16="http://schemas.microsoft.com/office/drawing/2014/main" id="{8751259B-3670-0FA9-0C46-3413E5462BF2}"/>
-                      </a:ext>
-                    </a:extLst>
-                  </p:cNvPr>
-                  <p:cNvPicPr>
-                    <a:picLocks noChangeAspect="1"/>
-                  </p:cNvPicPr>
-                  <p:nvPr/>
-                </p:nvPicPr>
-                <p:blipFill>
-                  <a:blip r:embed="rId6">
-                    <a:extLst>
-                      <a:ext uri="{28A0092B-C50C-407E-A947-70E740481C1C}">
-                        <a14:useLocalDpi xmlns:a14="http://schemas.microsoft.com/office/drawing/2010/main" val="0"/>
-                      </a:ext>
-                    </a:extLst>
-                  </a:blip>
-                  <a:srcRect l="489" r="92717"/>
-                  <a:stretch/>
-                </p:blipFill>
-                <p:spPr>
-                  <a:xfrm>
-                    <a:off x="3793372" y="3429000"/>
-                    <a:ext cx="545032" cy="1080000"/>
-                  </a:xfrm>
-                  <a:prstGeom prst="rect">
-                    <a:avLst/>
-                  </a:prstGeom>
-                </p:spPr>
-              </p:pic>
-              <p:pic>
-                <p:nvPicPr>
-                  <p:cNvPr id="9" name="그림 8">
-                    <a:extLst>
-                      <a:ext uri="{FF2B5EF4-FFF2-40B4-BE49-F238E27FC236}">
-                        <a16:creationId xmlns:a16="http://schemas.microsoft.com/office/drawing/2014/main" id="{47EC721E-FAE8-2D7C-4543-C985A7614752}"/>
-                      </a:ext>
-                    </a:extLst>
-                  </p:cNvPr>
-                  <p:cNvPicPr>
-                    <a:picLocks noChangeAspect="1"/>
-                  </p:cNvPicPr>
-                  <p:nvPr/>
-                </p:nvPicPr>
-                <p:blipFill>
-                  <a:blip r:embed="rId6">
-                    <a:extLst>
-                      <a:ext uri="{28A0092B-C50C-407E-A947-70E740481C1C}">
-                        <a14:useLocalDpi xmlns:a14="http://schemas.microsoft.com/office/drawing/2010/main" val="0"/>
-                      </a:ext>
-                    </a:extLst>
-                  </a:blip>
-                  <a:srcRect l="50544" r="41521"/>
-                  <a:stretch/>
-                </p:blipFill>
-                <p:spPr>
-                  <a:xfrm>
-                    <a:off x="4557561" y="3322984"/>
-                    <a:ext cx="636597" cy="1080000"/>
-                  </a:xfrm>
-                  <a:prstGeom prst="rect">
-                    <a:avLst/>
-                  </a:prstGeom>
-                </p:spPr>
-              </p:pic>
-              <p:pic>
-                <p:nvPicPr>
-                  <p:cNvPr id="11" name="그림 10" descr="픽셀, 스크린샷이(가) 표시된 사진&#10;&#10;AI가 생성한 콘텐츠는 부정확할 수 있습니다.">
-                    <a:extLst>
-                      <a:ext uri="{FF2B5EF4-FFF2-40B4-BE49-F238E27FC236}">
-                        <a16:creationId xmlns:a16="http://schemas.microsoft.com/office/drawing/2014/main" id="{10668FAF-A099-4511-90DE-5613AB0C24A7}"/>
-                      </a:ext>
-                    </a:extLst>
-                  </p:cNvPr>
-                  <p:cNvPicPr>
-                    <a:picLocks noChangeAspect="1"/>
-                  </p:cNvPicPr>
-                  <p:nvPr/>
-                </p:nvPicPr>
-                <p:blipFill>
-                  <a:blip r:embed="rId7">
-                    <a:extLst>
-                      <a:ext uri="{28A0092B-C50C-407E-A947-70E740481C1C}">
-                        <a14:useLocalDpi xmlns:a14="http://schemas.microsoft.com/office/drawing/2010/main" val="0"/>
-                      </a:ext>
-                    </a:extLst>
-                  </a:blip>
-                  <a:srcRect l="75971" t="31685" r="9177" b="21011"/>
-                  <a:stretch/>
-                </p:blipFill>
-                <p:spPr>
-                  <a:xfrm>
-                    <a:off x="4676334" y="4149000"/>
-                    <a:ext cx="339086" cy="360000"/>
-                  </a:xfrm>
-                  <a:prstGeom prst="rect">
-                    <a:avLst/>
-                  </a:prstGeom>
-                </p:spPr>
-              </p:pic>
-            </p:grpSp>
-            <p:grpSp>
-              <p:nvGrpSpPr>
-                <p:cNvPr id="26" name="그룹 25">
-                  <a:extLst>
-                    <a:ext uri="{FF2B5EF4-FFF2-40B4-BE49-F238E27FC236}">
-                      <a16:creationId xmlns:a16="http://schemas.microsoft.com/office/drawing/2014/main" id="{EE19C7E9-48E3-CA7A-B123-B678D031243F}"/>
-                    </a:ext>
-                  </a:extLst>
-                </p:cNvPr>
-                <p:cNvGrpSpPr/>
-                <p:nvPr/>
-              </p:nvGrpSpPr>
-              <p:grpSpPr>
-                <a:xfrm>
-                  <a:off x="6729839" y="3429000"/>
-                  <a:ext cx="1668788" cy="1080000"/>
-                  <a:chOff x="6729839" y="3429000"/>
-                  <a:chExt cx="1668788" cy="1080000"/>
-                </a:xfrm>
-              </p:grpSpPr>
-              <p:pic>
-                <p:nvPicPr>
-                  <p:cNvPr id="13" name="그림 12" descr="픽셀, 스크린샷이(가) 표시된 사진&#10;&#10;AI가 생성한 콘텐츠는 부정확할 수 있습니다.">
-                    <a:extLst>
-                      <a:ext uri="{FF2B5EF4-FFF2-40B4-BE49-F238E27FC236}">
-                        <a16:creationId xmlns:a16="http://schemas.microsoft.com/office/drawing/2014/main" id="{71F15296-2393-4308-2EF2-15F1776788EF}"/>
-                      </a:ext>
-                    </a:extLst>
-                  </p:cNvPr>
-                  <p:cNvPicPr>
-                    <a:picLocks noChangeAspect="1"/>
-                  </p:cNvPicPr>
-                  <p:nvPr/>
-                </p:nvPicPr>
-                <p:blipFill>
-                  <a:blip r:embed="rId7">
-                    <a:extLst>
-                      <a:ext uri="{28A0092B-C50C-407E-A947-70E740481C1C}">
-                        <a14:useLocalDpi xmlns:a14="http://schemas.microsoft.com/office/drawing/2010/main" val="0"/>
-                      </a:ext>
-                    </a:extLst>
-                  </a:blip>
-                  <a:srcRect l="7179" t="8957" r="71333" b="10055"/>
-                  <a:stretch/>
-                </p:blipFill>
-                <p:spPr>
-                  <a:xfrm>
-                    <a:off x="7343092" y="3548270"/>
-                    <a:ext cx="764699" cy="960730"/>
-                  </a:xfrm>
-                  <a:prstGeom prst="rect">
-                    <a:avLst/>
-                  </a:prstGeom>
-                </p:spPr>
-              </p:pic>
-              <p:pic>
-                <p:nvPicPr>
-                  <p:cNvPr id="14" name="그림 13" descr="스크린샷, 예술이(가) 표시된 사진&#10;&#10;AI가 생성한 콘텐츠는 부정확할 수 있습니다.">
-                    <a:extLst>
-                      <a:ext uri="{FF2B5EF4-FFF2-40B4-BE49-F238E27FC236}">
-                        <a16:creationId xmlns:a16="http://schemas.microsoft.com/office/drawing/2014/main" id="{BAEE638B-9A44-B9F3-4E22-3CE49C644944}"/>
-                      </a:ext>
-                    </a:extLst>
-                  </p:cNvPr>
-                  <p:cNvPicPr>
-                    <a:picLocks noChangeAspect="1"/>
-                  </p:cNvPicPr>
-                  <p:nvPr/>
-                </p:nvPicPr>
-                <p:blipFill>
-                  <a:blip r:embed="rId6">
-                    <a:extLst>
-                      <a:ext uri="{28A0092B-C50C-407E-A947-70E740481C1C}">
-                        <a14:useLocalDpi xmlns:a14="http://schemas.microsoft.com/office/drawing/2010/main" val="0"/>
-                      </a:ext>
-                    </a:extLst>
-                  </a:blip>
-                  <a:srcRect l="489" r="92717"/>
-                  <a:stretch/>
-                </p:blipFill>
-                <p:spPr>
-                  <a:xfrm>
-                    <a:off x="6729839" y="3429000"/>
-                    <a:ext cx="545032" cy="1080000"/>
-                  </a:xfrm>
-                  <a:prstGeom prst="rect">
-                    <a:avLst/>
-                  </a:prstGeom>
-                </p:spPr>
-              </p:pic>
-              <p:pic>
-                <p:nvPicPr>
-                  <p:cNvPr id="16" name="그림 15" descr="스크린샷이(가) 표시된 사진&#10;&#10;AI가 생성한 콘텐츠는 부정확할 수 있습니다.">
-                    <a:extLst>
-                      <a:ext uri="{FF2B5EF4-FFF2-40B4-BE49-F238E27FC236}">
-                        <a16:creationId xmlns:a16="http://schemas.microsoft.com/office/drawing/2014/main" id="{894C44B5-99FD-62EA-7900-E28D8FA9F09A}"/>
-                      </a:ext>
-                    </a:extLst>
-                  </p:cNvPr>
-                  <p:cNvPicPr>
-                    <a:picLocks noChangeAspect="1"/>
-                  </p:cNvPicPr>
-                  <p:nvPr/>
-                </p:nvPicPr>
-                <p:blipFill>
-                  <a:blip r:embed="rId8">
-                    <a:extLst>
-                      <a:ext uri="{28A0092B-C50C-407E-A947-70E740481C1C}">
-                        <a14:useLocalDpi xmlns:a14="http://schemas.microsoft.com/office/drawing/2010/main" val="0"/>
-                      </a:ext>
-                    </a:extLst>
-                  </a:blip>
-                  <a:srcRect l="57228" r="28750"/>
-                  <a:stretch/>
-                </p:blipFill>
-                <p:spPr>
-                  <a:xfrm>
-                    <a:off x="7479535" y="3597913"/>
-                    <a:ext cx="919092" cy="911087"/>
-                  </a:xfrm>
-                  <a:prstGeom prst="rect">
-                    <a:avLst/>
-                  </a:prstGeom>
-                </p:spPr>
-              </p:pic>
-            </p:grpSp>
-          </p:grpSp>
         </p:grpSp>
-        <p:sp>
-          <p:nvSpPr>
-            <p:cNvPr id="2" name="TextBox 1">
-              <a:extLst>
-                <a:ext uri="{FF2B5EF4-FFF2-40B4-BE49-F238E27FC236}">
-                  <a16:creationId xmlns:a16="http://schemas.microsoft.com/office/drawing/2014/main" id="{083895ED-4BEA-1226-E42D-48BDE73F754B}"/>
-                </a:ext>
-              </a:extLst>
-            </p:cNvPr>
-            <p:cNvSpPr txBox="1"/>
-            <p:nvPr/>
-          </p:nvSpPr>
-          <p:spPr>
-            <a:xfrm>
-              <a:off x="4748372" y="2356473"/>
-              <a:ext cx="583814" cy="461665"/>
-            </a:xfrm>
-            <a:prstGeom prst="rect">
-              <a:avLst/>
-            </a:prstGeom>
-            <a:noFill/>
-          </p:spPr>
-          <p:txBody>
-            <a:bodyPr wrap="none" rtlCol="0">
-              <a:spAutoFit/>
-            </a:bodyPr>
-            <a:lstStyle/>
-            <a:p>
-              <a:r>
-                <a:rPr lang="en-US" altLang="ko-KR" sz="2400" b="1" dirty="0">
-                  <a:solidFill>
-                    <a:schemeClr val="bg1"/>
-                  </a:solidFill>
-                </a:rPr>
-                <a:t>+1</a:t>
-              </a:r>
-              <a:endParaRPr lang="ko-KR" altLang="en-US" sz="2400" b="1" dirty="0">
-                <a:solidFill>
-                  <a:schemeClr val="bg1"/>
-                </a:solidFill>
-              </a:endParaRPr>
-            </a:p>
-          </p:txBody>
-        </p:sp>
-        <p:sp>
-          <p:nvSpPr>
-            <p:cNvPr id="3" name="TextBox 2">
-              <a:extLst>
-                <a:ext uri="{FF2B5EF4-FFF2-40B4-BE49-F238E27FC236}">
-                  <a16:creationId xmlns:a16="http://schemas.microsoft.com/office/drawing/2014/main" id="{98BB615C-D9A5-BFF0-2C5E-A0B87DBD52E2}"/>
-                </a:ext>
-              </a:extLst>
-            </p:cNvPr>
-            <p:cNvSpPr txBox="1"/>
-            <p:nvPr/>
-          </p:nvSpPr>
-          <p:spPr>
-            <a:xfrm>
-              <a:off x="7061024" y="2510596"/>
-              <a:ext cx="583814" cy="461665"/>
-            </a:xfrm>
-            <a:prstGeom prst="rect">
-              <a:avLst/>
-            </a:prstGeom>
-            <a:noFill/>
-          </p:spPr>
-          <p:txBody>
-            <a:bodyPr wrap="none" rtlCol="0">
-              <a:spAutoFit/>
-            </a:bodyPr>
-            <a:lstStyle/>
-            <a:p>
-              <a:r>
-                <a:rPr lang="en-US" altLang="ko-KR" sz="2400" b="1" dirty="0">
-                  <a:solidFill>
-                    <a:schemeClr val="bg1"/>
-                  </a:solidFill>
-                </a:rPr>
-                <a:t>+1</a:t>
-              </a:r>
-              <a:endParaRPr lang="ko-KR" altLang="en-US" sz="2400" b="1" dirty="0">
-                <a:solidFill>
-                  <a:schemeClr val="bg1"/>
-                </a:solidFill>
-              </a:endParaRPr>
-            </a:p>
-          </p:txBody>
-        </p:sp>
       </p:grpSp>
     </p:spTree>
     <p:extLst>
@@ -39865,10 +40073,10 @@
       </p:grpSpPr>
       <p:sp>
         <p:nvSpPr>
-          <p:cNvPr id="56" name="사각형: 둥근 모서리 55">
+          <p:cNvPr id="2" name="사각형: 둥근 모서리 1">
             <a:extLst>
               <a:ext uri="{FF2B5EF4-FFF2-40B4-BE49-F238E27FC236}">
-                <a16:creationId xmlns:a16="http://schemas.microsoft.com/office/drawing/2014/main" id="{EFADD8F4-4A33-2135-5F0F-20E9C4C232CA}"/>
+                <a16:creationId xmlns:a16="http://schemas.microsoft.com/office/drawing/2014/main" id="{D4BAF3EE-E2F0-3923-28D5-E190CF8A6B73}"/>
               </a:ext>
             </a:extLst>
           </p:cNvPr>
@@ -39882,14 +40090,11 @@
           </a:xfrm>
           <a:prstGeom prst="roundRect">
             <a:avLst>
-              <a:gd name="adj" fmla="val 3230"/>
+              <a:gd name="adj" fmla="val 1034"/>
             </a:avLst>
           </a:prstGeom>
           <a:solidFill>
-            <a:schemeClr val="tx2">
-              <a:lumMod val="75000"/>
-              <a:lumOff val="25000"/>
-            </a:schemeClr>
+            <a:srgbClr val="002467"/>
           </a:solidFill>
         </p:spPr>
         <p:style>
@@ -39913,136 +40118,268 @@
           <a:lstStyle/>
           <a:p>
             <a:pPr algn="ctr"/>
-            <a:endParaRPr lang="ko-KR" altLang="en-US" dirty="0"/>
+            <a:endParaRPr lang="ko-KR" altLang="en-US">
+              <a:latin typeface="메이플스토리 OTF" panose="02000300000000000000" pitchFamily="50" charset="-127"/>
+              <a:ea typeface="메이플스토리 OTF" panose="02000300000000000000" pitchFamily="50" charset="-127"/>
+            </a:endParaRPr>
           </a:p>
         </p:txBody>
       </p:sp>
       <p:sp>
         <p:nvSpPr>
-          <p:cNvPr id="37" name="사각형: 둥근 모서리 36">
+          <p:cNvPr id="57" name="TextBox 56">
             <a:extLst>
               <a:ext uri="{FF2B5EF4-FFF2-40B4-BE49-F238E27FC236}">
-                <a16:creationId xmlns:a16="http://schemas.microsoft.com/office/drawing/2014/main" id="{61414178-AA28-5AD5-2BE9-3AEDCED97452}"/>
+                <a16:creationId xmlns:a16="http://schemas.microsoft.com/office/drawing/2014/main" id="{2FC763E1-253B-1543-A548-ECDE63A94AFD}"/>
               </a:ext>
             </a:extLst>
           </p:cNvPr>
-          <p:cNvSpPr/>
+          <p:cNvSpPr txBox="1"/>
           <p:nvPr/>
         </p:nvSpPr>
         <p:spPr>
           <a:xfrm>
-            <a:off x="2928729" y="1171280"/>
-            <a:ext cx="6115879" cy="3223304"/>
+            <a:off x="5176946" y="721521"/>
+            <a:ext cx="1600118" cy="461665"/>
           </a:xfrm>
-          <a:prstGeom prst="roundRect">
-            <a:avLst>
-              <a:gd name="adj" fmla="val 2100"/>
-            </a:avLst>
+          <a:prstGeom prst="rect">
+            <a:avLst/>
           </a:prstGeom>
-          <a:solidFill>
-            <a:schemeClr val="tx2">
-              <a:lumMod val="25000"/>
-              <a:lumOff val="75000"/>
-            </a:schemeClr>
-          </a:solidFill>
+          <a:noFill/>
         </p:spPr>
-        <p:style>
-          <a:lnRef idx="2">
-            <a:schemeClr val="accent1">
-              <a:shade val="15000"/>
-            </a:schemeClr>
-          </a:lnRef>
-          <a:fillRef idx="1">
-            <a:schemeClr val="accent1"/>
-          </a:fillRef>
-          <a:effectRef idx="0">
-            <a:schemeClr val="accent1"/>
-          </a:effectRef>
-          <a:fontRef idx="minor">
-            <a:schemeClr val="lt1"/>
-          </a:fontRef>
-        </p:style>
         <p:txBody>
-          <a:bodyPr rtlCol="0" anchor="ctr"/>
+          <a:bodyPr wrap="none" rtlCol="0">
+            <a:spAutoFit/>
+          </a:bodyPr>
           <a:lstStyle/>
           <a:p>
             <a:pPr algn="ctr"/>
-            <a:endParaRPr lang="ko-KR" altLang="en-US"/>
+            <a:r>
+              <a:rPr lang="ko-KR" altLang="en-US" sz="2400" b="1" dirty="0">
+                <a:solidFill>
+                  <a:schemeClr val="bg1"/>
+                </a:solidFill>
+                <a:latin typeface="메이플스토리 OTF" panose="02000300000000000000" pitchFamily="50" charset="-127"/>
+                <a:ea typeface="메이플스토리 OTF" panose="02000300000000000000" pitchFamily="50" charset="-127"/>
+              </a:rPr>
+              <a:t>체력 시스템</a:t>
+            </a:r>
           </a:p>
         </p:txBody>
       </p:sp>
       <p:sp>
         <p:nvSpPr>
-          <p:cNvPr id="48" name="사각형: 둥근 모서리 47">
+          <p:cNvPr id="58" name="TextBox 57">
             <a:extLst>
               <a:ext uri="{FF2B5EF4-FFF2-40B4-BE49-F238E27FC236}">
-                <a16:creationId xmlns:a16="http://schemas.microsoft.com/office/drawing/2014/main" id="{D06322D0-7123-CB62-0E25-1781563ABA2C}"/>
+                <a16:creationId xmlns:a16="http://schemas.microsoft.com/office/drawing/2014/main" id="{9C5AB67D-CF23-4C50-FFF1-1BAC1C1C3BB0}"/>
               </a:ext>
             </a:extLst>
           </p:cNvPr>
-          <p:cNvSpPr/>
+          <p:cNvSpPr txBox="1"/>
           <p:nvPr/>
         </p:nvSpPr>
         <p:spPr>
           <a:xfrm>
-            <a:off x="4904034" y="5614794"/>
-            <a:ext cx="2131431" cy="416001"/>
+            <a:off x="2900905" y="4428083"/>
+            <a:ext cx="4520789" cy="1174937"/>
           </a:xfrm>
-          <a:prstGeom prst="roundRect">
-            <a:avLst>
-              <a:gd name="adj" fmla="val 50000"/>
-            </a:avLst>
+          <a:prstGeom prst="rect">
+            <a:avLst/>
           </a:prstGeom>
-          <a:solidFill>
-            <a:schemeClr val="accent4">
-              <a:lumMod val="40000"/>
-              <a:lumOff val="60000"/>
-            </a:schemeClr>
-          </a:solidFill>
+          <a:noFill/>
         </p:spPr>
-        <p:style>
-          <a:lnRef idx="2">
-            <a:schemeClr val="accent1">
-              <a:shade val="15000"/>
-            </a:schemeClr>
-          </a:lnRef>
-          <a:fillRef idx="1">
-            <a:schemeClr val="accent1"/>
-          </a:fillRef>
-          <a:effectRef idx="0">
-            <a:schemeClr val="accent1"/>
-          </a:effectRef>
-          <a:fontRef idx="minor">
-            <a:schemeClr val="lt1"/>
-          </a:fontRef>
-        </p:style>
         <p:txBody>
-          <a:bodyPr rtlCol="0" anchor="ctr"/>
+          <a:bodyPr wrap="none" rtlCol="0">
+            <a:spAutoFit/>
+          </a:bodyPr>
           <a:lstStyle/>
           <a:p>
-            <a:pPr algn="ctr"/>
+            <a:pPr>
+              <a:lnSpc>
+                <a:spcPct val="150000"/>
+              </a:lnSpc>
+            </a:pPr>
             <a:r>
-              <a:rPr lang="en-US" altLang="ko-KR" dirty="0">
+              <a:rPr lang="ko-KR" altLang="en-US" sz="1200" dirty="0">
                 <a:solidFill>
-                  <a:schemeClr val="tx1"/>
+                  <a:schemeClr val="bg1"/>
                 </a:solidFill>
+                <a:latin typeface="메이플스토리 OTF" panose="02000300000000000000" pitchFamily="50" charset="-127"/>
+                <a:ea typeface="메이플스토리 OTF" panose="02000300000000000000" pitchFamily="50" charset="-127"/>
               </a:rPr>
-              <a:t>3/3</a:t>
+              <a:t>플레이어는 체력을 </a:t>
             </a:r>
-            <a:endParaRPr lang="ko-KR" altLang="en-US" dirty="0">
-              <a:solidFill>
-                <a:schemeClr val="tx1"/>
-              </a:solidFill>
-            </a:endParaRPr>
+            <a:r>
+              <a:rPr lang="en-US" altLang="ko-KR" sz="1200" dirty="0">
+                <a:solidFill>
+                  <a:schemeClr val="bg1"/>
+                </a:solidFill>
+                <a:latin typeface="메이플스토리 OTF" panose="02000300000000000000" pitchFamily="50" charset="-127"/>
+                <a:ea typeface="메이플스토리 OTF" panose="02000300000000000000" pitchFamily="50" charset="-127"/>
+              </a:rPr>
+              <a:t>5</a:t>
+            </a:r>
+            <a:r>
+              <a:rPr lang="ko-KR" altLang="en-US" sz="1200" dirty="0">
+                <a:solidFill>
+                  <a:schemeClr val="bg1"/>
+                </a:solidFill>
+                <a:latin typeface="메이플스토리 OTF" panose="02000300000000000000" pitchFamily="50" charset="-127"/>
+                <a:ea typeface="메이플스토리 OTF" panose="02000300000000000000" pitchFamily="50" charset="-127"/>
+              </a:rPr>
+              <a:t>개 가지고 시작합니다</a:t>
+            </a:r>
+            <a:r>
+              <a:rPr lang="en-US" altLang="ko-KR" sz="1200" dirty="0">
+                <a:solidFill>
+                  <a:schemeClr val="bg1"/>
+                </a:solidFill>
+                <a:latin typeface="메이플스토리 OTF" panose="02000300000000000000" pitchFamily="50" charset="-127"/>
+                <a:ea typeface="메이플스토리 OTF" panose="02000300000000000000" pitchFamily="50" charset="-127"/>
+              </a:rPr>
+              <a:t>.</a:t>
+            </a:r>
+          </a:p>
+          <a:p>
+            <a:pPr>
+              <a:lnSpc>
+                <a:spcPct val="150000"/>
+              </a:lnSpc>
+            </a:pPr>
+            <a:r>
+              <a:rPr lang="ko-KR" altLang="en-US" sz="1200" dirty="0">
+                <a:solidFill>
+                  <a:schemeClr val="bg1"/>
+                </a:solidFill>
+                <a:latin typeface="메이플스토리 OTF" panose="02000300000000000000" pitchFamily="50" charset="-127"/>
+                <a:ea typeface="메이플스토리 OTF" panose="02000300000000000000" pitchFamily="50" charset="-127"/>
+              </a:rPr>
+              <a:t>만약 방해물에 부딪혔을 경우 체력을 </a:t>
+            </a:r>
+            <a:r>
+              <a:rPr lang="en-US" altLang="ko-KR" sz="1200" dirty="0">
+                <a:solidFill>
+                  <a:schemeClr val="bg1"/>
+                </a:solidFill>
+                <a:latin typeface="메이플스토리 OTF" panose="02000300000000000000" pitchFamily="50" charset="-127"/>
+                <a:ea typeface="메이플스토리 OTF" panose="02000300000000000000" pitchFamily="50" charset="-127"/>
+              </a:rPr>
+              <a:t>1</a:t>
+            </a:r>
+            <a:r>
+              <a:rPr lang="ko-KR" altLang="en-US" sz="1200" dirty="0">
+                <a:solidFill>
+                  <a:schemeClr val="bg1"/>
+                </a:solidFill>
+                <a:latin typeface="메이플스토리 OTF" panose="02000300000000000000" pitchFamily="50" charset="-127"/>
+                <a:ea typeface="메이플스토리 OTF" panose="02000300000000000000" pitchFamily="50" charset="-127"/>
+              </a:rPr>
+              <a:t>개 잃게 됩니다</a:t>
+            </a:r>
+            <a:r>
+              <a:rPr lang="en-US" altLang="ko-KR" sz="1200" dirty="0">
+                <a:solidFill>
+                  <a:schemeClr val="bg1"/>
+                </a:solidFill>
+                <a:latin typeface="메이플스토리 OTF" panose="02000300000000000000" pitchFamily="50" charset="-127"/>
+                <a:ea typeface="메이플스토리 OTF" panose="02000300000000000000" pitchFamily="50" charset="-127"/>
+              </a:rPr>
+              <a:t>.</a:t>
+            </a:r>
+          </a:p>
+          <a:p>
+            <a:pPr>
+              <a:lnSpc>
+                <a:spcPct val="150000"/>
+              </a:lnSpc>
+            </a:pPr>
+            <a:r>
+              <a:rPr lang="ko-KR" altLang="en-US" sz="1200" dirty="0">
+                <a:solidFill>
+                  <a:schemeClr val="bg1"/>
+                </a:solidFill>
+                <a:latin typeface="메이플스토리 OTF" panose="02000300000000000000" pitchFamily="50" charset="-127"/>
+                <a:ea typeface="메이플스토리 OTF" panose="02000300000000000000" pitchFamily="50" charset="-127"/>
+              </a:rPr>
+              <a:t>체력을 잃은 상태에서 장애물을 </a:t>
+            </a:r>
+            <a:r>
+              <a:rPr lang="en-US" altLang="ko-KR" sz="1200" dirty="0">
+                <a:solidFill>
+                  <a:schemeClr val="bg1"/>
+                </a:solidFill>
+                <a:latin typeface="메이플스토리 OTF" panose="02000300000000000000" pitchFamily="50" charset="-127"/>
+                <a:ea typeface="메이플스토리 OTF" panose="02000300000000000000" pitchFamily="50" charset="-127"/>
+              </a:rPr>
+              <a:t>5</a:t>
+            </a:r>
+            <a:r>
+              <a:rPr lang="ko-KR" altLang="en-US" sz="1200" dirty="0">
+                <a:solidFill>
+                  <a:schemeClr val="bg1"/>
+                </a:solidFill>
+                <a:latin typeface="메이플스토리 OTF" panose="02000300000000000000" pitchFamily="50" charset="-127"/>
+                <a:ea typeface="메이플스토리 OTF" panose="02000300000000000000" pitchFamily="50" charset="-127"/>
+              </a:rPr>
+              <a:t>개 이상 피했을 경우 체력을 회복합니다</a:t>
+            </a:r>
+            <a:r>
+              <a:rPr lang="en-US" altLang="ko-KR" sz="1200" dirty="0">
+                <a:solidFill>
+                  <a:schemeClr val="bg1"/>
+                </a:solidFill>
+                <a:latin typeface="메이플스토리 OTF" panose="02000300000000000000" pitchFamily="50" charset="-127"/>
+                <a:ea typeface="메이플스토리 OTF" panose="02000300000000000000" pitchFamily="50" charset="-127"/>
+              </a:rPr>
+              <a:t>.</a:t>
+            </a:r>
+          </a:p>
+          <a:p>
+            <a:pPr>
+              <a:lnSpc>
+                <a:spcPct val="150000"/>
+              </a:lnSpc>
+            </a:pPr>
+            <a:r>
+              <a:rPr lang="ko-KR" altLang="en-US" sz="1200" dirty="0">
+                <a:solidFill>
+                  <a:schemeClr val="bg1"/>
+                </a:solidFill>
+                <a:latin typeface="메이플스토리 OTF" panose="02000300000000000000" pitchFamily="50" charset="-127"/>
+                <a:ea typeface="메이플스토리 OTF" panose="02000300000000000000" pitchFamily="50" charset="-127"/>
+              </a:rPr>
+              <a:t>이때 회복되는 체력은 최대치를 넘어가지 않습니다</a:t>
+            </a:r>
+            <a:r>
+              <a:rPr lang="en-US" altLang="ko-KR" sz="1200" dirty="0">
+                <a:solidFill>
+                  <a:schemeClr val="bg1"/>
+                </a:solidFill>
+                <a:latin typeface="메이플스토리 OTF" panose="02000300000000000000" pitchFamily="50" charset="-127"/>
+                <a:ea typeface="메이플스토리 OTF" panose="02000300000000000000" pitchFamily="50" charset="-127"/>
+              </a:rPr>
+              <a:t>.</a:t>
+            </a:r>
+            <a:r>
+              <a:rPr lang="ko-KR" altLang="en-US" sz="1200" dirty="0">
+                <a:solidFill>
+                  <a:schemeClr val="bg1"/>
+                </a:solidFill>
+                <a:latin typeface="메이플스토리 OTF" panose="02000300000000000000" pitchFamily="50" charset="-127"/>
+                <a:ea typeface="메이플스토리 OTF" panose="02000300000000000000" pitchFamily="50" charset="-127"/>
+              </a:rPr>
+              <a:t> </a:t>
+            </a:r>
           </a:p>
         </p:txBody>
       </p:sp>
       <p:grpSp>
         <p:nvGrpSpPr>
-          <p:cNvPr id="52" name="그룹 51">
+          <p:cNvPr id="3" name="그룹 2">
             <a:extLst>
               <a:ext uri="{FF2B5EF4-FFF2-40B4-BE49-F238E27FC236}">
-                <a16:creationId xmlns:a16="http://schemas.microsoft.com/office/drawing/2014/main" id="{F31533F6-BF28-1CE1-7B18-E2932F7D088B}"/>
+                <a16:creationId xmlns:a16="http://schemas.microsoft.com/office/drawing/2014/main" id="{7393CA9D-E793-6905-2833-D599510175E3}"/>
               </a:ext>
             </a:extLst>
           </p:cNvPr>
@@ -40051,18 +40388,18 @@
         </p:nvGrpSpPr>
         <p:grpSpPr>
           <a:xfrm>
-            <a:off x="4934280" y="5646338"/>
-            <a:ext cx="571998" cy="360000"/>
-            <a:chOff x="5007167" y="6242686"/>
-            <a:chExt cx="571998" cy="360000"/>
+            <a:off x="4911290" y="5614794"/>
+            <a:ext cx="2131431" cy="416001"/>
+            <a:chOff x="4911290" y="5614794"/>
+            <a:chExt cx="2131431" cy="416001"/>
           </a:xfrm>
         </p:grpSpPr>
         <p:sp>
           <p:nvSpPr>
-            <p:cNvPr id="49" name="사각형: 둥근 모서리 48">
+            <p:cNvPr id="15" name="사각형: 둥근 모서리 14">
               <a:extLst>
                 <a:ext uri="{FF2B5EF4-FFF2-40B4-BE49-F238E27FC236}">
-                  <a16:creationId xmlns:a16="http://schemas.microsoft.com/office/drawing/2014/main" id="{E9C54313-87DF-BEFF-0FE8-9A5A024A705F}"/>
+                  <a16:creationId xmlns:a16="http://schemas.microsoft.com/office/drawing/2014/main" id="{1A80BCEA-0C84-1DB9-D09E-A9270B2188D5}"/>
                 </a:ext>
               </a:extLst>
             </p:cNvPr>
@@ -40071,8 +40408,8 @@
           </p:nvSpPr>
           <p:spPr>
             <a:xfrm>
-              <a:off x="5007167" y="6242892"/>
-              <a:ext cx="571998" cy="359589"/>
+              <a:off x="4911290" y="5614794"/>
+              <a:ext cx="2131431" cy="416001"/>
             </a:xfrm>
             <a:prstGeom prst="roundRect">
               <a:avLst>
@@ -40080,16 +40417,11 @@
               </a:avLst>
             </a:prstGeom>
             <a:solidFill>
-              <a:schemeClr val="accent1">
-                <a:lumMod val="60000"/>
-                <a:lumOff val="40000"/>
+              <a:schemeClr val="accent4">
+                <a:lumMod val="40000"/>
+                <a:lumOff val="60000"/>
               </a:schemeClr>
             </a:solidFill>
-            <a:ln>
-              <a:solidFill>
-                <a:srgbClr val="0070C0"/>
-              </a:solidFill>
-            </a:ln>
           </p:spPr>
           <p:style>
             <a:lnRef idx="2">
@@ -40112,486 +40444,32 @@
             <a:lstStyle/>
             <a:p>
               <a:pPr algn="ctr"/>
-              <a:endParaRPr lang="ko-KR" altLang="en-US" dirty="0">
+              <a:r>
+                <a:rPr lang="en-US" altLang="ko-KR" b="1" dirty="0">
+                  <a:solidFill>
+                    <a:schemeClr val="tx1"/>
+                  </a:solidFill>
+                  <a:latin typeface="메이플스토리 OTF" panose="02000300000000000000" pitchFamily="50" charset="-127"/>
+                  <a:ea typeface="메이플스토리 OTF" panose="02000300000000000000" pitchFamily="50" charset="-127"/>
+                </a:rPr>
+                <a:t>3/3</a:t>
+              </a:r>
+              <a:endParaRPr lang="ko-KR" altLang="en-US" b="1" dirty="0">
                 <a:solidFill>
                   <a:schemeClr val="tx1"/>
                 </a:solidFill>
+                <a:latin typeface="메이플스토리 OTF" panose="02000300000000000000" pitchFamily="50" charset="-127"/>
+                <a:ea typeface="메이플스토리 OTF" panose="02000300000000000000" pitchFamily="50" charset="-127"/>
               </a:endParaRPr>
             </a:p>
           </p:txBody>
         </p:sp>
-        <p:pic>
-          <p:nvPicPr>
-            <p:cNvPr id="51" name="그래픽 50" descr="왼쪽 캐럿 단색으로 채워진">
+        <p:grpSp>
+          <p:nvGrpSpPr>
+            <p:cNvPr id="16" name="그룹 15">
               <a:extLst>
                 <a:ext uri="{FF2B5EF4-FFF2-40B4-BE49-F238E27FC236}">
-                  <a16:creationId xmlns:a16="http://schemas.microsoft.com/office/drawing/2014/main" id="{2715DD43-E80F-299D-A097-EF0BE4D4F693}"/>
-                </a:ext>
-              </a:extLst>
-            </p:cNvPr>
-            <p:cNvPicPr>
-              <a:picLocks noChangeAspect="1"/>
-            </p:cNvPicPr>
-            <p:nvPr/>
-          </p:nvPicPr>
-          <p:blipFill>
-            <a:blip r:embed="rId2">
-              <a:extLst>
-                <a:ext uri="{96DAC541-7B7A-43D3-8B79-37D633B846F1}">
-                  <asvg:svgBlip xmlns:asvg="http://schemas.microsoft.com/office/drawing/2016/SVG/main" r:embed="rId3"/>
-                </a:ext>
-              </a:extLst>
-            </a:blip>
-            <a:stretch>
-              <a:fillRect/>
-            </a:stretch>
-          </p:blipFill>
-          <p:spPr>
-            <a:xfrm>
-              <a:off x="5113166" y="6242686"/>
-              <a:ext cx="360000" cy="360000"/>
-            </a:xfrm>
-            <a:prstGeom prst="rect">
-              <a:avLst/>
-            </a:prstGeom>
-          </p:spPr>
-        </p:pic>
-      </p:grpSp>
-      <p:grpSp>
-        <p:nvGrpSpPr>
-          <p:cNvPr id="53" name="그룹 52">
-            <a:extLst>
-              <a:ext uri="{FF2B5EF4-FFF2-40B4-BE49-F238E27FC236}">
-                <a16:creationId xmlns:a16="http://schemas.microsoft.com/office/drawing/2014/main" id="{3BA5DEA1-D907-89DB-FE44-3271A710D830}"/>
-              </a:ext>
-            </a:extLst>
-          </p:cNvPr>
-          <p:cNvGrpSpPr/>
-          <p:nvPr/>
-        </p:nvGrpSpPr>
-        <p:grpSpPr>
-          <a:xfrm rot="10800000">
-            <a:off x="6418926" y="5646338"/>
-            <a:ext cx="571998" cy="360000"/>
-            <a:chOff x="5007167" y="6242686"/>
-            <a:chExt cx="571998" cy="360000"/>
-          </a:xfrm>
-        </p:grpSpPr>
-        <p:sp>
-          <p:nvSpPr>
-            <p:cNvPr id="54" name="사각형: 둥근 모서리 53">
-              <a:extLst>
-                <a:ext uri="{FF2B5EF4-FFF2-40B4-BE49-F238E27FC236}">
-                  <a16:creationId xmlns:a16="http://schemas.microsoft.com/office/drawing/2014/main" id="{4C8DCFCD-EBE0-4967-5582-C3947ECCE0C4}"/>
-                </a:ext>
-              </a:extLst>
-            </p:cNvPr>
-            <p:cNvSpPr/>
-            <p:nvPr/>
-          </p:nvSpPr>
-          <p:spPr>
-            <a:xfrm>
-              <a:off x="5007167" y="6242892"/>
-              <a:ext cx="571998" cy="359589"/>
-            </a:xfrm>
-            <a:prstGeom prst="roundRect">
-              <a:avLst>
-                <a:gd name="adj" fmla="val 50000"/>
-              </a:avLst>
-            </a:prstGeom>
-            <a:solidFill>
-              <a:schemeClr val="accent1">
-                <a:lumMod val="60000"/>
-                <a:lumOff val="40000"/>
-              </a:schemeClr>
-            </a:solidFill>
-            <a:ln>
-              <a:solidFill>
-                <a:srgbClr val="0070C0"/>
-              </a:solidFill>
-            </a:ln>
-          </p:spPr>
-          <p:style>
-            <a:lnRef idx="2">
-              <a:schemeClr val="accent1">
-                <a:shade val="15000"/>
-              </a:schemeClr>
-            </a:lnRef>
-            <a:fillRef idx="1">
-              <a:schemeClr val="accent1"/>
-            </a:fillRef>
-            <a:effectRef idx="0">
-              <a:schemeClr val="accent1"/>
-            </a:effectRef>
-            <a:fontRef idx="minor">
-              <a:schemeClr val="lt1"/>
-            </a:fontRef>
-          </p:style>
-          <p:txBody>
-            <a:bodyPr rtlCol="0" anchor="ctr"/>
-            <a:lstStyle/>
-            <a:p>
-              <a:pPr algn="ctr"/>
-              <a:endParaRPr lang="ko-KR" altLang="en-US" dirty="0">
-                <a:solidFill>
-                  <a:schemeClr val="tx1"/>
-                </a:solidFill>
-              </a:endParaRPr>
-            </a:p>
-          </p:txBody>
-        </p:sp>
-        <p:pic>
-          <p:nvPicPr>
-            <p:cNvPr id="55" name="그래픽 54" descr="왼쪽 캐럿 단색으로 채워진">
-              <a:extLst>
-                <a:ext uri="{FF2B5EF4-FFF2-40B4-BE49-F238E27FC236}">
-                  <a16:creationId xmlns:a16="http://schemas.microsoft.com/office/drawing/2014/main" id="{E398E237-7DD3-59BF-39D2-B9083227FCE7}"/>
-                </a:ext>
-              </a:extLst>
-            </p:cNvPr>
-            <p:cNvPicPr>
-              <a:picLocks noChangeAspect="1"/>
-            </p:cNvPicPr>
-            <p:nvPr/>
-          </p:nvPicPr>
-          <p:blipFill>
-            <a:blip r:embed="rId2">
-              <a:extLst>
-                <a:ext uri="{96DAC541-7B7A-43D3-8B79-37D633B846F1}">
-                  <asvg:svgBlip xmlns:asvg="http://schemas.microsoft.com/office/drawing/2016/SVG/main" r:embed="rId3"/>
-                </a:ext>
-              </a:extLst>
-            </a:blip>
-            <a:stretch>
-              <a:fillRect/>
-            </a:stretch>
-          </p:blipFill>
-          <p:spPr>
-            <a:xfrm>
-              <a:off x="5113166" y="6242686"/>
-              <a:ext cx="360000" cy="360000"/>
-            </a:xfrm>
-            <a:prstGeom prst="rect">
-              <a:avLst/>
-            </a:prstGeom>
-          </p:spPr>
-        </p:pic>
-      </p:grpSp>
-      <p:sp>
-        <p:nvSpPr>
-          <p:cNvPr id="57" name="TextBox 56">
-            <a:extLst>
-              <a:ext uri="{FF2B5EF4-FFF2-40B4-BE49-F238E27FC236}">
-                <a16:creationId xmlns:a16="http://schemas.microsoft.com/office/drawing/2014/main" id="{2FC763E1-253B-1543-A548-ECDE63A94AFD}"/>
-              </a:ext>
-            </a:extLst>
-          </p:cNvPr>
-          <p:cNvSpPr txBox="1"/>
-          <p:nvPr/>
-        </p:nvSpPr>
-        <p:spPr>
-          <a:xfrm>
-            <a:off x="4971059" y="721521"/>
-            <a:ext cx="1832554" cy="461665"/>
-          </a:xfrm>
-          <a:prstGeom prst="rect">
-            <a:avLst/>
-          </a:prstGeom>
-          <a:noFill/>
-        </p:spPr>
-        <p:txBody>
-          <a:bodyPr wrap="none" rtlCol="0">
-            <a:spAutoFit/>
-          </a:bodyPr>
-          <a:lstStyle/>
-          <a:p>
-            <a:pPr algn="ctr"/>
-            <a:r>
-              <a:rPr lang="ko-KR" altLang="en-US" sz="2400" b="1" dirty="0">
-                <a:solidFill>
-                  <a:schemeClr val="bg1"/>
-                </a:solidFill>
-              </a:rPr>
-              <a:t>체력 시스템</a:t>
-            </a:r>
-          </a:p>
-        </p:txBody>
-      </p:sp>
-      <p:sp>
-        <p:nvSpPr>
-          <p:cNvPr id="58" name="TextBox 57">
-            <a:extLst>
-              <a:ext uri="{FF2B5EF4-FFF2-40B4-BE49-F238E27FC236}">
-                <a16:creationId xmlns:a16="http://schemas.microsoft.com/office/drawing/2014/main" id="{9C5AB67D-CF23-4C50-FFF1-1BAC1C1C3BB0}"/>
-              </a:ext>
-            </a:extLst>
-          </p:cNvPr>
-          <p:cNvSpPr txBox="1"/>
-          <p:nvPr/>
-        </p:nvSpPr>
-        <p:spPr>
-          <a:xfrm>
-            <a:off x="2949996" y="4426128"/>
-            <a:ext cx="5256567" cy="1164614"/>
-          </a:xfrm>
-          <a:prstGeom prst="rect">
-            <a:avLst/>
-          </a:prstGeom>
-          <a:noFill/>
-        </p:spPr>
-        <p:txBody>
-          <a:bodyPr wrap="none" rtlCol="0">
-            <a:spAutoFit/>
-          </a:bodyPr>
-          <a:lstStyle/>
-          <a:p>
-            <a:pPr>
-              <a:lnSpc>
-                <a:spcPct val="150000"/>
-              </a:lnSpc>
-            </a:pPr>
-            <a:r>
-              <a:rPr lang="ko-KR" altLang="en-US" sz="1200" dirty="0">
-                <a:solidFill>
-                  <a:schemeClr val="bg1"/>
-                </a:solidFill>
-              </a:rPr>
-              <a:t>플레이어는 체력을 </a:t>
-            </a:r>
-            <a:r>
-              <a:rPr lang="en-US" altLang="ko-KR" sz="1200" dirty="0">
-                <a:solidFill>
-                  <a:schemeClr val="bg1"/>
-                </a:solidFill>
-              </a:rPr>
-              <a:t>5</a:t>
-            </a:r>
-            <a:r>
-              <a:rPr lang="ko-KR" altLang="en-US" sz="1200" dirty="0">
-                <a:solidFill>
-                  <a:schemeClr val="bg1"/>
-                </a:solidFill>
-              </a:rPr>
-              <a:t>개 가지고 시작합니다</a:t>
-            </a:r>
-            <a:r>
-              <a:rPr lang="en-US" altLang="ko-KR" sz="1200" dirty="0">
-                <a:solidFill>
-                  <a:schemeClr val="bg1"/>
-                </a:solidFill>
-              </a:rPr>
-              <a:t>.</a:t>
-            </a:r>
-          </a:p>
-          <a:p>
-            <a:pPr>
-              <a:lnSpc>
-                <a:spcPct val="150000"/>
-              </a:lnSpc>
-            </a:pPr>
-            <a:r>
-              <a:rPr lang="ko-KR" altLang="en-US" sz="1200" dirty="0">
-                <a:solidFill>
-                  <a:schemeClr val="bg1"/>
-                </a:solidFill>
-              </a:rPr>
-              <a:t>만약 방해물에 부딪혔을 경우 체력을 </a:t>
-            </a:r>
-            <a:r>
-              <a:rPr lang="en-US" altLang="ko-KR" sz="1200" dirty="0">
-                <a:solidFill>
-                  <a:schemeClr val="bg1"/>
-                </a:solidFill>
-              </a:rPr>
-              <a:t>1</a:t>
-            </a:r>
-            <a:r>
-              <a:rPr lang="ko-KR" altLang="en-US" sz="1200" dirty="0">
-                <a:solidFill>
-                  <a:schemeClr val="bg1"/>
-                </a:solidFill>
-              </a:rPr>
-              <a:t>개 잃게 됩니다</a:t>
-            </a:r>
-            <a:r>
-              <a:rPr lang="en-US" altLang="ko-KR" sz="1200" dirty="0">
-                <a:solidFill>
-                  <a:schemeClr val="bg1"/>
-                </a:solidFill>
-              </a:rPr>
-              <a:t>.</a:t>
-            </a:r>
-          </a:p>
-          <a:p>
-            <a:pPr>
-              <a:lnSpc>
-                <a:spcPct val="150000"/>
-              </a:lnSpc>
-            </a:pPr>
-            <a:r>
-              <a:rPr lang="ko-KR" altLang="en-US" sz="1200" dirty="0">
-                <a:solidFill>
-                  <a:schemeClr val="bg1"/>
-                </a:solidFill>
-              </a:rPr>
-              <a:t>체력을 잃은 상태에서 장애물을 </a:t>
-            </a:r>
-            <a:r>
-              <a:rPr lang="en-US" altLang="ko-KR" sz="1200" dirty="0">
-                <a:solidFill>
-                  <a:schemeClr val="bg1"/>
-                </a:solidFill>
-              </a:rPr>
-              <a:t>5</a:t>
-            </a:r>
-            <a:r>
-              <a:rPr lang="ko-KR" altLang="en-US" sz="1200" dirty="0">
-                <a:solidFill>
-                  <a:schemeClr val="bg1"/>
-                </a:solidFill>
-              </a:rPr>
-              <a:t>개 이상 피했을 경우 체력을 회복합니다</a:t>
-            </a:r>
-            <a:r>
-              <a:rPr lang="en-US" altLang="ko-KR" sz="1200" dirty="0">
-                <a:solidFill>
-                  <a:schemeClr val="bg1"/>
-                </a:solidFill>
-              </a:rPr>
-              <a:t>.</a:t>
-            </a:r>
-          </a:p>
-          <a:p>
-            <a:pPr>
-              <a:lnSpc>
-                <a:spcPct val="150000"/>
-              </a:lnSpc>
-            </a:pPr>
-            <a:r>
-              <a:rPr lang="ko-KR" altLang="en-US" sz="1200" dirty="0">
-                <a:solidFill>
-                  <a:schemeClr val="bg1"/>
-                </a:solidFill>
-              </a:rPr>
-              <a:t>이때 회복되는 체력은 최대치를 넘어가지 않습니다</a:t>
-            </a:r>
-            <a:r>
-              <a:rPr lang="en-US" altLang="ko-KR" sz="1200" dirty="0">
-                <a:solidFill>
-                  <a:schemeClr val="bg1"/>
-                </a:solidFill>
-              </a:rPr>
-              <a:t>.</a:t>
-            </a:r>
-            <a:r>
-              <a:rPr lang="ko-KR" altLang="en-US" sz="1200" dirty="0">
-                <a:solidFill>
-                  <a:schemeClr val="bg1"/>
-                </a:solidFill>
-              </a:rPr>
-              <a:t> </a:t>
-            </a:r>
-          </a:p>
-        </p:txBody>
-      </p:sp>
-      <p:grpSp>
-        <p:nvGrpSpPr>
-          <p:cNvPr id="36" name="그룹 35">
-            <a:extLst>
-              <a:ext uri="{FF2B5EF4-FFF2-40B4-BE49-F238E27FC236}">
-                <a16:creationId xmlns:a16="http://schemas.microsoft.com/office/drawing/2014/main" id="{7D62EAD2-A577-A199-F04C-7BB567D93D93}"/>
-              </a:ext>
-            </a:extLst>
-          </p:cNvPr>
-          <p:cNvGrpSpPr/>
-          <p:nvPr/>
-        </p:nvGrpSpPr>
-        <p:grpSpPr>
-          <a:xfrm>
-            <a:off x="3620975" y="1431179"/>
-            <a:ext cx="4731386" cy="2703507"/>
-            <a:chOff x="3620975" y="1431179"/>
-            <a:chExt cx="4731386" cy="2703507"/>
-          </a:xfrm>
-        </p:grpSpPr>
-        <p:pic>
-          <p:nvPicPr>
-            <p:cNvPr id="20" name="그림 19" descr="일렉트릭 블루, 하늘빛, 하늘, 아쿠아이(가) 표시된 사진&#10;&#10;AI가 생성한 콘텐츠는 부정확할 수 있습니다.">
-              <a:extLst>
-                <a:ext uri="{FF2B5EF4-FFF2-40B4-BE49-F238E27FC236}">
-                  <a16:creationId xmlns:a16="http://schemas.microsoft.com/office/drawing/2014/main" id="{5F482EC5-7D4E-3D77-6685-D0744F541150}"/>
-                </a:ext>
-              </a:extLst>
-            </p:cNvPr>
-            <p:cNvPicPr>
-              <a:picLocks noChangeAspect="1"/>
-            </p:cNvPicPr>
-            <p:nvPr/>
-          </p:nvPicPr>
-          <p:blipFill>
-            <a:blip r:embed="rId4">
-              <a:extLst>
-                <a:ext uri="{28A0092B-C50C-407E-A947-70E740481C1C}">
-                  <a14:useLocalDpi xmlns:a14="http://schemas.microsoft.com/office/drawing/2010/main" val="0"/>
-                </a:ext>
-              </a:extLst>
-            </a:blip>
-            <a:stretch>
-              <a:fillRect/>
-            </a:stretch>
-          </p:blipFill>
-          <p:spPr>
-            <a:xfrm>
-              <a:off x="3620975" y="1431179"/>
-              <a:ext cx="4731386" cy="2703507"/>
-            </a:xfrm>
-            <a:prstGeom prst="rect">
-              <a:avLst/>
-            </a:prstGeom>
-          </p:spPr>
-        </p:pic>
-        <p:pic>
-          <p:nvPicPr>
-            <p:cNvPr id="18" name="그림 17" descr="스크린샷, 라인, 평행이(가) 표시된 사진&#10;&#10;AI가 생성한 콘텐츠는 부정확할 수 있습니다.">
-              <a:extLst>
-                <a:ext uri="{FF2B5EF4-FFF2-40B4-BE49-F238E27FC236}">
-                  <a16:creationId xmlns:a16="http://schemas.microsoft.com/office/drawing/2014/main" id="{097DD50E-E531-C194-33B3-411C725C3BA3}"/>
-                </a:ext>
-              </a:extLst>
-            </p:cNvPr>
-            <p:cNvPicPr>
-              <a:picLocks noChangeAspect="1"/>
-            </p:cNvPicPr>
-            <p:nvPr/>
-          </p:nvPicPr>
-          <p:blipFill>
-            <a:blip r:embed="rId5">
-              <a:extLst>
-                <a:ext uri="{28A0092B-C50C-407E-A947-70E740481C1C}">
-                  <a14:useLocalDpi xmlns:a14="http://schemas.microsoft.com/office/drawing/2010/main" val="0"/>
-                </a:ext>
-              </a:extLst>
-            </a:blip>
-            <a:stretch>
-              <a:fillRect/>
-            </a:stretch>
-          </p:blipFill>
-          <p:spPr>
-            <a:xfrm>
-              <a:off x="3620975" y="3631347"/>
-              <a:ext cx="4731386" cy="503339"/>
-            </a:xfrm>
-            <a:prstGeom prst="rect">
-              <a:avLst/>
-            </a:prstGeom>
-          </p:spPr>
-        </p:pic>
-        <p:grpSp>
-          <p:nvGrpSpPr>
-            <p:cNvPr id="35" name="그룹 34">
-              <a:extLst>
-                <a:ext uri="{FF2B5EF4-FFF2-40B4-BE49-F238E27FC236}">
-                  <a16:creationId xmlns:a16="http://schemas.microsoft.com/office/drawing/2014/main" id="{5D99332E-B924-14CC-FBB1-8B1F2F47FACB}"/>
+                  <a16:creationId xmlns:a16="http://schemas.microsoft.com/office/drawing/2014/main" id="{3B9FBC90-726B-8B44-1C76-E4AA30295AF4}"/>
                 </a:ext>
               </a:extLst>
             </p:cNvPr>
@@ -40600,401 +40478,18 @@
           </p:nvGrpSpPr>
           <p:grpSpPr>
             <a:xfrm>
-              <a:off x="6289348" y="2365046"/>
-              <a:ext cx="1606091" cy="1262040"/>
-              <a:chOff x="6676246" y="2369205"/>
-              <a:chExt cx="1606091" cy="1262040"/>
+              <a:off x="4959698" y="5643000"/>
+              <a:ext cx="571998" cy="359589"/>
+              <a:chOff x="3919491" y="5962743"/>
+              <a:chExt cx="571998" cy="359589"/>
             </a:xfrm>
           </p:grpSpPr>
-          <p:grpSp>
-            <p:nvGrpSpPr>
-              <p:cNvPr id="27" name="그룹 26">
+          <p:sp>
+            <p:nvSpPr>
+              <p:cNvPr id="21" name="사각형: 둥근 모서리 20">
                 <a:extLst>
                   <a:ext uri="{FF2B5EF4-FFF2-40B4-BE49-F238E27FC236}">
-                    <a16:creationId xmlns:a16="http://schemas.microsoft.com/office/drawing/2014/main" id="{2A000456-D42C-901B-29F4-BB9F7A96451D}"/>
-                  </a:ext>
-                </a:extLst>
-              </p:cNvPr>
-              <p:cNvGrpSpPr/>
-              <p:nvPr/>
-            </p:nvGrpSpPr>
-            <p:grpSpPr>
-              <a:xfrm>
-                <a:off x="6676246" y="2752059"/>
-                <a:ext cx="1038393" cy="879186"/>
-                <a:chOff x="3793372" y="3322984"/>
-                <a:chExt cx="1400786" cy="1186016"/>
-              </a:xfrm>
-            </p:grpSpPr>
-            <p:pic>
-              <p:nvPicPr>
-                <p:cNvPr id="8" name="그림 7" descr="스크린샷, 예술이(가) 표시된 사진&#10;&#10;AI가 생성한 콘텐츠는 부정확할 수 있습니다.">
-                  <a:extLst>
-                    <a:ext uri="{FF2B5EF4-FFF2-40B4-BE49-F238E27FC236}">
-                      <a16:creationId xmlns:a16="http://schemas.microsoft.com/office/drawing/2014/main" id="{D8E61B10-874B-6586-A8FB-9EA0937D390A}"/>
-                    </a:ext>
-                  </a:extLst>
-                </p:cNvPr>
-                <p:cNvPicPr>
-                  <a:picLocks noChangeAspect="1"/>
-                </p:cNvPicPr>
-                <p:nvPr/>
-              </p:nvPicPr>
-              <p:blipFill>
-                <a:blip r:embed="rId6">
-                  <a:extLst>
-                    <a:ext uri="{28A0092B-C50C-407E-A947-70E740481C1C}">
-                      <a14:useLocalDpi xmlns:a14="http://schemas.microsoft.com/office/drawing/2010/main" val="0"/>
-                    </a:ext>
-                  </a:extLst>
-                </a:blip>
-                <a:srcRect l="489" r="92717"/>
-                <a:stretch/>
-              </p:blipFill>
-              <p:spPr>
-                <a:xfrm>
-                  <a:off x="3793372" y="3429000"/>
-                  <a:ext cx="545032" cy="1080000"/>
-                </a:xfrm>
-                <a:prstGeom prst="rect">
-                  <a:avLst/>
-                </a:prstGeom>
-              </p:spPr>
-            </p:pic>
-            <p:pic>
-              <p:nvPicPr>
-                <p:cNvPr id="9" name="그림 8">
-                  <a:extLst>
-                    <a:ext uri="{FF2B5EF4-FFF2-40B4-BE49-F238E27FC236}">
-                      <a16:creationId xmlns:a16="http://schemas.microsoft.com/office/drawing/2014/main" id="{80B349A7-F072-2C5A-FFEB-66D6C4D69429}"/>
-                    </a:ext>
-                  </a:extLst>
-                </p:cNvPr>
-                <p:cNvPicPr>
-                  <a:picLocks noChangeAspect="1"/>
-                </p:cNvPicPr>
-                <p:nvPr/>
-              </p:nvPicPr>
-              <p:blipFill>
-                <a:blip r:embed="rId6">
-                  <a:extLst>
-                    <a:ext uri="{28A0092B-C50C-407E-A947-70E740481C1C}">
-                      <a14:useLocalDpi xmlns:a14="http://schemas.microsoft.com/office/drawing/2010/main" val="0"/>
-                    </a:ext>
-                  </a:extLst>
-                </a:blip>
-                <a:srcRect l="50544" r="41521"/>
-                <a:stretch/>
-              </p:blipFill>
-              <p:spPr>
-                <a:xfrm>
-                  <a:off x="4557561" y="3322984"/>
-                  <a:ext cx="636597" cy="1080000"/>
-                </a:xfrm>
-                <a:prstGeom prst="rect">
-                  <a:avLst/>
-                </a:prstGeom>
-              </p:spPr>
-            </p:pic>
-            <p:pic>
-              <p:nvPicPr>
-                <p:cNvPr id="11" name="그림 10" descr="픽셀, 스크린샷이(가) 표시된 사진&#10;&#10;AI가 생성한 콘텐츠는 부정확할 수 있습니다.">
-                  <a:extLst>
-                    <a:ext uri="{FF2B5EF4-FFF2-40B4-BE49-F238E27FC236}">
-                      <a16:creationId xmlns:a16="http://schemas.microsoft.com/office/drawing/2014/main" id="{3ABD33BA-8893-EDBB-B0D2-1064CE6C4B27}"/>
-                    </a:ext>
-                  </a:extLst>
-                </p:cNvPr>
-                <p:cNvPicPr>
-                  <a:picLocks noChangeAspect="1"/>
-                </p:cNvPicPr>
-                <p:nvPr/>
-              </p:nvPicPr>
-              <p:blipFill>
-                <a:blip r:embed="rId7">
-                  <a:extLst>
-                    <a:ext uri="{28A0092B-C50C-407E-A947-70E740481C1C}">
-                      <a14:useLocalDpi xmlns:a14="http://schemas.microsoft.com/office/drawing/2010/main" val="0"/>
-                    </a:ext>
-                  </a:extLst>
-                </a:blip>
-                <a:srcRect l="75971" t="31685" r="9177" b="21011"/>
-                <a:stretch/>
-              </p:blipFill>
-              <p:spPr>
-                <a:xfrm>
-                  <a:off x="4676334" y="4149000"/>
-                  <a:ext cx="339086" cy="360000"/>
-                </a:xfrm>
-                <a:prstGeom prst="rect">
-                  <a:avLst/>
-                </a:prstGeom>
-              </p:spPr>
-            </p:pic>
-          </p:grpSp>
-          <p:sp>
-            <p:nvSpPr>
-              <p:cNvPr id="4" name="TextBox 3">
-                <a:extLst>
-                  <a:ext uri="{FF2B5EF4-FFF2-40B4-BE49-F238E27FC236}">
-                    <a16:creationId xmlns:a16="http://schemas.microsoft.com/office/drawing/2014/main" id="{7058A69F-BC2F-1211-CAE9-11F88471AEE2}"/>
-                  </a:ext>
-                </a:extLst>
-              </p:cNvPr>
-              <p:cNvSpPr txBox="1"/>
-              <p:nvPr/>
-            </p:nvSpPr>
-            <p:spPr>
-              <a:xfrm>
-                <a:off x="7690508" y="3101288"/>
-                <a:ext cx="591829" cy="400110"/>
-              </a:xfrm>
-              <a:prstGeom prst="rect">
-                <a:avLst/>
-              </a:prstGeom>
-              <a:noFill/>
-            </p:spPr>
-            <p:txBody>
-              <a:bodyPr wrap="none" rtlCol="0">
-                <a:spAutoFit/>
-              </a:bodyPr>
-              <a:lstStyle/>
-              <a:p>
-                <a:r>
-                  <a:rPr lang="en-US" altLang="ko-KR" sz="2000" b="1" dirty="0">
-                    <a:solidFill>
-                      <a:schemeClr val="bg1"/>
-                    </a:solidFill>
-                  </a:rPr>
-                  <a:t>X 5</a:t>
-                </a:r>
-                <a:endParaRPr lang="ko-KR" altLang="en-US" sz="2000" b="1" dirty="0">
-                  <a:solidFill>
-                    <a:schemeClr val="bg1"/>
-                  </a:solidFill>
-                </a:endParaRPr>
-              </a:p>
-            </p:txBody>
-          </p:sp>
-          <p:sp>
-            <p:nvSpPr>
-              <p:cNvPr id="5" name="TextBox 4">
-                <a:extLst>
-                  <a:ext uri="{FF2B5EF4-FFF2-40B4-BE49-F238E27FC236}">
-                    <a16:creationId xmlns:a16="http://schemas.microsoft.com/office/drawing/2014/main" id="{38FE2E6C-5FE8-C22A-41D5-DBA35D197D31}"/>
-                  </a:ext>
-                </a:extLst>
-              </p:cNvPr>
-              <p:cNvSpPr txBox="1"/>
-              <p:nvPr/>
-            </p:nvSpPr>
-            <p:spPr>
-              <a:xfrm>
-                <a:off x="7109130" y="2369205"/>
-                <a:ext cx="518091" cy="400110"/>
-              </a:xfrm>
-              <a:prstGeom prst="rect">
-                <a:avLst/>
-              </a:prstGeom>
-              <a:noFill/>
-            </p:spPr>
-            <p:txBody>
-              <a:bodyPr wrap="none" rtlCol="0">
-                <a:spAutoFit/>
-              </a:bodyPr>
-              <a:lstStyle/>
-              <a:p>
-                <a:r>
-                  <a:rPr lang="en-US" altLang="ko-KR" sz="2000" b="1" dirty="0">
-                    <a:solidFill>
-                      <a:schemeClr val="accent6">
-                        <a:lumMod val="40000"/>
-                        <a:lumOff val="60000"/>
-                      </a:schemeClr>
-                    </a:solidFill>
-                  </a:rPr>
-                  <a:t>+1</a:t>
-                </a:r>
-                <a:endParaRPr lang="ko-KR" altLang="en-US" sz="2000" b="1" dirty="0">
-                  <a:solidFill>
-                    <a:schemeClr val="accent6">
-                      <a:lumMod val="40000"/>
-                      <a:lumOff val="60000"/>
-                    </a:schemeClr>
-                  </a:solidFill>
-                </a:endParaRPr>
-              </a:p>
-            </p:txBody>
-          </p:sp>
-          <p:pic>
-            <p:nvPicPr>
-              <p:cNvPr id="7" name="그림 6" descr="픽셀, 다채로움, 패턴, 그래픽이(가) 표시된 사진&#10;&#10;AI가 생성한 콘텐츠는 부정확할 수 있습니다.">
-                <a:extLst>
-                  <a:ext uri="{FF2B5EF4-FFF2-40B4-BE49-F238E27FC236}">
-                    <a16:creationId xmlns:a16="http://schemas.microsoft.com/office/drawing/2014/main" id="{A9484336-712B-FFE8-AAEF-5AD22DB17DA3}"/>
-                  </a:ext>
-                </a:extLst>
-              </p:cNvPr>
-              <p:cNvPicPr>
-                <a:picLocks noChangeAspect="1"/>
-              </p:cNvPicPr>
-              <p:nvPr/>
-            </p:nvPicPr>
-            <p:blipFill>
-              <a:blip r:embed="rId8">
-                <a:extLst>
-                  <a:ext uri="{28A0092B-C50C-407E-A947-70E740481C1C}">
-                    <a14:useLocalDpi xmlns:a14="http://schemas.microsoft.com/office/drawing/2010/main" val="0"/>
-                  </a:ext>
-                </a:extLst>
-              </a:blip>
-              <a:stretch>
-                <a:fillRect/>
-              </a:stretch>
-            </p:blipFill>
-            <p:spPr>
-              <a:xfrm>
-                <a:off x="7565394" y="2486086"/>
-                <a:ext cx="198000" cy="180000"/>
-              </a:xfrm>
-              <a:prstGeom prst="rect">
-                <a:avLst/>
-              </a:prstGeom>
-            </p:spPr>
-          </p:pic>
-        </p:grpSp>
-        <p:grpSp>
-          <p:nvGrpSpPr>
-            <p:cNvPr id="34" name="그룹 33">
-              <a:extLst>
-                <a:ext uri="{FF2B5EF4-FFF2-40B4-BE49-F238E27FC236}">
-                  <a16:creationId xmlns:a16="http://schemas.microsoft.com/office/drawing/2014/main" id="{9AD322B5-FA04-68E7-D280-2210F01F48F6}"/>
-                </a:ext>
-              </a:extLst>
-            </p:cNvPr>
-            <p:cNvGrpSpPr/>
-            <p:nvPr/>
-          </p:nvGrpSpPr>
-          <p:grpSpPr>
-            <a:xfrm>
-              <a:off x="4523089" y="2579529"/>
-              <a:ext cx="983189" cy="1051613"/>
-              <a:chOff x="3915358" y="2599561"/>
-              <a:chExt cx="983189" cy="1051613"/>
-            </a:xfrm>
-          </p:grpSpPr>
-          <p:pic>
-            <p:nvPicPr>
-              <p:cNvPr id="17" name="그림 16" descr="스크린샷, 예술이(가) 표시된 사진&#10;&#10;AI가 생성한 콘텐츠는 부정확할 수 있습니다.">
-                <a:extLst>
-                  <a:ext uri="{FF2B5EF4-FFF2-40B4-BE49-F238E27FC236}">
-                    <a16:creationId xmlns:a16="http://schemas.microsoft.com/office/drawing/2014/main" id="{A7C1DD84-6032-DF1F-6255-E90F92A774CD}"/>
-                  </a:ext>
-                </a:extLst>
-              </p:cNvPr>
-              <p:cNvPicPr>
-                <a:picLocks noChangeAspect="1"/>
-              </p:cNvPicPr>
-              <p:nvPr/>
-            </p:nvPicPr>
-            <p:blipFill>
-              <a:blip r:embed="rId6">
-                <a:extLst>
-                  <a:ext uri="{28A0092B-C50C-407E-A947-70E740481C1C}">
-                    <a14:useLocalDpi xmlns:a14="http://schemas.microsoft.com/office/drawing/2010/main" val="0"/>
-                  </a:ext>
-                </a:extLst>
-              </a:blip>
-              <a:srcRect l="1250" r="93424"/>
-              <a:stretch/>
-            </p:blipFill>
-            <p:spPr>
-              <a:xfrm>
-                <a:off x="3915358" y="2849063"/>
-                <a:ext cx="316205" cy="799200"/>
-              </a:xfrm>
-              <a:prstGeom prst="rect">
-                <a:avLst/>
-              </a:prstGeom>
-            </p:spPr>
-          </p:pic>
-          <p:pic>
-            <p:nvPicPr>
-              <p:cNvPr id="19" name="그림 18" descr="픽셀, 스크린샷이(가) 표시된 사진&#10;&#10;AI가 생성한 콘텐츠는 부정확할 수 있습니다.">
-                <a:extLst>
-                  <a:ext uri="{FF2B5EF4-FFF2-40B4-BE49-F238E27FC236}">
-                    <a16:creationId xmlns:a16="http://schemas.microsoft.com/office/drawing/2014/main" id="{4F4E0F4A-62D1-C44E-E413-8390E93BBB8A}"/>
-                  </a:ext>
-                </a:extLst>
-              </p:cNvPr>
-              <p:cNvPicPr>
-                <a:picLocks noChangeAspect="1"/>
-              </p:cNvPicPr>
-              <p:nvPr/>
-            </p:nvPicPr>
-            <p:blipFill>
-              <a:blip r:embed="rId7">
-                <a:extLst>
-                  <a:ext uri="{28A0092B-C50C-407E-A947-70E740481C1C}">
-                    <a14:useLocalDpi xmlns:a14="http://schemas.microsoft.com/office/drawing/2010/main" val="0"/>
-                  </a:ext>
-                </a:extLst>
-              </a:blip>
-              <a:srcRect l="75971" t="31685" r="9177" b="21011"/>
-              <a:stretch/>
-            </p:blipFill>
-            <p:spPr>
-              <a:xfrm>
-                <a:off x="4587515" y="3384308"/>
-                <a:ext cx="251362" cy="266866"/>
-              </a:xfrm>
-              <a:prstGeom prst="rect">
-                <a:avLst/>
-              </a:prstGeom>
-            </p:spPr>
-          </p:pic>
-          <p:pic>
-            <p:nvPicPr>
-              <p:cNvPr id="25" name="그림 24" descr="픽셀, 스크린샷이(가) 표시된 사진&#10;&#10;AI가 생성한 콘텐츠는 부정확할 수 있습니다.">
-                <a:extLst>
-                  <a:ext uri="{FF2B5EF4-FFF2-40B4-BE49-F238E27FC236}">
-                    <a16:creationId xmlns:a16="http://schemas.microsoft.com/office/drawing/2014/main" id="{B8CAE0D3-583F-9CC6-CB34-AA063DE38007}"/>
-                  </a:ext>
-                </a:extLst>
-              </p:cNvPr>
-              <p:cNvPicPr>
-                <a:picLocks noChangeAspect="1"/>
-              </p:cNvPicPr>
-              <p:nvPr/>
-            </p:nvPicPr>
-            <p:blipFill>
-              <a:blip r:embed="rId9">
-                <a:alphaModFix amt="65000"/>
-                <a:extLst>
-                  <a:ext uri="{28A0092B-C50C-407E-A947-70E740481C1C}">
-                    <a14:useLocalDpi xmlns:a14="http://schemas.microsoft.com/office/drawing/2010/main" val="0"/>
-                  </a:ext>
-                </a:extLst>
-              </a:blip>
-              <a:srcRect l="68804" r="17581"/>
-              <a:stretch/>
-            </p:blipFill>
-            <p:spPr>
-              <a:xfrm>
-                <a:off x="4470895" y="3018263"/>
-                <a:ext cx="289487" cy="630000"/>
-              </a:xfrm>
-              <a:prstGeom prst="rect">
-                <a:avLst/>
-              </a:prstGeom>
-            </p:spPr>
-          </p:pic>
-          <p:sp>
-            <p:nvSpPr>
-              <p:cNvPr id="29" name="폭발: 8pt 28">
-                <a:extLst>
-                  <a:ext uri="{FF2B5EF4-FFF2-40B4-BE49-F238E27FC236}">
-                    <a16:creationId xmlns:a16="http://schemas.microsoft.com/office/drawing/2014/main" id="{1205D741-3888-E9CE-C49C-8513A0A40AB4}"/>
+                    <a16:creationId xmlns:a16="http://schemas.microsoft.com/office/drawing/2014/main" id="{AFDCE7BE-A3FF-15C7-8348-EC57B11CFC50}"/>
                   </a:ext>
                 </a:extLst>
               </p:cNvPr>
@@ -41003,17 +40498,24 @@
             </p:nvSpPr>
             <p:spPr>
               <a:xfrm>
-                <a:off x="4561839" y="3311605"/>
-                <a:ext cx="239332" cy="239332"/>
+                <a:off x="3919491" y="5962743"/>
+                <a:ext cx="571998" cy="359589"/>
               </a:xfrm>
-              <a:prstGeom prst="irregularSeal1">
-                <a:avLst/>
+              <a:prstGeom prst="roundRect">
+                <a:avLst>
+                  <a:gd name="adj" fmla="val 50000"/>
+                </a:avLst>
               </a:prstGeom>
               <a:solidFill>
-                <a:srgbClr val="FFFF00"/>
+                <a:schemeClr val="accent1">
+                  <a:lumMod val="60000"/>
+                  <a:lumOff val="40000"/>
+                </a:schemeClr>
               </a:solidFill>
               <a:ln>
-                <a:noFill/>
+                <a:solidFill>
+                  <a:srgbClr val="0070C0"/>
+                </a:solidFill>
               </a:ln>
             </p:spPr>
             <p:style>
@@ -41037,60 +40539,22 @@
               <a:lstStyle/>
               <a:p>
                 <a:pPr algn="ctr"/>
-                <a:endParaRPr lang="ko-KR" altLang="en-US"/>
-              </a:p>
-            </p:txBody>
-          </p:sp>
-          <p:sp>
-            <p:nvSpPr>
-              <p:cNvPr id="32" name="TextBox 31">
-                <a:extLst>
-                  <a:ext uri="{FF2B5EF4-FFF2-40B4-BE49-F238E27FC236}">
-                    <a16:creationId xmlns:a16="http://schemas.microsoft.com/office/drawing/2014/main" id="{E149CA99-DEC3-8627-7E59-94638BC7729E}"/>
-                  </a:ext>
-                </a:extLst>
-              </p:cNvPr>
-              <p:cNvSpPr txBox="1"/>
-              <p:nvPr/>
-            </p:nvSpPr>
-            <p:spPr>
-              <a:xfrm>
-                <a:off x="4297502" y="2599561"/>
-                <a:ext cx="439544" cy="400110"/>
-              </a:xfrm>
-              <a:prstGeom prst="rect">
-                <a:avLst/>
-              </a:prstGeom>
-              <a:noFill/>
-            </p:spPr>
-            <p:txBody>
-              <a:bodyPr wrap="none" rtlCol="0">
-                <a:spAutoFit/>
-              </a:bodyPr>
-              <a:lstStyle/>
-              <a:p>
-                <a:r>
-                  <a:rPr lang="en-US" altLang="ko-KR" sz="2000" b="1" dirty="0">
-                    <a:solidFill>
-                      <a:srgbClr val="C00000"/>
-                    </a:solidFill>
-                  </a:rPr>
-                  <a:t>-1</a:t>
-                </a:r>
-                <a:endParaRPr lang="ko-KR" altLang="en-US" sz="2000" b="1" dirty="0">
+                <a:endParaRPr lang="ko-KR" altLang="en-US" dirty="0">
                   <a:solidFill>
-                    <a:srgbClr val="C00000"/>
+                    <a:schemeClr val="tx1"/>
                   </a:solidFill>
+                  <a:latin typeface="메이플스토리 OTF" panose="02000300000000000000" pitchFamily="50" charset="-127"/>
+                  <a:ea typeface="메이플스토리 OTF" panose="02000300000000000000" pitchFamily="50" charset="-127"/>
                 </a:endParaRPr>
               </a:p>
             </p:txBody>
           </p:sp>
           <p:pic>
             <p:nvPicPr>
-              <p:cNvPr id="33" name="그림 32" descr="픽셀, 다채로움, 패턴, 그래픽이(가) 표시된 사진&#10;&#10;AI가 생성한 콘텐츠는 부정확할 수 있습니다.">
+              <p:cNvPr id="22" name="그림 21">
                 <a:extLst>
                   <a:ext uri="{FF2B5EF4-FFF2-40B4-BE49-F238E27FC236}">
-                    <a16:creationId xmlns:a16="http://schemas.microsoft.com/office/drawing/2014/main" id="{3D707585-C714-E432-F667-953BE34BD336}"/>
+                    <a16:creationId xmlns:a16="http://schemas.microsoft.com/office/drawing/2014/main" id="{1D19AE65-3F65-9996-E99F-7E3C4C104154}"/>
                   </a:ext>
                 </a:extLst>
               </p:cNvPr>
@@ -41100,7 +40564,7 @@
               <p:nvPr/>
             </p:nvPicPr>
             <p:blipFill>
-              <a:blip r:embed="rId8">
+              <a:blip r:embed="rId2">
                 <a:extLst>
                   <a:ext uri="{28A0092B-C50C-407E-A947-70E740481C1C}">
                     <a14:useLocalDpi xmlns:a14="http://schemas.microsoft.com/office/drawing/2010/main" val="0"/>
@@ -41113,14 +40577,837 @@
             </p:blipFill>
             <p:spPr>
               <a:xfrm>
-                <a:off x="4700547" y="2709616"/>
-                <a:ext cx="198000" cy="180000"/>
+                <a:off x="4110240" y="6009187"/>
+                <a:ext cx="190500" cy="266700"/>
               </a:xfrm>
               <a:prstGeom prst="rect">
                 <a:avLst/>
               </a:prstGeom>
             </p:spPr>
           </p:pic>
+        </p:grpSp>
+        <p:grpSp>
+          <p:nvGrpSpPr>
+            <p:cNvPr id="23" name="그룹 22">
+              <a:extLst>
+                <a:ext uri="{FF2B5EF4-FFF2-40B4-BE49-F238E27FC236}">
+                  <a16:creationId xmlns:a16="http://schemas.microsoft.com/office/drawing/2014/main" id="{A2DD1B45-4B78-1F92-E822-0273959B9CB1}"/>
+                </a:ext>
+              </a:extLst>
+            </p:cNvPr>
+            <p:cNvGrpSpPr/>
+            <p:nvPr/>
+          </p:nvGrpSpPr>
+          <p:grpSpPr>
+            <a:xfrm rot="10800000">
+              <a:off x="6424384" y="5642999"/>
+              <a:ext cx="571998" cy="359589"/>
+              <a:chOff x="3919491" y="5962743"/>
+              <a:chExt cx="571998" cy="359589"/>
+            </a:xfrm>
+          </p:grpSpPr>
+          <p:sp>
+            <p:nvSpPr>
+              <p:cNvPr id="24" name="사각형: 둥근 모서리 23">
+                <a:extLst>
+                  <a:ext uri="{FF2B5EF4-FFF2-40B4-BE49-F238E27FC236}">
+                    <a16:creationId xmlns:a16="http://schemas.microsoft.com/office/drawing/2014/main" id="{8CE72AD9-A81B-AEE6-D55B-36C4ED3C6FA6}"/>
+                  </a:ext>
+                </a:extLst>
+              </p:cNvPr>
+              <p:cNvSpPr/>
+              <p:nvPr/>
+            </p:nvSpPr>
+            <p:spPr>
+              <a:xfrm>
+                <a:off x="3919491" y="5962743"/>
+                <a:ext cx="571998" cy="359589"/>
+              </a:xfrm>
+              <a:prstGeom prst="roundRect">
+                <a:avLst>
+                  <a:gd name="adj" fmla="val 50000"/>
+                </a:avLst>
+              </a:prstGeom>
+              <a:solidFill>
+                <a:schemeClr val="accent1">
+                  <a:lumMod val="60000"/>
+                  <a:lumOff val="40000"/>
+                </a:schemeClr>
+              </a:solidFill>
+              <a:ln>
+                <a:solidFill>
+                  <a:srgbClr val="0070C0"/>
+                </a:solidFill>
+              </a:ln>
+            </p:spPr>
+            <p:style>
+              <a:lnRef idx="2">
+                <a:schemeClr val="accent1">
+                  <a:shade val="15000"/>
+                </a:schemeClr>
+              </a:lnRef>
+              <a:fillRef idx="1">
+                <a:schemeClr val="accent1"/>
+              </a:fillRef>
+              <a:effectRef idx="0">
+                <a:schemeClr val="accent1"/>
+              </a:effectRef>
+              <a:fontRef idx="minor">
+                <a:schemeClr val="lt1"/>
+              </a:fontRef>
+            </p:style>
+            <p:txBody>
+              <a:bodyPr rtlCol="0" anchor="ctr"/>
+              <a:lstStyle/>
+              <a:p>
+                <a:pPr algn="ctr"/>
+                <a:endParaRPr lang="ko-KR" altLang="en-US" dirty="0">
+                  <a:solidFill>
+                    <a:schemeClr val="tx1"/>
+                  </a:solidFill>
+                  <a:latin typeface="메이플스토리 OTF" panose="02000300000000000000" pitchFamily="50" charset="-127"/>
+                  <a:ea typeface="메이플스토리 OTF" panose="02000300000000000000" pitchFamily="50" charset="-127"/>
+                </a:endParaRPr>
+              </a:p>
+            </p:txBody>
+          </p:sp>
+          <p:pic>
+            <p:nvPicPr>
+              <p:cNvPr id="26" name="그림 25">
+                <a:extLst>
+                  <a:ext uri="{FF2B5EF4-FFF2-40B4-BE49-F238E27FC236}">
+                    <a16:creationId xmlns:a16="http://schemas.microsoft.com/office/drawing/2014/main" id="{966A02E5-051D-AFBE-913F-27FF3034669A}"/>
+                  </a:ext>
+                </a:extLst>
+              </p:cNvPr>
+              <p:cNvPicPr>
+                <a:picLocks noChangeAspect="1"/>
+              </p:cNvPicPr>
+              <p:nvPr/>
+            </p:nvPicPr>
+            <p:blipFill>
+              <a:blip r:embed="rId2">
+                <a:extLst>
+                  <a:ext uri="{28A0092B-C50C-407E-A947-70E740481C1C}">
+                    <a14:useLocalDpi xmlns:a14="http://schemas.microsoft.com/office/drawing/2010/main" val="0"/>
+                  </a:ext>
+                </a:extLst>
+              </a:blip>
+              <a:stretch>
+                <a:fillRect/>
+              </a:stretch>
+            </p:blipFill>
+            <p:spPr>
+              <a:xfrm>
+                <a:off x="4110240" y="6009187"/>
+                <a:ext cx="190500" cy="266700"/>
+              </a:xfrm>
+              <a:prstGeom prst="rect">
+                <a:avLst/>
+              </a:prstGeom>
+            </p:spPr>
+          </p:pic>
+        </p:grpSp>
+      </p:grpSp>
+      <p:grpSp>
+        <p:nvGrpSpPr>
+          <p:cNvPr id="31" name="그룹 30">
+            <a:extLst>
+              <a:ext uri="{FF2B5EF4-FFF2-40B4-BE49-F238E27FC236}">
+                <a16:creationId xmlns:a16="http://schemas.microsoft.com/office/drawing/2014/main" id="{4DF02B26-F3FF-762C-5720-1CDDD509097C}"/>
+              </a:ext>
+            </a:extLst>
+          </p:cNvPr>
+          <p:cNvGrpSpPr/>
+          <p:nvPr/>
+        </p:nvGrpSpPr>
+        <p:grpSpPr>
+          <a:xfrm>
+            <a:off x="2900905" y="1193005"/>
+            <a:ext cx="6152201" cy="3223304"/>
+            <a:chOff x="3103055" y="2289594"/>
+            <a:chExt cx="6152201" cy="3223304"/>
+          </a:xfrm>
+        </p:grpSpPr>
+        <p:pic>
+          <p:nvPicPr>
+            <p:cNvPr id="30" name="그림 29" descr="스크린샷, 직사각형, 사각형, 프레임이(가) 표시된 사진&#10;&#10;AI가 생성한 콘텐츠는 부정확할 수 있습니다.">
+              <a:extLst>
+                <a:ext uri="{FF2B5EF4-FFF2-40B4-BE49-F238E27FC236}">
+                  <a16:creationId xmlns:a16="http://schemas.microsoft.com/office/drawing/2014/main" id="{CA67BBD6-266A-7579-2EED-B1A1691F2DB6}"/>
+                </a:ext>
+              </a:extLst>
+            </p:cNvPr>
+            <p:cNvPicPr>
+              <a:picLocks noChangeAspect="1"/>
+            </p:cNvPicPr>
+            <p:nvPr/>
+          </p:nvPicPr>
+          <p:blipFill>
+            <a:blip r:embed="rId3">
+              <a:extLst>
+                <a:ext uri="{28A0092B-C50C-407E-A947-70E740481C1C}">
+                  <a14:useLocalDpi xmlns:a14="http://schemas.microsoft.com/office/drawing/2010/main" val="0"/>
+                </a:ext>
+              </a:extLst>
+            </a:blip>
+            <a:stretch>
+              <a:fillRect/>
+            </a:stretch>
+          </p:blipFill>
+          <p:spPr>
+            <a:xfrm>
+              <a:off x="3103055" y="2289594"/>
+              <a:ext cx="6152201" cy="3223304"/>
+            </a:xfrm>
+            <a:prstGeom prst="rect">
+              <a:avLst/>
+            </a:prstGeom>
+          </p:spPr>
+        </p:pic>
+        <p:grpSp>
+          <p:nvGrpSpPr>
+            <p:cNvPr id="36" name="그룹 35">
+              <a:extLst>
+                <a:ext uri="{FF2B5EF4-FFF2-40B4-BE49-F238E27FC236}">
+                  <a16:creationId xmlns:a16="http://schemas.microsoft.com/office/drawing/2014/main" id="{7D62EAD2-A577-A199-F04C-7BB567D93D93}"/>
+                </a:ext>
+              </a:extLst>
+            </p:cNvPr>
+            <p:cNvGrpSpPr/>
+            <p:nvPr/>
+          </p:nvGrpSpPr>
+          <p:grpSpPr>
+            <a:xfrm>
+              <a:off x="3813462" y="2549493"/>
+              <a:ext cx="4731386" cy="2703507"/>
+              <a:chOff x="3620975" y="1431179"/>
+              <a:chExt cx="4731386" cy="2703507"/>
+            </a:xfrm>
+          </p:grpSpPr>
+          <p:pic>
+            <p:nvPicPr>
+              <p:cNvPr id="20" name="그림 19" descr="일렉트릭 블루, 하늘빛, 하늘, 아쿠아이(가) 표시된 사진&#10;&#10;AI가 생성한 콘텐츠는 부정확할 수 있습니다.">
+                <a:extLst>
+                  <a:ext uri="{FF2B5EF4-FFF2-40B4-BE49-F238E27FC236}">
+                    <a16:creationId xmlns:a16="http://schemas.microsoft.com/office/drawing/2014/main" id="{5F482EC5-7D4E-3D77-6685-D0744F541150}"/>
+                  </a:ext>
+                </a:extLst>
+              </p:cNvPr>
+              <p:cNvPicPr>
+                <a:picLocks noChangeAspect="1"/>
+              </p:cNvPicPr>
+              <p:nvPr/>
+            </p:nvPicPr>
+            <p:blipFill>
+              <a:blip r:embed="rId4">
+                <a:extLst>
+                  <a:ext uri="{28A0092B-C50C-407E-A947-70E740481C1C}">
+                    <a14:useLocalDpi xmlns:a14="http://schemas.microsoft.com/office/drawing/2010/main" val="0"/>
+                  </a:ext>
+                </a:extLst>
+              </a:blip>
+              <a:stretch>
+                <a:fillRect/>
+              </a:stretch>
+            </p:blipFill>
+            <p:spPr>
+              <a:xfrm>
+                <a:off x="3620975" y="1431179"/>
+                <a:ext cx="4731386" cy="2703507"/>
+              </a:xfrm>
+              <a:prstGeom prst="rect">
+                <a:avLst/>
+              </a:prstGeom>
+            </p:spPr>
+          </p:pic>
+          <p:pic>
+            <p:nvPicPr>
+              <p:cNvPr id="18" name="그림 17" descr="스크린샷, 라인, 평행이(가) 표시된 사진&#10;&#10;AI가 생성한 콘텐츠는 부정확할 수 있습니다.">
+                <a:extLst>
+                  <a:ext uri="{FF2B5EF4-FFF2-40B4-BE49-F238E27FC236}">
+                    <a16:creationId xmlns:a16="http://schemas.microsoft.com/office/drawing/2014/main" id="{097DD50E-E531-C194-33B3-411C725C3BA3}"/>
+                  </a:ext>
+                </a:extLst>
+              </p:cNvPr>
+              <p:cNvPicPr>
+                <a:picLocks noChangeAspect="1"/>
+              </p:cNvPicPr>
+              <p:nvPr/>
+            </p:nvPicPr>
+            <p:blipFill>
+              <a:blip r:embed="rId5">
+                <a:extLst>
+                  <a:ext uri="{28A0092B-C50C-407E-A947-70E740481C1C}">
+                    <a14:useLocalDpi xmlns:a14="http://schemas.microsoft.com/office/drawing/2010/main" val="0"/>
+                  </a:ext>
+                </a:extLst>
+              </a:blip>
+              <a:stretch>
+                <a:fillRect/>
+              </a:stretch>
+            </p:blipFill>
+            <p:spPr>
+              <a:xfrm>
+                <a:off x="3620975" y="3631347"/>
+                <a:ext cx="4731386" cy="503339"/>
+              </a:xfrm>
+              <a:prstGeom prst="rect">
+                <a:avLst/>
+              </a:prstGeom>
+            </p:spPr>
+          </p:pic>
+          <p:grpSp>
+            <p:nvGrpSpPr>
+              <p:cNvPr id="35" name="그룹 34">
+                <a:extLst>
+                  <a:ext uri="{FF2B5EF4-FFF2-40B4-BE49-F238E27FC236}">
+                    <a16:creationId xmlns:a16="http://schemas.microsoft.com/office/drawing/2014/main" id="{5D99332E-B924-14CC-FBB1-8B1F2F47FACB}"/>
+                  </a:ext>
+                </a:extLst>
+              </p:cNvPr>
+              <p:cNvGrpSpPr/>
+              <p:nvPr/>
+            </p:nvGrpSpPr>
+            <p:grpSpPr>
+              <a:xfrm>
+                <a:off x="6289348" y="2365046"/>
+                <a:ext cx="1572428" cy="1262040"/>
+                <a:chOff x="6676246" y="2369205"/>
+                <a:chExt cx="1572428" cy="1262040"/>
+              </a:xfrm>
+            </p:grpSpPr>
+            <p:grpSp>
+              <p:nvGrpSpPr>
+                <p:cNvPr id="27" name="그룹 26">
+                  <a:extLst>
+                    <a:ext uri="{FF2B5EF4-FFF2-40B4-BE49-F238E27FC236}">
+                      <a16:creationId xmlns:a16="http://schemas.microsoft.com/office/drawing/2014/main" id="{2A000456-D42C-901B-29F4-BB9F7A96451D}"/>
+                    </a:ext>
+                  </a:extLst>
+                </p:cNvPr>
+                <p:cNvGrpSpPr/>
+                <p:nvPr/>
+              </p:nvGrpSpPr>
+              <p:grpSpPr>
+                <a:xfrm>
+                  <a:off x="6676246" y="2752059"/>
+                  <a:ext cx="1038393" cy="879186"/>
+                  <a:chOff x="3793372" y="3322984"/>
+                  <a:chExt cx="1400786" cy="1186016"/>
+                </a:xfrm>
+              </p:grpSpPr>
+              <p:pic>
+                <p:nvPicPr>
+                  <p:cNvPr id="8" name="그림 7" descr="스크린샷, 예술이(가) 표시된 사진&#10;&#10;AI가 생성한 콘텐츠는 부정확할 수 있습니다.">
+                    <a:extLst>
+                      <a:ext uri="{FF2B5EF4-FFF2-40B4-BE49-F238E27FC236}">
+                        <a16:creationId xmlns:a16="http://schemas.microsoft.com/office/drawing/2014/main" id="{D8E61B10-874B-6586-A8FB-9EA0937D390A}"/>
+                      </a:ext>
+                    </a:extLst>
+                  </p:cNvPr>
+                  <p:cNvPicPr>
+                    <a:picLocks noChangeAspect="1"/>
+                  </p:cNvPicPr>
+                  <p:nvPr/>
+                </p:nvPicPr>
+                <p:blipFill>
+                  <a:blip r:embed="rId6">
+                    <a:extLst>
+                      <a:ext uri="{28A0092B-C50C-407E-A947-70E740481C1C}">
+                        <a14:useLocalDpi xmlns:a14="http://schemas.microsoft.com/office/drawing/2010/main" val="0"/>
+                      </a:ext>
+                    </a:extLst>
+                  </a:blip>
+                  <a:srcRect l="489" r="92717"/>
+                  <a:stretch/>
+                </p:blipFill>
+                <p:spPr>
+                  <a:xfrm>
+                    <a:off x="3793372" y="3429000"/>
+                    <a:ext cx="545032" cy="1080000"/>
+                  </a:xfrm>
+                  <a:prstGeom prst="rect">
+                    <a:avLst/>
+                  </a:prstGeom>
+                </p:spPr>
+              </p:pic>
+              <p:pic>
+                <p:nvPicPr>
+                  <p:cNvPr id="9" name="그림 8">
+                    <a:extLst>
+                      <a:ext uri="{FF2B5EF4-FFF2-40B4-BE49-F238E27FC236}">
+                        <a16:creationId xmlns:a16="http://schemas.microsoft.com/office/drawing/2014/main" id="{80B349A7-F072-2C5A-FFEB-66D6C4D69429}"/>
+                      </a:ext>
+                    </a:extLst>
+                  </p:cNvPr>
+                  <p:cNvPicPr>
+                    <a:picLocks noChangeAspect="1"/>
+                  </p:cNvPicPr>
+                  <p:nvPr/>
+                </p:nvPicPr>
+                <p:blipFill>
+                  <a:blip r:embed="rId6">
+                    <a:extLst>
+                      <a:ext uri="{28A0092B-C50C-407E-A947-70E740481C1C}">
+                        <a14:useLocalDpi xmlns:a14="http://schemas.microsoft.com/office/drawing/2010/main" val="0"/>
+                      </a:ext>
+                    </a:extLst>
+                  </a:blip>
+                  <a:srcRect l="50544" r="41521"/>
+                  <a:stretch/>
+                </p:blipFill>
+                <p:spPr>
+                  <a:xfrm>
+                    <a:off x="4557561" y="3322984"/>
+                    <a:ext cx="636597" cy="1080000"/>
+                  </a:xfrm>
+                  <a:prstGeom prst="rect">
+                    <a:avLst/>
+                  </a:prstGeom>
+                </p:spPr>
+              </p:pic>
+              <p:pic>
+                <p:nvPicPr>
+                  <p:cNvPr id="11" name="그림 10" descr="픽셀, 스크린샷이(가) 표시된 사진&#10;&#10;AI가 생성한 콘텐츠는 부정확할 수 있습니다.">
+                    <a:extLst>
+                      <a:ext uri="{FF2B5EF4-FFF2-40B4-BE49-F238E27FC236}">
+                        <a16:creationId xmlns:a16="http://schemas.microsoft.com/office/drawing/2014/main" id="{3ABD33BA-8893-EDBB-B0D2-1064CE6C4B27}"/>
+                      </a:ext>
+                    </a:extLst>
+                  </p:cNvPr>
+                  <p:cNvPicPr>
+                    <a:picLocks noChangeAspect="1"/>
+                  </p:cNvPicPr>
+                  <p:nvPr/>
+                </p:nvPicPr>
+                <p:blipFill>
+                  <a:blip r:embed="rId7">
+                    <a:extLst>
+                      <a:ext uri="{28A0092B-C50C-407E-A947-70E740481C1C}">
+                        <a14:useLocalDpi xmlns:a14="http://schemas.microsoft.com/office/drawing/2010/main" val="0"/>
+                      </a:ext>
+                    </a:extLst>
+                  </a:blip>
+                  <a:srcRect l="75971" t="31685" r="9177" b="21011"/>
+                  <a:stretch/>
+                </p:blipFill>
+                <p:spPr>
+                  <a:xfrm>
+                    <a:off x="4676334" y="4149000"/>
+                    <a:ext cx="339086" cy="360000"/>
+                  </a:xfrm>
+                  <a:prstGeom prst="rect">
+                    <a:avLst/>
+                  </a:prstGeom>
+                </p:spPr>
+              </p:pic>
+            </p:grpSp>
+            <p:sp>
+              <p:nvSpPr>
+                <p:cNvPr id="4" name="TextBox 3">
+                  <a:extLst>
+                    <a:ext uri="{FF2B5EF4-FFF2-40B4-BE49-F238E27FC236}">
+                      <a16:creationId xmlns:a16="http://schemas.microsoft.com/office/drawing/2014/main" id="{7058A69F-BC2F-1211-CAE9-11F88471AEE2}"/>
+                    </a:ext>
+                  </a:extLst>
+                </p:cNvPr>
+                <p:cNvSpPr txBox="1"/>
+                <p:nvPr/>
+              </p:nvSpPr>
+              <p:spPr>
+                <a:xfrm>
+                  <a:off x="7690508" y="3101288"/>
+                  <a:ext cx="558166" cy="400110"/>
+                </a:xfrm>
+                <a:prstGeom prst="rect">
+                  <a:avLst/>
+                </a:prstGeom>
+                <a:noFill/>
+              </p:spPr>
+              <p:txBody>
+                <a:bodyPr wrap="none" rtlCol="0">
+                  <a:spAutoFit/>
+                </a:bodyPr>
+                <a:lstStyle/>
+                <a:p>
+                  <a:r>
+                    <a:rPr lang="en-US" altLang="ko-KR" sz="2000" b="1" dirty="0">
+                      <a:solidFill>
+                        <a:schemeClr val="bg1"/>
+                      </a:solidFill>
+                      <a:latin typeface="메이플스토리 OTF" panose="02000300000000000000" pitchFamily="50" charset="-127"/>
+                      <a:ea typeface="메이플스토리 OTF" panose="02000300000000000000" pitchFamily="50" charset="-127"/>
+                    </a:rPr>
+                    <a:t>X 5</a:t>
+                  </a:r>
+                  <a:endParaRPr lang="ko-KR" altLang="en-US" sz="2000" b="1" dirty="0">
+                    <a:solidFill>
+                      <a:schemeClr val="bg1"/>
+                    </a:solidFill>
+                    <a:latin typeface="메이플스토리 OTF" panose="02000300000000000000" pitchFamily="50" charset="-127"/>
+                    <a:ea typeface="메이플스토리 OTF" panose="02000300000000000000" pitchFamily="50" charset="-127"/>
+                  </a:endParaRPr>
+                </a:p>
+              </p:txBody>
+            </p:sp>
+            <p:sp>
+              <p:nvSpPr>
+                <p:cNvPr id="5" name="TextBox 4">
+                  <a:extLst>
+                    <a:ext uri="{FF2B5EF4-FFF2-40B4-BE49-F238E27FC236}">
+                      <a16:creationId xmlns:a16="http://schemas.microsoft.com/office/drawing/2014/main" id="{38FE2E6C-5FE8-C22A-41D5-DBA35D197D31}"/>
+                    </a:ext>
+                  </a:extLst>
+                </p:cNvPr>
+                <p:cNvSpPr txBox="1"/>
+                <p:nvPr/>
+              </p:nvSpPr>
+              <p:spPr>
+                <a:xfrm>
+                  <a:off x="7109130" y="2369205"/>
+                  <a:ext cx="433132" cy="400110"/>
+                </a:xfrm>
+                <a:prstGeom prst="rect">
+                  <a:avLst/>
+                </a:prstGeom>
+                <a:noFill/>
+              </p:spPr>
+              <p:txBody>
+                <a:bodyPr wrap="none" rtlCol="0">
+                  <a:spAutoFit/>
+                </a:bodyPr>
+                <a:lstStyle/>
+                <a:p>
+                  <a:r>
+                    <a:rPr lang="en-US" altLang="ko-KR" sz="2000" b="1" dirty="0">
+                      <a:solidFill>
+                        <a:schemeClr val="accent6">
+                          <a:lumMod val="40000"/>
+                          <a:lumOff val="60000"/>
+                        </a:schemeClr>
+                      </a:solidFill>
+                      <a:latin typeface="메이플스토리 OTF" panose="02000300000000000000" pitchFamily="50" charset="-127"/>
+                      <a:ea typeface="메이플스토리 OTF" panose="02000300000000000000" pitchFamily="50" charset="-127"/>
+                    </a:rPr>
+                    <a:t>+1</a:t>
+                  </a:r>
+                  <a:endParaRPr lang="ko-KR" altLang="en-US" sz="2000" b="1" dirty="0">
+                    <a:solidFill>
+                      <a:schemeClr val="accent6">
+                        <a:lumMod val="40000"/>
+                        <a:lumOff val="60000"/>
+                      </a:schemeClr>
+                    </a:solidFill>
+                    <a:latin typeface="메이플스토리 OTF" panose="02000300000000000000" pitchFamily="50" charset="-127"/>
+                    <a:ea typeface="메이플스토리 OTF" panose="02000300000000000000" pitchFamily="50" charset="-127"/>
+                  </a:endParaRPr>
+                </a:p>
+              </p:txBody>
+            </p:sp>
+            <p:pic>
+              <p:nvPicPr>
+                <p:cNvPr id="7" name="그림 6" descr="픽셀, 다채로움, 패턴, 그래픽이(가) 표시된 사진&#10;&#10;AI가 생성한 콘텐츠는 부정확할 수 있습니다.">
+                  <a:extLst>
+                    <a:ext uri="{FF2B5EF4-FFF2-40B4-BE49-F238E27FC236}">
+                      <a16:creationId xmlns:a16="http://schemas.microsoft.com/office/drawing/2014/main" id="{A9484336-712B-FFE8-AAEF-5AD22DB17DA3}"/>
+                    </a:ext>
+                  </a:extLst>
+                </p:cNvPr>
+                <p:cNvPicPr>
+                  <a:picLocks noChangeAspect="1"/>
+                </p:cNvPicPr>
+                <p:nvPr/>
+              </p:nvPicPr>
+              <p:blipFill>
+                <a:blip r:embed="rId8">
+                  <a:extLst>
+                    <a:ext uri="{28A0092B-C50C-407E-A947-70E740481C1C}">
+                      <a14:useLocalDpi xmlns:a14="http://schemas.microsoft.com/office/drawing/2010/main" val="0"/>
+                    </a:ext>
+                  </a:extLst>
+                </a:blip>
+                <a:stretch>
+                  <a:fillRect/>
+                </a:stretch>
+              </p:blipFill>
+              <p:spPr>
+                <a:xfrm>
+                  <a:off x="7565394" y="2486086"/>
+                  <a:ext cx="198000" cy="180000"/>
+                </a:xfrm>
+                <a:prstGeom prst="rect">
+                  <a:avLst/>
+                </a:prstGeom>
+              </p:spPr>
+            </p:pic>
+          </p:grpSp>
+          <p:grpSp>
+            <p:nvGrpSpPr>
+              <p:cNvPr id="34" name="그룹 33">
+                <a:extLst>
+                  <a:ext uri="{FF2B5EF4-FFF2-40B4-BE49-F238E27FC236}">
+                    <a16:creationId xmlns:a16="http://schemas.microsoft.com/office/drawing/2014/main" id="{9AD322B5-FA04-68E7-D280-2210F01F48F6}"/>
+                  </a:ext>
+                </a:extLst>
+              </p:cNvPr>
+              <p:cNvGrpSpPr/>
+              <p:nvPr/>
+            </p:nvGrpSpPr>
+            <p:grpSpPr>
+              <a:xfrm>
+                <a:off x="4523089" y="2579529"/>
+                <a:ext cx="983189" cy="1051613"/>
+                <a:chOff x="3915358" y="2599561"/>
+                <a:chExt cx="983189" cy="1051613"/>
+              </a:xfrm>
+            </p:grpSpPr>
+            <p:pic>
+              <p:nvPicPr>
+                <p:cNvPr id="17" name="그림 16" descr="스크린샷, 예술이(가) 표시된 사진&#10;&#10;AI가 생성한 콘텐츠는 부정확할 수 있습니다.">
+                  <a:extLst>
+                    <a:ext uri="{FF2B5EF4-FFF2-40B4-BE49-F238E27FC236}">
+                      <a16:creationId xmlns:a16="http://schemas.microsoft.com/office/drawing/2014/main" id="{A7C1DD84-6032-DF1F-6255-E90F92A774CD}"/>
+                    </a:ext>
+                  </a:extLst>
+                </p:cNvPr>
+                <p:cNvPicPr>
+                  <a:picLocks noChangeAspect="1"/>
+                </p:cNvPicPr>
+                <p:nvPr/>
+              </p:nvPicPr>
+              <p:blipFill>
+                <a:blip r:embed="rId6">
+                  <a:extLst>
+                    <a:ext uri="{28A0092B-C50C-407E-A947-70E740481C1C}">
+                      <a14:useLocalDpi xmlns:a14="http://schemas.microsoft.com/office/drawing/2010/main" val="0"/>
+                    </a:ext>
+                  </a:extLst>
+                </a:blip>
+                <a:srcRect l="1250" r="93424"/>
+                <a:stretch/>
+              </p:blipFill>
+              <p:spPr>
+                <a:xfrm>
+                  <a:off x="3915358" y="2849063"/>
+                  <a:ext cx="316205" cy="799200"/>
+                </a:xfrm>
+                <a:prstGeom prst="rect">
+                  <a:avLst/>
+                </a:prstGeom>
+              </p:spPr>
+            </p:pic>
+            <p:pic>
+              <p:nvPicPr>
+                <p:cNvPr id="19" name="그림 18" descr="픽셀, 스크린샷이(가) 표시된 사진&#10;&#10;AI가 생성한 콘텐츠는 부정확할 수 있습니다.">
+                  <a:extLst>
+                    <a:ext uri="{FF2B5EF4-FFF2-40B4-BE49-F238E27FC236}">
+                      <a16:creationId xmlns:a16="http://schemas.microsoft.com/office/drawing/2014/main" id="{4F4E0F4A-62D1-C44E-E413-8390E93BBB8A}"/>
+                    </a:ext>
+                  </a:extLst>
+                </p:cNvPr>
+                <p:cNvPicPr>
+                  <a:picLocks noChangeAspect="1"/>
+                </p:cNvPicPr>
+                <p:nvPr/>
+              </p:nvPicPr>
+              <p:blipFill>
+                <a:blip r:embed="rId7">
+                  <a:extLst>
+                    <a:ext uri="{28A0092B-C50C-407E-A947-70E740481C1C}">
+                      <a14:useLocalDpi xmlns:a14="http://schemas.microsoft.com/office/drawing/2010/main" val="0"/>
+                    </a:ext>
+                  </a:extLst>
+                </a:blip>
+                <a:srcRect l="75971" t="31685" r="9177" b="21011"/>
+                <a:stretch/>
+              </p:blipFill>
+              <p:spPr>
+                <a:xfrm>
+                  <a:off x="4587515" y="3384308"/>
+                  <a:ext cx="251362" cy="266866"/>
+                </a:xfrm>
+                <a:prstGeom prst="rect">
+                  <a:avLst/>
+                </a:prstGeom>
+              </p:spPr>
+            </p:pic>
+            <p:pic>
+              <p:nvPicPr>
+                <p:cNvPr id="25" name="그림 24" descr="픽셀, 스크린샷이(가) 표시된 사진&#10;&#10;AI가 생성한 콘텐츠는 부정확할 수 있습니다.">
+                  <a:extLst>
+                    <a:ext uri="{FF2B5EF4-FFF2-40B4-BE49-F238E27FC236}">
+                      <a16:creationId xmlns:a16="http://schemas.microsoft.com/office/drawing/2014/main" id="{B8CAE0D3-583F-9CC6-CB34-AA063DE38007}"/>
+                    </a:ext>
+                  </a:extLst>
+                </p:cNvPr>
+                <p:cNvPicPr>
+                  <a:picLocks noChangeAspect="1"/>
+                </p:cNvPicPr>
+                <p:nvPr/>
+              </p:nvPicPr>
+              <p:blipFill>
+                <a:blip r:embed="rId9">
+                  <a:alphaModFix amt="65000"/>
+                  <a:extLst>
+                    <a:ext uri="{28A0092B-C50C-407E-A947-70E740481C1C}">
+                      <a14:useLocalDpi xmlns:a14="http://schemas.microsoft.com/office/drawing/2010/main" val="0"/>
+                    </a:ext>
+                  </a:extLst>
+                </a:blip>
+                <a:srcRect l="68804" r="17581"/>
+                <a:stretch/>
+              </p:blipFill>
+              <p:spPr>
+                <a:xfrm>
+                  <a:off x="4470895" y="3018263"/>
+                  <a:ext cx="289487" cy="630000"/>
+                </a:xfrm>
+                <a:prstGeom prst="rect">
+                  <a:avLst/>
+                </a:prstGeom>
+              </p:spPr>
+            </p:pic>
+            <p:sp>
+              <p:nvSpPr>
+                <p:cNvPr id="29" name="폭발: 8pt 28">
+                  <a:extLst>
+                    <a:ext uri="{FF2B5EF4-FFF2-40B4-BE49-F238E27FC236}">
+                      <a16:creationId xmlns:a16="http://schemas.microsoft.com/office/drawing/2014/main" id="{1205D741-3888-E9CE-C49C-8513A0A40AB4}"/>
+                    </a:ext>
+                  </a:extLst>
+                </p:cNvPr>
+                <p:cNvSpPr/>
+                <p:nvPr/>
+              </p:nvSpPr>
+              <p:spPr>
+                <a:xfrm>
+                  <a:off x="4561839" y="3311605"/>
+                  <a:ext cx="239332" cy="239332"/>
+                </a:xfrm>
+                <a:prstGeom prst="irregularSeal1">
+                  <a:avLst/>
+                </a:prstGeom>
+                <a:solidFill>
+                  <a:srgbClr val="FFFF00"/>
+                </a:solidFill>
+                <a:ln>
+                  <a:noFill/>
+                </a:ln>
+              </p:spPr>
+              <p:style>
+                <a:lnRef idx="2">
+                  <a:schemeClr val="accent1">
+                    <a:shade val="15000"/>
+                  </a:schemeClr>
+                </a:lnRef>
+                <a:fillRef idx="1">
+                  <a:schemeClr val="accent1"/>
+                </a:fillRef>
+                <a:effectRef idx="0">
+                  <a:schemeClr val="accent1"/>
+                </a:effectRef>
+                <a:fontRef idx="minor">
+                  <a:schemeClr val="lt1"/>
+                </a:fontRef>
+              </p:style>
+              <p:txBody>
+                <a:bodyPr rtlCol="0" anchor="ctr"/>
+                <a:lstStyle/>
+                <a:p>
+                  <a:pPr algn="ctr"/>
+                  <a:endParaRPr lang="ko-KR" altLang="en-US">
+                    <a:latin typeface="메이플스토리 OTF" panose="02000300000000000000" pitchFamily="50" charset="-127"/>
+                    <a:ea typeface="메이플스토리 OTF" panose="02000300000000000000" pitchFamily="50" charset="-127"/>
+                  </a:endParaRPr>
+                </a:p>
+              </p:txBody>
+            </p:sp>
+            <p:sp>
+              <p:nvSpPr>
+                <p:cNvPr id="32" name="TextBox 31">
+                  <a:extLst>
+                    <a:ext uri="{FF2B5EF4-FFF2-40B4-BE49-F238E27FC236}">
+                      <a16:creationId xmlns:a16="http://schemas.microsoft.com/office/drawing/2014/main" id="{E149CA99-DEC3-8627-7E59-94638BC7729E}"/>
+                    </a:ext>
+                  </a:extLst>
+                </p:cNvPr>
+                <p:cNvSpPr txBox="1"/>
+                <p:nvPr/>
+              </p:nvSpPr>
+              <p:spPr>
+                <a:xfrm>
+                  <a:off x="4297502" y="2599561"/>
+                  <a:ext cx="439544" cy="400110"/>
+                </a:xfrm>
+                <a:prstGeom prst="rect">
+                  <a:avLst/>
+                </a:prstGeom>
+                <a:noFill/>
+              </p:spPr>
+              <p:txBody>
+                <a:bodyPr wrap="none" rtlCol="0">
+                  <a:spAutoFit/>
+                </a:bodyPr>
+                <a:lstStyle/>
+                <a:p>
+                  <a:r>
+                    <a:rPr lang="en-US" altLang="ko-KR" sz="2000" b="1" dirty="0">
+                      <a:solidFill>
+                        <a:srgbClr val="C00000"/>
+                      </a:solidFill>
+                      <a:latin typeface="메이플스토리 OTF" panose="02000300000000000000" pitchFamily="50" charset="-127"/>
+                      <a:ea typeface="메이플스토리 OTF" panose="02000300000000000000" pitchFamily="50" charset="-127"/>
+                    </a:rPr>
+                    <a:t>-1</a:t>
+                  </a:r>
+                  <a:endParaRPr lang="ko-KR" altLang="en-US" sz="2000" b="1" dirty="0">
+                    <a:solidFill>
+                      <a:srgbClr val="C00000"/>
+                    </a:solidFill>
+                    <a:latin typeface="메이플스토리 OTF" panose="02000300000000000000" pitchFamily="50" charset="-127"/>
+                    <a:ea typeface="메이플스토리 OTF" panose="02000300000000000000" pitchFamily="50" charset="-127"/>
+                  </a:endParaRPr>
+                </a:p>
+              </p:txBody>
+            </p:sp>
+            <p:pic>
+              <p:nvPicPr>
+                <p:cNvPr id="33" name="그림 32" descr="픽셀, 다채로움, 패턴, 그래픽이(가) 표시된 사진&#10;&#10;AI가 생성한 콘텐츠는 부정확할 수 있습니다.">
+                  <a:extLst>
+                    <a:ext uri="{FF2B5EF4-FFF2-40B4-BE49-F238E27FC236}">
+                      <a16:creationId xmlns:a16="http://schemas.microsoft.com/office/drawing/2014/main" id="{3D707585-C714-E432-F667-953BE34BD336}"/>
+                    </a:ext>
+                  </a:extLst>
+                </p:cNvPr>
+                <p:cNvPicPr>
+                  <a:picLocks noChangeAspect="1"/>
+                </p:cNvPicPr>
+                <p:nvPr/>
+              </p:nvPicPr>
+              <p:blipFill>
+                <a:blip r:embed="rId8">
+                  <a:extLst>
+                    <a:ext uri="{28A0092B-C50C-407E-A947-70E740481C1C}">
+                      <a14:useLocalDpi xmlns:a14="http://schemas.microsoft.com/office/drawing/2010/main" val="0"/>
+                    </a:ext>
+                  </a:extLst>
+                </a:blip>
+                <a:stretch>
+                  <a:fillRect/>
+                </a:stretch>
+              </p:blipFill>
+              <p:spPr>
+                <a:xfrm>
+                  <a:off x="4700547" y="2709616"/>
+                  <a:ext cx="198000" cy="180000"/>
+                </a:xfrm>
+                <a:prstGeom prst="rect">
+                  <a:avLst/>
+                </a:prstGeom>
+              </p:spPr>
+            </p:pic>
+          </p:grpSp>
         </p:grpSp>
       </p:grpSp>
     </p:spTree>

--- a/document/UI.pptx
+++ b/document/UI.pptx
@@ -5,43 +5,44 @@
     <p:sldMasterId id="2147483648" r:id="rId1"/>
   </p:sldMasterIdLst>
   <p:notesMasterIdLst>
-    <p:notesMasterId r:id="rId36"/>
+    <p:notesMasterId r:id="rId37"/>
   </p:notesMasterIdLst>
   <p:sldIdLst>
     <p:sldId id="257" r:id="rId2"/>
     <p:sldId id="269" r:id="rId3"/>
-    <p:sldId id="289" r:id="rId4"/>
-    <p:sldId id="270" r:id="rId5"/>
-    <p:sldId id="268" r:id="rId6"/>
-    <p:sldId id="273" r:id="rId7"/>
-    <p:sldId id="274" r:id="rId8"/>
-    <p:sldId id="275" r:id="rId9"/>
-    <p:sldId id="276" r:id="rId10"/>
-    <p:sldId id="277" r:id="rId11"/>
-    <p:sldId id="285" r:id="rId12"/>
-    <p:sldId id="258" r:id="rId13"/>
-    <p:sldId id="259" r:id="rId14"/>
-    <p:sldId id="279" r:id="rId15"/>
-    <p:sldId id="280" r:id="rId16"/>
-    <p:sldId id="281" r:id="rId17"/>
-    <p:sldId id="260" r:id="rId18"/>
-    <p:sldId id="272" r:id="rId19"/>
-    <p:sldId id="261" r:id="rId20"/>
-    <p:sldId id="266" r:id="rId21"/>
-    <p:sldId id="267" r:id="rId22"/>
-    <p:sldId id="263" r:id="rId23"/>
-    <p:sldId id="282" r:id="rId24"/>
-    <p:sldId id="278" r:id="rId25"/>
-    <p:sldId id="264" r:id="rId26"/>
-    <p:sldId id="265" r:id="rId27"/>
-    <p:sldId id="262" r:id="rId28"/>
-    <p:sldId id="283" r:id="rId29"/>
-    <p:sldId id="284" r:id="rId30"/>
-    <p:sldId id="256" r:id="rId31"/>
-    <p:sldId id="286" r:id="rId32"/>
-    <p:sldId id="287" r:id="rId33"/>
-    <p:sldId id="288" r:id="rId34"/>
-    <p:sldId id="271" r:id="rId35"/>
+    <p:sldId id="290" r:id="rId4"/>
+    <p:sldId id="289" r:id="rId5"/>
+    <p:sldId id="270" r:id="rId6"/>
+    <p:sldId id="268" r:id="rId7"/>
+    <p:sldId id="273" r:id="rId8"/>
+    <p:sldId id="274" r:id="rId9"/>
+    <p:sldId id="275" r:id="rId10"/>
+    <p:sldId id="276" r:id="rId11"/>
+    <p:sldId id="277" r:id="rId12"/>
+    <p:sldId id="285" r:id="rId13"/>
+    <p:sldId id="258" r:id="rId14"/>
+    <p:sldId id="259" r:id="rId15"/>
+    <p:sldId id="279" r:id="rId16"/>
+    <p:sldId id="280" r:id="rId17"/>
+    <p:sldId id="281" r:id="rId18"/>
+    <p:sldId id="260" r:id="rId19"/>
+    <p:sldId id="272" r:id="rId20"/>
+    <p:sldId id="261" r:id="rId21"/>
+    <p:sldId id="266" r:id="rId22"/>
+    <p:sldId id="267" r:id="rId23"/>
+    <p:sldId id="263" r:id="rId24"/>
+    <p:sldId id="282" r:id="rId25"/>
+    <p:sldId id="278" r:id="rId26"/>
+    <p:sldId id="264" r:id="rId27"/>
+    <p:sldId id="265" r:id="rId28"/>
+    <p:sldId id="262" r:id="rId29"/>
+    <p:sldId id="283" r:id="rId30"/>
+    <p:sldId id="284" r:id="rId31"/>
+    <p:sldId id="256" r:id="rId32"/>
+    <p:sldId id="286" r:id="rId33"/>
+    <p:sldId id="287" r:id="rId34"/>
+    <p:sldId id="288" r:id="rId35"/>
+    <p:sldId id="271" r:id="rId36"/>
   </p:sldIdLst>
   <p:sldSz cx="12192000" cy="6858000"/>
   <p:notesSz cx="6858000" cy="9144000"/>
@@ -562,7 +563,7 @@
           <a:p>
             <a:fld id="{E684C9C0-E21F-439C-A28A-7CDE9E85435A}" type="slidenum">
               <a:rPr lang="ko-KR" altLang="en-US" smtClean="0"/>
-              <a:t>20</a:t>
+              <a:t>21</a:t>
             </a:fld>
             <a:endParaRPr lang="ko-KR" altLang="en-US"/>
           </a:p>
@@ -670,7 +671,7 @@
           <a:p>
             <a:fld id="{E684C9C0-E21F-439C-A28A-7CDE9E85435A}" type="slidenum">
               <a:rPr lang="ko-KR" altLang="en-US" smtClean="0"/>
-              <a:t>21</a:t>
+              <a:t>22</a:t>
             </a:fld>
             <a:endParaRPr lang="ko-KR" altLang="en-US"/>
           </a:p>
@@ -754,7 +755,7 @@
           <a:p>
             <a:fld id="{E684C9C0-E21F-439C-A28A-7CDE9E85435A}" type="slidenum">
               <a:rPr lang="ko-KR" altLang="en-US" smtClean="0"/>
-              <a:t>31</a:t>
+              <a:t>32</a:t>
             </a:fld>
             <a:endParaRPr lang="ko-KR" altLang="en-US"/>
           </a:p>
@@ -6498,6 +6499,2074 @@
   <p:cSld>
     <p:spTree>
       <p:nvGrpSpPr>
+        <p:cNvPr id="1" name=""/>
+        <p:cNvGrpSpPr/>
+        <p:nvPr/>
+      </p:nvGrpSpPr>
+      <p:grpSpPr>
+        <a:xfrm>
+          <a:off x="0" y="0"/>
+          <a:ext cx="0" cy="0"/>
+          <a:chOff x="0" y="0"/>
+          <a:chExt cx="0" cy="0"/>
+        </a:xfrm>
+      </p:grpSpPr>
+      <p:grpSp>
+        <p:nvGrpSpPr>
+          <p:cNvPr id="2" name="그룹 1">
+            <a:extLst>
+              <a:ext uri="{FF2B5EF4-FFF2-40B4-BE49-F238E27FC236}">
+                <a16:creationId xmlns:a16="http://schemas.microsoft.com/office/drawing/2014/main" id="{32F8AD25-57E3-2F8E-E847-9D6614B8D6C3}"/>
+              </a:ext>
+            </a:extLst>
+          </p:cNvPr>
+          <p:cNvGrpSpPr/>
+          <p:nvPr/>
+        </p:nvGrpSpPr>
+        <p:grpSpPr>
+          <a:xfrm>
+            <a:off x="1149919" y="503582"/>
+            <a:ext cx="3256428" cy="5664350"/>
+            <a:chOff x="4350319" y="516834"/>
+            <a:chExt cx="3256428" cy="5664350"/>
+          </a:xfrm>
+        </p:grpSpPr>
+        <p:grpSp>
+          <p:nvGrpSpPr>
+            <p:cNvPr id="3" name="그룹 2">
+              <a:extLst>
+                <a:ext uri="{FF2B5EF4-FFF2-40B4-BE49-F238E27FC236}">
+                  <a16:creationId xmlns:a16="http://schemas.microsoft.com/office/drawing/2014/main" id="{BFF628BB-B97A-6775-A324-83CCE2FDE9D8}"/>
+                </a:ext>
+              </a:extLst>
+            </p:cNvPr>
+            <p:cNvGrpSpPr/>
+            <p:nvPr/>
+          </p:nvGrpSpPr>
+          <p:grpSpPr>
+            <a:xfrm>
+              <a:off x="4350319" y="516834"/>
+              <a:ext cx="3256428" cy="5664350"/>
+              <a:chOff x="7454978" y="591749"/>
+              <a:chExt cx="2571297" cy="4472608"/>
+            </a:xfrm>
+          </p:grpSpPr>
+          <p:grpSp>
+            <p:nvGrpSpPr>
+              <p:cNvPr id="14" name="그룹 13">
+                <a:extLst>
+                  <a:ext uri="{FF2B5EF4-FFF2-40B4-BE49-F238E27FC236}">
+                    <a16:creationId xmlns:a16="http://schemas.microsoft.com/office/drawing/2014/main" id="{A39439D9-98D9-F31C-DD84-B924C9FD1D1B}"/>
+                  </a:ext>
+                </a:extLst>
+              </p:cNvPr>
+              <p:cNvGrpSpPr/>
+              <p:nvPr/>
+            </p:nvGrpSpPr>
+            <p:grpSpPr>
+              <a:xfrm>
+                <a:off x="7454978" y="591749"/>
+                <a:ext cx="2571297" cy="4472608"/>
+                <a:chOff x="7562162" y="591749"/>
+                <a:chExt cx="2571297" cy="4472608"/>
+              </a:xfrm>
+            </p:grpSpPr>
+            <p:sp>
+              <p:nvSpPr>
+                <p:cNvPr id="16" name="사각형: 둥근 모서리 15">
+                  <a:extLst>
+                    <a:ext uri="{FF2B5EF4-FFF2-40B4-BE49-F238E27FC236}">
+                      <a16:creationId xmlns:a16="http://schemas.microsoft.com/office/drawing/2014/main" id="{1F5633D1-1316-4234-D039-3696E9FDABBE}"/>
+                    </a:ext>
+                  </a:extLst>
+                </p:cNvPr>
+                <p:cNvSpPr/>
+                <p:nvPr/>
+              </p:nvSpPr>
+              <p:spPr>
+                <a:xfrm rot="5400000">
+                  <a:off x="6611507" y="1542404"/>
+                  <a:ext cx="4472608" cy="2571297"/>
+                </a:xfrm>
+                <a:prstGeom prst="roundRect">
+                  <a:avLst>
+                    <a:gd name="adj" fmla="val 2928"/>
+                  </a:avLst>
+                </a:prstGeom>
+                <a:solidFill>
+                  <a:schemeClr val="bg2">
+                    <a:lumMod val="75000"/>
+                  </a:schemeClr>
+                </a:solidFill>
+              </p:spPr>
+              <p:style>
+                <a:lnRef idx="2">
+                  <a:schemeClr val="accent1">
+                    <a:shade val="15000"/>
+                  </a:schemeClr>
+                </a:lnRef>
+                <a:fillRef idx="1">
+                  <a:schemeClr val="accent1"/>
+                </a:fillRef>
+                <a:effectRef idx="0">
+                  <a:schemeClr val="accent1"/>
+                </a:effectRef>
+                <a:fontRef idx="minor">
+                  <a:schemeClr val="lt1"/>
+                </a:fontRef>
+              </p:style>
+              <p:txBody>
+                <a:bodyPr rtlCol="0" anchor="ctr"/>
+                <a:lstStyle/>
+                <a:p>
+                  <a:pPr algn="ctr"/>
+                  <a:endParaRPr lang="ko-KR" altLang="en-US" sz="2000"/>
+                </a:p>
+              </p:txBody>
+            </p:sp>
+            <p:sp>
+              <p:nvSpPr>
+                <p:cNvPr id="17" name="타원 16">
+                  <a:extLst>
+                    <a:ext uri="{FF2B5EF4-FFF2-40B4-BE49-F238E27FC236}">
+                      <a16:creationId xmlns:a16="http://schemas.microsoft.com/office/drawing/2014/main" id="{D6BE5C6E-D1B8-306A-7760-E703610C2F31}"/>
+                    </a:ext>
+                  </a:extLst>
+                </p:cNvPr>
+                <p:cNvSpPr/>
+                <p:nvPr/>
+              </p:nvSpPr>
+              <p:spPr>
+                <a:xfrm rot="5400000">
+                  <a:off x="8798520" y="621535"/>
+                  <a:ext cx="98581" cy="98581"/>
+                </a:xfrm>
+                <a:prstGeom prst="ellipse">
+                  <a:avLst/>
+                </a:prstGeom>
+                <a:solidFill>
+                  <a:schemeClr val="tx1">
+                    <a:lumMod val="85000"/>
+                    <a:lumOff val="15000"/>
+                  </a:schemeClr>
+                </a:solidFill>
+              </p:spPr>
+              <p:style>
+                <a:lnRef idx="2">
+                  <a:schemeClr val="accent1">
+                    <a:shade val="15000"/>
+                  </a:schemeClr>
+                </a:lnRef>
+                <a:fillRef idx="1">
+                  <a:schemeClr val="accent1"/>
+                </a:fillRef>
+                <a:effectRef idx="0">
+                  <a:schemeClr val="accent1"/>
+                </a:effectRef>
+                <a:fontRef idx="minor">
+                  <a:schemeClr val="lt1"/>
+                </a:fontRef>
+              </p:style>
+              <p:txBody>
+                <a:bodyPr rtlCol="0" anchor="ctr"/>
+                <a:lstStyle/>
+                <a:p>
+                  <a:pPr algn="ctr"/>
+                  <a:endParaRPr lang="ko-KR" altLang="en-US" sz="2000"/>
+                </a:p>
+              </p:txBody>
+            </p:sp>
+          </p:grpSp>
+          <p:sp>
+            <p:nvSpPr>
+              <p:cNvPr id="15" name="직사각형 14">
+                <a:extLst>
+                  <a:ext uri="{FF2B5EF4-FFF2-40B4-BE49-F238E27FC236}">
+                    <a16:creationId xmlns:a16="http://schemas.microsoft.com/office/drawing/2014/main" id="{358474EC-02D9-1E90-3AE3-E3C5E63EAE37}"/>
+                  </a:ext>
+                </a:extLst>
+              </p:cNvPr>
+              <p:cNvSpPr/>
+              <p:nvPr/>
+            </p:nvSpPr>
+            <p:spPr>
+              <a:xfrm rot="5400000">
+                <a:off x="6642550" y="1673028"/>
+                <a:ext cx="4196152" cy="2363058"/>
+              </a:xfrm>
+              <a:prstGeom prst="rect">
+                <a:avLst/>
+              </a:prstGeom>
+              <a:solidFill>
+                <a:schemeClr val="bg1"/>
+              </a:solidFill>
+            </p:spPr>
+            <p:style>
+              <a:lnRef idx="2">
+                <a:schemeClr val="accent1">
+                  <a:shade val="15000"/>
+                </a:schemeClr>
+              </a:lnRef>
+              <a:fillRef idx="1">
+                <a:schemeClr val="accent1"/>
+              </a:fillRef>
+              <a:effectRef idx="0">
+                <a:schemeClr val="accent1"/>
+              </a:effectRef>
+              <a:fontRef idx="minor">
+                <a:schemeClr val="lt1"/>
+              </a:fontRef>
+            </p:style>
+            <p:txBody>
+              <a:bodyPr rtlCol="0" anchor="ctr"/>
+              <a:lstStyle/>
+              <a:p>
+                <a:pPr algn="ctr"/>
+                <a:endParaRPr lang="ko-KR" altLang="en-US" sz="4000" dirty="0"/>
+              </a:p>
+            </p:txBody>
+          </p:sp>
+        </p:grpSp>
+        <p:sp>
+          <p:nvSpPr>
+            <p:cNvPr id="4" name="TextBox 3">
+              <a:extLst>
+                <a:ext uri="{FF2B5EF4-FFF2-40B4-BE49-F238E27FC236}">
+                  <a16:creationId xmlns:a16="http://schemas.microsoft.com/office/drawing/2014/main" id="{FE1357E6-0487-76E1-C54E-1355455EBB96}"/>
+                </a:ext>
+              </a:extLst>
+            </p:cNvPr>
+            <p:cNvSpPr txBox="1"/>
+            <p:nvPr/>
+          </p:nvSpPr>
+          <p:spPr>
+            <a:xfrm>
+              <a:off x="4747428" y="775812"/>
+              <a:ext cx="1693579" cy="338554"/>
+            </a:xfrm>
+            <a:prstGeom prst="rect">
+              <a:avLst/>
+            </a:prstGeom>
+            <a:noFill/>
+          </p:spPr>
+          <p:txBody>
+            <a:bodyPr wrap="square" anchor="ctr">
+              <a:spAutoFit/>
+            </a:bodyPr>
+            <a:lstStyle/>
+            <a:p>
+              <a:r>
+                <a:rPr lang="en-US" altLang="ko-KR" sz="1600" dirty="0">
+                  <a:solidFill>
+                    <a:schemeClr val="tx1"/>
+                  </a:solidFill>
+                </a:rPr>
+                <a:t>NPC</a:t>
+              </a:r>
+              <a:r>
+                <a:rPr lang="ko-KR" altLang="en-US" sz="1600" dirty="0">
+                  <a:solidFill>
+                    <a:schemeClr val="tx1"/>
+                  </a:solidFill>
+                </a:rPr>
+                <a:t>이름</a:t>
+              </a:r>
+              <a:endParaRPr lang="en-US" altLang="ko-KR" sz="1600" dirty="0">
+                <a:solidFill>
+                  <a:schemeClr val="tx1"/>
+                </a:solidFill>
+              </a:endParaRPr>
+            </a:p>
+          </p:txBody>
+        </p:sp>
+        <p:sp>
+          <p:nvSpPr>
+            <p:cNvPr id="5" name="말풍선: 사각형 4">
+              <a:extLst>
+                <a:ext uri="{FF2B5EF4-FFF2-40B4-BE49-F238E27FC236}">
+                  <a16:creationId xmlns:a16="http://schemas.microsoft.com/office/drawing/2014/main" id="{B80ED136-B9F5-9FD4-979C-3F4A767FC3C2}"/>
+                </a:ext>
+              </a:extLst>
+            </p:cNvPr>
+            <p:cNvSpPr/>
+            <p:nvPr/>
+          </p:nvSpPr>
+          <p:spPr>
+            <a:xfrm>
+              <a:off x="4747428" y="1368909"/>
+              <a:ext cx="2268582" cy="393630"/>
+            </a:xfrm>
+            <a:prstGeom prst="wedgeRectCallout">
+              <a:avLst>
+                <a:gd name="adj1" fmla="val -56682"/>
+                <a:gd name="adj2" fmla="val -23616"/>
+              </a:avLst>
+            </a:prstGeom>
+            <a:solidFill>
+              <a:schemeClr val="bg1"/>
+            </a:solidFill>
+            <a:ln>
+              <a:solidFill>
+                <a:schemeClr val="tx1">
+                  <a:lumMod val="65000"/>
+                  <a:lumOff val="35000"/>
+                </a:schemeClr>
+              </a:solidFill>
+            </a:ln>
+          </p:spPr>
+          <p:style>
+            <a:lnRef idx="2">
+              <a:schemeClr val="accent1">
+                <a:shade val="15000"/>
+              </a:schemeClr>
+            </a:lnRef>
+            <a:fillRef idx="1">
+              <a:schemeClr val="accent1"/>
+            </a:fillRef>
+            <a:effectRef idx="0">
+              <a:schemeClr val="accent1"/>
+            </a:effectRef>
+            <a:fontRef idx="minor">
+              <a:schemeClr val="lt1"/>
+            </a:fontRef>
+          </p:style>
+          <p:txBody>
+            <a:bodyPr rtlCol="0" anchor="ctr"/>
+            <a:lstStyle/>
+            <a:p>
+              <a:pPr algn="ctr"/>
+              <a:r>
+                <a:rPr lang="ko-KR" altLang="en-US" sz="1200" dirty="0">
+                  <a:solidFill>
+                    <a:schemeClr val="tx1"/>
+                  </a:solidFill>
+                </a:rPr>
+                <a:t>대화 </a:t>
+              </a:r>
+              <a:r>
+                <a:rPr lang="en-US" altLang="ko-KR" sz="1200" dirty="0">
+                  <a:solidFill>
+                    <a:schemeClr val="tx1"/>
+                  </a:solidFill>
+                </a:rPr>
+                <a:t>Text</a:t>
+              </a:r>
+              <a:endParaRPr lang="ko-KR" altLang="en-US" sz="1200" dirty="0">
+                <a:solidFill>
+                  <a:schemeClr val="tx1"/>
+                </a:solidFill>
+              </a:endParaRPr>
+            </a:p>
+          </p:txBody>
+        </p:sp>
+        <p:sp>
+          <p:nvSpPr>
+            <p:cNvPr id="6" name="사각형: 둥근 모서리 5">
+              <a:extLst>
+                <a:ext uri="{FF2B5EF4-FFF2-40B4-BE49-F238E27FC236}">
+                  <a16:creationId xmlns:a16="http://schemas.microsoft.com/office/drawing/2014/main" id="{1148CEEC-1724-0FD4-D581-E3F9DC1FD029}"/>
+                </a:ext>
+              </a:extLst>
+            </p:cNvPr>
+            <p:cNvSpPr/>
+            <p:nvPr/>
+          </p:nvSpPr>
+          <p:spPr>
+            <a:xfrm>
+              <a:off x="4644631" y="4858447"/>
+              <a:ext cx="2679289" cy="301076"/>
+            </a:xfrm>
+            <a:prstGeom prst="roundRect">
+              <a:avLst/>
+            </a:prstGeom>
+            <a:solidFill>
+              <a:schemeClr val="bg2">
+                <a:lumMod val="75000"/>
+              </a:schemeClr>
+            </a:solidFill>
+            <a:ln>
+              <a:noFill/>
+            </a:ln>
+          </p:spPr>
+          <p:style>
+            <a:lnRef idx="2">
+              <a:schemeClr val="accent1">
+                <a:shade val="15000"/>
+              </a:schemeClr>
+            </a:lnRef>
+            <a:fillRef idx="1">
+              <a:schemeClr val="accent1"/>
+            </a:fillRef>
+            <a:effectRef idx="0">
+              <a:schemeClr val="accent1"/>
+            </a:effectRef>
+            <a:fontRef idx="minor">
+              <a:schemeClr val="lt1"/>
+            </a:fontRef>
+          </p:style>
+          <p:txBody>
+            <a:bodyPr rtlCol="0" anchor="ctr"/>
+            <a:lstStyle/>
+            <a:p>
+              <a:pPr algn="ctr"/>
+              <a:r>
+                <a:rPr lang="ko-KR" altLang="en-US" sz="1200" dirty="0">
+                  <a:solidFill>
+                    <a:schemeClr val="tx1"/>
+                  </a:solidFill>
+                </a:rPr>
+                <a:t>대답 선택지 </a:t>
+              </a:r>
+              <a:r>
+                <a:rPr lang="en-US" altLang="ko-KR" sz="1200" dirty="0">
+                  <a:solidFill>
+                    <a:schemeClr val="tx1"/>
+                  </a:solidFill>
+                </a:rPr>
+                <a:t>1</a:t>
+              </a:r>
+              <a:endParaRPr lang="ko-KR" altLang="en-US" sz="1200" dirty="0">
+                <a:solidFill>
+                  <a:schemeClr val="tx1"/>
+                </a:solidFill>
+              </a:endParaRPr>
+            </a:p>
+          </p:txBody>
+        </p:sp>
+        <p:sp>
+          <p:nvSpPr>
+            <p:cNvPr id="7" name="사각형: 둥근 모서리 6">
+              <a:extLst>
+                <a:ext uri="{FF2B5EF4-FFF2-40B4-BE49-F238E27FC236}">
+                  <a16:creationId xmlns:a16="http://schemas.microsoft.com/office/drawing/2014/main" id="{FBD131F6-E474-1FE1-DEC7-398EC3DC82EF}"/>
+                </a:ext>
+              </a:extLst>
+            </p:cNvPr>
+            <p:cNvSpPr/>
+            <p:nvPr/>
+          </p:nvSpPr>
+          <p:spPr>
+            <a:xfrm>
+              <a:off x="4644631" y="5197313"/>
+              <a:ext cx="2679289" cy="301076"/>
+            </a:xfrm>
+            <a:prstGeom prst="roundRect">
+              <a:avLst/>
+            </a:prstGeom>
+            <a:solidFill>
+              <a:schemeClr val="bg2">
+                <a:lumMod val="75000"/>
+              </a:schemeClr>
+            </a:solidFill>
+            <a:ln>
+              <a:noFill/>
+            </a:ln>
+          </p:spPr>
+          <p:style>
+            <a:lnRef idx="2">
+              <a:schemeClr val="accent1">
+                <a:shade val="15000"/>
+              </a:schemeClr>
+            </a:lnRef>
+            <a:fillRef idx="1">
+              <a:schemeClr val="accent1"/>
+            </a:fillRef>
+            <a:effectRef idx="0">
+              <a:schemeClr val="accent1"/>
+            </a:effectRef>
+            <a:fontRef idx="minor">
+              <a:schemeClr val="lt1"/>
+            </a:fontRef>
+          </p:style>
+          <p:txBody>
+            <a:bodyPr rtlCol="0" anchor="ctr"/>
+            <a:lstStyle/>
+            <a:p>
+              <a:pPr algn="ctr"/>
+              <a:r>
+                <a:rPr lang="ko-KR" altLang="en-US" sz="1200" dirty="0">
+                  <a:solidFill>
+                    <a:schemeClr val="tx1"/>
+                  </a:solidFill>
+                </a:rPr>
+                <a:t>대답 선택지 </a:t>
+              </a:r>
+              <a:r>
+                <a:rPr lang="en-US" altLang="ko-KR" sz="1200" dirty="0">
+                  <a:solidFill>
+                    <a:schemeClr val="tx1"/>
+                  </a:solidFill>
+                </a:rPr>
+                <a:t>2</a:t>
+              </a:r>
+              <a:endParaRPr lang="ko-KR" altLang="en-US" sz="1200" dirty="0">
+                <a:solidFill>
+                  <a:schemeClr val="tx1"/>
+                </a:solidFill>
+              </a:endParaRPr>
+            </a:p>
+          </p:txBody>
+        </p:sp>
+        <p:sp>
+          <p:nvSpPr>
+            <p:cNvPr id="8" name="사각형: 둥근 모서리 7">
+              <a:extLst>
+                <a:ext uri="{FF2B5EF4-FFF2-40B4-BE49-F238E27FC236}">
+                  <a16:creationId xmlns:a16="http://schemas.microsoft.com/office/drawing/2014/main" id="{219F5019-B71D-74C1-999F-0A3C0560D3E6}"/>
+                </a:ext>
+              </a:extLst>
+            </p:cNvPr>
+            <p:cNvSpPr/>
+            <p:nvPr/>
+          </p:nvSpPr>
+          <p:spPr>
+            <a:xfrm>
+              <a:off x="4644631" y="5536178"/>
+              <a:ext cx="2679289" cy="301076"/>
+            </a:xfrm>
+            <a:prstGeom prst="roundRect">
+              <a:avLst/>
+            </a:prstGeom>
+            <a:solidFill>
+              <a:schemeClr val="bg2">
+                <a:lumMod val="75000"/>
+              </a:schemeClr>
+            </a:solidFill>
+            <a:ln>
+              <a:noFill/>
+            </a:ln>
+          </p:spPr>
+          <p:style>
+            <a:lnRef idx="2">
+              <a:schemeClr val="accent1">
+                <a:shade val="15000"/>
+              </a:schemeClr>
+            </a:lnRef>
+            <a:fillRef idx="1">
+              <a:schemeClr val="accent1"/>
+            </a:fillRef>
+            <a:effectRef idx="0">
+              <a:schemeClr val="accent1"/>
+            </a:effectRef>
+            <a:fontRef idx="minor">
+              <a:schemeClr val="lt1"/>
+            </a:fontRef>
+          </p:style>
+          <p:txBody>
+            <a:bodyPr rtlCol="0" anchor="ctr"/>
+            <a:lstStyle/>
+            <a:p>
+              <a:pPr algn="ctr"/>
+              <a:r>
+                <a:rPr lang="ko-KR" altLang="en-US" sz="1200" dirty="0">
+                  <a:solidFill>
+                    <a:schemeClr val="tx1"/>
+                  </a:solidFill>
+                </a:rPr>
+                <a:t>대답 선택지 </a:t>
+              </a:r>
+              <a:r>
+                <a:rPr lang="en-US" altLang="ko-KR" sz="1200" dirty="0">
+                  <a:solidFill>
+                    <a:schemeClr val="tx1"/>
+                  </a:solidFill>
+                </a:rPr>
+                <a:t>3</a:t>
+              </a:r>
+              <a:endParaRPr lang="ko-KR" altLang="en-US" sz="1200" dirty="0">
+                <a:solidFill>
+                  <a:schemeClr val="tx1"/>
+                </a:solidFill>
+              </a:endParaRPr>
+            </a:p>
+          </p:txBody>
+        </p:sp>
+        <p:pic>
+          <p:nvPicPr>
+            <p:cNvPr id="9" name="그래픽 8" descr="왼쪽 캐럿 단색으로 채워진">
+              <a:extLst>
+                <a:ext uri="{FF2B5EF4-FFF2-40B4-BE49-F238E27FC236}">
+                  <a16:creationId xmlns:a16="http://schemas.microsoft.com/office/drawing/2014/main" id="{4DFB7CE9-C28C-4F4A-1A9E-29EC0DB93942}"/>
+                </a:ext>
+              </a:extLst>
+            </p:cNvPr>
+            <p:cNvPicPr>
+              <a:picLocks noChangeAspect="1"/>
+            </p:cNvPicPr>
+            <p:nvPr/>
+          </p:nvPicPr>
+          <p:blipFill>
+            <a:blip r:embed="rId2">
+              <a:extLst>
+                <a:ext uri="{96DAC541-7B7A-43D3-8B79-37D633B846F1}">
+                  <asvg:svgBlip xmlns:asvg="http://schemas.microsoft.com/office/drawing/2016/SVG/main" r:embed="rId3"/>
+                </a:ext>
+              </a:extLst>
+            </a:blip>
+            <a:stretch>
+              <a:fillRect/>
+            </a:stretch>
+          </p:blipFill>
+          <p:spPr>
+            <a:xfrm>
+              <a:off x="4495431" y="765089"/>
+              <a:ext cx="360000" cy="360000"/>
+            </a:xfrm>
+            <a:prstGeom prst="rect">
+              <a:avLst/>
+            </a:prstGeom>
+          </p:spPr>
+        </p:pic>
+        <p:cxnSp>
+          <p:nvCxnSpPr>
+            <p:cNvPr id="10" name="직선 연결선 9">
+              <a:extLst>
+                <a:ext uri="{FF2B5EF4-FFF2-40B4-BE49-F238E27FC236}">
+                  <a16:creationId xmlns:a16="http://schemas.microsoft.com/office/drawing/2014/main" id="{A7F7E1CE-A066-4700-7FF7-CBE91FD983DB}"/>
+                </a:ext>
+              </a:extLst>
+            </p:cNvPr>
+            <p:cNvCxnSpPr/>
+            <p:nvPr/>
+          </p:nvCxnSpPr>
+          <p:spPr>
+            <a:xfrm>
+              <a:off x="4495431" y="1186070"/>
+              <a:ext cx="2979453" cy="0"/>
+            </a:xfrm>
+            <a:prstGeom prst="line">
+              <a:avLst/>
+            </a:prstGeom>
+          </p:spPr>
+          <p:style>
+            <a:lnRef idx="2">
+              <a:schemeClr val="accent1"/>
+            </a:lnRef>
+            <a:fillRef idx="0">
+              <a:schemeClr val="accent1"/>
+            </a:fillRef>
+            <a:effectRef idx="1">
+              <a:schemeClr val="accent1"/>
+            </a:effectRef>
+            <a:fontRef idx="minor">
+              <a:schemeClr val="tx1"/>
+            </a:fontRef>
+          </p:style>
+        </p:cxnSp>
+        <p:pic>
+          <p:nvPicPr>
+            <p:cNvPr id="11" name="그래픽 10" descr="오른쪽 캐럿 단색으로 채워진">
+              <a:extLst>
+                <a:ext uri="{FF2B5EF4-FFF2-40B4-BE49-F238E27FC236}">
+                  <a16:creationId xmlns:a16="http://schemas.microsoft.com/office/drawing/2014/main" id="{A641B75E-4C0E-0216-CE8F-1A82C253E98C}"/>
+                </a:ext>
+              </a:extLst>
+            </p:cNvPr>
+            <p:cNvPicPr>
+              <a:picLocks noChangeAspect="1"/>
+            </p:cNvPicPr>
+            <p:nvPr/>
+          </p:nvPicPr>
+          <p:blipFill>
+            <a:blip r:embed="rId4">
+              <a:extLst>
+                <a:ext uri="{96DAC541-7B7A-43D3-8B79-37D633B846F1}">
+                  <asvg:svgBlip xmlns:asvg="http://schemas.microsoft.com/office/drawing/2016/SVG/main" r:embed="rId5"/>
+                </a:ext>
+              </a:extLst>
+            </a:blip>
+            <a:stretch>
+              <a:fillRect/>
+            </a:stretch>
+          </p:blipFill>
+          <p:spPr>
+            <a:xfrm>
+              <a:off x="4492487" y="4396409"/>
+              <a:ext cx="360000" cy="360000"/>
+            </a:xfrm>
+            <a:prstGeom prst="rect">
+              <a:avLst/>
+            </a:prstGeom>
+          </p:spPr>
+        </p:pic>
+        <p:sp>
+          <p:nvSpPr>
+            <p:cNvPr id="12" name="사각형: 둥근 모서리 11">
+              <a:extLst>
+                <a:ext uri="{FF2B5EF4-FFF2-40B4-BE49-F238E27FC236}">
+                  <a16:creationId xmlns:a16="http://schemas.microsoft.com/office/drawing/2014/main" id="{F8AA26B3-9D1F-8EA5-06CE-FA18922EE52A}"/>
+                </a:ext>
+              </a:extLst>
+            </p:cNvPr>
+            <p:cNvSpPr/>
+            <p:nvPr/>
+          </p:nvSpPr>
+          <p:spPr>
+            <a:xfrm>
+              <a:off x="4908419" y="4417488"/>
+              <a:ext cx="2140226" cy="301077"/>
+            </a:xfrm>
+            <a:prstGeom prst="roundRect">
+              <a:avLst>
+                <a:gd name="adj" fmla="val 50000"/>
+              </a:avLst>
+            </a:prstGeom>
+            <a:solidFill>
+              <a:schemeClr val="bg2">
+                <a:lumMod val="75000"/>
+              </a:schemeClr>
+            </a:solidFill>
+            <a:ln>
+              <a:solidFill>
+                <a:schemeClr val="bg1"/>
+              </a:solidFill>
+            </a:ln>
+          </p:spPr>
+          <p:style>
+            <a:lnRef idx="2">
+              <a:schemeClr val="accent1">
+                <a:shade val="15000"/>
+              </a:schemeClr>
+            </a:lnRef>
+            <a:fillRef idx="1">
+              <a:schemeClr val="accent1"/>
+            </a:fillRef>
+            <a:effectRef idx="0">
+              <a:schemeClr val="accent1"/>
+            </a:effectRef>
+            <a:fontRef idx="minor">
+              <a:schemeClr val="lt1"/>
+            </a:fontRef>
+          </p:style>
+          <p:txBody>
+            <a:bodyPr rtlCol="0" anchor="ctr"/>
+            <a:lstStyle/>
+            <a:p>
+              <a:r>
+                <a:rPr lang="en-US" altLang="ko-KR" sz="1000" dirty="0">
+                  <a:solidFill>
+                    <a:schemeClr val="tx1"/>
+                  </a:solidFill>
+                </a:rPr>
+                <a:t>l</a:t>
+              </a:r>
+              <a:endParaRPr lang="ko-KR" altLang="en-US" sz="1000" dirty="0">
+                <a:solidFill>
+                  <a:schemeClr val="tx1"/>
+                </a:solidFill>
+              </a:endParaRPr>
+            </a:p>
+          </p:txBody>
+        </p:sp>
+        <p:sp>
+          <p:nvSpPr>
+            <p:cNvPr id="13" name="말풍선: 사각형 12">
+              <a:extLst>
+                <a:ext uri="{FF2B5EF4-FFF2-40B4-BE49-F238E27FC236}">
+                  <a16:creationId xmlns:a16="http://schemas.microsoft.com/office/drawing/2014/main" id="{4E2DCD3B-8367-98F2-C1F9-37E82181E1B3}"/>
+                </a:ext>
+              </a:extLst>
+            </p:cNvPr>
+            <p:cNvSpPr/>
+            <p:nvPr/>
+          </p:nvSpPr>
+          <p:spPr>
+            <a:xfrm>
+              <a:off x="4951770" y="2066974"/>
+              <a:ext cx="2268582" cy="393630"/>
+            </a:xfrm>
+            <a:prstGeom prst="wedgeRectCallout">
+              <a:avLst>
+                <a:gd name="adj1" fmla="val 57814"/>
+                <a:gd name="adj2" fmla="val -21933"/>
+              </a:avLst>
+            </a:prstGeom>
+            <a:solidFill>
+              <a:srgbClr val="0070C0"/>
+            </a:solidFill>
+            <a:ln>
+              <a:solidFill>
+                <a:schemeClr val="tx1">
+                  <a:lumMod val="65000"/>
+                  <a:lumOff val="35000"/>
+                </a:schemeClr>
+              </a:solidFill>
+            </a:ln>
+          </p:spPr>
+          <p:style>
+            <a:lnRef idx="2">
+              <a:schemeClr val="accent1">
+                <a:shade val="15000"/>
+              </a:schemeClr>
+            </a:lnRef>
+            <a:fillRef idx="1">
+              <a:schemeClr val="accent1"/>
+            </a:fillRef>
+            <a:effectRef idx="0">
+              <a:schemeClr val="accent1"/>
+            </a:effectRef>
+            <a:fontRef idx="minor">
+              <a:schemeClr val="lt1"/>
+            </a:fontRef>
+          </p:style>
+          <p:txBody>
+            <a:bodyPr rtlCol="0" anchor="ctr"/>
+            <a:lstStyle/>
+            <a:p>
+              <a:pPr algn="ctr"/>
+              <a:r>
+                <a:rPr lang="ko-KR" altLang="en-US" sz="1200">
+                  <a:solidFill>
+                    <a:schemeClr val="bg1"/>
+                  </a:solidFill>
+                </a:rPr>
+                <a:t>답변 </a:t>
+              </a:r>
+              <a:r>
+                <a:rPr lang="en-US" altLang="ko-KR" sz="1200" dirty="0">
+                  <a:solidFill>
+                    <a:schemeClr val="bg1"/>
+                  </a:solidFill>
+                </a:rPr>
+                <a:t>Text</a:t>
+              </a:r>
+              <a:endParaRPr lang="ko-KR" altLang="en-US" sz="1200" dirty="0">
+                <a:solidFill>
+                  <a:schemeClr val="bg1"/>
+                </a:solidFill>
+              </a:endParaRPr>
+            </a:p>
+          </p:txBody>
+        </p:sp>
+      </p:grpSp>
+      <p:grpSp>
+        <p:nvGrpSpPr>
+          <p:cNvPr id="18" name="그룹 17">
+            <a:extLst>
+              <a:ext uri="{FF2B5EF4-FFF2-40B4-BE49-F238E27FC236}">
+                <a16:creationId xmlns:a16="http://schemas.microsoft.com/office/drawing/2014/main" id="{47C1C825-EB39-0864-1B54-33BEC677EE5E}"/>
+              </a:ext>
+            </a:extLst>
+          </p:cNvPr>
+          <p:cNvGrpSpPr/>
+          <p:nvPr/>
+        </p:nvGrpSpPr>
+        <p:grpSpPr>
+          <a:xfrm>
+            <a:off x="6980875" y="503581"/>
+            <a:ext cx="3256428" cy="5664350"/>
+            <a:chOff x="4350319" y="516834"/>
+            <a:chExt cx="3256428" cy="5664350"/>
+          </a:xfrm>
+        </p:grpSpPr>
+        <p:grpSp>
+          <p:nvGrpSpPr>
+            <p:cNvPr id="19" name="그룹 18">
+              <a:extLst>
+                <a:ext uri="{FF2B5EF4-FFF2-40B4-BE49-F238E27FC236}">
+                  <a16:creationId xmlns:a16="http://schemas.microsoft.com/office/drawing/2014/main" id="{5E474CE7-ED12-750A-75A3-873D26C06173}"/>
+                </a:ext>
+              </a:extLst>
+            </p:cNvPr>
+            <p:cNvGrpSpPr/>
+            <p:nvPr/>
+          </p:nvGrpSpPr>
+          <p:grpSpPr>
+            <a:xfrm>
+              <a:off x="4350319" y="516834"/>
+              <a:ext cx="3256428" cy="5664350"/>
+              <a:chOff x="7454978" y="591749"/>
+              <a:chExt cx="2571297" cy="4472608"/>
+            </a:xfrm>
+          </p:grpSpPr>
+          <p:grpSp>
+            <p:nvGrpSpPr>
+              <p:cNvPr id="36" name="그룹 35">
+                <a:extLst>
+                  <a:ext uri="{FF2B5EF4-FFF2-40B4-BE49-F238E27FC236}">
+                    <a16:creationId xmlns:a16="http://schemas.microsoft.com/office/drawing/2014/main" id="{F2061259-6B1C-4F7E-DC7B-ADADCA7ECDE7}"/>
+                  </a:ext>
+                </a:extLst>
+              </p:cNvPr>
+              <p:cNvGrpSpPr/>
+              <p:nvPr/>
+            </p:nvGrpSpPr>
+            <p:grpSpPr>
+              <a:xfrm>
+                <a:off x="7454978" y="591749"/>
+                <a:ext cx="2571297" cy="4472608"/>
+                <a:chOff x="7562162" y="591749"/>
+                <a:chExt cx="2571297" cy="4472608"/>
+              </a:xfrm>
+            </p:grpSpPr>
+            <p:sp>
+              <p:nvSpPr>
+                <p:cNvPr id="38" name="사각형: 둥근 모서리 37">
+                  <a:extLst>
+                    <a:ext uri="{FF2B5EF4-FFF2-40B4-BE49-F238E27FC236}">
+                      <a16:creationId xmlns:a16="http://schemas.microsoft.com/office/drawing/2014/main" id="{7A0DF311-8F15-9E19-AAA2-B5185CFBF9B3}"/>
+                    </a:ext>
+                  </a:extLst>
+                </p:cNvPr>
+                <p:cNvSpPr/>
+                <p:nvPr/>
+              </p:nvSpPr>
+              <p:spPr>
+                <a:xfrm rot="5400000">
+                  <a:off x="6611507" y="1542404"/>
+                  <a:ext cx="4472608" cy="2571297"/>
+                </a:xfrm>
+                <a:prstGeom prst="roundRect">
+                  <a:avLst>
+                    <a:gd name="adj" fmla="val 2928"/>
+                  </a:avLst>
+                </a:prstGeom>
+                <a:solidFill>
+                  <a:schemeClr val="bg2">
+                    <a:lumMod val="75000"/>
+                  </a:schemeClr>
+                </a:solidFill>
+              </p:spPr>
+              <p:style>
+                <a:lnRef idx="2">
+                  <a:schemeClr val="accent1">
+                    <a:shade val="15000"/>
+                  </a:schemeClr>
+                </a:lnRef>
+                <a:fillRef idx="1">
+                  <a:schemeClr val="accent1"/>
+                </a:fillRef>
+                <a:effectRef idx="0">
+                  <a:schemeClr val="accent1"/>
+                </a:effectRef>
+                <a:fontRef idx="minor">
+                  <a:schemeClr val="lt1"/>
+                </a:fontRef>
+              </p:style>
+              <p:txBody>
+                <a:bodyPr rtlCol="0" anchor="ctr"/>
+                <a:lstStyle/>
+                <a:p>
+                  <a:pPr algn="ctr"/>
+                  <a:endParaRPr lang="ko-KR" altLang="en-US" sz="2000"/>
+                </a:p>
+              </p:txBody>
+            </p:sp>
+            <p:sp>
+              <p:nvSpPr>
+                <p:cNvPr id="39" name="타원 38">
+                  <a:extLst>
+                    <a:ext uri="{FF2B5EF4-FFF2-40B4-BE49-F238E27FC236}">
+                      <a16:creationId xmlns:a16="http://schemas.microsoft.com/office/drawing/2014/main" id="{736DEF9A-F671-3DBD-6235-C8414E773713}"/>
+                    </a:ext>
+                  </a:extLst>
+                </p:cNvPr>
+                <p:cNvSpPr/>
+                <p:nvPr/>
+              </p:nvSpPr>
+              <p:spPr>
+                <a:xfrm rot="5400000">
+                  <a:off x="8798520" y="621535"/>
+                  <a:ext cx="98581" cy="98581"/>
+                </a:xfrm>
+                <a:prstGeom prst="ellipse">
+                  <a:avLst/>
+                </a:prstGeom>
+                <a:solidFill>
+                  <a:schemeClr val="tx1">
+                    <a:lumMod val="85000"/>
+                    <a:lumOff val="15000"/>
+                  </a:schemeClr>
+                </a:solidFill>
+              </p:spPr>
+              <p:style>
+                <a:lnRef idx="2">
+                  <a:schemeClr val="accent1">
+                    <a:shade val="15000"/>
+                  </a:schemeClr>
+                </a:lnRef>
+                <a:fillRef idx="1">
+                  <a:schemeClr val="accent1"/>
+                </a:fillRef>
+                <a:effectRef idx="0">
+                  <a:schemeClr val="accent1"/>
+                </a:effectRef>
+                <a:fontRef idx="minor">
+                  <a:schemeClr val="lt1"/>
+                </a:fontRef>
+              </p:style>
+              <p:txBody>
+                <a:bodyPr rtlCol="0" anchor="ctr"/>
+                <a:lstStyle/>
+                <a:p>
+                  <a:pPr algn="ctr"/>
+                  <a:endParaRPr lang="ko-KR" altLang="en-US" sz="2000"/>
+                </a:p>
+              </p:txBody>
+            </p:sp>
+          </p:grpSp>
+          <p:sp>
+            <p:nvSpPr>
+              <p:cNvPr id="37" name="직사각형 36">
+                <a:extLst>
+                  <a:ext uri="{FF2B5EF4-FFF2-40B4-BE49-F238E27FC236}">
+                    <a16:creationId xmlns:a16="http://schemas.microsoft.com/office/drawing/2014/main" id="{6CDD0D21-E2BE-EF54-3B40-4274931DFD0D}"/>
+                  </a:ext>
+                </a:extLst>
+              </p:cNvPr>
+              <p:cNvSpPr/>
+              <p:nvPr/>
+            </p:nvSpPr>
+            <p:spPr>
+              <a:xfrm rot="5400000">
+                <a:off x="6642550" y="1673028"/>
+                <a:ext cx="4196152" cy="2363058"/>
+              </a:xfrm>
+              <a:prstGeom prst="rect">
+                <a:avLst/>
+              </a:prstGeom>
+              <a:solidFill>
+                <a:schemeClr val="bg1"/>
+              </a:solidFill>
+            </p:spPr>
+            <p:style>
+              <a:lnRef idx="2">
+                <a:schemeClr val="accent1">
+                  <a:shade val="15000"/>
+                </a:schemeClr>
+              </a:lnRef>
+              <a:fillRef idx="1">
+                <a:schemeClr val="accent1"/>
+              </a:fillRef>
+              <a:effectRef idx="0">
+                <a:schemeClr val="accent1"/>
+              </a:effectRef>
+              <a:fontRef idx="minor">
+                <a:schemeClr val="lt1"/>
+              </a:fontRef>
+            </p:style>
+            <p:txBody>
+              <a:bodyPr rtlCol="0" anchor="ctr"/>
+              <a:lstStyle/>
+              <a:p>
+                <a:pPr algn="ctr"/>
+                <a:endParaRPr lang="ko-KR" altLang="en-US" sz="4000" dirty="0"/>
+              </a:p>
+            </p:txBody>
+          </p:sp>
+        </p:grpSp>
+        <p:sp>
+          <p:nvSpPr>
+            <p:cNvPr id="20" name="말풍선: 사각형 19">
+              <a:extLst>
+                <a:ext uri="{FF2B5EF4-FFF2-40B4-BE49-F238E27FC236}">
+                  <a16:creationId xmlns:a16="http://schemas.microsoft.com/office/drawing/2014/main" id="{B7AC80D0-AAA9-CC94-CB2F-B71A230B2F34}"/>
+                </a:ext>
+              </a:extLst>
+            </p:cNvPr>
+            <p:cNvSpPr/>
+            <p:nvPr/>
+          </p:nvSpPr>
+          <p:spPr>
+            <a:xfrm>
+              <a:off x="4786168" y="1667036"/>
+              <a:ext cx="2268582" cy="393630"/>
+            </a:xfrm>
+            <a:prstGeom prst="wedgeRectCallout">
+              <a:avLst>
+                <a:gd name="adj1" fmla="val -56682"/>
+                <a:gd name="adj2" fmla="val -23616"/>
+              </a:avLst>
+            </a:prstGeom>
+            <a:solidFill>
+              <a:schemeClr val="bg1"/>
+            </a:solidFill>
+            <a:ln>
+              <a:solidFill>
+                <a:schemeClr val="tx1">
+                  <a:lumMod val="65000"/>
+                  <a:lumOff val="35000"/>
+                </a:schemeClr>
+              </a:solidFill>
+            </a:ln>
+          </p:spPr>
+          <p:style>
+            <a:lnRef idx="2">
+              <a:schemeClr val="accent1">
+                <a:shade val="15000"/>
+              </a:schemeClr>
+            </a:lnRef>
+            <a:fillRef idx="1">
+              <a:schemeClr val="accent1"/>
+            </a:fillRef>
+            <a:effectRef idx="0">
+              <a:schemeClr val="accent1"/>
+            </a:effectRef>
+            <a:fontRef idx="minor">
+              <a:schemeClr val="lt1"/>
+            </a:fontRef>
+          </p:style>
+          <p:txBody>
+            <a:bodyPr rtlCol="0" anchor="ctr"/>
+            <a:lstStyle/>
+            <a:p>
+              <a:pPr algn="ctr"/>
+              <a:r>
+                <a:rPr lang="ko-KR" altLang="en-US" sz="1200" dirty="0">
+                  <a:solidFill>
+                    <a:schemeClr val="tx1"/>
+                  </a:solidFill>
+                </a:rPr>
+                <a:t>대화 </a:t>
+              </a:r>
+              <a:r>
+                <a:rPr lang="en-US" altLang="ko-KR" sz="1200" dirty="0">
+                  <a:solidFill>
+                    <a:schemeClr val="tx1"/>
+                  </a:solidFill>
+                </a:rPr>
+                <a:t>Text</a:t>
+              </a:r>
+              <a:endParaRPr lang="ko-KR" altLang="en-US" sz="1200" dirty="0">
+                <a:solidFill>
+                  <a:schemeClr val="tx1"/>
+                </a:solidFill>
+              </a:endParaRPr>
+            </a:p>
+          </p:txBody>
+        </p:sp>
+        <p:sp>
+          <p:nvSpPr>
+            <p:cNvPr id="21" name="사각형: 둥근 모서리 20">
+              <a:extLst>
+                <a:ext uri="{FF2B5EF4-FFF2-40B4-BE49-F238E27FC236}">
+                  <a16:creationId xmlns:a16="http://schemas.microsoft.com/office/drawing/2014/main" id="{ABB16C3C-2F87-173B-712F-DDD8CC43CA5C}"/>
+                </a:ext>
+              </a:extLst>
+            </p:cNvPr>
+            <p:cNvSpPr/>
+            <p:nvPr/>
+          </p:nvSpPr>
+          <p:spPr>
+            <a:xfrm>
+              <a:off x="4644631" y="4858447"/>
+              <a:ext cx="2679289" cy="301076"/>
+            </a:xfrm>
+            <a:prstGeom prst="roundRect">
+              <a:avLst/>
+            </a:prstGeom>
+            <a:solidFill>
+              <a:schemeClr val="bg2">
+                <a:lumMod val="75000"/>
+              </a:schemeClr>
+            </a:solidFill>
+            <a:ln>
+              <a:noFill/>
+            </a:ln>
+          </p:spPr>
+          <p:style>
+            <a:lnRef idx="2">
+              <a:schemeClr val="accent1">
+                <a:shade val="15000"/>
+              </a:schemeClr>
+            </a:lnRef>
+            <a:fillRef idx="1">
+              <a:schemeClr val="accent1"/>
+            </a:fillRef>
+            <a:effectRef idx="0">
+              <a:schemeClr val="accent1"/>
+            </a:effectRef>
+            <a:fontRef idx="minor">
+              <a:schemeClr val="lt1"/>
+            </a:fontRef>
+          </p:style>
+          <p:txBody>
+            <a:bodyPr rtlCol="0" anchor="ctr"/>
+            <a:lstStyle/>
+            <a:p>
+              <a:pPr algn="ctr"/>
+              <a:r>
+                <a:rPr lang="ko-KR" altLang="en-US" sz="1200" dirty="0">
+                  <a:solidFill>
+                    <a:schemeClr val="tx1"/>
+                  </a:solidFill>
+                </a:rPr>
+                <a:t>대답 선택지 </a:t>
+              </a:r>
+              <a:r>
+                <a:rPr lang="en-US" altLang="ko-KR" sz="1200" dirty="0">
+                  <a:solidFill>
+                    <a:schemeClr val="tx1"/>
+                  </a:solidFill>
+                </a:rPr>
+                <a:t>1</a:t>
+              </a:r>
+              <a:endParaRPr lang="ko-KR" altLang="en-US" sz="1200" dirty="0">
+                <a:solidFill>
+                  <a:schemeClr val="tx1"/>
+                </a:solidFill>
+              </a:endParaRPr>
+            </a:p>
+          </p:txBody>
+        </p:sp>
+        <p:sp>
+          <p:nvSpPr>
+            <p:cNvPr id="22" name="사각형: 둥근 모서리 21">
+              <a:extLst>
+                <a:ext uri="{FF2B5EF4-FFF2-40B4-BE49-F238E27FC236}">
+                  <a16:creationId xmlns:a16="http://schemas.microsoft.com/office/drawing/2014/main" id="{E4CFAA5E-5CF2-0366-1B50-0CEBA859FD60}"/>
+                </a:ext>
+              </a:extLst>
+            </p:cNvPr>
+            <p:cNvSpPr/>
+            <p:nvPr/>
+          </p:nvSpPr>
+          <p:spPr>
+            <a:xfrm>
+              <a:off x="4644631" y="5197313"/>
+              <a:ext cx="2679289" cy="301076"/>
+            </a:xfrm>
+            <a:prstGeom prst="roundRect">
+              <a:avLst/>
+            </a:prstGeom>
+            <a:solidFill>
+              <a:schemeClr val="bg2">
+                <a:lumMod val="75000"/>
+              </a:schemeClr>
+            </a:solidFill>
+            <a:ln>
+              <a:noFill/>
+            </a:ln>
+          </p:spPr>
+          <p:style>
+            <a:lnRef idx="2">
+              <a:schemeClr val="accent1">
+                <a:shade val="15000"/>
+              </a:schemeClr>
+            </a:lnRef>
+            <a:fillRef idx="1">
+              <a:schemeClr val="accent1"/>
+            </a:fillRef>
+            <a:effectRef idx="0">
+              <a:schemeClr val="accent1"/>
+            </a:effectRef>
+            <a:fontRef idx="minor">
+              <a:schemeClr val="lt1"/>
+            </a:fontRef>
+          </p:style>
+          <p:txBody>
+            <a:bodyPr rtlCol="0" anchor="ctr"/>
+            <a:lstStyle/>
+            <a:p>
+              <a:pPr algn="ctr"/>
+              <a:r>
+                <a:rPr lang="ko-KR" altLang="en-US" sz="1200" dirty="0">
+                  <a:solidFill>
+                    <a:schemeClr val="tx1"/>
+                  </a:solidFill>
+                </a:rPr>
+                <a:t>대답 선택지 </a:t>
+              </a:r>
+              <a:r>
+                <a:rPr lang="en-US" altLang="ko-KR" sz="1200" dirty="0">
+                  <a:solidFill>
+                    <a:schemeClr val="tx1"/>
+                  </a:solidFill>
+                </a:rPr>
+                <a:t>2</a:t>
+              </a:r>
+              <a:endParaRPr lang="ko-KR" altLang="en-US" sz="1200" dirty="0">
+                <a:solidFill>
+                  <a:schemeClr val="tx1"/>
+                </a:solidFill>
+              </a:endParaRPr>
+            </a:p>
+          </p:txBody>
+        </p:sp>
+        <p:sp>
+          <p:nvSpPr>
+            <p:cNvPr id="23" name="사각형: 둥근 모서리 22">
+              <a:extLst>
+                <a:ext uri="{FF2B5EF4-FFF2-40B4-BE49-F238E27FC236}">
+                  <a16:creationId xmlns:a16="http://schemas.microsoft.com/office/drawing/2014/main" id="{95F67F57-7CA6-C080-14A0-ACCA6A10574C}"/>
+                </a:ext>
+              </a:extLst>
+            </p:cNvPr>
+            <p:cNvSpPr/>
+            <p:nvPr/>
+          </p:nvSpPr>
+          <p:spPr>
+            <a:xfrm>
+              <a:off x="4644631" y="5536178"/>
+              <a:ext cx="2679289" cy="301076"/>
+            </a:xfrm>
+            <a:prstGeom prst="roundRect">
+              <a:avLst/>
+            </a:prstGeom>
+            <a:solidFill>
+              <a:schemeClr val="bg2">
+                <a:lumMod val="75000"/>
+              </a:schemeClr>
+            </a:solidFill>
+            <a:ln>
+              <a:noFill/>
+            </a:ln>
+          </p:spPr>
+          <p:style>
+            <a:lnRef idx="2">
+              <a:schemeClr val="accent1">
+                <a:shade val="15000"/>
+              </a:schemeClr>
+            </a:lnRef>
+            <a:fillRef idx="1">
+              <a:schemeClr val="accent1"/>
+            </a:fillRef>
+            <a:effectRef idx="0">
+              <a:schemeClr val="accent1"/>
+            </a:effectRef>
+            <a:fontRef idx="minor">
+              <a:schemeClr val="lt1"/>
+            </a:fontRef>
+          </p:style>
+          <p:txBody>
+            <a:bodyPr rtlCol="0" anchor="ctr"/>
+            <a:lstStyle/>
+            <a:p>
+              <a:pPr algn="ctr"/>
+              <a:r>
+                <a:rPr lang="ko-KR" altLang="en-US" sz="1200" dirty="0">
+                  <a:solidFill>
+                    <a:schemeClr val="tx1"/>
+                  </a:solidFill>
+                </a:rPr>
+                <a:t>대답 선택지 </a:t>
+              </a:r>
+              <a:r>
+                <a:rPr lang="en-US" altLang="ko-KR" sz="1200" dirty="0">
+                  <a:solidFill>
+                    <a:schemeClr val="tx1"/>
+                  </a:solidFill>
+                </a:rPr>
+                <a:t>3</a:t>
+              </a:r>
+              <a:endParaRPr lang="ko-KR" altLang="en-US" sz="1200" dirty="0">
+                <a:solidFill>
+                  <a:schemeClr val="tx1"/>
+                </a:solidFill>
+              </a:endParaRPr>
+            </a:p>
+          </p:txBody>
+        </p:sp>
+        <p:pic>
+          <p:nvPicPr>
+            <p:cNvPr id="24" name="그래픽 23" descr="오른쪽 캐럿 단색으로 채워진">
+              <a:extLst>
+                <a:ext uri="{FF2B5EF4-FFF2-40B4-BE49-F238E27FC236}">
+                  <a16:creationId xmlns:a16="http://schemas.microsoft.com/office/drawing/2014/main" id="{5A62A7F0-CCBF-76E6-3E54-2656E1993BA7}"/>
+                </a:ext>
+              </a:extLst>
+            </p:cNvPr>
+            <p:cNvPicPr>
+              <a:picLocks noChangeAspect="1"/>
+            </p:cNvPicPr>
+            <p:nvPr/>
+          </p:nvPicPr>
+          <p:blipFill>
+            <a:blip r:embed="rId4">
+              <a:extLst>
+                <a:ext uri="{96DAC541-7B7A-43D3-8B79-37D633B846F1}">
+                  <asvg:svgBlip xmlns:asvg="http://schemas.microsoft.com/office/drawing/2016/SVG/main" r:embed="rId5"/>
+                </a:ext>
+              </a:extLst>
+            </a:blip>
+            <a:stretch>
+              <a:fillRect/>
+            </a:stretch>
+          </p:blipFill>
+          <p:spPr>
+            <a:xfrm>
+              <a:off x="4492487" y="4396409"/>
+              <a:ext cx="360000" cy="360000"/>
+            </a:xfrm>
+            <a:prstGeom prst="rect">
+              <a:avLst/>
+            </a:prstGeom>
+          </p:spPr>
+        </p:pic>
+        <p:sp>
+          <p:nvSpPr>
+            <p:cNvPr id="25" name="사각형: 둥근 모서리 24">
+              <a:extLst>
+                <a:ext uri="{FF2B5EF4-FFF2-40B4-BE49-F238E27FC236}">
+                  <a16:creationId xmlns:a16="http://schemas.microsoft.com/office/drawing/2014/main" id="{D43FEDE9-F422-88E1-0D23-A5147C5129B1}"/>
+                </a:ext>
+              </a:extLst>
+            </p:cNvPr>
+            <p:cNvSpPr/>
+            <p:nvPr/>
+          </p:nvSpPr>
+          <p:spPr>
+            <a:xfrm>
+              <a:off x="4908419" y="4417488"/>
+              <a:ext cx="2140226" cy="301077"/>
+            </a:xfrm>
+            <a:prstGeom prst="roundRect">
+              <a:avLst>
+                <a:gd name="adj" fmla="val 50000"/>
+              </a:avLst>
+            </a:prstGeom>
+            <a:solidFill>
+              <a:schemeClr val="bg2">
+                <a:lumMod val="75000"/>
+              </a:schemeClr>
+            </a:solidFill>
+            <a:ln>
+              <a:solidFill>
+                <a:schemeClr val="bg1"/>
+              </a:solidFill>
+            </a:ln>
+          </p:spPr>
+          <p:style>
+            <a:lnRef idx="2">
+              <a:schemeClr val="accent1">
+                <a:shade val="15000"/>
+              </a:schemeClr>
+            </a:lnRef>
+            <a:fillRef idx="1">
+              <a:schemeClr val="accent1"/>
+            </a:fillRef>
+            <a:effectRef idx="0">
+              <a:schemeClr val="accent1"/>
+            </a:effectRef>
+            <a:fontRef idx="minor">
+              <a:schemeClr val="lt1"/>
+            </a:fontRef>
+          </p:style>
+          <p:txBody>
+            <a:bodyPr rtlCol="0" anchor="ctr"/>
+            <a:lstStyle/>
+            <a:p>
+              <a:r>
+                <a:rPr lang="en-US" altLang="ko-KR" sz="1000" dirty="0">
+                  <a:solidFill>
+                    <a:schemeClr val="tx1"/>
+                  </a:solidFill>
+                </a:rPr>
+                <a:t>l</a:t>
+              </a:r>
+              <a:endParaRPr lang="ko-KR" altLang="en-US" sz="1000" dirty="0">
+                <a:solidFill>
+                  <a:schemeClr val="tx1"/>
+                </a:solidFill>
+              </a:endParaRPr>
+            </a:p>
+          </p:txBody>
+        </p:sp>
+        <p:sp>
+          <p:nvSpPr>
+            <p:cNvPr id="26" name="말풍선: 사각형 25">
+              <a:extLst>
+                <a:ext uri="{FF2B5EF4-FFF2-40B4-BE49-F238E27FC236}">
+                  <a16:creationId xmlns:a16="http://schemas.microsoft.com/office/drawing/2014/main" id="{B0B523D4-30A4-A3E4-CAE2-6925B3BB691E}"/>
+                </a:ext>
+              </a:extLst>
+            </p:cNvPr>
+            <p:cNvSpPr/>
+            <p:nvPr/>
+          </p:nvSpPr>
+          <p:spPr>
+            <a:xfrm>
+              <a:off x="4990510" y="2365101"/>
+              <a:ext cx="2268582" cy="393630"/>
+            </a:xfrm>
+            <a:prstGeom prst="wedgeRectCallout">
+              <a:avLst>
+                <a:gd name="adj1" fmla="val 57814"/>
+                <a:gd name="adj2" fmla="val -21933"/>
+              </a:avLst>
+            </a:prstGeom>
+            <a:solidFill>
+              <a:srgbClr val="0070C0"/>
+            </a:solidFill>
+            <a:ln>
+              <a:solidFill>
+                <a:schemeClr val="tx1">
+                  <a:lumMod val="65000"/>
+                  <a:lumOff val="35000"/>
+                </a:schemeClr>
+              </a:solidFill>
+            </a:ln>
+          </p:spPr>
+          <p:style>
+            <a:lnRef idx="2">
+              <a:schemeClr val="accent1">
+                <a:shade val="15000"/>
+              </a:schemeClr>
+            </a:lnRef>
+            <a:fillRef idx="1">
+              <a:schemeClr val="accent1"/>
+            </a:fillRef>
+            <a:effectRef idx="0">
+              <a:schemeClr val="accent1"/>
+            </a:effectRef>
+            <a:fontRef idx="minor">
+              <a:schemeClr val="lt1"/>
+            </a:fontRef>
+          </p:style>
+          <p:txBody>
+            <a:bodyPr rtlCol="0" anchor="ctr"/>
+            <a:lstStyle/>
+            <a:p>
+              <a:pPr algn="ctr"/>
+              <a:r>
+                <a:rPr lang="ko-KR" altLang="en-US" sz="1200">
+                  <a:solidFill>
+                    <a:schemeClr val="bg1"/>
+                  </a:solidFill>
+                </a:rPr>
+                <a:t>답변 </a:t>
+              </a:r>
+              <a:r>
+                <a:rPr lang="en-US" altLang="ko-KR" sz="1200" dirty="0">
+                  <a:solidFill>
+                    <a:schemeClr val="bg1"/>
+                  </a:solidFill>
+                </a:rPr>
+                <a:t>Text</a:t>
+              </a:r>
+              <a:endParaRPr lang="ko-KR" altLang="en-US" sz="1200" dirty="0">
+                <a:solidFill>
+                  <a:schemeClr val="bg1"/>
+                </a:solidFill>
+              </a:endParaRPr>
+            </a:p>
+          </p:txBody>
+        </p:sp>
+        <p:sp>
+          <p:nvSpPr>
+            <p:cNvPr id="27" name="말풍선: 사각형 26">
+              <a:extLst>
+                <a:ext uri="{FF2B5EF4-FFF2-40B4-BE49-F238E27FC236}">
+                  <a16:creationId xmlns:a16="http://schemas.microsoft.com/office/drawing/2014/main" id="{BC57164C-D7A4-1D64-F992-71F2679CE08F}"/>
+                </a:ext>
+              </a:extLst>
+            </p:cNvPr>
+            <p:cNvSpPr/>
+            <p:nvPr/>
+          </p:nvSpPr>
+          <p:spPr>
+            <a:xfrm>
+              <a:off x="4757367" y="2985845"/>
+              <a:ext cx="2268582" cy="393630"/>
+            </a:xfrm>
+            <a:prstGeom prst="wedgeRectCallout">
+              <a:avLst>
+                <a:gd name="adj1" fmla="val -56682"/>
+                <a:gd name="adj2" fmla="val -23616"/>
+              </a:avLst>
+            </a:prstGeom>
+            <a:solidFill>
+              <a:schemeClr val="bg1"/>
+            </a:solidFill>
+            <a:ln>
+              <a:solidFill>
+                <a:schemeClr val="tx1">
+                  <a:lumMod val="65000"/>
+                  <a:lumOff val="35000"/>
+                </a:schemeClr>
+              </a:solidFill>
+            </a:ln>
+          </p:spPr>
+          <p:style>
+            <a:lnRef idx="2">
+              <a:schemeClr val="accent1">
+                <a:shade val="15000"/>
+              </a:schemeClr>
+            </a:lnRef>
+            <a:fillRef idx="1">
+              <a:schemeClr val="accent1"/>
+            </a:fillRef>
+            <a:effectRef idx="0">
+              <a:schemeClr val="accent1"/>
+            </a:effectRef>
+            <a:fontRef idx="minor">
+              <a:schemeClr val="lt1"/>
+            </a:fontRef>
+          </p:style>
+          <p:txBody>
+            <a:bodyPr rtlCol="0" anchor="ctr"/>
+            <a:lstStyle/>
+            <a:p>
+              <a:pPr algn="ctr"/>
+              <a:r>
+                <a:rPr lang="ko-KR" altLang="en-US" sz="1200" dirty="0">
+                  <a:solidFill>
+                    <a:schemeClr val="tx1"/>
+                  </a:solidFill>
+                </a:rPr>
+                <a:t>대화 </a:t>
+              </a:r>
+              <a:r>
+                <a:rPr lang="en-US" altLang="ko-KR" sz="1200" dirty="0">
+                  <a:solidFill>
+                    <a:schemeClr val="tx1"/>
+                  </a:solidFill>
+                </a:rPr>
+                <a:t>Text</a:t>
+              </a:r>
+              <a:endParaRPr lang="ko-KR" altLang="en-US" sz="1200" dirty="0">
+                <a:solidFill>
+                  <a:schemeClr val="tx1"/>
+                </a:solidFill>
+              </a:endParaRPr>
+            </a:p>
+          </p:txBody>
+        </p:sp>
+        <p:sp>
+          <p:nvSpPr>
+            <p:cNvPr id="28" name="말풍선: 사각형 27">
+              <a:extLst>
+                <a:ext uri="{FF2B5EF4-FFF2-40B4-BE49-F238E27FC236}">
+                  <a16:creationId xmlns:a16="http://schemas.microsoft.com/office/drawing/2014/main" id="{FD8EF3E8-CE95-77B2-ADE2-AEBD5C039C55}"/>
+                </a:ext>
+              </a:extLst>
+            </p:cNvPr>
+            <p:cNvSpPr/>
+            <p:nvPr/>
+          </p:nvSpPr>
+          <p:spPr>
+            <a:xfrm>
+              <a:off x="4961709" y="3683910"/>
+              <a:ext cx="2268582" cy="393630"/>
+            </a:xfrm>
+            <a:prstGeom prst="wedgeRectCallout">
+              <a:avLst>
+                <a:gd name="adj1" fmla="val 57814"/>
+                <a:gd name="adj2" fmla="val -21933"/>
+              </a:avLst>
+            </a:prstGeom>
+            <a:solidFill>
+              <a:srgbClr val="0070C0"/>
+            </a:solidFill>
+            <a:ln>
+              <a:solidFill>
+                <a:schemeClr val="tx1">
+                  <a:lumMod val="65000"/>
+                  <a:lumOff val="35000"/>
+                </a:schemeClr>
+              </a:solidFill>
+            </a:ln>
+          </p:spPr>
+          <p:style>
+            <a:lnRef idx="2">
+              <a:schemeClr val="accent1">
+                <a:shade val="15000"/>
+              </a:schemeClr>
+            </a:lnRef>
+            <a:fillRef idx="1">
+              <a:schemeClr val="accent1"/>
+            </a:fillRef>
+            <a:effectRef idx="0">
+              <a:schemeClr val="accent1"/>
+            </a:effectRef>
+            <a:fontRef idx="minor">
+              <a:schemeClr val="lt1"/>
+            </a:fontRef>
+          </p:style>
+          <p:txBody>
+            <a:bodyPr rtlCol="0" anchor="ctr"/>
+            <a:lstStyle/>
+            <a:p>
+              <a:pPr algn="ctr"/>
+              <a:r>
+                <a:rPr lang="ko-KR" altLang="en-US" sz="1200">
+                  <a:solidFill>
+                    <a:schemeClr val="bg1"/>
+                  </a:solidFill>
+                </a:rPr>
+                <a:t>답변 </a:t>
+              </a:r>
+              <a:r>
+                <a:rPr lang="en-US" altLang="ko-KR" sz="1200" dirty="0">
+                  <a:solidFill>
+                    <a:schemeClr val="bg1"/>
+                  </a:solidFill>
+                </a:rPr>
+                <a:t>Text</a:t>
+              </a:r>
+              <a:endParaRPr lang="ko-KR" altLang="en-US" sz="1200" dirty="0">
+                <a:solidFill>
+                  <a:schemeClr val="bg1"/>
+                </a:solidFill>
+              </a:endParaRPr>
+            </a:p>
+          </p:txBody>
+        </p:sp>
+        <p:sp>
+          <p:nvSpPr>
+            <p:cNvPr id="29" name="말풍선: 사각형 28">
+              <a:extLst>
+                <a:ext uri="{FF2B5EF4-FFF2-40B4-BE49-F238E27FC236}">
+                  <a16:creationId xmlns:a16="http://schemas.microsoft.com/office/drawing/2014/main" id="{D31DFE9C-A9ED-E2F4-605E-E3DA13142F36}"/>
+                </a:ext>
+              </a:extLst>
+            </p:cNvPr>
+            <p:cNvSpPr/>
+            <p:nvPr/>
+          </p:nvSpPr>
+          <p:spPr>
+            <a:xfrm>
+              <a:off x="4990510" y="1032802"/>
+              <a:ext cx="2268582" cy="393630"/>
+            </a:xfrm>
+            <a:prstGeom prst="wedgeRectCallout">
+              <a:avLst>
+                <a:gd name="adj1" fmla="val 57814"/>
+                <a:gd name="adj2" fmla="val -21933"/>
+              </a:avLst>
+            </a:prstGeom>
+            <a:solidFill>
+              <a:srgbClr val="0070C0"/>
+            </a:solidFill>
+            <a:ln>
+              <a:solidFill>
+                <a:schemeClr val="tx1">
+                  <a:lumMod val="65000"/>
+                  <a:lumOff val="35000"/>
+                </a:schemeClr>
+              </a:solidFill>
+            </a:ln>
+          </p:spPr>
+          <p:style>
+            <a:lnRef idx="2">
+              <a:schemeClr val="accent1">
+                <a:shade val="15000"/>
+              </a:schemeClr>
+            </a:lnRef>
+            <a:fillRef idx="1">
+              <a:schemeClr val="accent1"/>
+            </a:fillRef>
+            <a:effectRef idx="0">
+              <a:schemeClr val="accent1"/>
+            </a:effectRef>
+            <a:fontRef idx="minor">
+              <a:schemeClr val="lt1"/>
+            </a:fontRef>
+          </p:style>
+          <p:txBody>
+            <a:bodyPr rtlCol="0" anchor="ctr"/>
+            <a:lstStyle/>
+            <a:p>
+              <a:pPr algn="ctr"/>
+              <a:r>
+                <a:rPr lang="ko-KR" altLang="en-US" sz="1200">
+                  <a:solidFill>
+                    <a:schemeClr val="bg1"/>
+                  </a:solidFill>
+                </a:rPr>
+                <a:t>답변 </a:t>
+              </a:r>
+              <a:r>
+                <a:rPr lang="en-US" altLang="ko-KR" sz="1200" dirty="0">
+                  <a:solidFill>
+                    <a:schemeClr val="bg1"/>
+                  </a:solidFill>
+                </a:rPr>
+                <a:t>Text</a:t>
+              </a:r>
+              <a:endParaRPr lang="ko-KR" altLang="en-US" sz="1200" dirty="0">
+                <a:solidFill>
+                  <a:schemeClr val="bg1"/>
+                </a:solidFill>
+              </a:endParaRPr>
+            </a:p>
+          </p:txBody>
+        </p:sp>
+        <p:grpSp>
+          <p:nvGrpSpPr>
+            <p:cNvPr id="30" name="그룹 29">
+              <a:extLst>
+                <a:ext uri="{FF2B5EF4-FFF2-40B4-BE49-F238E27FC236}">
+                  <a16:creationId xmlns:a16="http://schemas.microsoft.com/office/drawing/2014/main" id="{7D1321D6-73B0-8EBF-D6AE-DE04ACE271F4}"/>
+                </a:ext>
+              </a:extLst>
+            </p:cNvPr>
+            <p:cNvGrpSpPr/>
+            <p:nvPr/>
+          </p:nvGrpSpPr>
+          <p:grpSpPr>
+            <a:xfrm>
+              <a:off x="4498377" y="739121"/>
+              <a:ext cx="2979453" cy="429146"/>
+              <a:chOff x="4485125" y="987231"/>
+              <a:chExt cx="2979453" cy="429146"/>
+            </a:xfrm>
+          </p:grpSpPr>
+          <p:cxnSp>
+            <p:nvCxnSpPr>
+              <p:cNvPr id="31" name="직선 연결선 30">
+                <a:extLst>
+                  <a:ext uri="{FF2B5EF4-FFF2-40B4-BE49-F238E27FC236}">
+                    <a16:creationId xmlns:a16="http://schemas.microsoft.com/office/drawing/2014/main" id="{06896057-726A-764B-2FA1-4EAE0BE9E824}"/>
+                  </a:ext>
+                </a:extLst>
+              </p:cNvPr>
+              <p:cNvCxnSpPr>
+                <a:cxnSpLocks/>
+              </p:cNvCxnSpPr>
+              <p:nvPr/>
+            </p:nvCxnSpPr>
+            <p:spPr>
+              <a:xfrm>
+                <a:off x="4485125" y="1416377"/>
+                <a:ext cx="2979453" cy="0"/>
+              </a:xfrm>
+              <a:prstGeom prst="line">
+                <a:avLst/>
+              </a:prstGeom>
+            </p:spPr>
+            <p:style>
+              <a:lnRef idx="2">
+                <a:schemeClr val="accent1"/>
+              </a:lnRef>
+              <a:fillRef idx="0">
+                <a:schemeClr val="accent1"/>
+              </a:fillRef>
+              <a:effectRef idx="1">
+                <a:schemeClr val="accent1"/>
+              </a:effectRef>
+              <a:fontRef idx="minor">
+                <a:schemeClr val="tx1"/>
+              </a:fontRef>
+            </p:style>
+          </p:cxnSp>
+          <p:sp>
+            <p:nvSpPr>
+              <p:cNvPr id="32" name="직사각형 31">
+                <a:extLst>
+                  <a:ext uri="{FF2B5EF4-FFF2-40B4-BE49-F238E27FC236}">
+                    <a16:creationId xmlns:a16="http://schemas.microsoft.com/office/drawing/2014/main" id="{D02496DF-4F57-1A45-F2CF-B63340ADD089}"/>
+                  </a:ext>
+                </a:extLst>
+              </p:cNvPr>
+              <p:cNvSpPr/>
+              <p:nvPr/>
+            </p:nvSpPr>
+            <p:spPr>
+              <a:xfrm>
+                <a:off x="4515311" y="987231"/>
+                <a:ext cx="2916000" cy="420976"/>
+              </a:xfrm>
+              <a:prstGeom prst="rect">
+                <a:avLst/>
+              </a:prstGeom>
+              <a:solidFill>
+                <a:schemeClr val="bg1"/>
+              </a:solidFill>
+              <a:ln>
+                <a:noFill/>
+              </a:ln>
+            </p:spPr>
+            <p:style>
+              <a:lnRef idx="2">
+                <a:schemeClr val="accent1">
+                  <a:shade val="15000"/>
+                </a:schemeClr>
+              </a:lnRef>
+              <a:fillRef idx="1">
+                <a:schemeClr val="accent1"/>
+              </a:fillRef>
+              <a:effectRef idx="0">
+                <a:schemeClr val="accent1"/>
+              </a:effectRef>
+              <a:fontRef idx="minor">
+                <a:schemeClr val="lt1"/>
+              </a:fontRef>
+            </p:style>
+            <p:txBody>
+              <a:bodyPr rtlCol="0" anchor="ctr"/>
+              <a:lstStyle/>
+              <a:p>
+                <a:pPr algn="ctr"/>
+                <a:endParaRPr lang="ko-KR" altLang="en-US"/>
+              </a:p>
+            </p:txBody>
+          </p:sp>
+          <p:grpSp>
+            <p:nvGrpSpPr>
+              <p:cNvPr id="33" name="그룹 32">
+                <a:extLst>
+                  <a:ext uri="{FF2B5EF4-FFF2-40B4-BE49-F238E27FC236}">
+                    <a16:creationId xmlns:a16="http://schemas.microsoft.com/office/drawing/2014/main" id="{970D44B1-2BAA-6394-D7AD-9495EAA148A0}"/>
+                  </a:ext>
+                </a:extLst>
+              </p:cNvPr>
+              <p:cNvGrpSpPr/>
+              <p:nvPr/>
+            </p:nvGrpSpPr>
+            <p:grpSpPr>
+              <a:xfrm>
+                <a:off x="4495431" y="1024345"/>
+                <a:ext cx="1945576" cy="360000"/>
+                <a:chOff x="4495431" y="765089"/>
+                <a:chExt cx="1945576" cy="360000"/>
+              </a:xfrm>
+            </p:grpSpPr>
+            <p:sp>
+              <p:nvSpPr>
+                <p:cNvPr id="34" name="TextBox 33">
+                  <a:extLst>
+                    <a:ext uri="{FF2B5EF4-FFF2-40B4-BE49-F238E27FC236}">
+                      <a16:creationId xmlns:a16="http://schemas.microsoft.com/office/drawing/2014/main" id="{33D5B3B4-036C-DB6C-828C-98E4F977AC7D}"/>
+                    </a:ext>
+                  </a:extLst>
+                </p:cNvPr>
+                <p:cNvSpPr txBox="1"/>
+                <p:nvPr/>
+              </p:nvSpPr>
+              <p:spPr>
+                <a:xfrm>
+                  <a:off x="4747428" y="775812"/>
+                  <a:ext cx="1693579" cy="338554"/>
+                </a:xfrm>
+                <a:prstGeom prst="rect">
+                  <a:avLst/>
+                </a:prstGeom>
+                <a:noFill/>
+              </p:spPr>
+              <p:txBody>
+                <a:bodyPr wrap="square" anchor="ctr">
+                  <a:spAutoFit/>
+                </a:bodyPr>
+                <a:lstStyle/>
+                <a:p>
+                  <a:r>
+                    <a:rPr lang="en-US" altLang="ko-KR" sz="1600" dirty="0">
+                      <a:solidFill>
+                        <a:schemeClr val="tx1"/>
+                      </a:solidFill>
+                    </a:rPr>
+                    <a:t>NPC</a:t>
+                  </a:r>
+                  <a:r>
+                    <a:rPr lang="ko-KR" altLang="en-US" sz="1600" dirty="0">
+                      <a:solidFill>
+                        <a:schemeClr val="tx1"/>
+                      </a:solidFill>
+                    </a:rPr>
+                    <a:t>이름</a:t>
+                  </a:r>
+                  <a:endParaRPr lang="en-US" altLang="ko-KR" sz="1600" dirty="0">
+                    <a:solidFill>
+                      <a:schemeClr val="tx1"/>
+                    </a:solidFill>
+                  </a:endParaRPr>
+                </a:p>
+              </p:txBody>
+            </p:sp>
+            <p:pic>
+              <p:nvPicPr>
+                <p:cNvPr id="35" name="그래픽 34" descr="왼쪽 캐럿 단색으로 채워진">
+                  <a:extLst>
+                    <a:ext uri="{FF2B5EF4-FFF2-40B4-BE49-F238E27FC236}">
+                      <a16:creationId xmlns:a16="http://schemas.microsoft.com/office/drawing/2014/main" id="{4AA4A408-F807-6DBE-5F7B-C882BAC0A0DA}"/>
+                    </a:ext>
+                  </a:extLst>
+                </p:cNvPr>
+                <p:cNvPicPr>
+                  <a:picLocks noChangeAspect="1"/>
+                </p:cNvPicPr>
+                <p:nvPr/>
+              </p:nvPicPr>
+              <p:blipFill>
+                <a:blip r:embed="rId2">
+                  <a:extLst>
+                    <a:ext uri="{96DAC541-7B7A-43D3-8B79-37D633B846F1}">
+                      <asvg:svgBlip xmlns:asvg="http://schemas.microsoft.com/office/drawing/2016/SVG/main" r:embed="rId3"/>
+                    </a:ext>
+                  </a:extLst>
+                </a:blip>
+                <a:stretch>
+                  <a:fillRect/>
+                </a:stretch>
+              </p:blipFill>
+              <p:spPr>
+                <a:xfrm>
+                  <a:off x="4495431" y="765089"/>
+                  <a:ext cx="360000" cy="360000"/>
+                </a:xfrm>
+                <a:prstGeom prst="rect">
+                  <a:avLst/>
+                </a:prstGeom>
+              </p:spPr>
+            </p:pic>
+          </p:grpSp>
+        </p:grpSp>
+      </p:grpSp>
+      <p:sp>
+        <p:nvSpPr>
+          <p:cNvPr id="40" name="화살표: 오른쪽 39">
+            <a:extLst>
+              <a:ext uri="{FF2B5EF4-FFF2-40B4-BE49-F238E27FC236}">
+                <a16:creationId xmlns:a16="http://schemas.microsoft.com/office/drawing/2014/main" id="{D0ED2EA3-7D32-76E6-7DC5-7E2ABE8F9F1F}"/>
+              </a:ext>
+            </a:extLst>
+          </p:cNvPr>
+          <p:cNvSpPr/>
+          <p:nvPr/>
+        </p:nvSpPr>
+        <p:spPr>
+          <a:xfrm>
+            <a:off x="5058197" y="2745478"/>
+            <a:ext cx="1270828" cy="925179"/>
+          </a:xfrm>
+          <a:prstGeom prst="rightArrow">
+            <a:avLst/>
+          </a:prstGeom>
+        </p:spPr>
+        <p:style>
+          <a:lnRef idx="2">
+            <a:schemeClr val="accent1">
+              <a:shade val="15000"/>
+            </a:schemeClr>
+          </a:lnRef>
+          <a:fillRef idx="1">
+            <a:schemeClr val="accent1"/>
+          </a:fillRef>
+          <a:effectRef idx="0">
+            <a:schemeClr val="accent1"/>
+          </a:effectRef>
+          <a:fontRef idx="minor">
+            <a:schemeClr val="lt1"/>
+          </a:fontRef>
+        </p:style>
+        <p:txBody>
+          <a:bodyPr rtlCol="0" anchor="ctr"/>
+          <a:lstStyle/>
+          <a:p>
+            <a:pPr algn="ctr"/>
+            <a:endParaRPr lang="ko-KR" altLang="en-US"/>
+          </a:p>
+        </p:txBody>
+      </p:sp>
+    </p:spTree>
+    <p:extLst>
+      <p:ext uri="{BB962C8B-B14F-4D97-AF65-F5344CB8AC3E}">
+        <p14:creationId xmlns:p14="http://schemas.microsoft.com/office/powerpoint/2010/main" val="2239650667"/>
+      </p:ext>
+    </p:extLst>
+  </p:cSld>
+  <p:clrMapOvr>
+    <a:masterClrMapping/>
+  </p:clrMapOvr>
+</p:sld>
+</file>
+
+<file path=ppt/slides/slide11.xml><?xml version="1.0" encoding="utf-8"?>
+<p:sld xmlns:a="http://schemas.openxmlformats.org/drawingml/2006/main" xmlns:r="http://schemas.openxmlformats.org/officeDocument/2006/relationships" xmlns:p="http://schemas.openxmlformats.org/presentationml/2006/main">
+  <p:cSld>
+    <p:spTree>
+      <p:nvGrpSpPr>
         <p:cNvPr id="1" name="">
           <a:extLst>
             <a:ext uri="{FF2B5EF4-FFF2-40B4-BE49-F238E27FC236}">
@@ -9458,7 +11527,7 @@
 </p:sld>
 </file>
 
-<file path=ppt/slides/slide11.xml><?xml version="1.0" encoding="utf-8"?>
+<file path=ppt/slides/slide12.xml><?xml version="1.0" encoding="utf-8"?>
 <p:sld xmlns:a="http://schemas.openxmlformats.org/drawingml/2006/main" xmlns:r="http://schemas.openxmlformats.org/officeDocument/2006/relationships" xmlns:p="http://schemas.openxmlformats.org/presentationml/2006/main">
   <p:cSld>
     <p:spTree>
@@ -10273,7 +12342,7 @@
 </p:sld>
 </file>
 
-<file path=ppt/slides/slide12.xml><?xml version="1.0" encoding="utf-8"?>
+<file path=ppt/slides/slide13.xml><?xml version="1.0" encoding="utf-8"?>
 <p:sld xmlns:a="http://schemas.openxmlformats.org/drawingml/2006/main" xmlns:r="http://schemas.openxmlformats.org/officeDocument/2006/relationships" xmlns:p="http://schemas.openxmlformats.org/presentationml/2006/main">
   <p:cSld>
     <p:spTree>
@@ -11736,7 +13805,7 @@
 </p:sld>
 </file>
 
-<file path=ppt/slides/slide13.xml><?xml version="1.0" encoding="utf-8"?>
+<file path=ppt/slides/slide14.xml><?xml version="1.0" encoding="utf-8"?>
 <p:sld xmlns:a="http://schemas.openxmlformats.org/drawingml/2006/main" xmlns:r="http://schemas.openxmlformats.org/officeDocument/2006/relationships" xmlns:p="http://schemas.openxmlformats.org/presentationml/2006/main">
   <p:cSld>
     <p:spTree>
@@ -13199,7 +15268,7 @@
 </p:sld>
 </file>
 
-<file path=ppt/slides/slide14.xml><?xml version="1.0" encoding="utf-8"?>
+<file path=ppt/slides/slide15.xml><?xml version="1.0" encoding="utf-8"?>
 <p:sld xmlns:a="http://schemas.openxmlformats.org/drawingml/2006/main" xmlns:r="http://schemas.openxmlformats.org/officeDocument/2006/relationships" xmlns:p="http://schemas.openxmlformats.org/presentationml/2006/main">
   <p:cSld>
     <p:spTree>
@@ -14940,7 +17009,7 @@
 </p:sld>
 </file>
 
-<file path=ppt/slides/slide15.xml><?xml version="1.0" encoding="utf-8"?>
+<file path=ppt/slides/slide16.xml><?xml version="1.0" encoding="utf-8"?>
 <p:sld xmlns:a="http://schemas.openxmlformats.org/drawingml/2006/main" xmlns:r="http://schemas.openxmlformats.org/officeDocument/2006/relationships" xmlns:p="http://schemas.openxmlformats.org/presentationml/2006/main">
   <p:cSld>
     <p:spTree>
@@ -15477,7 +17546,7 @@
 </p:sld>
 </file>
 
-<file path=ppt/slides/slide16.xml><?xml version="1.0" encoding="utf-8"?>
+<file path=ppt/slides/slide17.xml><?xml version="1.0" encoding="utf-8"?>
 <p:sld xmlns:a="http://schemas.openxmlformats.org/drawingml/2006/main" xmlns:r="http://schemas.openxmlformats.org/officeDocument/2006/relationships" xmlns:p="http://schemas.openxmlformats.org/presentationml/2006/main">
   <p:cSld>
     <p:spTree>
@@ -15636,7 +17705,7 @@
 </p:sld>
 </file>
 
-<file path=ppt/slides/slide17.xml><?xml version="1.0" encoding="utf-8"?>
+<file path=ppt/slides/slide18.xml><?xml version="1.0" encoding="utf-8"?>
 <p:sld xmlns:a="http://schemas.openxmlformats.org/drawingml/2006/main" xmlns:r="http://schemas.openxmlformats.org/officeDocument/2006/relationships" xmlns:p="http://schemas.openxmlformats.org/presentationml/2006/main">
   <p:cSld>
     <p:spTree>
@@ -18366,7 +20435,7 @@
 </p:sld>
 </file>
 
-<file path=ppt/slides/slide18.xml><?xml version="1.0" encoding="utf-8"?>
+<file path=ppt/slides/slide19.xml><?xml version="1.0" encoding="utf-8"?>
 <p:sld xmlns:a="http://schemas.openxmlformats.org/drawingml/2006/main" xmlns:r="http://schemas.openxmlformats.org/officeDocument/2006/relationships" xmlns:p="http://schemas.openxmlformats.org/presentationml/2006/main">
   <p:cSld>
     <p:spTree>
@@ -21079,7 +23148,484 @@
 </p:sld>
 </file>
 
-<file path=ppt/slides/slide19.xml><?xml version="1.0" encoding="utf-8"?>
+<file path=ppt/slides/slide2.xml><?xml version="1.0" encoding="utf-8"?>
+<p:sld xmlns:a="http://schemas.openxmlformats.org/drawingml/2006/main" xmlns:r="http://schemas.openxmlformats.org/officeDocument/2006/relationships" xmlns:p="http://schemas.openxmlformats.org/presentationml/2006/main">
+  <p:cSld>
+    <p:spTree>
+      <p:nvGrpSpPr>
+        <p:cNvPr id="1" name="">
+          <a:extLst>
+            <a:ext uri="{FF2B5EF4-FFF2-40B4-BE49-F238E27FC236}">
+              <a16:creationId xmlns:a16="http://schemas.microsoft.com/office/drawing/2014/main" id="{F443A8EC-C934-1120-4BAE-4306B8217249}"/>
+            </a:ext>
+          </a:extLst>
+        </p:cNvPr>
+        <p:cNvGrpSpPr/>
+        <p:nvPr/>
+      </p:nvGrpSpPr>
+      <p:grpSpPr>
+        <a:xfrm>
+          <a:off x="0" y="0"/>
+          <a:ext cx="0" cy="0"/>
+          <a:chOff x="0" y="0"/>
+          <a:chExt cx="0" cy="0"/>
+        </a:xfrm>
+      </p:grpSpPr>
+      <p:sp>
+        <p:nvSpPr>
+          <p:cNvPr id="14" name="직사각형 13">
+            <a:extLst>
+              <a:ext uri="{FF2B5EF4-FFF2-40B4-BE49-F238E27FC236}">
+                <a16:creationId xmlns:a16="http://schemas.microsoft.com/office/drawing/2014/main" id="{41581C53-BC23-2900-A15E-8E5CD3447605}"/>
+              </a:ext>
+            </a:extLst>
+          </p:cNvPr>
+          <p:cNvSpPr/>
+          <p:nvPr/>
+        </p:nvSpPr>
+        <p:spPr>
+          <a:xfrm>
+            <a:off x="92765" y="79513"/>
+            <a:ext cx="11986592" cy="6712226"/>
+          </a:xfrm>
+          <a:prstGeom prst="rect">
+            <a:avLst/>
+          </a:prstGeom>
+          <a:solidFill>
+            <a:schemeClr val="accent2">
+              <a:lumMod val="40000"/>
+              <a:lumOff val="60000"/>
+            </a:schemeClr>
+          </a:solidFill>
+        </p:spPr>
+        <p:style>
+          <a:lnRef idx="2">
+            <a:schemeClr val="accent1">
+              <a:shade val="15000"/>
+            </a:schemeClr>
+          </a:lnRef>
+          <a:fillRef idx="1">
+            <a:schemeClr val="accent1"/>
+          </a:fillRef>
+          <a:effectRef idx="0">
+            <a:schemeClr val="accent1"/>
+          </a:effectRef>
+          <a:fontRef idx="minor">
+            <a:schemeClr val="lt1"/>
+          </a:fontRef>
+        </p:style>
+        <p:txBody>
+          <a:bodyPr rtlCol="0" anchor="ctr"/>
+          <a:lstStyle/>
+          <a:p>
+            <a:pPr algn="ctr"/>
+            <a:endParaRPr lang="ko-KR" altLang="en-US"/>
+          </a:p>
+        </p:txBody>
+      </p:sp>
+      <p:sp>
+        <p:nvSpPr>
+          <p:cNvPr id="11" name="직사각형 10">
+            <a:extLst>
+              <a:ext uri="{FF2B5EF4-FFF2-40B4-BE49-F238E27FC236}">
+                <a16:creationId xmlns:a16="http://schemas.microsoft.com/office/drawing/2014/main" id="{6A91D0B5-0C81-4A2F-5D94-9D5182CB9537}"/>
+              </a:ext>
+            </a:extLst>
+          </p:cNvPr>
+          <p:cNvSpPr/>
+          <p:nvPr/>
+        </p:nvSpPr>
+        <p:spPr>
+          <a:xfrm>
+            <a:off x="9515061" y="245165"/>
+            <a:ext cx="2458278" cy="1053548"/>
+          </a:xfrm>
+          <a:prstGeom prst="rect">
+            <a:avLst/>
+          </a:prstGeom>
+        </p:spPr>
+        <p:style>
+          <a:lnRef idx="2">
+            <a:schemeClr val="accent1">
+              <a:shade val="15000"/>
+            </a:schemeClr>
+          </a:lnRef>
+          <a:fillRef idx="1">
+            <a:schemeClr val="accent1"/>
+          </a:fillRef>
+          <a:effectRef idx="0">
+            <a:schemeClr val="accent1"/>
+          </a:effectRef>
+          <a:fontRef idx="minor">
+            <a:schemeClr val="lt1"/>
+          </a:fontRef>
+        </p:style>
+        <p:txBody>
+          <a:bodyPr rtlCol="0" anchor="ctr"/>
+          <a:lstStyle/>
+          <a:p>
+            <a:pPr algn="ctr"/>
+            <a:r>
+              <a:rPr lang="en-US" altLang="ko-KR" sz="5400" dirty="0"/>
+              <a:t>11:50</a:t>
+            </a:r>
+            <a:endParaRPr lang="ko-KR" altLang="en-US" sz="5400" dirty="0"/>
+          </a:p>
+        </p:txBody>
+      </p:sp>
+      <p:sp>
+        <p:nvSpPr>
+          <p:cNvPr id="3" name="사각형: 둥근 모서리 2">
+            <a:extLst>
+              <a:ext uri="{FF2B5EF4-FFF2-40B4-BE49-F238E27FC236}">
+                <a16:creationId xmlns:a16="http://schemas.microsoft.com/office/drawing/2014/main" id="{88AB0841-A42D-AE57-5FDA-5FF9BF80CAB9}"/>
+              </a:ext>
+            </a:extLst>
+          </p:cNvPr>
+          <p:cNvSpPr/>
+          <p:nvPr/>
+        </p:nvSpPr>
+        <p:spPr>
+          <a:xfrm rot="5400000">
+            <a:off x="2816087" y="1557130"/>
+            <a:ext cx="6546574" cy="3763618"/>
+          </a:xfrm>
+          <a:prstGeom prst="roundRect">
+            <a:avLst>
+              <a:gd name="adj" fmla="val 2928"/>
+            </a:avLst>
+          </a:prstGeom>
+          <a:solidFill>
+            <a:schemeClr val="bg2">
+              <a:lumMod val="75000"/>
+            </a:schemeClr>
+          </a:solidFill>
+        </p:spPr>
+        <p:style>
+          <a:lnRef idx="2">
+            <a:schemeClr val="accent1">
+              <a:shade val="15000"/>
+            </a:schemeClr>
+          </a:lnRef>
+          <a:fillRef idx="1">
+            <a:schemeClr val="accent1"/>
+          </a:fillRef>
+          <a:effectRef idx="0">
+            <a:schemeClr val="accent1"/>
+          </a:effectRef>
+          <a:fontRef idx="minor">
+            <a:schemeClr val="lt1"/>
+          </a:fontRef>
+        </p:style>
+        <p:txBody>
+          <a:bodyPr rtlCol="0" anchor="ctr"/>
+          <a:lstStyle/>
+          <a:p>
+            <a:pPr algn="ctr"/>
+            <a:endParaRPr lang="ko-KR" altLang="en-US"/>
+          </a:p>
+        </p:txBody>
+      </p:sp>
+      <p:sp>
+        <p:nvSpPr>
+          <p:cNvPr id="8" name="타원 7">
+            <a:extLst>
+              <a:ext uri="{FF2B5EF4-FFF2-40B4-BE49-F238E27FC236}">
+                <a16:creationId xmlns:a16="http://schemas.microsoft.com/office/drawing/2014/main" id="{66FC456B-445C-70B4-548A-6E28EB8B7DE1}"/>
+              </a:ext>
+            </a:extLst>
+          </p:cNvPr>
+          <p:cNvSpPr/>
+          <p:nvPr/>
+        </p:nvSpPr>
+        <p:spPr>
+          <a:xfrm rot="5400000">
+            <a:off x="6017227" y="209251"/>
+            <a:ext cx="144294" cy="144294"/>
+          </a:xfrm>
+          <a:prstGeom prst="ellipse">
+            <a:avLst/>
+          </a:prstGeom>
+          <a:solidFill>
+            <a:schemeClr val="tx1">
+              <a:lumMod val="85000"/>
+              <a:lumOff val="15000"/>
+            </a:schemeClr>
+          </a:solidFill>
+        </p:spPr>
+        <p:style>
+          <a:lnRef idx="2">
+            <a:schemeClr val="accent1">
+              <a:shade val="15000"/>
+            </a:schemeClr>
+          </a:lnRef>
+          <a:fillRef idx="1">
+            <a:schemeClr val="accent1"/>
+          </a:fillRef>
+          <a:effectRef idx="0">
+            <a:schemeClr val="accent1"/>
+          </a:effectRef>
+          <a:fontRef idx="minor">
+            <a:schemeClr val="lt1"/>
+          </a:fontRef>
+        </p:style>
+        <p:txBody>
+          <a:bodyPr rtlCol="0" anchor="ctr"/>
+          <a:lstStyle/>
+          <a:p>
+            <a:pPr algn="ctr"/>
+            <a:endParaRPr lang="ko-KR" altLang="en-US"/>
+          </a:p>
+        </p:txBody>
+      </p:sp>
+      <p:sp>
+        <p:nvSpPr>
+          <p:cNvPr id="12" name="직사각형 11">
+            <a:extLst>
+              <a:ext uri="{FF2B5EF4-FFF2-40B4-BE49-F238E27FC236}">
+                <a16:creationId xmlns:a16="http://schemas.microsoft.com/office/drawing/2014/main" id="{E56F4A9B-5B22-E2E6-2C5E-C0D176313261}"/>
+              </a:ext>
+            </a:extLst>
+          </p:cNvPr>
+          <p:cNvSpPr>
+            <a:spLocks noChangeAspect="1"/>
+          </p:cNvSpPr>
+          <p:nvPr/>
+        </p:nvSpPr>
+        <p:spPr>
+          <a:xfrm rot="5400000">
+            <a:off x="3039242" y="1762010"/>
+            <a:ext cx="6100264" cy="3442359"/>
+          </a:xfrm>
+          <a:prstGeom prst="rect">
+            <a:avLst/>
+          </a:prstGeom>
+          <a:solidFill>
+            <a:schemeClr val="accent6">
+              <a:lumMod val="75000"/>
+            </a:schemeClr>
+          </a:solidFill>
+          <a:ln>
+            <a:solidFill>
+              <a:schemeClr val="tx1"/>
+            </a:solidFill>
+          </a:ln>
+        </p:spPr>
+        <p:style>
+          <a:lnRef idx="2">
+            <a:schemeClr val="accent1">
+              <a:shade val="15000"/>
+            </a:schemeClr>
+          </a:lnRef>
+          <a:fillRef idx="1">
+            <a:schemeClr val="accent1"/>
+          </a:fillRef>
+          <a:effectRef idx="0">
+            <a:schemeClr val="accent1"/>
+          </a:effectRef>
+          <a:fontRef idx="minor">
+            <a:schemeClr val="lt1"/>
+          </a:fontRef>
+        </p:style>
+        <p:txBody>
+          <a:bodyPr rtlCol="0" anchor="ctr"/>
+          <a:lstStyle/>
+          <a:p>
+            <a:pPr algn="ctr"/>
+            <a:endParaRPr lang="ko-KR" altLang="en-US" sz="700" dirty="0"/>
+          </a:p>
+        </p:txBody>
+      </p:sp>
+      <p:sp>
+        <p:nvSpPr>
+          <p:cNvPr id="13" name="TextBox 12">
+            <a:extLst>
+              <a:ext uri="{FF2B5EF4-FFF2-40B4-BE49-F238E27FC236}">
+                <a16:creationId xmlns:a16="http://schemas.microsoft.com/office/drawing/2014/main" id="{CEF12577-6ED2-5223-A4A9-496AC3CA045B}"/>
+              </a:ext>
+            </a:extLst>
+          </p:cNvPr>
+          <p:cNvSpPr txBox="1"/>
+          <p:nvPr/>
+        </p:nvSpPr>
+        <p:spPr>
+          <a:xfrm>
+            <a:off x="4761928" y="1664012"/>
+            <a:ext cx="2654894" cy="646331"/>
+          </a:xfrm>
+          <a:prstGeom prst="rect">
+            <a:avLst/>
+          </a:prstGeom>
+          <a:noFill/>
+        </p:spPr>
+        <p:txBody>
+          <a:bodyPr wrap="none" rtlCol="0">
+            <a:spAutoFit/>
+          </a:bodyPr>
+          <a:lstStyle/>
+          <a:p>
+            <a:pPr algn="ctr"/>
+            <a:r>
+              <a:rPr lang="ko-KR" altLang="en-US" sz="3600" b="1" dirty="0">
+                <a:solidFill>
+                  <a:schemeClr val="bg1"/>
+                </a:solidFill>
+              </a:rPr>
+              <a:t>게임 타이틀</a:t>
+            </a:r>
+          </a:p>
+        </p:txBody>
+      </p:sp>
+      <p:sp>
+        <p:nvSpPr>
+          <p:cNvPr id="15" name="TextBox 14">
+            <a:extLst>
+              <a:ext uri="{FF2B5EF4-FFF2-40B4-BE49-F238E27FC236}">
+                <a16:creationId xmlns:a16="http://schemas.microsoft.com/office/drawing/2014/main" id="{D0709697-A77E-0ABC-CBC3-D891EE6CF15F}"/>
+              </a:ext>
+            </a:extLst>
+          </p:cNvPr>
+          <p:cNvSpPr txBox="1"/>
+          <p:nvPr/>
+        </p:nvSpPr>
+        <p:spPr>
+          <a:xfrm>
+            <a:off x="4935052" y="6163990"/>
+            <a:ext cx="2308645" cy="261610"/>
+          </a:xfrm>
+          <a:prstGeom prst="rect">
+            <a:avLst/>
+          </a:prstGeom>
+          <a:noFill/>
+        </p:spPr>
+        <p:txBody>
+          <a:bodyPr wrap="none" rtlCol="0">
+            <a:spAutoFit/>
+          </a:bodyPr>
+          <a:lstStyle/>
+          <a:p>
+            <a:pPr algn="ctr"/>
+            <a:r>
+              <a:rPr lang="ko-KR" altLang="en-US" sz="1100" dirty="0">
+                <a:solidFill>
+                  <a:schemeClr val="bg1"/>
+                </a:solidFill>
+              </a:rPr>
+              <a:t>화면을 위로 </a:t>
+            </a:r>
+            <a:r>
+              <a:rPr lang="ko-KR" altLang="en-US" sz="1100" dirty="0" err="1">
+                <a:solidFill>
+                  <a:schemeClr val="bg1"/>
+                </a:solidFill>
+              </a:rPr>
+              <a:t>드래그하여</a:t>
+            </a:r>
+            <a:r>
+              <a:rPr lang="ko-KR" altLang="en-US" sz="1100" dirty="0">
+                <a:solidFill>
+                  <a:schemeClr val="bg1"/>
+                </a:solidFill>
+              </a:rPr>
+              <a:t> 게임시작</a:t>
+            </a:r>
+          </a:p>
+        </p:txBody>
+      </p:sp>
+      <p:sp>
+        <p:nvSpPr>
+          <p:cNvPr id="18" name="TextBox 17">
+            <a:extLst>
+              <a:ext uri="{FF2B5EF4-FFF2-40B4-BE49-F238E27FC236}">
+                <a16:creationId xmlns:a16="http://schemas.microsoft.com/office/drawing/2014/main" id="{F404E036-07D1-1936-FD38-B80F0E60065E}"/>
+              </a:ext>
+            </a:extLst>
+          </p:cNvPr>
+          <p:cNvSpPr txBox="1"/>
+          <p:nvPr/>
+        </p:nvSpPr>
+        <p:spPr>
+          <a:xfrm>
+            <a:off x="4592802" y="2929192"/>
+            <a:ext cx="2848857" cy="923330"/>
+          </a:xfrm>
+          <a:prstGeom prst="rect">
+            <a:avLst/>
+          </a:prstGeom>
+          <a:noFill/>
+        </p:spPr>
+        <p:txBody>
+          <a:bodyPr wrap="none" rtlCol="0">
+            <a:spAutoFit/>
+          </a:bodyPr>
+          <a:lstStyle/>
+          <a:p>
+            <a:pPr algn="ctr"/>
+            <a:r>
+              <a:rPr lang="ko-KR" altLang="en-US" dirty="0">
+                <a:solidFill>
+                  <a:schemeClr val="bg1"/>
+                </a:solidFill>
+              </a:rPr>
+              <a:t>숲 풍경 느낌의</a:t>
+            </a:r>
+            <a:endParaRPr lang="en-US" altLang="ko-KR" dirty="0">
+              <a:solidFill>
+                <a:schemeClr val="bg1"/>
+              </a:solidFill>
+            </a:endParaRPr>
+          </a:p>
+          <a:p>
+            <a:pPr algn="ctr"/>
+            <a:r>
+              <a:rPr lang="ko-KR" altLang="en-US" dirty="0">
+                <a:solidFill>
+                  <a:schemeClr val="bg1"/>
+                </a:solidFill>
+              </a:rPr>
+              <a:t>잠금 화면</a:t>
+            </a:r>
+            <a:endParaRPr lang="en-US" altLang="ko-KR" dirty="0">
+              <a:solidFill>
+                <a:schemeClr val="bg1"/>
+              </a:solidFill>
+            </a:endParaRPr>
+          </a:p>
+          <a:p>
+            <a:pPr algn="ctr"/>
+            <a:r>
+              <a:rPr lang="en-US" altLang="ko-KR" dirty="0">
+                <a:solidFill>
+                  <a:schemeClr val="bg1"/>
+                </a:solidFill>
+              </a:rPr>
+              <a:t>Or </a:t>
+            </a:r>
+            <a:r>
+              <a:rPr lang="ko-KR" altLang="en-US" dirty="0">
+                <a:solidFill>
+                  <a:schemeClr val="bg1"/>
+                </a:solidFill>
+              </a:rPr>
+              <a:t>아이폰 기본 잠금 화면</a:t>
+            </a:r>
+          </a:p>
+        </p:txBody>
+      </p:sp>
+    </p:spTree>
+    <p:extLst>
+      <p:ext uri="{BB962C8B-B14F-4D97-AF65-F5344CB8AC3E}">
+        <p14:creationId xmlns:p14="http://schemas.microsoft.com/office/powerpoint/2010/main" val="423471011"/>
+      </p:ext>
+    </p:extLst>
+  </p:cSld>
+  <p:clrMapOvr>
+    <a:masterClrMapping/>
+  </p:clrMapOvr>
+</p:sld>
+</file>
+
+<file path=ppt/slides/slide20.xml><?xml version="1.0" encoding="utf-8"?>
 <p:sld xmlns:a="http://schemas.openxmlformats.org/drawingml/2006/main" xmlns:r="http://schemas.openxmlformats.org/officeDocument/2006/relationships" xmlns:p="http://schemas.openxmlformats.org/presentationml/2006/main">
   <p:cSld>
     <p:spTree>
@@ -21855,484 +24401,7 @@
 </p:sld>
 </file>
 
-<file path=ppt/slides/slide2.xml><?xml version="1.0" encoding="utf-8"?>
-<p:sld xmlns:a="http://schemas.openxmlformats.org/drawingml/2006/main" xmlns:r="http://schemas.openxmlformats.org/officeDocument/2006/relationships" xmlns:p="http://schemas.openxmlformats.org/presentationml/2006/main">
-  <p:cSld>
-    <p:spTree>
-      <p:nvGrpSpPr>
-        <p:cNvPr id="1" name="">
-          <a:extLst>
-            <a:ext uri="{FF2B5EF4-FFF2-40B4-BE49-F238E27FC236}">
-              <a16:creationId xmlns:a16="http://schemas.microsoft.com/office/drawing/2014/main" id="{F443A8EC-C934-1120-4BAE-4306B8217249}"/>
-            </a:ext>
-          </a:extLst>
-        </p:cNvPr>
-        <p:cNvGrpSpPr/>
-        <p:nvPr/>
-      </p:nvGrpSpPr>
-      <p:grpSpPr>
-        <a:xfrm>
-          <a:off x="0" y="0"/>
-          <a:ext cx="0" cy="0"/>
-          <a:chOff x="0" y="0"/>
-          <a:chExt cx="0" cy="0"/>
-        </a:xfrm>
-      </p:grpSpPr>
-      <p:sp>
-        <p:nvSpPr>
-          <p:cNvPr id="14" name="직사각형 13">
-            <a:extLst>
-              <a:ext uri="{FF2B5EF4-FFF2-40B4-BE49-F238E27FC236}">
-                <a16:creationId xmlns:a16="http://schemas.microsoft.com/office/drawing/2014/main" id="{41581C53-BC23-2900-A15E-8E5CD3447605}"/>
-              </a:ext>
-            </a:extLst>
-          </p:cNvPr>
-          <p:cNvSpPr/>
-          <p:nvPr/>
-        </p:nvSpPr>
-        <p:spPr>
-          <a:xfrm>
-            <a:off x="92765" y="79513"/>
-            <a:ext cx="11986592" cy="6712226"/>
-          </a:xfrm>
-          <a:prstGeom prst="rect">
-            <a:avLst/>
-          </a:prstGeom>
-          <a:solidFill>
-            <a:schemeClr val="accent2">
-              <a:lumMod val="40000"/>
-              <a:lumOff val="60000"/>
-            </a:schemeClr>
-          </a:solidFill>
-        </p:spPr>
-        <p:style>
-          <a:lnRef idx="2">
-            <a:schemeClr val="accent1">
-              <a:shade val="15000"/>
-            </a:schemeClr>
-          </a:lnRef>
-          <a:fillRef idx="1">
-            <a:schemeClr val="accent1"/>
-          </a:fillRef>
-          <a:effectRef idx="0">
-            <a:schemeClr val="accent1"/>
-          </a:effectRef>
-          <a:fontRef idx="minor">
-            <a:schemeClr val="lt1"/>
-          </a:fontRef>
-        </p:style>
-        <p:txBody>
-          <a:bodyPr rtlCol="0" anchor="ctr"/>
-          <a:lstStyle/>
-          <a:p>
-            <a:pPr algn="ctr"/>
-            <a:endParaRPr lang="ko-KR" altLang="en-US"/>
-          </a:p>
-        </p:txBody>
-      </p:sp>
-      <p:sp>
-        <p:nvSpPr>
-          <p:cNvPr id="11" name="직사각형 10">
-            <a:extLst>
-              <a:ext uri="{FF2B5EF4-FFF2-40B4-BE49-F238E27FC236}">
-                <a16:creationId xmlns:a16="http://schemas.microsoft.com/office/drawing/2014/main" id="{6A91D0B5-0C81-4A2F-5D94-9D5182CB9537}"/>
-              </a:ext>
-            </a:extLst>
-          </p:cNvPr>
-          <p:cNvSpPr/>
-          <p:nvPr/>
-        </p:nvSpPr>
-        <p:spPr>
-          <a:xfrm>
-            <a:off x="9515061" y="245165"/>
-            <a:ext cx="2458278" cy="1053548"/>
-          </a:xfrm>
-          <a:prstGeom prst="rect">
-            <a:avLst/>
-          </a:prstGeom>
-        </p:spPr>
-        <p:style>
-          <a:lnRef idx="2">
-            <a:schemeClr val="accent1">
-              <a:shade val="15000"/>
-            </a:schemeClr>
-          </a:lnRef>
-          <a:fillRef idx="1">
-            <a:schemeClr val="accent1"/>
-          </a:fillRef>
-          <a:effectRef idx="0">
-            <a:schemeClr val="accent1"/>
-          </a:effectRef>
-          <a:fontRef idx="minor">
-            <a:schemeClr val="lt1"/>
-          </a:fontRef>
-        </p:style>
-        <p:txBody>
-          <a:bodyPr rtlCol="0" anchor="ctr"/>
-          <a:lstStyle/>
-          <a:p>
-            <a:pPr algn="ctr"/>
-            <a:r>
-              <a:rPr lang="en-US" altLang="ko-KR" sz="5400" dirty="0"/>
-              <a:t>11:50</a:t>
-            </a:r>
-            <a:endParaRPr lang="ko-KR" altLang="en-US" sz="5400" dirty="0"/>
-          </a:p>
-        </p:txBody>
-      </p:sp>
-      <p:sp>
-        <p:nvSpPr>
-          <p:cNvPr id="3" name="사각형: 둥근 모서리 2">
-            <a:extLst>
-              <a:ext uri="{FF2B5EF4-FFF2-40B4-BE49-F238E27FC236}">
-                <a16:creationId xmlns:a16="http://schemas.microsoft.com/office/drawing/2014/main" id="{88AB0841-A42D-AE57-5FDA-5FF9BF80CAB9}"/>
-              </a:ext>
-            </a:extLst>
-          </p:cNvPr>
-          <p:cNvSpPr/>
-          <p:nvPr/>
-        </p:nvSpPr>
-        <p:spPr>
-          <a:xfrm rot="5400000">
-            <a:off x="2816087" y="1557130"/>
-            <a:ext cx="6546574" cy="3763618"/>
-          </a:xfrm>
-          <a:prstGeom prst="roundRect">
-            <a:avLst>
-              <a:gd name="adj" fmla="val 2928"/>
-            </a:avLst>
-          </a:prstGeom>
-          <a:solidFill>
-            <a:schemeClr val="bg2">
-              <a:lumMod val="75000"/>
-            </a:schemeClr>
-          </a:solidFill>
-        </p:spPr>
-        <p:style>
-          <a:lnRef idx="2">
-            <a:schemeClr val="accent1">
-              <a:shade val="15000"/>
-            </a:schemeClr>
-          </a:lnRef>
-          <a:fillRef idx="1">
-            <a:schemeClr val="accent1"/>
-          </a:fillRef>
-          <a:effectRef idx="0">
-            <a:schemeClr val="accent1"/>
-          </a:effectRef>
-          <a:fontRef idx="minor">
-            <a:schemeClr val="lt1"/>
-          </a:fontRef>
-        </p:style>
-        <p:txBody>
-          <a:bodyPr rtlCol="0" anchor="ctr"/>
-          <a:lstStyle/>
-          <a:p>
-            <a:pPr algn="ctr"/>
-            <a:endParaRPr lang="ko-KR" altLang="en-US"/>
-          </a:p>
-        </p:txBody>
-      </p:sp>
-      <p:sp>
-        <p:nvSpPr>
-          <p:cNvPr id="8" name="타원 7">
-            <a:extLst>
-              <a:ext uri="{FF2B5EF4-FFF2-40B4-BE49-F238E27FC236}">
-                <a16:creationId xmlns:a16="http://schemas.microsoft.com/office/drawing/2014/main" id="{66FC456B-445C-70B4-548A-6E28EB8B7DE1}"/>
-              </a:ext>
-            </a:extLst>
-          </p:cNvPr>
-          <p:cNvSpPr/>
-          <p:nvPr/>
-        </p:nvSpPr>
-        <p:spPr>
-          <a:xfrm rot="5400000">
-            <a:off x="6017227" y="209251"/>
-            <a:ext cx="144294" cy="144294"/>
-          </a:xfrm>
-          <a:prstGeom prst="ellipse">
-            <a:avLst/>
-          </a:prstGeom>
-          <a:solidFill>
-            <a:schemeClr val="tx1">
-              <a:lumMod val="85000"/>
-              <a:lumOff val="15000"/>
-            </a:schemeClr>
-          </a:solidFill>
-        </p:spPr>
-        <p:style>
-          <a:lnRef idx="2">
-            <a:schemeClr val="accent1">
-              <a:shade val="15000"/>
-            </a:schemeClr>
-          </a:lnRef>
-          <a:fillRef idx="1">
-            <a:schemeClr val="accent1"/>
-          </a:fillRef>
-          <a:effectRef idx="0">
-            <a:schemeClr val="accent1"/>
-          </a:effectRef>
-          <a:fontRef idx="minor">
-            <a:schemeClr val="lt1"/>
-          </a:fontRef>
-        </p:style>
-        <p:txBody>
-          <a:bodyPr rtlCol="0" anchor="ctr"/>
-          <a:lstStyle/>
-          <a:p>
-            <a:pPr algn="ctr"/>
-            <a:endParaRPr lang="ko-KR" altLang="en-US"/>
-          </a:p>
-        </p:txBody>
-      </p:sp>
-      <p:sp>
-        <p:nvSpPr>
-          <p:cNvPr id="12" name="직사각형 11">
-            <a:extLst>
-              <a:ext uri="{FF2B5EF4-FFF2-40B4-BE49-F238E27FC236}">
-                <a16:creationId xmlns:a16="http://schemas.microsoft.com/office/drawing/2014/main" id="{E56F4A9B-5B22-E2E6-2C5E-C0D176313261}"/>
-              </a:ext>
-            </a:extLst>
-          </p:cNvPr>
-          <p:cNvSpPr>
-            <a:spLocks noChangeAspect="1"/>
-          </p:cNvSpPr>
-          <p:nvPr/>
-        </p:nvSpPr>
-        <p:spPr>
-          <a:xfrm rot="5400000">
-            <a:off x="3039242" y="1762010"/>
-            <a:ext cx="6100264" cy="3442359"/>
-          </a:xfrm>
-          <a:prstGeom prst="rect">
-            <a:avLst/>
-          </a:prstGeom>
-          <a:solidFill>
-            <a:schemeClr val="accent6">
-              <a:lumMod val="75000"/>
-            </a:schemeClr>
-          </a:solidFill>
-          <a:ln>
-            <a:solidFill>
-              <a:schemeClr val="tx1"/>
-            </a:solidFill>
-          </a:ln>
-        </p:spPr>
-        <p:style>
-          <a:lnRef idx="2">
-            <a:schemeClr val="accent1">
-              <a:shade val="15000"/>
-            </a:schemeClr>
-          </a:lnRef>
-          <a:fillRef idx="1">
-            <a:schemeClr val="accent1"/>
-          </a:fillRef>
-          <a:effectRef idx="0">
-            <a:schemeClr val="accent1"/>
-          </a:effectRef>
-          <a:fontRef idx="minor">
-            <a:schemeClr val="lt1"/>
-          </a:fontRef>
-        </p:style>
-        <p:txBody>
-          <a:bodyPr rtlCol="0" anchor="ctr"/>
-          <a:lstStyle/>
-          <a:p>
-            <a:pPr algn="ctr"/>
-            <a:endParaRPr lang="ko-KR" altLang="en-US" sz="700" dirty="0"/>
-          </a:p>
-        </p:txBody>
-      </p:sp>
-      <p:sp>
-        <p:nvSpPr>
-          <p:cNvPr id="13" name="TextBox 12">
-            <a:extLst>
-              <a:ext uri="{FF2B5EF4-FFF2-40B4-BE49-F238E27FC236}">
-                <a16:creationId xmlns:a16="http://schemas.microsoft.com/office/drawing/2014/main" id="{CEF12577-6ED2-5223-A4A9-496AC3CA045B}"/>
-              </a:ext>
-            </a:extLst>
-          </p:cNvPr>
-          <p:cNvSpPr txBox="1"/>
-          <p:nvPr/>
-        </p:nvSpPr>
-        <p:spPr>
-          <a:xfrm>
-            <a:off x="4761928" y="1664012"/>
-            <a:ext cx="2654894" cy="646331"/>
-          </a:xfrm>
-          <a:prstGeom prst="rect">
-            <a:avLst/>
-          </a:prstGeom>
-          <a:noFill/>
-        </p:spPr>
-        <p:txBody>
-          <a:bodyPr wrap="none" rtlCol="0">
-            <a:spAutoFit/>
-          </a:bodyPr>
-          <a:lstStyle/>
-          <a:p>
-            <a:pPr algn="ctr"/>
-            <a:r>
-              <a:rPr lang="ko-KR" altLang="en-US" sz="3600" b="1" dirty="0">
-                <a:solidFill>
-                  <a:schemeClr val="bg1"/>
-                </a:solidFill>
-              </a:rPr>
-              <a:t>게임 타이틀</a:t>
-            </a:r>
-          </a:p>
-        </p:txBody>
-      </p:sp>
-      <p:sp>
-        <p:nvSpPr>
-          <p:cNvPr id="15" name="TextBox 14">
-            <a:extLst>
-              <a:ext uri="{FF2B5EF4-FFF2-40B4-BE49-F238E27FC236}">
-                <a16:creationId xmlns:a16="http://schemas.microsoft.com/office/drawing/2014/main" id="{D0709697-A77E-0ABC-CBC3-D891EE6CF15F}"/>
-              </a:ext>
-            </a:extLst>
-          </p:cNvPr>
-          <p:cNvSpPr txBox="1"/>
-          <p:nvPr/>
-        </p:nvSpPr>
-        <p:spPr>
-          <a:xfrm>
-            <a:off x="4935052" y="6163990"/>
-            <a:ext cx="2308645" cy="261610"/>
-          </a:xfrm>
-          <a:prstGeom prst="rect">
-            <a:avLst/>
-          </a:prstGeom>
-          <a:noFill/>
-        </p:spPr>
-        <p:txBody>
-          <a:bodyPr wrap="none" rtlCol="0">
-            <a:spAutoFit/>
-          </a:bodyPr>
-          <a:lstStyle/>
-          <a:p>
-            <a:pPr algn="ctr"/>
-            <a:r>
-              <a:rPr lang="ko-KR" altLang="en-US" sz="1100" dirty="0">
-                <a:solidFill>
-                  <a:schemeClr val="bg1"/>
-                </a:solidFill>
-              </a:rPr>
-              <a:t>화면을 위로 </a:t>
-            </a:r>
-            <a:r>
-              <a:rPr lang="ko-KR" altLang="en-US" sz="1100" dirty="0" err="1">
-                <a:solidFill>
-                  <a:schemeClr val="bg1"/>
-                </a:solidFill>
-              </a:rPr>
-              <a:t>드래그하여</a:t>
-            </a:r>
-            <a:r>
-              <a:rPr lang="ko-KR" altLang="en-US" sz="1100" dirty="0">
-                <a:solidFill>
-                  <a:schemeClr val="bg1"/>
-                </a:solidFill>
-              </a:rPr>
-              <a:t> 게임시작</a:t>
-            </a:r>
-          </a:p>
-        </p:txBody>
-      </p:sp>
-      <p:sp>
-        <p:nvSpPr>
-          <p:cNvPr id="18" name="TextBox 17">
-            <a:extLst>
-              <a:ext uri="{FF2B5EF4-FFF2-40B4-BE49-F238E27FC236}">
-                <a16:creationId xmlns:a16="http://schemas.microsoft.com/office/drawing/2014/main" id="{F404E036-07D1-1936-FD38-B80F0E60065E}"/>
-              </a:ext>
-            </a:extLst>
-          </p:cNvPr>
-          <p:cNvSpPr txBox="1"/>
-          <p:nvPr/>
-        </p:nvSpPr>
-        <p:spPr>
-          <a:xfrm>
-            <a:off x="4592802" y="2929192"/>
-            <a:ext cx="2848857" cy="923330"/>
-          </a:xfrm>
-          <a:prstGeom prst="rect">
-            <a:avLst/>
-          </a:prstGeom>
-          <a:noFill/>
-        </p:spPr>
-        <p:txBody>
-          <a:bodyPr wrap="none" rtlCol="0">
-            <a:spAutoFit/>
-          </a:bodyPr>
-          <a:lstStyle/>
-          <a:p>
-            <a:pPr algn="ctr"/>
-            <a:r>
-              <a:rPr lang="ko-KR" altLang="en-US" dirty="0">
-                <a:solidFill>
-                  <a:schemeClr val="bg1"/>
-                </a:solidFill>
-              </a:rPr>
-              <a:t>숲 풍경 느낌의</a:t>
-            </a:r>
-            <a:endParaRPr lang="en-US" altLang="ko-KR" dirty="0">
-              <a:solidFill>
-                <a:schemeClr val="bg1"/>
-              </a:solidFill>
-            </a:endParaRPr>
-          </a:p>
-          <a:p>
-            <a:pPr algn="ctr"/>
-            <a:r>
-              <a:rPr lang="ko-KR" altLang="en-US" dirty="0">
-                <a:solidFill>
-                  <a:schemeClr val="bg1"/>
-                </a:solidFill>
-              </a:rPr>
-              <a:t>잠금 화면</a:t>
-            </a:r>
-            <a:endParaRPr lang="en-US" altLang="ko-KR" dirty="0">
-              <a:solidFill>
-                <a:schemeClr val="bg1"/>
-              </a:solidFill>
-            </a:endParaRPr>
-          </a:p>
-          <a:p>
-            <a:pPr algn="ctr"/>
-            <a:r>
-              <a:rPr lang="en-US" altLang="ko-KR" dirty="0">
-                <a:solidFill>
-                  <a:schemeClr val="bg1"/>
-                </a:solidFill>
-              </a:rPr>
-              <a:t>Or </a:t>
-            </a:r>
-            <a:r>
-              <a:rPr lang="ko-KR" altLang="en-US" dirty="0">
-                <a:solidFill>
-                  <a:schemeClr val="bg1"/>
-                </a:solidFill>
-              </a:rPr>
-              <a:t>아이폰 기본 잠금 화면</a:t>
-            </a:r>
-          </a:p>
-        </p:txBody>
-      </p:sp>
-    </p:spTree>
-    <p:extLst>
-      <p:ext uri="{BB962C8B-B14F-4D97-AF65-F5344CB8AC3E}">
-        <p14:creationId xmlns:p14="http://schemas.microsoft.com/office/powerpoint/2010/main" val="423471011"/>
-      </p:ext>
-    </p:extLst>
-  </p:cSld>
-  <p:clrMapOvr>
-    <a:masterClrMapping/>
-  </p:clrMapOvr>
-</p:sld>
-</file>
-
-<file path=ppt/slides/slide20.xml><?xml version="1.0" encoding="utf-8"?>
+<file path=ppt/slides/slide21.xml><?xml version="1.0" encoding="utf-8"?>
 <p:sld xmlns:a="http://schemas.openxmlformats.org/drawingml/2006/main" xmlns:r="http://schemas.openxmlformats.org/officeDocument/2006/relationships" xmlns:p="http://schemas.openxmlformats.org/presentationml/2006/main">
   <p:cSld>
     <p:spTree>
@@ -22987,7 +25056,7 @@
 </p:sld>
 </file>
 
-<file path=ppt/slides/slide21.xml><?xml version="1.0" encoding="utf-8"?>
+<file path=ppt/slides/slide22.xml><?xml version="1.0" encoding="utf-8"?>
 <p:sld xmlns:a="http://schemas.openxmlformats.org/drawingml/2006/main" xmlns:r="http://schemas.openxmlformats.org/officeDocument/2006/relationships" xmlns:p="http://schemas.openxmlformats.org/presentationml/2006/main">
   <p:cSld>
     <p:spTree>
@@ -23347,7 +25416,7 @@
 </p:sld>
 </file>
 
-<file path=ppt/slides/slide22.xml><?xml version="1.0" encoding="utf-8"?>
+<file path=ppt/slides/slide23.xml><?xml version="1.0" encoding="utf-8"?>
 <p:sld xmlns:a="http://schemas.openxmlformats.org/drawingml/2006/main" xmlns:r="http://schemas.openxmlformats.org/officeDocument/2006/relationships" xmlns:p="http://schemas.openxmlformats.org/presentationml/2006/main">
   <p:cSld>
     <p:spTree>
@@ -26270,7 +28339,7 @@
 </p:sld>
 </file>
 
-<file path=ppt/slides/slide23.xml><?xml version="1.0" encoding="utf-8"?>
+<file path=ppt/slides/slide24.xml><?xml version="1.0" encoding="utf-8"?>
 <p:sld xmlns:a="http://schemas.openxmlformats.org/drawingml/2006/main" xmlns:r="http://schemas.openxmlformats.org/officeDocument/2006/relationships" xmlns:p="http://schemas.openxmlformats.org/presentationml/2006/main">
   <p:cSld>
     <p:spTree>
@@ -27368,7 +29437,7 @@
 </p:sld>
 </file>
 
-<file path=ppt/slides/slide24.xml><?xml version="1.0" encoding="utf-8"?>
+<file path=ppt/slides/slide25.xml><?xml version="1.0" encoding="utf-8"?>
 <p:sld xmlns:a="http://schemas.openxmlformats.org/drawingml/2006/main" xmlns:r="http://schemas.openxmlformats.org/officeDocument/2006/relationships" xmlns:p="http://schemas.openxmlformats.org/presentationml/2006/main">
   <p:cSld>
     <p:spTree>
@@ -28503,7 +30572,7 @@
 </p:sld>
 </file>
 
-<file path=ppt/slides/slide25.xml><?xml version="1.0" encoding="utf-8"?>
+<file path=ppt/slides/slide26.xml><?xml version="1.0" encoding="utf-8"?>
 <p:sld xmlns:a="http://schemas.openxmlformats.org/drawingml/2006/main" xmlns:r="http://schemas.openxmlformats.org/officeDocument/2006/relationships" xmlns:p="http://schemas.openxmlformats.org/presentationml/2006/main">
   <p:cSld>
     <p:spTree>
@@ -31846,7 +33915,7 @@
 </p:sld>
 </file>
 
-<file path=ppt/slides/slide26.xml><?xml version="1.0" encoding="utf-8"?>
+<file path=ppt/slides/slide27.xml><?xml version="1.0" encoding="utf-8"?>
 <p:sld xmlns:a="http://schemas.openxmlformats.org/drawingml/2006/main" xmlns:r="http://schemas.openxmlformats.org/officeDocument/2006/relationships" xmlns:p="http://schemas.openxmlformats.org/presentationml/2006/main">
   <p:cSld>
     <p:spTree>
@@ -33118,7 +35187,7 @@
 </p:sld>
 </file>
 
-<file path=ppt/slides/slide27.xml><?xml version="1.0" encoding="utf-8"?>
+<file path=ppt/slides/slide28.xml><?xml version="1.0" encoding="utf-8"?>
 <p:sld xmlns:a="http://schemas.openxmlformats.org/drawingml/2006/main" xmlns:r="http://schemas.openxmlformats.org/officeDocument/2006/relationships" xmlns:p="http://schemas.openxmlformats.org/presentationml/2006/main">
   <p:cSld>
     <p:spTree>
@@ -33994,7 +36063,7 @@
 </p:sld>
 </file>
 
-<file path=ppt/slides/slide28.xml><?xml version="1.0" encoding="utf-8"?>
+<file path=ppt/slides/slide29.xml><?xml version="1.0" encoding="utf-8"?>
 <p:sld xmlns:a="http://schemas.openxmlformats.org/drawingml/2006/main" xmlns:r="http://schemas.openxmlformats.org/officeDocument/2006/relationships" xmlns:p="http://schemas.openxmlformats.org/presentationml/2006/main">
   <p:cSld>
     <p:spTree>
@@ -34446,7 +36515,552 @@
 </p:sld>
 </file>
 
-<file path=ppt/slides/slide29.xml><?xml version="1.0" encoding="utf-8"?>
+<file path=ppt/slides/slide3.xml><?xml version="1.0" encoding="utf-8"?>
+<p:sld xmlns:a="http://schemas.openxmlformats.org/drawingml/2006/main" xmlns:r="http://schemas.openxmlformats.org/officeDocument/2006/relationships" xmlns:p="http://schemas.openxmlformats.org/presentationml/2006/main">
+  <p:cSld>
+    <p:spTree>
+      <p:nvGrpSpPr>
+        <p:cNvPr id="1" name="">
+          <a:extLst>
+            <a:ext uri="{FF2B5EF4-FFF2-40B4-BE49-F238E27FC236}">
+              <a16:creationId xmlns:a16="http://schemas.microsoft.com/office/drawing/2014/main" id="{77C1AA84-3BCC-4F93-414E-5CD8B52B7DDD}"/>
+            </a:ext>
+          </a:extLst>
+        </p:cNvPr>
+        <p:cNvGrpSpPr/>
+        <p:nvPr/>
+      </p:nvGrpSpPr>
+      <p:grpSpPr>
+        <a:xfrm>
+          <a:off x="0" y="0"/>
+          <a:ext cx="0" cy="0"/>
+          <a:chOff x="0" y="0"/>
+          <a:chExt cx="0" cy="0"/>
+        </a:xfrm>
+      </p:grpSpPr>
+      <p:sp>
+        <p:nvSpPr>
+          <p:cNvPr id="14" name="직사각형 13">
+            <a:extLst>
+              <a:ext uri="{FF2B5EF4-FFF2-40B4-BE49-F238E27FC236}">
+                <a16:creationId xmlns:a16="http://schemas.microsoft.com/office/drawing/2014/main" id="{3C9CB339-6511-EAE9-EE76-1A4D6FFC2A32}"/>
+              </a:ext>
+            </a:extLst>
+          </p:cNvPr>
+          <p:cNvSpPr/>
+          <p:nvPr/>
+        </p:nvSpPr>
+        <p:spPr>
+          <a:xfrm>
+            <a:off x="92765" y="79513"/>
+            <a:ext cx="11986592" cy="6712226"/>
+          </a:xfrm>
+          <a:prstGeom prst="rect">
+            <a:avLst/>
+          </a:prstGeom>
+          <a:solidFill>
+            <a:schemeClr val="accent2">
+              <a:lumMod val="40000"/>
+              <a:lumOff val="60000"/>
+            </a:schemeClr>
+          </a:solidFill>
+        </p:spPr>
+        <p:style>
+          <a:lnRef idx="2">
+            <a:schemeClr val="accent1">
+              <a:shade val="15000"/>
+            </a:schemeClr>
+          </a:lnRef>
+          <a:fillRef idx="1">
+            <a:schemeClr val="accent1"/>
+          </a:fillRef>
+          <a:effectRef idx="0">
+            <a:schemeClr val="accent1"/>
+          </a:effectRef>
+          <a:fontRef idx="minor">
+            <a:schemeClr val="lt1"/>
+          </a:fontRef>
+        </p:style>
+        <p:txBody>
+          <a:bodyPr rtlCol="0" anchor="ctr"/>
+          <a:lstStyle/>
+          <a:p>
+            <a:pPr algn="ctr"/>
+            <a:endParaRPr lang="ko-KR" altLang="en-US"/>
+          </a:p>
+        </p:txBody>
+      </p:sp>
+      <p:pic>
+        <p:nvPicPr>
+          <p:cNvPr id="30" name="그림 29">
+            <a:extLst>
+              <a:ext uri="{FF2B5EF4-FFF2-40B4-BE49-F238E27FC236}">
+                <a16:creationId xmlns:a16="http://schemas.microsoft.com/office/drawing/2014/main" id="{DAC5BB46-882D-1EC6-21E3-A5CF1312A138}"/>
+              </a:ext>
+            </a:extLst>
+          </p:cNvPr>
+          <p:cNvPicPr>
+            <a:picLocks noChangeAspect="1"/>
+          </p:cNvPicPr>
+          <p:nvPr/>
+        </p:nvPicPr>
+        <p:blipFill>
+          <a:blip r:embed="rId2"/>
+          <a:stretch>
+            <a:fillRect/>
+          </a:stretch>
+        </p:blipFill>
+        <p:spPr>
+          <a:xfrm>
+            <a:off x="178382" y="79512"/>
+            <a:ext cx="11835237" cy="6698975"/>
+          </a:xfrm>
+          <a:prstGeom prst="rect">
+            <a:avLst/>
+          </a:prstGeom>
+        </p:spPr>
+      </p:pic>
+      <p:sp>
+        <p:nvSpPr>
+          <p:cNvPr id="33" name="TextBox 32">
+            <a:extLst>
+              <a:ext uri="{FF2B5EF4-FFF2-40B4-BE49-F238E27FC236}">
+                <a16:creationId xmlns:a16="http://schemas.microsoft.com/office/drawing/2014/main" id="{A98D10E0-FE16-3977-9176-A1D35A473AF2}"/>
+              </a:ext>
+            </a:extLst>
+          </p:cNvPr>
+          <p:cNvSpPr txBox="1"/>
+          <p:nvPr/>
+        </p:nvSpPr>
+        <p:spPr>
+          <a:xfrm>
+            <a:off x="3326851" y="6339581"/>
+            <a:ext cx="5420074" cy="369332"/>
+          </a:xfrm>
+          <a:prstGeom prst="rect">
+            <a:avLst/>
+          </a:prstGeom>
+          <a:solidFill>
+            <a:schemeClr val="tx1"/>
+          </a:solidFill>
+        </p:spPr>
+        <p:txBody>
+          <a:bodyPr wrap="none" rtlCol="0">
+            <a:spAutoFit/>
+          </a:bodyPr>
+          <a:lstStyle/>
+          <a:p>
+            <a:r>
+              <a:rPr lang="en-US" altLang="ko-KR" dirty="0">
+                <a:solidFill>
+                  <a:schemeClr val="bg1"/>
+                </a:solidFill>
+              </a:rPr>
+              <a:t>10</a:t>
+            </a:r>
+            <a:r>
+              <a:rPr lang="ko-KR" altLang="en-US" dirty="0">
+                <a:solidFill>
+                  <a:schemeClr val="bg1"/>
+                </a:solidFill>
+              </a:rPr>
+              <a:t>분 늦는다고 했으니 그동안 게임이나 한판 할까</a:t>
+            </a:r>
+            <a:r>
+              <a:rPr lang="en-US" altLang="ko-KR" dirty="0">
+                <a:solidFill>
+                  <a:schemeClr val="bg1"/>
+                </a:solidFill>
+              </a:rPr>
+              <a:t>?</a:t>
+            </a:r>
+            <a:endParaRPr lang="ko-KR" altLang="en-US" dirty="0">
+              <a:solidFill>
+                <a:schemeClr val="bg1"/>
+              </a:solidFill>
+            </a:endParaRPr>
+          </a:p>
+        </p:txBody>
+      </p:sp>
+      <p:grpSp>
+        <p:nvGrpSpPr>
+          <p:cNvPr id="6" name="그룹 5">
+            <a:extLst>
+              <a:ext uri="{FF2B5EF4-FFF2-40B4-BE49-F238E27FC236}">
+                <a16:creationId xmlns:a16="http://schemas.microsoft.com/office/drawing/2014/main" id="{220274F7-F604-318B-B285-A96A5E19EDED}"/>
+              </a:ext>
+            </a:extLst>
+          </p:cNvPr>
+          <p:cNvGrpSpPr/>
+          <p:nvPr/>
+        </p:nvGrpSpPr>
+        <p:grpSpPr>
+          <a:xfrm>
+            <a:off x="4664765" y="812347"/>
+            <a:ext cx="2862470" cy="751410"/>
+            <a:chOff x="4724399" y="812347"/>
+            <a:chExt cx="2862470" cy="751410"/>
+          </a:xfrm>
+        </p:grpSpPr>
+        <p:sp>
+          <p:nvSpPr>
+            <p:cNvPr id="3" name="사각형: 둥근 모서리 2">
+              <a:extLst>
+                <a:ext uri="{FF2B5EF4-FFF2-40B4-BE49-F238E27FC236}">
+                  <a16:creationId xmlns:a16="http://schemas.microsoft.com/office/drawing/2014/main" id="{39C8F4E0-E2F5-1F91-D279-E340F21BC4ED}"/>
+                </a:ext>
+              </a:extLst>
+            </p:cNvPr>
+            <p:cNvSpPr/>
+            <p:nvPr/>
+          </p:nvSpPr>
+          <p:spPr>
+            <a:xfrm>
+              <a:off x="4724399" y="812348"/>
+              <a:ext cx="2862470" cy="751409"/>
+            </a:xfrm>
+            <a:prstGeom prst="roundRect">
+              <a:avLst/>
+            </a:prstGeom>
+            <a:solidFill>
+              <a:schemeClr val="bg1">
+                <a:lumMod val="85000"/>
+              </a:schemeClr>
+            </a:solidFill>
+          </p:spPr>
+          <p:style>
+            <a:lnRef idx="2">
+              <a:schemeClr val="accent1">
+                <a:shade val="15000"/>
+              </a:schemeClr>
+            </a:lnRef>
+            <a:fillRef idx="1">
+              <a:schemeClr val="accent1"/>
+            </a:fillRef>
+            <a:effectRef idx="0">
+              <a:schemeClr val="accent1"/>
+            </a:effectRef>
+            <a:fontRef idx="minor">
+              <a:schemeClr val="lt1"/>
+            </a:fontRef>
+          </p:style>
+          <p:txBody>
+            <a:bodyPr rtlCol="0" anchor="ctr"/>
+            <a:lstStyle/>
+            <a:p>
+              <a:pPr algn="ctr"/>
+              <a:endParaRPr lang="ko-KR" altLang="en-US"/>
+            </a:p>
+          </p:txBody>
+        </p:sp>
+        <p:pic>
+          <p:nvPicPr>
+            <p:cNvPr id="4" name="그림 3" descr="블랙, 어둠이(가) 표시된 사진&#10;&#10;자동 생성된 설명">
+              <a:extLst>
+                <a:ext uri="{FF2B5EF4-FFF2-40B4-BE49-F238E27FC236}">
+                  <a16:creationId xmlns:a16="http://schemas.microsoft.com/office/drawing/2014/main" id="{1B56A22A-E81C-75AF-50BB-38CBBDBE3207}"/>
+                </a:ext>
+              </a:extLst>
+            </p:cNvPr>
+            <p:cNvPicPr>
+              <a:picLocks noChangeAspect="1"/>
+            </p:cNvPicPr>
+            <p:nvPr/>
+          </p:nvPicPr>
+          <p:blipFill>
+            <a:blip r:embed="rId3">
+              <a:extLst>
+                <a:ext uri="{28A0092B-C50C-407E-A947-70E740481C1C}">
+                  <a14:useLocalDpi xmlns:a14="http://schemas.microsoft.com/office/drawing/2010/main" val="0"/>
+                </a:ext>
+              </a:extLst>
+            </a:blip>
+            <a:stretch>
+              <a:fillRect/>
+            </a:stretch>
+          </p:blipFill>
+          <p:spPr>
+            <a:xfrm>
+              <a:off x="4724399" y="812347"/>
+              <a:ext cx="531410" cy="531410"/>
+            </a:xfrm>
+            <a:prstGeom prst="rect">
+              <a:avLst/>
+            </a:prstGeom>
+          </p:spPr>
+        </p:pic>
+        <p:sp>
+          <p:nvSpPr>
+            <p:cNvPr id="5" name="직사각형 4">
+              <a:extLst>
+                <a:ext uri="{FF2B5EF4-FFF2-40B4-BE49-F238E27FC236}">
+                  <a16:creationId xmlns:a16="http://schemas.microsoft.com/office/drawing/2014/main" id="{4D96AE18-D167-BBBB-BF88-4FF43E6B17A3}"/>
+                </a:ext>
+              </a:extLst>
+            </p:cNvPr>
+            <p:cNvSpPr/>
+            <p:nvPr/>
+          </p:nvSpPr>
+          <p:spPr>
+            <a:xfrm>
+              <a:off x="5255809" y="847133"/>
+              <a:ext cx="2077801" cy="531411"/>
+            </a:xfrm>
+            <a:prstGeom prst="rect">
+              <a:avLst/>
+            </a:prstGeom>
+            <a:solidFill>
+              <a:srgbClr val="D9D9D9"/>
+            </a:solidFill>
+            <a:ln>
+              <a:noFill/>
+            </a:ln>
+          </p:spPr>
+          <p:style>
+            <a:lnRef idx="2">
+              <a:schemeClr val="accent1">
+                <a:shade val="15000"/>
+              </a:schemeClr>
+            </a:lnRef>
+            <a:fillRef idx="1">
+              <a:schemeClr val="accent1"/>
+            </a:fillRef>
+            <a:effectRef idx="0">
+              <a:schemeClr val="accent1"/>
+            </a:effectRef>
+            <a:fontRef idx="minor">
+              <a:schemeClr val="lt1"/>
+            </a:fontRef>
+          </p:style>
+          <p:txBody>
+            <a:bodyPr rtlCol="0" anchor="t"/>
+            <a:lstStyle/>
+            <a:p>
+              <a:r>
+                <a:rPr lang="en-US" altLang="ko-KR" sz="1200" b="1" dirty="0">
+                  <a:solidFill>
+                    <a:schemeClr val="tx1"/>
+                  </a:solidFill>
+                </a:rPr>
+                <a:t>[</a:t>
+              </a:r>
+              <a:r>
+                <a:rPr lang="ko-KR" altLang="en-US" sz="1200" b="1" dirty="0">
+                  <a:solidFill>
+                    <a:schemeClr val="tx1"/>
+                  </a:solidFill>
+                </a:rPr>
+                <a:t>친구이름</a:t>
+              </a:r>
+              <a:r>
+                <a:rPr lang="en-US" altLang="ko-KR" sz="1200" b="1" dirty="0">
+                  <a:solidFill>
+                    <a:schemeClr val="tx1"/>
+                  </a:solidFill>
+                </a:rPr>
+                <a:t>] </a:t>
+              </a:r>
+            </a:p>
+            <a:p>
+              <a:r>
+                <a:rPr lang="ko-KR" altLang="en-US" sz="1000" dirty="0">
+                  <a:solidFill>
+                    <a:schemeClr val="tx1"/>
+                  </a:solidFill>
+                </a:rPr>
+                <a:t>나 </a:t>
+              </a:r>
+              <a:r>
+                <a:rPr lang="en-US" altLang="ko-KR" sz="1000" dirty="0">
+                  <a:solidFill>
+                    <a:schemeClr val="tx1"/>
+                  </a:solidFill>
+                </a:rPr>
+                <a:t>10</a:t>
+              </a:r>
+              <a:r>
+                <a:rPr lang="ko-KR" altLang="en-US" sz="1000" dirty="0">
+                  <a:solidFill>
+                    <a:schemeClr val="tx1"/>
+                  </a:solidFill>
+                </a:rPr>
+                <a:t>분 정도 늦을 것 같아</a:t>
+              </a:r>
+            </a:p>
+          </p:txBody>
+        </p:sp>
+      </p:grpSp>
+      <p:sp>
+        <p:nvSpPr>
+          <p:cNvPr id="8" name="말풍선: 모서리가 둥근 사각형 7">
+            <a:extLst>
+              <a:ext uri="{FF2B5EF4-FFF2-40B4-BE49-F238E27FC236}">
+                <a16:creationId xmlns:a16="http://schemas.microsoft.com/office/drawing/2014/main" id="{ABFE71BB-EC32-82A3-80E7-7674508864F4}"/>
+              </a:ext>
+            </a:extLst>
+          </p:cNvPr>
+          <p:cNvSpPr/>
+          <p:nvPr/>
+        </p:nvSpPr>
+        <p:spPr>
+          <a:xfrm>
+            <a:off x="1431233" y="847133"/>
+            <a:ext cx="2862470" cy="993913"/>
+          </a:xfrm>
+          <a:prstGeom prst="wedgeRoundRectCallout">
+            <a:avLst>
+              <a:gd name="adj1" fmla="val 57432"/>
+              <a:gd name="adj2" fmla="val -18166"/>
+              <a:gd name="adj3" fmla="val 16667"/>
+            </a:avLst>
+          </a:prstGeom>
+          <a:solidFill>
+            <a:schemeClr val="bg1"/>
+          </a:solidFill>
+          <a:ln w="38100">
+            <a:solidFill>
+              <a:schemeClr val="tx2">
+                <a:lumMod val="50000"/>
+                <a:lumOff val="50000"/>
+              </a:schemeClr>
+            </a:solidFill>
+          </a:ln>
+        </p:spPr>
+        <p:style>
+          <a:lnRef idx="2">
+            <a:schemeClr val="accent1">
+              <a:shade val="15000"/>
+            </a:schemeClr>
+          </a:lnRef>
+          <a:fillRef idx="1">
+            <a:schemeClr val="accent1"/>
+          </a:fillRef>
+          <a:effectRef idx="0">
+            <a:schemeClr val="accent1"/>
+          </a:effectRef>
+          <a:fontRef idx="minor">
+            <a:schemeClr val="lt1"/>
+          </a:fontRef>
+        </p:style>
+        <p:txBody>
+          <a:bodyPr rtlCol="0" anchor="ctr"/>
+          <a:lstStyle/>
+          <a:p>
+            <a:r>
+              <a:rPr lang="ko-KR" altLang="en-US" sz="1200" dirty="0">
+                <a:solidFill>
+                  <a:schemeClr val="tx1"/>
+                </a:solidFill>
+              </a:rPr>
+              <a:t>게임이 시작하자 마자</a:t>
+            </a:r>
+            <a:endParaRPr lang="en-US" altLang="ko-KR" sz="1200" dirty="0">
+              <a:solidFill>
+                <a:schemeClr val="tx1"/>
+              </a:solidFill>
+            </a:endParaRPr>
+          </a:p>
+          <a:p>
+            <a:r>
+              <a:rPr lang="ko-KR" altLang="en-US" sz="1200" dirty="0">
+                <a:solidFill>
+                  <a:schemeClr val="tx1"/>
+                </a:solidFill>
+              </a:rPr>
+              <a:t>진동이 울리며 해당 메시지 등장</a:t>
+            </a:r>
+            <a:endParaRPr lang="en-US" altLang="ko-KR" sz="1200" dirty="0">
+              <a:solidFill>
+                <a:schemeClr val="tx1"/>
+              </a:solidFill>
+            </a:endParaRPr>
+          </a:p>
+          <a:p>
+            <a:r>
+              <a:rPr lang="ko-KR" altLang="en-US" sz="1200" dirty="0">
+                <a:solidFill>
+                  <a:schemeClr val="tx1"/>
+                </a:solidFill>
+              </a:rPr>
+              <a:t>클릭 </a:t>
+            </a:r>
+            <a:r>
+              <a:rPr lang="en-US" altLang="ko-KR" sz="1200" dirty="0">
+                <a:solidFill>
+                  <a:schemeClr val="tx1"/>
+                </a:solidFill>
+              </a:rPr>
+              <a:t>or </a:t>
+            </a:r>
+            <a:r>
+              <a:rPr lang="ko-KR" altLang="en-US" sz="1200" dirty="0">
+                <a:solidFill>
+                  <a:schemeClr val="tx1"/>
+                </a:solidFill>
+              </a:rPr>
+              <a:t>슬라이드를 </a:t>
+            </a:r>
+            <a:r>
+              <a:rPr lang="ko-KR" altLang="en-US" sz="1200" dirty="0" err="1">
+                <a:solidFill>
+                  <a:schemeClr val="tx1"/>
+                </a:solidFill>
+              </a:rPr>
+              <a:t>안할</a:t>
+            </a:r>
+            <a:r>
+              <a:rPr lang="ko-KR" altLang="en-US" sz="1200" dirty="0">
+                <a:solidFill>
+                  <a:schemeClr val="tx1"/>
+                </a:solidFill>
+              </a:rPr>
+              <a:t> 경우</a:t>
+            </a:r>
+            <a:endParaRPr lang="en-US" altLang="ko-KR" sz="1200" dirty="0">
+              <a:solidFill>
+                <a:schemeClr val="tx1"/>
+              </a:solidFill>
+            </a:endParaRPr>
+          </a:p>
+          <a:p>
+            <a:r>
+              <a:rPr lang="en-US" altLang="ko-KR" sz="1200" dirty="0">
+                <a:solidFill>
+                  <a:schemeClr val="tx1"/>
+                </a:solidFill>
+              </a:rPr>
+              <a:t>3</a:t>
+            </a:r>
+            <a:r>
+              <a:rPr lang="ko-KR" altLang="en-US" sz="1200" dirty="0">
+                <a:solidFill>
+                  <a:schemeClr val="tx1"/>
+                </a:solidFill>
+              </a:rPr>
+              <a:t>초 뒤에 사라짐 </a:t>
+            </a:r>
+            <a:endParaRPr lang="en-US" altLang="ko-KR" sz="1200" dirty="0">
+              <a:solidFill>
+                <a:schemeClr val="tx1"/>
+              </a:solidFill>
+            </a:endParaRPr>
+          </a:p>
+        </p:txBody>
+      </p:sp>
+    </p:spTree>
+    <p:extLst>
+      <p:ext uri="{BB962C8B-B14F-4D97-AF65-F5344CB8AC3E}">
+        <p14:creationId xmlns:p14="http://schemas.microsoft.com/office/powerpoint/2010/main" val="3372908370"/>
+      </p:ext>
+    </p:extLst>
+  </p:cSld>
+  <p:clrMapOvr>
+    <a:masterClrMapping/>
+  </p:clrMapOvr>
+</p:sld>
+</file>
+
+<file path=ppt/slides/slide30.xml><?xml version="1.0" encoding="utf-8"?>
 <p:sld xmlns:a="http://schemas.openxmlformats.org/drawingml/2006/main" xmlns:r="http://schemas.openxmlformats.org/officeDocument/2006/relationships" xmlns:p="http://schemas.openxmlformats.org/presentationml/2006/main">
   <p:cSld>
     <p:spTree>
@@ -35952,355 +38566,7 @@
 </p:sld>
 </file>
 
-<file path=ppt/slides/slide3.xml><?xml version="1.0" encoding="utf-8"?>
-<p:sld xmlns:a="http://schemas.openxmlformats.org/drawingml/2006/main" xmlns:r="http://schemas.openxmlformats.org/officeDocument/2006/relationships" xmlns:p="http://schemas.openxmlformats.org/presentationml/2006/main">
-  <p:cSld>
-    <p:spTree>
-      <p:nvGrpSpPr>
-        <p:cNvPr id="1" name="">
-          <a:extLst>
-            <a:ext uri="{FF2B5EF4-FFF2-40B4-BE49-F238E27FC236}">
-              <a16:creationId xmlns:a16="http://schemas.microsoft.com/office/drawing/2014/main" id="{EB2D97FF-BA65-4D3F-E9A0-A8FB05C607BE}"/>
-            </a:ext>
-          </a:extLst>
-        </p:cNvPr>
-        <p:cNvGrpSpPr/>
-        <p:nvPr/>
-      </p:nvGrpSpPr>
-      <p:grpSpPr>
-        <a:xfrm>
-          <a:off x="0" y="0"/>
-          <a:ext cx="0" cy="0"/>
-          <a:chOff x="0" y="0"/>
-          <a:chExt cx="0" cy="0"/>
-        </a:xfrm>
-      </p:grpSpPr>
-      <p:sp>
-        <p:nvSpPr>
-          <p:cNvPr id="14" name="직사각형 13">
-            <a:extLst>
-              <a:ext uri="{FF2B5EF4-FFF2-40B4-BE49-F238E27FC236}">
-                <a16:creationId xmlns:a16="http://schemas.microsoft.com/office/drawing/2014/main" id="{64AF377F-9E14-170E-6EDF-2466829FC71E}"/>
-              </a:ext>
-            </a:extLst>
-          </p:cNvPr>
-          <p:cNvSpPr/>
-          <p:nvPr/>
-        </p:nvSpPr>
-        <p:spPr>
-          <a:xfrm>
-            <a:off x="92765" y="79513"/>
-            <a:ext cx="11986592" cy="6712226"/>
-          </a:xfrm>
-          <a:prstGeom prst="rect">
-            <a:avLst/>
-          </a:prstGeom>
-          <a:solidFill>
-            <a:schemeClr val="accent2">
-              <a:lumMod val="40000"/>
-              <a:lumOff val="60000"/>
-            </a:schemeClr>
-          </a:solidFill>
-        </p:spPr>
-        <p:style>
-          <a:lnRef idx="2">
-            <a:schemeClr val="accent1">
-              <a:shade val="15000"/>
-            </a:schemeClr>
-          </a:lnRef>
-          <a:fillRef idx="1">
-            <a:schemeClr val="accent1"/>
-          </a:fillRef>
-          <a:effectRef idx="0">
-            <a:schemeClr val="accent1"/>
-          </a:effectRef>
-          <a:fontRef idx="minor">
-            <a:schemeClr val="lt1"/>
-          </a:fontRef>
-        </p:style>
-        <p:txBody>
-          <a:bodyPr rtlCol="0" anchor="ctr"/>
-          <a:lstStyle/>
-          <a:p>
-            <a:pPr algn="ctr"/>
-            <a:endParaRPr lang="ko-KR" altLang="en-US"/>
-          </a:p>
-        </p:txBody>
-      </p:sp>
-      <p:pic>
-        <p:nvPicPr>
-          <p:cNvPr id="30" name="그림 29">
-            <a:extLst>
-              <a:ext uri="{FF2B5EF4-FFF2-40B4-BE49-F238E27FC236}">
-                <a16:creationId xmlns:a16="http://schemas.microsoft.com/office/drawing/2014/main" id="{58306505-7CAB-4B75-824C-6EED39E39390}"/>
-              </a:ext>
-            </a:extLst>
-          </p:cNvPr>
-          <p:cNvPicPr>
-            <a:picLocks noChangeAspect="1"/>
-          </p:cNvPicPr>
-          <p:nvPr/>
-        </p:nvPicPr>
-        <p:blipFill>
-          <a:blip r:embed="rId2"/>
-          <a:stretch>
-            <a:fillRect/>
-          </a:stretch>
-        </p:blipFill>
-        <p:spPr>
-          <a:xfrm>
-            <a:off x="178382" y="79512"/>
-            <a:ext cx="11835237" cy="6698975"/>
-          </a:xfrm>
-          <a:prstGeom prst="rect">
-            <a:avLst/>
-          </a:prstGeom>
-        </p:spPr>
-      </p:pic>
-      <p:sp>
-        <p:nvSpPr>
-          <p:cNvPr id="31" name="사각형: 둥근 모서리 30">
-            <a:extLst>
-              <a:ext uri="{FF2B5EF4-FFF2-40B4-BE49-F238E27FC236}">
-                <a16:creationId xmlns:a16="http://schemas.microsoft.com/office/drawing/2014/main" id="{19D499B8-6ED1-43EF-2842-BFEDC4D9A2A7}"/>
-              </a:ext>
-            </a:extLst>
-          </p:cNvPr>
-          <p:cNvSpPr/>
-          <p:nvPr/>
-        </p:nvSpPr>
-        <p:spPr>
-          <a:xfrm>
-            <a:off x="6036888" y="742122"/>
-            <a:ext cx="609077" cy="763274"/>
-          </a:xfrm>
-          <a:prstGeom prst="roundRect">
-            <a:avLst/>
-          </a:prstGeom>
-          <a:noFill/>
-          <a:ln w="57150">
-            <a:solidFill>
-              <a:srgbClr val="FF0000"/>
-            </a:solidFill>
-          </a:ln>
-        </p:spPr>
-        <p:style>
-          <a:lnRef idx="2">
-            <a:schemeClr val="accent1">
-              <a:shade val="15000"/>
-            </a:schemeClr>
-          </a:lnRef>
-          <a:fillRef idx="1">
-            <a:schemeClr val="accent1"/>
-          </a:fillRef>
-          <a:effectRef idx="0">
-            <a:schemeClr val="accent1"/>
-          </a:effectRef>
-          <a:fontRef idx="minor">
-            <a:schemeClr val="lt1"/>
-          </a:fontRef>
-        </p:style>
-        <p:txBody>
-          <a:bodyPr rtlCol="0" anchor="ctr"/>
-          <a:lstStyle/>
-          <a:p>
-            <a:pPr algn="ctr"/>
-            <a:endParaRPr lang="ko-KR" altLang="en-US"/>
-          </a:p>
-        </p:txBody>
-      </p:sp>
-      <p:sp>
-        <p:nvSpPr>
-          <p:cNvPr id="33" name="TextBox 32">
-            <a:extLst>
-              <a:ext uri="{FF2B5EF4-FFF2-40B4-BE49-F238E27FC236}">
-                <a16:creationId xmlns:a16="http://schemas.microsoft.com/office/drawing/2014/main" id="{92E00B69-78FC-49D2-25AD-266BFED9F7B0}"/>
-              </a:ext>
-            </a:extLst>
-          </p:cNvPr>
-          <p:cNvSpPr txBox="1"/>
-          <p:nvPr/>
-        </p:nvSpPr>
-        <p:spPr>
-          <a:xfrm>
-            <a:off x="3326851" y="6339581"/>
-            <a:ext cx="5420074" cy="369332"/>
-          </a:xfrm>
-          <a:prstGeom prst="rect">
-            <a:avLst/>
-          </a:prstGeom>
-          <a:noFill/>
-        </p:spPr>
-        <p:txBody>
-          <a:bodyPr wrap="none" rtlCol="0">
-            <a:spAutoFit/>
-          </a:bodyPr>
-          <a:lstStyle/>
-          <a:p>
-            <a:r>
-              <a:rPr lang="en-US" altLang="ko-KR" dirty="0">
-                <a:solidFill>
-                  <a:schemeClr val="bg1"/>
-                </a:solidFill>
-              </a:rPr>
-              <a:t>10</a:t>
-            </a:r>
-            <a:r>
-              <a:rPr lang="ko-KR" altLang="en-US" dirty="0">
-                <a:solidFill>
-                  <a:schemeClr val="bg1"/>
-                </a:solidFill>
-              </a:rPr>
-              <a:t>분 늦는다고 했으니 그동안 게임이나 한판 할까</a:t>
-            </a:r>
-            <a:r>
-              <a:rPr lang="en-US" altLang="ko-KR" dirty="0">
-                <a:solidFill>
-                  <a:schemeClr val="bg1"/>
-                </a:solidFill>
-              </a:rPr>
-              <a:t>?</a:t>
-            </a:r>
-            <a:endParaRPr lang="ko-KR" altLang="en-US" dirty="0">
-              <a:solidFill>
-                <a:schemeClr val="bg1"/>
-              </a:solidFill>
-            </a:endParaRPr>
-          </a:p>
-        </p:txBody>
-      </p:sp>
-      <p:sp>
-        <p:nvSpPr>
-          <p:cNvPr id="35" name="말풍선: 모서리가 둥근 사각형 34">
-            <a:extLst>
-              <a:ext uri="{FF2B5EF4-FFF2-40B4-BE49-F238E27FC236}">
-                <a16:creationId xmlns:a16="http://schemas.microsoft.com/office/drawing/2014/main" id="{B1739A8C-7182-A0F2-2827-5B2E11C0123F}"/>
-              </a:ext>
-            </a:extLst>
-          </p:cNvPr>
-          <p:cNvSpPr/>
-          <p:nvPr/>
-        </p:nvSpPr>
-        <p:spPr>
-          <a:xfrm>
-            <a:off x="4870173" y="2055361"/>
-            <a:ext cx="2451653" cy="993913"/>
-          </a:xfrm>
-          <a:prstGeom prst="wedgeRoundRectCallout">
-            <a:avLst>
-              <a:gd name="adj1" fmla="val 11599"/>
-              <a:gd name="adj2" fmla="val -94166"/>
-              <a:gd name="adj3" fmla="val 16667"/>
-            </a:avLst>
-          </a:prstGeom>
-          <a:solidFill>
-            <a:schemeClr val="bg1"/>
-          </a:solidFill>
-          <a:ln w="38100">
-            <a:solidFill>
-              <a:schemeClr val="tx2">
-                <a:lumMod val="50000"/>
-                <a:lumOff val="50000"/>
-              </a:schemeClr>
-            </a:solidFill>
-          </a:ln>
-        </p:spPr>
-        <p:style>
-          <a:lnRef idx="2">
-            <a:schemeClr val="accent1">
-              <a:shade val="15000"/>
-            </a:schemeClr>
-          </a:lnRef>
-          <a:fillRef idx="1">
-            <a:schemeClr val="accent1"/>
-          </a:fillRef>
-          <a:effectRef idx="0">
-            <a:schemeClr val="accent1"/>
-          </a:effectRef>
-          <a:fontRef idx="minor">
-            <a:schemeClr val="lt1"/>
-          </a:fontRef>
-        </p:style>
-        <p:txBody>
-          <a:bodyPr rtlCol="0" anchor="ctr"/>
-          <a:lstStyle/>
-          <a:p>
-            <a:r>
-              <a:rPr lang="ko-KR" altLang="en-US" sz="1200" dirty="0">
-                <a:solidFill>
-                  <a:schemeClr val="tx1"/>
-                </a:solidFill>
-              </a:rPr>
-              <a:t>어플 아이콘 테두리가</a:t>
-            </a:r>
-            <a:endParaRPr lang="en-US" altLang="ko-KR" sz="1200" dirty="0">
-              <a:solidFill>
-                <a:schemeClr val="tx1"/>
-              </a:solidFill>
-            </a:endParaRPr>
-          </a:p>
-          <a:p>
-            <a:r>
-              <a:rPr lang="ko-KR" altLang="en-US" sz="1200" dirty="0">
-                <a:solidFill>
-                  <a:schemeClr val="tx1"/>
-                </a:solidFill>
-              </a:rPr>
-              <a:t>빨간색 선으로 강조되면서</a:t>
-            </a:r>
-            <a:endParaRPr lang="en-US" altLang="ko-KR" sz="1200" dirty="0">
-              <a:solidFill>
-                <a:schemeClr val="tx1"/>
-              </a:solidFill>
-            </a:endParaRPr>
-          </a:p>
-          <a:p>
-            <a:r>
-              <a:rPr lang="en-US" altLang="ko-KR" sz="1200" dirty="0">
-                <a:solidFill>
-                  <a:schemeClr val="tx1"/>
-                </a:solidFill>
-              </a:rPr>
-              <a:t>0.1</a:t>
-            </a:r>
-            <a:r>
-              <a:rPr lang="ko-KR" altLang="en-US" sz="1200" dirty="0">
-                <a:solidFill>
-                  <a:schemeClr val="tx1"/>
-                </a:solidFill>
-              </a:rPr>
-              <a:t>초간격으로 점멸 한다</a:t>
-            </a:r>
-            <a:r>
-              <a:rPr lang="en-US" altLang="ko-KR" sz="1200" dirty="0">
-                <a:solidFill>
-                  <a:schemeClr val="tx1"/>
-                </a:solidFill>
-              </a:rPr>
-              <a:t>.</a:t>
-            </a:r>
-            <a:endParaRPr lang="ko-KR" altLang="en-US" sz="1200" dirty="0">
-              <a:solidFill>
-                <a:schemeClr val="tx1"/>
-              </a:solidFill>
-            </a:endParaRPr>
-          </a:p>
-        </p:txBody>
-      </p:sp>
-    </p:spTree>
-    <p:extLst>
-      <p:ext uri="{BB962C8B-B14F-4D97-AF65-F5344CB8AC3E}">
-        <p14:creationId xmlns:p14="http://schemas.microsoft.com/office/powerpoint/2010/main" val="1963046610"/>
-      </p:ext>
-    </p:extLst>
-  </p:cSld>
-  <p:clrMapOvr>
-    <a:masterClrMapping/>
-  </p:clrMapOvr>
-</p:sld>
-</file>
-
-<file path=ppt/slides/slide30.xml><?xml version="1.0" encoding="utf-8"?>
+<file path=ppt/slides/slide31.xml><?xml version="1.0" encoding="utf-8"?>
 <p:sld xmlns:a="http://schemas.openxmlformats.org/drawingml/2006/main" xmlns:r="http://schemas.openxmlformats.org/officeDocument/2006/relationships" xmlns:p="http://schemas.openxmlformats.org/presentationml/2006/main">
   <p:cSld>
     <p:spTree>
@@ -37667,7 +39933,7 @@
 </p:sld>
 </file>
 
-<file path=ppt/slides/slide31.xml><?xml version="1.0" encoding="utf-8"?>
+<file path=ppt/slides/slide32.xml><?xml version="1.0" encoding="utf-8"?>
 <p:sld xmlns:a="http://schemas.openxmlformats.org/drawingml/2006/main" xmlns:r="http://schemas.openxmlformats.org/officeDocument/2006/relationships" xmlns:p="http://schemas.openxmlformats.org/presentationml/2006/main">
   <p:cSld>
     <p:spTree>
@@ -38603,341 +40869,76 @@
           </p:sp>
         </p:grpSp>
       </p:grpSp>
-      <p:grpSp>
-        <p:nvGrpSpPr>
-          <p:cNvPr id="19" name="그룹 18">
+      <p:sp>
+        <p:nvSpPr>
+          <p:cNvPr id="48" name="사각형: 둥근 모서리 47">
             <a:extLst>
               <a:ext uri="{FF2B5EF4-FFF2-40B4-BE49-F238E27FC236}">
-                <a16:creationId xmlns:a16="http://schemas.microsoft.com/office/drawing/2014/main" id="{9C2C5969-4BE6-9F8C-CECB-E8F098EB7560}"/>
+                <a16:creationId xmlns:a16="http://schemas.microsoft.com/office/drawing/2014/main" id="{B76FB605-9B2F-D926-E0CB-B25337B12CE0}"/>
               </a:ext>
             </a:extLst>
           </p:cNvPr>
-          <p:cNvGrpSpPr/>
+          <p:cNvSpPr/>
           <p:nvPr/>
-        </p:nvGrpSpPr>
-        <p:grpSpPr>
+        </p:nvSpPr>
+        <p:spPr>
           <a:xfrm>
             <a:off x="4911290" y="5614794"/>
             <a:ext cx="2131431" cy="416001"/>
-            <a:chOff x="4904034" y="5614794"/>
-            <a:chExt cx="2131431" cy="416001"/>
           </a:xfrm>
-        </p:grpSpPr>
-        <p:sp>
-          <p:nvSpPr>
-            <p:cNvPr id="48" name="사각형: 둥근 모서리 47">
-              <a:extLst>
-                <a:ext uri="{FF2B5EF4-FFF2-40B4-BE49-F238E27FC236}">
-                  <a16:creationId xmlns:a16="http://schemas.microsoft.com/office/drawing/2014/main" id="{B76FB605-9B2F-D926-E0CB-B25337B12CE0}"/>
-                </a:ext>
-              </a:extLst>
-            </p:cNvPr>
-            <p:cNvSpPr/>
-            <p:nvPr/>
-          </p:nvSpPr>
-          <p:spPr>
-            <a:xfrm>
-              <a:off x="4904034" y="5614794"/>
-              <a:ext cx="2131431" cy="416001"/>
-            </a:xfrm>
-            <a:prstGeom prst="roundRect">
-              <a:avLst>
-                <a:gd name="adj" fmla="val 50000"/>
-              </a:avLst>
-            </a:prstGeom>
-            <a:solidFill>
-              <a:schemeClr val="accent4">
-                <a:lumMod val="40000"/>
-                <a:lumOff val="60000"/>
-              </a:schemeClr>
-            </a:solidFill>
-          </p:spPr>
-          <p:style>
-            <a:lnRef idx="2">
-              <a:schemeClr val="accent1">
-                <a:shade val="15000"/>
-              </a:schemeClr>
-            </a:lnRef>
-            <a:fillRef idx="1">
-              <a:schemeClr val="accent1"/>
-            </a:fillRef>
-            <a:effectRef idx="0">
-              <a:schemeClr val="accent1"/>
-            </a:effectRef>
-            <a:fontRef idx="minor">
-              <a:schemeClr val="lt1"/>
-            </a:fontRef>
-          </p:style>
-          <p:txBody>
-            <a:bodyPr rtlCol="0" anchor="ctr"/>
-            <a:lstStyle/>
-            <a:p>
-              <a:pPr algn="ctr"/>
-              <a:r>
-                <a:rPr lang="en-US" altLang="ko-KR" b="1" dirty="0">
-                  <a:solidFill>
-                    <a:schemeClr val="tx1"/>
-                  </a:solidFill>
-                  <a:latin typeface="메이플스토리 OTF" panose="02000300000000000000" pitchFamily="50" charset="-127"/>
-                  <a:ea typeface="메이플스토리 OTF" panose="02000300000000000000" pitchFamily="50" charset="-127"/>
-                </a:rPr>
-                <a:t>1/3</a:t>
-              </a:r>
-              <a:endParaRPr lang="ko-KR" altLang="en-US" b="1" dirty="0">
+          <a:prstGeom prst="roundRect">
+            <a:avLst>
+              <a:gd name="adj" fmla="val 50000"/>
+            </a:avLst>
+          </a:prstGeom>
+          <a:solidFill>
+            <a:schemeClr val="accent4">
+              <a:lumMod val="40000"/>
+              <a:lumOff val="60000"/>
+            </a:schemeClr>
+          </a:solidFill>
+        </p:spPr>
+        <p:style>
+          <a:lnRef idx="2">
+            <a:schemeClr val="accent1">
+              <a:shade val="15000"/>
+            </a:schemeClr>
+          </a:lnRef>
+          <a:fillRef idx="1">
+            <a:schemeClr val="accent1"/>
+          </a:fillRef>
+          <a:effectRef idx="0">
+            <a:schemeClr val="accent1"/>
+          </a:effectRef>
+          <a:fontRef idx="minor">
+            <a:schemeClr val="lt1"/>
+          </a:fontRef>
+        </p:style>
+        <p:txBody>
+          <a:bodyPr rtlCol="0" anchor="ctr"/>
+          <a:lstStyle/>
+          <a:p>
+            <a:pPr algn="ctr"/>
+            <a:r>
+              <a:rPr lang="en-US" altLang="ko-KR" b="1" dirty="0">
                 <a:solidFill>
                   <a:schemeClr val="tx1"/>
                 </a:solidFill>
                 <a:latin typeface="메이플스토리 OTF" panose="02000300000000000000" pitchFamily="50" charset="-127"/>
                 <a:ea typeface="메이플스토리 OTF" panose="02000300000000000000" pitchFamily="50" charset="-127"/>
-              </a:endParaRPr>
-            </a:p>
-          </p:txBody>
-        </p:sp>
-        <p:grpSp>
-          <p:nvGrpSpPr>
-            <p:cNvPr id="10" name="그룹 9">
-              <a:extLst>
-                <a:ext uri="{FF2B5EF4-FFF2-40B4-BE49-F238E27FC236}">
-                  <a16:creationId xmlns:a16="http://schemas.microsoft.com/office/drawing/2014/main" id="{814CD75E-C584-EEB3-24BE-603154FCEBF1}"/>
-                </a:ext>
-              </a:extLst>
-            </p:cNvPr>
-            <p:cNvGrpSpPr/>
-            <p:nvPr/>
-          </p:nvGrpSpPr>
-          <p:grpSpPr>
-            <a:xfrm>
-              <a:off x="4952442" y="5643000"/>
-              <a:ext cx="571998" cy="359589"/>
-              <a:chOff x="3919491" y="5962743"/>
-              <a:chExt cx="571998" cy="359589"/>
-            </a:xfrm>
-          </p:grpSpPr>
-          <p:sp>
-            <p:nvSpPr>
-              <p:cNvPr id="49" name="사각형: 둥근 모서리 48">
-                <a:extLst>
-                  <a:ext uri="{FF2B5EF4-FFF2-40B4-BE49-F238E27FC236}">
-                    <a16:creationId xmlns:a16="http://schemas.microsoft.com/office/drawing/2014/main" id="{469290B7-194E-3124-B5A4-D722CFD58FA3}"/>
-                  </a:ext>
-                </a:extLst>
-              </p:cNvPr>
-              <p:cNvSpPr/>
-              <p:nvPr/>
-            </p:nvSpPr>
-            <p:spPr>
-              <a:xfrm>
-                <a:off x="3919491" y="5962743"/>
-                <a:ext cx="571998" cy="359589"/>
-              </a:xfrm>
-              <a:prstGeom prst="roundRect">
-                <a:avLst>
-                  <a:gd name="adj" fmla="val 50000"/>
-                </a:avLst>
-              </a:prstGeom>
+              </a:rPr>
+              <a:t>1/3</a:t>
+            </a:r>
+            <a:endParaRPr lang="ko-KR" altLang="en-US" b="1" dirty="0">
               <a:solidFill>
-                <a:schemeClr val="accent1">
-                  <a:lumMod val="60000"/>
-                  <a:lumOff val="40000"/>
-                </a:schemeClr>
+                <a:schemeClr val="tx1"/>
               </a:solidFill>
-              <a:ln>
-                <a:solidFill>
-                  <a:srgbClr val="0070C0"/>
-                </a:solidFill>
-              </a:ln>
-            </p:spPr>
-            <p:style>
-              <a:lnRef idx="2">
-                <a:schemeClr val="accent1">
-                  <a:shade val="15000"/>
-                </a:schemeClr>
-              </a:lnRef>
-              <a:fillRef idx="1">
-                <a:schemeClr val="accent1"/>
-              </a:fillRef>
-              <a:effectRef idx="0">
-                <a:schemeClr val="accent1"/>
-              </a:effectRef>
-              <a:fontRef idx="minor">
-                <a:schemeClr val="lt1"/>
-              </a:fontRef>
-            </p:style>
-            <p:txBody>
-              <a:bodyPr rtlCol="0" anchor="ctr"/>
-              <a:lstStyle/>
-              <a:p>
-                <a:pPr algn="ctr"/>
-                <a:endParaRPr lang="ko-KR" altLang="en-US" dirty="0">
-                  <a:solidFill>
-                    <a:schemeClr val="tx1"/>
-                  </a:solidFill>
-                  <a:latin typeface="메이플스토리 OTF" panose="02000300000000000000" pitchFamily="50" charset="-127"/>
-                  <a:ea typeface="메이플스토리 OTF" panose="02000300000000000000" pitchFamily="50" charset="-127"/>
-                </a:endParaRPr>
-              </a:p>
-            </p:txBody>
-          </p:sp>
-          <p:pic>
-            <p:nvPicPr>
-              <p:cNvPr id="5" name="그림 4">
-                <a:extLst>
-                  <a:ext uri="{FF2B5EF4-FFF2-40B4-BE49-F238E27FC236}">
-                    <a16:creationId xmlns:a16="http://schemas.microsoft.com/office/drawing/2014/main" id="{A7A908F9-AA9D-2281-B265-8C8C7855BE88}"/>
-                  </a:ext>
-                </a:extLst>
-              </p:cNvPr>
-              <p:cNvPicPr>
-                <a:picLocks noChangeAspect="1"/>
-              </p:cNvPicPr>
-              <p:nvPr/>
-            </p:nvPicPr>
-            <p:blipFill>
-              <a:blip r:embed="rId9">
-                <a:extLst>
-                  <a:ext uri="{28A0092B-C50C-407E-A947-70E740481C1C}">
-                    <a14:useLocalDpi xmlns:a14="http://schemas.microsoft.com/office/drawing/2010/main" val="0"/>
-                  </a:ext>
-                </a:extLst>
-              </a:blip>
-              <a:stretch>
-                <a:fillRect/>
-              </a:stretch>
-            </p:blipFill>
-            <p:spPr>
-              <a:xfrm>
-                <a:off x="4110240" y="6009187"/>
-                <a:ext cx="190500" cy="266700"/>
-              </a:xfrm>
-              <a:prstGeom prst="rect">
-                <a:avLst/>
-              </a:prstGeom>
-            </p:spPr>
-          </p:pic>
-        </p:grpSp>
-        <p:grpSp>
-          <p:nvGrpSpPr>
-            <p:cNvPr id="12" name="그룹 11">
-              <a:extLst>
-                <a:ext uri="{FF2B5EF4-FFF2-40B4-BE49-F238E27FC236}">
-                  <a16:creationId xmlns:a16="http://schemas.microsoft.com/office/drawing/2014/main" id="{8F8C27B4-0E14-1868-5452-ED9CA624870A}"/>
-                </a:ext>
-              </a:extLst>
-            </p:cNvPr>
-            <p:cNvGrpSpPr/>
-            <p:nvPr/>
-          </p:nvGrpSpPr>
-          <p:grpSpPr>
-            <a:xfrm rot="10800000">
-              <a:off x="6417128" y="5642999"/>
-              <a:ext cx="571998" cy="359589"/>
-              <a:chOff x="3919491" y="5962743"/>
-              <a:chExt cx="571998" cy="359589"/>
-            </a:xfrm>
-          </p:grpSpPr>
-          <p:sp>
-            <p:nvSpPr>
-              <p:cNvPr id="15" name="사각형: 둥근 모서리 14">
-                <a:extLst>
-                  <a:ext uri="{FF2B5EF4-FFF2-40B4-BE49-F238E27FC236}">
-                    <a16:creationId xmlns:a16="http://schemas.microsoft.com/office/drawing/2014/main" id="{FF8DC47A-3FA1-FF4D-F95E-BDD4BF391396}"/>
-                  </a:ext>
-                </a:extLst>
-              </p:cNvPr>
-              <p:cNvSpPr/>
-              <p:nvPr/>
-            </p:nvSpPr>
-            <p:spPr>
-              <a:xfrm>
-                <a:off x="3919491" y="5962743"/>
-                <a:ext cx="571998" cy="359589"/>
-              </a:xfrm>
-              <a:prstGeom prst="roundRect">
-                <a:avLst>
-                  <a:gd name="adj" fmla="val 50000"/>
-                </a:avLst>
-              </a:prstGeom>
-              <a:solidFill>
-                <a:schemeClr val="accent1">
-                  <a:lumMod val="60000"/>
-                  <a:lumOff val="40000"/>
-                </a:schemeClr>
-              </a:solidFill>
-              <a:ln>
-                <a:solidFill>
-                  <a:srgbClr val="0070C0"/>
-                </a:solidFill>
-              </a:ln>
-            </p:spPr>
-            <p:style>
-              <a:lnRef idx="2">
-                <a:schemeClr val="accent1">
-                  <a:shade val="15000"/>
-                </a:schemeClr>
-              </a:lnRef>
-              <a:fillRef idx="1">
-                <a:schemeClr val="accent1"/>
-              </a:fillRef>
-              <a:effectRef idx="0">
-                <a:schemeClr val="accent1"/>
-              </a:effectRef>
-              <a:fontRef idx="minor">
-                <a:schemeClr val="lt1"/>
-              </a:fontRef>
-            </p:style>
-            <p:txBody>
-              <a:bodyPr rtlCol="0" anchor="ctr"/>
-              <a:lstStyle/>
-              <a:p>
-                <a:pPr algn="ctr"/>
-                <a:endParaRPr lang="ko-KR" altLang="en-US" dirty="0">
-                  <a:solidFill>
-                    <a:schemeClr val="tx1"/>
-                  </a:solidFill>
-                  <a:latin typeface="메이플스토리 OTF" panose="02000300000000000000" pitchFamily="50" charset="-127"/>
-                  <a:ea typeface="메이플스토리 OTF" panose="02000300000000000000" pitchFamily="50" charset="-127"/>
-                </a:endParaRPr>
-              </a:p>
-            </p:txBody>
-          </p:sp>
-          <p:pic>
-            <p:nvPicPr>
-              <p:cNvPr id="17" name="그림 16">
-                <a:extLst>
-                  <a:ext uri="{FF2B5EF4-FFF2-40B4-BE49-F238E27FC236}">
-                    <a16:creationId xmlns:a16="http://schemas.microsoft.com/office/drawing/2014/main" id="{02A03ED6-C27B-235A-F5FE-31FA73B08F4D}"/>
-                  </a:ext>
-                </a:extLst>
-              </p:cNvPr>
-              <p:cNvPicPr>
-                <a:picLocks noChangeAspect="1"/>
-              </p:cNvPicPr>
-              <p:nvPr/>
-            </p:nvPicPr>
-            <p:blipFill>
-              <a:blip r:embed="rId9">
-                <a:extLst>
-                  <a:ext uri="{28A0092B-C50C-407E-A947-70E740481C1C}">
-                    <a14:useLocalDpi xmlns:a14="http://schemas.microsoft.com/office/drawing/2010/main" val="0"/>
-                  </a:ext>
-                </a:extLst>
-              </a:blip>
-              <a:stretch>
-                <a:fillRect/>
-              </a:stretch>
-            </p:blipFill>
-            <p:spPr>
-              <a:xfrm>
-                <a:off x="4110240" y="6009187"/>
-                <a:ext cx="190500" cy="266700"/>
-              </a:xfrm>
-              <a:prstGeom prst="rect">
-                <a:avLst/>
-              </a:prstGeom>
-            </p:spPr>
-          </p:pic>
-        </p:grpSp>
-      </p:grpSp>
+              <a:latin typeface="메이플스토리 OTF" panose="02000300000000000000" pitchFamily="50" charset="-127"/>
+              <a:ea typeface="메이플스토리 OTF" panose="02000300000000000000" pitchFamily="50" charset="-127"/>
+            </a:endParaRPr>
+          </a:p>
+        </p:txBody>
+      </p:sp>
     </p:spTree>
     <p:extLst>
       <p:ext uri="{BB962C8B-B14F-4D97-AF65-F5344CB8AC3E}">
@@ -38951,7 +40952,7 @@
 </p:sld>
 </file>
 
-<file path=ppt/slides/slide32.xml><?xml version="1.0" encoding="utf-8"?>
+<file path=ppt/slides/slide33.xml><?xml version="1.0" encoding="utf-8"?>
 <p:sld xmlns:a="http://schemas.openxmlformats.org/drawingml/2006/main" xmlns:r="http://schemas.openxmlformats.org/officeDocument/2006/relationships" xmlns:p="http://schemas.openxmlformats.org/presentationml/2006/main">
   <p:cSld>
     <p:spTree>
@@ -40048,7 +42049,7 @@
 </p:sld>
 </file>
 
-<file path=ppt/slides/slide33.xml><?xml version="1.0" encoding="utf-8"?>
+<file path=ppt/slides/slide34.xml><?xml version="1.0" encoding="utf-8"?>
 <p:sld xmlns:a="http://schemas.openxmlformats.org/drawingml/2006/main" xmlns:r="http://schemas.openxmlformats.org/officeDocument/2006/relationships" xmlns:p="http://schemas.openxmlformats.org/presentationml/2006/main">
   <p:cSld>
     <p:spTree>
@@ -41423,7 +43424,7 @@
 </p:sld>
 </file>
 
-<file path=ppt/slides/slide34.xml><?xml version="1.0" encoding="utf-8"?>
+<file path=ppt/slides/slide35.xml><?xml version="1.0" encoding="utf-8"?>
 <p:sld xmlns:a="http://schemas.openxmlformats.org/drawingml/2006/main" xmlns:r="http://schemas.openxmlformats.org/officeDocument/2006/relationships" xmlns:p="http://schemas.openxmlformats.org/presentationml/2006/main">
   <p:cSld>
     <p:spTree>
@@ -43064,6 +45065,474 @@
         <p:cNvPr id="1" name="">
           <a:extLst>
             <a:ext uri="{FF2B5EF4-FFF2-40B4-BE49-F238E27FC236}">
+              <a16:creationId xmlns:a16="http://schemas.microsoft.com/office/drawing/2014/main" id="{EB2D97FF-BA65-4D3F-E9A0-A8FB05C607BE}"/>
+            </a:ext>
+          </a:extLst>
+        </p:cNvPr>
+        <p:cNvGrpSpPr/>
+        <p:nvPr/>
+      </p:nvGrpSpPr>
+      <p:grpSpPr>
+        <a:xfrm>
+          <a:off x="0" y="0"/>
+          <a:ext cx="0" cy="0"/>
+          <a:chOff x="0" y="0"/>
+          <a:chExt cx="0" cy="0"/>
+        </a:xfrm>
+      </p:grpSpPr>
+      <p:sp>
+        <p:nvSpPr>
+          <p:cNvPr id="14" name="직사각형 13">
+            <a:extLst>
+              <a:ext uri="{FF2B5EF4-FFF2-40B4-BE49-F238E27FC236}">
+                <a16:creationId xmlns:a16="http://schemas.microsoft.com/office/drawing/2014/main" id="{64AF377F-9E14-170E-6EDF-2466829FC71E}"/>
+              </a:ext>
+            </a:extLst>
+          </p:cNvPr>
+          <p:cNvSpPr/>
+          <p:nvPr/>
+        </p:nvSpPr>
+        <p:spPr>
+          <a:xfrm>
+            <a:off x="92765" y="79513"/>
+            <a:ext cx="11986592" cy="6712226"/>
+          </a:xfrm>
+          <a:prstGeom prst="rect">
+            <a:avLst/>
+          </a:prstGeom>
+          <a:solidFill>
+            <a:schemeClr val="accent2">
+              <a:lumMod val="40000"/>
+              <a:lumOff val="60000"/>
+            </a:schemeClr>
+          </a:solidFill>
+        </p:spPr>
+        <p:style>
+          <a:lnRef idx="2">
+            <a:schemeClr val="accent1">
+              <a:shade val="15000"/>
+            </a:schemeClr>
+          </a:lnRef>
+          <a:fillRef idx="1">
+            <a:schemeClr val="accent1"/>
+          </a:fillRef>
+          <a:effectRef idx="0">
+            <a:schemeClr val="accent1"/>
+          </a:effectRef>
+          <a:fontRef idx="minor">
+            <a:schemeClr val="lt1"/>
+          </a:fontRef>
+        </p:style>
+        <p:txBody>
+          <a:bodyPr rtlCol="0" anchor="ctr"/>
+          <a:lstStyle/>
+          <a:p>
+            <a:pPr algn="ctr"/>
+            <a:endParaRPr lang="ko-KR" altLang="en-US"/>
+          </a:p>
+        </p:txBody>
+      </p:sp>
+      <p:pic>
+        <p:nvPicPr>
+          <p:cNvPr id="30" name="그림 29">
+            <a:extLst>
+              <a:ext uri="{FF2B5EF4-FFF2-40B4-BE49-F238E27FC236}">
+                <a16:creationId xmlns:a16="http://schemas.microsoft.com/office/drawing/2014/main" id="{58306505-7CAB-4B75-824C-6EED39E39390}"/>
+              </a:ext>
+            </a:extLst>
+          </p:cNvPr>
+          <p:cNvPicPr>
+            <a:picLocks noChangeAspect="1"/>
+          </p:cNvPicPr>
+          <p:nvPr/>
+        </p:nvPicPr>
+        <p:blipFill>
+          <a:blip r:embed="rId2"/>
+          <a:stretch>
+            <a:fillRect/>
+          </a:stretch>
+        </p:blipFill>
+        <p:spPr>
+          <a:xfrm>
+            <a:off x="178382" y="79512"/>
+            <a:ext cx="11835237" cy="6698975"/>
+          </a:xfrm>
+          <a:prstGeom prst="rect">
+            <a:avLst/>
+          </a:prstGeom>
+        </p:spPr>
+      </p:pic>
+      <p:sp>
+        <p:nvSpPr>
+          <p:cNvPr id="31" name="사각형: 둥근 모서리 30">
+            <a:extLst>
+              <a:ext uri="{FF2B5EF4-FFF2-40B4-BE49-F238E27FC236}">
+                <a16:creationId xmlns:a16="http://schemas.microsoft.com/office/drawing/2014/main" id="{19D499B8-6ED1-43EF-2842-BFEDC4D9A2A7}"/>
+              </a:ext>
+            </a:extLst>
+          </p:cNvPr>
+          <p:cNvSpPr/>
+          <p:nvPr/>
+        </p:nvSpPr>
+        <p:spPr>
+          <a:xfrm>
+            <a:off x="6036888" y="742122"/>
+            <a:ext cx="609077" cy="763274"/>
+          </a:xfrm>
+          <a:prstGeom prst="roundRect">
+            <a:avLst/>
+          </a:prstGeom>
+          <a:noFill/>
+          <a:ln w="57150">
+            <a:solidFill>
+              <a:srgbClr val="FF0000"/>
+            </a:solidFill>
+          </a:ln>
+        </p:spPr>
+        <p:style>
+          <a:lnRef idx="2">
+            <a:schemeClr val="accent1">
+              <a:shade val="15000"/>
+            </a:schemeClr>
+          </a:lnRef>
+          <a:fillRef idx="1">
+            <a:schemeClr val="accent1"/>
+          </a:fillRef>
+          <a:effectRef idx="0">
+            <a:schemeClr val="accent1"/>
+          </a:effectRef>
+          <a:fontRef idx="minor">
+            <a:schemeClr val="lt1"/>
+          </a:fontRef>
+        </p:style>
+        <p:txBody>
+          <a:bodyPr rtlCol="0" anchor="ctr"/>
+          <a:lstStyle/>
+          <a:p>
+            <a:pPr algn="ctr"/>
+            <a:endParaRPr lang="ko-KR" altLang="en-US"/>
+          </a:p>
+        </p:txBody>
+      </p:sp>
+      <p:sp>
+        <p:nvSpPr>
+          <p:cNvPr id="33" name="TextBox 32">
+            <a:extLst>
+              <a:ext uri="{FF2B5EF4-FFF2-40B4-BE49-F238E27FC236}">
+                <a16:creationId xmlns:a16="http://schemas.microsoft.com/office/drawing/2014/main" id="{92E00B69-78FC-49D2-25AD-266BFED9F7B0}"/>
+              </a:ext>
+            </a:extLst>
+          </p:cNvPr>
+          <p:cNvSpPr txBox="1"/>
+          <p:nvPr/>
+        </p:nvSpPr>
+        <p:spPr>
+          <a:xfrm>
+            <a:off x="3326851" y="6339581"/>
+            <a:ext cx="5420074" cy="369332"/>
+          </a:xfrm>
+          <a:prstGeom prst="rect">
+            <a:avLst/>
+          </a:prstGeom>
+          <a:solidFill>
+            <a:schemeClr val="tx1"/>
+          </a:solidFill>
+        </p:spPr>
+        <p:txBody>
+          <a:bodyPr wrap="none" rtlCol="0">
+            <a:spAutoFit/>
+          </a:bodyPr>
+          <a:lstStyle/>
+          <a:p>
+            <a:r>
+              <a:rPr lang="en-US" altLang="ko-KR" dirty="0">
+                <a:solidFill>
+                  <a:schemeClr val="bg1"/>
+                </a:solidFill>
+              </a:rPr>
+              <a:t>10</a:t>
+            </a:r>
+            <a:r>
+              <a:rPr lang="ko-KR" altLang="en-US" dirty="0">
+                <a:solidFill>
+                  <a:schemeClr val="bg1"/>
+                </a:solidFill>
+              </a:rPr>
+              <a:t>분 늦는다고 했으니 그동안 게임이나 한판 할까</a:t>
+            </a:r>
+            <a:r>
+              <a:rPr lang="en-US" altLang="ko-KR" dirty="0">
+                <a:solidFill>
+                  <a:schemeClr val="bg1"/>
+                </a:solidFill>
+              </a:rPr>
+              <a:t>?</a:t>
+            </a:r>
+            <a:endParaRPr lang="ko-KR" altLang="en-US" dirty="0">
+              <a:solidFill>
+                <a:schemeClr val="bg1"/>
+              </a:solidFill>
+            </a:endParaRPr>
+          </a:p>
+        </p:txBody>
+      </p:sp>
+      <p:sp>
+        <p:nvSpPr>
+          <p:cNvPr id="35" name="말풍선: 모서리가 둥근 사각형 34">
+            <a:extLst>
+              <a:ext uri="{FF2B5EF4-FFF2-40B4-BE49-F238E27FC236}">
+                <a16:creationId xmlns:a16="http://schemas.microsoft.com/office/drawing/2014/main" id="{B1739A8C-7182-A0F2-2827-5B2E11C0123F}"/>
+              </a:ext>
+            </a:extLst>
+          </p:cNvPr>
+          <p:cNvSpPr/>
+          <p:nvPr/>
+        </p:nvSpPr>
+        <p:spPr>
+          <a:xfrm>
+            <a:off x="4870173" y="2055361"/>
+            <a:ext cx="2451653" cy="993913"/>
+          </a:xfrm>
+          <a:prstGeom prst="wedgeRoundRectCallout">
+            <a:avLst>
+              <a:gd name="adj1" fmla="val 11599"/>
+              <a:gd name="adj2" fmla="val -94166"/>
+              <a:gd name="adj3" fmla="val 16667"/>
+            </a:avLst>
+          </a:prstGeom>
+          <a:solidFill>
+            <a:schemeClr val="bg1"/>
+          </a:solidFill>
+          <a:ln w="38100">
+            <a:solidFill>
+              <a:schemeClr val="tx2">
+                <a:lumMod val="50000"/>
+                <a:lumOff val="50000"/>
+              </a:schemeClr>
+            </a:solidFill>
+          </a:ln>
+        </p:spPr>
+        <p:style>
+          <a:lnRef idx="2">
+            <a:schemeClr val="accent1">
+              <a:shade val="15000"/>
+            </a:schemeClr>
+          </a:lnRef>
+          <a:fillRef idx="1">
+            <a:schemeClr val="accent1"/>
+          </a:fillRef>
+          <a:effectRef idx="0">
+            <a:schemeClr val="accent1"/>
+          </a:effectRef>
+          <a:fontRef idx="minor">
+            <a:schemeClr val="lt1"/>
+          </a:fontRef>
+        </p:style>
+        <p:txBody>
+          <a:bodyPr rtlCol="0" anchor="ctr"/>
+          <a:lstStyle/>
+          <a:p>
+            <a:r>
+              <a:rPr lang="ko-KR" altLang="en-US" sz="1200" dirty="0">
+                <a:solidFill>
+                  <a:schemeClr val="tx1"/>
+                </a:solidFill>
+              </a:rPr>
+              <a:t>어플 아이콘 테두리가</a:t>
+            </a:r>
+            <a:endParaRPr lang="en-US" altLang="ko-KR" sz="1200" dirty="0">
+              <a:solidFill>
+                <a:schemeClr val="tx1"/>
+              </a:solidFill>
+            </a:endParaRPr>
+          </a:p>
+          <a:p>
+            <a:r>
+              <a:rPr lang="ko-KR" altLang="en-US" sz="1200" dirty="0">
+                <a:solidFill>
+                  <a:schemeClr val="tx1"/>
+                </a:solidFill>
+              </a:rPr>
+              <a:t>빨간색 선으로 강조되면서</a:t>
+            </a:r>
+            <a:endParaRPr lang="en-US" altLang="ko-KR" sz="1200" dirty="0">
+              <a:solidFill>
+                <a:schemeClr val="tx1"/>
+              </a:solidFill>
+            </a:endParaRPr>
+          </a:p>
+          <a:p>
+            <a:r>
+              <a:rPr lang="en-US" altLang="ko-KR" sz="1200" dirty="0">
+                <a:solidFill>
+                  <a:schemeClr val="tx1"/>
+                </a:solidFill>
+              </a:rPr>
+              <a:t>0.1</a:t>
+            </a:r>
+            <a:r>
+              <a:rPr lang="ko-KR" altLang="en-US" sz="1200" dirty="0">
+                <a:solidFill>
+                  <a:schemeClr val="tx1"/>
+                </a:solidFill>
+              </a:rPr>
+              <a:t>초간격으로 점멸 한다</a:t>
+            </a:r>
+            <a:r>
+              <a:rPr lang="en-US" altLang="ko-KR" sz="1200" dirty="0">
+                <a:solidFill>
+                  <a:schemeClr val="tx1"/>
+                </a:solidFill>
+              </a:rPr>
+              <a:t>.</a:t>
+            </a:r>
+            <a:endParaRPr lang="ko-KR" altLang="en-US" sz="1200" dirty="0">
+              <a:solidFill>
+                <a:schemeClr val="tx1"/>
+              </a:solidFill>
+            </a:endParaRPr>
+          </a:p>
+        </p:txBody>
+      </p:sp>
+      <p:sp>
+        <p:nvSpPr>
+          <p:cNvPr id="2" name="말풍선: 모서리가 둥근 사각형 1">
+            <a:extLst>
+              <a:ext uri="{FF2B5EF4-FFF2-40B4-BE49-F238E27FC236}">
+                <a16:creationId xmlns:a16="http://schemas.microsoft.com/office/drawing/2014/main" id="{DD90FEA8-1891-4555-E73B-669CCDE85FF1}"/>
+              </a:ext>
+            </a:extLst>
+          </p:cNvPr>
+          <p:cNvSpPr/>
+          <p:nvPr/>
+        </p:nvSpPr>
+        <p:spPr>
+          <a:xfrm>
+            <a:off x="1345095" y="1783691"/>
+            <a:ext cx="2451653" cy="993913"/>
+          </a:xfrm>
+          <a:prstGeom prst="wedgeRoundRectCallout">
+            <a:avLst>
+              <a:gd name="adj1" fmla="val 68896"/>
+              <a:gd name="adj2" fmla="val 29167"/>
+              <a:gd name="adj3" fmla="val 16667"/>
+            </a:avLst>
+          </a:prstGeom>
+          <a:solidFill>
+            <a:schemeClr val="bg1"/>
+          </a:solidFill>
+          <a:ln w="38100">
+            <a:solidFill>
+              <a:schemeClr val="tx2">
+                <a:lumMod val="50000"/>
+                <a:lumOff val="50000"/>
+              </a:schemeClr>
+            </a:solidFill>
+          </a:ln>
+        </p:spPr>
+        <p:style>
+          <a:lnRef idx="2">
+            <a:schemeClr val="accent1">
+              <a:shade val="15000"/>
+            </a:schemeClr>
+          </a:lnRef>
+          <a:fillRef idx="1">
+            <a:schemeClr val="accent1"/>
+          </a:fillRef>
+          <a:effectRef idx="0">
+            <a:schemeClr val="accent1"/>
+          </a:effectRef>
+          <a:fontRef idx="minor">
+            <a:schemeClr val="lt1"/>
+          </a:fontRef>
+        </p:style>
+        <p:txBody>
+          <a:bodyPr rtlCol="0" anchor="ctr"/>
+          <a:lstStyle/>
+          <a:p>
+            <a:r>
+              <a:rPr lang="ko-KR" altLang="en-US" sz="1200" dirty="0">
+                <a:solidFill>
+                  <a:schemeClr val="tx1"/>
+                </a:solidFill>
+              </a:rPr>
+              <a:t>어플 아이콘 테두리가</a:t>
+            </a:r>
+            <a:endParaRPr lang="en-US" altLang="ko-KR" sz="1200" dirty="0">
+              <a:solidFill>
+                <a:schemeClr val="tx1"/>
+              </a:solidFill>
+            </a:endParaRPr>
+          </a:p>
+          <a:p>
+            <a:r>
+              <a:rPr lang="ko-KR" altLang="en-US" sz="1200" dirty="0">
+                <a:solidFill>
+                  <a:schemeClr val="tx1"/>
+                </a:solidFill>
+              </a:rPr>
+              <a:t>빨간색 선으로 강조되면서</a:t>
+            </a:r>
+            <a:endParaRPr lang="en-US" altLang="ko-KR" sz="1200" dirty="0">
+              <a:solidFill>
+                <a:schemeClr val="tx1"/>
+              </a:solidFill>
+            </a:endParaRPr>
+          </a:p>
+          <a:p>
+            <a:r>
+              <a:rPr lang="en-US" altLang="ko-KR" sz="1200" dirty="0">
+                <a:solidFill>
+                  <a:schemeClr val="tx1"/>
+                </a:solidFill>
+              </a:rPr>
+              <a:t>0.1</a:t>
+            </a:r>
+            <a:r>
+              <a:rPr lang="ko-KR" altLang="en-US" sz="1200" dirty="0">
+                <a:solidFill>
+                  <a:schemeClr val="tx1"/>
+                </a:solidFill>
+              </a:rPr>
+              <a:t>초간격으로 점멸 한다</a:t>
+            </a:r>
+            <a:r>
+              <a:rPr lang="en-US" altLang="ko-KR" sz="1200" dirty="0">
+                <a:solidFill>
+                  <a:schemeClr val="tx1"/>
+                </a:solidFill>
+              </a:rPr>
+              <a:t>.</a:t>
+            </a:r>
+            <a:endParaRPr lang="ko-KR" altLang="en-US" sz="1200" dirty="0">
+              <a:solidFill>
+                <a:schemeClr val="tx1"/>
+              </a:solidFill>
+            </a:endParaRPr>
+          </a:p>
+        </p:txBody>
+      </p:sp>
+    </p:spTree>
+    <p:extLst>
+      <p:ext uri="{BB962C8B-B14F-4D97-AF65-F5344CB8AC3E}">
+        <p14:creationId xmlns:p14="http://schemas.microsoft.com/office/powerpoint/2010/main" val="1963046610"/>
+      </p:ext>
+    </p:extLst>
+  </p:cSld>
+  <p:clrMapOvr>
+    <a:masterClrMapping/>
+  </p:clrMapOvr>
+</p:sld>
+</file>
+
+<file path=ppt/slides/slide5.xml><?xml version="1.0" encoding="utf-8"?>
+<p:sld xmlns:a="http://schemas.openxmlformats.org/drawingml/2006/main" xmlns:r="http://schemas.openxmlformats.org/officeDocument/2006/relationships" xmlns:p="http://schemas.openxmlformats.org/presentationml/2006/main">
+  <p:cSld>
+    <p:spTree>
+      <p:nvGrpSpPr>
+        <p:cNvPr id="1" name="">
+          <a:extLst>
+            <a:ext uri="{FF2B5EF4-FFF2-40B4-BE49-F238E27FC236}">
               <a16:creationId xmlns:a16="http://schemas.microsoft.com/office/drawing/2014/main" id="{89DC6CFD-D577-8463-B21A-9BD66BA217F9}"/>
             </a:ext>
           </a:extLst>
@@ -44242,7 +46711,7 @@
 </p:sld>
 </file>
 
-<file path=ppt/slides/slide5.xml><?xml version="1.0" encoding="utf-8"?>
+<file path=ppt/slides/slide6.xml><?xml version="1.0" encoding="utf-8"?>
 <p:sld xmlns:a="http://schemas.openxmlformats.org/drawingml/2006/main" xmlns:r="http://schemas.openxmlformats.org/officeDocument/2006/relationships" xmlns:p="http://schemas.openxmlformats.org/presentationml/2006/main">
   <p:cSld>
     <p:spTree>
@@ -46177,7 +48646,7 @@
 </p:sld>
 </file>
 
-<file path=ppt/slides/slide6.xml><?xml version="1.0" encoding="utf-8"?>
+<file path=ppt/slides/slide7.xml><?xml version="1.0" encoding="utf-8"?>
 <p:sld xmlns:a="http://schemas.openxmlformats.org/drawingml/2006/main" xmlns:r="http://schemas.openxmlformats.org/officeDocument/2006/relationships" xmlns:p="http://schemas.openxmlformats.org/presentationml/2006/main">
   <p:cSld>
     <p:spTree>
@@ -48024,7 +50493,7 @@
 </p:sld>
 </file>
 
-<file path=ppt/slides/slide7.xml><?xml version="1.0" encoding="utf-8"?>
+<file path=ppt/slides/slide8.xml><?xml version="1.0" encoding="utf-8"?>
 <p:sld xmlns:a="http://schemas.openxmlformats.org/drawingml/2006/main" xmlns:r="http://schemas.openxmlformats.org/officeDocument/2006/relationships" xmlns:p="http://schemas.openxmlformats.org/presentationml/2006/main">
   <p:cSld>
     <p:spTree>
@@ -48990,7 +51459,7 @@
 </p:sld>
 </file>
 
-<file path=ppt/slides/slide8.xml><?xml version="1.0" encoding="utf-8"?>
+<file path=ppt/slides/slide9.xml><?xml version="1.0" encoding="utf-8"?>
 <p:sld xmlns:a="http://schemas.openxmlformats.org/drawingml/2006/main" xmlns:r="http://schemas.openxmlformats.org/officeDocument/2006/relationships" xmlns:p="http://schemas.openxmlformats.org/presentationml/2006/main">
   <p:cSld>
     <p:spTree>
@@ -50292,2074 +52761,6 @@
 </p:sld>
 </file>
 
-<file path=ppt/slides/slide9.xml><?xml version="1.0" encoding="utf-8"?>
-<p:sld xmlns:a="http://schemas.openxmlformats.org/drawingml/2006/main" xmlns:r="http://schemas.openxmlformats.org/officeDocument/2006/relationships" xmlns:p="http://schemas.openxmlformats.org/presentationml/2006/main">
-  <p:cSld>
-    <p:spTree>
-      <p:nvGrpSpPr>
-        <p:cNvPr id="1" name=""/>
-        <p:cNvGrpSpPr/>
-        <p:nvPr/>
-      </p:nvGrpSpPr>
-      <p:grpSpPr>
-        <a:xfrm>
-          <a:off x="0" y="0"/>
-          <a:ext cx="0" cy="0"/>
-          <a:chOff x="0" y="0"/>
-          <a:chExt cx="0" cy="0"/>
-        </a:xfrm>
-      </p:grpSpPr>
-      <p:grpSp>
-        <p:nvGrpSpPr>
-          <p:cNvPr id="2" name="그룹 1">
-            <a:extLst>
-              <a:ext uri="{FF2B5EF4-FFF2-40B4-BE49-F238E27FC236}">
-                <a16:creationId xmlns:a16="http://schemas.microsoft.com/office/drawing/2014/main" id="{32F8AD25-57E3-2F8E-E847-9D6614B8D6C3}"/>
-              </a:ext>
-            </a:extLst>
-          </p:cNvPr>
-          <p:cNvGrpSpPr/>
-          <p:nvPr/>
-        </p:nvGrpSpPr>
-        <p:grpSpPr>
-          <a:xfrm>
-            <a:off x="1149919" y="503582"/>
-            <a:ext cx="3256428" cy="5664350"/>
-            <a:chOff x="4350319" y="516834"/>
-            <a:chExt cx="3256428" cy="5664350"/>
-          </a:xfrm>
-        </p:grpSpPr>
-        <p:grpSp>
-          <p:nvGrpSpPr>
-            <p:cNvPr id="3" name="그룹 2">
-              <a:extLst>
-                <a:ext uri="{FF2B5EF4-FFF2-40B4-BE49-F238E27FC236}">
-                  <a16:creationId xmlns:a16="http://schemas.microsoft.com/office/drawing/2014/main" id="{BFF628BB-B97A-6775-A324-83CCE2FDE9D8}"/>
-                </a:ext>
-              </a:extLst>
-            </p:cNvPr>
-            <p:cNvGrpSpPr/>
-            <p:nvPr/>
-          </p:nvGrpSpPr>
-          <p:grpSpPr>
-            <a:xfrm>
-              <a:off x="4350319" y="516834"/>
-              <a:ext cx="3256428" cy="5664350"/>
-              <a:chOff x="7454978" y="591749"/>
-              <a:chExt cx="2571297" cy="4472608"/>
-            </a:xfrm>
-          </p:grpSpPr>
-          <p:grpSp>
-            <p:nvGrpSpPr>
-              <p:cNvPr id="14" name="그룹 13">
-                <a:extLst>
-                  <a:ext uri="{FF2B5EF4-FFF2-40B4-BE49-F238E27FC236}">
-                    <a16:creationId xmlns:a16="http://schemas.microsoft.com/office/drawing/2014/main" id="{A39439D9-98D9-F31C-DD84-B924C9FD1D1B}"/>
-                  </a:ext>
-                </a:extLst>
-              </p:cNvPr>
-              <p:cNvGrpSpPr/>
-              <p:nvPr/>
-            </p:nvGrpSpPr>
-            <p:grpSpPr>
-              <a:xfrm>
-                <a:off x="7454978" y="591749"/>
-                <a:ext cx="2571297" cy="4472608"/>
-                <a:chOff x="7562162" y="591749"/>
-                <a:chExt cx="2571297" cy="4472608"/>
-              </a:xfrm>
-            </p:grpSpPr>
-            <p:sp>
-              <p:nvSpPr>
-                <p:cNvPr id="16" name="사각형: 둥근 모서리 15">
-                  <a:extLst>
-                    <a:ext uri="{FF2B5EF4-FFF2-40B4-BE49-F238E27FC236}">
-                      <a16:creationId xmlns:a16="http://schemas.microsoft.com/office/drawing/2014/main" id="{1F5633D1-1316-4234-D039-3696E9FDABBE}"/>
-                    </a:ext>
-                  </a:extLst>
-                </p:cNvPr>
-                <p:cNvSpPr/>
-                <p:nvPr/>
-              </p:nvSpPr>
-              <p:spPr>
-                <a:xfrm rot="5400000">
-                  <a:off x="6611507" y="1542404"/>
-                  <a:ext cx="4472608" cy="2571297"/>
-                </a:xfrm>
-                <a:prstGeom prst="roundRect">
-                  <a:avLst>
-                    <a:gd name="adj" fmla="val 2928"/>
-                  </a:avLst>
-                </a:prstGeom>
-                <a:solidFill>
-                  <a:schemeClr val="bg2">
-                    <a:lumMod val="75000"/>
-                  </a:schemeClr>
-                </a:solidFill>
-              </p:spPr>
-              <p:style>
-                <a:lnRef idx="2">
-                  <a:schemeClr val="accent1">
-                    <a:shade val="15000"/>
-                  </a:schemeClr>
-                </a:lnRef>
-                <a:fillRef idx="1">
-                  <a:schemeClr val="accent1"/>
-                </a:fillRef>
-                <a:effectRef idx="0">
-                  <a:schemeClr val="accent1"/>
-                </a:effectRef>
-                <a:fontRef idx="minor">
-                  <a:schemeClr val="lt1"/>
-                </a:fontRef>
-              </p:style>
-              <p:txBody>
-                <a:bodyPr rtlCol="0" anchor="ctr"/>
-                <a:lstStyle/>
-                <a:p>
-                  <a:pPr algn="ctr"/>
-                  <a:endParaRPr lang="ko-KR" altLang="en-US" sz="2000"/>
-                </a:p>
-              </p:txBody>
-            </p:sp>
-            <p:sp>
-              <p:nvSpPr>
-                <p:cNvPr id="17" name="타원 16">
-                  <a:extLst>
-                    <a:ext uri="{FF2B5EF4-FFF2-40B4-BE49-F238E27FC236}">
-                      <a16:creationId xmlns:a16="http://schemas.microsoft.com/office/drawing/2014/main" id="{D6BE5C6E-D1B8-306A-7760-E703610C2F31}"/>
-                    </a:ext>
-                  </a:extLst>
-                </p:cNvPr>
-                <p:cNvSpPr/>
-                <p:nvPr/>
-              </p:nvSpPr>
-              <p:spPr>
-                <a:xfrm rot="5400000">
-                  <a:off x="8798520" y="621535"/>
-                  <a:ext cx="98581" cy="98581"/>
-                </a:xfrm>
-                <a:prstGeom prst="ellipse">
-                  <a:avLst/>
-                </a:prstGeom>
-                <a:solidFill>
-                  <a:schemeClr val="tx1">
-                    <a:lumMod val="85000"/>
-                    <a:lumOff val="15000"/>
-                  </a:schemeClr>
-                </a:solidFill>
-              </p:spPr>
-              <p:style>
-                <a:lnRef idx="2">
-                  <a:schemeClr val="accent1">
-                    <a:shade val="15000"/>
-                  </a:schemeClr>
-                </a:lnRef>
-                <a:fillRef idx="1">
-                  <a:schemeClr val="accent1"/>
-                </a:fillRef>
-                <a:effectRef idx="0">
-                  <a:schemeClr val="accent1"/>
-                </a:effectRef>
-                <a:fontRef idx="minor">
-                  <a:schemeClr val="lt1"/>
-                </a:fontRef>
-              </p:style>
-              <p:txBody>
-                <a:bodyPr rtlCol="0" anchor="ctr"/>
-                <a:lstStyle/>
-                <a:p>
-                  <a:pPr algn="ctr"/>
-                  <a:endParaRPr lang="ko-KR" altLang="en-US" sz="2000"/>
-                </a:p>
-              </p:txBody>
-            </p:sp>
-          </p:grpSp>
-          <p:sp>
-            <p:nvSpPr>
-              <p:cNvPr id="15" name="직사각형 14">
-                <a:extLst>
-                  <a:ext uri="{FF2B5EF4-FFF2-40B4-BE49-F238E27FC236}">
-                    <a16:creationId xmlns:a16="http://schemas.microsoft.com/office/drawing/2014/main" id="{358474EC-02D9-1E90-3AE3-E3C5E63EAE37}"/>
-                  </a:ext>
-                </a:extLst>
-              </p:cNvPr>
-              <p:cNvSpPr/>
-              <p:nvPr/>
-            </p:nvSpPr>
-            <p:spPr>
-              <a:xfrm rot="5400000">
-                <a:off x="6642550" y="1673028"/>
-                <a:ext cx="4196152" cy="2363058"/>
-              </a:xfrm>
-              <a:prstGeom prst="rect">
-                <a:avLst/>
-              </a:prstGeom>
-              <a:solidFill>
-                <a:schemeClr val="bg1"/>
-              </a:solidFill>
-            </p:spPr>
-            <p:style>
-              <a:lnRef idx="2">
-                <a:schemeClr val="accent1">
-                  <a:shade val="15000"/>
-                </a:schemeClr>
-              </a:lnRef>
-              <a:fillRef idx="1">
-                <a:schemeClr val="accent1"/>
-              </a:fillRef>
-              <a:effectRef idx="0">
-                <a:schemeClr val="accent1"/>
-              </a:effectRef>
-              <a:fontRef idx="minor">
-                <a:schemeClr val="lt1"/>
-              </a:fontRef>
-            </p:style>
-            <p:txBody>
-              <a:bodyPr rtlCol="0" anchor="ctr"/>
-              <a:lstStyle/>
-              <a:p>
-                <a:pPr algn="ctr"/>
-                <a:endParaRPr lang="ko-KR" altLang="en-US" sz="4000" dirty="0"/>
-              </a:p>
-            </p:txBody>
-          </p:sp>
-        </p:grpSp>
-        <p:sp>
-          <p:nvSpPr>
-            <p:cNvPr id="4" name="TextBox 3">
-              <a:extLst>
-                <a:ext uri="{FF2B5EF4-FFF2-40B4-BE49-F238E27FC236}">
-                  <a16:creationId xmlns:a16="http://schemas.microsoft.com/office/drawing/2014/main" id="{FE1357E6-0487-76E1-C54E-1355455EBB96}"/>
-                </a:ext>
-              </a:extLst>
-            </p:cNvPr>
-            <p:cNvSpPr txBox="1"/>
-            <p:nvPr/>
-          </p:nvSpPr>
-          <p:spPr>
-            <a:xfrm>
-              <a:off x="4747428" y="775812"/>
-              <a:ext cx="1693579" cy="338554"/>
-            </a:xfrm>
-            <a:prstGeom prst="rect">
-              <a:avLst/>
-            </a:prstGeom>
-            <a:noFill/>
-          </p:spPr>
-          <p:txBody>
-            <a:bodyPr wrap="square" anchor="ctr">
-              <a:spAutoFit/>
-            </a:bodyPr>
-            <a:lstStyle/>
-            <a:p>
-              <a:r>
-                <a:rPr lang="en-US" altLang="ko-KR" sz="1600" dirty="0">
-                  <a:solidFill>
-                    <a:schemeClr val="tx1"/>
-                  </a:solidFill>
-                </a:rPr>
-                <a:t>NPC</a:t>
-              </a:r>
-              <a:r>
-                <a:rPr lang="ko-KR" altLang="en-US" sz="1600" dirty="0">
-                  <a:solidFill>
-                    <a:schemeClr val="tx1"/>
-                  </a:solidFill>
-                </a:rPr>
-                <a:t>이름</a:t>
-              </a:r>
-              <a:endParaRPr lang="en-US" altLang="ko-KR" sz="1600" dirty="0">
-                <a:solidFill>
-                  <a:schemeClr val="tx1"/>
-                </a:solidFill>
-              </a:endParaRPr>
-            </a:p>
-          </p:txBody>
-        </p:sp>
-        <p:sp>
-          <p:nvSpPr>
-            <p:cNvPr id="5" name="말풍선: 사각형 4">
-              <a:extLst>
-                <a:ext uri="{FF2B5EF4-FFF2-40B4-BE49-F238E27FC236}">
-                  <a16:creationId xmlns:a16="http://schemas.microsoft.com/office/drawing/2014/main" id="{B80ED136-B9F5-9FD4-979C-3F4A767FC3C2}"/>
-                </a:ext>
-              </a:extLst>
-            </p:cNvPr>
-            <p:cNvSpPr/>
-            <p:nvPr/>
-          </p:nvSpPr>
-          <p:spPr>
-            <a:xfrm>
-              <a:off x="4747428" y="1368909"/>
-              <a:ext cx="2268582" cy="393630"/>
-            </a:xfrm>
-            <a:prstGeom prst="wedgeRectCallout">
-              <a:avLst>
-                <a:gd name="adj1" fmla="val -56682"/>
-                <a:gd name="adj2" fmla="val -23616"/>
-              </a:avLst>
-            </a:prstGeom>
-            <a:solidFill>
-              <a:schemeClr val="bg1"/>
-            </a:solidFill>
-            <a:ln>
-              <a:solidFill>
-                <a:schemeClr val="tx1">
-                  <a:lumMod val="65000"/>
-                  <a:lumOff val="35000"/>
-                </a:schemeClr>
-              </a:solidFill>
-            </a:ln>
-          </p:spPr>
-          <p:style>
-            <a:lnRef idx="2">
-              <a:schemeClr val="accent1">
-                <a:shade val="15000"/>
-              </a:schemeClr>
-            </a:lnRef>
-            <a:fillRef idx="1">
-              <a:schemeClr val="accent1"/>
-            </a:fillRef>
-            <a:effectRef idx="0">
-              <a:schemeClr val="accent1"/>
-            </a:effectRef>
-            <a:fontRef idx="minor">
-              <a:schemeClr val="lt1"/>
-            </a:fontRef>
-          </p:style>
-          <p:txBody>
-            <a:bodyPr rtlCol="0" anchor="ctr"/>
-            <a:lstStyle/>
-            <a:p>
-              <a:pPr algn="ctr"/>
-              <a:r>
-                <a:rPr lang="ko-KR" altLang="en-US" sz="1200" dirty="0">
-                  <a:solidFill>
-                    <a:schemeClr val="tx1"/>
-                  </a:solidFill>
-                </a:rPr>
-                <a:t>대화 </a:t>
-              </a:r>
-              <a:r>
-                <a:rPr lang="en-US" altLang="ko-KR" sz="1200" dirty="0">
-                  <a:solidFill>
-                    <a:schemeClr val="tx1"/>
-                  </a:solidFill>
-                </a:rPr>
-                <a:t>Text</a:t>
-              </a:r>
-              <a:endParaRPr lang="ko-KR" altLang="en-US" sz="1200" dirty="0">
-                <a:solidFill>
-                  <a:schemeClr val="tx1"/>
-                </a:solidFill>
-              </a:endParaRPr>
-            </a:p>
-          </p:txBody>
-        </p:sp>
-        <p:sp>
-          <p:nvSpPr>
-            <p:cNvPr id="6" name="사각형: 둥근 모서리 5">
-              <a:extLst>
-                <a:ext uri="{FF2B5EF4-FFF2-40B4-BE49-F238E27FC236}">
-                  <a16:creationId xmlns:a16="http://schemas.microsoft.com/office/drawing/2014/main" id="{1148CEEC-1724-0FD4-D581-E3F9DC1FD029}"/>
-                </a:ext>
-              </a:extLst>
-            </p:cNvPr>
-            <p:cNvSpPr/>
-            <p:nvPr/>
-          </p:nvSpPr>
-          <p:spPr>
-            <a:xfrm>
-              <a:off x="4644631" y="4858447"/>
-              <a:ext cx="2679289" cy="301076"/>
-            </a:xfrm>
-            <a:prstGeom prst="roundRect">
-              <a:avLst/>
-            </a:prstGeom>
-            <a:solidFill>
-              <a:schemeClr val="bg2">
-                <a:lumMod val="75000"/>
-              </a:schemeClr>
-            </a:solidFill>
-            <a:ln>
-              <a:noFill/>
-            </a:ln>
-          </p:spPr>
-          <p:style>
-            <a:lnRef idx="2">
-              <a:schemeClr val="accent1">
-                <a:shade val="15000"/>
-              </a:schemeClr>
-            </a:lnRef>
-            <a:fillRef idx="1">
-              <a:schemeClr val="accent1"/>
-            </a:fillRef>
-            <a:effectRef idx="0">
-              <a:schemeClr val="accent1"/>
-            </a:effectRef>
-            <a:fontRef idx="minor">
-              <a:schemeClr val="lt1"/>
-            </a:fontRef>
-          </p:style>
-          <p:txBody>
-            <a:bodyPr rtlCol="0" anchor="ctr"/>
-            <a:lstStyle/>
-            <a:p>
-              <a:pPr algn="ctr"/>
-              <a:r>
-                <a:rPr lang="ko-KR" altLang="en-US" sz="1200" dirty="0">
-                  <a:solidFill>
-                    <a:schemeClr val="tx1"/>
-                  </a:solidFill>
-                </a:rPr>
-                <a:t>대답 선택지 </a:t>
-              </a:r>
-              <a:r>
-                <a:rPr lang="en-US" altLang="ko-KR" sz="1200" dirty="0">
-                  <a:solidFill>
-                    <a:schemeClr val="tx1"/>
-                  </a:solidFill>
-                </a:rPr>
-                <a:t>1</a:t>
-              </a:r>
-              <a:endParaRPr lang="ko-KR" altLang="en-US" sz="1200" dirty="0">
-                <a:solidFill>
-                  <a:schemeClr val="tx1"/>
-                </a:solidFill>
-              </a:endParaRPr>
-            </a:p>
-          </p:txBody>
-        </p:sp>
-        <p:sp>
-          <p:nvSpPr>
-            <p:cNvPr id="7" name="사각형: 둥근 모서리 6">
-              <a:extLst>
-                <a:ext uri="{FF2B5EF4-FFF2-40B4-BE49-F238E27FC236}">
-                  <a16:creationId xmlns:a16="http://schemas.microsoft.com/office/drawing/2014/main" id="{FBD131F6-E474-1FE1-DEC7-398EC3DC82EF}"/>
-                </a:ext>
-              </a:extLst>
-            </p:cNvPr>
-            <p:cNvSpPr/>
-            <p:nvPr/>
-          </p:nvSpPr>
-          <p:spPr>
-            <a:xfrm>
-              <a:off x="4644631" y="5197313"/>
-              <a:ext cx="2679289" cy="301076"/>
-            </a:xfrm>
-            <a:prstGeom prst="roundRect">
-              <a:avLst/>
-            </a:prstGeom>
-            <a:solidFill>
-              <a:schemeClr val="bg2">
-                <a:lumMod val="75000"/>
-              </a:schemeClr>
-            </a:solidFill>
-            <a:ln>
-              <a:noFill/>
-            </a:ln>
-          </p:spPr>
-          <p:style>
-            <a:lnRef idx="2">
-              <a:schemeClr val="accent1">
-                <a:shade val="15000"/>
-              </a:schemeClr>
-            </a:lnRef>
-            <a:fillRef idx="1">
-              <a:schemeClr val="accent1"/>
-            </a:fillRef>
-            <a:effectRef idx="0">
-              <a:schemeClr val="accent1"/>
-            </a:effectRef>
-            <a:fontRef idx="minor">
-              <a:schemeClr val="lt1"/>
-            </a:fontRef>
-          </p:style>
-          <p:txBody>
-            <a:bodyPr rtlCol="0" anchor="ctr"/>
-            <a:lstStyle/>
-            <a:p>
-              <a:pPr algn="ctr"/>
-              <a:r>
-                <a:rPr lang="ko-KR" altLang="en-US" sz="1200" dirty="0">
-                  <a:solidFill>
-                    <a:schemeClr val="tx1"/>
-                  </a:solidFill>
-                </a:rPr>
-                <a:t>대답 선택지 </a:t>
-              </a:r>
-              <a:r>
-                <a:rPr lang="en-US" altLang="ko-KR" sz="1200" dirty="0">
-                  <a:solidFill>
-                    <a:schemeClr val="tx1"/>
-                  </a:solidFill>
-                </a:rPr>
-                <a:t>2</a:t>
-              </a:r>
-              <a:endParaRPr lang="ko-KR" altLang="en-US" sz="1200" dirty="0">
-                <a:solidFill>
-                  <a:schemeClr val="tx1"/>
-                </a:solidFill>
-              </a:endParaRPr>
-            </a:p>
-          </p:txBody>
-        </p:sp>
-        <p:sp>
-          <p:nvSpPr>
-            <p:cNvPr id="8" name="사각형: 둥근 모서리 7">
-              <a:extLst>
-                <a:ext uri="{FF2B5EF4-FFF2-40B4-BE49-F238E27FC236}">
-                  <a16:creationId xmlns:a16="http://schemas.microsoft.com/office/drawing/2014/main" id="{219F5019-B71D-74C1-999F-0A3C0560D3E6}"/>
-                </a:ext>
-              </a:extLst>
-            </p:cNvPr>
-            <p:cNvSpPr/>
-            <p:nvPr/>
-          </p:nvSpPr>
-          <p:spPr>
-            <a:xfrm>
-              <a:off x="4644631" y="5536178"/>
-              <a:ext cx="2679289" cy="301076"/>
-            </a:xfrm>
-            <a:prstGeom prst="roundRect">
-              <a:avLst/>
-            </a:prstGeom>
-            <a:solidFill>
-              <a:schemeClr val="bg2">
-                <a:lumMod val="75000"/>
-              </a:schemeClr>
-            </a:solidFill>
-            <a:ln>
-              <a:noFill/>
-            </a:ln>
-          </p:spPr>
-          <p:style>
-            <a:lnRef idx="2">
-              <a:schemeClr val="accent1">
-                <a:shade val="15000"/>
-              </a:schemeClr>
-            </a:lnRef>
-            <a:fillRef idx="1">
-              <a:schemeClr val="accent1"/>
-            </a:fillRef>
-            <a:effectRef idx="0">
-              <a:schemeClr val="accent1"/>
-            </a:effectRef>
-            <a:fontRef idx="minor">
-              <a:schemeClr val="lt1"/>
-            </a:fontRef>
-          </p:style>
-          <p:txBody>
-            <a:bodyPr rtlCol="0" anchor="ctr"/>
-            <a:lstStyle/>
-            <a:p>
-              <a:pPr algn="ctr"/>
-              <a:r>
-                <a:rPr lang="ko-KR" altLang="en-US" sz="1200" dirty="0">
-                  <a:solidFill>
-                    <a:schemeClr val="tx1"/>
-                  </a:solidFill>
-                </a:rPr>
-                <a:t>대답 선택지 </a:t>
-              </a:r>
-              <a:r>
-                <a:rPr lang="en-US" altLang="ko-KR" sz="1200" dirty="0">
-                  <a:solidFill>
-                    <a:schemeClr val="tx1"/>
-                  </a:solidFill>
-                </a:rPr>
-                <a:t>3</a:t>
-              </a:r>
-              <a:endParaRPr lang="ko-KR" altLang="en-US" sz="1200" dirty="0">
-                <a:solidFill>
-                  <a:schemeClr val="tx1"/>
-                </a:solidFill>
-              </a:endParaRPr>
-            </a:p>
-          </p:txBody>
-        </p:sp>
-        <p:pic>
-          <p:nvPicPr>
-            <p:cNvPr id="9" name="그래픽 8" descr="왼쪽 캐럿 단색으로 채워진">
-              <a:extLst>
-                <a:ext uri="{FF2B5EF4-FFF2-40B4-BE49-F238E27FC236}">
-                  <a16:creationId xmlns:a16="http://schemas.microsoft.com/office/drawing/2014/main" id="{4DFB7CE9-C28C-4F4A-1A9E-29EC0DB93942}"/>
-                </a:ext>
-              </a:extLst>
-            </p:cNvPr>
-            <p:cNvPicPr>
-              <a:picLocks noChangeAspect="1"/>
-            </p:cNvPicPr>
-            <p:nvPr/>
-          </p:nvPicPr>
-          <p:blipFill>
-            <a:blip r:embed="rId2">
-              <a:extLst>
-                <a:ext uri="{96DAC541-7B7A-43D3-8B79-37D633B846F1}">
-                  <asvg:svgBlip xmlns:asvg="http://schemas.microsoft.com/office/drawing/2016/SVG/main" r:embed="rId3"/>
-                </a:ext>
-              </a:extLst>
-            </a:blip>
-            <a:stretch>
-              <a:fillRect/>
-            </a:stretch>
-          </p:blipFill>
-          <p:spPr>
-            <a:xfrm>
-              <a:off x="4495431" y="765089"/>
-              <a:ext cx="360000" cy="360000"/>
-            </a:xfrm>
-            <a:prstGeom prst="rect">
-              <a:avLst/>
-            </a:prstGeom>
-          </p:spPr>
-        </p:pic>
-        <p:cxnSp>
-          <p:nvCxnSpPr>
-            <p:cNvPr id="10" name="직선 연결선 9">
-              <a:extLst>
-                <a:ext uri="{FF2B5EF4-FFF2-40B4-BE49-F238E27FC236}">
-                  <a16:creationId xmlns:a16="http://schemas.microsoft.com/office/drawing/2014/main" id="{A7F7E1CE-A066-4700-7FF7-CBE91FD983DB}"/>
-                </a:ext>
-              </a:extLst>
-            </p:cNvPr>
-            <p:cNvCxnSpPr/>
-            <p:nvPr/>
-          </p:nvCxnSpPr>
-          <p:spPr>
-            <a:xfrm>
-              <a:off x="4495431" y="1186070"/>
-              <a:ext cx="2979453" cy="0"/>
-            </a:xfrm>
-            <a:prstGeom prst="line">
-              <a:avLst/>
-            </a:prstGeom>
-          </p:spPr>
-          <p:style>
-            <a:lnRef idx="2">
-              <a:schemeClr val="accent1"/>
-            </a:lnRef>
-            <a:fillRef idx="0">
-              <a:schemeClr val="accent1"/>
-            </a:fillRef>
-            <a:effectRef idx="1">
-              <a:schemeClr val="accent1"/>
-            </a:effectRef>
-            <a:fontRef idx="minor">
-              <a:schemeClr val="tx1"/>
-            </a:fontRef>
-          </p:style>
-        </p:cxnSp>
-        <p:pic>
-          <p:nvPicPr>
-            <p:cNvPr id="11" name="그래픽 10" descr="오른쪽 캐럿 단색으로 채워진">
-              <a:extLst>
-                <a:ext uri="{FF2B5EF4-FFF2-40B4-BE49-F238E27FC236}">
-                  <a16:creationId xmlns:a16="http://schemas.microsoft.com/office/drawing/2014/main" id="{A641B75E-4C0E-0216-CE8F-1A82C253E98C}"/>
-                </a:ext>
-              </a:extLst>
-            </p:cNvPr>
-            <p:cNvPicPr>
-              <a:picLocks noChangeAspect="1"/>
-            </p:cNvPicPr>
-            <p:nvPr/>
-          </p:nvPicPr>
-          <p:blipFill>
-            <a:blip r:embed="rId4">
-              <a:extLst>
-                <a:ext uri="{96DAC541-7B7A-43D3-8B79-37D633B846F1}">
-                  <asvg:svgBlip xmlns:asvg="http://schemas.microsoft.com/office/drawing/2016/SVG/main" r:embed="rId5"/>
-                </a:ext>
-              </a:extLst>
-            </a:blip>
-            <a:stretch>
-              <a:fillRect/>
-            </a:stretch>
-          </p:blipFill>
-          <p:spPr>
-            <a:xfrm>
-              <a:off x="4492487" y="4396409"/>
-              <a:ext cx="360000" cy="360000"/>
-            </a:xfrm>
-            <a:prstGeom prst="rect">
-              <a:avLst/>
-            </a:prstGeom>
-          </p:spPr>
-        </p:pic>
-        <p:sp>
-          <p:nvSpPr>
-            <p:cNvPr id="12" name="사각형: 둥근 모서리 11">
-              <a:extLst>
-                <a:ext uri="{FF2B5EF4-FFF2-40B4-BE49-F238E27FC236}">
-                  <a16:creationId xmlns:a16="http://schemas.microsoft.com/office/drawing/2014/main" id="{F8AA26B3-9D1F-8EA5-06CE-FA18922EE52A}"/>
-                </a:ext>
-              </a:extLst>
-            </p:cNvPr>
-            <p:cNvSpPr/>
-            <p:nvPr/>
-          </p:nvSpPr>
-          <p:spPr>
-            <a:xfrm>
-              <a:off x="4908419" y="4417488"/>
-              <a:ext cx="2140226" cy="301077"/>
-            </a:xfrm>
-            <a:prstGeom prst="roundRect">
-              <a:avLst>
-                <a:gd name="adj" fmla="val 50000"/>
-              </a:avLst>
-            </a:prstGeom>
-            <a:solidFill>
-              <a:schemeClr val="bg2">
-                <a:lumMod val="75000"/>
-              </a:schemeClr>
-            </a:solidFill>
-            <a:ln>
-              <a:solidFill>
-                <a:schemeClr val="bg1"/>
-              </a:solidFill>
-            </a:ln>
-          </p:spPr>
-          <p:style>
-            <a:lnRef idx="2">
-              <a:schemeClr val="accent1">
-                <a:shade val="15000"/>
-              </a:schemeClr>
-            </a:lnRef>
-            <a:fillRef idx="1">
-              <a:schemeClr val="accent1"/>
-            </a:fillRef>
-            <a:effectRef idx="0">
-              <a:schemeClr val="accent1"/>
-            </a:effectRef>
-            <a:fontRef idx="minor">
-              <a:schemeClr val="lt1"/>
-            </a:fontRef>
-          </p:style>
-          <p:txBody>
-            <a:bodyPr rtlCol="0" anchor="ctr"/>
-            <a:lstStyle/>
-            <a:p>
-              <a:r>
-                <a:rPr lang="en-US" altLang="ko-KR" sz="1000" dirty="0">
-                  <a:solidFill>
-                    <a:schemeClr val="tx1"/>
-                  </a:solidFill>
-                </a:rPr>
-                <a:t>l</a:t>
-              </a:r>
-              <a:endParaRPr lang="ko-KR" altLang="en-US" sz="1000" dirty="0">
-                <a:solidFill>
-                  <a:schemeClr val="tx1"/>
-                </a:solidFill>
-              </a:endParaRPr>
-            </a:p>
-          </p:txBody>
-        </p:sp>
-        <p:sp>
-          <p:nvSpPr>
-            <p:cNvPr id="13" name="말풍선: 사각형 12">
-              <a:extLst>
-                <a:ext uri="{FF2B5EF4-FFF2-40B4-BE49-F238E27FC236}">
-                  <a16:creationId xmlns:a16="http://schemas.microsoft.com/office/drawing/2014/main" id="{4E2DCD3B-8367-98F2-C1F9-37E82181E1B3}"/>
-                </a:ext>
-              </a:extLst>
-            </p:cNvPr>
-            <p:cNvSpPr/>
-            <p:nvPr/>
-          </p:nvSpPr>
-          <p:spPr>
-            <a:xfrm>
-              <a:off x="4951770" y="2066974"/>
-              <a:ext cx="2268582" cy="393630"/>
-            </a:xfrm>
-            <a:prstGeom prst="wedgeRectCallout">
-              <a:avLst>
-                <a:gd name="adj1" fmla="val 57814"/>
-                <a:gd name="adj2" fmla="val -21933"/>
-              </a:avLst>
-            </a:prstGeom>
-            <a:solidFill>
-              <a:srgbClr val="0070C0"/>
-            </a:solidFill>
-            <a:ln>
-              <a:solidFill>
-                <a:schemeClr val="tx1">
-                  <a:lumMod val="65000"/>
-                  <a:lumOff val="35000"/>
-                </a:schemeClr>
-              </a:solidFill>
-            </a:ln>
-          </p:spPr>
-          <p:style>
-            <a:lnRef idx="2">
-              <a:schemeClr val="accent1">
-                <a:shade val="15000"/>
-              </a:schemeClr>
-            </a:lnRef>
-            <a:fillRef idx="1">
-              <a:schemeClr val="accent1"/>
-            </a:fillRef>
-            <a:effectRef idx="0">
-              <a:schemeClr val="accent1"/>
-            </a:effectRef>
-            <a:fontRef idx="minor">
-              <a:schemeClr val="lt1"/>
-            </a:fontRef>
-          </p:style>
-          <p:txBody>
-            <a:bodyPr rtlCol="0" anchor="ctr"/>
-            <a:lstStyle/>
-            <a:p>
-              <a:pPr algn="ctr"/>
-              <a:r>
-                <a:rPr lang="ko-KR" altLang="en-US" sz="1200">
-                  <a:solidFill>
-                    <a:schemeClr val="bg1"/>
-                  </a:solidFill>
-                </a:rPr>
-                <a:t>답변 </a:t>
-              </a:r>
-              <a:r>
-                <a:rPr lang="en-US" altLang="ko-KR" sz="1200" dirty="0">
-                  <a:solidFill>
-                    <a:schemeClr val="bg1"/>
-                  </a:solidFill>
-                </a:rPr>
-                <a:t>Text</a:t>
-              </a:r>
-              <a:endParaRPr lang="ko-KR" altLang="en-US" sz="1200" dirty="0">
-                <a:solidFill>
-                  <a:schemeClr val="bg1"/>
-                </a:solidFill>
-              </a:endParaRPr>
-            </a:p>
-          </p:txBody>
-        </p:sp>
-      </p:grpSp>
-      <p:grpSp>
-        <p:nvGrpSpPr>
-          <p:cNvPr id="18" name="그룹 17">
-            <a:extLst>
-              <a:ext uri="{FF2B5EF4-FFF2-40B4-BE49-F238E27FC236}">
-                <a16:creationId xmlns:a16="http://schemas.microsoft.com/office/drawing/2014/main" id="{47C1C825-EB39-0864-1B54-33BEC677EE5E}"/>
-              </a:ext>
-            </a:extLst>
-          </p:cNvPr>
-          <p:cNvGrpSpPr/>
-          <p:nvPr/>
-        </p:nvGrpSpPr>
-        <p:grpSpPr>
-          <a:xfrm>
-            <a:off x="6980875" y="503581"/>
-            <a:ext cx="3256428" cy="5664350"/>
-            <a:chOff x="4350319" y="516834"/>
-            <a:chExt cx="3256428" cy="5664350"/>
-          </a:xfrm>
-        </p:grpSpPr>
-        <p:grpSp>
-          <p:nvGrpSpPr>
-            <p:cNvPr id="19" name="그룹 18">
-              <a:extLst>
-                <a:ext uri="{FF2B5EF4-FFF2-40B4-BE49-F238E27FC236}">
-                  <a16:creationId xmlns:a16="http://schemas.microsoft.com/office/drawing/2014/main" id="{5E474CE7-ED12-750A-75A3-873D26C06173}"/>
-                </a:ext>
-              </a:extLst>
-            </p:cNvPr>
-            <p:cNvGrpSpPr/>
-            <p:nvPr/>
-          </p:nvGrpSpPr>
-          <p:grpSpPr>
-            <a:xfrm>
-              <a:off x="4350319" y="516834"/>
-              <a:ext cx="3256428" cy="5664350"/>
-              <a:chOff x="7454978" y="591749"/>
-              <a:chExt cx="2571297" cy="4472608"/>
-            </a:xfrm>
-          </p:grpSpPr>
-          <p:grpSp>
-            <p:nvGrpSpPr>
-              <p:cNvPr id="36" name="그룹 35">
-                <a:extLst>
-                  <a:ext uri="{FF2B5EF4-FFF2-40B4-BE49-F238E27FC236}">
-                    <a16:creationId xmlns:a16="http://schemas.microsoft.com/office/drawing/2014/main" id="{F2061259-6B1C-4F7E-DC7B-ADADCA7ECDE7}"/>
-                  </a:ext>
-                </a:extLst>
-              </p:cNvPr>
-              <p:cNvGrpSpPr/>
-              <p:nvPr/>
-            </p:nvGrpSpPr>
-            <p:grpSpPr>
-              <a:xfrm>
-                <a:off x="7454978" y="591749"/>
-                <a:ext cx="2571297" cy="4472608"/>
-                <a:chOff x="7562162" y="591749"/>
-                <a:chExt cx="2571297" cy="4472608"/>
-              </a:xfrm>
-            </p:grpSpPr>
-            <p:sp>
-              <p:nvSpPr>
-                <p:cNvPr id="38" name="사각형: 둥근 모서리 37">
-                  <a:extLst>
-                    <a:ext uri="{FF2B5EF4-FFF2-40B4-BE49-F238E27FC236}">
-                      <a16:creationId xmlns:a16="http://schemas.microsoft.com/office/drawing/2014/main" id="{7A0DF311-8F15-9E19-AAA2-B5185CFBF9B3}"/>
-                    </a:ext>
-                  </a:extLst>
-                </p:cNvPr>
-                <p:cNvSpPr/>
-                <p:nvPr/>
-              </p:nvSpPr>
-              <p:spPr>
-                <a:xfrm rot="5400000">
-                  <a:off x="6611507" y="1542404"/>
-                  <a:ext cx="4472608" cy="2571297"/>
-                </a:xfrm>
-                <a:prstGeom prst="roundRect">
-                  <a:avLst>
-                    <a:gd name="adj" fmla="val 2928"/>
-                  </a:avLst>
-                </a:prstGeom>
-                <a:solidFill>
-                  <a:schemeClr val="bg2">
-                    <a:lumMod val="75000"/>
-                  </a:schemeClr>
-                </a:solidFill>
-              </p:spPr>
-              <p:style>
-                <a:lnRef idx="2">
-                  <a:schemeClr val="accent1">
-                    <a:shade val="15000"/>
-                  </a:schemeClr>
-                </a:lnRef>
-                <a:fillRef idx="1">
-                  <a:schemeClr val="accent1"/>
-                </a:fillRef>
-                <a:effectRef idx="0">
-                  <a:schemeClr val="accent1"/>
-                </a:effectRef>
-                <a:fontRef idx="minor">
-                  <a:schemeClr val="lt1"/>
-                </a:fontRef>
-              </p:style>
-              <p:txBody>
-                <a:bodyPr rtlCol="0" anchor="ctr"/>
-                <a:lstStyle/>
-                <a:p>
-                  <a:pPr algn="ctr"/>
-                  <a:endParaRPr lang="ko-KR" altLang="en-US" sz="2000"/>
-                </a:p>
-              </p:txBody>
-            </p:sp>
-            <p:sp>
-              <p:nvSpPr>
-                <p:cNvPr id="39" name="타원 38">
-                  <a:extLst>
-                    <a:ext uri="{FF2B5EF4-FFF2-40B4-BE49-F238E27FC236}">
-                      <a16:creationId xmlns:a16="http://schemas.microsoft.com/office/drawing/2014/main" id="{736DEF9A-F671-3DBD-6235-C8414E773713}"/>
-                    </a:ext>
-                  </a:extLst>
-                </p:cNvPr>
-                <p:cNvSpPr/>
-                <p:nvPr/>
-              </p:nvSpPr>
-              <p:spPr>
-                <a:xfrm rot="5400000">
-                  <a:off x="8798520" y="621535"/>
-                  <a:ext cx="98581" cy="98581"/>
-                </a:xfrm>
-                <a:prstGeom prst="ellipse">
-                  <a:avLst/>
-                </a:prstGeom>
-                <a:solidFill>
-                  <a:schemeClr val="tx1">
-                    <a:lumMod val="85000"/>
-                    <a:lumOff val="15000"/>
-                  </a:schemeClr>
-                </a:solidFill>
-              </p:spPr>
-              <p:style>
-                <a:lnRef idx="2">
-                  <a:schemeClr val="accent1">
-                    <a:shade val="15000"/>
-                  </a:schemeClr>
-                </a:lnRef>
-                <a:fillRef idx="1">
-                  <a:schemeClr val="accent1"/>
-                </a:fillRef>
-                <a:effectRef idx="0">
-                  <a:schemeClr val="accent1"/>
-                </a:effectRef>
-                <a:fontRef idx="minor">
-                  <a:schemeClr val="lt1"/>
-                </a:fontRef>
-              </p:style>
-              <p:txBody>
-                <a:bodyPr rtlCol="0" anchor="ctr"/>
-                <a:lstStyle/>
-                <a:p>
-                  <a:pPr algn="ctr"/>
-                  <a:endParaRPr lang="ko-KR" altLang="en-US" sz="2000"/>
-                </a:p>
-              </p:txBody>
-            </p:sp>
-          </p:grpSp>
-          <p:sp>
-            <p:nvSpPr>
-              <p:cNvPr id="37" name="직사각형 36">
-                <a:extLst>
-                  <a:ext uri="{FF2B5EF4-FFF2-40B4-BE49-F238E27FC236}">
-                    <a16:creationId xmlns:a16="http://schemas.microsoft.com/office/drawing/2014/main" id="{6CDD0D21-E2BE-EF54-3B40-4274931DFD0D}"/>
-                  </a:ext>
-                </a:extLst>
-              </p:cNvPr>
-              <p:cNvSpPr/>
-              <p:nvPr/>
-            </p:nvSpPr>
-            <p:spPr>
-              <a:xfrm rot="5400000">
-                <a:off x="6642550" y="1673028"/>
-                <a:ext cx="4196152" cy="2363058"/>
-              </a:xfrm>
-              <a:prstGeom prst="rect">
-                <a:avLst/>
-              </a:prstGeom>
-              <a:solidFill>
-                <a:schemeClr val="bg1"/>
-              </a:solidFill>
-            </p:spPr>
-            <p:style>
-              <a:lnRef idx="2">
-                <a:schemeClr val="accent1">
-                  <a:shade val="15000"/>
-                </a:schemeClr>
-              </a:lnRef>
-              <a:fillRef idx="1">
-                <a:schemeClr val="accent1"/>
-              </a:fillRef>
-              <a:effectRef idx="0">
-                <a:schemeClr val="accent1"/>
-              </a:effectRef>
-              <a:fontRef idx="minor">
-                <a:schemeClr val="lt1"/>
-              </a:fontRef>
-            </p:style>
-            <p:txBody>
-              <a:bodyPr rtlCol="0" anchor="ctr"/>
-              <a:lstStyle/>
-              <a:p>
-                <a:pPr algn="ctr"/>
-                <a:endParaRPr lang="ko-KR" altLang="en-US" sz="4000" dirty="0"/>
-              </a:p>
-            </p:txBody>
-          </p:sp>
-        </p:grpSp>
-        <p:sp>
-          <p:nvSpPr>
-            <p:cNvPr id="20" name="말풍선: 사각형 19">
-              <a:extLst>
-                <a:ext uri="{FF2B5EF4-FFF2-40B4-BE49-F238E27FC236}">
-                  <a16:creationId xmlns:a16="http://schemas.microsoft.com/office/drawing/2014/main" id="{B7AC80D0-AAA9-CC94-CB2F-B71A230B2F34}"/>
-                </a:ext>
-              </a:extLst>
-            </p:cNvPr>
-            <p:cNvSpPr/>
-            <p:nvPr/>
-          </p:nvSpPr>
-          <p:spPr>
-            <a:xfrm>
-              <a:off x="4786168" y="1667036"/>
-              <a:ext cx="2268582" cy="393630"/>
-            </a:xfrm>
-            <a:prstGeom prst="wedgeRectCallout">
-              <a:avLst>
-                <a:gd name="adj1" fmla="val -56682"/>
-                <a:gd name="adj2" fmla="val -23616"/>
-              </a:avLst>
-            </a:prstGeom>
-            <a:solidFill>
-              <a:schemeClr val="bg1"/>
-            </a:solidFill>
-            <a:ln>
-              <a:solidFill>
-                <a:schemeClr val="tx1">
-                  <a:lumMod val="65000"/>
-                  <a:lumOff val="35000"/>
-                </a:schemeClr>
-              </a:solidFill>
-            </a:ln>
-          </p:spPr>
-          <p:style>
-            <a:lnRef idx="2">
-              <a:schemeClr val="accent1">
-                <a:shade val="15000"/>
-              </a:schemeClr>
-            </a:lnRef>
-            <a:fillRef idx="1">
-              <a:schemeClr val="accent1"/>
-            </a:fillRef>
-            <a:effectRef idx="0">
-              <a:schemeClr val="accent1"/>
-            </a:effectRef>
-            <a:fontRef idx="minor">
-              <a:schemeClr val="lt1"/>
-            </a:fontRef>
-          </p:style>
-          <p:txBody>
-            <a:bodyPr rtlCol="0" anchor="ctr"/>
-            <a:lstStyle/>
-            <a:p>
-              <a:pPr algn="ctr"/>
-              <a:r>
-                <a:rPr lang="ko-KR" altLang="en-US" sz="1200" dirty="0">
-                  <a:solidFill>
-                    <a:schemeClr val="tx1"/>
-                  </a:solidFill>
-                </a:rPr>
-                <a:t>대화 </a:t>
-              </a:r>
-              <a:r>
-                <a:rPr lang="en-US" altLang="ko-KR" sz="1200" dirty="0">
-                  <a:solidFill>
-                    <a:schemeClr val="tx1"/>
-                  </a:solidFill>
-                </a:rPr>
-                <a:t>Text</a:t>
-              </a:r>
-              <a:endParaRPr lang="ko-KR" altLang="en-US" sz="1200" dirty="0">
-                <a:solidFill>
-                  <a:schemeClr val="tx1"/>
-                </a:solidFill>
-              </a:endParaRPr>
-            </a:p>
-          </p:txBody>
-        </p:sp>
-        <p:sp>
-          <p:nvSpPr>
-            <p:cNvPr id="21" name="사각형: 둥근 모서리 20">
-              <a:extLst>
-                <a:ext uri="{FF2B5EF4-FFF2-40B4-BE49-F238E27FC236}">
-                  <a16:creationId xmlns:a16="http://schemas.microsoft.com/office/drawing/2014/main" id="{ABB16C3C-2F87-173B-712F-DDD8CC43CA5C}"/>
-                </a:ext>
-              </a:extLst>
-            </p:cNvPr>
-            <p:cNvSpPr/>
-            <p:nvPr/>
-          </p:nvSpPr>
-          <p:spPr>
-            <a:xfrm>
-              <a:off x="4644631" y="4858447"/>
-              <a:ext cx="2679289" cy="301076"/>
-            </a:xfrm>
-            <a:prstGeom prst="roundRect">
-              <a:avLst/>
-            </a:prstGeom>
-            <a:solidFill>
-              <a:schemeClr val="bg2">
-                <a:lumMod val="75000"/>
-              </a:schemeClr>
-            </a:solidFill>
-            <a:ln>
-              <a:noFill/>
-            </a:ln>
-          </p:spPr>
-          <p:style>
-            <a:lnRef idx="2">
-              <a:schemeClr val="accent1">
-                <a:shade val="15000"/>
-              </a:schemeClr>
-            </a:lnRef>
-            <a:fillRef idx="1">
-              <a:schemeClr val="accent1"/>
-            </a:fillRef>
-            <a:effectRef idx="0">
-              <a:schemeClr val="accent1"/>
-            </a:effectRef>
-            <a:fontRef idx="minor">
-              <a:schemeClr val="lt1"/>
-            </a:fontRef>
-          </p:style>
-          <p:txBody>
-            <a:bodyPr rtlCol="0" anchor="ctr"/>
-            <a:lstStyle/>
-            <a:p>
-              <a:pPr algn="ctr"/>
-              <a:r>
-                <a:rPr lang="ko-KR" altLang="en-US" sz="1200" dirty="0">
-                  <a:solidFill>
-                    <a:schemeClr val="tx1"/>
-                  </a:solidFill>
-                </a:rPr>
-                <a:t>대답 선택지 </a:t>
-              </a:r>
-              <a:r>
-                <a:rPr lang="en-US" altLang="ko-KR" sz="1200" dirty="0">
-                  <a:solidFill>
-                    <a:schemeClr val="tx1"/>
-                  </a:solidFill>
-                </a:rPr>
-                <a:t>1</a:t>
-              </a:r>
-              <a:endParaRPr lang="ko-KR" altLang="en-US" sz="1200" dirty="0">
-                <a:solidFill>
-                  <a:schemeClr val="tx1"/>
-                </a:solidFill>
-              </a:endParaRPr>
-            </a:p>
-          </p:txBody>
-        </p:sp>
-        <p:sp>
-          <p:nvSpPr>
-            <p:cNvPr id="22" name="사각형: 둥근 모서리 21">
-              <a:extLst>
-                <a:ext uri="{FF2B5EF4-FFF2-40B4-BE49-F238E27FC236}">
-                  <a16:creationId xmlns:a16="http://schemas.microsoft.com/office/drawing/2014/main" id="{E4CFAA5E-5CF2-0366-1B50-0CEBA859FD60}"/>
-                </a:ext>
-              </a:extLst>
-            </p:cNvPr>
-            <p:cNvSpPr/>
-            <p:nvPr/>
-          </p:nvSpPr>
-          <p:spPr>
-            <a:xfrm>
-              <a:off x="4644631" y="5197313"/>
-              <a:ext cx="2679289" cy="301076"/>
-            </a:xfrm>
-            <a:prstGeom prst="roundRect">
-              <a:avLst/>
-            </a:prstGeom>
-            <a:solidFill>
-              <a:schemeClr val="bg2">
-                <a:lumMod val="75000"/>
-              </a:schemeClr>
-            </a:solidFill>
-            <a:ln>
-              <a:noFill/>
-            </a:ln>
-          </p:spPr>
-          <p:style>
-            <a:lnRef idx="2">
-              <a:schemeClr val="accent1">
-                <a:shade val="15000"/>
-              </a:schemeClr>
-            </a:lnRef>
-            <a:fillRef idx="1">
-              <a:schemeClr val="accent1"/>
-            </a:fillRef>
-            <a:effectRef idx="0">
-              <a:schemeClr val="accent1"/>
-            </a:effectRef>
-            <a:fontRef idx="minor">
-              <a:schemeClr val="lt1"/>
-            </a:fontRef>
-          </p:style>
-          <p:txBody>
-            <a:bodyPr rtlCol="0" anchor="ctr"/>
-            <a:lstStyle/>
-            <a:p>
-              <a:pPr algn="ctr"/>
-              <a:r>
-                <a:rPr lang="ko-KR" altLang="en-US" sz="1200" dirty="0">
-                  <a:solidFill>
-                    <a:schemeClr val="tx1"/>
-                  </a:solidFill>
-                </a:rPr>
-                <a:t>대답 선택지 </a:t>
-              </a:r>
-              <a:r>
-                <a:rPr lang="en-US" altLang="ko-KR" sz="1200" dirty="0">
-                  <a:solidFill>
-                    <a:schemeClr val="tx1"/>
-                  </a:solidFill>
-                </a:rPr>
-                <a:t>2</a:t>
-              </a:r>
-              <a:endParaRPr lang="ko-KR" altLang="en-US" sz="1200" dirty="0">
-                <a:solidFill>
-                  <a:schemeClr val="tx1"/>
-                </a:solidFill>
-              </a:endParaRPr>
-            </a:p>
-          </p:txBody>
-        </p:sp>
-        <p:sp>
-          <p:nvSpPr>
-            <p:cNvPr id="23" name="사각형: 둥근 모서리 22">
-              <a:extLst>
-                <a:ext uri="{FF2B5EF4-FFF2-40B4-BE49-F238E27FC236}">
-                  <a16:creationId xmlns:a16="http://schemas.microsoft.com/office/drawing/2014/main" id="{95F67F57-7CA6-C080-14A0-ACCA6A10574C}"/>
-                </a:ext>
-              </a:extLst>
-            </p:cNvPr>
-            <p:cNvSpPr/>
-            <p:nvPr/>
-          </p:nvSpPr>
-          <p:spPr>
-            <a:xfrm>
-              <a:off x="4644631" y="5536178"/>
-              <a:ext cx="2679289" cy="301076"/>
-            </a:xfrm>
-            <a:prstGeom prst="roundRect">
-              <a:avLst/>
-            </a:prstGeom>
-            <a:solidFill>
-              <a:schemeClr val="bg2">
-                <a:lumMod val="75000"/>
-              </a:schemeClr>
-            </a:solidFill>
-            <a:ln>
-              <a:noFill/>
-            </a:ln>
-          </p:spPr>
-          <p:style>
-            <a:lnRef idx="2">
-              <a:schemeClr val="accent1">
-                <a:shade val="15000"/>
-              </a:schemeClr>
-            </a:lnRef>
-            <a:fillRef idx="1">
-              <a:schemeClr val="accent1"/>
-            </a:fillRef>
-            <a:effectRef idx="0">
-              <a:schemeClr val="accent1"/>
-            </a:effectRef>
-            <a:fontRef idx="minor">
-              <a:schemeClr val="lt1"/>
-            </a:fontRef>
-          </p:style>
-          <p:txBody>
-            <a:bodyPr rtlCol="0" anchor="ctr"/>
-            <a:lstStyle/>
-            <a:p>
-              <a:pPr algn="ctr"/>
-              <a:r>
-                <a:rPr lang="ko-KR" altLang="en-US" sz="1200" dirty="0">
-                  <a:solidFill>
-                    <a:schemeClr val="tx1"/>
-                  </a:solidFill>
-                </a:rPr>
-                <a:t>대답 선택지 </a:t>
-              </a:r>
-              <a:r>
-                <a:rPr lang="en-US" altLang="ko-KR" sz="1200" dirty="0">
-                  <a:solidFill>
-                    <a:schemeClr val="tx1"/>
-                  </a:solidFill>
-                </a:rPr>
-                <a:t>3</a:t>
-              </a:r>
-              <a:endParaRPr lang="ko-KR" altLang="en-US" sz="1200" dirty="0">
-                <a:solidFill>
-                  <a:schemeClr val="tx1"/>
-                </a:solidFill>
-              </a:endParaRPr>
-            </a:p>
-          </p:txBody>
-        </p:sp>
-        <p:pic>
-          <p:nvPicPr>
-            <p:cNvPr id="24" name="그래픽 23" descr="오른쪽 캐럿 단색으로 채워진">
-              <a:extLst>
-                <a:ext uri="{FF2B5EF4-FFF2-40B4-BE49-F238E27FC236}">
-                  <a16:creationId xmlns:a16="http://schemas.microsoft.com/office/drawing/2014/main" id="{5A62A7F0-CCBF-76E6-3E54-2656E1993BA7}"/>
-                </a:ext>
-              </a:extLst>
-            </p:cNvPr>
-            <p:cNvPicPr>
-              <a:picLocks noChangeAspect="1"/>
-            </p:cNvPicPr>
-            <p:nvPr/>
-          </p:nvPicPr>
-          <p:blipFill>
-            <a:blip r:embed="rId4">
-              <a:extLst>
-                <a:ext uri="{96DAC541-7B7A-43D3-8B79-37D633B846F1}">
-                  <asvg:svgBlip xmlns:asvg="http://schemas.microsoft.com/office/drawing/2016/SVG/main" r:embed="rId5"/>
-                </a:ext>
-              </a:extLst>
-            </a:blip>
-            <a:stretch>
-              <a:fillRect/>
-            </a:stretch>
-          </p:blipFill>
-          <p:spPr>
-            <a:xfrm>
-              <a:off x="4492487" y="4396409"/>
-              <a:ext cx="360000" cy="360000"/>
-            </a:xfrm>
-            <a:prstGeom prst="rect">
-              <a:avLst/>
-            </a:prstGeom>
-          </p:spPr>
-        </p:pic>
-        <p:sp>
-          <p:nvSpPr>
-            <p:cNvPr id="25" name="사각형: 둥근 모서리 24">
-              <a:extLst>
-                <a:ext uri="{FF2B5EF4-FFF2-40B4-BE49-F238E27FC236}">
-                  <a16:creationId xmlns:a16="http://schemas.microsoft.com/office/drawing/2014/main" id="{D43FEDE9-F422-88E1-0D23-A5147C5129B1}"/>
-                </a:ext>
-              </a:extLst>
-            </p:cNvPr>
-            <p:cNvSpPr/>
-            <p:nvPr/>
-          </p:nvSpPr>
-          <p:spPr>
-            <a:xfrm>
-              <a:off x="4908419" y="4417488"/>
-              <a:ext cx="2140226" cy="301077"/>
-            </a:xfrm>
-            <a:prstGeom prst="roundRect">
-              <a:avLst>
-                <a:gd name="adj" fmla="val 50000"/>
-              </a:avLst>
-            </a:prstGeom>
-            <a:solidFill>
-              <a:schemeClr val="bg2">
-                <a:lumMod val="75000"/>
-              </a:schemeClr>
-            </a:solidFill>
-            <a:ln>
-              <a:solidFill>
-                <a:schemeClr val="bg1"/>
-              </a:solidFill>
-            </a:ln>
-          </p:spPr>
-          <p:style>
-            <a:lnRef idx="2">
-              <a:schemeClr val="accent1">
-                <a:shade val="15000"/>
-              </a:schemeClr>
-            </a:lnRef>
-            <a:fillRef idx="1">
-              <a:schemeClr val="accent1"/>
-            </a:fillRef>
-            <a:effectRef idx="0">
-              <a:schemeClr val="accent1"/>
-            </a:effectRef>
-            <a:fontRef idx="minor">
-              <a:schemeClr val="lt1"/>
-            </a:fontRef>
-          </p:style>
-          <p:txBody>
-            <a:bodyPr rtlCol="0" anchor="ctr"/>
-            <a:lstStyle/>
-            <a:p>
-              <a:r>
-                <a:rPr lang="en-US" altLang="ko-KR" sz="1000" dirty="0">
-                  <a:solidFill>
-                    <a:schemeClr val="tx1"/>
-                  </a:solidFill>
-                </a:rPr>
-                <a:t>l</a:t>
-              </a:r>
-              <a:endParaRPr lang="ko-KR" altLang="en-US" sz="1000" dirty="0">
-                <a:solidFill>
-                  <a:schemeClr val="tx1"/>
-                </a:solidFill>
-              </a:endParaRPr>
-            </a:p>
-          </p:txBody>
-        </p:sp>
-        <p:sp>
-          <p:nvSpPr>
-            <p:cNvPr id="26" name="말풍선: 사각형 25">
-              <a:extLst>
-                <a:ext uri="{FF2B5EF4-FFF2-40B4-BE49-F238E27FC236}">
-                  <a16:creationId xmlns:a16="http://schemas.microsoft.com/office/drawing/2014/main" id="{B0B523D4-30A4-A3E4-CAE2-6925B3BB691E}"/>
-                </a:ext>
-              </a:extLst>
-            </p:cNvPr>
-            <p:cNvSpPr/>
-            <p:nvPr/>
-          </p:nvSpPr>
-          <p:spPr>
-            <a:xfrm>
-              <a:off x="4990510" y="2365101"/>
-              <a:ext cx="2268582" cy="393630"/>
-            </a:xfrm>
-            <a:prstGeom prst="wedgeRectCallout">
-              <a:avLst>
-                <a:gd name="adj1" fmla="val 57814"/>
-                <a:gd name="adj2" fmla="val -21933"/>
-              </a:avLst>
-            </a:prstGeom>
-            <a:solidFill>
-              <a:srgbClr val="0070C0"/>
-            </a:solidFill>
-            <a:ln>
-              <a:solidFill>
-                <a:schemeClr val="tx1">
-                  <a:lumMod val="65000"/>
-                  <a:lumOff val="35000"/>
-                </a:schemeClr>
-              </a:solidFill>
-            </a:ln>
-          </p:spPr>
-          <p:style>
-            <a:lnRef idx="2">
-              <a:schemeClr val="accent1">
-                <a:shade val="15000"/>
-              </a:schemeClr>
-            </a:lnRef>
-            <a:fillRef idx="1">
-              <a:schemeClr val="accent1"/>
-            </a:fillRef>
-            <a:effectRef idx="0">
-              <a:schemeClr val="accent1"/>
-            </a:effectRef>
-            <a:fontRef idx="minor">
-              <a:schemeClr val="lt1"/>
-            </a:fontRef>
-          </p:style>
-          <p:txBody>
-            <a:bodyPr rtlCol="0" anchor="ctr"/>
-            <a:lstStyle/>
-            <a:p>
-              <a:pPr algn="ctr"/>
-              <a:r>
-                <a:rPr lang="ko-KR" altLang="en-US" sz="1200">
-                  <a:solidFill>
-                    <a:schemeClr val="bg1"/>
-                  </a:solidFill>
-                </a:rPr>
-                <a:t>답변 </a:t>
-              </a:r>
-              <a:r>
-                <a:rPr lang="en-US" altLang="ko-KR" sz="1200" dirty="0">
-                  <a:solidFill>
-                    <a:schemeClr val="bg1"/>
-                  </a:solidFill>
-                </a:rPr>
-                <a:t>Text</a:t>
-              </a:r>
-              <a:endParaRPr lang="ko-KR" altLang="en-US" sz="1200" dirty="0">
-                <a:solidFill>
-                  <a:schemeClr val="bg1"/>
-                </a:solidFill>
-              </a:endParaRPr>
-            </a:p>
-          </p:txBody>
-        </p:sp>
-        <p:sp>
-          <p:nvSpPr>
-            <p:cNvPr id="27" name="말풍선: 사각형 26">
-              <a:extLst>
-                <a:ext uri="{FF2B5EF4-FFF2-40B4-BE49-F238E27FC236}">
-                  <a16:creationId xmlns:a16="http://schemas.microsoft.com/office/drawing/2014/main" id="{BC57164C-D7A4-1D64-F992-71F2679CE08F}"/>
-                </a:ext>
-              </a:extLst>
-            </p:cNvPr>
-            <p:cNvSpPr/>
-            <p:nvPr/>
-          </p:nvSpPr>
-          <p:spPr>
-            <a:xfrm>
-              <a:off x="4757367" y="2985845"/>
-              <a:ext cx="2268582" cy="393630"/>
-            </a:xfrm>
-            <a:prstGeom prst="wedgeRectCallout">
-              <a:avLst>
-                <a:gd name="adj1" fmla="val -56682"/>
-                <a:gd name="adj2" fmla="val -23616"/>
-              </a:avLst>
-            </a:prstGeom>
-            <a:solidFill>
-              <a:schemeClr val="bg1"/>
-            </a:solidFill>
-            <a:ln>
-              <a:solidFill>
-                <a:schemeClr val="tx1">
-                  <a:lumMod val="65000"/>
-                  <a:lumOff val="35000"/>
-                </a:schemeClr>
-              </a:solidFill>
-            </a:ln>
-          </p:spPr>
-          <p:style>
-            <a:lnRef idx="2">
-              <a:schemeClr val="accent1">
-                <a:shade val="15000"/>
-              </a:schemeClr>
-            </a:lnRef>
-            <a:fillRef idx="1">
-              <a:schemeClr val="accent1"/>
-            </a:fillRef>
-            <a:effectRef idx="0">
-              <a:schemeClr val="accent1"/>
-            </a:effectRef>
-            <a:fontRef idx="minor">
-              <a:schemeClr val="lt1"/>
-            </a:fontRef>
-          </p:style>
-          <p:txBody>
-            <a:bodyPr rtlCol="0" anchor="ctr"/>
-            <a:lstStyle/>
-            <a:p>
-              <a:pPr algn="ctr"/>
-              <a:r>
-                <a:rPr lang="ko-KR" altLang="en-US" sz="1200" dirty="0">
-                  <a:solidFill>
-                    <a:schemeClr val="tx1"/>
-                  </a:solidFill>
-                </a:rPr>
-                <a:t>대화 </a:t>
-              </a:r>
-              <a:r>
-                <a:rPr lang="en-US" altLang="ko-KR" sz="1200" dirty="0">
-                  <a:solidFill>
-                    <a:schemeClr val="tx1"/>
-                  </a:solidFill>
-                </a:rPr>
-                <a:t>Text</a:t>
-              </a:r>
-              <a:endParaRPr lang="ko-KR" altLang="en-US" sz="1200" dirty="0">
-                <a:solidFill>
-                  <a:schemeClr val="tx1"/>
-                </a:solidFill>
-              </a:endParaRPr>
-            </a:p>
-          </p:txBody>
-        </p:sp>
-        <p:sp>
-          <p:nvSpPr>
-            <p:cNvPr id="28" name="말풍선: 사각형 27">
-              <a:extLst>
-                <a:ext uri="{FF2B5EF4-FFF2-40B4-BE49-F238E27FC236}">
-                  <a16:creationId xmlns:a16="http://schemas.microsoft.com/office/drawing/2014/main" id="{FD8EF3E8-CE95-77B2-ADE2-AEBD5C039C55}"/>
-                </a:ext>
-              </a:extLst>
-            </p:cNvPr>
-            <p:cNvSpPr/>
-            <p:nvPr/>
-          </p:nvSpPr>
-          <p:spPr>
-            <a:xfrm>
-              <a:off x="4961709" y="3683910"/>
-              <a:ext cx="2268582" cy="393630"/>
-            </a:xfrm>
-            <a:prstGeom prst="wedgeRectCallout">
-              <a:avLst>
-                <a:gd name="adj1" fmla="val 57814"/>
-                <a:gd name="adj2" fmla="val -21933"/>
-              </a:avLst>
-            </a:prstGeom>
-            <a:solidFill>
-              <a:srgbClr val="0070C0"/>
-            </a:solidFill>
-            <a:ln>
-              <a:solidFill>
-                <a:schemeClr val="tx1">
-                  <a:lumMod val="65000"/>
-                  <a:lumOff val="35000"/>
-                </a:schemeClr>
-              </a:solidFill>
-            </a:ln>
-          </p:spPr>
-          <p:style>
-            <a:lnRef idx="2">
-              <a:schemeClr val="accent1">
-                <a:shade val="15000"/>
-              </a:schemeClr>
-            </a:lnRef>
-            <a:fillRef idx="1">
-              <a:schemeClr val="accent1"/>
-            </a:fillRef>
-            <a:effectRef idx="0">
-              <a:schemeClr val="accent1"/>
-            </a:effectRef>
-            <a:fontRef idx="minor">
-              <a:schemeClr val="lt1"/>
-            </a:fontRef>
-          </p:style>
-          <p:txBody>
-            <a:bodyPr rtlCol="0" anchor="ctr"/>
-            <a:lstStyle/>
-            <a:p>
-              <a:pPr algn="ctr"/>
-              <a:r>
-                <a:rPr lang="ko-KR" altLang="en-US" sz="1200">
-                  <a:solidFill>
-                    <a:schemeClr val="bg1"/>
-                  </a:solidFill>
-                </a:rPr>
-                <a:t>답변 </a:t>
-              </a:r>
-              <a:r>
-                <a:rPr lang="en-US" altLang="ko-KR" sz="1200" dirty="0">
-                  <a:solidFill>
-                    <a:schemeClr val="bg1"/>
-                  </a:solidFill>
-                </a:rPr>
-                <a:t>Text</a:t>
-              </a:r>
-              <a:endParaRPr lang="ko-KR" altLang="en-US" sz="1200" dirty="0">
-                <a:solidFill>
-                  <a:schemeClr val="bg1"/>
-                </a:solidFill>
-              </a:endParaRPr>
-            </a:p>
-          </p:txBody>
-        </p:sp>
-        <p:sp>
-          <p:nvSpPr>
-            <p:cNvPr id="29" name="말풍선: 사각형 28">
-              <a:extLst>
-                <a:ext uri="{FF2B5EF4-FFF2-40B4-BE49-F238E27FC236}">
-                  <a16:creationId xmlns:a16="http://schemas.microsoft.com/office/drawing/2014/main" id="{D31DFE9C-A9ED-E2F4-605E-E3DA13142F36}"/>
-                </a:ext>
-              </a:extLst>
-            </p:cNvPr>
-            <p:cNvSpPr/>
-            <p:nvPr/>
-          </p:nvSpPr>
-          <p:spPr>
-            <a:xfrm>
-              <a:off x="4990510" y="1032802"/>
-              <a:ext cx="2268582" cy="393630"/>
-            </a:xfrm>
-            <a:prstGeom prst="wedgeRectCallout">
-              <a:avLst>
-                <a:gd name="adj1" fmla="val 57814"/>
-                <a:gd name="adj2" fmla="val -21933"/>
-              </a:avLst>
-            </a:prstGeom>
-            <a:solidFill>
-              <a:srgbClr val="0070C0"/>
-            </a:solidFill>
-            <a:ln>
-              <a:solidFill>
-                <a:schemeClr val="tx1">
-                  <a:lumMod val="65000"/>
-                  <a:lumOff val="35000"/>
-                </a:schemeClr>
-              </a:solidFill>
-            </a:ln>
-          </p:spPr>
-          <p:style>
-            <a:lnRef idx="2">
-              <a:schemeClr val="accent1">
-                <a:shade val="15000"/>
-              </a:schemeClr>
-            </a:lnRef>
-            <a:fillRef idx="1">
-              <a:schemeClr val="accent1"/>
-            </a:fillRef>
-            <a:effectRef idx="0">
-              <a:schemeClr val="accent1"/>
-            </a:effectRef>
-            <a:fontRef idx="minor">
-              <a:schemeClr val="lt1"/>
-            </a:fontRef>
-          </p:style>
-          <p:txBody>
-            <a:bodyPr rtlCol="0" anchor="ctr"/>
-            <a:lstStyle/>
-            <a:p>
-              <a:pPr algn="ctr"/>
-              <a:r>
-                <a:rPr lang="ko-KR" altLang="en-US" sz="1200">
-                  <a:solidFill>
-                    <a:schemeClr val="bg1"/>
-                  </a:solidFill>
-                </a:rPr>
-                <a:t>답변 </a:t>
-              </a:r>
-              <a:r>
-                <a:rPr lang="en-US" altLang="ko-KR" sz="1200" dirty="0">
-                  <a:solidFill>
-                    <a:schemeClr val="bg1"/>
-                  </a:solidFill>
-                </a:rPr>
-                <a:t>Text</a:t>
-              </a:r>
-              <a:endParaRPr lang="ko-KR" altLang="en-US" sz="1200" dirty="0">
-                <a:solidFill>
-                  <a:schemeClr val="bg1"/>
-                </a:solidFill>
-              </a:endParaRPr>
-            </a:p>
-          </p:txBody>
-        </p:sp>
-        <p:grpSp>
-          <p:nvGrpSpPr>
-            <p:cNvPr id="30" name="그룹 29">
-              <a:extLst>
-                <a:ext uri="{FF2B5EF4-FFF2-40B4-BE49-F238E27FC236}">
-                  <a16:creationId xmlns:a16="http://schemas.microsoft.com/office/drawing/2014/main" id="{7D1321D6-73B0-8EBF-D6AE-DE04ACE271F4}"/>
-                </a:ext>
-              </a:extLst>
-            </p:cNvPr>
-            <p:cNvGrpSpPr/>
-            <p:nvPr/>
-          </p:nvGrpSpPr>
-          <p:grpSpPr>
-            <a:xfrm>
-              <a:off x="4498377" y="739121"/>
-              <a:ext cx="2979453" cy="429146"/>
-              <a:chOff x="4485125" y="987231"/>
-              <a:chExt cx="2979453" cy="429146"/>
-            </a:xfrm>
-          </p:grpSpPr>
-          <p:cxnSp>
-            <p:nvCxnSpPr>
-              <p:cNvPr id="31" name="직선 연결선 30">
-                <a:extLst>
-                  <a:ext uri="{FF2B5EF4-FFF2-40B4-BE49-F238E27FC236}">
-                    <a16:creationId xmlns:a16="http://schemas.microsoft.com/office/drawing/2014/main" id="{06896057-726A-764B-2FA1-4EAE0BE9E824}"/>
-                  </a:ext>
-                </a:extLst>
-              </p:cNvPr>
-              <p:cNvCxnSpPr>
-                <a:cxnSpLocks/>
-              </p:cNvCxnSpPr>
-              <p:nvPr/>
-            </p:nvCxnSpPr>
-            <p:spPr>
-              <a:xfrm>
-                <a:off x="4485125" y="1416377"/>
-                <a:ext cx="2979453" cy="0"/>
-              </a:xfrm>
-              <a:prstGeom prst="line">
-                <a:avLst/>
-              </a:prstGeom>
-            </p:spPr>
-            <p:style>
-              <a:lnRef idx="2">
-                <a:schemeClr val="accent1"/>
-              </a:lnRef>
-              <a:fillRef idx="0">
-                <a:schemeClr val="accent1"/>
-              </a:fillRef>
-              <a:effectRef idx="1">
-                <a:schemeClr val="accent1"/>
-              </a:effectRef>
-              <a:fontRef idx="minor">
-                <a:schemeClr val="tx1"/>
-              </a:fontRef>
-            </p:style>
-          </p:cxnSp>
-          <p:sp>
-            <p:nvSpPr>
-              <p:cNvPr id="32" name="직사각형 31">
-                <a:extLst>
-                  <a:ext uri="{FF2B5EF4-FFF2-40B4-BE49-F238E27FC236}">
-                    <a16:creationId xmlns:a16="http://schemas.microsoft.com/office/drawing/2014/main" id="{D02496DF-4F57-1A45-F2CF-B63340ADD089}"/>
-                  </a:ext>
-                </a:extLst>
-              </p:cNvPr>
-              <p:cNvSpPr/>
-              <p:nvPr/>
-            </p:nvSpPr>
-            <p:spPr>
-              <a:xfrm>
-                <a:off x="4515311" y="987231"/>
-                <a:ext cx="2916000" cy="420976"/>
-              </a:xfrm>
-              <a:prstGeom prst="rect">
-                <a:avLst/>
-              </a:prstGeom>
-              <a:solidFill>
-                <a:schemeClr val="bg1"/>
-              </a:solidFill>
-              <a:ln>
-                <a:noFill/>
-              </a:ln>
-            </p:spPr>
-            <p:style>
-              <a:lnRef idx="2">
-                <a:schemeClr val="accent1">
-                  <a:shade val="15000"/>
-                </a:schemeClr>
-              </a:lnRef>
-              <a:fillRef idx="1">
-                <a:schemeClr val="accent1"/>
-              </a:fillRef>
-              <a:effectRef idx="0">
-                <a:schemeClr val="accent1"/>
-              </a:effectRef>
-              <a:fontRef idx="minor">
-                <a:schemeClr val="lt1"/>
-              </a:fontRef>
-            </p:style>
-            <p:txBody>
-              <a:bodyPr rtlCol="0" anchor="ctr"/>
-              <a:lstStyle/>
-              <a:p>
-                <a:pPr algn="ctr"/>
-                <a:endParaRPr lang="ko-KR" altLang="en-US"/>
-              </a:p>
-            </p:txBody>
-          </p:sp>
-          <p:grpSp>
-            <p:nvGrpSpPr>
-              <p:cNvPr id="33" name="그룹 32">
-                <a:extLst>
-                  <a:ext uri="{FF2B5EF4-FFF2-40B4-BE49-F238E27FC236}">
-                    <a16:creationId xmlns:a16="http://schemas.microsoft.com/office/drawing/2014/main" id="{970D44B1-2BAA-6394-D7AD-9495EAA148A0}"/>
-                  </a:ext>
-                </a:extLst>
-              </p:cNvPr>
-              <p:cNvGrpSpPr/>
-              <p:nvPr/>
-            </p:nvGrpSpPr>
-            <p:grpSpPr>
-              <a:xfrm>
-                <a:off x="4495431" y="1024345"/>
-                <a:ext cx="1945576" cy="360000"/>
-                <a:chOff x="4495431" y="765089"/>
-                <a:chExt cx="1945576" cy="360000"/>
-              </a:xfrm>
-            </p:grpSpPr>
-            <p:sp>
-              <p:nvSpPr>
-                <p:cNvPr id="34" name="TextBox 33">
-                  <a:extLst>
-                    <a:ext uri="{FF2B5EF4-FFF2-40B4-BE49-F238E27FC236}">
-                      <a16:creationId xmlns:a16="http://schemas.microsoft.com/office/drawing/2014/main" id="{33D5B3B4-036C-DB6C-828C-98E4F977AC7D}"/>
-                    </a:ext>
-                  </a:extLst>
-                </p:cNvPr>
-                <p:cNvSpPr txBox="1"/>
-                <p:nvPr/>
-              </p:nvSpPr>
-              <p:spPr>
-                <a:xfrm>
-                  <a:off x="4747428" y="775812"/>
-                  <a:ext cx="1693579" cy="338554"/>
-                </a:xfrm>
-                <a:prstGeom prst="rect">
-                  <a:avLst/>
-                </a:prstGeom>
-                <a:noFill/>
-              </p:spPr>
-              <p:txBody>
-                <a:bodyPr wrap="square" anchor="ctr">
-                  <a:spAutoFit/>
-                </a:bodyPr>
-                <a:lstStyle/>
-                <a:p>
-                  <a:r>
-                    <a:rPr lang="en-US" altLang="ko-KR" sz="1600" dirty="0">
-                      <a:solidFill>
-                        <a:schemeClr val="tx1"/>
-                      </a:solidFill>
-                    </a:rPr>
-                    <a:t>NPC</a:t>
-                  </a:r>
-                  <a:r>
-                    <a:rPr lang="ko-KR" altLang="en-US" sz="1600" dirty="0">
-                      <a:solidFill>
-                        <a:schemeClr val="tx1"/>
-                      </a:solidFill>
-                    </a:rPr>
-                    <a:t>이름</a:t>
-                  </a:r>
-                  <a:endParaRPr lang="en-US" altLang="ko-KR" sz="1600" dirty="0">
-                    <a:solidFill>
-                      <a:schemeClr val="tx1"/>
-                    </a:solidFill>
-                  </a:endParaRPr>
-                </a:p>
-              </p:txBody>
-            </p:sp>
-            <p:pic>
-              <p:nvPicPr>
-                <p:cNvPr id="35" name="그래픽 34" descr="왼쪽 캐럿 단색으로 채워진">
-                  <a:extLst>
-                    <a:ext uri="{FF2B5EF4-FFF2-40B4-BE49-F238E27FC236}">
-                      <a16:creationId xmlns:a16="http://schemas.microsoft.com/office/drawing/2014/main" id="{4AA4A408-F807-6DBE-5F7B-C882BAC0A0DA}"/>
-                    </a:ext>
-                  </a:extLst>
-                </p:cNvPr>
-                <p:cNvPicPr>
-                  <a:picLocks noChangeAspect="1"/>
-                </p:cNvPicPr>
-                <p:nvPr/>
-              </p:nvPicPr>
-              <p:blipFill>
-                <a:blip r:embed="rId2">
-                  <a:extLst>
-                    <a:ext uri="{96DAC541-7B7A-43D3-8B79-37D633B846F1}">
-                      <asvg:svgBlip xmlns:asvg="http://schemas.microsoft.com/office/drawing/2016/SVG/main" r:embed="rId3"/>
-                    </a:ext>
-                  </a:extLst>
-                </a:blip>
-                <a:stretch>
-                  <a:fillRect/>
-                </a:stretch>
-              </p:blipFill>
-              <p:spPr>
-                <a:xfrm>
-                  <a:off x="4495431" y="765089"/>
-                  <a:ext cx="360000" cy="360000"/>
-                </a:xfrm>
-                <a:prstGeom prst="rect">
-                  <a:avLst/>
-                </a:prstGeom>
-              </p:spPr>
-            </p:pic>
-          </p:grpSp>
-        </p:grpSp>
-      </p:grpSp>
-      <p:sp>
-        <p:nvSpPr>
-          <p:cNvPr id="40" name="화살표: 오른쪽 39">
-            <a:extLst>
-              <a:ext uri="{FF2B5EF4-FFF2-40B4-BE49-F238E27FC236}">
-                <a16:creationId xmlns:a16="http://schemas.microsoft.com/office/drawing/2014/main" id="{D0ED2EA3-7D32-76E6-7DC5-7E2ABE8F9F1F}"/>
-              </a:ext>
-            </a:extLst>
-          </p:cNvPr>
-          <p:cNvSpPr/>
-          <p:nvPr/>
-        </p:nvSpPr>
-        <p:spPr>
-          <a:xfrm>
-            <a:off x="5058197" y="2745478"/>
-            <a:ext cx="1270828" cy="925179"/>
-          </a:xfrm>
-          <a:prstGeom prst="rightArrow">
-            <a:avLst/>
-          </a:prstGeom>
-        </p:spPr>
-        <p:style>
-          <a:lnRef idx="2">
-            <a:schemeClr val="accent1">
-              <a:shade val="15000"/>
-            </a:schemeClr>
-          </a:lnRef>
-          <a:fillRef idx="1">
-            <a:schemeClr val="accent1"/>
-          </a:fillRef>
-          <a:effectRef idx="0">
-            <a:schemeClr val="accent1"/>
-          </a:effectRef>
-          <a:fontRef idx="minor">
-            <a:schemeClr val="lt1"/>
-          </a:fontRef>
-        </p:style>
-        <p:txBody>
-          <a:bodyPr rtlCol="0" anchor="ctr"/>
-          <a:lstStyle/>
-          <a:p>
-            <a:pPr algn="ctr"/>
-            <a:endParaRPr lang="ko-KR" altLang="en-US"/>
-          </a:p>
-        </p:txBody>
-      </p:sp>
-    </p:spTree>
-    <p:extLst>
-      <p:ext uri="{BB962C8B-B14F-4D97-AF65-F5344CB8AC3E}">
-        <p14:creationId xmlns:p14="http://schemas.microsoft.com/office/powerpoint/2010/main" val="2239650667"/>
-      </p:ext>
-    </p:extLst>
-  </p:cSld>
-  <p:clrMapOvr>
-    <a:masterClrMapping/>
-  </p:clrMapOvr>
-</p:sld>
-</file>
-
 <file path=ppt/theme/theme1.xml><?xml version="1.0" encoding="utf-8"?>
 <a:theme xmlns:a="http://schemas.openxmlformats.org/drawingml/2006/main" name="Office 테마">
   <a:themeElements>

--- a/document/UI.pptx
+++ b/document/UI.pptx
@@ -231,7 +231,7 @@
           <a:p>
             <a:fld id="{5B07C18C-424A-405D-A330-3E94CEE48B39}" type="datetimeFigureOut">
               <a:rPr lang="ko-KR" altLang="en-US" smtClean="0"/>
-              <a:t>2025-02-20</a:t>
+              <a:t>2025-02-21</a:t>
             </a:fld>
             <a:endParaRPr lang="ko-KR" altLang="en-US"/>
           </a:p>
@@ -921,7 +921,7 @@
           <a:p>
             <a:fld id="{FD51FDC7-0CF3-4127-99F5-543E4DDB1909}" type="datetimeFigureOut">
               <a:rPr lang="ko-KR" altLang="en-US" smtClean="0"/>
-              <a:t>2025-02-20</a:t>
+              <a:t>2025-02-21</a:t>
             </a:fld>
             <a:endParaRPr lang="ko-KR" altLang="en-US"/>
           </a:p>
@@ -1119,7 +1119,7 @@
           <a:p>
             <a:fld id="{FD51FDC7-0CF3-4127-99F5-543E4DDB1909}" type="datetimeFigureOut">
               <a:rPr lang="ko-KR" altLang="en-US" smtClean="0"/>
-              <a:t>2025-02-20</a:t>
+              <a:t>2025-02-21</a:t>
             </a:fld>
             <a:endParaRPr lang="ko-KR" altLang="en-US"/>
           </a:p>
@@ -1327,7 +1327,7 @@
           <a:p>
             <a:fld id="{FD51FDC7-0CF3-4127-99F5-543E4DDB1909}" type="datetimeFigureOut">
               <a:rPr lang="ko-KR" altLang="en-US" smtClean="0"/>
-              <a:t>2025-02-20</a:t>
+              <a:t>2025-02-21</a:t>
             </a:fld>
             <a:endParaRPr lang="ko-KR" altLang="en-US"/>
           </a:p>
@@ -1525,7 +1525,7 @@
           <a:p>
             <a:fld id="{FD51FDC7-0CF3-4127-99F5-543E4DDB1909}" type="datetimeFigureOut">
               <a:rPr lang="ko-KR" altLang="en-US" smtClean="0"/>
-              <a:t>2025-02-20</a:t>
+              <a:t>2025-02-21</a:t>
             </a:fld>
             <a:endParaRPr lang="ko-KR" altLang="en-US"/>
           </a:p>
@@ -1800,7 +1800,7 @@
           <a:p>
             <a:fld id="{FD51FDC7-0CF3-4127-99F5-543E4DDB1909}" type="datetimeFigureOut">
               <a:rPr lang="ko-KR" altLang="en-US" smtClean="0"/>
-              <a:t>2025-02-20</a:t>
+              <a:t>2025-02-21</a:t>
             </a:fld>
             <a:endParaRPr lang="ko-KR" altLang="en-US"/>
           </a:p>
@@ -2065,7 +2065,7 @@
           <a:p>
             <a:fld id="{FD51FDC7-0CF3-4127-99F5-543E4DDB1909}" type="datetimeFigureOut">
               <a:rPr lang="ko-KR" altLang="en-US" smtClean="0"/>
-              <a:t>2025-02-20</a:t>
+              <a:t>2025-02-21</a:t>
             </a:fld>
             <a:endParaRPr lang="ko-KR" altLang="en-US"/>
           </a:p>
@@ -2477,7 +2477,7 @@
           <a:p>
             <a:fld id="{FD51FDC7-0CF3-4127-99F5-543E4DDB1909}" type="datetimeFigureOut">
               <a:rPr lang="ko-KR" altLang="en-US" smtClean="0"/>
-              <a:t>2025-02-20</a:t>
+              <a:t>2025-02-21</a:t>
             </a:fld>
             <a:endParaRPr lang="ko-KR" altLang="en-US"/>
           </a:p>
@@ -2618,7 +2618,7 @@
           <a:p>
             <a:fld id="{FD51FDC7-0CF3-4127-99F5-543E4DDB1909}" type="datetimeFigureOut">
               <a:rPr lang="ko-KR" altLang="en-US" smtClean="0"/>
-              <a:t>2025-02-20</a:t>
+              <a:t>2025-02-21</a:t>
             </a:fld>
             <a:endParaRPr lang="ko-KR" altLang="en-US"/>
           </a:p>
@@ -2731,7 +2731,7 @@
           <a:p>
             <a:fld id="{FD51FDC7-0CF3-4127-99F5-543E4DDB1909}" type="datetimeFigureOut">
               <a:rPr lang="ko-KR" altLang="en-US" smtClean="0"/>
-              <a:t>2025-02-20</a:t>
+              <a:t>2025-02-21</a:t>
             </a:fld>
             <a:endParaRPr lang="ko-KR" altLang="en-US"/>
           </a:p>
@@ -3042,7 +3042,7 @@
           <a:p>
             <a:fld id="{FD51FDC7-0CF3-4127-99F5-543E4DDB1909}" type="datetimeFigureOut">
               <a:rPr lang="ko-KR" altLang="en-US" smtClean="0"/>
-              <a:t>2025-02-20</a:t>
+              <a:t>2025-02-21</a:t>
             </a:fld>
             <a:endParaRPr lang="ko-KR" altLang="en-US"/>
           </a:p>
@@ -3330,7 +3330,7 @@
           <a:p>
             <a:fld id="{FD51FDC7-0CF3-4127-99F5-543E4DDB1909}" type="datetimeFigureOut">
               <a:rPr lang="ko-KR" altLang="en-US" smtClean="0"/>
-              <a:t>2025-02-20</a:t>
+              <a:t>2025-02-21</a:t>
             </a:fld>
             <a:endParaRPr lang="ko-KR" altLang="en-US"/>
           </a:p>
@@ -3571,7 +3571,7 @@
           <a:p>
             <a:fld id="{FD51FDC7-0CF3-4127-99F5-543E4DDB1909}" type="datetimeFigureOut">
               <a:rPr lang="ko-KR" altLang="en-US" smtClean="0"/>
-              <a:t>2025-02-20</a:t>
+              <a:t>2025-02-21</a:t>
             </a:fld>
             <a:endParaRPr lang="ko-KR" altLang="en-US"/>
           </a:p>
@@ -40869,76 +40869,6 @@
           </p:sp>
         </p:grpSp>
       </p:grpSp>
-      <p:sp>
-        <p:nvSpPr>
-          <p:cNvPr id="48" name="사각형: 둥근 모서리 47">
-            <a:extLst>
-              <a:ext uri="{FF2B5EF4-FFF2-40B4-BE49-F238E27FC236}">
-                <a16:creationId xmlns:a16="http://schemas.microsoft.com/office/drawing/2014/main" id="{B76FB605-9B2F-D926-E0CB-B25337B12CE0}"/>
-              </a:ext>
-            </a:extLst>
-          </p:cNvPr>
-          <p:cNvSpPr/>
-          <p:nvPr/>
-        </p:nvSpPr>
-        <p:spPr>
-          <a:xfrm>
-            <a:off x="4911290" y="5614794"/>
-            <a:ext cx="2131431" cy="416001"/>
-          </a:xfrm>
-          <a:prstGeom prst="roundRect">
-            <a:avLst>
-              <a:gd name="adj" fmla="val 50000"/>
-            </a:avLst>
-          </a:prstGeom>
-          <a:solidFill>
-            <a:schemeClr val="accent4">
-              <a:lumMod val="40000"/>
-              <a:lumOff val="60000"/>
-            </a:schemeClr>
-          </a:solidFill>
-        </p:spPr>
-        <p:style>
-          <a:lnRef idx="2">
-            <a:schemeClr val="accent1">
-              <a:shade val="15000"/>
-            </a:schemeClr>
-          </a:lnRef>
-          <a:fillRef idx="1">
-            <a:schemeClr val="accent1"/>
-          </a:fillRef>
-          <a:effectRef idx="0">
-            <a:schemeClr val="accent1"/>
-          </a:effectRef>
-          <a:fontRef idx="minor">
-            <a:schemeClr val="lt1"/>
-          </a:fontRef>
-        </p:style>
-        <p:txBody>
-          <a:bodyPr rtlCol="0" anchor="ctr"/>
-          <a:lstStyle/>
-          <a:p>
-            <a:pPr algn="ctr"/>
-            <a:r>
-              <a:rPr lang="en-US" altLang="ko-KR" b="1" dirty="0">
-                <a:solidFill>
-                  <a:schemeClr val="tx1"/>
-                </a:solidFill>
-                <a:latin typeface="메이플스토리 OTF" panose="02000300000000000000" pitchFamily="50" charset="-127"/>
-                <a:ea typeface="메이플스토리 OTF" panose="02000300000000000000" pitchFamily="50" charset="-127"/>
-              </a:rPr>
-              <a:t>1/3</a:t>
-            </a:r>
-            <a:endParaRPr lang="ko-KR" altLang="en-US" b="1" dirty="0">
-              <a:solidFill>
-                <a:schemeClr val="tx1"/>
-              </a:solidFill>
-              <a:latin typeface="메이플스토리 OTF" panose="02000300000000000000" pitchFamily="50" charset="-127"/>
-              <a:ea typeface="메이플스토리 OTF" panose="02000300000000000000" pitchFamily="50" charset="-127"/>
-            </a:endParaRPr>
-          </a:p>
-        </p:txBody>
-      </p:sp>
     </p:spTree>
     <p:extLst>
       <p:ext uri="{BB962C8B-B14F-4D97-AF65-F5344CB8AC3E}">
@@ -41701,341 +41631,6 @@
           </p:sp>
         </p:grpSp>
       </p:grpSp>
-      <p:grpSp>
-        <p:nvGrpSpPr>
-          <p:cNvPr id="32" name="그룹 31">
-            <a:extLst>
-              <a:ext uri="{FF2B5EF4-FFF2-40B4-BE49-F238E27FC236}">
-                <a16:creationId xmlns:a16="http://schemas.microsoft.com/office/drawing/2014/main" id="{0896757C-BC52-6279-C236-E16D2E5291A6}"/>
-              </a:ext>
-            </a:extLst>
-          </p:cNvPr>
-          <p:cNvGrpSpPr/>
-          <p:nvPr/>
-        </p:nvGrpSpPr>
-        <p:grpSpPr>
-          <a:xfrm>
-            <a:off x="4911290" y="5614794"/>
-            <a:ext cx="2131431" cy="416001"/>
-            <a:chOff x="4904034" y="5614794"/>
-            <a:chExt cx="2131431" cy="416001"/>
-          </a:xfrm>
-        </p:grpSpPr>
-        <p:sp>
-          <p:nvSpPr>
-            <p:cNvPr id="22" name="사각형: 둥근 모서리 21">
-              <a:extLst>
-                <a:ext uri="{FF2B5EF4-FFF2-40B4-BE49-F238E27FC236}">
-                  <a16:creationId xmlns:a16="http://schemas.microsoft.com/office/drawing/2014/main" id="{D8C78CC2-4A77-1BF3-5000-A8C07C86202B}"/>
-                </a:ext>
-              </a:extLst>
-            </p:cNvPr>
-            <p:cNvSpPr/>
-            <p:nvPr/>
-          </p:nvSpPr>
-          <p:spPr>
-            <a:xfrm>
-              <a:off x="4904034" y="5614794"/>
-              <a:ext cx="2131431" cy="416001"/>
-            </a:xfrm>
-            <a:prstGeom prst="roundRect">
-              <a:avLst>
-                <a:gd name="adj" fmla="val 50000"/>
-              </a:avLst>
-            </a:prstGeom>
-            <a:solidFill>
-              <a:schemeClr val="accent4">
-                <a:lumMod val="40000"/>
-                <a:lumOff val="60000"/>
-              </a:schemeClr>
-            </a:solidFill>
-          </p:spPr>
-          <p:style>
-            <a:lnRef idx="2">
-              <a:schemeClr val="accent1">
-                <a:shade val="15000"/>
-              </a:schemeClr>
-            </a:lnRef>
-            <a:fillRef idx="1">
-              <a:schemeClr val="accent1"/>
-            </a:fillRef>
-            <a:effectRef idx="0">
-              <a:schemeClr val="accent1"/>
-            </a:effectRef>
-            <a:fontRef idx="minor">
-              <a:schemeClr val="lt1"/>
-            </a:fontRef>
-          </p:style>
-          <p:txBody>
-            <a:bodyPr rtlCol="0" anchor="ctr"/>
-            <a:lstStyle/>
-            <a:p>
-              <a:pPr algn="ctr"/>
-              <a:r>
-                <a:rPr lang="en-US" altLang="ko-KR" b="1" dirty="0">
-                  <a:solidFill>
-                    <a:schemeClr val="tx1"/>
-                  </a:solidFill>
-                  <a:latin typeface="메이플스토리 OTF" panose="02000300000000000000" pitchFamily="50" charset="-127"/>
-                  <a:ea typeface="메이플스토리 OTF" panose="02000300000000000000" pitchFamily="50" charset="-127"/>
-                </a:rPr>
-                <a:t>2/3</a:t>
-              </a:r>
-              <a:endParaRPr lang="ko-KR" altLang="en-US" b="1" dirty="0">
-                <a:solidFill>
-                  <a:schemeClr val="tx1"/>
-                </a:solidFill>
-                <a:latin typeface="메이플스토리 OTF" panose="02000300000000000000" pitchFamily="50" charset="-127"/>
-                <a:ea typeface="메이플스토리 OTF" panose="02000300000000000000" pitchFamily="50" charset="-127"/>
-              </a:endParaRPr>
-            </a:p>
-          </p:txBody>
-        </p:sp>
-        <p:grpSp>
-          <p:nvGrpSpPr>
-            <p:cNvPr id="23" name="그룹 22">
-              <a:extLst>
-                <a:ext uri="{FF2B5EF4-FFF2-40B4-BE49-F238E27FC236}">
-                  <a16:creationId xmlns:a16="http://schemas.microsoft.com/office/drawing/2014/main" id="{FC244C13-0C02-A9AD-4385-2AF11E63E3CA}"/>
-                </a:ext>
-              </a:extLst>
-            </p:cNvPr>
-            <p:cNvGrpSpPr/>
-            <p:nvPr/>
-          </p:nvGrpSpPr>
-          <p:grpSpPr>
-            <a:xfrm>
-              <a:off x="4952442" y="5643000"/>
-              <a:ext cx="571998" cy="359589"/>
-              <a:chOff x="3919491" y="5962743"/>
-              <a:chExt cx="571998" cy="359589"/>
-            </a:xfrm>
-          </p:grpSpPr>
-          <p:sp>
-            <p:nvSpPr>
-              <p:cNvPr id="24" name="사각형: 둥근 모서리 23">
-                <a:extLst>
-                  <a:ext uri="{FF2B5EF4-FFF2-40B4-BE49-F238E27FC236}">
-                    <a16:creationId xmlns:a16="http://schemas.microsoft.com/office/drawing/2014/main" id="{98A94D03-72FE-55E2-7DDB-1CA522BB3F4C}"/>
-                  </a:ext>
-                </a:extLst>
-              </p:cNvPr>
-              <p:cNvSpPr/>
-              <p:nvPr/>
-            </p:nvSpPr>
-            <p:spPr>
-              <a:xfrm>
-                <a:off x="3919491" y="5962743"/>
-                <a:ext cx="571998" cy="359589"/>
-              </a:xfrm>
-              <a:prstGeom prst="roundRect">
-                <a:avLst>
-                  <a:gd name="adj" fmla="val 50000"/>
-                </a:avLst>
-              </a:prstGeom>
-              <a:solidFill>
-                <a:schemeClr val="accent1">
-                  <a:lumMod val="60000"/>
-                  <a:lumOff val="40000"/>
-                </a:schemeClr>
-              </a:solidFill>
-              <a:ln>
-                <a:solidFill>
-                  <a:srgbClr val="0070C0"/>
-                </a:solidFill>
-              </a:ln>
-            </p:spPr>
-            <p:style>
-              <a:lnRef idx="2">
-                <a:schemeClr val="accent1">
-                  <a:shade val="15000"/>
-                </a:schemeClr>
-              </a:lnRef>
-              <a:fillRef idx="1">
-                <a:schemeClr val="accent1"/>
-              </a:fillRef>
-              <a:effectRef idx="0">
-                <a:schemeClr val="accent1"/>
-              </a:effectRef>
-              <a:fontRef idx="minor">
-                <a:schemeClr val="lt1"/>
-              </a:fontRef>
-            </p:style>
-            <p:txBody>
-              <a:bodyPr rtlCol="0" anchor="ctr"/>
-              <a:lstStyle/>
-              <a:p>
-                <a:pPr algn="ctr"/>
-                <a:endParaRPr lang="ko-KR" altLang="en-US" dirty="0">
-                  <a:solidFill>
-                    <a:schemeClr val="tx1"/>
-                  </a:solidFill>
-                  <a:latin typeface="메이플스토리 OTF" panose="02000300000000000000" pitchFamily="50" charset="-127"/>
-                  <a:ea typeface="메이플스토리 OTF" panose="02000300000000000000" pitchFamily="50" charset="-127"/>
-                </a:endParaRPr>
-              </a:p>
-            </p:txBody>
-          </p:sp>
-          <p:pic>
-            <p:nvPicPr>
-              <p:cNvPr id="25" name="그림 24">
-                <a:extLst>
-                  <a:ext uri="{FF2B5EF4-FFF2-40B4-BE49-F238E27FC236}">
-                    <a16:creationId xmlns:a16="http://schemas.microsoft.com/office/drawing/2014/main" id="{9AAC4C0F-C6E3-EDA3-33CD-F3B7A524FD84}"/>
-                  </a:ext>
-                </a:extLst>
-              </p:cNvPr>
-              <p:cNvPicPr>
-                <a:picLocks noChangeAspect="1"/>
-              </p:cNvPicPr>
-              <p:nvPr/>
-            </p:nvPicPr>
-            <p:blipFill>
-              <a:blip r:embed="rId8">
-                <a:extLst>
-                  <a:ext uri="{28A0092B-C50C-407E-A947-70E740481C1C}">
-                    <a14:useLocalDpi xmlns:a14="http://schemas.microsoft.com/office/drawing/2010/main" val="0"/>
-                  </a:ext>
-                </a:extLst>
-              </a:blip>
-              <a:stretch>
-                <a:fillRect/>
-              </a:stretch>
-            </p:blipFill>
-            <p:spPr>
-              <a:xfrm>
-                <a:off x="4110240" y="6009187"/>
-                <a:ext cx="190500" cy="266700"/>
-              </a:xfrm>
-              <a:prstGeom prst="rect">
-                <a:avLst/>
-              </a:prstGeom>
-            </p:spPr>
-          </p:pic>
-        </p:grpSp>
-        <p:grpSp>
-          <p:nvGrpSpPr>
-            <p:cNvPr id="29" name="그룹 28">
-              <a:extLst>
-                <a:ext uri="{FF2B5EF4-FFF2-40B4-BE49-F238E27FC236}">
-                  <a16:creationId xmlns:a16="http://schemas.microsoft.com/office/drawing/2014/main" id="{15EBC55B-7AE0-ECF4-6082-E16C0FBC42C3}"/>
-                </a:ext>
-              </a:extLst>
-            </p:cNvPr>
-            <p:cNvGrpSpPr/>
-            <p:nvPr/>
-          </p:nvGrpSpPr>
-          <p:grpSpPr>
-            <a:xfrm rot="10800000">
-              <a:off x="6417128" y="5642999"/>
-              <a:ext cx="571998" cy="359589"/>
-              <a:chOff x="3919491" y="5962743"/>
-              <a:chExt cx="571998" cy="359589"/>
-            </a:xfrm>
-          </p:grpSpPr>
-          <p:sp>
-            <p:nvSpPr>
-              <p:cNvPr id="30" name="사각형: 둥근 모서리 29">
-                <a:extLst>
-                  <a:ext uri="{FF2B5EF4-FFF2-40B4-BE49-F238E27FC236}">
-                    <a16:creationId xmlns:a16="http://schemas.microsoft.com/office/drawing/2014/main" id="{356A2BC9-5A90-E0C9-0971-6557F6AD056D}"/>
-                  </a:ext>
-                </a:extLst>
-              </p:cNvPr>
-              <p:cNvSpPr/>
-              <p:nvPr/>
-            </p:nvSpPr>
-            <p:spPr>
-              <a:xfrm>
-                <a:off x="3919491" y="5962743"/>
-                <a:ext cx="571998" cy="359589"/>
-              </a:xfrm>
-              <a:prstGeom prst="roundRect">
-                <a:avLst>
-                  <a:gd name="adj" fmla="val 50000"/>
-                </a:avLst>
-              </a:prstGeom>
-              <a:solidFill>
-                <a:schemeClr val="accent1">
-                  <a:lumMod val="60000"/>
-                  <a:lumOff val="40000"/>
-                </a:schemeClr>
-              </a:solidFill>
-              <a:ln>
-                <a:solidFill>
-                  <a:srgbClr val="0070C0"/>
-                </a:solidFill>
-              </a:ln>
-            </p:spPr>
-            <p:style>
-              <a:lnRef idx="2">
-                <a:schemeClr val="accent1">
-                  <a:shade val="15000"/>
-                </a:schemeClr>
-              </a:lnRef>
-              <a:fillRef idx="1">
-                <a:schemeClr val="accent1"/>
-              </a:fillRef>
-              <a:effectRef idx="0">
-                <a:schemeClr val="accent1"/>
-              </a:effectRef>
-              <a:fontRef idx="minor">
-                <a:schemeClr val="lt1"/>
-              </a:fontRef>
-            </p:style>
-            <p:txBody>
-              <a:bodyPr rtlCol="0" anchor="ctr"/>
-              <a:lstStyle/>
-              <a:p>
-                <a:pPr algn="ctr"/>
-                <a:endParaRPr lang="ko-KR" altLang="en-US" dirty="0">
-                  <a:solidFill>
-                    <a:schemeClr val="tx1"/>
-                  </a:solidFill>
-                  <a:latin typeface="메이플스토리 OTF" panose="02000300000000000000" pitchFamily="50" charset="-127"/>
-                  <a:ea typeface="메이플스토리 OTF" panose="02000300000000000000" pitchFamily="50" charset="-127"/>
-                </a:endParaRPr>
-              </a:p>
-            </p:txBody>
-          </p:sp>
-          <p:pic>
-            <p:nvPicPr>
-              <p:cNvPr id="31" name="그림 30">
-                <a:extLst>
-                  <a:ext uri="{FF2B5EF4-FFF2-40B4-BE49-F238E27FC236}">
-                    <a16:creationId xmlns:a16="http://schemas.microsoft.com/office/drawing/2014/main" id="{3841B6BC-D612-A21E-94B2-5B4F45EBCBB8}"/>
-                  </a:ext>
-                </a:extLst>
-              </p:cNvPr>
-              <p:cNvPicPr>
-                <a:picLocks noChangeAspect="1"/>
-              </p:cNvPicPr>
-              <p:nvPr/>
-            </p:nvPicPr>
-            <p:blipFill>
-              <a:blip r:embed="rId8">
-                <a:extLst>
-                  <a:ext uri="{28A0092B-C50C-407E-A947-70E740481C1C}">
-                    <a14:useLocalDpi xmlns:a14="http://schemas.microsoft.com/office/drawing/2010/main" val="0"/>
-                  </a:ext>
-                </a:extLst>
-              </a:blip>
-              <a:stretch>
-                <a:fillRect/>
-              </a:stretch>
-            </p:blipFill>
-            <p:spPr>
-              <a:xfrm>
-                <a:off x="4110240" y="6009187"/>
-                <a:ext cx="190500" cy="266700"/>
-              </a:xfrm>
-              <a:prstGeom prst="rect">
-                <a:avLst/>
-              </a:prstGeom>
-            </p:spPr>
-          </p:pic>
-        </p:grpSp>
-      </p:grpSp>
     </p:spTree>
     <p:extLst>
       <p:ext uri="{BB962C8B-B14F-4D97-AF65-F5344CB8AC3E}">
@@ -42377,341 +41972,6 @@
       </p:sp>
       <p:grpSp>
         <p:nvGrpSpPr>
-          <p:cNvPr id="3" name="그룹 2">
-            <a:extLst>
-              <a:ext uri="{FF2B5EF4-FFF2-40B4-BE49-F238E27FC236}">
-                <a16:creationId xmlns:a16="http://schemas.microsoft.com/office/drawing/2014/main" id="{7393CA9D-E793-6905-2833-D599510175E3}"/>
-              </a:ext>
-            </a:extLst>
-          </p:cNvPr>
-          <p:cNvGrpSpPr/>
-          <p:nvPr/>
-        </p:nvGrpSpPr>
-        <p:grpSpPr>
-          <a:xfrm>
-            <a:off x="4911290" y="5614794"/>
-            <a:ext cx="2131431" cy="416001"/>
-            <a:chOff x="4911290" y="5614794"/>
-            <a:chExt cx="2131431" cy="416001"/>
-          </a:xfrm>
-        </p:grpSpPr>
-        <p:sp>
-          <p:nvSpPr>
-            <p:cNvPr id="15" name="사각형: 둥근 모서리 14">
-              <a:extLst>
-                <a:ext uri="{FF2B5EF4-FFF2-40B4-BE49-F238E27FC236}">
-                  <a16:creationId xmlns:a16="http://schemas.microsoft.com/office/drawing/2014/main" id="{1A80BCEA-0C84-1DB9-D09E-A9270B2188D5}"/>
-                </a:ext>
-              </a:extLst>
-            </p:cNvPr>
-            <p:cNvSpPr/>
-            <p:nvPr/>
-          </p:nvSpPr>
-          <p:spPr>
-            <a:xfrm>
-              <a:off x="4911290" y="5614794"/>
-              <a:ext cx="2131431" cy="416001"/>
-            </a:xfrm>
-            <a:prstGeom prst="roundRect">
-              <a:avLst>
-                <a:gd name="adj" fmla="val 50000"/>
-              </a:avLst>
-            </a:prstGeom>
-            <a:solidFill>
-              <a:schemeClr val="accent4">
-                <a:lumMod val="40000"/>
-                <a:lumOff val="60000"/>
-              </a:schemeClr>
-            </a:solidFill>
-          </p:spPr>
-          <p:style>
-            <a:lnRef idx="2">
-              <a:schemeClr val="accent1">
-                <a:shade val="15000"/>
-              </a:schemeClr>
-            </a:lnRef>
-            <a:fillRef idx="1">
-              <a:schemeClr val="accent1"/>
-            </a:fillRef>
-            <a:effectRef idx="0">
-              <a:schemeClr val="accent1"/>
-            </a:effectRef>
-            <a:fontRef idx="minor">
-              <a:schemeClr val="lt1"/>
-            </a:fontRef>
-          </p:style>
-          <p:txBody>
-            <a:bodyPr rtlCol="0" anchor="ctr"/>
-            <a:lstStyle/>
-            <a:p>
-              <a:pPr algn="ctr"/>
-              <a:r>
-                <a:rPr lang="en-US" altLang="ko-KR" b="1" dirty="0">
-                  <a:solidFill>
-                    <a:schemeClr val="tx1"/>
-                  </a:solidFill>
-                  <a:latin typeface="메이플스토리 OTF" panose="02000300000000000000" pitchFamily="50" charset="-127"/>
-                  <a:ea typeface="메이플스토리 OTF" panose="02000300000000000000" pitchFamily="50" charset="-127"/>
-                </a:rPr>
-                <a:t>3/3</a:t>
-              </a:r>
-              <a:endParaRPr lang="ko-KR" altLang="en-US" b="1" dirty="0">
-                <a:solidFill>
-                  <a:schemeClr val="tx1"/>
-                </a:solidFill>
-                <a:latin typeface="메이플스토리 OTF" panose="02000300000000000000" pitchFamily="50" charset="-127"/>
-                <a:ea typeface="메이플스토리 OTF" panose="02000300000000000000" pitchFamily="50" charset="-127"/>
-              </a:endParaRPr>
-            </a:p>
-          </p:txBody>
-        </p:sp>
-        <p:grpSp>
-          <p:nvGrpSpPr>
-            <p:cNvPr id="16" name="그룹 15">
-              <a:extLst>
-                <a:ext uri="{FF2B5EF4-FFF2-40B4-BE49-F238E27FC236}">
-                  <a16:creationId xmlns:a16="http://schemas.microsoft.com/office/drawing/2014/main" id="{3B9FBC90-726B-8B44-1C76-E4AA30295AF4}"/>
-                </a:ext>
-              </a:extLst>
-            </p:cNvPr>
-            <p:cNvGrpSpPr/>
-            <p:nvPr/>
-          </p:nvGrpSpPr>
-          <p:grpSpPr>
-            <a:xfrm>
-              <a:off x="4959698" y="5643000"/>
-              <a:ext cx="571998" cy="359589"/>
-              <a:chOff x="3919491" y="5962743"/>
-              <a:chExt cx="571998" cy="359589"/>
-            </a:xfrm>
-          </p:grpSpPr>
-          <p:sp>
-            <p:nvSpPr>
-              <p:cNvPr id="21" name="사각형: 둥근 모서리 20">
-                <a:extLst>
-                  <a:ext uri="{FF2B5EF4-FFF2-40B4-BE49-F238E27FC236}">
-                    <a16:creationId xmlns:a16="http://schemas.microsoft.com/office/drawing/2014/main" id="{AFDCE7BE-A3FF-15C7-8348-EC57B11CFC50}"/>
-                  </a:ext>
-                </a:extLst>
-              </p:cNvPr>
-              <p:cNvSpPr/>
-              <p:nvPr/>
-            </p:nvSpPr>
-            <p:spPr>
-              <a:xfrm>
-                <a:off x="3919491" y="5962743"/>
-                <a:ext cx="571998" cy="359589"/>
-              </a:xfrm>
-              <a:prstGeom prst="roundRect">
-                <a:avLst>
-                  <a:gd name="adj" fmla="val 50000"/>
-                </a:avLst>
-              </a:prstGeom>
-              <a:solidFill>
-                <a:schemeClr val="accent1">
-                  <a:lumMod val="60000"/>
-                  <a:lumOff val="40000"/>
-                </a:schemeClr>
-              </a:solidFill>
-              <a:ln>
-                <a:solidFill>
-                  <a:srgbClr val="0070C0"/>
-                </a:solidFill>
-              </a:ln>
-            </p:spPr>
-            <p:style>
-              <a:lnRef idx="2">
-                <a:schemeClr val="accent1">
-                  <a:shade val="15000"/>
-                </a:schemeClr>
-              </a:lnRef>
-              <a:fillRef idx="1">
-                <a:schemeClr val="accent1"/>
-              </a:fillRef>
-              <a:effectRef idx="0">
-                <a:schemeClr val="accent1"/>
-              </a:effectRef>
-              <a:fontRef idx="minor">
-                <a:schemeClr val="lt1"/>
-              </a:fontRef>
-            </p:style>
-            <p:txBody>
-              <a:bodyPr rtlCol="0" anchor="ctr"/>
-              <a:lstStyle/>
-              <a:p>
-                <a:pPr algn="ctr"/>
-                <a:endParaRPr lang="ko-KR" altLang="en-US" dirty="0">
-                  <a:solidFill>
-                    <a:schemeClr val="tx1"/>
-                  </a:solidFill>
-                  <a:latin typeface="메이플스토리 OTF" panose="02000300000000000000" pitchFamily="50" charset="-127"/>
-                  <a:ea typeface="메이플스토리 OTF" panose="02000300000000000000" pitchFamily="50" charset="-127"/>
-                </a:endParaRPr>
-              </a:p>
-            </p:txBody>
-          </p:sp>
-          <p:pic>
-            <p:nvPicPr>
-              <p:cNvPr id="22" name="그림 21">
-                <a:extLst>
-                  <a:ext uri="{FF2B5EF4-FFF2-40B4-BE49-F238E27FC236}">
-                    <a16:creationId xmlns:a16="http://schemas.microsoft.com/office/drawing/2014/main" id="{1D19AE65-3F65-9996-E99F-7E3C4C104154}"/>
-                  </a:ext>
-                </a:extLst>
-              </p:cNvPr>
-              <p:cNvPicPr>
-                <a:picLocks noChangeAspect="1"/>
-              </p:cNvPicPr>
-              <p:nvPr/>
-            </p:nvPicPr>
-            <p:blipFill>
-              <a:blip r:embed="rId2">
-                <a:extLst>
-                  <a:ext uri="{28A0092B-C50C-407E-A947-70E740481C1C}">
-                    <a14:useLocalDpi xmlns:a14="http://schemas.microsoft.com/office/drawing/2010/main" val="0"/>
-                  </a:ext>
-                </a:extLst>
-              </a:blip>
-              <a:stretch>
-                <a:fillRect/>
-              </a:stretch>
-            </p:blipFill>
-            <p:spPr>
-              <a:xfrm>
-                <a:off x="4110240" y="6009187"/>
-                <a:ext cx="190500" cy="266700"/>
-              </a:xfrm>
-              <a:prstGeom prst="rect">
-                <a:avLst/>
-              </a:prstGeom>
-            </p:spPr>
-          </p:pic>
-        </p:grpSp>
-        <p:grpSp>
-          <p:nvGrpSpPr>
-            <p:cNvPr id="23" name="그룹 22">
-              <a:extLst>
-                <a:ext uri="{FF2B5EF4-FFF2-40B4-BE49-F238E27FC236}">
-                  <a16:creationId xmlns:a16="http://schemas.microsoft.com/office/drawing/2014/main" id="{A2DD1B45-4B78-1F92-E822-0273959B9CB1}"/>
-                </a:ext>
-              </a:extLst>
-            </p:cNvPr>
-            <p:cNvGrpSpPr/>
-            <p:nvPr/>
-          </p:nvGrpSpPr>
-          <p:grpSpPr>
-            <a:xfrm rot="10800000">
-              <a:off x="6424384" y="5642999"/>
-              <a:ext cx="571998" cy="359589"/>
-              <a:chOff x="3919491" y="5962743"/>
-              <a:chExt cx="571998" cy="359589"/>
-            </a:xfrm>
-          </p:grpSpPr>
-          <p:sp>
-            <p:nvSpPr>
-              <p:cNvPr id="24" name="사각형: 둥근 모서리 23">
-                <a:extLst>
-                  <a:ext uri="{FF2B5EF4-FFF2-40B4-BE49-F238E27FC236}">
-                    <a16:creationId xmlns:a16="http://schemas.microsoft.com/office/drawing/2014/main" id="{8CE72AD9-A81B-AEE6-D55B-36C4ED3C6FA6}"/>
-                  </a:ext>
-                </a:extLst>
-              </p:cNvPr>
-              <p:cNvSpPr/>
-              <p:nvPr/>
-            </p:nvSpPr>
-            <p:spPr>
-              <a:xfrm>
-                <a:off x="3919491" y="5962743"/>
-                <a:ext cx="571998" cy="359589"/>
-              </a:xfrm>
-              <a:prstGeom prst="roundRect">
-                <a:avLst>
-                  <a:gd name="adj" fmla="val 50000"/>
-                </a:avLst>
-              </a:prstGeom>
-              <a:solidFill>
-                <a:schemeClr val="accent1">
-                  <a:lumMod val="60000"/>
-                  <a:lumOff val="40000"/>
-                </a:schemeClr>
-              </a:solidFill>
-              <a:ln>
-                <a:solidFill>
-                  <a:srgbClr val="0070C0"/>
-                </a:solidFill>
-              </a:ln>
-            </p:spPr>
-            <p:style>
-              <a:lnRef idx="2">
-                <a:schemeClr val="accent1">
-                  <a:shade val="15000"/>
-                </a:schemeClr>
-              </a:lnRef>
-              <a:fillRef idx="1">
-                <a:schemeClr val="accent1"/>
-              </a:fillRef>
-              <a:effectRef idx="0">
-                <a:schemeClr val="accent1"/>
-              </a:effectRef>
-              <a:fontRef idx="minor">
-                <a:schemeClr val="lt1"/>
-              </a:fontRef>
-            </p:style>
-            <p:txBody>
-              <a:bodyPr rtlCol="0" anchor="ctr"/>
-              <a:lstStyle/>
-              <a:p>
-                <a:pPr algn="ctr"/>
-                <a:endParaRPr lang="ko-KR" altLang="en-US" dirty="0">
-                  <a:solidFill>
-                    <a:schemeClr val="tx1"/>
-                  </a:solidFill>
-                  <a:latin typeface="메이플스토리 OTF" panose="02000300000000000000" pitchFamily="50" charset="-127"/>
-                  <a:ea typeface="메이플스토리 OTF" panose="02000300000000000000" pitchFamily="50" charset="-127"/>
-                </a:endParaRPr>
-              </a:p>
-            </p:txBody>
-          </p:sp>
-          <p:pic>
-            <p:nvPicPr>
-              <p:cNvPr id="26" name="그림 25">
-                <a:extLst>
-                  <a:ext uri="{FF2B5EF4-FFF2-40B4-BE49-F238E27FC236}">
-                    <a16:creationId xmlns:a16="http://schemas.microsoft.com/office/drawing/2014/main" id="{966A02E5-051D-AFBE-913F-27FF3034669A}"/>
-                  </a:ext>
-                </a:extLst>
-              </p:cNvPr>
-              <p:cNvPicPr>
-                <a:picLocks noChangeAspect="1"/>
-              </p:cNvPicPr>
-              <p:nvPr/>
-            </p:nvPicPr>
-            <p:blipFill>
-              <a:blip r:embed="rId2">
-                <a:extLst>
-                  <a:ext uri="{28A0092B-C50C-407E-A947-70E740481C1C}">
-                    <a14:useLocalDpi xmlns:a14="http://schemas.microsoft.com/office/drawing/2010/main" val="0"/>
-                  </a:ext>
-                </a:extLst>
-              </a:blip>
-              <a:stretch>
-                <a:fillRect/>
-              </a:stretch>
-            </p:blipFill>
-            <p:spPr>
-              <a:xfrm>
-                <a:off x="4110240" y="6009187"/>
-                <a:ext cx="190500" cy="266700"/>
-              </a:xfrm>
-              <a:prstGeom prst="rect">
-                <a:avLst/>
-              </a:prstGeom>
-            </p:spPr>
-          </p:pic>
-        </p:grpSp>
-      </p:grpSp>
-      <p:grpSp>
-        <p:nvGrpSpPr>
           <p:cNvPr id="31" name="그룹 30">
             <a:extLst>
               <a:ext uri="{FF2B5EF4-FFF2-40B4-BE49-F238E27FC236}">
@@ -42745,7 +42005,7 @@
             <p:nvPr/>
           </p:nvPicPr>
           <p:blipFill>
-            <a:blip r:embed="rId3">
+            <a:blip r:embed="rId2">
               <a:extLst>
                 <a:ext uri="{28A0092B-C50C-407E-A947-70E740481C1C}">
                   <a14:useLocalDpi xmlns:a14="http://schemas.microsoft.com/office/drawing/2010/main" val="0"/>
@@ -42801,7 +42061,7 @@
               <p:nvPr/>
             </p:nvPicPr>
             <p:blipFill>
-              <a:blip r:embed="rId4">
+              <a:blip r:embed="rId3">
                 <a:extLst>
                   <a:ext uri="{28A0092B-C50C-407E-A947-70E740481C1C}">
                     <a14:useLocalDpi xmlns:a14="http://schemas.microsoft.com/office/drawing/2010/main" val="0"/>
@@ -42837,7 +42097,7 @@
               <p:nvPr/>
             </p:nvPicPr>
             <p:blipFill>
-              <a:blip r:embed="rId5">
+              <a:blip r:embed="rId4">
                 <a:extLst>
                   <a:ext uri="{28A0092B-C50C-407E-A947-70E740481C1C}">
                     <a14:useLocalDpi xmlns:a14="http://schemas.microsoft.com/office/drawing/2010/main" val="0"/>
@@ -42913,7 +42173,7 @@
                   <p:nvPr/>
                 </p:nvPicPr>
                 <p:blipFill>
-                  <a:blip r:embed="rId6">
+                  <a:blip r:embed="rId5">
                     <a:extLst>
                       <a:ext uri="{28A0092B-C50C-407E-A947-70E740481C1C}">
                         <a14:useLocalDpi xmlns:a14="http://schemas.microsoft.com/office/drawing/2010/main" val="0"/>
@@ -42948,7 +42208,7 @@
                   <p:nvPr/>
                 </p:nvPicPr>
                 <p:blipFill>
-                  <a:blip r:embed="rId6">
+                  <a:blip r:embed="rId5">
                     <a:extLst>
                       <a:ext uri="{28A0092B-C50C-407E-A947-70E740481C1C}">
                         <a14:useLocalDpi xmlns:a14="http://schemas.microsoft.com/office/drawing/2010/main" val="0"/>
@@ -42983,7 +42243,7 @@
                   <p:nvPr/>
                 </p:nvPicPr>
                 <p:blipFill>
-                  <a:blip r:embed="rId7">
+                  <a:blip r:embed="rId6">
                     <a:extLst>
                       <a:ext uri="{28A0092B-C50C-407E-A947-70E740481C1C}">
                         <a14:useLocalDpi xmlns:a14="http://schemas.microsoft.com/office/drawing/2010/main" val="0"/>
@@ -43121,7 +42381,7 @@
                 <p:nvPr/>
               </p:nvPicPr>
               <p:blipFill>
-                <a:blip r:embed="rId8">
+                <a:blip r:embed="rId7">
                   <a:extLst>
                     <a:ext uri="{28A0092B-C50C-407E-A947-70E740481C1C}">
                       <a14:useLocalDpi xmlns:a14="http://schemas.microsoft.com/office/drawing/2010/main" val="0"/>
@@ -43178,7 +42438,7 @@
                 <p:nvPr/>
               </p:nvPicPr>
               <p:blipFill>
-                <a:blip r:embed="rId6">
+                <a:blip r:embed="rId5">
                   <a:extLst>
                     <a:ext uri="{28A0092B-C50C-407E-A947-70E740481C1C}">
                       <a14:useLocalDpi xmlns:a14="http://schemas.microsoft.com/office/drawing/2010/main" val="0"/>
@@ -43213,7 +42473,7 @@
                 <p:nvPr/>
               </p:nvPicPr>
               <p:blipFill>
-                <a:blip r:embed="rId7">
+                <a:blip r:embed="rId6">
                   <a:extLst>
                     <a:ext uri="{28A0092B-C50C-407E-A947-70E740481C1C}">
                       <a14:useLocalDpi xmlns:a14="http://schemas.microsoft.com/office/drawing/2010/main" val="0"/>
@@ -43248,7 +42508,7 @@
                 <p:nvPr/>
               </p:nvPicPr>
               <p:blipFill>
-                <a:blip r:embed="rId9">
+                <a:blip r:embed="rId8">
                   <a:alphaModFix amt="65000"/>
                   <a:extLst>
                     <a:ext uri="{28A0092B-C50C-407E-A947-70E740481C1C}">
@@ -43387,7 +42647,7 @@
                 <p:nvPr/>
               </p:nvPicPr>
               <p:blipFill>
-                <a:blip r:embed="rId8">
+                <a:blip r:embed="rId7">
                   <a:extLst>
                     <a:ext uri="{28A0092B-C50C-407E-A947-70E740481C1C}">
                       <a14:useLocalDpi xmlns:a14="http://schemas.microsoft.com/office/drawing/2010/main" val="0"/>

--- a/document/UI.pptx
+++ b/document/UI.pptx
@@ -5,44 +5,46 @@
     <p:sldMasterId id="2147483648" r:id="rId1"/>
   </p:sldMasterIdLst>
   <p:notesMasterIdLst>
-    <p:notesMasterId r:id="rId37"/>
+    <p:notesMasterId r:id="rId39"/>
   </p:notesMasterIdLst>
   <p:sldIdLst>
     <p:sldId id="257" r:id="rId2"/>
     <p:sldId id="269" r:id="rId3"/>
-    <p:sldId id="290" r:id="rId4"/>
-    <p:sldId id="289" r:id="rId5"/>
-    <p:sldId id="270" r:id="rId6"/>
-    <p:sldId id="268" r:id="rId7"/>
-    <p:sldId id="273" r:id="rId8"/>
-    <p:sldId id="274" r:id="rId9"/>
-    <p:sldId id="275" r:id="rId10"/>
-    <p:sldId id="276" r:id="rId11"/>
-    <p:sldId id="277" r:id="rId12"/>
-    <p:sldId id="285" r:id="rId13"/>
-    <p:sldId id="258" r:id="rId14"/>
-    <p:sldId id="259" r:id="rId15"/>
-    <p:sldId id="279" r:id="rId16"/>
-    <p:sldId id="280" r:id="rId17"/>
-    <p:sldId id="281" r:id="rId18"/>
-    <p:sldId id="260" r:id="rId19"/>
-    <p:sldId id="272" r:id="rId20"/>
-    <p:sldId id="261" r:id="rId21"/>
-    <p:sldId id="266" r:id="rId22"/>
-    <p:sldId id="267" r:id="rId23"/>
-    <p:sldId id="263" r:id="rId24"/>
-    <p:sldId id="282" r:id="rId25"/>
-    <p:sldId id="278" r:id="rId26"/>
-    <p:sldId id="264" r:id="rId27"/>
-    <p:sldId id="265" r:id="rId28"/>
-    <p:sldId id="262" r:id="rId29"/>
-    <p:sldId id="283" r:id="rId30"/>
-    <p:sldId id="284" r:id="rId31"/>
-    <p:sldId id="256" r:id="rId32"/>
-    <p:sldId id="286" r:id="rId33"/>
-    <p:sldId id="287" r:id="rId34"/>
-    <p:sldId id="288" r:id="rId35"/>
-    <p:sldId id="271" r:id="rId36"/>
+    <p:sldId id="292" r:id="rId4"/>
+    <p:sldId id="290" r:id="rId5"/>
+    <p:sldId id="289" r:id="rId6"/>
+    <p:sldId id="270" r:id="rId7"/>
+    <p:sldId id="268" r:id="rId8"/>
+    <p:sldId id="273" r:id="rId9"/>
+    <p:sldId id="274" r:id="rId10"/>
+    <p:sldId id="275" r:id="rId11"/>
+    <p:sldId id="276" r:id="rId12"/>
+    <p:sldId id="277" r:id="rId13"/>
+    <p:sldId id="285" r:id="rId14"/>
+    <p:sldId id="258" r:id="rId15"/>
+    <p:sldId id="259" r:id="rId16"/>
+    <p:sldId id="279" r:id="rId17"/>
+    <p:sldId id="291" r:id="rId18"/>
+    <p:sldId id="280" r:id="rId19"/>
+    <p:sldId id="281" r:id="rId20"/>
+    <p:sldId id="260" r:id="rId21"/>
+    <p:sldId id="272" r:id="rId22"/>
+    <p:sldId id="261" r:id="rId23"/>
+    <p:sldId id="266" r:id="rId24"/>
+    <p:sldId id="267" r:id="rId25"/>
+    <p:sldId id="263" r:id="rId26"/>
+    <p:sldId id="282" r:id="rId27"/>
+    <p:sldId id="278" r:id="rId28"/>
+    <p:sldId id="264" r:id="rId29"/>
+    <p:sldId id="265" r:id="rId30"/>
+    <p:sldId id="262" r:id="rId31"/>
+    <p:sldId id="283" r:id="rId32"/>
+    <p:sldId id="284" r:id="rId33"/>
+    <p:sldId id="256" r:id="rId34"/>
+    <p:sldId id="286" r:id="rId35"/>
+    <p:sldId id="287" r:id="rId36"/>
+    <p:sldId id="288" r:id="rId37"/>
+    <p:sldId id="271" r:id="rId38"/>
   </p:sldIdLst>
   <p:sldSz cx="12192000" cy="6858000"/>
   <p:notesSz cx="6858000" cy="9144000"/>
@@ -563,7 +565,7 @@
           <a:p>
             <a:fld id="{E684C9C0-E21F-439C-A28A-7CDE9E85435A}" type="slidenum">
               <a:rPr lang="ko-KR" altLang="en-US" smtClean="0"/>
-              <a:t>21</a:t>
+              <a:t>23</a:t>
             </a:fld>
             <a:endParaRPr lang="ko-KR" altLang="en-US"/>
           </a:p>
@@ -671,7 +673,7 @@
           <a:p>
             <a:fld id="{E684C9C0-E21F-439C-A28A-7CDE9E85435A}" type="slidenum">
               <a:rPr lang="ko-KR" altLang="en-US" smtClean="0"/>
-              <a:t>22</a:t>
+              <a:t>24</a:t>
             </a:fld>
             <a:endParaRPr lang="ko-KR" altLang="en-US"/>
           </a:p>
@@ -755,7 +757,7 @@
           <a:p>
             <a:fld id="{E684C9C0-E21F-439C-A28A-7CDE9E85435A}" type="slidenum">
               <a:rPr lang="ko-KR" altLang="en-US" smtClean="0"/>
-              <a:t>32</a:t>
+              <a:t>34</a:t>
             </a:fld>
             <a:endParaRPr lang="ko-KR" altLang="en-US"/>
           </a:p>
@@ -6499,6 +6501,1308 @@
   <p:cSld>
     <p:spTree>
       <p:nvGrpSpPr>
+        <p:cNvPr id="1" name="">
+          <a:extLst>
+            <a:ext uri="{FF2B5EF4-FFF2-40B4-BE49-F238E27FC236}">
+              <a16:creationId xmlns:a16="http://schemas.microsoft.com/office/drawing/2014/main" id="{F66B57CE-8BDC-868D-7465-D31BD059AA20}"/>
+            </a:ext>
+          </a:extLst>
+        </p:cNvPr>
+        <p:cNvGrpSpPr/>
+        <p:nvPr/>
+      </p:nvGrpSpPr>
+      <p:grpSpPr>
+        <a:xfrm>
+          <a:off x="0" y="0"/>
+          <a:ext cx="0" cy="0"/>
+          <a:chOff x="0" y="0"/>
+          <a:chExt cx="0" cy="0"/>
+        </a:xfrm>
+      </p:grpSpPr>
+      <p:sp>
+        <p:nvSpPr>
+          <p:cNvPr id="14" name="직사각형 13">
+            <a:extLst>
+              <a:ext uri="{FF2B5EF4-FFF2-40B4-BE49-F238E27FC236}">
+                <a16:creationId xmlns:a16="http://schemas.microsoft.com/office/drawing/2014/main" id="{C88FB209-0B94-4592-AD83-F4D216461197}"/>
+              </a:ext>
+            </a:extLst>
+          </p:cNvPr>
+          <p:cNvSpPr/>
+          <p:nvPr/>
+        </p:nvSpPr>
+        <p:spPr>
+          <a:xfrm>
+            <a:off x="92765" y="79513"/>
+            <a:ext cx="11986592" cy="6712226"/>
+          </a:xfrm>
+          <a:prstGeom prst="rect">
+            <a:avLst/>
+          </a:prstGeom>
+          <a:solidFill>
+            <a:schemeClr val="accent2">
+              <a:lumMod val="40000"/>
+              <a:lumOff val="60000"/>
+            </a:schemeClr>
+          </a:solidFill>
+        </p:spPr>
+        <p:style>
+          <a:lnRef idx="2">
+            <a:schemeClr val="accent1">
+              <a:shade val="15000"/>
+            </a:schemeClr>
+          </a:lnRef>
+          <a:fillRef idx="1">
+            <a:schemeClr val="accent1"/>
+          </a:fillRef>
+          <a:effectRef idx="0">
+            <a:schemeClr val="accent1"/>
+          </a:effectRef>
+          <a:fontRef idx="minor">
+            <a:schemeClr val="lt1"/>
+          </a:fontRef>
+        </p:style>
+        <p:txBody>
+          <a:bodyPr rtlCol="0" anchor="ctr"/>
+          <a:lstStyle/>
+          <a:p>
+            <a:pPr algn="ctr"/>
+            <a:endParaRPr lang="ko-KR" altLang="en-US"/>
+          </a:p>
+        </p:txBody>
+      </p:sp>
+      <p:sp>
+        <p:nvSpPr>
+          <p:cNvPr id="11" name="직사각형 10">
+            <a:extLst>
+              <a:ext uri="{FF2B5EF4-FFF2-40B4-BE49-F238E27FC236}">
+                <a16:creationId xmlns:a16="http://schemas.microsoft.com/office/drawing/2014/main" id="{D5D07576-FE14-174D-6675-F591CC118CEB}"/>
+              </a:ext>
+            </a:extLst>
+          </p:cNvPr>
+          <p:cNvSpPr/>
+          <p:nvPr/>
+        </p:nvSpPr>
+        <p:spPr>
+          <a:xfrm>
+            <a:off x="9515061" y="245165"/>
+            <a:ext cx="2458278" cy="1053548"/>
+          </a:xfrm>
+          <a:prstGeom prst="rect">
+            <a:avLst/>
+          </a:prstGeom>
+        </p:spPr>
+        <p:style>
+          <a:lnRef idx="2">
+            <a:schemeClr val="accent1">
+              <a:shade val="15000"/>
+            </a:schemeClr>
+          </a:lnRef>
+          <a:fillRef idx="1">
+            <a:schemeClr val="accent1"/>
+          </a:fillRef>
+          <a:effectRef idx="0">
+            <a:schemeClr val="accent1"/>
+          </a:effectRef>
+          <a:fontRef idx="minor">
+            <a:schemeClr val="lt1"/>
+          </a:fontRef>
+        </p:style>
+        <p:txBody>
+          <a:bodyPr rtlCol="0" anchor="ctr"/>
+          <a:lstStyle/>
+          <a:p>
+            <a:pPr algn="ctr"/>
+            <a:r>
+              <a:rPr lang="en-US" altLang="ko-KR" sz="5400" dirty="0"/>
+              <a:t>11:50</a:t>
+            </a:r>
+            <a:endParaRPr lang="ko-KR" altLang="en-US" sz="5400" dirty="0"/>
+          </a:p>
+        </p:txBody>
+      </p:sp>
+      <p:grpSp>
+        <p:nvGrpSpPr>
+          <p:cNvPr id="9" name="그룹 8">
+            <a:extLst>
+              <a:ext uri="{FF2B5EF4-FFF2-40B4-BE49-F238E27FC236}">
+                <a16:creationId xmlns:a16="http://schemas.microsoft.com/office/drawing/2014/main" id="{06245C6A-50B9-614F-8C65-A59FE54C0AD5}"/>
+              </a:ext>
+            </a:extLst>
+          </p:cNvPr>
+          <p:cNvGrpSpPr/>
+          <p:nvPr/>
+        </p:nvGrpSpPr>
+        <p:grpSpPr>
+          <a:xfrm>
+            <a:off x="4350319" y="516834"/>
+            <a:ext cx="3256428" cy="5664350"/>
+            <a:chOff x="4350319" y="516834"/>
+            <a:chExt cx="3256428" cy="5664350"/>
+          </a:xfrm>
+        </p:grpSpPr>
+        <p:grpSp>
+          <p:nvGrpSpPr>
+            <p:cNvPr id="16" name="그룹 15">
+              <a:extLst>
+                <a:ext uri="{FF2B5EF4-FFF2-40B4-BE49-F238E27FC236}">
+                  <a16:creationId xmlns:a16="http://schemas.microsoft.com/office/drawing/2014/main" id="{485489A4-69EB-F4DB-1FE1-73014BB482F9}"/>
+                </a:ext>
+              </a:extLst>
+            </p:cNvPr>
+            <p:cNvGrpSpPr/>
+            <p:nvPr/>
+          </p:nvGrpSpPr>
+          <p:grpSpPr>
+            <a:xfrm>
+              <a:off x="4350319" y="516834"/>
+              <a:ext cx="3256428" cy="5664350"/>
+              <a:chOff x="7454978" y="591749"/>
+              <a:chExt cx="2571297" cy="4472608"/>
+            </a:xfrm>
+          </p:grpSpPr>
+          <p:grpSp>
+            <p:nvGrpSpPr>
+              <p:cNvPr id="30" name="그룹 29">
+                <a:extLst>
+                  <a:ext uri="{FF2B5EF4-FFF2-40B4-BE49-F238E27FC236}">
+                    <a16:creationId xmlns:a16="http://schemas.microsoft.com/office/drawing/2014/main" id="{6EBDFD8C-131E-9A6D-70D8-D304BBD90AB6}"/>
+                  </a:ext>
+                </a:extLst>
+              </p:cNvPr>
+              <p:cNvGrpSpPr/>
+              <p:nvPr/>
+            </p:nvGrpSpPr>
+            <p:grpSpPr>
+              <a:xfrm>
+                <a:off x="7454978" y="591749"/>
+                <a:ext cx="2571297" cy="4472608"/>
+                <a:chOff x="7562162" y="591749"/>
+                <a:chExt cx="2571297" cy="4472608"/>
+              </a:xfrm>
+            </p:grpSpPr>
+            <p:sp>
+              <p:nvSpPr>
+                <p:cNvPr id="46" name="사각형: 둥근 모서리 45">
+                  <a:extLst>
+                    <a:ext uri="{FF2B5EF4-FFF2-40B4-BE49-F238E27FC236}">
+                      <a16:creationId xmlns:a16="http://schemas.microsoft.com/office/drawing/2014/main" id="{192A6482-F0B4-6ABB-7370-E94097CFA523}"/>
+                    </a:ext>
+                  </a:extLst>
+                </p:cNvPr>
+                <p:cNvSpPr/>
+                <p:nvPr/>
+              </p:nvSpPr>
+              <p:spPr>
+                <a:xfrm rot="5400000">
+                  <a:off x="6611507" y="1542404"/>
+                  <a:ext cx="4472608" cy="2571297"/>
+                </a:xfrm>
+                <a:prstGeom prst="roundRect">
+                  <a:avLst>
+                    <a:gd name="adj" fmla="val 2928"/>
+                  </a:avLst>
+                </a:prstGeom>
+                <a:solidFill>
+                  <a:schemeClr val="bg2">
+                    <a:lumMod val="75000"/>
+                  </a:schemeClr>
+                </a:solidFill>
+              </p:spPr>
+              <p:style>
+                <a:lnRef idx="2">
+                  <a:schemeClr val="accent1">
+                    <a:shade val="15000"/>
+                  </a:schemeClr>
+                </a:lnRef>
+                <a:fillRef idx="1">
+                  <a:schemeClr val="accent1"/>
+                </a:fillRef>
+                <a:effectRef idx="0">
+                  <a:schemeClr val="accent1"/>
+                </a:effectRef>
+                <a:fontRef idx="minor">
+                  <a:schemeClr val="lt1"/>
+                </a:fontRef>
+              </p:style>
+              <p:txBody>
+                <a:bodyPr rtlCol="0" anchor="ctr"/>
+                <a:lstStyle/>
+                <a:p>
+                  <a:pPr algn="ctr"/>
+                  <a:endParaRPr lang="ko-KR" altLang="en-US" sz="2000"/>
+                </a:p>
+              </p:txBody>
+            </p:sp>
+            <p:sp>
+              <p:nvSpPr>
+                <p:cNvPr id="47" name="타원 46">
+                  <a:extLst>
+                    <a:ext uri="{FF2B5EF4-FFF2-40B4-BE49-F238E27FC236}">
+                      <a16:creationId xmlns:a16="http://schemas.microsoft.com/office/drawing/2014/main" id="{69E41CE8-E741-F4EE-E64B-3D9A0E38D9DC}"/>
+                    </a:ext>
+                  </a:extLst>
+                </p:cNvPr>
+                <p:cNvSpPr/>
+                <p:nvPr/>
+              </p:nvSpPr>
+              <p:spPr>
+                <a:xfrm rot="5400000">
+                  <a:off x="8798520" y="621535"/>
+                  <a:ext cx="98581" cy="98581"/>
+                </a:xfrm>
+                <a:prstGeom prst="ellipse">
+                  <a:avLst/>
+                </a:prstGeom>
+                <a:solidFill>
+                  <a:schemeClr val="tx1">
+                    <a:lumMod val="85000"/>
+                    <a:lumOff val="15000"/>
+                  </a:schemeClr>
+                </a:solidFill>
+              </p:spPr>
+              <p:style>
+                <a:lnRef idx="2">
+                  <a:schemeClr val="accent1">
+                    <a:shade val="15000"/>
+                  </a:schemeClr>
+                </a:lnRef>
+                <a:fillRef idx="1">
+                  <a:schemeClr val="accent1"/>
+                </a:fillRef>
+                <a:effectRef idx="0">
+                  <a:schemeClr val="accent1"/>
+                </a:effectRef>
+                <a:fontRef idx="minor">
+                  <a:schemeClr val="lt1"/>
+                </a:fontRef>
+              </p:style>
+              <p:txBody>
+                <a:bodyPr rtlCol="0" anchor="ctr"/>
+                <a:lstStyle/>
+                <a:p>
+                  <a:pPr algn="ctr"/>
+                  <a:endParaRPr lang="ko-KR" altLang="en-US" sz="2000"/>
+                </a:p>
+              </p:txBody>
+            </p:sp>
+          </p:grpSp>
+          <p:sp>
+            <p:nvSpPr>
+              <p:cNvPr id="45" name="직사각형 44">
+                <a:extLst>
+                  <a:ext uri="{FF2B5EF4-FFF2-40B4-BE49-F238E27FC236}">
+                    <a16:creationId xmlns:a16="http://schemas.microsoft.com/office/drawing/2014/main" id="{97BDDC7E-F713-A205-D456-C935465D6B29}"/>
+                  </a:ext>
+                </a:extLst>
+              </p:cNvPr>
+              <p:cNvSpPr/>
+              <p:nvPr/>
+            </p:nvSpPr>
+            <p:spPr>
+              <a:xfrm rot="5400000">
+                <a:off x="6642550" y="1673028"/>
+                <a:ext cx="4196152" cy="2363058"/>
+              </a:xfrm>
+              <a:prstGeom prst="rect">
+                <a:avLst/>
+              </a:prstGeom>
+              <a:solidFill>
+                <a:schemeClr val="bg1"/>
+              </a:solidFill>
+            </p:spPr>
+            <p:style>
+              <a:lnRef idx="2">
+                <a:schemeClr val="accent1">
+                  <a:shade val="15000"/>
+                </a:schemeClr>
+              </a:lnRef>
+              <a:fillRef idx="1">
+                <a:schemeClr val="accent1"/>
+              </a:fillRef>
+              <a:effectRef idx="0">
+                <a:schemeClr val="accent1"/>
+              </a:effectRef>
+              <a:fontRef idx="minor">
+                <a:schemeClr val="lt1"/>
+              </a:fontRef>
+            </p:style>
+            <p:txBody>
+              <a:bodyPr rtlCol="0" anchor="ctr"/>
+              <a:lstStyle/>
+              <a:p>
+                <a:pPr algn="ctr"/>
+                <a:endParaRPr lang="ko-KR" altLang="en-US" sz="4000" dirty="0"/>
+              </a:p>
+            </p:txBody>
+          </p:sp>
+        </p:grpSp>
+        <p:sp>
+          <p:nvSpPr>
+            <p:cNvPr id="20" name="말풍선: 사각형 19">
+              <a:extLst>
+                <a:ext uri="{FF2B5EF4-FFF2-40B4-BE49-F238E27FC236}">
+                  <a16:creationId xmlns:a16="http://schemas.microsoft.com/office/drawing/2014/main" id="{C4DA43C6-B751-3577-AAE8-5144C238B608}"/>
+                </a:ext>
+              </a:extLst>
+            </p:cNvPr>
+            <p:cNvSpPr/>
+            <p:nvPr/>
+          </p:nvSpPr>
+          <p:spPr>
+            <a:xfrm>
+              <a:off x="4786168" y="1667036"/>
+              <a:ext cx="2268582" cy="393630"/>
+            </a:xfrm>
+            <a:prstGeom prst="wedgeRectCallout">
+              <a:avLst>
+                <a:gd name="adj1" fmla="val -56682"/>
+                <a:gd name="adj2" fmla="val -23616"/>
+              </a:avLst>
+            </a:prstGeom>
+            <a:solidFill>
+              <a:schemeClr val="bg1"/>
+            </a:solidFill>
+            <a:ln>
+              <a:solidFill>
+                <a:schemeClr val="tx1">
+                  <a:lumMod val="65000"/>
+                  <a:lumOff val="35000"/>
+                </a:schemeClr>
+              </a:solidFill>
+            </a:ln>
+          </p:spPr>
+          <p:style>
+            <a:lnRef idx="2">
+              <a:schemeClr val="accent1">
+                <a:shade val="15000"/>
+              </a:schemeClr>
+            </a:lnRef>
+            <a:fillRef idx="1">
+              <a:schemeClr val="accent1"/>
+            </a:fillRef>
+            <a:effectRef idx="0">
+              <a:schemeClr val="accent1"/>
+            </a:effectRef>
+            <a:fontRef idx="minor">
+              <a:schemeClr val="lt1"/>
+            </a:fontRef>
+          </p:style>
+          <p:txBody>
+            <a:bodyPr rtlCol="0" anchor="ctr"/>
+            <a:lstStyle/>
+            <a:p>
+              <a:pPr algn="ctr"/>
+              <a:r>
+                <a:rPr lang="ko-KR" altLang="en-US" sz="1200" dirty="0">
+                  <a:solidFill>
+                    <a:schemeClr val="tx1"/>
+                  </a:solidFill>
+                </a:rPr>
+                <a:t>대화 </a:t>
+              </a:r>
+              <a:r>
+                <a:rPr lang="en-US" altLang="ko-KR" sz="1200" dirty="0">
+                  <a:solidFill>
+                    <a:schemeClr val="tx1"/>
+                  </a:solidFill>
+                </a:rPr>
+                <a:t>Text</a:t>
+              </a:r>
+              <a:endParaRPr lang="ko-KR" altLang="en-US" sz="1200" dirty="0">
+                <a:solidFill>
+                  <a:schemeClr val="tx1"/>
+                </a:solidFill>
+              </a:endParaRPr>
+            </a:p>
+          </p:txBody>
+        </p:sp>
+        <p:sp>
+          <p:nvSpPr>
+            <p:cNvPr id="21" name="사각형: 둥근 모서리 20">
+              <a:extLst>
+                <a:ext uri="{FF2B5EF4-FFF2-40B4-BE49-F238E27FC236}">
+                  <a16:creationId xmlns:a16="http://schemas.microsoft.com/office/drawing/2014/main" id="{011D79BB-9923-EEB0-7EA4-0BFD3252C902}"/>
+                </a:ext>
+              </a:extLst>
+            </p:cNvPr>
+            <p:cNvSpPr/>
+            <p:nvPr/>
+          </p:nvSpPr>
+          <p:spPr>
+            <a:xfrm>
+              <a:off x="4644631" y="4858447"/>
+              <a:ext cx="2679289" cy="301076"/>
+            </a:xfrm>
+            <a:prstGeom prst="roundRect">
+              <a:avLst/>
+            </a:prstGeom>
+            <a:solidFill>
+              <a:schemeClr val="bg2">
+                <a:lumMod val="75000"/>
+              </a:schemeClr>
+            </a:solidFill>
+            <a:ln>
+              <a:noFill/>
+            </a:ln>
+          </p:spPr>
+          <p:style>
+            <a:lnRef idx="2">
+              <a:schemeClr val="accent1">
+                <a:shade val="15000"/>
+              </a:schemeClr>
+            </a:lnRef>
+            <a:fillRef idx="1">
+              <a:schemeClr val="accent1"/>
+            </a:fillRef>
+            <a:effectRef idx="0">
+              <a:schemeClr val="accent1"/>
+            </a:effectRef>
+            <a:fontRef idx="minor">
+              <a:schemeClr val="lt1"/>
+            </a:fontRef>
+          </p:style>
+          <p:txBody>
+            <a:bodyPr rtlCol="0" anchor="ctr"/>
+            <a:lstStyle/>
+            <a:p>
+              <a:pPr algn="ctr"/>
+              <a:r>
+                <a:rPr lang="ko-KR" altLang="en-US" sz="1200" dirty="0">
+                  <a:solidFill>
+                    <a:schemeClr val="tx1"/>
+                  </a:solidFill>
+                </a:rPr>
+                <a:t>대답 선택지 </a:t>
+              </a:r>
+              <a:r>
+                <a:rPr lang="en-US" altLang="ko-KR" sz="1200" dirty="0">
+                  <a:solidFill>
+                    <a:schemeClr val="tx1"/>
+                  </a:solidFill>
+                </a:rPr>
+                <a:t>1</a:t>
+              </a:r>
+              <a:endParaRPr lang="ko-KR" altLang="en-US" sz="1200" dirty="0">
+                <a:solidFill>
+                  <a:schemeClr val="tx1"/>
+                </a:solidFill>
+              </a:endParaRPr>
+            </a:p>
+          </p:txBody>
+        </p:sp>
+        <p:sp>
+          <p:nvSpPr>
+            <p:cNvPr id="22" name="사각형: 둥근 모서리 21">
+              <a:extLst>
+                <a:ext uri="{FF2B5EF4-FFF2-40B4-BE49-F238E27FC236}">
+                  <a16:creationId xmlns:a16="http://schemas.microsoft.com/office/drawing/2014/main" id="{A22A3878-36E1-A998-01CD-E9B8E503E319}"/>
+                </a:ext>
+              </a:extLst>
+            </p:cNvPr>
+            <p:cNvSpPr/>
+            <p:nvPr/>
+          </p:nvSpPr>
+          <p:spPr>
+            <a:xfrm>
+              <a:off x="4644631" y="5197313"/>
+              <a:ext cx="2679289" cy="301076"/>
+            </a:xfrm>
+            <a:prstGeom prst="roundRect">
+              <a:avLst/>
+            </a:prstGeom>
+            <a:solidFill>
+              <a:schemeClr val="bg2">
+                <a:lumMod val="75000"/>
+              </a:schemeClr>
+            </a:solidFill>
+            <a:ln>
+              <a:noFill/>
+            </a:ln>
+          </p:spPr>
+          <p:style>
+            <a:lnRef idx="2">
+              <a:schemeClr val="accent1">
+                <a:shade val="15000"/>
+              </a:schemeClr>
+            </a:lnRef>
+            <a:fillRef idx="1">
+              <a:schemeClr val="accent1"/>
+            </a:fillRef>
+            <a:effectRef idx="0">
+              <a:schemeClr val="accent1"/>
+            </a:effectRef>
+            <a:fontRef idx="minor">
+              <a:schemeClr val="lt1"/>
+            </a:fontRef>
+          </p:style>
+          <p:txBody>
+            <a:bodyPr rtlCol="0" anchor="ctr"/>
+            <a:lstStyle/>
+            <a:p>
+              <a:pPr algn="ctr"/>
+              <a:r>
+                <a:rPr lang="ko-KR" altLang="en-US" sz="1200" dirty="0">
+                  <a:solidFill>
+                    <a:schemeClr val="tx1"/>
+                  </a:solidFill>
+                </a:rPr>
+                <a:t>대답 선택지 </a:t>
+              </a:r>
+              <a:r>
+                <a:rPr lang="en-US" altLang="ko-KR" sz="1200" dirty="0">
+                  <a:solidFill>
+                    <a:schemeClr val="tx1"/>
+                  </a:solidFill>
+                </a:rPr>
+                <a:t>2</a:t>
+              </a:r>
+              <a:endParaRPr lang="ko-KR" altLang="en-US" sz="1200" dirty="0">
+                <a:solidFill>
+                  <a:schemeClr val="tx1"/>
+                </a:solidFill>
+              </a:endParaRPr>
+            </a:p>
+          </p:txBody>
+        </p:sp>
+        <p:sp>
+          <p:nvSpPr>
+            <p:cNvPr id="23" name="사각형: 둥근 모서리 22">
+              <a:extLst>
+                <a:ext uri="{FF2B5EF4-FFF2-40B4-BE49-F238E27FC236}">
+                  <a16:creationId xmlns:a16="http://schemas.microsoft.com/office/drawing/2014/main" id="{D15E840A-8EBC-500F-15BA-B188A4739FA0}"/>
+                </a:ext>
+              </a:extLst>
+            </p:cNvPr>
+            <p:cNvSpPr/>
+            <p:nvPr/>
+          </p:nvSpPr>
+          <p:spPr>
+            <a:xfrm>
+              <a:off x="4644631" y="5536178"/>
+              <a:ext cx="2679289" cy="301076"/>
+            </a:xfrm>
+            <a:prstGeom prst="roundRect">
+              <a:avLst/>
+            </a:prstGeom>
+            <a:solidFill>
+              <a:schemeClr val="bg2">
+                <a:lumMod val="75000"/>
+              </a:schemeClr>
+            </a:solidFill>
+            <a:ln>
+              <a:noFill/>
+            </a:ln>
+          </p:spPr>
+          <p:style>
+            <a:lnRef idx="2">
+              <a:schemeClr val="accent1">
+                <a:shade val="15000"/>
+              </a:schemeClr>
+            </a:lnRef>
+            <a:fillRef idx="1">
+              <a:schemeClr val="accent1"/>
+            </a:fillRef>
+            <a:effectRef idx="0">
+              <a:schemeClr val="accent1"/>
+            </a:effectRef>
+            <a:fontRef idx="minor">
+              <a:schemeClr val="lt1"/>
+            </a:fontRef>
+          </p:style>
+          <p:txBody>
+            <a:bodyPr rtlCol="0" anchor="ctr"/>
+            <a:lstStyle/>
+            <a:p>
+              <a:pPr algn="ctr"/>
+              <a:r>
+                <a:rPr lang="ko-KR" altLang="en-US" sz="1200" dirty="0">
+                  <a:solidFill>
+                    <a:schemeClr val="tx1"/>
+                  </a:solidFill>
+                </a:rPr>
+                <a:t>대답 선택지 </a:t>
+              </a:r>
+              <a:r>
+                <a:rPr lang="en-US" altLang="ko-KR" sz="1200" dirty="0">
+                  <a:solidFill>
+                    <a:schemeClr val="tx1"/>
+                  </a:solidFill>
+                </a:rPr>
+                <a:t>3</a:t>
+              </a:r>
+              <a:endParaRPr lang="ko-KR" altLang="en-US" sz="1200" dirty="0">
+                <a:solidFill>
+                  <a:schemeClr val="tx1"/>
+                </a:solidFill>
+              </a:endParaRPr>
+            </a:p>
+          </p:txBody>
+        </p:sp>
+        <p:pic>
+          <p:nvPicPr>
+            <p:cNvPr id="53" name="그래픽 52" descr="오른쪽 캐럿 단색으로 채워진">
+              <a:extLst>
+                <a:ext uri="{FF2B5EF4-FFF2-40B4-BE49-F238E27FC236}">
+                  <a16:creationId xmlns:a16="http://schemas.microsoft.com/office/drawing/2014/main" id="{E03FC194-3E6C-5110-CB8E-292D3A7CE9B9}"/>
+                </a:ext>
+              </a:extLst>
+            </p:cNvPr>
+            <p:cNvPicPr>
+              <a:picLocks noChangeAspect="1"/>
+            </p:cNvPicPr>
+            <p:nvPr/>
+          </p:nvPicPr>
+          <p:blipFill>
+            <a:blip r:embed="rId2">
+              <a:extLst>
+                <a:ext uri="{96DAC541-7B7A-43D3-8B79-37D633B846F1}">
+                  <asvg:svgBlip xmlns:asvg="http://schemas.microsoft.com/office/drawing/2016/SVG/main" r:embed="rId3"/>
+                </a:ext>
+              </a:extLst>
+            </a:blip>
+            <a:stretch>
+              <a:fillRect/>
+            </a:stretch>
+          </p:blipFill>
+          <p:spPr>
+            <a:xfrm>
+              <a:off x="4492487" y="4396409"/>
+              <a:ext cx="360000" cy="360000"/>
+            </a:xfrm>
+            <a:prstGeom prst="rect">
+              <a:avLst/>
+            </a:prstGeom>
+          </p:spPr>
+        </p:pic>
+        <p:sp>
+          <p:nvSpPr>
+            <p:cNvPr id="54" name="사각형: 둥근 모서리 53">
+              <a:extLst>
+                <a:ext uri="{FF2B5EF4-FFF2-40B4-BE49-F238E27FC236}">
+                  <a16:creationId xmlns:a16="http://schemas.microsoft.com/office/drawing/2014/main" id="{E03E6B2C-3FD7-BF4C-C27F-5CAB3FCB30DF}"/>
+                </a:ext>
+              </a:extLst>
+            </p:cNvPr>
+            <p:cNvSpPr/>
+            <p:nvPr/>
+          </p:nvSpPr>
+          <p:spPr>
+            <a:xfrm>
+              <a:off x="4908419" y="4417488"/>
+              <a:ext cx="2140226" cy="301077"/>
+            </a:xfrm>
+            <a:prstGeom prst="roundRect">
+              <a:avLst>
+                <a:gd name="adj" fmla="val 50000"/>
+              </a:avLst>
+            </a:prstGeom>
+            <a:solidFill>
+              <a:schemeClr val="bg2">
+                <a:lumMod val="75000"/>
+              </a:schemeClr>
+            </a:solidFill>
+            <a:ln>
+              <a:solidFill>
+                <a:schemeClr val="bg1"/>
+              </a:solidFill>
+            </a:ln>
+          </p:spPr>
+          <p:style>
+            <a:lnRef idx="2">
+              <a:schemeClr val="accent1">
+                <a:shade val="15000"/>
+              </a:schemeClr>
+            </a:lnRef>
+            <a:fillRef idx="1">
+              <a:schemeClr val="accent1"/>
+            </a:fillRef>
+            <a:effectRef idx="0">
+              <a:schemeClr val="accent1"/>
+            </a:effectRef>
+            <a:fontRef idx="minor">
+              <a:schemeClr val="lt1"/>
+            </a:fontRef>
+          </p:style>
+          <p:txBody>
+            <a:bodyPr rtlCol="0" anchor="ctr"/>
+            <a:lstStyle/>
+            <a:p>
+              <a:r>
+                <a:rPr lang="en-US" altLang="ko-KR" sz="1000" dirty="0">
+                  <a:solidFill>
+                    <a:schemeClr val="tx1"/>
+                  </a:solidFill>
+                </a:rPr>
+                <a:t>l</a:t>
+              </a:r>
+              <a:endParaRPr lang="ko-KR" altLang="en-US" sz="1000" dirty="0">
+                <a:solidFill>
+                  <a:schemeClr val="tx1"/>
+                </a:solidFill>
+              </a:endParaRPr>
+            </a:p>
+          </p:txBody>
+        </p:sp>
+        <p:sp>
+          <p:nvSpPr>
+            <p:cNvPr id="55" name="말풍선: 사각형 54">
+              <a:extLst>
+                <a:ext uri="{FF2B5EF4-FFF2-40B4-BE49-F238E27FC236}">
+                  <a16:creationId xmlns:a16="http://schemas.microsoft.com/office/drawing/2014/main" id="{82EC0E8C-03BB-9E38-7D21-97C4356B027B}"/>
+                </a:ext>
+              </a:extLst>
+            </p:cNvPr>
+            <p:cNvSpPr/>
+            <p:nvPr/>
+          </p:nvSpPr>
+          <p:spPr>
+            <a:xfrm>
+              <a:off x="4990510" y="2365101"/>
+              <a:ext cx="2268582" cy="393630"/>
+            </a:xfrm>
+            <a:prstGeom prst="wedgeRectCallout">
+              <a:avLst>
+                <a:gd name="adj1" fmla="val 57814"/>
+                <a:gd name="adj2" fmla="val -21933"/>
+              </a:avLst>
+            </a:prstGeom>
+            <a:solidFill>
+              <a:srgbClr val="0070C0"/>
+            </a:solidFill>
+            <a:ln>
+              <a:solidFill>
+                <a:schemeClr val="tx1">
+                  <a:lumMod val="65000"/>
+                  <a:lumOff val="35000"/>
+                </a:schemeClr>
+              </a:solidFill>
+            </a:ln>
+          </p:spPr>
+          <p:style>
+            <a:lnRef idx="2">
+              <a:schemeClr val="accent1">
+                <a:shade val="15000"/>
+              </a:schemeClr>
+            </a:lnRef>
+            <a:fillRef idx="1">
+              <a:schemeClr val="accent1"/>
+            </a:fillRef>
+            <a:effectRef idx="0">
+              <a:schemeClr val="accent1"/>
+            </a:effectRef>
+            <a:fontRef idx="minor">
+              <a:schemeClr val="lt1"/>
+            </a:fontRef>
+          </p:style>
+          <p:txBody>
+            <a:bodyPr rtlCol="0" anchor="ctr"/>
+            <a:lstStyle/>
+            <a:p>
+              <a:pPr algn="ctr"/>
+              <a:r>
+                <a:rPr lang="ko-KR" altLang="en-US" sz="1200">
+                  <a:solidFill>
+                    <a:schemeClr val="bg1"/>
+                  </a:solidFill>
+                </a:rPr>
+                <a:t>답변 </a:t>
+              </a:r>
+              <a:r>
+                <a:rPr lang="en-US" altLang="ko-KR" sz="1200" dirty="0">
+                  <a:solidFill>
+                    <a:schemeClr val="bg1"/>
+                  </a:solidFill>
+                </a:rPr>
+                <a:t>Text</a:t>
+              </a:r>
+              <a:endParaRPr lang="ko-KR" altLang="en-US" sz="1200" dirty="0">
+                <a:solidFill>
+                  <a:schemeClr val="bg1"/>
+                </a:solidFill>
+              </a:endParaRPr>
+            </a:p>
+          </p:txBody>
+        </p:sp>
+        <p:sp>
+          <p:nvSpPr>
+            <p:cNvPr id="2" name="말풍선: 사각형 1">
+              <a:extLst>
+                <a:ext uri="{FF2B5EF4-FFF2-40B4-BE49-F238E27FC236}">
+                  <a16:creationId xmlns:a16="http://schemas.microsoft.com/office/drawing/2014/main" id="{DE5590F4-4E8D-4268-7778-9C996748F263}"/>
+                </a:ext>
+              </a:extLst>
+            </p:cNvPr>
+            <p:cNvSpPr/>
+            <p:nvPr/>
+          </p:nvSpPr>
+          <p:spPr>
+            <a:xfrm>
+              <a:off x="4757367" y="2985845"/>
+              <a:ext cx="2268582" cy="393630"/>
+            </a:xfrm>
+            <a:prstGeom prst="wedgeRectCallout">
+              <a:avLst>
+                <a:gd name="adj1" fmla="val -56682"/>
+                <a:gd name="adj2" fmla="val -23616"/>
+              </a:avLst>
+            </a:prstGeom>
+            <a:solidFill>
+              <a:schemeClr val="bg1"/>
+            </a:solidFill>
+            <a:ln>
+              <a:solidFill>
+                <a:schemeClr val="tx1">
+                  <a:lumMod val="65000"/>
+                  <a:lumOff val="35000"/>
+                </a:schemeClr>
+              </a:solidFill>
+            </a:ln>
+          </p:spPr>
+          <p:style>
+            <a:lnRef idx="2">
+              <a:schemeClr val="accent1">
+                <a:shade val="15000"/>
+              </a:schemeClr>
+            </a:lnRef>
+            <a:fillRef idx="1">
+              <a:schemeClr val="accent1"/>
+            </a:fillRef>
+            <a:effectRef idx="0">
+              <a:schemeClr val="accent1"/>
+            </a:effectRef>
+            <a:fontRef idx="minor">
+              <a:schemeClr val="lt1"/>
+            </a:fontRef>
+          </p:style>
+          <p:txBody>
+            <a:bodyPr rtlCol="0" anchor="ctr"/>
+            <a:lstStyle/>
+            <a:p>
+              <a:pPr algn="ctr"/>
+              <a:r>
+                <a:rPr lang="ko-KR" altLang="en-US" sz="1200" dirty="0">
+                  <a:solidFill>
+                    <a:schemeClr val="tx1"/>
+                  </a:solidFill>
+                </a:rPr>
+                <a:t>대화 </a:t>
+              </a:r>
+              <a:r>
+                <a:rPr lang="en-US" altLang="ko-KR" sz="1200" dirty="0">
+                  <a:solidFill>
+                    <a:schemeClr val="tx1"/>
+                  </a:solidFill>
+                </a:rPr>
+                <a:t>Text</a:t>
+              </a:r>
+              <a:endParaRPr lang="ko-KR" altLang="en-US" sz="1200" dirty="0">
+                <a:solidFill>
+                  <a:schemeClr val="tx1"/>
+                </a:solidFill>
+              </a:endParaRPr>
+            </a:p>
+          </p:txBody>
+        </p:sp>
+        <p:sp>
+          <p:nvSpPr>
+            <p:cNvPr id="3" name="말풍선: 사각형 2">
+              <a:extLst>
+                <a:ext uri="{FF2B5EF4-FFF2-40B4-BE49-F238E27FC236}">
+                  <a16:creationId xmlns:a16="http://schemas.microsoft.com/office/drawing/2014/main" id="{55B9193C-70A2-0F1C-BA93-2488D8C54AF7}"/>
+                </a:ext>
+              </a:extLst>
+            </p:cNvPr>
+            <p:cNvSpPr/>
+            <p:nvPr/>
+          </p:nvSpPr>
+          <p:spPr>
+            <a:xfrm>
+              <a:off x="4961709" y="3683910"/>
+              <a:ext cx="2268582" cy="393630"/>
+            </a:xfrm>
+            <a:prstGeom prst="wedgeRectCallout">
+              <a:avLst>
+                <a:gd name="adj1" fmla="val 57814"/>
+                <a:gd name="adj2" fmla="val -21933"/>
+              </a:avLst>
+            </a:prstGeom>
+            <a:solidFill>
+              <a:srgbClr val="0070C0"/>
+            </a:solidFill>
+            <a:ln>
+              <a:solidFill>
+                <a:schemeClr val="tx1">
+                  <a:lumMod val="65000"/>
+                  <a:lumOff val="35000"/>
+                </a:schemeClr>
+              </a:solidFill>
+            </a:ln>
+          </p:spPr>
+          <p:style>
+            <a:lnRef idx="2">
+              <a:schemeClr val="accent1">
+                <a:shade val="15000"/>
+              </a:schemeClr>
+            </a:lnRef>
+            <a:fillRef idx="1">
+              <a:schemeClr val="accent1"/>
+            </a:fillRef>
+            <a:effectRef idx="0">
+              <a:schemeClr val="accent1"/>
+            </a:effectRef>
+            <a:fontRef idx="minor">
+              <a:schemeClr val="lt1"/>
+            </a:fontRef>
+          </p:style>
+          <p:txBody>
+            <a:bodyPr rtlCol="0" anchor="ctr"/>
+            <a:lstStyle/>
+            <a:p>
+              <a:pPr algn="ctr"/>
+              <a:r>
+                <a:rPr lang="ko-KR" altLang="en-US" sz="1200">
+                  <a:solidFill>
+                    <a:schemeClr val="bg1"/>
+                  </a:solidFill>
+                </a:rPr>
+                <a:t>답변 </a:t>
+              </a:r>
+              <a:r>
+                <a:rPr lang="en-US" altLang="ko-KR" sz="1200" dirty="0">
+                  <a:solidFill>
+                    <a:schemeClr val="bg1"/>
+                  </a:solidFill>
+                </a:rPr>
+                <a:t>Text</a:t>
+              </a:r>
+              <a:endParaRPr lang="ko-KR" altLang="en-US" sz="1200" dirty="0">
+                <a:solidFill>
+                  <a:schemeClr val="bg1"/>
+                </a:solidFill>
+              </a:endParaRPr>
+            </a:p>
+          </p:txBody>
+        </p:sp>
+        <p:sp>
+          <p:nvSpPr>
+            <p:cNvPr id="4" name="말풍선: 사각형 3">
+              <a:extLst>
+                <a:ext uri="{FF2B5EF4-FFF2-40B4-BE49-F238E27FC236}">
+                  <a16:creationId xmlns:a16="http://schemas.microsoft.com/office/drawing/2014/main" id="{61B33AF7-F2A4-1D84-06A7-746688D8324A}"/>
+                </a:ext>
+              </a:extLst>
+            </p:cNvPr>
+            <p:cNvSpPr/>
+            <p:nvPr/>
+          </p:nvSpPr>
+          <p:spPr>
+            <a:xfrm>
+              <a:off x="4990510" y="1032802"/>
+              <a:ext cx="2268582" cy="393630"/>
+            </a:xfrm>
+            <a:prstGeom prst="wedgeRectCallout">
+              <a:avLst>
+                <a:gd name="adj1" fmla="val 57814"/>
+                <a:gd name="adj2" fmla="val -21933"/>
+              </a:avLst>
+            </a:prstGeom>
+            <a:solidFill>
+              <a:srgbClr val="0070C0"/>
+            </a:solidFill>
+            <a:ln>
+              <a:solidFill>
+                <a:schemeClr val="tx1">
+                  <a:lumMod val="65000"/>
+                  <a:lumOff val="35000"/>
+                </a:schemeClr>
+              </a:solidFill>
+            </a:ln>
+          </p:spPr>
+          <p:style>
+            <a:lnRef idx="2">
+              <a:schemeClr val="accent1">
+                <a:shade val="15000"/>
+              </a:schemeClr>
+            </a:lnRef>
+            <a:fillRef idx="1">
+              <a:schemeClr val="accent1"/>
+            </a:fillRef>
+            <a:effectRef idx="0">
+              <a:schemeClr val="accent1"/>
+            </a:effectRef>
+            <a:fontRef idx="minor">
+              <a:schemeClr val="lt1"/>
+            </a:fontRef>
+          </p:style>
+          <p:txBody>
+            <a:bodyPr rtlCol="0" anchor="ctr"/>
+            <a:lstStyle/>
+            <a:p>
+              <a:pPr algn="ctr"/>
+              <a:r>
+                <a:rPr lang="ko-KR" altLang="en-US" sz="1200">
+                  <a:solidFill>
+                    <a:schemeClr val="bg1"/>
+                  </a:solidFill>
+                </a:rPr>
+                <a:t>답변 </a:t>
+              </a:r>
+              <a:r>
+                <a:rPr lang="en-US" altLang="ko-KR" sz="1200" dirty="0">
+                  <a:solidFill>
+                    <a:schemeClr val="bg1"/>
+                  </a:solidFill>
+                </a:rPr>
+                <a:t>Text</a:t>
+              </a:r>
+              <a:endParaRPr lang="ko-KR" altLang="en-US" sz="1200" dirty="0">
+                <a:solidFill>
+                  <a:schemeClr val="bg1"/>
+                </a:solidFill>
+              </a:endParaRPr>
+            </a:p>
+          </p:txBody>
+        </p:sp>
+        <p:grpSp>
+          <p:nvGrpSpPr>
+            <p:cNvPr id="8" name="그룹 7">
+              <a:extLst>
+                <a:ext uri="{FF2B5EF4-FFF2-40B4-BE49-F238E27FC236}">
+                  <a16:creationId xmlns:a16="http://schemas.microsoft.com/office/drawing/2014/main" id="{8A8C6703-EDFD-6FDD-D6DC-83146C7AACB2}"/>
+                </a:ext>
+              </a:extLst>
+            </p:cNvPr>
+            <p:cNvGrpSpPr/>
+            <p:nvPr/>
+          </p:nvGrpSpPr>
+          <p:grpSpPr>
+            <a:xfrm>
+              <a:off x="4498377" y="739121"/>
+              <a:ext cx="2979453" cy="429146"/>
+              <a:chOff x="4485125" y="987231"/>
+              <a:chExt cx="2979453" cy="429146"/>
+            </a:xfrm>
+          </p:grpSpPr>
+          <p:cxnSp>
+            <p:nvCxnSpPr>
+              <p:cNvPr id="51" name="직선 연결선 50">
+                <a:extLst>
+                  <a:ext uri="{FF2B5EF4-FFF2-40B4-BE49-F238E27FC236}">
+                    <a16:creationId xmlns:a16="http://schemas.microsoft.com/office/drawing/2014/main" id="{2730CA1F-215C-16CD-AA3F-A7F70E8DEA51}"/>
+                  </a:ext>
+                </a:extLst>
+              </p:cNvPr>
+              <p:cNvCxnSpPr>
+                <a:cxnSpLocks/>
+              </p:cNvCxnSpPr>
+              <p:nvPr/>
+            </p:nvCxnSpPr>
+            <p:spPr>
+              <a:xfrm>
+                <a:off x="4485125" y="1416377"/>
+                <a:ext cx="2979453" cy="0"/>
+              </a:xfrm>
+              <a:prstGeom prst="line">
+                <a:avLst/>
+              </a:prstGeom>
+            </p:spPr>
+            <p:style>
+              <a:lnRef idx="2">
+                <a:schemeClr val="accent1"/>
+              </a:lnRef>
+              <a:fillRef idx="0">
+                <a:schemeClr val="accent1"/>
+              </a:fillRef>
+              <a:effectRef idx="1">
+                <a:schemeClr val="accent1"/>
+              </a:effectRef>
+              <a:fontRef idx="minor">
+                <a:schemeClr val="tx1"/>
+              </a:fontRef>
+            </p:style>
+          </p:cxnSp>
+          <p:sp>
+            <p:nvSpPr>
+              <p:cNvPr id="5" name="직사각형 4">
+                <a:extLst>
+                  <a:ext uri="{FF2B5EF4-FFF2-40B4-BE49-F238E27FC236}">
+                    <a16:creationId xmlns:a16="http://schemas.microsoft.com/office/drawing/2014/main" id="{B8F92014-6A23-CBC8-612E-1EAE0C9F9809}"/>
+                  </a:ext>
+                </a:extLst>
+              </p:cNvPr>
+              <p:cNvSpPr/>
+              <p:nvPr/>
+            </p:nvSpPr>
+            <p:spPr>
+              <a:xfrm>
+                <a:off x="4515311" y="987231"/>
+                <a:ext cx="2916000" cy="420976"/>
+              </a:xfrm>
+              <a:prstGeom prst="rect">
+                <a:avLst/>
+              </a:prstGeom>
+              <a:solidFill>
+                <a:schemeClr val="bg1"/>
+              </a:solidFill>
+              <a:ln>
+                <a:noFill/>
+              </a:ln>
+            </p:spPr>
+            <p:style>
+              <a:lnRef idx="2">
+                <a:schemeClr val="accent1">
+                  <a:shade val="15000"/>
+                </a:schemeClr>
+              </a:lnRef>
+              <a:fillRef idx="1">
+                <a:schemeClr val="accent1"/>
+              </a:fillRef>
+              <a:effectRef idx="0">
+                <a:schemeClr val="accent1"/>
+              </a:effectRef>
+              <a:fontRef idx="minor">
+                <a:schemeClr val="lt1"/>
+              </a:fontRef>
+            </p:style>
+            <p:txBody>
+              <a:bodyPr rtlCol="0" anchor="ctr"/>
+              <a:lstStyle/>
+              <a:p>
+                <a:pPr algn="ctr"/>
+                <a:endParaRPr lang="ko-KR" altLang="en-US"/>
+              </a:p>
+            </p:txBody>
+          </p:sp>
+          <p:grpSp>
+            <p:nvGrpSpPr>
+              <p:cNvPr id="7" name="그룹 6">
+                <a:extLst>
+                  <a:ext uri="{FF2B5EF4-FFF2-40B4-BE49-F238E27FC236}">
+                    <a16:creationId xmlns:a16="http://schemas.microsoft.com/office/drawing/2014/main" id="{70098F1D-AD1F-AE61-747A-DB3A313119F4}"/>
+                  </a:ext>
+                </a:extLst>
+              </p:cNvPr>
+              <p:cNvGrpSpPr/>
+              <p:nvPr/>
+            </p:nvGrpSpPr>
+            <p:grpSpPr>
+              <a:xfrm>
+                <a:off x="4495431" y="1024345"/>
+                <a:ext cx="1945576" cy="360000"/>
+                <a:chOff x="4495431" y="765089"/>
+                <a:chExt cx="1945576" cy="360000"/>
+              </a:xfrm>
+            </p:grpSpPr>
+            <p:sp>
+              <p:nvSpPr>
+                <p:cNvPr id="18" name="TextBox 17">
+                  <a:extLst>
+                    <a:ext uri="{FF2B5EF4-FFF2-40B4-BE49-F238E27FC236}">
+                      <a16:creationId xmlns:a16="http://schemas.microsoft.com/office/drawing/2014/main" id="{8114ABF7-2AEE-0EBC-BF17-66BD827CF1C8}"/>
+                    </a:ext>
+                  </a:extLst>
+                </p:cNvPr>
+                <p:cNvSpPr txBox="1"/>
+                <p:nvPr/>
+              </p:nvSpPr>
+              <p:spPr>
+                <a:xfrm>
+                  <a:off x="4747428" y="775812"/>
+                  <a:ext cx="1693579" cy="338554"/>
+                </a:xfrm>
+                <a:prstGeom prst="rect">
+                  <a:avLst/>
+                </a:prstGeom>
+                <a:noFill/>
+              </p:spPr>
+              <p:txBody>
+                <a:bodyPr wrap="square" anchor="ctr">
+                  <a:spAutoFit/>
+                </a:bodyPr>
+                <a:lstStyle/>
+                <a:p>
+                  <a:r>
+                    <a:rPr lang="en-US" altLang="ko-KR" sz="1600" dirty="0">
+                      <a:solidFill>
+                        <a:schemeClr val="tx1"/>
+                      </a:solidFill>
+                    </a:rPr>
+                    <a:t>NPC</a:t>
+                  </a:r>
+                  <a:r>
+                    <a:rPr lang="ko-KR" altLang="en-US" sz="1600" dirty="0">
+                      <a:solidFill>
+                        <a:schemeClr val="tx1"/>
+                      </a:solidFill>
+                    </a:rPr>
+                    <a:t>이름</a:t>
+                  </a:r>
+                  <a:endParaRPr lang="en-US" altLang="ko-KR" sz="1600" dirty="0">
+                    <a:solidFill>
+                      <a:schemeClr val="tx1"/>
+                    </a:solidFill>
+                  </a:endParaRPr>
+                </a:p>
+              </p:txBody>
+            </p:sp>
+            <p:pic>
+              <p:nvPicPr>
+                <p:cNvPr id="49" name="그래픽 48" descr="왼쪽 캐럿 단색으로 채워진">
+                  <a:extLst>
+                    <a:ext uri="{FF2B5EF4-FFF2-40B4-BE49-F238E27FC236}">
+                      <a16:creationId xmlns:a16="http://schemas.microsoft.com/office/drawing/2014/main" id="{421204E8-CD06-113C-7EAC-1AEC7ED27BA9}"/>
+                    </a:ext>
+                  </a:extLst>
+                </p:cNvPr>
+                <p:cNvPicPr>
+                  <a:picLocks noChangeAspect="1"/>
+                </p:cNvPicPr>
+                <p:nvPr/>
+              </p:nvPicPr>
+              <p:blipFill>
+                <a:blip r:embed="rId4">
+                  <a:extLst>
+                    <a:ext uri="{96DAC541-7B7A-43D3-8B79-37D633B846F1}">
+                      <asvg:svgBlip xmlns:asvg="http://schemas.microsoft.com/office/drawing/2016/SVG/main" r:embed="rId5"/>
+                    </a:ext>
+                  </a:extLst>
+                </a:blip>
+                <a:stretch>
+                  <a:fillRect/>
+                </a:stretch>
+              </p:blipFill>
+              <p:spPr>
+                <a:xfrm>
+                  <a:off x="4495431" y="765089"/>
+                  <a:ext cx="360000" cy="360000"/>
+                </a:xfrm>
+                <a:prstGeom prst="rect">
+                  <a:avLst/>
+                </a:prstGeom>
+              </p:spPr>
+            </p:pic>
+          </p:grpSp>
+        </p:grpSp>
+      </p:grpSp>
+    </p:spTree>
+    <p:extLst>
+      <p:ext uri="{BB962C8B-B14F-4D97-AF65-F5344CB8AC3E}">
+        <p14:creationId xmlns:p14="http://schemas.microsoft.com/office/powerpoint/2010/main" val="1056659396"/>
+      </p:ext>
+    </p:extLst>
+  </p:cSld>
+  <p:clrMapOvr>
+    <a:masterClrMapping/>
+  </p:clrMapOvr>
+</p:sld>
+</file>
+
+<file path=ppt/slides/slide11.xml><?xml version="1.0" encoding="utf-8"?>
+<p:sld xmlns:a="http://schemas.openxmlformats.org/drawingml/2006/main" xmlns:r="http://schemas.openxmlformats.org/officeDocument/2006/relationships" xmlns:p="http://schemas.openxmlformats.org/presentationml/2006/main">
+  <p:cSld>
+    <p:spTree>
+      <p:nvGrpSpPr>
         <p:cNvPr id="1" name=""/>
         <p:cNvGrpSpPr/>
         <p:nvPr/>
@@ -8562,7 +9866,7 @@
 </p:sld>
 </file>
 
-<file path=ppt/slides/slide11.xml><?xml version="1.0" encoding="utf-8"?>
+<file path=ppt/slides/slide12.xml><?xml version="1.0" encoding="utf-8"?>
 <p:sld xmlns:a="http://schemas.openxmlformats.org/drawingml/2006/main" xmlns:r="http://schemas.openxmlformats.org/officeDocument/2006/relationships" xmlns:p="http://schemas.openxmlformats.org/presentationml/2006/main">
   <p:cSld>
     <p:spTree>
@@ -11527,7 +12831,7 @@
 </p:sld>
 </file>
 
-<file path=ppt/slides/slide12.xml><?xml version="1.0" encoding="utf-8"?>
+<file path=ppt/slides/slide13.xml><?xml version="1.0" encoding="utf-8"?>
 <p:sld xmlns:a="http://schemas.openxmlformats.org/drawingml/2006/main" xmlns:r="http://schemas.openxmlformats.org/officeDocument/2006/relationships" xmlns:p="http://schemas.openxmlformats.org/presentationml/2006/main">
   <p:cSld>
     <p:spTree>
@@ -12342,7 +13646,7 @@
 </p:sld>
 </file>
 
-<file path=ppt/slides/slide13.xml><?xml version="1.0" encoding="utf-8"?>
+<file path=ppt/slides/slide14.xml><?xml version="1.0" encoding="utf-8"?>
 <p:sld xmlns:a="http://schemas.openxmlformats.org/drawingml/2006/main" xmlns:r="http://schemas.openxmlformats.org/officeDocument/2006/relationships" xmlns:p="http://schemas.openxmlformats.org/presentationml/2006/main">
   <p:cSld>
     <p:spTree>
@@ -13805,7 +15109,7 @@
 </p:sld>
 </file>
 
-<file path=ppt/slides/slide14.xml><?xml version="1.0" encoding="utf-8"?>
+<file path=ppt/slides/slide15.xml><?xml version="1.0" encoding="utf-8"?>
 <p:sld xmlns:a="http://schemas.openxmlformats.org/drawingml/2006/main" xmlns:r="http://schemas.openxmlformats.org/officeDocument/2006/relationships" xmlns:p="http://schemas.openxmlformats.org/presentationml/2006/main">
   <p:cSld>
     <p:spTree>
@@ -15268,7 +16572,7 @@
 </p:sld>
 </file>
 
-<file path=ppt/slides/slide15.xml><?xml version="1.0" encoding="utf-8"?>
+<file path=ppt/slides/slide16.xml><?xml version="1.0" encoding="utf-8"?>
 <p:sld xmlns:a="http://schemas.openxmlformats.org/drawingml/2006/main" xmlns:r="http://schemas.openxmlformats.org/officeDocument/2006/relationships" xmlns:p="http://schemas.openxmlformats.org/presentationml/2006/main">
   <p:cSld>
     <p:spTree>
@@ -17009,7 +18313,245 @@
 </p:sld>
 </file>
 
-<file path=ppt/slides/slide16.xml><?xml version="1.0" encoding="utf-8"?>
+<file path=ppt/slides/slide17.xml><?xml version="1.0" encoding="utf-8"?>
+<p:sld xmlns:a="http://schemas.openxmlformats.org/drawingml/2006/main" xmlns:r="http://schemas.openxmlformats.org/officeDocument/2006/relationships" xmlns:p="http://schemas.openxmlformats.org/presentationml/2006/main">
+  <p:cSld>
+    <p:spTree>
+      <p:nvGrpSpPr>
+        <p:cNvPr id="1" name="">
+          <a:extLst>
+            <a:ext uri="{FF2B5EF4-FFF2-40B4-BE49-F238E27FC236}">
+              <a16:creationId xmlns:a16="http://schemas.microsoft.com/office/drawing/2014/main" id="{4369C17B-8F5B-6819-5D94-757E6B11B36D}"/>
+            </a:ext>
+          </a:extLst>
+        </p:cNvPr>
+        <p:cNvGrpSpPr/>
+        <p:nvPr/>
+      </p:nvGrpSpPr>
+      <p:grpSpPr>
+        <a:xfrm>
+          <a:off x="0" y="0"/>
+          <a:ext cx="0" cy="0"/>
+          <a:chOff x="0" y="0"/>
+          <a:chExt cx="0" cy="0"/>
+        </a:xfrm>
+      </p:grpSpPr>
+      <p:grpSp>
+        <p:nvGrpSpPr>
+          <p:cNvPr id="15" name="그룹 14">
+            <a:extLst>
+              <a:ext uri="{FF2B5EF4-FFF2-40B4-BE49-F238E27FC236}">
+                <a16:creationId xmlns:a16="http://schemas.microsoft.com/office/drawing/2014/main" id="{9264AD15-B48B-D1A8-05A7-83B2DA34FBB8}"/>
+              </a:ext>
+            </a:extLst>
+          </p:cNvPr>
+          <p:cNvGrpSpPr/>
+          <p:nvPr/>
+        </p:nvGrpSpPr>
+        <p:grpSpPr>
+          <a:xfrm>
+            <a:off x="1056261" y="748816"/>
+            <a:ext cx="9697905" cy="5360367"/>
+            <a:chOff x="2794054" y="1568543"/>
+            <a:chExt cx="6603892" cy="3650199"/>
+          </a:xfrm>
+        </p:grpSpPr>
+        <p:pic>
+          <p:nvPicPr>
+            <p:cNvPr id="16" name="그림 15" descr="스크린샷, 멀티미디어이(가) 표시된 사진&#10;&#10;AI가 생성한 콘텐츠는 부정확할 수 있습니다.">
+              <a:extLst>
+                <a:ext uri="{FF2B5EF4-FFF2-40B4-BE49-F238E27FC236}">
+                  <a16:creationId xmlns:a16="http://schemas.microsoft.com/office/drawing/2014/main" id="{35515CE0-EB08-5D14-8D1C-89E91420CA20}"/>
+                </a:ext>
+              </a:extLst>
+            </p:cNvPr>
+            <p:cNvPicPr>
+              <a:picLocks noChangeAspect="1"/>
+            </p:cNvPicPr>
+            <p:nvPr/>
+          </p:nvPicPr>
+          <p:blipFill>
+            <a:blip r:embed="rId2">
+              <a:extLst>
+                <a:ext uri="{28A0092B-C50C-407E-A947-70E740481C1C}">
+                  <a14:useLocalDpi xmlns:a14="http://schemas.microsoft.com/office/drawing/2010/main" val="0"/>
+                </a:ext>
+              </a:extLst>
+            </a:blip>
+            <a:srcRect l="3376" t="7337"/>
+            <a:stretch/>
+          </p:blipFill>
+          <p:spPr>
+            <a:xfrm>
+              <a:off x="2794054" y="1568543"/>
+              <a:ext cx="6603892" cy="3650199"/>
+            </a:xfrm>
+            <a:prstGeom prst="rect">
+              <a:avLst/>
+            </a:prstGeom>
+          </p:spPr>
+        </p:pic>
+        <p:sp>
+          <p:nvSpPr>
+            <p:cNvPr id="21" name="사각형: 둥근 모서리 20">
+              <a:extLst>
+                <a:ext uri="{FF2B5EF4-FFF2-40B4-BE49-F238E27FC236}">
+                  <a16:creationId xmlns:a16="http://schemas.microsoft.com/office/drawing/2014/main" id="{AAD6231F-C088-6C0E-2970-CC07C9D5B5A0}"/>
+                </a:ext>
+              </a:extLst>
+            </p:cNvPr>
+            <p:cNvSpPr/>
+            <p:nvPr/>
+          </p:nvSpPr>
+          <p:spPr>
+            <a:xfrm>
+              <a:off x="3075641" y="1835248"/>
+              <a:ext cx="6040719" cy="3116788"/>
+            </a:xfrm>
+            <a:prstGeom prst="roundRect">
+              <a:avLst>
+                <a:gd name="adj" fmla="val 14966"/>
+              </a:avLst>
+            </a:prstGeom>
+            <a:solidFill>
+              <a:schemeClr val="bg2">
+                <a:lumMod val="50000"/>
+                <a:alpha val="55000"/>
+              </a:schemeClr>
+            </a:solidFill>
+          </p:spPr>
+          <p:style>
+            <a:lnRef idx="2">
+              <a:schemeClr val="accent1">
+                <a:shade val="15000"/>
+              </a:schemeClr>
+            </a:lnRef>
+            <a:fillRef idx="1">
+              <a:schemeClr val="accent1"/>
+            </a:fillRef>
+            <a:effectRef idx="0">
+              <a:schemeClr val="accent1"/>
+            </a:effectRef>
+            <a:fontRef idx="minor">
+              <a:schemeClr val="lt1"/>
+            </a:fontRef>
+          </p:style>
+          <p:txBody>
+            <a:bodyPr rtlCol="0" anchor="ctr"/>
+            <a:lstStyle/>
+            <a:p>
+              <a:pPr algn="ctr"/>
+              <a:endParaRPr lang="ko-KR" altLang="en-US"/>
+            </a:p>
+          </p:txBody>
+        </p:sp>
+      </p:grpSp>
+      <p:pic>
+        <p:nvPicPr>
+          <p:cNvPr id="18" name="그림 17" descr="텍스트, 스크린샷, 멀티미디어, 운영 체제이(가) 표시된 사진&#10;&#10;AI가 생성한 콘텐츠는 부정확할 수 있습니다.">
+            <a:extLst>
+              <a:ext uri="{FF2B5EF4-FFF2-40B4-BE49-F238E27FC236}">
+                <a16:creationId xmlns:a16="http://schemas.microsoft.com/office/drawing/2014/main" id="{DF4E6926-6F31-41A0-F94E-C5CAC83F6315}"/>
+              </a:ext>
+            </a:extLst>
+          </p:cNvPr>
+          <p:cNvPicPr>
+            <a:picLocks noChangeAspect="1"/>
+          </p:cNvPicPr>
+          <p:nvPr/>
+        </p:nvPicPr>
+        <p:blipFill>
+          <a:blip r:embed="rId3">
+            <a:extLst>
+              <a:ext uri="{28A0092B-C50C-407E-A947-70E740481C1C}">
+                <a14:useLocalDpi xmlns:a14="http://schemas.microsoft.com/office/drawing/2010/main" val="0"/>
+              </a:ext>
+            </a:extLst>
+          </a:blip>
+          <a:stretch>
+            <a:fillRect/>
+          </a:stretch>
+        </p:blipFill>
+        <p:spPr>
+          <a:xfrm>
+            <a:off x="3440333" y="1367386"/>
+            <a:ext cx="4929760" cy="4123225"/>
+          </a:xfrm>
+          <a:prstGeom prst="rect">
+            <a:avLst/>
+          </a:prstGeom>
+        </p:spPr>
+      </p:pic>
+      <p:sp>
+        <p:nvSpPr>
+          <p:cNvPr id="19" name="타원 18">
+            <a:extLst>
+              <a:ext uri="{FF2B5EF4-FFF2-40B4-BE49-F238E27FC236}">
+                <a16:creationId xmlns:a16="http://schemas.microsoft.com/office/drawing/2014/main" id="{D0AF22F0-308B-B542-7DD6-2B1BD718D30D}"/>
+              </a:ext>
+            </a:extLst>
+          </p:cNvPr>
+          <p:cNvSpPr/>
+          <p:nvPr/>
+        </p:nvSpPr>
+        <p:spPr>
+          <a:xfrm>
+            <a:off x="8170215" y="1249081"/>
+            <a:ext cx="360000" cy="360000"/>
+          </a:xfrm>
+          <a:prstGeom prst="ellipse">
+            <a:avLst/>
+          </a:prstGeom>
+          <a:solidFill>
+            <a:srgbClr val="FF0000"/>
+          </a:solidFill>
+          <a:ln>
+            <a:noFill/>
+          </a:ln>
+        </p:spPr>
+        <p:style>
+          <a:lnRef idx="2">
+            <a:schemeClr val="accent1">
+              <a:shade val="15000"/>
+            </a:schemeClr>
+          </a:lnRef>
+          <a:fillRef idx="1">
+            <a:schemeClr val="accent1"/>
+          </a:fillRef>
+          <a:effectRef idx="0">
+            <a:schemeClr val="accent1"/>
+          </a:effectRef>
+          <a:fontRef idx="minor">
+            <a:schemeClr val="lt1"/>
+          </a:fontRef>
+        </p:style>
+        <p:txBody>
+          <a:bodyPr rtlCol="0" anchor="ctr"/>
+          <a:lstStyle/>
+          <a:p>
+            <a:pPr algn="ctr"/>
+            <a:r>
+              <a:rPr lang="en-US" altLang="ko-KR" dirty="0"/>
+              <a:t>X</a:t>
+            </a:r>
+            <a:endParaRPr lang="ko-KR" altLang="en-US" dirty="0"/>
+          </a:p>
+        </p:txBody>
+      </p:sp>
+    </p:spTree>
+    <p:extLst>
+      <p:ext uri="{BB962C8B-B14F-4D97-AF65-F5344CB8AC3E}">
+        <p14:creationId xmlns:p14="http://schemas.microsoft.com/office/powerpoint/2010/main" val="63566329"/>
+      </p:ext>
+    </p:extLst>
+  </p:cSld>
+  <p:clrMapOvr>
+    <a:masterClrMapping/>
+  </p:clrMapOvr>
+</p:sld>
+</file>
+
+<file path=ppt/slides/slide18.xml><?xml version="1.0" encoding="utf-8"?>
 <p:sld xmlns:a="http://schemas.openxmlformats.org/drawingml/2006/main" xmlns:r="http://schemas.openxmlformats.org/officeDocument/2006/relationships" xmlns:p="http://schemas.openxmlformats.org/presentationml/2006/main">
   <p:cSld>
     <p:spTree>
@@ -17546,7 +19088,7 @@
 </p:sld>
 </file>
 
-<file path=ppt/slides/slide17.xml><?xml version="1.0" encoding="utf-8"?>
+<file path=ppt/slides/slide19.xml><?xml version="1.0" encoding="utf-8"?>
 <p:sld xmlns:a="http://schemas.openxmlformats.org/drawingml/2006/main" xmlns:r="http://schemas.openxmlformats.org/officeDocument/2006/relationships" xmlns:p="http://schemas.openxmlformats.org/presentationml/2006/main">
   <p:cSld>
     <p:spTree>
@@ -17705,7 +19247,545 @@
 </p:sld>
 </file>
 
-<file path=ppt/slides/slide18.xml><?xml version="1.0" encoding="utf-8"?>
+<file path=ppt/slides/slide2.xml><?xml version="1.0" encoding="utf-8"?>
+<p:sld xmlns:a="http://schemas.openxmlformats.org/drawingml/2006/main" xmlns:r="http://schemas.openxmlformats.org/officeDocument/2006/relationships" xmlns:p="http://schemas.openxmlformats.org/presentationml/2006/main">
+  <p:cSld>
+    <p:spTree>
+      <p:nvGrpSpPr>
+        <p:cNvPr id="1" name="">
+          <a:extLst>
+            <a:ext uri="{FF2B5EF4-FFF2-40B4-BE49-F238E27FC236}">
+              <a16:creationId xmlns:a16="http://schemas.microsoft.com/office/drawing/2014/main" id="{F443A8EC-C934-1120-4BAE-4306B8217249}"/>
+            </a:ext>
+          </a:extLst>
+        </p:cNvPr>
+        <p:cNvGrpSpPr/>
+        <p:nvPr/>
+      </p:nvGrpSpPr>
+      <p:grpSpPr>
+        <a:xfrm>
+          <a:off x="0" y="0"/>
+          <a:ext cx="0" cy="0"/>
+          <a:chOff x="0" y="0"/>
+          <a:chExt cx="0" cy="0"/>
+        </a:xfrm>
+      </p:grpSpPr>
+      <p:sp>
+        <p:nvSpPr>
+          <p:cNvPr id="14" name="직사각형 13">
+            <a:extLst>
+              <a:ext uri="{FF2B5EF4-FFF2-40B4-BE49-F238E27FC236}">
+                <a16:creationId xmlns:a16="http://schemas.microsoft.com/office/drawing/2014/main" id="{41581C53-BC23-2900-A15E-8E5CD3447605}"/>
+              </a:ext>
+            </a:extLst>
+          </p:cNvPr>
+          <p:cNvSpPr/>
+          <p:nvPr/>
+        </p:nvSpPr>
+        <p:spPr>
+          <a:xfrm>
+            <a:off x="92765" y="79513"/>
+            <a:ext cx="11986592" cy="6712226"/>
+          </a:xfrm>
+          <a:prstGeom prst="rect">
+            <a:avLst/>
+          </a:prstGeom>
+          <a:solidFill>
+            <a:schemeClr val="accent2">
+              <a:lumMod val="40000"/>
+              <a:lumOff val="60000"/>
+            </a:schemeClr>
+          </a:solidFill>
+        </p:spPr>
+        <p:style>
+          <a:lnRef idx="2">
+            <a:schemeClr val="accent1">
+              <a:shade val="15000"/>
+            </a:schemeClr>
+          </a:lnRef>
+          <a:fillRef idx="1">
+            <a:schemeClr val="accent1"/>
+          </a:fillRef>
+          <a:effectRef idx="0">
+            <a:schemeClr val="accent1"/>
+          </a:effectRef>
+          <a:fontRef idx="minor">
+            <a:schemeClr val="lt1"/>
+          </a:fontRef>
+        </p:style>
+        <p:txBody>
+          <a:bodyPr rtlCol="0" anchor="ctr"/>
+          <a:lstStyle/>
+          <a:p>
+            <a:pPr algn="ctr"/>
+            <a:endParaRPr lang="ko-KR" altLang="en-US"/>
+          </a:p>
+        </p:txBody>
+      </p:sp>
+      <p:sp>
+        <p:nvSpPr>
+          <p:cNvPr id="11" name="직사각형 10">
+            <a:extLst>
+              <a:ext uri="{FF2B5EF4-FFF2-40B4-BE49-F238E27FC236}">
+                <a16:creationId xmlns:a16="http://schemas.microsoft.com/office/drawing/2014/main" id="{6A91D0B5-0C81-4A2F-5D94-9D5182CB9537}"/>
+              </a:ext>
+            </a:extLst>
+          </p:cNvPr>
+          <p:cNvSpPr/>
+          <p:nvPr/>
+        </p:nvSpPr>
+        <p:spPr>
+          <a:xfrm>
+            <a:off x="9515061" y="245165"/>
+            <a:ext cx="2458278" cy="1053548"/>
+          </a:xfrm>
+          <a:prstGeom prst="rect">
+            <a:avLst/>
+          </a:prstGeom>
+        </p:spPr>
+        <p:style>
+          <a:lnRef idx="2">
+            <a:schemeClr val="accent1">
+              <a:shade val="15000"/>
+            </a:schemeClr>
+          </a:lnRef>
+          <a:fillRef idx="1">
+            <a:schemeClr val="accent1"/>
+          </a:fillRef>
+          <a:effectRef idx="0">
+            <a:schemeClr val="accent1"/>
+          </a:effectRef>
+          <a:fontRef idx="minor">
+            <a:schemeClr val="lt1"/>
+          </a:fontRef>
+        </p:style>
+        <p:txBody>
+          <a:bodyPr rtlCol="0" anchor="ctr"/>
+          <a:lstStyle/>
+          <a:p>
+            <a:pPr algn="ctr"/>
+            <a:r>
+              <a:rPr lang="en-US" altLang="ko-KR" sz="5400" dirty="0"/>
+              <a:t>11:50</a:t>
+            </a:r>
+            <a:endParaRPr lang="ko-KR" altLang="en-US" sz="5400" dirty="0"/>
+          </a:p>
+        </p:txBody>
+      </p:sp>
+      <p:sp>
+        <p:nvSpPr>
+          <p:cNvPr id="3" name="사각형: 둥근 모서리 2">
+            <a:extLst>
+              <a:ext uri="{FF2B5EF4-FFF2-40B4-BE49-F238E27FC236}">
+                <a16:creationId xmlns:a16="http://schemas.microsoft.com/office/drawing/2014/main" id="{88AB0841-A42D-AE57-5FDA-5FF9BF80CAB9}"/>
+              </a:ext>
+            </a:extLst>
+          </p:cNvPr>
+          <p:cNvSpPr/>
+          <p:nvPr/>
+        </p:nvSpPr>
+        <p:spPr>
+          <a:xfrm rot="5400000">
+            <a:off x="2816087" y="1557130"/>
+            <a:ext cx="6546574" cy="3763618"/>
+          </a:xfrm>
+          <a:prstGeom prst="roundRect">
+            <a:avLst>
+              <a:gd name="adj" fmla="val 2928"/>
+            </a:avLst>
+          </a:prstGeom>
+          <a:solidFill>
+            <a:schemeClr val="bg2">
+              <a:lumMod val="75000"/>
+            </a:schemeClr>
+          </a:solidFill>
+        </p:spPr>
+        <p:style>
+          <a:lnRef idx="2">
+            <a:schemeClr val="accent1">
+              <a:shade val="15000"/>
+            </a:schemeClr>
+          </a:lnRef>
+          <a:fillRef idx="1">
+            <a:schemeClr val="accent1"/>
+          </a:fillRef>
+          <a:effectRef idx="0">
+            <a:schemeClr val="accent1"/>
+          </a:effectRef>
+          <a:fontRef idx="minor">
+            <a:schemeClr val="lt1"/>
+          </a:fontRef>
+        </p:style>
+        <p:txBody>
+          <a:bodyPr rtlCol="0" anchor="ctr"/>
+          <a:lstStyle/>
+          <a:p>
+            <a:pPr algn="ctr"/>
+            <a:endParaRPr lang="ko-KR" altLang="en-US"/>
+          </a:p>
+        </p:txBody>
+      </p:sp>
+      <p:sp>
+        <p:nvSpPr>
+          <p:cNvPr id="8" name="타원 7">
+            <a:extLst>
+              <a:ext uri="{FF2B5EF4-FFF2-40B4-BE49-F238E27FC236}">
+                <a16:creationId xmlns:a16="http://schemas.microsoft.com/office/drawing/2014/main" id="{66FC456B-445C-70B4-548A-6E28EB8B7DE1}"/>
+              </a:ext>
+            </a:extLst>
+          </p:cNvPr>
+          <p:cNvSpPr/>
+          <p:nvPr/>
+        </p:nvSpPr>
+        <p:spPr>
+          <a:xfrm rot="5400000">
+            <a:off x="6017227" y="209251"/>
+            <a:ext cx="144294" cy="144294"/>
+          </a:xfrm>
+          <a:prstGeom prst="ellipse">
+            <a:avLst/>
+          </a:prstGeom>
+          <a:solidFill>
+            <a:schemeClr val="tx1">
+              <a:lumMod val="85000"/>
+              <a:lumOff val="15000"/>
+            </a:schemeClr>
+          </a:solidFill>
+        </p:spPr>
+        <p:style>
+          <a:lnRef idx="2">
+            <a:schemeClr val="accent1">
+              <a:shade val="15000"/>
+            </a:schemeClr>
+          </a:lnRef>
+          <a:fillRef idx="1">
+            <a:schemeClr val="accent1"/>
+          </a:fillRef>
+          <a:effectRef idx="0">
+            <a:schemeClr val="accent1"/>
+          </a:effectRef>
+          <a:fontRef idx="minor">
+            <a:schemeClr val="lt1"/>
+          </a:fontRef>
+        </p:style>
+        <p:txBody>
+          <a:bodyPr rtlCol="0" anchor="ctr"/>
+          <a:lstStyle/>
+          <a:p>
+            <a:pPr algn="ctr"/>
+            <a:endParaRPr lang="ko-KR" altLang="en-US"/>
+          </a:p>
+        </p:txBody>
+      </p:sp>
+      <p:sp>
+        <p:nvSpPr>
+          <p:cNvPr id="12" name="직사각형 11">
+            <a:extLst>
+              <a:ext uri="{FF2B5EF4-FFF2-40B4-BE49-F238E27FC236}">
+                <a16:creationId xmlns:a16="http://schemas.microsoft.com/office/drawing/2014/main" id="{E56F4A9B-5B22-E2E6-2C5E-C0D176313261}"/>
+              </a:ext>
+            </a:extLst>
+          </p:cNvPr>
+          <p:cNvSpPr>
+            <a:spLocks noChangeAspect="1"/>
+          </p:cNvSpPr>
+          <p:nvPr/>
+        </p:nvSpPr>
+        <p:spPr>
+          <a:xfrm rot="5400000">
+            <a:off x="3039242" y="1762010"/>
+            <a:ext cx="6100264" cy="3442359"/>
+          </a:xfrm>
+          <a:prstGeom prst="rect">
+            <a:avLst/>
+          </a:prstGeom>
+          <a:solidFill>
+            <a:schemeClr val="accent6">
+              <a:lumMod val="75000"/>
+            </a:schemeClr>
+          </a:solidFill>
+          <a:ln>
+            <a:solidFill>
+              <a:schemeClr val="tx1"/>
+            </a:solidFill>
+          </a:ln>
+        </p:spPr>
+        <p:style>
+          <a:lnRef idx="2">
+            <a:schemeClr val="accent1">
+              <a:shade val="15000"/>
+            </a:schemeClr>
+          </a:lnRef>
+          <a:fillRef idx="1">
+            <a:schemeClr val="accent1"/>
+          </a:fillRef>
+          <a:effectRef idx="0">
+            <a:schemeClr val="accent1"/>
+          </a:effectRef>
+          <a:fontRef idx="minor">
+            <a:schemeClr val="lt1"/>
+          </a:fontRef>
+        </p:style>
+        <p:txBody>
+          <a:bodyPr rtlCol="0" anchor="ctr"/>
+          <a:lstStyle/>
+          <a:p>
+            <a:pPr algn="ctr"/>
+            <a:endParaRPr lang="ko-KR" altLang="en-US" sz="700" dirty="0"/>
+          </a:p>
+        </p:txBody>
+      </p:sp>
+      <p:sp>
+        <p:nvSpPr>
+          <p:cNvPr id="13" name="TextBox 12">
+            <a:extLst>
+              <a:ext uri="{FF2B5EF4-FFF2-40B4-BE49-F238E27FC236}">
+                <a16:creationId xmlns:a16="http://schemas.microsoft.com/office/drawing/2014/main" id="{CEF12577-6ED2-5223-A4A9-496AC3CA045B}"/>
+              </a:ext>
+            </a:extLst>
+          </p:cNvPr>
+          <p:cNvSpPr txBox="1"/>
+          <p:nvPr/>
+        </p:nvSpPr>
+        <p:spPr>
+          <a:xfrm>
+            <a:off x="4761928" y="1664012"/>
+            <a:ext cx="2654894" cy="646331"/>
+          </a:xfrm>
+          <a:prstGeom prst="rect">
+            <a:avLst/>
+          </a:prstGeom>
+          <a:noFill/>
+        </p:spPr>
+        <p:txBody>
+          <a:bodyPr wrap="none" rtlCol="0">
+            <a:spAutoFit/>
+          </a:bodyPr>
+          <a:lstStyle/>
+          <a:p>
+            <a:pPr algn="ctr"/>
+            <a:r>
+              <a:rPr lang="ko-KR" altLang="en-US" sz="3600" b="1" dirty="0">
+                <a:solidFill>
+                  <a:schemeClr val="bg1"/>
+                </a:solidFill>
+              </a:rPr>
+              <a:t>게임 타이틀</a:t>
+            </a:r>
+          </a:p>
+        </p:txBody>
+      </p:sp>
+      <p:sp>
+        <p:nvSpPr>
+          <p:cNvPr id="15" name="TextBox 14">
+            <a:extLst>
+              <a:ext uri="{FF2B5EF4-FFF2-40B4-BE49-F238E27FC236}">
+                <a16:creationId xmlns:a16="http://schemas.microsoft.com/office/drawing/2014/main" id="{D0709697-A77E-0ABC-CBC3-D891EE6CF15F}"/>
+              </a:ext>
+            </a:extLst>
+          </p:cNvPr>
+          <p:cNvSpPr txBox="1"/>
+          <p:nvPr/>
+        </p:nvSpPr>
+        <p:spPr>
+          <a:xfrm>
+            <a:off x="4935052" y="6163990"/>
+            <a:ext cx="2308645" cy="261610"/>
+          </a:xfrm>
+          <a:prstGeom prst="rect">
+            <a:avLst/>
+          </a:prstGeom>
+          <a:noFill/>
+        </p:spPr>
+        <p:txBody>
+          <a:bodyPr wrap="none" rtlCol="0">
+            <a:spAutoFit/>
+          </a:bodyPr>
+          <a:lstStyle/>
+          <a:p>
+            <a:pPr algn="ctr"/>
+            <a:r>
+              <a:rPr lang="ko-KR" altLang="en-US" sz="1100" dirty="0">
+                <a:solidFill>
+                  <a:schemeClr val="bg1"/>
+                </a:solidFill>
+              </a:rPr>
+              <a:t>화면을 위로 </a:t>
+            </a:r>
+            <a:r>
+              <a:rPr lang="ko-KR" altLang="en-US" sz="1100" dirty="0" err="1">
+                <a:solidFill>
+                  <a:schemeClr val="bg1"/>
+                </a:solidFill>
+              </a:rPr>
+              <a:t>드래그하여</a:t>
+            </a:r>
+            <a:r>
+              <a:rPr lang="ko-KR" altLang="en-US" sz="1100" dirty="0">
+                <a:solidFill>
+                  <a:schemeClr val="bg1"/>
+                </a:solidFill>
+              </a:rPr>
+              <a:t> 게임시작</a:t>
+            </a:r>
+          </a:p>
+        </p:txBody>
+      </p:sp>
+      <p:sp>
+        <p:nvSpPr>
+          <p:cNvPr id="18" name="TextBox 17">
+            <a:extLst>
+              <a:ext uri="{FF2B5EF4-FFF2-40B4-BE49-F238E27FC236}">
+                <a16:creationId xmlns:a16="http://schemas.microsoft.com/office/drawing/2014/main" id="{F404E036-07D1-1936-FD38-B80F0E60065E}"/>
+              </a:ext>
+            </a:extLst>
+          </p:cNvPr>
+          <p:cNvSpPr txBox="1"/>
+          <p:nvPr/>
+        </p:nvSpPr>
+        <p:spPr>
+          <a:xfrm>
+            <a:off x="4592802" y="3541298"/>
+            <a:ext cx="2848857" cy="923330"/>
+          </a:xfrm>
+          <a:prstGeom prst="rect">
+            <a:avLst/>
+          </a:prstGeom>
+          <a:noFill/>
+        </p:spPr>
+        <p:txBody>
+          <a:bodyPr wrap="none" rtlCol="0">
+            <a:spAutoFit/>
+          </a:bodyPr>
+          <a:lstStyle/>
+          <a:p>
+            <a:pPr algn="ctr"/>
+            <a:r>
+              <a:rPr lang="ko-KR" altLang="en-US" dirty="0">
+                <a:solidFill>
+                  <a:schemeClr val="bg1"/>
+                </a:solidFill>
+              </a:rPr>
+              <a:t>숲 풍경 느낌의</a:t>
+            </a:r>
+            <a:endParaRPr lang="en-US" altLang="ko-KR" dirty="0">
+              <a:solidFill>
+                <a:schemeClr val="bg1"/>
+              </a:solidFill>
+            </a:endParaRPr>
+          </a:p>
+          <a:p>
+            <a:pPr algn="ctr"/>
+            <a:r>
+              <a:rPr lang="ko-KR" altLang="en-US" dirty="0">
+                <a:solidFill>
+                  <a:schemeClr val="bg1"/>
+                </a:solidFill>
+              </a:rPr>
+              <a:t>잠금 화면</a:t>
+            </a:r>
+            <a:endParaRPr lang="en-US" altLang="ko-KR" dirty="0">
+              <a:solidFill>
+                <a:schemeClr val="bg1"/>
+              </a:solidFill>
+            </a:endParaRPr>
+          </a:p>
+          <a:p>
+            <a:pPr algn="ctr"/>
+            <a:r>
+              <a:rPr lang="en-US" altLang="ko-KR" dirty="0">
+                <a:solidFill>
+                  <a:schemeClr val="bg1"/>
+                </a:solidFill>
+              </a:rPr>
+              <a:t>Or </a:t>
+            </a:r>
+            <a:r>
+              <a:rPr lang="ko-KR" altLang="en-US" dirty="0">
+                <a:solidFill>
+                  <a:schemeClr val="bg1"/>
+                </a:solidFill>
+              </a:rPr>
+              <a:t>아이폰 기본 잠금 화면</a:t>
+            </a:r>
+          </a:p>
+        </p:txBody>
+      </p:sp>
+      <p:sp>
+        <p:nvSpPr>
+          <p:cNvPr id="2" name="TextBox 1">
+            <a:extLst>
+              <a:ext uri="{FF2B5EF4-FFF2-40B4-BE49-F238E27FC236}">
+                <a16:creationId xmlns:a16="http://schemas.microsoft.com/office/drawing/2014/main" id="{52053DC8-E625-E04E-7D51-4EF4D24AFA06}"/>
+              </a:ext>
+            </a:extLst>
+          </p:cNvPr>
+          <p:cNvSpPr txBox="1"/>
+          <p:nvPr/>
+        </p:nvSpPr>
+        <p:spPr>
+          <a:xfrm>
+            <a:off x="5053090" y="2509215"/>
+            <a:ext cx="2085827" cy="400110"/>
+          </a:xfrm>
+          <a:prstGeom prst="rect">
+            <a:avLst/>
+          </a:prstGeom>
+          <a:noFill/>
+        </p:spPr>
+        <p:txBody>
+          <a:bodyPr wrap="none" rtlCol="0">
+            <a:spAutoFit/>
+          </a:bodyPr>
+          <a:lstStyle/>
+          <a:p>
+            <a:pPr algn="ctr"/>
+            <a:r>
+              <a:rPr lang="en-US" altLang="ko-KR" sz="2000" b="1" dirty="0">
+                <a:solidFill>
+                  <a:schemeClr val="bg1"/>
+                </a:solidFill>
+              </a:rPr>
+              <a:t>(</a:t>
+            </a:r>
+            <a:r>
+              <a:rPr lang="ko-KR" altLang="en-US" sz="2000" b="1" dirty="0">
+                <a:solidFill>
+                  <a:schemeClr val="bg1"/>
+                </a:solidFill>
+              </a:rPr>
+              <a:t>현재 시간 표기</a:t>
+            </a:r>
+            <a:r>
+              <a:rPr lang="en-US" altLang="ko-KR" sz="2000" b="1" dirty="0">
+                <a:solidFill>
+                  <a:schemeClr val="bg1"/>
+                </a:solidFill>
+              </a:rPr>
+              <a:t>)</a:t>
+            </a:r>
+            <a:endParaRPr lang="ko-KR" altLang="en-US" sz="2000" b="1" dirty="0">
+              <a:solidFill>
+                <a:schemeClr val="bg1"/>
+              </a:solidFill>
+            </a:endParaRPr>
+          </a:p>
+        </p:txBody>
+      </p:sp>
+    </p:spTree>
+    <p:extLst>
+      <p:ext uri="{BB962C8B-B14F-4D97-AF65-F5344CB8AC3E}">
+        <p14:creationId xmlns:p14="http://schemas.microsoft.com/office/powerpoint/2010/main" val="423471011"/>
+      </p:ext>
+    </p:extLst>
+  </p:cSld>
+  <p:clrMapOvr>
+    <a:masterClrMapping/>
+  </p:clrMapOvr>
+</p:sld>
+</file>
+
+<file path=ppt/slides/slide20.xml><?xml version="1.0" encoding="utf-8"?>
 <p:sld xmlns:a="http://schemas.openxmlformats.org/drawingml/2006/main" xmlns:r="http://schemas.openxmlformats.org/officeDocument/2006/relationships" xmlns:p="http://schemas.openxmlformats.org/presentationml/2006/main">
   <p:cSld>
     <p:spTree>
@@ -20435,7 +22515,7 @@
 </p:sld>
 </file>
 
-<file path=ppt/slides/slide19.xml><?xml version="1.0" encoding="utf-8"?>
+<file path=ppt/slides/slide21.xml><?xml version="1.0" encoding="utf-8"?>
 <p:sld xmlns:a="http://schemas.openxmlformats.org/drawingml/2006/main" xmlns:r="http://schemas.openxmlformats.org/officeDocument/2006/relationships" xmlns:p="http://schemas.openxmlformats.org/presentationml/2006/main">
   <p:cSld>
     <p:spTree>
@@ -23148,484 +25228,7 @@
 </p:sld>
 </file>
 
-<file path=ppt/slides/slide2.xml><?xml version="1.0" encoding="utf-8"?>
-<p:sld xmlns:a="http://schemas.openxmlformats.org/drawingml/2006/main" xmlns:r="http://schemas.openxmlformats.org/officeDocument/2006/relationships" xmlns:p="http://schemas.openxmlformats.org/presentationml/2006/main">
-  <p:cSld>
-    <p:spTree>
-      <p:nvGrpSpPr>
-        <p:cNvPr id="1" name="">
-          <a:extLst>
-            <a:ext uri="{FF2B5EF4-FFF2-40B4-BE49-F238E27FC236}">
-              <a16:creationId xmlns:a16="http://schemas.microsoft.com/office/drawing/2014/main" id="{F443A8EC-C934-1120-4BAE-4306B8217249}"/>
-            </a:ext>
-          </a:extLst>
-        </p:cNvPr>
-        <p:cNvGrpSpPr/>
-        <p:nvPr/>
-      </p:nvGrpSpPr>
-      <p:grpSpPr>
-        <a:xfrm>
-          <a:off x="0" y="0"/>
-          <a:ext cx="0" cy="0"/>
-          <a:chOff x="0" y="0"/>
-          <a:chExt cx="0" cy="0"/>
-        </a:xfrm>
-      </p:grpSpPr>
-      <p:sp>
-        <p:nvSpPr>
-          <p:cNvPr id="14" name="직사각형 13">
-            <a:extLst>
-              <a:ext uri="{FF2B5EF4-FFF2-40B4-BE49-F238E27FC236}">
-                <a16:creationId xmlns:a16="http://schemas.microsoft.com/office/drawing/2014/main" id="{41581C53-BC23-2900-A15E-8E5CD3447605}"/>
-              </a:ext>
-            </a:extLst>
-          </p:cNvPr>
-          <p:cNvSpPr/>
-          <p:nvPr/>
-        </p:nvSpPr>
-        <p:spPr>
-          <a:xfrm>
-            <a:off x="92765" y="79513"/>
-            <a:ext cx="11986592" cy="6712226"/>
-          </a:xfrm>
-          <a:prstGeom prst="rect">
-            <a:avLst/>
-          </a:prstGeom>
-          <a:solidFill>
-            <a:schemeClr val="accent2">
-              <a:lumMod val="40000"/>
-              <a:lumOff val="60000"/>
-            </a:schemeClr>
-          </a:solidFill>
-        </p:spPr>
-        <p:style>
-          <a:lnRef idx="2">
-            <a:schemeClr val="accent1">
-              <a:shade val="15000"/>
-            </a:schemeClr>
-          </a:lnRef>
-          <a:fillRef idx="1">
-            <a:schemeClr val="accent1"/>
-          </a:fillRef>
-          <a:effectRef idx="0">
-            <a:schemeClr val="accent1"/>
-          </a:effectRef>
-          <a:fontRef idx="minor">
-            <a:schemeClr val="lt1"/>
-          </a:fontRef>
-        </p:style>
-        <p:txBody>
-          <a:bodyPr rtlCol="0" anchor="ctr"/>
-          <a:lstStyle/>
-          <a:p>
-            <a:pPr algn="ctr"/>
-            <a:endParaRPr lang="ko-KR" altLang="en-US"/>
-          </a:p>
-        </p:txBody>
-      </p:sp>
-      <p:sp>
-        <p:nvSpPr>
-          <p:cNvPr id="11" name="직사각형 10">
-            <a:extLst>
-              <a:ext uri="{FF2B5EF4-FFF2-40B4-BE49-F238E27FC236}">
-                <a16:creationId xmlns:a16="http://schemas.microsoft.com/office/drawing/2014/main" id="{6A91D0B5-0C81-4A2F-5D94-9D5182CB9537}"/>
-              </a:ext>
-            </a:extLst>
-          </p:cNvPr>
-          <p:cNvSpPr/>
-          <p:nvPr/>
-        </p:nvSpPr>
-        <p:spPr>
-          <a:xfrm>
-            <a:off x="9515061" y="245165"/>
-            <a:ext cx="2458278" cy="1053548"/>
-          </a:xfrm>
-          <a:prstGeom prst="rect">
-            <a:avLst/>
-          </a:prstGeom>
-        </p:spPr>
-        <p:style>
-          <a:lnRef idx="2">
-            <a:schemeClr val="accent1">
-              <a:shade val="15000"/>
-            </a:schemeClr>
-          </a:lnRef>
-          <a:fillRef idx="1">
-            <a:schemeClr val="accent1"/>
-          </a:fillRef>
-          <a:effectRef idx="0">
-            <a:schemeClr val="accent1"/>
-          </a:effectRef>
-          <a:fontRef idx="minor">
-            <a:schemeClr val="lt1"/>
-          </a:fontRef>
-        </p:style>
-        <p:txBody>
-          <a:bodyPr rtlCol="0" anchor="ctr"/>
-          <a:lstStyle/>
-          <a:p>
-            <a:pPr algn="ctr"/>
-            <a:r>
-              <a:rPr lang="en-US" altLang="ko-KR" sz="5400" dirty="0"/>
-              <a:t>11:50</a:t>
-            </a:r>
-            <a:endParaRPr lang="ko-KR" altLang="en-US" sz="5400" dirty="0"/>
-          </a:p>
-        </p:txBody>
-      </p:sp>
-      <p:sp>
-        <p:nvSpPr>
-          <p:cNvPr id="3" name="사각형: 둥근 모서리 2">
-            <a:extLst>
-              <a:ext uri="{FF2B5EF4-FFF2-40B4-BE49-F238E27FC236}">
-                <a16:creationId xmlns:a16="http://schemas.microsoft.com/office/drawing/2014/main" id="{88AB0841-A42D-AE57-5FDA-5FF9BF80CAB9}"/>
-              </a:ext>
-            </a:extLst>
-          </p:cNvPr>
-          <p:cNvSpPr/>
-          <p:nvPr/>
-        </p:nvSpPr>
-        <p:spPr>
-          <a:xfrm rot="5400000">
-            <a:off x="2816087" y="1557130"/>
-            <a:ext cx="6546574" cy="3763618"/>
-          </a:xfrm>
-          <a:prstGeom prst="roundRect">
-            <a:avLst>
-              <a:gd name="adj" fmla="val 2928"/>
-            </a:avLst>
-          </a:prstGeom>
-          <a:solidFill>
-            <a:schemeClr val="bg2">
-              <a:lumMod val="75000"/>
-            </a:schemeClr>
-          </a:solidFill>
-        </p:spPr>
-        <p:style>
-          <a:lnRef idx="2">
-            <a:schemeClr val="accent1">
-              <a:shade val="15000"/>
-            </a:schemeClr>
-          </a:lnRef>
-          <a:fillRef idx="1">
-            <a:schemeClr val="accent1"/>
-          </a:fillRef>
-          <a:effectRef idx="0">
-            <a:schemeClr val="accent1"/>
-          </a:effectRef>
-          <a:fontRef idx="minor">
-            <a:schemeClr val="lt1"/>
-          </a:fontRef>
-        </p:style>
-        <p:txBody>
-          <a:bodyPr rtlCol="0" anchor="ctr"/>
-          <a:lstStyle/>
-          <a:p>
-            <a:pPr algn="ctr"/>
-            <a:endParaRPr lang="ko-KR" altLang="en-US"/>
-          </a:p>
-        </p:txBody>
-      </p:sp>
-      <p:sp>
-        <p:nvSpPr>
-          <p:cNvPr id="8" name="타원 7">
-            <a:extLst>
-              <a:ext uri="{FF2B5EF4-FFF2-40B4-BE49-F238E27FC236}">
-                <a16:creationId xmlns:a16="http://schemas.microsoft.com/office/drawing/2014/main" id="{66FC456B-445C-70B4-548A-6E28EB8B7DE1}"/>
-              </a:ext>
-            </a:extLst>
-          </p:cNvPr>
-          <p:cNvSpPr/>
-          <p:nvPr/>
-        </p:nvSpPr>
-        <p:spPr>
-          <a:xfrm rot="5400000">
-            <a:off x="6017227" y="209251"/>
-            <a:ext cx="144294" cy="144294"/>
-          </a:xfrm>
-          <a:prstGeom prst="ellipse">
-            <a:avLst/>
-          </a:prstGeom>
-          <a:solidFill>
-            <a:schemeClr val="tx1">
-              <a:lumMod val="85000"/>
-              <a:lumOff val="15000"/>
-            </a:schemeClr>
-          </a:solidFill>
-        </p:spPr>
-        <p:style>
-          <a:lnRef idx="2">
-            <a:schemeClr val="accent1">
-              <a:shade val="15000"/>
-            </a:schemeClr>
-          </a:lnRef>
-          <a:fillRef idx="1">
-            <a:schemeClr val="accent1"/>
-          </a:fillRef>
-          <a:effectRef idx="0">
-            <a:schemeClr val="accent1"/>
-          </a:effectRef>
-          <a:fontRef idx="minor">
-            <a:schemeClr val="lt1"/>
-          </a:fontRef>
-        </p:style>
-        <p:txBody>
-          <a:bodyPr rtlCol="0" anchor="ctr"/>
-          <a:lstStyle/>
-          <a:p>
-            <a:pPr algn="ctr"/>
-            <a:endParaRPr lang="ko-KR" altLang="en-US"/>
-          </a:p>
-        </p:txBody>
-      </p:sp>
-      <p:sp>
-        <p:nvSpPr>
-          <p:cNvPr id="12" name="직사각형 11">
-            <a:extLst>
-              <a:ext uri="{FF2B5EF4-FFF2-40B4-BE49-F238E27FC236}">
-                <a16:creationId xmlns:a16="http://schemas.microsoft.com/office/drawing/2014/main" id="{E56F4A9B-5B22-E2E6-2C5E-C0D176313261}"/>
-              </a:ext>
-            </a:extLst>
-          </p:cNvPr>
-          <p:cNvSpPr>
-            <a:spLocks noChangeAspect="1"/>
-          </p:cNvSpPr>
-          <p:nvPr/>
-        </p:nvSpPr>
-        <p:spPr>
-          <a:xfrm rot="5400000">
-            <a:off x="3039242" y="1762010"/>
-            <a:ext cx="6100264" cy="3442359"/>
-          </a:xfrm>
-          <a:prstGeom prst="rect">
-            <a:avLst/>
-          </a:prstGeom>
-          <a:solidFill>
-            <a:schemeClr val="accent6">
-              <a:lumMod val="75000"/>
-            </a:schemeClr>
-          </a:solidFill>
-          <a:ln>
-            <a:solidFill>
-              <a:schemeClr val="tx1"/>
-            </a:solidFill>
-          </a:ln>
-        </p:spPr>
-        <p:style>
-          <a:lnRef idx="2">
-            <a:schemeClr val="accent1">
-              <a:shade val="15000"/>
-            </a:schemeClr>
-          </a:lnRef>
-          <a:fillRef idx="1">
-            <a:schemeClr val="accent1"/>
-          </a:fillRef>
-          <a:effectRef idx="0">
-            <a:schemeClr val="accent1"/>
-          </a:effectRef>
-          <a:fontRef idx="minor">
-            <a:schemeClr val="lt1"/>
-          </a:fontRef>
-        </p:style>
-        <p:txBody>
-          <a:bodyPr rtlCol="0" anchor="ctr"/>
-          <a:lstStyle/>
-          <a:p>
-            <a:pPr algn="ctr"/>
-            <a:endParaRPr lang="ko-KR" altLang="en-US" sz="700" dirty="0"/>
-          </a:p>
-        </p:txBody>
-      </p:sp>
-      <p:sp>
-        <p:nvSpPr>
-          <p:cNvPr id="13" name="TextBox 12">
-            <a:extLst>
-              <a:ext uri="{FF2B5EF4-FFF2-40B4-BE49-F238E27FC236}">
-                <a16:creationId xmlns:a16="http://schemas.microsoft.com/office/drawing/2014/main" id="{CEF12577-6ED2-5223-A4A9-496AC3CA045B}"/>
-              </a:ext>
-            </a:extLst>
-          </p:cNvPr>
-          <p:cNvSpPr txBox="1"/>
-          <p:nvPr/>
-        </p:nvSpPr>
-        <p:spPr>
-          <a:xfrm>
-            <a:off x="4761928" y="1664012"/>
-            <a:ext cx="2654894" cy="646331"/>
-          </a:xfrm>
-          <a:prstGeom prst="rect">
-            <a:avLst/>
-          </a:prstGeom>
-          <a:noFill/>
-        </p:spPr>
-        <p:txBody>
-          <a:bodyPr wrap="none" rtlCol="0">
-            <a:spAutoFit/>
-          </a:bodyPr>
-          <a:lstStyle/>
-          <a:p>
-            <a:pPr algn="ctr"/>
-            <a:r>
-              <a:rPr lang="ko-KR" altLang="en-US" sz="3600" b="1" dirty="0">
-                <a:solidFill>
-                  <a:schemeClr val="bg1"/>
-                </a:solidFill>
-              </a:rPr>
-              <a:t>게임 타이틀</a:t>
-            </a:r>
-          </a:p>
-        </p:txBody>
-      </p:sp>
-      <p:sp>
-        <p:nvSpPr>
-          <p:cNvPr id="15" name="TextBox 14">
-            <a:extLst>
-              <a:ext uri="{FF2B5EF4-FFF2-40B4-BE49-F238E27FC236}">
-                <a16:creationId xmlns:a16="http://schemas.microsoft.com/office/drawing/2014/main" id="{D0709697-A77E-0ABC-CBC3-D891EE6CF15F}"/>
-              </a:ext>
-            </a:extLst>
-          </p:cNvPr>
-          <p:cNvSpPr txBox="1"/>
-          <p:nvPr/>
-        </p:nvSpPr>
-        <p:spPr>
-          <a:xfrm>
-            <a:off x="4935052" y="6163990"/>
-            <a:ext cx="2308645" cy="261610"/>
-          </a:xfrm>
-          <a:prstGeom prst="rect">
-            <a:avLst/>
-          </a:prstGeom>
-          <a:noFill/>
-        </p:spPr>
-        <p:txBody>
-          <a:bodyPr wrap="none" rtlCol="0">
-            <a:spAutoFit/>
-          </a:bodyPr>
-          <a:lstStyle/>
-          <a:p>
-            <a:pPr algn="ctr"/>
-            <a:r>
-              <a:rPr lang="ko-KR" altLang="en-US" sz="1100" dirty="0">
-                <a:solidFill>
-                  <a:schemeClr val="bg1"/>
-                </a:solidFill>
-              </a:rPr>
-              <a:t>화면을 위로 </a:t>
-            </a:r>
-            <a:r>
-              <a:rPr lang="ko-KR" altLang="en-US" sz="1100" dirty="0" err="1">
-                <a:solidFill>
-                  <a:schemeClr val="bg1"/>
-                </a:solidFill>
-              </a:rPr>
-              <a:t>드래그하여</a:t>
-            </a:r>
-            <a:r>
-              <a:rPr lang="ko-KR" altLang="en-US" sz="1100" dirty="0">
-                <a:solidFill>
-                  <a:schemeClr val="bg1"/>
-                </a:solidFill>
-              </a:rPr>
-              <a:t> 게임시작</a:t>
-            </a:r>
-          </a:p>
-        </p:txBody>
-      </p:sp>
-      <p:sp>
-        <p:nvSpPr>
-          <p:cNvPr id="18" name="TextBox 17">
-            <a:extLst>
-              <a:ext uri="{FF2B5EF4-FFF2-40B4-BE49-F238E27FC236}">
-                <a16:creationId xmlns:a16="http://schemas.microsoft.com/office/drawing/2014/main" id="{F404E036-07D1-1936-FD38-B80F0E60065E}"/>
-              </a:ext>
-            </a:extLst>
-          </p:cNvPr>
-          <p:cNvSpPr txBox="1"/>
-          <p:nvPr/>
-        </p:nvSpPr>
-        <p:spPr>
-          <a:xfrm>
-            <a:off x="4592802" y="2929192"/>
-            <a:ext cx="2848857" cy="923330"/>
-          </a:xfrm>
-          <a:prstGeom prst="rect">
-            <a:avLst/>
-          </a:prstGeom>
-          <a:noFill/>
-        </p:spPr>
-        <p:txBody>
-          <a:bodyPr wrap="none" rtlCol="0">
-            <a:spAutoFit/>
-          </a:bodyPr>
-          <a:lstStyle/>
-          <a:p>
-            <a:pPr algn="ctr"/>
-            <a:r>
-              <a:rPr lang="ko-KR" altLang="en-US" dirty="0">
-                <a:solidFill>
-                  <a:schemeClr val="bg1"/>
-                </a:solidFill>
-              </a:rPr>
-              <a:t>숲 풍경 느낌의</a:t>
-            </a:r>
-            <a:endParaRPr lang="en-US" altLang="ko-KR" dirty="0">
-              <a:solidFill>
-                <a:schemeClr val="bg1"/>
-              </a:solidFill>
-            </a:endParaRPr>
-          </a:p>
-          <a:p>
-            <a:pPr algn="ctr"/>
-            <a:r>
-              <a:rPr lang="ko-KR" altLang="en-US" dirty="0">
-                <a:solidFill>
-                  <a:schemeClr val="bg1"/>
-                </a:solidFill>
-              </a:rPr>
-              <a:t>잠금 화면</a:t>
-            </a:r>
-            <a:endParaRPr lang="en-US" altLang="ko-KR" dirty="0">
-              <a:solidFill>
-                <a:schemeClr val="bg1"/>
-              </a:solidFill>
-            </a:endParaRPr>
-          </a:p>
-          <a:p>
-            <a:pPr algn="ctr"/>
-            <a:r>
-              <a:rPr lang="en-US" altLang="ko-KR" dirty="0">
-                <a:solidFill>
-                  <a:schemeClr val="bg1"/>
-                </a:solidFill>
-              </a:rPr>
-              <a:t>Or </a:t>
-            </a:r>
-            <a:r>
-              <a:rPr lang="ko-KR" altLang="en-US" dirty="0">
-                <a:solidFill>
-                  <a:schemeClr val="bg1"/>
-                </a:solidFill>
-              </a:rPr>
-              <a:t>아이폰 기본 잠금 화면</a:t>
-            </a:r>
-          </a:p>
-        </p:txBody>
-      </p:sp>
-    </p:spTree>
-    <p:extLst>
-      <p:ext uri="{BB962C8B-B14F-4D97-AF65-F5344CB8AC3E}">
-        <p14:creationId xmlns:p14="http://schemas.microsoft.com/office/powerpoint/2010/main" val="423471011"/>
-      </p:ext>
-    </p:extLst>
-  </p:cSld>
-  <p:clrMapOvr>
-    <a:masterClrMapping/>
-  </p:clrMapOvr>
-</p:sld>
-</file>
-
-<file path=ppt/slides/slide20.xml><?xml version="1.0" encoding="utf-8"?>
+<file path=ppt/slides/slide22.xml><?xml version="1.0" encoding="utf-8"?>
 <p:sld xmlns:a="http://schemas.openxmlformats.org/drawingml/2006/main" xmlns:r="http://schemas.openxmlformats.org/officeDocument/2006/relationships" xmlns:p="http://schemas.openxmlformats.org/presentationml/2006/main">
   <p:cSld>
     <p:spTree>
@@ -24401,7 +26004,7 @@
 </p:sld>
 </file>
 
-<file path=ppt/slides/slide21.xml><?xml version="1.0" encoding="utf-8"?>
+<file path=ppt/slides/slide23.xml><?xml version="1.0" encoding="utf-8"?>
 <p:sld xmlns:a="http://schemas.openxmlformats.org/drawingml/2006/main" xmlns:r="http://schemas.openxmlformats.org/officeDocument/2006/relationships" xmlns:p="http://schemas.openxmlformats.org/presentationml/2006/main">
   <p:cSld>
     <p:spTree>
@@ -25056,7 +26659,7 @@
 </p:sld>
 </file>
 
-<file path=ppt/slides/slide22.xml><?xml version="1.0" encoding="utf-8"?>
+<file path=ppt/slides/slide24.xml><?xml version="1.0" encoding="utf-8"?>
 <p:sld xmlns:a="http://schemas.openxmlformats.org/drawingml/2006/main" xmlns:r="http://schemas.openxmlformats.org/officeDocument/2006/relationships" xmlns:p="http://schemas.openxmlformats.org/presentationml/2006/main">
   <p:cSld>
     <p:spTree>
@@ -25416,7 +27019,7 @@
 </p:sld>
 </file>
 
-<file path=ppt/slides/slide23.xml><?xml version="1.0" encoding="utf-8"?>
+<file path=ppt/slides/slide25.xml><?xml version="1.0" encoding="utf-8"?>
 <p:sld xmlns:a="http://schemas.openxmlformats.org/drawingml/2006/main" xmlns:r="http://schemas.openxmlformats.org/officeDocument/2006/relationships" xmlns:p="http://schemas.openxmlformats.org/presentationml/2006/main">
   <p:cSld>
     <p:spTree>
@@ -28339,7 +29942,7 @@
 </p:sld>
 </file>
 
-<file path=ppt/slides/slide24.xml><?xml version="1.0" encoding="utf-8"?>
+<file path=ppt/slides/slide26.xml><?xml version="1.0" encoding="utf-8"?>
 <p:sld xmlns:a="http://schemas.openxmlformats.org/drawingml/2006/main" xmlns:r="http://schemas.openxmlformats.org/officeDocument/2006/relationships" xmlns:p="http://schemas.openxmlformats.org/presentationml/2006/main">
   <p:cSld>
     <p:spTree>
@@ -29437,7 +31040,7 @@
 </p:sld>
 </file>
 
-<file path=ppt/slides/slide25.xml><?xml version="1.0" encoding="utf-8"?>
+<file path=ppt/slides/slide27.xml><?xml version="1.0" encoding="utf-8"?>
 <p:sld xmlns:a="http://schemas.openxmlformats.org/drawingml/2006/main" xmlns:r="http://schemas.openxmlformats.org/officeDocument/2006/relationships" xmlns:p="http://schemas.openxmlformats.org/presentationml/2006/main">
   <p:cSld>
     <p:spTree>
@@ -30572,7 +32175,7 @@
 </p:sld>
 </file>
 
-<file path=ppt/slides/slide26.xml><?xml version="1.0" encoding="utf-8"?>
+<file path=ppt/slides/slide28.xml><?xml version="1.0" encoding="utf-8"?>
 <p:sld xmlns:a="http://schemas.openxmlformats.org/drawingml/2006/main" xmlns:r="http://schemas.openxmlformats.org/officeDocument/2006/relationships" xmlns:p="http://schemas.openxmlformats.org/presentationml/2006/main">
   <p:cSld>
     <p:spTree>
@@ -33915,7 +35518,7 @@
 </p:sld>
 </file>
 
-<file path=ppt/slides/slide27.xml><?xml version="1.0" encoding="utf-8"?>
+<file path=ppt/slides/slide29.xml><?xml version="1.0" encoding="utf-8"?>
 <p:sld xmlns:a="http://schemas.openxmlformats.org/drawingml/2006/main" xmlns:r="http://schemas.openxmlformats.org/officeDocument/2006/relationships" xmlns:p="http://schemas.openxmlformats.org/presentationml/2006/main">
   <p:cSld>
     <p:spTree>
@@ -35187,7 +36790,526 @@
 </p:sld>
 </file>
 
-<file path=ppt/slides/slide28.xml><?xml version="1.0" encoding="utf-8"?>
+<file path=ppt/slides/slide3.xml><?xml version="1.0" encoding="utf-8"?>
+<p:sld xmlns:a="http://schemas.openxmlformats.org/drawingml/2006/main" xmlns:r="http://schemas.openxmlformats.org/officeDocument/2006/relationships" xmlns:p="http://schemas.openxmlformats.org/presentationml/2006/main">
+  <p:cSld>
+    <p:spTree>
+      <p:nvGrpSpPr>
+        <p:cNvPr id="1" name="">
+          <a:extLst>
+            <a:ext uri="{FF2B5EF4-FFF2-40B4-BE49-F238E27FC236}">
+              <a16:creationId xmlns:a16="http://schemas.microsoft.com/office/drawing/2014/main" id="{D4524151-8BCB-F93F-412F-5A1714D38AFB}"/>
+            </a:ext>
+          </a:extLst>
+        </p:cNvPr>
+        <p:cNvGrpSpPr/>
+        <p:nvPr/>
+      </p:nvGrpSpPr>
+      <p:grpSpPr>
+        <a:xfrm>
+          <a:off x="0" y="0"/>
+          <a:ext cx="0" cy="0"/>
+          <a:chOff x="0" y="0"/>
+          <a:chExt cx="0" cy="0"/>
+        </a:xfrm>
+      </p:grpSpPr>
+      <p:sp>
+        <p:nvSpPr>
+          <p:cNvPr id="14" name="직사각형 13">
+            <a:extLst>
+              <a:ext uri="{FF2B5EF4-FFF2-40B4-BE49-F238E27FC236}">
+                <a16:creationId xmlns:a16="http://schemas.microsoft.com/office/drawing/2014/main" id="{4A8BC9EA-F42F-16E7-2B16-568A8D6D974E}"/>
+              </a:ext>
+            </a:extLst>
+          </p:cNvPr>
+          <p:cNvSpPr/>
+          <p:nvPr/>
+        </p:nvSpPr>
+        <p:spPr>
+          <a:xfrm>
+            <a:off x="92765" y="79513"/>
+            <a:ext cx="11986592" cy="6712226"/>
+          </a:xfrm>
+          <a:prstGeom prst="rect">
+            <a:avLst/>
+          </a:prstGeom>
+          <a:solidFill>
+            <a:schemeClr val="accent2">
+              <a:lumMod val="40000"/>
+              <a:lumOff val="60000"/>
+            </a:schemeClr>
+          </a:solidFill>
+        </p:spPr>
+        <p:style>
+          <a:lnRef idx="2">
+            <a:schemeClr val="accent1">
+              <a:shade val="15000"/>
+            </a:schemeClr>
+          </a:lnRef>
+          <a:fillRef idx="1">
+            <a:schemeClr val="accent1"/>
+          </a:fillRef>
+          <a:effectRef idx="0">
+            <a:schemeClr val="accent1"/>
+          </a:effectRef>
+          <a:fontRef idx="minor">
+            <a:schemeClr val="lt1"/>
+          </a:fontRef>
+        </p:style>
+        <p:txBody>
+          <a:bodyPr rtlCol="0" anchor="ctr"/>
+          <a:lstStyle/>
+          <a:p>
+            <a:pPr algn="ctr"/>
+            <a:endParaRPr lang="ko-KR" altLang="en-US"/>
+          </a:p>
+        </p:txBody>
+      </p:sp>
+      <p:sp>
+        <p:nvSpPr>
+          <p:cNvPr id="11" name="직사각형 10">
+            <a:extLst>
+              <a:ext uri="{FF2B5EF4-FFF2-40B4-BE49-F238E27FC236}">
+                <a16:creationId xmlns:a16="http://schemas.microsoft.com/office/drawing/2014/main" id="{7DC051B1-9799-D411-0C16-85F93486C356}"/>
+              </a:ext>
+            </a:extLst>
+          </p:cNvPr>
+          <p:cNvSpPr/>
+          <p:nvPr/>
+        </p:nvSpPr>
+        <p:spPr>
+          <a:xfrm>
+            <a:off x="9515061" y="245165"/>
+            <a:ext cx="2458278" cy="1053548"/>
+          </a:xfrm>
+          <a:prstGeom prst="rect">
+            <a:avLst/>
+          </a:prstGeom>
+        </p:spPr>
+        <p:style>
+          <a:lnRef idx="2">
+            <a:schemeClr val="accent1">
+              <a:shade val="15000"/>
+            </a:schemeClr>
+          </a:lnRef>
+          <a:fillRef idx="1">
+            <a:schemeClr val="accent1"/>
+          </a:fillRef>
+          <a:effectRef idx="0">
+            <a:schemeClr val="accent1"/>
+          </a:effectRef>
+          <a:fontRef idx="minor">
+            <a:schemeClr val="lt1"/>
+          </a:fontRef>
+        </p:style>
+        <p:txBody>
+          <a:bodyPr rtlCol="0" anchor="ctr"/>
+          <a:lstStyle/>
+          <a:p>
+            <a:pPr algn="ctr"/>
+            <a:r>
+              <a:rPr lang="en-US" altLang="ko-KR" sz="5400" dirty="0"/>
+              <a:t>11:50</a:t>
+            </a:r>
+            <a:endParaRPr lang="ko-KR" altLang="en-US" sz="5400" dirty="0"/>
+          </a:p>
+        </p:txBody>
+      </p:sp>
+      <p:sp>
+        <p:nvSpPr>
+          <p:cNvPr id="3" name="사각형: 둥근 모서리 2">
+            <a:extLst>
+              <a:ext uri="{FF2B5EF4-FFF2-40B4-BE49-F238E27FC236}">
+                <a16:creationId xmlns:a16="http://schemas.microsoft.com/office/drawing/2014/main" id="{9766B08A-3584-3739-D36A-584E7C064B0D}"/>
+              </a:ext>
+            </a:extLst>
+          </p:cNvPr>
+          <p:cNvSpPr/>
+          <p:nvPr/>
+        </p:nvSpPr>
+        <p:spPr>
+          <a:xfrm rot="5400000">
+            <a:off x="2816087" y="1557130"/>
+            <a:ext cx="6546574" cy="3763618"/>
+          </a:xfrm>
+          <a:prstGeom prst="roundRect">
+            <a:avLst>
+              <a:gd name="adj" fmla="val 2928"/>
+            </a:avLst>
+          </a:prstGeom>
+          <a:solidFill>
+            <a:schemeClr val="bg2">
+              <a:lumMod val="75000"/>
+            </a:schemeClr>
+          </a:solidFill>
+        </p:spPr>
+        <p:style>
+          <a:lnRef idx="2">
+            <a:schemeClr val="accent1">
+              <a:shade val="15000"/>
+            </a:schemeClr>
+          </a:lnRef>
+          <a:fillRef idx="1">
+            <a:schemeClr val="accent1"/>
+          </a:fillRef>
+          <a:effectRef idx="0">
+            <a:schemeClr val="accent1"/>
+          </a:effectRef>
+          <a:fontRef idx="minor">
+            <a:schemeClr val="lt1"/>
+          </a:fontRef>
+        </p:style>
+        <p:txBody>
+          <a:bodyPr rtlCol="0" anchor="ctr"/>
+          <a:lstStyle/>
+          <a:p>
+            <a:pPr algn="ctr"/>
+            <a:endParaRPr lang="ko-KR" altLang="en-US"/>
+          </a:p>
+        </p:txBody>
+      </p:sp>
+      <p:sp>
+        <p:nvSpPr>
+          <p:cNvPr id="8" name="타원 7">
+            <a:extLst>
+              <a:ext uri="{FF2B5EF4-FFF2-40B4-BE49-F238E27FC236}">
+                <a16:creationId xmlns:a16="http://schemas.microsoft.com/office/drawing/2014/main" id="{92DCF281-F256-A852-454A-E1B041B3FE2B}"/>
+              </a:ext>
+            </a:extLst>
+          </p:cNvPr>
+          <p:cNvSpPr/>
+          <p:nvPr/>
+        </p:nvSpPr>
+        <p:spPr>
+          <a:xfrm rot="5400000">
+            <a:off x="6017227" y="209251"/>
+            <a:ext cx="144294" cy="144294"/>
+          </a:xfrm>
+          <a:prstGeom prst="ellipse">
+            <a:avLst/>
+          </a:prstGeom>
+          <a:solidFill>
+            <a:schemeClr val="tx1">
+              <a:lumMod val="85000"/>
+              <a:lumOff val="15000"/>
+            </a:schemeClr>
+          </a:solidFill>
+        </p:spPr>
+        <p:style>
+          <a:lnRef idx="2">
+            <a:schemeClr val="accent1">
+              <a:shade val="15000"/>
+            </a:schemeClr>
+          </a:lnRef>
+          <a:fillRef idx="1">
+            <a:schemeClr val="accent1"/>
+          </a:fillRef>
+          <a:effectRef idx="0">
+            <a:schemeClr val="accent1"/>
+          </a:effectRef>
+          <a:fontRef idx="minor">
+            <a:schemeClr val="lt1"/>
+          </a:fontRef>
+        </p:style>
+        <p:txBody>
+          <a:bodyPr rtlCol="0" anchor="ctr"/>
+          <a:lstStyle/>
+          <a:p>
+            <a:pPr algn="ctr"/>
+            <a:endParaRPr lang="ko-KR" altLang="en-US"/>
+          </a:p>
+        </p:txBody>
+      </p:sp>
+      <p:sp>
+        <p:nvSpPr>
+          <p:cNvPr id="12" name="직사각형 11">
+            <a:extLst>
+              <a:ext uri="{FF2B5EF4-FFF2-40B4-BE49-F238E27FC236}">
+                <a16:creationId xmlns:a16="http://schemas.microsoft.com/office/drawing/2014/main" id="{2B3CEEEC-E422-19AE-0628-331E9C4B6B3C}"/>
+              </a:ext>
+            </a:extLst>
+          </p:cNvPr>
+          <p:cNvSpPr>
+            <a:spLocks noChangeAspect="1"/>
+          </p:cNvSpPr>
+          <p:nvPr/>
+        </p:nvSpPr>
+        <p:spPr>
+          <a:xfrm rot="5400000">
+            <a:off x="3039242" y="1762010"/>
+            <a:ext cx="6100264" cy="3442359"/>
+          </a:xfrm>
+          <a:prstGeom prst="rect">
+            <a:avLst/>
+          </a:prstGeom>
+          <a:solidFill>
+            <a:schemeClr val="accent6">
+              <a:lumMod val="75000"/>
+            </a:schemeClr>
+          </a:solidFill>
+          <a:ln>
+            <a:solidFill>
+              <a:schemeClr val="tx1"/>
+            </a:solidFill>
+          </a:ln>
+        </p:spPr>
+        <p:style>
+          <a:lnRef idx="2">
+            <a:schemeClr val="accent1">
+              <a:shade val="15000"/>
+            </a:schemeClr>
+          </a:lnRef>
+          <a:fillRef idx="1">
+            <a:schemeClr val="accent1"/>
+          </a:fillRef>
+          <a:effectRef idx="0">
+            <a:schemeClr val="accent1"/>
+          </a:effectRef>
+          <a:fontRef idx="minor">
+            <a:schemeClr val="lt1"/>
+          </a:fontRef>
+        </p:style>
+        <p:txBody>
+          <a:bodyPr rtlCol="0" anchor="ctr"/>
+          <a:lstStyle/>
+          <a:p>
+            <a:pPr algn="ctr"/>
+            <a:endParaRPr lang="ko-KR" altLang="en-US" sz="700" dirty="0"/>
+          </a:p>
+        </p:txBody>
+      </p:sp>
+      <p:sp>
+        <p:nvSpPr>
+          <p:cNvPr id="13" name="TextBox 12">
+            <a:extLst>
+              <a:ext uri="{FF2B5EF4-FFF2-40B4-BE49-F238E27FC236}">
+                <a16:creationId xmlns:a16="http://schemas.microsoft.com/office/drawing/2014/main" id="{3EA624A4-5198-394A-8A40-C93E82AD8E7B}"/>
+              </a:ext>
+            </a:extLst>
+          </p:cNvPr>
+          <p:cNvSpPr txBox="1"/>
+          <p:nvPr/>
+        </p:nvSpPr>
+        <p:spPr>
+          <a:xfrm>
+            <a:off x="4920117" y="1298713"/>
+            <a:ext cx="2338524" cy="877163"/>
+          </a:xfrm>
+          <a:prstGeom prst="rect">
+            <a:avLst/>
+          </a:prstGeom>
+          <a:noFill/>
+        </p:spPr>
+        <p:txBody>
+          <a:bodyPr wrap="none" rtlCol="0">
+            <a:spAutoFit/>
+          </a:bodyPr>
+          <a:lstStyle/>
+          <a:p>
+            <a:pPr algn="ctr"/>
+            <a:r>
+              <a:rPr lang="en-US" altLang="ko-KR" sz="3600" b="1" dirty="0">
+                <a:solidFill>
+                  <a:schemeClr val="bg1"/>
+                </a:solidFill>
+              </a:rPr>
+              <a:t>Impatiens</a:t>
+            </a:r>
+          </a:p>
+          <a:p>
+            <a:pPr algn="ctr"/>
+            <a:r>
+              <a:rPr lang="en-US" altLang="ko-KR" sz="1500" b="1" dirty="0">
+                <a:solidFill>
+                  <a:schemeClr val="bg1"/>
+                </a:solidFill>
+              </a:rPr>
+              <a:t>~Please</a:t>
+            </a:r>
+            <a:r>
+              <a:rPr lang="ko-KR" altLang="en-US" sz="1500" b="1" dirty="0">
+                <a:solidFill>
+                  <a:schemeClr val="bg1"/>
+                </a:solidFill>
+              </a:rPr>
+              <a:t> </a:t>
+            </a:r>
+            <a:r>
+              <a:rPr lang="en-US" altLang="ko-KR" sz="1500" b="1" dirty="0">
+                <a:solidFill>
+                  <a:schemeClr val="bg1"/>
+                </a:solidFill>
+              </a:rPr>
+              <a:t>Let</a:t>
+            </a:r>
+            <a:r>
+              <a:rPr lang="ko-KR" altLang="en-US" sz="1500" b="1" dirty="0">
+                <a:solidFill>
+                  <a:schemeClr val="bg1"/>
+                </a:solidFill>
+              </a:rPr>
+              <a:t> </a:t>
+            </a:r>
+            <a:r>
+              <a:rPr lang="en-US" altLang="ko-KR" sz="1500" b="1" dirty="0">
+                <a:solidFill>
+                  <a:schemeClr val="bg1"/>
+                </a:solidFill>
+              </a:rPr>
+              <a:t>Me</a:t>
+            </a:r>
+            <a:r>
+              <a:rPr lang="ko-KR" altLang="en-US" sz="1500" b="1" dirty="0">
+                <a:solidFill>
+                  <a:schemeClr val="bg1"/>
+                </a:solidFill>
+              </a:rPr>
+              <a:t> </a:t>
+            </a:r>
+            <a:r>
+              <a:rPr lang="en-US" altLang="ko-KR" sz="1500" b="1" dirty="0">
+                <a:solidFill>
+                  <a:schemeClr val="bg1"/>
+                </a:solidFill>
+              </a:rPr>
+              <a:t>Alone~</a:t>
+            </a:r>
+            <a:endParaRPr lang="ko-KR" altLang="en-US" sz="1500" b="1" dirty="0">
+              <a:solidFill>
+                <a:schemeClr val="bg1"/>
+              </a:solidFill>
+            </a:endParaRPr>
+          </a:p>
+        </p:txBody>
+      </p:sp>
+      <p:sp>
+        <p:nvSpPr>
+          <p:cNvPr id="15" name="TextBox 14">
+            <a:extLst>
+              <a:ext uri="{FF2B5EF4-FFF2-40B4-BE49-F238E27FC236}">
+                <a16:creationId xmlns:a16="http://schemas.microsoft.com/office/drawing/2014/main" id="{F5D38CA4-1E48-D321-03B3-285E283C9337}"/>
+              </a:ext>
+            </a:extLst>
+          </p:cNvPr>
+          <p:cNvSpPr txBox="1"/>
+          <p:nvPr/>
+        </p:nvSpPr>
+        <p:spPr>
+          <a:xfrm>
+            <a:off x="4921642" y="5932077"/>
+            <a:ext cx="2348721" cy="261610"/>
+          </a:xfrm>
+          <a:prstGeom prst="rect">
+            <a:avLst/>
+          </a:prstGeom>
+          <a:noFill/>
+        </p:spPr>
+        <p:txBody>
+          <a:bodyPr wrap="none" rtlCol="0">
+            <a:spAutoFit/>
+          </a:bodyPr>
+          <a:lstStyle/>
+          <a:p>
+            <a:pPr algn="ctr"/>
+            <a:r>
+              <a:rPr lang="ko-KR" altLang="en-US" sz="1100" dirty="0">
+                <a:solidFill>
+                  <a:schemeClr val="bg1"/>
+                </a:solidFill>
+              </a:rPr>
+              <a:t>화면을 터치하여 핸드폰을 키우자</a:t>
+            </a:r>
+            <a:r>
+              <a:rPr lang="en-US" altLang="ko-KR" sz="1100" dirty="0">
+                <a:solidFill>
+                  <a:schemeClr val="bg1"/>
+                </a:solidFill>
+              </a:rPr>
+              <a:t>!</a:t>
+            </a:r>
+            <a:endParaRPr lang="ko-KR" altLang="en-US" sz="1100" dirty="0">
+              <a:solidFill>
+                <a:schemeClr val="bg1"/>
+              </a:solidFill>
+            </a:endParaRPr>
+          </a:p>
+        </p:txBody>
+      </p:sp>
+      <p:sp>
+        <p:nvSpPr>
+          <p:cNvPr id="2" name="TextBox 1">
+            <a:extLst>
+              <a:ext uri="{FF2B5EF4-FFF2-40B4-BE49-F238E27FC236}">
+                <a16:creationId xmlns:a16="http://schemas.microsoft.com/office/drawing/2014/main" id="{3FEE6006-AFE0-F921-2C5D-7559C252B101}"/>
+              </a:ext>
+            </a:extLst>
+          </p:cNvPr>
+          <p:cNvSpPr txBox="1"/>
+          <p:nvPr/>
+        </p:nvSpPr>
+        <p:spPr>
+          <a:xfrm>
+            <a:off x="5053090" y="2509215"/>
+            <a:ext cx="2085827" cy="400110"/>
+          </a:xfrm>
+          <a:prstGeom prst="rect">
+            <a:avLst/>
+          </a:prstGeom>
+          <a:noFill/>
+        </p:spPr>
+        <p:txBody>
+          <a:bodyPr wrap="none" rtlCol="0">
+            <a:spAutoFit/>
+          </a:bodyPr>
+          <a:lstStyle/>
+          <a:p>
+            <a:pPr algn="ctr"/>
+            <a:r>
+              <a:rPr lang="en-US" altLang="ko-KR" sz="2000" b="1" dirty="0">
+                <a:solidFill>
+                  <a:schemeClr val="bg1"/>
+                </a:solidFill>
+              </a:rPr>
+              <a:t>(</a:t>
+            </a:r>
+            <a:r>
+              <a:rPr lang="ko-KR" altLang="en-US" sz="2000" b="1" dirty="0">
+                <a:solidFill>
+                  <a:schemeClr val="bg1"/>
+                </a:solidFill>
+              </a:rPr>
+              <a:t>현재 시간 표기</a:t>
+            </a:r>
+            <a:r>
+              <a:rPr lang="en-US" altLang="ko-KR" sz="2000" b="1" dirty="0">
+                <a:solidFill>
+                  <a:schemeClr val="bg1"/>
+                </a:solidFill>
+              </a:rPr>
+              <a:t>)</a:t>
+            </a:r>
+            <a:endParaRPr lang="ko-KR" altLang="en-US" sz="2000" b="1" dirty="0">
+              <a:solidFill>
+                <a:schemeClr val="bg1"/>
+              </a:solidFill>
+            </a:endParaRPr>
+          </a:p>
+        </p:txBody>
+      </p:sp>
+    </p:spTree>
+    <p:extLst>
+      <p:ext uri="{BB962C8B-B14F-4D97-AF65-F5344CB8AC3E}">
+        <p14:creationId xmlns:p14="http://schemas.microsoft.com/office/powerpoint/2010/main" val="3455795888"/>
+      </p:ext>
+    </p:extLst>
+  </p:cSld>
+  <p:clrMapOvr>
+    <a:masterClrMapping/>
+  </p:clrMapOvr>
+</p:sld>
+</file>
+
+<file path=ppt/slides/slide30.xml><?xml version="1.0" encoding="utf-8"?>
 <p:sld xmlns:a="http://schemas.openxmlformats.org/drawingml/2006/main" xmlns:r="http://schemas.openxmlformats.org/officeDocument/2006/relationships" xmlns:p="http://schemas.openxmlformats.org/presentationml/2006/main">
   <p:cSld>
     <p:spTree>
@@ -36063,7 +38185,7 @@
 </p:sld>
 </file>
 
-<file path=ppt/slides/slide29.xml><?xml version="1.0" encoding="utf-8"?>
+<file path=ppt/slides/slide31.xml><?xml version="1.0" encoding="utf-8"?>
 <p:sld xmlns:a="http://schemas.openxmlformats.org/drawingml/2006/main" xmlns:r="http://schemas.openxmlformats.org/officeDocument/2006/relationships" xmlns:p="http://schemas.openxmlformats.org/presentationml/2006/main">
   <p:cSld>
     <p:spTree>
@@ -36515,552 +38637,7 @@
 </p:sld>
 </file>
 
-<file path=ppt/slides/slide3.xml><?xml version="1.0" encoding="utf-8"?>
-<p:sld xmlns:a="http://schemas.openxmlformats.org/drawingml/2006/main" xmlns:r="http://schemas.openxmlformats.org/officeDocument/2006/relationships" xmlns:p="http://schemas.openxmlformats.org/presentationml/2006/main">
-  <p:cSld>
-    <p:spTree>
-      <p:nvGrpSpPr>
-        <p:cNvPr id="1" name="">
-          <a:extLst>
-            <a:ext uri="{FF2B5EF4-FFF2-40B4-BE49-F238E27FC236}">
-              <a16:creationId xmlns:a16="http://schemas.microsoft.com/office/drawing/2014/main" id="{77C1AA84-3BCC-4F93-414E-5CD8B52B7DDD}"/>
-            </a:ext>
-          </a:extLst>
-        </p:cNvPr>
-        <p:cNvGrpSpPr/>
-        <p:nvPr/>
-      </p:nvGrpSpPr>
-      <p:grpSpPr>
-        <a:xfrm>
-          <a:off x="0" y="0"/>
-          <a:ext cx="0" cy="0"/>
-          <a:chOff x="0" y="0"/>
-          <a:chExt cx="0" cy="0"/>
-        </a:xfrm>
-      </p:grpSpPr>
-      <p:sp>
-        <p:nvSpPr>
-          <p:cNvPr id="14" name="직사각형 13">
-            <a:extLst>
-              <a:ext uri="{FF2B5EF4-FFF2-40B4-BE49-F238E27FC236}">
-                <a16:creationId xmlns:a16="http://schemas.microsoft.com/office/drawing/2014/main" id="{3C9CB339-6511-EAE9-EE76-1A4D6FFC2A32}"/>
-              </a:ext>
-            </a:extLst>
-          </p:cNvPr>
-          <p:cNvSpPr/>
-          <p:nvPr/>
-        </p:nvSpPr>
-        <p:spPr>
-          <a:xfrm>
-            <a:off x="92765" y="79513"/>
-            <a:ext cx="11986592" cy="6712226"/>
-          </a:xfrm>
-          <a:prstGeom prst="rect">
-            <a:avLst/>
-          </a:prstGeom>
-          <a:solidFill>
-            <a:schemeClr val="accent2">
-              <a:lumMod val="40000"/>
-              <a:lumOff val="60000"/>
-            </a:schemeClr>
-          </a:solidFill>
-        </p:spPr>
-        <p:style>
-          <a:lnRef idx="2">
-            <a:schemeClr val="accent1">
-              <a:shade val="15000"/>
-            </a:schemeClr>
-          </a:lnRef>
-          <a:fillRef idx="1">
-            <a:schemeClr val="accent1"/>
-          </a:fillRef>
-          <a:effectRef idx="0">
-            <a:schemeClr val="accent1"/>
-          </a:effectRef>
-          <a:fontRef idx="minor">
-            <a:schemeClr val="lt1"/>
-          </a:fontRef>
-        </p:style>
-        <p:txBody>
-          <a:bodyPr rtlCol="0" anchor="ctr"/>
-          <a:lstStyle/>
-          <a:p>
-            <a:pPr algn="ctr"/>
-            <a:endParaRPr lang="ko-KR" altLang="en-US"/>
-          </a:p>
-        </p:txBody>
-      </p:sp>
-      <p:pic>
-        <p:nvPicPr>
-          <p:cNvPr id="30" name="그림 29">
-            <a:extLst>
-              <a:ext uri="{FF2B5EF4-FFF2-40B4-BE49-F238E27FC236}">
-                <a16:creationId xmlns:a16="http://schemas.microsoft.com/office/drawing/2014/main" id="{DAC5BB46-882D-1EC6-21E3-A5CF1312A138}"/>
-              </a:ext>
-            </a:extLst>
-          </p:cNvPr>
-          <p:cNvPicPr>
-            <a:picLocks noChangeAspect="1"/>
-          </p:cNvPicPr>
-          <p:nvPr/>
-        </p:nvPicPr>
-        <p:blipFill>
-          <a:blip r:embed="rId2"/>
-          <a:stretch>
-            <a:fillRect/>
-          </a:stretch>
-        </p:blipFill>
-        <p:spPr>
-          <a:xfrm>
-            <a:off x="178382" y="79512"/>
-            <a:ext cx="11835237" cy="6698975"/>
-          </a:xfrm>
-          <a:prstGeom prst="rect">
-            <a:avLst/>
-          </a:prstGeom>
-        </p:spPr>
-      </p:pic>
-      <p:sp>
-        <p:nvSpPr>
-          <p:cNvPr id="33" name="TextBox 32">
-            <a:extLst>
-              <a:ext uri="{FF2B5EF4-FFF2-40B4-BE49-F238E27FC236}">
-                <a16:creationId xmlns:a16="http://schemas.microsoft.com/office/drawing/2014/main" id="{A98D10E0-FE16-3977-9176-A1D35A473AF2}"/>
-              </a:ext>
-            </a:extLst>
-          </p:cNvPr>
-          <p:cNvSpPr txBox="1"/>
-          <p:nvPr/>
-        </p:nvSpPr>
-        <p:spPr>
-          <a:xfrm>
-            <a:off x="3326851" y="6339581"/>
-            <a:ext cx="5420074" cy="369332"/>
-          </a:xfrm>
-          <a:prstGeom prst="rect">
-            <a:avLst/>
-          </a:prstGeom>
-          <a:solidFill>
-            <a:schemeClr val="tx1"/>
-          </a:solidFill>
-        </p:spPr>
-        <p:txBody>
-          <a:bodyPr wrap="none" rtlCol="0">
-            <a:spAutoFit/>
-          </a:bodyPr>
-          <a:lstStyle/>
-          <a:p>
-            <a:r>
-              <a:rPr lang="en-US" altLang="ko-KR" dirty="0">
-                <a:solidFill>
-                  <a:schemeClr val="bg1"/>
-                </a:solidFill>
-              </a:rPr>
-              <a:t>10</a:t>
-            </a:r>
-            <a:r>
-              <a:rPr lang="ko-KR" altLang="en-US" dirty="0">
-                <a:solidFill>
-                  <a:schemeClr val="bg1"/>
-                </a:solidFill>
-              </a:rPr>
-              <a:t>분 늦는다고 했으니 그동안 게임이나 한판 할까</a:t>
-            </a:r>
-            <a:r>
-              <a:rPr lang="en-US" altLang="ko-KR" dirty="0">
-                <a:solidFill>
-                  <a:schemeClr val="bg1"/>
-                </a:solidFill>
-              </a:rPr>
-              <a:t>?</a:t>
-            </a:r>
-            <a:endParaRPr lang="ko-KR" altLang="en-US" dirty="0">
-              <a:solidFill>
-                <a:schemeClr val="bg1"/>
-              </a:solidFill>
-            </a:endParaRPr>
-          </a:p>
-        </p:txBody>
-      </p:sp>
-      <p:grpSp>
-        <p:nvGrpSpPr>
-          <p:cNvPr id="6" name="그룹 5">
-            <a:extLst>
-              <a:ext uri="{FF2B5EF4-FFF2-40B4-BE49-F238E27FC236}">
-                <a16:creationId xmlns:a16="http://schemas.microsoft.com/office/drawing/2014/main" id="{220274F7-F604-318B-B285-A96A5E19EDED}"/>
-              </a:ext>
-            </a:extLst>
-          </p:cNvPr>
-          <p:cNvGrpSpPr/>
-          <p:nvPr/>
-        </p:nvGrpSpPr>
-        <p:grpSpPr>
-          <a:xfrm>
-            <a:off x="4664765" y="812347"/>
-            <a:ext cx="2862470" cy="751410"/>
-            <a:chOff x="4724399" y="812347"/>
-            <a:chExt cx="2862470" cy="751410"/>
-          </a:xfrm>
-        </p:grpSpPr>
-        <p:sp>
-          <p:nvSpPr>
-            <p:cNvPr id="3" name="사각형: 둥근 모서리 2">
-              <a:extLst>
-                <a:ext uri="{FF2B5EF4-FFF2-40B4-BE49-F238E27FC236}">
-                  <a16:creationId xmlns:a16="http://schemas.microsoft.com/office/drawing/2014/main" id="{39C8F4E0-E2F5-1F91-D279-E340F21BC4ED}"/>
-                </a:ext>
-              </a:extLst>
-            </p:cNvPr>
-            <p:cNvSpPr/>
-            <p:nvPr/>
-          </p:nvSpPr>
-          <p:spPr>
-            <a:xfrm>
-              <a:off x="4724399" y="812348"/>
-              <a:ext cx="2862470" cy="751409"/>
-            </a:xfrm>
-            <a:prstGeom prst="roundRect">
-              <a:avLst/>
-            </a:prstGeom>
-            <a:solidFill>
-              <a:schemeClr val="bg1">
-                <a:lumMod val="85000"/>
-              </a:schemeClr>
-            </a:solidFill>
-          </p:spPr>
-          <p:style>
-            <a:lnRef idx="2">
-              <a:schemeClr val="accent1">
-                <a:shade val="15000"/>
-              </a:schemeClr>
-            </a:lnRef>
-            <a:fillRef idx="1">
-              <a:schemeClr val="accent1"/>
-            </a:fillRef>
-            <a:effectRef idx="0">
-              <a:schemeClr val="accent1"/>
-            </a:effectRef>
-            <a:fontRef idx="minor">
-              <a:schemeClr val="lt1"/>
-            </a:fontRef>
-          </p:style>
-          <p:txBody>
-            <a:bodyPr rtlCol="0" anchor="ctr"/>
-            <a:lstStyle/>
-            <a:p>
-              <a:pPr algn="ctr"/>
-              <a:endParaRPr lang="ko-KR" altLang="en-US"/>
-            </a:p>
-          </p:txBody>
-        </p:sp>
-        <p:pic>
-          <p:nvPicPr>
-            <p:cNvPr id="4" name="그림 3" descr="블랙, 어둠이(가) 표시된 사진&#10;&#10;자동 생성된 설명">
-              <a:extLst>
-                <a:ext uri="{FF2B5EF4-FFF2-40B4-BE49-F238E27FC236}">
-                  <a16:creationId xmlns:a16="http://schemas.microsoft.com/office/drawing/2014/main" id="{1B56A22A-E81C-75AF-50BB-38CBBDBE3207}"/>
-                </a:ext>
-              </a:extLst>
-            </p:cNvPr>
-            <p:cNvPicPr>
-              <a:picLocks noChangeAspect="1"/>
-            </p:cNvPicPr>
-            <p:nvPr/>
-          </p:nvPicPr>
-          <p:blipFill>
-            <a:blip r:embed="rId3">
-              <a:extLst>
-                <a:ext uri="{28A0092B-C50C-407E-A947-70E740481C1C}">
-                  <a14:useLocalDpi xmlns:a14="http://schemas.microsoft.com/office/drawing/2010/main" val="0"/>
-                </a:ext>
-              </a:extLst>
-            </a:blip>
-            <a:stretch>
-              <a:fillRect/>
-            </a:stretch>
-          </p:blipFill>
-          <p:spPr>
-            <a:xfrm>
-              <a:off x="4724399" y="812347"/>
-              <a:ext cx="531410" cy="531410"/>
-            </a:xfrm>
-            <a:prstGeom prst="rect">
-              <a:avLst/>
-            </a:prstGeom>
-          </p:spPr>
-        </p:pic>
-        <p:sp>
-          <p:nvSpPr>
-            <p:cNvPr id="5" name="직사각형 4">
-              <a:extLst>
-                <a:ext uri="{FF2B5EF4-FFF2-40B4-BE49-F238E27FC236}">
-                  <a16:creationId xmlns:a16="http://schemas.microsoft.com/office/drawing/2014/main" id="{4D96AE18-D167-BBBB-BF88-4FF43E6B17A3}"/>
-                </a:ext>
-              </a:extLst>
-            </p:cNvPr>
-            <p:cNvSpPr/>
-            <p:nvPr/>
-          </p:nvSpPr>
-          <p:spPr>
-            <a:xfrm>
-              <a:off x="5255809" y="847133"/>
-              <a:ext cx="2077801" cy="531411"/>
-            </a:xfrm>
-            <a:prstGeom prst="rect">
-              <a:avLst/>
-            </a:prstGeom>
-            <a:solidFill>
-              <a:srgbClr val="D9D9D9"/>
-            </a:solidFill>
-            <a:ln>
-              <a:noFill/>
-            </a:ln>
-          </p:spPr>
-          <p:style>
-            <a:lnRef idx="2">
-              <a:schemeClr val="accent1">
-                <a:shade val="15000"/>
-              </a:schemeClr>
-            </a:lnRef>
-            <a:fillRef idx="1">
-              <a:schemeClr val="accent1"/>
-            </a:fillRef>
-            <a:effectRef idx="0">
-              <a:schemeClr val="accent1"/>
-            </a:effectRef>
-            <a:fontRef idx="minor">
-              <a:schemeClr val="lt1"/>
-            </a:fontRef>
-          </p:style>
-          <p:txBody>
-            <a:bodyPr rtlCol="0" anchor="t"/>
-            <a:lstStyle/>
-            <a:p>
-              <a:r>
-                <a:rPr lang="en-US" altLang="ko-KR" sz="1200" b="1" dirty="0">
-                  <a:solidFill>
-                    <a:schemeClr val="tx1"/>
-                  </a:solidFill>
-                </a:rPr>
-                <a:t>[</a:t>
-              </a:r>
-              <a:r>
-                <a:rPr lang="ko-KR" altLang="en-US" sz="1200" b="1" dirty="0">
-                  <a:solidFill>
-                    <a:schemeClr val="tx1"/>
-                  </a:solidFill>
-                </a:rPr>
-                <a:t>친구이름</a:t>
-              </a:r>
-              <a:r>
-                <a:rPr lang="en-US" altLang="ko-KR" sz="1200" b="1" dirty="0">
-                  <a:solidFill>
-                    <a:schemeClr val="tx1"/>
-                  </a:solidFill>
-                </a:rPr>
-                <a:t>] </a:t>
-              </a:r>
-            </a:p>
-            <a:p>
-              <a:r>
-                <a:rPr lang="ko-KR" altLang="en-US" sz="1000" dirty="0">
-                  <a:solidFill>
-                    <a:schemeClr val="tx1"/>
-                  </a:solidFill>
-                </a:rPr>
-                <a:t>나 </a:t>
-              </a:r>
-              <a:r>
-                <a:rPr lang="en-US" altLang="ko-KR" sz="1000" dirty="0">
-                  <a:solidFill>
-                    <a:schemeClr val="tx1"/>
-                  </a:solidFill>
-                </a:rPr>
-                <a:t>10</a:t>
-              </a:r>
-              <a:r>
-                <a:rPr lang="ko-KR" altLang="en-US" sz="1000" dirty="0">
-                  <a:solidFill>
-                    <a:schemeClr val="tx1"/>
-                  </a:solidFill>
-                </a:rPr>
-                <a:t>분 정도 늦을 것 같아</a:t>
-              </a:r>
-            </a:p>
-          </p:txBody>
-        </p:sp>
-      </p:grpSp>
-      <p:sp>
-        <p:nvSpPr>
-          <p:cNvPr id="8" name="말풍선: 모서리가 둥근 사각형 7">
-            <a:extLst>
-              <a:ext uri="{FF2B5EF4-FFF2-40B4-BE49-F238E27FC236}">
-                <a16:creationId xmlns:a16="http://schemas.microsoft.com/office/drawing/2014/main" id="{ABFE71BB-EC32-82A3-80E7-7674508864F4}"/>
-              </a:ext>
-            </a:extLst>
-          </p:cNvPr>
-          <p:cNvSpPr/>
-          <p:nvPr/>
-        </p:nvSpPr>
-        <p:spPr>
-          <a:xfrm>
-            <a:off x="1431233" y="847133"/>
-            <a:ext cx="2862470" cy="993913"/>
-          </a:xfrm>
-          <a:prstGeom prst="wedgeRoundRectCallout">
-            <a:avLst>
-              <a:gd name="adj1" fmla="val 57432"/>
-              <a:gd name="adj2" fmla="val -18166"/>
-              <a:gd name="adj3" fmla="val 16667"/>
-            </a:avLst>
-          </a:prstGeom>
-          <a:solidFill>
-            <a:schemeClr val="bg1"/>
-          </a:solidFill>
-          <a:ln w="38100">
-            <a:solidFill>
-              <a:schemeClr val="tx2">
-                <a:lumMod val="50000"/>
-                <a:lumOff val="50000"/>
-              </a:schemeClr>
-            </a:solidFill>
-          </a:ln>
-        </p:spPr>
-        <p:style>
-          <a:lnRef idx="2">
-            <a:schemeClr val="accent1">
-              <a:shade val="15000"/>
-            </a:schemeClr>
-          </a:lnRef>
-          <a:fillRef idx="1">
-            <a:schemeClr val="accent1"/>
-          </a:fillRef>
-          <a:effectRef idx="0">
-            <a:schemeClr val="accent1"/>
-          </a:effectRef>
-          <a:fontRef idx="minor">
-            <a:schemeClr val="lt1"/>
-          </a:fontRef>
-        </p:style>
-        <p:txBody>
-          <a:bodyPr rtlCol="0" anchor="ctr"/>
-          <a:lstStyle/>
-          <a:p>
-            <a:r>
-              <a:rPr lang="ko-KR" altLang="en-US" sz="1200" dirty="0">
-                <a:solidFill>
-                  <a:schemeClr val="tx1"/>
-                </a:solidFill>
-              </a:rPr>
-              <a:t>게임이 시작하자 마자</a:t>
-            </a:r>
-            <a:endParaRPr lang="en-US" altLang="ko-KR" sz="1200" dirty="0">
-              <a:solidFill>
-                <a:schemeClr val="tx1"/>
-              </a:solidFill>
-            </a:endParaRPr>
-          </a:p>
-          <a:p>
-            <a:r>
-              <a:rPr lang="ko-KR" altLang="en-US" sz="1200" dirty="0">
-                <a:solidFill>
-                  <a:schemeClr val="tx1"/>
-                </a:solidFill>
-              </a:rPr>
-              <a:t>진동이 울리며 해당 메시지 등장</a:t>
-            </a:r>
-            <a:endParaRPr lang="en-US" altLang="ko-KR" sz="1200" dirty="0">
-              <a:solidFill>
-                <a:schemeClr val="tx1"/>
-              </a:solidFill>
-            </a:endParaRPr>
-          </a:p>
-          <a:p>
-            <a:r>
-              <a:rPr lang="ko-KR" altLang="en-US" sz="1200" dirty="0">
-                <a:solidFill>
-                  <a:schemeClr val="tx1"/>
-                </a:solidFill>
-              </a:rPr>
-              <a:t>클릭 </a:t>
-            </a:r>
-            <a:r>
-              <a:rPr lang="en-US" altLang="ko-KR" sz="1200" dirty="0">
-                <a:solidFill>
-                  <a:schemeClr val="tx1"/>
-                </a:solidFill>
-              </a:rPr>
-              <a:t>or </a:t>
-            </a:r>
-            <a:r>
-              <a:rPr lang="ko-KR" altLang="en-US" sz="1200" dirty="0">
-                <a:solidFill>
-                  <a:schemeClr val="tx1"/>
-                </a:solidFill>
-              </a:rPr>
-              <a:t>슬라이드를 </a:t>
-            </a:r>
-            <a:r>
-              <a:rPr lang="ko-KR" altLang="en-US" sz="1200" dirty="0" err="1">
-                <a:solidFill>
-                  <a:schemeClr val="tx1"/>
-                </a:solidFill>
-              </a:rPr>
-              <a:t>안할</a:t>
-            </a:r>
-            <a:r>
-              <a:rPr lang="ko-KR" altLang="en-US" sz="1200" dirty="0">
-                <a:solidFill>
-                  <a:schemeClr val="tx1"/>
-                </a:solidFill>
-              </a:rPr>
-              <a:t> 경우</a:t>
-            </a:r>
-            <a:endParaRPr lang="en-US" altLang="ko-KR" sz="1200" dirty="0">
-              <a:solidFill>
-                <a:schemeClr val="tx1"/>
-              </a:solidFill>
-            </a:endParaRPr>
-          </a:p>
-          <a:p>
-            <a:r>
-              <a:rPr lang="en-US" altLang="ko-KR" sz="1200" dirty="0">
-                <a:solidFill>
-                  <a:schemeClr val="tx1"/>
-                </a:solidFill>
-              </a:rPr>
-              <a:t>3</a:t>
-            </a:r>
-            <a:r>
-              <a:rPr lang="ko-KR" altLang="en-US" sz="1200" dirty="0">
-                <a:solidFill>
-                  <a:schemeClr val="tx1"/>
-                </a:solidFill>
-              </a:rPr>
-              <a:t>초 뒤에 사라짐 </a:t>
-            </a:r>
-            <a:endParaRPr lang="en-US" altLang="ko-KR" sz="1200" dirty="0">
-              <a:solidFill>
-                <a:schemeClr val="tx1"/>
-              </a:solidFill>
-            </a:endParaRPr>
-          </a:p>
-        </p:txBody>
-      </p:sp>
-    </p:spTree>
-    <p:extLst>
-      <p:ext uri="{BB962C8B-B14F-4D97-AF65-F5344CB8AC3E}">
-        <p14:creationId xmlns:p14="http://schemas.microsoft.com/office/powerpoint/2010/main" val="3372908370"/>
-      </p:ext>
-    </p:extLst>
-  </p:cSld>
-  <p:clrMapOvr>
-    <a:masterClrMapping/>
-  </p:clrMapOvr>
-</p:sld>
-</file>
-
-<file path=ppt/slides/slide30.xml><?xml version="1.0" encoding="utf-8"?>
+<file path=ppt/slides/slide32.xml><?xml version="1.0" encoding="utf-8"?>
 <p:sld xmlns:a="http://schemas.openxmlformats.org/drawingml/2006/main" xmlns:r="http://schemas.openxmlformats.org/officeDocument/2006/relationships" xmlns:p="http://schemas.openxmlformats.org/presentationml/2006/main">
   <p:cSld>
     <p:spTree>
@@ -38566,7 +40143,7 @@
 </p:sld>
 </file>
 
-<file path=ppt/slides/slide31.xml><?xml version="1.0" encoding="utf-8"?>
+<file path=ppt/slides/slide33.xml><?xml version="1.0" encoding="utf-8"?>
 <p:sld xmlns:a="http://schemas.openxmlformats.org/drawingml/2006/main" xmlns:r="http://schemas.openxmlformats.org/officeDocument/2006/relationships" xmlns:p="http://schemas.openxmlformats.org/presentationml/2006/main">
   <p:cSld>
     <p:spTree>
@@ -39933,7 +41510,7 @@
 </p:sld>
 </file>
 
-<file path=ppt/slides/slide32.xml><?xml version="1.0" encoding="utf-8"?>
+<file path=ppt/slides/slide34.xml><?xml version="1.0" encoding="utf-8"?>
 <p:sld xmlns:a="http://schemas.openxmlformats.org/drawingml/2006/main" xmlns:r="http://schemas.openxmlformats.org/officeDocument/2006/relationships" xmlns:p="http://schemas.openxmlformats.org/presentationml/2006/main">
   <p:cSld>
     <p:spTree>
@@ -40882,7 +42459,7 @@
 </p:sld>
 </file>
 
-<file path=ppt/slides/slide33.xml><?xml version="1.0" encoding="utf-8"?>
+<file path=ppt/slides/slide35.xml><?xml version="1.0" encoding="utf-8"?>
 <p:sld xmlns:a="http://schemas.openxmlformats.org/drawingml/2006/main" xmlns:r="http://schemas.openxmlformats.org/officeDocument/2006/relationships" xmlns:p="http://schemas.openxmlformats.org/presentationml/2006/main">
   <p:cSld>
     <p:spTree>
@@ -41644,7 +43221,7 @@
 </p:sld>
 </file>
 
-<file path=ppt/slides/slide34.xml><?xml version="1.0" encoding="utf-8"?>
+<file path=ppt/slides/slide36.xml><?xml version="1.0" encoding="utf-8"?>
 <p:sld xmlns:a="http://schemas.openxmlformats.org/drawingml/2006/main" xmlns:r="http://schemas.openxmlformats.org/officeDocument/2006/relationships" xmlns:p="http://schemas.openxmlformats.org/presentationml/2006/main">
   <p:cSld>
     <p:spTree>
@@ -42684,7 +44261,7 @@
 </p:sld>
 </file>
 
-<file path=ppt/slides/slide35.xml><?xml version="1.0" encoding="utf-8"?>
+<file path=ppt/slides/slide37.xml><?xml version="1.0" encoding="utf-8"?>
 <p:sld xmlns:a="http://schemas.openxmlformats.org/drawingml/2006/main" xmlns:r="http://schemas.openxmlformats.org/officeDocument/2006/relationships" xmlns:p="http://schemas.openxmlformats.org/presentationml/2006/main">
   <p:cSld>
     <p:spTree>
@@ -44325,6 +45902,551 @@
         <p:cNvPr id="1" name="">
           <a:extLst>
             <a:ext uri="{FF2B5EF4-FFF2-40B4-BE49-F238E27FC236}">
+              <a16:creationId xmlns:a16="http://schemas.microsoft.com/office/drawing/2014/main" id="{77C1AA84-3BCC-4F93-414E-5CD8B52B7DDD}"/>
+            </a:ext>
+          </a:extLst>
+        </p:cNvPr>
+        <p:cNvGrpSpPr/>
+        <p:nvPr/>
+      </p:nvGrpSpPr>
+      <p:grpSpPr>
+        <a:xfrm>
+          <a:off x="0" y="0"/>
+          <a:ext cx="0" cy="0"/>
+          <a:chOff x="0" y="0"/>
+          <a:chExt cx="0" cy="0"/>
+        </a:xfrm>
+      </p:grpSpPr>
+      <p:sp>
+        <p:nvSpPr>
+          <p:cNvPr id="14" name="직사각형 13">
+            <a:extLst>
+              <a:ext uri="{FF2B5EF4-FFF2-40B4-BE49-F238E27FC236}">
+                <a16:creationId xmlns:a16="http://schemas.microsoft.com/office/drawing/2014/main" id="{3C9CB339-6511-EAE9-EE76-1A4D6FFC2A32}"/>
+              </a:ext>
+            </a:extLst>
+          </p:cNvPr>
+          <p:cNvSpPr/>
+          <p:nvPr/>
+        </p:nvSpPr>
+        <p:spPr>
+          <a:xfrm>
+            <a:off x="92765" y="79513"/>
+            <a:ext cx="11986592" cy="6712226"/>
+          </a:xfrm>
+          <a:prstGeom prst="rect">
+            <a:avLst/>
+          </a:prstGeom>
+          <a:solidFill>
+            <a:schemeClr val="accent2">
+              <a:lumMod val="40000"/>
+              <a:lumOff val="60000"/>
+            </a:schemeClr>
+          </a:solidFill>
+        </p:spPr>
+        <p:style>
+          <a:lnRef idx="2">
+            <a:schemeClr val="accent1">
+              <a:shade val="15000"/>
+            </a:schemeClr>
+          </a:lnRef>
+          <a:fillRef idx="1">
+            <a:schemeClr val="accent1"/>
+          </a:fillRef>
+          <a:effectRef idx="0">
+            <a:schemeClr val="accent1"/>
+          </a:effectRef>
+          <a:fontRef idx="minor">
+            <a:schemeClr val="lt1"/>
+          </a:fontRef>
+        </p:style>
+        <p:txBody>
+          <a:bodyPr rtlCol="0" anchor="ctr"/>
+          <a:lstStyle/>
+          <a:p>
+            <a:pPr algn="ctr"/>
+            <a:endParaRPr lang="ko-KR" altLang="en-US"/>
+          </a:p>
+        </p:txBody>
+      </p:sp>
+      <p:pic>
+        <p:nvPicPr>
+          <p:cNvPr id="30" name="그림 29">
+            <a:extLst>
+              <a:ext uri="{FF2B5EF4-FFF2-40B4-BE49-F238E27FC236}">
+                <a16:creationId xmlns:a16="http://schemas.microsoft.com/office/drawing/2014/main" id="{DAC5BB46-882D-1EC6-21E3-A5CF1312A138}"/>
+              </a:ext>
+            </a:extLst>
+          </p:cNvPr>
+          <p:cNvPicPr>
+            <a:picLocks noChangeAspect="1"/>
+          </p:cNvPicPr>
+          <p:nvPr/>
+        </p:nvPicPr>
+        <p:blipFill>
+          <a:blip r:embed="rId2"/>
+          <a:stretch>
+            <a:fillRect/>
+          </a:stretch>
+        </p:blipFill>
+        <p:spPr>
+          <a:xfrm>
+            <a:off x="178382" y="79512"/>
+            <a:ext cx="11835237" cy="6698975"/>
+          </a:xfrm>
+          <a:prstGeom prst="rect">
+            <a:avLst/>
+          </a:prstGeom>
+        </p:spPr>
+      </p:pic>
+      <p:sp>
+        <p:nvSpPr>
+          <p:cNvPr id="33" name="TextBox 32">
+            <a:extLst>
+              <a:ext uri="{FF2B5EF4-FFF2-40B4-BE49-F238E27FC236}">
+                <a16:creationId xmlns:a16="http://schemas.microsoft.com/office/drawing/2014/main" id="{A98D10E0-FE16-3977-9176-A1D35A473AF2}"/>
+              </a:ext>
+            </a:extLst>
+          </p:cNvPr>
+          <p:cNvSpPr txBox="1"/>
+          <p:nvPr/>
+        </p:nvSpPr>
+        <p:spPr>
+          <a:xfrm>
+            <a:off x="3326851" y="6339581"/>
+            <a:ext cx="5420074" cy="369332"/>
+          </a:xfrm>
+          <a:prstGeom prst="rect">
+            <a:avLst/>
+          </a:prstGeom>
+          <a:solidFill>
+            <a:schemeClr val="tx1"/>
+          </a:solidFill>
+        </p:spPr>
+        <p:txBody>
+          <a:bodyPr wrap="none" rtlCol="0">
+            <a:spAutoFit/>
+          </a:bodyPr>
+          <a:lstStyle/>
+          <a:p>
+            <a:r>
+              <a:rPr lang="en-US" altLang="ko-KR" dirty="0">
+                <a:solidFill>
+                  <a:schemeClr val="bg1"/>
+                </a:solidFill>
+              </a:rPr>
+              <a:t>10</a:t>
+            </a:r>
+            <a:r>
+              <a:rPr lang="ko-KR" altLang="en-US" dirty="0">
+                <a:solidFill>
+                  <a:schemeClr val="bg1"/>
+                </a:solidFill>
+              </a:rPr>
+              <a:t>분 늦는다고 했으니 그동안 게임이나 한판 할까</a:t>
+            </a:r>
+            <a:r>
+              <a:rPr lang="en-US" altLang="ko-KR" dirty="0">
+                <a:solidFill>
+                  <a:schemeClr val="bg1"/>
+                </a:solidFill>
+              </a:rPr>
+              <a:t>?</a:t>
+            </a:r>
+            <a:endParaRPr lang="ko-KR" altLang="en-US" dirty="0">
+              <a:solidFill>
+                <a:schemeClr val="bg1"/>
+              </a:solidFill>
+            </a:endParaRPr>
+          </a:p>
+        </p:txBody>
+      </p:sp>
+      <p:grpSp>
+        <p:nvGrpSpPr>
+          <p:cNvPr id="6" name="그룹 5">
+            <a:extLst>
+              <a:ext uri="{FF2B5EF4-FFF2-40B4-BE49-F238E27FC236}">
+                <a16:creationId xmlns:a16="http://schemas.microsoft.com/office/drawing/2014/main" id="{220274F7-F604-318B-B285-A96A5E19EDED}"/>
+              </a:ext>
+            </a:extLst>
+          </p:cNvPr>
+          <p:cNvGrpSpPr/>
+          <p:nvPr/>
+        </p:nvGrpSpPr>
+        <p:grpSpPr>
+          <a:xfrm>
+            <a:off x="4664765" y="812347"/>
+            <a:ext cx="2862470" cy="751410"/>
+            <a:chOff x="4724399" y="812347"/>
+            <a:chExt cx="2862470" cy="751410"/>
+          </a:xfrm>
+        </p:grpSpPr>
+        <p:sp>
+          <p:nvSpPr>
+            <p:cNvPr id="3" name="사각형: 둥근 모서리 2">
+              <a:extLst>
+                <a:ext uri="{FF2B5EF4-FFF2-40B4-BE49-F238E27FC236}">
+                  <a16:creationId xmlns:a16="http://schemas.microsoft.com/office/drawing/2014/main" id="{39C8F4E0-E2F5-1F91-D279-E340F21BC4ED}"/>
+                </a:ext>
+              </a:extLst>
+            </p:cNvPr>
+            <p:cNvSpPr/>
+            <p:nvPr/>
+          </p:nvSpPr>
+          <p:spPr>
+            <a:xfrm>
+              <a:off x="4724399" y="812348"/>
+              <a:ext cx="2862470" cy="751409"/>
+            </a:xfrm>
+            <a:prstGeom prst="roundRect">
+              <a:avLst/>
+            </a:prstGeom>
+            <a:solidFill>
+              <a:schemeClr val="bg1">
+                <a:lumMod val="85000"/>
+              </a:schemeClr>
+            </a:solidFill>
+          </p:spPr>
+          <p:style>
+            <a:lnRef idx="2">
+              <a:schemeClr val="accent1">
+                <a:shade val="15000"/>
+              </a:schemeClr>
+            </a:lnRef>
+            <a:fillRef idx="1">
+              <a:schemeClr val="accent1"/>
+            </a:fillRef>
+            <a:effectRef idx="0">
+              <a:schemeClr val="accent1"/>
+            </a:effectRef>
+            <a:fontRef idx="minor">
+              <a:schemeClr val="lt1"/>
+            </a:fontRef>
+          </p:style>
+          <p:txBody>
+            <a:bodyPr rtlCol="0" anchor="ctr"/>
+            <a:lstStyle/>
+            <a:p>
+              <a:pPr algn="ctr"/>
+              <a:endParaRPr lang="ko-KR" altLang="en-US"/>
+            </a:p>
+          </p:txBody>
+        </p:sp>
+        <p:pic>
+          <p:nvPicPr>
+            <p:cNvPr id="4" name="그림 3" descr="블랙, 어둠이(가) 표시된 사진&#10;&#10;자동 생성된 설명">
+              <a:extLst>
+                <a:ext uri="{FF2B5EF4-FFF2-40B4-BE49-F238E27FC236}">
+                  <a16:creationId xmlns:a16="http://schemas.microsoft.com/office/drawing/2014/main" id="{1B56A22A-E81C-75AF-50BB-38CBBDBE3207}"/>
+                </a:ext>
+              </a:extLst>
+            </p:cNvPr>
+            <p:cNvPicPr>
+              <a:picLocks noChangeAspect="1"/>
+            </p:cNvPicPr>
+            <p:nvPr/>
+          </p:nvPicPr>
+          <p:blipFill>
+            <a:blip r:embed="rId3">
+              <a:extLst>
+                <a:ext uri="{28A0092B-C50C-407E-A947-70E740481C1C}">
+                  <a14:useLocalDpi xmlns:a14="http://schemas.microsoft.com/office/drawing/2010/main" val="0"/>
+                </a:ext>
+              </a:extLst>
+            </a:blip>
+            <a:stretch>
+              <a:fillRect/>
+            </a:stretch>
+          </p:blipFill>
+          <p:spPr>
+            <a:xfrm>
+              <a:off x="4724399" y="812347"/>
+              <a:ext cx="531410" cy="531410"/>
+            </a:xfrm>
+            <a:prstGeom prst="rect">
+              <a:avLst/>
+            </a:prstGeom>
+          </p:spPr>
+        </p:pic>
+        <p:sp>
+          <p:nvSpPr>
+            <p:cNvPr id="5" name="직사각형 4">
+              <a:extLst>
+                <a:ext uri="{FF2B5EF4-FFF2-40B4-BE49-F238E27FC236}">
+                  <a16:creationId xmlns:a16="http://schemas.microsoft.com/office/drawing/2014/main" id="{4D96AE18-D167-BBBB-BF88-4FF43E6B17A3}"/>
+                </a:ext>
+              </a:extLst>
+            </p:cNvPr>
+            <p:cNvSpPr/>
+            <p:nvPr/>
+          </p:nvSpPr>
+          <p:spPr>
+            <a:xfrm>
+              <a:off x="5255809" y="847133"/>
+              <a:ext cx="2077801" cy="531411"/>
+            </a:xfrm>
+            <a:prstGeom prst="rect">
+              <a:avLst/>
+            </a:prstGeom>
+            <a:solidFill>
+              <a:srgbClr val="D9D9D9"/>
+            </a:solidFill>
+            <a:ln>
+              <a:noFill/>
+            </a:ln>
+          </p:spPr>
+          <p:style>
+            <a:lnRef idx="2">
+              <a:schemeClr val="accent1">
+                <a:shade val="15000"/>
+              </a:schemeClr>
+            </a:lnRef>
+            <a:fillRef idx="1">
+              <a:schemeClr val="accent1"/>
+            </a:fillRef>
+            <a:effectRef idx="0">
+              <a:schemeClr val="accent1"/>
+            </a:effectRef>
+            <a:fontRef idx="minor">
+              <a:schemeClr val="lt1"/>
+            </a:fontRef>
+          </p:style>
+          <p:txBody>
+            <a:bodyPr rtlCol="0" anchor="t"/>
+            <a:lstStyle/>
+            <a:p>
+              <a:r>
+                <a:rPr lang="en-US" altLang="ko-KR" sz="1200" b="1" dirty="0">
+                  <a:solidFill>
+                    <a:schemeClr val="tx1"/>
+                  </a:solidFill>
+                </a:rPr>
+                <a:t>[</a:t>
+              </a:r>
+              <a:r>
+                <a:rPr lang="ko-KR" altLang="en-US" sz="1200" b="1" dirty="0">
+                  <a:solidFill>
+                    <a:schemeClr val="tx1"/>
+                  </a:solidFill>
+                </a:rPr>
+                <a:t>친구이름</a:t>
+              </a:r>
+              <a:r>
+                <a:rPr lang="en-US" altLang="ko-KR" sz="1200" b="1" dirty="0">
+                  <a:solidFill>
+                    <a:schemeClr val="tx1"/>
+                  </a:solidFill>
+                </a:rPr>
+                <a:t>] </a:t>
+              </a:r>
+            </a:p>
+            <a:p>
+              <a:r>
+                <a:rPr lang="ko-KR" altLang="en-US" sz="1000" dirty="0">
+                  <a:solidFill>
+                    <a:schemeClr val="tx1"/>
+                  </a:solidFill>
+                </a:rPr>
+                <a:t>나 </a:t>
+              </a:r>
+              <a:r>
+                <a:rPr lang="en-US" altLang="ko-KR" sz="1000" dirty="0">
+                  <a:solidFill>
+                    <a:schemeClr val="tx1"/>
+                  </a:solidFill>
+                </a:rPr>
+                <a:t>10</a:t>
+              </a:r>
+              <a:r>
+                <a:rPr lang="ko-KR" altLang="en-US" sz="1000" dirty="0">
+                  <a:solidFill>
+                    <a:schemeClr val="tx1"/>
+                  </a:solidFill>
+                </a:rPr>
+                <a:t>분 정도 늦을 것 같아</a:t>
+              </a:r>
+            </a:p>
+          </p:txBody>
+        </p:sp>
+      </p:grpSp>
+      <p:sp>
+        <p:nvSpPr>
+          <p:cNvPr id="8" name="말풍선: 모서리가 둥근 사각형 7">
+            <a:extLst>
+              <a:ext uri="{FF2B5EF4-FFF2-40B4-BE49-F238E27FC236}">
+                <a16:creationId xmlns:a16="http://schemas.microsoft.com/office/drawing/2014/main" id="{ABFE71BB-EC32-82A3-80E7-7674508864F4}"/>
+              </a:ext>
+            </a:extLst>
+          </p:cNvPr>
+          <p:cNvSpPr/>
+          <p:nvPr/>
+        </p:nvSpPr>
+        <p:spPr>
+          <a:xfrm>
+            <a:off x="1431233" y="847133"/>
+            <a:ext cx="2862470" cy="993913"/>
+          </a:xfrm>
+          <a:prstGeom prst="wedgeRoundRectCallout">
+            <a:avLst>
+              <a:gd name="adj1" fmla="val 57432"/>
+              <a:gd name="adj2" fmla="val -18166"/>
+              <a:gd name="adj3" fmla="val 16667"/>
+            </a:avLst>
+          </a:prstGeom>
+          <a:solidFill>
+            <a:schemeClr val="bg1"/>
+          </a:solidFill>
+          <a:ln w="38100">
+            <a:solidFill>
+              <a:schemeClr val="tx2">
+                <a:lumMod val="50000"/>
+                <a:lumOff val="50000"/>
+              </a:schemeClr>
+            </a:solidFill>
+          </a:ln>
+        </p:spPr>
+        <p:style>
+          <a:lnRef idx="2">
+            <a:schemeClr val="accent1">
+              <a:shade val="15000"/>
+            </a:schemeClr>
+          </a:lnRef>
+          <a:fillRef idx="1">
+            <a:schemeClr val="accent1"/>
+          </a:fillRef>
+          <a:effectRef idx="0">
+            <a:schemeClr val="accent1"/>
+          </a:effectRef>
+          <a:fontRef idx="minor">
+            <a:schemeClr val="lt1"/>
+          </a:fontRef>
+        </p:style>
+        <p:txBody>
+          <a:bodyPr rtlCol="0" anchor="ctr"/>
+          <a:lstStyle/>
+          <a:p>
+            <a:r>
+              <a:rPr lang="ko-KR" altLang="en-US" sz="1200" dirty="0">
+                <a:solidFill>
+                  <a:schemeClr val="tx1"/>
+                </a:solidFill>
+              </a:rPr>
+              <a:t>게임이 시작하자 마자</a:t>
+            </a:r>
+            <a:endParaRPr lang="en-US" altLang="ko-KR" sz="1200" dirty="0">
+              <a:solidFill>
+                <a:schemeClr val="tx1"/>
+              </a:solidFill>
+            </a:endParaRPr>
+          </a:p>
+          <a:p>
+            <a:r>
+              <a:rPr lang="ko-KR" altLang="en-US" sz="1200" dirty="0">
+                <a:solidFill>
+                  <a:schemeClr val="tx1"/>
+                </a:solidFill>
+              </a:rPr>
+              <a:t>진동이 울리며 해당 메시지 등장</a:t>
+            </a:r>
+            <a:endParaRPr lang="en-US" altLang="ko-KR" sz="1200" dirty="0">
+              <a:solidFill>
+                <a:schemeClr val="tx1"/>
+              </a:solidFill>
+            </a:endParaRPr>
+          </a:p>
+          <a:p>
+            <a:r>
+              <a:rPr lang="ko-KR" altLang="en-US" sz="1200" dirty="0">
+                <a:solidFill>
+                  <a:schemeClr val="tx1"/>
+                </a:solidFill>
+              </a:rPr>
+              <a:t>클릭 </a:t>
+            </a:r>
+            <a:r>
+              <a:rPr lang="en-US" altLang="ko-KR" sz="1200" dirty="0">
+                <a:solidFill>
+                  <a:schemeClr val="tx1"/>
+                </a:solidFill>
+              </a:rPr>
+              <a:t>or </a:t>
+            </a:r>
+            <a:r>
+              <a:rPr lang="ko-KR" altLang="en-US" sz="1200" dirty="0">
+                <a:solidFill>
+                  <a:schemeClr val="tx1"/>
+                </a:solidFill>
+              </a:rPr>
+              <a:t>슬라이드를 </a:t>
+            </a:r>
+            <a:r>
+              <a:rPr lang="ko-KR" altLang="en-US" sz="1200" dirty="0" err="1">
+                <a:solidFill>
+                  <a:schemeClr val="tx1"/>
+                </a:solidFill>
+              </a:rPr>
+              <a:t>안할</a:t>
+            </a:r>
+            <a:r>
+              <a:rPr lang="ko-KR" altLang="en-US" sz="1200" dirty="0">
+                <a:solidFill>
+                  <a:schemeClr val="tx1"/>
+                </a:solidFill>
+              </a:rPr>
+              <a:t> 경우</a:t>
+            </a:r>
+            <a:endParaRPr lang="en-US" altLang="ko-KR" sz="1200" dirty="0">
+              <a:solidFill>
+                <a:schemeClr val="tx1"/>
+              </a:solidFill>
+            </a:endParaRPr>
+          </a:p>
+          <a:p>
+            <a:r>
+              <a:rPr lang="en-US" altLang="ko-KR" sz="1200" dirty="0">
+                <a:solidFill>
+                  <a:schemeClr val="tx1"/>
+                </a:solidFill>
+              </a:rPr>
+              <a:t>3</a:t>
+            </a:r>
+            <a:r>
+              <a:rPr lang="ko-KR" altLang="en-US" sz="1200" dirty="0">
+                <a:solidFill>
+                  <a:schemeClr val="tx1"/>
+                </a:solidFill>
+              </a:rPr>
+              <a:t>초 뒤에 사라짐 </a:t>
+            </a:r>
+            <a:endParaRPr lang="en-US" altLang="ko-KR" sz="1200" dirty="0">
+              <a:solidFill>
+                <a:schemeClr val="tx1"/>
+              </a:solidFill>
+            </a:endParaRPr>
+          </a:p>
+        </p:txBody>
+      </p:sp>
+    </p:spTree>
+    <p:extLst>
+      <p:ext uri="{BB962C8B-B14F-4D97-AF65-F5344CB8AC3E}">
+        <p14:creationId xmlns:p14="http://schemas.microsoft.com/office/powerpoint/2010/main" val="3372908370"/>
+      </p:ext>
+    </p:extLst>
+  </p:cSld>
+  <p:clrMapOvr>
+    <a:masterClrMapping/>
+  </p:clrMapOvr>
+</p:sld>
+</file>
+
+<file path=ppt/slides/slide5.xml><?xml version="1.0" encoding="utf-8"?>
+<p:sld xmlns:a="http://schemas.openxmlformats.org/drawingml/2006/main" xmlns:r="http://schemas.openxmlformats.org/officeDocument/2006/relationships" xmlns:p="http://schemas.openxmlformats.org/presentationml/2006/main">
+  <p:cSld>
+    <p:spTree>
+      <p:nvGrpSpPr>
+        <p:cNvPr id="1" name="">
+          <a:extLst>
+            <a:ext uri="{FF2B5EF4-FFF2-40B4-BE49-F238E27FC236}">
               <a16:creationId xmlns:a16="http://schemas.microsoft.com/office/drawing/2014/main" id="{EB2D97FF-BA65-4D3F-E9A0-A8FB05C607BE}"/>
             </a:ext>
           </a:extLst>
@@ -44785,7 +46907,7 @@
 </p:sld>
 </file>
 
-<file path=ppt/slides/slide5.xml><?xml version="1.0" encoding="utf-8"?>
+<file path=ppt/slides/slide6.xml><?xml version="1.0" encoding="utf-8"?>
 <p:sld xmlns:a="http://schemas.openxmlformats.org/drawingml/2006/main" xmlns:r="http://schemas.openxmlformats.org/officeDocument/2006/relationships" xmlns:p="http://schemas.openxmlformats.org/presentationml/2006/main">
   <p:cSld>
     <p:spTree>
@@ -45971,7 +48093,7 @@
 </p:sld>
 </file>
 
-<file path=ppt/slides/slide6.xml><?xml version="1.0" encoding="utf-8"?>
+<file path=ppt/slides/slide7.xml><?xml version="1.0" encoding="utf-8"?>
 <p:sld xmlns:a="http://schemas.openxmlformats.org/drawingml/2006/main" xmlns:r="http://schemas.openxmlformats.org/officeDocument/2006/relationships" xmlns:p="http://schemas.openxmlformats.org/presentationml/2006/main">
   <p:cSld>
     <p:spTree>
@@ -47906,7 +50028,7 @@
 </p:sld>
 </file>
 
-<file path=ppt/slides/slide7.xml><?xml version="1.0" encoding="utf-8"?>
+<file path=ppt/slides/slide8.xml><?xml version="1.0" encoding="utf-8"?>
 <p:sld xmlns:a="http://schemas.openxmlformats.org/drawingml/2006/main" xmlns:r="http://schemas.openxmlformats.org/officeDocument/2006/relationships" xmlns:p="http://schemas.openxmlformats.org/presentationml/2006/main">
   <p:cSld>
     <p:spTree>
@@ -49753,7 +51875,7 @@
 </p:sld>
 </file>
 
-<file path=ppt/slides/slide8.xml><?xml version="1.0" encoding="utf-8"?>
+<file path=ppt/slides/slide9.xml><?xml version="1.0" encoding="utf-8"?>
 <p:sld xmlns:a="http://schemas.openxmlformats.org/drawingml/2006/main" xmlns:r="http://schemas.openxmlformats.org/officeDocument/2006/relationships" xmlns:p="http://schemas.openxmlformats.org/presentationml/2006/main">
   <p:cSld>
     <p:spTree>
@@ -50719,1308 +52841,6 @@
 </p:sld>
 </file>
 
-<file path=ppt/slides/slide9.xml><?xml version="1.0" encoding="utf-8"?>
-<p:sld xmlns:a="http://schemas.openxmlformats.org/drawingml/2006/main" xmlns:r="http://schemas.openxmlformats.org/officeDocument/2006/relationships" xmlns:p="http://schemas.openxmlformats.org/presentationml/2006/main">
-  <p:cSld>
-    <p:spTree>
-      <p:nvGrpSpPr>
-        <p:cNvPr id="1" name="">
-          <a:extLst>
-            <a:ext uri="{FF2B5EF4-FFF2-40B4-BE49-F238E27FC236}">
-              <a16:creationId xmlns:a16="http://schemas.microsoft.com/office/drawing/2014/main" id="{F66B57CE-8BDC-868D-7465-D31BD059AA20}"/>
-            </a:ext>
-          </a:extLst>
-        </p:cNvPr>
-        <p:cNvGrpSpPr/>
-        <p:nvPr/>
-      </p:nvGrpSpPr>
-      <p:grpSpPr>
-        <a:xfrm>
-          <a:off x="0" y="0"/>
-          <a:ext cx="0" cy="0"/>
-          <a:chOff x="0" y="0"/>
-          <a:chExt cx="0" cy="0"/>
-        </a:xfrm>
-      </p:grpSpPr>
-      <p:sp>
-        <p:nvSpPr>
-          <p:cNvPr id="14" name="직사각형 13">
-            <a:extLst>
-              <a:ext uri="{FF2B5EF4-FFF2-40B4-BE49-F238E27FC236}">
-                <a16:creationId xmlns:a16="http://schemas.microsoft.com/office/drawing/2014/main" id="{C88FB209-0B94-4592-AD83-F4D216461197}"/>
-              </a:ext>
-            </a:extLst>
-          </p:cNvPr>
-          <p:cNvSpPr/>
-          <p:nvPr/>
-        </p:nvSpPr>
-        <p:spPr>
-          <a:xfrm>
-            <a:off x="92765" y="79513"/>
-            <a:ext cx="11986592" cy="6712226"/>
-          </a:xfrm>
-          <a:prstGeom prst="rect">
-            <a:avLst/>
-          </a:prstGeom>
-          <a:solidFill>
-            <a:schemeClr val="accent2">
-              <a:lumMod val="40000"/>
-              <a:lumOff val="60000"/>
-            </a:schemeClr>
-          </a:solidFill>
-        </p:spPr>
-        <p:style>
-          <a:lnRef idx="2">
-            <a:schemeClr val="accent1">
-              <a:shade val="15000"/>
-            </a:schemeClr>
-          </a:lnRef>
-          <a:fillRef idx="1">
-            <a:schemeClr val="accent1"/>
-          </a:fillRef>
-          <a:effectRef idx="0">
-            <a:schemeClr val="accent1"/>
-          </a:effectRef>
-          <a:fontRef idx="minor">
-            <a:schemeClr val="lt1"/>
-          </a:fontRef>
-        </p:style>
-        <p:txBody>
-          <a:bodyPr rtlCol="0" anchor="ctr"/>
-          <a:lstStyle/>
-          <a:p>
-            <a:pPr algn="ctr"/>
-            <a:endParaRPr lang="ko-KR" altLang="en-US"/>
-          </a:p>
-        </p:txBody>
-      </p:sp>
-      <p:sp>
-        <p:nvSpPr>
-          <p:cNvPr id="11" name="직사각형 10">
-            <a:extLst>
-              <a:ext uri="{FF2B5EF4-FFF2-40B4-BE49-F238E27FC236}">
-                <a16:creationId xmlns:a16="http://schemas.microsoft.com/office/drawing/2014/main" id="{D5D07576-FE14-174D-6675-F591CC118CEB}"/>
-              </a:ext>
-            </a:extLst>
-          </p:cNvPr>
-          <p:cNvSpPr/>
-          <p:nvPr/>
-        </p:nvSpPr>
-        <p:spPr>
-          <a:xfrm>
-            <a:off x="9515061" y="245165"/>
-            <a:ext cx="2458278" cy="1053548"/>
-          </a:xfrm>
-          <a:prstGeom prst="rect">
-            <a:avLst/>
-          </a:prstGeom>
-        </p:spPr>
-        <p:style>
-          <a:lnRef idx="2">
-            <a:schemeClr val="accent1">
-              <a:shade val="15000"/>
-            </a:schemeClr>
-          </a:lnRef>
-          <a:fillRef idx="1">
-            <a:schemeClr val="accent1"/>
-          </a:fillRef>
-          <a:effectRef idx="0">
-            <a:schemeClr val="accent1"/>
-          </a:effectRef>
-          <a:fontRef idx="minor">
-            <a:schemeClr val="lt1"/>
-          </a:fontRef>
-        </p:style>
-        <p:txBody>
-          <a:bodyPr rtlCol="0" anchor="ctr"/>
-          <a:lstStyle/>
-          <a:p>
-            <a:pPr algn="ctr"/>
-            <a:r>
-              <a:rPr lang="en-US" altLang="ko-KR" sz="5400" dirty="0"/>
-              <a:t>11:50</a:t>
-            </a:r>
-            <a:endParaRPr lang="ko-KR" altLang="en-US" sz="5400" dirty="0"/>
-          </a:p>
-        </p:txBody>
-      </p:sp>
-      <p:grpSp>
-        <p:nvGrpSpPr>
-          <p:cNvPr id="9" name="그룹 8">
-            <a:extLst>
-              <a:ext uri="{FF2B5EF4-FFF2-40B4-BE49-F238E27FC236}">
-                <a16:creationId xmlns:a16="http://schemas.microsoft.com/office/drawing/2014/main" id="{06245C6A-50B9-614F-8C65-A59FE54C0AD5}"/>
-              </a:ext>
-            </a:extLst>
-          </p:cNvPr>
-          <p:cNvGrpSpPr/>
-          <p:nvPr/>
-        </p:nvGrpSpPr>
-        <p:grpSpPr>
-          <a:xfrm>
-            <a:off x="4350319" y="516834"/>
-            <a:ext cx="3256428" cy="5664350"/>
-            <a:chOff x="4350319" y="516834"/>
-            <a:chExt cx="3256428" cy="5664350"/>
-          </a:xfrm>
-        </p:grpSpPr>
-        <p:grpSp>
-          <p:nvGrpSpPr>
-            <p:cNvPr id="16" name="그룹 15">
-              <a:extLst>
-                <a:ext uri="{FF2B5EF4-FFF2-40B4-BE49-F238E27FC236}">
-                  <a16:creationId xmlns:a16="http://schemas.microsoft.com/office/drawing/2014/main" id="{485489A4-69EB-F4DB-1FE1-73014BB482F9}"/>
-                </a:ext>
-              </a:extLst>
-            </p:cNvPr>
-            <p:cNvGrpSpPr/>
-            <p:nvPr/>
-          </p:nvGrpSpPr>
-          <p:grpSpPr>
-            <a:xfrm>
-              <a:off x="4350319" y="516834"/>
-              <a:ext cx="3256428" cy="5664350"/>
-              <a:chOff x="7454978" y="591749"/>
-              <a:chExt cx="2571297" cy="4472608"/>
-            </a:xfrm>
-          </p:grpSpPr>
-          <p:grpSp>
-            <p:nvGrpSpPr>
-              <p:cNvPr id="30" name="그룹 29">
-                <a:extLst>
-                  <a:ext uri="{FF2B5EF4-FFF2-40B4-BE49-F238E27FC236}">
-                    <a16:creationId xmlns:a16="http://schemas.microsoft.com/office/drawing/2014/main" id="{6EBDFD8C-131E-9A6D-70D8-D304BBD90AB6}"/>
-                  </a:ext>
-                </a:extLst>
-              </p:cNvPr>
-              <p:cNvGrpSpPr/>
-              <p:nvPr/>
-            </p:nvGrpSpPr>
-            <p:grpSpPr>
-              <a:xfrm>
-                <a:off x="7454978" y="591749"/>
-                <a:ext cx="2571297" cy="4472608"/>
-                <a:chOff x="7562162" y="591749"/>
-                <a:chExt cx="2571297" cy="4472608"/>
-              </a:xfrm>
-            </p:grpSpPr>
-            <p:sp>
-              <p:nvSpPr>
-                <p:cNvPr id="46" name="사각형: 둥근 모서리 45">
-                  <a:extLst>
-                    <a:ext uri="{FF2B5EF4-FFF2-40B4-BE49-F238E27FC236}">
-                      <a16:creationId xmlns:a16="http://schemas.microsoft.com/office/drawing/2014/main" id="{192A6482-F0B4-6ABB-7370-E94097CFA523}"/>
-                    </a:ext>
-                  </a:extLst>
-                </p:cNvPr>
-                <p:cNvSpPr/>
-                <p:nvPr/>
-              </p:nvSpPr>
-              <p:spPr>
-                <a:xfrm rot="5400000">
-                  <a:off x="6611507" y="1542404"/>
-                  <a:ext cx="4472608" cy="2571297"/>
-                </a:xfrm>
-                <a:prstGeom prst="roundRect">
-                  <a:avLst>
-                    <a:gd name="adj" fmla="val 2928"/>
-                  </a:avLst>
-                </a:prstGeom>
-                <a:solidFill>
-                  <a:schemeClr val="bg2">
-                    <a:lumMod val="75000"/>
-                  </a:schemeClr>
-                </a:solidFill>
-              </p:spPr>
-              <p:style>
-                <a:lnRef idx="2">
-                  <a:schemeClr val="accent1">
-                    <a:shade val="15000"/>
-                  </a:schemeClr>
-                </a:lnRef>
-                <a:fillRef idx="1">
-                  <a:schemeClr val="accent1"/>
-                </a:fillRef>
-                <a:effectRef idx="0">
-                  <a:schemeClr val="accent1"/>
-                </a:effectRef>
-                <a:fontRef idx="minor">
-                  <a:schemeClr val="lt1"/>
-                </a:fontRef>
-              </p:style>
-              <p:txBody>
-                <a:bodyPr rtlCol="0" anchor="ctr"/>
-                <a:lstStyle/>
-                <a:p>
-                  <a:pPr algn="ctr"/>
-                  <a:endParaRPr lang="ko-KR" altLang="en-US" sz="2000"/>
-                </a:p>
-              </p:txBody>
-            </p:sp>
-            <p:sp>
-              <p:nvSpPr>
-                <p:cNvPr id="47" name="타원 46">
-                  <a:extLst>
-                    <a:ext uri="{FF2B5EF4-FFF2-40B4-BE49-F238E27FC236}">
-                      <a16:creationId xmlns:a16="http://schemas.microsoft.com/office/drawing/2014/main" id="{69E41CE8-E741-F4EE-E64B-3D9A0E38D9DC}"/>
-                    </a:ext>
-                  </a:extLst>
-                </p:cNvPr>
-                <p:cNvSpPr/>
-                <p:nvPr/>
-              </p:nvSpPr>
-              <p:spPr>
-                <a:xfrm rot="5400000">
-                  <a:off x="8798520" y="621535"/>
-                  <a:ext cx="98581" cy="98581"/>
-                </a:xfrm>
-                <a:prstGeom prst="ellipse">
-                  <a:avLst/>
-                </a:prstGeom>
-                <a:solidFill>
-                  <a:schemeClr val="tx1">
-                    <a:lumMod val="85000"/>
-                    <a:lumOff val="15000"/>
-                  </a:schemeClr>
-                </a:solidFill>
-              </p:spPr>
-              <p:style>
-                <a:lnRef idx="2">
-                  <a:schemeClr val="accent1">
-                    <a:shade val="15000"/>
-                  </a:schemeClr>
-                </a:lnRef>
-                <a:fillRef idx="1">
-                  <a:schemeClr val="accent1"/>
-                </a:fillRef>
-                <a:effectRef idx="0">
-                  <a:schemeClr val="accent1"/>
-                </a:effectRef>
-                <a:fontRef idx="minor">
-                  <a:schemeClr val="lt1"/>
-                </a:fontRef>
-              </p:style>
-              <p:txBody>
-                <a:bodyPr rtlCol="0" anchor="ctr"/>
-                <a:lstStyle/>
-                <a:p>
-                  <a:pPr algn="ctr"/>
-                  <a:endParaRPr lang="ko-KR" altLang="en-US" sz="2000"/>
-                </a:p>
-              </p:txBody>
-            </p:sp>
-          </p:grpSp>
-          <p:sp>
-            <p:nvSpPr>
-              <p:cNvPr id="45" name="직사각형 44">
-                <a:extLst>
-                  <a:ext uri="{FF2B5EF4-FFF2-40B4-BE49-F238E27FC236}">
-                    <a16:creationId xmlns:a16="http://schemas.microsoft.com/office/drawing/2014/main" id="{97BDDC7E-F713-A205-D456-C935465D6B29}"/>
-                  </a:ext>
-                </a:extLst>
-              </p:cNvPr>
-              <p:cNvSpPr/>
-              <p:nvPr/>
-            </p:nvSpPr>
-            <p:spPr>
-              <a:xfrm rot="5400000">
-                <a:off x="6642550" y="1673028"/>
-                <a:ext cx="4196152" cy="2363058"/>
-              </a:xfrm>
-              <a:prstGeom prst="rect">
-                <a:avLst/>
-              </a:prstGeom>
-              <a:solidFill>
-                <a:schemeClr val="bg1"/>
-              </a:solidFill>
-            </p:spPr>
-            <p:style>
-              <a:lnRef idx="2">
-                <a:schemeClr val="accent1">
-                  <a:shade val="15000"/>
-                </a:schemeClr>
-              </a:lnRef>
-              <a:fillRef idx="1">
-                <a:schemeClr val="accent1"/>
-              </a:fillRef>
-              <a:effectRef idx="0">
-                <a:schemeClr val="accent1"/>
-              </a:effectRef>
-              <a:fontRef idx="minor">
-                <a:schemeClr val="lt1"/>
-              </a:fontRef>
-            </p:style>
-            <p:txBody>
-              <a:bodyPr rtlCol="0" anchor="ctr"/>
-              <a:lstStyle/>
-              <a:p>
-                <a:pPr algn="ctr"/>
-                <a:endParaRPr lang="ko-KR" altLang="en-US" sz="4000" dirty="0"/>
-              </a:p>
-            </p:txBody>
-          </p:sp>
-        </p:grpSp>
-        <p:sp>
-          <p:nvSpPr>
-            <p:cNvPr id="20" name="말풍선: 사각형 19">
-              <a:extLst>
-                <a:ext uri="{FF2B5EF4-FFF2-40B4-BE49-F238E27FC236}">
-                  <a16:creationId xmlns:a16="http://schemas.microsoft.com/office/drawing/2014/main" id="{C4DA43C6-B751-3577-AAE8-5144C238B608}"/>
-                </a:ext>
-              </a:extLst>
-            </p:cNvPr>
-            <p:cNvSpPr/>
-            <p:nvPr/>
-          </p:nvSpPr>
-          <p:spPr>
-            <a:xfrm>
-              <a:off x="4786168" y="1667036"/>
-              <a:ext cx="2268582" cy="393630"/>
-            </a:xfrm>
-            <a:prstGeom prst="wedgeRectCallout">
-              <a:avLst>
-                <a:gd name="adj1" fmla="val -56682"/>
-                <a:gd name="adj2" fmla="val -23616"/>
-              </a:avLst>
-            </a:prstGeom>
-            <a:solidFill>
-              <a:schemeClr val="bg1"/>
-            </a:solidFill>
-            <a:ln>
-              <a:solidFill>
-                <a:schemeClr val="tx1">
-                  <a:lumMod val="65000"/>
-                  <a:lumOff val="35000"/>
-                </a:schemeClr>
-              </a:solidFill>
-            </a:ln>
-          </p:spPr>
-          <p:style>
-            <a:lnRef idx="2">
-              <a:schemeClr val="accent1">
-                <a:shade val="15000"/>
-              </a:schemeClr>
-            </a:lnRef>
-            <a:fillRef idx="1">
-              <a:schemeClr val="accent1"/>
-            </a:fillRef>
-            <a:effectRef idx="0">
-              <a:schemeClr val="accent1"/>
-            </a:effectRef>
-            <a:fontRef idx="minor">
-              <a:schemeClr val="lt1"/>
-            </a:fontRef>
-          </p:style>
-          <p:txBody>
-            <a:bodyPr rtlCol="0" anchor="ctr"/>
-            <a:lstStyle/>
-            <a:p>
-              <a:pPr algn="ctr"/>
-              <a:r>
-                <a:rPr lang="ko-KR" altLang="en-US" sz="1200" dirty="0">
-                  <a:solidFill>
-                    <a:schemeClr val="tx1"/>
-                  </a:solidFill>
-                </a:rPr>
-                <a:t>대화 </a:t>
-              </a:r>
-              <a:r>
-                <a:rPr lang="en-US" altLang="ko-KR" sz="1200" dirty="0">
-                  <a:solidFill>
-                    <a:schemeClr val="tx1"/>
-                  </a:solidFill>
-                </a:rPr>
-                <a:t>Text</a:t>
-              </a:r>
-              <a:endParaRPr lang="ko-KR" altLang="en-US" sz="1200" dirty="0">
-                <a:solidFill>
-                  <a:schemeClr val="tx1"/>
-                </a:solidFill>
-              </a:endParaRPr>
-            </a:p>
-          </p:txBody>
-        </p:sp>
-        <p:sp>
-          <p:nvSpPr>
-            <p:cNvPr id="21" name="사각형: 둥근 모서리 20">
-              <a:extLst>
-                <a:ext uri="{FF2B5EF4-FFF2-40B4-BE49-F238E27FC236}">
-                  <a16:creationId xmlns:a16="http://schemas.microsoft.com/office/drawing/2014/main" id="{011D79BB-9923-EEB0-7EA4-0BFD3252C902}"/>
-                </a:ext>
-              </a:extLst>
-            </p:cNvPr>
-            <p:cNvSpPr/>
-            <p:nvPr/>
-          </p:nvSpPr>
-          <p:spPr>
-            <a:xfrm>
-              <a:off x="4644631" y="4858447"/>
-              <a:ext cx="2679289" cy="301076"/>
-            </a:xfrm>
-            <a:prstGeom prst="roundRect">
-              <a:avLst/>
-            </a:prstGeom>
-            <a:solidFill>
-              <a:schemeClr val="bg2">
-                <a:lumMod val="75000"/>
-              </a:schemeClr>
-            </a:solidFill>
-            <a:ln>
-              <a:noFill/>
-            </a:ln>
-          </p:spPr>
-          <p:style>
-            <a:lnRef idx="2">
-              <a:schemeClr val="accent1">
-                <a:shade val="15000"/>
-              </a:schemeClr>
-            </a:lnRef>
-            <a:fillRef idx="1">
-              <a:schemeClr val="accent1"/>
-            </a:fillRef>
-            <a:effectRef idx="0">
-              <a:schemeClr val="accent1"/>
-            </a:effectRef>
-            <a:fontRef idx="minor">
-              <a:schemeClr val="lt1"/>
-            </a:fontRef>
-          </p:style>
-          <p:txBody>
-            <a:bodyPr rtlCol="0" anchor="ctr"/>
-            <a:lstStyle/>
-            <a:p>
-              <a:pPr algn="ctr"/>
-              <a:r>
-                <a:rPr lang="ko-KR" altLang="en-US" sz="1200" dirty="0">
-                  <a:solidFill>
-                    <a:schemeClr val="tx1"/>
-                  </a:solidFill>
-                </a:rPr>
-                <a:t>대답 선택지 </a:t>
-              </a:r>
-              <a:r>
-                <a:rPr lang="en-US" altLang="ko-KR" sz="1200" dirty="0">
-                  <a:solidFill>
-                    <a:schemeClr val="tx1"/>
-                  </a:solidFill>
-                </a:rPr>
-                <a:t>1</a:t>
-              </a:r>
-              <a:endParaRPr lang="ko-KR" altLang="en-US" sz="1200" dirty="0">
-                <a:solidFill>
-                  <a:schemeClr val="tx1"/>
-                </a:solidFill>
-              </a:endParaRPr>
-            </a:p>
-          </p:txBody>
-        </p:sp>
-        <p:sp>
-          <p:nvSpPr>
-            <p:cNvPr id="22" name="사각형: 둥근 모서리 21">
-              <a:extLst>
-                <a:ext uri="{FF2B5EF4-FFF2-40B4-BE49-F238E27FC236}">
-                  <a16:creationId xmlns:a16="http://schemas.microsoft.com/office/drawing/2014/main" id="{A22A3878-36E1-A998-01CD-E9B8E503E319}"/>
-                </a:ext>
-              </a:extLst>
-            </p:cNvPr>
-            <p:cNvSpPr/>
-            <p:nvPr/>
-          </p:nvSpPr>
-          <p:spPr>
-            <a:xfrm>
-              <a:off x="4644631" y="5197313"/>
-              <a:ext cx="2679289" cy="301076"/>
-            </a:xfrm>
-            <a:prstGeom prst="roundRect">
-              <a:avLst/>
-            </a:prstGeom>
-            <a:solidFill>
-              <a:schemeClr val="bg2">
-                <a:lumMod val="75000"/>
-              </a:schemeClr>
-            </a:solidFill>
-            <a:ln>
-              <a:noFill/>
-            </a:ln>
-          </p:spPr>
-          <p:style>
-            <a:lnRef idx="2">
-              <a:schemeClr val="accent1">
-                <a:shade val="15000"/>
-              </a:schemeClr>
-            </a:lnRef>
-            <a:fillRef idx="1">
-              <a:schemeClr val="accent1"/>
-            </a:fillRef>
-            <a:effectRef idx="0">
-              <a:schemeClr val="accent1"/>
-            </a:effectRef>
-            <a:fontRef idx="minor">
-              <a:schemeClr val="lt1"/>
-            </a:fontRef>
-          </p:style>
-          <p:txBody>
-            <a:bodyPr rtlCol="0" anchor="ctr"/>
-            <a:lstStyle/>
-            <a:p>
-              <a:pPr algn="ctr"/>
-              <a:r>
-                <a:rPr lang="ko-KR" altLang="en-US" sz="1200" dirty="0">
-                  <a:solidFill>
-                    <a:schemeClr val="tx1"/>
-                  </a:solidFill>
-                </a:rPr>
-                <a:t>대답 선택지 </a:t>
-              </a:r>
-              <a:r>
-                <a:rPr lang="en-US" altLang="ko-KR" sz="1200" dirty="0">
-                  <a:solidFill>
-                    <a:schemeClr val="tx1"/>
-                  </a:solidFill>
-                </a:rPr>
-                <a:t>2</a:t>
-              </a:r>
-              <a:endParaRPr lang="ko-KR" altLang="en-US" sz="1200" dirty="0">
-                <a:solidFill>
-                  <a:schemeClr val="tx1"/>
-                </a:solidFill>
-              </a:endParaRPr>
-            </a:p>
-          </p:txBody>
-        </p:sp>
-        <p:sp>
-          <p:nvSpPr>
-            <p:cNvPr id="23" name="사각형: 둥근 모서리 22">
-              <a:extLst>
-                <a:ext uri="{FF2B5EF4-FFF2-40B4-BE49-F238E27FC236}">
-                  <a16:creationId xmlns:a16="http://schemas.microsoft.com/office/drawing/2014/main" id="{D15E840A-8EBC-500F-15BA-B188A4739FA0}"/>
-                </a:ext>
-              </a:extLst>
-            </p:cNvPr>
-            <p:cNvSpPr/>
-            <p:nvPr/>
-          </p:nvSpPr>
-          <p:spPr>
-            <a:xfrm>
-              <a:off x="4644631" y="5536178"/>
-              <a:ext cx="2679289" cy="301076"/>
-            </a:xfrm>
-            <a:prstGeom prst="roundRect">
-              <a:avLst/>
-            </a:prstGeom>
-            <a:solidFill>
-              <a:schemeClr val="bg2">
-                <a:lumMod val="75000"/>
-              </a:schemeClr>
-            </a:solidFill>
-            <a:ln>
-              <a:noFill/>
-            </a:ln>
-          </p:spPr>
-          <p:style>
-            <a:lnRef idx="2">
-              <a:schemeClr val="accent1">
-                <a:shade val="15000"/>
-              </a:schemeClr>
-            </a:lnRef>
-            <a:fillRef idx="1">
-              <a:schemeClr val="accent1"/>
-            </a:fillRef>
-            <a:effectRef idx="0">
-              <a:schemeClr val="accent1"/>
-            </a:effectRef>
-            <a:fontRef idx="minor">
-              <a:schemeClr val="lt1"/>
-            </a:fontRef>
-          </p:style>
-          <p:txBody>
-            <a:bodyPr rtlCol="0" anchor="ctr"/>
-            <a:lstStyle/>
-            <a:p>
-              <a:pPr algn="ctr"/>
-              <a:r>
-                <a:rPr lang="ko-KR" altLang="en-US" sz="1200" dirty="0">
-                  <a:solidFill>
-                    <a:schemeClr val="tx1"/>
-                  </a:solidFill>
-                </a:rPr>
-                <a:t>대답 선택지 </a:t>
-              </a:r>
-              <a:r>
-                <a:rPr lang="en-US" altLang="ko-KR" sz="1200" dirty="0">
-                  <a:solidFill>
-                    <a:schemeClr val="tx1"/>
-                  </a:solidFill>
-                </a:rPr>
-                <a:t>3</a:t>
-              </a:r>
-              <a:endParaRPr lang="ko-KR" altLang="en-US" sz="1200" dirty="0">
-                <a:solidFill>
-                  <a:schemeClr val="tx1"/>
-                </a:solidFill>
-              </a:endParaRPr>
-            </a:p>
-          </p:txBody>
-        </p:sp>
-        <p:pic>
-          <p:nvPicPr>
-            <p:cNvPr id="53" name="그래픽 52" descr="오른쪽 캐럿 단색으로 채워진">
-              <a:extLst>
-                <a:ext uri="{FF2B5EF4-FFF2-40B4-BE49-F238E27FC236}">
-                  <a16:creationId xmlns:a16="http://schemas.microsoft.com/office/drawing/2014/main" id="{E03FC194-3E6C-5110-CB8E-292D3A7CE9B9}"/>
-                </a:ext>
-              </a:extLst>
-            </p:cNvPr>
-            <p:cNvPicPr>
-              <a:picLocks noChangeAspect="1"/>
-            </p:cNvPicPr>
-            <p:nvPr/>
-          </p:nvPicPr>
-          <p:blipFill>
-            <a:blip r:embed="rId2">
-              <a:extLst>
-                <a:ext uri="{96DAC541-7B7A-43D3-8B79-37D633B846F1}">
-                  <asvg:svgBlip xmlns:asvg="http://schemas.microsoft.com/office/drawing/2016/SVG/main" r:embed="rId3"/>
-                </a:ext>
-              </a:extLst>
-            </a:blip>
-            <a:stretch>
-              <a:fillRect/>
-            </a:stretch>
-          </p:blipFill>
-          <p:spPr>
-            <a:xfrm>
-              <a:off x="4492487" y="4396409"/>
-              <a:ext cx="360000" cy="360000"/>
-            </a:xfrm>
-            <a:prstGeom prst="rect">
-              <a:avLst/>
-            </a:prstGeom>
-          </p:spPr>
-        </p:pic>
-        <p:sp>
-          <p:nvSpPr>
-            <p:cNvPr id="54" name="사각형: 둥근 모서리 53">
-              <a:extLst>
-                <a:ext uri="{FF2B5EF4-FFF2-40B4-BE49-F238E27FC236}">
-                  <a16:creationId xmlns:a16="http://schemas.microsoft.com/office/drawing/2014/main" id="{E03E6B2C-3FD7-BF4C-C27F-5CAB3FCB30DF}"/>
-                </a:ext>
-              </a:extLst>
-            </p:cNvPr>
-            <p:cNvSpPr/>
-            <p:nvPr/>
-          </p:nvSpPr>
-          <p:spPr>
-            <a:xfrm>
-              <a:off x="4908419" y="4417488"/>
-              <a:ext cx="2140226" cy="301077"/>
-            </a:xfrm>
-            <a:prstGeom prst="roundRect">
-              <a:avLst>
-                <a:gd name="adj" fmla="val 50000"/>
-              </a:avLst>
-            </a:prstGeom>
-            <a:solidFill>
-              <a:schemeClr val="bg2">
-                <a:lumMod val="75000"/>
-              </a:schemeClr>
-            </a:solidFill>
-            <a:ln>
-              <a:solidFill>
-                <a:schemeClr val="bg1"/>
-              </a:solidFill>
-            </a:ln>
-          </p:spPr>
-          <p:style>
-            <a:lnRef idx="2">
-              <a:schemeClr val="accent1">
-                <a:shade val="15000"/>
-              </a:schemeClr>
-            </a:lnRef>
-            <a:fillRef idx="1">
-              <a:schemeClr val="accent1"/>
-            </a:fillRef>
-            <a:effectRef idx="0">
-              <a:schemeClr val="accent1"/>
-            </a:effectRef>
-            <a:fontRef idx="minor">
-              <a:schemeClr val="lt1"/>
-            </a:fontRef>
-          </p:style>
-          <p:txBody>
-            <a:bodyPr rtlCol="0" anchor="ctr"/>
-            <a:lstStyle/>
-            <a:p>
-              <a:r>
-                <a:rPr lang="en-US" altLang="ko-KR" sz="1000" dirty="0">
-                  <a:solidFill>
-                    <a:schemeClr val="tx1"/>
-                  </a:solidFill>
-                </a:rPr>
-                <a:t>l</a:t>
-              </a:r>
-              <a:endParaRPr lang="ko-KR" altLang="en-US" sz="1000" dirty="0">
-                <a:solidFill>
-                  <a:schemeClr val="tx1"/>
-                </a:solidFill>
-              </a:endParaRPr>
-            </a:p>
-          </p:txBody>
-        </p:sp>
-        <p:sp>
-          <p:nvSpPr>
-            <p:cNvPr id="55" name="말풍선: 사각형 54">
-              <a:extLst>
-                <a:ext uri="{FF2B5EF4-FFF2-40B4-BE49-F238E27FC236}">
-                  <a16:creationId xmlns:a16="http://schemas.microsoft.com/office/drawing/2014/main" id="{82EC0E8C-03BB-9E38-7D21-97C4356B027B}"/>
-                </a:ext>
-              </a:extLst>
-            </p:cNvPr>
-            <p:cNvSpPr/>
-            <p:nvPr/>
-          </p:nvSpPr>
-          <p:spPr>
-            <a:xfrm>
-              <a:off x="4990510" y="2365101"/>
-              <a:ext cx="2268582" cy="393630"/>
-            </a:xfrm>
-            <a:prstGeom prst="wedgeRectCallout">
-              <a:avLst>
-                <a:gd name="adj1" fmla="val 57814"/>
-                <a:gd name="adj2" fmla="val -21933"/>
-              </a:avLst>
-            </a:prstGeom>
-            <a:solidFill>
-              <a:srgbClr val="0070C0"/>
-            </a:solidFill>
-            <a:ln>
-              <a:solidFill>
-                <a:schemeClr val="tx1">
-                  <a:lumMod val="65000"/>
-                  <a:lumOff val="35000"/>
-                </a:schemeClr>
-              </a:solidFill>
-            </a:ln>
-          </p:spPr>
-          <p:style>
-            <a:lnRef idx="2">
-              <a:schemeClr val="accent1">
-                <a:shade val="15000"/>
-              </a:schemeClr>
-            </a:lnRef>
-            <a:fillRef idx="1">
-              <a:schemeClr val="accent1"/>
-            </a:fillRef>
-            <a:effectRef idx="0">
-              <a:schemeClr val="accent1"/>
-            </a:effectRef>
-            <a:fontRef idx="minor">
-              <a:schemeClr val="lt1"/>
-            </a:fontRef>
-          </p:style>
-          <p:txBody>
-            <a:bodyPr rtlCol="0" anchor="ctr"/>
-            <a:lstStyle/>
-            <a:p>
-              <a:pPr algn="ctr"/>
-              <a:r>
-                <a:rPr lang="ko-KR" altLang="en-US" sz="1200">
-                  <a:solidFill>
-                    <a:schemeClr val="bg1"/>
-                  </a:solidFill>
-                </a:rPr>
-                <a:t>답변 </a:t>
-              </a:r>
-              <a:r>
-                <a:rPr lang="en-US" altLang="ko-KR" sz="1200" dirty="0">
-                  <a:solidFill>
-                    <a:schemeClr val="bg1"/>
-                  </a:solidFill>
-                </a:rPr>
-                <a:t>Text</a:t>
-              </a:r>
-              <a:endParaRPr lang="ko-KR" altLang="en-US" sz="1200" dirty="0">
-                <a:solidFill>
-                  <a:schemeClr val="bg1"/>
-                </a:solidFill>
-              </a:endParaRPr>
-            </a:p>
-          </p:txBody>
-        </p:sp>
-        <p:sp>
-          <p:nvSpPr>
-            <p:cNvPr id="2" name="말풍선: 사각형 1">
-              <a:extLst>
-                <a:ext uri="{FF2B5EF4-FFF2-40B4-BE49-F238E27FC236}">
-                  <a16:creationId xmlns:a16="http://schemas.microsoft.com/office/drawing/2014/main" id="{DE5590F4-4E8D-4268-7778-9C996748F263}"/>
-                </a:ext>
-              </a:extLst>
-            </p:cNvPr>
-            <p:cNvSpPr/>
-            <p:nvPr/>
-          </p:nvSpPr>
-          <p:spPr>
-            <a:xfrm>
-              <a:off x="4757367" y="2985845"/>
-              <a:ext cx="2268582" cy="393630"/>
-            </a:xfrm>
-            <a:prstGeom prst="wedgeRectCallout">
-              <a:avLst>
-                <a:gd name="adj1" fmla="val -56682"/>
-                <a:gd name="adj2" fmla="val -23616"/>
-              </a:avLst>
-            </a:prstGeom>
-            <a:solidFill>
-              <a:schemeClr val="bg1"/>
-            </a:solidFill>
-            <a:ln>
-              <a:solidFill>
-                <a:schemeClr val="tx1">
-                  <a:lumMod val="65000"/>
-                  <a:lumOff val="35000"/>
-                </a:schemeClr>
-              </a:solidFill>
-            </a:ln>
-          </p:spPr>
-          <p:style>
-            <a:lnRef idx="2">
-              <a:schemeClr val="accent1">
-                <a:shade val="15000"/>
-              </a:schemeClr>
-            </a:lnRef>
-            <a:fillRef idx="1">
-              <a:schemeClr val="accent1"/>
-            </a:fillRef>
-            <a:effectRef idx="0">
-              <a:schemeClr val="accent1"/>
-            </a:effectRef>
-            <a:fontRef idx="minor">
-              <a:schemeClr val="lt1"/>
-            </a:fontRef>
-          </p:style>
-          <p:txBody>
-            <a:bodyPr rtlCol="0" anchor="ctr"/>
-            <a:lstStyle/>
-            <a:p>
-              <a:pPr algn="ctr"/>
-              <a:r>
-                <a:rPr lang="ko-KR" altLang="en-US" sz="1200" dirty="0">
-                  <a:solidFill>
-                    <a:schemeClr val="tx1"/>
-                  </a:solidFill>
-                </a:rPr>
-                <a:t>대화 </a:t>
-              </a:r>
-              <a:r>
-                <a:rPr lang="en-US" altLang="ko-KR" sz="1200" dirty="0">
-                  <a:solidFill>
-                    <a:schemeClr val="tx1"/>
-                  </a:solidFill>
-                </a:rPr>
-                <a:t>Text</a:t>
-              </a:r>
-              <a:endParaRPr lang="ko-KR" altLang="en-US" sz="1200" dirty="0">
-                <a:solidFill>
-                  <a:schemeClr val="tx1"/>
-                </a:solidFill>
-              </a:endParaRPr>
-            </a:p>
-          </p:txBody>
-        </p:sp>
-        <p:sp>
-          <p:nvSpPr>
-            <p:cNvPr id="3" name="말풍선: 사각형 2">
-              <a:extLst>
-                <a:ext uri="{FF2B5EF4-FFF2-40B4-BE49-F238E27FC236}">
-                  <a16:creationId xmlns:a16="http://schemas.microsoft.com/office/drawing/2014/main" id="{55B9193C-70A2-0F1C-BA93-2488D8C54AF7}"/>
-                </a:ext>
-              </a:extLst>
-            </p:cNvPr>
-            <p:cNvSpPr/>
-            <p:nvPr/>
-          </p:nvSpPr>
-          <p:spPr>
-            <a:xfrm>
-              <a:off x="4961709" y="3683910"/>
-              <a:ext cx="2268582" cy="393630"/>
-            </a:xfrm>
-            <a:prstGeom prst="wedgeRectCallout">
-              <a:avLst>
-                <a:gd name="adj1" fmla="val 57814"/>
-                <a:gd name="adj2" fmla="val -21933"/>
-              </a:avLst>
-            </a:prstGeom>
-            <a:solidFill>
-              <a:srgbClr val="0070C0"/>
-            </a:solidFill>
-            <a:ln>
-              <a:solidFill>
-                <a:schemeClr val="tx1">
-                  <a:lumMod val="65000"/>
-                  <a:lumOff val="35000"/>
-                </a:schemeClr>
-              </a:solidFill>
-            </a:ln>
-          </p:spPr>
-          <p:style>
-            <a:lnRef idx="2">
-              <a:schemeClr val="accent1">
-                <a:shade val="15000"/>
-              </a:schemeClr>
-            </a:lnRef>
-            <a:fillRef idx="1">
-              <a:schemeClr val="accent1"/>
-            </a:fillRef>
-            <a:effectRef idx="0">
-              <a:schemeClr val="accent1"/>
-            </a:effectRef>
-            <a:fontRef idx="minor">
-              <a:schemeClr val="lt1"/>
-            </a:fontRef>
-          </p:style>
-          <p:txBody>
-            <a:bodyPr rtlCol="0" anchor="ctr"/>
-            <a:lstStyle/>
-            <a:p>
-              <a:pPr algn="ctr"/>
-              <a:r>
-                <a:rPr lang="ko-KR" altLang="en-US" sz="1200">
-                  <a:solidFill>
-                    <a:schemeClr val="bg1"/>
-                  </a:solidFill>
-                </a:rPr>
-                <a:t>답변 </a:t>
-              </a:r>
-              <a:r>
-                <a:rPr lang="en-US" altLang="ko-KR" sz="1200" dirty="0">
-                  <a:solidFill>
-                    <a:schemeClr val="bg1"/>
-                  </a:solidFill>
-                </a:rPr>
-                <a:t>Text</a:t>
-              </a:r>
-              <a:endParaRPr lang="ko-KR" altLang="en-US" sz="1200" dirty="0">
-                <a:solidFill>
-                  <a:schemeClr val="bg1"/>
-                </a:solidFill>
-              </a:endParaRPr>
-            </a:p>
-          </p:txBody>
-        </p:sp>
-        <p:sp>
-          <p:nvSpPr>
-            <p:cNvPr id="4" name="말풍선: 사각형 3">
-              <a:extLst>
-                <a:ext uri="{FF2B5EF4-FFF2-40B4-BE49-F238E27FC236}">
-                  <a16:creationId xmlns:a16="http://schemas.microsoft.com/office/drawing/2014/main" id="{61B33AF7-F2A4-1D84-06A7-746688D8324A}"/>
-                </a:ext>
-              </a:extLst>
-            </p:cNvPr>
-            <p:cNvSpPr/>
-            <p:nvPr/>
-          </p:nvSpPr>
-          <p:spPr>
-            <a:xfrm>
-              <a:off x="4990510" y="1032802"/>
-              <a:ext cx="2268582" cy="393630"/>
-            </a:xfrm>
-            <a:prstGeom prst="wedgeRectCallout">
-              <a:avLst>
-                <a:gd name="adj1" fmla="val 57814"/>
-                <a:gd name="adj2" fmla="val -21933"/>
-              </a:avLst>
-            </a:prstGeom>
-            <a:solidFill>
-              <a:srgbClr val="0070C0"/>
-            </a:solidFill>
-            <a:ln>
-              <a:solidFill>
-                <a:schemeClr val="tx1">
-                  <a:lumMod val="65000"/>
-                  <a:lumOff val="35000"/>
-                </a:schemeClr>
-              </a:solidFill>
-            </a:ln>
-          </p:spPr>
-          <p:style>
-            <a:lnRef idx="2">
-              <a:schemeClr val="accent1">
-                <a:shade val="15000"/>
-              </a:schemeClr>
-            </a:lnRef>
-            <a:fillRef idx="1">
-              <a:schemeClr val="accent1"/>
-            </a:fillRef>
-            <a:effectRef idx="0">
-              <a:schemeClr val="accent1"/>
-            </a:effectRef>
-            <a:fontRef idx="minor">
-              <a:schemeClr val="lt1"/>
-            </a:fontRef>
-          </p:style>
-          <p:txBody>
-            <a:bodyPr rtlCol="0" anchor="ctr"/>
-            <a:lstStyle/>
-            <a:p>
-              <a:pPr algn="ctr"/>
-              <a:r>
-                <a:rPr lang="ko-KR" altLang="en-US" sz="1200">
-                  <a:solidFill>
-                    <a:schemeClr val="bg1"/>
-                  </a:solidFill>
-                </a:rPr>
-                <a:t>답변 </a:t>
-              </a:r>
-              <a:r>
-                <a:rPr lang="en-US" altLang="ko-KR" sz="1200" dirty="0">
-                  <a:solidFill>
-                    <a:schemeClr val="bg1"/>
-                  </a:solidFill>
-                </a:rPr>
-                <a:t>Text</a:t>
-              </a:r>
-              <a:endParaRPr lang="ko-KR" altLang="en-US" sz="1200" dirty="0">
-                <a:solidFill>
-                  <a:schemeClr val="bg1"/>
-                </a:solidFill>
-              </a:endParaRPr>
-            </a:p>
-          </p:txBody>
-        </p:sp>
-        <p:grpSp>
-          <p:nvGrpSpPr>
-            <p:cNvPr id="8" name="그룹 7">
-              <a:extLst>
-                <a:ext uri="{FF2B5EF4-FFF2-40B4-BE49-F238E27FC236}">
-                  <a16:creationId xmlns:a16="http://schemas.microsoft.com/office/drawing/2014/main" id="{8A8C6703-EDFD-6FDD-D6DC-83146C7AACB2}"/>
-                </a:ext>
-              </a:extLst>
-            </p:cNvPr>
-            <p:cNvGrpSpPr/>
-            <p:nvPr/>
-          </p:nvGrpSpPr>
-          <p:grpSpPr>
-            <a:xfrm>
-              <a:off x="4498377" y="739121"/>
-              <a:ext cx="2979453" cy="429146"/>
-              <a:chOff x="4485125" y="987231"/>
-              <a:chExt cx="2979453" cy="429146"/>
-            </a:xfrm>
-          </p:grpSpPr>
-          <p:cxnSp>
-            <p:nvCxnSpPr>
-              <p:cNvPr id="51" name="직선 연결선 50">
-                <a:extLst>
-                  <a:ext uri="{FF2B5EF4-FFF2-40B4-BE49-F238E27FC236}">
-                    <a16:creationId xmlns:a16="http://schemas.microsoft.com/office/drawing/2014/main" id="{2730CA1F-215C-16CD-AA3F-A7F70E8DEA51}"/>
-                  </a:ext>
-                </a:extLst>
-              </p:cNvPr>
-              <p:cNvCxnSpPr>
-                <a:cxnSpLocks/>
-              </p:cNvCxnSpPr>
-              <p:nvPr/>
-            </p:nvCxnSpPr>
-            <p:spPr>
-              <a:xfrm>
-                <a:off x="4485125" y="1416377"/>
-                <a:ext cx="2979453" cy="0"/>
-              </a:xfrm>
-              <a:prstGeom prst="line">
-                <a:avLst/>
-              </a:prstGeom>
-            </p:spPr>
-            <p:style>
-              <a:lnRef idx="2">
-                <a:schemeClr val="accent1"/>
-              </a:lnRef>
-              <a:fillRef idx="0">
-                <a:schemeClr val="accent1"/>
-              </a:fillRef>
-              <a:effectRef idx="1">
-                <a:schemeClr val="accent1"/>
-              </a:effectRef>
-              <a:fontRef idx="minor">
-                <a:schemeClr val="tx1"/>
-              </a:fontRef>
-            </p:style>
-          </p:cxnSp>
-          <p:sp>
-            <p:nvSpPr>
-              <p:cNvPr id="5" name="직사각형 4">
-                <a:extLst>
-                  <a:ext uri="{FF2B5EF4-FFF2-40B4-BE49-F238E27FC236}">
-                    <a16:creationId xmlns:a16="http://schemas.microsoft.com/office/drawing/2014/main" id="{B8F92014-6A23-CBC8-612E-1EAE0C9F9809}"/>
-                  </a:ext>
-                </a:extLst>
-              </p:cNvPr>
-              <p:cNvSpPr/>
-              <p:nvPr/>
-            </p:nvSpPr>
-            <p:spPr>
-              <a:xfrm>
-                <a:off x="4515311" y="987231"/>
-                <a:ext cx="2916000" cy="420976"/>
-              </a:xfrm>
-              <a:prstGeom prst="rect">
-                <a:avLst/>
-              </a:prstGeom>
-              <a:solidFill>
-                <a:schemeClr val="bg1"/>
-              </a:solidFill>
-              <a:ln>
-                <a:noFill/>
-              </a:ln>
-            </p:spPr>
-            <p:style>
-              <a:lnRef idx="2">
-                <a:schemeClr val="accent1">
-                  <a:shade val="15000"/>
-                </a:schemeClr>
-              </a:lnRef>
-              <a:fillRef idx="1">
-                <a:schemeClr val="accent1"/>
-              </a:fillRef>
-              <a:effectRef idx="0">
-                <a:schemeClr val="accent1"/>
-              </a:effectRef>
-              <a:fontRef idx="minor">
-                <a:schemeClr val="lt1"/>
-              </a:fontRef>
-            </p:style>
-            <p:txBody>
-              <a:bodyPr rtlCol="0" anchor="ctr"/>
-              <a:lstStyle/>
-              <a:p>
-                <a:pPr algn="ctr"/>
-                <a:endParaRPr lang="ko-KR" altLang="en-US"/>
-              </a:p>
-            </p:txBody>
-          </p:sp>
-          <p:grpSp>
-            <p:nvGrpSpPr>
-              <p:cNvPr id="7" name="그룹 6">
-                <a:extLst>
-                  <a:ext uri="{FF2B5EF4-FFF2-40B4-BE49-F238E27FC236}">
-                    <a16:creationId xmlns:a16="http://schemas.microsoft.com/office/drawing/2014/main" id="{70098F1D-AD1F-AE61-747A-DB3A313119F4}"/>
-                  </a:ext>
-                </a:extLst>
-              </p:cNvPr>
-              <p:cNvGrpSpPr/>
-              <p:nvPr/>
-            </p:nvGrpSpPr>
-            <p:grpSpPr>
-              <a:xfrm>
-                <a:off x="4495431" y="1024345"/>
-                <a:ext cx="1945576" cy="360000"/>
-                <a:chOff x="4495431" y="765089"/>
-                <a:chExt cx="1945576" cy="360000"/>
-              </a:xfrm>
-            </p:grpSpPr>
-            <p:sp>
-              <p:nvSpPr>
-                <p:cNvPr id="18" name="TextBox 17">
-                  <a:extLst>
-                    <a:ext uri="{FF2B5EF4-FFF2-40B4-BE49-F238E27FC236}">
-                      <a16:creationId xmlns:a16="http://schemas.microsoft.com/office/drawing/2014/main" id="{8114ABF7-2AEE-0EBC-BF17-66BD827CF1C8}"/>
-                    </a:ext>
-                  </a:extLst>
-                </p:cNvPr>
-                <p:cNvSpPr txBox="1"/>
-                <p:nvPr/>
-              </p:nvSpPr>
-              <p:spPr>
-                <a:xfrm>
-                  <a:off x="4747428" y="775812"/>
-                  <a:ext cx="1693579" cy="338554"/>
-                </a:xfrm>
-                <a:prstGeom prst="rect">
-                  <a:avLst/>
-                </a:prstGeom>
-                <a:noFill/>
-              </p:spPr>
-              <p:txBody>
-                <a:bodyPr wrap="square" anchor="ctr">
-                  <a:spAutoFit/>
-                </a:bodyPr>
-                <a:lstStyle/>
-                <a:p>
-                  <a:r>
-                    <a:rPr lang="en-US" altLang="ko-KR" sz="1600" dirty="0">
-                      <a:solidFill>
-                        <a:schemeClr val="tx1"/>
-                      </a:solidFill>
-                    </a:rPr>
-                    <a:t>NPC</a:t>
-                  </a:r>
-                  <a:r>
-                    <a:rPr lang="ko-KR" altLang="en-US" sz="1600" dirty="0">
-                      <a:solidFill>
-                        <a:schemeClr val="tx1"/>
-                      </a:solidFill>
-                    </a:rPr>
-                    <a:t>이름</a:t>
-                  </a:r>
-                  <a:endParaRPr lang="en-US" altLang="ko-KR" sz="1600" dirty="0">
-                    <a:solidFill>
-                      <a:schemeClr val="tx1"/>
-                    </a:solidFill>
-                  </a:endParaRPr>
-                </a:p>
-              </p:txBody>
-            </p:sp>
-            <p:pic>
-              <p:nvPicPr>
-                <p:cNvPr id="49" name="그래픽 48" descr="왼쪽 캐럿 단색으로 채워진">
-                  <a:extLst>
-                    <a:ext uri="{FF2B5EF4-FFF2-40B4-BE49-F238E27FC236}">
-                      <a16:creationId xmlns:a16="http://schemas.microsoft.com/office/drawing/2014/main" id="{421204E8-CD06-113C-7EAC-1AEC7ED27BA9}"/>
-                    </a:ext>
-                  </a:extLst>
-                </p:cNvPr>
-                <p:cNvPicPr>
-                  <a:picLocks noChangeAspect="1"/>
-                </p:cNvPicPr>
-                <p:nvPr/>
-              </p:nvPicPr>
-              <p:blipFill>
-                <a:blip r:embed="rId4">
-                  <a:extLst>
-                    <a:ext uri="{96DAC541-7B7A-43D3-8B79-37D633B846F1}">
-                      <asvg:svgBlip xmlns:asvg="http://schemas.microsoft.com/office/drawing/2016/SVG/main" r:embed="rId5"/>
-                    </a:ext>
-                  </a:extLst>
-                </a:blip>
-                <a:stretch>
-                  <a:fillRect/>
-                </a:stretch>
-              </p:blipFill>
-              <p:spPr>
-                <a:xfrm>
-                  <a:off x="4495431" y="765089"/>
-                  <a:ext cx="360000" cy="360000"/>
-                </a:xfrm>
-                <a:prstGeom prst="rect">
-                  <a:avLst/>
-                </a:prstGeom>
-              </p:spPr>
-            </p:pic>
-          </p:grpSp>
-        </p:grpSp>
-      </p:grpSp>
-    </p:spTree>
-    <p:extLst>
-      <p:ext uri="{BB962C8B-B14F-4D97-AF65-F5344CB8AC3E}">
-        <p14:creationId xmlns:p14="http://schemas.microsoft.com/office/powerpoint/2010/main" val="1056659396"/>
-      </p:ext>
-    </p:extLst>
-  </p:cSld>
-  <p:clrMapOvr>
-    <a:masterClrMapping/>
-  </p:clrMapOvr>
-</p:sld>
-</file>
-
 <file path=ppt/theme/theme1.xml><?xml version="1.0" encoding="utf-8"?>
 <a:theme xmlns:a="http://schemas.openxmlformats.org/drawingml/2006/main" name="Office 테마">
   <a:themeElements>

--- a/document/UI.pptx
+++ b/document/UI.pptx
@@ -233,7 +233,7 @@
           <a:p>
             <a:fld id="{5B07C18C-424A-405D-A330-3E94CEE48B39}" type="datetimeFigureOut">
               <a:rPr lang="ko-KR" altLang="en-US" smtClean="0"/>
-              <a:t>2025-02-21</a:t>
+              <a:t>2025-02-22</a:t>
             </a:fld>
             <a:endParaRPr lang="ko-KR" altLang="en-US"/>
           </a:p>
@@ -923,7 +923,7 @@
           <a:p>
             <a:fld id="{FD51FDC7-0CF3-4127-99F5-543E4DDB1909}" type="datetimeFigureOut">
               <a:rPr lang="ko-KR" altLang="en-US" smtClean="0"/>
-              <a:t>2025-02-21</a:t>
+              <a:t>2025-02-22</a:t>
             </a:fld>
             <a:endParaRPr lang="ko-KR" altLang="en-US"/>
           </a:p>
@@ -1121,7 +1121,7 @@
           <a:p>
             <a:fld id="{FD51FDC7-0CF3-4127-99F5-543E4DDB1909}" type="datetimeFigureOut">
               <a:rPr lang="ko-KR" altLang="en-US" smtClean="0"/>
-              <a:t>2025-02-21</a:t>
+              <a:t>2025-02-22</a:t>
             </a:fld>
             <a:endParaRPr lang="ko-KR" altLang="en-US"/>
           </a:p>
@@ -1329,7 +1329,7 @@
           <a:p>
             <a:fld id="{FD51FDC7-0CF3-4127-99F5-543E4DDB1909}" type="datetimeFigureOut">
               <a:rPr lang="ko-KR" altLang="en-US" smtClean="0"/>
-              <a:t>2025-02-21</a:t>
+              <a:t>2025-02-22</a:t>
             </a:fld>
             <a:endParaRPr lang="ko-KR" altLang="en-US"/>
           </a:p>
@@ -1527,7 +1527,7 @@
           <a:p>
             <a:fld id="{FD51FDC7-0CF3-4127-99F5-543E4DDB1909}" type="datetimeFigureOut">
               <a:rPr lang="ko-KR" altLang="en-US" smtClean="0"/>
-              <a:t>2025-02-21</a:t>
+              <a:t>2025-02-22</a:t>
             </a:fld>
             <a:endParaRPr lang="ko-KR" altLang="en-US"/>
           </a:p>
@@ -1802,7 +1802,7 @@
           <a:p>
             <a:fld id="{FD51FDC7-0CF3-4127-99F5-543E4DDB1909}" type="datetimeFigureOut">
               <a:rPr lang="ko-KR" altLang="en-US" smtClean="0"/>
-              <a:t>2025-02-21</a:t>
+              <a:t>2025-02-22</a:t>
             </a:fld>
             <a:endParaRPr lang="ko-KR" altLang="en-US"/>
           </a:p>
@@ -2067,7 +2067,7 @@
           <a:p>
             <a:fld id="{FD51FDC7-0CF3-4127-99F5-543E4DDB1909}" type="datetimeFigureOut">
               <a:rPr lang="ko-KR" altLang="en-US" smtClean="0"/>
-              <a:t>2025-02-21</a:t>
+              <a:t>2025-02-22</a:t>
             </a:fld>
             <a:endParaRPr lang="ko-KR" altLang="en-US"/>
           </a:p>
@@ -2479,7 +2479,7 @@
           <a:p>
             <a:fld id="{FD51FDC7-0CF3-4127-99F5-543E4DDB1909}" type="datetimeFigureOut">
               <a:rPr lang="ko-KR" altLang="en-US" smtClean="0"/>
-              <a:t>2025-02-21</a:t>
+              <a:t>2025-02-22</a:t>
             </a:fld>
             <a:endParaRPr lang="ko-KR" altLang="en-US"/>
           </a:p>
@@ -2620,7 +2620,7 @@
           <a:p>
             <a:fld id="{FD51FDC7-0CF3-4127-99F5-543E4DDB1909}" type="datetimeFigureOut">
               <a:rPr lang="ko-KR" altLang="en-US" smtClean="0"/>
-              <a:t>2025-02-21</a:t>
+              <a:t>2025-02-22</a:t>
             </a:fld>
             <a:endParaRPr lang="ko-KR" altLang="en-US"/>
           </a:p>
@@ -2733,7 +2733,7 @@
           <a:p>
             <a:fld id="{FD51FDC7-0CF3-4127-99F5-543E4DDB1909}" type="datetimeFigureOut">
               <a:rPr lang="ko-KR" altLang="en-US" smtClean="0"/>
-              <a:t>2025-02-21</a:t>
+              <a:t>2025-02-22</a:t>
             </a:fld>
             <a:endParaRPr lang="ko-KR" altLang="en-US"/>
           </a:p>
@@ -3044,7 +3044,7 @@
           <a:p>
             <a:fld id="{FD51FDC7-0CF3-4127-99F5-543E4DDB1909}" type="datetimeFigureOut">
               <a:rPr lang="ko-KR" altLang="en-US" smtClean="0"/>
-              <a:t>2025-02-21</a:t>
+              <a:t>2025-02-22</a:t>
             </a:fld>
             <a:endParaRPr lang="ko-KR" altLang="en-US"/>
           </a:p>
@@ -3332,7 +3332,7 @@
           <a:p>
             <a:fld id="{FD51FDC7-0CF3-4127-99F5-543E4DDB1909}" type="datetimeFigureOut">
               <a:rPr lang="ko-KR" altLang="en-US" smtClean="0"/>
-              <a:t>2025-02-21</a:t>
+              <a:t>2025-02-22</a:t>
             </a:fld>
             <a:endParaRPr lang="ko-KR" altLang="en-US"/>
           </a:p>
@@ -3573,7 +3573,7 @@
           <a:p>
             <a:fld id="{FD51FDC7-0CF3-4127-99F5-543E4DDB1909}" type="datetimeFigureOut">
               <a:rPr lang="ko-KR" altLang="en-US" smtClean="0"/>
-              <a:t>2025-02-21</a:t>
+              <a:t>2025-02-22</a:t>
             </a:fld>
             <a:endParaRPr lang="ko-KR" altLang="en-US"/>
           </a:p>
@@ -41575,8 +41575,8 @@
           <a:p>
             <a:pPr algn="ctr"/>
             <a:endParaRPr lang="ko-KR" altLang="en-US">
-              <a:latin typeface="메이플스토리 OTF" panose="02000300000000000000" pitchFamily="50" charset="-127"/>
-              <a:ea typeface="메이플스토리 OTF" panose="02000300000000000000" pitchFamily="50" charset="-127"/>
+              <a:latin typeface="Galmuri11 Regular" panose="020B0503020202000000" pitchFamily="50" charset="-127"/>
+              <a:ea typeface="Galmuri11 Regular" panose="020B0503020202000000" pitchFamily="50" charset="-127"/>
             </a:endParaRPr>
           </a:p>
         </p:txBody>
@@ -41595,8 +41595,8 @@
         </p:nvSpPr>
         <p:spPr>
           <a:xfrm>
-            <a:off x="5495143" y="721521"/>
-            <a:ext cx="963725" cy="461665"/>
+            <a:off x="5423008" y="721521"/>
+            <a:ext cx="1107996" cy="461665"/>
           </a:xfrm>
           <a:prstGeom prst="rect">
             <a:avLst/>
@@ -41615,8 +41615,8 @@
                 <a:solidFill>
                   <a:schemeClr val="bg1"/>
                 </a:solidFill>
-                <a:latin typeface="메이플스토리 OTF" panose="02000300000000000000" pitchFamily="50" charset="-127"/>
-                <a:ea typeface="메이플스토리 OTF" panose="02000300000000000000" pitchFamily="50" charset="-127"/>
+                <a:latin typeface="Galmuri11 Regular" panose="020B0503020202000000" pitchFamily="50" charset="-127"/>
+                <a:ea typeface="Galmuri11 Regular" panose="020B0503020202000000" pitchFamily="50" charset="-127"/>
               </a:rPr>
               <a:t>조작법</a:t>
             </a:r>
@@ -41638,7 +41638,7 @@
         <p:spPr>
           <a:xfrm>
             <a:off x="2900905" y="4487541"/>
-            <a:ext cx="3664786" cy="343940"/>
+            <a:ext cx="4288353" cy="323165"/>
           </a:xfrm>
           <a:prstGeom prst="rect">
             <a:avLst/>
@@ -41661,8 +41661,8 @@
                 <a:solidFill>
                   <a:schemeClr val="bg1"/>
                 </a:solidFill>
-                <a:latin typeface="메이플스토리 OTF" panose="02000300000000000000" pitchFamily="50" charset="-127"/>
-                <a:ea typeface="메이플스토리 OTF" panose="02000300000000000000" pitchFamily="50" charset="-127"/>
+                <a:latin typeface="Galmuri11 Regular" panose="020B0503020202000000" pitchFamily="50" charset="-127"/>
+                <a:ea typeface="Galmuri11 Regular" panose="020B0503020202000000" pitchFamily="50" charset="-127"/>
               </a:rPr>
               <a:t>W(</a:t>
             </a:r>
@@ -41671,8 +41671,8 @@
                 <a:solidFill>
                   <a:schemeClr val="bg1"/>
                 </a:solidFill>
-                <a:latin typeface="메이플스토리 OTF" panose="02000300000000000000" pitchFamily="50" charset="-127"/>
-                <a:ea typeface="메이플스토리 OTF" panose="02000300000000000000" pitchFamily="50" charset="-127"/>
+                <a:latin typeface="Galmuri11 Regular" panose="020B0503020202000000" pitchFamily="50" charset="-127"/>
+                <a:ea typeface="Galmuri11 Regular" panose="020B0503020202000000" pitchFamily="50" charset="-127"/>
               </a:rPr>
               <a:t>점프</a:t>
             </a:r>
@@ -41681,8 +41681,8 @@
                 <a:solidFill>
                   <a:schemeClr val="bg1"/>
                 </a:solidFill>
-                <a:latin typeface="메이플스토리 OTF" panose="02000300000000000000" pitchFamily="50" charset="-127"/>
-                <a:ea typeface="메이플스토리 OTF" panose="02000300000000000000" pitchFamily="50" charset="-127"/>
+                <a:latin typeface="Galmuri11 Regular" panose="020B0503020202000000" pitchFamily="50" charset="-127"/>
+                <a:ea typeface="Galmuri11 Regular" panose="020B0503020202000000" pitchFamily="50" charset="-127"/>
               </a:rPr>
               <a:t>)</a:t>
             </a:r>
@@ -41691,8 +41691,8 @@
                 <a:solidFill>
                   <a:schemeClr val="bg1"/>
                 </a:solidFill>
-                <a:latin typeface="메이플스토리 OTF" panose="02000300000000000000" pitchFamily="50" charset="-127"/>
-                <a:ea typeface="메이플스토리 OTF" panose="02000300000000000000" pitchFamily="50" charset="-127"/>
+                <a:latin typeface="Galmuri11 Regular" panose="020B0503020202000000" pitchFamily="50" charset="-127"/>
+                <a:ea typeface="Galmuri11 Regular" panose="020B0503020202000000" pitchFamily="50" charset="-127"/>
               </a:rPr>
               <a:t>와 </a:t>
             </a:r>
@@ -41701,8 +41701,8 @@
                 <a:solidFill>
                   <a:schemeClr val="bg1"/>
                 </a:solidFill>
-                <a:latin typeface="메이플스토리 OTF" panose="02000300000000000000" pitchFamily="50" charset="-127"/>
-                <a:ea typeface="메이플스토리 OTF" panose="02000300000000000000" pitchFamily="50" charset="-127"/>
+                <a:latin typeface="Galmuri11 Regular" panose="020B0503020202000000" pitchFamily="50" charset="-127"/>
+                <a:ea typeface="Galmuri11 Regular" panose="020B0503020202000000" pitchFamily="50" charset="-127"/>
               </a:rPr>
               <a:t>S(</a:t>
             </a:r>
@@ -41711,8 +41711,8 @@
                 <a:solidFill>
                   <a:schemeClr val="bg1"/>
                 </a:solidFill>
-                <a:latin typeface="메이플스토리 OTF" panose="02000300000000000000" pitchFamily="50" charset="-127"/>
-                <a:ea typeface="메이플스토리 OTF" panose="02000300000000000000" pitchFamily="50" charset="-127"/>
+                <a:latin typeface="Galmuri11 Regular" panose="020B0503020202000000" pitchFamily="50" charset="-127"/>
+                <a:ea typeface="Galmuri11 Regular" panose="020B0503020202000000" pitchFamily="50" charset="-127"/>
               </a:rPr>
               <a:t>슬라이딩</a:t>
             </a:r>
@@ -41721,8 +41721,8 @@
                 <a:solidFill>
                   <a:schemeClr val="bg1"/>
                 </a:solidFill>
-                <a:latin typeface="메이플스토리 OTF" panose="02000300000000000000" pitchFamily="50" charset="-127"/>
-                <a:ea typeface="메이플스토리 OTF" panose="02000300000000000000" pitchFamily="50" charset="-127"/>
+                <a:latin typeface="Galmuri11 Regular" panose="020B0503020202000000" pitchFamily="50" charset="-127"/>
+                <a:ea typeface="Galmuri11 Regular" panose="020B0503020202000000" pitchFamily="50" charset="-127"/>
               </a:rPr>
               <a:t>)</a:t>
             </a:r>
@@ -41731,8 +41731,8 @@
                 <a:solidFill>
                   <a:schemeClr val="bg1"/>
                 </a:solidFill>
-                <a:latin typeface="메이플스토리 OTF" panose="02000300000000000000" pitchFamily="50" charset="-127"/>
-                <a:ea typeface="메이플스토리 OTF" panose="02000300000000000000" pitchFamily="50" charset="-127"/>
+                <a:latin typeface="Galmuri11 Regular" panose="020B0503020202000000" pitchFamily="50" charset="-127"/>
+                <a:ea typeface="Galmuri11 Regular" panose="020B0503020202000000" pitchFamily="50" charset="-127"/>
               </a:rPr>
               <a:t>을 통해 장애물을 피할 수 있습니다</a:t>
             </a:r>
@@ -41741,8 +41741,8 @@
                 <a:solidFill>
                   <a:schemeClr val="bg1"/>
                 </a:solidFill>
-                <a:latin typeface="메이플스토리 OTF" panose="02000300000000000000" pitchFamily="50" charset="-127"/>
-                <a:ea typeface="메이플스토리 OTF" panose="02000300000000000000" pitchFamily="50" charset="-127"/>
+                <a:latin typeface="Galmuri11 Regular" panose="020B0503020202000000" pitchFamily="50" charset="-127"/>
+                <a:ea typeface="Galmuri11 Regular" panose="020B0503020202000000" pitchFamily="50" charset="-127"/>
               </a:rPr>
               <a:t>.</a:t>
             </a:r>
@@ -41750,8 +41750,8 @@
               <a:solidFill>
                 <a:schemeClr val="bg1"/>
               </a:solidFill>
-              <a:latin typeface="메이플스토리 OTF" panose="02000300000000000000" pitchFamily="50" charset="-127"/>
-              <a:ea typeface="메이플스토리 OTF" panose="02000300000000000000" pitchFamily="50" charset="-127"/>
+              <a:latin typeface="Galmuri11 Regular" panose="020B0503020202000000" pitchFamily="50" charset="-127"/>
+              <a:ea typeface="Galmuri11 Regular" panose="020B0503020202000000" pitchFamily="50" charset="-127"/>
             </a:endParaRPr>
           </a:p>
         </p:txBody>
@@ -42225,8 +42225,8 @@
                 <a:p>
                   <a:pPr algn="ctr"/>
                   <a:endParaRPr lang="ko-KR" altLang="en-US" sz="1200">
-                    <a:latin typeface="메이플스토리 OTF" panose="02000300000000000000" pitchFamily="50" charset="-127"/>
-                    <a:ea typeface="메이플스토리 OTF" panose="02000300000000000000" pitchFamily="50" charset="-127"/>
+                    <a:latin typeface="Galmuri11 Regular" panose="020B0503020202000000" pitchFamily="50" charset="-127"/>
+                    <a:ea typeface="Galmuri11 Regular" panose="020B0503020202000000" pitchFamily="50" charset="-127"/>
                   </a:endParaRPr>
                 </a:p>
               </p:txBody>
@@ -42293,8 +42293,8 @@
                     <a:solidFill>
                       <a:schemeClr val="tx1"/>
                     </a:solidFill>
-                    <a:latin typeface="메이플스토리 OTF" panose="02000300000000000000" pitchFamily="50" charset="-127"/>
-                    <a:ea typeface="메이플스토리 OTF" panose="02000300000000000000" pitchFamily="50" charset="-127"/>
+                    <a:latin typeface="Galmuri11 Regular" panose="020B0503020202000000" pitchFamily="50" charset="-127"/>
+                    <a:ea typeface="Galmuri11 Regular" panose="020B0503020202000000" pitchFamily="50" charset="-127"/>
                   </a:rPr>
                   <a:t>점프</a:t>
                 </a:r>
@@ -42302,8 +42302,8 @@
                   <a:solidFill>
                     <a:schemeClr val="tx1"/>
                   </a:solidFill>
-                  <a:latin typeface="메이플스토리 OTF" panose="02000300000000000000" pitchFamily="50" charset="-127"/>
-                  <a:ea typeface="메이플스토리 OTF" panose="02000300000000000000" pitchFamily="50" charset="-127"/>
+                  <a:latin typeface="Galmuri11 Regular" panose="020B0503020202000000" pitchFamily="50" charset="-127"/>
+                  <a:ea typeface="Galmuri11 Regular" panose="020B0503020202000000" pitchFamily="50" charset="-127"/>
                 </a:endParaRPr>
               </a:p>
               <a:p>
@@ -42313,8 +42313,8 @@
                     <a:solidFill>
                       <a:schemeClr val="tx1"/>
                     </a:solidFill>
-                    <a:latin typeface="메이플스토리 OTF" panose="02000300000000000000" pitchFamily="50" charset="-127"/>
-                    <a:ea typeface="메이플스토리 OTF" panose="02000300000000000000" pitchFamily="50" charset="-127"/>
+                    <a:latin typeface="Galmuri11 Regular" panose="020B0503020202000000" pitchFamily="50" charset="-127"/>
+                    <a:ea typeface="Galmuri11 Regular" panose="020B0503020202000000" pitchFamily="50" charset="-127"/>
                   </a:rPr>
                   <a:t>조작 </a:t>
                 </a:r>
@@ -42323,8 +42323,8 @@
                     <a:solidFill>
                       <a:schemeClr val="tx1"/>
                     </a:solidFill>
-                    <a:latin typeface="메이플스토리 OTF" panose="02000300000000000000" pitchFamily="50" charset="-127"/>
-                    <a:ea typeface="메이플스토리 OTF" panose="02000300000000000000" pitchFamily="50" charset="-127"/>
+                    <a:latin typeface="Galmuri11 Regular" panose="020B0503020202000000" pitchFamily="50" charset="-127"/>
+                    <a:ea typeface="Galmuri11 Regular" panose="020B0503020202000000" pitchFamily="50" charset="-127"/>
                   </a:rPr>
                   <a:t>: W</a:t>
                 </a:r>
@@ -42332,8 +42332,8 @@
                   <a:solidFill>
                     <a:schemeClr val="tx1"/>
                   </a:solidFill>
-                  <a:latin typeface="메이플스토리 OTF" panose="02000300000000000000" pitchFamily="50" charset="-127"/>
-                  <a:ea typeface="메이플스토리 OTF" panose="02000300000000000000" pitchFamily="50" charset="-127"/>
+                  <a:latin typeface="Galmuri11 Regular" panose="020B0503020202000000" pitchFamily="50" charset="-127"/>
+                  <a:ea typeface="Galmuri11 Regular" panose="020B0503020202000000" pitchFamily="50" charset="-127"/>
                 </a:endParaRPr>
               </a:p>
             </p:txBody>
@@ -42399,8 +42399,8 @@
                     <a:solidFill>
                       <a:schemeClr val="tx1"/>
                     </a:solidFill>
-                    <a:latin typeface="메이플스토리 OTF" panose="02000300000000000000" pitchFamily="50" charset="-127"/>
-                    <a:ea typeface="메이플스토리 OTF" panose="02000300000000000000" pitchFamily="50" charset="-127"/>
+                    <a:latin typeface="Galmuri11 Regular" panose="020B0503020202000000" pitchFamily="50" charset="-127"/>
+                    <a:ea typeface="Galmuri11 Regular" panose="020B0503020202000000" pitchFamily="50" charset="-127"/>
                   </a:rPr>
                   <a:t>슬라이딩</a:t>
                 </a:r>
@@ -42408,8 +42408,8 @@
                   <a:solidFill>
                     <a:schemeClr val="tx1"/>
                   </a:solidFill>
-                  <a:latin typeface="메이플스토리 OTF" panose="02000300000000000000" pitchFamily="50" charset="-127"/>
-                  <a:ea typeface="메이플스토리 OTF" panose="02000300000000000000" pitchFamily="50" charset="-127"/>
+                  <a:latin typeface="Galmuri11 Regular" panose="020B0503020202000000" pitchFamily="50" charset="-127"/>
+                  <a:ea typeface="Galmuri11 Regular" panose="020B0503020202000000" pitchFamily="50" charset="-127"/>
                 </a:endParaRPr>
               </a:p>
               <a:p>
@@ -42419,8 +42419,8 @@
                     <a:solidFill>
                       <a:schemeClr val="tx1"/>
                     </a:solidFill>
-                    <a:latin typeface="메이플스토리 OTF" panose="02000300000000000000" pitchFamily="50" charset="-127"/>
-                    <a:ea typeface="메이플스토리 OTF" panose="02000300000000000000" pitchFamily="50" charset="-127"/>
+                    <a:latin typeface="Galmuri11 Regular" panose="020B0503020202000000" pitchFamily="50" charset="-127"/>
+                    <a:ea typeface="Galmuri11 Regular" panose="020B0503020202000000" pitchFamily="50" charset="-127"/>
                   </a:rPr>
                   <a:t>조작 </a:t>
                 </a:r>
@@ -42429,8 +42429,8 @@
                     <a:solidFill>
                       <a:schemeClr val="tx1"/>
                     </a:solidFill>
-                    <a:latin typeface="메이플스토리 OTF" panose="02000300000000000000" pitchFamily="50" charset="-127"/>
-                    <a:ea typeface="메이플스토리 OTF" panose="02000300000000000000" pitchFamily="50" charset="-127"/>
+                    <a:latin typeface="Galmuri11 Regular" panose="020B0503020202000000" pitchFamily="50" charset="-127"/>
+                    <a:ea typeface="Galmuri11 Regular" panose="020B0503020202000000" pitchFamily="50" charset="-127"/>
                   </a:rPr>
                   <a:t>: S</a:t>
                 </a:r>
@@ -42438,8 +42438,8 @@
                   <a:solidFill>
                     <a:schemeClr val="tx1"/>
                   </a:solidFill>
-                  <a:latin typeface="메이플스토리 OTF" panose="02000300000000000000" pitchFamily="50" charset="-127"/>
-                  <a:ea typeface="메이플스토리 OTF" panose="02000300000000000000" pitchFamily="50" charset="-127"/>
+                  <a:latin typeface="Galmuri11 Regular" panose="020B0503020202000000" pitchFamily="50" charset="-127"/>
+                  <a:ea typeface="Galmuri11 Regular" panose="020B0503020202000000" pitchFamily="50" charset="-127"/>
                 </a:endParaRPr>
               </a:p>
             </p:txBody>
@@ -42530,8 +42530,8 @@
           <a:p>
             <a:pPr algn="ctr"/>
             <a:endParaRPr lang="ko-KR" altLang="en-US">
-              <a:latin typeface="메이플스토리 OTF" panose="02000300000000000000" pitchFamily="50" charset="-127"/>
-              <a:ea typeface="메이플스토리 OTF" panose="02000300000000000000" pitchFamily="50" charset="-127"/>
+              <a:latin typeface="Galmuri11 Regular" panose="020B0503020202000000" pitchFamily="50" charset="-127"/>
+              <a:ea typeface="Galmuri11 Regular" panose="020B0503020202000000" pitchFamily="50" charset="-127"/>
             </a:endParaRPr>
           </a:p>
         </p:txBody>
@@ -42550,8 +42550,8 @@
         </p:nvSpPr>
         <p:spPr>
           <a:xfrm>
-            <a:off x="5630597" y="721521"/>
-            <a:ext cx="692817" cy="461665"/>
+            <a:off x="5576896" y="721521"/>
+            <a:ext cx="800220" cy="461665"/>
           </a:xfrm>
           <a:prstGeom prst="rect">
             <a:avLst/>
@@ -42570,8 +42570,8 @@
                 <a:solidFill>
                   <a:schemeClr val="bg1"/>
                 </a:solidFill>
-                <a:latin typeface="메이플스토리 OTF" panose="02000300000000000000" pitchFamily="50" charset="-127"/>
-                <a:ea typeface="메이플스토리 OTF" panose="02000300000000000000" pitchFamily="50" charset="-127"/>
+                <a:latin typeface="Galmuri11 Regular" panose="020B0503020202000000" pitchFamily="50" charset="-127"/>
+                <a:ea typeface="Galmuri11 Regular" panose="020B0503020202000000" pitchFamily="50" charset="-127"/>
               </a:rPr>
               <a:t>점수</a:t>
             </a:r>
@@ -42593,7 +42593,7 @@
         <p:spPr>
           <a:xfrm>
             <a:off x="2900905" y="4487541"/>
-            <a:ext cx="4253087" cy="620939"/>
+            <a:ext cx="5121915" cy="600164"/>
           </a:xfrm>
           <a:prstGeom prst="rect">
             <a:avLst/>
@@ -42616,8 +42616,8 @@
                 <a:solidFill>
                   <a:schemeClr val="bg1"/>
                 </a:solidFill>
-                <a:latin typeface="메이플스토리 OTF" panose="02000300000000000000" pitchFamily="50" charset="-127"/>
-                <a:ea typeface="메이플스토리 OTF" panose="02000300000000000000" pitchFamily="50" charset="-127"/>
+                <a:latin typeface="Galmuri11 Regular" panose="020B0503020202000000" pitchFamily="50" charset="-127"/>
+                <a:ea typeface="Galmuri11 Regular" panose="020B0503020202000000" pitchFamily="50" charset="-127"/>
               </a:rPr>
               <a:t>조작을 통해 장애물을 피하게 되면 점수가 오르게 됩니다</a:t>
             </a:r>
@@ -42626,8 +42626,8 @@
                 <a:solidFill>
                   <a:schemeClr val="bg1"/>
                 </a:solidFill>
-                <a:latin typeface="메이플스토리 OTF" panose="02000300000000000000" pitchFamily="50" charset="-127"/>
-                <a:ea typeface="메이플스토리 OTF" panose="02000300000000000000" pitchFamily="50" charset="-127"/>
+                <a:latin typeface="Galmuri11 Regular" panose="020B0503020202000000" pitchFamily="50" charset="-127"/>
+                <a:ea typeface="Galmuri11 Regular" panose="020B0503020202000000" pitchFamily="50" charset="-127"/>
               </a:rPr>
               <a:t>.</a:t>
             </a:r>
@@ -42643,8 +42643,8 @@
                 <a:solidFill>
                   <a:schemeClr val="bg1"/>
                 </a:solidFill>
-                <a:latin typeface="메이플스토리 OTF" panose="02000300000000000000" pitchFamily="50" charset="-127"/>
-                <a:ea typeface="메이플스토리 OTF" panose="02000300000000000000" pitchFamily="50" charset="-127"/>
+                <a:latin typeface="Galmuri11 Regular" panose="020B0503020202000000" pitchFamily="50" charset="-127"/>
+                <a:ea typeface="Galmuri11 Regular" panose="020B0503020202000000" pitchFamily="50" charset="-127"/>
               </a:rPr>
               <a:t>장애물을 연속으로 피하면 피할 수 록 게임의 속도가 점점 빨라집니다</a:t>
             </a:r>
@@ -42653,8 +42653,8 @@
                 <a:solidFill>
                   <a:schemeClr val="bg1"/>
                 </a:solidFill>
-                <a:latin typeface="메이플스토리 OTF" panose="02000300000000000000" pitchFamily="50" charset="-127"/>
-                <a:ea typeface="메이플스토리 OTF" panose="02000300000000000000" pitchFamily="50" charset="-127"/>
+                <a:latin typeface="Galmuri11 Regular" panose="020B0503020202000000" pitchFamily="50" charset="-127"/>
+                <a:ea typeface="Galmuri11 Regular" panose="020B0503020202000000" pitchFamily="50" charset="-127"/>
               </a:rPr>
               <a:t>.</a:t>
             </a:r>
@@ -42662,8 +42662,8 @@
               <a:solidFill>
                 <a:schemeClr val="bg1"/>
               </a:solidFill>
-              <a:latin typeface="메이플스토리 OTF" panose="02000300000000000000" pitchFamily="50" charset="-127"/>
-              <a:ea typeface="메이플스토리 OTF" panose="02000300000000000000" pitchFamily="50" charset="-127"/>
+              <a:latin typeface="Galmuri11 Regular" panose="020B0503020202000000" pitchFamily="50" charset="-127"/>
+              <a:ea typeface="Galmuri11 Regular" panose="020B0503020202000000" pitchFamily="50" charset="-127"/>
             </a:endParaRPr>
           </a:p>
         </p:txBody>
@@ -43125,7 +43125,7 @@
             <p:spPr>
               <a:xfrm>
                 <a:off x="4748372" y="2356473"/>
-                <a:ext cx="482824" cy="461665"/>
+                <a:ext cx="543739" cy="461665"/>
               </a:xfrm>
               <a:prstGeom prst="rect">
                 <a:avLst/>
@@ -43143,8 +43143,8 @@
                     <a:solidFill>
                       <a:schemeClr val="bg1"/>
                     </a:solidFill>
-                    <a:latin typeface="메이플스토리 OTF" panose="02000300000000000000" pitchFamily="50" charset="-127"/>
-                    <a:ea typeface="메이플스토리 OTF" panose="02000300000000000000" pitchFamily="50" charset="-127"/>
+                    <a:latin typeface="Galmuri11 Regular" panose="020B0503020202000000" pitchFamily="50" charset="-127"/>
+                    <a:ea typeface="Galmuri11 Regular" panose="020B0503020202000000" pitchFamily="50" charset="-127"/>
                   </a:rPr>
                   <a:t>+1</a:t>
                 </a:r>
@@ -43152,8 +43152,8 @@
                   <a:solidFill>
                     <a:schemeClr val="bg1"/>
                   </a:solidFill>
-                  <a:latin typeface="메이플스토리 OTF" panose="02000300000000000000" pitchFamily="50" charset="-127"/>
-                  <a:ea typeface="메이플스토리 OTF" panose="02000300000000000000" pitchFamily="50" charset="-127"/>
+                  <a:latin typeface="Galmuri11 Regular" panose="020B0503020202000000" pitchFamily="50" charset="-127"/>
+                  <a:ea typeface="Galmuri11 Regular" panose="020B0503020202000000" pitchFamily="50" charset="-127"/>
                 </a:endParaRPr>
               </a:p>
             </p:txBody>
@@ -43173,7 +43173,7 @@
             <p:spPr>
               <a:xfrm>
                 <a:off x="7061024" y="2510596"/>
-                <a:ext cx="482824" cy="461665"/>
+                <a:ext cx="543739" cy="461665"/>
               </a:xfrm>
               <a:prstGeom prst="rect">
                 <a:avLst/>
@@ -43191,8 +43191,8 @@
                     <a:solidFill>
                       <a:schemeClr val="bg1"/>
                     </a:solidFill>
-                    <a:latin typeface="메이플스토리 OTF" panose="02000300000000000000" pitchFamily="50" charset="-127"/>
-                    <a:ea typeface="메이플스토리 OTF" panose="02000300000000000000" pitchFamily="50" charset="-127"/>
+                    <a:latin typeface="Galmuri11 Regular" panose="020B0503020202000000" pitchFamily="50" charset="-127"/>
+                    <a:ea typeface="Galmuri11 Regular" panose="020B0503020202000000" pitchFamily="50" charset="-127"/>
                   </a:rPr>
                   <a:t>+1</a:t>
                 </a:r>
@@ -43200,8 +43200,8 @@
                   <a:solidFill>
                     <a:schemeClr val="bg1"/>
                   </a:solidFill>
-                  <a:latin typeface="메이플스토리 OTF" panose="02000300000000000000" pitchFamily="50" charset="-127"/>
-                  <a:ea typeface="메이플스토리 OTF" panose="02000300000000000000" pitchFamily="50" charset="-127"/>
+                  <a:latin typeface="Galmuri11 Regular" panose="020B0503020202000000" pitchFamily="50" charset="-127"/>
+                  <a:ea typeface="Galmuri11 Regular" panose="020B0503020202000000" pitchFamily="50" charset="-127"/>
                 </a:endParaRPr>
               </a:p>
             </p:txBody>
@@ -43292,8 +43292,8 @@
           <a:p>
             <a:pPr algn="ctr"/>
             <a:endParaRPr lang="ko-KR" altLang="en-US">
-              <a:latin typeface="메이플스토리 OTF" panose="02000300000000000000" pitchFamily="50" charset="-127"/>
-              <a:ea typeface="메이플스토리 OTF" panose="02000300000000000000" pitchFamily="50" charset="-127"/>
+              <a:latin typeface="Galmuri11 Regular" panose="020B0503020202000000" pitchFamily="50" charset="-127"/>
+              <a:ea typeface="Galmuri11 Regular" panose="020B0503020202000000" pitchFamily="50" charset="-127"/>
             </a:endParaRPr>
           </a:p>
         </p:txBody>
@@ -43312,8 +43312,8 @@
         </p:nvSpPr>
         <p:spPr>
           <a:xfrm>
-            <a:off x="5176946" y="721521"/>
-            <a:ext cx="1600118" cy="461665"/>
+            <a:off x="5051111" y="721521"/>
+            <a:ext cx="1851789" cy="461665"/>
           </a:xfrm>
           <a:prstGeom prst="rect">
             <a:avLst/>
@@ -43332,8 +43332,8 @@
                 <a:solidFill>
                   <a:schemeClr val="bg1"/>
                 </a:solidFill>
-                <a:latin typeface="메이플스토리 OTF" panose="02000300000000000000" pitchFamily="50" charset="-127"/>
-                <a:ea typeface="메이플스토리 OTF" panose="02000300000000000000" pitchFamily="50" charset="-127"/>
+                <a:latin typeface="Galmuri11 Regular" panose="020B0503020202000000" pitchFamily="50" charset="-127"/>
+                <a:ea typeface="Galmuri11 Regular" panose="020B0503020202000000" pitchFamily="50" charset="-127"/>
               </a:rPr>
               <a:t>체력 시스템</a:t>
             </a:r>
@@ -43355,7 +43355,7 @@
         <p:spPr>
           <a:xfrm>
             <a:off x="2900905" y="4428083"/>
-            <a:ext cx="4520789" cy="1174937"/>
+            <a:ext cx="5378395" cy="1154162"/>
           </a:xfrm>
           <a:prstGeom prst="rect">
             <a:avLst/>
@@ -43378,8 +43378,8 @@
                 <a:solidFill>
                   <a:schemeClr val="bg1"/>
                 </a:solidFill>
-                <a:latin typeface="메이플스토리 OTF" panose="02000300000000000000" pitchFamily="50" charset="-127"/>
-                <a:ea typeface="메이플스토리 OTF" panose="02000300000000000000" pitchFamily="50" charset="-127"/>
+                <a:latin typeface="Galmuri11 Regular" panose="020B0503020202000000" pitchFamily="50" charset="-127"/>
+                <a:ea typeface="Galmuri11 Regular" panose="020B0503020202000000" pitchFamily="50" charset="-127"/>
               </a:rPr>
               <a:t>플레이어는 체력을 </a:t>
             </a:r>
@@ -43388,8 +43388,8 @@
                 <a:solidFill>
                   <a:schemeClr val="bg1"/>
                 </a:solidFill>
-                <a:latin typeface="메이플스토리 OTF" panose="02000300000000000000" pitchFamily="50" charset="-127"/>
-                <a:ea typeface="메이플스토리 OTF" panose="02000300000000000000" pitchFamily="50" charset="-127"/>
+                <a:latin typeface="Galmuri11 Regular" panose="020B0503020202000000" pitchFamily="50" charset="-127"/>
+                <a:ea typeface="Galmuri11 Regular" panose="020B0503020202000000" pitchFamily="50" charset="-127"/>
               </a:rPr>
               <a:t>5</a:t>
             </a:r>
@@ -43398,8 +43398,8 @@
                 <a:solidFill>
                   <a:schemeClr val="bg1"/>
                 </a:solidFill>
-                <a:latin typeface="메이플스토리 OTF" panose="02000300000000000000" pitchFamily="50" charset="-127"/>
-                <a:ea typeface="메이플스토리 OTF" panose="02000300000000000000" pitchFamily="50" charset="-127"/>
+                <a:latin typeface="Galmuri11 Regular" panose="020B0503020202000000" pitchFamily="50" charset="-127"/>
+                <a:ea typeface="Galmuri11 Regular" panose="020B0503020202000000" pitchFamily="50" charset="-127"/>
               </a:rPr>
               <a:t>개 가지고 시작합니다</a:t>
             </a:r>
@@ -43408,8 +43408,8 @@
                 <a:solidFill>
                   <a:schemeClr val="bg1"/>
                 </a:solidFill>
-                <a:latin typeface="메이플스토리 OTF" panose="02000300000000000000" pitchFamily="50" charset="-127"/>
-                <a:ea typeface="메이플스토리 OTF" panose="02000300000000000000" pitchFamily="50" charset="-127"/>
+                <a:latin typeface="Galmuri11 Regular" panose="020B0503020202000000" pitchFamily="50" charset="-127"/>
+                <a:ea typeface="Galmuri11 Regular" panose="020B0503020202000000" pitchFamily="50" charset="-127"/>
               </a:rPr>
               <a:t>.</a:t>
             </a:r>
@@ -43425,8 +43425,8 @@
                 <a:solidFill>
                   <a:schemeClr val="bg1"/>
                 </a:solidFill>
-                <a:latin typeface="메이플스토리 OTF" panose="02000300000000000000" pitchFamily="50" charset="-127"/>
-                <a:ea typeface="메이플스토리 OTF" panose="02000300000000000000" pitchFamily="50" charset="-127"/>
+                <a:latin typeface="Galmuri11 Regular" panose="020B0503020202000000" pitchFamily="50" charset="-127"/>
+                <a:ea typeface="Galmuri11 Regular" panose="020B0503020202000000" pitchFamily="50" charset="-127"/>
               </a:rPr>
               <a:t>만약 방해물에 부딪혔을 경우 체력을 </a:t>
             </a:r>
@@ -43435,8 +43435,8 @@
                 <a:solidFill>
                   <a:schemeClr val="bg1"/>
                 </a:solidFill>
-                <a:latin typeface="메이플스토리 OTF" panose="02000300000000000000" pitchFamily="50" charset="-127"/>
-                <a:ea typeface="메이플스토리 OTF" panose="02000300000000000000" pitchFamily="50" charset="-127"/>
+                <a:latin typeface="Galmuri11 Regular" panose="020B0503020202000000" pitchFamily="50" charset="-127"/>
+                <a:ea typeface="Galmuri11 Regular" panose="020B0503020202000000" pitchFamily="50" charset="-127"/>
               </a:rPr>
               <a:t>1</a:t>
             </a:r>
@@ -43445,8 +43445,8 @@
                 <a:solidFill>
                   <a:schemeClr val="bg1"/>
                 </a:solidFill>
-                <a:latin typeface="메이플스토리 OTF" panose="02000300000000000000" pitchFamily="50" charset="-127"/>
-                <a:ea typeface="메이플스토리 OTF" panose="02000300000000000000" pitchFamily="50" charset="-127"/>
+                <a:latin typeface="Galmuri11 Regular" panose="020B0503020202000000" pitchFamily="50" charset="-127"/>
+                <a:ea typeface="Galmuri11 Regular" panose="020B0503020202000000" pitchFamily="50" charset="-127"/>
               </a:rPr>
               <a:t>개 잃게 됩니다</a:t>
             </a:r>
@@ -43455,8 +43455,8 @@
                 <a:solidFill>
                   <a:schemeClr val="bg1"/>
                 </a:solidFill>
-                <a:latin typeface="메이플스토리 OTF" panose="02000300000000000000" pitchFamily="50" charset="-127"/>
-                <a:ea typeface="메이플스토리 OTF" panose="02000300000000000000" pitchFamily="50" charset="-127"/>
+                <a:latin typeface="Galmuri11 Regular" panose="020B0503020202000000" pitchFamily="50" charset="-127"/>
+                <a:ea typeface="Galmuri11 Regular" panose="020B0503020202000000" pitchFamily="50" charset="-127"/>
               </a:rPr>
               <a:t>.</a:t>
             </a:r>
@@ -43472,8 +43472,8 @@
                 <a:solidFill>
                   <a:schemeClr val="bg1"/>
                 </a:solidFill>
-                <a:latin typeface="메이플스토리 OTF" panose="02000300000000000000" pitchFamily="50" charset="-127"/>
-                <a:ea typeface="메이플스토리 OTF" panose="02000300000000000000" pitchFamily="50" charset="-127"/>
+                <a:latin typeface="Galmuri11 Regular" panose="020B0503020202000000" pitchFamily="50" charset="-127"/>
+                <a:ea typeface="Galmuri11 Regular" panose="020B0503020202000000" pitchFamily="50" charset="-127"/>
               </a:rPr>
               <a:t>체력을 잃은 상태에서 장애물을 </a:t>
             </a:r>
@@ -43482,8 +43482,8 @@
                 <a:solidFill>
                   <a:schemeClr val="bg1"/>
                 </a:solidFill>
-                <a:latin typeface="메이플스토리 OTF" panose="02000300000000000000" pitchFamily="50" charset="-127"/>
-                <a:ea typeface="메이플스토리 OTF" panose="02000300000000000000" pitchFamily="50" charset="-127"/>
+                <a:latin typeface="Galmuri11 Regular" panose="020B0503020202000000" pitchFamily="50" charset="-127"/>
+                <a:ea typeface="Galmuri11 Regular" panose="020B0503020202000000" pitchFamily="50" charset="-127"/>
               </a:rPr>
               <a:t>5</a:t>
             </a:r>
@@ -43492,8 +43492,8 @@
                 <a:solidFill>
                   <a:schemeClr val="bg1"/>
                 </a:solidFill>
-                <a:latin typeface="메이플스토리 OTF" panose="02000300000000000000" pitchFamily="50" charset="-127"/>
-                <a:ea typeface="메이플스토리 OTF" panose="02000300000000000000" pitchFamily="50" charset="-127"/>
+                <a:latin typeface="Galmuri11 Regular" panose="020B0503020202000000" pitchFamily="50" charset="-127"/>
+                <a:ea typeface="Galmuri11 Regular" panose="020B0503020202000000" pitchFamily="50" charset="-127"/>
               </a:rPr>
               <a:t>개 이상 피했을 경우 체력을 회복합니다</a:t>
             </a:r>
@@ -43502,8 +43502,8 @@
                 <a:solidFill>
                   <a:schemeClr val="bg1"/>
                 </a:solidFill>
-                <a:latin typeface="메이플스토리 OTF" panose="02000300000000000000" pitchFamily="50" charset="-127"/>
-                <a:ea typeface="메이플스토리 OTF" panose="02000300000000000000" pitchFamily="50" charset="-127"/>
+                <a:latin typeface="Galmuri11 Regular" panose="020B0503020202000000" pitchFamily="50" charset="-127"/>
+                <a:ea typeface="Galmuri11 Regular" panose="020B0503020202000000" pitchFamily="50" charset="-127"/>
               </a:rPr>
               <a:t>.</a:t>
             </a:r>
@@ -43519,8 +43519,8 @@
                 <a:solidFill>
                   <a:schemeClr val="bg1"/>
                 </a:solidFill>
-                <a:latin typeface="메이플스토리 OTF" panose="02000300000000000000" pitchFamily="50" charset="-127"/>
-                <a:ea typeface="메이플스토리 OTF" panose="02000300000000000000" pitchFamily="50" charset="-127"/>
+                <a:latin typeface="Galmuri11 Regular" panose="020B0503020202000000" pitchFamily="50" charset="-127"/>
+                <a:ea typeface="Galmuri11 Regular" panose="020B0503020202000000" pitchFamily="50" charset="-127"/>
               </a:rPr>
               <a:t>이때 회복되는 체력은 최대치를 넘어가지 않습니다</a:t>
             </a:r>
@@ -43529,8 +43529,8 @@
                 <a:solidFill>
                   <a:schemeClr val="bg1"/>
                 </a:solidFill>
-                <a:latin typeface="메이플스토리 OTF" panose="02000300000000000000" pitchFamily="50" charset="-127"/>
-                <a:ea typeface="메이플스토리 OTF" panose="02000300000000000000" pitchFamily="50" charset="-127"/>
+                <a:latin typeface="Galmuri11 Regular" panose="020B0503020202000000" pitchFamily="50" charset="-127"/>
+                <a:ea typeface="Galmuri11 Regular" panose="020B0503020202000000" pitchFamily="50" charset="-127"/>
               </a:rPr>
               <a:t>.</a:t>
             </a:r>
@@ -43539,8 +43539,8 @@
                 <a:solidFill>
                   <a:schemeClr val="bg1"/>
                 </a:solidFill>
-                <a:latin typeface="메이플스토리 OTF" panose="02000300000000000000" pitchFamily="50" charset="-127"/>
-                <a:ea typeface="메이플스토리 OTF" panose="02000300000000000000" pitchFamily="50" charset="-127"/>
+                <a:latin typeface="Galmuri11 Regular" panose="020B0503020202000000" pitchFamily="50" charset="-127"/>
+                <a:ea typeface="Galmuri11 Regular" panose="020B0503020202000000" pitchFamily="50" charset="-127"/>
               </a:rPr>
               <a:t> </a:t>
             </a:r>
@@ -43710,9 +43710,9 @@
             <p:grpSpPr>
               <a:xfrm>
                 <a:off x="6289348" y="2365046"/>
-                <a:ext cx="1572428" cy="1262040"/>
+                <a:ext cx="1649372" cy="1262040"/>
                 <a:chOff x="6676246" y="2369205"/>
-                <a:chExt cx="1572428" cy="1262040"/>
+                <a:chExt cx="1649372" cy="1262040"/>
               </a:xfrm>
             </p:grpSpPr>
             <p:grpSp>
@@ -43856,7 +43856,7 @@
               <p:spPr>
                 <a:xfrm>
                   <a:off x="7690508" y="3101288"/>
-                  <a:ext cx="558166" cy="400110"/>
+                  <a:ext cx="635110" cy="400110"/>
                 </a:xfrm>
                 <a:prstGeom prst="rect">
                   <a:avLst/>
@@ -43874,8 +43874,8 @@
                       <a:solidFill>
                         <a:schemeClr val="bg1"/>
                       </a:solidFill>
-                      <a:latin typeface="메이플스토리 OTF" panose="02000300000000000000" pitchFamily="50" charset="-127"/>
-                      <a:ea typeface="메이플스토리 OTF" panose="02000300000000000000" pitchFamily="50" charset="-127"/>
+                      <a:latin typeface="Galmuri11 Regular" panose="020B0503020202000000" pitchFamily="50" charset="-127"/>
+                      <a:ea typeface="Galmuri11 Regular" panose="020B0503020202000000" pitchFamily="50" charset="-127"/>
                     </a:rPr>
                     <a:t>X 5</a:t>
                   </a:r>
@@ -43883,8 +43883,8 @@
                     <a:solidFill>
                       <a:schemeClr val="bg1"/>
                     </a:solidFill>
-                    <a:latin typeface="메이플스토리 OTF" panose="02000300000000000000" pitchFamily="50" charset="-127"/>
-                    <a:ea typeface="메이플스토리 OTF" panose="02000300000000000000" pitchFamily="50" charset="-127"/>
+                    <a:latin typeface="Galmuri11 Regular" panose="020B0503020202000000" pitchFamily="50" charset="-127"/>
+                    <a:ea typeface="Galmuri11 Regular" panose="020B0503020202000000" pitchFamily="50" charset="-127"/>
                   </a:endParaRPr>
                 </a:p>
               </p:txBody>
@@ -43904,7 +43904,7 @@
               <p:spPr>
                 <a:xfrm>
                   <a:off x="7109130" y="2369205"/>
-                  <a:ext cx="433132" cy="400110"/>
+                  <a:ext cx="484428" cy="400110"/>
                 </a:xfrm>
                 <a:prstGeom prst="rect">
                   <a:avLst/>
@@ -43925,8 +43925,8 @@
                           <a:lumOff val="60000"/>
                         </a:schemeClr>
                       </a:solidFill>
-                      <a:latin typeface="메이플스토리 OTF" panose="02000300000000000000" pitchFamily="50" charset="-127"/>
-                      <a:ea typeface="메이플스토리 OTF" panose="02000300000000000000" pitchFamily="50" charset="-127"/>
+                      <a:latin typeface="Galmuri11 Regular" panose="020B0503020202000000" pitchFamily="50" charset="-127"/>
+                      <a:ea typeface="Galmuri11 Regular" panose="020B0503020202000000" pitchFamily="50" charset="-127"/>
                     </a:rPr>
                     <a:t>+1</a:t>
                   </a:r>
@@ -43937,8 +43937,8 @@
                         <a:lumOff val="60000"/>
                       </a:schemeClr>
                     </a:solidFill>
-                    <a:latin typeface="메이플스토리 OTF" panose="02000300000000000000" pitchFamily="50" charset="-127"/>
-                    <a:ea typeface="메이플스토리 OTF" panose="02000300000000000000" pitchFamily="50" charset="-127"/>
+                    <a:latin typeface="Galmuri11 Regular" panose="020B0503020202000000" pitchFamily="50" charset="-127"/>
+                    <a:ea typeface="Galmuri11 Regular" panose="020B0503020202000000" pitchFamily="50" charset="-127"/>
                   </a:endParaRPr>
                 </a:p>
               </p:txBody>
@@ -44155,8 +44155,8 @@
                 <a:p>
                   <a:pPr algn="ctr"/>
                   <a:endParaRPr lang="ko-KR" altLang="en-US">
-                    <a:latin typeface="메이플스토리 OTF" panose="02000300000000000000" pitchFamily="50" charset="-127"/>
-                    <a:ea typeface="메이플스토리 OTF" panose="02000300000000000000" pitchFamily="50" charset="-127"/>
+                    <a:latin typeface="Galmuri11 Regular" panose="020B0503020202000000" pitchFamily="50" charset="-127"/>
+                    <a:ea typeface="Galmuri11 Regular" panose="020B0503020202000000" pitchFamily="50" charset="-127"/>
                   </a:endParaRPr>
                 </a:p>
               </p:txBody>
@@ -44194,8 +44194,8 @@
                       <a:solidFill>
                         <a:srgbClr val="C00000"/>
                       </a:solidFill>
-                      <a:latin typeface="메이플스토리 OTF" panose="02000300000000000000" pitchFamily="50" charset="-127"/>
-                      <a:ea typeface="메이플스토리 OTF" panose="02000300000000000000" pitchFamily="50" charset="-127"/>
+                      <a:latin typeface="Galmuri11 Regular" panose="020B0503020202000000" pitchFamily="50" charset="-127"/>
+                      <a:ea typeface="Galmuri11 Regular" panose="020B0503020202000000" pitchFamily="50" charset="-127"/>
                     </a:rPr>
                     <a:t>-1</a:t>
                   </a:r>
@@ -44203,8 +44203,8 @@
                     <a:solidFill>
                       <a:srgbClr val="C00000"/>
                     </a:solidFill>
-                    <a:latin typeface="메이플스토리 OTF" panose="02000300000000000000" pitchFamily="50" charset="-127"/>
-                    <a:ea typeface="메이플스토리 OTF" panose="02000300000000000000" pitchFamily="50" charset="-127"/>
+                    <a:latin typeface="Galmuri11 Regular" panose="020B0503020202000000" pitchFamily="50" charset="-127"/>
+                    <a:ea typeface="Galmuri11 Regular" panose="020B0503020202000000" pitchFamily="50" charset="-127"/>
                   </a:endParaRPr>
                 </a:p>
               </p:txBody>

--- a/document/UI.pptx
+++ b/document/UI.pptx
@@ -5,7 +5,7 @@
     <p:sldMasterId id="2147483648" r:id="rId1"/>
   </p:sldMasterIdLst>
   <p:notesMasterIdLst>
-    <p:notesMasterId r:id="rId39"/>
+    <p:notesMasterId r:id="rId41"/>
   </p:notesMasterIdLst>
   <p:sldIdLst>
     <p:sldId id="257" r:id="rId2"/>
@@ -45,6 +45,8 @@
     <p:sldId id="287" r:id="rId36"/>
     <p:sldId id="288" r:id="rId37"/>
     <p:sldId id="271" r:id="rId38"/>
+    <p:sldId id="293" r:id="rId39"/>
+    <p:sldId id="294" r:id="rId40"/>
   </p:sldIdLst>
   <p:sldSz cx="12192000" cy="6858000"/>
   <p:notesSz cx="6858000" cy="9144000"/>
@@ -45894,6 +45896,904 @@
 </p:sld>
 </file>
 
+<file path=ppt/slides/slide38.xml><?xml version="1.0" encoding="utf-8"?>
+<p:sld xmlns:a="http://schemas.openxmlformats.org/drawingml/2006/main" xmlns:r="http://schemas.openxmlformats.org/officeDocument/2006/relationships" xmlns:p="http://schemas.openxmlformats.org/presentationml/2006/main">
+  <p:cSld>
+    <p:spTree>
+      <p:nvGrpSpPr>
+        <p:cNvPr id="1" name=""/>
+        <p:cNvGrpSpPr/>
+        <p:nvPr/>
+      </p:nvGrpSpPr>
+      <p:grpSpPr>
+        <a:xfrm>
+          <a:off x="0" y="0"/>
+          <a:ext cx="0" cy="0"/>
+          <a:chOff x="0" y="0"/>
+          <a:chExt cx="0" cy="0"/>
+        </a:xfrm>
+      </p:grpSpPr>
+      <p:pic>
+        <p:nvPicPr>
+          <p:cNvPr id="5" name="그림 4" descr="텍스트, 스크린샷, 만화 영화이(가) 표시된 사진&#10;&#10;AI가 생성한 콘텐츠는 부정확할 수 있습니다.">
+            <a:extLst>
+              <a:ext uri="{FF2B5EF4-FFF2-40B4-BE49-F238E27FC236}">
+                <a16:creationId xmlns:a16="http://schemas.microsoft.com/office/drawing/2014/main" id="{5CFA4244-064E-70AD-D9D4-DA316AC641A2}"/>
+              </a:ext>
+            </a:extLst>
+          </p:cNvPr>
+          <p:cNvPicPr>
+            <a:picLocks noChangeAspect="1"/>
+          </p:cNvPicPr>
+          <p:nvPr/>
+        </p:nvPicPr>
+        <p:blipFill>
+          <a:blip r:embed="rId2">
+            <a:extLst>
+              <a:ext uri="{28A0092B-C50C-407E-A947-70E740481C1C}">
+                <a14:useLocalDpi xmlns:a14="http://schemas.microsoft.com/office/drawing/2010/main" val="0"/>
+              </a:ext>
+            </a:extLst>
+          </a:blip>
+          <a:stretch>
+            <a:fillRect/>
+          </a:stretch>
+        </p:blipFill>
+        <p:spPr>
+          <a:xfrm>
+            <a:off x="1187925" y="668208"/>
+            <a:ext cx="9816150" cy="5521584"/>
+          </a:xfrm>
+          <a:prstGeom prst="rect">
+            <a:avLst/>
+          </a:prstGeom>
+        </p:spPr>
+      </p:pic>
+      <p:grpSp>
+        <p:nvGrpSpPr>
+          <p:cNvPr id="6" name="그룹 5">
+            <a:extLst>
+              <a:ext uri="{FF2B5EF4-FFF2-40B4-BE49-F238E27FC236}">
+                <a16:creationId xmlns:a16="http://schemas.microsoft.com/office/drawing/2014/main" id="{183FBEE7-126C-C920-12AA-3E76C53DE0C9}"/>
+              </a:ext>
+            </a:extLst>
+          </p:cNvPr>
+          <p:cNvGrpSpPr/>
+          <p:nvPr/>
+        </p:nvGrpSpPr>
+        <p:grpSpPr>
+          <a:xfrm rot="5400000">
+            <a:off x="5804049" y="2996033"/>
+            <a:ext cx="2996647" cy="248054"/>
+            <a:chOff x="1541725" y="1547461"/>
+            <a:chExt cx="1635420" cy="248054"/>
+          </a:xfrm>
+        </p:grpSpPr>
+        <p:cxnSp>
+          <p:nvCxnSpPr>
+            <p:cNvPr id="7" name="직선 연결선 6">
+              <a:extLst>
+                <a:ext uri="{FF2B5EF4-FFF2-40B4-BE49-F238E27FC236}">
+                  <a16:creationId xmlns:a16="http://schemas.microsoft.com/office/drawing/2014/main" id="{C367C0B4-C504-32AE-9462-C4C1C8022747}"/>
+                </a:ext>
+              </a:extLst>
+            </p:cNvPr>
+            <p:cNvCxnSpPr>
+              <a:cxnSpLocks/>
+            </p:cNvCxnSpPr>
+            <p:nvPr/>
+          </p:nvCxnSpPr>
+          <p:spPr>
+            <a:xfrm rot="16200000">
+              <a:off x="1417698" y="1671488"/>
+              <a:ext cx="248054" cy="0"/>
+            </a:xfrm>
+            <a:prstGeom prst="line">
+              <a:avLst/>
+            </a:prstGeom>
+            <a:ln w="38100">
+              <a:solidFill>
+                <a:srgbClr val="FF0000"/>
+              </a:solidFill>
+            </a:ln>
+          </p:spPr>
+          <p:style>
+            <a:lnRef idx="2">
+              <a:schemeClr val="accent1"/>
+            </a:lnRef>
+            <a:fillRef idx="0">
+              <a:schemeClr val="accent1"/>
+            </a:fillRef>
+            <a:effectRef idx="1">
+              <a:schemeClr val="accent1"/>
+            </a:effectRef>
+            <a:fontRef idx="minor">
+              <a:schemeClr val="tx1"/>
+            </a:fontRef>
+          </p:style>
+        </p:cxnSp>
+        <p:cxnSp>
+          <p:nvCxnSpPr>
+            <p:cNvPr id="8" name="직선 연결선 7">
+              <a:extLst>
+                <a:ext uri="{FF2B5EF4-FFF2-40B4-BE49-F238E27FC236}">
+                  <a16:creationId xmlns:a16="http://schemas.microsoft.com/office/drawing/2014/main" id="{C73EB01A-FC1A-8A97-CC08-CDF59DBE7BF6}"/>
+                </a:ext>
+              </a:extLst>
+            </p:cNvPr>
+            <p:cNvCxnSpPr>
+              <a:cxnSpLocks/>
+            </p:cNvCxnSpPr>
+            <p:nvPr/>
+          </p:nvCxnSpPr>
+          <p:spPr>
+            <a:xfrm rot="16200000">
+              <a:off x="3053112" y="1671488"/>
+              <a:ext cx="248054" cy="0"/>
+            </a:xfrm>
+            <a:prstGeom prst="line">
+              <a:avLst/>
+            </a:prstGeom>
+            <a:ln w="38100">
+              <a:solidFill>
+                <a:srgbClr val="FF0000"/>
+              </a:solidFill>
+            </a:ln>
+          </p:spPr>
+          <p:style>
+            <a:lnRef idx="2">
+              <a:schemeClr val="accent1"/>
+            </a:lnRef>
+            <a:fillRef idx="0">
+              <a:schemeClr val="accent1"/>
+            </a:fillRef>
+            <a:effectRef idx="1">
+              <a:schemeClr val="accent1"/>
+            </a:effectRef>
+            <a:fontRef idx="minor">
+              <a:schemeClr val="tx1"/>
+            </a:fontRef>
+          </p:style>
+        </p:cxnSp>
+        <p:cxnSp>
+          <p:nvCxnSpPr>
+            <p:cNvPr id="9" name="직선 연결선 8">
+              <a:extLst>
+                <a:ext uri="{FF2B5EF4-FFF2-40B4-BE49-F238E27FC236}">
+                  <a16:creationId xmlns:a16="http://schemas.microsoft.com/office/drawing/2014/main" id="{5194EE82-37F9-3A79-5641-0F869D23AFB4}"/>
+                </a:ext>
+              </a:extLst>
+            </p:cNvPr>
+            <p:cNvCxnSpPr>
+              <a:cxnSpLocks/>
+            </p:cNvCxnSpPr>
+            <p:nvPr/>
+          </p:nvCxnSpPr>
+          <p:spPr>
+            <a:xfrm>
+              <a:off x="1541725" y="1671488"/>
+              <a:ext cx="1635420" cy="0"/>
+            </a:xfrm>
+            <a:prstGeom prst="line">
+              <a:avLst/>
+            </a:prstGeom>
+            <a:ln w="38100">
+              <a:solidFill>
+                <a:srgbClr val="FF0000"/>
+              </a:solidFill>
+            </a:ln>
+          </p:spPr>
+          <p:style>
+            <a:lnRef idx="2">
+              <a:schemeClr val="accent1"/>
+            </a:lnRef>
+            <a:fillRef idx="0">
+              <a:schemeClr val="accent1"/>
+            </a:fillRef>
+            <a:effectRef idx="1">
+              <a:schemeClr val="accent1"/>
+            </a:effectRef>
+            <a:fontRef idx="minor">
+              <a:schemeClr val="tx1"/>
+            </a:fontRef>
+          </p:style>
+        </p:cxnSp>
+      </p:grpSp>
+      <p:sp>
+        <p:nvSpPr>
+          <p:cNvPr id="10" name="TextBox 9">
+            <a:extLst>
+              <a:ext uri="{FF2B5EF4-FFF2-40B4-BE49-F238E27FC236}">
+                <a16:creationId xmlns:a16="http://schemas.microsoft.com/office/drawing/2014/main" id="{540CB376-FCC4-AD98-AFA0-4EE6840D06C2}"/>
+              </a:ext>
+            </a:extLst>
+          </p:cNvPr>
+          <p:cNvSpPr txBox="1"/>
+          <p:nvPr/>
+        </p:nvSpPr>
+        <p:spPr>
+          <a:xfrm>
+            <a:off x="6675781" y="2935394"/>
+            <a:ext cx="564578" cy="369332"/>
+          </a:xfrm>
+          <a:prstGeom prst="rect">
+            <a:avLst/>
+          </a:prstGeom>
+          <a:noFill/>
+        </p:spPr>
+        <p:txBody>
+          <a:bodyPr wrap="none" rtlCol="0">
+            <a:spAutoFit/>
+          </a:bodyPr>
+          <a:lstStyle/>
+          <a:p>
+            <a:r>
+              <a:rPr lang="en-US" altLang="ko-KR" dirty="0"/>
+              <a:t>300</a:t>
+            </a:r>
+            <a:endParaRPr lang="ko-KR" altLang="en-US" dirty="0"/>
+          </a:p>
+        </p:txBody>
+      </p:sp>
+      <p:grpSp>
+        <p:nvGrpSpPr>
+          <p:cNvPr id="11" name="그룹 10">
+            <a:extLst>
+              <a:ext uri="{FF2B5EF4-FFF2-40B4-BE49-F238E27FC236}">
+                <a16:creationId xmlns:a16="http://schemas.microsoft.com/office/drawing/2014/main" id="{D694588C-2EB7-F101-DAA7-1C6DB958818F}"/>
+              </a:ext>
+            </a:extLst>
+          </p:cNvPr>
+          <p:cNvGrpSpPr/>
+          <p:nvPr/>
+        </p:nvGrpSpPr>
+        <p:grpSpPr>
+          <a:xfrm rot="10800000">
+            <a:off x="7446276" y="4618373"/>
+            <a:ext cx="3360863" cy="248054"/>
+            <a:chOff x="1541725" y="1547461"/>
+            <a:chExt cx="1635420" cy="248054"/>
+          </a:xfrm>
+        </p:grpSpPr>
+        <p:cxnSp>
+          <p:nvCxnSpPr>
+            <p:cNvPr id="12" name="직선 연결선 11">
+              <a:extLst>
+                <a:ext uri="{FF2B5EF4-FFF2-40B4-BE49-F238E27FC236}">
+                  <a16:creationId xmlns:a16="http://schemas.microsoft.com/office/drawing/2014/main" id="{E0E6A766-B5A1-FFEB-F5A0-8474C93E1F73}"/>
+                </a:ext>
+              </a:extLst>
+            </p:cNvPr>
+            <p:cNvCxnSpPr>
+              <a:cxnSpLocks/>
+            </p:cNvCxnSpPr>
+            <p:nvPr/>
+          </p:nvCxnSpPr>
+          <p:spPr>
+            <a:xfrm rot="16200000">
+              <a:off x="1417698" y="1671488"/>
+              <a:ext cx="248054" cy="0"/>
+            </a:xfrm>
+            <a:prstGeom prst="line">
+              <a:avLst/>
+            </a:prstGeom>
+            <a:ln w="38100">
+              <a:solidFill>
+                <a:srgbClr val="FF0000"/>
+              </a:solidFill>
+            </a:ln>
+          </p:spPr>
+          <p:style>
+            <a:lnRef idx="2">
+              <a:schemeClr val="accent1"/>
+            </a:lnRef>
+            <a:fillRef idx="0">
+              <a:schemeClr val="accent1"/>
+            </a:fillRef>
+            <a:effectRef idx="1">
+              <a:schemeClr val="accent1"/>
+            </a:effectRef>
+            <a:fontRef idx="minor">
+              <a:schemeClr val="tx1"/>
+            </a:fontRef>
+          </p:style>
+        </p:cxnSp>
+        <p:cxnSp>
+          <p:nvCxnSpPr>
+            <p:cNvPr id="13" name="직선 연결선 12">
+              <a:extLst>
+                <a:ext uri="{FF2B5EF4-FFF2-40B4-BE49-F238E27FC236}">
+                  <a16:creationId xmlns:a16="http://schemas.microsoft.com/office/drawing/2014/main" id="{A4B9C902-7D7B-6B8A-55A2-8569511A3236}"/>
+                </a:ext>
+              </a:extLst>
+            </p:cNvPr>
+            <p:cNvCxnSpPr>
+              <a:cxnSpLocks/>
+            </p:cNvCxnSpPr>
+            <p:nvPr/>
+          </p:nvCxnSpPr>
+          <p:spPr>
+            <a:xfrm rot="16200000">
+              <a:off x="3053112" y="1671488"/>
+              <a:ext cx="248054" cy="0"/>
+            </a:xfrm>
+            <a:prstGeom prst="line">
+              <a:avLst/>
+            </a:prstGeom>
+            <a:ln w="38100">
+              <a:solidFill>
+                <a:srgbClr val="FF0000"/>
+              </a:solidFill>
+            </a:ln>
+          </p:spPr>
+          <p:style>
+            <a:lnRef idx="2">
+              <a:schemeClr val="accent1"/>
+            </a:lnRef>
+            <a:fillRef idx="0">
+              <a:schemeClr val="accent1"/>
+            </a:fillRef>
+            <a:effectRef idx="1">
+              <a:schemeClr val="accent1"/>
+            </a:effectRef>
+            <a:fontRef idx="minor">
+              <a:schemeClr val="tx1"/>
+            </a:fontRef>
+          </p:style>
+        </p:cxnSp>
+        <p:cxnSp>
+          <p:nvCxnSpPr>
+            <p:cNvPr id="14" name="직선 연결선 13">
+              <a:extLst>
+                <a:ext uri="{FF2B5EF4-FFF2-40B4-BE49-F238E27FC236}">
+                  <a16:creationId xmlns:a16="http://schemas.microsoft.com/office/drawing/2014/main" id="{1E202ADE-E72D-0B78-8052-4E82CCAAF41B}"/>
+                </a:ext>
+              </a:extLst>
+            </p:cNvPr>
+            <p:cNvCxnSpPr>
+              <a:cxnSpLocks/>
+            </p:cNvCxnSpPr>
+            <p:nvPr/>
+          </p:nvCxnSpPr>
+          <p:spPr>
+            <a:xfrm>
+              <a:off x="1541725" y="1671488"/>
+              <a:ext cx="1635420" cy="0"/>
+            </a:xfrm>
+            <a:prstGeom prst="line">
+              <a:avLst/>
+            </a:prstGeom>
+            <a:ln w="38100">
+              <a:solidFill>
+                <a:srgbClr val="FF0000"/>
+              </a:solidFill>
+            </a:ln>
+          </p:spPr>
+          <p:style>
+            <a:lnRef idx="2">
+              <a:schemeClr val="accent1"/>
+            </a:lnRef>
+            <a:fillRef idx="0">
+              <a:schemeClr val="accent1"/>
+            </a:fillRef>
+            <a:effectRef idx="1">
+              <a:schemeClr val="accent1"/>
+            </a:effectRef>
+            <a:fontRef idx="minor">
+              <a:schemeClr val="tx1"/>
+            </a:fontRef>
+          </p:style>
+        </p:cxnSp>
+      </p:grpSp>
+      <p:sp>
+        <p:nvSpPr>
+          <p:cNvPr id="15" name="TextBox 14">
+            <a:extLst>
+              <a:ext uri="{FF2B5EF4-FFF2-40B4-BE49-F238E27FC236}">
+                <a16:creationId xmlns:a16="http://schemas.microsoft.com/office/drawing/2014/main" id="{D6F6B02D-5DD6-E3EE-8509-9C197DCBE22B}"/>
+              </a:ext>
+            </a:extLst>
+          </p:cNvPr>
+          <p:cNvSpPr txBox="1"/>
+          <p:nvPr/>
+        </p:nvSpPr>
+        <p:spPr>
+          <a:xfrm>
+            <a:off x="8844425" y="4742400"/>
+            <a:ext cx="564578" cy="369332"/>
+          </a:xfrm>
+          <a:prstGeom prst="rect">
+            <a:avLst/>
+          </a:prstGeom>
+          <a:noFill/>
+        </p:spPr>
+        <p:txBody>
+          <a:bodyPr wrap="none" rtlCol="0">
+            <a:spAutoFit/>
+          </a:bodyPr>
+          <a:lstStyle/>
+          <a:p>
+            <a:r>
+              <a:rPr lang="en-US" altLang="ko-KR" dirty="0"/>
+              <a:t>300</a:t>
+            </a:r>
+            <a:endParaRPr lang="ko-KR" altLang="en-US" dirty="0"/>
+          </a:p>
+        </p:txBody>
+      </p:sp>
+    </p:spTree>
+    <p:extLst>
+      <p:ext uri="{BB962C8B-B14F-4D97-AF65-F5344CB8AC3E}">
+        <p14:creationId xmlns:p14="http://schemas.microsoft.com/office/powerpoint/2010/main" val="17397644"/>
+      </p:ext>
+    </p:extLst>
+  </p:cSld>
+  <p:clrMapOvr>
+    <a:masterClrMapping/>
+  </p:clrMapOvr>
+</p:sld>
+</file>
+
+<file path=ppt/slides/slide39.xml><?xml version="1.0" encoding="utf-8"?>
+<p:sld xmlns:a="http://schemas.openxmlformats.org/drawingml/2006/main" xmlns:r="http://schemas.openxmlformats.org/officeDocument/2006/relationships" xmlns:p="http://schemas.openxmlformats.org/presentationml/2006/main">
+  <p:cSld>
+    <p:spTree>
+      <p:nvGrpSpPr>
+        <p:cNvPr id="1" name="">
+          <a:extLst>
+            <a:ext uri="{FF2B5EF4-FFF2-40B4-BE49-F238E27FC236}">
+              <a16:creationId xmlns:a16="http://schemas.microsoft.com/office/drawing/2014/main" id="{28434CC5-076A-D18F-AACE-C01E38A2722C}"/>
+            </a:ext>
+          </a:extLst>
+        </p:cNvPr>
+        <p:cNvGrpSpPr/>
+        <p:nvPr/>
+      </p:nvGrpSpPr>
+      <p:grpSpPr>
+        <a:xfrm>
+          <a:off x="0" y="0"/>
+          <a:ext cx="0" cy="0"/>
+          <a:chOff x="0" y="0"/>
+          <a:chExt cx="0" cy="0"/>
+        </a:xfrm>
+      </p:grpSpPr>
+      <p:pic>
+        <p:nvPicPr>
+          <p:cNvPr id="3" name="그림 2" descr="텍스트, 스크린샷, 폰트이(가) 표시된 사진&#10;&#10;AI가 생성한 콘텐츠는 부정확할 수 있습니다.">
+            <a:extLst>
+              <a:ext uri="{FF2B5EF4-FFF2-40B4-BE49-F238E27FC236}">
+                <a16:creationId xmlns:a16="http://schemas.microsoft.com/office/drawing/2014/main" id="{5E43FCA2-5E4D-DC57-E402-C94A8FCDE6D8}"/>
+              </a:ext>
+            </a:extLst>
+          </p:cNvPr>
+          <p:cNvPicPr>
+            <a:picLocks noChangeAspect="1"/>
+          </p:cNvPicPr>
+          <p:nvPr/>
+        </p:nvPicPr>
+        <p:blipFill>
+          <a:blip r:embed="rId2">
+            <a:extLst>
+              <a:ext uri="{28A0092B-C50C-407E-A947-70E740481C1C}">
+                <a14:useLocalDpi xmlns:a14="http://schemas.microsoft.com/office/drawing/2010/main" val="0"/>
+              </a:ext>
+            </a:extLst>
+          </a:blip>
+          <a:stretch>
+            <a:fillRect/>
+          </a:stretch>
+        </p:blipFill>
+        <p:spPr>
+          <a:xfrm>
+            <a:off x="547522" y="226051"/>
+            <a:ext cx="11121017" cy="6256701"/>
+          </a:xfrm>
+          <a:prstGeom prst="rect">
+            <a:avLst/>
+          </a:prstGeom>
+        </p:spPr>
+      </p:pic>
+      <p:grpSp>
+        <p:nvGrpSpPr>
+          <p:cNvPr id="6" name="그룹 5">
+            <a:extLst>
+              <a:ext uri="{FF2B5EF4-FFF2-40B4-BE49-F238E27FC236}">
+                <a16:creationId xmlns:a16="http://schemas.microsoft.com/office/drawing/2014/main" id="{C25B2B59-7F73-0085-CF8A-1282A57C9D9B}"/>
+              </a:ext>
+            </a:extLst>
+          </p:cNvPr>
+          <p:cNvGrpSpPr/>
+          <p:nvPr/>
+        </p:nvGrpSpPr>
+        <p:grpSpPr>
+          <a:xfrm rot="5400000">
+            <a:off x="2126571" y="3247825"/>
+            <a:ext cx="2996647" cy="248054"/>
+            <a:chOff x="1541725" y="1547461"/>
+            <a:chExt cx="1635420" cy="248054"/>
+          </a:xfrm>
+        </p:grpSpPr>
+        <p:cxnSp>
+          <p:nvCxnSpPr>
+            <p:cNvPr id="7" name="직선 연결선 6">
+              <a:extLst>
+                <a:ext uri="{FF2B5EF4-FFF2-40B4-BE49-F238E27FC236}">
+                  <a16:creationId xmlns:a16="http://schemas.microsoft.com/office/drawing/2014/main" id="{2B727497-9C8E-4645-D9C1-A26B233D3EDE}"/>
+                </a:ext>
+              </a:extLst>
+            </p:cNvPr>
+            <p:cNvCxnSpPr>
+              <a:cxnSpLocks/>
+            </p:cNvCxnSpPr>
+            <p:nvPr/>
+          </p:nvCxnSpPr>
+          <p:spPr>
+            <a:xfrm rot="16200000">
+              <a:off x="1417698" y="1671488"/>
+              <a:ext cx="248054" cy="0"/>
+            </a:xfrm>
+            <a:prstGeom prst="line">
+              <a:avLst/>
+            </a:prstGeom>
+            <a:ln w="38100">
+              <a:solidFill>
+                <a:srgbClr val="FF0000"/>
+              </a:solidFill>
+            </a:ln>
+          </p:spPr>
+          <p:style>
+            <a:lnRef idx="2">
+              <a:schemeClr val="accent1"/>
+            </a:lnRef>
+            <a:fillRef idx="0">
+              <a:schemeClr val="accent1"/>
+            </a:fillRef>
+            <a:effectRef idx="1">
+              <a:schemeClr val="accent1"/>
+            </a:effectRef>
+            <a:fontRef idx="minor">
+              <a:schemeClr val="tx1"/>
+            </a:fontRef>
+          </p:style>
+        </p:cxnSp>
+        <p:cxnSp>
+          <p:nvCxnSpPr>
+            <p:cNvPr id="8" name="직선 연결선 7">
+              <a:extLst>
+                <a:ext uri="{FF2B5EF4-FFF2-40B4-BE49-F238E27FC236}">
+                  <a16:creationId xmlns:a16="http://schemas.microsoft.com/office/drawing/2014/main" id="{5AB30EC5-AF09-FAC3-B1F7-DE53A73D225A}"/>
+                </a:ext>
+              </a:extLst>
+            </p:cNvPr>
+            <p:cNvCxnSpPr>
+              <a:cxnSpLocks/>
+            </p:cNvCxnSpPr>
+            <p:nvPr/>
+          </p:nvCxnSpPr>
+          <p:spPr>
+            <a:xfrm rot="16200000">
+              <a:off x="3053112" y="1671488"/>
+              <a:ext cx="248054" cy="0"/>
+            </a:xfrm>
+            <a:prstGeom prst="line">
+              <a:avLst/>
+            </a:prstGeom>
+            <a:ln w="38100">
+              <a:solidFill>
+                <a:srgbClr val="FF0000"/>
+              </a:solidFill>
+            </a:ln>
+          </p:spPr>
+          <p:style>
+            <a:lnRef idx="2">
+              <a:schemeClr val="accent1"/>
+            </a:lnRef>
+            <a:fillRef idx="0">
+              <a:schemeClr val="accent1"/>
+            </a:fillRef>
+            <a:effectRef idx="1">
+              <a:schemeClr val="accent1"/>
+            </a:effectRef>
+            <a:fontRef idx="minor">
+              <a:schemeClr val="tx1"/>
+            </a:fontRef>
+          </p:style>
+        </p:cxnSp>
+        <p:cxnSp>
+          <p:nvCxnSpPr>
+            <p:cNvPr id="9" name="직선 연결선 8">
+              <a:extLst>
+                <a:ext uri="{FF2B5EF4-FFF2-40B4-BE49-F238E27FC236}">
+                  <a16:creationId xmlns:a16="http://schemas.microsoft.com/office/drawing/2014/main" id="{84591E74-F895-8805-6193-319611339D3C}"/>
+                </a:ext>
+              </a:extLst>
+            </p:cNvPr>
+            <p:cNvCxnSpPr>
+              <a:cxnSpLocks/>
+            </p:cNvCxnSpPr>
+            <p:nvPr/>
+          </p:nvCxnSpPr>
+          <p:spPr>
+            <a:xfrm>
+              <a:off x="1541725" y="1671488"/>
+              <a:ext cx="1635420" cy="0"/>
+            </a:xfrm>
+            <a:prstGeom prst="line">
+              <a:avLst/>
+            </a:prstGeom>
+            <a:ln w="38100">
+              <a:solidFill>
+                <a:srgbClr val="FF0000"/>
+              </a:solidFill>
+            </a:ln>
+          </p:spPr>
+          <p:style>
+            <a:lnRef idx="2">
+              <a:schemeClr val="accent1"/>
+            </a:lnRef>
+            <a:fillRef idx="0">
+              <a:schemeClr val="accent1"/>
+            </a:fillRef>
+            <a:effectRef idx="1">
+              <a:schemeClr val="accent1"/>
+            </a:effectRef>
+            <a:fontRef idx="minor">
+              <a:schemeClr val="tx1"/>
+            </a:fontRef>
+          </p:style>
+        </p:cxnSp>
+      </p:grpSp>
+      <p:sp>
+        <p:nvSpPr>
+          <p:cNvPr id="10" name="TextBox 9">
+            <a:extLst>
+              <a:ext uri="{FF2B5EF4-FFF2-40B4-BE49-F238E27FC236}">
+                <a16:creationId xmlns:a16="http://schemas.microsoft.com/office/drawing/2014/main" id="{114DD151-C292-CB3F-1AD1-CB4CE85EE299}"/>
+              </a:ext>
+            </a:extLst>
+          </p:cNvPr>
+          <p:cNvSpPr txBox="1"/>
+          <p:nvPr/>
+        </p:nvSpPr>
+        <p:spPr>
+          <a:xfrm>
+            <a:off x="2998303" y="3187186"/>
+            <a:ext cx="564578" cy="369332"/>
+          </a:xfrm>
+          <a:prstGeom prst="rect">
+            <a:avLst/>
+          </a:prstGeom>
+          <a:noFill/>
+        </p:spPr>
+        <p:txBody>
+          <a:bodyPr wrap="none" rtlCol="0">
+            <a:spAutoFit/>
+          </a:bodyPr>
+          <a:lstStyle/>
+          <a:p>
+            <a:r>
+              <a:rPr lang="en-US" altLang="ko-KR" dirty="0">
+                <a:solidFill>
+                  <a:schemeClr val="bg1"/>
+                </a:solidFill>
+              </a:rPr>
+              <a:t>300</a:t>
+            </a:r>
+            <a:endParaRPr lang="ko-KR" altLang="en-US" dirty="0">
+              <a:solidFill>
+                <a:schemeClr val="bg1"/>
+              </a:solidFill>
+            </a:endParaRPr>
+          </a:p>
+        </p:txBody>
+      </p:sp>
+      <p:grpSp>
+        <p:nvGrpSpPr>
+          <p:cNvPr id="4" name="그룹 3">
+            <a:extLst>
+              <a:ext uri="{FF2B5EF4-FFF2-40B4-BE49-F238E27FC236}">
+                <a16:creationId xmlns:a16="http://schemas.microsoft.com/office/drawing/2014/main" id="{F6328086-C23D-1082-7931-47B0858EF92C}"/>
+              </a:ext>
+            </a:extLst>
+          </p:cNvPr>
+          <p:cNvGrpSpPr/>
+          <p:nvPr/>
+        </p:nvGrpSpPr>
+        <p:grpSpPr>
+          <a:xfrm>
+            <a:off x="3682661" y="4882544"/>
+            <a:ext cx="4864991" cy="248054"/>
+            <a:chOff x="1541725" y="1547461"/>
+            <a:chExt cx="1635420" cy="248054"/>
+          </a:xfrm>
+        </p:grpSpPr>
+        <p:cxnSp>
+          <p:nvCxnSpPr>
+            <p:cNvPr id="16" name="직선 연결선 15">
+              <a:extLst>
+                <a:ext uri="{FF2B5EF4-FFF2-40B4-BE49-F238E27FC236}">
+                  <a16:creationId xmlns:a16="http://schemas.microsoft.com/office/drawing/2014/main" id="{1E081186-48CF-88F1-C180-92995080ABED}"/>
+                </a:ext>
+              </a:extLst>
+            </p:cNvPr>
+            <p:cNvCxnSpPr>
+              <a:cxnSpLocks/>
+            </p:cNvCxnSpPr>
+            <p:nvPr/>
+          </p:nvCxnSpPr>
+          <p:spPr>
+            <a:xfrm rot="16200000">
+              <a:off x="1417698" y="1671488"/>
+              <a:ext cx="248054" cy="0"/>
+            </a:xfrm>
+            <a:prstGeom prst="line">
+              <a:avLst/>
+            </a:prstGeom>
+            <a:ln w="38100">
+              <a:solidFill>
+                <a:srgbClr val="FF0000"/>
+              </a:solidFill>
+            </a:ln>
+          </p:spPr>
+          <p:style>
+            <a:lnRef idx="2">
+              <a:schemeClr val="accent1"/>
+            </a:lnRef>
+            <a:fillRef idx="0">
+              <a:schemeClr val="accent1"/>
+            </a:fillRef>
+            <a:effectRef idx="1">
+              <a:schemeClr val="accent1"/>
+            </a:effectRef>
+            <a:fontRef idx="minor">
+              <a:schemeClr val="tx1"/>
+            </a:fontRef>
+          </p:style>
+        </p:cxnSp>
+        <p:cxnSp>
+          <p:nvCxnSpPr>
+            <p:cNvPr id="17" name="직선 연결선 16">
+              <a:extLst>
+                <a:ext uri="{FF2B5EF4-FFF2-40B4-BE49-F238E27FC236}">
+                  <a16:creationId xmlns:a16="http://schemas.microsoft.com/office/drawing/2014/main" id="{E6C1E28D-6467-2D18-C62D-1D716A18974F}"/>
+                </a:ext>
+              </a:extLst>
+            </p:cNvPr>
+            <p:cNvCxnSpPr>
+              <a:cxnSpLocks/>
+            </p:cNvCxnSpPr>
+            <p:nvPr/>
+          </p:nvCxnSpPr>
+          <p:spPr>
+            <a:xfrm rot="16200000">
+              <a:off x="3053112" y="1671488"/>
+              <a:ext cx="248054" cy="0"/>
+            </a:xfrm>
+            <a:prstGeom prst="line">
+              <a:avLst/>
+            </a:prstGeom>
+            <a:ln w="38100">
+              <a:solidFill>
+                <a:srgbClr val="FF0000"/>
+              </a:solidFill>
+            </a:ln>
+          </p:spPr>
+          <p:style>
+            <a:lnRef idx="2">
+              <a:schemeClr val="accent1"/>
+            </a:lnRef>
+            <a:fillRef idx="0">
+              <a:schemeClr val="accent1"/>
+            </a:fillRef>
+            <a:effectRef idx="1">
+              <a:schemeClr val="accent1"/>
+            </a:effectRef>
+            <a:fontRef idx="minor">
+              <a:schemeClr val="tx1"/>
+            </a:fontRef>
+          </p:style>
+        </p:cxnSp>
+        <p:cxnSp>
+          <p:nvCxnSpPr>
+            <p:cNvPr id="18" name="직선 연결선 17">
+              <a:extLst>
+                <a:ext uri="{FF2B5EF4-FFF2-40B4-BE49-F238E27FC236}">
+                  <a16:creationId xmlns:a16="http://schemas.microsoft.com/office/drawing/2014/main" id="{83131934-9B53-08D3-B9D2-80A4AF97EF53}"/>
+                </a:ext>
+              </a:extLst>
+            </p:cNvPr>
+            <p:cNvCxnSpPr>
+              <a:cxnSpLocks/>
+            </p:cNvCxnSpPr>
+            <p:nvPr/>
+          </p:nvCxnSpPr>
+          <p:spPr>
+            <a:xfrm>
+              <a:off x="1541725" y="1671488"/>
+              <a:ext cx="1635420" cy="0"/>
+            </a:xfrm>
+            <a:prstGeom prst="line">
+              <a:avLst/>
+            </a:prstGeom>
+            <a:ln w="38100">
+              <a:solidFill>
+                <a:srgbClr val="FF0000"/>
+              </a:solidFill>
+            </a:ln>
+          </p:spPr>
+          <p:style>
+            <a:lnRef idx="2">
+              <a:schemeClr val="accent1"/>
+            </a:lnRef>
+            <a:fillRef idx="0">
+              <a:schemeClr val="accent1"/>
+            </a:fillRef>
+            <a:effectRef idx="1">
+              <a:schemeClr val="accent1"/>
+            </a:effectRef>
+            <a:fontRef idx="minor">
+              <a:schemeClr val="tx1"/>
+            </a:fontRef>
+          </p:style>
+        </p:cxnSp>
+      </p:grpSp>
+      <p:sp>
+        <p:nvSpPr>
+          <p:cNvPr id="19" name="TextBox 18">
+            <a:extLst>
+              <a:ext uri="{FF2B5EF4-FFF2-40B4-BE49-F238E27FC236}">
+                <a16:creationId xmlns:a16="http://schemas.microsoft.com/office/drawing/2014/main" id="{D50983A9-607A-F915-3C59-6E8FA007DA4B}"/>
+              </a:ext>
+            </a:extLst>
+          </p:cNvPr>
+          <p:cNvSpPr txBox="1"/>
+          <p:nvPr/>
+        </p:nvSpPr>
+        <p:spPr>
+          <a:xfrm>
+            <a:off x="5889634" y="4996069"/>
+            <a:ext cx="564578" cy="369332"/>
+          </a:xfrm>
+          <a:prstGeom prst="rect">
+            <a:avLst/>
+          </a:prstGeom>
+          <a:noFill/>
+        </p:spPr>
+        <p:txBody>
+          <a:bodyPr wrap="none" rtlCol="0">
+            <a:spAutoFit/>
+          </a:bodyPr>
+          <a:lstStyle/>
+          <a:p>
+            <a:r>
+              <a:rPr lang="en-US" altLang="ko-KR" dirty="0">
+                <a:solidFill>
+                  <a:schemeClr val="bg1"/>
+                </a:solidFill>
+              </a:rPr>
+              <a:t>450</a:t>
+            </a:r>
+            <a:endParaRPr lang="ko-KR" altLang="en-US" dirty="0">
+              <a:solidFill>
+                <a:schemeClr val="bg1"/>
+              </a:solidFill>
+            </a:endParaRPr>
+          </a:p>
+        </p:txBody>
+      </p:sp>
+    </p:spTree>
+    <p:extLst>
+      <p:ext uri="{BB962C8B-B14F-4D97-AF65-F5344CB8AC3E}">
+        <p14:creationId xmlns:p14="http://schemas.microsoft.com/office/powerpoint/2010/main" val="171059900"/>
+      </p:ext>
+    </p:extLst>
+  </p:cSld>
+  <p:clrMapOvr>
+    <a:masterClrMapping/>
+  </p:clrMapOvr>
+</p:sld>
+</file>
+
 <file path=ppt/slides/slide4.xml><?xml version="1.0" encoding="utf-8"?>
 <p:sld xmlns:a="http://schemas.openxmlformats.org/drawingml/2006/main" xmlns:r="http://schemas.openxmlformats.org/officeDocument/2006/relationships" xmlns:p="http://schemas.openxmlformats.org/presentationml/2006/main">
   <p:cSld>

--- a/document/UI.pptx
+++ b/document/UI.pptx
@@ -235,7 +235,7 @@
           <a:p>
             <a:fld id="{5B07C18C-424A-405D-A330-3E94CEE48B39}" type="datetimeFigureOut">
               <a:rPr lang="ko-KR" altLang="en-US" smtClean="0"/>
-              <a:t>2025-02-22</a:t>
+              <a:t>2025-02-23</a:t>
             </a:fld>
             <a:endParaRPr lang="ko-KR" altLang="en-US"/>
           </a:p>
@@ -925,7 +925,7 @@
           <a:p>
             <a:fld id="{FD51FDC7-0CF3-4127-99F5-543E4DDB1909}" type="datetimeFigureOut">
               <a:rPr lang="ko-KR" altLang="en-US" smtClean="0"/>
-              <a:t>2025-02-22</a:t>
+              <a:t>2025-02-23</a:t>
             </a:fld>
             <a:endParaRPr lang="ko-KR" altLang="en-US"/>
           </a:p>
@@ -1123,7 +1123,7 @@
           <a:p>
             <a:fld id="{FD51FDC7-0CF3-4127-99F5-543E4DDB1909}" type="datetimeFigureOut">
               <a:rPr lang="ko-KR" altLang="en-US" smtClean="0"/>
-              <a:t>2025-02-22</a:t>
+              <a:t>2025-02-23</a:t>
             </a:fld>
             <a:endParaRPr lang="ko-KR" altLang="en-US"/>
           </a:p>
@@ -1331,7 +1331,7 @@
           <a:p>
             <a:fld id="{FD51FDC7-0CF3-4127-99F5-543E4DDB1909}" type="datetimeFigureOut">
               <a:rPr lang="ko-KR" altLang="en-US" smtClean="0"/>
-              <a:t>2025-02-22</a:t>
+              <a:t>2025-02-23</a:t>
             </a:fld>
             <a:endParaRPr lang="ko-KR" altLang="en-US"/>
           </a:p>
@@ -1529,7 +1529,7 @@
           <a:p>
             <a:fld id="{FD51FDC7-0CF3-4127-99F5-543E4DDB1909}" type="datetimeFigureOut">
               <a:rPr lang="ko-KR" altLang="en-US" smtClean="0"/>
-              <a:t>2025-02-22</a:t>
+              <a:t>2025-02-23</a:t>
             </a:fld>
             <a:endParaRPr lang="ko-KR" altLang="en-US"/>
           </a:p>
@@ -1804,7 +1804,7 @@
           <a:p>
             <a:fld id="{FD51FDC7-0CF3-4127-99F5-543E4DDB1909}" type="datetimeFigureOut">
               <a:rPr lang="ko-KR" altLang="en-US" smtClean="0"/>
-              <a:t>2025-02-22</a:t>
+              <a:t>2025-02-23</a:t>
             </a:fld>
             <a:endParaRPr lang="ko-KR" altLang="en-US"/>
           </a:p>
@@ -2069,7 +2069,7 @@
           <a:p>
             <a:fld id="{FD51FDC7-0CF3-4127-99F5-543E4DDB1909}" type="datetimeFigureOut">
               <a:rPr lang="ko-KR" altLang="en-US" smtClean="0"/>
-              <a:t>2025-02-22</a:t>
+              <a:t>2025-02-23</a:t>
             </a:fld>
             <a:endParaRPr lang="ko-KR" altLang="en-US"/>
           </a:p>
@@ -2481,7 +2481,7 @@
           <a:p>
             <a:fld id="{FD51FDC7-0CF3-4127-99F5-543E4DDB1909}" type="datetimeFigureOut">
               <a:rPr lang="ko-KR" altLang="en-US" smtClean="0"/>
-              <a:t>2025-02-22</a:t>
+              <a:t>2025-02-23</a:t>
             </a:fld>
             <a:endParaRPr lang="ko-KR" altLang="en-US"/>
           </a:p>
@@ -2622,7 +2622,7 @@
           <a:p>
             <a:fld id="{FD51FDC7-0CF3-4127-99F5-543E4DDB1909}" type="datetimeFigureOut">
               <a:rPr lang="ko-KR" altLang="en-US" smtClean="0"/>
-              <a:t>2025-02-22</a:t>
+              <a:t>2025-02-23</a:t>
             </a:fld>
             <a:endParaRPr lang="ko-KR" altLang="en-US"/>
           </a:p>
@@ -2735,7 +2735,7 @@
           <a:p>
             <a:fld id="{FD51FDC7-0CF3-4127-99F5-543E4DDB1909}" type="datetimeFigureOut">
               <a:rPr lang="ko-KR" altLang="en-US" smtClean="0"/>
-              <a:t>2025-02-22</a:t>
+              <a:t>2025-02-23</a:t>
             </a:fld>
             <a:endParaRPr lang="ko-KR" altLang="en-US"/>
           </a:p>
@@ -3046,7 +3046,7 @@
           <a:p>
             <a:fld id="{FD51FDC7-0CF3-4127-99F5-543E4DDB1909}" type="datetimeFigureOut">
               <a:rPr lang="ko-KR" altLang="en-US" smtClean="0"/>
-              <a:t>2025-02-22</a:t>
+              <a:t>2025-02-23</a:t>
             </a:fld>
             <a:endParaRPr lang="ko-KR" altLang="en-US"/>
           </a:p>
@@ -3334,7 +3334,7 @@
           <a:p>
             <a:fld id="{FD51FDC7-0CF3-4127-99F5-543E4DDB1909}" type="datetimeFigureOut">
               <a:rPr lang="ko-KR" altLang="en-US" smtClean="0"/>
-              <a:t>2025-02-22</a:t>
+              <a:t>2025-02-23</a:t>
             </a:fld>
             <a:endParaRPr lang="ko-KR" altLang="en-US"/>
           </a:p>
@@ -3575,7 +3575,7 @@
           <a:p>
             <a:fld id="{FD51FDC7-0CF3-4127-99F5-543E4DDB1909}" type="datetimeFigureOut">
               <a:rPr lang="ko-KR" altLang="en-US" smtClean="0"/>
-              <a:t>2025-02-22</a:t>
+              <a:t>2025-02-23</a:t>
             </a:fld>
             <a:endParaRPr lang="ko-KR" altLang="en-US"/>
           </a:p>
@@ -45915,10 +45915,10 @@
       </p:grpSpPr>
       <p:pic>
         <p:nvPicPr>
-          <p:cNvPr id="5" name="그림 4" descr="텍스트, 스크린샷, 만화 영화이(가) 표시된 사진&#10;&#10;AI가 생성한 콘텐츠는 부정확할 수 있습니다.">
+          <p:cNvPr id="3" name="그림 2" descr="텍스트, 스크린샷, 만화 영화, 그래픽 디자인이(가) 표시된 사진&#10;&#10;AI가 생성한 콘텐츠는 부정확할 수 있습니다.">
             <a:extLst>
               <a:ext uri="{FF2B5EF4-FFF2-40B4-BE49-F238E27FC236}">
-                <a16:creationId xmlns:a16="http://schemas.microsoft.com/office/drawing/2014/main" id="{5CFA4244-064E-70AD-D9D4-DA316AC641A2}"/>
+                <a16:creationId xmlns:a16="http://schemas.microsoft.com/office/drawing/2014/main" id="{DE62BBA7-E416-A50C-AA95-533EF03927ED}"/>
               </a:ext>
             </a:extLst>
           </p:cNvPr>
@@ -45941,8 +45941,8 @@
         </p:blipFill>
         <p:spPr>
           <a:xfrm>
-            <a:off x="1187925" y="668208"/>
-            <a:ext cx="9816150" cy="5521584"/>
+            <a:off x="488748" y="237199"/>
+            <a:ext cx="11181329" cy="6289497"/>
           </a:xfrm>
           <a:prstGeom prst="rect">
             <a:avLst/>
@@ -45963,8 +45963,8 @@
         </p:nvGrpSpPr>
         <p:grpSpPr>
           <a:xfrm rot="5400000">
-            <a:off x="5804049" y="2996033"/>
-            <a:ext cx="2996647" cy="248054"/>
+            <a:off x="2387377" y="3462741"/>
+            <a:ext cx="3560730" cy="248054"/>
             <a:chOff x="1541725" y="1547461"/>
             <a:chExt cx="1635420" cy="248054"/>
           </a:xfrm>
@@ -46113,7 +46113,7 @@
         </p:nvSpPr>
         <p:spPr>
           <a:xfrm>
-            <a:off x="6675781" y="2935394"/>
+            <a:off x="4291769" y="3402102"/>
             <a:ext cx="564578" cy="369332"/>
           </a:xfrm>
           <a:prstGeom prst="rect">
@@ -46129,7 +46129,7 @@
           <a:p>
             <a:r>
               <a:rPr lang="en-US" altLang="ko-KR" dirty="0"/>
-              <a:t>300</a:t>
+              <a:t>450</a:t>
             </a:r>
             <a:endParaRPr lang="ko-KR" altLang="en-US" dirty="0"/>
           </a:p>
@@ -46149,8 +46149,8 @@
         </p:nvGrpSpPr>
         <p:grpSpPr>
           <a:xfrm rot="10800000">
-            <a:off x="7446276" y="4618373"/>
-            <a:ext cx="3360863" cy="248054"/>
+            <a:off x="868893" y="5358616"/>
+            <a:ext cx="3174818" cy="248054"/>
             <a:chOff x="1541725" y="1547461"/>
             <a:chExt cx="1635420" cy="248054"/>
           </a:xfrm>
@@ -46299,7 +46299,7 @@
         </p:nvSpPr>
         <p:spPr>
           <a:xfrm>
-            <a:off x="8844425" y="4742400"/>
+            <a:off x="2174019" y="5598166"/>
             <a:ext cx="564578" cy="369332"/>
           </a:xfrm>
           <a:prstGeom prst="rect">

--- a/document/UI.pptx
+++ b/document/UI.pptx
@@ -5,7 +5,7 @@
     <p:sldMasterId id="2147483648" r:id="rId1"/>
   </p:sldMasterIdLst>
   <p:notesMasterIdLst>
-    <p:notesMasterId r:id="rId41"/>
+    <p:notesMasterId r:id="rId42"/>
   </p:notesMasterIdLst>
   <p:sldIdLst>
     <p:sldId id="257" r:id="rId2"/>
@@ -25,28 +25,29 @@
     <p:sldId id="259" r:id="rId16"/>
     <p:sldId id="279" r:id="rId17"/>
     <p:sldId id="291" r:id="rId18"/>
-    <p:sldId id="280" r:id="rId19"/>
-    <p:sldId id="281" r:id="rId20"/>
-    <p:sldId id="260" r:id="rId21"/>
-    <p:sldId id="272" r:id="rId22"/>
-    <p:sldId id="261" r:id="rId23"/>
-    <p:sldId id="266" r:id="rId24"/>
-    <p:sldId id="267" r:id="rId25"/>
-    <p:sldId id="263" r:id="rId26"/>
-    <p:sldId id="282" r:id="rId27"/>
-    <p:sldId id="278" r:id="rId28"/>
-    <p:sldId id="264" r:id="rId29"/>
-    <p:sldId id="265" r:id="rId30"/>
-    <p:sldId id="262" r:id="rId31"/>
-    <p:sldId id="283" r:id="rId32"/>
-    <p:sldId id="284" r:id="rId33"/>
-    <p:sldId id="256" r:id="rId34"/>
-    <p:sldId id="286" r:id="rId35"/>
-    <p:sldId id="287" r:id="rId36"/>
-    <p:sldId id="288" r:id="rId37"/>
-    <p:sldId id="271" r:id="rId38"/>
-    <p:sldId id="293" r:id="rId39"/>
-    <p:sldId id="294" r:id="rId40"/>
+    <p:sldId id="295" r:id="rId19"/>
+    <p:sldId id="280" r:id="rId20"/>
+    <p:sldId id="281" r:id="rId21"/>
+    <p:sldId id="260" r:id="rId22"/>
+    <p:sldId id="272" r:id="rId23"/>
+    <p:sldId id="261" r:id="rId24"/>
+    <p:sldId id="266" r:id="rId25"/>
+    <p:sldId id="267" r:id="rId26"/>
+    <p:sldId id="263" r:id="rId27"/>
+    <p:sldId id="282" r:id="rId28"/>
+    <p:sldId id="278" r:id="rId29"/>
+    <p:sldId id="264" r:id="rId30"/>
+    <p:sldId id="265" r:id="rId31"/>
+    <p:sldId id="262" r:id="rId32"/>
+    <p:sldId id="283" r:id="rId33"/>
+    <p:sldId id="284" r:id="rId34"/>
+    <p:sldId id="256" r:id="rId35"/>
+    <p:sldId id="286" r:id="rId36"/>
+    <p:sldId id="287" r:id="rId37"/>
+    <p:sldId id="288" r:id="rId38"/>
+    <p:sldId id="271" r:id="rId39"/>
+    <p:sldId id="293" r:id="rId40"/>
+    <p:sldId id="294" r:id="rId41"/>
   </p:sldIdLst>
   <p:sldSz cx="12192000" cy="6858000"/>
   <p:notesSz cx="6858000" cy="9144000"/>
@@ -567,7 +568,7 @@
           <a:p>
             <a:fld id="{E684C9C0-E21F-439C-A28A-7CDE9E85435A}" type="slidenum">
               <a:rPr lang="ko-KR" altLang="en-US" smtClean="0"/>
-              <a:t>23</a:t>
+              <a:t>24</a:t>
             </a:fld>
             <a:endParaRPr lang="ko-KR" altLang="en-US"/>
           </a:p>
@@ -675,7 +676,7 @@
           <a:p>
             <a:fld id="{E684C9C0-E21F-439C-A28A-7CDE9E85435A}" type="slidenum">
               <a:rPr lang="ko-KR" altLang="en-US" smtClean="0"/>
-              <a:t>24</a:t>
+              <a:t>25</a:t>
             </a:fld>
             <a:endParaRPr lang="ko-KR" altLang="en-US"/>
           </a:p>
@@ -759,7 +760,7 @@
           <a:p>
             <a:fld id="{E684C9C0-E21F-439C-A28A-7CDE9E85435A}" type="slidenum">
               <a:rPr lang="ko-KR" altLang="en-US" smtClean="0"/>
-              <a:t>34</a:t>
+              <a:t>35</a:t>
             </a:fld>
             <a:endParaRPr lang="ko-KR" altLang="en-US"/>
           </a:p>
@@ -18540,6 +18541,218 @@
           </a:p>
         </p:txBody>
       </p:sp>
+      <p:sp>
+        <p:nvSpPr>
+          <p:cNvPr id="2" name="말풍선: 사각형 1">
+            <a:extLst>
+              <a:ext uri="{FF2B5EF4-FFF2-40B4-BE49-F238E27FC236}">
+                <a16:creationId xmlns:a16="http://schemas.microsoft.com/office/drawing/2014/main" id="{61D47D9D-7F95-7EED-1D87-2F843746E5CD}"/>
+              </a:ext>
+            </a:extLst>
+          </p:cNvPr>
+          <p:cNvSpPr/>
+          <p:nvPr/>
+        </p:nvSpPr>
+        <p:spPr>
+          <a:xfrm>
+            <a:off x="1305339" y="2888974"/>
+            <a:ext cx="1828800" cy="669235"/>
+          </a:xfrm>
+          <a:prstGeom prst="wedgeRectCallout">
+            <a:avLst>
+              <a:gd name="adj1" fmla="val 66448"/>
+              <a:gd name="adj2" fmla="val -22648"/>
+            </a:avLst>
+          </a:prstGeom>
+          <a:solidFill>
+            <a:schemeClr val="bg1"/>
+          </a:solidFill>
+          <a:ln>
+            <a:solidFill>
+              <a:srgbClr val="0070C0"/>
+            </a:solidFill>
+          </a:ln>
+        </p:spPr>
+        <p:style>
+          <a:lnRef idx="2">
+            <a:schemeClr val="accent1">
+              <a:shade val="15000"/>
+            </a:schemeClr>
+          </a:lnRef>
+          <a:fillRef idx="1">
+            <a:schemeClr val="accent1"/>
+          </a:fillRef>
+          <a:effectRef idx="0">
+            <a:schemeClr val="accent1"/>
+          </a:effectRef>
+          <a:fontRef idx="minor">
+            <a:schemeClr val="lt1"/>
+          </a:fontRef>
+        </p:style>
+        <p:txBody>
+          <a:bodyPr rtlCol="0" anchor="ctr"/>
+          <a:lstStyle/>
+          <a:p>
+            <a:r>
+              <a:rPr lang="ko-KR" altLang="en-US" sz="1200" dirty="0">
+                <a:solidFill>
+                  <a:schemeClr val="tx1"/>
+                </a:solidFill>
+              </a:rPr>
+              <a:t>해당 이미지</a:t>
+            </a:r>
+            <a:endParaRPr lang="en-US" altLang="ko-KR" sz="1200" dirty="0">
+              <a:solidFill>
+                <a:schemeClr val="tx1"/>
+              </a:solidFill>
+            </a:endParaRPr>
+          </a:p>
+          <a:p>
+            <a:r>
+              <a:rPr lang="en-US" altLang="ko-KR" sz="1200" dirty="0">
+                <a:solidFill>
+                  <a:schemeClr val="tx1"/>
+                </a:solidFill>
+              </a:rPr>
+              <a:t>x</a:t>
+            </a:r>
+            <a:r>
+              <a:rPr lang="ko-KR" altLang="en-US" sz="1200" dirty="0">
+                <a:solidFill>
+                  <a:schemeClr val="tx1"/>
+                </a:solidFill>
+              </a:rPr>
+              <a:t>축 스케일 </a:t>
+            </a:r>
+            <a:r>
+              <a:rPr lang="en-US" altLang="ko-KR" sz="1200" dirty="0">
+                <a:solidFill>
+                  <a:schemeClr val="tx1"/>
+                </a:solidFill>
+              </a:rPr>
+              <a:t>0.75</a:t>
+            </a:r>
+            <a:r>
+              <a:rPr lang="ko-KR" altLang="en-US" sz="1200" dirty="0">
+                <a:solidFill>
+                  <a:schemeClr val="tx1"/>
+                </a:solidFill>
+              </a:rPr>
+              <a:t>로</a:t>
+            </a:r>
+            <a:r>
+              <a:rPr lang="en-US" altLang="ko-KR" sz="1200" dirty="0">
+                <a:solidFill>
+                  <a:schemeClr val="tx1"/>
+                </a:solidFill>
+              </a:rPr>
+              <a:t> </a:t>
+            </a:r>
+            <a:r>
+              <a:rPr lang="ko-KR" altLang="en-US" sz="1200" dirty="0">
+                <a:solidFill>
+                  <a:schemeClr val="tx1"/>
+                </a:solidFill>
+              </a:rPr>
+              <a:t>조정</a:t>
+            </a:r>
+          </a:p>
+        </p:txBody>
+      </p:sp>
+      <p:sp>
+        <p:nvSpPr>
+          <p:cNvPr id="3" name="말풍선: 사각형 2">
+            <a:extLst>
+              <a:ext uri="{FF2B5EF4-FFF2-40B4-BE49-F238E27FC236}">
+                <a16:creationId xmlns:a16="http://schemas.microsoft.com/office/drawing/2014/main" id="{7AE5BA53-7421-C94C-E847-10CF70157E2E}"/>
+              </a:ext>
+            </a:extLst>
+          </p:cNvPr>
+          <p:cNvSpPr/>
+          <p:nvPr/>
+        </p:nvSpPr>
+        <p:spPr>
+          <a:xfrm>
+            <a:off x="3353098" y="5115411"/>
+            <a:ext cx="1477320" cy="547378"/>
+          </a:xfrm>
+          <a:prstGeom prst="wedgeRectCallout">
+            <a:avLst>
+              <a:gd name="adj1" fmla="val 66448"/>
+              <a:gd name="adj2" fmla="val -22648"/>
+            </a:avLst>
+          </a:prstGeom>
+          <a:solidFill>
+            <a:schemeClr val="bg1"/>
+          </a:solidFill>
+          <a:ln>
+            <a:solidFill>
+              <a:srgbClr val="0070C0"/>
+            </a:solidFill>
+          </a:ln>
+        </p:spPr>
+        <p:style>
+          <a:lnRef idx="2">
+            <a:schemeClr val="accent1">
+              <a:shade val="15000"/>
+            </a:schemeClr>
+          </a:lnRef>
+          <a:fillRef idx="1">
+            <a:schemeClr val="accent1"/>
+          </a:fillRef>
+          <a:effectRef idx="0">
+            <a:schemeClr val="accent1"/>
+          </a:effectRef>
+          <a:fontRef idx="minor">
+            <a:schemeClr val="lt1"/>
+          </a:fontRef>
+        </p:style>
+        <p:txBody>
+          <a:bodyPr rtlCol="0" anchor="ctr"/>
+          <a:lstStyle/>
+          <a:p>
+            <a:r>
+              <a:rPr lang="ko-KR" altLang="en-US" sz="1200" dirty="0">
+                <a:solidFill>
+                  <a:schemeClr val="tx1"/>
+                </a:solidFill>
+              </a:rPr>
+              <a:t>확인 버튼 </a:t>
+            </a:r>
+            <a:r>
+              <a:rPr lang="ko-KR" altLang="en-US" sz="1200" dirty="0" err="1">
+                <a:solidFill>
+                  <a:schemeClr val="tx1"/>
+                </a:solidFill>
+              </a:rPr>
+              <a:t>뒷</a:t>
+            </a:r>
+            <a:r>
+              <a:rPr lang="ko-KR" altLang="en-US" sz="1200" dirty="0">
+                <a:solidFill>
+                  <a:schemeClr val="tx1"/>
+                </a:solidFill>
+              </a:rPr>
+              <a:t> 배경</a:t>
+            </a:r>
+            <a:endParaRPr lang="en-US" altLang="ko-KR" sz="1200" dirty="0">
+              <a:solidFill>
+                <a:schemeClr val="tx1"/>
+              </a:solidFill>
+            </a:endParaRPr>
+          </a:p>
+          <a:p>
+            <a:r>
+              <a:rPr lang="ko-KR" altLang="en-US" sz="1200" dirty="0">
+                <a:solidFill>
+                  <a:schemeClr val="tx1"/>
+                </a:solidFill>
+              </a:rPr>
+              <a:t>이미지 추가</a:t>
+            </a:r>
+          </a:p>
+        </p:txBody>
+      </p:sp>
     </p:spTree>
     <p:extLst>
       <p:ext uri="{BB962C8B-B14F-4D97-AF65-F5344CB8AC3E}">
@@ -18554,6 +18767,176 @@
 </file>
 
 <file path=ppt/slides/slide18.xml><?xml version="1.0" encoding="utf-8"?>
+<p:sld xmlns:a="http://schemas.openxmlformats.org/drawingml/2006/main" xmlns:r="http://schemas.openxmlformats.org/officeDocument/2006/relationships" xmlns:p="http://schemas.openxmlformats.org/presentationml/2006/main">
+  <p:cSld>
+    <p:spTree>
+      <p:nvGrpSpPr>
+        <p:cNvPr id="1" name=""/>
+        <p:cNvGrpSpPr/>
+        <p:nvPr/>
+      </p:nvGrpSpPr>
+      <p:grpSpPr>
+        <a:xfrm>
+          <a:off x="0" y="0"/>
+          <a:ext cx="0" cy="0"/>
+          <a:chOff x="0" y="0"/>
+          <a:chExt cx="0" cy="0"/>
+        </a:xfrm>
+      </p:grpSpPr>
+      <p:pic>
+        <p:nvPicPr>
+          <p:cNvPr id="3" name="그림 2">
+            <a:extLst>
+              <a:ext uri="{FF2B5EF4-FFF2-40B4-BE49-F238E27FC236}">
+                <a16:creationId xmlns:a16="http://schemas.microsoft.com/office/drawing/2014/main" id="{87CFDDD9-C254-1643-8577-D31EAF0AFB1C}"/>
+              </a:ext>
+            </a:extLst>
+          </p:cNvPr>
+          <p:cNvPicPr>
+            <a:picLocks noChangeAspect="1"/>
+          </p:cNvPicPr>
+          <p:nvPr/>
+        </p:nvPicPr>
+        <p:blipFill>
+          <a:blip r:embed="rId2"/>
+          <a:stretch>
+            <a:fillRect/>
+          </a:stretch>
+        </p:blipFill>
+        <p:spPr>
+          <a:xfrm>
+            <a:off x="4445274" y="483389"/>
+            <a:ext cx="3524073" cy="5706596"/>
+          </a:xfrm>
+          <a:prstGeom prst="rect">
+            <a:avLst/>
+          </a:prstGeom>
+        </p:spPr>
+      </p:pic>
+      <p:sp>
+        <p:nvSpPr>
+          <p:cNvPr id="5" name="말풍선: 사각형 4">
+            <a:extLst>
+              <a:ext uri="{FF2B5EF4-FFF2-40B4-BE49-F238E27FC236}">
+                <a16:creationId xmlns:a16="http://schemas.microsoft.com/office/drawing/2014/main" id="{A73A1E9D-C093-C286-9C71-9D379D031619}"/>
+              </a:ext>
+            </a:extLst>
+          </p:cNvPr>
+          <p:cNvSpPr/>
+          <p:nvPr/>
+        </p:nvSpPr>
+        <p:spPr>
+          <a:xfrm>
+            <a:off x="2723321" y="2246244"/>
+            <a:ext cx="2047461" cy="669235"/>
+          </a:xfrm>
+          <a:prstGeom prst="wedgeRectCallout">
+            <a:avLst>
+              <a:gd name="adj1" fmla="val 57063"/>
+              <a:gd name="adj2" fmla="val -22648"/>
+            </a:avLst>
+          </a:prstGeom>
+          <a:solidFill>
+            <a:schemeClr val="bg1"/>
+          </a:solidFill>
+          <a:ln>
+            <a:solidFill>
+              <a:srgbClr val="0070C0"/>
+            </a:solidFill>
+          </a:ln>
+        </p:spPr>
+        <p:style>
+          <a:lnRef idx="2">
+            <a:schemeClr val="accent1">
+              <a:shade val="15000"/>
+            </a:schemeClr>
+          </a:lnRef>
+          <a:fillRef idx="1">
+            <a:schemeClr val="accent1"/>
+          </a:fillRef>
+          <a:effectRef idx="0">
+            <a:schemeClr val="accent1"/>
+          </a:effectRef>
+          <a:fontRef idx="minor">
+            <a:schemeClr val="lt1"/>
+          </a:fontRef>
+        </p:style>
+        <p:txBody>
+          <a:bodyPr rtlCol="0" anchor="ctr"/>
+          <a:lstStyle/>
+          <a:p>
+            <a:r>
+              <a:rPr lang="ko-KR" altLang="en-US" sz="1200" dirty="0">
+                <a:solidFill>
+                  <a:schemeClr val="tx1"/>
+                </a:solidFill>
+              </a:rPr>
+              <a:t>폰트 사이즈 </a:t>
+            </a:r>
+            <a:r>
+              <a:rPr lang="en-US" altLang="ko-KR" sz="1200" dirty="0">
+                <a:solidFill>
+                  <a:schemeClr val="tx1"/>
+                </a:solidFill>
+              </a:rPr>
+              <a:t>25</a:t>
+            </a:r>
+            <a:r>
+              <a:rPr lang="ko-KR" altLang="en-US" sz="1200" dirty="0">
+                <a:solidFill>
+                  <a:schemeClr val="tx1"/>
+                </a:solidFill>
+              </a:rPr>
+              <a:t>로 수정</a:t>
+            </a:r>
+            <a:endParaRPr lang="en-US" altLang="ko-KR" sz="1200" dirty="0">
+              <a:solidFill>
+                <a:schemeClr val="tx1"/>
+              </a:solidFill>
+            </a:endParaRPr>
+          </a:p>
+          <a:p>
+            <a:r>
+              <a:rPr lang="ko-KR" altLang="en-US" sz="1200" dirty="0">
+                <a:solidFill>
+                  <a:schemeClr val="tx1"/>
+                </a:solidFill>
+              </a:rPr>
+              <a:t>한 줄에 최대 </a:t>
+            </a:r>
+            <a:r>
+              <a:rPr lang="en-US" altLang="ko-KR" sz="1200" dirty="0">
+                <a:solidFill>
+                  <a:schemeClr val="tx1"/>
+                </a:solidFill>
+              </a:rPr>
+              <a:t>20</a:t>
+            </a:r>
+            <a:r>
+              <a:rPr lang="ko-KR" altLang="en-US" sz="1200" dirty="0">
+                <a:solidFill>
+                  <a:schemeClr val="tx1"/>
+                </a:solidFill>
+              </a:rPr>
+              <a:t>자로 수정</a:t>
+            </a:r>
+          </a:p>
+        </p:txBody>
+      </p:sp>
+    </p:spTree>
+    <p:extLst>
+      <p:ext uri="{BB962C8B-B14F-4D97-AF65-F5344CB8AC3E}">
+        <p14:creationId xmlns:p14="http://schemas.microsoft.com/office/powerpoint/2010/main" val="3192328936"/>
+      </p:ext>
+    </p:extLst>
+  </p:cSld>
+  <p:clrMapOvr>
+    <a:masterClrMapping/>
+  </p:clrMapOvr>
+</p:sld>
+</file>
+
+<file path=ppt/slides/slide19.xml><?xml version="1.0" encoding="utf-8"?>
 <p:sld xmlns:a="http://schemas.openxmlformats.org/drawingml/2006/main" xmlns:r="http://schemas.openxmlformats.org/officeDocument/2006/relationships" xmlns:p="http://schemas.openxmlformats.org/presentationml/2006/main">
   <p:cSld>
     <p:spTree>
@@ -19081,165 +19464,6 @@
     <p:extLst>
       <p:ext uri="{BB962C8B-B14F-4D97-AF65-F5344CB8AC3E}">
         <p14:creationId xmlns:p14="http://schemas.microsoft.com/office/powerpoint/2010/main" val="884957965"/>
-      </p:ext>
-    </p:extLst>
-  </p:cSld>
-  <p:clrMapOvr>
-    <a:masterClrMapping/>
-  </p:clrMapOvr>
-</p:sld>
-</file>
-
-<file path=ppt/slides/slide19.xml><?xml version="1.0" encoding="utf-8"?>
-<p:sld xmlns:a="http://schemas.openxmlformats.org/drawingml/2006/main" xmlns:r="http://schemas.openxmlformats.org/officeDocument/2006/relationships" xmlns:p="http://schemas.openxmlformats.org/presentationml/2006/main">
-  <p:cSld>
-    <p:spTree>
-      <p:nvGrpSpPr>
-        <p:cNvPr id="1" name=""/>
-        <p:cNvGrpSpPr/>
-        <p:nvPr/>
-      </p:nvGrpSpPr>
-      <p:grpSpPr>
-        <a:xfrm>
-          <a:off x="0" y="0"/>
-          <a:ext cx="0" cy="0"/>
-          <a:chOff x="0" y="0"/>
-          <a:chExt cx="0" cy="0"/>
-        </a:xfrm>
-      </p:grpSpPr>
-      <p:grpSp>
-        <p:nvGrpSpPr>
-          <p:cNvPr id="2" name="그룹 1">
-            <a:extLst>
-              <a:ext uri="{FF2B5EF4-FFF2-40B4-BE49-F238E27FC236}">
-                <a16:creationId xmlns:a16="http://schemas.microsoft.com/office/drawing/2014/main" id="{26E613F2-5537-3314-571F-C5CA06B20F03}"/>
-              </a:ext>
-            </a:extLst>
-          </p:cNvPr>
-          <p:cNvGrpSpPr/>
-          <p:nvPr/>
-        </p:nvGrpSpPr>
-        <p:grpSpPr>
-          <a:xfrm>
-            <a:off x="2522384" y="2182116"/>
-            <a:ext cx="6603892" cy="3661612"/>
-            <a:chOff x="2522384" y="2182116"/>
-            <a:chExt cx="6603892" cy="3661612"/>
-          </a:xfrm>
-        </p:grpSpPr>
-        <p:pic>
-          <p:nvPicPr>
-            <p:cNvPr id="16" name="그림 15" descr="스크린샷, 멀티미디어이(가) 표시된 사진&#10;&#10;AI가 생성한 콘텐츠는 부정확할 수 있습니다.">
-              <a:extLst>
-                <a:ext uri="{FF2B5EF4-FFF2-40B4-BE49-F238E27FC236}">
-                  <a16:creationId xmlns:a16="http://schemas.microsoft.com/office/drawing/2014/main" id="{4BC7AED7-568C-0E4E-57C5-0CA0225E6FE9}"/>
-                </a:ext>
-              </a:extLst>
-            </p:cNvPr>
-            <p:cNvPicPr>
-              <a:picLocks noChangeAspect="1"/>
-            </p:cNvPicPr>
-            <p:nvPr/>
-          </p:nvPicPr>
-          <p:blipFill>
-            <a:blip r:embed="rId2">
-              <a:extLst>
-                <a:ext uri="{28A0092B-C50C-407E-A947-70E740481C1C}">
-                  <a14:useLocalDpi xmlns:a14="http://schemas.microsoft.com/office/drawing/2010/main" val="0"/>
-                </a:ext>
-              </a:extLst>
-            </a:blip>
-            <a:srcRect l="3376" t="7337"/>
-            <a:stretch/>
-          </p:blipFill>
-          <p:spPr>
-            <a:xfrm>
-              <a:off x="2522384" y="2187823"/>
-              <a:ext cx="6603892" cy="3650199"/>
-            </a:xfrm>
-            <a:prstGeom prst="rect">
-              <a:avLst/>
-            </a:prstGeom>
-          </p:spPr>
-        </p:pic>
-        <p:sp>
-          <p:nvSpPr>
-            <p:cNvPr id="21" name="사각형: 둥근 모서리 20">
-              <a:extLst>
-                <a:ext uri="{FF2B5EF4-FFF2-40B4-BE49-F238E27FC236}">
-                  <a16:creationId xmlns:a16="http://schemas.microsoft.com/office/drawing/2014/main" id="{ECC80A5E-D025-7123-888F-C5356027FB1E}"/>
-                </a:ext>
-              </a:extLst>
-            </p:cNvPr>
-            <p:cNvSpPr/>
-            <p:nvPr/>
-          </p:nvSpPr>
-          <p:spPr>
-            <a:xfrm>
-              <a:off x="2522384" y="2182116"/>
-              <a:ext cx="6603892" cy="3661612"/>
-            </a:xfrm>
-            <a:prstGeom prst="roundRect">
-              <a:avLst>
-                <a:gd name="adj" fmla="val 0"/>
-              </a:avLst>
-            </a:prstGeom>
-            <a:gradFill flip="none" rotWithShape="1">
-              <a:gsLst>
-                <a:gs pos="0">
-                  <a:schemeClr val="bg1">
-                    <a:lumMod val="85000"/>
-                    <a:alpha val="50000"/>
-                  </a:schemeClr>
-                </a:gs>
-                <a:gs pos="29000">
-                  <a:schemeClr val="bg2">
-                    <a:lumMod val="50000"/>
-                    <a:shade val="67500"/>
-                    <a:satMod val="115000"/>
-                    <a:alpha val="70000"/>
-                  </a:schemeClr>
-                </a:gs>
-                <a:gs pos="80000">
-                  <a:schemeClr val="tx1"/>
-                </a:gs>
-              </a:gsLst>
-              <a:path path="circle">
-                <a:fillToRect l="50000" t="50000" r="50000" b="50000"/>
-              </a:path>
-              <a:tileRect/>
-            </a:gradFill>
-          </p:spPr>
-          <p:style>
-            <a:lnRef idx="2">
-              <a:schemeClr val="accent1">
-                <a:shade val="15000"/>
-              </a:schemeClr>
-            </a:lnRef>
-            <a:fillRef idx="1">
-              <a:schemeClr val="accent1"/>
-            </a:fillRef>
-            <a:effectRef idx="0">
-              <a:schemeClr val="accent1"/>
-            </a:effectRef>
-            <a:fontRef idx="minor">
-              <a:schemeClr val="lt1"/>
-            </a:fontRef>
-          </p:style>
-          <p:txBody>
-            <a:bodyPr rtlCol="0" anchor="ctr"/>
-            <a:lstStyle/>
-            <a:p>
-              <a:pPr algn="ctr"/>
-              <a:endParaRPr lang="ko-KR" altLang="en-US"/>
-            </a:p>
-          </p:txBody>
-        </p:sp>
-      </p:grpSp>
-    </p:spTree>
-    <p:extLst>
-      <p:ext uri="{BB962C8B-B14F-4D97-AF65-F5344CB8AC3E}">
-        <p14:creationId xmlns:p14="http://schemas.microsoft.com/office/powerpoint/2010/main" val="3783243286"/>
       </p:ext>
     </p:extLst>
   </p:cSld>
@@ -19788,6 +20012,165 @@
 </file>
 
 <file path=ppt/slides/slide20.xml><?xml version="1.0" encoding="utf-8"?>
+<p:sld xmlns:a="http://schemas.openxmlformats.org/drawingml/2006/main" xmlns:r="http://schemas.openxmlformats.org/officeDocument/2006/relationships" xmlns:p="http://schemas.openxmlformats.org/presentationml/2006/main">
+  <p:cSld>
+    <p:spTree>
+      <p:nvGrpSpPr>
+        <p:cNvPr id="1" name=""/>
+        <p:cNvGrpSpPr/>
+        <p:nvPr/>
+      </p:nvGrpSpPr>
+      <p:grpSpPr>
+        <a:xfrm>
+          <a:off x="0" y="0"/>
+          <a:ext cx="0" cy="0"/>
+          <a:chOff x="0" y="0"/>
+          <a:chExt cx="0" cy="0"/>
+        </a:xfrm>
+      </p:grpSpPr>
+      <p:grpSp>
+        <p:nvGrpSpPr>
+          <p:cNvPr id="2" name="그룹 1">
+            <a:extLst>
+              <a:ext uri="{FF2B5EF4-FFF2-40B4-BE49-F238E27FC236}">
+                <a16:creationId xmlns:a16="http://schemas.microsoft.com/office/drawing/2014/main" id="{26E613F2-5537-3314-571F-C5CA06B20F03}"/>
+              </a:ext>
+            </a:extLst>
+          </p:cNvPr>
+          <p:cNvGrpSpPr/>
+          <p:nvPr/>
+        </p:nvGrpSpPr>
+        <p:grpSpPr>
+          <a:xfrm>
+            <a:off x="2522384" y="2182116"/>
+            <a:ext cx="6603892" cy="3661612"/>
+            <a:chOff x="2522384" y="2182116"/>
+            <a:chExt cx="6603892" cy="3661612"/>
+          </a:xfrm>
+        </p:grpSpPr>
+        <p:pic>
+          <p:nvPicPr>
+            <p:cNvPr id="16" name="그림 15" descr="스크린샷, 멀티미디어이(가) 표시된 사진&#10;&#10;AI가 생성한 콘텐츠는 부정확할 수 있습니다.">
+              <a:extLst>
+                <a:ext uri="{FF2B5EF4-FFF2-40B4-BE49-F238E27FC236}">
+                  <a16:creationId xmlns:a16="http://schemas.microsoft.com/office/drawing/2014/main" id="{4BC7AED7-568C-0E4E-57C5-0CA0225E6FE9}"/>
+                </a:ext>
+              </a:extLst>
+            </p:cNvPr>
+            <p:cNvPicPr>
+              <a:picLocks noChangeAspect="1"/>
+            </p:cNvPicPr>
+            <p:nvPr/>
+          </p:nvPicPr>
+          <p:blipFill>
+            <a:blip r:embed="rId2">
+              <a:extLst>
+                <a:ext uri="{28A0092B-C50C-407E-A947-70E740481C1C}">
+                  <a14:useLocalDpi xmlns:a14="http://schemas.microsoft.com/office/drawing/2010/main" val="0"/>
+                </a:ext>
+              </a:extLst>
+            </a:blip>
+            <a:srcRect l="3376" t="7337"/>
+            <a:stretch/>
+          </p:blipFill>
+          <p:spPr>
+            <a:xfrm>
+              <a:off x="2522384" y="2187823"/>
+              <a:ext cx="6603892" cy="3650199"/>
+            </a:xfrm>
+            <a:prstGeom prst="rect">
+              <a:avLst/>
+            </a:prstGeom>
+          </p:spPr>
+        </p:pic>
+        <p:sp>
+          <p:nvSpPr>
+            <p:cNvPr id="21" name="사각형: 둥근 모서리 20">
+              <a:extLst>
+                <a:ext uri="{FF2B5EF4-FFF2-40B4-BE49-F238E27FC236}">
+                  <a16:creationId xmlns:a16="http://schemas.microsoft.com/office/drawing/2014/main" id="{ECC80A5E-D025-7123-888F-C5356027FB1E}"/>
+                </a:ext>
+              </a:extLst>
+            </p:cNvPr>
+            <p:cNvSpPr/>
+            <p:nvPr/>
+          </p:nvSpPr>
+          <p:spPr>
+            <a:xfrm>
+              <a:off x="2522384" y="2182116"/>
+              <a:ext cx="6603892" cy="3661612"/>
+            </a:xfrm>
+            <a:prstGeom prst="roundRect">
+              <a:avLst>
+                <a:gd name="adj" fmla="val 0"/>
+              </a:avLst>
+            </a:prstGeom>
+            <a:gradFill flip="none" rotWithShape="1">
+              <a:gsLst>
+                <a:gs pos="0">
+                  <a:schemeClr val="bg1">
+                    <a:lumMod val="85000"/>
+                    <a:alpha val="50000"/>
+                  </a:schemeClr>
+                </a:gs>
+                <a:gs pos="29000">
+                  <a:schemeClr val="bg2">
+                    <a:lumMod val="50000"/>
+                    <a:shade val="67500"/>
+                    <a:satMod val="115000"/>
+                    <a:alpha val="70000"/>
+                  </a:schemeClr>
+                </a:gs>
+                <a:gs pos="80000">
+                  <a:schemeClr val="tx1"/>
+                </a:gs>
+              </a:gsLst>
+              <a:path path="circle">
+                <a:fillToRect l="50000" t="50000" r="50000" b="50000"/>
+              </a:path>
+              <a:tileRect/>
+            </a:gradFill>
+          </p:spPr>
+          <p:style>
+            <a:lnRef idx="2">
+              <a:schemeClr val="accent1">
+                <a:shade val="15000"/>
+              </a:schemeClr>
+            </a:lnRef>
+            <a:fillRef idx="1">
+              <a:schemeClr val="accent1"/>
+            </a:fillRef>
+            <a:effectRef idx="0">
+              <a:schemeClr val="accent1"/>
+            </a:effectRef>
+            <a:fontRef idx="minor">
+              <a:schemeClr val="lt1"/>
+            </a:fontRef>
+          </p:style>
+          <p:txBody>
+            <a:bodyPr rtlCol="0" anchor="ctr"/>
+            <a:lstStyle/>
+            <a:p>
+              <a:pPr algn="ctr"/>
+              <a:endParaRPr lang="ko-KR" altLang="en-US"/>
+            </a:p>
+          </p:txBody>
+        </p:sp>
+      </p:grpSp>
+    </p:spTree>
+    <p:extLst>
+      <p:ext uri="{BB962C8B-B14F-4D97-AF65-F5344CB8AC3E}">
+        <p14:creationId xmlns:p14="http://schemas.microsoft.com/office/powerpoint/2010/main" val="3783243286"/>
+      </p:ext>
+    </p:extLst>
+  </p:cSld>
+  <p:clrMapOvr>
+    <a:masterClrMapping/>
+  </p:clrMapOvr>
+</p:sld>
+</file>
+
+<file path=ppt/slides/slide21.xml><?xml version="1.0" encoding="utf-8"?>
 <p:sld xmlns:a="http://schemas.openxmlformats.org/drawingml/2006/main" xmlns:r="http://schemas.openxmlformats.org/officeDocument/2006/relationships" xmlns:p="http://schemas.openxmlformats.org/presentationml/2006/main">
   <p:cSld>
     <p:spTree>
@@ -22517,7 +22900,7 @@
 </p:sld>
 </file>
 
-<file path=ppt/slides/slide21.xml><?xml version="1.0" encoding="utf-8"?>
+<file path=ppt/slides/slide22.xml><?xml version="1.0" encoding="utf-8"?>
 <p:sld xmlns:a="http://schemas.openxmlformats.org/drawingml/2006/main" xmlns:r="http://schemas.openxmlformats.org/officeDocument/2006/relationships" xmlns:p="http://schemas.openxmlformats.org/presentationml/2006/main">
   <p:cSld>
     <p:spTree>
@@ -25230,7 +25613,7 @@
 </p:sld>
 </file>
 
-<file path=ppt/slides/slide22.xml><?xml version="1.0" encoding="utf-8"?>
+<file path=ppt/slides/slide23.xml><?xml version="1.0" encoding="utf-8"?>
 <p:sld xmlns:a="http://schemas.openxmlformats.org/drawingml/2006/main" xmlns:r="http://schemas.openxmlformats.org/officeDocument/2006/relationships" xmlns:p="http://schemas.openxmlformats.org/presentationml/2006/main">
   <p:cSld>
     <p:spTree>
@@ -26006,7 +26389,7 @@
 </p:sld>
 </file>
 
-<file path=ppt/slides/slide23.xml><?xml version="1.0" encoding="utf-8"?>
+<file path=ppt/slides/slide24.xml><?xml version="1.0" encoding="utf-8"?>
 <p:sld xmlns:a="http://schemas.openxmlformats.org/drawingml/2006/main" xmlns:r="http://schemas.openxmlformats.org/officeDocument/2006/relationships" xmlns:p="http://schemas.openxmlformats.org/presentationml/2006/main">
   <p:cSld>
     <p:spTree>
@@ -26661,7 +27044,7 @@
 </p:sld>
 </file>
 
-<file path=ppt/slides/slide24.xml><?xml version="1.0" encoding="utf-8"?>
+<file path=ppt/slides/slide25.xml><?xml version="1.0" encoding="utf-8"?>
 <p:sld xmlns:a="http://schemas.openxmlformats.org/drawingml/2006/main" xmlns:r="http://schemas.openxmlformats.org/officeDocument/2006/relationships" xmlns:p="http://schemas.openxmlformats.org/presentationml/2006/main">
   <p:cSld>
     <p:spTree>
@@ -27021,7 +27404,7 @@
 </p:sld>
 </file>
 
-<file path=ppt/slides/slide25.xml><?xml version="1.0" encoding="utf-8"?>
+<file path=ppt/slides/slide26.xml><?xml version="1.0" encoding="utf-8"?>
 <p:sld xmlns:a="http://schemas.openxmlformats.org/drawingml/2006/main" xmlns:r="http://schemas.openxmlformats.org/officeDocument/2006/relationships" xmlns:p="http://schemas.openxmlformats.org/presentationml/2006/main">
   <p:cSld>
     <p:spTree>
@@ -29944,7 +30327,7 @@
 </p:sld>
 </file>
 
-<file path=ppt/slides/slide26.xml><?xml version="1.0" encoding="utf-8"?>
+<file path=ppt/slides/slide27.xml><?xml version="1.0" encoding="utf-8"?>
 <p:sld xmlns:a="http://schemas.openxmlformats.org/drawingml/2006/main" xmlns:r="http://schemas.openxmlformats.org/officeDocument/2006/relationships" xmlns:p="http://schemas.openxmlformats.org/presentationml/2006/main">
   <p:cSld>
     <p:spTree>
@@ -31042,7 +31425,7 @@
 </p:sld>
 </file>
 
-<file path=ppt/slides/slide27.xml><?xml version="1.0" encoding="utf-8"?>
+<file path=ppt/slides/slide28.xml><?xml version="1.0" encoding="utf-8"?>
 <p:sld xmlns:a="http://schemas.openxmlformats.org/drawingml/2006/main" xmlns:r="http://schemas.openxmlformats.org/officeDocument/2006/relationships" xmlns:p="http://schemas.openxmlformats.org/presentationml/2006/main">
   <p:cSld>
     <p:spTree>
@@ -32177,7 +32560,7 @@
 </p:sld>
 </file>
 
-<file path=ppt/slides/slide28.xml><?xml version="1.0" encoding="utf-8"?>
+<file path=ppt/slides/slide29.xml><?xml version="1.0" encoding="utf-8"?>
 <p:sld xmlns:a="http://schemas.openxmlformats.org/drawingml/2006/main" xmlns:r="http://schemas.openxmlformats.org/officeDocument/2006/relationships" xmlns:p="http://schemas.openxmlformats.org/presentationml/2006/main">
   <p:cSld>
     <p:spTree>
@@ -35520,7 +35903,526 @@
 </p:sld>
 </file>
 
-<file path=ppt/slides/slide29.xml><?xml version="1.0" encoding="utf-8"?>
+<file path=ppt/slides/slide3.xml><?xml version="1.0" encoding="utf-8"?>
+<p:sld xmlns:a="http://schemas.openxmlformats.org/drawingml/2006/main" xmlns:r="http://schemas.openxmlformats.org/officeDocument/2006/relationships" xmlns:p="http://schemas.openxmlformats.org/presentationml/2006/main">
+  <p:cSld>
+    <p:spTree>
+      <p:nvGrpSpPr>
+        <p:cNvPr id="1" name="">
+          <a:extLst>
+            <a:ext uri="{FF2B5EF4-FFF2-40B4-BE49-F238E27FC236}">
+              <a16:creationId xmlns:a16="http://schemas.microsoft.com/office/drawing/2014/main" id="{D4524151-8BCB-F93F-412F-5A1714D38AFB}"/>
+            </a:ext>
+          </a:extLst>
+        </p:cNvPr>
+        <p:cNvGrpSpPr/>
+        <p:nvPr/>
+      </p:nvGrpSpPr>
+      <p:grpSpPr>
+        <a:xfrm>
+          <a:off x="0" y="0"/>
+          <a:ext cx="0" cy="0"/>
+          <a:chOff x="0" y="0"/>
+          <a:chExt cx="0" cy="0"/>
+        </a:xfrm>
+      </p:grpSpPr>
+      <p:sp>
+        <p:nvSpPr>
+          <p:cNvPr id="14" name="직사각형 13">
+            <a:extLst>
+              <a:ext uri="{FF2B5EF4-FFF2-40B4-BE49-F238E27FC236}">
+                <a16:creationId xmlns:a16="http://schemas.microsoft.com/office/drawing/2014/main" id="{4A8BC9EA-F42F-16E7-2B16-568A8D6D974E}"/>
+              </a:ext>
+            </a:extLst>
+          </p:cNvPr>
+          <p:cNvSpPr/>
+          <p:nvPr/>
+        </p:nvSpPr>
+        <p:spPr>
+          <a:xfrm>
+            <a:off x="92765" y="79513"/>
+            <a:ext cx="11986592" cy="6712226"/>
+          </a:xfrm>
+          <a:prstGeom prst="rect">
+            <a:avLst/>
+          </a:prstGeom>
+          <a:solidFill>
+            <a:schemeClr val="accent2">
+              <a:lumMod val="40000"/>
+              <a:lumOff val="60000"/>
+            </a:schemeClr>
+          </a:solidFill>
+        </p:spPr>
+        <p:style>
+          <a:lnRef idx="2">
+            <a:schemeClr val="accent1">
+              <a:shade val="15000"/>
+            </a:schemeClr>
+          </a:lnRef>
+          <a:fillRef idx="1">
+            <a:schemeClr val="accent1"/>
+          </a:fillRef>
+          <a:effectRef idx="0">
+            <a:schemeClr val="accent1"/>
+          </a:effectRef>
+          <a:fontRef idx="minor">
+            <a:schemeClr val="lt1"/>
+          </a:fontRef>
+        </p:style>
+        <p:txBody>
+          <a:bodyPr rtlCol="0" anchor="ctr"/>
+          <a:lstStyle/>
+          <a:p>
+            <a:pPr algn="ctr"/>
+            <a:endParaRPr lang="ko-KR" altLang="en-US"/>
+          </a:p>
+        </p:txBody>
+      </p:sp>
+      <p:sp>
+        <p:nvSpPr>
+          <p:cNvPr id="11" name="직사각형 10">
+            <a:extLst>
+              <a:ext uri="{FF2B5EF4-FFF2-40B4-BE49-F238E27FC236}">
+                <a16:creationId xmlns:a16="http://schemas.microsoft.com/office/drawing/2014/main" id="{7DC051B1-9799-D411-0C16-85F93486C356}"/>
+              </a:ext>
+            </a:extLst>
+          </p:cNvPr>
+          <p:cNvSpPr/>
+          <p:nvPr/>
+        </p:nvSpPr>
+        <p:spPr>
+          <a:xfrm>
+            <a:off x="9515061" y="245165"/>
+            <a:ext cx="2458278" cy="1053548"/>
+          </a:xfrm>
+          <a:prstGeom prst="rect">
+            <a:avLst/>
+          </a:prstGeom>
+        </p:spPr>
+        <p:style>
+          <a:lnRef idx="2">
+            <a:schemeClr val="accent1">
+              <a:shade val="15000"/>
+            </a:schemeClr>
+          </a:lnRef>
+          <a:fillRef idx="1">
+            <a:schemeClr val="accent1"/>
+          </a:fillRef>
+          <a:effectRef idx="0">
+            <a:schemeClr val="accent1"/>
+          </a:effectRef>
+          <a:fontRef idx="minor">
+            <a:schemeClr val="lt1"/>
+          </a:fontRef>
+        </p:style>
+        <p:txBody>
+          <a:bodyPr rtlCol="0" anchor="ctr"/>
+          <a:lstStyle/>
+          <a:p>
+            <a:pPr algn="ctr"/>
+            <a:r>
+              <a:rPr lang="en-US" altLang="ko-KR" sz="5400" dirty="0"/>
+              <a:t>11:50</a:t>
+            </a:r>
+            <a:endParaRPr lang="ko-KR" altLang="en-US" sz="5400" dirty="0"/>
+          </a:p>
+        </p:txBody>
+      </p:sp>
+      <p:sp>
+        <p:nvSpPr>
+          <p:cNvPr id="3" name="사각형: 둥근 모서리 2">
+            <a:extLst>
+              <a:ext uri="{FF2B5EF4-FFF2-40B4-BE49-F238E27FC236}">
+                <a16:creationId xmlns:a16="http://schemas.microsoft.com/office/drawing/2014/main" id="{9766B08A-3584-3739-D36A-584E7C064B0D}"/>
+              </a:ext>
+            </a:extLst>
+          </p:cNvPr>
+          <p:cNvSpPr/>
+          <p:nvPr/>
+        </p:nvSpPr>
+        <p:spPr>
+          <a:xfrm rot="5400000">
+            <a:off x="2816087" y="1557130"/>
+            <a:ext cx="6546574" cy="3763618"/>
+          </a:xfrm>
+          <a:prstGeom prst="roundRect">
+            <a:avLst>
+              <a:gd name="adj" fmla="val 2928"/>
+            </a:avLst>
+          </a:prstGeom>
+          <a:solidFill>
+            <a:schemeClr val="bg2">
+              <a:lumMod val="75000"/>
+            </a:schemeClr>
+          </a:solidFill>
+        </p:spPr>
+        <p:style>
+          <a:lnRef idx="2">
+            <a:schemeClr val="accent1">
+              <a:shade val="15000"/>
+            </a:schemeClr>
+          </a:lnRef>
+          <a:fillRef idx="1">
+            <a:schemeClr val="accent1"/>
+          </a:fillRef>
+          <a:effectRef idx="0">
+            <a:schemeClr val="accent1"/>
+          </a:effectRef>
+          <a:fontRef idx="minor">
+            <a:schemeClr val="lt1"/>
+          </a:fontRef>
+        </p:style>
+        <p:txBody>
+          <a:bodyPr rtlCol="0" anchor="ctr"/>
+          <a:lstStyle/>
+          <a:p>
+            <a:pPr algn="ctr"/>
+            <a:endParaRPr lang="ko-KR" altLang="en-US"/>
+          </a:p>
+        </p:txBody>
+      </p:sp>
+      <p:sp>
+        <p:nvSpPr>
+          <p:cNvPr id="8" name="타원 7">
+            <a:extLst>
+              <a:ext uri="{FF2B5EF4-FFF2-40B4-BE49-F238E27FC236}">
+                <a16:creationId xmlns:a16="http://schemas.microsoft.com/office/drawing/2014/main" id="{92DCF281-F256-A852-454A-E1B041B3FE2B}"/>
+              </a:ext>
+            </a:extLst>
+          </p:cNvPr>
+          <p:cNvSpPr/>
+          <p:nvPr/>
+        </p:nvSpPr>
+        <p:spPr>
+          <a:xfrm rot="5400000">
+            <a:off x="6017227" y="209251"/>
+            <a:ext cx="144294" cy="144294"/>
+          </a:xfrm>
+          <a:prstGeom prst="ellipse">
+            <a:avLst/>
+          </a:prstGeom>
+          <a:solidFill>
+            <a:schemeClr val="tx1">
+              <a:lumMod val="85000"/>
+              <a:lumOff val="15000"/>
+            </a:schemeClr>
+          </a:solidFill>
+        </p:spPr>
+        <p:style>
+          <a:lnRef idx="2">
+            <a:schemeClr val="accent1">
+              <a:shade val="15000"/>
+            </a:schemeClr>
+          </a:lnRef>
+          <a:fillRef idx="1">
+            <a:schemeClr val="accent1"/>
+          </a:fillRef>
+          <a:effectRef idx="0">
+            <a:schemeClr val="accent1"/>
+          </a:effectRef>
+          <a:fontRef idx="minor">
+            <a:schemeClr val="lt1"/>
+          </a:fontRef>
+        </p:style>
+        <p:txBody>
+          <a:bodyPr rtlCol="0" anchor="ctr"/>
+          <a:lstStyle/>
+          <a:p>
+            <a:pPr algn="ctr"/>
+            <a:endParaRPr lang="ko-KR" altLang="en-US"/>
+          </a:p>
+        </p:txBody>
+      </p:sp>
+      <p:sp>
+        <p:nvSpPr>
+          <p:cNvPr id="12" name="직사각형 11">
+            <a:extLst>
+              <a:ext uri="{FF2B5EF4-FFF2-40B4-BE49-F238E27FC236}">
+                <a16:creationId xmlns:a16="http://schemas.microsoft.com/office/drawing/2014/main" id="{2B3CEEEC-E422-19AE-0628-331E9C4B6B3C}"/>
+              </a:ext>
+            </a:extLst>
+          </p:cNvPr>
+          <p:cNvSpPr>
+            <a:spLocks noChangeAspect="1"/>
+          </p:cNvSpPr>
+          <p:nvPr/>
+        </p:nvSpPr>
+        <p:spPr>
+          <a:xfrm rot="5400000">
+            <a:off x="3039242" y="1762010"/>
+            <a:ext cx="6100264" cy="3442359"/>
+          </a:xfrm>
+          <a:prstGeom prst="rect">
+            <a:avLst/>
+          </a:prstGeom>
+          <a:solidFill>
+            <a:schemeClr val="accent6">
+              <a:lumMod val="75000"/>
+            </a:schemeClr>
+          </a:solidFill>
+          <a:ln>
+            <a:solidFill>
+              <a:schemeClr val="tx1"/>
+            </a:solidFill>
+          </a:ln>
+        </p:spPr>
+        <p:style>
+          <a:lnRef idx="2">
+            <a:schemeClr val="accent1">
+              <a:shade val="15000"/>
+            </a:schemeClr>
+          </a:lnRef>
+          <a:fillRef idx="1">
+            <a:schemeClr val="accent1"/>
+          </a:fillRef>
+          <a:effectRef idx="0">
+            <a:schemeClr val="accent1"/>
+          </a:effectRef>
+          <a:fontRef idx="minor">
+            <a:schemeClr val="lt1"/>
+          </a:fontRef>
+        </p:style>
+        <p:txBody>
+          <a:bodyPr rtlCol="0" anchor="ctr"/>
+          <a:lstStyle/>
+          <a:p>
+            <a:pPr algn="ctr"/>
+            <a:endParaRPr lang="ko-KR" altLang="en-US" sz="700" dirty="0"/>
+          </a:p>
+        </p:txBody>
+      </p:sp>
+      <p:sp>
+        <p:nvSpPr>
+          <p:cNvPr id="13" name="TextBox 12">
+            <a:extLst>
+              <a:ext uri="{FF2B5EF4-FFF2-40B4-BE49-F238E27FC236}">
+                <a16:creationId xmlns:a16="http://schemas.microsoft.com/office/drawing/2014/main" id="{3EA624A4-5198-394A-8A40-C93E82AD8E7B}"/>
+              </a:ext>
+            </a:extLst>
+          </p:cNvPr>
+          <p:cNvSpPr txBox="1"/>
+          <p:nvPr/>
+        </p:nvSpPr>
+        <p:spPr>
+          <a:xfrm>
+            <a:off x="4920117" y="1298713"/>
+            <a:ext cx="2338524" cy="877163"/>
+          </a:xfrm>
+          <a:prstGeom prst="rect">
+            <a:avLst/>
+          </a:prstGeom>
+          <a:noFill/>
+        </p:spPr>
+        <p:txBody>
+          <a:bodyPr wrap="none" rtlCol="0">
+            <a:spAutoFit/>
+          </a:bodyPr>
+          <a:lstStyle/>
+          <a:p>
+            <a:pPr algn="ctr"/>
+            <a:r>
+              <a:rPr lang="en-US" altLang="ko-KR" sz="3600" b="1" dirty="0">
+                <a:solidFill>
+                  <a:schemeClr val="bg1"/>
+                </a:solidFill>
+              </a:rPr>
+              <a:t>Impatiens</a:t>
+            </a:r>
+          </a:p>
+          <a:p>
+            <a:pPr algn="ctr"/>
+            <a:r>
+              <a:rPr lang="en-US" altLang="ko-KR" sz="1500" b="1" dirty="0">
+                <a:solidFill>
+                  <a:schemeClr val="bg1"/>
+                </a:solidFill>
+              </a:rPr>
+              <a:t>~Please</a:t>
+            </a:r>
+            <a:r>
+              <a:rPr lang="ko-KR" altLang="en-US" sz="1500" b="1" dirty="0">
+                <a:solidFill>
+                  <a:schemeClr val="bg1"/>
+                </a:solidFill>
+              </a:rPr>
+              <a:t> </a:t>
+            </a:r>
+            <a:r>
+              <a:rPr lang="en-US" altLang="ko-KR" sz="1500" b="1" dirty="0">
+                <a:solidFill>
+                  <a:schemeClr val="bg1"/>
+                </a:solidFill>
+              </a:rPr>
+              <a:t>Let</a:t>
+            </a:r>
+            <a:r>
+              <a:rPr lang="ko-KR" altLang="en-US" sz="1500" b="1" dirty="0">
+                <a:solidFill>
+                  <a:schemeClr val="bg1"/>
+                </a:solidFill>
+              </a:rPr>
+              <a:t> </a:t>
+            </a:r>
+            <a:r>
+              <a:rPr lang="en-US" altLang="ko-KR" sz="1500" b="1" dirty="0">
+                <a:solidFill>
+                  <a:schemeClr val="bg1"/>
+                </a:solidFill>
+              </a:rPr>
+              <a:t>Me</a:t>
+            </a:r>
+            <a:r>
+              <a:rPr lang="ko-KR" altLang="en-US" sz="1500" b="1" dirty="0">
+                <a:solidFill>
+                  <a:schemeClr val="bg1"/>
+                </a:solidFill>
+              </a:rPr>
+              <a:t> </a:t>
+            </a:r>
+            <a:r>
+              <a:rPr lang="en-US" altLang="ko-KR" sz="1500" b="1" dirty="0">
+                <a:solidFill>
+                  <a:schemeClr val="bg1"/>
+                </a:solidFill>
+              </a:rPr>
+              <a:t>Alone~</a:t>
+            </a:r>
+            <a:endParaRPr lang="ko-KR" altLang="en-US" sz="1500" b="1" dirty="0">
+              <a:solidFill>
+                <a:schemeClr val="bg1"/>
+              </a:solidFill>
+            </a:endParaRPr>
+          </a:p>
+        </p:txBody>
+      </p:sp>
+      <p:sp>
+        <p:nvSpPr>
+          <p:cNvPr id="15" name="TextBox 14">
+            <a:extLst>
+              <a:ext uri="{FF2B5EF4-FFF2-40B4-BE49-F238E27FC236}">
+                <a16:creationId xmlns:a16="http://schemas.microsoft.com/office/drawing/2014/main" id="{F5D38CA4-1E48-D321-03B3-285E283C9337}"/>
+              </a:ext>
+            </a:extLst>
+          </p:cNvPr>
+          <p:cNvSpPr txBox="1"/>
+          <p:nvPr/>
+        </p:nvSpPr>
+        <p:spPr>
+          <a:xfrm>
+            <a:off x="4921642" y="5932077"/>
+            <a:ext cx="2348721" cy="261610"/>
+          </a:xfrm>
+          <a:prstGeom prst="rect">
+            <a:avLst/>
+          </a:prstGeom>
+          <a:noFill/>
+        </p:spPr>
+        <p:txBody>
+          <a:bodyPr wrap="none" rtlCol="0">
+            <a:spAutoFit/>
+          </a:bodyPr>
+          <a:lstStyle/>
+          <a:p>
+            <a:pPr algn="ctr"/>
+            <a:r>
+              <a:rPr lang="ko-KR" altLang="en-US" sz="1100" dirty="0">
+                <a:solidFill>
+                  <a:schemeClr val="bg1"/>
+                </a:solidFill>
+              </a:rPr>
+              <a:t>화면을 터치하여 핸드폰을 키우자</a:t>
+            </a:r>
+            <a:r>
+              <a:rPr lang="en-US" altLang="ko-KR" sz="1100" dirty="0">
+                <a:solidFill>
+                  <a:schemeClr val="bg1"/>
+                </a:solidFill>
+              </a:rPr>
+              <a:t>!</a:t>
+            </a:r>
+            <a:endParaRPr lang="ko-KR" altLang="en-US" sz="1100" dirty="0">
+              <a:solidFill>
+                <a:schemeClr val="bg1"/>
+              </a:solidFill>
+            </a:endParaRPr>
+          </a:p>
+        </p:txBody>
+      </p:sp>
+      <p:sp>
+        <p:nvSpPr>
+          <p:cNvPr id="2" name="TextBox 1">
+            <a:extLst>
+              <a:ext uri="{FF2B5EF4-FFF2-40B4-BE49-F238E27FC236}">
+                <a16:creationId xmlns:a16="http://schemas.microsoft.com/office/drawing/2014/main" id="{3FEE6006-AFE0-F921-2C5D-7559C252B101}"/>
+              </a:ext>
+            </a:extLst>
+          </p:cNvPr>
+          <p:cNvSpPr txBox="1"/>
+          <p:nvPr/>
+        </p:nvSpPr>
+        <p:spPr>
+          <a:xfrm>
+            <a:off x="5053090" y="2509215"/>
+            <a:ext cx="2085827" cy="400110"/>
+          </a:xfrm>
+          <a:prstGeom prst="rect">
+            <a:avLst/>
+          </a:prstGeom>
+          <a:noFill/>
+        </p:spPr>
+        <p:txBody>
+          <a:bodyPr wrap="none" rtlCol="0">
+            <a:spAutoFit/>
+          </a:bodyPr>
+          <a:lstStyle/>
+          <a:p>
+            <a:pPr algn="ctr"/>
+            <a:r>
+              <a:rPr lang="en-US" altLang="ko-KR" sz="2000" b="1" dirty="0">
+                <a:solidFill>
+                  <a:schemeClr val="bg1"/>
+                </a:solidFill>
+              </a:rPr>
+              <a:t>(</a:t>
+            </a:r>
+            <a:r>
+              <a:rPr lang="ko-KR" altLang="en-US" sz="2000" b="1" dirty="0">
+                <a:solidFill>
+                  <a:schemeClr val="bg1"/>
+                </a:solidFill>
+              </a:rPr>
+              <a:t>현재 시간 표기</a:t>
+            </a:r>
+            <a:r>
+              <a:rPr lang="en-US" altLang="ko-KR" sz="2000" b="1" dirty="0">
+                <a:solidFill>
+                  <a:schemeClr val="bg1"/>
+                </a:solidFill>
+              </a:rPr>
+              <a:t>)</a:t>
+            </a:r>
+            <a:endParaRPr lang="ko-KR" altLang="en-US" sz="2000" b="1" dirty="0">
+              <a:solidFill>
+                <a:schemeClr val="bg1"/>
+              </a:solidFill>
+            </a:endParaRPr>
+          </a:p>
+        </p:txBody>
+      </p:sp>
+    </p:spTree>
+    <p:extLst>
+      <p:ext uri="{BB962C8B-B14F-4D97-AF65-F5344CB8AC3E}">
+        <p14:creationId xmlns:p14="http://schemas.microsoft.com/office/powerpoint/2010/main" val="3455795888"/>
+      </p:ext>
+    </p:extLst>
+  </p:cSld>
+  <p:clrMapOvr>
+    <a:masterClrMapping/>
+  </p:clrMapOvr>
+</p:sld>
+</file>
+
+<file path=ppt/slides/slide30.xml><?xml version="1.0" encoding="utf-8"?>
 <p:sld xmlns:a="http://schemas.openxmlformats.org/drawingml/2006/main" xmlns:r="http://schemas.openxmlformats.org/officeDocument/2006/relationships" xmlns:p="http://schemas.openxmlformats.org/presentationml/2006/main">
   <p:cSld>
     <p:spTree>
@@ -36792,526 +37694,7 @@
 </p:sld>
 </file>
 
-<file path=ppt/slides/slide3.xml><?xml version="1.0" encoding="utf-8"?>
-<p:sld xmlns:a="http://schemas.openxmlformats.org/drawingml/2006/main" xmlns:r="http://schemas.openxmlformats.org/officeDocument/2006/relationships" xmlns:p="http://schemas.openxmlformats.org/presentationml/2006/main">
-  <p:cSld>
-    <p:spTree>
-      <p:nvGrpSpPr>
-        <p:cNvPr id="1" name="">
-          <a:extLst>
-            <a:ext uri="{FF2B5EF4-FFF2-40B4-BE49-F238E27FC236}">
-              <a16:creationId xmlns:a16="http://schemas.microsoft.com/office/drawing/2014/main" id="{D4524151-8BCB-F93F-412F-5A1714D38AFB}"/>
-            </a:ext>
-          </a:extLst>
-        </p:cNvPr>
-        <p:cNvGrpSpPr/>
-        <p:nvPr/>
-      </p:nvGrpSpPr>
-      <p:grpSpPr>
-        <a:xfrm>
-          <a:off x="0" y="0"/>
-          <a:ext cx="0" cy="0"/>
-          <a:chOff x="0" y="0"/>
-          <a:chExt cx="0" cy="0"/>
-        </a:xfrm>
-      </p:grpSpPr>
-      <p:sp>
-        <p:nvSpPr>
-          <p:cNvPr id="14" name="직사각형 13">
-            <a:extLst>
-              <a:ext uri="{FF2B5EF4-FFF2-40B4-BE49-F238E27FC236}">
-                <a16:creationId xmlns:a16="http://schemas.microsoft.com/office/drawing/2014/main" id="{4A8BC9EA-F42F-16E7-2B16-568A8D6D974E}"/>
-              </a:ext>
-            </a:extLst>
-          </p:cNvPr>
-          <p:cNvSpPr/>
-          <p:nvPr/>
-        </p:nvSpPr>
-        <p:spPr>
-          <a:xfrm>
-            <a:off x="92765" y="79513"/>
-            <a:ext cx="11986592" cy="6712226"/>
-          </a:xfrm>
-          <a:prstGeom prst="rect">
-            <a:avLst/>
-          </a:prstGeom>
-          <a:solidFill>
-            <a:schemeClr val="accent2">
-              <a:lumMod val="40000"/>
-              <a:lumOff val="60000"/>
-            </a:schemeClr>
-          </a:solidFill>
-        </p:spPr>
-        <p:style>
-          <a:lnRef idx="2">
-            <a:schemeClr val="accent1">
-              <a:shade val="15000"/>
-            </a:schemeClr>
-          </a:lnRef>
-          <a:fillRef idx="1">
-            <a:schemeClr val="accent1"/>
-          </a:fillRef>
-          <a:effectRef idx="0">
-            <a:schemeClr val="accent1"/>
-          </a:effectRef>
-          <a:fontRef idx="minor">
-            <a:schemeClr val="lt1"/>
-          </a:fontRef>
-        </p:style>
-        <p:txBody>
-          <a:bodyPr rtlCol="0" anchor="ctr"/>
-          <a:lstStyle/>
-          <a:p>
-            <a:pPr algn="ctr"/>
-            <a:endParaRPr lang="ko-KR" altLang="en-US"/>
-          </a:p>
-        </p:txBody>
-      </p:sp>
-      <p:sp>
-        <p:nvSpPr>
-          <p:cNvPr id="11" name="직사각형 10">
-            <a:extLst>
-              <a:ext uri="{FF2B5EF4-FFF2-40B4-BE49-F238E27FC236}">
-                <a16:creationId xmlns:a16="http://schemas.microsoft.com/office/drawing/2014/main" id="{7DC051B1-9799-D411-0C16-85F93486C356}"/>
-              </a:ext>
-            </a:extLst>
-          </p:cNvPr>
-          <p:cNvSpPr/>
-          <p:nvPr/>
-        </p:nvSpPr>
-        <p:spPr>
-          <a:xfrm>
-            <a:off x="9515061" y="245165"/>
-            <a:ext cx="2458278" cy="1053548"/>
-          </a:xfrm>
-          <a:prstGeom prst="rect">
-            <a:avLst/>
-          </a:prstGeom>
-        </p:spPr>
-        <p:style>
-          <a:lnRef idx="2">
-            <a:schemeClr val="accent1">
-              <a:shade val="15000"/>
-            </a:schemeClr>
-          </a:lnRef>
-          <a:fillRef idx="1">
-            <a:schemeClr val="accent1"/>
-          </a:fillRef>
-          <a:effectRef idx="0">
-            <a:schemeClr val="accent1"/>
-          </a:effectRef>
-          <a:fontRef idx="minor">
-            <a:schemeClr val="lt1"/>
-          </a:fontRef>
-        </p:style>
-        <p:txBody>
-          <a:bodyPr rtlCol="0" anchor="ctr"/>
-          <a:lstStyle/>
-          <a:p>
-            <a:pPr algn="ctr"/>
-            <a:r>
-              <a:rPr lang="en-US" altLang="ko-KR" sz="5400" dirty="0"/>
-              <a:t>11:50</a:t>
-            </a:r>
-            <a:endParaRPr lang="ko-KR" altLang="en-US" sz="5400" dirty="0"/>
-          </a:p>
-        </p:txBody>
-      </p:sp>
-      <p:sp>
-        <p:nvSpPr>
-          <p:cNvPr id="3" name="사각형: 둥근 모서리 2">
-            <a:extLst>
-              <a:ext uri="{FF2B5EF4-FFF2-40B4-BE49-F238E27FC236}">
-                <a16:creationId xmlns:a16="http://schemas.microsoft.com/office/drawing/2014/main" id="{9766B08A-3584-3739-D36A-584E7C064B0D}"/>
-              </a:ext>
-            </a:extLst>
-          </p:cNvPr>
-          <p:cNvSpPr/>
-          <p:nvPr/>
-        </p:nvSpPr>
-        <p:spPr>
-          <a:xfrm rot="5400000">
-            <a:off x="2816087" y="1557130"/>
-            <a:ext cx="6546574" cy="3763618"/>
-          </a:xfrm>
-          <a:prstGeom prst="roundRect">
-            <a:avLst>
-              <a:gd name="adj" fmla="val 2928"/>
-            </a:avLst>
-          </a:prstGeom>
-          <a:solidFill>
-            <a:schemeClr val="bg2">
-              <a:lumMod val="75000"/>
-            </a:schemeClr>
-          </a:solidFill>
-        </p:spPr>
-        <p:style>
-          <a:lnRef idx="2">
-            <a:schemeClr val="accent1">
-              <a:shade val="15000"/>
-            </a:schemeClr>
-          </a:lnRef>
-          <a:fillRef idx="1">
-            <a:schemeClr val="accent1"/>
-          </a:fillRef>
-          <a:effectRef idx="0">
-            <a:schemeClr val="accent1"/>
-          </a:effectRef>
-          <a:fontRef idx="minor">
-            <a:schemeClr val="lt1"/>
-          </a:fontRef>
-        </p:style>
-        <p:txBody>
-          <a:bodyPr rtlCol="0" anchor="ctr"/>
-          <a:lstStyle/>
-          <a:p>
-            <a:pPr algn="ctr"/>
-            <a:endParaRPr lang="ko-KR" altLang="en-US"/>
-          </a:p>
-        </p:txBody>
-      </p:sp>
-      <p:sp>
-        <p:nvSpPr>
-          <p:cNvPr id="8" name="타원 7">
-            <a:extLst>
-              <a:ext uri="{FF2B5EF4-FFF2-40B4-BE49-F238E27FC236}">
-                <a16:creationId xmlns:a16="http://schemas.microsoft.com/office/drawing/2014/main" id="{92DCF281-F256-A852-454A-E1B041B3FE2B}"/>
-              </a:ext>
-            </a:extLst>
-          </p:cNvPr>
-          <p:cNvSpPr/>
-          <p:nvPr/>
-        </p:nvSpPr>
-        <p:spPr>
-          <a:xfrm rot="5400000">
-            <a:off x="6017227" y="209251"/>
-            <a:ext cx="144294" cy="144294"/>
-          </a:xfrm>
-          <a:prstGeom prst="ellipse">
-            <a:avLst/>
-          </a:prstGeom>
-          <a:solidFill>
-            <a:schemeClr val="tx1">
-              <a:lumMod val="85000"/>
-              <a:lumOff val="15000"/>
-            </a:schemeClr>
-          </a:solidFill>
-        </p:spPr>
-        <p:style>
-          <a:lnRef idx="2">
-            <a:schemeClr val="accent1">
-              <a:shade val="15000"/>
-            </a:schemeClr>
-          </a:lnRef>
-          <a:fillRef idx="1">
-            <a:schemeClr val="accent1"/>
-          </a:fillRef>
-          <a:effectRef idx="0">
-            <a:schemeClr val="accent1"/>
-          </a:effectRef>
-          <a:fontRef idx="minor">
-            <a:schemeClr val="lt1"/>
-          </a:fontRef>
-        </p:style>
-        <p:txBody>
-          <a:bodyPr rtlCol="0" anchor="ctr"/>
-          <a:lstStyle/>
-          <a:p>
-            <a:pPr algn="ctr"/>
-            <a:endParaRPr lang="ko-KR" altLang="en-US"/>
-          </a:p>
-        </p:txBody>
-      </p:sp>
-      <p:sp>
-        <p:nvSpPr>
-          <p:cNvPr id="12" name="직사각형 11">
-            <a:extLst>
-              <a:ext uri="{FF2B5EF4-FFF2-40B4-BE49-F238E27FC236}">
-                <a16:creationId xmlns:a16="http://schemas.microsoft.com/office/drawing/2014/main" id="{2B3CEEEC-E422-19AE-0628-331E9C4B6B3C}"/>
-              </a:ext>
-            </a:extLst>
-          </p:cNvPr>
-          <p:cNvSpPr>
-            <a:spLocks noChangeAspect="1"/>
-          </p:cNvSpPr>
-          <p:nvPr/>
-        </p:nvSpPr>
-        <p:spPr>
-          <a:xfrm rot="5400000">
-            <a:off x="3039242" y="1762010"/>
-            <a:ext cx="6100264" cy="3442359"/>
-          </a:xfrm>
-          <a:prstGeom prst="rect">
-            <a:avLst/>
-          </a:prstGeom>
-          <a:solidFill>
-            <a:schemeClr val="accent6">
-              <a:lumMod val="75000"/>
-            </a:schemeClr>
-          </a:solidFill>
-          <a:ln>
-            <a:solidFill>
-              <a:schemeClr val="tx1"/>
-            </a:solidFill>
-          </a:ln>
-        </p:spPr>
-        <p:style>
-          <a:lnRef idx="2">
-            <a:schemeClr val="accent1">
-              <a:shade val="15000"/>
-            </a:schemeClr>
-          </a:lnRef>
-          <a:fillRef idx="1">
-            <a:schemeClr val="accent1"/>
-          </a:fillRef>
-          <a:effectRef idx="0">
-            <a:schemeClr val="accent1"/>
-          </a:effectRef>
-          <a:fontRef idx="minor">
-            <a:schemeClr val="lt1"/>
-          </a:fontRef>
-        </p:style>
-        <p:txBody>
-          <a:bodyPr rtlCol="0" anchor="ctr"/>
-          <a:lstStyle/>
-          <a:p>
-            <a:pPr algn="ctr"/>
-            <a:endParaRPr lang="ko-KR" altLang="en-US" sz="700" dirty="0"/>
-          </a:p>
-        </p:txBody>
-      </p:sp>
-      <p:sp>
-        <p:nvSpPr>
-          <p:cNvPr id="13" name="TextBox 12">
-            <a:extLst>
-              <a:ext uri="{FF2B5EF4-FFF2-40B4-BE49-F238E27FC236}">
-                <a16:creationId xmlns:a16="http://schemas.microsoft.com/office/drawing/2014/main" id="{3EA624A4-5198-394A-8A40-C93E82AD8E7B}"/>
-              </a:ext>
-            </a:extLst>
-          </p:cNvPr>
-          <p:cNvSpPr txBox="1"/>
-          <p:nvPr/>
-        </p:nvSpPr>
-        <p:spPr>
-          <a:xfrm>
-            <a:off x="4920117" y="1298713"/>
-            <a:ext cx="2338524" cy="877163"/>
-          </a:xfrm>
-          <a:prstGeom prst="rect">
-            <a:avLst/>
-          </a:prstGeom>
-          <a:noFill/>
-        </p:spPr>
-        <p:txBody>
-          <a:bodyPr wrap="none" rtlCol="0">
-            <a:spAutoFit/>
-          </a:bodyPr>
-          <a:lstStyle/>
-          <a:p>
-            <a:pPr algn="ctr"/>
-            <a:r>
-              <a:rPr lang="en-US" altLang="ko-KR" sz="3600" b="1" dirty="0">
-                <a:solidFill>
-                  <a:schemeClr val="bg1"/>
-                </a:solidFill>
-              </a:rPr>
-              <a:t>Impatiens</a:t>
-            </a:r>
-          </a:p>
-          <a:p>
-            <a:pPr algn="ctr"/>
-            <a:r>
-              <a:rPr lang="en-US" altLang="ko-KR" sz="1500" b="1" dirty="0">
-                <a:solidFill>
-                  <a:schemeClr val="bg1"/>
-                </a:solidFill>
-              </a:rPr>
-              <a:t>~Please</a:t>
-            </a:r>
-            <a:r>
-              <a:rPr lang="ko-KR" altLang="en-US" sz="1500" b="1" dirty="0">
-                <a:solidFill>
-                  <a:schemeClr val="bg1"/>
-                </a:solidFill>
-              </a:rPr>
-              <a:t> </a:t>
-            </a:r>
-            <a:r>
-              <a:rPr lang="en-US" altLang="ko-KR" sz="1500" b="1" dirty="0">
-                <a:solidFill>
-                  <a:schemeClr val="bg1"/>
-                </a:solidFill>
-              </a:rPr>
-              <a:t>Let</a:t>
-            </a:r>
-            <a:r>
-              <a:rPr lang="ko-KR" altLang="en-US" sz="1500" b="1" dirty="0">
-                <a:solidFill>
-                  <a:schemeClr val="bg1"/>
-                </a:solidFill>
-              </a:rPr>
-              <a:t> </a:t>
-            </a:r>
-            <a:r>
-              <a:rPr lang="en-US" altLang="ko-KR" sz="1500" b="1" dirty="0">
-                <a:solidFill>
-                  <a:schemeClr val="bg1"/>
-                </a:solidFill>
-              </a:rPr>
-              <a:t>Me</a:t>
-            </a:r>
-            <a:r>
-              <a:rPr lang="ko-KR" altLang="en-US" sz="1500" b="1" dirty="0">
-                <a:solidFill>
-                  <a:schemeClr val="bg1"/>
-                </a:solidFill>
-              </a:rPr>
-              <a:t> </a:t>
-            </a:r>
-            <a:r>
-              <a:rPr lang="en-US" altLang="ko-KR" sz="1500" b="1" dirty="0">
-                <a:solidFill>
-                  <a:schemeClr val="bg1"/>
-                </a:solidFill>
-              </a:rPr>
-              <a:t>Alone~</a:t>
-            </a:r>
-            <a:endParaRPr lang="ko-KR" altLang="en-US" sz="1500" b="1" dirty="0">
-              <a:solidFill>
-                <a:schemeClr val="bg1"/>
-              </a:solidFill>
-            </a:endParaRPr>
-          </a:p>
-        </p:txBody>
-      </p:sp>
-      <p:sp>
-        <p:nvSpPr>
-          <p:cNvPr id="15" name="TextBox 14">
-            <a:extLst>
-              <a:ext uri="{FF2B5EF4-FFF2-40B4-BE49-F238E27FC236}">
-                <a16:creationId xmlns:a16="http://schemas.microsoft.com/office/drawing/2014/main" id="{F5D38CA4-1E48-D321-03B3-285E283C9337}"/>
-              </a:ext>
-            </a:extLst>
-          </p:cNvPr>
-          <p:cNvSpPr txBox="1"/>
-          <p:nvPr/>
-        </p:nvSpPr>
-        <p:spPr>
-          <a:xfrm>
-            <a:off x="4921642" y="5932077"/>
-            <a:ext cx="2348721" cy="261610"/>
-          </a:xfrm>
-          <a:prstGeom prst="rect">
-            <a:avLst/>
-          </a:prstGeom>
-          <a:noFill/>
-        </p:spPr>
-        <p:txBody>
-          <a:bodyPr wrap="none" rtlCol="0">
-            <a:spAutoFit/>
-          </a:bodyPr>
-          <a:lstStyle/>
-          <a:p>
-            <a:pPr algn="ctr"/>
-            <a:r>
-              <a:rPr lang="ko-KR" altLang="en-US" sz="1100" dirty="0">
-                <a:solidFill>
-                  <a:schemeClr val="bg1"/>
-                </a:solidFill>
-              </a:rPr>
-              <a:t>화면을 터치하여 핸드폰을 키우자</a:t>
-            </a:r>
-            <a:r>
-              <a:rPr lang="en-US" altLang="ko-KR" sz="1100" dirty="0">
-                <a:solidFill>
-                  <a:schemeClr val="bg1"/>
-                </a:solidFill>
-              </a:rPr>
-              <a:t>!</a:t>
-            </a:r>
-            <a:endParaRPr lang="ko-KR" altLang="en-US" sz="1100" dirty="0">
-              <a:solidFill>
-                <a:schemeClr val="bg1"/>
-              </a:solidFill>
-            </a:endParaRPr>
-          </a:p>
-        </p:txBody>
-      </p:sp>
-      <p:sp>
-        <p:nvSpPr>
-          <p:cNvPr id="2" name="TextBox 1">
-            <a:extLst>
-              <a:ext uri="{FF2B5EF4-FFF2-40B4-BE49-F238E27FC236}">
-                <a16:creationId xmlns:a16="http://schemas.microsoft.com/office/drawing/2014/main" id="{3FEE6006-AFE0-F921-2C5D-7559C252B101}"/>
-              </a:ext>
-            </a:extLst>
-          </p:cNvPr>
-          <p:cNvSpPr txBox="1"/>
-          <p:nvPr/>
-        </p:nvSpPr>
-        <p:spPr>
-          <a:xfrm>
-            <a:off x="5053090" y="2509215"/>
-            <a:ext cx="2085827" cy="400110"/>
-          </a:xfrm>
-          <a:prstGeom prst="rect">
-            <a:avLst/>
-          </a:prstGeom>
-          <a:noFill/>
-        </p:spPr>
-        <p:txBody>
-          <a:bodyPr wrap="none" rtlCol="0">
-            <a:spAutoFit/>
-          </a:bodyPr>
-          <a:lstStyle/>
-          <a:p>
-            <a:pPr algn="ctr"/>
-            <a:r>
-              <a:rPr lang="en-US" altLang="ko-KR" sz="2000" b="1" dirty="0">
-                <a:solidFill>
-                  <a:schemeClr val="bg1"/>
-                </a:solidFill>
-              </a:rPr>
-              <a:t>(</a:t>
-            </a:r>
-            <a:r>
-              <a:rPr lang="ko-KR" altLang="en-US" sz="2000" b="1" dirty="0">
-                <a:solidFill>
-                  <a:schemeClr val="bg1"/>
-                </a:solidFill>
-              </a:rPr>
-              <a:t>현재 시간 표기</a:t>
-            </a:r>
-            <a:r>
-              <a:rPr lang="en-US" altLang="ko-KR" sz="2000" b="1" dirty="0">
-                <a:solidFill>
-                  <a:schemeClr val="bg1"/>
-                </a:solidFill>
-              </a:rPr>
-              <a:t>)</a:t>
-            </a:r>
-            <a:endParaRPr lang="ko-KR" altLang="en-US" sz="2000" b="1" dirty="0">
-              <a:solidFill>
-                <a:schemeClr val="bg1"/>
-              </a:solidFill>
-            </a:endParaRPr>
-          </a:p>
-        </p:txBody>
-      </p:sp>
-    </p:spTree>
-    <p:extLst>
-      <p:ext uri="{BB962C8B-B14F-4D97-AF65-F5344CB8AC3E}">
-        <p14:creationId xmlns:p14="http://schemas.microsoft.com/office/powerpoint/2010/main" val="3455795888"/>
-      </p:ext>
-    </p:extLst>
-  </p:cSld>
-  <p:clrMapOvr>
-    <a:masterClrMapping/>
-  </p:clrMapOvr>
-</p:sld>
-</file>
-
-<file path=ppt/slides/slide30.xml><?xml version="1.0" encoding="utf-8"?>
+<file path=ppt/slides/slide31.xml><?xml version="1.0" encoding="utf-8"?>
 <p:sld xmlns:a="http://schemas.openxmlformats.org/drawingml/2006/main" xmlns:r="http://schemas.openxmlformats.org/officeDocument/2006/relationships" xmlns:p="http://schemas.openxmlformats.org/presentationml/2006/main">
   <p:cSld>
     <p:spTree>
@@ -38187,7 +38570,7 @@
 </p:sld>
 </file>
 
-<file path=ppt/slides/slide31.xml><?xml version="1.0" encoding="utf-8"?>
+<file path=ppt/slides/slide32.xml><?xml version="1.0" encoding="utf-8"?>
 <p:sld xmlns:a="http://schemas.openxmlformats.org/drawingml/2006/main" xmlns:r="http://schemas.openxmlformats.org/officeDocument/2006/relationships" xmlns:p="http://schemas.openxmlformats.org/presentationml/2006/main">
   <p:cSld>
     <p:spTree>
@@ -38639,7 +39022,7 @@
 </p:sld>
 </file>
 
-<file path=ppt/slides/slide32.xml><?xml version="1.0" encoding="utf-8"?>
+<file path=ppt/slides/slide33.xml><?xml version="1.0" encoding="utf-8"?>
 <p:sld xmlns:a="http://schemas.openxmlformats.org/drawingml/2006/main" xmlns:r="http://schemas.openxmlformats.org/officeDocument/2006/relationships" xmlns:p="http://schemas.openxmlformats.org/presentationml/2006/main">
   <p:cSld>
     <p:spTree>
@@ -40145,7 +40528,7 @@
 </p:sld>
 </file>
 
-<file path=ppt/slides/slide33.xml><?xml version="1.0" encoding="utf-8"?>
+<file path=ppt/slides/slide34.xml><?xml version="1.0" encoding="utf-8"?>
 <p:sld xmlns:a="http://schemas.openxmlformats.org/drawingml/2006/main" xmlns:r="http://schemas.openxmlformats.org/officeDocument/2006/relationships" xmlns:p="http://schemas.openxmlformats.org/presentationml/2006/main">
   <p:cSld>
     <p:spTree>
@@ -41512,7 +41895,7 @@
 </p:sld>
 </file>
 
-<file path=ppt/slides/slide34.xml><?xml version="1.0" encoding="utf-8"?>
+<file path=ppt/slides/slide35.xml><?xml version="1.0" encoding="utf-8"?>
 <p:sld xmlns:a="http://schemas.openxmlformats.org/drawingml/2006/main" xmlns:r="http://schemas.openxmlformats.org/officeDocument/2006/relationships" xmlns:p="http://schemas.openxmlformats.org/presentationml/2006/main">
   <p:cSld>
     <p:spTree>
@@ -42448,6 +42831,65 @@
           </p:sp>
         </p:grpSp>
       </p:grpSp>
+      <p:sp>
+        <p:nvSpPr>
+          <p:cNvPr id="2" name="사각형: 둥근 모서리 1">
+            <a:extLst>
+              <a:ext uri="{FF2B5EF4-FFF2-40B4-BE49-F238E27FC236}">
+                <a16:creationId xmlns:a16="http://schemas.microsoft.com/office/drawing/2014/main" id="{B71AF374-ED4C-3136-4237-FCF267B7E4F4}"/>
+              </a:ext>
+            </a:extLst>
+          </p:cNvPr>
+          <p:cNvSpPr/>
+          <p:nvPr/>
+        </p:nvSpPr>
+        <p:spPr>
+          <a:xfrm>
+            <a:off x="5145431" y="5639334"/>
+            <a:ext cx="1663148" cy="389827"/>
+          </a:xfrm>
+          <a:prstGeom prst="roundRect">
+            <a:avLst>
+              <a:gd name="adj" fmla="val 50000"/>
+            </a:avLst>
+          </a:prstGeom>
+          <a:solidFill>
+            <a:schemeClr val="accent4">
+              <a:lumMod val="40000"/>
+              <a:lumOff val="60000"/>
+            </a:schemeClr>
+          </a:solidFill>
+          <a:ln>
+            <a:solidFill>
+              <a:srgbClr val="002467"/>
+            </a:solidFill>
+          </a:ln>
+        </p:spPr>
+        <p:style>
+          <a:lnRef idx="2">
+            <a:schemeClr val="accent1">
+              <a:shade val="15000"/>
+            </a:schemeClr>
+          </a:lnRef>
+          <a:fillRef idx="1">
+            <a:schemeClr val="accent1"/>
+          </a:fillRef>
+          <a:effectRef idx="0">
+            <a:schemeClr val="accent1"/>
+          </a:effectRef>
+          <a:fontRef idx="minor">
+            <a:schemeClr val="lt1"/>
+          </a:fontRef>
+        </p:style>
+        <p:txBody>
+          <a:bodyPr rtlCol="0" anchor="ctr"/>
+          <a:lstStyle/>
+          <a:p>
+            <a:pPr algn="ctr"/>
+            <a:endParaRPr lang="ko-KR" altLang="en-US"/>
+          </a:p>
+        </p:txBody>
+      </p:sp>
     </p:spTree>
     <p:extLst>
       <p:ext uri="{BB962C8B-B14F-4D97-AF65-F5344CB8AC3E}">
@@ -42461,7 +42903,7 @@
 </p:sld>
 </file>
 
-<file path=ppt/slides/slide35.xml><?xml version="1.0" encoding="utf-8"?>
+<file path=ppt/slides/slide36.xml><?xml version="1.0" encoding="utf-8"?>
 <p:sld xmlns:a="http://schemas.openxmlformats.org/drawingml/2006/main" xmlns:r="http://schemas.openxmlformats.org/officeDocument/2006/relationships" xmlns:p="http://schemas.openxmlformats.org/presentationml/2006/main">
   <p:cSld>
     <p:spTree>
@@ -43223,7 +43665,7 @@
 </p:sld>
 </file>
 
-<file path=ppt/slides/slide36.xml><?xml version="1.0" encoding="utf-8"?>
+<file path=ppt/slides/slide37.xml><?xml version="1.0" encoding="utf-8"?>
 <p:sld xmlns:a="http://schemas.openxmlformats.org/drawingml/2006/main" xmlns:r="http://schemas.openxmlformats.org/officeDocument/2006/relationships" xmlns:p="http://schemas.openxmlformats.org/presentationml/2006/main">
   <p:cSld>
     <p:spTree>
@@ -44263,7 +44705,7 @@
 </p:sld>
 </file>
 
-<file path=ppt/slides/slide37.xml><?xml version="1.0" encoding="utf-8"?>
+<file path=ppt/slides/slide38.xml><?xml version="1.0" encoding="utf-8"?>
 <p:sld xmlns:a="http://schemas.openxmlformats.org/drawingml/2006/main" xmlns:r="http://schemas.openxmlformats.org/officeDocument/2006/relationships" xmlns:p="http://schemas.openxmlformats.org/presentationml/2006/main">
   <p:cSld>
     <p:spTree>
@@ -45896,7 +46338,7 @@
 </p:sld>
 </file>
 
-<file path=ppt/slides/slide38.xml><?xml version="1.0" encoding="utf-8"?>
+<file path=ppt/slides/slide39.xml><?xml version="1.0" encoding="utf-8"?>
 <p:sld xmlns:a="http://schemas.openxmlformats.org/drawingml/2006/main" xmlns:r="http://schemas.openxmlformats.org/officeDocument/2006/relationships" xmlns:p="http://schemas.openxmlformats.org/presentationml/2006/main">
   <p:cSld>
     <p:spTree>
@@ -46325,466 +46767,6 @@
     <p:extLst>
       <p:ext uri="{BB962C8B-B14F-4D97-AF65-F5344CB8AC3E}">
         <p14:creationId xmlns:p14="http://schemas.microsoft.com/office/powerpoint/2010/main" val="17397644"/>
-      </p:ext>
-    </p:extLst>
-  </p:cSld>
-  <p:clrMapOvr>
-    <a:masterClrMapping/>
-  </p:clrMapOvr>
-</p:sld>
-</file>
-
-<file path=ppt/slides/slide39.xml><?xml version="1.0" encoding="utf-8"?>
-<p:sld xmlns:a="http://schemas.openxmlformats.org/drawingml/2006/main" xmlns:r="http://schemas.openxmlformats.org/officeDocument/2006/relationships" xmlns:p="http://schemas.openxmlformats.org/presentationml/2006/main">
-  <p:cSld>
-    <p:spTree>
-      <p:nvGrpSpPr>
-        <p:cNvPr id="1" name="">
-          <a:extLst>
-            <a:ext uri="{FF2B5EF4-FFF2-40B4-BE49-F238E27FC236}">
-              <a16:creationId xmlns:a16="http://schemas.microsoft.com/office/drawing/2014/main" id="{28434CC5-076A-D18F-AACE-C01E38A2722C}"/>
-            </a:ext>
-          </a:extLst>
-        </p:cNvPr>
-        <p:cNvGrpSpPr/>
-        <p:nvPr/>
-      </p:nvGrpSpPr>
-      <p:grpSpPr>
-        <a:xfrm>
-          <a:off x="0" y="0"/>
-          <a:ext cx="0" cy="0"/>
-          <a:chOff x="0" y="0"/>
-          <a:chExt cx="0" cy="0"/>
-        </a:xfrm>
-      </p:grpSpPr>
-      <p:pic>
-        <p:nvPicPr>
-          <p:cNvPr id="3" name="그림 2" descr="텍스트, 스크린샷, 폰트이(가) 표시된 사진&#10;&#10;AI가 생성한 콘텐츠는 부정확할 수 있습니다.">
-            <a:extLst>
-              <a:ext uri="{FF2B5EF4-FFF2-40B4-BE49-F238E27FC236}">
-                <a16:creationId xmlns:a16="http://schemas.microsoft.com/office/drawing/2014/main" id="{5E43FCA2-5E4D-DC57-E402-C94A8FCDE6D8}"/>
-              </a:ext>
-            </a:extLst>
-          </p:cNvPr>
-          <p:cNvPicPr>
-            <a:picLocks noChangeAspect="1"/>
-          </p:cNvPicPr>
-          <p:nvPr/>
-        </p:nvPicPr>
-        <p:blipFill>
-          <a:blip r:embed="rId2">
-            <a:extLst>
-              <a:ext uri="{28A0092B-C50C-407E-A947-70E740481C1C}">
-                <a14:useLocalDpi xmlns:a14="http://schemas.microsoft.com/office/drawing/2010/main" val="0"/>
-              </a:ext>
-            </a:extLst>
-          </a:blip>
-          <a:stretch>
-            <a:fillRect/>
-          </a:stretch>
-        </p:blipFill>
-        <p:spPr>
-          <a:xfrm>
-            <a:off x="547522" y="226051"/>
-            <a:ext cx="11121017" cy="6256701"/>
-          </a:xfrm>
-          <a:prstGeom prst="rect">
-            <a:avLst/>
-          </a:prstGeom>
-        </p:spPr>
-      </p:pic>
-      <p:grpSp>
-        <p:nvGrpSpPr>
-          <p:cNvPr id="6" name="그룹 5">
-            <a:extLst>
-              <a:ext uri="{FF2B5EF4-FFF2-40B4-BE49-F238E27FC236}">
-                <a16:creationId xmlns:a16="http://schemas.microsoft.com/office/drawing/2014/main" id="{C25B2B59-7F73-0085-CF8A-1282A57C9D9B}"/>
-              </a:ext>
-            </a:extLst>
-          </p:cNvPr>
-          <p:cNvGrpSpPr/>
-          <p:nvPr/>
-        </p:nvGrpSpPr>
-        <p:grpSpPr>
-          <a:xfrm rot="5400000">
-            <a:off x="2126571" y="3247825"/>
-            <a:ext cx="2996647" cy="248054"/>
-            <a:chOff x="1541725" y="1547461"/>
-            <a:chExt cx="1635420" cy="248054"/>
-          </a:xfrm>
-        </p:grpSpPr>
-        <p:cxnSp>
-          <p:nvCxnSpPr>
-            <p:cNvPr id="7" name="직선 연결선 6">
-              <a:extLst>
-                <a:ext uri="{FF2B5EF4-FFF2-40B4-BE49-F238E27FC236}">
-                  <a16:creationId xmlns:a16="http://schemas.microsoft.com/office/drawing/2014/main" id="{2B727497-9C8E-4645-D9C1-A26B233D3EDE}"/>
-                </a:ext>
-              </a:extLst>
-            </p:cNvPr>
-            <p:cNvCxnSpPr>
-              <a:cxnSpLocks/>
-            </p:cNvCxnSpPr>
-            <p:nvPr/>
-          </p:nvCxnSpPr>
-          <p:spPr>
-            <a:xfrm rot="16200000">
-              <a:off x="1417698" y="1671488"/>
-              <a:ext cx="248054" cy="0"/>
-            </a:xfrm>
-            <a:prstGeom prst="line">
-              <a:avLst/>
-            </a:prstGeom>
-            <a:ln w="38100">
-              <a:solidFill>
-                <a:srgbClr val="FF0000"/>
-              </a:solidFill>
-            </a:ln>
-          </p:spPr>
-          <p:style>
-            <a:lnRef idx="2">
-              <a:schemeClr val="accent1"/>
-            </a:lnRef>
-            <a:fillRef idx="0">
-              <a:schemeClr val="accent1"/>
-            </a:fillRef>
-            <a:effectRef idx="1">
-              <a:schemeClr val="accent1"/>
-            </a:effectRef>
-            <a:fontRef idx="minor">
-              <a:schemeClr val="tx1"/>
-            </a:fontRef>
-          </p:style>
-        </p:cxnSp>
-        <p:cxnSp>
-          <p:nvCxnSpPr>
-            <p:cNvPr id="8" name="직선 연결선 7">
-              <a:extLst>
-                <a:ext uri="{FF2B5EF4-FFF2-40B4-BE49-F238E27FC236}">
-                  <a16:creationId xmlns:a16="http://schemas.microsoft.com/office/drawing/2014/main" id="{5AB30EC5-AF09-FAC3-B1F7-DE53A73D225A}"/>
-                </a:ext>
-              </a:extLst>
-            </p:cNvPr>
-            <p:cNvCxnSpPr>
-              <a:cxnSpLocks/>
-            </p:cNvCxnSpPr>
-            <p:nvPr/>
-          </p:nvCxnSpPr>
-          <p:spPr>
-            <a:xfrm rot="16200000">
-              <a:off x="3053112" y="1671488"/>
-              <a:ext cx="248054" cy="0"/>
-            </a:xfrm>
-            <a:prstGeom prst="line">
-              <a:avLst/>
-            </a:prstGeom>
-            <a:ln w="38100">
-              <a:solidFill>
-                <a:srgbClr val="FF0000"/>
-              </a:solidFill>
-            </a:ln>
-          </p:spPr>
-          <p:style>
-            <a:lnRef idx="2">
-              <a:schemeClr val="accent1"/>
-            </a:lnRef>
-            <a:fillRef idx="0">
-              <a:schemeClr val="accent1"/>
-            </a:fillRef>
-            <a:effectRef idx="1">
-              <a:schemeClr val="accent1"/>
-            </a:effectRef>
-            <a:fontRef idx="minor">
-              <a:schemeClr val="tx1"/>
-            </a:fontRef>
-          </p:style>
-        </p:cxnSp>
-        <p:cxnSp>
-          <p:nvCxnSpPr>
-            <p:cNvPr id="9" name="직선 연결선 8">
-              <a:extLst>
-                <a:ext uri="{FF2B5EF4-FFF2-40B4-BE49-F238E27FC236}">
-                  <a16:creationId xmlns:a16="http://schemas.microsoft.com/office/drawing/2014/main" id="{84591E74-F895-8805-6193-319611339D3C}"/>
-                </a:ext>
-              </a:extLst>
-            </p:cNvPr>
-            <p:cNvCxnSpPr>
-              <a:cxnSpLocks/>
-            </p:cNvCxnSpPr>
-            <p:nvPr/>
-          </p:nvCxnSpPr>
-          <p:spPr>
-            <a:xfrm>
-              <a:off x="1541725" y="1671488"/>
-              <a:ext cx="1635420" cy="0"/>
-            </a:xfrm>
-            <a:prstGeom prst="line">
-              <a:avLst/>
-            </a:prstGeom>
-            <a:ln w="38100">
-              <a:solidFill>
-                <a:srgbClr val="FF0000"/>
-              </a:solidFill>
-            </a:ln>
-          </p:spPr>
-          <p:style>
-            <a:lnRef idx="2">
-              <a:schemeClr val="accent1"/>
-            </a:lnRef>
-            <a:fillRef idx="0">
-              <a:schemeClr val="accent1"/>
-            </a:fillRef>
-            <a:effectRef idx="1">
-              <a:schemeClr val="accent1"/>
-            </a:effectRef>
-            <a:fontRef idx="minor">
-              <a:schemeClr val="tx1"/>
-            </a:fontRef>
-          </p:style>
-        </p:cxnSp>
-      </p:grpSp>
-      <p:sp>
-        <p:nvSpPr>
-          <p:cNvPr id="10" name="TextBox 9">
-            <a:extLst>
-              <a:ext uri="{FF2B5EF4-FFF2-40B4-BE49-F238E27FC236}">
-                <a16:creationId xmlns:a16="http://schemas.microsoft.com/office/drawing/2014/main" id="{114DD151-C292-CB3F-1AD1-CB4CE85EE299}"/>
-              </a:ext>
-            </a:extLst>
-          </p:cNvPr>
-          <p:cNvSpPr txBox="1"/>
-          <p:nvPr/>
-        </p:nvSpPr>
-        <p:spPr>
-          <a:xfrm>
-            <a:off x="2998303" y="3187186"/>
-            <a:ext cx="564578" cy="369332"/>
-          </a:xfrm>
-          <a:prstGeom prst="rect">
-            <a:avLst/>
-          </a:prstGeom>
-          <a:noFill/>
-        </p:spPr>
-        <p:txBody>
-          <a:bodyPr wrap="none" rtlCol="0">
-            <a:spAutoFit/>
-          </a:bodyPr>
-          <a:lstStyle/>
-          <a:p>
-            <a:r>
-              <a:rPr lang="en-US" altLang="ko-KR" dirty="0">
-                <a:solidFill>
-                  <a:schemeClr val="bg1"/>
-                </a:solidFill>
-              </a:rPr>
-              <a:t>300</a:t>
-            </a:r>
-            <a:endParaRPr lang="ko-KR" altLang="en-US" dirty="0">
-              <a:solidFill>
-                <a:schemeClr val="bg1"/>
-              </a:solidFill>
-            </a:endParaRPr>
-          </a:p>
-        </p:txBody>
-      </p:sp>
-      <p:grpSp>
-        <p:nvGrpSpPr>
-          <p:cNvPr id="4" name="그룹 3">
-            <a:extLst>
-              <a:ext uri="{FF2B5EF4-FFF2-40B4-BE49-F238E27FC236}">
-                <a16:creationId xmlns:a16="http://schemas.microsoft.com/office/drawing/2014/main" id="{F6328086-C23D-1082-7931-47B0858EF92C}"/>
-              </a:ext>
-            </a:extLst>
-          </p:cNvPr>
-          <p:cNvGrpSpPr/>
-          <p:nvPr/>
-        </p:nvGrpSpPr>
-        <p:grpSpPr>
-          <a:xfrm>
-            <a:off x="3682661" y="4882544"/>
-            <a:ext cx="4864991" cy="248054"/>
-            <a:chOff x="1541725" y="1547461"/>
-            <a:chExt cx="1635420" cy="248054"/>
-          </a:xfrm>
-        </p:grpSpPr>
-        <p:cxnSp>
-          <p:nvCxnSpPr>
-            <p:cNvPr id="16" name="직선 연결선 15">
-              <a:extLst>
-                <a:ext uri="{FF2B5EF4-FFF2-40B4-BE49-F238E27FC236}">
-                  <a16:creationId xmlns:a16="http://schemas.microsoft.com/office/drawing/2014/main" id="{1E081186-48CF-88F1-C180-92995080ABED}"/>
-                </a:ext>
-              </a:extLst>
-            </p:cNvPr>
-            <p:cNvCxnSpPr>
-              <a:cxnSpLocks/>
-            </p:cNvCxnSpPr>
-            <p:nvPr/>
-          </p:nvCxnSpPr>
-          <p:spPr>
-            <a:xfrm rot="16200000">
-              <a:off x="1417698" y="1671488"/>
-              <a:ext cx="248054" cy="0"/>
-            </a:xfrm>
-            <a:prstGeom prst="line">
-              <a:avLst/>
-            </a:prstGeom>
-            <a:ln w="38100">
-              <a:solidFill>
-                <a:srgbClr val="FF0000"/>
-              </a:solidFill>
-            </a:ln>
-          </p:spPr>
-          <p:style>
-            <a:lnRef idx="2">
-              <a:schemeClr val="accent1"/>
-            </a:lnRef>
-            <a:fillRef idx="0">
-              <a:schemeClr val="accent1"/>
-            </a:fillRef>
-            <a:effectRef idx="1">
-              <a:schemeClr val="accent1"/>
-            </a:effectRef>
-            <a:fontRef idx="minor">
-              <a:schemeClr val="tx1"/>
-            </a:fontRef>
-          </p:style>
-        </p:cxnSp>
-        <p:cxnSp>
-          <p:nvCxnSpPr>
-            <p:cNvPr id="17" name="직선 연결선 16">
-              <a:extLst>
-                <a:ext uri="{FF2B5EF4-FFF2-40B4-BE49-F238E27FC236}">
-                  <a16:creationId xmlns:a16="http://schemas.microsoft.com/office/drawing/2014/main" id="{E6C1E28D-6467-2D18-C62D-1D716A18974F}"/>
-                </a:ext>
-              </a:extLst>
-            </p:cNvPr>
-            <p:cNvCxnSpPr>
-              <a:cxnSpLocks/>
-            </p:cNvCxnSpPr>
-            <p:nvPr/>
-          </p:nvCxnSpPr>
-          <p:spPr>
-            <a:xfrm rot="16200000">
-              <a:off x="3053112" y="1671488"/>
-              <a:ext cx="248054" cy="0"/>
-            </a:xfrm>
-            <a:prstGeom prst="line">
-              <a:avLst/>
-            </a:prstGeom>
-            <a:ln w="38100">
-              <a:solidFill>
-                <a:srgbClr val="FF0000"/>
-              </a:solidFill>
-            </a:ln>
-          </p:spPr>
-          <p:style>
-            <a:lnRef idx="2">
-              <a:schemeClr val="accent1"/>
-            </a:lnRef>
-            <a:fillRef idx="0">
-              <a:schemeClr val="accent1"/>
-            </a:fillRef>
-            <a:effectRef idx="1">
-              <a:schemeClr val="accent1"/>
-            </a:effectRef>
-            <a:fontRef idx="minor">
-              <a:schemeClr val="tx1"/>
-            </a:fontRef>
-          </p:style>
-        </p:cxnSp>
-        <p:cxnSp>
-          <p:nvCxnSpPr>
-            <p:cNvPr id="18" name="직선 연결선 17">
-              <a:extLst>
-                <a:ext uri="{FF2B5EF4-FFF2-40B4-BE49-F238E27FC236}">
-                  <a16:creationId xmlns:a16="http://schemas.microsoft.com/office/drawing/2014/main" id="{83131934-9B53-08D3-B9D2-80A4AF97EF53}"/>
-                </a:ext>
-              </a:extLst>
-            </p:cNvPr>
-            <p:cNvCxnSpPr>
-              <a:cxnSpLocks/>
-            </p:cNvCxnSpPr>
-            <p:nvPr/>
-          </p:nvCxnSpPr>
-          <p:spPr>
-            <a:xfrm>
-              <a:off x="1541725" y="1671488"/>
-              <a:ext cx="1635420" cy="0"/>
-            </a:xfrm>
-            <a:prstGeom prst="line">
-              <a:avLst/>
-            </a:prstGeom>
-            <a:ln w="38100">
-              <a:solidFill>
-                <a:srgbClr val="FF0000"/>
-              </a:solidFill>
-            </a:ln>
-          </p:spPr>
-          <p:style>
-            <a:lnRef idx="2">
-              <a:schemeClr val="accent1"/>
-            </a:lnRef>
-            <a:fillRef idx="0">
-              <a:schemeClr val="accent1"/>
-            </a:fillRef>
-            <a:effectRef idx="1">
-              <a:schemeClr val="accent1"/>
-            </a:effectRef>
-            <a:fontRef idx="minor">
-              <a:schemeClr val="tx1"/>
-            </a:fontRef>
-          </p:style>
-        </p:cxnSp>
-      </p:grpSp>
-      <p:sp>
-        <p:nvSpPr>
-          <p:cNvPr id="19" name="TextBox 18">
-            <a:extLst>
-              <a:ext uri="{FF2B5EF4-FFF2-40B4-BE49-F238E27FC236}">
-                <a16:creationId xmlns:a16="http://schemas.microsoft.com/office/drawing/2014/main" id="{D50983A9-607A-F915-3C59-6E8FA007DA4B}"/>
-              </a:ext>
-            </a:extLst>
-          </p:cNvPr>
-          <p:cNvSpPr txBox="1"/>
-          <p:nvPr/>
-        </p:nvSpPr>
-        <p:spPr>
-          <a:xfrm>
-            <a:off x="5889634" y="4996069"/>
-            <a:ext cx="564578" cy="369332"/>
-          </a:xfrm>
-          <a:prstGeom prst="rect">
-            <a:avLst/>
-          </a:prstGeom>
-          <a:noFill/>
-        </p:spPr>
-        <p:txBody>
-          <a:bodyPr wrap="none" rtlCol="0">
-            <a:spAutoFit/>
-          </a:bodyPr>
-          <a:lstStyle/>
-          <a:p>
-            <a:r>
-              <a:rPr lang="en-US" altLang="ko-KR" dirty="0">
-                <a:solidFill>
-                  <a:schemeClr val="bg1"/>
-                </a:solidFill>
-              </a:rPr>
-              <a:t>450</a:t>
-            </a:r>
-            <a:endParaRPr lang="ko-KR" altLang="en-US" dirty="0">
-              <a:solidFill>
-                <a:schemeClr val="bg1"/>
-              </a:solidFill>
-            </a:endParaRPr>
-          </a:p>
-        </p:txBody>
-      </p:sp>
-    </p:spTree>
-    <p:extLst>
-      <p:ext uri="{BB962C8B-B14F-4D97-AF65-F5344CB8AC3E}">
-        <p14:creationId xmlns:p14="http://schemas.microsoft.com/office/powerpoint/2010/main" val="171059900"/>
       </p:ext>
     </p:extLst>
   </p:cSld>
@@ -47330,6 +47312,466 @@
     <p:extLst>
       <p:ext uri="{BB962C8B-B14F-4D97-AF65-F5344CB8AC3E}">
         <p14:creationId xmlns:p14="http://schemas.microsoft.com/office/powerpoint/2010/main" val="3372908370"/>
+      </p:ext>
+    </p:extLst>
+  </p:cSld>
+  <p:clrMapOvr>
+    <a:masterClrMapping/>
+  </p:clrMapOvr>
+</p:sld>
+</file>
+
+<file path=ppt/slides/slide40.xml><?xml version="1.0" encoding="utf-8"?>
+<p:sld xmlns:a="http://schemas.openxmlformats.org/drawingml/2006/main" xmlns:r="http://schemas.openxmlformats.org/officeDocument/2006/relationships" xmlns:p="http://schemas.openxmlformats.org/presentationml/2006/main">
+  <p:cSld>
+    <p:spTree>
+      <p:nvGrpSpPr>
+        <p:cNvPr id="1" name="">
+          <a:extLst>
+            <a:ext uri="{FF2B5EF4-FFF2-40B4-BE49-F238E27FC236}">
+              <a16:creationId xmlns:a16="http://schemas.microsoft.com/office/drawing/2014/main" id="{28434CC5-076A-D18F-AACE-C01E38A2722C}"/>
+            </a:ext>
+          </a:extLst>
+        </p:cNvPr>
+        <p:cNvGrpSpPr/>
+        <p:nvPr/>
+      </p:nvGrpSpPr>
+      <p:grpSpPr>
+        <a:xfrm>
+          <a:off x="0" y="0"/>
+          <a:ext cx="0" cy="0"/>
+          <a:chOff x="0" y="0"/>
+          <a:chExt cx="0" cy="0"/>
+        </a:xfrm>
+      </p:grpSpPr>
+      <p:pic>
+        <p:nvPicPr>
+          <p:cNvPr id="3" name="그림 2" descr="텍스트, 스크린샷, 폰트이(가) 표시된 사진&#10;&#10;AI가 생성한 콘텐츠는 부정확할 수 있습니다.">
+            <a:extLst>
+              <a:ext uri="{FF2B5EF4-FFF2-40B4-BE49-F238E27FC236}">
+                <a16:creationId xmlns:a16="http://schemas.microsoft.com/office/drawing/2014/main" id="{5E43FCA2-5E4D-DC57-E402-C94A8FCDE6D8}"/>
+              </a:ext>
+            </a:extLst>
+          </p:cNvPr>
+          <p:cNvPicPr>
+            <a:picLocks noChangeAspect="1"/>
+          </p:cNvPicPr>
+          <p:nvPr/>
+        </p:nvPicPr>
+        <p:blipFill>
+          <a:blip r:embed="rId2">
+            <a:extLst>
+              <a:ext uri="{28A0092B-C50C-407E-A947-70E740481C1C}">
+                <a14:useLocalDpi xmlns:a14="http://schemas.microsoft.com/office/drawing/2010/main" val="0"/>
+              </a:ext>
+            </a:extLst>
+          </a:blip>
+          <a:stretch>
+            <a:fillRect/>
+          </a:stretch>
+        </p:blipFill>
+        <p:spPr>
+          <a:xfrm>
+            <a:off x="547522" y="226051"/>
+            <a:ext cx="11121017" cy="6256701"/>
+          </a:xfrm>
+          <a:prstGeom prst="rect">
+            <a:avLst/>
+          </a:prstGeom>
+        </p:spPr>
+      </p:pic>
+      <p:grpSp>
+        <p:nvGrpSpPr>
+          <p:cNvPr id="6" name="그룹 5">
+            <a:extLst>
+              <a:ext uri="{FF2B5EF4-FFF2-40B4-BE49-F238E27FC236}">
+                <a16:creationId xmlns:a16="http://schemas.microsoft.com/office/drawing/2014/main" id="{C25B2B59-7F73-0085-CF8A-1282A57C9D9B}"/>
+              </a:ext>
+            </a:extLst>
+          </p:cNvPr>
+          <p:cNvGrpSpPr/>
+          <p:nvPr/>
+        </p:nvGrpSpPr>
+        <p:grpSpPr>
+          <a:xfrm rot="5400000">
+            <a:off x="2126571" y="3247825"/>
+            <a:ext cx="2996647" cy="248054"/>
+            <a:chOff x="1541725" y="1547461"/>
+            <a:chExt cx="1635420" cy="248054"/>
+          </a:xfrm>
+        </p:grpSpPr>
+        <p:cxnSp>
+          <p:nvCxnSpPr>
+            <p:cNvPr id="7" name="직선 연결선 6">
+              <a:extLst>
+                <a:ext uri="{FF2B5EF4-FFF2-40B4-BE49-F238E27FC236}">
+                  <a16:creationId xmlns:a16="http://schemas.microsoft.com/office/drawing/2014/main" id="{2B727497-9C8E-4645-D9C1-A26B233D3EDE}"/>
+                </a:ext>
+              </a:extLst>
+            </p:cNvPr>
+            <p:cNvCxnSpPr>
+              <a:cxnSpLocks/>
+            </p:cNvCxnSpPr>
+            <p:nvPr/>
+          </p:nvCxnSpPr>
+          <p:spPr>
+            <a:xfrm rot="16200000">
+              <a:off x="1417698" y="1671488"/>
+              <a:ext cx="248054" cy="0"/>
+            </a:xfrm>
+            <a:prstGeom prst="line">
+              <a:avLst/>
+            </a:prstGeom>
+            <a:ln w="38100">
+              <a:solidFill>
+                <a:srgbClr val="FF0000"/>
+              </a:solidFill>
+            </a:ln>
+          </p:spPr>
+          <p:style>
+            <a:lnRef idx="2">
+              <a:schemeClr val="accent1"/>
+            </a:lnRef>
+            <a:fillRef idx="0">
+              <a:schemeClr val="accent1"/>
+            </a:fillRef>
+            <a:effectRef idx="1">
+              <a:schemeClr val="accent1"/>
+            </a:effectRef>
+            <a:fontRef idx="minor">
+              <a:schemeClr val="tx1"/>
+            </a:fontRef>
+          </p:style>
+        </p:cxnSp>
+        <p:cxnSp>
+          <p:nvCxnSpPr>
+            <p:cNvPr id="8" name="직선 연결선 7">
+              <a:extLst>
+                <a:ext uri="{FF2B5EF4-FFF2-40B4-BE49-F238E27FC236}">
+                  <a16:creationId xmlns:a16="http://schemas.microsoft.com/office/drawing/2014/main" id="{5AB30EC5-AF09-FAC3-B1F7-DE53A73D225A}"/>
+                </a:ext>
+              </a:extLst>
+            </p:cNvPr>
+            <p:cNvCxnSpPr>
+              <a:cxnSpLocks/>
+            </p:cNvCxnSpPr>
+            <p:nvPr/>
+          </p:nvCxnSpPr>
+          <p:spPr>
+            <a:xfrm rot="16200000">
+              <a:off x="3053112" y="1671488"/>
+              <a:ext cx="248054" cy="0"/>
+            </a:xfrm>
+            <a:prstGeom prst="line">
+              <a:avLst/>
+            </a:prstGeom>
+            <a:ln w="38100">
+              <a:solidFill>
+                <a:srgbClr val="FF0000"/>
+              </a:solidFill>
+            </a:ln>
+          </p:spPr>
+          <p:style>
+            <a:lnRef idx="2">
+              <a:schemeClr val="accent1"/>
+            </a:lnRef>
+            <a:fillRef idx="0">
+              <a:schemeClr val="accent1"/>
+            </a:fillRef>
+            <a:effectRef idx="1">
+              <a:schemeClr val="accent1"/>
+            </a:effectRef>
+            <a:fontRef idx="minor">
+              <a:schemeClr val="tx1"/>
+            </a:fontRef>
+          </p:style>
+        </p:cxnSp>
+        <p:cxnSp>
+          <p:nvCxnSpPr>
+            <p:cNvPr id="9" name="직선 연결선 8">
+              <a:extLst>
+                <a:ext uri="{FF2B5EF4-FFF2-40B4-BE49-F238E27FC236}">
+                  <a16:creationId xmlns:a16="http://schemas.microsoft.com/office/drawing/2014/main" id="{84591E74-F895-8805-6193-319611339D3C}"/>
+                </a:ext>
+              </a:extLst>
+            </p:cNvPr>
+            <p:cNvCxnSpPr>
+              <a:cxnSpLocks/>
+            </p:cNvCxnSpPr>
+            <p:nvPr/>
+          </p:nvCxnSpPr>
+          <p:spPr>
+            <a:xfrm>
+              <a:off x="1541725" y="1671488"/>
+              <a:ext cx="1635420" cy="0"/>
+            </a:xfrm>
+            <a:prstGeom prst="line">
+              <a:avLst/>
+            </a:prstGeom>
+            <a:ln w="38100">
+              <a:solidFill>
+                <a:srgbClr val="FF0000"/>
+              </a:solidFill>
+            </a:ln>
+          </p:spPr>
+          <p:style>
+            <a:lnRef idx="2">
+              <a:schemeClr val="accent1"/>
+            </a:lnRef>
+            <a:fillRef idx="0">
+              <a:schemeClr val="accent1"/>
+            </a:fillRef>
+            <a:effectRef idx="1">
+              <a:schemeClr val="accent1"/>
+            </a:effectRef>
+            <a:fontRef idx="minor">
+              <a:schemeClr val="tx1"/>
+            </a:fontRef>
+          </p:style>
+        </p:cxnSp>
+      </p:grpSp>
+      <p:sp>
+        <p:nvSpPr>
+          <p:cNvPr id="10" name="TextBox 9">
+            <a:extLst>
+              <a:ext uri="{FF2B5EF4-FFF2-40B4-BE49-F238E27FC236}">
+                <a16:creationId xmlns:a16="http://schemas.microsoft.com/office/drawing/2014/main" id="{114DD151-C292-CB3F-1AD1-CB4CE85EE299}"/>
+              </a:ext>
+            </a:extLst>
+          </p:cNvPr>
+          <p:cNvSpPr txBox="1"/>
+          <p:nvPr/>
+        </p:nvSpPr>
+        <p:spPr>
+          <a:xfrm>
+            <a:off x="2998303" y="3187186"/>
+            <a:ext cx="564578" cy="369332"/>
+          </a:xfrm>
+          <a:prstGeom prst="rect">
+            <a:avLst/>
+          </a:prstGeom>
+          <a:noFill/>
+        </p:spPr>
+        <p:txBody>
+          <a:bodyPr wrap="none" rtlCol="0">
+            <a:spAutoFit/>
+          </a:bodyPr>
+          <a:lstStyle/>
+          <a:p>
+            <a:r>
+              <a:rPr lang="en-US" altLang="ko-KR" dirty="0">
+                <a:solidFill>
+                  <a:schemeClr val="bg1"/>
+                </a:solidFill>
+              </a:rPr>
+              <a:t>300</a:t>
+            </a:r>
+            <a:endParaRPr lang="ko-KR" altLang="en-US" dirty="0">
+              <a:solidFill>
+                <a:schemeClr val="bg1"/>
+              </a:solidFill>
+            </a:endParaRPr>
+          </a:p>
+        </p:txBody>
+      </p:sp>
+      <p:grpSp>
+        <p:nvGrpSpPr>
+          <p:cNvPr id="4" name="그룹 3">
+            <a:extLst>
+              <a:ext uri="{FF2B5EF4-FFF2-40B4-BE49-F238E27FC236}">
+                <a16:creationId xmlns:a16="http://schemas.microsoft.com/office/drawing/2014/main" id="{F6328086-C23D-1082-7931-47B0858EF92C}"/>
+              </a:ext>
+            </a:extLst>
+          </p:cNvPr>
+          <p:cNvGrpSpPr/>
+          <p:nvPr/>
+        </p:nvGrpSpPr>
+        <p:grpSpPr>
+          <a:xfrm>
+            <a:off x="3682661" y="4882544"/>
+            <a:ext cx="4864991" cy="248054"/>
+            <a:chOff x="1541725" y="1547461"/>
+            <a:chExt cx="1635420" cy="248054"/>
+          </a:xfrm>
+        </p:grpSpPr>
+        <p:cxnSp>
+          <p:nvCxnSpPr>
+            <p:cNvPr id="16" name="직선 연결선 15">
+              <a:extLst>
+                <a:ext uri="{FF2B5EF4-FFF2-40B4-BE49-F238E27FC236}">
+                  <a16:creationId xmlns:a16="http://schemas.microsoft.com/office/drawing/2014/main" id="{1E081186-48CF-88F1-C180-92995080ABED}"/>
+                </a:ext>
+              </a:extLst>
+            </p:cNvPr>
+            <p:cNvCxnSpPr>
+              <a:cxnSpLocks/>
+            </p:cNvCxnSpPr>
+            <p:nvPr/>
+          </p:nvCxnSpPr>
+          <p:spPr>
+            <a:xfrm rot="16200000">
+              <a:off x="1417698" y="1671488"/>
+              <a:ext cx="248054" cy="0"/>
+            </a:xfrm>
+            <a:prstGeom prst="line">
+              <a:avLst/>
+            </a:prstGeom>
+            <a:ln w="38100">
+              <a:solidFill>
+                <a:srgbClr val="FF0000"/>
+              </a:solidFill>
+            </a:ln>
+          </p:spPr>
+          <p:style>
+            <a:lnRef idx="2">
+              <a:schemeClr val="accent1"/>
+            </a:lnRef>
+            <a:fillRef idx="0">
+              <a:schemeClr val="accent1"/>
+            </a:fillRef>
+            <a:effectRef idx="1">
+              <a:schemeClr val="accent1"/>
+            </a:effectRef>
+            <a:fontRef idx="minor">
+              <a:schemeClr val="tx1"/>
+            </a:fontRef>
+          </p:style>
+        </p:cxnSp>
+        <p:cxnSp>
+          <p:nvCxnSpPr>
+            <p:cNvPr id="17" name="직선 연결선 16">
+              <a:extLst>
+                <a:ext uri="{FF2B5EF4-FFF2-40B4-BE49-F238E27FC236}">
+                  <a16:creationId xmlns:a16="http://schemas.microsoft.com/office/drawing/2014/main" id="{E6C1E28D-6467-2D18-C62D-1D716A18974F}"/>
+                </a:ext>
+              </a:extLst>
+            </p:cNvPr>
+            <p:cNvCxnSpPr>
+              <a:cxnSpLocks/>
+            </p:cNvCxnSpPr>
+            <p:nvPr/>
+          </p:nvCxnSpPr>
+          <p:spPr>
+            <a:xfrm rot="16200000">
+              <a:off x="3053112" y="1671488"/>
+              <a:ext cx="248054" cy="0"/>
+            </a:xfrm>
+            <a:prstGeom prst="line">
+              <a:avLst/>
+            </a:prstGeom>
+            <a:ln w="38100">
+              <a:solidFill>
+                <a:srgbClr val="FF0000"/>
+              </a:solidFill>
+            </a:ln>
+          </p:spPr>
+          <p:style>
+            <a:lnRef idx="2">
+              <a:schemeClr val="accent1"/>
+            </a:lnRef>
+            <a:fillRef idx="0">
+              <a:schemeClr val="accent1"/>
+            </a:fillRef>
+            <a:effectRef idx="1">
+              <a:schemeClr val="accent1"/>
+            </a:effectRef>
+            <a:fontRef idx="minor">
+              <a:schemeClr val="tx1"/>
+            </a:fontRef>
+          </p:style>
+        </p:cxnSp>
+        <p:cxnSp>
+          <p:nvCxnSpPr>
+            <p:cNvPr id="18" name="직선 연결선 17">
+              <a:extLst>
+                <a:ext uri="{FF2B5EF4-FFF2-40B4-BE49-F238E27FC236}">
+                  <a16:creationId xmlns:a16="http://schemas.microsoft.com/office/drawing/2014/main" id="{83131934-9B53-08D3-B9D2-80A4AF97EF53}"/>
+                </a:ext>
+              </a:extLst>
+            </p:cNvPr>
+            <p:cNvCxnSpPr>
+              <a:cxnSpLocks/>
+            </p:cNvCxnSpPr>
+            <p:nvPr/>
+          </p:nvCxnSpPr>
+          <p:spPr>
+            <a:xfrm>
+              <a:off x="1541725" y="1671488"/>
+              <a:ext cx="1635420" cy="0"/>
+            </a:xfrm>
+            <a:prstGeom prst="line">
+              <a:avLst/>
+            </a:prstGeom>
+            <a:ln w="38100">
+              <a:solidFill>
+                <a:srgbClr val="FF0000"/>
+              </a:solidFill>
+            </a:ln>
+          </p:spPr>
+          <p:style>
+            <a:lnRef idx="2">
+              <a:schemeClr val="accent1"/>
+            </a:lnRef>
+            <a:fillRef idx="0">
+              <a:schemeClr val="accent1"/>
+            </a:fillRef>
+            <a:effectRef idx="1">
+              <a:schemeClr val="accent1"/>
+            </a:effectRef>
+            <a:fontRef idx="minor">
+              <a:schemeClr val="tx1"/>
+            </a:fontRef>
+          </p:style>
+        </p:cxnSp>
+      </p:grpSp>
+      <p:sp>
+        <p:nvSpPr>
+          <p:cNvPr id="19" name="TextBox 18">
+            <a:extLst>
+              <a:ext uri="{FF2B5EF4-FFF2-40B4-BE49-F238E27FC236}">
+                <a16:creationId xmlns:a16="http://schemas.microsoft.com/office/drawing/2014/main" id="{D50983A9-607A-F915-3C59-6E8FA007DA4B}"/>
+              </a:ext>
+            </a:extLst>
+          </p:cNvPr>
+          <p:cNvSpPr txBox="1"/>
+          <p:nvPr/>
+        </p:nvSpPr>
+        <p:spPr>
+          <a:xfrm>
+            <a:off x="5889634" y="4996069"/>
+            <a:ext cx="564578" cy="369332"/>
+          </a:xfrm>
+          <a:prstGeom prst="rect">
+            <a:avLst/>
+          </a:prstGeom>
+          <a:noFill/>
+        </p:spPr>
+        <p:txBody>
+          <a:bodyPr wrap="none" rtlCol="0">
+            <a:spAutoFit/>
+          </a:bodyPr>
+          <a:lstStyle/>
+          <a:p>
+            <a:r>
+              <a:rPr lang="en-US" altLang="ko-KR" dirty="0">
+                <a:solidFill>
+                  <a:schemeClr val="bg1"/>
+                </a:solidFill>
+              </a:rPr>
+              <a:t>450</a:t>
+            </a:r>
+            <a:endParaRPr lang="ko-KR" altLang="en-US" dirty="0">
+              <a:solidFill>
+                <a:schemeClr val="bg1"/>
+              </a:solidFill>
+            </a:endParaRPr>
+          </a:p>
+        </p:txBody>
+      </p:sp>
+    </p:spTree>
+    <p:extLst>
+      <p:ext uri="{BB962C8B-B14F-4D97-AF65-F5344CB8AC3E}">
+        <p14:creationId xmlns:p14="http://schemas.microsoft.com/office/powerpoint/2010/main" val="171059900"/>
       </p:ext>
     </p:extLst>
   </p:cSld>

--- a/document/UI.pptx
+++ b/document/UI.pptx
@@ -5,7 +5,7 @@
     <p:sldMasterId id="2147483648" r:id="rId1"/>
   </p:sldMasterIdLst>
   <p:notesMasterIdLst>
-    <p:notesMasterId r:id="rId42"/>
+    <p:notesMasterId r:id="rId44"/>
   </p:notesMasterIdLst>
   <p:sldIdLst>
     <p:sldId id="257" r:id="rId2"/>
@@ -47,7 +47,9 @@
     <p:sldId id="288" r:id="rId38"/>
     <p:sldId id="271" r:id="rId39"/>
     <p:sldId id="293" r:id="rId40"/>
-    <p:sldId id="294" r:id="rId41"/>
+    <p:sldId id="296" r:id="rId41"/>
+    <p:sldId id="297" r:id="rId42"/>
+    <p:sldId id="294" r:id="rId43"/>
   </p:sldIdLst>
   <p:sldSz cx="12192000" cy="6858000"/>
   <p:notesSz cx="6858000" cy="9144000"/>
@@ -236,7 +238,7 @@
           <a:p>
             <a:fld id="{5B07C18C-424A-405D-A330-3E94CEE48B39}" type="datetimeFigureOut">
               <a:rPr lang="ko-KR" altLang="en-US" smtClean="0"/>
-              <a:t>2025-02-23</a:t>
+              <a:t>2025-02-24</a:t>
             </a:fld>
             <a:endParaRPr lang="ko-KR" altLang="en-US"/>
           </a:p>
@@ -926,7 +928,7 @@
           <a:p>
             <a:fld id="{FD51FDC7-0CF3-4127-99F5-543E4DDB1909}" type="datetimeFigureOut">
               <a:rPr lang="ko-KR" altLang="en-US" smtClean="0"/>
-              <a:t>2025-02-23</a:t>
+              <a:t>2025-02-24</a:t>
             </a:fld>
             <a:endParaRPr lang="ko-KR" altLang="en-US"/>
           </a:p>
@@ -1124,7 +1126,7 @@
           <a:p>
             <a:fld id="{FD51FDC7-0CF3-4127-99F5-543E4DDB1909}" type="datetimeFigureOut">
               <a:rPr lang="ko-KR" altLang="en-US" smtClean="0"/>
-              <a:t>2025-02-23</a:t>
+              <a:t>2025-02-24</a:t>
             </a:fld>
             <a:endParaRPr lang="ko-KR" altLang="en-US"/>
           </a:p>
@@ -1332,7 +1334,7 @@
           <a:p>
             <a:fld id="{FD51FDC7-0CF3-4127-99F5-543E4DDB1909}" type="datetimeFigureOut">
               <a:rPr lang="ko-KR" altLang="en-US" smtClean="0"/>
-              <a:t>2025-02-23</a:t>
+              <a:t>2025-02-24</a:t>
             </a:fld>
             <a:endParaRPr lang="ko-KR" altLang="en-US"/>
           </a:p>
@@ -1530,7 +1532,7 @@
           <a:p>
             <a:fld id="{FD51FDC7-0CF3-4127-99F5-543E4DDB1909}" type="datetimeFigureOut">
               <a:rPr lang="ko-KR" altLang="en-US" smtClean="0"/>
-              <a:t>2025-02-23</a:t>
+              <a:t>2025-02-24</a:t>
             </a:fld>
             <a:endParaRPr lang="ko-KR" altLang="en-US"/>
           </a:p>
@@ -1805,7 +1807,7 @@
           <a:p>
             <a:fld id="{FD51FDC7-0CF3-4127-99F5-543E4DDB1909}" type="datetimeFigureOut">
               <a:rPr lang="ko-KR" altLang="en-US" smtClean="0"/>
-              <a:t>2025-02-23</a:t>
+              <a:t>2025-02-24</a:t>
             </a:fld>
             <a:endParaRPr lang="ko-KR" altLang="en-US"/>
           </a:p>
@@ -2070,7 +2072,7 @@
           <a:p>
             <a:fld id="{FD51FDC7-0CF3-4127-99F5-543E4DDB1909}" type="datetimeFigureOut">
               <a:rPr lang="ko-KR" altLang="en-US" smtClean="0"/>
-              <a:t>2025-02-23</a:t>
+              <a:t>2025-02-24</a:t>
             </a:fld>
             <a:endParaRPr lang="ko-KR" altLang="en-US"/>
           </a:p>
@@ -2482,7 +2484,7 @@
           <a:p>
             <a:fld id="{FD51FDC7-0CF3-4127-99F5-543E4DDB1909}" type="datetimeFigureOut">
               <a:rPr lang="ko-KR" altLang="en-US" smtClean="0"/>
-              <a:t>2025-02-23</a:t>
+              <a:t>2025-02-24</a:t>
             </a:fld>
             <a:endParaRPr lang="ko-KR" altLang="en-US"/>
           </a:p>
@@ -2623,7 +2625,7 @@
           <a:p>
             <a:fld id="{FD51FDC7-0CF3-4127-99F5-543E4DDB1909}" type="datetimeFigureOut">
               <a:rPr lang="ko-KR" altLang="en-US" smtClean="0"/>
-              <a:t>2025-02-23</a:t>
+              <a:t>2025-02-24</a:t>
             </a:fld>
             <a:endParaRPr lang="ko-KR" altLang="en-US"/>
           </a:p>
@@ -2736,7 +2738,7 @@
           <a:p>
             <a:fld id="{FD51FDC7-0CF3-4127-99F5-543E4DDB1909}" type="datetimeFigureOut">
               <a:rPr lang="ko-KR" altLang="en-US" smtClean="0"/>
-              <a:t>2025-02-23</a:t>
+              <a:t>2025-02-24</a:t>
             </a:fld>
             <a:endParaRPr lang="ko-KR" altLang="en-US"/>
           </a:p>
@@ -3047,7 +3049,7 @@
           <a:p>
             <a:fld id="{FD51FDC7-0CF3-4127-99F5-543E4DDB1909}" type="datetimeFigureOut">
               <a:rPr lang="ko-KR" altLang="en-US" smtClean="0"/>
-              <a:t>2025-02-23</a:t>
+              <a:t>2025-02-24</a:t>
             </a:fld>
             <a:endParaRPr lang="ko-KR" altLang="en-US"/>
           </a:p>
@@ -3335,7 +3337,7 @@
           <a:p>
             <a:fld id="{FD51FDC7-0CF3-4127-99F5-543E4DDB1909}" type="datetimeFigureOut">
               <a:rPr lang="ko-KR" altLang="en-US" smtClean="0"/>
-              <a:t>2025-02-23</a:t>
+              <a:t>2025-02-24</a:t>
             </a:fld>
             <a:endParaRPr lang="ko-KR" altLang="en-US"/>
           </a:p>
@@ -3576,7 +3578,7 @@
           <a:p>
             <a:fld id="{FD51FDC7-0CF3-4127-99F5-543E4DDB1909}" type="datetimeFigureOut">
               <a:rPr lang="ko-KR" altLang="en-US" smtClean="0"/>
-              <a:t>2025-02-23</a:t>
+              <a:t>2025-02-24</a:t>
             </a:fld>
             <a:endParaRPr lang="ko-KR" altLang="en-US"/>
           </a:p>
@@ -47329,6 +47331,1152 @@
         <p:cNvPr id="1" name="">
           <a:extLst>
             <a:ext uri="{FF2B5EF4-FFF2-40B4-BE49-F238E27FC236}">
+              <a16:creationId xmlns:a16="http://schemas.microsoft.com/office/drawing/2014/main" id="{241FF428-9709-1608-9817-EDC1823DF96E}"/>
+            </a:ext>
+          </a:extLst>
+        </p:cNvPr>
+        <p:cNvGrpSpPr/>
+        <p:nvPr/>
+      </p:nvGrpSpPr>
+      <p:grpSpPr>
+        <a:xfrm>
+          <a:off x="0" y="0"/>
+          <a:ext cx="0" cy="0"/>
+          <a:chOff x="0" y="0"/>
+          <a:chExt cx="0" cy="0"/>
+        </a:xfrm>
+      </p:grpSpPr>
+      <p:pic>
+        <p:nvPicPr>
+          <p:cNvPr id="3" name="그림 2" descr="텍스트, 스크린샷, 만화 영화, 그래픽 디자인이(가) 표시된 사진&#10;&#10;AI가 생성한 콘텐츠는 부정확할 수 있습니다.">
+            <a:extLst>
+              <a:ext uri="{FF2B5EF4-FFF2-40B4-BE49-F238E27FC236}">
+                <a16:creationId xmlns:a16="http://schemas.microsoft.com/office/drawing/2014/main" id="{E21EF7D5-A8DA-ED8F-B891-B5602FBC7FC2}"/>
+              </a:ext>
+            </a:extLst>
+          </p:cNvPr>
+          <p:cNvPicPr>
+            <a:picLocks noChangeAspect="1"/>
+          </p:cNvPicPr>
+          <p:nvPr/>
+        </p:nvPicPr>
+        <p:blipFill>
+          <a:blip r:embed="rId2">
+            <a:extLst>
+              <a:ext uri="{28A0092B-C50C-407E-A947-70E740481C1C}">
+                <a14:useLocalDpi xmlns:a14="http://schemas.microsoft.com/office/drawing/2010/main" val="0"/>
+              </a:ext>
+            </a:extLst>
+          </a:blip>
+          <a:stretch>
+            <a:fillRect/>
+          </a:stretch>
+        </p:blipFill>
+        <p:spPr>
+          <a:xfrm>
+            <a:off x="488748" y="237199"/>
+            <a:ext cx="11181329" cy="6289497"/>
+          </a:xfrm>
+          <a:prstGeom prst="rect">
+            <a:avLst/>
+          </a:prstGeom>
+        </p:spPr>
+      </p:pic>
+      <p:sp>
+        <p:nvSpPr>
+          <p:cNvPr id="4" name="말풍선: 사각형 3">
+            <a:extLst>
+              <a:ext uri="{FF2B5EF4-FFF2-40B4-BE49-F238E27FC236}">
+                <a16:creationId xmlns:a16="http://schemas.microsoft.com/office/drawing/2014/main" id="{4B0E3068-E8E7-7647-E595-10EDD9B93B95}"/>
+              </a:ext>
+            </a:extLst>
+          </p:cNvPr>
+          <p:cNvSpPr/>
+          <p:nvPr/>
+        </p:nvSpPr>
+        <p:spPr>
+          <a:xfrm>
+            <a:off x="3729443" y="1751783"/>
+            <a:ext cx="3012417" cy="933032"/>
+          </a:xfrm>
+          <a:prstGeom prst="wedgeRectCallout">
+            <a:avLst>
+              <a:gd name="adj1" fmla="val -65614"/>
+              <a:gd name="adj2" fmla="val 29535"/>
+            </a:avLst>
+          </a:prstGeom>
+          <a:solidFill>
+            <a:schemeClr val="bg1"/>
+          </a:solidFill>
+          <a:ln>
+            <a:solidFill>
+              <a:schemeClr val="tx1"/>
+            </a:solidFill>
+          </a:ln>
+        </p:spPr>
+        <p:style>
+          <a:lnRef idx="2">
+            <a:schemeClr val="accent1">
+              <a:shade val="15000"/>
+            </a:schemeClr>
+          </a:lnRef>
+          <a:fillRef idx="1">
+            <a:schemeClr val="accent1"/>
+          </a:fillRef>
+          <a:effectRef idx="0">
+            <a:schemeClr val="accent1"/>
+          </a:effectRef>
+          <a:fontRef idx="minor">
+            <a:schemeClr val="lt1"/>
+          </a:fontRef>
+        </p:style>
+        <p:txBody>
+          <a:bodyPr rtlCol="0" anchor="ctr"/>
+          <a:lstStyle/>
+          <a:p>
+            <a:r>
+              <a:rPr lang="ko-KR" altLang="en-US" sz="1200" dirty="0">
+                <a:solidFill>
+                  <a:schemeClr val="tx1"/>
+                </a:solidFill>
+              </a:rPr>
+              <a:t>순위에 맞춰서 트로피 컨셉의 디자인</a:t>
+            </a:r>
+            <a:endParaRPr lang="en-US" altLang="ko-KR" sz="1200" dirty="0">
+              <a:solidFill>
+                <a:schemeClr val="tx1"/>
+              </a:solidFill>
+            </a:endParaRPr>
+          </a:p>
+          <a:p>
+            <a:r>
+              <a:rPr lang="en-US" altLang="ko-KR" sz="1200" dirty="0">
+                <a:solidFill>
+                  <a:schemeClr val="tx1"/>
+                </a:solidFill>
+              </a:rPr>
+              <a:t>1</a:t>
+            </a:r>
+            <a:r>
+              <a:rPr lang="ko-KR" altLang="en-US" sz="1200" dirty="0">
+                <a:solidFill>
+                  <a:schemeClr val="tx1"/>
+                </a:solidFill>
+              </a:rPr>
+              <a:t>위 </a:t>
+            </a:r>
+            <a:r>
+              <a:rPr lang="en-US" altLang="ko-KR" sz="1200" dirty="0">
+                <a:solidFill>
+                  <a:schemeClr val="tx1"/>
+                </a:solidFill>
+              </a:rPr>
+              <a:t>: </a:t>
+            </a:r>
+            <a:r>
+              <a:rPr lang="ko-KR" altLang="en-US" sz="1200" dirty="0">
+                <a:solidFill>
+                  <a:schemeClr val="tx1"/>
+                </a:solidFill>
+              </a:rPr>
+              <a:t>황금색 트로피</a:t>
+            </a:r>
+            <a:endParaRPr lang="en-US" altLang="ko-KR" sz="1200" dirty="0">
+              <a:solidFill>
+                <a:schemeClr val="tx1"/>
+              </a:solidFill>
+            </a:endParaRPr>
+          </a:p>
+          <a:p>
+            <a:r>
+              <a:rPr lang="en-US" altLang="ko-KR" sz="1200" dirty="0">
+                <a:solidFill>
+                  <a:schemeClr val="tx1"/>
+                </a:solidFill>
+              </a:rPr>
+              <a:t>2</a:t>
+            </a:r>
+            <a:r>
+              <a:rPr lang="ko-KR" altLang="en-US" sz="1200" dirty="0">
+                <a:solidFill>
+                  <a:schemeClr val="tx1"/>
+                </a:solidFill>
+              </a:rPr>
+              <a:t>위 </a:t>
+            </a:r>
+            <a:r>
+              <a:rPr lang="en-US" altLang="ko-KR" sz="1200" dirty="0">
+                <a:solidFill>
+                  <a:schemeClr val="tx1"/>
+                </a:solidFill>
+              </a:rPr>
+              <a:t>: </a:t>
+            </a:r>
+            <a:r>
+              <a:rPr lang="ko-KR" altLang="en-US" sz="1200" dirty="0">
+                <a:solidFill>
+                  <a:schemeClr val="tx1"/>
+                </a:solidFill>
+              </a:rPr>
+              <a:t>은색 트로피</a:t>
+            </a:r>
+            <a:endParaRPr lang="en-US" altLang="ko-KR" sz="1200" dirty="0">
+              <a:solidFill>
+                <a:schemeClr val="tx1"/>
+              </a:solidFill>
+            </a:endParaRPr>
+          </a:p>
+        </p:txBody>
+      </p:sp>
+      <p:sp>
+        <p:nvSpPr>
+          <p:cNvPr id="5" name="사각형: 둥근 모서리 4">
+            <a:extLst>
+              <a:ext uri="{FF2B5EF4-FFF2-40B4-BE49-F238E27FC236}">
+                <a16:creationId xmlns:a16="http://schemas.microsoft.com/office/drawing/2014/main" id="{40AA7D2A-FF6C-5ED6-A8F1-82163A99447A}"/>
+              </a:ext>
+            </a:extLst>
+          </p:cNvPr>
+          <p:cNvSpPr/>
+          <p:nvPr/>
+        </p:nvSpPr>
+        <p:spPr>
+          <a:xfrm>
+            <a:off x="1364974" y="3140765"/>
+            <a:ext cx="2140226" cy="443948"/>
+          </a:xfrm>
+          <a:prstGeom prst="roundRect">
+            <a:avLst/>
+          </a:prstGeom>
+          <a:solidFill>
+            <a:schemeClr val="bg1"/>
+          </a:solidFill>
+          <a:ln>
+            <a:noFill/>
+          </a:ln>
+        </p:spPr>
+        <p:style>
+          <a:lnRef idx="2">
+            <a:schemeClr val="accent1">
+              <a:shade val="15000"/>
+            </a:schemeClr>
+          </a:lnRef>
+          <a:fillRef idx="1">
+            <a:schemeClr val="accent1"/>
+          </a:fillRef>
+          <a:effectRef idx="0">
+            <a:schemeClr val="accent1"/>
+          </a:effectRef>
+          <a:fontRef idx="minor">
+            <a:schemeClr val="lt1"/>
+          </a:fontRef>
+        </p:style>
+        <p:txBody>
+          <a:bodyPr rtlCol="0" anchor="ctr"/>
+          <a:lstStyle/>
+          <a:p>
+            <a:pPr algn="ctr"/>
+            <a:endParaRPr lang="ko-KR" altLang="en-US"/>
+          </a:p>
+        </p:txBody>
+      </p:sp>
+      <p:sp>
+        <p:nvSpPr>
+          <p:cNvPr id="16" name="말풍선: 사각형 15">
+            <a:extLst>
+              <a:ext uri="{FF2B5EF4-FFF2-40B4-BE49-F238E27FC236}">
+                <a16:creationId xmlns:a16="http://schemas.microsoft.com/office/drawing/2014/main" id="{B30B65AA-000F-E3AC-404C-3F68342F633A}"/>
+              </a:ext>
+            </a:extLst>
+          </p:cNvPr>
+          <p:cNvSpPr/>
+          <p:nvPr/>
+        </p:nvSpPr>
+        <p:spPr>
+          <a:xfrm>
+            <a:off x="2083904" y="5588381"/>
+            <a:ext cx="3012417" cy="585885"/>
+          </a:xfrm>
+          <a:prstGeom prst="wedgeRectCallout">
+            <a:avLst>
+              <a:gd name="adj1" fmla="val -21182"/>
+              <a:gd name="adj2" fmla="val -79226"/>
+            </a:avLst>
+          </a:prstGeom>
+          <a:solidFill>
+            <a:schemeClr val="bg1"/>
+          </a:solidFill>
+          <a:ln>
+            <a:solidFill>
+              <a:schemeClr val="tx1"/>
+            </a:solidFill>
+          </a:ln>
+        </p:spPr>
+        <p:style>
+          <a:lnRef idx="2">
+            <a:schemeClr val="accent1">
+              <a:shade val="15000"/>
+            </a:schemeClr>
+          </a:lnRef>
+          <a:fillRef idx="1">
+            <a:schemeClr val="accent1"/>
+          </a:fillRef>
+          <a:effectRef idx="0">
+            <a:schemeClr val="accent1"/>
+          </a:effectRef>
+          <a:fontRef idx="minor">
+            <a:schemeClr val="lt1"/>
+          </a:fontRef>
+        </p:style>
+        <p:txBody>
+          <a:bodyPr rtlCol="0" anchor="ctr"/>
+          <a:lstStyle/>
+          <a:p>
+            <a:r>
+              <a:rPr lang="ko-KR" altLang="en-US" sz="1200" dirty="0">
+                <a:solidFill>
+                  <a:schemeClr val="tx1"/>
+                </a:solidFill>
+              </a:rPr>
+              <a:t>칠판을 모티브로 한 컨셉의 </a:t>
+            </a:r>
+            <a:r>
+              <a:rPr lang="en-US" altLang="ko-KR" sz="1200" dirty="0">
+                <a:solidFill>
+                  <a:schemeClr val="tx1"/>
+                </a:solidFill>
+              </a:rPr>
+              <a:t>UI</a:t>
+            </a:r>
+          </a:p>
+          <a:p>
+            <a:r>
+              <a:rPr lang="ko-KR" altLang="en-US" sz="1200" dirty="0">
+                <a:solidFill>
+                  <a:schemeClr val="tx1"/>
+                </a:solidFill>
+              </a:rPr>
+              <a:t>하단에 분필 및 분필 지우개 장식</a:t>
+            </a:r>
+            <a:endParaRPr lang="en-US" altLang="ko-KR" sz="1200" dirty="0">
+              <a:solidFill>
+                <a:schemeClr val="tx1"/>
+              </a:solidFill>
+            </a:endParaRPr>
+          </a:p>
+        </p:txBody>
+      </p:sp>
+      <p:sp>
+        <p:nvSpPr>
+          <p:cNvPr id="17" name="말풍선: 사각형 16">
+            <a:extLst>
+              <a:ext uri="{FF2B5EF4-FFF2-40B4-BE49-F238E27FC236}">
+                <a16:creationId xmlns:a16="http://schemas.microsoft.com/office/drawing/2014/main" id="{0E588789-5494-0D48-3484-906BD0CF292C}"/>
+              </a:ext>
+            </a:extLst>
+          </p:cNvPr>
+          <p:cNvSpPr/>
+          <p:nvPr/>
+        </p:nvSpPr>
+        <p:spPr>
+          <a:xfrm>
+            <a:off x="4855878" y="4541366"/>
+            <a:ext cx="3012417" cy="799260"/>
+          </a:xfrm>
+          <a:prstGeom prst="wedgeRectCallout">
+            <a:avLst>
+              <a:gd name="adj1" fmla="val 49645"/>
+              <a:gd name="adj2" fmla="val 86348"/>
+            </a:avLst>
+          </a:prstGeom>
+          <a:solidFill>
+            <a:schemeClr val="bg1"/>
+          </a:solidFill>
+          <a:ln>
+            <a:solidFill>
+              <a:schemeClr val="tx1"/>
+            </a:solidFill>
+          </a:ln>
+        </p:spPr>
+        <p:style>
+          <a:lnRef idx="2">
+            <a:schemeClr val="accent1">
+              <a:shade val="15000"/>
+            </a:schemeClr>
+          </a:lnRef>
+          <a:fillRef idx="1">
+            <a:schemeClr val="accent1"/>
+          </a:fillRef>
+          <a:effectRef idx="0">
+            <a:schemeClr val="accent1"/>
+          </a:effectRef>
+          <a:fontRef idx="minor">
+            <a:schemeClr val="lt1"/>
+          </a:fontRef>
+        </p:style>
+        <p:txBody>
+          <a:bodyPr rtlCol="0" anchor="ctr"/>
+          <a:lstStyle/>
+          <a:p>
+            <a:r>
+              <a:rPr lang="ko-KR" altLang="en-US" sz="1200" dirty="0">
+                <a:solidFill>
+                  <a:schemeClr val="tx1"/>
+                </a:solidFill>
+              </a:rPr>
+              <a:t>매칭 시작 글씨 옆에 쓰일</a:t>
+            </a:r>
+            <a:endParaRPr lang="en-US" altLang="ko-KR" sz="1200" dirty="0">
+              <a:solidFill>
+                <a:schemeClr val="tx1"/>
+              </a:solidFill>
+            </a:endParaRPr>
+          </a:p>
+          <a:p>
+            <a:r>
+              <a:rPr lang="ko-KR" altLang="en-US" sz="1200" dirty="0">
+                <a:solidFill>
+                  <a:schemeClr val="tx1"/>
+                </a:solidFill>
+              </a:rPr>
+              <a:t>달리기 </a:t>
+            </a:r>
+            <a:r>
+              <a:rPr lang="ko-KR" altLang="en-US" sz="1200" dirty="0" err="1">
+                <a:solidFill>
+                  <a:schemeClr val="tx1"/>
+                </a:solidFill>
+              </a:rPr>
+              <a:t>시작시</a:t>
+            </a:r>
+            <a:r>
+              <a:rPr lang="ko-KR" altLang="en-US" sz="1200" dirty="0">
+                <a:solidFill>
+                  <a:schemeClr val="tx1"/>
+                </a:solidFill>
+              </a:rPr>
+              <a:t> 사용되는 총모양의 아이콘</a:t>
+            </a:r>
+            <a:endParaRPr lang="en-US" altLang="ko-KR" sz="1200" dirty="0">
+              <a:solidFill>
+                <a:schemeClr val="tx1"/>
+              </a:solidFill>
+            </a:endParaRPr>
+          </a:p>
+          <a:p>
+            <a:r>
+              <a:rPr lang="ko-KR" altLang="en-US" sz="1200" dirty="0">
+                <a:solidFill>
+                  <a:schemeClr val="tx1"/>
+                </a:solidFill>
+              </a:rPr>
+              <a:t>컨셉</a:t>
+            </a:r>
+            <a:endParaRPr lang="en-US" altLang="ko-KR" sz="1200" dirty="0">
+              <a:solidFill>
+                <a:schemeClr val="tx1"/>
+              </a:solidFill>
+            </a:endParaRPr>
+          </a:p>
+        </p:txBody>
+      </p:sp>
+    </p:spTree>
+    <p:extLst>
+      <p:ext uri="{BB962C8B-B14F-4D97-AF65-F5344CB8AC3E}">
+        <p14:creationId xmlns:p14="http://schemas.microsoft.com/office/powerpoint/2010/main" val="3824855592"/>
+      </p:ext>
+    </p:extLst>
+  </p:cSld>
+  <p:clrMapOvr>
+    <a:masterClrMapping/>
+  </p:clrMapOvr>
+</p:sld>
+</file>
+
+<file path=ppt/slides/slide41.xml><?xml version="1.0" encoding="utf-8"?>
+<p:sld xmlns:a="http://schemas.openxmlformats.org/drawingml/2006/main" xmlns:r="http://schemas.openxmlformats.org/officeDocument/2006/relationships" xmlns:p="http://schemas.openxmlformats.org/presentationml/2006/main">
+  <p:cSld>
+    <p:spTree>
+      <p:nvGrpSpPr>
+        <p:cNvPr id="1" name=""/>
+        <p:cNvGrpSpPr/>
+        <p:nvPr/>
+      </p:nvGrpSpPr>
+      <p:grpSpPr>
+        <a:xfrm>
+          <a:off x="0" y="0"/>
+          <a:ext cx="0" cy="0"/>
+          <a:chOff x="0" y="0"/>
+          <a:chExt cx="0" cy="0"/>
+        </a:xfrm>
+      </p:grpSpPr>
+      <p:pic>
+        <p:nvPicPr>
+          <p:cNvPr id="2" name="그림 1" descr="스크린샷, 멀티미디어이(가) 표시된 사진&#10;&#10;AI가 생성한 콘텐츠는 부정확할 수 있습니다.">
+            <a:extLst>
+              <a:ext uri="{FF2B5EF4-FFF2-40B4-BE49-F238E27FC236}">
+                <a16:creationId xmlns:a16="http://schemas.microsoft.com/office/drawing/2014/main" id="{F63A6920-F5F7-2C9B-2ADE-098BAEB2C550}"/>
+              </a:ext>
+            </a:extLst>
+          </p:cNvPr>
+          <p:cNvPicPr>
+            <a:picLocks noChangeAspect="1"/>
+          </p:cNvPicPr>
+          <p:nvPr/>
+        </p:nvPicPr>
+        <p:blipFill>
+          <a:blip r:embed="rId2">
+            <a:extLst>
+              <a:ext uri="{28A0092B-C50C-407E-A947-70E740481C1C}">
+                <a14:useLocalDpi xmlns:a14="http://schemas.microsoft.com/office/drawing/2010/main" val="0"/>
+              </a:ext>
+            </a:extLst>
+          </a:blip>
+          <a:srcRect l="3084" t="6357"/>
+          <a:stretch/>
+        </p:blipFill>
+        <p:spPr>
+          <a:xfrm>
+            <a:off x="1110532" y="614928"/>
+            <a:ext cx="9508944" cy="5295542"/>
+          </a:xfrm>
+          <a:prstGeom prst="rect">
+            <a:avLst/>
+          </a:prstGeom>
+        </p:spPr>
+      </p:pic>
+      <p:sp>
+        <p:nvSpPr>
+          <p:cNvPr id="3" name="사각형: 둥근 모서리 2">
+            <a:extLst>
+              <a:ext uri="{FF2B5EF4-FFF2-40B4-BE49-F238E27FC236}">
+                <a16:creationId xmlns:a16="http://schemas.microsoft.com/office/drawing/2014/main" id="{02BD3B2C-9277-1690-A2AA-FD0DA2A3D687}"/>
+              </a:ext>
+            </a:extLst>
+          </p:cNvPr>
+          <p:cNvSpPr/>
+          <p:nvPr/>
+        </p:nvSpPr>
+        <p:spPr>
+          <a:xfrm>
+            <a:off x="1523020" y="1037434"/>
+            <a:ext cx="8683968" cy="4450531"/>
+          </a:xfrm>
+          <a:prstGeom prst="roundRect">
+            <a:avLst>
+              <a:gd name="adj" fmla="val 15448"/>
+            </a:avLst>
+          </a:prstGeom>
+          <a:solidFill>
+            <a:schemeClr val="bg2">
+              <a:lumMod val="50000"/>
+              <a:alpha val="75000"/>
+            </a:schemeClr>
+          </a:solidFill>
+        </p:spPr>
+        <p:style>
+          <a:lnRef idx="2">
+            <a:schemeClr val="accent1">
+              <a:shade val="15000"/>
+            </a:schemeClr>
+          </a:lnRef>
+          <a:fillRef idx="1">
+            <a:schemeClr val="accent1"/>
+          </a:fillRef>
+          <a:effectRef idx="0">
+            <a:schemeClr val="accent1"/>
+          </a:effectRef>
+          <a:fontRef idx="minor">
+            <a:schemeClr val="lt1"/>
+          </a:fontRef>
+        </p:style>
+        <p:txBody>
+          <a:bodyPr rtlCol="0" anchor="ctr"/>
+          <a:lstStyle/>
+          <a:p>
+            <a:pPr algn="ctr"/>
+            <a:endParaRPr lang="ko-KR" altLang="en-US" sz="2400"/>
+          </a:p>
+        </p:txBody>
+      </p:sp>
+      <p:sp>
+        <p:nvSpPr>
+          <p:cNvPr id="4" name="사각형: 둥근 모서리 3">
+            <a:extLst>
+              <a:ext uri="{FF2B5EF4-FFF2-40B4-BE49-F238E27FC236}">
+                <a16:creationId xmlns:a16="http://schemas.microsoft.com/office/drawing/2014/main" id="{C27B8463-01EF-4ECE-6292-DFC6930B7291}"/>
+              </a:ext>
+            </a:extLst>
+          </p:cNvPr>
+          <p:cNvSpPr/>
+          <p:nvPr/>
+        </p:nvSpPr>
+        <p:spPr>
+          <a:xfrm>
+            <a:off x="4022336" y="2031088"/>
+            <a:ext cx="3685337" cy="1977695"/>
+          </a:xfrm>
+          <a:prstGeom prst="roundRect">
+            <a:avLst/>
+          </a:prstGeom>
+        </p:spPr>
+        <p:style>
+          <a:lnRef idx="2">
+            <a:schemeClr val="accent1">
+              <a:shade val="15000"/>
+            </a:schemeClr>
+          </a:lnRef>
+          <a:fillRef idx="1">
+            <a:schemeClr val="accent1"/>
+          </a:fillRef>
+          <a:effectRef idx="0">
+            <a:schemeClr val="accent1"/>
+          </a:effectRef>
+          <a:fontRef idx="minor">
+            <a:schemeClr val="lt1"/>
+          </a:fontRef>
+        </p:style>
+        <p:txBody>
+          <a:bodyPr rtlCol="0" anchor="ctr"/>
+          <a:lstStyle/>
+          <a:p>
+            <a:pPr algn="ctr"/>
+            <a:endParaRPr lang="en-US" altLang="ko-KR" sz="3200" dirty="0"/>
+          </a:p>
+        </p:txBody>
+      </p:sp>
+      <p:sp>
+        <p:nvSpPr>
+          <p:cNvPr id="5" name="사각형: 둥근 모서리 4">
+            <a:extLst>
+              <a:ext uri="{FF2B5EF4-FFF2-40B4-BE49-F238E27FC236}">
+                <a16:creationId xmlns:a16="http://schemas.microsoft.com/office/drawing/2014/main" id="{408EC588-73F7-39D8-722E-B1D6E82E57FE}"/>
+              </a:ext>
+            </a:extLst>
+          </p:cNvPr>
+          <p:cNvSpPr/>
+          <p:nvPr/>
+        </p:nvSpPr>
+        <p:spPr>
+          <a:xfrm>
+            <a:off x="7865955" y="4596193"/>
+            <a:ext cx="1979162" cy="704906"/>
+          </a:xfrm>
+          <a:prstGeom prst="roundRect">
+            <a:avLst/>
+          </a:prstGeom>
+          <a:solidFill>
+            <a:srgbClr val="00B050"/>
+          </a:solidFill>
+        </p:spPr>
+        <p:style>
+          <a:lnRef idx="2">
+            <a:schemeClr val="accent1">
+              <a:shade val="15000"/>
+            </a:schemeClr>
+          </a:lnRef>
+          <a:fillRef idx="1">
+            <a:schemeClr val="accent1"/>
+          </a:fillRef>
+          <a:effectRef idx="0">
+            <a:schemeClr val="accent1"/>
+          </a:effectRef>
+          <a:fontRef idx="minor">
+            <a:schemeClr val="lt1"/>
+          </a:fontRef>
+        </p:style>
+        <p:txBody>
+          <a:bodyPr rtlCol="0" anchor="ctr"/>
+          <a:lstStyle/>
+          <a:p>
+            <a:pPr algn="ctr"/>
+            <a:r>
+              <a:rPr lang="ko-KR" altLang="en-US" sz="3200"/>
+              <a:t>확인</a:t>
+            </a:r>
+          </a:p>
+        </p:txBody>
+      </p:sp>
+      <p:sp>
+        <p:nvSpPr>
+          <p:cNvPr id="8" name="TextBox 7">
+            <a:extLst>
+              <a:ext uri="{FF2B5EF4-FFF2-40B4-BE49-F238E27FC236}">
+                <a16:creationId xmlns:a16="http://schemas.microsoft.com/office/drawing/2014/main" id="{5F778C06-B3B1-2C89-3CEB-6347126A4B53}"/>
+              </a:ext>
+            </a:extLst>
+          </p:cNvPr>
+          <p:cNvSpPr txBox="1"/>
+          <p:nvPr/>
+        </p:nvSpPr>
+        <p:spPr>
+          <a:xfrm>
+            <a:off x="5057731" y="2108778"/>
+            <a:ext cx="1614545" cy="461665"/>
+          </a:xfrm>
+          <a:prstGeom prst="rect">
+            <a:avLst/>
+          </a:prstGeom>
+          <a:noFill/>
+        </p:spPr>
+        <p:txBody>
+          <a:bodyPr wrap="none" rtlCol="0">
+            <a:spAutoFit/>
+          </a:bodyPr>
+          <a:lstStyle/>
+          <a:p>
+            <a:r>
+              <a:rPr lang="ko-KR" altLang="en-US" sz="2400" b="1" dirty="0">
+                <a:solidFill>
+                  <a:schemeClr val="bg1"/>
+                </a:solidFill>
+              </a:rPr>
+              <a:t>결과 발표</a:t>
+            </a:r>
+            <a:r>
+              <a:rPr lang="en-US" altLang="ko-KR" sz="2400" b="1" dirty="0">
+                <a:solidFill>
+                  <a:schemeClr val="bg1"/>
+                </a:solidFill>
+              </a:rPr>
+              <a:t>!</a:t>
+            </a:r>
+            <a:endParaRPr lang="ko-KR" altLang="en-US" sz="2400" b="1" dirty="0">
+              <a:solidFill>
+                <a:schemeClr val="bg1"/>
+              </a:solidFill>
+            </a:endParaRPr>
+          </a:p>
+        </p:txBody>
+      </p:sp>
+      <p:sp>
+        <p:nvSpPr>
+          <p:cNvPr id="9" name="TextBox 8">
+            <a:extLst>
+              <a:ext uri="{FF2B5EF4-FFF2-40B4-BE49-F238E27FC236}">
+                <a16:creationId xmlns:a16="http://schemas.microsoft.com/office/drawing/2014/main" id="{74AEA03C-D7CE-64E3-EA6B-4DEE782EF1F1}"/>
+              </a:ext>
+            </a:extLst>
+          </p:cNvPr>
+          <p:cNvSpPr txBox="1"/>
+          <p:nvPr/>
+        </p:nvSpPr>
+        <p:spPr>
+          <a:xfrm>
+            <a:off x="4108174" y="2805837"/>
+            <a:ext cx="1314784" cy="923330"/>
+          </a:xfrm>
+          <a:prstGeom prst="rect">
+            <a:avLst/>
+          </a:prstGeom>
+          <a:noFill/>
+        </p:spPr>
+        <p:txBody>
+          <a:bodyPr wrap="none" rtlCol="0" anchor="ctr">
+            <a:spAutoFit/>
+          </a:bodyPr>
+          <a:lstStyle/>
+          <a:p>
+            <a:r>
+              <a:rPr lang="en-US" altLang="ko-KR" dirty="0">
+                <a:solidFill>
+                  <a:schemeClr val="bg1"/>
+                </a:solidFill>
+              </a:rPr>
+              <a:t>1</a:t>
+            </a:r>
+            <a:r>
+              <a:rPr lang="ko-KR" altLang="en-US" dirty="0">
+                <a:solidFill>
+                  <a:schemeClr val="bg1"/>
+                </a:solidFill>
+              </a:rPr>
+              <a:t>등 </a:t>
+            </a:r>
+            <a:r>
+              <a:rPr lang="en-US" altLang="ko-KR" dirty="0">
+                <a:solidFill>
+                  <a:schemeClr val="bg1"/>
+                </a:solidFill>
+              </a:rPr>
+              <a:t>:</a:t>
+            </a:r>
+            <a:r>
+              <a:rPr lang="ko-KR" altLang="en-US" dirty="0">
+                <a:solidFill>
+                  <a:schemeClr val="bg1"/>
+                </a:solidFill>
+              </a:rPr>
+              <a:t> </a:t>
+            </a:r>
+            <a:r>
+              <a:rPr lang="en-US" altLang="ko-KR" dirty="0">
+                <a:solidFill>
+                  <a:schemeClr val="bg1"/>
+                </a:solidFill>
+              </a:rPr>
+              <a:t>OOO</a:t>
+            </a:r>
+          </a:p>
+          <a:p>
+            <a:r>
+              <a:rPr lang="en-US" altLang="ko-KR" dirty="0">
+                <a:solidFill>
+                  <a:schemeClr val="bg1"/>
+                </a:solidFill>
+              </a:rPr>
+              <a:t>2</a:t>
+            </a:r>
+            <a:r>
+              <a:rPr lang="ko-KR" altLang="en-US" dirty="0">
+                <a:solidFill>
+                  <a:schemeClr val="bg1"/>
+                </a:solidFill>
+              </a:rPr>
+              <a:t>등 </a:t>
+            </a:r>
+            <a:r>
+              <a:rPr lang="en-US" altLang="ko-KR" dirty="0">
+                <a:solidFill>
+                  <a:schemeClr val="bg1"/>
+                </a:solidFill>
+              </a:rPr>
+              <a:t>: XXXX</a:t>
+            </a:r>
+          </a:p>
+          <a:p>
+            <a:r>
+              <a:rPr lang="en-US" altLang="ko-KR" dirty="0">
+                <a:solidFill>
+                  <a:schemeClr val="bg1"/>
+                </a:solidFill>
+              </a:rPr>
+              <a:t>3</a:t>
+            </a:r>
+            <a:r>
+              <a:rPr lang="ko-KR" altLang="en-US" dirty="0">
+                <a:solidFill>
+                  <a:schemeClr val="bg1"/>
+                </a:solidFill>
+              </a:rPr>
+              <a:t>등 </a:t>
+            </a:r>
+            <a:r>
+              <a:rPr lang="en-US" altLang="ko-KR" dirty="0">
+                <a:solidFill>
+                  <a:schemeClr val="bg1"/>
+                </a:solidFill>
+              </a:rPr>
+              <a:t>: CCCC</a:t>
+            </a:r>
+            <a:endParaRPr lang="ko-KR" altLang="en-US" dirty="0">
+              <a:solidFill>
+                <a:schemeClr val="bg1"/>
+              </a:solidFill>
+            </a:endParaRPr>
+          </a:p>
+        </p:txBody>
+      </p:sp>
+      <p:sp>
+        <p:nvSpPr>
+          <p:cNvPr id="10" name="TextBox 9">
+            <a:extLst>
+              <a:ext uri="{FF2B5EF4-FFF2-40B4-BE49-F238E27FC236}">
+                <a16:creationId xmlns:a16="http://schemas.microsoft.com/office/drawing/2014/main" id="{6DD12409-D6A5-E643-0FD2-CEB8B4B8CA24}"/>
+              </a:ext>
+            </a:extLst>
+          </p:cNvPr>
+          <p:cNvSpPr txBox="1"/>
+          <p:nvPr/>
+        </p:nvSpPr>
+        <p:spPr>
+          <a:xfrm>
+            <a:off x="6862570" y="2805837"/>
+            <a:ext cx="845103" cy="923330"/>
+          </a:xfrm>
+          <a:prstGeom prst="rect">
+            <a:avLst/>
+          </a:prstGeom>
+          <a:noFill/>
+        </p:spPr>
+        <p:txBody>
+          <a:bodyPr wrap="none" rtlCol="0">
+            <a:spAutoFit/>
+          </a:bodyPr>
+          <a:lstStyle/>
+          <a:p>
+            <a:pPr algn="r"/>
+            <a:r>
+              <a:rPr lang="en-US" altLang="ko-KR" dirty="0">
+                <a:solidFill>
+                  <a:schemeClr val="bg1"/>
+                </a:solidFill>
+              </a:rPr>
+              <a:t>+20</a:t>
+            </a:r>
+            <a:r>
+              <a:rPr lang="ko-KR" altLang="en-US" dirty="0">
+                <a:solidFill>
+                  <a:schemeClr val="bg1"/>
+                </a:solidFill>
+              </a:rPr>
+              <a:t>점</a:t>
+            </a:r>
+            <a:endParaRPr lang="en-US" altLang="ko-KR" dirty="0">
+              <a:solidFill>
+                <a:schemeClr val="bg1"/>
+              </a:solidFill>
+            </a:endParaRPr>
+          </a:p>
+          <a:p>
+            <a:pPr algn="r"/>
+            <a:r>
+              <a:rPr lang="en-US" altLang="ko-KR" dirty="0">
+                <a:solidFill>
+                  <a:schemeClr val="bg1"/>
+                </a:solidFill>
+              </a:rPr>
+              <a:t>+ 0</a:t>
+            </a:r>
+            <a:r>
+              <a:rPr lang="ko-KR" altLang="en-US" dirty="0">
+                <a:solidFill>
+                  <a:schemeClr val="bg1"/>
+                </a:solidFill>
+              </a:rPr>
+              <a:t>점</a:t>
+            </a:r>
+            <a:endParaRPr lang="en-US" altLang="ko-KR" dirty="0">
+              <a:solidFill>
+                <a:schemeClr val="bg1"/>
+              </a:solidFill>
+            </a:endParaRPr>
+          </a:p>
+          <a:p>
+            <a:pPr algn="r"/>
+            <a:r>
+              <a:rPr lang="en-US" altLang="ko-KR" dirty="0">
+                <a:solidFill>
+                  <a:schemeClr val="bg1"/>
+                </a:solidFill>
+              </a:rPr>
+              <a:t>- 10</a:t>
+            </a:r>
+            <a:r>
+              <a:rPr lang="ko-KR" altLang="en-US" dirty="0">
+                <a:solidFill>
+                  <a:schemeClr val="bg1"/>
+                </a:solidFill>
+              </a:rPr>
+              <a:t>점</a:t>
+            </a:r>
+          </a:p>
+        </p:txBody>
+      </p:sp>
+      <p:sp>
+        <p:nvSpPr>
+          <p:cNvPr id="11" name="말풍선: 사각형 10">
+            <a:extLst>
+              <a:ext uri="{FF2B5EF4-FFF2-40B4-BE49-F238E27FC236}">
+                <a16:creationId xmlns:a16="http://schemas.microsoft.com/office/drawing/2014/main" id="{2FDE8026-638D-B2D8-E58E-479348EB0D7A}"/>
+              </a:ext>
+            </a:extLst>
+          </p:cNvPr>
+          <p:cNvSpPr/>
+          <p:nvPr/>
+        </p:nvSpPr>
+        <p:spPr>
+          <a:xfrm>
+            <a:off x="2819837" y="4482130"/>
+            <a:ext cx="3012417" cy="933032"/>
+          </a:xfrm>
+          <a:prstGeom prst="wedgeRectCallout">
+            <a:avLst>
+              <a:gd name="adj1" fmla="val 12471"/>
+              <a:gd name="adj2" fmla="val -92614"/>
+            </a:avLst>
+          </a:prstGeom>
+          <a:solidFill>
+            <a:schemeClr val="bg1"/>
+          </a:solidFill>
+          <a:ln>
+            <a:solidFill>
+              <a:schemeClr val="tx1"/>
+            </a:solidFill>
+          </a:ln>
+        </p:spPr>
+        <p:style>
+          <a:lnRef idx="2">
+            <a:schemeClr val="accent1">
+              <a:shade val="15000"/>
+            </a:schemeClr>
+          </a:lnRef>
+          <a:fillRef idx="1">
+            <a:schemeClr val="accent1"/>
+          </a:fillRef>
+          <a:effectRef idx="0">
+            <a:schemeClr val="accent1"/>
+          </a:effectRef>
+          <a:fontRef idx="minor">
+            <a:schemeClr val="lt1"/>
+          </a:fontRef>
+        </p:style>
+        <p:txBody>
+          <a:bodyPr rtlCol="0" anchor="ctr"/>
+          <a:lstStyle/>
+          <a:p>
+            <a:r>
+              <a:rPr lang="ko-KR" altLang="en-US" sz="1200" dirty="0">
+                <a:solidFill>
+                  <a:schemeClr val="tx1"/>
+                </a:solidFill>
+              </a:rPr>
+              <a:t>클립보드에 종이를 꽂아 놓은 컨셉</a:t>
+            </a:r>
+            <a:endParaRPr lang="en-US" altLang="ko-KR" sz="1200" dirty="0">
+              <a:solidFill>
+                <a:schemeClr val="tx1"/>
+              </a:solidFill>
+            </a:endParaRPr>
+          </a:p>
+          <a:p>
+            <a:r>
+              <a:rPr lang="en-US" altLang="ko-KR" sz="1200" dirty="0">
+                <a:solidFill>
+                  <a:schemeClr val="tx1"/>
+                </a:solidFill>
+              </a:rPr>
+              <a:t>TEXT</a:t>
+            </a:r>
+            <a:r>
+              <a:rPr lang="ko-KR" altLang="en-US" sz="1200" dirty="0">
+                <a:solidFill>
+                  <a:schemeClr val="tx1"/>
+                </a:solidFill>
+              </a:rPr>
+              <a:t>는 종이에 작성 되어 있음</a:t>
+            </a:r>
+            <a:endParaRPr lang="en-US" altLang="ko-KR" sz="1200" dirty="0">
+              <a:solidFill>
+                <a:schemeClr val="tx1"/>
+              </a:solidFill>
+            </a:endParaRPr>
+          </a:p>
+        </p:txBody>
+      </p:sp>
+      <p:grpSp>
+        <p:nvGrpSpPr>
+          <p:cNvPr id="15" name="그룹 14">
+            <a:extLst>
+              <a:ext uri="{FF2B5EF4-FFF2-40B4-BE49-F238E27FC236}">
+                <a16:creationId xmlns:a16="http://schemas.microsoft.com/office/drawing/2014/main" id="{C243FAF9-1B69-0516-7FB5-FBD0B12CD924}"/>
+              </a:ext>
+            </a:extLst>
+          </p:cNvPr>
+          <p:cNvGrpSpPr/>
+          <p:nvPr/>
+        </p:nvGrpSpPr>
+        <p:grpSpPr>
+          <a:xfrm>
+            <a:off x="6005108" y="4076993"/>
+            <a:ext cx="1687991" cy="1367522"/>
+            <a:chOff x="6077783" y="4518733"/>
+            <a:chExt cx="2632180" cy="2132455"/>
+          </a:xfrm>
+        </p:grpSpPr>
+        <p:pic>
+          <p:nvPicPr>
+            <p:cNvPr id="13" name="그림 12" descr="텍스트, 책, 실내, 사무용품이(가) 표시된 사진&#10;&#10;AI가 생성한 콘텐츠는 부정확할 수 있습니다.">
+              <a:extLst>
+                <a:ext uri="{FF2B5EF4-FFF2-40B4-BE49-F238E27FC236}">
+                  <a16:creationId xmlns:a16="http://schemas.microsoft.com/office/drawing/2014/main" id="{D6EC2FFA-28D9-C2C0-5E32-7FFB589818E2}"/>
+                </a:ext>
+              </a:extLst>
+            </p:cNvPr>
+            <p:cNvPicPr>
+              <a:picLocks noChangeAspect="1"/>
+            </p:cNvPicPr>
+            <p:nvPr/>
+          </p:nvPicPr>
+          <p:blipFill>
+            <a:blip r:embed="rId3">
+              <a:extLst>
+                <a:ext uri="{28A0092B-C50C-407E-A947-70E740481C1C}">
+                  <a14:useLocalDpi xmlns:a14="http://schemas.microsoft.com/office/drawing/2010/main" val="0"/>
+                </a:ext>
+              </a:extLst>
+            </a:blip>
+            <a:srcRect l="4589" t="16424" r="5652" b="12175"/>
+            <a:stretch/>
+          </p:blipFill>
+          <p:spPr>
+            <a:xfrm>
+              <a:off x="6077783" y="4518733"/>
+              <a:ext cx="2632180" cy="2093844"/>
+            </a:xfrm>
+            <a:prstGeom prst="rect">
+              <a:avLst/>
+            </a:prstGeom>
+          </p:spPr>
+        </p:pic>
+        <p:sp>
+          <p:nvSpPr>
+            <p:cNvPr id="14" name="TextBox 13">
+              <a:extLst>
+                <a:ext uri="{FF2B5EF4-FFF2-40B4-BE49-F238E27FC236}">
+                  <a16:creationId xmlns:a16="http://schemas.microsoft.com/office/drawing/2014/main" id="{8FD68B5E-23C4-FB19-377D-4893CB913055}"/>
+                </a:ext>
+              </a:extLst>
+            </p:cNvPr>
+            <p:cNvSpPr txBox="1"/>
+            <p:nvPr/>
+          </p:nvSpPr>
+          <p:spPr>
+            <a:xfrm>
+              <a:off x="6077783" y="6243245"/>
+              <a:ext cx="2202694" cy="407943"/>
+            </a:xfrm>
+            <a:prstGeom prst="rect">
+              <a:avLst/>
+            </a:prstGeom>
+            <a:noFill/>
+          </p:spPr>
+          <p:txBody>
+            <a:bodyPr wrap="none" rtlCol="0">
+              <a:spAutoFit/>
+            </a:bodyPr>
+            <a:lstStyle/>
+            <a:p>
+              <a:r>
+                <a:rPr lang="ko-KR" altLang="en-US" sz="1100" b="1"/>
+                <a:t>클립보드 예시 모양</a:t>
+              </a:r>
+              <a:endParaRPr lang="ko-KR" altLang="en-US" sz="1100" b="1" dirty="0"/>
+            </a:p>
+          </p:txBody>
+        </p:sp>
+      </p:grpSp>
+    </p:spTree>
+    <p:extLst>
+      <p:ext uri="{BB962C8B-B14F-4D97-AF65-F5344CB8AC3E}">
+        <p14:creationId xmlns:p14="http://schemas.microsoft.com/office/powerpoint/2010/main" val="531753919"/>
+      </p:ext>
+    </p:extLst>
+  </p:cSld>
+  <p:clrMapOvr>
+    <a:masterClrMapping/>
+  </p:clrMapOvr>
+</p:sld>
+</file>
+
+<file path=ppt/slides/slide42.xml><?xml version="1.0" encoding="utf-8"?>
+<p:sld xmlns:a="http://schemas.openxmlformats.org/drawingml/2006/main" xmlns:r="http://schemas.openxmlformats.org/officeDocument/2006/relationships" xmlns:p="http://schemas.openxmlformats.org/presentationml/2006/main">
+  <p:cSld>
+    <p:spTree>
+      <p:nvGrpSpPr>
+        <p:cNvPr id="1" name="">
+          <a:extLst>
+            <a:ext uri="{FF2B5EF4-FFF2-40B4-BE49-F238E27FC236}">
               <a16:creationId xmlns:a16="http://schemas.microsoft.com/office/drawing/2014/main" id="{28434CC5-076A-D18F-AACE-C01E38A2722C}"/>
             </a:ext>
           </a:extLst>

--- a/document/UI.pptx
+++ b/document/UI.pptx
@@ -5,7 +5,7 @@
     <p:sldMasterId id="2147483648" r:id="rId1"/>
   </p:sldMasterIdLst>
   <p:notesMasterIdLst>
-    <p:notesMasterId r:id="rId44"/>
+    <p:notesMasterId r:id="rId46"/>
   </p:notesMasterIdLst>
   <p:sldIdLst>
     <p:sldId id="257" r:id="rId2"/>
@@ -45,11 +45,13 @@
     <p:sldId id="286" r:id="rId36"/>
     <p:sldId id="287" r:id="rId37"/>
     <p:sldId id="288" r:id="rId38"/>
-    <p:sldId id="271" r:id="rId39"/>
-    <p:sldId id="293" r:id="rId40"/>
-    <p:sldId id="296" r:id="rId41"/>
-    <p:sldId id="297" r:id="rId42"/>
-    <p:sldId id="294" r:id="rId43"/>
+    <p:sldId id="298" r:id="rId39"/>
+    <p:sldId id="299" r:id="rId40"/>
+    <p:sldId id="271" r:id="rId41"/>
+    <p:sldId id="293" r:id="rId42"/>
+    <p:sldId id="296" r:id="rId43"/>
+    <p:sldId id="297" r:id="rId44"/>
+    <p:sldId id="294" r:id="rId45"/>
   </p:sldIdLst>
   <p:sldSz cx="12192000" cy="6858000"/>
   <p:notesSz cx="6858000" cy="9144000"/>
@@ -238,7 +240,7 @@
           <a:p>
             <a:fld id="{5B07C18C-424A-405D-A330-3E94CEE48B39}" type="datetimeFigureOut">
               <a:rPr lang="ko-KR" altLang="en-US" smtClean="0"/>
-              <a:t>2025-02-24</a:t>
+              <a:t>2025-02-25</a:t>
             </a:fld>
             <a:endParaRPr lang="ko-KR" altLang="en-US"/>
           </a:p>
@@ -928,7 +930,7 @@
           <a:p>
             <a:fld id="{FD51FDC7-0CF3-4127-99F5-543E4DDB1909}" type="datetimeFigureOut">
               <a:rPr lang="ko-KR" altLang="en-US" smtClean="0"/>
-              <a:t>2025-02-24</a:t>
+              <a:t>2025-02-25</a:t>
             </a:fld>
             <a:endParaRPr lang="ko-KR" altLang="en-US"/>
           </a:p>
@@ -1126,7 +1128,7 @@
           <a:p>
             <a:fld id="{FD51FDC7-0CF3-4127-99F5-543E4DDB1909}" type="datetimeFigureOut">
               <a:rPr lang="ko-KR" altLang="en-US" smtClean="0"/>
-              <a:t>2025-02-24</a:t>
+              <a:t>2025-02-25</a:t>
             </a:fld>
             <a:endParaRPr lang="ko-KR" altLang="en-US"/>
           </a:p>
@@ -1334,7 +1336,7 @@
           <a:p>
             <a:fld id="{FD51FDC7-0CF3-4127-99F5-543E4DDB1909}" type="datetimeFigureOut">
               <a:rPr lang="ko-KR" altLang="en-US" smtClean="0"/>
-              <a:t>2025-02-24</a:t>
+              <a:t>2025-02-25</a:t>
             </a:fld>
             <a:endParaRPr lang="ko-KR" altLang="en-US"/>
           </a:p>
@@ -1532,7 +1534,7 @@
           <a:p>
             <a:fld id="{FD51FDC7-0CF3-4127-99F5-543E4DDB1909}" type="datetimeFigureOut">
               <a:rPr lang="ko-KR" altLang="en-US" smtClean="0"/>
-              <a:t>2025-02-24</a:t>
+              <a:t>2025-02-25</a:t>
             </a:fld>
             <a:endParaRPr lang="ko-KR" altLang="en-US"/>
           </a:p>
@@ -1807,7 +1809,7 @@
           <a:p>
             <a:fld id="{FD51FDC7-0CF3-4127-99F5-543E4DDB1909}" type="datetimeFigureOut">
               <a:rPr lang="ko-KR" altLang="en-US" smtClean="0"/>
-              <a:t>2025-02-24</a:t>
+              <a:t>2025-02-25</a:t>
             </a:fld>
             <a:endParaRPr lang="ko-KR" altLang="en-US"/>
           </a:p>
@@ -2072,7 +2074,7 @@
           <a:p>
             <a:fld id="{FD51FDC7-0CF3-4127-99F5-543E4DDB1909}" type="datetimeFigureOut">
               <a:rPr lang="ko-KR" altLang="en-US" smtClean="0"/>
-              <a:t>2025-02-24</a:t>
+              <a:t>2025-02-25</a:t>
             </a:fld>
             <a:endParaRPr lang="ko-KR" altLang="en-US"/>
           </a:p>
@@ -2484,7 +2486,7 @@
           <a:p>
             <a:fld id="{FD51FDC7-0CF3-4127-99F5-543E4DDB1909}" type="datetimeFigureOut">
               <a:rPr lang="ko-KR" altLang="en-US" smtClean="0"/>
-              <a:t>2025-02-24</a:t>
+              <a:t>2025-02-25</a:t>
             </a:fld>
             <a:endParaRPr lang="ko-KR" altLang="en-US"/>
           </a:p>
@@ -2625,7 +2627,7 @@
           <a:p>
             <a:fld id="{FD51FDC7-0CF3-4127-99F5-543E4DDB1909}" type="datetimeFigureOut">
               <a:rPr lang="ko-KR" altLang="en-US" smtClean="0"/>
-              <a:t>2025-02-24</a:t>
+              <a:t>2025-02-25</a:t>
             </a:fld>
             <a:endParaRPr lang="ko-KR" altLang="en-US"/>
           </a:p>
@@ -2738,7 +2740,7 @@
           <a:p>
             <a:fld id="{FD51FDC7-0CF3-4127-99F5-543E4DDB1909}" type="datetimeFigureOut">
               <a:rPr lang="ko-KR" altLang="en-US" smtClean="0"/>
-              <a:t>2025-02-24</a:t>
+              <a:t>2025-02-25</a:t>
             </a:fld>
             <a:endParaRPr lang="ko-KR" altLang="en-US"/>
           </a:p>
@@ -3049,7 +3051,7 @@
           <a:p>
             <a:fld id="{FD51FDC7-0CF3-4127-99F5-543E4DDB1909}" type="datetimeFigureOut">
               <a:rPr lang="ko-KR" altLang="en-US" smtClean="0"/>
-              <a:t>2025-02-24</a:t>
+              <a:t>2025-02-25</a:t>
             </a:fld>
             <a:endParaRPr lang="ko-KR" altLang="en-US"/>
           </a:p>
@@ -3337,7 +3339,7 @@
           <a:p>
             <a:fld id="{FD51FDC7-0CF3-4127-99F5-543E4DDB1909}" type="datetimeFigureOut">
               <a:rPr lang="ko-KR" altLang="en-US" smtClean="0"/>
-              <a:t>2025-02-24</a:t>
+              <a:t>2025-02-25</a:t>
             </a:fld>
             <a:endParaRPr lang="ko-KR" altLang="en-US"/>
           </a:p>
@@ -3578,7 +3580,7 @@
           <a:p>
             <a:fld id="{FD51FDC7-0CF3-4127-99F5-543E4DDB1909}" type="datetimeFigureOut">
               <a:rPr lang="ko-KR" altLang="en-US" smtClean="0"/>
-              <a:t>2025-02-24</a:t>
+              <a:t>2025-02-25</a:t>
             </a:fld>
             <a:endParaRPr lang="ko-KR" altLang="en-US"/>
           </a:p>
@@ -44724,6 +44726,1918 @@
           <a:chExt cx="0" cy="0"/>
         </a:xfrm>
       </p:grpSpPr>
+      <p:pic>
+        <p:nvPicPr>
+          <p:cNvPr id="3" name="그림 2">
+            <a:extLst>
+              <a:ext uri="{FF2B5EF4-FFF2-40B4-BE49-F238E27FC236}">
+                <a16:creationId xmlns:a16="http://schemas.microsoft.com/office/drawing/2014/main" id="{AF7C530B-7D37-12F6-7249-65B6443CC2E4}"/>
+              </a:ext>
+            </a:extLst>
+          </p:cNvPr>
+          <p:cNvPicPr>
+            <a:picLocks noChangeAspect="1"/>
+          </p:cNvPicPr>
+          <p:nvPr/>
+        </p:nvPicPr>
+        <p:blipFill>
+          <a:blip r:embed="rId2"/>
+          <a:stretch>
+            <a:fillRect/>
+          </a:stretch>
+        </p:blipFill>
+        <p:spPr>
+          <a:xfrm>
+            <a:off x="0" y="1042"/>
+            <a:ext cx="12192000" cy="6855916"/>
+          </a:xfrm>
+          <a:prstGeom prst="rect">
+            <a:avLst/>
+          </a:prstGeom>
+        </p:spPr>
+      </p:pic>
+      <p:sp>
+        <p:nvSpPr>
+          <p:cNvPr id="5" name="직사각형 4">
+            <a:extLst>
+              <a:ext uri="{FF2B5EF4-FFF2-40B4-BE49-F238E27FC236}">
+                <a16:creationId xmlns:a16="http://schemas.microsoft.com/office/drawing/2014/main" id="{82A49A34-FD64-B3F6-A218-BE9D201658B1}"/>
+              </a:ext>
+            </a:extLst>
+          </p:cNvPr>
+          <p:cNvSpPr/>
+          <p:nvPr/>
+        </p:nvSpPr>
+        <p:spPr>
+          <a:xfrm>
+            <a:off x="0" y="0"/>
+            <a:ext cx="12192000" cy="6858000"/>
+          </a:xfrm>
+          <a:prstGeom prst="rect">
+            <a:avLst/>
+          </a:prstGeom>
+          <a:solidFill>
+            <a:schemeClr val="bg2">
+              <a:lumMod val="25000"/>
+              <a:alpha val="85000"/>
+            </a:schemeClr>
+          </a:solidFill>
+          <a:ln>
+            <a:noFill/>
+          </a:ln>
+        </p:spPr>
+        <p:style>
+          <a:lnRef idx="2">
+            <a:schemeClr val="accent1">
+              <a:shade val="15000"/>
+            </a:schemeClr>
+          </a:lnRef>
+          <a:fillRef idx="1">
+            <a:schemeClr val="accent1"/>
+          </a:fillRef>
+          <a:effectRef idx="0">
+            <a:schemeClr val="accent1"/>
+          </a:effectRef>
+          <a:fontRef idx="minor">
+            <a:schemeClr val="lt1"/>
+          </a:fontRef>
+        </p:style>
+        <p:txBody>
+          <a:bodyPr rtlCol="0" anchor="ctr"/>
+          <a:lstStyle/>
+          <a:p>
+            <a:pPr algn="ctr"/>
+            <a:endParaRPr lang="ko-KR" altLang="en-US"/>
+          </a:p>
+        </p:txBody>
+      </p:sp>
+      <p:pic>
+        <p:nvPicPr>
+          <p:cNvPr id="7" name="그림 6">
+            <a:extLst>
+              <a:ext uri="{FF2B5EF4-FFF2-40B4-BE49-F238E27FC236}">
+                <a16:creationId xmlns:a16="http://schemas.microsoft.com/office/drawing/2014/main" id="{BA9A559F-2CCC-DBD8-1CFB-1AAB57BE9AD0}"/>
+              </a:ext>
+            </a:extLst>
+          </p:cNvPr>
+          <p:cNvPicPr>
+            <a:picLocks noChangeAspect="1"/>
+          </p:cNvPicPr>
+          <p:nvPr/>
+        </p:nvPicPr>
+        <p:blipFill>
+          <a:blip r:embed="rId2"/>
+          <a:srcRect l="34782" t="21440" r="63967" b="61163"/>
+          <a:stretch/>
+        </p:blipFill>
+        <p:spPr>
+          <a:xfrm>
+            <a:off x="4240696" y="1470991"/>
+            <a:ext cx="152400" cy="1192696"/>
+          </a:xfrm>
+          <a:prstGeom prst="rect">
+            <a:avLst/>
+          </a:prstGeom>
+        </p:spPr>
+      </p:pic>
+      <p:sp>
+        <p:nvSpPr>
+          <p:cNvPr id="9" name="직사각형 8">
+            <a:extLst>
+              <a:ext uri="{FF2B5EF4-FFF2-40B4-BE49-F238E27FC236}">
+                <a16:creationId xmlns:a16="http://schemas.microsoft.com/office/drawing/2014/main" id="{02D8693E-9755-7059-15AE-D3BD7A5F8031}"/>
+              </a:ext>
+            </a:extLst>
+          </p:cNvPr>
+          <p:cNvSpPr/>
+          <p:nvPr/>
+        </p:nvSpPr>
+        <p:spPr>
+          <a:xfrm>
+            <a:off x="4220819" y="1424608"/>
+            <a:ext cx="163406" cy="1278835"/>
+          </a:xfrm>
+          <a:prstGeom prst="rect">
+            <a:avLst/>
+          </a:prstGeom>
+          <a:noFill/>
+          <a:ln w="38100">
+            <a:solidFill>
+              <a:srgbClr val="C00000"/>
+            </a:solidFill>
+          </a:ln>
+        </p:spPr>
+        <p:style>
+          <a:lnRef idx="2">
+            <a:schemeClr val="accent1">
+              <a:shade val="15000"/>
+            </a:schemeClr>
+          </a:lnRef>
+          <a:fillRef idx="1">
+            <a:schemeClr val="accent1"/>
+          </a:fillRef>
+          <a:effectRef idx="0">
+            <a:schemeClr val="accent1"/>
+          </a:effectRef>
+          <a:fontRef idx="minor">
+            <a:schemeClr val="lt1"/>
+          </a:fontRef>
+        </p:style>
+        <p:txBody>
+          <a:bodyPr rtlCol="0" anchor="ctr"/>
+          <a:lstStyle/>
+          <a:p>
+            <a:pPr algn="ctr"/>
+            <a:endParaRPr lang="ko-KR" altLang="en-US">
+              <a:latin typeface="Galmuri11 Regular" panose="020B0503020202000000" pitchFamily="50" charset="-127"/>
+              <a:ea typeface="Galmuri11 Regular" panose="020B0503020202000000" pitchFamily="50" charset="-127"/>
+            </a:endParaRPr>
+          </a:p>
+        </p:txBody>
+      </p:sp>
+      <p:cxnSp>
+        <p:nvCxnSpPr>
+          <p:cNvPr id="15" name="직선 연결선 14">
+            <a:extLst>
+              <a:ext uri="{FF2B5EF4-FFF2-40B4-BE49-F238E27FC236}">
+                <a16:creationId xmlns:a16="http://schemas.microsoft.com/office/drawing/2014/main" id="{25F9AED9-7356-6226-B087-A3AF43F992BA}"/>
+              </a:ext>
+            </a:extLst>
+          </p:cNvPr>
+          <p:cNvCxnSpPr>
+            <a:cxnSpLocks/>
+            <a:stCxn id="9" idx="1"/>
+          </p:cNvCxnSpPr>
+          <p:nvPr/>
+        </p:nvCxnSpPr>
+        <p:spPr>
+          <a:xfrm flipH="1" flipV="1">
+            <a:off x="3882886" y="1424608"/>
+            <a:ext cx="337933" cy="639418"/>
+          </a:xfrm>
+          <a:prstGeom prst="line">
+            <a:avLst/>
+          </a:prstGeom>
+          <a:ln w="38100">
+            <a:solidFill>
+              <a:srgbClr val="FF0000"/>
+            </a:solidFill>
+          </a:ln>
+        </p:spPr>
+        <p:style>
+          <a:lnRef idx="2">
+            <a:schemeClr val="accent1"/>
+          </a:lnRef>
+          <a:fillRef idx="0">
+            <a:schemeClr val="accent1"/>
+          </a:fillRef>
+          <a:effectRef idx="1">
+            <a:schemeClr val="accent1"/>
+          </a:effectRef>
+          <a:fontRef idx="minor">
+            <a:schemeClr val="tx1"/>
+          </a:fontRef>
+        </p:style>
+      </p:cxnSp>
+      <p:cxnSp>
+        <p:nvCxnSpPr>
+          <p:cNvPr id="17" name="직선 연결선 16">
+            <a:extLst>
+              <a:ext uri="{FF2B5EF4-FFF2-40B4-BE49-F238E27FC236}">
+                <a16:creationId xmlns:a16="http://schemas.microsoft.com/office/drawing/2014/main" id="{3CFEAFEF-BE5B-F63B-C35E-BBFA8B507100}"/>
+              </a:ext>
+            </a:extLst>
+          </p:cNvPr>
+          <p:cNvCxnSpPr>
+            <a:cxnSpLocks/>
+          </p:cNvCxnSpPr>
+          <p:nvPr/>
+        </p:nvCxnSpPr>
+        <p:spPr>
+          <a:xfrm flipH="1">
+            <a:off x="729278" y="1436966"/>
+            <a:ext cx="3158139" cy="0"/>
+          </a:xfrm>
+          <a:prstGeom prst="line">
+            <a:avLst/>
+          </a:prstGeom>
+          <a:ln w="38100">
+            <a:solidFill>
+              <a:srgbClr val="FF0000"/>
+            </a:solidFill>
+          </a:ln>
+        </p:spPr>
+        <p:style>
+          <a:lnRef idx="2">
+            <a:schemeClr val="accent1"/>
+          </a:lnRef>
+          <a:fillRef idx="0">
+            <a:schemeClr val="accent1"/>
+          </a:fillRef>
+          <a:effectRef idx="1">
+            <a:schemeClr val="accent1"/>
+          </a:effectRef>
+          <a:fontRef idx="minor">
+            <a:schemeClr val="tx1"/>
+          </a:fontRef>
+        </p:style>
+      </p:cxnSp>
+      <p:sp>
+        <p:nvSpPr>
+          <p:cNvPr id="18" name="TextBox 17">
+            <a:extLst>
+              <a:ext uri="{FF2B5EF4-FFF2-40B4-BE49-F238E27FC236}">
+                <a16:creationId xmlns:a16="http://schemas.microsoft.com/office/drawing/2014/main" id="{628B7DE9-D33E-9346-56EB-5B5F3E8FCF23}"/>
+              </a:ext>
+            </a:extLst>
+          </p:cNvPr>
+          <p:cNvSpPr txBox="1"/>
+          <p:nvPr/>
+        </p:nvSpPr>
+        <p:spPr>
+          <a:xfrm>
+            <a:off x="729278" y="1067634"/>
+            <a:ext cx="1762021" cy="369332"/>
+          </a:xfrm>
+          <a:prstGeom prst="rect">
+            <a:avLst/>
+          </a:prstGeom>
+          <a:noFill/>
+        </p:spPr>
+        <p:txBody>
+          <a:bodyPr wrap="none" rtlCol="0">
+            <a:spAutoFit/>
+          </a:bodyPr>
+          <a:lstStyle/>
+          <a:p>
+            <a:r>
+              <a:rPr lang="ko-KR" altLang="en-US" b="1" dirty="0">
+                <a:solidFill>
+                  <a:schemeClr val="bg1"/>
+                </a:solidFill>
+                <a:latin typeface="Galmuri11 Regular" panose="020B0503020202000000" pitchFamily="50" charset="-127"/>
+                <a:ea typeface="Galmuri11 Regular" panose="020B0503020202000000" pitchFamily="50" charset="-127"/>
+              </a:rPr>
+              <a:t>소리 크기 조절</a:t>
+            </a:r>
+          </a:p>
+        </p:txBody>
+      </p:sp>
+      <p:sp>
+        <p:nvSpPr>
+          <p:cNvPr id="23" name="TextBox 22">
+            <a:extLst>
+              <a:ext uri="{FF2B5EF4-FFF2-40B4-BE49-F238E27FC236}">
+                <a16:creationId xmlns:a16="http://schemas.microsoft.com/office/drawing/2014/main" id="{0DB9A716-BCD2-9DEF-4A94-4B0C438CA68B}"/>
+              </a:ext>
+            </a:extLst>
+          </p:cNvPr>
+          <p:cNvSpPr txBox="1"/>
+          <p:nvPr/>
+        </p:nvSpPr>
+        <p:spPr>
+          <a:xfrm>
+            <a:off x="722505" y="1451873"/>
+            <a:ext cx="3299301" cy="811761"/>
+          </a:xfrm>
+          <a:prstGeom prst="rect">
+            <a:avLst/>
+          </a:prstGeom>
+          <a:noFill/>
+        </p:spPr>
+        <p:txBody>
+          <a:bodyPr wrap="none" rtlCol="0">
+            <a:spAutoFit/>
+          </a:bodyPr>
+          <a:lstStyle/>
+          <a:p>
+            <a:pPr marL="171450" indent="-171450">
+              <a:lnSpc>
+                <a:spcPct val="150000"/>
+              </a:lnSpc>
+              <a:buFont typeface="Arial" panose="020B0604020202020204" pitchFamily="34" charset="0"/>
+              <a:buChar char="•"/>
+            </a:pPr>
+            <a:r>
+              <a:rPr lang="ko-KR" altLang="en-US" sz="1100" dirty="0">
+                <a:solidFill>
+                  <a:schemeClr val="bg1"/>
+                </a:solidFill>
+                <a:latin typeface="Galmuri11 Regular" panose="020B0503020202000000" pitchFamily="50" charset="-127"/>
+                <a:ea typeface="Galmuri11 Regular" panose="020B0503020202000000" pitchFamily="50" charset="-127"/>
+              </a:rPr>
+              <a:t>볼륨 버튼을 통해 소리를 조절할 수 있습니다</a:t>
+            </a:r>
+            <a:r>
+              <a:rPr lang="en-US" altLang="ko-KR" sz="1100" dirty="0">
+                <a:solidFill>
+                  <a:schemeClr val="bg1"/>
+                </a:solidFill>
+                <a:latin typeface="Galmuri11 Regular" panose="020B0503020202000000" pitchFamily="50" charset="-127"/>
+                <a:ea typeface="Galmuri11 Regular" panose="020B0503020202000000" pitchFamily="50" charset="-127"/>
+              </a:rPr>
+              <a:t>.</a:t>
+            </a:r>
+          </a:p>
+          <a:p>
+            <a:pPr marL="171450" indent="-171450">
+              <a:lnSpc>
+                <a:spcPct val="150000"/>
+              </a:lnSpc>
+              <a:buFont typeface="Arial" panose="020B0604020202020204" pitchFamily="34" charset="0"/>
+              <a:buChar char="•"/>
+            </a:pPr>
+            <a:r>
+              <a:rPr lang="ko-KR" altLang="en-US" sz="1100" dirty="0" err="1">
+                <a:solidFill>
+                  <a:schemeClr val="bg1"/>
+                </a:solidFill>
+                <a:latin typeface="Galmuri11 Regular" panose="020B0503020202000000" pitchFamily="50" charset="-127"/>
+                <a:ea typeface="Galmuri11 Regular" panose="020B0503020202000000" pitchFamily="50" charset="-127"/>
+              </a:rPr>
+              <a:t>윗</a:t>
+            </a:r>
+            <a:r>
+              <a:rPr lang="ko-KR" altLang="en-US" sz="1100" dirty="0">
+                <a:solidFill>
+                  <a:schemeClr val="bg1"/>
+                </a:solidFill>
+                <a:latin typeface="Galmuri11 Regular" panose="020B0503020202000000" pitchFamily="50" charset="-127"/>
+                <a:ea typeface="Galmuri11 Regular" panose="020B0503020202000000" pitchFamily="50" charset="-127"/>
+              </a:rPr>
+              <a:t> 버튼을 클릭하면 소리가 커지고</a:t>
+            </a:r>
+            <a:br>
+              <a:rPr lang="en-US" altLang="ko-KR" sz="1100" dirty="0">
+                <a:solidFill>
+                  <a:schemeClr val="bg1"/>
+                </a:solidFill>
+                <a:latin typeface="Galmuri11 Regular" panose="020B0503020202000000" pitchFamily="50" charset="-127"/>
+                <a:ea typeface="Galmuri11 Regular" panose="020B0503020202000000" pitchFamily="50" charset="-127"/>
+              </a:rPr>
+            </a:br>
+            <a:r>
+              <a:rPr lang="ko-KR" altLang="en-US" sz="1100" dirty="0">
+                <a:solidFill>
+                  <a:schemeClr val="bg1"/>
+                </a:solidFill>
+                <a:latin typeface="Galmuri11 Regular" panose="020B0503020202000000" pitchFamily="50" charset="-127"/>
+                <a:ea typeface="Galmuri11 Regular" panose="020B0503020202000000" pitchFamily="50" charset="-127"/>
+              </a:rPr>
+              <a:t>아래 버튼을 클릭하면 소리가 작아집니다</a:t>
+            </a:r>
+            <a:r>
+              <a:rPr lang="en-US" altLang="ko-KR" sz="1100" dirty="0">
+                <a:solidFill>
+                  <a:schemeClr val="bg1"/>
+                </a:solidFill>
+                <a:latin typeface="Galmuri11 Regular" panose="020B0503020202000000" pitchFamily="50" charset="-127"/>
+                <a:ea typeface="Galmuri11 Regular" panose="020B0503020202000000" pitchFamily="50" charset="-127"/>
+              </a:rPr>
+              <a:t>.</a:t>
+            </a:r>
+            <a:r>
+              <a:rPr lang="ko-KR" altLang="en-US" sz="1100" dirty="0">
+                <a:solidFill>
+                  <a:schemeClr val="bg1"/>
+                </a:solidFill>
+                <a:latin typeface="Galmuri11 Regular" panose="020B0503020202000000" pitchFamily="50" charset="-127"/>
+                <a:ea typeface="Galmuri11 Regular" panose="020B0503020202000000" pitchFamily="50" charset="-127"/>
+              </a:rPr>
+              <a:t> </a:t>
+            </a:r>
+          </a:p>
+        </p:txBody>
+      </p:sp>
+      <p:pic>
+        <p:nvPicPr>
+          <p:cNvPr id="29" name="그림 28">
+            <a:extLst>
+              <a:ext uri="{FF2B5EF4-FFF2-40B4-BE49-F238E27FC236}">
+                <a16:creationId xmlns:a16="http://schemas.microsoft.com/office/drawing/2014/main" id="{67DFDCCB-B569-DB22-1E2A-5B9FBDABDA4B}"/>
+              </a:ext>
+            </a:extLst>
+          </p:cNvPr>
+          <p:cNvPicPr>
+            <a:picLocks noChangeAspect="1"/>
+          </p:cNvPicPr>
+          <p:nvPr/>
+        </p:nvPicPr>
+        <p:blipFill>
+          <a:blip r:embed="rId2"/>
+          <a:srcRect l="37228" t="8007" r="37228" b="82425"/>
+          <a:stretch/>
+        </p:blipFill>
+        <p:spPr>
+          <a:xfrm>
+            <a:off x="4538871" y="549964"/>
+            <a:ext cx="3114260" cy="655983"/>
+          </a:xfrm>
+          <a:prstGeom prst="rect">
+            <a:avLst/>
+          </a:prstGeom>
+          <a:ln w="38100">
+            <a:solidFill>
+              <a:srgbClr val="FF0000"/>
+            </a:solidFill>
+          </a:ln>
+        </p:spPr>
+      </p:pic>
+      <p:cxnSp>
+        <p:nvCxnSpPr>
+          <p:cNvPr id="30" name="직선 연결선 29">
+            <a:extLst>
+              <a:ext uri="{FF2B5EF4-FFF2-40B4-BE49-F238E27FC236}">
+                <a16:creationId xmlns:a16="http://schemas.microsoft.com/office/drawing/2014/main" id="{300B6612-E677-0ACA-ADCB-2F5C2166BDB7}"/>
+              </a:ext>
+            </a:extLst>
+          </p:cNvPr>
+          <p:cNvCxnSpPr>
+            <a:cxnSpLocks/>
+            <a:endCxn id="29" idx="3"/>
+          </p:cNvCxnSpPr>
+          <p:nvPr/>
+        </p:nvCxnSpPr>
+        <p:spPr>
+          <a:xfrm flipH="1" flipV="1">
+            <a:off x="7653131" y="877956"/>
+            <a:ext cx="254281" cy="592661"/>
+          </a:xfrm>
+          <a:prstGeom prst="line">
+            <a:avLst/>
+          </a:prstGeom>
+          <a:ln w="38100">
+            <a:solidFill>
+              <a:srgbClr val="FF0000"/>
+            </a:solidFill>
+          </a:ln>
+        </p:spPr>
+        <p:style>
+          <a:lnRef idx="2">
+            <a:schemeClr val="accent1"/>
+          </a:lnRef>
+          <a:fillRef idx="0">
+            <a:schemeClr val="accent1"/>
+          </a:fillRef>
+          <a:effectRef idx="1">
+            <a:schemeClr val="accent1"/>
+          </a:effectRef>
+          <a:fontRef idx="minor">
+            <a:schemeClr val="tx1"/>
+          </a:fontRef>
+        </p:style>
+      </p:cxnSp>
+      <p:cxnSp>
+        <p:nvCxnSpPr>
+          <p:cNvPr id="33" name="직선 연결선 32">
+            <a:extLst>
+              <a:ext uri="{FF2B5EF4-FFF2-40B4-BE49-F238E27FC236}">
+                <a16:creationId xmlns:a16="http://schemas.microsoft.com/office/drawing/2014/main" id="{51DFE9BC-313F-6806-1DD5-70508F9E8D6C}"/>
+              </a:ext>
+            </a:extLst>
+          </p:cNvPr>
+          <p:cNvCxnSpPr>
+            <a:cxnSpLocks/>
+          </p:cNvCxnSpPr>
+          <p:nvPr/>
+        </p:nvCxnSpPr>
+        <p:spPr>
+          <a:xfrm flipH="1">
+            <a:off x="7907412" y="1470617"/>
+            <a:ext cx="4176215" cy="0"/>
+          </a:xfrm>
+          <a:prstGeom prst="line">
+            <a:avLst/>
+          </a:prstGeom>
+          <a:ln w="38100">
+            <a:solidFill>
+              <a:srgbClr val="FF0000"/>
+            </a:solidFill>
+          </a:ln>
+        </p:spPr>
+        <p:style>
+          <a:lnRef idx="2">
+            <a:schemeClr val="accent1"/>
+          </a:lnRef>
+          <a:fillRef idx="0">
+            <a:schemeClr val="accent1"/>
+          </a:fillRef>
+          <a:effectRef idx="1">
+            <a:schemeClr val="accent1"/>
+          </a:effectRef>
+          <a:fontRef idx="minor">
+            <a:schemeClr val="tx1"/>
+          </a:fontRef>
+        </p:style>
+      </p:cxnSp>
+      <p:sp>
+        <p:nvSpPr>
+          <p:cNvPr id="34" name="TextBox 33">
+            <a:extLst>
+              <a:ext uri="{FF2B5EF4-FFF2-40B4-BE49-F238E27FC236}">
+                <a16:creationId xmlns:a16="http://schemas.microsoft.com/office/drawing/2014/main" id="{2F0FEDD4-8DE0-B67C-CA6D-660B0DEC5D99}"/>
+              </a:ext>
+            </a:extLst>
+          </p:cNvPr>
+          <p:cNvSpPr txBox="1"/>
+          <p:nvPr/>
+        </p:nvSpPr>
+        <p:spPr>
+          <a:xfrm>
+            <a:off x="7907412" y="1080739"/>
+            <a:ext cx="1435008" cy="369332"/>
+          </a:xfrm>
+          <a:prstGeom prst="rect">
+            <a:avLst/>
+          </a:prstGeom>
+          <a:noFill/>
+        </p:spPr>
+        <p:txBody>
+          <a:bodyPr wrap="none" rtlCol="0">
+            <a:spAutoFit/>
+          </a:bodyPr>
+          <a:lstStyle/>
+          <a:p>
+            <a:r>
+              <a:rPr lang="ko-KR" altLang="en-US" b="1" dirty="0">
+                <a:solidFill>
+                  <a:schemeClr val="bg1"/>
+                </a:solidFill>
+                <a:latin typeface="Galmuri11 Regular" panose="020B0503020202000000" pitchFamily="50" charset="-127"/>
+                <a:ea typeface="Galmuri11 Regular" panose="020B0503020202000000" pitchFamily="50" charset="-127"/>
+              </a:rPr>
+              <a:t>방해 이벤트</a:t>
+            </a:r>
+          </a:p>
+        </p:txBody>
+      </p:sp>
+      <p:sp>
+        <p:nvSpPr>
+          <p:cNvPr id="36" name="TextBox 35">
+            <a:extLst>
+              <a:ext uri="{FF2B5EF4-FFF2-40B4-BE49-F238E27FC236}">
+                <a16:creationId xmlns:a16="http://schemas.microsoft.com/office/drawing/2014/main" id="{6C2FADB9-FFE9-A903-DC69-409B457E1AF4}"/>
+              </a:ext>
+            </a:extLst>
+          </p:cNvPr>
+          <p:cNvSpPr txBox="1"/>
+          <p:nvPr/>
+        </p:nvSpPr>
+        <p:spPr>
+          <a:xfrm>
+            <a:off x="7839680" y="1491163"/>
+            <a:ext cx="4381328" cy="1111843"/>
+          </a:xfrm>
+          <a:prstGeom prst="rect">
+            <a:avLst/>
+          </a:prstGeom>
+          <a:noFill/>
+        </p:spPr>
+        <p:txBody>
+          <a:bodyPr wrap="none" rtlCol="0">
+            <a:spAutoFit/>
+          </a:bodyPr>
+          <a:lstStyle/>
+          <a:p>
+            <a:pPr marL="171450" indent="-171450">
+              <a:lnSpc>
+                <a:spcPct val="150000"/>
+              </a:lnSpc>
+              <a:buFont typeface="Arial" panose="020B0604020202020204" pitchFamily="34" charset="0"/>
+              <a:buChar char="•"/>
+            </a:pPr>
+            <a:r>
+              <a:rPr lang="ko-KR" altLang="en-US" sz="1100" dirty="0">
+                <a:solidFill>
+                  <a:schemeClr val="bg1"/>
+                </a:solidFill>
+                <a:latin typeface="Galmuri11 Regular" panose="020B0503020202000000" pitchFamily="50" charset="-127"/>
+                <a:ea typeface="Galmuri11 Regular" panose="020B0503020202000000" pitchFamily="50" charset="-127"/>
+              </a:rPr>
+              <a:t>플레이하는 동안 당신을 계속해서 괴롭히는 이벤트입니다</a:t>
+            </a:r>
+            <a:r>
+              <a:rPr lang="en-US" altLang="ko-KR" sz="1100" dirty="0">
+                <a:solidFill>
+                  <a:schemeClr val="bg1"/>
+                </a:solidFill>
+                <a:latin typeface="Galmuri11 Regular" panose="020B0503020202000000" pitchFamily="50" charset="-127"/>
+                <a:ea typeface="Galmuri11 Regular" panose="020B0503020202000000" pitchFamily="50" charset="-127"/>
+              </a:rPr>
+              <a:t>.</a:t>
+            </a:r>
+          </a:p>
+          <a:p>
+            <a:pPr marL="171450" indent="-171450">
+              <a:lnSpc>
+                <a:spcPct val="150000"/>
+              </a:lnSpc>
+              <a:buFont typeface="Arial" panose="020B0604020202020204" pitchFamily="34" charset="0"/>
+              <a:buChar char="•"/>
+            </a:pPr>
+            <a:r>
+              <a:rPr lang="ko-KR" altLang="en-US" sz="1100" dirty="0">
+                <a:solidFill>
+                  <a:schemeClr val="bg1"/>
+                </a:solidFill>
+                <a:latin typeface="Galmuri11 Regular" panose="020B0503020202000000" pitchFamily="50" charset="-127"/>
+                <a:ea typeface="Galmuri11 Regular" panose="020B0503020202000000" pitchFamily="50" charset="-127"/>
+              </a:rPr>
+              <a:t>해당 이벤트를 무시할 경우 </a:t>
+            </a:r>
+            <a:r>
+              <a:rPr lang="ko-KR" altLang="en-US" sz="1200" b="1" dirty="0">
+                <a:solidFill>
+                  <a:srgbClr val="FF0000"/>
+                </a:solidFill>
+                <a:latin typeface="Galmuri11 Regular" panose="020B0503020202000000" pitchFamily="50" charset="-127"/>
+                <a:ea typeface="Galmuri11 Regular" panose="020B0503020202000000" pitchFamily="50" charset="-127"/>
+              </a:rPr>
+              <a:t>불이익</a:t>
+            </a:r>
+            <a:r>
+              <a:rPr lang="ko-KR" altLang="en-US" sz="1100" dirty="0">
+                <a:solidFill>
+                  <a:schemeClr val="bg1"/>
+                </a:solidFill>
+                <a:latin typeface="Galmuri11 Regular" panose="020B0503020202000000" pitchFamily="50" charset="-127"/>
+                <a:ea typeface="Galmuri11 Regular" panose="020B0503020202000000" pitchFamily="50" charset="-127"/>
+              </a:rPr>
+              <a:t>이 있을 것이며</a:t>
+            </a:r>
+            <a:br>
+              <a:rPr lang="en-US" altLang="ko-KR" sz="1100" dirty="0">
+                <a:solidFill>
+                  <a:schemeClr val="bg1"/>
+                </a:solidFill>
+                <a:latin typeface="Galmuri11 Regular" panose="020B0503020202000000" pitchFamily="50" charset="-127"/>
+                <a:ea typeface="Galmuri11 Regular" panose="020B0503020202000000" pitchFamily="50" charset="-127"/>
+              </a:rPr>
+            </a:br>
+            <a:r>
+              <a:rPr lang="ko-KR" altLang="en-US" sz="1100" dirty="0">
+                <a:solidFill>
+                  <a:schemeClr val="bg1"/>
+                </a:solidFill>
+                <a:latin typeface="Galmuri11 Regular" panose="020B0503020202000000" pitchFamily="50" charset="-127"/>
+                <a:ea typeface="Galmuri11 Regular" panose="020B0503020202000000" pitchFamily="50" charset="-127"/>
+              </a:rPr>
+              <a:t>해결을 하였을 경우 </a:t>
+            </a:r>
+            <a:r>
+              <a:rPr lang="ko-KR" altLang="en-US" sz="1200" b="1" dirty="0">
+                <a:solidFill>
+                  <a:schemeClr val="accent6">
+                    <a:lumMod val="60000"/>
+                    <a:lumOff val="40000"/>
+                  </a:schemeClr>
+                </a:solidFill>
+                <a:latin typeface="Galmuri11 Regular" panose="020B0503020202000000" pitchFamily="50" charset="-127"/>
+                <a:ea typeface="Galmuri11 Regular" panose="020B0503020202000000" pitchFamily="50" charset="-127"/>
+              </a:rPr>
+              <a:t>이익</a:t>
+            </a:r>
+            <a:r>
+              <a:rPr lang="ko-KR" altLang="en-US" sz="1100" dirty="0">
+                <a:solidFill>
+                  <a:schemeClr val="bg1"/>
+                </a:solidFill>
+                <a:latin typeface="Galmuri11 Regular" panose="020B0503020202000000" pitchFamily="50" charset="-127"/>
+                <a:ea typeface="Galmuri11 Regular" panose="020B0503020202000000" pitchFamily="50" charset="-127"/>
+              </a:rPr>
+              <a:t>을 가져다 줄 것입니다</a:t>
+            </a:r>
+            <a:r>
+              <a:rPr lang="en-US" altLang="ko-KR" sz="1100" dirty="0">
+                <a:solidFill>
+                  <a:schemeClr val="bg1"/>
+                </a:solidFill>
+                <a:latin typeface="Galmuri11 Regular" panose="020B0503020202000000" pitchFamily="50" charset="-127"/>
+                <a:ea typeface="Galmuri11 Regular" panose="020B0503020202000000" pitchFamily="50" charset="-127"/>
+              </a:rPr>
+              <a:t>.</a:t>
+            </a:r>
+          </a:p>
+          <a:p>
+            <a:pPr marL="171450" indent="-171450">
+              <a:lnSpc>
+                <a:spcPct val="150000"/>
+              </a:lnSpc>
+              <a:buFont typeface="Arial" panose="020B0604020202020204" pitchFamily="34" charset="0"/>
+              <a:buChar char="•"/>
+            </a:pPr>
+            <a:r>
+              <a:rPr lang="ko-KR" altLang="en-US" sz="1100" dirty="0">
+                <a:solidFill>
+                  <a:schemeClr val="bg1"/>
+                </a:solidFill>
+                <a:latin typeface="Galmuri11 Regular" panose="020B0503020202000000" pitchFamily="50" charset="-127"/>
+                <a:ea typeface="Galmuri11 Regular" panose="020B0503020202000000" pitchFamily="50" charset="-127"/>
+              </a:rPr>
+              <a:t>이벤트마다 해결하는 방식이 다르며 플레이를 통해 알아갑시다</a:t>
+            </a:r>
+          </a:p>
+        </p:txBody>
+      </p:sp>
+      <p:pic>
+        <p:nvPicPr>
+          <p:cNvPr id="46" name="그림 45">
+            <a:extLst>
+              <a:ext uri="{FF2B5EF4-FFF2-40B4-BE49-F238E27FC236}">
+                <a16:creationId xmlns:a16="http://schemas.microsoft.com/office/drawing/2014/main" id="{D2B910E0-4FF7-2FDD-5C3B-9BF8381545B9}"/>
+              </a:ext>
+            </a:extLst>
+          </p:cNvPr>
+          <p:cNvPicPr>
+            <a:picLocks noChangeAspect="1"/>
+          </p:cNvPicPr>
+          <p:nvPr/>
+        </p:nvPicPr>
+        <p:blipFill>
+          <a:blip r:embed="rId2"/>
+          <a:srcRect l="35960" t="84252" r="35722" b="4085"/>
+          <a:stretch/>
+        </p:blipFill>
+        <p:spPr>
+          <a:xfrm>
+            <a:off x="4384224" y="5777261"/>
+            <a:ext cx="3452523" cy="799646"/>
+          </a:xfrm>
+          <a:prstGeom prst="rect">
+            <a:avLst/>
+          </a:prstGeom>
+          <a:ln w="38100">
+            <a:solidFill>
+              <a:srgbClr val="FF0000"/>
+            </a:solidFill>
+          </a:ln>
+        </p:spPr>
+      </p:pic>
+      <p:cxnSp>
+        <p:nvCxnSpPr>
+          <p:cNvPr id="47" name="직선 연결선 46">
+            <a:extLst>
+              <a:ext uri="{FF2B5EF4-FFF2-40B4-BE49-F238E27FC236}">
+                <a16:creationId xmlns:a16="http://schemas.microsoft.com/office/drawing/2014/main" id="{3351C42A-FB5F-1B2E-474F-22FD783D221C}"/>
+              </a:ext>
+            </a:extLst>
+          </p:cNvPr>
+          <p:cNvCxnSpPr>
+            <a:cxnSpLocks/>
+          </p:cNvCxnSpPr>
+          <p:nvPr/>
+        </p:nvCxnSpPr>
+        <p:spPr>
+          <a:xfrm flipH="1" flipV="1">
+            <a:off x="4002029" y="5519736"/>
+            <a:ext cx="353188" cy="666682"/>
+          </a:xfrm>
+          <a:prstGeom prst="line">
+            <a:avLst/>
+          </a:prstGeom>
+          <a:ln w="38100">
+            <a:solidFill>
+              <a:srgbClr val="FF0000"/>
+            </a:solidFill>
+          </a:ln>
+        </p:spPr>
+        <p:style>
+          <a:lnRef idx="2">
+            <a:schemeClr val="accent1"/>
+          </a:lnRef>
+          <a:fillRef idx="0">
+            <a:schemeClr val="accent1"/>
+          </a:fillRef>
+          <a:effectRef idx="1">
+            <a:schemeClr val="accent1"/>
+          </a:effectRef>
+          <a:fontRef idx="minor">
+            <a:schemeClr val="tx1"/>
+          </a:fontRef>
+        </p:style>
+      </p:cxnSp>
+      <p:cxnSp>
+        <p:nvCxnSpPr>
+          <p:cNvPr id="48" name="직선 연결선 47">
+            <a:extLst>
+              <a:ext uri="{FF2B5EF4-FFF2-40B4-BE49-F238E27FC236}">
+                <a16:creationId xmlns:a16="http://schemas.microsoft.com/office/drawing/2014/main" id="{99C6F5DD-CDDF-E7C3-F1C1-67A0487BE9A9}"/>
+              </a:ext>
+            </a:extLst>
+          </p:cNvPr>
+          <p:cNvCxnSpPr>
+            <a:cxnSpLocks/>
+          </p:cNvCxnSpPr>
+          <p:nvPr/>
+        </p:nvCxnSpPr>
+        <p:spPr>
+          <a:xfrm flipH="1">
+            <a:off x="848421" y="5532094"/>
+            <a:ext cx="3158139" cy="0"/>
+          </a:xfrm>
+          <a:prstGeom prst="line">
+            <a:avLst/>
+          </a:prstGeom>
+          <a:ln w="38100">
+            <a:solidFill>
+              <a:srgbClr val="FF0000"/>
+            </a:solidFill>
+          </a:ln>
+        </p:spPr>
+        <p:style>
+          <a:lnRef idx="2">
+            <a:schemeClr val="accent1"/>
+          </a:lnRef>
+          <a:fillRef idx="0">
+            <a:schemeClr val="accent1"/>
+          </a:fillRef>
+          <a:effectRef idx="1">
+            <a:schemeClr val="accent1"/>
+          </a:effectRef>
+          <a:fontRef idx="minor">
+            <a:schemeClr val="tx1"/>
+          </a:fontRef>
+        </p:style>
+      </p:cxnSp>
+      <p:sp>
+        <p:nvSpPr>
+          <p:cNvPr id="49" name="TextBox 48">
+            <a:extLst>
+              <a:ext uri="{FF2B5EF4-FFF2-40B4-BE49-F238E27FC236}">
+                <a16:creationId xmlns:a16="http://schemas.microsoft.com/office/drawing/2014/main" id="{08957145-7638-6FC6-7174-2E7EE66B967D}"/>
+              </a:ext>
+            </a:extLst>
+          </p:cNvPr>
+          <p:cNvSpPr txBox="1"/>
+          <p:nvPr/>
+        </p:nvSpPr>
+        <p:spPr>
+          <a:xfrm>
+            <a:off x="848421" y="5162762"/>
+            <a:ext cx="1762021" cy="369332"/>
+          </a:xfrm>
+          <a:prstGeom prst="rect">
+            <a:avLst/>
+          </a:prstGeom>
+          <a:noFill/>
+        </p:spPr>
+        <p:txBody>
+          <a:bodyPr wrap="square" rtlCol="0">
+            <a:spAutoFit/>
+          </a:bodyPr>
+          <a:lstStyle/>
+          <a:p>
+            <a:r>
+              <a:rPr lang="ko-KR" altLang="en-US" b="1" dirty="0">
+                <a:solidFill>
+                  <a:schemeClr val="bg1"/>
+                </a:solidFill>
+                <a:latin typeface="Galmuri11 Regular" panose="020B0503020202000000" pitchFamily="50" charset="-127"/>
+                <a:ea typeface="Galmuri11 Regular" panose="020B0503020202000000" pitchFamily="50" charset="-127"/>
+              </a:rPr>
+              <a:t>네비게이션 바</a:t>
+            </a:r>
+          </a:p>
+        </p:txBody>
+      </p:sp>
+      <p:sp>
+        <p:nvSpPr>
+          <p:cNvPr id="50" name="TextBox 49">
+            <a:extLst>
+              <a:ext uri="{FF2B5EF4-FFF2-40B4-BE49-F238E27FC236}">
+                <a16:creationId xmlns:a16="http://schemas.microsoft.com/office/drawing/2014/main" id="{97C23862-B23C-2B29-49FD-DE3675811AE7}"/>
+              </a:ext>
+            </a:extLst>
+          </p:cNvPr>
+          <p:cNvSpPr txBox="1"/>
+          <p:nvPr/>
+        </p:nvSpPr>
+        <p:spPr>
+          <a:xfrm>
+            <a:off x="841648" y="5547001"/>
+            <a:ext cx="3299301" cy="811761"/>
+          </a:xfrm>
+          <a:prstGeom prst="rect">
+            <a:avLst/>
+          </a:prstGeom>
+          <a:noFill/>
+        </p:spPr>
+        <p:txBody>
+          <a:bodyPr wrap="square" rtlCol="0">
+            <a:spAutoFit/>
+          </a:bodyPr>
+          <a:lstStyle/>
+          <a:p>
+            <a:pPr marL="171450" indent="-171450">
+              <a:lnSpc>
+                <a:spcPct val="150000"/>
+              </a:lnSpc>
+              <a:buFont typeface="Arial" panose="020B0604020202020204" pitchFamily="34" charset="0"/>
+              <a:buChar char="•"/>
+            </a:pPr>
+            <a:r>
+              <a:rPr lang="ko-KR" altLang="en-US" sz="1100" dirty="0">
+                <a:solidFill>
+                  <a:schemeClr val="bg1"/>
+                </a:solidFill>
+                <a:latin typeface="Galmuri11 Regular" panose="020B0503020202000000" pitchFamily="50" charset="-127"/>
+                <a:ea typeface="Galmuri11 Regular" panose="020B0503020202000000" pitchFamily="50" charset="-127"/>
+              </a:rPr>
+              <a:t>핸드폰의 하단을 클릭하면 등장합니다</a:t>
+            </a:r>
+            <a:r>
+              <a:rPr lang="en-US" altLang="ko-KR" sz="1100" dirty="0">
+                <a:solidFill>
+                  <a:schemeClr val="bg1"/>
+                </a:solidFill>
+                <a:latin typeface="Galmuri11 Regular" panose="020B0503020202000000" pitchFamily="50" charset="-127"/>
+                <a:ea typeface="Galmuri11 Regular" panose="020B0503020202000000" pitchFamily="50" charset="-127"/>
+              </a:rPr>
+              <a:t>.</a:t>
+            </a:r>
+          </a:p>
+          <a:p>
+            <a:pPr marL="171450" indent="-171450">
+              <a:lnSpc>
+                <a:spcPct val="150000"/>
+              </a:lnSpc>
+              <a:buFont typeface="Arial" panose="020B0604020202020204" pitchFamily="34" charset="0"/>
+              <a:buChar char="•"/>
+            </a:pPr>
+            <a:r>
+              <a:rPr lang="ko-KR" altLang="en-US" sz="1100" dirty="0">
+                <a:solidFill>
+                  <a:schemeClr val="bg1"/>
+                </a:solidFill>
+                <a:latin typeface="Galmuri11 Regular" panose="020B0503020202000000" pitchFamily="50" charset="-127"/>
+                <a:ea typeface="Galmuri11 Regular" panose="020B0503020202000000" pitchFamily="50" charset="-127"/>
+              </a:rPr>
+              <a:t>홈버튼을 </a:t>
+            </a:r>
+            <a:r>
+              <a:rPr lang="ko-KR" altLang="en-US" sz="1100" dirty="0" err="1">
+                <a:solidFill>
+                  <a:schemeClr val="bg1"/>
+                </a:solidFill>
+                <a:latin typeface="Galmuri11 Regular" panose="020B0503020202000000" pitchFamily="50" charset="-127"/>
+                <a:ea typeface="Galmuri11 Regular" panose="020B0503020202000000" pitchFamily="50" charset="-127"/>
+              </a:rPr>
+              <a:t>클릭시</a:t>
+            </a:r>
+            <a:r>
+              <a:rPr lang="ko-KR" altLang="en-US" sz="1100" dirty="0">
+                <a:solidFill>
+                  <a:schemeClr val="bg1"/>
+                </a:solidFill>
+                <a:latin typeface="Galmuri11 Regular" panose="020B0503020202000000" pitchFamily="50" charset="-127"/>
+                <a:ea typeface="Galmuri11 Regular" panose="020B0503020202000000" pitchFamily="50" charset="-127"/>
+              </a:rPr>
+              <a:t> </a:t>
+            </a:r>
+            <a:r>
+              <a:rPr lang="ko-KR" altLang="en-US" sz="1100" dirty="0" err="1">
+                <a:solidFill>
+                  <a:schemeClr val="bg1"/>
+                </a:solidFill>
+                <a:latin typeface="Galmuri11 Regular" panose="020B0503020202000000" pitchFamily="50" charset="-127"/>
+                <a:ea typeface="Galmuri11 Regular" panose="020B0503020202000000" pitchFamily="50" charset="-127"/>
+              </a:rPr>
+              <a:t>메인화면으로</a:t>
+            </a:r>
+            <a:r>
+              <a:rPr lang="ko-KR" altLang="en-US" sz="1100" dirty="0">
+                <a:solidFill>
+                  <a:schemeClr val="bg1"/>
+                </a:solidFill>
+                <a:latin typeface="Galmuri11 Regular" panose="020B0503020202000000" pitchFamily="50" charset="-127"/>
+                <a:ea typeface="Galmuri11 Regular" panose="020B0503020202000000" pitchFamily="50" charset="-127"/>
+              </a:rPr>
+              <a:t> 돌아옵니다</a:t>
+            </a:r>
+            <a:r>
+              <a:rPr lang="en-US" altLang="ko-KR" sz="1100" dirty="0">
+                <a:solidFill>
+                  <a:schemeClr val="bg1"/>
+                </a:solidFill>
+                <a:latin typeface="Galmuri11 Regular" panose="020B0503020202000000" pitchFamily="50" charset="-127"/>
+                <a:ea typeface="Galmuri11 Regular" panose="020B0503020202000000" pitchFamily="50" charset="-127"/>
+              </a:rPr>
+              <a:t>.</a:t>
+            </a:r>
+          </a:p>
+          <a:p>
+            <a:pPr marL="171450" indent="-171450">
+              <a:lnSpc>
+                <a:spcPct val="150000"/>
+              </a:lnSpc>
+              <a:buFont typeface="Arial" panose="020B0604020202020204" pitchFamily="34" charset="0"/>
+              <a:buChar char="•"/>
+            </a:pPr>
+            <a:r>
+              <a:rPr lang="ko-KR" altLang="en-US" sz="1100" dirty="0" err="1">
+                <a:solidFill>
+                  <a:schemeClr val="bg1"/>
+                </a:solidFill>
+                <a:latin typeface="Galmuri11 Regular" panose="020B0503020202000000" pitchFamily="50" charset="-127"/>
+                <a:ea typeface="Galmuri11 Regular" panose="020B0503020202000000" pitchFamily="50" charset="-127"/>
+              </a:rPr>
+              <a:t>뒤로가기</a:t>
+            </a:r>
+            <a:r>
+              <a:rPr lang="ko-KR" altLang="en-US" sz="1100" dirty="0">
+                <a:solidFill>
+                  <a:schemeClr val="bg1"/>
+                </a:solidFill>
+                <a:latin typeface="Galmuri11 Regular" panose="020B0503020202000000" pitchFamily="50" charset="-127"/>
+                <a:ea typeface="Galmuri11 Regular" panose="020B0503020202000000" pitchFamily="50" charset="-127"/>
+              </a:rPr>
+              <a:t> 버튼을 통해 현재 </a:t>
+            </a:r>
+            <a:r>
+              <a:rPr lang="en-US" altLang="ko-KR" sz="1100" dirty="0">
+                <a:solidFill>
+                  <a:schemeClr val="bg1"/>
+                </a:solidFill>
+                <a:latin typeface="Galmuri11 Regular" panose="020B0503020202000000" pitchFamily="50" charset="-127"/>
+                <a:ea typeface="Galmuri11 Regular" panose="020B0503020202000000" pitchFamily="50" charset="-127"/>
+              </a:rPr>
+              <a:t>UI</a:t>
+            </a:r>
+            <a:r>
+              <a:rPr lang="ko-KR" altLang="en-US" sz="1100" dirty="0">
+                <a:solidFill>
+                  <a:schemeClr val="bg1"/>
+                </a:solidFill>
+                <a:latin typeface="Galmuri11 Regular" panose="020B0503020202000000" pitchFamily="50" charset="-127"/>
+                <a:ea typeface="Galmuri11 Regular" panose="020B0503020202000000" pitchFamily="50" charset="-127"/>
+              </a:rPr>
+              <a:t>에서 나갑니다</a:t>
+            </a:r>
+            <a:r>
+              <a:rPr lang="en-US" altLang="ko-KR" sz="1100" dirty="0">
+                <a:solidFill>
+                  <a:schemeClr val="bg1"/>
+                </a:solidFill>
+                <a:latin typeface="Galmuri11 Regular" panose="020B0503020202000000" pitchFamily="50" charset="-127"/>
+                <a:ea typeface="Galmuri11 Regular" panose="020B0503020202000000" pitchFamily="50" charset="-127"/>
+              </a:rPr>
+              <a:t>.</a:t>
+            </a:r>
+            <a:endParaRPr lang="ko-KR" altLang="en-US" sz="1100" dirty="0">
+              <a:solidFill>
+                <a:schemeClr val="bg1"/>
+              </a:solidFill>
+              <a:latin typeface="Galmuri11 Regular" panose="020B0503020202000000" pitchFamily="50" charset="-127"/>
+              <a:ea typeface="Galmuri11 Regular" panose="020B0503020202000000" pitchFamily="50" charset="-127"/>
+            </a:endParaRPr>
+          </a:p>
+        </p:txBody>
+      </p:sp>
+      <p:sp>
+        <p:nvSpPr>
+          <p:cNvPr id="54" name="TextBox 53">
+            <a:extLst>
+              <a:ext uri="{FF2B5EF4-FFF2-40B4-BE49-F238E27FC236}">
+                <a16:creationId xmlns:a16="http://schemas.microsoft.com/office/drawing/2014/main" id="{11B47E2A-F7A9-CA07-6E5E-5046C178E358}"/>
+              </a:ext>
+            </a:extLst>
+          </p:cNvPr>
+          <p:cNvSpPr txBox="1"/>
+          <p:nvPr/>
+        </p:nvSpPr>
+        <p:spPr>
+          <a:xfrm>
+            <a:off x="11529982" y="37696"/>
+            <a:ext cx="526106" cy="707886"/>
+          </a:xfrm>
+          <a:prstGeom prst="rect">
+            <a:avLst/>
+          </a:prstGeom>
+          <a:noFill/>
+        </p:spPr>
+        <p:txBody>
+          <a:bodyPr wrap="none" rtlCol="0">
+            <a:spAutoFit/>
+          </a:bodyPr>
+          <a:lstStyle/>
+          <a:p>
+            <a:r>
+              <a:rPr lang="en-US" altLang="ko-KR" sz="4000" b="1" dirty="0">
+                <a:latin typeface="Galmuri11 Regular" panose="020B0503020202000000" pitchFamily="50" charset="-127"/>
+                <a:ea typeface="Galmuri11 Regular" panose="020B0503020202000000" pitchFamily="50" charset="-127"/>
+              </a:rPr>
+              <a:t>X</a:t>
+            </a:r>
+            <a:endParaRPr lang="ko-KR" altLang="en-US" sz="4000" b="1" dirty="0">
+              <a:latin typeface="Galmuri11 Regular" panose="020B0503020202000000" pitchFamily="50" charset="-127"/>
+              <a:ea typeface="Galmuri11 Regular" panose="020B0503020202000000" pitchFamily="50" charset="-127"/>
+            </a:endParaRPr>
+          </a:p>
+        </p:txBody>
+      </p:sp>
+    </p:spTree>
+    <p:extLst>
+      <p:ext uri="{BB962C8B-B14F-4D97-AF65-F5344CB8AC3E}">
+        <p14:creationId xmlns:p14="http://schemas.microsoft.com/office/powerpoint/2010/main" val="1570499589"/>
+      </p:ext>
+    </p:extLst>
+  </p:cSld>
+  <p:clrMapOvr>
+    <a:masterClrMapping/>
+  </p:clrMapOvr>
+</p:sld>
+</file>
+
+<file path=ppt/slides/slide39.xml><?xml version="1.0" encoding="utf-8"?>
+<p:sld xmlns:a="http://schemas.openxmlformats.org/drawingml/2006/main" xmlns:r="http://schemas.openxmlformats.org/officeDocument/2006/relationships" xmlns:p="http://schemas.openxmlformats.org/presentationml/2006/main">
+  <p:cSld>
+    <p:spTree>
+      <p:nvGrpSpPr>
+        <p:cNvPr id="1" name=""/>
+        <p:cNvGrpSpPr/>
+        <p:nvPr/>
+      </p:nvGrpSpPr>
+      <p:grpSpPr>
+        <a:xfrm>
+          <a:off x="0" y="0"/>
+          <a:ext cx="0" cy="0"/>
+          <a:chOff x="0" y="0"/>
+          <a:chExt cx="0" cy="0"/>
+        </a:xfrm>
+      </p:grpSpPr>
+      <p:sp>
+        <p:nvSpPr>
+          <p:cNvPr id="9" name="사각형: 둥근 모서리 8">
+            <a:extLst>
+              <a:ext uri="{FF2B5EF4-FFF2-40B4-BE49-F238E27FC236}">
+                <a16:creationId xmlns:a16="http://schemas.microsoft.com/office/drawing/2014/main" id="{1FD64AEC-A689-4EFF-F866-5961BB1433BC}"/>
+              </a:ext>
+            </a:extLst>
+          </p:cNvPr>
+          <p:cNvSpPr/>
+          <p:nvPr/>
+        </p:nvSpPr>
+        <p:spPr>
+          <a:xfrm>
+            <a:off x="2743749" y="708991"/>
+            <a:ext cx="6466512" cy="5128591"/>
+          </a:xfrm>
+          <a:prstGeom prst="roundRect">
+            <a:avLst>
+              <a:gd name="adj" fmla="val 1034"/>
+            </a:avLst>
+          </a:prstGeom>
+          <a:solidFill>
+            <a:srgbClr val="002467"/>
+          </a:solidFill>
+        </p:spPr>
+        <p:style>
+          <a:lnRef idx="2">
+            <a:schemeClr val="accent1">
+              <a:shade val="15000"/>
+            </a:schemeClr>
+          </a:lnRef>
+          <a:fillRef idx="1">
+            <a:schemeClr val="accent1"/>
+          </a:fillRef>
+          <a:effectRef idx="0">
+            <a:schemeClr val="accent1"/>
+          </a:effectRef>
+          <a:fontRef idx="minor">
+            <a:schemeClr val="lt1"/>
+          </a:fontRef>
+        </p:style>
+        <p:txBody>
+          <a:bodyPr rtlCol="0" anchor="ctr"/>
+          <a:lstStyle/>
+          <a:p>
+            <a:pPr algn="ctr"/>
+            <a:endParaRPr lang="ko-KR" altLang="en-US">
+              <a:latin typeface="Galmuri11 Regular" panose="020B0503020202000000" pitchFamily="50" charset="-127"/>
+              <a:ea typeface="Galmuri11 Regular" panose="020B0503020202000000" pitchFamily="50" charset="-127"/>
+            </a:endParaRPr>
+          </a:p>
+        </p:txBody>
+      </p:sp>
+      <p:pic>
+        <p:nvPicPr>
+          <p:cNvPr id="11" name="그림 10" descr="스크린샷, 직사각형, 사각형, 프레임이(가) 표시된 사진&#10;&#10;AI가 생성한 콘텐츠는 부정확할 수 있습니다.">
+            <a:extLst>
+              <a:ext uri="{FF2B5EF4-FFF2-40B4-BE49-F238E27FC236}">
+                <a16:creationId xmlns:a16="http://schemas.microsoft.com/office/drawing/2014/main" id="{C4C7B6C2-77D7-0F2F-13D8-68E7C4508429}"/>
+              </a:ext>
+            </a:extLst>
+          </p:cNvPr>
+          <p:cNvPicPr>
+            <a:picLocks noChangeAspect="1"/>
+          </p:cNvPicPr>
+          <p:nvPr/>
+        </p:nvPicPr>
+        <p:blipFill>
+          <a:blip r:embed="rId2">
+            <a:extLst>
+              <a:ext uri="{28A0092B-C50C-407E-A947-70E740481C1C}">
+                <a14:useLocalDpi xmlns:a14="http://schemas.microsoft.com/office/drawing/2010/main" val="0"/>
+              </a:ext>
+            </a:extLst>
+          </a:blip>
+          <a:stretch>
+            <a:fillRect/>
+          </a:stretch>
+        </p:blipFill>
+        <p:spPr>
+          <a:xfrm>
+            <a:off x="2900905" y="1193005"/>
+            <a:ext cx="6152201" cy="3223304"/>
+          </a:xfrm>
+          <a:prstGeom prst="rect">
+            <a:avLst/>
+          </a:prstGeom>
+        </p:spPr>
+      </p:pic>
+      <p:pic>
+        <p:nvPicPr>
+          <p:cNvPr id="2" name="그림 1">
+            <a:extLst>
+              <a:ext uri="{FF2B5EF4-FFF2-40B4-BE49-F238E27FC236}">
+                <a16:creationId xmlns:a16="http://schemas.microsoft.com/office/drawing/2014/main" id="{07FE3ED2-C0AD-B17F-DE64-054CA1F6F08B}"/>
+              </a:ext>
+            </a:extLst>
+          </p:cNvPr>
+          <p:cNvPicPr>
+            <a:picLocks noChangeAspect="1"/>
+          </p:cNvPicPr>
+          <p:nvPr/>
+        </p:nvPicPr>
+        <p:blipFill>
+          <a:blip r:embed="rId3"/>
+          <a:srcRect l="34782" t="21440" r="63967" b="61163"/>
+          <a:stretch/>
+        </p:blipFill>
+        <p:spPr>
+          <a:xfrm>
+            <a:off x="6205896" y="1600216"/>
+            <a:ext cx="295061" cy="2309175"/>
+          </a:xfrm>
+          <a:prstGeom prst="rect">
+            <a:avLst/>
+          </a:prstGeom>
+        </p:spPr>
+      </p:pic>
+      <p:sp>
+        <p:nvSpPr>
+          <p:cNvPr id="6" name="TextBox 5">
+            <a:extLst>
+              <a:ext uri="{FF2B5EF4-FFF2-40B4-BE49-F238E27FC236}">
+                <a16:creationId xmlns:a16="http://schemas.microsoft.com/office/drawing/2014/main" id="{53D7E9B8-9CF4-9F68-03A3-3419F4A97F22}"/>
+              </a:ext>
+            </a:extLst>
+          </p:cNvPr>
+          <p:cNvSpPr txBox="1"/>
+          <p:nvPr/>
+        </p:nvSpPr>
+        <p:spPr>
+          <a:xfrm>
+            <a:off x="2924020" y="797706"/>
+            <a:ext cx="3654525" cy="369332"/>
+          </a:xfrm>
+          <a:prstGeom prst="rect">
+            <a:avLst/>
+          </a:prstGeom>
+          <a:noFill/>
+        </p:spPr>
+        <p:txBody>
+          <a:bodyPr wrap="square" rtlCol="0">
+            <a:spAutoFit/>
+          </a:bodyPr>
+          <a:lstStyle/>
+          <a:p>
+            <a:r>
+              <a:rPr lang="ko-KR" altLang="en-US" b="1" dirty="0">
+                <a:solidFill>
+                  <a:schemeClr val="bg1"/>
+                </a:solidFill>
+              </a:rPr>
+              <a:t>소리 크기 조절</a:t>
+            </a:r>
+          </a:p>
+        </p:txBody>
+      </p:sp>
+    </p:spTree>
+    <p:extLst>
+      <p:ext uri="{BB962C8B-B14F-4D97-AF65-F5344CB8AC3E}">
+        <p14:creationId xmlns:p14="http://schemas.microsoft.com/office/powerpoint/2010/main" val="3797599974"/>
+      </p:ext>
+    </p:extLst>
+  </p:cSld>
+  <p:clrMapOvr>
+    <a:masterClrMapping/>
+  </p:clrMapOvr>
+</p:sld>
+</file>
+
+<file path=ppt/slides/slide4.xml><?xml version="1.0" encoding="utf-8"?>
+<p:sld xmlns:a="http://schemas.openxmlformats.org/drawingml/2006/main" xmlns:r="http://schemas.openxmlformats.org/officeDocument/2006/relationships" xmlns:p="http://schemas.openxmlformats.org/presentationml/2006/main">
+  <p:cSld>
+    <p:spTree>
+      <p:nvGrpSpPr>
+        <p:cNvPr id="1" name="">
+          <a:extLst>
+            <a:ext uri="{FF2B5EF4-FFF2-40B4-BE49-F238E27FC236}">
+              <a16:creationId xmlns:a16="http://schemas.microsoft.com/office/drawing/2014/main" id="{77C1AA84-3BCC-4F93-414E-5CD8B52B7DDD}"/>
+            </a:ext>
+          </a:extLst>
+        </p:cNvPr>
+        <p:cNvGrpSpPr/>
+        <p:nvPr/>
+      </p:nvGrpSpPr>
+      <p:grpSpPr>
+        <a:xfrm>
+          <a:off x="0" y="0"/>
+          <a:ext cx="0" cy="0"/>
+          <a:chOff x="0" y="0"/>
+          <a:chExt cx="0" cy="0"/>
+        </a:xfrm>
+      </p:grpSpPr>
+      <p:sp>
+        <p:nvSpPr>
+          <p:cNvPr id="14" name="직사각형 13">
+            <a:extLst>
+              <a:ext uri="{FF2B5EF4-FFF2-40B4-BE49-F238E27FC236}">
+                <a16:creationId xmlns:a16="http://schemas.microsoft.com/office/drawing/2014/main" id="{3C9CB339-6511-EAE9-EE76-1A4D6FFC2A32}"/>
+              </a:ext>
+            </a:extLst>
+          </p:cNvPr>
+          <p:cNvSpPr/>
+          <p:nvPr/>
+        </p:nvSpPr>
+        <p:spPr>
+          <a:xfrm>
+            <a:off x="92765" y="79513"/>
+            <a:ext cx="11986592" cy="6712226"/>
+          </a:xfrm>
+          <a:prstGeom prst="rect">
+            <a:avLst/>
+          </a:prstGeom>
+          <a:solidFill>
+            <a:schemeClr val="accent2">
+              <a:lumMod val="40000"/>
+              <a:lumOff val="60000"/>
+            </a:schemeClr>
+          </a:solidFill>
+        </p:spPr>
+        <p:style>
+          <a:lnRef idx="2">
+            <a:schemeClr val="accent1">
+              <a:shade val="15000"/>
+            </a:schemeClr>
+          </a:lnRef>
+          <a:fillRef idx="1">
+            <a:schemeClr val="accent1"/>
+          </a:fillRef>
+          <a:effectRef idx="0">
+            <a:schemeClr val="accent1"/>
+          </a:effectRef>
+          <a:fontRef idx="minor">
+            <a:schemeClr val="lt1"/>
+          </a:fontRef>
+        </p:style>
+        <p:txBody>
+          <a:bodyPr rtlCol="0" anchor="ctr"/>
+          <a:lstStyle/>
+          <a:p>
+            <a:pPr algn="ctr"/>
+            <a:endParaRPr lang="ko-KR" altLang="en-US"/>
+          </a:p>
+        </p:txBody>
+      </p:sp>
+      <p:pic>
+        <p:nvPicPr>
+          <p:cNvPr id="30" name="그림 29">
+            <a:extLst>
+              <a:ext uri="{FF2B5EF4-FFF2-40B4-BE49-F238E27FC236}">
+                <a16:creationId xmlns:a16="http://schemas.microsoft.com/office/drawing/2014/main" id="{DAC5BB46-882D-1EC6-21E3-A5CF1312A138}"/>
+              </a:ext>
+            </a:extLst>
+          </p:cNvPr>
+          <p:cNvPicPr>
+            <a:picLocks noChangeAspect="1"/>
+          </p:cNvPicPr>
+          <p:nvPr/>
+        </p:nvPicPr>
+        <p:blipFill>
+          <a:blip r:embed="rId2"/>
+          <a:stretch>
+            <a:fillRect/>
+          </a:stretch>
+        </p:blipFill>
+        <p:spPr>
+          <a:xfrm>
+            <a:off x="178382" y="79512"/>
+            <a:ext cx="11835237" cy="6698975"/>
+          </a:xfrm>
+          <a:prstGeom prst="rect">
+            <a:avLst/>
+          </a:prstGeom>
+        </p:spPr>
+      </p:pic>
+      <p:sp>
+        <p:nvSpPr>
+          <p:cNvPr id="33" name="TextBox 32">
+            <a:extLst>
+              <a:ext uri="{FF2B5EF4-FFF2-40B4-BE49-F238E27FC236}">
+                <a16:creationId xmlns:a16="http://schemas.microsoft.com/office/drawing/2014/main" id="{A98D10E0-FE16-3977-9176-A1D35A473AF2}"/>
+              </a:ext>
+            </a:extLst>
+          </p:cNvPr>
+          <p:cNvSpPr txBox="1"/>
+          <p:nvPr/>
+        </p:nvSpPr>
+        <p:spPr>
+          <a:xfrm>
+            <a:off x="3326851" y="6339581"/>
+            <a:ext cx="5420074" cy="369332"/>
+          </a:xfrm>
+          <a:prstGeom prst="rect">
+            <a:avLst/>
+          </a:prstGeom>
+          <a:solidFill>
+            <a:schemeClr val="tx1"/>
+          </a:solidFill>
+        </p:spPr>
+        <p:txBody>
+          <a:bodyPr wrap="none" rtlCol="0">
+            <a:spAutoFit/>
+          </a:bodyPr>
+          <a:lstStyle/>
+          <a:p>
+            <a:r>
+              <a:rPr lang="en-US" altLang="ko-KR" dirty="0">
+                <a:solidFill>
+                  <a:schemeClr val="bg1"/>
+                </a:solidFill>
+              </a:rPr>
+              <a:t>10</a:t>
+            </a:r>
+            <a:r>
+              <a:rPr lang="ko-KR" altLang="en-US" dirty="0">
+                <a:solidFill>
+                  <a:schemeClr val="bg1"/>
+                </a:solidFill>
+              </a:rPr>
+              <a:t>분 늦는다고 했으니 그동안 게임이나 한판 할까</a:t>
+            </a:r>
+            <a:r>
+              <a:rPr lang="en-US" altLang="ko-KR" dirty="0">
+                <a:solidFill>
+                  <a:schemeClr val="bg1"/>
+                </a:solidFill>
+              </a:rPr>
+              <a:t>?</a:t>
+            </a:r>
+            <a:endParaRPr lang="ko-KR" altLang="en-US" dirty="0">
+              <a:solidFill>
+                <a:schemeClr val="bg1"/>
+              </a:solidFill>
+            </a:endParaRPr>
+          </a:p>
+        </p:txBody>
+      </p:sp>
+      <p:grpSp>
+        <p:nvGrpSpPr>
+          <p:cNvPr id="6" name="그룹 5">
+            <a:extLst>
+              <a:ext uri="{FF2B5EF4-FFF2-40B4-BE49-F238E27FC236}">
+                <a16:creationId xmlns:a16="http://schemas.microsoft.com/office/drawing/2014/main" id="{220274F7-F604-318B-B285-A96A5E19EDED}"/>
+              </a:ext>
+            </a:extLst>
+          </p:cNvPr>
+          <p:cNvGrpSpPr/>
+          <p:nvPr/>
+        </p:nvGrpSpPr>
+        <p:grpSpPr>
+          <a:xfrm>
+            <a:off x="4664765" y="812347"/>
+            <a:ext cx="2862470" cy="751410"/>
+            <a:chOff x="4724399" y="812347"/>
+            <a:chExt cx="2862470" cy="751410"/>
+          </a:xfrm>
+        </p:grpSpPr>
+        <p:sp>
+          <p:nvSpPr>
+            <p:cNvPr id="3" name="사각형: 둥근 모서리 2">
+              <a:extLst>
+                <a:ext uri="{FF2B5EF4-FFF2-40B4-BE49-F238E27FC236}">
+                  <a16:creationId xmlns:a16="http://schemas.microsoft.com/office/drawing/2014/main" id="{39C8F4E0-E2F5-1F91-D279-E340F21BC4ED}"/>
+                </a:ext>
+              </a:extLst>
+            </p:cNvPr>
+            <p:cNvSpPr/>
+            <p:nvPr/>
+          </p:nvSpPr>
+          <p:spPr>
+            <a:xfrm>
+              <a:off x="4724399" y="812348"/>
+              <a:ext cx="2862470" cy="751409"/>
+            </a:xfrm>
+            <a:prstGeom prst="roundRect">
+              <a:avLst/>
+            </a:prstGeom>
+            <a:solidFill>
+              <a:schemeClr val="bg1">
+                <a:lumMod val="85000"/>
+              </a:schemeClr>
+            </a:solidFill>
+          </p:spPr>
+          <p:style>
+            <a:lnRef idx="2">
+              <a:schemeClr val="accent1">
+                <a:shade val="15000"/>
+              </a:schemeClr>
+            </a:lnRef>
+            <a:fillRef idx="1">
+              <a:schemeClr val="accent1"/>
+            </a:fillRef>
+            <a:effectRef idx="0">
+              <a:schemeClr val="accent1"/>
+            </a:effectRef>
+            <a:fontRef idx="minor">
+              <a:schemeClr val="lt1"/>
+            </a:fontRef>
+          </p:style>
+          <p:txBody>
+            <a:bodyPr rtlCol="0" anchor="ctr"/>
+            <a:lstStyle/>
+            <a:p>
+              <a:pPr algn="ctr"/>
+              <a:endParaRPr lang="ko-KR" altLang="en-US"/>
+            </a:p>
+          </p:txBody>
+        </p:sp>
+        <p:pic>
+          <p:nvPicPr>
+            <p:cNvPr id="4" name="그림 3" descr="블랙, 어둠이(가) 표시된 사진&#10;&#10;자동 생성된 설명">
+              <a:extLst>
+                <a:ext uri="{FF2B5EF4-FFF2-40B4-BE49-F238E27FC236}">
+                  <a16:creationId xmlns:a16="http://schemas.microsoft.com/office/drawing/2014/main" id="{1B56A22A-E81C-75AF-50BB-38CBBDBE3207}"/>
+                </a:ext>
+              </a:extLst>
+            </p:cNvPr>
+            <p:cNvPicPr>
+              <a:picLocks noChangeAspect="1"/>
+            </p:cNvPicPr>
+            <p:nvPr/>
+          </p:nvPicPr>
+          <p:blipFill>
+            <a:blip r:embed="rId3">
+              <a:extLst>
+                <a:ext uri="{28A0092B-C50C-407E-A947-70E740481C1C}">
+                  <a14:useLocalDpi xmlns:a14="http://schemas.microsoft.com/office/drawing/2010/main" val="0"/>
+                </a:ext>
+              </a:extLst>
+            </a:blip>
+            <a:stretch>
+              <a:fillRect/>
+            </a:stretch>
+          </p:blipFill>
+          <p:spPr>
+            <a:xfrm>
+              <a:off x="4724399" y="812347"/>
+              <a:ext cx="531410" cy="531410"/>
+            </a:xfrm>
+            <a:prstGeom prst="rect">
+              <a:avLst/>
+            </a:prstGeom>
+          </p:spPr>
+        </p:pic>
+        <p:sp>
+          <p:nvSpPr>
+            <p:cNvPr id="5" name="직사각형 4">
+              <a:extLst>
+                <a:ext uri="{FF2B5EF4-FFF2-40B4-BE49-F238E27FC236}">
+                  <a16:creationId xmlns:a16="http://schemas.microsoft.com/office/drawing/2014/main" id="{4D96AE18-D167-BBBB-BF88-4FF43E6B17A3}"/>
+                </a:ext>
+              </a:extLst>
+            </p:cNvPr>
+            <p:cNvSpPr/>
+            <p:nvPr/>
+          </p:nvSpPr>
+          <p:spPr>
+            <a:xfrm>
+              <a:off x="5255809" y="847133"/>
+              <a:ext cx="2077801" cy="531411"/>
+            </a:xfrm>
+            <a:prstGeom prst="rect">
+              <a:avLst/>
+            </a:prstGeom>
+            <a:solidFill>
+              <a:srgbClr val="D9D9D9"/>
+            </a:solidFill>
+            <a:ln>
+              <a:noFill/>
+            </a:ln>
+          </p:spPr>
+          <p:style>
+            <a:lnRef idx="2">
+              <a:schemeClr val="accent1">
+                <a:shade val="15000"/>
+              </a:schemeClr>
+            </a:lnRef>
+            <a:fillRef idx="1">
+              <a:schemeClr val="accent1"/>
+            </a:fillRef>
+            <a:effectRef idx="0">
+              <a:schemeClr val="accent1"/>
+            </a:effectRef>
+            <a:fontRef idx="minor">
+              <a:schemeClr val="lt1"/>
+            </a:fontRef>
+          </p:style>
+          <p:txBody>
+            <a:bodyPr rtlCol="0" anchor="t"/>
+            <a:lstStyle/>
+            <a:p>
+              <a:r>
+                <a:rPr lang="en-US" altLang="ko-KR" sz="1200" b="1" dirty="0">
+                  <a:solidFill>
+                    <a:schemeClr val="tx1"/>
+                  </a:solidFill>
+                </a:rPr>
+                <a:t>[</a:t>
+              </a:r>
+              <a:r>
+                <a:rPr lang="ko-KR" altLang="en-US" sz="1200" b="1" dirty="0">
+                  <a:solidFill>
+                    <a:schemeClr val="tx1"/>
+                  </a:solidFill>
+                </a:rPr>
+                <a:t>친구이름</a:t>
+              </a:r>
+              <a:r>
+                <a:rPr lang="en-US" altLang="ko-KR" sz="1200" b="1" dirty="0">
+                  <a:solidFill>
+                    <a:schemeClr val="tx1"/>
+                  </a:solidFill>
+                </a:rPr>
+                <a:t>] </a:t>
+              </a:r>
+            </a:p>
+            <a:p>
+              <a:r>
+                <a:rPr lang="ko-KR" altLang="en-US" sz="1000" dirty="0">
+                  <a:solidFill>
+                    <a:schemeClr val="tx1"/>
+                  </a:solidFill>
+                </a:rPr>
+                <a:t>나 </a:t>
+              </a:r>
+              <a:r>
+                <a:rPr lang="en-US" altLang="ko-KR" sz="1000" dirty="0">
+                  <a:solidFill>
+                    <a:schemeClr val="tx1"/>
+                  </a:solidFill>
+                </a:rPr>
+                <a:t>10</a:t>
+              </a:r>
+              <a:r>
+                <a:rPr lang="ko-KR" altLang="en-US" sz="1000" dirty="0">
+                  <a:solidFill>
+                    <a:schemeClr val="tx1"/>
+                  </a:solidFill>
+                </a:rPr>
+                <a:t>분 정도 늦을 것 같아</a:t>
+              </a:r>
+            </a:p>
+          </p:txBody>
+        </p:sp>
+      </p:grpSp>
+      <p:sp>
+        <p:nvSpPr>
+          <p:cNvPr id="8" name="말풍선: 모서리가 둥근 사각형 7">
+            <a:extLst>
+              <a:ext uri="{FF2B5EF4-FFF2-40B4-BE49-F238E27FC236}">
+                <a16:creationId xmlns:a16="http://schemas.microsoft.com/office/drawing/2014/main" id="{ABFE71BB-EC32-82A3-80E7-7674508864F4}"/>
+              </a:ext>
+            </a:extLst>
+          </p:cNvPr>
+          <p:cNvSpPr/>
+          <p:nvPr/>
+        </p:nvSpPr>
+        <p:spPr>
+          <a:xfrm>
+            <a:off x="1431233" y="847133"/>
+            <a:ext cx="2862470" cy="993913"/>
+          </a:xfrm>
+          <a:prstGeom prst="wedgeRoundRectCallout">
+            <a:avLst>
+              <a:gd name="adj1" fmla="val 57432"/>
+              <a:gd name="adj2" fmla="val -18166"/>
+              <a:gd name="adj3" fmla="val 16667"/>
+            </a:avLst>
+          </a:prstGeom>
+          <a:solidFill>
+            <a:schemeClr val="bg1"/>
+          </a:solidFill>
+          <a:ln w="38100">
+            <a:solidFill>
+              <a:schemeClr val="tx2">
+                <a:lumMod val="50000"/>
+                <a:lumOff val="50000"/>
+              </a:schemeClr>
+            </a:solidFill>
+          </a:ln>
+        </p:spPr>
+        <p:style>
+          <a:lnRef idx="2">
+            <a:schemeClr val="accent1">
+              <a:shade val="15000"/>
+            </a:schemeClr>
+          </a:lnRef>
+          <a:fillRef idx="1">
+            <a:schemeClr val="accent1"/>
+          </a:fillRef>
+          <a:effectRef idx="0">
+            <a:schemeClr val="accent1"/>
+          </a:effectRef>
+          <a:fontRef idx="minor">
+            <a:schemeClr val="lt1"/>
+          </a:fontRef>
+        </p:style>
+        <p:txBody>
+          <a:bodyPr rtlCol="0" anchor="ctr"/>
+          <a:lstStyle/>
+          <a:p>
+            <a:r>
+              <a:rPr lang="ko-KR" altLang="en-US" sz="1200" dirty="0">
+                <a:solidFill>
+                  <a:schemeClr val="tx1"/>
+                </a:solidFill>
+              </a:rPr>
+              <a:t>게임이 시작하자 마자</a:t>
+            </a:r>
+            <a:endParaRPr lang="en-US" altLang="ko-KR" sz="1200" dirty="0">
+              <a:solidFill>
+                <a:schemeClr val="tx1"/>
+              </a:solidFill>
+            </a:endParaRPr>
+          </a:p>
+          <a:p>
+            <a:r>
+              <a:rPr lang="ko-KR" altLang="en-US" sz="1200" dirty="0">
+                <a:solidFill>
+                  <a:schemeClr val="tx1"/>
+                </a:solidFill>
+              </a:rPr>
+              <a:t>진동이 울리며 해당 메시지 등장</a:t>
+            </a:r>
+            <a:endParaRPr lang="en-US" altLang="ko-KR" sz="1200" dirty="0">
+              <a:solidFill>
+                <a:schemeClr val="tx1"/>
+              </a:solidFill>
+            </a:endParaRPr>
+          </a:p>
+          <a:p>
+            <a:r>
+              <a:rPr lang="ko-KR" altLang="en-US" sz="1200" dirty="0">
+                <a:solidFill>
+                  <a:schemeClr val="tx1"/>
+                </a:solidFill>
+              </a:rPr>
+              <a:t>클릭 </a:t>
+            </a:r>
+            <a:r>
+              <a:rPr lang="en-US" altLang="ko-KR" sz="1200" dirty="0">
+                <a:solidFill>
+                  <a:schemeClr val="tx1"/>
+                </a:solidFill>
+              </a:rPr>
+              <a:t>or </a:t>
+            </a:r>
+            <a:r>
+              <a:rPr lang="ko-KR" altLang="en-US" sz="1200" dirty="0">
+                <a:solidFill>
+                  <a:schemeClr val="tx1"/>
+                </a:solidFill>
+              </a:rPr>
+              <a:t>슬라이드를 </a:t>
+            </a:r>
+            <a:r>
+              <a:rPr lang="ko-KR" altLang="en-US" sz="1200" dirty="0" err="1">
+                <a:solidFill>
+                  <a:schemeClr val="tx1"/>
+                </a:solidFill>
+              </a:rPr>
+              <a:t>안할</a:t>
+            </a:r>
+            <a:r>
+              <a:rPr lang="ko-KR" altLang="en-US" sz="1200" dirty="0">
+                <a:solidFill>
+                  <a:schemeClr val="tx1"/>
+                </a:solidFill>
+              </a:rPr>
+              <a:t> 경우</a:t>
+            </a:r>
+            <a:endParaRPr lang="en-US" altLang="ko-KR" sz="1200" dirty="0">
+              <a:solidFill>
+                <a:schemeClr val="tx1"/>
+              </a:solidFill>
+            </a:endParaRPr>
+          </a:p>
+          <a:p>
+            <a:r>
+              <a:rPr lang="en-US" altLang="ko-KR" sz="1200" dirty="0">
+                <a:solidFill>
+                  <a:schemeClr val="tx1"/>
+                </a:solidFill>
+              </a:rPr>
+              <a:t>3</a:t>
+            </a:r>
+            <a:r>
+              <a:rPr lang="ko-KR" altLang="en-US" sz="1200" dirty="0">
+                <a:solidFill>
+                  <a:schemeClr val="tx1"/>
+                </a:solidFill>
+              </a:rPr>
+              <a:t>초 뒤에 사라짐 </a:t>
+            </a:r>
+            <a:endParaRPr lang="en-US" altLang="ko-KR" sz="1200" dirty="0">
+              <a:solidFill>
+                <a:schemeClr val="tx1"/>
+              </a:solidFill>
+            </a:endParaRPr>
+          </a:p>
+        </p:txBody>
+      </p:sp>
+    </p:spTree>
+    <p:extLst>
+      <p:ext uri="{BB962C8B-B14F-4D97-AF65-F5344CB8AC3E}">
+        <p14:creationId xmlns:p14="http://schemas.microsoft.com/office/powerpoint/2010/main" val="3372908370"/>
+      </p:ext>
+    </p:extLst>
+  </p:cSld>
+  <p:clrMapOvr>
+    <a:masterClrMapping/>
+  </p:clrMapOvr>
+</p:sld>
+</file>
+
+<file path=ppt/slides/slide40.xml><?xml version="1.0" encoding="utf-8"?>
+<p:sld xmlns:a="http://schemas.openxmlformats.org/drawingml/2006/main" xmlns:r="http://schemas.openxmlformats.org/officeDocument/2006/relationships" xmlns:p="http://schemas.openxmlformats.org/presentationml/2006/main">
+  <p:cSld>
+    <p:spTree>
+      <p:nvGrpSpPr>
+        <p:cNvPr id="1" name=""/>
+        <p:cNvGrpSpPr/>
+        <p:nvPr/>
+      </p:nvGrpSpPr>
+      <p:grpSpPr>
+        <a:xfrm>
+          <a:off x="0" y="0"/>
+          <a:ext cx="0" cy="0"/>
+          <a:chOff x="0" y="0"/>
+          <a:chExt cx="0" cy="0"/>
+        </a:xfrm>
+      </p:grpSpPr>
       <p:graphicFrame>
         <p:nvGraphicFramePr>
           <p:cNvPr id="18" name="표 17">
@@ -46340,7 +48254,7 @@
 </p:sld>
 </file>
 
-<file path=ppt/slides/slide39.xml><?xml version="1.0" encoding="utf-8"?>
+<file path=ppt/slides/slide41.xml><?xml version="1.0" encoding="utf-8"?>
 <p:sld xmlns:a="http://schemas.openxmlformats.org/drawingml/2006/main" xmlns:r="http://schemas.openxmlformats.org/officeDocument/2006/relationships" xmlns:p="http://schemas.openxmlformats.org/presentationml/2006/main">
   <p:cSld>
     <p:spTree>
@@ -46778,552 +48692,7 @@
 </p:sld>
 </file>
 
-<file path=ppt/slides/slide4.xml><?xml version="1.0" encoding="utf-8"?>
-<p:sld xmlns:a="http://schemas.openxmlformats.org/drawingml/2006/main" xmlns:r="http://schemas.openxmlformats.org/officeDocument/2006/relationships" xmlns:p="http://schemas.openxmlformats.org/presentationml/2006/main">
-  <p:cSld>
-    <p:spTree>
-      <p:nvGrpSpPr>
-        <p:cNvPr id="1" name="">
-          <a:extLst>
-            <a:ext uri="{FF2B5EF4-FFF2-40B4-BE49-F238E27FC236}">
-              <a16:creationId xmlns:a16="http://schemas.microsoft.com/office/drawing/2014/main" id="{77C1AA84-3BCC-4F93-414E-5CD8B52B7DDD}"/>
-            </a:ext>
-          </a:extLst>
-        </p:cNvPr>
-        <p:cNvGrpSpPr/>
-        <p:nvPr/>
-      </p:nvGrpSpPr>
-      <p:grpSpPr>
-        <a:xfrm>
-          <a:off x="0" y="0"/>
-          <a:ext cx="0" cy="0"/>
-          <a:chOff x="0" y="0"/>
-          <a:chExt cx="0" cy="0"/>
-        </a:xfrm>
-      </p:grpSpPr>
-      <p:sp>
-        <p:nvSpPr>
-          <p:cNvPr id="14" name="직사각형 13">
-            <a:extLst>
-              <a:ext uri="{FF2B5EF4-FFF2-40B4-BE49-F238E27FC236}">
-                <a16:creationId xmlns:a16="http://schemas.microsoft.com/office/drawing/2014/main" id="{3C9CB339-6511-EAE9-EE76-1A4D6FFC2A32}"/>
-              </a:ext>
-            </a:extLst>
-          </p:cNvPr>
-          <p:cNvSpPr/>
-          <p:nvPr/>
-        </p:nvSpPr>
-        <p:spPr>
-          <a:xfrm>
-            <a:off x="92765" y="79513"/>
-            <a:ext cx="11986592" cy="6712226"/>
-          </a:xfrm>
-          <a:prstGeom prst="rect">
-            <a:avLst/>
-          </a:prstGeom>
-          <a:solidFill>
-            <a:schemeClr val="accent2">
-              <a:lumMod val="40000"/>
-              <a:lumOff val="60000"/>
-            </a:schemeClr>
-          </a:solidFill>
-        </p:spPr>
-        <p:style>
-          <a:lnRef idx="2">
-            <a:schemeClr val="accent1">
-              <a:shade val="15000"/>
-            </a:schemeClr>
-          </a:lnRef>
-          <a:fillRef idx="1">
-            <a:schemeClr val="accent1"/>
-          </a:fillRef>
-          <a:effectRef idx="0">
-            <a:schemeClr val="accent1"/>
-          </a:effectRef>
-          <a:fontRef idx="minor">
-            <a:schemeClr val="lt1"/>
-          </a:fontRef>
-        </p:style>
-        <p:txBody>
-          <a:bodyPr rtlCol="0" anchor="ctr"/>
-          <a:lstStyle/>
-          <a:p>
-            <a:pPr algn="ctr"/>
-            <a:endParaRPr lang="ko-KR" altLang="en-US"/>
-          </a:p>
-        </p:txBody>
-      </p:sp>
-      <p:pic>
-        <p:nvPicPr>
-          <p:cNvPr id="30" name="그림 29">
-            <a:extLst>
-              <a:ext uri="{FF2B5EF4-FFF2-40B4-BE49-F238E27FC236}">
-                <a16:creationId xmlns:a16="http://schemas.microsoft.com/office/drawing/2014/main" id="{DAC5BB46-882D-1EC6-21E3-A5CF1312A138}"/>
-              </a:ext>
-            </a:extLst>
-          </p:cNvPr>
-          <p:cNvPicPr>
-            <a:picLocks noChangeAspect="1"/>
-          </p:cNvPicPr>
-          <p:nvPr/>
-        </p:nvPicPr>
-        <p:blipFill>
-          <a:blip r:embed="rId2"/>
-          <a:stretch>
-            <a:fillRect/>
-          </a:stretch>
-        </p:blipFill>
-        <p:spPr>
-          <a:xfrm>
-            <a:off x="178382" y="79512"/>
-            <a:ext cx="11835237" cy="6698975"/>
-          </a:xfrm>
-          <a:prstGeom prst="rect">
-            <a:avLst/>
-          </a:prstGeom>
-        </p:spPr>
-      </p:pic>
-      <p:sp>
-        <p:nvSpPr>
-          <p:cNvPr id="33" name="TextBox 32">
-            <a:extLst>
-              <a:ext uri="{FF2B5EF4-FFF2-40B4-BE49-F238E27FC236}">
-                <a16:creationId xmlns:a16="http://schemas.microsoft.com/office/drawing/2014/main" id="{A98D10E0-FE16-3977-9176-A1D35A473AF2}"/>
-              </a:ext>
-            </a:extLst>
-          </p:cNvPr>
-          <p:cNvSpPr txBox="1"/>
-          <p:nvPr/>
-        </p:nvSpPr>
-        <p:spPr>
-          <a:xfrm>
-            <a:off x="3326851" y="6339581"/>
-            <a:ext cx="5420074" cy="369332"/>
-          </a:xfrm>
-          <a:prstGeom prst="rect">
-            <a:avLst/>
-          </a:prstGeom>
-          <a:solidFill>
-            <a:schemeClr val="tx1"/>
-          </a:solidFill>
-        </p:spPr>
-        <p:txBody>
-          <a:bodyPr wrap="none" rtlCol="0">
-            <a:spAutoFit/>
-          </a:bodyPr>
-          <a:lstStyle/>
-          <a:p>
-            <a:r>
-              <a:rPr lang="en-US" altLang="ko-KR" dirty="0">
-                <a:solidFill>
-                  <a:schemeClr val="bg1"/>
-                </a:solidFill>
-              </a:rPr>
-              <a:t>10</a:t>
-            </a:r>
-            <a:r>
-              <a:rPr lang="ko-KR" altLang="en-US" dirty="0">
-                <a:solidFill>
-                  <a:schemeClr val="bg1"/>
-                </a:solidFill>
-              </a:rPr>
-              <a:t>분 늦는다고 했으니 그동안 게임이나 한판 할까</a:t>
-            </a:r>
-            <a:r>
-              <a:rPr lang="en-US" altLang="ko-KR" dirty="0">
-                <a:solidFill>
-                  <a:schemeClr val="bg1"/>
-                </a:solidFill>
-              </a:rPr>
-              <a:t>?</a:t>
-            </a:r>
-            <a:endParaRPr lang="ko-KR" altLang="en-US" dirty="0">
-              <a:solidFill>
-                <a:schemeClr val="bg1"/>
-              </a:solidFill>
-            </a:endParaRPr>
-          </a:p>
-        </p:txBody>
-      </p:sp>
-      <p:grpSp>
-        <p:nvGrpSpPr>
-          <p:cNvPr id="6" name="그룹 5">
-            <a:extLst>
-              <a:ext uri="{FF2B5EF4-FFF2-40B4-BE49-F238E27FC236}">
-                <a16:creationId xmlns:a16="http://schemas.microsoft.com/office/drawing/2014/main" id="{220274F7-F604-318B-B285-A96A5E19EDED}"/>
-              </a:ext>
-            </a:extLst>
-          </p:cNvPr>
-          <p:cNvGrpSpPr/>
-          <p:nvPr/>
-        </p:nvGrpSpPr>
-        <p:grpSpPr>
-          <a:xfrm>
-            <a:off x="4664765" y="812347"/>
-            <a:ext cx="2862470" cy="751410"/>
-            <a:chOff x="4724399" y="812347"/>
-            <a:chExt cx="2862470" cy="751410"/>
-          </a:xfrm>
-        </p:grpSpPr>
-        <p:sp>
-          <p:nvSpPr>
-            <p:cNvPr id="3" name="사각형: 둥근 모서리 2">
-              <a:extLst>
-                <a:ext uri="{FF2B5EF4-FFF2-40B4-BE49-F238E27FC236}">
-                  <a16:creationId xmlns:a16="http://schemas.microsoft.com/office/drawing/2014/main" id="{39C8F4E0-E2F5-1F91-D279-E340F21BC4ED}"/>
-                </a:ext>
-              </a:extLst>
-            </p:cNvPr>
-            <p:cNvSpPr/>
-            <p:nvPr/>
-          </p:nvSpPr>
-          <p:spPr>
-            <a:xfrm>
-              <a:off x="4724399" y="812348"/>
-              <a:ext cx="2862470" cy="751409"/>
-            </a:xfrm>
-            <a:prstGeom prst="roundRect">
-              <a:avLst/>
-            </a:prstGeom>
-            <a:solidFill>
-              <a:schemeClr val="bg1">
-                <a:lumMod val="85000"/>
-              </a:schemeClr>
-            </a:solidFill>
-          </p:spPr>
-          <p:style>
-            <a:lnRef idx="2">
-              <a:schemeClr val="accent1">
-                <a:shade val="15000"/>
-              </a:schemeClr>
-            </a:lnRef>
-            <a:fillRef idx="1">
-              <a:schemeClr val="accent1"/>
-            </a:fillRef>
-            <a:effectRef idx="0">
-              <a:schemeClr val="accent1"/>
-            </a:effectRef>
-            <a:fontRef idx="minor">
-              <a:schemeClr val="lt1"/>
-            </a:fontRef>
-          </p:style>
-          <p:txBody>
-            <a:bodyPr rtlCol="0" anchor="ctr"/>
-            <a:lstStyle/>
-            <a:p>
-              <a:pPr algn="ctr"/>
-              <a:endParaRPr lang="ko-KR" altLang="en-US"/>
-            </a:p>
-          </p:txBody>
-        </p:sp>
-        <p:pic>
-          <p:nvPicPr>
-            <p:cNvPr id="4" name="그림 3" descr="블랙, 어둠이(가) 표시된 사진&#10;&#10;자동 생성된 설명">
-              <a:extLst>
-                <a:ext uri="{FF2B5EF4-FFF2-40B4-BE49-F238E27FC236}">
-                  <a16:creationId xmlns:a16="http://schemas.microsoft.com/office/drawing/2014/main" id="{1B56A22A-E81C-75AF-50BB-38CBBDBE3207}"/>
-                </a:ext>
-              </a:extLst>
-            </p:cNvPr>
-            <p:cNvPicPr>
-              <a:picLocks noChangeAspect="1"/>
-            </p:cNvPicPr>
-            <p:nvPr/>
-          </p:nvPicPr>
-          <p:blipFill>
-            <a:blip r:embed="rId3">
-              <a:extLst>
-                <a:ext uri="{28A0092B-C50C-407E-A947-70E740481C1C}">
-                  <a14:useLocalDpi xmlns:a14="http://schemas.microsoft.com/office/drawing/2010/main" val="0"/>
-                </a:ext>
-              </a:extLst>
-            </a:blip>
-            <a:stretch>
-              <a:fillRect/>
-            </a:stretch>
-          </p:blipFill>
-          <p:spPr>
-            <a:xfrm>
-              <a:off x="4724399" y="812347"/>
-              <a:ext cx="531410" cy="531410"/>
-            </a:xfrm>
-            <a:prstGeom prst="rect">
-              <a:avLst/>
-            </a:prstGeom>
-          </p:spPr>
-        </p:pic>
-        <p:sp>
-          <p:nvSpPr>
-            <p:cNvPr id="5" name="직사각형 4">
-              <a:extLst>
-                <a:ext uri="{FF2B5EF4-FFF2-40B4-BE49-F238E27FC236}">
-                  <a16:creationId xmlns:a16="http://schemas.microsoft.com/office/drawing/2014/main" id="{4D96AE18-D167-BBBB-BF88-4FF43E6B17A3}"/>
-                </a:ext>
-              </a:extLst>
-            </p:cNvPr>
-            <p:cNvSpPr/>
-            <p:nvPr/>
-          </p:nvSpPr>
-          <p:spPr>
-            <a:xfrm>
-              <a:off x="5255809" y="847133"/>
-              <a:ext cx="2077801" cy="531411"/>
-            </a:xfrm>
-            <a:prstGeom prst="rect">
-              <a:avLst/>
-            </a:prstGeom>
-            <a:solidFill>
-              <a:srgbClr val="D9D9D9"/>
-            </a:solidFill>
-            <a:ln>
-              <a:noFill/>
-            </a:ln>
-          </p:spPr>
-          <p:style>
-            <a:lnRef idx="2">
-              <a:schemeClr val="accent1">
-                <a:shade val="15000"/>
-              </a:schemeClr>
-            </a:lnRef>
-            <a:fillRef idx="1">
-              <a:schemeClr val="accent1"/>
-            </a:fillRef>
-            <a:effectRef idx="0">
-              <a:schemeClr val="accent1"/>
-            </a:effectRef>
-            <a:fontRef idx="minor">
-              <a:schemeClr val="lt1"/>
-            </a:fontRef>
-          </p:style>
-          <p:txBody>
-            <a:bodyPr rtlCol="0" anchor="t"/>
-            <a:lstStyle/>
-            <a:p>
-              <a:r>
-                <a:rPr lang="en-US" altLang="ko-KR" sz="1200" b="1" dirty="0">
-                  <a:solidFill>
-                    <a:schemeClr val="tx1"/>
-                  </a:solidFill>
-                </a:rPr>
-                <a:t>[</a:t>
-              </a:r>
-              <a:r>
-                <a:rPr lang="ko-KR" altLang="en-US" sz="1200" b="1" dirty="0">
-                  <a:solidFill>
-                    <a:schemeClr val="tx1"/>
-                  </a:solidFill>
-                </a:rPr>
-                <a:t>친구이름</a:t>
-              </a:r>
-              <a:r>
-                <a:rPr lang="en-US" altLang="ko-KR" sz="1200" b="1" dirty="0">
-                  <a:solidFill>
-                    <a:schemeClr val="tx1"/>
-                  </a:solidFill>
-                </a:rPr>
-                <a:t>] </a:t>
-              </a:r>
-            </a:p>
-            <a:p>
-              <a:r>
-                <a:rPr lang="ko-KR" altLang="en-US" sz="1000" dirty="0">
-                  <a:solidFill>
-                    <a:schemeClr val="tx1"/>
-                  </a:solidFill>
-                </a:rPr>
-                <a:t>나 </a:t>
-              </a:r>
-              <a:r>
-                <a:rPr lang="en-US" altLang="ko-KR" sz="1000" dirty="0">
-                  <a:solidFill>
-                    <a:schemeClr val="tx1"/>
-                  </a:solidFill>
-                </a:rPr>
-                <a:t>10</a:t>
-              </a:r>
-              <a:r>
-                <a:rPr lang="ko-KR" altLang="en-US" sz="1000" dirty="0">
-                  <a:solidFill>
-                    <a:schemeClr val="tx1"/>
-                  </a:solidFill>
-                </a:rPr>
-                <a:t>분 정도 늦을 것 같아</a:t>
-              </a:r>
-            </a:p>
-          </p:txBody>
-        </p:sp>
-      </p:grpSp>
-      <p:sp>
-        <p:nvSpPr>
-          <p:cNvPr id="8" name="말풍선: 모서리가 둥근 사각형 7">
-            <a:extLst>
-              <a:ext uri="{FF2B5EF4-FFF2-40B4-BE49-F238E27FC236}">
-                <a16:creationId xmlns:a16="http://schemas.microsoft.com/office/drawing/2014/main" id="{ABFE71BB-EC32-82A3-80E7-7674508864F4}"/>
-              </a:ext>
-            </a:extLst>
-          </p:cNvPr>
-          <p:cNvSpPr/>
-          <p:nvPr/>
-        </p:nvSpPr>
-        <p:spPr>
-          <a:xfrm>
-            <a:off x="1431233" y="847133"/>
-            <a:ext cx="2862470" cy="993913"/>
-          </a:xfrm>
-          <a:prstGeom prst="wedgeRoundRectCallout">
-            <a:avLst>
-              <a:gd name="adj1" fmla="val 57432"/>
-              <a:gd name="adj2" fmla="val -18166"/>
-              <a:gd name="adj3" fmla="val 16667"/>
-            </a:avLst>
-          </a:prstGeom>
-          <a:solidFill>
-            <a:schemeClr val="bg1"/>
-          </a:solidFill>
-          <a:ln w="38100">
-            <a:solidFill>
-              <a:schemeClr val="tx2">
-                <a:lumMod val="50000"/>
-                <a:lumOff val="50000"/>
-              </a:schemeClr>
-            </a:solidFill>
-          </a:ln>
-        </p:spPr>
-        <p:style>
-          <a:lnRef idx="2">
-            <a:schemeClr val="accent1">
-              <a:shade val="15000"/>
-            </a:schemeClr>
-          </a:lnRef>
-          <a:fillRef idx="1">
-            <a:schemeClr val="accent1"/>
-          </a:fillRef>
-          <a:effectRef idx="0">
-            <a:schemeClr val="accent1"/>
-          </a:effectRef>
-          <a:fontRef idx="minor">
-            <a:schemeClr val="lt1"/>
-          </a:fontRef>
-        </p:style>
-        <p:txBody>
-          <a:bodyPr rtlCol="0" anchor="ctr"/>
-          <a:lstStyle/>
-          <a:p>
-            <a:r>
-              <a:rPr lang="ko-KR" altLang="en-US" sz="1200" dirty="0">
-                <a:solidFill>
-                  <a:schemeClr val="tx1"/>
-                </a:solidFill>
-              </a:rPr>
-              <a:t>게임이 시작하자 마자</a:t>
-            </a:r>
-            <a:endParaRPr lang="en-US" altLang="ko-KR" sz="1200" dirty="0">
-              <a:solidFill>
-                <a:schemeClr val="tx1"/>
-              </a:solidFill>
-            </a:endParaRPr>
-          </a:p>
-          <a:p>
-            <a:r>
-              <a:rPr lang="ko-KR" altLang="en-US" sz="1200" dirty="0">
-                <a:solidFill>
-                  <a:schemeClr val="tx1"/>
-                </a:solidFill>
-              </a:rPr>
-              <a:t>진동이 울리며 해당 메시지 등장</a:t>
-            </a:r>
-            <a:endParaRPr lang="en-US" altLang="ko-KR" sz="1200" dirty="0">
-              <a:solidFill>
-                <a:schemeClr val="tx1"/>
-              </a:solidFill>
-            </a:endParaRPr>
-          </a:p>
-          <a:p>
-            <a:r>
-              <a:rPr lang="ko-KR" altLang="en-US" sz="1200" dirty="0">
-                <a:solidFill>
-                  <a:schemeClr val="tx1"/>
-                </a:solidFill>
-              </a:rPr>
-              <a:t>클릭 </a:t>
-            </a:r>
-            <a:r>
-              <a:rPr lang="en-US" altLang="ko-KR" sz="1200" dirty="0">
-                <a:solidFill>
-                  <a:schemeClr val="tx1"/>
-                </a:solidFill>
-              </a:rPr>
-              <a:t>or </a:t>
-            </a:r>
-            <a:r>
-              <a:rPr lang="ko-KR" altLang="en-US" sz="1200" dirty="0">
-                <a:solidFill>
-                  <a:schemeClr val="tx1"/>
-                </a:solidFill>
-              </a:rPr>
-              <a:t>슬라이드를 </a:t>
-            </a:r>
-            <a:r>
-              <a:rPr lang="ko-KR" altLang="en-US" sz="1200" dirty="0" err="1">
-                <a:solidFill>
-                  <a:schemeClr val="tx1"/>
-                </a:solidFill>
-              </a:rPr>
-              <a:t>안할</a:t>
-            </a:r>
-            <a:r>
-              <a:rPr lang="ko-KR" altLang="en-US" sz="1200" dirty="0">
-                <a:solidFill>
-                  <a:schemeClr val="tx1"/>
-                </a:solidFill>
-              </a:rPr>
-              <a:t> 경우</a:t>
-            </a:r>
-            <a:endParaRPr lang="en-US" altLang="ko-KR" sz="1200" dirty="0">
-              <a:solidFill>
-                <a:schemeClr val="tx1"/>
-              </a:solidFill>
-            </a:endParaRPr>
-          </a:p>
-          <a:p>
-            <a:r>
-              <a:rPr lang="en-US" altLang="ko-KR" sz="1200" dirty="0">
-                <a:solidFill>
-                  <a:schemeClr val="tx1"/>
-                </a:solidFill>
-              </a:rPr>
-              <a:t>3</a:t>
-            </a:r>
-            <a:r>
-              <a:rPr lang="ko-KR" altLang="en-US" sz="1200" dirty="0">
-                <a:solidFill>
-                  <a:schemeClr val="tx1"/>
-                </a:solidFill>
-              </a:rPr>
-              <a:t>초 뒤에 사라짐 </a:t>
-            </a:r>
-            <a:endParaRPr lang="en-US" altLang="ko-KR" sz="1200" dirty="0">
-              <a:solidFill>
-                <a:schemeClr val="tx1"/>
-              </a:solidFill>
-            </a:endParaRPr>
-          </a:p>
-        </p:txBody>
-      </p:sp>
-    </p:spTree>
-    <p:extLst>
-      <p:ext uri="{BB962C8B-B14F-4D97-AF65-F5344CB8AC3E}">
-        <p14:creationId xmlns:p14="http://schemas.microsoft.com/office/powerpoint/2010/main" val="3372908370"/>
-      </p:ext>
-    </p:extLst>
-  </p:cSld>
-  <p:clrMapOvr>
-    <a:masterClrMapping/>
-  </p:clrMapOvr>
-</p:sld>
-</file>
-
-<file path=ppt/slides/slide40.xml><?xml version="1.0" encoding="utf-8"?>
+<file path=ppt/slides/slide42.xml><?xml version="1.0" encoding="utf-8"?>
 <p:sld xmlns:a="http://schemas.openxmlformats.org/drawingml/2006/main" xmlns:r="http://schemas.openxmlformats.org/officeDocument/2006/relationships" xmlns:p="http://schemas.openxmlformats.org/presentationml/2006/main">
   <p:cSld>
     <p:spTree>
@@ -47793,7 +49162,7 @@
 </p:sld>
 </file>
 
-<file path=ppt/slides/slide41.xml><?xml version="1.0" encoding="utf-8"?>
+<file path=ppt/slides/slide43.xml><?xml version="1.0" encoding="utf-8"?>
 <p:sld xmlns:a="http://schemas.openxmlformats.org/drawingml/2006/main" xmlns:r="http://schemas.openxmlformats.org/officeDocument/2006/relationships" xmlns:p="http://schemas.openxmlformats.org/presentationml/2006/main">
   <p:cSld>
     <p:spTree>
@@ -48469,7 +49838,7 @@
 </p:sld>
 </file>
 
-<file path=ppt/slides/slide42.xml><?xml version="1.0" encoding="utf-8"?>
+<file path=ppt/slides/slide44.xml><?xml version="1.0" encoding="utf-8"?>
 <p:sld xmlns:a="http://schemas.openxmlformats.org/drawingml/2006/main" xmlns:r="http://schemas.openxmlformats.org/officeDocument/2006/relationships" xmlns:p="http://schemas.openxmlformats.org/presentationml/2006/main">
   <p:cSld>
     <p:spTree>

--- a/document/UI.pptx
+++ b/document/UI.pptx
@@ -5,7 +5,7 @@
     <p:sldMasterId id="2147483648" r:id="rId1"/>
   </p:sldMasterIdLst>
   <p:notesMasterIdLst>
-    <p:notesMasterId r:id="rId46"/>
+    <p:notesMasterId r:id="rId47"/>
   </p:notesMasterIdLst>
   <p:sldIdLst>
     <p:sldId id="257" r:id="rId2"/>
@@ -46,12 +46,13 @@
     <p:sldId id="287" r:id="rId37"/>
     <p:sldId id="288" r:id="rId38"/>
     <p:sldId id="298" r:id="rId39"/>
-    <p:sldId id="299" r:id="rId40"/>
-    <p:sldId id="271" r:id="rId41"/>
-    <p:sldId id="293" r:id="rId42"/>
-    <p:sldId id="296" r:id="rId43"/>
-    <p:sldId id="297" r:id="rId44"/>
-    <p:sldId id="294" r:id="rId45"/>
+    <p:sldId id="300" r:id="rId40"/>
+    <p:sldId id="299" r:id="rId41"/>
+    <p:sldId id="271" r:id="rId42"/>
+    <p:sldId id="293" r:id="rId43"/>
+    <p:sldId id="296" r:id="rId44"/>
+    <p:sldId id="297" r:id="rId45"/>
+    <p:sldId id="294" r:id="rId46"/>
   </p:sldIdLst>
   <p:sldSz cx="12192000" cy="6858000"/>
   <p:notesSz cx="6858000" cy="9144000"/>
@@ -240,7 +241,7 @@
           <a:p>
             <a:fld id="{5B07C18C-424A-405D-A330-3E94CEE48B39}" type="datetimeFigureOut">
               <a:rPr lang="ko-KR" altLang="en-US" smtClean="0"/>
-              <a:t>2025-02-25</a:t>
+              <a:t>2025-02-26</a:t>
             </a:fld>
             <a:endParaRPr lang="ko-KR" altLang="en-US"/>
           </a:p>
@@ -930,7 +931,7 @@
           <a:p>
             <a:fld id="{FD51FDC7-0CF3-4127-99F5-543E4DDB1909}" type="datetimeFigureOut">
               <a:rPr lang="ko-KR" altLang="en-US" smtClean="0"/>
-              <a:t>2025-02-25</a:t>
+              <a:t>2025-02-26</a:t>
             </a:fld>
             <a:endParaRPr lang="ko-KR" altLang="en-US"/>
           </a:p>
@@ -1128,7 +1129,7 @@
           <a:p>
             <a:fld id="{FD51FDC7-0CF3-4127-99F5-543E4DDB1909}" type="datetimeFigureOut">
               <a:rPr lang="ko-KR" altLang="en-US" smtClean="0"/>
-              <a:t>2025-02-25</a:t>
+              <a:t>2025-02-26</a:t>
             </a:fld>
             <a:endParaRPr lang="ko-KR" altLang="en-US"/>
           </a:p>
@@ -1336,7 +1337,7 @@
           <a:p>
             <a:fld id="{FD51FDC7-0CF3-4127-99F5-543E4DDB1909}" type="datetimeFigureOut">
               <a:rPr lang="ko-KR" altLang="en-US" smtClean="0"/>
-              <a:t>2025-02-25</a:t>
+              <a:t>2025-02-26</a:t>
             </a:fld>
             <a:endParaRPr lang="ko-KR" altLang="en-US"/>
           </a:p>
@@ -1534,7 +1535,7 @@
           <a:p>
             <a:fld id="{FD51FDC7-0CF3-4127-99F5-543E4DDB1909}" type="datetimeFigureOut">
               <a:rPr lang="ko-KR" altLang="en-US" smtClean="0"/>
-              <a:t>2025-02-25</a:t>
+              <a:t>2025-02-26</a:t>
             </a:fld>
             <a:endParaRPr lang="ko-KR" altLang="en-US"/>
           </a:p>
@@ -1809,7 +1810,7 @@
           <a:p>
             <a:fld id="{FD51FDC7-0CF3-4127-99F5-543E4DDB1909}" type="datetimeFigureOut">
               <a:rPr lang="ko-KR" altLang="en-US" smtClean="0"/>
-              <a:t>2025-02-25</a:t>
+              <a:t>2025-02-26</a:t>
             </a:fld>
             <a:endParaRPr lang="ko-KR" altLang="en-US"/>
           </a:p>
@@ -2074,7 +2075,7 @@
           <a:p>
             <a:fld id="{FD51FDC7-0CF3-4127-99F5-543E4DDB1909}" type="datetimeFigureOut">
               <a:rPr lang="ko-KR" altLang="en-US" smtClean="0"/>
-              <a:t>2025-02-25</a:t>
+              <a:t>2025-02-26</a:t>
             </a:fld>
             <a:endParaRPr lang="ko-KR" altLang="en-US"/>
           </a:p>
@@ -2486,7 +2487,7 @@
           <a:p>
             <a:fld id="{FD51FDC7-0CF3-4127-99F5-543E4DDB1909}" type="datetimeFigureOut">
               <a:rPr lang="ko-KR" altLang="en-US" smtClean="0"/>
-              <a:t>2025-02-25</a:t>
+              <a:t>2025-02-26</a:t>
             </a:fld>
             <a:endParaRPr lang="ko-KR" altLang="en-US"/>
           </a:p>
@@ -2627,7 +2628,7 @@
           <a:p>
             <a:fld id="{FD51FDC7-0CF3-4127-99F5-543E4DDB1909}" type="datetimeFigureOut">
               <a:rPr lang="ko-KR" altLang="en-US" smtClean="0"/>
-              <a:t>2025-02-25</a:t>
+              <a:t>2025-02-26</a:t>
             </a:fld>
             <a:endParaRPr lang="ko-KR" altLang="en-US"/>
           </a:p>
@@ -2740,7 +2741,7 @@
           <a:p>
             <a:fld id="{FD51FDC7-0CF3-4127-99F5-543E4DDB1909}" type="datetimeFigureOut">
               <a:rPr lang="ko-KR" altLang="en-US" smtClean="0"/>
-              <a:t>2025-02-25</a:t>
+              <a:t>2025-02-26</a:t>
             </a:fld>
             <a:endParaRPr lang="ko-KR" altLang="en-US"/>
           </a:p>
@@ -3051,7 +3052,7 @@
           <a:p>
             <a:fld id="{FD51FDC7-0CF3-4127-99F5-543E4DDB1909}" type="datetimeFigureOut">
               <a:rPr lang="ko-KR" altLang="en-US" smtClean="0"/>
-              <a:t>2025-02-25</a:t>
+              <a:t>2025-02-26</a:t>
             </a:fld>
             <a:endParaRPr lang="ko-KR" altLang="en-US"/>
           </a:p>
@@ -3339,7 +3340,7 @@
           <a:p>
             <a:fld id="{FD51FDC7-0CF3-4127-99F5-543E4DDB1909}" type="datetimeFigureOut">
               <a:rPr lang="ko-KR" altLang="en-US" smtClean="0"/>
-              <a:t>2025-02-25</a:t>
+              <a:t>2025-02-26</a:t>
             </a:fld>
             <a:endParaRPr lang="ko-KR" altLang="en-US"/>
           </a:p>
@@ -3580,7 +3581,7 @@
           <a:p>
             <a:fld id="{FD51FDC7-0CF3-4127-99F5-543E4DDB1909}" type="datetimeFigureOut">
               <a:rPr lang="ko-KR" altLang="en-US" smtClean="0"/>
-              <a:t>2025-02-25</a:t>
+              <a:t>2025-02-26</a:t>
             </a:fld>
             <a:endParaRPr lang="ko-KR" altLang="en-US"/>
           </a:p>
@@ -45893,7 +45894,13 @@
   <p:cSld>
     <p:spTree>
       <p:nvGrpSpPr>
-        <p:cNvPr id="1" name=""/>
+        <p:cNvPr id="1" name="">
+          <a:extLst>
+            <a:ext uri="{FF2B5EF4-FFF2-40B4-BE49-F238E27FC236}">
+              <a16:creationId xmlns:a16="http://schemas.microsoft.com/office/drawing/2014/main" id="{14921DB1-5BF9-F17A-A1C9-476BC341CCE0}"/>
+            </a:ext>
+          </a:extLst>
+        </p:cNvPr>
         <p:cNvGrpSpPr/>
         <p:nvPr/>
       </p:nvGrpSpPr>
@@ -45905,12 +45912,42 @@
           <a:chExt cx="0" cy="0"/>
         </a:xfrm>
       </p:grpSpPr>
+      <p:pic>
+        <p:nvPicPr>
+          <p:cNvPr id="3" name="그림 2">
+            <a:extLst>
+              <a:ext uri="{FF2B5EF4-FFF2-40B4-BE49-F238E27FC236}">
+                <a16:creationId xmlns:a16="http://schemas.microsoft.com/office/drawing/2014/main" id="{745B1F99-1D49-0313-3EE0-EEF9D339D421}"/>
+              </a:ext>
+            </a:extLst>
+          </p:cNvPr>
+          <p:cNvPicPr>
+            <a:picLocks noChangeAspect="1"/>
+          </p:cNvPicPr>
+          <p:nvPr/>
+        </p:nvPicPr>
+        <p:blipFill>
+          <a:blip r:embed="rId2"/>
+          <a:stretch>
+            <a:fillRect/>
+          </a:stretch>
+        </p:blipFill>
+        <p:spPr>
+          <a:xfrm>
+            <a:off x="0" y="1042"/>
+            <a:ext cx="12192000" cy="6855916"/>
+          </a:xfrm>
+          <a:prstGeom prst="rect">
+            <a:avLst/>
+          </a:prstGeom>
+        </p:spPr>
+      </p:pic>
       <p:sp>
         <p:nvSpPr>
-          <p:cNvPr id="9" name="사각형: 둥근 모서리 8">
+          <p:cNvPr id="5" name="직사각형 4">
             <a:extLst>
               <a:ext uri="{FF2B5EF4-FFF2-40B4-BE49-F238E27FC236}">
-                <a16:creationId xmlns:a16="http://schemas.microsoft.com/office/drawing/2014/main" id="{1FD64AEC-A689-4EFF-F866-5961BB1433BC}"/>
+                <a16:creationId xmlns:a16="http://schemas.microsoft.com/office/drawing/2014/main" id="{FE8DA729-431F-16E4-A6FA-E60D968E905B}"/>
               </a:ext>
             </a:extLst>
           </p:cNvPr>
@@ -45919,17 +45956,102 @@
         </p:nvSpPr>
         <p:spPr>
           <a:xfrm>
-            <a:off x="2743749" y="708991"/>
-            <a:ext cx="6466512" cy="5128591"/>
+            <a:off x="0" y="0"/>
+            <a:ext cx="12192000" cy="6858000"/>
           </a:xfrm>
-          <a:prstGeom prst="roundRect">
-            <a:avLst>
-              <a:gd name="adj" fmla="val 1034"/>
-            </a:avLst>
+          <a:prstGeom prst="rect">
+            <a:avLst/>
           </a:prstGeom>
           <a:solidFill>
-            <a:srgbClr val="002467"/>
+            <a:schemeClr val="bg2">
+              <a:lumMod val="25000"/>
+              <a:alpha val="85000"/>
+            </a:schemeClr>
           </a:solidFill>
+          <a:ln>
+            <a:noFill/>
+          </a:ln>
+        </p:spPr>
+        <p:style>
+          <a:lnRef idx="2">
+            <a:schemeClr val="accent1">
+              <a:shade val="15000"/>
+            </a:schemeClr>
+          </a:lnRef>
+          <a:fillRef idx="1">
+            <a:schemeClr val="accent1"/>
+          </a:fillRef>
+          <a:effectRef idx="0">
+            <a:schemeClr val="accent1"/>
+          </a:effectRef>
+          <a:fontRef idx="minor">
+            <a:schemeClr val="lt1"/>
+          </a:fontRef>
+        </p:style>
+        <p:txBody>
+          <a:bodyPr rtlCol="0" anchor="ctr"/>
+          <a:lstStyle/>
+          <a:p>
+            <a:pPr algn="ctr"/>
+            <a:endParaRPr lang="ko-KR" altLang="en-US"/>
+          </a:p>
+        </p:txBody>
+      </p:sp>
+      <p:pic>
+        <p:nvPicPr>
+          <p:cNvPr id="7" name="그림 6">
+            <a:extLst>
+              <a:ext uri="{FF2B5EF4-FFF2-40B4-BE49-F238E27FC236}">
+                <a16:creationId xmlns:a16="http://schemas.microsoft.com/office/drawing/2014/main" id="{A319FB75-82EB-41BF-AAED-50ED8D0E5227}"/>
+              </a:ext>
+            </a:extLst>
+          </p:cNvPr>
+          <p:cNvPicPr>
+            <a:picLocks noChangeAspect="1"/>
+          </p:cNvPicPr>
+          <p:nvPr/>
+        </p:nvPicPr>
+        <p:blipFill>
+          <a:blip r:embed="rId2"/>
+          <a:srcRect l="34782" t="21440" r="63967" b="61163"/>
+          <a:stretch/>
+        </p:blipFill>
+        <p:spPr>
+          <a:xfrm>
+            <a:off x="4240696" y="1470991"/>
+            <a:ext cx="152400" cy="1192696"/>
+          </a:xfrm>
+          <a:prstGeom prst="rect">
+            <a:avLst/>
+          </a:prstGeom>
+        </p:spPr>
+      </p:pic>
+      <p:sp>
+        <p:nvSpPr>
+          <p:cNvPr id="9" name="직사각형 8">
+            <a:extLst>
+              <a:ext uri="{FF2B5EF4-FFF2-40B4-BE49-F238E27FC236}">
+                <a16:creationId xmlns:a16="http://schemas.microsoft.com/office/drawing/2014/main" id="{6DC55FE4-E01C-B3DC-5CA1-EA901819F696}"/>
+              </a:ext>
+            </a:extLst>
+          </p:cNvPr>
+          <p:cNvSpPr/>
+          <p:nvPr/>
+        </p:nvSpPr>
+        <p:spPr>
+          <a:xfrm>
+            <a:off x="4220819" y="1424608"/>
+            <a:ext cx="163406" cy="1278835"/>
+          </a:xfrm>
+          <a:prstGeom prst="rect">
+            <a:avLst/>
+          </a:prstGeom>
+          <a:noFill/>
+          <a:ln w="38100">
+            <a:solidFill>
+              <a:srgbClr val="1959D2"/>
+            </a:solidFill>
+          </a:ln>
         </p:spPr>
         <p:style>
           <a:lnRef idx="2">
@@ -45959,12 +46081,266 @@
           </a:p>
         </p:txBody>
       </p:sp>
+      <p:cxnSp>
+        <p:nvCxnSpPr>
+          <p:cNvPr id="15" name="직선 연결선 14">
+            <a:extLst>
+              <a:ext uri="{FF2B5EF4-FFF2-40B4-BE49-F238E27FC236}">
+                <a16:creationId xmlns:a16="http://schemas.microsoft.com/office/drawing/2014/main" id="{392514CD-094B-C693-E697-F08C4417E382}"/>
+              </a:ext>
+            </a:extLst>
+          </p:cNvPr>
+          <p:cNvCxnSpPr>
+            <a:cxnSpLocks/>
+            <a:stCxn id="9" idx="1"/>
+          </p:cNvCxnSpPr>
+          <p:nvPr/>
+        </p:nvCxnSpPr>
+        <p:spPr>
+          <a:xfrm flipH="1" flipV="1">
+            <a:off x="3882886" y="1424608"/>
+            <a:ext cx="337933" cy="639418"/>
+          </a:xfrm>
+          <a:prstGeom prst="line">
+            <a:avLst/>
+          </a:prstGeom>
+          <a:ln w="38100">
+            <a:solidFill>
+              <a:srgbClr val="1959D2"/>
+            </a:solidFill>
+          </a:ln>
+        </p:spPr>
+        <p:style>
+          <a:lnRef idx="2">
+            <a:schemeClr val="accent1"/>
+          </a:lnRef>
+          <a:fillRef idx="0">
+            <a:schemeClr val="accent1"/>
+          </a:fillRef>
+          <a:effectRef idx="1">
+            <a:schemeClr val="accent1"/>
+          </a:effectRef>
+          <a:fontRef idx="minor">
+            <a:schemeClr val="tx1"/>
+          </a:fontRef>
+        </p:style>
+      </p:cxnSp>
+      <p:cxnSp>
+        <p:nvCxnSpPr>
+          <p:cNvPr id="17" name="직선 연결선 16">
+            <a:extLst>
+              <a:ext uri="{FF2B5EF4-FFF2-40B4-BE49-F238E27FC236}">
+                <a16:creationId xmlns:a16="http://schemas.microsoft.com/office/drawing/2014/main" id="{1A6E4955-4653-1D72-D98C-8547F8390BC1}"/>
+              </a:ext>
+            </a:extLst>
+          </p:cNvPr>
+          <p:cNvCxnSpPr>
+            <a:cxnSpLocks/>
+          </p:cNvCxnSpPr>
+          <p:nvPr/>
+        </p:nvCxnSpPr>
+        <p:spPr>
+          <a:xfrm flipH="1">
+            <a:off x="729278" y="1436966"/>
+            <a:ext cx="3158139" cy="0"/>
+          </a:xfrm>
+          <a:prstGeom prst="line">
+            <a:avLst/>
+          </a:prstGeom>
+          <a:ln w="38100">
+            <a:solidFill>
+              <a:srgbClr val="1959D2"/>
+            </a:solidFill>
+          </a:ln>
+        </p:spPr>
+        <p:style>
+          <a:lnRef idx="2">
+            <a:schemeClr val="accent1"/>
+          </a:lnRef>
+          <a:fillRef idx="0">
+            <a:schemeClr val="accent1"/>
+          </a:fillRef>
+          <a:effectRef idx="1">
+            <a:schemeClr val="accent1"/>
+          </a:effectRef>
+          <a:fontRef idx="minor">
+            <a:schemeClr val="tx1"/>
+          </a:fontRef>
+        </p:style>
+      </p:cxnSp>
+      <p:sp>
+        <p:nvSpPr>
+          <p:cNvPr id="18" name="TextBox 17">
+            <a:extLst>
+              <a:ext uri="{FF2B5EF4-FFF2-40B4-BE49-F238E27FC236}">
+                <a16:creationId xmlns:a16="http://schemas.microsoft.com/office/drawing/2014/main" id="{9D7389AD-C49C-5123-0166-E8639ECB660C}"/>
+              </a:ext>
+            </a:extLst>
+          </p:cNvPr>
+          <p:cNvSpPr txBox="1"/>
+          <p:nvPr/>
+        </p:nvSpPr>
+        <p:spPr>
+          <a:xfrm>
+            <a:off x="729278" y="1067634"/>
+            <a:ext cx="1762021" cy="369332"/>
+          </a:xfrm>
+          <a:prstGeom prst="rect">
+            <a:avLst/>
+          </a:prstGeom>
+          <a:noFill/>
+        </p:spPr>
+        <p:txBody>
+          <a:bodyPr wrap="none" rtlCol="0">
+            <a:spAutoFit/>
+          </a:bodyPr>
+          <a:lstStyle/>
+          <a:p>
+            <a:r>
+              <a:rPr lang="ko-KR" altLang="en-US" b="1" dirty="0">
+                <a:solidFill>
+                  <a:schemeClr val="bg1"/>
+                </a:solidFill>
+                <a:latin typeface="Galmuri11 Regular" panose="020B0503020202000000" pitchFamily="50" charset="-127"/>
+                <a:ea typeface="Galmuri11 Regular" panose="020B0503020202000000" pitchFamily="50" charset="-127"/>
+              </a:rPr>
+              <a:t>소리 크기 조절</a:t>
+            </a:r>
+          </a:p>
+        </p:txBody>
+      </p:sp>
+      <p:sp>
+        <p:nvSpPr>
+          <p:cNvPr id="23" name="TextBox 22">
+            <a:extLst>
+              <a:ext uri="{FF2B5EF4-FFF2-40B4-BE49-F238E27FC236}">
+                <a16:creationId xmlns:a16="http://schemas.microsoft.com/office/drawing/2014/main" id="{09974E5E-1031-6B98-CD00-247AC17F73AA}"/>
+              </a:ext>
+            </a:extLst>
+          </p:cNvPr>
+          <p:cNvSpPr txBox="1"/>
+          <p:nvPr/>
+        </p:nvSpPr>
+        <p:spPr>
+          <a:xfrm>
+            <a:off x="722505" y="1451873"/>
+            <a:ext cx="3299301" cy="811761"/>
+          </a:xfrm>
+          <a:prstGeom prst="rect">
+            <a:avLst/>
+          </a:prstGeom>
+          <a:noFill/>
+        </p:spPr>
+        <p:txBody>
+          <a:bodyPr wrap="none" rtlCol="0">
+            <a:spAutoFit/>
+          </a:bodyPr>
+          <a:lstStyle/>
+          <a:p>
+            <a:pPr marL="171450" indent="-171450">
+              <a:lnSpc>
+                <a:spcPct val="150000"/>
+              </a:lnSpc>
+              <a:buFont typeface="Arial" panose="020B0604020202020204" pitchFamily="34" charset="0"/>
+              <a:buChar char="•"/>
+            </a:pPr>
+            <a:r>
+              <a:rPr lang="ko-KR" altLang="en-US" sz="1100" dirty="0">
+                <a:solidFill>
+                  <a:schemeClr val="bg1"/>
+                </a:solidFill>
+                <a:latin typeface="Galmuri11 Regular" panose="020B0503020202000000" pitchFamily="50" charset="-127"/>
+                <a:ea typeface="Galmuri11 Regular" panose="020B0503020202000000" pitchFamily="50" charset="-127"/>
+              </a:rPr>
+              <a:t>볼륨 버튼을 통해 소리를 조절할 수 있습니다</a:t>
+            </a:r>
+            <a:r>
+              <a:rPr lang="en-US" altLang="ko-KR" sz="1100" dirty="0">
+                <a:solidFill>
+                  <a:schemeClr val="bg1"/>
+                </a:solidFill>
+                <a:latin typeface="Galmuri11 Regular" panose="020B0503020202000000" pitchFamily="50" charset="-127"/>
+                <a:ea typeface="Galmuri11 Regular" panose="020B0503020202000000" pitchFamily="50" charset="-127"/>
+              </a:rPr>
+              <a:t>.</a:t>
+            </a:r>
+          </a:p>
+          <a:p>
+            <a:pPr marL="171450" indent="-171450">
+              <a:lnSpc>
+                <a:spcPct val="150000"/>
+              </a:lnSpc>
+              <a:buFont typeface="Arial" panose="020B0604020202020204" pitchFamily="34" charset="0"/>
+              <a:buChar char="•"/>
+            </a:pPr>
+            <a:r>
+              <a:rPr lang="ko-KR" altLang="en-US" sz="1100" dirty="0" err="1">
+                <a:solidFill>
+                  <a:schemeClr val="bg1"/>
+                </a:solidFill>
+                <a:latin typeface="Galmuri11 Regular" panose="020B0503020202000000" pitchFamily="50" charset="-127"/>
+                <a:ea typeface="Galmuri11 Regular" panose="020B0503020202000000" pitchFamily="50" charset="-127"/>
+              </a:rPr>
+              <a:t>윗</a:t>
+            </a:r>
+            <a:r>
+              <a:rPr lang="ko-KR" altLang="en-US" sz="1100" dirty="0">
+                <a:solidFill>
+                  <a:schemeClr val="bg1"/>
+                </a:solidFill>
+                <a:latin typeface="Galmuri11 Regular" panose="020B0503020202000000" pitchFamily="50" charset="-127"/>
+                <a:ea typeface="Galmuri11 Regular" panose="020B0503020202000000" pitchFamily="50" charset="-127"/>
+              </a:rPr>
+              <a:t> 버튼을 클릭하면 소리가 커지고</a:t>
+            </a:r>
+            <a:br>
+              <a:rPr lang="en-US" altLang="ko-KR" sz="1100" dirty="0">
+                <a:solidFill>
+                  <a:schemeClr val="bg1"/>
+                </a:solidFill>
+                <a:latin typeface="Galmuri11 Regular" panose="020B0503020202000000" pitchFamily="50" charset="-127"/>
+                <a:ea typeface="Galmuri11 Regular" panose="020B0503020202000000" pitchFamily="50" charset="-127"/>
+              </a:rPr>
+            </a:br>
+            <a:r>
+              <a:rPr lang="ko-KR" altLang="en-US" sz="1100" dirty="0">
+                <a:solidFill>
+                  <a:schemeClr val="bg1"/>
+                </a:solidFill>
+                <a:latin typeface="Galmuri11 Regular" panose="020B0503020202000000" pitchFamily="50" charset="-127"/>
+                <a:ea typeface="Galmuri11 Regular" panose="020B0503020202000000" pitchFamily="50" charset="-127"/>
+              </a:rPr>
+              <a:t>아래 버튼을 클릭하면 소리가 작아집니다</a:t>
+            </a:r>
+            <a:r>
+              <a:rPr lang="en-US" altLang="ko-KR" sz="1100" dirty="0">
+                <a:solidFill>
+                  <a:schemeClr val="bg1"/>
+                </a:solidFill>
+                <a:latin typeface="Galmuri11 Regular" panose="020B0503020202000000" pitchFamily="50" charset="-127"/>
+                <a:ea typeface="Galmuri11 Regular" panose="020B0503020202000000" pitchFamily="50" charset="-127"/>
+              </a:rPr>
+              <a:t>.</a:t>
+            </a:r>
+            <a:r>
+              <a:rPr lang="ko-KR" altLang="en-US" sz="1100" dirty="0">
+                <a:solidFill>
+                  <a:schemeClr val="bg1"/>
+                </a:solidFill>
+                <a:latin typeface="Galmuri11 Regular" panose="020B0503020202000000" pitchFamily="50" charset="-127"/>
+                <a:ea typeface="Galmuri11 Regular" panose="020B0503020202000000" pitchFamily="50" charset="-127"/>
+              </a:rPr>
+              <a:t> </a:t>
+            </a:r>
+          </a:p>
+        </p:txBody>
+      </p:sp>
       <p:pic>
         <p:nvPicPr>
-          <p:cNvPr id="11" name="그림 10" descr="스크린샷, 직사각형, 사각형, 프레임이(가) 표시된 사진&#10;&#10;AI가 생성한 콘텐츠는 부정확할 수 있습니다.">
+          <p:cNvPr id="29" name="그림 28">
             <a:extLst>
               <a:ext uri="{FF2B5EF4-FFF2-40B4-BE49-F238E27FC236}">
-                <a16:creationId xmlns:a16="http://schemas.microsoft.com/office/drawing/2014/main" id="{C4C7B6C2-77D7-0F2F-13D8-68E7C4508429}"/>
+                <a16:creationId xmlns:a16="http://schemas.microsoft.com/office/drawing/2014/main" id="{768E26A8-6F0A-AA63-59A4-DDA04FE6868F}"/>
               </a:ext>
             </a:extLst>
           </p:cNvPr>
@@ -45974,33 +46350,328 @@
           <p:nvPr/>
         </p:nvPicPr>
         <p:blipFill>
-          <a:blip r:embed="rId2">
-            <a:extLst>
-              <a:ext uri="{28A0092B-C50C-407E-A947-70E740481C1C}">
-                <a14:useLocalDpi xmlns:a14="http://schemas.microsoft.com/office/drawing/2010/main" val="0"/>
-              </a:ext>
-            </a:extLst>
-          </a:blip>
-          <a:stretch>
-            <a:fillRect/>
-          </a:stretch>
+          <a:blip r:embed="rId2"/>
+          <a:srcRect l="37228" t="8007" r="37228" b="82425"/>
+          <a:stretch/>
         </p:blipFill>
         <p:spPr>
           <a:xfrm>
-            <a:off x="2900905" y="1193005"/>
-            <a:ext cx="6152201" cy="3223304"/>
+            <a:off x="4538871" y="549964"/>
+            <a:ext cx="3114260" cy="655983"/>
           </a:xfrm>
           <a:prstGeom prst="rect">
             <a:avLst/>
           </a:prstGeom>
+          <a:noFill/>
+          <a:ln w="38100">
+            <a:solidFill>
+              <a:srgbClr val="1959D2"/>
+            </a:solidFill>
+          </a:ln>
         </p:spPr>
       </p:pic>
+      <p:cxnSp>
+        <p:nvCxnSpPr>
+          <p:cNvPr id="30" name="직선 연결선 29">
+            <a:extLst>
+              <a:ext uri="{FF2B5EF4-FFF2-40B4-BE49-F238E27FC236}">
+                <a16:creationId xmlns:a16="http://schemas.microsoft.com/office/drawing/2014/main" id="{2C0D7554-382C-74E0-D689-514B074AE044}"/>
+              </a:ext>
+            </a:extLst>
+          </p:cNvPr>
+          <p:cNvCxnSpPr>
+            <a:cxnSpLocks/>
+            <a:endCxn id="29" idx="3"/>
+          </p:cNvCxnSpPr>
+          <p:nvPr/>
+        </p:nvCxnSpPr>
+        <p:spPr>
+          <a:xfrm flipH="1" flipV="1">
+            <a:off x="7653131" y="877956"/>
+            <a:ext cx="254281" cy="592661"/>
+          </a:xfrm>
+          <a:prstGeom prst="line">
+            <a:avLst/>
+          </a:prstGeom>
+          <a:ln w="38100">
+            <a:solidFill>
+              <a:srgbClr val="1959D2"/>
+            </a:solidFill>
+          </a:ln>
+        </p:spPr>
+        <p:style>
+          <a:lnRef idx="2">
+            <a:schemeClr val="accent1"/>
+          </a:lnRef>
+          <a:fillRef idx="0">
+            <a:schemeClr val="accent1"/>
+          </a:fillRef>
+          <a:effectRef idx="1">
+            <a:schemeClr val="accent1"/>
+          </a:effectRef>
+          <a:fontRef idx="minor">
+            <a:schemeClr val="tx1"/>
+          </a:fontRef>
+        </p:style>
+      </p:cxnSp>
+      <p:cxnSp>
+        <p:nvCxnSpPr>
+          <p:cNvPr id="33" name="직선 연결선 32">
+            <a:extLst>
+              <a:ext uri="{FF2B5EF4-FFF2-40B4-BE49-F238E27FC236}">
+                <a16:creationId xmlns:a16="http://schemas.microsoft.com/office/drawing/2014/main" id="{14AAC6BE-7DC5-1B9D-754A-8BBB04725806}"/>
+              </a:ext>
+            </a:extLst>
+          </p:cNvPr>
+          <p:cNvCxnSpPr>
+            <a:cxnSpLocks/>
+          </p:cNvCxnSpPr>
+          <p:nvPr/>
+        </p:nvCxnSpPr>
+        <p:spPr>
+          <a:xfrm flipH="1">
+            <a:off x="7907412" y="1470617"/>
+            <a:ext cx="4176215" cy="0"/>
+          </a:xfrm>
+          <a:prstGeom prst="line">
+            <a:avLst/>
+          </a:prstGeom>
+          <a:ln w="38100">
+            <a:solidFill>
+              <a:srgbClr val="1959D2"/>
+            </a:solidFill>
+          </a:ln>
+        </p:spPr>
+        <p:style>
+          <a:lnRef idx="2">
+            <a:schemeClr val="accent1"/>
+          </a:lnRef>
+          <a:fillRef idx="0">
+            <a:schemeClr val="accent1"/>
+          </a:fillRef>
+          <a:effectRef idx="1">
+            <a:schemeClr val="accent1"/>
+          </a:effectRef>
+          <a:fontRef idx="minor">
+            <a:schemeClr val="tx1"/>
+          </a:fontRef>
+        </p:style>
+      </p:cxnSp>
+      <p:sp>
+        <p:nvSpPr>
+          <p:cNvPr id="34" name="TextBox 33">
+            <a:extLst>
+              <a:ext uri="{FF2B5EF4-FFF2-40B4-BE49-F238E27FC236}">
+                <a16:creationId xmlns:a16="http://schemas.microsoft.com/office/drawing/2014/main" id="{7E185BCC-5292-4406-B45D-18AD4B5AD42C}"/>
+              </a:ext>
+            </a:extLst>
+          </p:cNvPr>
+          <p:cNvSpPr txBox="1"/>
+          <p:nvPr/>
+        </p:nvSpPr>
+        <p:spPr>
+          <a:xfrm>
+            <a:off x="7907412" y="1080739"/>
+            <a:ext cx="1435008" cy="369332"/>
+          </a:xfrm>
+          <a:prstGeom prst="rect">
+            <a:avLst/>
+          </a:prstGeom>
+          <a:noFill/>
+        </p:spPr>
+        <p:txBody>
+          <a:bodyPr wrap="none" rtlCol="0">
+            <a:spAutoFit/>
+          </a:bodyPr>
+          <a:lstStyle/>
+          <a:p>
+            <a:r>
+              <a:rPr lang="ko-KR" altLang="en-US" b="1" dirty="0">
+                <a:solidFill>
+                  <a:schemeClr val="bg1"/>
+                </a:solidFill>
+                <a:latin typeface="Galmuri11 Regular" panose="020B0503020202000000" pitchFamily="50" charset="-127"/>
+                <a:ea typeface="Galmuri11 Regular" panose="020B0503020202000000" pitchFamily="50" charset="-127"/>
+              </a:rPr>
+              <a:t>방해 이벤트</a:t>
+            </a:r>
+          </a:p>
+        </p:txBody>
+      </p:sp>
+      <p:sp>
+        <p:nvSpPr>
+          <p:cNvPr id="36" name="TextBox 35">
+            <a:extLst>
+              <a:ext uri="{FF2B5EF4-FFF2-40B4-BE49-F238E27FC236}">
+                <a16:creationId xmlns:a16="http://schemas.microsoft.com/office/drawing/2014/main" id="{E81C2F0D-E136-059E-1303-5143526194B1}"/>
+              </a:ext>
+            </a:extLst>
+          </p:cNvPr>
+          <p:cNvSpPr txBox="1"/>
+          <p:nvPr/>
+        </p:nvSpPr>
+        <p:spPr>
+          <a:xfrm>
+            <a:off x="7839680" y="1491163"/>
+            <a:ext cx="4381328" cy="1111843"/>
+          </a:xfrm>
+          <a:prstGeom prst="rect">
+            <a:avLst/>
+          </a:prstGeom>
+          <a:noFill/>
+        </p:spPr>
+        <p:txBody>
+          <a:bodyPr wrap="none" rtlCol="0">
+            <a:spAutoFit/>
+          </a:bodyPr>
+          <a:lstStyle/>
+          <a:p>
+            <a:pPr marL="171450" indent="-171450">
+              <a:lnSpc>
+                <a:spcPct val="150000"/>
+              </a:lnSpc>
+              <a:buFont typeface="Arial" panose="020B0604020202020204" pitchFamily="34" charset="0"/>
+              <a:buChar char="•"/>
+            </a:pPr>
+            <a:r>
+              <a:rPr lang="ko-KR" altLang="en-US" sz="1100" dirty="0">
+                <a:solidFill>
+                  <a:schemeClr val="bg1"/>
+                </a:solidFill>
+                <a:latin typeface="Galmuri11 Regular" panose="020B0503020202000000" pitchFamily="50" charset="-127"/>
+                <a:ea typeface="Galmuri11 Regular" panose="020B0503020202000000" pitchFamily="50" charset="-127"/>
+              </a:rPr>
+              <a:t>플레이하는 동안 당신을 계속해서 괴롭히는 이벤트입니다</a:t>
+            </a:r>
+            <a:r>
+              <a:rPr lang="en-US" altLang="ko-KR" sz="1100" dirty="0">
+                <a:solidFill>
+                  <a:schemeClr val="bg1"/>
+                </a:solidFill>
+                <a:latin typeface="Galmuri11 Regular" panose="020B0503020202000000" pitchFamily="50" charset="-127"/>
+                <a:ea typeface="Galmuri11 Regular" panose="020B0503020202000000" pitchFamily="50" charset="-127"/>
+              </a:rPr>
+              <a:t>.</a:t>
+            </a:r>
+          </a:p>
+          <a:p>
+            <a:pPr marL="171450" indent="-171450">
+              <a:lnSpc>
+                <a:spcPct val="150000"/>
+              </a:lnSpc>
+              <a:buFont typeface="Arial" panose="020B0604020202020204" pitchFamily="34" charset="0"/>
+              <a:buChar char="•"/>
+            </a:pPr>
+            <a:r>
+              <a:rPr lang="ko-KR" altLang="en-US" sz="1100" dirty="0">
+                <a:solidFill>
+                  <a:schemeClr val="bg1"/>
+                </a:solidFill>
+                <a:latin typeface="Galmuri11 Regular" panose="020B0503020202000000" pitchFamily="50" charset="-127"/>
+                <a:ea typeface="Galmuri11 Regular" panose="020B0503020202000000" pitchFamily="50" charset="-127"/>
+              </a:rPr>
+              <a:t>해당 이벤트를 무시할 경우 </a:t>
+            </a:r>
+            <a:r>
+              <a:rPr lang="ko-KR" altLang="en-US" sz="1200" b="1" dirty="0">
+                <a:solidFill>
+                  <a:srgbClr val="FF0000"/>
+                </a:solidFill>
+                <a:latin typeface="Galmuri11 Regular" panose="020B0503020202000000" pitchFamily="50" charset="-127"/>
+                <a:ea typeface="Galmuri11 Regular" panose="020B0503020202000000" pitchFamily="50" charset="-127"/>
+              </a:rPr>
+              <a:t>불이익</a:t>
+            </a:r>
+            <a:r>
+              <a:rPr lang="ko-KR" altLang="en-US" sz="1100" dirty="0">
+                <a:solidFill>
+                  <a:schemeClr val="bg1"/>
+                </a:solidFill>
+                <a:latin typeface="Galmuri11 Regular" panose="020B0503020202000000" pitchFamily="50" charset="-127"/>
+                <a:ea typeface="Galmuri11 Regular" panose="020B0503020202000000" pitchFamily="50" charset="-127"/>
+              </a:rPr>
+              <a:t>이 있을 것이며</a:t>
+            </a:r>
+            <a:br>
+              <a:rPr lang="en-US" altLang="ko-KR" sz="1100" dirty="0">
+                <a:solidFill>
+                  <a:schemeClr val="bg1"/>
+                </a:solidFill>
+                <a:latin typeface="Galmuri11 Regular" panose="020B0503020202000000" pitchFamily="50" charset="-127"/>
+                <a:ea typeface="Galmuri11 Regular" panose="020B0503020202000000" pitchFamily="50" charset="-127"/>
+              </a:rPr>
+            </a:br>
+            <a:r>
+              <a:rPr lang="ko-KR" altLang="en-US" sz="1100" dirty="0">
+                <a:solidFill>
+                  <a:schemeClr val="bg1"/>
+                </a:solidFill>
+                <a:latin typeface="Galmuri11 Regular" panose="020B0503020202000000" pitchFamily="50" charset="-127"/>
+                <a:ea typeface="Galmuri11 Regular" panose="020B0503020202000000" pitchFamily="50" charset="-127"/>
+              </a:rPr>
+              <a:t>해결을 하였을 경우 </a:t>
+            </a:r>
+            <a:r>
+              <a:rPr lang="ko-KR" altLang="en-US" sz="1200" b="1" dirty="0">
+                <a:solidFill>
+                  <a:schemeClr val="accent6">
+                    <a:lumMod val="60000"/>
+                    <a:lumOff val="40000"/>
+                  </a:schemeClr>
+                </a:solidFill>
+                <a:latin typeface="Galmuri11 Regular" panose="020B0503020202000000" pitchFamily="50" charset="-127"/>
+                <a:ea typeface="Galmuri11 Regular" panose="020B0503020202000000" pitchFamily="50" charset="-127"/>
+              </a:rPr>
+              <a:t>이익</a:t>
+            </a:r>
+            <a:r>
+              <a:rPr lang="ko-KR" altLang="en-US" sz="1100" dirty="0">
+                <a:solidFill>
+                  <a:schemeClr val="bg1"/>
+                </a:solidFill>
+                <a:latin typeface="Galmuri11 Regular" panose="020B0503020202000000" pitchFamily="50" charset="-127"/>
+                <a:ea typeface="Galmuri11 Regular" panose="020B0503020202000000" pitchFamily="50" charset="-127"/>
+              </a:rPr>
+              <a:t>을 가져다 줄 것입니다</a:t>
+            </a:r>
+            <a:r>
+              <a:rPr lang="en-US" altLang="ko-KR" sz="1100" dirty="0">
+                <a:solidFill>
+                  <a:schemeClr val="bg1"/>
+                </a:solidFill>
+                <a:latin typeface="Galmuri11 Regular" panose="020B0503020202000000" pitchFamily="50" charset="-127"/>
+                <a:ea typeface="Galmuri11 Regular" panose="020B0503020202000000" pitchFamily="50" charset="-127"/>
+              </a:rPr>
+              <a:t>.</a:t>
+            </a:r>
+          </a:p>
+          <a:p>
+            <a:pPr marL="171450" indent="-171450">
+              <a:lnSpc>
+                <a:spcPct val="150000"/>
+              </a:lnSpc>
+              <a:buFont typeface="Arial" panose="020B0604020202020204" pitchFamily="34" charset="0"/>
+              <a:buChar char="•"/>
+            </a:pPr>
+            <a:r>
+              <a:rPr lang="ko-KR" altLang="en-US" sz="1100" dirty="0">
+                <a:solidFill>
+                  <a:schemeClr val="bg1"/>
+                </a:solidFill>
+                <a:latin typeface="Galmuri11 Regular" panose="020B0503020202000000" pitchFamily="50" charset="-127"/>
+                <a:ea typeface="Galmuri11 Regular" panose="020B0503020202000000" pitchFamily="50" charset="-127"/>
+              </a:rPr>
+              <a:t>이벤트마다 해결하는 방식이 다르며 플레이를 통해 알아갑시다</a:t>
+            </a:r>
+          </a:p>
+        </p:txBody>
+      </p:sp>
       <p:pic>
         <p:nvPicPr>
-          <p:cNvPr id="2" name="그림 1">
+          <p:cNvPr id="46" name="그림 45">
             <a:extLst>
               <a:ext uri="{FF2B5EF4-FFF2-40B4-BE49-F238E27FC236}">
-                <a16:creationId xmlns:a16="http://schemas.microsoft.com/office/drawing/2014/main" id="{07FE3ED2-C0AD-B17F-DE64-054CA1F6F08B}"/>
+                <a16:creationId xmlns:a16="http://schemas.microsoft.com/office/drawing/2014/main" id="{3ECDB7C1-CAA1-71EE-B5F2-122B3E89DB99}"/>
               </a:ext>
             </a:extLst>
           </p:cNvPr>
@@ -46010,26 +46681,118 @@
           <p:nvPr/>
         </p:nvPicPr>
         <p:blipFill>
-          <a:blip r:embed="rId3"/>
-          <a:srcRect l="34782" t="21440" r="63967" b="61163"/>
+          <a:blip r:embed="rId2"/>
+          <a:srcRect l="35960" t="84252" r="35722" b="4085"/>
           <a:stretch/>
         </p:blipFill>
         <p:spPr>
           <a:xfrm>
-            <a:off x="6205896" y="1600216"/>
-            <a:ext cx="295061" cy="2309175"/>
+            <a:off x="4384224" y="5777261"/>
+            <a:ext cx="3452523" cy="799646"/>
           </a:xfrm>
           <a:prstGeom prst="rect">
             <a:avLst/>
           </a:prstGeom>
+          <a:noFill/>
+          <a:ln w="38100">
+            <a:solidFill>
+              <a:srgbClr val="1959D2"/>
+            </a:solidFill>
+          </a:ln>
         </p:spPr>
       </p:pic>
+      <p:cxnSp>
+        <p:nvCxnSpPr>
+          <p:cNvPr id="47" name="직선 연결선 46">
+            <a:extLst>
+              <a:ext uri="{FF2B5EF4-FFF2-40B4-BE49-F238E27FC236}">
+                <a16:creationId xmlns:a16="http://schemas.microsoft.com/office/drawing/2014/main" id="{D13748A6-3DA9-104A-2FF8-F1C4AD97FF48}"/>
+              </a:ext>
+            </a:extLst>
+          </p:cNvPr>
+          <p:cNvCxnSpPr>
+            <a:cxnSpLocks/>
+          </p:cNvCxnSpPr>
+          <p:nvPr/>
+        </p:nvCxnSpPr>
+        <p:spPr>
+          <a:xfrm flipH="1" flipV="1">
+            <a:off x="4002029" y="5519736"/>
+            <a:ext cx="353188" cy="666682"/>
+          </a:xfrm>
+          <a:prstGeom prst="line">
+            <a:avLst/>
+          </a:prstGeom>
+          <a:ln w="38100">
+            <a:solidFill>
+              <a:srgbClr val="1959D2"/>
+            </a:solidFill>
+          </a:ln>
+        </p:spPr>
+        <p:style>
+          <a:lnRef idx="2">
+            <a:schemeClr val="accent1"/>
+          </a:lnRef>
+          <a:fillRef idx="0">
+            <a:schemeClr val="accent1"/>
+          </a:fillRef>
+          <a:effectRef idx="1">
+            <a:schemeClr val="accent1"/>
+          </a:effectRef>
+          <a:fontRef idx="minor">
+            <a:schemeClr val="tx1"/>
+          </a:fontRef>
+        </p:style>
+      </p:cxnSp>
+      <p:cxnSp>
+        <p:nvCxnSpPr>
+          <p:cNvPr id="48" name="직선 연결선 47">
+            <a:extLst>
+              <a:ext uri="{FF2B5EF4-FFF2-40B4-BE49-F238E27FC236}">
+                <a16:creationId xmlns:a16="http://schemas.microsoft.com/office/drawing/2014/main" id="{402F4FDC-2C5E-2EAE-0F40-319230384639}"/>
+              </a:ext>
+            </a:extLst>
+          </p:cNvPr>
+          <p:cNvCxnSpPr>
+            <a:cxnSpLocks/>
+          </p:cNvCxnSpPr>
+          <p:nvPr/>
+        </p:nvCxnSpPr>
+        <p:spPr>
+          <a:xfrm flipH="1">
+            <a:off x="848421" y="5532094"/>
+            <a:ext cx="3158139" cy="0"/>
+          </a:xfrm>
+          <a:prstGeom prst="line">
+            <a:avLst/>
+          </a:prstGeom>
+          <a:ln w="38100">
+            <a:solidFill>
+              <a:srgbClr val="1959D2"/>
+            </a:solidFill>
+          </a:ln>
+        </p:spPr>
+        <p:style>
+          <a:lnRef idx="2">
+            <a:schemeClr val="accent1"/>
+          </a:lnRef>
+          <a:fillRef idx="0">
+            <a:schemeClr val="accent1"/>
+          </a:fillRef>
+          <a:effectRef idx="1">
+            <a:schemeClr val="accent1"/>
+          </a:effectRef>
+          <a:fontRef idx="minor">
+            <a:schemeClr val="tx1"/>
+          </a:fontRef>
+        </p:style>
+      </p:cxnSp>
       <p:sp>
         <p:nvSpPr>
-          <p:cNvPr id="6" name="TextBox 5">
+          <p:cNvPr id="49" name="TextBox 48">
             <a:extLst>
               <a:ext uri="{FF2B5EF4-FFF2-40B4-BE49-F238E27FC236}">
-                <a16:creationId xmlns:a16="http://schemas.microsoft.com/office/drawing/2014/main" id="{53D7E9B8-9CF4-9F68-03A3-3419F4A97F22}"/>
+                <a16:creationId xmlns:a16="http://schemas.microsoft.com/office/drawing/2014/main" id="{39219C93-FC7D-0DE2-048E-2B1A31874285}"/>
               </a:ext>
             </a:extLst>
           </p:cNvPr>
@@ -46038,8 +46801,8 @@
         </p:nvSpPr>
         <p:spPr>
           <a:xfrm>
-            <a:off x="2924020" y="797706"/>
-            <a:ext cx="3654525" cy="369332"/>
+            <a:off x="848421" y="5162762"/>
+            <a:ext cx="1762021" cy="369332"/>
           </a:xfrm>
           <a:prstGeom prst="rect">
             <a:avLst/>
@@ -46057,16 +46820,253 @@
                 <a:solidFill>
                   <a:schemeClr val="bg1"/>
                 </a:solidFill>
+                <a:latin typeface="Galmuri11 Regular" panose="020B0503020202000000" pitchFamily="50" charset="-127"/>
+                <a:ea typeface="Galmuri11 Regular" panose="020B0503020202000000" pitchFamily="50" charset="-127"/>
               </a:rPr>
-              <a:t>소리 크기 조절</a:t>
+              <a:t>네비게이션 바</a:t>
             </a:r>
+          </a:p>
+        </p:txBody>
+      </p:sp>
+      <p:sp>
+        <p:nvSpPr>
+          <p:cNvPr id="50" name="TextBox 49">
+            <a:extLst>
+              <a:ext uri="{FF2B5EF4-FFF2-40B4-BE49-F238E27FC236}">
+                <a16:creationId xmlns:a16="http://schemas.microsoft.com/office/drawing/2014/main" id="{B77E6440-4515-B297-4AC2-521E7818F28C}"/>
+              </a:ext>
+            </a:extLst>
+          </p:cNvPr>
+          <p:cNvSpPr txBox="1"/>
+          <p:nvPr/>
+        </p:nvSpPr>
+        <p:spPr>
+          <a:xfrm>
+            <a:off x="841648" y="5547001"/>
+            <a:ext cx="3299301" cy="811761"/>
+          </a:xfrm>
+          <a:prstGeom prst="rect">
+            <a:avLst/>
+          </a:prstGeom>
+          <a:noFill/>
+        </p:spPr>
+        <p:txBody>
+          <a:bodyPr wrap="square" rtlCol="0">
+            <a:spAutoFit/>
+          </a:bodyPr>
+          <a:lstStyle/>
+          <a:p>
+            <a:pPr marL="171450" indent="-171450">
+              <a:lnSpc>
+                <a:spcPct val="150000"/>
+              </a:lnSpc>
+              <a:buFont typeface="Arial" panose="020B0604020202020204" pitchFamily="34" charset="0"/>
+              <a:buChar char="•"/>
+            </a:pPr>
+            <a:r>
+              <a:rPr lang="ko-KR" altLang="en-US" sz="1100" dirty="0">
+                <a:solidFill>
+                  <a:schemeClr val="bg1"/>
+                </a:solidFill>
+                <a:latin typeface="Galmuri11 Regular" panose="020B0503020202000000" pitchFamily="50" charset="-127"/>
+                <a:ea typeface="Galmuri11 Regular" panose="020B0503020202000000" pitchFamily="50" charset="-127"/>
+              </a:rPr>
+              <a:t>핸드폰의 하단을 클릭하면 등장합니다</a:t>
+            </a:r>
+            <a:r>
+              <a:rPr lang="en-US" altLang="ko-KR" sz="1100" dirty="0">
+                <a:solidFill>
+                  <a:schemeClr val="bg1"/>
+                </a:solidFill>
+                <a:latin typeface="Galmuri11 Regular" panose="020B0503020202000000" pitchFamily="50" charset="-127"/>
+                <a:ea typeface="Galmuri11 Regular" panose="020B0503020202000000" pitchFamily="50" charset="-127"/>
+              </a:rPr>
+              <a:t>.</a:t>
+            </a:r>
+          </a:p>
+          <a:p>
+            <a:pPr marL="171450" indent="-171450">
+              <a:lnSpc>
+                <a:spcPct val="150000"/>
+              </a:lnSpc>
+              <a:buFont typeface="Arial" panose="020B0604020202020204" pitchFamily="34" charset="0"/>
+              <a:buChar char="•"/>
+            </a:pPr>
+            <a:r>
+              <a:rPr lang="ko-KR" altLang="en-US" sz="1100" dirty="0">
+                <a:solidFill>
+                  <a:schemeClr val="bg1"/>
+                </a:solidFill>
+                <a:latin typeface="Galmuri11 Regular" panose="020B0503020202000000" pitchFamily="50" charset="-127"/>
+                <a:ea typeface="Galmuri11 Regular" panose="020B0503020202000000" pitchFamily="50" charset="-127"/>
+              </a:rPr>
+              <a:t>홈버튼을 </a:t>
+            </a:r>
+            <a:r>
+              <a:rPr lang="ko-KR" altLang="en-US" sz="1100" dirty="0" err="1">
+                <a:solidFill>
+                  <a:schemeClr val="bg1"/>
+                </a:solidFill>
+                <a:latin typeface="Galmuri11 Regular" panose="020B0503020202000000" pitchFamily="50" charset="-127"/>
+                <a:ea typeface="Galmuri11 Regular" panose="020B0503020202000000" pitchFamily="50" charset="-127"/>
+              </a:rPr>
+              <a:t>클릭시</a:t>
+            </a:r>
+            <a:r>
+              <a:rPr lang="ko-KR" altLang="en-US" sz="1100" dirty="0">
+                <a:solidFill>
+                  <a:schemeClr val="bg1"/>
+                </a:solidFill>
+                <a:latin typeface="Galmuri11 Regular" panose="020B0503020202000000" pitchFamily="50" charset="-127"/>
+                <a:ea typeface="Galmuri11 Regular" panose="020B0503020202000000" pitchFamily="50" charset="-127"/>
+              </a:rPr>
+              <a:t> </a:t>
+            </a:r>
+            <a:r>
+              <a:rPr lang="ko-KR" altLang="en-US" sz="1100" dirty="0" err="1">
+                <a:solidFill>
+                  <a:schemeClr val="bg1"/>
+                </a:solidFill>
+                <a:latin typeface="Galmuri11 Regular" panose="020B0503020202000000" pitchFamily="50" charset="-127"/>
+                <a:ea typeface="Galmuri11 Regular" panose="020B0503020202000000" pitchFamily="50" charset="-127"/>
+              </a:rPr>
+              <a:t>메인화면으로</a:t>
+            </a:r>
+            <a:r>
+              <a:rPr lang="ko-KR" altLang="en-US" sz="1100" dirty="0">
+                <a:solidFill>
+                  <a:schemeClr val="bg1"/>
+                </a:solidFill>
+                <a:latin typeface="Galmuri11 Regular" panose="020B0503020202000000" pitchFamily="50" charset="-127"/>
+                <a:ea typeface="Galmuri11 Regular" panose="020B0503020202000000" pitchFamily="50" charset="-127"/>
+              </a:rPr>
+              <a:t> 돌아옵니다</a:t>
+            </a:r>
+            <a:r>
+              <a:rPr lang="en-US" altLang="ko-KR" sz="1100" dirty="0">
+                <a:solidFill>
+                  <a:schemeClr val="bg1"/>
+                </a:solidFill>
+                <a:latin typeface="Galmuri11 Regular" panose="020B0503020202000000" pitchFamily="50" charset="-127"/>
+                <a:ea typeface="Galmuri11 Regular" panose="020B0503020202000000" pitchFamily="50" charset="-127"/>
+              </a:rPr>
+              <a:t>.</a:t>
+            </a:r>
+          </a:p>
+          <a:p>
+            <a:pPr marL="171450" indent="-171450">
+              <a:lnSpc>
+                <a:spcPct val="150000"/>
+              </a:lnSpc>
+              <a:buFont typeface="Arial" panose="020B0604020202020204" pitchFamily="34" charset="0"/>
+              <a:buChar char="•"/>
+            </a:pPr>
+            <a:r>
+              <a:rPr lang="ko-KR" altLang="en-US" sz="1100" dirty="0" err="1">
+                <a:solidFill>
+                  <a:schemeClr val="bg1"/>
+                </a:solidFill>
+                <a:latin typeface="Galmuri11 Regular" panose="020B0503020202000000" pitchFamily="50" charset="-127"/>
+                <a:ea typeface="Galmuri11 Regular" panose="020B0503020202000000" pitchFamily="50" charset="-127"/>
+              </a:rPr>
+              <a:t>뒤로가기</a:t>
+            </a:r>
+            <a:r>
+              <a:rPr lang="ko-KR" altLang="en-US" sz="1100" dirty="0">
+                <a:solidFill>
+                  <a:schemeClr val="bg1"/>
+                </a:solidFill>
+                <a:latin typeface="Galmuri11 Regular" panose="020B0503020202000000" pitchFamily="50" charset="-127"/>
+                <a:ea typeface="Galmuri11 Regular" panose="020B0503020202000000" pitchFamily="50" charset="-127"/>
+              </a:rPr>
+              <a:t> 버튼을 통해 현재 </a:t>
+            </a:r>
+            <a:r>
+              <a:rPr lang="en-US" altLang="ko-KR" sz="1100" dirty="0">
+                <a:solidFill>
+                  <a:schemeClr val="bg1"/>
+                </a:solidFill>
+                <a:latin typeface="Galmuri11 Regular" panose="020B0503020202000000" pitchFamily="50" charset="-127"/>
+                <a:ea typeface="Galmuri11 Regular" panose="020B0503020202000000" pitchFamily="50" charset="-127"/>
+              </a:rPr>
+              <a:t>UI</a:t>
+            </a:r>
+            <a:r>
+              <a:rPr lang="ko-KR" altLang="en-US" sz="1100" dirty="0">
+                <a:solidFill>
+                  <a:schemeClr val="bg1"/>
+                </a:solidFill>
+                <a:latin typeface="Galmuri11 Regular" panose="020B0503020202000000" pitchFamily="50" charset="-127"/>
+                <a:ea typeface="Galmuri11 Regular" panose="020B0503020202000000" pitchFamily="50" charset="-127"/>
+              </a:rPr>
+              <a:t>에서 나갑니다</a:t>
+            </a:r>
+            <a:r>
+              <a:rPr lang="en-US" altLang="ko-KR" sz="1100" dirty="0">
+                <a:solidFill>
+                  <a:schemeClr val="bg1"/>
+                </a:solidFill>
+                <a:latin typeface="Galmuri11 Regular" panose="020B0503020202000000" pitchFamily="50" charset="-127"/>
+                <a:ea typeface="Galmuri11 Regular" panose="020B0503020202000000" pitchFamily="50" charset="-127"/>
+              </a:rPr>
+              <a:t>.</a:t>
+            </a:r>
+            <a:endParaRPr lang="ko-KR" altLang="en-US" sz="1100" dirty="0">
+              <a:solidFill>
+                <a:schemeClr val="bg1"/>
+              </a:solidFill>
+              <a:latin typeface="Galmuri11 Regular" panose="020B0503020202000000" pitchFamily="50" charset="-127"/>
+              <a:ea typeface="Galmuri11 Regular" panose="020B0503020202000000" pitchFamily="50" charset="-127"/>
+            </a:endParaRPr>
+          </a:p>
+        </p:txBody>
+      </p:sp>
+      <p:sp>
+        <p:nvSpPr>
+          <p:cNvPr id="54" name="TextBox 53">
+            <a:extLst>
+              <a:ext uri="{FF2B5EF4-FFF2-40B4-BE49-F238E27FC236}">
+                <a16:creationId xmlns:a16="http://schemas.microsoft.com/office/drawing/2014/main" id="{56291B23-D553-BEA7-952A-083CB79E31BE}"/>
+              </a:ext>
+            </a:extLst>
+          </p:cNvPr>
+          <p:cNvSpPr txBox="1"/>
+          <p:nvPr/>
+        </p:nvSpPr>
+        <p:spPr>
+          <a:xfrm>
+            <a:off x="11529982" y="37696"/>
+            <a:ext cx="526106" cy="707886"/>
+          </a:xfrm>
+          <a:prstGeom prst="rect">
+            <a:avLst/>
+          </a:prstGeom>
+          <a:noFill/>
+        </p:spPr>
+        <p:txBody>
+          <a:bodyPr wrap="none" rtlCol="0">
+            <a:spAutoFit/>
+          </a:bodyPr>
+          <a:lstStyle/>
+          <a:p>
+            <a:r>
+              <a:rPr lang="en-US" altLang="ko-KR" sz="4000" b="1" dirty="0">
+                <a:latin typeface="Galmuri11 Regular" panose="020B0503020202000000" pitchFamily="50" charset="-127"/>
+                <a:ea typeface="Galmuri11 Regular" panose="020B0503020202000000" pitchFamily="50" charset="-127"/>
+              </a:rPr>
+              <a:t>X</a:t>
+            </a:r>
+            <a:endParaRPr lang="ko-KR" altLang="en-US" sz="4000" b="1" dirty="0">
+              <a:latin typeface="Galmuri11 Regular" panose="020B0503020202000000" pitchFamily="50" charset="-127"/>
+              <a:ea typeface="Galmuri11 Regular" panose="020B0503020202000000" pitchFamily="50" charset="-127"/>
+            </a:endParaRPr>
           </a:p>
         </p:txBody>
       </p:sp>
     </p:spTree>
     <p:extLst>
       <p:ext uri="{BB962C8B-B14F-4D97-AF65-F5344CB8AC3E}">
-        <p14:creationId xmlns:p14="http://schemas.microsoft.com/office/powerpoint/2010/main" val="3797599974"/>
+        <p14:creationId xmlns:p14="http://schemas.microsoft.com/office/powerpoint/2010/main" val="3117493072"/>
       </p:ext>
     </p:extLst>
   </p:cSld>
@@ -46622,6 +47622,194 @@
 </file>
 
 <file path=ppt/slides/slide40.xml><?xml version="1.0" encoding="utf-8"?>
+<p:sld xmlns:a="http://schemas.openxmlformats.org/drawingml/2006/main" xmlns:r="http://schemas.openxmlformats.org/officeDocument/2006/relationships" xmlns:p="http://schemas.openxmlformats.org/presentationml/2006/main">
+  <p:cSld>
+    <p:spTree>
+      <p:nvGrpSpPr>
+        <p:cNvPr id="1" name=""/>
+        <p:cNvGrpSpPr/>
+        <p:nvPr/>
+      </p:nvGrpSpPr>
+      <p:grpSpPr>
+        <a:xfrm>
+          <a:off x="0" y="0"/>
+          <a:ext cx="0" cy="0"/>
+          <a:chOff x="0" y="0"/>
+          <a:chExt cx="0" cy="0"/>
+        </a:xfrm>
+      </p:grpSpPr>
+      <p:sp>
+        <p:nvSpPr>
+          <p:cNvPr id="9" name="사각형: 둥근 모서리 8">
+            <a:extLst>
+              <a:ext uri="{FF2B5EF4-FFF2-40B4-BE49-F238E27FC236}">
+                <a16:creationId xmlns:a16="http://schemas.microsoft.com/office/drawing/2014/main" id="{1FD64AEC-A689-4EFF-F866-5961BB1433BC}"/>
+              </a:ext>
+            </a:extLst>
+          </p:cNvPr>
+          <p:cNvSpPr/>
+          <p:nvPr/>
+        </p:nvSpPr>
+        <p:spPr>
+          <a:xfrm>
+            <a:off x="2743749" y="708991"/>
+            <a:ext cx="6466512" cy="5128591"/>
+          </a:xfrm>
+          <a:prstGeom prst="roundRect">
+            <a:avLst>
+              <a:gd name="adj" fmla="val 1034"/>
+            </a:avLst>
+          </a:prstGeom>
+          <a:solidFill>
+            <a:srgbClr val="002467"/>
+          </a:solidFill>
+        </p:spPr>
+        <p:style>
+          <a:lnRef idx="2">
+            <a:schemeClr val="accent1">
+              <a:shade val="15000"/>
+            </a:schemeClr>
+          </a:lnRef>
+          <a:fillRef idx="1">
+            <a:schemeClr val="accent1"/>
+          </a:fillRef>
+          <a:effectRef idx="0">
+            <a:schemeClr val="accent1"/>
+          </a:effectRef>
+          <a:fontRef idx="minor">
+            <a:schemeClr val="lt1"/>
+          </a:fontRef>
+        </p:style>
+        <p:txBody>
+          <a:bodyPr rtlCol="0" anchor="ctr"/>
+          <a:lstStyle/>
+          <a:p>
+            <a:pPr algn="ctr"/>
+            <a:endParaRPr lang="ko-KR" altLang="en-US">
+              <a:latin typeface="Galmuri11 Regular" panose="020B0503020202000000" pitchFamily="50" charset="-127"/>
+              <a:ea typeface="Galmuri11 Regular" panose="020B0503020202000000" pitchFamily="50" charset="-127"/>
+            </a:endParaRPr>
+          </a:p>
+        </p:txBody>
+      </p:sp>
+      <p:pic>
+        <p:nvPicPr>
+          <p:cNvPr id="11" name="그림 10" descr="스크린샷, 직사각형, 사각형, 프레임이(가) 표시된 사진&#10;&#10;AI가 생성한 콘텐츠는 부정확할 수 있습니다.">
+            <a:extLst>
+              <a:ext uri="{FF2B5EF4-FFF2-40B4-BE49-F238E27FC236}">
+                <a16:creationId xmlns:a16="http://schemas.microsoft.com/office/drawing/2014/main" id="{C4C7B6C2-77D7-0F2F-13D8-68E7C4508429}"/>
+              </a:ext>
+            </a:extLst>
+          </p:cNvPr>
+          <p:cNvPicPr>
+            <a:picLocks noChangeAspect="1"/>
+          </p:cNvPicPr>
+          <p:nvPr/>
+        </p:nvPicPr>
+        <p:blipFill>
+          <a:blip r:embed="rId2">
+            <a:extLst>
+              <a:ext uri="{28A0092B-C50C-407E-A947-70E740481C1C}">
+                <a14:useLocalDpi xmlns:a14="http://schemas.microsoft.com/office/drawing/2010/main" val="0"/>
+              </a:ext>
+            </a:extLst>
+          </a:blip>
+          <a:stretch>
+            <a:fillRect/>
+          </a:stretch>
+        </p:blipFill>
+        <p:spPr>
+          <a:xfrm>
+            <a:off x="2900905" y="1193005"/>
+            <a:ext cx="6152201" cy="3223304"/>
+          </a:xfrm>
+          <a:prstGeom prst="rect">
+            <a:avLst/>
+          </a:prstGeom>
+        </p:spPr>
+      </p:pic>
+      <p:pic>
+        <p:nvPicPr>
+          <p:cNvPr id="2" name="그림 1">
+            <a:extLst>
+              <a:ext uri="{FF2B5EF4-FFF2-40B4-BE49-F238E27FC236}">
+                <a16:creationId xmlns:a16="http://schemas.microsoft.com/office/drawing/2014/main" id="{07FE3ED2-C0AD-B17F-DE64-054CA1F6F08B}"/>
+              </a:ext>
+            </a:extLst>
+          </p:cNvPr>
+          <p:cNvPicPr>
+            <a:picLocks noChangeAspect="1"/>
+          </p:cNvPicPr>
+          <p:nvPr/>
+        </p:nvPicPr>
+        <p:blipFill>
+          <a:blip r:embed="rId3"/>
+          <a:srcRect l="34782" t="21440" r="63967" b="61163"/>
+          <a:stretch/>
+        </p:blipFill>
+        <p:spPr>
+          <a:xfrm>
+            <a:off x="6205896" y="1600216"/>
+            <a:ext cx="295061" cy="2309175"/>
+          </a:xfrm>
+          <a:prstGeom prst="rect">
+            <a:avLst/>
+          </a:prstGeom>
+        </p:spPr>
+      </p:pic>
+      <p:sp>
+        <p:nvSpPr>
+          <p:cNvPr id="6" name="TextBox 5">
+            <a:extLst>
+              <a:ext uri="{FF2B5EF4-FFF2-40B4-BE49-F238E27FC236}">
+                <a16:creationId xmlns:a16="http://schemas.microsoft.com/office/drawing/2014/main" id="{53D7E9B8-9CF4-9F68-03A3-3419F4A97F22}"/>
+              </a:ext>
+            </a:extLst>
+          </p:cNvPr>
+          <p:cNvSpPr txBox="1"/>
+          <p:nvPr/>
+        </p:nvSpPr>
+        <p:spPr>
+          <a:xfrm>
+            <a:off x="2924020" y="797706"/>
+            <a:ext cx="3654525" cy="369332"/>
+          </a:xfrm>
+          <a:prstGeom prst="rect">
+            <a:avLst/>
+          </a:prstGeom>
+          <a:noFill/>
+        </p:spPr>
+        <p:txBody>
+          <a:bodyPr wrap="square" rtlCol="0">
+            <a:spAutoFit/>
+          </a:bodyPr>
+          <a:lstStyle/>
+          <a:p>
+            <a:r>
+              <a:rPr lang="ko-KR" altLang="en-US" b="1" dirty="0">
+                <a:solidFill>
+                  <a:schemeClr val="bg1"/>
+                </a:solidFill>
+              </a:rPr>
+              <a:t>소리 크기 조절</a:t>
+            </a:r>
+          </a:p>
+        </p:txBody>
+      </p:sp>
+    </p:spTree>
+    <p:extLst>
+      <p:ext uri="{BB962C8B-B14F-4D97-AF65-F5344CB8AC3E}">
+        <p14:creationId xmlns:p14="http://schemas.microsoft.com/office/powerpoint/2010/main" val="3797599974"/>
+      </p:ext>
+    </p:extLst>
+  </p:cSld>
+  <p:clrMapOvr>
+    <a:masterClrMapping/>
+  </p:clrMapOvr>
+</p:sld>
+</file>
+
+<file path=ppt/slides/slide41.xml><?xml version="1.0" encoding="utf-8"?>
 <p:sld xmlns:a="http://schemas.openxmlformats.org/drawingml/2006/main" xmlns:r="http://schemas.openxmlformats.org/officeDocument/2006/relationships" xmlns:p="http://schemas.openxmlformats.org/presentationml/2006/main">
   <p:cSld>
     <p:spTree>
@@ -48254,7 +49442,7 @@
 </p:sld>
 </file>
 
-<file path=ppt/slides/slide41.xml><?xml version="1.0" encoding="utf-8"?>
+<file path=ppt/slides/slide42.xml><?xml version="1.0" encoding="utf-8"?>
 <p:sld xmlns:a="http://schemas.openxmlformats.org/drawingml/2006/main" xmlns:r="http://schemas.openxmlformats.org/officeDocument/2006/relationships" xmlns:p="http://schemas.openxmlformats.org/presentationml/2006/main">
   <p:cSld>
     <p:spTree>
@@ -48692,7 +49880,7 @@
 </p:sld>
 </file>
 
-<file path=ppt/slides/slide42.xml><?xml version="1.0" encoding="utf-8"?>
+<file path=ppt/slides/slide43.xml><?xml version="1.0" encoding="utf-8"?>
 <p:sld xmlns:a="http://schemas.openxmlformats.org/drawingml/2006/main" xmlns:r="http://schemas.openxmlformats.org/officeDocument/2006/relationships" xmlns:p="http://schemas.openxmlformats.org/presentationml/2006/main">
   <p:cSld>
     <p:spTree>
@@ -49162,7 +50350,7 @@
 </p:sld>
 </file>
 
-<file path=ppt/slides/slide43.xml><?xml version="1.0" encoding="utf-8"?>
+<file path=ppt/slides/slide44.xml><?xml version="1.0" encoding="utf-8"?>
 <p:sld xmlns:a="http://schemas.openxmlformats.org/drawingml/2006/main" xmlns:r="http://schemas.openxmlformats.org/officeDocument/2006/relationships" xmlns:p="http://schemas.openxmlformats.org/presentationml/2006/main">
   <p:cSld>
     <p:spTree>
@@ -49838,7 +51026,7 @@
 </p:sld>
 </file>
 
-<file path=ppt/slides/slide44.xml><?xml version="1.0" encoding="utf-8"?>
+<file path=ppt/slides/slide45.xml><?xml version="1.0" encoding="utf-8"?>
 <p:sld xmlns:a="http://schemas.openxmlformats.org/drawingml/2006/main" xmlns:r="http://schemas.openxmlformats.org/officeDocument/2006/relationships" xmlns:p="http://schemas.openxmlformats.org/presentationml/2006/main">
   <p:cSld>
     <p:spTree>
